--- a/docs/source/images/images.pptx
+++ b/docs/source/images/images.pptx
@@ -289,7 +289,7 @@
           <a:p>
             <a:fld id="{85FD3787-7239-C647-8F46-4AEF603A44BF}" type="datetime1">
               <a:rPr lang="en-US" smtClean="0"/>
-              <a:t>1/15/17</a:t>
+              <a:t>1/16/17</a:t>
             </a:fld>
             <a:endParaRPr lang="en-US" dirty="0"/>
           </a:p>
@@ -459,7 +459,7 @@
           <a:p>
             <a:fld id="{58F06498-C7BA-7B4F-A289-96E741DB6F51}" type="datetime1">
               <a:rPr lang="en-US" smtClean="0"/>
-              <a:t>1/15/17</a:t>
+              <a:t>1/16/17</a:t>
             </a:fld>
             <a:endParaRPr lang="en-US" dirty="0"/>
           </a:p>
@@ -639,7 +639,7 @@
           <a:p>
             <a:fld id="{92B56630-3C53-6E41-8F36-B5B7DC677D8C}" type="datetime1">
               <a:rPr lang="en-US" smtClean="0"/>
-              <a:t>1/15/17</a:t>
+              <a:t>1/16/17</a:t>
             </a:fld>
             <a:endParaRPr lang="en-US" dirty="0"/>
           </a:p>
@@ -809,7 +809,7 @@
           <a:p>
             <a:fld id="{AB3D54BB-4E0B-844F-968F-93A99D2A0E27}" type="datetime1">
               <a:rPr lang="en-US" smtClean="0"/>
-              <a:t>1/15/17</a:t>
+              <a:t>1/16/17</a:t>
             </a:fld>
             <a:endParaRPr lang="en-US" dirty="0"/>
           </a:p>
@@ -1055,7 +1055,7 @@
           <a:p>
             <a:fld id="{8308F5C4-D4BE-1246-89B0-2CF09E5A1C73}" type="datetime1">
               <a:rPr lang="en-US" smtClean="0"/>
-              <a:t>1/15/17</a:t>
+              <a:t>1/16/17</a:t>
             </a:fld>
             <a:endParaRPr lang="en-US" dirty="0"/>
           </a:p>
@@ -1343,7 +1343,7 @@
           <a:p>
             <a:fld id="{AE2C759A-60C1-D347-A2FC-BD124BE24608}" type="datetime1">
               <a:rPr lang="en-US" smtClean="0"/>
-              <a:t>1/15/17</a:t>
+              <a:t>1/16/17</a:t>
             </a:fld>
             <a:endParaRPr lang="en-US" dirty="0"/>
           </a:p>
@@ -1765,7 +1765,7 @@
           <a:p>
             <a:fld id="{81A1B11B-E3A3-7242-9E6D-08D8E0DF02D1}" type="datetime1">
               <a:rPr lang="en-US" smtClean="0"/>
-              <a:t>1/15/17</a:t>
+              <a:t>1/16/17</a:t>
             </a:fld>
             <a:endParaRPr lang="en-US" dirty="0"/>
           </a:p>
@@ -1883,7 +1883,7 @@
           <a:p>
             <a:fld id="{4BD03965-1CEF-054A-A931-4796ABBAFB43}" type="datetime1">
               <a:rPr lang="en-US" smtClean="0"/>
-              <a:t>1/15/17</a:t>
+              <a:t>1/16/17</a:t>
             </a:fld>
             <a:endParaRPr lang="en-US" dirty="0"/>
           </a:p>
@@ -1978,7 +1978,7 @@
           <a:p>
             <a:fld id="{B2AA7C06-6D5E-494B-9BF1-9BBBE1D5A1C7}" type="datetime1">
               <a:rPr lang="en-US" smtClean="0"/>
-              <a:t>1/15/17</a:t>
+              <a:t>1/16/17</a:t>
             </a:fld>
             <a:endParaRPr lang="en-US" dirty="0"/>
           </a:p>
@@ -2255,7 +2255,7 @@
           <a:p>
             <a:fld id="{7CE04B88-50CE-7A45-AE26-A9751D882E6D}" type="datetime1">
               <a:rPr lang="en-US" smtClean="0"/>
-              <a:t>1/15/17</a:t>
+              <a:t>1/16/17</a:t>
             </a:fld>
             <a:endParaRPr lang="en-US" dirty="0"/>
           </a:p>
@@ -2512,7 +2512,7 @@
           <a:p>
             <a:fld id="{70B692A8-8BCF-2745-A1F3-24034345F60C}" type="datetime1">
               <a:rPr lang="en-US" smtClean="0"/>
-              <a:t>1/15/17</a:t>
+              <a:t>1/16/17</a:t>
             </a:fld>
             <a:endParaRPr lang="en-US" dirty="0"/>
           </a:p>
@@ -2726,7 +2726,7 @@
             <a:fld id="{B994E09A-36F1-0A45-80F7-B10DE6908129}" type="datetime1">
               <a:rPr lang="en-US" smtClean="0"/>
               <a:pPr/>
-              <a:t>1/15/17</a:t>
+              <a:t>1/16/17</a:t>
             </a:fld>
             <a:endParaRPr lang="en-US" dirty="0"/>
           </a:p>
@@ -4087,15 +4087,15 @@
       </p:sp>
       <p:grpSp>
         <p:nvGrpSpPr>
-          <p:cNvPr id="56" name="Group 55"/>
+          <p:cNvPr id="9" name="Group 8"/>
           <p:cNvGrpSpPr/>
           <p:nvPr/>
         </p:nvGrpSpPr>
         <p:grpSpPr>
           <a:xfrm>
-            <a:off x="3338116" y="513969"/>
-            <a:ext cx="4665458" cy="3370504"/>
-            <a:chOff x="2283039" y="513969"/>
+            <a:off x="4762399" y="1430011"/>
+            <a:ext cx="3757668" cy="3705954"/>
+            <a:chOff x="3114649" y="1430011"/>
             <a:chExt cx="4665458" cy="3370504"/>
           </a:xfrm>
         </p:grpSpPr>
@@ -4107,7 +4107,7 @@
           </p:nvSpPr>
           <p:spPr>
             <a:xfrm>
-              <a:off x="3786167" y="513969"/>
+              <a:off x="4617777" y="1430011"/>
               <a:ext cx="1267782" cy="271698"/>
             </a:xfrm>
             <a:prstGeom prst="rect">
@@ -4149,7 +4149,7 @@
                     <a:srgbClr val="2C74A5"/>
                   </a:solidFill>
                 </a:rPr>
-                <a:t>APPLICATION</a:t>
+                <a:t>MY APP</a:t>
               </a:r>
               <a:endParaRPr lang="en-US" b="1" dirty="0">
                 <a:solidFill>
@@ -4167,7 +4167,7 @@
           </p:nvGrpSpPr>
           <p:grpSpPr>
             <a:xfrm>
-              <a:off x="2288218" y="785667"/>
+              <a:off x="3119828" y="1701709"/>
               <a:ext cx="4660279" cy="771118"/>
               <a:chOff x="2288218" y="785667"/>
               <a:chExt cx="4660279" cy="771118"/>
@@ -4546,7 +4546,7 @@
           </p:nvGrpSpPr>
           <p:grpSpPr>
             <a:xfrm>
-              <a:off x="2288218" y="1565898"/>
+              <a:off x="3119828" y="2481940"/>
               <a:ext cx="4660279" cy="771118"/>
               <a:chOff x="2288218" y="1565898"/>
               <a:chExt cx="4660279" cy="771118"/>
@@ -4924,7 +4924,7 @@
           </p:nvGrpSpPr>
           <p:grpSpPr>
             <a:xfrm>
-              <a:off x="2286947" y="2343529"/>
+              <a:off x="3118557" y="3259571"/>
               <a:ext cx="4660279" cy="771118"/>
               <a:chOff x="2288218" y="1565898"/>
               <a:chExt cx="4660279" cy="771118"/>
@@ -5302,7 +5302,7 @@
           </p:nvGrpSpPr>
           <p:grpSpPr>
             <a:xfrm>
-              <a:off x="2283039" y="3113355"/>
+              <a:off x="3114649" y="4029397"/>
               <a:ext cx="4660279" cy="771118"/>
               <a:chOff x="2288218" y="1565898"/>
               <a:chExt cx="4660279" cy="771118"/>
@@ -5675,14 +5675,14 @@
       </p:grpSp>
       <p:sp>
         <p:nvSpPr>
-          <p:cNvPr id="3" name="TextBox 2"/>
+          <p:cNvPr id="60" name="TextBox 59"/>
           <p:cNvSpPr txBox="1"/>
           <p:nvPr/>
         </p:nvSpPr>
         <p:spPr>
           <a:xfrm>
-            <a:off x="1383323" y="1249008"/>
-            <a:ext cx="1641295" cy="307777"/>
+            <a:off x="1481054" y="1935604"/>
+            <a:ext cx="2983471" cy="707886"/>
           </a:xfrm>
           <a:prstGeom prst="rect">
             <a:avLst/>
@@ -5696,6 +5696,18 @@
           <a:lstStyle/>
           <a:p>
             <a:r>
+              <a:rPr lang="en-US" sz="1200" dirty="0" smtClean="0">
+                <a:solidFill>
+                  <a:srgbClr val="A6A6A6"/>
+                </a:solidFill>
+                <a:latin typeface="Arial Narrow"/>
+                <a:cs typeface="Arial Narrow"/>
+              </a:rPr>
+              <a:t>DOMAIN CLASSIFIER:</a:t>
+            </a:r>
+          </a:p>
+          <a:p>
+            <a:r>
               <a:rPr lang="en-US" sz="1400" dirty="0" smtClean="0">
                 <a:solidFill>
                   <a:schemeClr val="tx1">
@@ -5703,30 +5715,191 @@
                     <a:lumOff val="50000"/>
                   </a:schemeClr>
                 </a:solidFill>
+                <a:latin typeface="Arial Narrow"/>
+                <a:cs typeface="Arial Narrow"/>
               </a:rPr>
-              <a:t>Domain Classifier:</a:t>
-            </a:r>
-            <a:endParaRPr lang="en-US" sz="1400" dirty="0">
-              <a:solidFill>
-                <a:schemeClr val="tx1">
-                  <a:lumMod val="50000"/>
-                  <a:lumOff val="50000"/>
-                </a:schemeClr>
-              </a:solidFill>
-            </a:endParaRPr>
+              <a:t>'</a:t>
+            </a:r>
+            <a:r>
+              <a:rPr lang="en-US" sz="1400" dirty="0" smtClean="0">
+                <a:solidFill>
+                  <a:schemeClr val="tx1">
+                    <a:lumMod val="95000"/>
+                    <a:lumOff val="5000"/>
+                  </a:schemeClr>
+                </a:solidFill>
+                <a:latin typeface="Arial Narrow"/>
+                <a:cs typeface="Arial Narrow"/>
+              </a:rPr>
+              <a:t>Will it rain tomorrow?</a:t>
+            </a:r>
+            <a:r>
+              <a:rPr lang="en-US" sz="1400" dirty="0" smtClean="0">
+                <a:solidFill>
+                  <a:schemeClr val="tx1">
+                    <a:lumMod val="50000"/>
+                    <a:lumOff val="50000"/>
+                  </a:schemeClr>
+                </a:solidFill>
+                <a:latin typeface="Arial Narrow"/>
+                <a:cs typeface="Arial Narrow"/>
+              </a:rPr>
+              <a:t>' </a:t>
+            </a:r>
+            <a:r>
+              <a:rPr lang="en-US" sz="1400" dirty="0" smtClean="0">
+                <a:solidFill>
+                  <a:schemeClr val="bg1">
+                    <a:lumMod val="65000"/>
+                  </a:schemeClr>
+                </a:solidFill>
+                <a:latin typeface="Arial Narrow"/>
+                <a:cs typeface="Arial Narrow"/>
+                <a:sym typeface="Wingdings"/>
+              </a:rPr>
+              <a:t> </a:t>
+            </a:r>
+            <a:r>
+              <a:rPr lang="en-US" sz="1200" dirty="0" smtClean="0">
+                <a:solidFill>
+                  <a:schemeClr val="bg1">
+                    <a:lumMod val="65000"/>
+                  </a:schemeClr>
+                </a:solidFill>
+                <a:latin typeface="Arial Narrow"/>
+                <a:cs typeface="Arial Narrow"/>
+                <a:sym typeface="Wingdings"/>
+              </a:rPr>
+              <a:t>DOMAIN</a:t>
+            </a:r>
+            <a:r>
+              <a:rPr lang="en-US" sz="1400" dirty="0" smtClean="0">
+                <a:solidFill>
+                  <a:schemeClr val="bg1">
+                    <a:lumMod val="65000"/>
+                  </a:schemeClr>
+                </a:solidFill>
+                <a:latin typeface="Arial Narrow"/>
+                <a:cs typeface="Arial Narrow"/>
+                <a:sym typeface="Wingdings"/>
+              </a:rPr>
+              <a:t>: </a:t>
+            </a:r>
+            <a:r>
+              <a:rPr lang="en-US" sz="1400" dirty="0" smtClean="0">
+                <a:solidFill>
+                  <a:srgbClr val="2C74A5"/>
+                </a:solidFill>
+                <a:latin typeface="Arial Narrow"/>
+                <a:cs typeface="Arial Narrow"/>
+                <a:sym typeface="Wingdings"/>
+              </a:rPr>
+              <a:t>weather</a:t>
+            </a:r>
+          </a:p>
+          <a:p>
+            <a:r>
+              <a:rPr lang="en-US" sz="1400" dirty="0" smtClean="0">
+                <a:solidFill>
+                  <a:schemeClr val="tx1">
+                    <a:lumMod val="50000"/>
+                    <a:lumOff val="50000"/>
+                  </a:schemeClr>
+                </a:solidFill>
+                <a:latin typeface="Arial Narrow"/>
+                <a:cs typeface="Arial Narrow"/>
+              </a:rPr>
+              <a:t>'</a:t>
+            </a:r>
+            <a:r>
+              <a:rPr lang="en-US" sz="1400" dirty="0" smtClean="0">
+                <a:solidFill>
+                  <a:schemeClr val="tx1">
+                    <a:lumMod val="95000"/>
+                    <a:lumOff val="5000"/>
+                  </a:schemeClr>
+                </a:solidFill>
+                <a:latin typeface="Arial Narrow"/>
+                <a:cs typeface="Arial Narrow"/>
+              </a:rPr>
+              <a:t>Play my jazz playlist.</a:t>
+            </a:r>
+            <a:r>
+              <a:rPr lang="en-US" sz="1400" dirty="0" smtClean="0">
+                <a:solidFill>
+                  <a:schemeClr val="tx1">
+                    <a:lumMod val="50000"/>
+                    <a:lumOff val="50000"/>
+                  </a:schemeClr>
+                </a:solidFill>
+                <a:latin typeface="Arial Narrow"/>
+                <a:cs typeface="Arial Narrow"/>
+              </a:rPr>
+              <a:t>' </a:t>
+            </a:r>
+            <a:r>
+              <a:rPr lang="en-US" sz="1400" dirty="0">
+                <a:solidFill>
+                  <a:schemeClr val="bg1">
+                    <a:lumMod val="65000"/>
+                  </a:schemeClr>
+                </a:solidFill>
+                <a:latin typeface="Arial Narrow"/>
+                <a:cs typeface="Arial Narrow"/>
+                <a:sym typeface="Wingdings"/>
+              </a:rPr>
+              <a:t> </a:t>
+            </a:r>
+            <a:r>
+              <a:rPr lang="en-US" sz="1200" dirty="0">
+                <a:solidFill>
+                  <a:schemeClr val="bg1">
+                    <a:lumMod val="65000"/>
+                  </a:schemeClr>
+                </a:solidFill>
+                <a:latin typeface="Arial Narrow"/>
+                <a:cs typeface="Arial Narrow"/>
+                <a:sym typeface="Wingdings"/>
+              </a:rPr>
+              <a:t>DOMAIN</a:t>
+            </a:r>
+            <a:r>
+              <a:rPr lang="en-US" sz="1400" dirty="0">
+                <a:solidFill>
+                  <a:schemeClr val="bg1">
+                    <a:lumMod val="65000"/>
+                  </a:schemeClr>
+                </a:solidFill>
+                <a:latin typeface="Arial Narrow"/>
+                <a:cs typeface="Arial Narrow"/>
+                <a:sym typeface="Wingdings"/>
+              </a:rPr>
+              <a:t>: </a:t>
+            </a:r>
+            <a:r>
+              <a:rPr lang="en-US" sz="1400" dirty="0" smtClean="0">
+                <a:solidFill>
+                  <a:srgbClr val="2C74A5"/>
+                </a:solidFill>
+                <a:latin typeface="Arial Narrow"/>
+                <a:cs typeface="Arial Narrow"/>
+                <a:sym typeface="Wingdings"/>
+              </a:rPr>
+              <a:t>music</a:t>
+            </a:r>
           </a:p>
         </p:txBody>
       </p:sp>
       <p:sp>
         <p:nvSpPr>
-          <p:cNvPr id="57" name="TextBox 56"/>
+          <p:cNvPr id="61" name="TextBox 60"/>
           <p:cNvSpPr txBox="1"/>
           <p:nvPr/>
         </p:nvSpPr>
         <p:spPr>
           <a:xfrm>
-            <a:off x="1383323" y="2028247"/>
-            <a:ext cx="1561608" cy="307777"/>
+            <a:off x="1481054" y="2791375"/>
+            <a:ext cx="3003058" cy="707886"/>
           </a:xfrm>
           <a:prstGeom prst="rect">
             <a:avLst/>
@@ -5740,6 +5913,18 @@
           <a:lstStyle/>
           <a:p>
             <a:r>
+              <a:rPr lang="en-US" sz="1200" dirty="0" smtClean="0">
+                <a:solidFill>
+                  <a:srgbClr val="A6A6A6"/>
+                </a:solidFill>
+                <a:latin typeface="Arial Narrow"/>
+                <a:cs typeface="Arial Narrow"/>
+              </a:rPr>
+              <a:t>INTENT CLASSIFIERS:</a:t>
+            </a:r>
+          </a:p>
+          <a:p>
+            <a:r>
               <a:rPr lang="en-US" sz="1400" dirty="0" smtClean="0">
                 <a:solidFill>
                   <a:schemeClr val="tx1">
@@ -5747,30 +5932,191 @@
                     <a:lumOff val="50000"/>
                   </a:schemeClr>
                 </a:solidFill>
+                <a:latin typeface="Arial Narrow"/>
+                <a:cs typeface="Arial Narrow"/>
               </a:rPr>
-              <a:t>Intent Classifiers:</a:t>
-            </a:r>
-            <a:endParaRPr lang="en-US" sz="1400" dirty="0">
-              <a:solidFill>
-                <a:schemeClr val="tx1">
-                  <a:lumMod val="50000"/>
-                  <a:lumOff val="50000"/>
-                </a:schemeClr>
-              </a:solidFill>
-            </a:endParaRPr>
+              <a:t>'</a:t>
+            </a:r>
+            <a:r>
+              <a:rPr lang="en-US" sz="1400" dirty="0" smtClean="0">
+                <a:solidFill>
+                  <a:schemeClr val="tx1">
+                    <a:lumMod val="95000"/>
+                    <a:lumOff val="5000"/>
+                  </a:schemeClr>
+                </a:solidFill>
+                <a:latin typeface="Arial Narrow"/>
+                <a:cs typeface="Arial Narrow"/>
+              </a:rPr>
+              <a:t>Wake me up at 7am.</a:t>
+            </a:r>
+            <a:r>
+              <a:rPr lang="en-US" sz="1400" dirty="0" smtClean="0">
+                <a:solidFill>
+                  <a:schemeClr val="tx1">
+                    <a:lumMod val="50000"/>
+                    <a:lumOff val="50000"/>
+                  </a:schemeClr>
+                </a:solidFill>
+                <a:latin typeface="Arial Narrow"/>
+                <a:cs typeface="Arial Narrow"/>
+              </a:rPr>
+              <a:t>' </a:t>
+            </a:r>
+            <a:r>
+              <a:rPr lang="en-US" sz="1400" dirty="0" smtClean="0">
+                <a:solidFill>
+                  <a:schemeClr val="bg1">
+                    <a:lumMod val="65000"/>
+                  </a:schemeClr>
+                </a:solidFill>
+                <a:latin typeface="Arial Narrow"/>
+                <a:cs typeface="Arial Narrow"/>
+                <a:sym typeface="Wingdings"/>
+              </a:rPr>
+              <a:t> </a:t>
+            </a:r>
+            <a:r>
+              <a:rPr lang="en-US" sz="1200" dirty="0" smtClean="0">
+                <a:solidFill>
+                  <a:schemeClr val="bg1">
+                    <a:lumMod val="65000"/>
+                  </a:schemeClr>
+                </a:solidFill>
+                <a:latin typeface="Arial Narrow"/>
+                <a:cs typeface="Arial Narrow"/>
+                <a:sym typeface="Wingdings"/>
+              </a:rPr>
+              <a:t>INTENT</a:t>
+            </a:r>
+            <a:r>
+              <a:rPr lang="en-US" sz="1400" dirty="0" smtClean="0">
+                <a:solidFill>
+                  <a:schemeClr val="bg1">
+                    <a:lumMod val="65000"/>
+                  </a:schemeClr>
+                </a:solidFill>
+                <a:latin typeface="Arial Narrow"/>
+                <a:cs typeface="Arial Narrow"/>
+                <a:sym typeface="Wingdings"/>
+              </a:rPr>
+              <a:t>: </a:t>
+            </a:r>
+            <a:r>
+              <a:rPr lang="en-US" sz="1400" dirty="0" smtClean="0">
+                <a:solidFill>
+                  <a:srgbClr val="2C74A5"/>
+                </a:solidFill>
+                <a:latin typeface="Arial Narrow"/>
+                <a:cs typeface="Arial Narrow"/>
+                <a:sym typeface="Wingdings"/>
+              </a:rPr>
+              <a:t>set-alarm</a:t>
+            </a:r>
+          </a:p>
+          <a:p>
+            <a:r>
+              <a:rPr lang="en-US" sz="1400" dirty="0" smtClean="0">
+                <a:solidFill>
+                  <a:schemeClr val="tx1">
+                    <a:lumMod val="50000"/>
+                    <a:lumOff val="50000"/>
+                  </a:schemeClr>
+                </a:solidFill>
+                <a:latin typeface="Arial Narrow"/>
+                <a:cs typeface="Arial Narrow"/>
+              </a:rPr>
+              <a:t>'</a:t>
+            </a:r>
+            <a:r>
+              <a:rPr lang="en-US" sz="1400" dirty="0" smtClean="0">
+                <a:solidFill>
+                  <a:schemeClr val="tx1">
+                    <a:lumMod val="95000"/>
+                    <a:lumOff val="5000"/>
+                  </a:schemeClr>
+                </a:solidFill>
+                <a:latin typeface="Arial Narrow"/>
+                <a:cs typeface="Arial Narrow"/>
+              </a:rPr>
+              <a:t>Who sings Thriller?</a:t>
+            </a:r>
+            <a:r>
+              <a:rPr lang="en-US" sz="1400" dirty="0" smtClean="0">
+                <a:solidFill>
+                  <a:schemeClr val="tx1">
+                    <a:lumMod val="50000"/>
+                    <a:lumOff val="50000"/>
+                  </a:schemeClr>
+                </a:solidFill>
+                <a:latin typeface="Arial Narrow"/>
+                <a:cs typeface="Arial Narrow"/>
+              </a:rPr>
+              <a:t>'  </a:t>
+            </a:r>
+            <a:r>
+              <a:rPr lang="en-US" sz="1400" dirty="0" smtClean="0">
+                <a:solidFill>
+                  <a:schemeClr val="bg1">
+                    <a:lumMod val="65000"/>
+                  </a:schemeClr>
+                </a:solidFill>
+                <a:latin typeface="Arial Narrow"/>
+                <a:cs typeface="Arial Narrow"/>
+                <a:sym typeface="Wingdings"/>
+              </a:rPr>
+              <a:t> </a:t>
+            </a:r>
+            <a:r>
+              <a:rPr lang="en-US" sz="1200" dirty="0" smtClean="0">
+                <a:solidFill>
+                  <a:schemeClr val="bg1">
+                    <a:lumMod val="65000"/>
+                  </a:schemeClr>
+                </a:solidFill>
+                <a:latin typeface="Arial Narrow"/>
+                <a:cs typeface="Arial Narrow"/>
+                <a:sym typeface="Wingdings"/>
+              </a:rPr>
+              <a:t>INTENT</a:t>
+            </a:r>
+            <a:r>
+              <a:rPr lang="en-US" sz="1400" dirty="0" smtClean="0">
+                <a:solidFill>
+                  <a:schemeClr val="bg1">
+                    <a:lumMod val="65000"/>
+                  </a:schemeClr>
+                </a:solidFill>
+                <a:latin typeface="Arial Narrow"/>
+                <a:cs typeface="Arial Narrow"/>
+                <a:sym typeface="Wingdings"/>
+              </a:rPr>
+              <a:t>: </a:t>
+            </a:r>
+            <a:r>
+              <a:rPr lang="en-US" sz="1400" dirty="0" smtClean="0">
+                <a:solidFill>
+                  <a:srgbClr val="2C74A5"/>
+                </a:solidFill>
+                <a:latin typeface="Arial Narrow"/>
+                <a:cs typeface="Arial Narrow"/>
+                <a:sym typeface="Wingdings"/>
+              </a:rPr>
+              <a:t>get-artist</a:t>
+            </a:r>
           </a:p>
         </p:txBody>
       </p:sp>
       <p:sp>
         <p:nvSpPr>
-          <p:cNvPr id="58" name="TextBox 57"/>
+          <p:cNvPr id="62" name="TextBox 61"/>
           <p:cNvSpPr txBox="1"/>
           <p:nvPr/>
         </p:nvSpPr>
         <p:spPr>
           <a:xfrm>
-            <a:off x="1383323" y="2807486"/>
-            <a:ext cx="1731326" cy="307777"/>
+            <a:off x="1481054" y="3647146"/>
+            <a:ext cx="3233277" cy="707886"/>
           </a:xfrm>
           <a:prstGeom prst="rect">
             <a:avLst/>
@@ -5784,6 +6130,18 @@
           <a:lstStyle/>
           <a:p>
             <a:r>
+              <a:rPr lang="en-US" sz="1200" dirty="0" smtClean="0">
+                <a:solidFill>
+                  <a:srgbClr val="A6A6A6"/>
+                </a:solidFill>
+                <a:latin typeface="Arial Narrow"/>
+                <a:cs typeface="Arial Narrow"/>
+              </a:rPr>
+              <a:t>ENTITY RECOGNIZERS:</a:t>
+            </a:r>
+          </a:p>
+          <a:p>
+            <a:r>
               <a:rPr lang="en-US" sz="1400" dirty="0" smtClean="0">
                 <a:solidFill>
                   <a:schemeClr val="tx1">
@@ -5791,30 +6149,243 @@
                     <a:lumOff val="50000"/>
                   </a:schemeClr>
                 </a:solidFill>
+                <a:latin typeface="Arial Narrow"/>
+                <a:cs typeface="Arial Narrow"/>
               </a:rPr>
-              <a:t>Entity Recognizers:</a:t>
-            </a:r>
-            <a:endParaRPr lang="en-US" sz="1400" dirty="0">
-              <a:solidFill>
-                <a:schemeClr val="tx1">
-                  <a:lumMod val="50000"/>
-                  <a:lumOff val="50000"/>
-                </a:schemeClr>
-              </a:solidFill>
-            </a:endParaRPr>
+              <a:t>'</a:t>
+            </a:r>
+            <a:r>
+              <a:rPr lang="en-US" sz="1400" dirty="0" smtClean="0">
+                <a:solidFill>
+                  <a:schemeClr val="tx1">
+                    <a:lumMod val="95000"/>
+                    <a:lumOff val="5000"/>
+                  </a:schemeClr>
+                </a:solidFill>
+                <a:latin typeface="Arial Narrow"/>
+                <a:cs typeface="Arial Narrow"/>
+              </a:rPr>
+              <a:t>Book a flight to </a:t>
+            </a:r>
+            <a:r>
+              <a:rPr lang="en-US" sz="1400" u="sng" dirty="0" smtClean="0">
+                <a:solidFill>
+                  <a:schemeClr val="tx1">
+                    <a:lumMod val="95000"/>
+                    <a:lumOff val="5000"/>
+                  </a:schemeClr>
+                </a:solidFill>
+                <a:latin typeface="Arial Narrow"/>
+                <a:cs typeface="Arial Narrow"/>
+              </a:rPr>
+              <a:t>Miami</a:t>
+            </a:r>
+            <a:r>
+              <a:rPr lang="en-US" sz="1400" dirty="0" smtClean="0">
+                <a:solidFill>
+                  <a:schemeClr val="tx1">
+                    <a:lumMod val="95000"/>
+                    <a:lumOff val="5000"/>
+                  </a:schemeClr>
+                </a:solidFill>
+                <a:latin typeface="Arial Narrow"/>
+                <a:cs typeface="Arial Narrow"/>
+              </a:rPr>
+              <a:t>.</a:t>
+            </a:r>
+            <a:r>
+              <a:rPr lang="en-US" sz="1400" dirty="0" smtClean="0">
+                <a:solidFill>
+                  <a:schemeClr val="tx1">
+                    <a:lumMod val="50000"/>
+                    <a:lumOff val="50000"/>
+                  </a:schemeClr>
+                </a:solidFill>
+                <a:latin typeface="Arial Narrow"/>
+                <a:cs typeface="Arial Narrow"/>
+              </a:rPr>
+              <a:t>' </a:t>
+            </a:r>
+            <a:r>
+              <a:rPr lang="en-US" sz="1400" dirty="0" smtClean="0">
+                <a:solidFill>
+                  <a:schemeClr val="bg1">
+                    <a:lumMod val="65000"/>
+                  </a:schemeClr>
+                </a:solidFill>
+                <a:latin typeface="Arial Narrow"/>
+                <a:cs typeface="Arial Narrow"/>
+                <a:sym typeface="Wingdings"/>
+              </a:rPr>
+              <a:t> </a:t>
+            </a:r>
+            <a:r>
+              <a:rPr lang="en-US" sz="1200" dirty="0" smtClean="0">
+                <a:solidFill>
+                  <a:schemeClr val="bg1">
+                    <a:lumMod val="65000"/>
+                  </a:schemeClr>
+                </a:solidFill>
+                <a:latin typeface="Arial Narrow"/>
+                <a:cs typeface="Arial Narrow"/>
+                <a:sym typeface="Wingdings"/>
+              </a:rPr>
+              <a:t>ENTITY</a:t>
+            </a:r>
+            <a:r>
+              <a:rPr lang="en-US" sz="1400" dirty="0" smtClean="0">
+                <a:solidFill>
+                  <a:schemeClr val="bg1">
+                    <a:lumMod val="65000"/>
+                  </a:schemeClr>
+                </a:solidFill>
+                <a:latin typeface="Arial Narrow"/>
+                <a:cs typeface="Arial Narrow"/>
+                <a:sym typeface="Wingdings"/>
+              </a:rPr>
+              <a:t>: </a:t>
+            </a:r>
+            <a:r>
+              <a:rPr lang="en-US" sz="1400" dirty="0" smtClean="0">
+                <a:solidFill>
+                  <a:srgbClr val="2C74A5"/>
+                </a:solidFill>
+                <a:latin typeface="Arial Narrow"/>
+                <a:cs typeface="Arial Narrow"/>
+                <a:sym typeface="Wingdings"/>
+              </a:rPr>
+              <a:t>Miami</a:t>
+            </a:r>
+          </a:p>
+          <a:p>
+            <a:r>
+              <a:rPr lang="en-US" sz="1400" dirty="0" smtClean="0">
+                <a:solidFill>
+                  <a:schemeClr val="tx1">
+                    <a:lumMod val="50000"/>
+                    <a:lumOff val="50000"/>
+                  </a:schemeClr>
+                </a:solidFill>
+                <a:latin typeface="Arial Narrow"/>
+                <a:cs typeface="Arial Narrow"/>
+              </a:rPr>
+              <a:t>'</a:t>
+            </a:r>
+            <a:r>
+              <a:rPr lang="en-US" sz="1400" dirty="0" smtClean="0">
+                <a:solidFill>
+                  <a:schemeClr val="tx1">
+                    <a:lumMod val="95000"/>
+                    <a:lumOff val="5000"/>
+                  </a:schemeClr>
+                </a:solidFill>
+                <a:latin typeface="Arial Narrow"/>
+                <a:cs typeface="Arial Narrow"/>
+              </a:rPr>
+              <a:t>Films with </a:t>
+            </a:r>
+            <a:r>
+              <a:rPr lang="en-US" sz="1400" u="sng" dirty="0" smtClean="0">
+                <a:solidFill>
+                  <a:schemeClr val="tx1">
+                    <a:lumMod val="95000"/>
+                    <a:lumOff val="5000"/>
+                  </a:schemeClr>
+                </a:solidFill>
+                <a:latin typeface="Arial Narrow"/>
+                <a:cs typeface="Arial Narrow"/>
+              </a:rPr>
+              <a:t>Tom Hanks</a:t>
+            </a:r>
+            <a:r>
+              <a:rPr lang="en-US" sz="1400" dirty="0" smtClean="0">
+                <a:solidFill>
+                  <a:schemeClr val="tx1">
+                    <a:lumMod val="95000"/>
+                    <a:lumOff val="5000"/>
+                  </a:schemeClr>
+                </a:solidFill>
+                <a:latin typeface="Arial Narrow"/>
+                <a:cs typeface="Arial Narrow"/>
+              </a:rPr>
+              <a:t>.</a:t>
+            </a:r>
+            <a:r>
+              <a:rPr lang="en-US" sz="1400" dirty="0" smtClean="0">
+                <a:solidFill>
+                  <a:schemeClr val="tx1">
+                    <a:lumMod val="50000"/>
+                    <a:lumOff val="50000"/>
+                  </a:schemeClr>
+                </a:solidFill>
+                <a:latin typeface="Arial Narrow"/>
+                <a:cs typeface="Arial Narrow"/>
+              </a:rPr>
+              <a:t>' </a:t>
+            </a:r>
+            <a:r>
+              <a:rPr lang="en-US" sz="1400" dirty="0">
+                <a:solidFill>
+                  <a:schemeClr val="bg1">
+                    <a:lumMod val="65000"/>
+                  </a:schemeClr>
+                </a:solidFill>
+                <a:latin typeface="Arial Narrow"/>
+                <a:cs typeface="Arial Narrow"/>
+                <a:sym typeface="Wingdings"/>
+              </a:rPr>
+              <a:t> </a:t>
+            </a:r>
+            <a:r>
+              <a:rPr lang="en-US" sz="1200" dirty="0" smtClean="0">
+                <a:solidFill>
+                  <a:schemeClr val="bg1">
+                    <a:lumMod val="65000"/>
+                  </a:schemeClr>
+                </a:solidFill>
+                <a:latin typeface="Arial Narrow"/>
+                <a:cs typeface="Arial Narrow"/>
+                <a:sym typeface="Wingdings"/>
+              </a:rPr>
+              <a:t>ENTITY</a:t>
+            </a:r>
+            <a:r>
+              <a:rPr lang="en-US" sz="1400" dirty="0" smtClean="0">
+                <a:solidFill>
+                  <a:schemeClr val="bg1">
+                    <a:lumMod val="65000"/>
+                  </a:schemeClr>
+                </a:solidFill>
+                <a:latin typeface="Arial Narrow"/>
+                <a:cs typeface="Arial Narrow"/>
+                <a:sym typeface="Wingdings"/>
+              </a:rPr>
+              <a:t>: </a:t>
+            </a:r>
+            <a:r>
+              <a:rPr lang="en-US" sz="1400" dirty="0" smtClean="0">
+                <a:solidFill>
+                  <a:srgbClr val="2C74A5"/>
+                </a:solidFill>
+                <a:latin typeface="Arial Narrow"/>
+                <a:cs typeface="Arial Narrow"/>
+                <a:sym typeface="Wingdings"/>
+              </a:rPr>
+              <a:t>Tom Hanks</a:t>
+            </a:r>
           </a:p>
         </p:txBody>
       </p:sp>
       <p:sp>
         <p:nvSpPr>
-          <p:cNvPr id="59" name="TextBox 58"/>
+          <p:cNvPr id="63" name="TextBox 62"/>
           <p:cNvSpPr txBox="1"/>
           <p:nvPr/>
         </p:nvSpPr>
         <p:spPr>
           <a:xfrm>
-            <a:off x="1383323" y="3586724"/>
-            <a:ext cx="1481658" cy="307777"/>
+            <a:off x="1481054" y="4502917"/>
+            <a:ext cx="2966878" cy="707886"/>
           </a:xfrm>
           <a:prstGeom prst="rect">
             <a:avLst/>
@@ -5828,6 +6399,23 @@
           <a:lstStyle/>
           <a:p>
             <a:r>
+              <a:rPr lang="en-US" sz="1200" dirty="0" smtClean="0">
+                <a:solidFill>
+                  <a:srgbClr val="A6A6A6"/>
+                </a:solidFill>
+                <a:latin typeface="Arial Narrow"/>
+                <a:cs typeface="Arial Narrow"/>
+              </a:rPr>
+              <a:t>ROLE CLASSIFIERS:</a:t>
+            </a:r>
+          </a:p>
+          <a:p>
+            <a:pPr>
+              <a:tabLst>
+                <a:tab pos="1430338" algn="l"/>
+              </a:tabLst>
+            </a:pPr>
+            <a:r>
               <a:rPr lang="en-US" sz="1400" dirty="0" smtClean="0">
                 <a:solidFill>
                   <a:schemeClr val="tx1">
@@ -5835,17 +6423,235 @@
                     <a:lumOff val="50000"/>
                   </a:schemeClr>
                 </a:solidFill>
+                <a:latin typeface="Arial Narrow"/>
+                <a:cs typeface="Arial Narrow"/>
               </a:rPr>
-              <a:t>Role Classifiers:</a:t>
-            </a:r>
-            <a:endParaRPr lang="en-US" sz="1400" dirty="0">
-              <a:solidFill>
-                <a:schemeClr val="tx1">
-                  <a:lumMod val="50000"/>
-                  <a:lumOff val="50000"/>
-                </a:schemeClr>
-              </a:solidFill>
-            </a:endParaRPr>
+              <a:t>'</a:t>
+            </a:r>
+            <a:r>
+              <a:rPr lang="en-US" sz="1400" dirty="0" smtClean="0">
+                <a:solidFill>
+                  <a:schemeClr val="tx1">
+                    <a:lumMod val="95000"/>
+                    <a:lumOff val="5000"/>
+                  </a:schemeClr>
+                </a:solidFill>
+                <a:latin typeface="Arial Narrow"/>
+                <a:cs typeface="Arial Narrow"/>
+              </a:rPr>
+              <a:t>Schedule a meeting </a:t>
+            </a:r>
+            <a:r>
+              <a:rPr lang="en-US" sz="1400" dirty="0">
+                <a:solidFill>
+                  <a:schemeClr val="tx1">
+                    <a:lumMod val="50000"/>
+                    <a:lumOff val="50000"/>
+                  </a:schemeClr>
+                </a:solidFill>
+                <a:latin typeface="Arial Narrow"/>
+                <a:cs typeface="Arial Narrow"/>
+              </a:rPr>
+              <a:t>	</a:t>
+            </a:r>
+            <a:r>
+              <a:rPr lang="en-US" sz="1400" dirty="0" smtClean="0">
+                <a:solidFill>
+                  <a:schemeClr val="bg1">
+                    <a:lumMod val="65000"/>
+                  </a:schemeClr>
+                </a:solidFill>
+                <a:latin typeface="Arial Narrow"/>
+                <a:cs typeface="Arial Narrow"/>
+                <a:sym typeface="Wingdings"/>
+              </a:rPr>
+              <a:t> '</a:t>
+            </a:r>
+            <a:r>
+              <a:rPr lang="en-US" sz="1200" dirty="0" smtClean="0">
+                <a:solidFill>
+                  <a:schemeClr val="bg1">
+                    <a:lumMod val="65000"/>
+                  </a:schemeClr>
+                </a:solidFill>
+                <a:latin typeface="Arial Narrow"/>
+                <a:cs typeface="Arial Narrow"/>
+                <a:sym typeface="Wingdings"/>
+              </a:rPr>
+              <a:t>10am' ROLE</a:t>
+            </a:r>
+            <a:r>
+              <a:rPr lang="en-US" sz="1400" dirty="0" smtClean="0">
+                <a:solidFill>
+                  <a:schemeClr val="bg1">
+                    <a:lumMod val="65000"/>
+                  </a:schemeClr>
+                </a:solidFill>
+                <a:latin typeface="Arial Narrow"/>
+                <a:cs typeface="Arial Narrow"/>
+                <a:sym typeface="Wingdings"/>
+              </a:rPr>
+              <a:t>: </a:t>
+            </a:r>
+            <a:r>
+              <a:rPr lang="en-US" sz="1400" dirty="0" smtClean="0">
+                <a:solidFill>
+                  <a:srgbClr val="2C74A5"/>
+                </a:solidFill>
+                <a:latin typeface="Arial Narrow"/>
+                <a:cs typeface="Arial Narrow"/>
+                <a:sym typeface="Wingdings"/>
+              </a:rPr>
+              <a:t>start</a:t>
+            </a:r>
+          </a:p>
+          <a:p>
+            <a:pPr>
+              <a:tabLst>
+                <a:tab pos="1430338" algn="l"/>
+              </a:tabLst>
+            </a:pPr>
+            <a:r>
+              <a:rPr lang="en-US" sz="1400" dirty="0">
+                <a:solidFill>
+                  <a:schemeClr val="tx1">
+                    <a:lumMod val="50000"/>
+                    <a:lumOff val="50000"/>
+                  </a:schemeClr>
+                </a:solidFill>
+                <a:latin typeface="Arial Narrow"/>
+                <a:cs typeface="Arial Narrow"/>
+              </a:rPr>
+              <a:t> </a:t>
+            </a:r>
+            <a:r>
+              <a:rPr lang="en-US" sz="1400" dirty="0" smtClean="0">
+                <a:solidFill>
+                  <a:schemeClr val="tx1">
+                    <a:lumMod val="95000"/>
+                    <a:lumOff val="5000"/>
+                  </a:schemeClr>
+                </a:solidFill>
+                <a:latin typeface="Arial Narrow"/>
+                <a:cs typeface="Arial Narrow"/>
+              </a:rPr>
+              <a:t>from </a:t>
+            </a:r>
+            <a:r>
+              <a:rPr lang="en-US" sz="1400" u="sng" dirty="0" smtClean="0">
+                <a:solidFill>
+                  <a:schemeClr val="tx1">
+                    <a:lumMod val="95000"/>
+                    <a:lumOff val="5000"/>
+                  </a:schemeClr>
+                </a:solidFill>
+                <a:latin typeface="Arial Narrow"/>
+                <a:cs typeface="Arial Narrow"/>
+              </a:rPr>
+              <a:t>10am</a:t>
+            </a:r>
+            <a:r>
+              <a:rPr lang="en-US" sz="1400" dirty="0" smtClean="0">
+                <a:solidFill>
+                  <a:schemeClr val="tx1">
+                    <a:lumMod val="95000"/>
+                    <a:lumOff val="5000"/>
+                  </a:schemeClr>
+                </a:solidFill>
+                <a:latin typeface="Arial Narrow"/>
+                <a:cs typeface="Arial Narrow"/>
+              </a:rPr>
+              <a:t> to </a:t>
+            </a:r>
+            <a:r>
+              <a:rPr lang="en-US" sz="1400" u="sng" dirty="0" smtClean="0">
+                <a:solidFill>
+                  <a:schemeClr val="tx1">
+                    <a:lumMod val="95000"/>
+                    <a:lumOff val="5000"/>
+                  </a:schemeClr>
+                </a:solidFill>
+                <a:latin typeface="Arial Narrow"/>
+                <a:cs typeface="Arial Narrow"/>
+              </a:rPr>
+              <a:t>noon</a:t>
+            </a:r>
+            <a:r>
+              <a:rPr lang="en-US" sz="1400" dirty="0" smtClean="0">
+                <a:solidFill>
+                  <a:schemeClr val="tx1">
+                    <a:lumMod val="95000"/>
+                    <a:lumOff val="5000"/>
+                  </a:schemeClr>
+                </a:solidFill>
+                <a:latin typeface="Arial Narrow"/>
+                <a:cs typeface="Arial Narrow"/>
+              </a:rPr>
+              <a:t>.</a:t>
+            </a:r>
+            <a:r>
+              <a:rPr lang="en-US" sz="1400" dirty="0" smtClean="0">
+                <a:solidFill>
+                  <a:schemeClr val="tx1">
+                    <a:lumMod val="50000"/>
+                    <a:lumOff val="50000"/>
+                  </a:schemeClr>
+                </a:solidFill>
+                <a:latin typeface="Arial Narrow"/>
+                <a:cs typeface="Arial Narrow"/>
+              </a:rPr>
+              <a:t>' 	</a:t>
+            </a:r>
+            <a:r>
+              <a:rPr lang="en-US" sz="1400" dirty="0" smtClean="0">
+                <a:solidFill>
+                  <a:schemeClr val="bg1">
+                    <a:lumMod val="65000"/>
+                  </a:schemeClr>
+                </a:solidFill>
+                <a:latin typeface="Arial Narrow"/>
+                <a:cs typeface="Arial Narrow"/>
+                <a:sym typeface="Wingdings"/>
+              </a:rPr>
+              <a:t> '</a:t>
+            </a:r>
+            <a:r>
+              <a:rPr lang="en-US" sz="1200" dirty="0" smtClean="0">
+                <a:solidFill>
+                  <a:schemeClr val="bg1">
+                    <a:lumMod val="65000"/>
+                  </a:schemeClr>
+                </a:solidFill>
+                <a:latin typeface="Arial Narrow"/>
+                <a:cs typeface="Arial Narrow"/>
+                <a:sym typeface="Wingdings"/>
+              </a:rPr>
+              <a:t>noon' ROLE</a:t>
+            </a:r>
+            <a:r>
+              <a:rPr lang="en-US" sz="1400" dirty="0" smtClean="0">
+                <a:solidFill>
+                  <a:schemeClr val="bg1">
+                    <a:lumMod val="65000"/>
+                  </a:schemeClr>
+                </a:solidFill>
+                <a:latin typeface="Arial Narrow"/>
+                <a:cs typeface="Arial Narrow"/>
+                <a:sym typeface="Wingdings"/>
+              </a:rPr>
+              <a:t>: </a:t>
+            </a:r>
+            <a:r>
+              <a:rPr lang="en-US" sz="1400" dirty="0" smtClean="0">
+                <a:solidFill>
+                  <a:srgbClr val="2C74A5"/>
+                </a:solidFill>
+                <a:latin typeface="Arial Narrow"/>
+                <a:cs typeface="Arial Narrow"/>
+                <a:sym typeface="Wingdings"/>
+              </a:rPr>
+              <a:t>end</a:t>
+            </a:r>
           </a:p>
         </p:txBody>
       </p:sp>

--- a/docs/source/images/images.pptx
+++ b/docs/source/images/images.pptx
@@ -7,6 +7,8 @@
   <p:sldIdLst>
     <p:sldId id="257" r:id="rId2"/>
     <p:sldId id="258" r:id="rId3"/>
+    <p:sldId id="259" r:id="rId4"/>
+    <p:sldId id="260" r:id="rId5"/>
   </p:sldIdLst>
   <p:sldSz cx="9144000" cy="6858000" type="screen4x3"/>
   <p:notesSz cx="6858000" cy="9144000"/>
@@ -289,7 +291,7 @@
           <a:p>
             <a:fld id="{85FD3787-7239-C647-8F46-4AEF603A44BF}" type="datetime1">
               <a:rPr lang="en-US" smtClean="0"/>
-              <a:t>1/16/17</a:t>
+              <a:t>1/17/17</a:t>
             </a:fld>
             <a:endParaRPr lang="en-US" dirty="0"/>
           </a:p>
@@ -459,7 +461,7 @@
           <a:p>
             <a:fld id="{58F06498-C7BA-7B4F-A289-96E741DB6F51}" type="datetime1">
               <a:rPr lang="en-US" smtClean="0"/>
-              <a:t>1/16/17</a:t>
+              <a:t>1/17/17</a:t>
             </a:fld>
             <a:endParaRPr lang="en-US" dirty="0"/>
           </a:p>
@@ -639,7 +641,7 @@
           <a:p>
             <a:fld id="{92B56630-3C53-6E41-8F36-B5B7DC677D8C}" type="datetime1">
               <a:rPr lang="en-US" smtClean="0"/>
-              <a:t>1/16/17</a:t>
+              <a:t>1/17/17</a:t>
             </a:fld>
             <a:endParaRPr lang="en-US" dirty="0"/>
           </a:p>
@@ -809,7 +811,7 @@
           <a:p>
             <a:fld id="{AB3D54BB-4E0B-844F-968F-93A99D2A0E27}" type="datetime1">
               <a:rPr lang="en-US" smtClean="0"/>
-              <a:t>1/16/17</a:t>
+              <a:t>1/17/17</a:t>
             </a:fld>
             <a:endParaRPr lang="en-US" dirty="0"/>
           </a:p>
@@ -1055,7 +1057,7 @@
           <a:p>
             <a:fld id="{8308F5C4-D4BE-1246-89B0-2CF09E5A1C73}" type="datetime1">
               <a:rPr lang="en-US" smtClean="0"/>
-              <a:t>1/16/17</a:t>
+              <a:t>1/17/17</a:t>
             </a:fld>
             <a:endParaRPr lang="en-US" dirty="0"/>
           </a:p>
@@ -1343,7 +1345,7 @@
           <a:p>
             <a:fld id="{AE2C759A-60C1-D347-A2FC-BD124BE24608}" type="datetime1">
               <a:rPr lang="en-US" smtClean="0"/>
-              <a:t>1/16/17</a:t>
+              <a:t>1/17/17</a:t>
             </a:fld>
             <a:endParaRPr lang="en-US" dirty="0"/>
           </a:p>
@@ -1765,7 +1767,7 @@
           <a:p>
             <a:fld id="{81A1B11B-E3A3-7242-9E6D-08D8E0DF02D1}" type="datetime1">
               <a:rPr lang="en-US" smtClean="0"/>
-              <a:t>1/16/17</a:t>
+              <a:t>1/17/17</a:t>
             </a:fld>
             <a:endParaRPr lang="en-US" dirty="0"/>
           </a:p>
@@ -1883,7 +1885,7 @@
           <a:p>
             <a:fld id="{4BD03965-1CEF-054A-A931-4796ABBAFB43}" type="datetime1">
               <a:rPr lang="en-US" smtClean="0"/>
-              <a:t>1/16/17</a:t>
+              <a:t>1/17/17</a:t>
             </a:fld>
             <a:endParaRPr lang="en-US" dirty="0"/>
           </a:p>
@@ -1978,7 +1980,7 @@
           <a:p>
             <a:fld id="{B2AA7C06-6D5E-494B-9BF1-9BBBE1D5A1C7}" type="datetime1">
               <a:rPr lang="en-US" smtClean="0"/>
-              <a:t>1/16/17</a:t>
+              <a:t>1/17/17</a:t>
             </a:fld>
             <a:endParaRPr lang="en-US" dirty="0"/>
           </a:p>
@@ -2255,7 +2257,7 @@
           <a:p>
             <a:fld id="{7CE04B88-50CE-7A45-AE26-A9751D882E6D}" type="datetime1">
               <a:rPr lang="en-US" smtClean="0"/>
-              <a:t>1/16/17</a:t>
+              <a:t>1/17/17</a:t>
             </a:fld>
             <a:endParaRPr lang="en-US" dirty="0"/>
           </a:p>
@@ -2512,7 +2514,7 @@
           <a:p>
             <a:fld id="{70B692A8-8BCF-2745-A1F3-24034345F60C}" type="datetime1">
               <a:rPr lang="en-US" smtClean="0"/>
-              <a:t>1/16/17</a:t>
+              <a:t>1/17/17</a:t>
             </a:fld>
             <a:endParaRPr lang="en-US" dirty="0"/>
           </a:p>
@@ -2726,7 +2728,7 @@
             <a:fld id="{B994E09A-36F1-0A45-80F7-B10DE6908129}" type="datetime1">
               <a:rPr lang="en-US" smtClean="0"/>
               <a:pPr/>
-              <a:t>1/16/17</a:t>
+              <a:t>1/17/17</a:t>
             </a:fld>
             <a:endParaRPr lang="en-US" dirty="0"/>
           </a:p>
@@ -3128,16 +3130,16 @@
       </p:sp>
       <p:grpSp>
         <p:nvGrpSpPr>
-          <p:cNvPr id="32" name="Group 31"/>
+          <p:cNvPr id="3" name="Group 2"/>
           <p:cNvGrpSpPr/>
           <p:nvPr/>
         </p:nvGrpSpPr>
         <p:grpSpPr>
           <a:xfrm>
             <a:off x="3180290" y="830438"/>
-            <a:ext cx="3159727" cy="4876014"/>
-            <a:chOff x="1027791" y="830438"/>
-            <a:chExt cx="3159727" cy="4876014"/>
+            <a:ext cx="3159727" cy="4027459"/>
+            <a:chOff x="3180290" y="830438"/>
+            <a:chExt cx="3159727" cy="4027459"/>
           </a:xfrm>
         </p:grpSpPr>
         <p:sp>
@@ -3148,7 +3150,7 @@
           </p:nvSpPr>
           <p:spPr>
             <a:xfrm>
-              <a:off x="1027791" y="2041696"/>
+              <a:off x="3180290" y="2041696"/>
               <a:ext cx="2742927" cy="393192"/>
             </a:xfrm>
             <a:prstGeom prst="roundRect">
@@ -3200,26 +3202,38 @@
               </a:r>
               <a:r>
                 <a:rPr lang="en-US" sz="900" dirty="0"/>
-                <a:t>Kwik-E-Mart at closes at </a:t>
+                <a:t>Kwik-E-Mart </a:t>
               </a:r>
               <a:r>
                 <a:rPr lang="en-US" sz="900" dirty="0" smtClean="0"/>
-                <a:t/>
+                <a:t>opens at </a:t>
+              </a:r>
+              <a:r>
+                <a:rPr lang="en-US" sz="900" b="1" dirty="0" smtClean="0"/>
+                <a:t>7am</a:t>
+              </a:r>
+              <a:r>
+                <a:rPr lang="en-US" sz="900" dirty="0" smtClean="0"/>
+                <a:t> </a:t>
               </a:r>
               <a:br>
                 <a:rPr lang="en-US" sz="900" dirty="0" smtClean="0"/>
               </a:br>
               <a:r>
+                <a:rPr lang="en-US" sz="900" dirty="0" smtClean="0"/>
+                <a:t>and closes </a:t>
+              </a:r>
+              <a:r>
+                <a:rPr lang="en-US" sz="900" dirty="0"/>
+                <a:t>at </a:t>
+              </a:r>
+              <a:r>
                 <a:rPr lang="en-US" sz="900" b="1" dirty="0" smtClean="0"/>
                 <a:t>9pm </a:t>
               </a:r>
               <a:r>
-                <a:rPr lang="en-US" sz="900" b="1" dirty="0"/>
-                <a:t>today</a:t>
-              </a:r>
-              <a:r>
                 <a:rPr lang="en-US" sz="900" dirty="0"/>
-                <a:t>.</a:t>
+                <a:t>today.</a:t>
               </a:r>
             </a:p>
             <a:p>
@@ -3235,7 +3249,7 @@
           </p:nvSpPr>
           <p:spPr>
             <a:xfrm>
-              <a:off x="1027791" y="1200050"/>
+              <a:off x="3180290" y="1200050"/>
               <a:ext cx="2742927" cy="387229"/>
             </a:xfrm>
             <a:prstGeom prst="roundRect">
@@ -3295,7 +3309,7 @@
           </p:nvSpPr>
           <p:spPr>
             <a:xfrm>
-              <a:off x="1451377" y="1674472"/>
+              <a:off x="3603876" y="1674472"/>
               <a:ext cx="2736141" cy="280031"/>
             </a:xfrm>
             <a:prstGeom prst="roundRect">
@@ -3375,7 +3389,7 @@
           </p:nvSpPr>
           <p:spPr>
             <a:xfrm>
-              <a:off x="3421572" y="830438"/>
+              <a:off x="5574071" y="830438"/>
               <a:ext cx="765946" cy="282419"/>
             </a:xfrm>
             <a:prstGeom prst="roundRect">
@@ -3458,7 +3472,7 @@
           </p:nvSpPr>
           <p:spPr>
             <a:xfrm>
-              <a:off x="1027791" y="2889305"/>
+              <a:off x="3180290" y="2889305"/>
               <a:ext cx="2742927" cy="393192"/>
             </a:xfrm>
             <a:prstGeom prst="roundRect">
@@ -3537,7 +3551,7 @@
           </p:nvSpPr>
           <p:spPr>
             <a:xfrm>
-              <a:off x="2157894" y="2522081"/>
+              <a:off x="4310393" y="2522081"/>
               <a:ext cx="2029624" cy="280031"/>
             </a:xfrm>
             <a:prstGeom prst="roundRect">
@@ -3606,154 +3620,13 @@
         </p:sp>
         <p:sp>
           <p:nvSpPr>
-            <p:cNvPr id="26" name="Rounded Rectangle 25"/>
-            <p:cNvSpPr/>
-            <p:nvPr/>
-          </p:nvSpPr>
-          <p:spPr>
-            <a:xfrm>
-              <a:off x="1027791" y="4584523"/>
-              <a:ext cx="2742927" cy="393192"/>
-            </a:xfrm>
-            <a:prstGeom prst="roundRect">
-              <a:avLst>
-                <a:gd name="adj" fmla="val 19965"/>
-              </a:avLst>
-            </a:prstGeom>
-            <a:solidFill>
-              <a:schemeClr val="lt1">
-                <a:alpha val="76000"/>
-              </a:schemeClr>
-            </a:solidFill>
-            <a:ln>
-              <a:noFill/>
-            </a:ln>
-            <a:effectLst>
-              <a:outerShdw blurRad="50800" dist="38100" dir="2700000" algn="tl" rotWithShape="0">
-                <a:prstClr val="black">
-                  <a:alpha val="40000"/>
-                </a:prstClr>
-              </a:outerShdw>
-            </a:effectLst>
-          </p:spPr>
-          <p:style>
-            <a:lnRef idx="2">
-              <a:schemeClr val="dk1"/>
-            </a:lnRef>
-            <a:fillRef idx="1">
-              <a:schemeClr val="lt1"/>
-            </a:fillRef>
-            <a:effectRef idx="0">
-              <a:schemeClr val="dk1"/>
-            </a:effectRef>
-            <a:fontRef idx="minor">
-              <a:schemeClr val="dk1"/>
-            </a:fontRef>
-          </p:style>
-          <p:txBody>
-            <a:bodyPr rtlCol="0" anchor="t" anchorCtr="0"/>
-            <a:lstStyle/>
-            <a:p>
-              <a:r>
-                <a:rPr lang="en-US" sz="900" dirty="0"/>
-                <a:t>Yes. The Kwik-E-Mart at </a:t>
-              </a:r>
-              <a:r>
-                <a:rPr lang="en-US" sz="900" b="1" dirty="0"/>
-                <a:t>Central Plaza </a:t>
-              </a:r>
-              <a:r>
-                <a:rPr lang="en-US" sz="900" dirty="0"/>
-                <a:t>closes at </a:t>
-              </a:r>
-              <a:r>
-                <a:rPr lang="en-US" sz="900" b="1" dirty="0"/>
-                <a:t>8pm this evening</a:t>
-              </a:r>
-              <a:r>
-                <a:rPr lang="en-US" sz="900" dirty="0"/>
-                <a:t>.</a:t>
-              </a:r>
-            </a:p>
-          </p:txBody>
-        </p:sp>
-        <p:sp>
-          <p:nvSpPr>
-            <p:cNvPr id="27" name="Rounded Rectangle 26"/>
-            <p:cNvSpPr/>
-            <p:nvPr/>
-          </p:nvSpPr>
-          <p:spPr>
-            <a:xfrm>
-              <a:off x="1708810" y="4217299"/>
-              <a:ext cx="2478708" cy="280031"/>
-            </a:xfrm>
-            <a:prstGeom prst="roundRect">
-              <a:avLst>
-                <a:gd name="adj" fmla="val 34525"/>
-              </a:avLst>
-            </a:prstGeom>
-            <a:solidFill>
-              <a:srgbClr val="1C73E1">
-                <a:alpha val="71000"/>
-              </a:srgbClr>
-            </a:solidFill>
-            <a:ln>
-              <a:noFill/>
-            </a:ln>
-            <a:effectLst>
-              <a:outerShdw blurRad="50800" dist="38100" dir="2700000" algn="tl" rotWithShape="0">
-                <a:prstClr val="black">
-                  <a:alpha val="40000"/>
-                </a:prstClr>
-              </a:outerShdw>
-            </a:effectLst>
-          </p:spPr>
-          <p:style>
-            <a:lnRef idx="2">
-              <a:schemeClr val="dk1"/>
-            </a:lnRef>
-            <a:fillRef idx="1">
-              <a:schemeClr val="lt1"/>
-            </a:fillRef>
-            <a:effectRef idx="0">
-              <a:schemeClr val="dk1"/>
-            </a:effectRef>
-            <a:fontRef idx="minor">
-              <a:schemeClr val="dk1"/>
-            </a:fontRef>
-          </p:style>
-          <p:txBody>
-            <a:bodyPr tIns="36576" bIns="36576" rtlCol="0" anchor="t" anchorCtr="0"/>
-            <a:lstStyle/>
-            <a:p>
-              <a:r>
-                <a:rPr lang="en-US" sz="900" dirty="0">
-                  <a:solidFill>
-                    <a:srgbClr val="FFFFFF"/>
-                  </a:solidFill>
-                </a:rPr>
-                <a:t>Is the Central Plaza Kwik-E-Mart open now?</a:t>
-              </a:r>
-            </a:p>
-            <a:p>
-              <a:endParaRPr lang="en-US" sz="900" dirty="0">
-                <a:solidFill>
-                  <a:srgbClr val="FFFFFF"/>
-                </a:solidFill>
-              </a:endParaRPr>
-            </a:p>
-          </p:txBody>
-        </p:sp>
-        <p:sp>
-          <p:nvSpPr>
             <p:cNvPr id="28" name="Rounded Rectangle 27"/>
             <p:cNvSpPr/>
             <p:nvPr/>
           </p:nvSpPr>
           <p:spPr>
             <a:xfrm>
-              <a:off x="1027791" y="3736914"/>
+              <a:off x="3180290" y="3736914"/>
               <a:ext cx="2742927" cy="393192"/>
             </a:xfrm>
             <a:prstGeom prst="roundRect">
@@ -3819,13 +3692,18 @@
                 <a:t>6am </a:t>
               </a:r>
               <a:r>
-                <a:rPr lang="en-US" sz="900" b="1" dirty="0"/>
-                <a:t>tomorrow</a:t>
+                <a:rPr lang="en-US" sz="900" dirty="0" smtClean="0"/>
+                <a:t>and closes at </a:t>
               </a:r>
               <a:r>
-                <a:rPr lang="en-US" sz="900" dirty="0"/>
-                <a:t>.</a:t>
+                <a:rPr lang="en-US" sz="900" b="1" dirty="0" smtClean="0"/>
+                <a:t>10pm</a:t>
               </a:r>
+              <a:r>
+                <a:rPr lang="en-US" sz="900" dirty="0" smtClean="0"/>
+                <a:t> tomorrow.</a:t>
+              </a:r>
+              <a:endParaRPr lang="en-US" sz="900" dirty="0"/>
             </a:p>
             <a:p>
               <a:endParaRPr lang="en-US" sz="900" dirty="0"/>
@@ -3840,7 +3718,7 @@
           </p:nvSpPr>
           <p:spPr>
             <a:xfrm>
-              <a:off x="1998541" y="3369690"/>
+              <a:off x="4151040" y="3369690"/>
               <a:ext cx="2188977" cy="280031"/>
             </a:xfrm>
             <a:prstGeom prst="roundRect">
@@ -3908,7 +3786,7 @@
           </p:nvSpPr>
           <p:spPr>
             <a:xfrm>
-              <a:off x="1027791" y="5432132"/>
+              <a:off x="3180290" y="4583577"/>
               <a:ext cx="1130103" cy="274320"/>
             </a:xfrm>
             <a:prstGeom prst="roundRect">
@@ -3966,7 +3844,7 @@
           </p:nvSpPr>
           <p:spPr>
             <a:xfrm>
-              <a:off x="3425375" y="5064908"/>
+              <a:off x="5577874" y="4216353"/>
               <a:ext cx="762143" cy="280031"/>
             </a:xfrm>
             <a:prstGeom prst="roundRect">
@@ -6659,6 +6537,3519 @@
     <p:extLst>
       <p:ext uri="{BB962C8B-B14F-4D97-AF65-F5344CB8AC3E}">
         <p14:creationId xmlns:p14="http://schemas.microsoft.com/office/powerpoint/2010/main" val="2326656621"/>
+      </p:ext>
+    </p:extLst>
+  </p:cSld>
+  <p:clrMapOvr>
+    <a:masterClrMapping/>
+  </p:clrMapOvr>
+</p:sld>
+</file>
+
+<file path=ppt/slides/slide3.xml><?xml version="1.0" encoding="utf-8"?>
+<p:sld xmlns:a="http://schemas.openxmlformats.org/drawingml/2006/main" xmlns:r="http://schemas.openxmlformats.org/officeDocument/2006/relationships" xmlns:p="http://schemas.openxmlformats.org/presentationml/2006/main">
+  <p:cSld>
+    <p:spTree>
+      <p:nvGrpSpPr>
+        <p:cNvPr id="1" name=""/>
+        <p:cNvGrpSpPr/>
+        <p:nvPr/>
+      </p:nvGrpSpPr>
+      <p:grpSpPr>
+        <a:xfrm>
+          <a:off x="0" y="0"/>
+          <a:ext cx="0" cy="0"/>
+          <a:chOff x="0" y="0"/>
+          <a:chExt cx="0" cy="0"/>
+        </a:xfrm>
+      </p:grpSpPr>
+      <p:sp>
+        <p:nvSpPr>
+          <p:cNvPr id="2" name="Slide Number Placeholder 1"/>
+          <p:cNvSpPr>
+            <a:spLocks noGrp="1"/>
+          </p:cNvSpPr>
+          <p:nvPr>
+            <p:ph type="sldNum" sz="quarter" idx="12"/>
+          </p:nvPr>
+        </p:nvSpPr>
+        <p:spPr/>
+        <p:txBody>
+          <a:bodyPr/>
+          <a:lstStyle/>
+          <a:p>
+            <a:fld id="{D01B2998-00A9-9E41-AB29-A15A35C12BAC}" type="slidenum">
+              <a:rPr lang="en-US" smtClean="0"/>
+              <a:t>3</a:t>
+            </a:fld>
+            <a:endParaRPr lang="en-US" dirty="0"/>
+          </a:p>
+        </p:txBody>
+      </p:sp>
+      <p:grpSp>
+        <p:nvGrpSpPr>
+          <p:cNvPr id="93" name="Group 92"/>
+          <p:cNvGrpSpPr/>
+          <p:nvPr/>
+        </p:nvGrpSpPr>
+        <p:grpSpPr>
+          <a:xfrm>
+            <a:off x="1248023" y="1914072"/>
+            <a:ext cx="6125668" cy="2025464"/>
+            <a:chOff x="2057722" y="1430011"/>
+            <a:chExt cx="6125668" cy="2025464"/>
+          </a:xfrm>
+        </p:grpSpPr>
+        <p:sp>
+          <p:nvSpPr>
+            <p:cNvPr id="4" name="Rectangle 3"/>
+            <p:cNvSpPr/>
+            <p:nvPr/>
+          </p:nvSpPr>
+          <p:spPr>
+            <a:xfrm>
+              <a:off x="5186045" y="1430011"/>
+              <a:ext cx="914399" cy="229465"/>
+            </a:xfrm>
+            <a:prstGeom prst="rect">
+              <a:avLst/>
+            </a:prstGeom>
+            <a:solidFill>
+              <a:schemeClr val="bg1">
+                <a:lumMod val="95000"/>
+              </a:schemeClr>
+            </a:solidFill>
+            <a:ln w="12700" cmpd="sng">
+              <a:solidFill>
+                <a:srgbClr val="2C74A5"/>
+              </a:solidFill>
+            </a:ln>
+          </p:spPr>
+          <p:style>
+            <a:lnRef idx="2">
+              <a:schemeClr val="dk1"/>
+            </a:lnRef>
+            <a:fillRef idx="1">
+              <a:schemeClr val="lt1"/>
+            </a:fillRef>
+            <a:effectRef idx="0">
+              <a:schemeClr val="dk1"/>
+            </a:effectRef>
+            <a:fontRef idx="minor">
+              <a:schemeClr val="dk1"/>
+            </a:fontRef>
+          </p:style>
+          <p:txBody>
+            <a:bodyPr tIns="0" bIns="27432" rtlCol="0" anchor="ctr" anchorCtr="1"/>
+            <a:lstStyle/>
+            <a:p>
+              <a:pPr algn="ctr"/>
+              <a:r>
+                <a:rPr lang="en-US" sz="1200" b="1" dirty="0" smtClean="0">
+                  <a:solidFill>
+                    <a:srgbClr val="2C74A5"/>
+                  </a:solidFill>
+                  <a:latin typeface="Arial Narrow"/>
+                  <a:cs typeface="Arial Narrow"/>
+                </a:rPr>
+                <a:t>my_app</a:t>
+              </a:r>
+              <a:endParaRPr lang="en-US" sz="2000" b="1" dirty="0">
+                <a:solidFill>
+                  <a:srgbClr val="2C74A5"/>
+                </a:solidFill>
+                <a:latin typeface="Arial Narrow"/>
+                <a:cs typeface="Arial Narrow"/>
+              </a:endParaRPr>
+            </a:p>
+          </p:txBody>
+        </p:sp>
+        <p:sp>
+          <p:nvSpPr>
+            <p:cNvPr id="7" name="Rectangle 6"/>
+            <p:cNvSpPr/>
+            <p:nvPr/>
+          </p:nvSpPr>
+          <p:spPr>
+            <a:xfrm>
+              <a:off x="5186045" y="2021506"/>
+              <a:ext cx="914399" cy="229465"/>
+            </a:xfrm>
+            <a:prstGeom prst="rect">
+              <a:avLst/>
+            </a:prstGeom>
+            <a:solidFill>
+              <a:schemeClr val="bg1">
+                <a:lumMod val="95000"/>
+              </a:schemeClr>
+            </a:solidFill>
+            <a:ln w="12700" cmpd="sng">
+              <a:solidFill>
+                <a:srgbClr val="2C74A5"/>
+              </a:solidFill>
+            </a:ln>
+          </p:spPr>
+          <p:style>
+            <a:lnRef idx="2">
+              <a:schemeClr val="dk1"/>
+            </a:lnRef>
+            <a:fillRef idx="1">
+              <a:schemeClr val="lt1"/>
+            </a:fillRef>
+            <a:effectRef idx="0">
+              <a:schemeClr val="dk1"/>
+            </a:effectRef>
+            <a:fontRef idx="minor">
+              <a:schemeClr val="dk1"/>
+            </a:fontRef>
+          </p:style>
+          <p:txBody>
+            <a:bodyPr tIns="0" bIns="27432" rtlCol="0" anchor="ctr" anchorCtr="1"/>
+            <a:lstStyle/>
+            <a:p>
+              <a:pPr algn="ctr"/>
+              <a:r>
+                <a:rPr lang="en-US" sz="1200" b="1" dirty="0" smtClean="0">
+                  <a:solidFill>
+                    <a:srgbClr val="2C74A5"/>
+                  </a:solidFill>
+                  <a:latin typeface="Arial Narrow"/>
+                  <a:cs typeface="Arial Narrow"/>
+                </a:rPr>
+                <a:t>store_info</a:t>
+              </a:r>
+              <a:endParaRPr lang="en-US" sz="2000" b="1" dirty="0">
+                <a:solidFill>
+                  <a:srgbClr val="2C74A5"/>
+                </a:solidFill>
+                <a:latin typeface="Arial Narrow"/>
+                <a:cs typeface="Arial Narrow"/>
+              </a:endParaRPr>
+            </a:p>
+          </p:txBody>
+        </p:sp>
+        <p:sp>
+          <p:nvSpPr>
+            <p:cNvPr id="60" name="TextBox 59"/>
+            <p:cNvSpPr txBox="1"/>
+            <p:nvPr/>
+          </p:nvSpPr>
+          <p:spPr>
+            <a:xfrm>
+              <a:off x="2057722" y="2003305"/>
+              <a:ext cx="808635" cy="276999"/>
+            </a:xfrm>
+            <a:prstGeom prst="rect">
+              <a:avLst/>
+            </a:prstGeom>
+            <a:noFill/>
+          </p:spPr>
+          <p:txBody>
+            <a:bodyPr wrap="none" rtlCol="0">
+              <a:spAutoFit/>
+            </a:bodyPr>
+            <a:lstStyle/>
+            <a:p>
+              <a:r>
+                <a:rPr lang="en-US" sz="1200" dirty="0" smtClean="0">
+                  <a:solidFill>
+                    <a:srgbClr val="A6A6A6"/>
+                  </a:solidFill>
+                  <a:latin typeface="Arial Narrow"/>
+                  <a:cs typeface="Arial Narrow"/>
+                </a:rPr>
+                <a:t>DOMAINS:</a:t>
+              </a:r>
+              <a:endParaRPr lang="en-US" sz="1200" dirty="0" smtClean="0">
+                <a:solidFill>
+                  <a:srgbClr val="A6A6A6"/>
+                </a:solidFill>
+                <a:latin typeface="Arial Narrow"/>
+                <a:cs typeface="Arial Narrow"/>
+              </a:endParaRPr>
+            </a:p>
+          </p:txBody>
+        </p:sp>
+        <p:sp>
+          <p:nvSpPr>
+            <p:cNvPr id="61" name="TextBox 60"/>
+            <p:cNvSpPr txBox="1"/>
+            <p:nvPr/>
+          </p:nvSpPr>
+          <p:spPr>
+            <a:xfrm>
+              <a:off x="2057722" y="2590891"/>
+              <a:ext cx="759493" cy="276999"/>
+            </a:xfrm>
+            <a:prstGeom prst="rect">
+              <a:avLst/>
+            </a:prstGeom>
+            <a:noFill/>
+          </p:spPr>
+          <p:txBody>
+            <a:bodyPr wrap="none" rtlCol="0">
+              <a:spAutoFit/>
+            </a:bodyPr>
+            <a:lstStyle/>
+            <a:p>
+              <a:r>
+                <a:rPr lang="en-US" sz="1200" dirty="0" smtClean="0">
+                  <a:solidFill>
+                    <a:srgbClr val="A6A6A6"/>
+                  </a:solidFill>
+                  <a:latin typeface="Arial Narrow"/>
+                  <a:cs typeface="Arial Narrow"/>
+                </a:rPr>
+                <a:t>INTENTS:</a:t>
+              </a:r>
+              <a:endParaRPr lang="en-US" sz="1200" dirty="0" smtClean="0">
+                <a:solidFill>
+                  <a:srgbClr val="A6A6A6"/>
+                </a:solidFill>
+                <a:latin typeface="Arial Narrow"/>
+                <a:cs typeface="Arial Narrow"/>
+              </a:endParaRPr>
+            </a:p>
+          </p:txBody>
+        </p:sp>
+        <p:sp>
+          <p:nvSpPr>
+            <p:cNvPr id="62" name="TextBox 61"/>
+            <p:cNvSpPr txBox="1"/>
+            <p:nvPr/>
+          </p:nvSpPr>
+          <p:spPr>
+            <a:xfrm>
+              <a:off x="2057722" y="3178476"/>
+              <a:ext cx="787671" cy="276999"/>
+            </a:xfrm>
+            <a:prstGeom prst="rect">
+              <a:avLst/>
+            </a:prstGeom>
+            <a:noFill/>
+          </p:spPr>
+          <p:txBody>
+            <a:bodyPr wrap="none" rtlCol="0">
+              <a:spAutoFit/>
+            </a:bodyPr>
+            <a:lstStyle/>
+            <a:p>
+              <a:r>
+                <a:rPr lang="en-US" sz="1200" dirty="0" smtClean="0">
+                  <a:solidFill>
+                    <a:srgbClr val="A6A6A6"/>
+                  </a:solidFill>
+                  <a:latin typeface="Arial Narrow"/>
+                  <a:cs typeface="Arial Narrow"/>
+                </a:rPr>
+                <a:t>ENTITIES:</a:t>
+              </a:r>
+              <a:endParaRPr lang="en-US" sz="1200" dirty="0" smtClean="0">
+                <a:solidFill>
+                  <a:srgbClr val="A6A6A6"/>
+                </a:solidFill>
+                <a:latin typeface="Arial Narrow"/>
+                <a:cs typeface="Arial Narrow"/>
+              </a:endParaRPr>
+            </a:p>
+          </p:txBody>
+        </p:sp>
+        <p:grpSp>
+          <p:nvGrpSpPr>
+            <p:cNvPr id="20" name="Group 19"/>
+            <p:cNvGrpSpPr/>
+            <p:nvPr/>
+          </p:nvGrpSpPr>
+          <p:grpSpPr>
+            <a:xfrm>
+              <a:off x="2872347" y="2613001"/>
+              <a:ext cx="5311043" cy="229465"/>
+              <a:chOff x="2872347" y="2561910"/>
+              <a:chExt cx="5311043" cy="229465"/>
+            </a:xfrm>
+          </p:grpSpPr>
+          <p:sp>
+            <p:nvSpPr>
+              <p:cNvPr id="25" name="Rectangle 24"/>
+              <p:cNvSpPr/>
+              <p:nvPr/>
+            </p:nvSpPr>
+            <p:spPr>
+              <a:xfrm>
+                <a:off x="2872347" y="2561910"/>
+                <a:ext cx="683647" cy="229465"/>
+              </a:xfrm>
+              <a:prstGeom prst="rect">
+                <a:avLst/>
+              </a:prstGeom>
+              <a:solidFill>
+                <a:schemeClr val="bg1">
+                  <a:lumMod val="95000"/>
+                </a:schemeClr>
+              </a:solidFill>
+              <a:ln w="12700" cmpd="sng">
+                <a:solidFill>
+                  <a:srgbClr val="2C74A5"/>
+                </a:solidFill>
+              </a:ln>
+            </p:spPr>
+            <p:style>
+              <a:lnRef idx="2">
+                <a:schemeClr val="dk1"/>
+              </a:lnRef>
+              <a:fillRef idx="1">
+                <a:schemeClr val="lt1"/>
+              </a:fillRef>
+              <a:effectRef idx="0">
+                <a:schemeClr val="dk1"/>
+              </a:effectRef>
+              <a:fontRef idx="minor">
+                <a:schemeClr val="dk1"/>
+              </a:fontRef>
+            </p:style>
+            <p:txBody>
+              <a:bodyPr tIns="0" bIns="27432" rtlCol="0" anchor="ctr" anchorCtr="1"/>
+              <a:lstStyle/>
+              <a:p>
+                <a:pPr algn="ctr"/>
+                <a:r>
+                  <a:rPr lang="en-US" sz="1200" b="1" dirty="0" smtClean="0">
+                    <a:solidFill>
+                      <a:srgbClr val="2C74A5"/>
+                    </a:solidFill>
+                    <a:latin typeface="Arial Narrow"/>
+                    <a:cs typeface="Arial Narrow"/>
+                  </a:rPr>
+                  <a:t>greet</a:t>
+                </a:r>
+                <a:endParaRPr lang="en-US" sz="2000" b="1" dirty="0">
+                  <a:solidFill>
+                    <a:srgbClr val="2C74A5"/>
+                  </a:solidFill>
+                  <a:latin typeface="Arial Narrow"/>
+                  <a:cs typeface="Arial Narrow"/>
+                </a:endParaRPr>
+              </a:p>
+            </p:txBody>
+          </p:sp>
+          <p:sp>
+            <p:nvSpPr>
+              <p:cNvPr id="56" name="Rectangle 55"/>
+              <p:cNvSpPr/>
+              <p:nvPr/>
+            </p:nvSpPr>
+            <p:spPr>
+              <a:xfrm>
+                <a:off x="3685231" y="2561910"/>
+                <a:ext cx="1371577" cy="229465"/>
+              </a:xfrm>
+              <a:prstGeom prst="rect">
+                <a:avLst/>
+              </a:prstGeom>
+              <a:solidFill>
+                <a:schemeClr val="bg1">
+                  <a:lumMod val="95000"/>
+                </a:schemeClr>
+              </a:solidFill>
+              <a:ln w="12700" cmpd="sng">
+                <a:solidFill>
+                  <a:srgbClr val="2C74A5"/>
+                </a:solidFill>
+              </a:ln>
+            </p:spPr>
+            <p:style>
+              <a:lnRef idx="2">
+                <a:schemeClr val="dk1"/>
+              </a:lnRef>
+              <a:fillRef idx="1">
+                <a:schemeClr val="lt1"/>
+              </a:fillRef>
+              <a:effectRef idx="0">
+                <a:schemeClr val="dk1"/>
+              </a:effectRef>
+              <a:fontRef idx="minor">
+                <a:schemeClr val="dk1"/>
+              </a:fontRef>
+            </p:style>
+            <p:txBody>
+              <a:bodyPr tIns="0" bIns="27432" rtlCol="0" anchor="ctr" anchorCtr="1"/>
+              <a:lstStyle/>
+              <a:p>
+                <a:pPr algn="ctr"/>
+                <a:r>
+                  <a:rPr lang="en-US" sz="1200" b="1" dirty="0" smtClean="0">
+                    <a:solidFill>
+                      <a:srgbClr val="2C74A5"/>
+                    </a:solidFill>
+                    <a:latin typeface="Arial Narrow"/>
+                    <a:cs typeface="Arial Narrow"/>
+                  </a:rPr>
+                  <a:t>get_store_hours</a:t>
+                </a:r>
+                <a:endParaRPr lang="en-US" sz="2000" b="1" dirty="0">
+                  <a:solidFill>
+                    <a:srgbClr val="2C74A5"/>
+                  </a:solidFill>
+                  <a:latin typeface="Arial Narrow"/>
+                  <a:cs typeface="Arial Narrow"/>
+                </a:endParaRPr>
+              </a:p>
+            </p:txBody>
+          </p:sp>
+          <p:sp>
+            <p:nvSpPr>
+              <p:cNvPr id="64" name="Rectangle 63"/>
+              <p:cNvSpPr/>
+              <p:nvPr/>
+            </p:nvSpPr>
+            <p:spPr>
+              <a:xfrm>
+                <a:off x="5186045" y="2561910"/>
+                <a:ext cx="1371577" cy="229465"/>
+              </a:xfrm>
+              <a:prstGeom prst="rect">
+                <a:avLst/>
+              </a:prstGeom>
+              <a:solidFill>
+                <a:schemeClr val="bg1">
+                  <a:lumMod val="95000"/>
+                </a:schemeClr>
+              </a:solidFill>
+              <a:ln w="12700" cmpd="sng">
+                <a:solidFill>
+                  <a:srgbClr val="2C74A5"/>
+                </a:solidFill>
+              </a:ln>
+            </p:spPr>
+            <p:style>
+              <a:lnRef idx="2">
+                <a:schemeClr val="dk1"/>
+              </a:lnRef>
+              <a:fillRef idx="1">
+                <a:schemeClr val="lt1"/>
+              </a:fillRef>
+              <a:effectRef idx="0">
+                <a:schemeClr val="dk1"/>
+              </a:effectRef>
+              <a:fontRef idx="minor">
+                <a:schemeClr val="dk1"/>
+              </a:fontRef>
+            </p:style>
+            <p:txBody>
+              <a:bodyPr tIns="0" bIns="27432" rtlCol="0" anchor="ctr" anchorCtr="1"/>
+              <a:lstStyle/>
+              <a:p>
+                <a:pPr algn="ctr"/>
+                <a:r>
+                  <a:rPr lang="en-US" sz="1200" b="1" dirty="0" smtClean="0">
+                    <a:solidFill>
+                      <a:srgbClr val="2C74A5"/>
+                    </a:solidFill>
+                    <a:latin typeface="Arial Narrow"/>
+                    <a:cs typeface="Arial Narrow"/>
+                  </a:rPr>
+                  <a:t>find_nearest_store</a:t>
+                </a:r>
+                <a:endParaRPr lang="en-US" sz="2000" b="1" dirty="0">
+                  <a:solidFill>
+                    <a:srgbClr val="2C74A5"/>
+                  </a:solidFill>
+                  <a:latin typeface="Arial Narrow"/>
+                  <a:cs typeface="Arial Narrow"/>
+                </a:endParaRPr>
+              </a:p>
+            </p:txBody>
+          </p:sp>
+          <p:sp>
+            <p:nvSpPr>
+              <p:cNvPr id="66" name="Rectangle 65"/>
+              <p:cNvSpPr/>
+              <p:nvPr/>
+            </p:nvSpPr>
+            <p:spPr>
+              <a:xfrm>
+                <a:off x="6686859" y="2561910"/>
+                <a:ext cx="683647" cy="229465"/>
+              </a:xfrm>
+              <a:prstGeom prst="rect">
+                <a:avLst/>
+              </a:prstGeom>
+              <a:solidFill>
+                <a:schemeClr val="bg1">
+                  <a:lumMod val="95000"/>
+                </a:schemeClr>
+              </a:solidFill>
+              <a:ln w="12700" cmpd="sng">
+                <a:solidFill>
+                  <a:srgbClr val="2C74A5"/>
+                </a:solidFill>
+              </a:ln>
+            </p:spPr>
+            <p:style>
+              <a:lnRef idx="2">
+                <a:schemeClr val="dk1"/>
+              </a:lnRef>
+              <a:fillRef idx="1">
+                <a:schemeClr val="lt1"/>
+              </a:fillRef>
+              <a:effectRef idx="0">
+                <a:schemeClr val="dk1"/>
+              </a:effectRef>
+              <a:fontRef idx="minor">
+                <a:schemeClr val="dk1"/>
+              </a:fontRef>
+            </p:style>
+            <p:txBody>
+              <a:bodyPr tIns="0" bIns="27432" rtlCol="0" anchor="ctr" anchorCtr="1"/>
+              <a:lstStyle/>
+              <a:p>
+                <a:pPr algn="ctr"/>
+                <a:r>
+                  <a:rPr lang="en-US" sz="1200" b="1" dirty="0" smtClean="0">
+                    <a:solidFill>
+                      <a:srgbClr val="2C74A5"/>
+                    </a:solidFill>
+                    <a:latin typeface="Arial Narrow"/>
+                    <a:cs typeface="Arial Narrow"/>
+                  </a:rPr>
+                  <a:t>exit</a:t>
+                </a:r>
+                <a:endParaRPr lang="en-US" sz="2000" b="1" dirty="0">
+                  <a:solidFill>
+                    <a:srgbClr val="2C74A5"/>
+                  </a:solidFill>
+                  <a:latin typeface="Arial Narrow"/>
+                  <a:cs typeface="Arial Narrow"/>
+                </a:endParaRPr>
+              </a:p>
+            </p:txBody>
+          </p:sp>
+          <p:sp>
+            <p:nvSpPr>
+              <p:cNvPr id="67" name="Rectangle 66"/>
+              <p:cNvSpPr/>
+              <p:nvPr/>
+            </p:nvSpPr>
+            <p:spPr>
+              <a:xfrm>
+                <a:off x="7499743" y="2561910"/>
+                <a:ext cx="683647" cy="229465"/>
+              </a:xfrm>
+              <a:prstGeom prst="rect">
+                <a:avLst/>
+              </a:prstGeom>
+              <a:solidFill>
+                <a:schemeClr val="bg1">
+                  <a:lumMod val="95000"/>
+                </a:schemeClr>
+              </a:solidFill>
+              <a:ln w="12700" cmpd="sng">
+                <a:solidFill>
+                  <a:srgbClr val="2C74A5"/>
+                </a:solidFill>
+              </a:ln>
+            </p:spPr>
+            <p:style>
+              <a:lnRef idx="2">
+                <a:schemeClr val="dk1"/>
+              </a:lnRef>
+              <a:fillRef idx="1">
+                <a:schemeClr val="lt1"/>
+              </a:fillRef>
+              <a:effectRef idx="0">
+                <a:schemeClr val="dk1"/>
+              </a:effectRef>
+              <a:fontRef idx="minor">
+                <a:schemeClr val="dk1"/>
+              </a:fontRef>
+            </p:style>
+            <p:txBody>
+              <a:bodyPr tIns="0" bIns="27432" rtlCol="0" anchor="ctr" anchorCtr="1"/>
+              <a:lstStyle/>
+              <a:p>
+                <a:pPr algn="ctr"/>
+                <a:r>
+                  <a:rPr lang="en-US" sz="1200" b="1" dirty="0" smtClean="0">
+                    <a:solidFill>
+                      <a:srgbClr val="2C74A5"/>
+                    </a:solidFill>
+                    <a:latin typeface="Arial Narrow"/>
+                    <a:cs typeface="Arial Narrow"/>
+                  </a:rPr>
+                  <a:t>help</a:t>
+                </a:r>
+                <a:endParaRPr lang="en-US" sz="2000" b="1" dirty="0">
+                  <a:solidFill>
+                    <a:srgbClr val="2C74A5"/>
+                  </a:solidFill>
+                  <a:latin typeface="Arial Narrow"/>
+                  <a:cs typeface="Arial Narrow"/>
+                </a:endParaRPr>
+              </a:p>
+            </p:txBody>
+          </p:sp>
+        </p:grpSp>
+        <p:grpSp>
+          <p:nvGrpSpPr>
+            <p:cNvPr id="21" name="Group 20"/>
+            <p:cNvGrpSpPr/>
+            <p:nvPr/>
+          </p:nvGrpSpPr>
+          <p:grpSpPr>
+            <a:xfrm>
+              <a:off x="3396458" y="3204497"/>
+              <a:ext cx="1735272" cy="229465"/>
+              <a:chOff x="3396458" y="3204497"/>
+              <a:chExt cx="1735272" cy="229465"/>
+            </a:xfrm>
+          </p:grpSpPr>
+          <p:sp>
+            <p:nvSpPr>
+              <p:cNvPr id="69" name="Rectangle 68"/>
+              <p:cNvSpPr/>
+              <p:nvPr/>
+            </p:nvSpPr>
+            <p:spPr>
+              <a:xfrm>
+                <a:off x="3396458" y="3204497"/>
+                <a:ext cx="914399" cy="229465"/>
+              </a:xfrm>
+              <a:prstGeom prst="rect">
+                <a:avLst/>
+              </a:prstGeom>
+              <a:solidFill>
+                <a:schemeClr val="bg1">
+                  <a:lumMod val="95000"/>
+                </a:schemeClr>
+              </a:solidFill>
+              <a:ln w="12700" cmpd="sng">
+                <a:solidFill>
+                  <a:srgbClr val="2C74A5"/>
+                </a:solidFill>
+              </a:ln>
+            </p:spPr>
+            <p:style>
+              <a:lnRef idx="2">
+                <a:schemeClr val="dk1"/>
+              </a:lnRef>
+              <a:fillRef idx="1">
+                <a:schemeClr val="lt1"/>
+              </a:fillRef>
+              <a:effectRef idx="0">
+                <a:schemeClr val="dk1"/>
+              </a:effectRef>
+              <a:fontRef idx="minor">
+                <a:schemeClr val="dk1"/>
+              </a:fontRef>
+            </p:style>
+            <p:txBody>
+              <a:bodyPr tIns="0" bIns="27432" rtlCol="0" anchor="ctr" anchorCtr="1"/>
+              <a:lstStyle/>
+              <a:p>
+                <a:pPr algn="ctr"/>
+                <a:r>
+                  <a:rPr lang="en-US" sz="1200" b="1" dirty="0" smtClean="0">
+                    <a:solidFill>
+                      <a:srgbClr val="2C74A5"/>
+                    </a:solidFill>
+                    <a:latin typeface="Arial Narrow"/>
+                    <a:cs typeface="Arial Narrow"/>
+                  </a:rPr>
+                  <a:t>store_name</a:t>
+                </a:r>
+                <a:endParaRPr lang="en-US" sz="2000" b="1" dirty="0">
+                  <a:solidFill>
+                    <a:srgbClr val="2C74A5"/>
+                  </a:solidFill>
+                  <a:latin typeface="Arial Narrow"/>
+                  <a:cs typeface="Arial Narrow"/>
+                </a:endParaRPr>
+              </a:p>
+            </p:txBody>
+          </p:sp>
+          <p:sp>
+            <p:nvSpPr>
+              <p:cNvPr id="70" name="Rectangle 69"/>
+              <p:cNvSpPr/>
+              <p:nvPr/>
+            </p:nvSpPr>
+            <p:spPr>
+              <a:xfrm>
+                <a:off x="4445930" y="3204497"/>
+                <a:ext cx="685800" cy="229465"/>
+              </a:xfrm>
+              <a:prstGeom prst="rect">
+                <a:avLst/>
+              </a:prstGeom>
+              <a:solidFill>
+                <a:schemeClr val="bg1">
+                  <a:lumMod val="95000"/>
+                </a:schemeClr>
+              </a:solidFill>
+              <a:ln w="12700" cmpd="sng">
+                <a:solidFill>
+                  <a:srgbClr val="2C74A5"/>
+                </a:solidFill>
+              </a:ln>
+            </p:spPr>
+            <p:style>
+              <a:lnRef idx="2">
+                <a:schemeClr val="dk1"/>
+              </a:lnRef>
+              <a:fillRef idx="1">
+                <a:schemeClr val="lt1"/>
+              </a:fillRef>
+              <a:effectRef idx="0">
+                <a:schemeClr val="dk1"/>
+              </a:effectRef>
+              <a:fontRef idx="minor">
+                <a:schemeClr val="dk1"/>
+              </a:fontRef>
+            </p:style>
+            <p:txBody>
+              <a:bodyPr tIns="0" bIns="27432" rtlCol="0" anchor="ctr" anchorCtr="1"/>
+              <a:lstStyle/>
+              <a:p>
+                <a:pPr algn="ctr"/>
+                <a:r>
+                  <a:rPr lang="en-US" sz="1200" b="1" dirty="0" smtClean="0">
+                    <a:solidFill>
+                      <a:srgbClr val="2C74A5"/>
+                    </a:solidFill>
+                    <a:latin typeface="Arial Narrow"/>
+                    <a:cs typeface="Arial Narrow"/>
+                  </a:rPr>
+                  <a:t>date</a:t>
+                </a:r>
+                <a:endParaRPr lang="en-US" sz="2000" b="1" dirty="0">
+                  <a:solidFill>
+                    <a:srgbClr val="2C74A5"/>
+                  </a:solidFill>
+                  <a:latin typeface="Arial Narrow"/>
+                  <a:cs typeface="Arial Narrow"/>
+                </a:endParaRPr>
+              </a:p>
+            </p:txBody>
+          </p:sp>
+        </p:grpSp>
+        <p:cxnSp>
+          <p:nvCxnSpPr>
+            <p:cNvPr id="71" name="Straight Connector 70"/>
+            <p:cNvCxnSpPr>
+              <a:endCxn id="69" idx="0"/>
+            </p:cNvCxnSpPr>
+            <p:nvPr/>
+          </p:nvCxnSpPr>
+          <p:spPr>
+            <a:xfrm>
+              <a:off x="3853658" y="3026357"/>
+              <a:ext cx="0" cy="178140"/>
+            </a:xfrm>
+            <a:prstGeom prst="line">
+              <a:avLst/>
+            </a:prstGeom>
+            <a:ln>
+              <a:solidFill>
+                <a:srgbClr val="7F7F7F"/>
+              </a:solidFill>
+            </a:ln>
+          </p:spPr>
+          <p:style>
+            <a:lnRef idx="1">
+              <a:schemeClr val="dk1"/>
+            </a:lnRef>
+            <a:fillRef idx="0">
+              <a:schemeClr val="dk1"/>
+            </a:fillRef>
+            <a:effectRef idx="0">
+              <a:schemeClr val="dk1"/>
+            </a:effectRef>
+            <a:fontRef idx="minor">
+              <a:schemeClr val="tx1"/>
+            </a:fontRef>
+          </p:style>
+        </p:cxnSp>
+        <p:cxnSp>
+          <p:nvCxnSpPr>
+            <p:cNvPr id="73" name="Straight Connector 72"/>
+            <p:cNvCxnSpPr/>
+            <p:nvPr/>
+          </p:nvCxnSpPr>
+          <p:spPr>
+            <a:xfrm flipH="1">
+              <a:off x="3853658" y="3026357"/>
+              <a:ext cx="938307" cy="0"/>
+            </a:xfrm>
+            <a:prstGeom prst="line">
+              <a:avLst/>
+            </a:prstGeom>
+            <a:ln>
+              <a:solidFill>
+                <a:srgbClr val="7F7F7F"/>
+              </a:solidFill>
+            </a:ln>
+          </p:spPr>
+          <p:style>
+            <a:lnRef idx="1">
+              <a:schemeClr val="dk1"/>
+            </a:lnRef>
+            <a:fillRef idx="0">
+              <a:schemeClr val="dk1"/>
+            </a:fillRef>
+            <a:effectRef idx="0">
+              <a:schemeClr val="dk1"/>
+            </a:effectRef>
+            <a:fontRef idx="minor">
+              <a:schemeClr val="tx1"/>
+            </a:fontRef>
+          </p:style>
+        </p:cxnSp>
+        <p:cxnSp>
+          <p:nvCxnSpPr>
+            <p:cNvPr id="75" name="Straight Connector 74"/>
+            <p:cNvCxnSpPr/>
+            <p:nvPr/>
+          </p:nvCxnSpPr>
+          <p:spPr>
+            <a:xfrm>
+              <a:off x="4791965" y="3026357"/>
+              <a:ext cx="0" cy="178140"/>
+            </a:xfrm>
+            <a:prstGeom prst="line">
+              <a:avLst/>
+            </a:prstGeom>
+            <a:ln>
+              <a:solidFill>
+                <a:srgbClr val="7F7F7F"/>
+              </a:solidFill>
+            </a:ln>
+          </p:spPr>
+          <p:style>
+            <a:lnRef idx="1">
+              <a:schemeClr val="dk1"/>
+            </a:lnRef>
+            <a:fillRef idx="0">
+              <a:schemeClr val="dk1"/>
+            </a:fillRef>
+            <a:effectRef idx="0">
+              <a:schemeClr val="dk1"/>
+            </a:effectRef>
+            <a:fontRef idx="minor">
+              <a:schemeClr val="tx1"/>
+            </a:fontRef>
+          </p:style>
+        </p:cxnSp>
+        <p:cxnSp>
+          <p:nvCxnSpPr>
+            <p:cNvPr id="80" name="Straight Connector 79"/>
+            <p:cNvCxnSpPr/>
+            <p:nvPr/>
+          </p:nvCxnSpPr>
+          <p:spPr>
+            <a:xfrm>
+              <a:off x="4369173" y="2848217"/>
+              <a:ext cx="0" cy="178140"/>
+            </a:xfrm>
+            <a:prstGeom prst="line">
+              <a:avLst/>
+            </a:prstGeom>
+            <a:ln>
+              <a:solidFill>
+                <a:srgbClr val="7F7F7F"/>
+              </a:solidFill>
+            </a:ln>
+          </p:spPr>
+          <p:style>
+            <a:lnRef idx="1">
+              <a:schemeClr val="dk1"/>
+            </a:lnRef>
+            <a:fillRef idx="0">
+              <a:schemeClr val="dk1"/>
+            </a:fillRef>
+            <a:effectRef idx="0">
+              <a:schemeClr val="dk1"/>
+            </a:effectRef>
+            <a:fontRef idx="minor">
+              <a:schemeClr val="tx1"/>
+            </a:fontRef>
+          </p:style>
+        </p:cxnSp>
+        <p:cxnSp>
+          <p:nvCxnSpPr>
+            <p:cNvPr id="81" name="Straight Connector 80"/>
+            <p:cNvCxnSpPr/>
+            <p:nvPr/>
+          </p:nvCxnSpPr>
+          <p:spPr>
+            <a:xfrm>
+              <a:off x="3214456" y="2429111"/>
+              <a:ext cx="0" cy="178140"/>
+            </a:xfrm>
+            <a:prstGeom prst="line">
+              <a:avLst/>
+            </a:prstGeom>
+            <a:ln>
+              <a:solidFill>
+                <a:srgbClr val="7F7F7F"/>
+              </a:solidFill>
+            </a:ln>
+          </p:spPr>
+          <p:style>
+            <a:lnRef idx="1">
+              <a:schemeClr val="dk1"/>
+            </a:lnRef>
+            <a:fillRef idx="0">
+              <a:schemeClr val="dk1"/>
+            </a:fillRef>
+            <a:effectRef idx="0">
+              <a:schemeClr val="dk1"/>
+            </a:effectRef>
+            <a:fontRef idx="minor">
+              <a:schemeClr val="tx1"/>
+            </a:fontRef>
+          </p:style>
+        </p:cxnSp>
+        <p:cxnSp>
+          <p:nvCxnSpPr>
+            <p:cNvPr id="82" name="Straight Connector 81"/>
+            <p:cNvCxnSpPr/>
+            <p:nvPr/>
+          </p:nvCxnSpPr>
+          <p:spPr>
+            <a:xfrm flipH="1">
+              <a:off x="3211968" y="2429111"/>
+              <a:ext cx="4630019" cy="0"/>
+            </a:xfrm>
+            <a:prstGeom prst="line">
+              <a:avLst/>
+            </a:prstGeom>
+            <a:ln>
+              <a:solidFill>
+                <a:srgbClr val="7F7F7F"/>
+              </a:solidFill>
+            </a:ln>
+          </p:spPr>
+          <p:style>
+            <a:lnRef idx="1">
+              <a:schemeClr val="dk1"/>
+            </a:lnRef>
+            <a:fillRef idx="0">
+              <a:schemeClr val="dk1"/>
+            </a:fillRef>
+            <a:effectRef idx="0">
+              <a:schemeClr val="dk1"/>
+            </a:effectRef>
+            <a:fontRef idx="minor">
+              <a:schemeClr val="tx1"/>
+            </a:fontRef>
+          </p:style>
+        </p:cxnSp>
+        <p:cxnSp>
+          <p:nvCxnSpPr>
+            <p:cNvPr id="83" name="Straight Connector 82"/>
+            <p:cNvCxnSpPr/>
+            <p:nvPr/>
+          </p:nvCxnSpPr>
+          <p:spPr>
+            <a:xfrm>
+              <a:off x="7034423" y="2429111"/>
+              <a:ext cx="0" cy="178140"/>
+            </a:xfrm>
+            <a:prstGeom prst="line">
+              <a:avLst/>
+            </a:prstGeom>
+            <a:ln>
+              <a:solidFill>
+                <a:srgbClr val="7F7F7F"/>
+              </a:solidFill>
+            </a:ln>
+          </p:spPr>
+          <p:style>
+            <a:lnRef idx="1">
+              <a:schemeClr val="dk1"/>
+            </a:lnRef>
+            <a:fillRef idx="0">
+              <a:schemeClr val="dk1"/>
+            </a:fillRef>
+            <a:effectRef idx="0">
+              <a:schemeClr val="dk1"/>
+            </a:effectRef>
+            <a:fontRef idx="minor">
+              <a:schemeClr val="tx1"/>
+            </a:fontRef>
+          </p:style>
+        </p:cxnSp>
+        <p:cxnSp>
+          <p:nvCxnSpPr>
+            <p:cNvPr id="84" name="Straight Connector 83"/>
+            <p:cNvCxnSpPr/>
+            <p:nvPr/>
+          </p:nvCxnSpPr>
+          <p:spPr>
+            <a:xfrm>
+              <a:off x="5649179" y="2250971"/>
+              <a:ext cx="0" cy="178140"/>
+            </a:xfrm>
+            <a:prstGeom prst="line">
+              <a:avLst/>
+            </a:prstGeom>
+            <a:ln>
+              <a:solidFill>
+                <a:srgbClr val="7F7F7F"/>
+              </a:solidFill>
+            </a:ln>
+          </p:spPr>
+          <p:style>
+            <a:lnRef idx="1">
+              <a:schemeClr val="dk1"/>
+            </a:lnRef>
+            <a:fillRef idx="0">
+              <a:schemeClr val="dk1"/>
+            </a:fillRef>
+            <a:effectRef idx="0">
+              <a:schemeClr val="dk1"/>
+            </a:effectRef>
+            <a:fontRef idx="minor">
+              <a:schemeClr val="tx1"/>
+            </a:fontRef>
+          </p:style>
+        </p:cxnSp>
+        <p:cxnSp>
+          <p:nvCxnSpPr>
+            <p:cNvPr id="87" name="Straight Connector 86"/>
+            <p:cNvCxnSpPr/>
+            <p:nvPr/>
+          </p:nvCxnSpPr>
+          <p:spPr>
+            <a:xfrm>
+              <a:off x="4369173" y="2434861"/>
+              <a:ext cx="0" cy="178140"/>
+            </a:xfrm>
+            <a:prstGeom prst="line">
+              <a:avLst/>
+            </a:prstGeom>
+            <a:ln>
+              <a:solidFill>
+                <a:srgbClr val="7F7F7F"/>
+              </a:solidFill>
+            </a:ln>
+          </p:spPr>
+          <p:style>
+            <a:lnRef idx="1">
+              <a:schemeClr val="dk1"/>
+            </a:lnRef>
+            <a:fillRef idx="0">
+              <a:schemeClr val="dk1"/>
+            </a:fillRef>
+            <a:effectRef idx="0">
+              <a:schemeClr val="dk1"/>
+            </a:effectRef>
+            <a:fontRef idx="minor">
+              <a:schemeClr val="tx1"/>
+            </a:fontRef>
+          </p:style>
+        </p:cxnSp>
+        <p:cxnSp>
+          <p:nvCxnSpPr>
+            <p:cNvPr id="88" name="Straight Connector 87"/>
+            <p:cNvCxnSpPr/>
+            <p:nvPr/>
+          </p:nvCxnSpPr>
+          <p:spPr>
+            <a:xfrm>
+              <a:off x="5894064" y="2429221"/>
+              <a:ext cx="0" cy="178140"/>
+            </a:xfrm>
+            <a:prstGeom prst="line">
+              <a:avLst/>
+            </a:prstGeom>
+            <a:ln>
+              <a:solidFill>
+                <a:srgbClr val="7F7F7F"/>
+              </a:solidFill>
+            </a:ln>
+          </p:spPr>
+          <p:style>
+            <a:lnRef idx="1">
+              <a:schemeClr val="dk1"/>
+            </a:lnRef>
+            <a:fillRef idx="0">
+              <a:schemeClr val="dk1"/>
+            </a:fillRef>
+            <a:effectRef idx="0">
+              <a:schemeClr val="dk1"/>
+            </a:effectRef>
+            <a:fontRef idx="minor">
+              <a:schemeClr val="tx1"/>
+            </a:fontRef>
+          </p:style>
+        </p:cxnSp>
+        <p:cxnSp>
+          <p:nvCxnSpPr>
+            <p:cNvPr id="89" name="Straight Connector 88"/>
+            <p:cNvCxnSpPr/>
+            <p:nvPr/>
+          </p:nvCxnSpPr>
+          <p:spPr>
+            <a:xfrm>
+              <a:off x="7840384" y="2429111"/>
+              <a:ext cx="0" cy="178140"/>
+            </a:xfrm>
+            <a:prstGeom prst="line">
+              <a:avLst/>
+            </a:prstGeom>
+            <a:ln>
+              <a:solidFill>
+                <a:srgbClr val="7F7F7F"/>
+              </a:solidFill>
+            </a:ln>
+          </p:spPr>
+          <p:style>
+            <a:lnRef idx="1">
+              <a:schemeClr val="dk1"/>
+            </a:lnRef>
+            <a:fillRef idx="0">
+              <a:schemeClr val="dk1"/>
+            </a:fillRef>
+            <a:effectRef idx="0">
+              <a:schemeClr val="dk1"/>
+            </a:effectRef>
+            <a:fontRef idx="minor">
+              <a:schemeClr val="tx1"/>
+            </a:fontRef>
+          </p:style>
+        </p:cxnSp>
+        <p:cxnSp>
+          <p:nvCxnSpPr>
+            <p:cNvPr id="90" name="Straight Connector 89"/>
+            <p:cNvCxnSpPr>
+              <a:stCxn id="4" idx="2"/>
+              <a:endCxn id="7" idx="0"/>
+            </p:cNvCxnSpPr>
+            <p:nvPr/>
+          </p:nvCxnSpPr>
+          <p:spPr>
+            <a:xfrm>
+              <a:off x="5643245" y="1659476"/>
+              <a:ext cx="0" cy="362030"/>
+            </a:xfrm>
+            <a:prstGeom prst="line">
+              <a:avLst/>
+            </a:prstGeom>
+            <a:ln>
+              <a:solidFill>
+                <a:srgbClr val="7F7F7F"/>
+              </a:solidFill>
+            </a:ln>
+          </p:spPr>
+          <p:style>
+            <a:lnRef idx="1">
+              <a:schemeClr val="dk1"/>
+            </a:lnRef>
+            <a:fillRef idx="0">
+              <a:schemeClr val="dk1"/>
+            </a:fillRef>
+            <a:effectRef idx="0">
+              <a:schemeClr val="dk1"/>
+            </a:effectRef>
+            <a:fontRef idx="minor">
+              <a:schemeClr val="tx1"/>
+            </a:fontRef>
+          </p:style>
+        </p:cxnSp>
+      </p:grpSp>
+    </p:spTree>
+    <p:extLst>
+      <p:ext uri="{BB962C8B-B14F-4D97-AF65-F5344CB8AC3E}">
+        <p14:creationId xmlns:p14="http://schemas.microsoft.com/office/powerpoint/2010/main" val="619296756"/>
+      </p:ext>
+    </p:extLst>
+  </p:cSld>
+  <p:clrMapOvr>
+    <a:masterClrMapping/>
+  </p:clrMapOvr>
+</p:sld>
+</file>
+
+<file path=ppt/slides/slide4.xml><?xml version="1.0" encoding="utf-8"?>
+<p:sld xmlns:a="http://schemas.openxmlformats.org/drawingml/2006/main" xmlns:r="http://schemas.openxmlformats.org/officeDocument/2006/relationships" xmlns:p="http://schemas.openxmlformats.org/presentationml/2006/main">
+  <p:cSld>
+    <p:spTree>
+      <p:nvGrpSpPr>
+        <p:cNvPr id="1" name=""/>
+        <p:cNvGrpSpPr/>
+        <p:nvPr/>
+      </p:nvGrpSpPr>
+      <p:grpSpPr>
+        <a:xfrm>
+          <a:off x="0" y="0"/>
+          <a:ext cx="0" cy="0"/>
+          <a:chOff x="0" y="0"/>
+          <a:chExt cx="0" cy="0"/>
+        </a:xfrm>
+      </p:grpSpPr>
+      <p:sp>
+        <p:nvSpPr>
+          <p:cNvPr id="2" name="Slide Number Placeholder 1"/>
+          <p:cNvSpPr>
+            <a:spLocks noGrp="1"/>
+          </p:cNvSpPr>
+          <p:nvPr>
+            <p:ph type="sldNum" sz="quarter" idx="12"/>
+          </p:nvPr>
+        </p:nvSpPr>
+        <p:spPr/>
+        <p:txBody>
+          <a:bodyPr/>
+          <a:lstStyle/>
+          <a:p>
+            <a:fld id="{D01B2998-00A9-9E41-AB29-A15A35C12BAC}" type="slidenum">
+              <a:rPr lang="en-US" smtClean="0"/>
+              <a:t>4</a:t>
+            </a:fld>
+            <a:endParaRPr lang="en-US" dirty="0"/>
+          </a:p>
+        </p:txBody>
+      </p:sp>
+      <p:grpSp>
+        <p:nvGrpSpPr>
+          <p:cNvPr id="15" name="Group 14"/>
+          <p:cNvGrpSpPr/>
+          <p:nvPr/>
+        </p:nvGrpSpPr>
+        <p:grpSpPr>
+          <a:xfrm>
+            <a:off x="1351366" y="1830406"/>
+            <a:ext cx="5939838" cy="2970554"/>
+            <a:chOff x="512573" y="652906"/>
+            <a:chExt cx="5939838" cy="2970554"/>
+          </a:xfrm>
+        </p:grpSpPr>
+        <p:grpSp>
+          <p:nvGrpSpPr>
+            <p:cNvPr id="14" name="Group 13"/>
+            <p:cNvGrpSpPr/>
+            <p:nvPr/>
+          </p:nvGrpSpPr>
+          <p:grpSpPr>
+            <a:xfrm>
+              <a:off x="2431663" y="657194"/>
+              <a:ext cx="2938376" cy="279509"/>
+              <a:chOff x="2471528" y="617329"/>
+              <a:chExt cx="2938376" cy="279509"/>
+            </a:xfrm>
+          </p:grpSpPr>
+          <p:sp>
+            <p:nvSpPr>
+              <p:cNvPr id="43" name="TextBox 42"/>
+              <p:cNvSpPr txBox="1"/>
+              <p:nvPr/>
+            </p:nvSpPr>
+            <p:spPr>
+              <a:xfrm>
+                <a:off x="2471528" y="617329"/>
+                <a:ext cx="682417" cy="276999"/>
+              </a:xfrm>
+              <a:prstGeom prst="rect">
+                <a:avLst/>
+              </a:prstGeom>
+              <a:noFill/>
+            </p:spPr>
+            <p:txBody>
+              <a:bodyPr wrap="none" rtlCol="0">
+                <a:spAutoFit/>
+              </a:bodyPr>
+              <a:lstStyle/>
+              <a:p>
+                <a:r>
+                  <a:rPr lang="en-US" sz="1100" dirty="0">
+                    <a:solidFill>
+                      <a:schemeClr val="bg1">
+                        <a:lumMod val="65000"/>
+                      </a:schemeClr>
+                    </a:solidFill>
+                    <a:latin typeface="Arial Narrow"/>
+                    <a:cs typeface="Arial Narrow"/>
+                    <a:sym typeface="Wingdings"/>
+                  </a:rPr>
+                  <a:t>DOMAIN</a:t>
+                </a:r>
+                <a:r>
+                  <a:rPr lang="en-US" sz="1200" dirty="0">
+                    <a:solidFill>
+                      <a:schemeClr val="bg1">
+                        <a:lumMod val="65000"/>
+                      </a:schemeClr>
+                    </a:solidFill>
+                    <a:latin typeface="Arial Narrow"/>
+                    <a:cs typeface="Arial Narrow"/>
+                    <a:sym typeface="Wingdings"/>
+                  </a:rPr>
+                  <a:t>: </a:t>
+                </a:r>
+                <a:endParaRPr lang="en-US" sz="1100" dirty="0"/>
+              </a:p>
+            </p:txBody>
+          </p:sp>
+          <p:sp>
+            <p:nvSpPr>
+              <p:cNvPr id="5" name="Rounded Rectangle 4"/>
+              <p:cNvSpPr/>
+              <p:nvPr/>
+            </p:nvSpPr>
+            <p:spPr>
+              <a:xfrm>
+                <a:off x="3109274" y="674279"/>
+                <a:ext cx="1056117" cy="193466"/>
+              </a:xfrm>
+              <a:prstGeom prst="roundRect">
+                <a:avLst/>
+              </a:prstGeom>
+              <a:ln w="12700" cmpd="sng">
+                <a:solidFill>
+                  <a:schemeClr val="bg1">
+                    <a:lumMod val="85000"/>
+                  </a:schemeClr>
+                </a:solidFill>
+              </a:ln>
+            </p:spPr>
+            <p:style>
+              <a:lnRef idx="2">
+                <a:schemeClr val="accent6"/>
+              </a:lnRef>
+              <a:fillRef idx="1">
+                <a:schemeClr val="lt1"/>
+              </a:fillRef>
+              <a:effectRef idx="0">
+                <a:schemeClr val="accent6"/>
+              </a:effectRef>
+              <a:fontRef idx="minor">
+                <a:schemeClr val="dk1"/>
+              </a:fontRef>
+            </p:style>
+            <p:txBody>
+              <a:bodyPr lIns="0" tIns="0" rIns="0" bIns="45720" rtlCol="0" anchor="ctr" anchorCtr="1"/>
+              <a:lstStyle/>
+              <a:p>
+                <a:pPr algn="ctr"/>
+                <a:r>
+                  <a:rPr lang="en-US" sz="1200" dirty="0" smtClean="0">
+                    <a:solidFill>
+                      <a:srgbClr val="E74C3C"/>
+                    </a:solidFill>
+                    <a:latin typeface="Consolas"/>
+                    <a:cs typeface="Consolas"/>
+                  </a:rPr>
+                  <a:t>store_info</a:t>
+                </a:r>
+                <a:endParaRPr lang="en-US" sz="1200" dirty="0">
+                  <a:solidFill>
+                    <a:srgbClr val="E74C3C"/>
+                  </a:solidFill>
+                  <a:latin typeface="Consolas"/>
+                  <a:cs typeface="Consolas"/>
+                </a:endParaRPr>
+              </a:p>
+            </p:txBody>
+          </p:sp>
+          <p:sp>
+            <p:nvSpPr>
+              <p:cNvPr id="46" name="TextBox 45"/>
+              <p:cNvSpPr txBox="1"/>
+              <p:nvPr/>
+            </p:nvSpPr>
+            <p:spPr>
+              <a:xfrm>
+                <a:off x="4200448" y="619839"/>
+                <a:ext cx="637370" cy="276999"/>
+              </a:xfrm>
+              <a:prstGeom prst="rect">
+                <a:avLst/>
+              </a:prstGeom>
+              <a:noFill/>
+            </p:spPr>
+            <p:txBody>
+              <a:bodyPr wrap="none" rtlCol="0">
+                <a:spAutoFit/>
+              </a:bodyPr>
+              <a:lstStyle/>
+              <a:p>
+                <a:r>
+                  <a:rPr lang="en-US" sz="1100" dirty="0" smtClean="0">
+                    <a:solidFill>
+                      <a:schemeClr val="bg1">
+                        <a:lumMod val="65000"/>
+                      </a:schemeClr>
+                    </a:solidFill>
+                    <a:latin typeface="Arial Narrow"/>
+                    <a:cs typeface="Arial Narrow"/>
+                    <a:sym typeface="Wingdings"/>
+                  </a:rPr>
+                  <a:t>INTENT</a:t>
+                </a:r>
+                <a:r>
+                  <a:rPr lang="en-US" sz="1200" dirty="0" smtClean="0">
+                    <a:solidFill>
+                      <a:schemeClr val="bg1">
+                        <a:lumMod val="65000"/>
+                      </a:schemeClr>
+                    </a:solidFill>
+                    <a:latin typeface="Arial Narrow"/>
+                    <a:cs typeface="Arial Narrow"/>
+                    <a:sym typeface="Wingdings"/>
+                  </a:rPr>
+                  <a:t>: </a:t>
+                </a:r>
+                <a:endParaRPr lang="en-US" sz="1100" dirty="0"/>
+              </a:p>
+            </p:txBody>
+          </p:sp>
+          <p:sp>
+            <p:nvSpPr>
+              <p:cNvPr id="47" name="Rounded Rectangle 46"/>
+              <p:cNvSpPr/>
+              <p:nvPr/>
+            </p:nvSpPr>
+            <p:spPr>
+              <a:xfrm>
+                <a:off x="4776059" y="674279"/>
+                <a:ext cx="633845" cy="193466"/>
+              </a:xfrm>
+              <a:prstGeom prst="roundRect">
+                <a:avLst/>
+              </a:prstGeom>
+              <a:ln w="12700" cmpd="sng">
+                <a:solidFill>
+                  <a:schemeClr val="bg1">
+                    <a:lumMod val="85000"/>
+                  </a:schemeClr>
+                </a:solidFill>
+              </a:ln>
+            </p:spPr>
+            <p:style>
+              <a:lnRef idx="2">
+                <a:schemeClr val="accent6"/>
+              </a:lnRef>
+              <a:fillRef idx="1">
+                <a:schemeClr val="lt1"/>
+              </a:fillRef>
+              <a:effectRef idx="0">
+                <a:schemeClr val="accent6"/>
+              </a:effectRef>
+              <a:fontRef idx="minor">
+                <a:schemeClr val="dk1"/>
+              </a:fontRef>
+            </p:style>
+            <p:txBody>
+              <a:bodyPr lIns="0" tIns="0" rIns="0" bIns="45720" rtlCol="0" anchor="ctr" anchorCtr="1"/>
+              <a:lstStyle/>
+              <a:p>
+                <a:pPr algn="ctr"/>
+                <a:r>
+                  <a:rPr lang="en-US" sz="1200" dirty="0" smtClean="0">
+                    <a:solidFill>
+                      <a:srgbClr val="E74C3C"/>
+                    </a:solidFill>
+                    <a:latin typeface="Consolas"/>
+                    <a:cs typeface="Consolas"/>
+                  </a:rPr>
+                  <a:t>greet</a:t>
+                </a:r>
+                <a:endParaRPr lang="en-US" sz="1200" dirty="0">
+                  <a:solidFill>
+                    <a:srgbClr val="E74C3C"/>
+                  </a:solidFill>
+                  <a:latin typeface="Consolas"/>
+                  <a:cs typeface="Consolas"/>
+                </a:endParaRPr>
+              </a:p>
+            </p:txBody>
+          </p:sp>
+        </p:grpSp>
+        <p:sp>
+          <p:nvSpPr>
+            <p:cNvPr id="51" name="TextBox 50"/>
+            <p:cNvSpPr txBox="1"/>
+            <p:nvPr/>
+          </p:nvSpPr>
+          <p:spPr>
+            <a:xfrm>
+              <a:off x="2429332" y="1432863"/>
+              <a:ext cx="740344" cy="276999"/>
+            </a:xfrm>
+            <a:prstGeom prst="rect">
+              <a:avLst/>
+            </a:prstGeom>
+            <a:noFill/>
+          </p:spPr>
+          <p:txBody>
+            <a:bodyPr wrap="none" rtlCol="0">
+              <a:spAutoFit/>
+            </a:bodyPr>
+            <a:lstStyle/>
+            <a:p>
+              <a:r>
+                <a:rPr lang="en-US" sz="1100" dirty="0" smtClean="0">
+                  <a:solidFill>
+                    <a:schemeClr val="bg1">
+                      <a:lumMod val="65000"/>
+                    </a:schemeClr>
+                  </a:solidFill>
+                  <a:latin typeface="Arial Narrow"/>
+                  <a:cs typeface="Arial Narrow"/>
+                  <a:sym typeface="Wingdings"/>
+                </a:rPr>
+                <a:t>ENTITIES</a:t>
+              </a:r>
+              <a:r>
+                <a:rPr lang="en-US" sz="1200" dirty="0" smtClean="0">
+                  <a:solidFill>
+                    <a:schemeClr val="bg1">
+                      <a:lumMod val="65000"/>
+                    </a:schemeClr>
+                  </a:solidFill>
+                  <a:latin typeface="Arial Narrow"/>
+                  <a:cs typeface="Arial Narrow"/>
+                  <a:sym typeface="Wingdings"/>
+                </a:rPr>
+                <a:t>: </a:t>
+              </a:r>
+              <a:endParaRPr lang="en-US" sz="1100" dirty="0"/>
+            </a:p>
+          </p:txBody>
+        </p:sp>
+        <p:sp>
+          <p:nvSpPr>
+            <p:cNvPr id="52" name="Rounded Rectangle 51"/>
+            <p:cNvSpPr/>
+            <p:nvPr/>
+          </p:nvSpPr>
+          <p:spPr>
+            <a:xfrm>
+              <a:off x="3118331" y="1487303"/>
+              <a:ext cx="1847690" cy="193466"/>
+            </a:xfrm>
+            <a:prstGeom prst="roundRect">
+              <a:avLst/>
+            </a:prstGeom>
+            <a:ln w="12700" cmpd="sng">
+              <a:solidFill>
+                <a:schemeClr val="bg1">
+                  <a:lumMod val="85000"/>
+                </a:schemeClr>
+              </a:solidFill>
+            </a:ln>
+          </p:spPr>
+          <p:style>
+            <a:lnRef idx="2">
+              <a:schemeClr val="accent6"/>
+            </a:lnRef>
+            <a:fillRef idx="1">
+              <a:schemeClr val="lt1"/>
+            </a:fillRef>
+            <a:effectRef idx="0">
+              <a:schemeClr val="accent6"/>
+            </a:effectRef>
+            <a:fontRef idx="minor">
+              <a:schemeClr val="dk1"/>
+            </a:fontRef>
+          </p:style>
+          <p:txBody>
+            <a:bodyPr lIns="0" tIns="0" rIns="0" bIns="27432" rtlCol="0" anchor="ctr" anchorCtr="1"/>
+            <a:lstStyle/>
+            <a:p>
+              <a:pPr algn="ctr"/>
+              <a:r>
+                <a:rPr lang="en-US" sz="1100" dirty="0" smtClean="0">
+                  <a:solidFill>
+                    <a:schemeClr val="tx1">
+                      <a:lumMod val="50000"/>
+                      <a:lumOff val="50000"/>
+                    </a:schemeClr>
+                  </a:solidFill>
+                  <a:latin typeface="+mj-lt"/>
+                  <a:cs typeface="Consolas"/>
+                </a:rPr>
+                <a:t>Elm Street </a:t>
+              </a:r>
+              <a:r>
+                <a:rPr lang="en-US" sz="1200" dirty="0" smtClean="0">
+                  <a:solidFill>
+                    <a:srgbClr val="E74C3C"/>
+                  </a:solidFill>
+                  <a:latin typeface="Consolas"/>
+                  <a:cs typeface="Consolas"/>
+                </a:rPr>
+                <a:t>|store_name</a:t>
+              </a:r>
+              <a:endParaRPr lang="en-US" sz="1200" dirty="0">
+                <a:solidFill>
+                  <a:srgbClr val="E74C3C"/>
+                </a:solidFill>
+                <a:latin typeface="Consolas"/>
+                <a:cs typeface="Consolas"/>
+              </a:endParaRPr>
+            </a:p>
+          </p:txBody>
+        </p:sp>
+        <p:grpSp>
+          <p:nvGrpSpPr>
+            <p:cNvPr id="11" name="Group 10"/>
+            <p:cNvGrpSpPr/>
+            <p:nvPr/>
+          </p:nvGrpSpPr>
+          <p:grpSpPr>
+            <a:xfrm>
+              <a:off x="1453358" y="652906"/>
+              <a:ext cx="1003660" cy="307777"/>
+              <a:chOff x="1112150" y="1404623"/>
+              <a:chExt cx="1003660" cy="307777"/>
+            </a:xfrm>
+          </p:grpSpPr>
+          <p:sp>
+            <p:nvSpPr>
+              <p:cNvPr id="34" name="Rounded Rectangle 33"/>
+              <p:cNvSpPr/>
+              <p:nvPr/>
+            </p:nvSpPr>
+            <p:spPr>
+              <a:xfrm>
+                <a:off x="1112150" y="1417302"/>
+                <a:ext cx="572560" cy="282419"/>
+              </a:xfrm>
+              <a:prstGeom prst="roundRect">
+                <a:avLst>
+                  <a:gd name="adj" fmla="val 34525"/>
+                </a:avLst>
+              </a:prstGeom>
+              <a:solidFill>
+                <a:srgbClr val="1C73E1">
+                  <a:alpha val="71000"/>
+                </a:srgbClr>
+              </a:solidFill>
+              <a:ln>
+                <a:noFill/>
+              </a:ln>
+              <a:effectLst>
+                <a:outerShdw blurRad="50800" dist="38100" dir="2700000" algn="tl" rotWithShape="0">
+                  <a:prstClr val="black">
+                    <a:alpha val="40000"/>
+                  </a:prstClr>
+                </a:outerShdw>
+              </a:effectLst>
+            </p:spPr>
+            <p:style>
+              <a:lnRef idx="2">
+                <a:schemeClr val="dk1"/>
+              </a:lnRef>
+              <a:fillRef idx="1">
+                <a:schemeClr val="lt1"/>
+              </a:fillRef>
+              <a:effectRef idx="0">
+                <a:schemeClr val="dk1"/>
+              </a:effectRef>
+              <a:fontRef idx="minor">
+                <a:schemeClr val="dk1"/>
+              </a:fontRef>
+            </p:style>
+            <p:txBody>
+              <a:bodyPr tIns="36576" bIns="36576" rtlCol="0" anchor="t" anchorCtr="0"/>
+              <a:lstStyle/>
+              <a:p>
+                <a:r>
+                  <a:rPr lang="en-US" sz="900" dirty="0">
+                    <a:solidFill>
+                      <a:srgbClr val="FFFFFF"/>
+                    </a:solidFill>
+                  </a:rPr>
+                  <a:t>H</a:t>
+                </a:r>
+                <a:r>
+                  <a:rPr lang="en-US" sz="900" dirty="0" smtClean="0">
+                    <a:solidFill>
+                      <a:srgbClr val="FFFFFF"/>
+                    </a:solidFill>
+                  </a:rPr>
+                  <a:t>ello</a:t>
+                </a:r>
+              </a:p>
+              <a:p>
+                <a:endParaRPr lang="en-US" sz="900" dirty="0">
+                  <a:solidFill>
+                    <a:srgbClr val="FFFFFF"/>
+                  </a:solidFill>
+                </a:endParaRPr>
+              </a:p>
+              <a:p>
+                <a:endParaRPr lang="en-US" sz="900" dirty="0">
+                  <a:solidFill>
+                    <a:srgbClr val="FFFFFF"/>
+                  </a:solidFill>
+                </a:endParaRPr>
+              </a:p>
+            </p:txBody>
+          </p:sp>
+          <p:sp>
+            <p:nvSpPr>
+              <p:cNvPr id="53" name="TextBox 52"/>
+              <p:cNvSpPr txBox="1"/>
+              <p:nvPr/>
+            </p:nvSpPr>
+            <p:spPr>
+              <a:xfrm>
+                <a:off x="1755290" y="1404623"/>
+                <a:ext cx="360520" cy="307777"/>
+              </a:xfrm>
+              <a:prstGeom prst="rect">
+                <a:avLst/>
+              </a:prstGeom>
+              <a:noFill/>
+            </p:spPr>
+            <p:txBody>
+              <a:bodyPr wrap="none" rtlCol="0">
+                <a:spAutoFit/>
+              </a:bodyPr>
+              <a:lstStyle/>
+              <a:p>
+                <a:r>
+                  <a:rPr lang="en-US" sz="1400" dirty="0" smtClean="0">
+                    <a:solidFill>
+                      <a:schemeClr val="bg1">
+                        <a:lumMod val="65000"/>
+                      </a:schemeClr>
+                    </a:solidFill>
+                    <a:latin typeface="Arial Narrow"/>
+                    <a:cs typeface="Arial Narrow"/>
+                    <a:sym typeface="Wingdings"/>
+                  </a:rPr>
+                  <a:t></a:t>
+                </a:r>
+                <a:endParaRPr lang="en-US" sz="1400" dirty="0"/>
+              </a:p>
+            </p:txBody>
+          </p:sp>
+        </p:grpSp>
+        <p:grpSp>
+          <p:nvGrpSpPr>
+            <p:cNvPr id="10" name="Group 9"/>
+            <p:cNvGrpSpPr/>
+            <p:nvPr/>
+          </p:nvGrpSpPr>
+          <p:grpSpPr>
+            <a:xfrm>
+              <a:off x="512573" y="1256385"/>
+              <a:ext cx="1944445" cy="390731"/>
+              <a:chOff x="171365" y="2001695"/>
+              <a:chExt cx="1944445" cy="390731"/>
+            </a:xfrm>
+          </p:grpSpPr>
+          <p:sp>
+            <p:nvSpPr>
+              <p:cNvPr id="45" name="Rounded Rectangle 44"/>
+              <p:cNvSpPr/>
+              <p:nvPr/>
+            </p:nvSpPr>
+            <p:spPr>
+              <a:xfrm>
+                <a:off x="171365" y="2001695"/>
+                <a:ext cx="1513345" cy="390731"/>
+              </a:xfrm>
+              <a:prstGeom prst="roundRect">
+                <a:avLst>
+                  <a:gd name="adj" fmla="val 21012"/>
+                </a:avLst>
+              </a:prstGeom>
+              <a:solidFill>
+                <a:srgbClr val="1C73E1">
+                  <a:alpha val="71000"/>
+                </a:srgbClr>
+              </a:solidFill>
+              <a:ln>
+                <a:noFill/>
+              </a:ln>
+              <a:effectLst>
+                <a:outerShdw blurRad="50800" dist="38100" dir="2700000" algn="tl" rotWithShape="0">
+                  <a:prstClr val="black">
+                    <a:alpha val="40000"/>
+                  </a:prstClr>
+                </a:outerShdw>
+              </a:effectLst>
+            </p:spPr>
+            <p:style>
+              <a:lnRef idx="2">
+                <a:schemeClr val="dk1"/>
+              </a:lnRef>
+              <a:fillRef idx="1">
+                <a:schemeClr val="lt1"/>
+              </a:fillRef>
+              <a:effectRef idx="0">
+                <a:schemeClr val="dk1"/>
+              </a:effectRef>
+              <a:fontRef idx="minor">
+                <a:schemeClr val="dk1"/>
+              </a:fontRef>
+            </p:style>
+            <p:txBody>
+              <a:bodyPr tIns="36576" bIns="36576" rtlCol="0" anchor="t" anchorCtr="0"/>
+              <a:lstStyle/>
+              <a:p>
+                <a:r>
+                  <a:rPr lang="en-US" sz="900" dirty="0">
+                    <a:solidFill>
+                      <a:srgbClr val="FFFFFF"/>
+                    </a:solidFill>
+                  </a:rPr>
+                  <a:t>When does the store on </a:t>
+                </a:r>
+                <a:r>
+                  <a:rPr lang="en-US" sz="900" dirty="0" smtClean="0">
+                    <a:solidFill>
+                      <a:srgbClr val="FFFFFF"/>
+                    </a:solidFill>
+                  </a:rPr>
+                  <a:t/>
+                </a:r>
+                <a:br>
+                  <a:rPr lang="en-US" sz="900" dirty="0" smtClean="0">
+                    <a:solidFill>
+                      <a:srgbClr val="FFFFFF"/>
+                    </a:solidFill>
+                  </a:rPr>
+                </a:br>
+                <a:r>
+                  <a:rPr lang="en-US" sz="900" dirty="0" smtClean="0">
+                    <a:solidFill>
+                      <a:srgbClr val="FFFFFF"/>
+                    </a:solidFill>
+                  </a:rPr>
+                  <a:t>Elm </a:t>
+                </a:r>
+                <a:r>
+                  <a:rPr lang="en-US" sz="900" dirty="0">
+                    <a:solidFill>
+                      <a:srgbClr val="FFFFFF"/>
+                    </a:solidFill>
+                  </a:rPr>
+                  <a:t>Street close today?</a:t>
+                </a:r>
+                <a:endParaRPr lang="en-US" sz="900" dirty="0" smtClean="0">
+                  <a:solidFill>
+                    <a:srgbClr val="FFFFFF"/>
+                  </a:solidFill>
+                </a:endParaRPr>
+              </a:p>
+              <a:p>
+                <a:endParaRPr lang="en-US" sz="900" dirty="0">
+                  <a:solidFill>
+                    <a:srgbClr val="FFFFFF"/>
+                  </a:solidFill>
+                </a:endParaRPr>
+              </a:p>
+              <a:p>
+                <a:endParaRPr lang="en-US" sz="900" dirty="0">
+                  <a:solidFill>
+                    <a:srgbClr val="FFFFFF"/>
+                  </a:solidFill>
+                </a:endParaRPr>
+              </a:p>
+            </p:txBody>
+          </p:sp>
+          <p:sp>
+            <p:nvSpPr>
+              <p:cNvPr id="54" name="TextBox 53"/>
+              <p:cNvSpPr txBox="1"/>
+              <p:nvPr/>
+            </p:nvSpPr>
+            <p:spPr>
+              <a:xfrm>
+                <a:off x="1755290" y="2043172"/>
+                <a:ext cx="360520" cy="307777"/>
+              </a:xfrm>
+              <a:prstGeom prst="rect">
+                <a:avLst/>
+              </a:prstGeom>
+              <a:noFill/>
+            </p:spPr>
+            <p:txBody>
+              <a:bodyPr wrap="none" rtlCol="0">
+                <a:spAutoFit/>
+              </a:bodyPr>
+              <a:lstStyle/>
+              <a:p>
+                <a:r>
+                  <a:rPr lang="en-US" sz="1400" dirty="0" smtClean="0">
+                    <a:solidFill>
+                      <a:schemeClr val="bg1">
+                        <a:lumMod val="65000"/>
+                      </a:schemeClr>
+                    </a:solidFill>
+                    <a:latin typeface="Arial Narrow"/>
+                    <a:cs typeface="Arial Narrow"/>
+                    <a:sym typeface="Wingdings"/>
+                  </a:rPr>
+                  <a:t></a:t>
+                </a:r>
+                <a:endParaRPr lang="en-US" sz="1400" dirty="0"/>
+              </a:p>
+            </p:txBody>
+          </p:sp>
+        </p:grpSp>
+        <p:grpSp>
+          <p:nvGrpSpPr>
+            <p:cNvPr id="9" name="Group 8"/>
+            <p:cNvGrpSpPr/>
+            <p:nvPr/>
+          </p:nvGrpSpPr>
+          <p:grpSpPr>
+            <a:xfrm>
+              <a:off x="723659" y="1942818"/>
+              <a:ext cx="1733359" cy="390731"/>
+              <a:chOff x="382451" y="2646414"/>
+              <a:chExt cx="1733359" cy="390731"/>
+            </a:xfrm>
+          </p:grpSpPr>
+          <p:sp>
+            <p:nvSpPr>
+              <p:cNvPr id="48" name="Rounded Rectangle 47"/>
+              <p:cNvSpPr/>
+              <p:nvPr/>
+            </p:nvSpPr>
+            <p:spPr>
+              <a:xfrm>
+                <a:off x="382451" y="2646414"/>
+                <a:ext cx="1302259" cy="390731"/>
+              </a:xfrm>
+              <a:prstGeom prst="roundRect">
+                <a:avLst>
+                  <a:gd name="adj" fmla="val 21012"/>
+                </a:avLst>
+              </a:prstGeom>
+              <a:solidFill>
+                <a:srgbClr val="1C73E1">
+                  <a:alpha val="71000"/>
+                </a:srgbClr>
+              </a:solidFill>
+              <a:ln>
+                <a:noFill/>
+              </a:ln>
+              <a:effectLst>
+                <a:outerShdw blurRad="50800" dist="38100" dir="2700000" algn="tl" rotWithShape="0">
+                  <a:prstClr val="black">
+                    <a:alpha val="40000"/>
+                  </a:prstClr>
+                </a:outerShdw>
+              </a:effectLst>
+            </p:spPr>
+            <p:style>
+              <a:lnRef idx="2">
+                <a:schemeClr val="dk1"/>
+              </a:lnRef>
+              <a:fillRef idx="1">
+                <a:schemeClr val="lt1"/>
+              </a:fillRef>
+              <a:effectRef idx="0">
+                <a:schemeClr val="dk1"/>
+              </a:effectRef>
+              <a:fontRef idx="minor">
+                <a:schemeClr val="dk1"/>
+              </a:fontRef>
+            </p:style>
+            <p:txBody>
+              <a:bodyPr tIns="36576" bIns="36576" rtlCol="0" anchor="t" anchorCtr="0"/>
+              <a:lstStyle/>
+              <a:p>
+                <a:r>
+                  <a:rPr lang="en-US" sz="900" dirty="0" smtClean="0">
+                    <a:solidFill>
+                      <a:srgbClr val="FFFFFF"/>
+                    </a:solidFill>
+                  </a:rPr>
+                  <a:t>Where is the nearest</a:t>
+                </a:r>
+                <a:br>
+                  <a:rPr lang="en-US" sz="900" dirty="0" smtClean="0">
+                    <a:solidFill>
+                      <a:srgbClr val="FFFFFF"/>
+                    </a:solidFill>
+                  </a:rPr>
+                </a:br>
+                <a:r>
+                  <a:rPr lang="en-US" sz="900" dirty="0" smtClean="0">
+                    <a:solidFill>
+                      <a:srgbClr val="FFFFFF"/>
+                    </a:solidFill>
+                  </a:rPr>
+                  <a:t>Kwik-E-Mart?</a:t>
+                </a:r>
+                <a:endParaRPr lang="en-US" sz="900" dirty="0" smtClean="0">
+                  <a:solidFill>
+                    <a:srgbClr val="FFFFFF"/>
+                  </a:solidFill>
+                </a:endParaRPr>
+              </a:p>
+              <a:p>
+                <a:endParaRPr lang="en-US" sz="900" dirty="0">
+                  <a:solidFill>
+                    <a:srgbClr val="FFFFFF"/>
+                  </a:solidFill>
+                </a:endParaRPr>
+              </a:p>
+              <a:p>
+                <a:endParaRPr lang="en-US" sz="900" dirty="0">
+                  <a:solidFill>
+                    <a:srgbClr val="FFFFFF"/>
+                  </a:solidFill>
+                </a:endParaRPr>
+              </a:p>
+            </p:txBody>
+          </p:sp>
+          <p:sp>
+            <p:nvSpPr>
+              <p:cNvPr id="55" name="TextBox 54"/>
+              <p:cNvSpPr txBox="1"/>
+              <p:nvPr/>
+            </p:nvSpPr>
+            <p:spPr>
+              <a:xfrm>
+                <a:off x="1755290" y="2687891"/>
+                <a:ext cx="360520" cy="307777"/>
+              </a:xfrm>
+              <a:prstGeom prst="rect">
+                <a:avLst/>
+              </a:prstGeom>
+              <a:noFill/>
+            </p:spPr>
+            <p:txBody>
+              <a:bodyPr wrap="none" rtlCol="0">
+                <a:spAutoFit/>
+              </a:bodyPr>
+              <a:lstStyle/>
+              <a:p>
+                <a:r>
+                  <a:rPr lang="en-US" sz="1400" dirty="0" smtClean="0">
+                    <a:solidFill>
+                      <a:schemeClr val="bg1">
+                        <a:lumMod val="65000"/>
+                      </a:schemeClr>
+                    </a:solidFill>
+                    <a:latin typeface="Arial Narrow"/>
+                    <a:cs typeface="Arial Narrow"/>
+                    <a:sym typeface="Wingdings"/>
+                  </a:rPr>
+                  <a:t></a:t>
+                </a:r>
+                <a:endParaRPr lang="en-US" sz="1400" dirty="0"/>
+              </a:p>
+            </p:txBody>
+          </p:sp>
+        </p:grpSp>
+        <p:grpSp>
+          <p:nvGrpSpPr>
+            <p:cNvPr id="8" name="Group 7"/>
+            <p:cNvGrpSpPr/>
+            <p:nvPr/>
+          </p:nvGrpSpPr>
+          <p:grpSpPr>
+            <a:xfrm>
+              <a:off x="703141" y="2629251"/>
+              <a:ext cx="1753877" cy="390731"/>
+              <a:chOff x="361933" y="3291132"/>
+              <a:chExt cx="1753877" cy="390731"/>
+            </a:xfrm>
+          </p:grpSpPr>
+          <p:sp>
+            <p:nvSpPr>
+              <p:cNvPr id="49" name="Rounded Rectangle 48"/>
+              <p:cNvSpPr/>
+              <p:nvPr/>
+            </p:nvSpPr>
+            <p:spPr>
+              <a:xfrm>
+                <a:off x="361933" y="3291132"/>
+                <a:ext cx="1322777" cy="390731"/>
+              </a:xfrm>
+              <a:prstGeom prst="roundRect">
+                <a:avLst>
+                  <a:gd name="adj" fmla="val 21012"/>
+                </a:avLst>
+              </a:prstGeom>
+              <a:solidFill>
+                <a:srgbClr val="1C73E1">
+                  <a:alpha val="71000"/>
+                </a:srgbClr>
+              </a:solidFill>
+              <a:ln>
+                <a:noFill/>
+              </a:ln>
+              <a:effectLst>
+                <a:outerShdw blurRad="50800" dist="38100" dir="2700000" algn="tl" rotWithShape="0">
+                  <a:prstClr val="black">
+                    <a:alpha val="40000"/>
+                  </a:prstClr>
+                </a:outerShdw>
+              </a:effectLst>
+            </p:spPr>
+            <p:style>
+              <a:lnRef idx="2">
+                <a:schemeClr val="dk1"/>
+              </a:lnRef>
+              <a:fillRef idx="1">
+                <a:schemeClr val="lt1"/>
+              </a:fillRef>
+              <a:effectRef idx="0">
+                <a:schemeClr val="dk1"/>
+              </a:effectRef>
+              <a:fontRef idx="minor">
+                <a:schemeClr val="dk1"/>
+              </a:fontRef>
+            </p:style>
+            <p:txBody>
+              <a:bodyPr tIns="36576" bIns="36576" rtlCol="0" anchor="t" anchorCtr="0"/>
+              <a:lstStyle/>
+              <a:p>
+                <a:r>
+                  <a:rPr lang="en-US" sz="900" dirty="0" smtClean="0">
+                    <a:solidFill>
+                      <a:srgbClr val="FFFFFF"/>
+                    </a:solidFill>
+                  </a:rPr>
+                  <a:t>When does that store open tomorrow?</a:t>
+                </a:r>
+                <a:endParaRPr lang="en-US" sz="900" dirty="0" smtClean="0">
+                  <a:solidFill>
+                    <a:srgbClr val="FFFFFF"/>
+                  </a:solidFill>
+                </a:endParaRPr>
+              </a:p>
+              <a:p>
+                <a:endParaRPr lang="en-US" sz="900" dirty="0">
+                  <a:solidFill>
+                    <a:srgbClr val="FFFFFF"/>
+                  </a:solidFill>
+                </a:endParaRPr>
+              </a:p>
+              <a:p>
+                <a:endParaRPr lang="en-US" sz="900" dirty="0">
+                  <a:solidFill>
+                    <a:srgbClr val="FFFFFF"/>
+                  </a:solidFill>
+                </a:endParaRPr>
+              </a:p>
+            </p:txBody>
+          </p:sp>
+          <p:sp>
+            <p:nvSpPr>
+              <p:cNvPr id="57" name="TextBox 56"/>
+              <p:cNvSpPr txBox="1"/>
+              <p:nvPr/>
+            </p:nvSpPr>
+            <p:spPr>
+              <a:xfrm>
+                <a:off x="1755290" y="3332609"/>
+                <a:ext cx="360520" cy="307777"/>
+              </a:xfrm>
+              <a:prstGeom prst="rect">
+                <a:avLst/>
+              </a:prstGeom>
+              <a:noFill/>
+            </p:spPr>
+            <p:txBody>
+              <a:bodyPr wrap="none" rtlCol="0">
+                <a:spAutoFit/>
+              </a:bodyPr>
+              <a:lstStyle/>
+              <a:p>
+                <a:r>
+                  <a:rPr lang="en-US" sz="1400" dirty="0" smtClean="0">
+                    <a:solidFill>
+                      <a:schemeClr val="bg1">
+                        <a:lumMod val="65000"/>
+                      </a:schemeClr>
+                    </a:solidFill>
+                    <a:latin typeface="Arial Narrow"/>
+                    <a:cs typeface="Arial Narrow"/>
+                    <a:sym typeface="Wingdings"/>
+                  </a:rPr>
+                  <a:t></a:t>
+                </a:r>
+                <a:endParaRPr lang="en-US" sz="1400" dirty="0"/>
+              </a:p>
+            </p:txBody>
+          </p:sp>
+        </p:grpSp>
+        <p:grpSp>
+          <p:nvGrpSpPr>
+            <p:cNvPr id="6" name="Group 5"/>
+            <p:cNvGrpSpPr/>
+            <p:nvPr/>
+          </p:nvGrpSpPr>
+          <p:grpSpPr>
+            <a:xfrm>
+              <a:off x="1318198" y="3315683"/>
+              <a:ext cx="1138820" cy="307777"/>
+              <a:chOff x="976990" y="4067400"/>
+              <a:chExt cx="1138820" cy="307777"/>
+            </a:xfrm>
+          </p:grpSpPr>
+          <p:sp>
+            <p:nvSpPr>
+              <p:cNvPr id="50" name="Rounded Rectangle 49"/>
+              <p:cNvSpPr/>
+              <p:nvPr/>
+            </p:nvSpPr>
+            <p:spPr>
+              <a:xfrm>
+                <a:off x="976990" y="4080079"/>
+                <a:ext cx="707720" cy="282419"/>
+              </a:xfrm>
+              <a:prstGeom prst="roundRect">
+                <a:avLst>
+                  <a:gd name="adj" fmla="val 34525"/>
+                </a:avLst>
+              </a:prstGeom>
+              <a:solidFill>
+                <a:srgbClr val="1C73E1">
+                  <a:alpha val="71000"/>
+                </a:srgbClr>
+              </a:solidFill>
+              <a:ln>
+                <a:noFill/>
+              </a:ln>
+              <a:effectLst>
+                <a:outerShdw blurRad="50800" dist="38100" dir="2700000" algn="tl" rotWithShape="0">
+                  <a:prstClr val="black">
+                    <a:alpha val="40000"/>
+                  </a:prstClr>
+                </a:outerShdw>
+              </a:effectLst>
+            </p:spPr>
+            <p:style>
+              <a:lnRef idx="2">
+                <a:schemeClr val="dk1"/>
+              </a:lnRef>
+              <a:fillRef idx="1">
+                <a:schemeClr val="lt1"/>
+              </a:fillRef>
+              <a:effectRef idx="0">
+                <a:schemeClr val="dk1"/>
+              </a:effectRef>
+              <a:fontRef idx="minor">
+                <a:schemeClr val="dk1"/>
+              </a:fontRef>
+            </p:style>
+            <p:txBody>
+              <a:bodyPr tIns="36576" bIns="36576" rtlCol="0" anchor="t" anchorCtr="0"/>
+              <a:lstStyle/>
+              <a:p>
+                <a:r>
+                  <a:rPr lang="en-US" sz="900" dirty="0" smtClean="0">
+                    <a:solidFill>
+                      <a:srgbClr val="FFFFFF"/>
+                    </a:solidFill>
+                  </a:rPr>
+                  <a:t>Goodbye</a:t>
+                </a:r>
+                <a:endParaRPr lang="en-US" sz="900" dirty="0" smtClean="0">
+                  <a:solidFill>
+                    <a:srgbClr val="FFFFFF"/>
+                  </a:solidFill>
+                </a:endParaRPr>
+              </a:p>
+              <a:p>
+                <a:endParaRPr lang="en-US" sz="900" dirty="0">
+                  <a:solidFill>
+                    <a:srgbClr val="FFFFFF"/>
+                  </a:solidFill>
+                </a:endParaRPr>
+              </a:p>
+              <a:p>
+                <a:endParaRPr lang="en-US" sz="900" dirty="0">
+                  <a:solidFill>
+                    <a:srgbClr val="FFFFFF"/>
+                  </a:solidFill>
+                </a:endParaRPr>
+              </a:p>
+            </p:txBody>
+          </p:sp>
+          <p:sp>
+            <p:nvSpPr>
+              <p:cNvPr id="58" name="TextBox 57"/>
+              <p:cNvSpPr txBox="1"/>
+              <p:nvPr/>
+            </p:nvSpPr>
+            <p:spPr>
+              <a:xfrm>
+                <a:off x="1755290" y="4067400"/>
+                <a:ext cx="360520" cy="307777"/>
+              </a:xfrm>
+              <a:prstGeom prst="rect">
+                <a:avLst/>
+              </a:prstGeom>
+              <a:noFill/>
+            </p:spPr>
+            <p:txBody>
+              <a:bodyPr wrap="none" rtlCol="0">
+                <a:spAutoFit/>
+              </a:bodyPr>
+              <a:lstStyle/>
+              <a:p>
+                <a:r>
+                  <a:rPr lang="en-US" sz="1400" dirty="0" smtClean="0">
+                    <a:solidFill>
+                      <a:schemeClr val="bg1">
+                        <a:lumMod val="65000"/>
+                      </a:schemeClr>
+                    </a:solidFill>
+                    <a:latin typeface="Arial Narrow"/>
+                    <a:cs typeface="Arial Narrow"/>
+                    <a:sym typeface="Wingdings"/>
+                  </a:rPr>
+                  <a:t></a:t>
+                </a:r>
+                <a:endParaRPr lang="en-US" sz="1400" dirty="0"/>
+              </a:p>
+            </p:txBody>
+          </p:sp>
+        </p:grpSp>
+        <p:grpSp>
+          <p:nvGrpSpPr>
+            <p:cNvPr id="68" name="Group 67"/>
+            <p:cNvGrpSpPr/>
+            <p:nvPr/>
+          </p:nvGrpSpPr>
+          <p:grpSpPr>
+            <a:xfrm>
+              <a:off x="2431019" y="3326866"/>
+              <a:ext cx="2871006" cy="279509"/>
+              <a:chOff x="2471528" y="617329"/>
+              <a:chExt cx="2871006" cy="279509"/>
+            </a:xfrm>
+          </p:grpSpPr>
+          <p:sp>
+            <p:nvSpPr>
+              <p:cNvPr id="72" name="TextBox 71"/>
+              <p:cNvSpPr txBox="1"/>
+              <p:nvPr/>
+            </p:nvSpPr>
+            <p:spPr>
+              <a:xfrm>
+                <a:off x="2471528" y="617329"/>
+                <a:ext cx="682417" cy="276999"/>
+              </a:xfrm>
+              <a:prstGeom prst="rect">
+                <a:avLst/>
+              </a:prstGeom>
+              <a:noFill/>
+            </p:spPr>
+            <p:txBody>
+              <a:bodyPr wrap="none" rtlCol="0">
+                <a:spAutoFit/>
+              </a:bodyPr>
+              <a:lstStyle/>
+              <a:p>
+                <a:r>
+                  <a:rPr lang="en-US" sz="1100" dirty="0">
+                    <a:solidFill>
+                      <a:schemeClr val="bg1">
+                        <a:lumMod val="65000"/>
+                      </a:schemeClr>
+                    </a:solidFill>
+                    <a:latin typeface="Arial Narrow"/>
+                    <a:cs typeface="Arial Narrow"/>
+                    <a:sym typeface="Wingdings"/>
+                  </a:rPr>
+                  <a:t>DOMAIN</a:t>
+                </a:r>
+                <a:r>
+                  <a:rPr lang="en-US" sz="1200" dirty="0">
+                    <a:solidFill>
+                      <a:schemeClr val="bg1">
+                        <a:lumMod val="65000"/>
+                      </a:schemeClr>
+                    </a:solidFill>
+                    <a:latin typeface="Arial Narrow"/>
+                    <a:cs typeface="Arial Narrow"/>
+                    <a:sym typeface="Wingdings"/>
+                  </a:rPr>
+                  <a:t>: </a:t>
+                </a:r>
+                <a:endParaRPr lang="en-US" sz="1100" dirty="0"/>
+              </a:p>
+            </p:txBody>
+          </p:sp>
+          <p:sp>
+            <p:nvSpPr>
+              <p:cNvPr id="74" name="Rounded Rectangle 73"/>
+              <p:cNvSpPr/>
+              <p:nvPr/>
+            </p:nvSpPr>
+            <p:spPr>
+              <a:xfrm>
+                <a:off x="3109274" y="674279"/>
+                <a:ext cx="1056117" cy="193466"/>
+              </a:xfrm>
+              <a:prstGeom prst="roundRect">
+                <a:avLst/>
+              </a:prstGeom>
+              <a:ln w="12700" cmpd="sng">
+                <a:solidFill>
+                  <a:schemeClr val="bg1">
+                    <a:lumMod val="85000"/>
+                  </a:schemeClr>
+                </a:solidFill>
+              </a:ln>
+            </p:spPr>
+            <p:style>
+              <a:lnRef idx="2">
+                <a:schemeClr val="accent6"/>
+              </a:lnRef>
+              <a:fillRef idx="1">
+                <a:schemeClr val="lt1"/>
+              </a:fillRef>
+              <a:effectRef idx="0">
+                <a:schemeClr val="accent6"/>
+              </a:effectRef>
+              <a:fontRef idx="minor">
+                <a:schemeClr val="dk1"/>
+              </a:fontRef>
+            </p:style>
+            <p:txBody>
+              <a:bodyPr lIns="0" tIns="0" rIns="0" bIns="45720" rtlCol="0" anchor="ctr" anchorCtr="1"/>
+              <a:lstStyle/>
+              <a:p>
+                <a:pPr algn="ctr"/>
+                <a:r>
+                  <a:rPr lang="en-US" sz="1200" dirty="0" smtClean="0">
+                    <a:solidFill>
+                      <a:srgbClr val="E74C3C"/>
+                    </a:solidFill>
+                    <a:latin typeface="Consolas"/>
+                    <a:cs typeface="Consolas"/>
+                  </a:rPr>
+                  <a:t>store_info</a:t>
+                </a:r>
+                <a:endParaRPr lang="en-US" sz="1200" dirty="0">
+                  <a:solidFill>
+                    <a:srgbClr val="E74C3C"/>
+                  </a:solidFill>
+                  <a:latin typeface="Consolas"/>
+                  <a:cs typeface="Consolas"/>
+                </a:endParaRPr>
+              </a:p>
+            </p:txBody>
+          </p:sp>
+          <p:sp>
+            <p:nvSpPr>
+              <p:cNvPr id="76" name="TextBox 75"/>
+              <p:cNvSpPr txBox="1"/>
+              <p:nvPr/>
+            </p:nvSpPr>
+            <p:spPr>
+              <a:xfrm>
+                <a:off x="4200448" y="619839"/>
+                <a:ext cx="637370" cy="276999"/>
+              </a:xfrm>
+              <a:prstGeom prst="rect">
+                <a:avLst/>
+              </a:prstGeom>
+              <a:noFill/>
+            </p:spPr>
+            <p:txBody>
+              <a:bodyPr wrap="none" rtlCol="0">
+                <a:spAutoFit/>
+              </a:bodyPr>
+              <a:lstStyle/>
+              <a:p>
+                <a:r>
+                  <a:rPr lang="en-US" sz="1100" dirty="0" smtClean="0">
+                    <a:solidFill>
+                      <a:schemeClr val="bg1">
+                        <a:lumMod val="65000"/>
+                      </a:schemeClr>
+                    </a:solidFill>
+                    <a:latin typeface="Arial Narrow"/>
+                    <a:cs typeface="Arial Narrow"/>
+                    <a:sym typeface="Wingdings"/>
+                  </a:rPr>
+                  <a:t>INTENT</a:t>
+                </a:r>
+                <a:r>
+                  <a:rPr lang="en-US" sz="1200" dirty="0" smtClean="0">
+                    <a:solidFill>
+                      <a:schemeClr val="bg1">
+                        <a:lumMod val="65000"/>
+                      </a:schemeClr>
+                    </a:solidFill>
+                    <a:latin typeface="Arial Narrow"/>
+                    <a:cs typeface="Arial Narrow"/>
+                    <a:sym typeface="Wingdings"/>
+                  </a:rPr>
+                  <a:t>: </a:t>
+                </a:r>
+                <a:endParaRPr lang="en-US" sz="1100" dirty="0"/>
+              </a:p>
+            </p:txBody>
+          </p:sp>
+          <p:sp>
+            <p:nvSpPr>
+              <p:cNvPr id="77" name="Rounded Rectangle 76"/>
+              <p:cNvSpPr/>
+              <p:nvPr/>
+            </p:nvSpPr>
+            <p:spPr>
+              <a:xfrm>
+                <a:off x="4776059" y="674279"/>
+                <a:ext cx="566475" cy="193466"/>
+              </a:xfrm>
+              <a:prstGeom prst="roundRect">
+                <a:avLst/>
+              </a:prstGeom>
+              <a:ln w="12700" cmpd="sng">
+                <a:solidFill>
+                  <a:schemeClr val="bg1">
+                    <a:lumMod val="85000"/>
+                  </a:schemeClr>
+                </a:solidFill>
+              </a:ln>
+            </p:spPr>
+            <p:style>
+              <a:lnRef idx="2">
+                <a:schemeClr val="accent6"/>
+              </a:lnRef>
+              <a:fillRef idx="1">
+                <a:schemeClr val="lt1"/>
+              </a:fillRef>
+              <a:effectRef idx="0">
+                <a:schemeClr val="accent6"/>
+              </a:effectRef>
+              <a:fontRef idx="minor">
+                <a:schemeClr val="dk1"/>
+              </a:fontRef>
+            </p:style>
+            <p:txBody>
+              <a:bodyPr lIns="0" tIns="0" rIns="0" bIns="45720" rtlCol="0" anchor="ctr" anchorCtr="1"/>
+              <a:lstStyle/>
+              <a:p>
+                <a:pPr algn="ctr"/>
+                <a:r>
+                  <a:rPr lang="en-US" sz="1200" dirty="0" smtClean="0">
+                    <a:solidFill>
+                      <a:srgbClr val="E74C3C"/>
+                    </a:solidFill>
+                    <a:latin typeface="Consolas"/>
+                    <a:cs typeface="Consolas"/>
+                  </a:rPr>
+                  <a:t>exit</a:t>
+                </a:r>
+                <a:endParaRPr lang="en-US" sz="1200" dirty="0">
+                  <a:solidFill>
+                    <a:srgbClr val="E74C3C"/>
+                  </a:solidFill>
+                  <a:latin typeface="Consolas"/>
+                  <a:cs typeface="Consolas"/>
+                </a:endParaRPr>
+              </a:p>
+            </p:txBody>
+          </p:sp>
+        </p:grpSp>
+        <p:sp>
+          <p:nvSpPr>
+            <p:cNvPr id="79" name="TextBox 78"/>
+            <p:cNvSpPr txBox="1"/>
+            <p:nvPr/>
+          </p:nvSpPr>
+          <p:spPr>
+            <a:xfrm>
+              <a:off x="2430298" y="1179769"/>
+              <a:ext cx="682417" cy="276999"/>
+            </a:xfrm>
+            <a:prstGeom prst="rect">
+              <a:avLst/>
+            </a:prstGeom>
+            <a:noFill/>
+          </p:spPr>
+          <p:txBody>
+            <a:bodyPr wrap="none" rtlCol="0">
+              <a:spAutoFit/>
+            </a:bodyPr>
+            <a:lstStyle/>
+            <a:p>
+              <a:r>
+                <a:rPr lang="en-US" sz="1100" dirty="0">
+                  <a:solidFill>
+                    <a:schemeClr val="bg1">
+                      <a:lumMod val="65000"/>
+                    </a:schemeClr>
+                  </a:solidFill>
+                  <a:latin typeface="Arial Narrow"/>
+                  <a:cs typeface="Arial Narrow"/>
+                  <a:sym typeface="Wingdings"/>
+                </a:rPr>
+                <a:t>DOMAIN</a:t>
+              </a:r>
+              <a:r>
+                <a:rPr lang="en-US" sz="1200" dirty="0">
+                  <a:solidFill>
+                    <a:schemeClr val="bg1">
+                      <a:lumMod val="65000"/>
+                    </a:schemeClr>
+                  </a:solidFill>
+                  <a:latin typeface="Arial Narrow"/>
+                  <a:cs typeface="Arial Narrow"/>
+                  <a:sym typeface="Wingdings"/>
+                </a:rPr>
+                <a:t>: </a:t>
+              </a:r>
+              <a:endParaRPr lang="en-US" sz="1100" dirty="0"/>
+            </a:p>
+          </p:txBody>
+        </p:sp>
+        <p:sp>
+          <p:nvSpPr>
+            <p:cNvPr id="85" name="Rounded Rectangle 84"/>
+            <p:cNvSpPr/>
+            <p:nvPr/>
+          </p:nvSpPr>
+          <p:spPr>
+            <a:xfrm>
+              <a:off x="3068044" y="1236719"/>
+              <a:ext cx="1056117" cy="193466"/>
+            </a:xfrm>
+            <a:prstGeom prst="roundRect">
+              <a:avLst/>
+            </a:prstGeom>
+            <a:ln w="12700" cmpd="sng">
+              <a:solidFill>
+                <a:schemeClr val="bg1">
+                  <a:lumMod val="85000"/>
+                </a:schemeClr>
+              </a:solidFill>
+            </a:ln>
+          </p:spPr>
+          <p:style>
+            <a:lnRef idx="2">
+              <a:schemeClr val="accent6"/>
+            </a:lnRef>
+            <a:fillRef idx="1">
+              <a:schemeClr val="lt1"/>
+            </a:fillRef>
+            <a:effectRef idx="0">
+              <a:schemeClr val="accent6"/>
+            </a:effectRef>
+            <a:fontRef idx="minor">
+              <a:schemeClr val="dk1"/>
+            </a:fontRef>
+          </p:style>
+          <p:txBody>
+            <a:bodyPr lIns="0" tIns="0" rIns="0" bIns="45720" rtlCol="0" anchor="ctr" anchorCtr="1"/>
+            <a:lstStyle/>
+            <a:p>
+              <a:pPr algn="ctr"/>
+              <a:r>
+                <a:rPr lang="en-US" sz="1200" dirty="0" smtClean="0">
+                  <a:solidFill>
+                    <a:srgbClr val="E74C3C"/>
+                  </a:solidFill>
+                  <a:latin typeface="Consolas"/>
+                  <a:cs typeface="Consolas"/>
+                </a:rPr>
+                <a:t>store_info</a:t>
+              </a:r>
+              <a:endParaRPr lang="en-US" sz="1200" dirty="0">
+                <a:solidFill>
+                  <a:srgbClr val="E74C3C"/>
+                </a:solidFill>
+                <a:latin typeface="Consolas"/>
+                <a:cs typeface="Consolas"/>
+              </a:endParaRPr>
+            </a:p>
+          </p:txBody>
+        </p:sp>
+        <p:sp>
+          <p:nvSpPr>
+            <p:cNvPr id="86" name="TextBox 85"/>
+            <p:cNvSpPr txBox="1"/>
+            <p:nvPr/>
+          </p:nvSpPr>
+          <p:spPr>
+            <a:xfrm>
+              <a:off x="4159218" y="1182279"/>
+              <a:ext cx="637370" cy="276999"/>
+            </a:xfrm>
+            <a:prstGeom prst="rect">
+              <a:avLst/>
+            </a:prstGeom>
+            <a:noFill/>
+          </p:spPr>
+          <p:txBody>
+            <a:bodyPr wrap="none" rtlCol="0">
+              <a:spAutoFit/>
+            </a:bodyPr>
+            <a:lstStyle/>
+            <a:p>
+              <a:r>
+                <a:rPr lang="en-US" sz="1100" dirty="0" smtClean="0">
+                  <a:solidFill>
+                    <a:schemeClr val="bg1">
+                      <a:lumMod val="65000"/>
+                    </a:schemeClr>
+                  </a:solidFill>
+                  <a:latin typeface="Arial Narrow"/>
+                  <a:cs typeface="Arial Narrow"/>
+                  <a:sym typeface="Wingdings"/>
+                </a:rPr>
+                <a:t>INTENT</a:t>
+              </a:r>
+              <a:r>
+                <a:rPr lang="en-US" sz="1200" dirty="0" smtClean="0">
+                  <a:solidFill>
+                    <a:schemeClr val="bg1">
+                      <a:lumMod val="65000"/>
+                    </a:schemeClr>
+                  </a:solidFill>
+                  <a:latin typeface="Arial Narrow"/>
+                  <a:cs typeface="Arial Narrow"/>
+                  <a:sym typeface="Wingdings"/>
+                </a:rPr>
+                <a:t>: </a:t>
+              </a:r>
+              <a:endParaRPr lang="en-US" sz="1100" dirty="0"/>
+            </a:p>
+          </p:txBody>
+        </p:sp>
+        <p:sp>
+          <p:nvSpPr>
+            <p:cNvPr id="91" name="Rounded Rectangle 90"/>
+            <p:cNvSpPr/>
+            <p:nvPr/>
+          </p:nvSpPr>
+          <p:spPr>
+            <a:xfrm>
+              <a:off x="4734829" y="1236719"/>
+              <a:ext cx="1467003" cy="193466"/>
+            </a:xfrm>
+            <a:prstGeom prst="roundRect">
+              <a:avLst/>
+            </a:prstGeom>
+            <a:ln w="12700" cmpd="sng">
+              <a:solidFill>
+                <a:schemeClr val="bg1">
+                  <a:lumMod val="85000"/>
+                </a:schemeClr>
+              </a:solidFill>
+            </a:ln>
+          </p:spPr>
+          <p:style>
+            <a:lnRef idx="2">
+              <a:schemeClr val="accent6"/>
+            </a:lnRef>
+            <a:fillRef idx="1">
+              <a:schemeClr val="lt1"/>
+            </a:fillRef>
+            <a:effectRef idx="0">
+              <a:schemeClr val="accent6"/>
+            </a:effectRef>
+            <a:fontRef idx="minor">
+              <a:schemeClr val="dk1"/>
+            </a:fontRef>
+          </p:style>
+          <p:txBody>
+            <a:bodyPr lIns="0" tIns="0" rIns="0" bIns="45720" rtlCol="0" anchor="ctr" anchorCtr="1"/>
+            <a:lstStyle/>
+            <a:p>
+              <a:pPr algn="ctr"/>
+              <a:r>
+                <a:rPr lang="en-US" sz="1200" dirty="0" smtClean="0">
+                  <a:solidFill>
+                    <a:srgbClr val="E74C3C"/>
+                  </a:solidFill>
+                  <a:latin typeface="Consolas"/>
+                  <a:cs typeface="Consolas"/>
+                </a:rPr>
+                <a:t>get_store_hours</a:t>
+              </a:r>
+              <a:endParaRPr lang="en-US" sz="1200" dirty="0">
+                <a:solidFill>
+                  <a:srgbClr val="E74C3C"/>
+                </a:solidFill>
+                <a:latin typeface="Consolas"/>
+                <a:cs typeface="Consolas"/>
+              </a:endParaRPr>
+            </a:p>
+          </p:txBody>
+        </p:sp>
+        <p:sp>
+          <p:nvSpPr>
+            <p:cNvPr id="92" name="Rounded Rectangle 91"/>
+            <p:cNvSpPr/>
+            <p:nvPr/>
+          </p:nvSpPr>
+          <p:spPr>
+            <a:xfrm>
+              <a:off x="5019941" y="1487303"/>
+              <a:ext cx="969264" cy="193466"/>
+            </a:xfrm>
+            <a:prstGeom prst="roundRect">
+              <a:avLst/>
+            </a:prstGeom>
+            <a:ln w="12700" cmpd="sng">
+              <a:solidFill>
+                <a:schemeClr val="bg1">
+                  <a:lumMod val="85000"/>
+                </a:schemeClr>
+              </a:solidFill>
+            </a:ln>
+          </p:spPr>
+          <p:style>
+            <a:lnRef idx="2">
+              <a:schemeClr val="accent6"/>
+            </a:lnRef>
+            <a:fillRef idx="1">
+              <a:schemeClr val="lt1"/>
+            </a:fillRef>
+            <a:effectRef idx="0">
+              <a:schemeClr val="accent6"/>
+            </a:effectRef>
+            <a:fontRef idx="minor">
+              <a:schemeClr val="dk1"/>
+            </a:fontRef>
+          </p:style>
+          <p:txBody>
+            <a:bodyPr lIns="0" tIns="0" rIns="0" bIns="27432" rtlCol="0" anchor="ctr" anchorCtr="1"/>
+            <a:lstStyle/>
+            <a:p>
+              <a:pPr algn="ctr"/>
+              <a:r>
+                <a:rPr lang="en-US" sz="1100" dirty="0" smtClean="0">
+                  <a:solidFill>
+                    <a:schemeClr val="tx1">
+                      <a:lumMod val="50000"/>
+                      <a:lumOff val="50000"/>
+                    </a:schemeClr>
+                  </a:solidFill>
+                  <a:latin typeface="+mj-lt"/>
+                  <a:cs typeface="Consolas"/>
+                </a:rPr>
+                <a:t>today</a:t>
+              </a:r>
+              <a:r>
+                <a:rPr lang="en-US" sz="1200" dirty="0" smtClean="0">
+                  <a:solidFill>
+                    <a:srgbClr val="E74C3C"/>
+                  </a:solidFill>
+                  <a:latin typeface="Consolas"/>
+                  <a:cs typeface="Consolas"/>
+                </a:rPr>
+                <a:t>|date</a:t>
+              </a:r>
+              <a:endParaRPr lang="en-US" sz="1200" dirty="0">
+                <a:solidFill>
+                  <a:srgbClr val="E74C3C"/>
+                </a:solidFill>
+                <a:latin typeface="Consolas"/>
+                <a:cs typeface="Consolas"/>
+              </a:endParaRPr>
+            </a:p>
+          </p:txBody>
+        </p:sp>
+        <p:grpSp>
+          <p:nvGrpSpPr>
+            <p:cNvPr id="94" name="Group 93"/>
+            <p:cNvGrpSpPr/>
+            <p:nvPr/>
+          </p:nvGrpSpPr>
+          <p:grpSpPr>
+            <a:xfrm>
+              <a:off x="2434238" y="1989783"/>
+              <a:ext cx="4018173" cy="279509"/>
+              <a:chOff x="2471528" y="617329"/>
+              <a:chExt cx="4018173" cy="279509"/>
+            </a:xfrm>
+          </p:grpSpPr>
+          <p:sp>
+            <p:nvSpPr>
+              <p:cNvPr id="95" name="TextBox 94"/>
+              <p:cNvSpPr txBox="1"/>
+              <p:nvPr/>
+            </p:nvSpPr>
+            <p:spPr>
+              <a:xfrm>
+                <a:off x="2471528" y="617329"/>
+                <a:ext cx="682417" cy="276999"/>
+              </a:xfrm>
+              <a:prstGeom prst="rect">
+                <a:avLst/>
+              </a:prstGeom>
+              <a:noFill/>
+            </p:spPr>
+            <p:txBody>
+              <a:bodyPr wrap="none" rtlCol="0">
+                <a:spAutoFit/>
+              </a:bodyPr>
+              <a:lstStyle/>
+              <a:p>
+                <a:r>
+                  <a:rPr lang="en-US" sz="1100" dirty="0">
+                    <a:solidFill>
+                      <a:schemeClr val="bg1">
+                        <a:lumMod val="65000"/>
+                      </a:schemeClr>
+                    </a:solidFill>
+                    <a:latin typeface="Arial Narrow"/>
+                    <a:cs typeface="Arial Narrow"/>
+                    <a:sym typeface="Wingdings"/>
+                  </a:rPr>
+                  <a:t>DOMAIN</a:t>
+                </a:r>
+                <a:r>
+                  <a:rPr lang="en-US" sz="1200" dirty="0">
+                    <a:solidFill>
+                      <a:schemeClr val="bg1">
+                        <a:lumMod val="65000"/>
+                      </a:schemeClr>
+                    </a:solidFill>
+                    <a:latin typeface="Arial Narrow"/>
+                    <a:cs typeface="Arial Narrow"/>
+                    <a:sym typeface="Wingdings"/>
+                  </a:rPr>
+                  <a:t>: </a:t>
+                </a:r>
+                <a:endParaRPr lang="en-US" sz="1100" dirty="0"/>
+              </a:p>
+            </p:txBody>
+          </p:sp>
+          <p:sp>
+            <p:nvSpPr>
+              <p:cNvPr id="96" name="Rounded Rectangle 95"/>
+              <p:cNvSpPr/>
+              <p:nvPr/>
+            </p:nvSpPr>
+            <p:spPr>
+              <a:xfrm>
+                <a:off x="3109274" y="674279"/>
+                <a:ext cx="1056117" cy="193466"/>
+              </a:xfrm>
+              <a:prstGeom prst="roundRect">
+                <a:avLst/>
+              </a:prstGeom>
+              <a:ln w="12700" cmpd="sng">
+                <a:solidFill>
+                  <a:schemeClr val="bg1">
+                    <a:lumMod val="85000"/>
+                  </a:schemeClr>
+                </a:solidFill>
+              </a:ln>
+            </p:spPr>
+            <p:style>
+              <a:lnRef idx="2">
+                <a:schemeClr val="accent6"/>
+              </a:lnRef>
+              <a:fillRef idx="1">
+                <a:schemeClr val="lt1"/>
+              </a:fillRef>
+              <a:effectRef idx="0">
+                <a:schemeClr val="accent6"/>
+              </a:effectRef>
+              <a:fontRef idx="minor">
+                <a:schemeClr val="dk1"/>
+              </a:fontRef>
+            </p:style>
+            <p:txBody>
+              <a:bodyPr lIns="0" tIns="0" rIns="0" bIns="45720" rtlCol="0" anchor="ctr" anchorCtr="1"/>
+              <a:lstStyle/>
+              <a:p>
+                <a:pPr algn="ctr"/>
+                <a:r>
+                  <a:rPr lang="en-US" sz="1200" dirty="0" smtClean="0">
+                    <a:solidFill>
+                      <a:srgbClr val="E74C3C"/>
+                    </a:solidFill>
+                    <a:latin typeface="Consolas"/>
+                    <a:cs typeface="Consolas"/>
+                  </a:rPr>
+                  <a:t>store_info</a:t>
+                </a:r>
+                <a:endParaRPr lang="en-US" sz="1200" dirty="0">
+                  <a:solidFill>
+                    <a:srgbClr val="E74C3C"/>
+                  </a:solidFill>
+                  <a:latin typeface="Consolas"/>
+                  <a:cs typeface="Consolas"/>
+                </a:endParaRPr>
+              </a:p>
+            </p:txBody>
+          </p:sp>
+          <p:sp>
+            <p:nvSpPr>
+              <p:cNvPr id="97" name="TextBox 96"/>
+              <p:cNvSpPr txBox="1"/>
+              <p:nvPr/>
+            </p:nvSpPr>
+            <p:spPr>
+              <a:xfrm>
+                <a:off x="4200448" y="619839"/>
+                <a:ext cx="637370" cy="276999"/>
+              </a:xfrm>
+              <a:prstGeom prst="rect">
+                <a:avLst/>
+              </a:prstGeom>
+              <a:noFill/>
+            </p:spPr>
+            <p:txBody>
+              <a:bodyPr wrap="none" rtlCol="0">
+                <a:spAutoFit/>
+              </a:bodyPr>
+              <a:lstStyle/>
+              <a:p>
+                <a:r>
+                  <a:rPr lang="en-US" sz="1100" dirty="0" smtClean="0">
+                    <a:solidFill>
+                      <a:schemeClr val="bg1">
+                        <a:lumMod val="65000"/>
+                      </a:schemeClr>
+                    </a:solidFill>
+                    <a:latin typeface="Arial Narrow"/>
+                    <a:cs typeface="Arial Narrow"/>
+                    <a:sym typeface="Wingdings"/>
+                  </a:rPr>
+                  <a:t>INTENT</a:t>
+                </a:r>
+                <a:r>
+                  <a:rPr lang="en-US" sz="1200" dirty="0" smtClean="0">
+                    <a:solidFill>
+                      <a:schemeClr val="bg1">
+                        <a:lumMod val="65000"/>
+                      </a:schemeClr>
+                    </a:solidFill>
+                    <a:latin typeface="Arial Narrow"/>
+                    <a:cs typeface="Arial Narrow"/>
+                    <a:sym typeface="Wingdings"/>
+                  </a:rPr>
+                  <a:t>: </a:t>
+                </a:r>
+                <a:endParaRPr lang="en-US" sz="1100" dirty="0"/>
+              </a:p>
+            </p:txBody>
+          </p:sp>
+          <p:sp>
+            <p:nvSpPr>
+              <p:cNvPr id="98" name="Rounded Rectangle 97"/>
+              <p:cNvSpPr/>
+              <p:nvPr/>
+            </p:nvSpPr>
+            <p:spPr>
+              <a:xfrm>
+                <a:off x="4776059" y="674279"/>
+                <a:ext cx="1713642" cy="193466"/>
+              </a:xfrm>
+              <a:prstGeom prst="roundRect">
+                <a:avLst/>
+              </a:prstGeom>
+              <a:ln w="12700" cmpd="sng">
+                <a:solidFill>
+                  <a:schemeClr val="bg1">
+                    <a:lumMod val="85000"/>
+                  </a:schemeClr>
+                </a:solidFill>
+              </a:ln>
+            </p:spPr>
+            <p:style>
+              <a:lnRef idx="2">
+                <a:schemeClr val="accent6"/>
+              </a:lnRef>
+              <a:fillRef idx="1">
+                <a:schemeClr val="lt1"/>
+              </a:fillRef>
+              <a:effectRef idx="0">
+                <a:schemeClr val="accent6"/>
+              </a:effectRef>
+              <a:fontRef idx="minor">
+                <a:schemeClr val="dk1"/>
+              </a:fontRef>
+            </p:style>
+            <p:txBody>
+              <a:bodyPr lIns="0" tIns="0" rIns="0" bIns="45720" rtlCol="0" anchor="ctr" anchorCtr="1"/>
+              <a:lstStyle/>
+              <a:p>
+                <a:pPr algn="ctr"/>
+                <a:r>
+                  <a:rPr lang="en-US" sz="1200" dirty="0" smtClean="0">
+                    <a:solidFill>
+                      <a:srgbClr val="E74C3C"/>
+                    </a:solidFill>
+                    <a:latin typeface="Consolas"/>
+                    <a:cs typeface="Consolas"/>
+                  </a:rPr>
+                  <a:t>find_nearest_store</a:t>
+                </a:r>
+                <a:endParaRPr lang="en-US" sz="1200" dirty="0">
+                  <a:solidFill>
+                    <a:srgbClr val="E74C3C"/>
+                  </a:solidFill>
+                  <a:latin typeface="Consolas"/>
+                  <a:cs typeface="Consolas"/>
+                </a:endParaRPr>
+              </a:p>
+            </p:txBody>
+          </p:sp>
+        </p:grpSp>
+        <p:sp>
+          <p:nvSpPr>
+            <p:cNvPr id="99" name="TextBox 98"/>
+            <p:cNvSpPr txBox="1"/>
+            <p:nvPr/>
+          </p:nvSpPr>
+          <p:spPr>
+            <a:xfrm>
+              <a:off x="2427877" y="2828615"/>
+              <a:ext cx="740344" cy="276999"/>
+            </a:xfrm>
+            <a:prstGeom prst="rect">
+              <a:avLst/>
+            </a:prstGeom>
+            <a:noFill/>
+          </p:spPr>
+          <p:txBody>
+            <a:bodyPr wrap="none" rtlCol="0">
+              <a:spAutoFit/>
+            </a:bodyPr>
+            <a:lstStyle/>
+            <a:p>
+              <a:r>
+                <a:rPr lang="en-US" sz="1100" dirty="0" smtClean="0">
+                  <a:solidFill>
+                    <a:schemeClr val="bg1">
+                      <a:lumMod val="65000"/>
+                    </a:schemeClr>
+                  </a:solidFill>
+                  <a:latin typeface="Arial Narrow"/>
+                  <a:cs typeface="Arial Narrow"/>
+                  <a:sym typeface="Wingdings"/>
+                </a:rPr>
+                <a:t>ENTITIES</a:t>
+              </a:r>
+              <a:r>
+                <a:rPr lang="en-US" sz="1200" dirty="0" smtClean="0">
+                  <a:solidFill>
+                    <a:schemeClr val="bg1">
+                      <a:lumMod val="65000"/>
+                    </a:schemeClr>
+                  </a:solidFill>
+                  <a:latin typeface="Arial Narrow"/>
+                  <a:cs typeface="Arial Narrow"/>
+                  <a:sym typeface="Wingdings"/>
+                </a:rPr>
+                <a:t>: </a:t>
+              </a:r>
+              <a:endParaRPr lang="en-US" sz="1100" dirty="0"/>
+            </a:p>
+          </p:txBody>
+        </p:sp>
+        <p:sp>
+          <p:nvSpPr>
+            <p:cNvPr id="100" name="Rounded Rectangle 99"/>
+            <p:cNvSpPr/>
+            <p:nvPr/>
+          </p:nvSpPr>
+          <p:spPr>
+            <a:xfrm>
+              <a:off x="3116876" y="2883055"/>
+              <a:ext cx="1204409" cy="193466"/>
+            </a:xfrm>
+            <a:prstGeom prst="roundRect">
+              <a:avLst/>
+            </a:prstGeom>
+            <a:ln w="12700" cmpd="sng">
+              <a:solidFill>
+                <a:schemeClr val="bg1">
+                  <a:lumMod val="85000"/>
+                </a:schemeClr>
+              </a:solidFill>
+            </a:ln>
+          </p:spPr>
+          <p:style>
+            <a:lnRef idx="2">
+              <a:schemeClr val="accent6"/>
+            </a:lnRef>
+            <a:fillRef idx="1">
+              <a:schemeClr val="lt1"/>
+            </a:fillRef>
+            <a:effectRef idx="0">
+              <a:schemeClr val="accent6"/>
+            </a:effectRef>
+            <a:fontRef idx="minor">
+              <a:schemeClr val="dk1"/>
+            </a:fontRef>
+          </p:style>
+          <p:txBody>
+            <a:bodyPr lIns="0" tIns="0" rIns="0" bIns="27432" rtlCol="0" anchor="ctr" anchorCtr="1"/>
+            <a:lstStyle/>
+            <a:p>
+              <a:pPr algn="ctr"/>
+              <a:r>
+                <a:rPr lang="en-US" sz="1100" dirty="0" smtClean="0">
+                  <a:solidFill>
+                    <a:schemeClr val="tx1">
+                      <a:lumMod val="50000"/>
+                      <a:lumOff val="50000"/>
+                    </a:schemeClr>
+                  </a:solidFill>
+                  <a:latin typeface="+mj-lt"/>
+                  <a:cs typeface="Consolas"/>
+                </a:rPr>
+                <a:t>tomorrow</a:t>
+              </a:r>
+              <a:r>
+                <a:rPr lang="en-US" sz="1200" dirty="0" smtClean="0">
+                  <a:solidFill>
+                    <a:srgbClr val="E74C3C"/>
+                  </a:solidFill>
+                  <a:latin typeface="Consolas"/>
+                  <a:cs typeface="Consolas"/>
+                </a:rPr>
+                <a:t>|date</a:t>
+              </a:r>
+              <a:endParaRPr lang="en-US" sz="1200" dirty="0">
+                <a:solidFill>
+                  <a:srgbClr val="E74C3C"/>
+                </a:solidFill>
+                <a:latin typeface="Consolas"/>
+                <a:cs typeface="Consolas"/>
+              </a:endParaRPr>
+            </a:p>
+          </p:txBody>
+        </p:sp>
+        <p:sp>
+          <p:nvSpPr>
+            <p:cNvPr id="101" name="TextBox 100"/>
+            <p:cNvSpPr txBox="1"/>
+            <p:nvPr/>
+          </p:nvSpPr>
+          <p:spPr>
+            <a:xfrm>
+              <a:off x="2428843" y="2575521"/>
+              <a:ext cx="682417" cy="276999"/>
+            </a:xfrm>
+            <a:prstGeom prst="rect">
+              <a:avLst/>
+            </a:prstGeom>
+            <a:noFill/>
+          </p:spPr>
+          <p:txBody>
+            <a:bodyPr wrap="none" rtlCol="0">
+              <a:spAutoFit/>
+            </a:bodyPr>
+            <a:lstStyle/>
+            <a:p>
+              <a:r>
+                <a:rPr lang="en-US" sz="1100" dirty="0">
+                  <a:solidFill>
+                    <a:schemeClr val="bg1">
+                      <a:lumMod val="65000"/>
+                    </a:schemeClr>
+                  </a:solidFill>
+                  <a:latin typeface="Arial Narrow"/>
+                  <a:cs typeface="Arial Narrow"/>
+                  <a:sym typeface="Wingdings"/>
+                </a:rPr>
+                <a:t>DOMAIN</a:t>
+              </a:r>
+              <a:r>
+                <a:rPr lang="en-US" sz="1200" dirty="0">
+                  <a:solidFill>
+                    <a:schemeClr val="bg1">
+                      <a:lumMod val="65000"/>
+                    </a:schemeClr>
+                  </a:solidFill>
+                  <a:latin typeface="Arial Narrow"/>
+                  <a:cs typeface="Arial Narrow"/>
+                  <a:sym typeface="Wingdings"/>
+                </a:rPr>
+                <a:t>: </a:t>
+              </a:r>
+              <a:endParaRPr lang="en-US" sz="1100" dirty="0"/>
+            </a:p>
+          </p:txBody>
+        </p:sp>
+        <p:sp>
+          <p:nvSpPr>
+            <p:cNvPr id="102" name="Rounded Rectangle 101"/>
+            <p:cNvSpPr/>
+            <p:nvPr/>
+          </p:nvSpPr>
+          <p:spPr>
+            <a:xfrm>
+              <a:off x="3066589" y="2632471"/>
+              <a:ext cx="1056117" cy="193466"/>
+            </a:xfrm>
+            <a:prstGeom prst="roundRect">
+              <a:avLst/>
+            </a:prstGeom>
+            <a:ln w="12700" cmpd="sng">
+              <a:solidFill>
+                <a:schemeClr val="bg1">
+                  <a:lumMod val="85000"/>
+                </a:schemeClr>
+              </a:solidFill>
+            </a:ln>
+          </p:spPr>
+          <p:style>
+            <a:lnRef idx="2">
+              <a:schemeClr val="accent6"/>
+            </a:lnRef>
+            <a:fillRef idx="1">
+              <a:schemeClr val="lt1"/>
+            </a:fillRef>
+            <a:effectRef idx="0">
+              <a:schemeClr val="accent6"/>
+            </a:effectRef>
+            <a:fontRef idx="minor">
+              <a:schemeClr val="dk1"/>
+            </a:fontRef>
+          </p:style>
+          <p:txBody>
+            <a:bodyPr lIns="0" tIns="0" rIns="0" bIns="45720" rtlCol="0" anchor="ctr" anchorCtr="1"/>
+            <a:lstStyle/>
+            <a:p>
+              <a:pPr algn="ctr"/>
+              <a:r>
+                <a:rPr lang="en-US" sz="1200" dirty="0" smtClean="0">
+                  <a:solidFill>
+                    <a:srgbClr val="E74C3C"/>
+                  </a:solidFill>
+                  <a:latin typeface="Consolas"/>
+                  <a:cs typeface="Consolas"/>
+                </a:rPr>
+                <a:t>store_info</a:t>
+              </a:r>
+              <a:endParaRPr lang="en-US" sz="1200" dirty="0">
+                <a:solidFill>
+                  <a:srgbClr val="E74C3C"/>
+                </a:solidFill>
+                <a:latin typeface="Consolas"/>
+                <a:cs typeface="Consolas"/>
+              </a:endParaRPr>
+            </a:p>
+          </p:txBody>
+        </p:sp>
+        <p:sp>
+          <p:nvSpPr>
+            <p:cNvPr id="103" name="TextBox 102"/>
+            <p:cNvSpPr txBox="1"/>
+            <p:nvPr/>
+          </p:nvSpPr>
+          <p:spPr>
+            <a:xfrm>
+              <a:off x="4157763" y="2578031"/>
+              <a:ext cx="637370" cy="276999"/>
+            </a:xfrm>
+            <a:prstGeom prst="rect">
+              <a:avLst/>
+            </a:prstGeom>
+            <a:noFill/>
+          </p:spPr>
+          <p:txBody>
+            <a:bodyPr wrap="none" rtlCol="0">
+              <a:spAutoFit/>
+            </a:bodyPr>
+            <a:lstStyle/>
+            <a:p>
+              <a:r>
+                <a:rPr lang="en-US" sz="1100" dirty="0" smtClean="0">
+                  <a:solidFill>
+                    <a:schemeClr val="bg1">
+                      <a:lumMod val="65000"/>
+                    </a:schemeClr>
+                  </a:solidFill>
+                  <a:latin typeface="Arial Narrow"/>
+                  <a:cs typeface="Arial Narrow"/>
+                  <a:sym typeface="Wingdings"/>
+                </a:rPr>
+                <a:t>INTENT</a:t>
+              </a:r>
+              <a:r>
+                <a:rPr lang="en-US" sz="1200" dirty="0" smtClean="0">
+                  <a:solidFill>
+                    <a:schemeClr val="bg1">
+                      <a:lumMod val="65000"/>
+                    </a:schemeClr>
+                  </a:solidFill>
+                  <a:latin typeface="Arial Narrow"/>
+                  <a:cs typeface="Arial Narrow"/>
+                  <a:sym typeface="Wingdings"/>
+                </a:rPr>
+                <a:t>: </a:t>
+              </a:r>
+              <a:endParaRPr lang="en-US" sz="1100" dirty="0"/>
+            </a:p>
+          </p:txBody>
+        </p:sp>
+        <p:sp>
+          <p:nvSpPr>
+            <p:cNvPr id="104" name="Rounded Rectangle 103"/>
+            <p:cNvSpPr/>
+            <p:nvPr/>
+          </p:nvSpPr>
+          <p:spPr>
+            <a:xfrm>
+              <a:off x="4733374" y="2632471"/>
+              <a:ext cx="1467003" cy="193466"/>
+            </a:xfrm>
+            <a:prstGeom prst="roundRect">
+              <a:avLst/>
+            </a:prstGeom>
+            <a:ln w="12700" cmpd="sng">
+              <a:solidFill>
+                <a:schemeClr val="bg1">
+                  <a:lumMod val="85000"/>
+                </a:schemeClr>
+              </a:solidFill>
+            </a:ln>
+          </p:spPr>
+          <p:style>
+            <a:lnRef idx="2">
+              <a:schemeClr val="accent6"/>
+            </a:lnRef>
+            <a:fillRef idx="1">
+              <a:schemeClr val="lt1"/>
+            </a:fillRef>
+            <a:effectRef idx="0">
+              <a:schemeClr val="accent6"/>
+            </a:effectRef>
+            <a:fontRef idx="minor">
+              <a:schemeClr val="dk1"/>
+            </a:fontRef>
+          </p:style>
+          <p:txBody>
+            <a:bodyPr lIns="0" tIns="0" rIns="0" bIns="45720" rtlCol="0" anchor="ctr" anchorCtr="1"/>
+            <a:lstStyle/>
+            <a:p>
+              <a:pPr algn="ctr"/>
+              <a:r>
+                <a:rPr lang="en-US" sz="1200" dirty="0" smtClean="0">
+                  <a:solidFill>
+                    <a:srgbClr val="E74C3C"/>
+                  </a:solidFill>
+                  <a:latin typeface="Consolas"/>
+                  <a:cs typeface="Consolas"/>
+                </a:rPr>
+                <a:t>get_store_hours</a:t>
+              </a:r>
+              <a:endParaRPr lang="en-US" sz="1200" dirty="0">
+                <a:solidFill>
+                  <a:srgbClr val="E74C3C"/>
+                </a:solidFill>
+                <a:latin typeface="Consolas"/>
+                <a:cs typeface="Consolas"/>
+              </a:endParaRPr>
+            </a:p>
+          </p:txBody>
+        </p:sp>
+      </p:grpSp>
+    </p:spTree>
+    <p:extLst>
+      <p:ext uri="{BB962C8B-B14F-4D97-AF65-F5344CB8AC3E}">
+        <p14:creationId xmlns:p14="http://schemas.microsoft.com/office/powerpoint/2010/main" val="2312925158"/>
       </p:ext>
     </p:extLst>
   </p:cSld>

--- a/docs/source/images/images.pptx
+++ b/docs/source/images/images.pptx
@@ -9,6 +9,9 @@
     <p:sldId id="258" r:id="rId3"/>
     <p:sldId id="259" r:id="rId4"/>
     <p:sldId id="260" r:id="rId5"/>
+    <p:sldId id="261" r:id="rId6"/>
+    <p:sldId id="263" r:id="rId7"/>
+    <p:sldId id="262" r:id="rId8"/>
   </p:sldIdLst>
   <p:sldSz cx="9144000" cy="6858000" type="screen4x3"/>
   <p:notesSz cx="6858000" cy="9144000"/>
@@ -6760,13 +6763,6 @@
                 </a:rPr>
                 <a:t>DOMAINS:</a:t>
               </a:r>
-              <a:endParaRPr lang="en-US" sz="1200" dirty="0" smtClean="0">
-                <a:solidFill>
-                  <a:srgbClr val="A6A6A6"/>
-                </a:solidFill>
-                <a:latin typeface="Arial Narrow"/>
-                <a:cs typeface="Arial Narrow"/>
-              </a:endParaRPr>
             </a:p>
           </p:txBody>
         </p:sp>
@@ -6802,13 +6798,6 @@
                 </a:rPr>
                 <a:t>INTENTS:</a:t>
               </a:r>
-              <a:endParaRPr lang="en-US" sz="1200" dirty="0" smtClean="0">
-                <a:solidFill>
-                  <a:srgbClr val="A6A6A6"/>
-                </a:solidFill>
-                <a:latin typeface="Arial Narrow"/>
-                <a:cs typeface="Arial Narrow"/>
-              </a:endParaRPr>
             </a:p>
           </p:txBody>
         </p:sp>
@@ -6844,13 +6833,6 @@
                 </a:rPr>
                 <a:t>ENTITIES:</a:t>
               </a:r>
-              <a:endParaRPr lang="en-US" sz="1200" dirty="0" smtClean="0">
-                <a:solidFill>
-                  <a:srgbClr val="A6A6A6"/>
-                </a:solidFill>
-                <a:latin typeface="Arial Narrow"/>
-                <a:cs typeface="Arial Narrow"/>
-              </a:endParaRPr>
             </a:p>
           </p:txBody>
         </p:sp>
@@ -8581,11 +8563,6 @@
                   </a:rPr>
                   <a:t>Kwik-E-Mart?</a:t>
                 </a:r>
-                <a:endParaRPr lang="en-US" sz="900" dirty="0" smtClean="0">
-                  <a:solidFill>
-                    <a:srgbClr val="FFFFFF"/>
-                  </a:solidFill>
-                </a:endParaRPr>
               </a:p>
               <a:p>
                 <a:endParaRPr lang="en-US" sz="900" dirty="0">
@@ -8715,11 +8692,6 @@
                   </a:rPr>
                   <a:t>When does that store open tomorrow?</a:t>
                 </a:r>
-                <a:endParaRPr lang="en-US" sz="900" dirty="0" smtClean="0">
-                  <a:solidFill>
-                    <a:srgbClr val="FFFFFF"/>
-                  </a:solidFill>
-                </a:endParaRPr>
               </a:p>
               <a:p>
                 <a:endParaRPr lang="en-US" sz="900" dirty="0">
@@ -8849,11 +8821,6 @@
                   </a:rPr>
                   <a:t>Goodbye</a:t>
                 </a:r>
-                <a:endParaRPr lang="en-US" sz="900" dirty="0" smtClean="0">
-                  <a:solidFill>
-                    <a:srgbClr val="FFFFFF"/>
-                  </a:solidFill>
-                </a:endParaRPr>
               </a:p>
               <a:p>
                 <a:endParaRPr lang="en-US" sz="900" dirty="0">
@@ -10050,6 +10017,7236 @@
     <p:extLst>
       <p:ext uri="{BB962C8B-B14F-4D97-AF65-F5344CB8AC3E}">
         <p14:creationId xmlns:p14="http://schemas.microsoft.com/office/powerpoint/2010/main" val="2312925158"/>
+      </p:ext>
+    </p:extLst>
+  </p:cSld>
+  <p:clrMapOvr>
+    <a:masterClrMapping/>
+  </p:clrMapOvr>
+</p:sld>
+</file>
+
+<file path=ppt/slides/slide5.xml><?xml version="1.0" encoding="utf-8"?>
+<p:sld xmlns:a="http://schemas.openxmlformats.org/drawingml/2006/main" xmlns:r="http://schemas.openxmlformats.org/officeDocument/2006/relationships" xmlns:p="http://schemas.openxmlformats.org/presentationml/2006/main">
+  <p:cSld>
+    <p:spTree>
+      <p:nvGrpSpPr>
+        <p:cNvPr id="1" name=""/>
+        <p:cNvGrpSpPr/>
+        <p:nvPr/>
+      </p:nvGrpSpPr>
+      <p:grpSpPr>
+        <a:xfrm>
+          <a:off x="0" y="0"/>
+          <a:ext cx="0" cy="0"/>
+          <a:chOff x="0" y="0"/>
+          <a:chExt cx="0" cy="0"/>
+        </a:xfrm>
+      </p:grpSpPr>
+      <p:sp>
+        <p:nvSpPr>
+          <p:cNvPr id="2" name="Slide Number Placeholder 1"/>
+          <p:cNvSpPr>
+            <a:spLocks noGrp="1"/>
+          </p:cNvSpPr>
+          <p:nvPr>
+            <p:ph type="sldNum" sz="quarter" idx="12"/>
+          </p:nvPr>
+        </p:nvSpPr>
+        <p:spPr/>
+        <p:txBody>
+          <a:bodyPr/>
+          <a:lstStyle/>
+          <a:p>
+            <a:fld id="{D01B2998-00A9-9E41-AB29-A15A35C12BAC}" type="slidenum">
+              <a:rPr lang="en-US" smtClean="0"/>
+              <a:t>5</a:t>
+            </a:fld>
+            <a:endParaRPr lang="en-US" dirty="0"/>
+          </a:p>
+        </p:txBody>
+      </p:sp>
+      <p:grpSp>
+        <p:nvGrpSpPr>
+          <p:cNvPr id="90" name="Group 89"/>
+          <p:cNvGrpSpPr/>
+          <p:nvPr/>
+        </p:nvGrpSpPr>
+        <p:grpSpPr>
+          <a:xfrm>
+            <a:off x="1563370" y="2177482"/>
+            <a:ext cx="6308574" cy="2003119"/>
+            <a:chOff x="1461796" y="1923180"/>
+            <a:chExt cx="6308574" cy="2003119"/>
+          </a:xfrm>
+        </p:grpSpPr>
+        <p:sp>
+          <p:nvSpPr>
+            <p:cNvPr id="34" name="Rounded Rectangle 33"/>
+            <p:cNvSpPr/>
+            <p:nvPr/>
+          </p:nvSpPr>
+          <p:spPr>
+            <a:xfrm>
+              <a:off x="1461796" y="2055677"/>
+              <a:ext cx="1184379" cy="282419"/>
+            </a:xfrm>
+            <a:prstGeom prst="roundRect">
+              <a:avLst>
+                <a:gd name="adj" fmla="val 34525"/>
+              </a:avLst>
+            </a:prstGeom>
+            <a:solidFill>
+              <a:srgbClr val="1C73E1">
+                <a:alpha val="71000"/>
+              </a:srgbClr>
+            </a:solidFill>
+            <a:ln>
+              <a:noFill/>
+            </a:ln>
+            <a:effectLst>
+              <a:outerShdw blurRad="50800" dist="38100" dir="2700000" algn="tl" rotWithShape="0">
+                <a:prstClr val="black">
+                  <a:alpha val="40000"/>
+                </a:prstClr>
+              </a:outerShdw>
+            </a:effectLst>
+          </p:spPr>
+          <p:style>
+            <a:lnRef idx="2">
+              <a:schemeClr val="dk1"/>
+            </a:lnRef>
+            <a:fillRef idx="1">
+              <a:schemeClr val="lt1"/>
+            </a:fillRef>
+            <a:effectRef idx="0">
+              <a:schemeClr val="dk1"/>
+            </a:effectRef>
+            <a:fontRef idx="minor">
+              <a:schemeClr val="dk1"/>
+            </a:fontRef>
+          </p:style>
+          <p:txBody>
+            <a:bodyPr tIns="36576" bIns="36576" rtlCol="0" anchor="t" anchorCtr="0"/>
+            <a:lstStyle/>
+            <a:p>
+              <a:r>
+                <a:rPr lang="en-US" sz="900" dirty="0" smtClean="0">
+                  <a:solidFill>
+                    <a:srgbClr val="FFFFFF"/>
+                  </a:solidFill>
+                </a:rPr>
+                <a:t>Send a text to Pat</a:t>
+              </a:r>
+              <a:endParaRPr lang="en-US" sz="900" dirty="0" smtClean="0">
+                <a:solidFill>
+                  <a:srgbClr val="FFFFFF"/>
+                </a:solidFill>
+              </a:endParaRPr>
+            </a:p>
+            <a:p>
+              <a:endParaRPr lang="en-US" sz="900" dirty="0">
+                <a:solidFill>
+                  <a:srgbClr val="FFFFFF"/>
+                </a:solidFill>
+              </a:endParaRPr>
+            </a:p>
+            <a:p>
+              <a:endParaRPr lang="en-US" sz="900" dirty="0">
+                <a:solidFill>
+                  <a:srgbClr val="FFFFFF"/>
+                </a:solidFill>
+              </a:endParaRPr>
+            </a:p>
+          </p:txBody>
+        </p:sp>
+        <p:grpSp>
+          <p:nvGrpSpPr>
+            <p:cNvPr id="3" name="Group 2"/>
+            <p:cNvGrpSpPr/>
+            <p:nvPr/>
+          </p:nvGrpSpPr>
+          <p:grpSpPr>
+            <a:xfrm>
+              <a:off x="4150492" y="1923180"/>
+              <a:ext cx="3619878" cy="530352"/>
+              <a:chOff x="4360727" y="1255431"/>
+              <a:chExt cx="3619878" cy="530352"/>
+            </a:xfrm>
+          </p:grpSpPr>
+          <p:sp>
+            <p:nvSpPr>
+              <p:cNvPr id="43" name="TextBox 42"/>
+              <p:cNvSpPr txBox="1"/>
+              <p:nvPr/>
+            </p:nvSpPr>
+            <p:spPr>
+              <a:xfrm>
+                <a:off x="4385201" y="1282499"/>
+                <a:ext cx="1021931" cy="253916"/>
+              </a:xfrm>
+              <a:prstGeom prst="rect">
+                <a:avLst/>
+              </a:prstGeom>
+              <a:noFill/>
+            </p:spPr>
+            <p:txBody>
+              <a:bodyPr wrap="none" rtlCol="0">
+                <a:spAutoFit/>
+              </a:bodyPr>
+              <a:lstStyle/>
+              <a:p>
+                <a:r>
+                  <a:rPr lang="en-US" sz="900" dirty="0" smtClean="0">
+                    <a:solidFill>
+                      <a:schemeClr val="bg1">
+                        <a:lumMod val="65000"/>
+                      </a:schemeClr>
+                    </a:solidFill>
+                    <a:latin typeface="Arial Narrow"/>
+                    <a:cs typeface="Arial Narrow"/>
+                    <a:sym typeface="Wingdings"/>
+                  </a:rPr>
+                  <a:t>DIALOGUE STATE</a:t>
+                </a:r>
+                <a:r>
+                  <a:rPr lang="en-US" sz="1000" dirty="0" smtClean="0">
+                    <a:solidFill>
+                      <a:schemeClr val="bg1">
+                        <a:lumMod val="65000"/>
+                      </a:schemeClr>
+                    </a:solidFill>
+                    <a:latin typeface="Arial Narrow"/>
+                    <a:cs typeface="Arial Narrow"/>
+                    <a:sym typeface="Wingdings"/>
+                  </a:rPr>
+                  <a:t>: </a:t>
+                </a:r>
+                <a:endParaRPr lang="en-US" sz="900" dirty="0"/>
+              </a:p>
+            </p:txBody>
+          </p:sp>
+          <p:sp>
+            <p:nvSpPr>
+              <p:cNvPr id="5" name="Rounded Rectangle 4"/>
+              <p:cNvSpPr/>
+              <p:nvPr/>
+            </p:nvSpPr>
+            <p:spPr>
+              <a:xfrm>
+                <a:off x="5378656" y="1325412"/>
+                <a:ext cx="1730177" cy="184321"/>
+              </a:xfrm>
+              <a:prstGeom prst="roundRect">
+                <a:avLst/>
+              </a:prstGeom>
+              <a:ln w="12700" cmpd="sng">
+                <a:solidFill>
+                  <a:schemeClr val="bg1">
+                    <a:lumMod val="85000"/>
+                  </a:schemeClr>
+                </a:solidFill>
+              </a:ln>
+            </p:spPr>
+            <p:style>
+              <a:lnRef idx="2">
+                <a:schemeClr val="accent6"/>
+              </a:lnRef>
+              <a:fillRef idx="1">
+                <a:schemeClr val="lt1"/>
+              </a:fillRef>
+              <a:effectRef idx="0">
+                <a:schemeClr val="accent6"/>
+              </a:effectRef>
+              <a:fontRef idx="minor">
+                <a:schemeClr val="dk1"/>
+              </a:fontRef>
+            </p:style>
+            <p:txBody>
+              <a:bodyPr lIns="0" tIns="0" rIns="0" bIns="27432" rtlCol="0" anchor="ctr" anchorCtr="1"/>
+              <a:lstStyle/>
+              <a:p>
+                <a:pPr algn="ctr"/>
+                <a:r>
+                  <a:rPr lang="en-US" sz="1000" dirty="0" smtClean="0">
+                    <a:solidFill>
+                      <a:srgbClr val="E74C3C"/>
+                    </a:solidFill>
+                    <a:latin typeface="Consolas"/>
+                    <a:cs typeface="Consolas"/>
+                  </a:rPr>
+                  <a:t>prompt_for_message_body</a:t>
+                </a:r>
+                <a:endParaRPr lang="en-US" sz="1000" dirty="0">
+                  <a:solidFill>
+                    <a:srgbClr val="E74C3C"/>
+                  </a:solidFill>
+                  <a:latin typeface="Consolas"/>
+                  <a:cs typeface="Consolas"/>
+                </a:endParaRPr>
+              </a:p>
+            </p:txBody>
+          </p:sp>
+          <p:sp>
+            <p:nvSpPr>
+              <p:cNvPr id="56" name="Rounded Rectangle 55"/>
+              <p:cNvSpPr/>
+              <p:nvPr/>
+            </p:nvSpPr>
+            <p:spPr>
+              <a:xfrm>
+                <a:off x="4360727" y="1255431"/>
+                <a:ext cx="3619878" cy="530352"/>
+              </a:xfrm>
+              <a:prstGeom prst="roundRect">
+                <a:avLst>
+                  <a:gd name="adj" fmla="val 0"/>
+                </a:avLst>
+              </a:prstGeom>
+              <a:noFill/>
+              <a:ln w="6350" cmpd="sng">
+                <a:solidFill>
+                  <a:schemeClr val="bg1">
+                    <a:lumMod val="50000"/>
+                  </a:schemeClr>
+                </a:solidFill>
+              </a:ln>
+            </p:spPr>
+            <p:style>
+              <a:lnRef idx="2">
+                <a:schemeClr val="dk1"/>
+              </a:lnRef>
+              <a:fillRef idx="1">
+                <a:schemeClr val="lt1"/>
+              </a:fillRef>
+              <a:effectRef idx="0">
+                <a:schemeClr val="dk1"/>
+              </a:effectRef>
+              <a:fontRef idx="minor">
+                <a:schemeClr val="dk1"/>
+              </a:fontRef>
+            </p:style>
+            <p:txBody>
+              <a:bodyPr rtlCol="0" anchor="t" anchorCtr="0"/>
+              <a:lstStyle/>
+              <a:p>
+                <a:endParaRPr lang="en-US" sz="900" dirty="0"/>
+              </a:p>
+            </p:txBody>
+          </p:sp>
+          <p:sp>
+            <p:nvSpPr>
+              <p:cNvPr id="59" name="TextBox 58"/>
+              <p:cNvSpPr txBox="1"/>
+              <p:nvPr/>
+            </p:nvSpPr>
+            <p:spPr>
+              <a:xfrm>
+                <a:off x="4383836" y="1512675"/>
+                <a:ext cx="2588657" cy="230832"/>
+              </a:xfrm>
+              <a:prstGeom prst="rect">
+                <a:avLst/>
+              </a:prstGeom>
+              <a:noFill/>
+            </p:spPr>
+            <p:txBody>
+              <a:bodyPr wrap="none" rtlCol="0">
+                <a:spAutoFit/>
+              </a:bodyPr>
+              <a:lstStyle/>
+              <a:p>
+                <a:pPr marL="398463" indent="-398463"/>
+                <a:r>
+                  <a:rPr lang="en-US" sz="900" dirty="0" smtClean="0">
+                    <a:solidFill>
+                      <a:schemeClr val="bg1">
+                        <a:lumMod val="65000"/>
+                      </a:schemeClr>
+                    </a:solidFill>
+                    <a:latin typeface="Arial Narrow"/>
+                    <a:cs typeface="Arial Narrow"/>
+                    <a:sym typeface="Wingdings"/>
+                  </a:rPr>
+                  <a:t>REPLY:  	</a:t>
+                </a:r>
+                <a:r>
+                  <a:rPr lang="en-US" sz="900" dirty="0" smtClean="0"/>
+                  <a:t>What message would you like to send?</a:t>
+                </a:r>
+                <a:endParaRPr lang="en-US" sz="900" dirty="0"/>
+              </a:p>
+            </p:txBody>
+          </p:sp>
+        </p:grpSp>
+        <p:grpSp>
+          <p:nvGrpSpPr>
+            <p:cNvPr id="60" name="Group 59"/>
+            <p:cNvGrpSpPr/>
+            <p:nvPr/>
+          </p:nvGrpSpPr>
+          <p:grpSpPr>
+            <a:xfrm>
+              <a:off x="4148221" y="2659563"/>
+              <a:ext cx="3619878" cy="530352"/>
+              <a:chOff x="4360727" y="1255431"/>
+              <a:chExt cx="3619878" cy="530352"/>
+            </a:xfrm>
+          </p:grpSpPr>
+          <p:sp>
+            <p:nvSpPr>
+              <p:cNvPr id="61" name="TextBox 60"/>
+              <p:cNvSpPr txBox="1"/>
+              <p:nvPr/>
+            </p:nvSpPr>
+            <p:spPr>
+              <a:xfrm>
+                <a:off x="4385201" y="1282499"/>
+                <a:ext cx="1021931" cy="253916"/>
+              </a:xfrm>
+              <a:prstGeom prst="rect">
+                <a:avLst/>
+              </a:prstGeom>
+              <a:noFill/>
+            </p:spPr>
+            <p:txBody>
+              <a:bodyPr wrap="none" rtlCol="0">
+                <a:spAutoFit/>
+              </a:bodyPr>
+              <a:lstStyle/>
+              <a:p>
+                <a:r>
+                  <a:rPr lang="en-US" sz="900" dirty="0" smtClean="0">
+                    <a:solidFill>
+                      <a:schemeClr val="bg1">
+                        <a:lumMod val="65000"/>
+                      </a:schemeClr>
+                    </a:solidFill>
+                    <a:latin typeface="Arial Narrow"/>
+                    <a:cs typeface="Arial Narrow"/>
+                    <a:sym typeface="Wingdings"/>
+                  </a:rPr>
+                  <a:t>DIALOGUE STATE</a:t>
+                </a:r>
+                <a:r>
+                  <a:rPr lang="en-US" sz="1000" dirty="0" smtClean="0">
+                    <a:solidFill>
+                      <a:schemeClr val="bg1">
+                        <a:lumMod val="65000"/>
+                      </a:schemeClr>
+                    </a:solidFill>
+                    <a:latin typeface="Arial Narrow"/>
+                    <a:cs typeface="Arial Narrow"/>
+                    <a:sym typeface="Wingdings"/>
+                  </a:rPr>
+                  <a:t>: </a:t>
+                </a:r>
+                <a:endParaRPr lang="en-US" sz="900" dirty="0"/>
+              </a:p>
+            </p:txBody>
+          </p:sp>
+          <p:sp>
+            <p:nvSpPr>
+              <p:cNvPr id="62" name="Rounded Rectangle 61"/>
+              <p:cNvSpPr/>
+              <p:nvPr/>
+            </p:nvSpPr>
+            <p:spPr>
+              <a:xfrm>
+                <a:off x="5378656" y="1325412"/>
+                <a:ext cx="1732448" cy="184321"/>
+              </a:xfrm>
+              <a:prstGeom prst="roundRect">
+                <a:avLst/>
+              </a:prstGeom>
+              <a:ln w="12700" cmpd="sng">
+                <a:solidFill>
+                  <a:schemeClr val="bg1">
+                    <a:lumMod val="85000"/>
+                  </a:schemeClr>
+                </a:solidFill>
+              </a:ln>
+            </p:spPr>
+            <p:style>
+              <a:lnRef idx="2">
+                <a:schemeClr val="accent6"/>
+              </a:lnRef>
+              <a:fillRef idx="1">
+                <a:schemeClr val="lt1"/>
+              </a:fillRef>
+              <a:effectRef idx="0">
+                <a:schemeClr val="accent6"/>
+              </a:effectRef>
+              <a:fontRef idx="minor">
+                <a:schemeClr val="dk1"/>
+              </a:fontRef>
+            </p:style>
+            <p:txBody>
+              <a:bodyPr lIns="0" tIns="0" rIns="0" bIns="27432" rtlCol="0" anchor="ctr" anchorCtr="1"/>
+              <a:lstStyle/>
+              <a:p>
+                <a:pPr algn="ctr"/>
+                <a:r>
+                  <a:rPr lang="en-US" sz="1000" dirty="0" smtClean="0">
+                    <a:solidFill>
+                      <a:srgbClr val="E74C3C"/>
+                    </a:solidFill>
+                    <a:latin typeface="Consolas"/>
+                    <a:cs typeface="Consolas"/>
+                  </a:rPr>
+                  <a:t>prompt_for_confirmation</a:t>
+                </a:r>
+                <a:endParaRPr lang="en-US" sz="1000" dirty="0">
+                  <a:solidFill>
+                    <a:srgbClr val="E74C3C"/>
+                  </a:solidFill>
+                  <a:latin typeface="Consolas"/>
+                  <a:cs typeface="Consolas"/>
+                </a:endParaRPr>
+              </a:p>
+            </p:txBody>
+          </p:sp>
+          <p:sp>
+            <p:nvSpPr>
+              <p:cNvPr id="63" name="Rounded Rectangle 62"/>
+              <p:cNvSpPr/>
+              <p:nvPr/>
+            </p:nvSpPr>
+            <p:spPr>
+              <a:xfrm>
+                <a:off x="4360727" y="1255431"/>
+                <a:ext cx="3619878" cy="530352"/>
+              </a:xfrm>
+              <a:prstGeom prst="roundRect">
+                <a:avLst>
+                  <a:gd name="adj" fmla="val 0"/>
+                </a:avLst>
+              </a:prstGeom>
+              <a:noFill/>
+              <a:ln w="6350" cmpd="sng">
+                <a:solidFill>
+                  <a:schemeClr val="bg1">
+                    <a:lumMod val="50000"/>
+                  </a:schemeClr>
+                </a:solidFill>
+              </a:ln>
+            </p:spPr>
+            <p:style>
+              <a:lnRef idx="2">
+                <a:schemeClr val="dk1"/>
+              </a:lnRef>
+              <a:fillRef idx="1">
+                <a:schemeClr val="lt1"/>
+              </a:fillRef>
+              <a:effectRef idx="0">
+                <a:schemeClr val="dk1"/>
+              </a:effectRef>
+              <a:fontRef idx="minor">
+                <a:schemeClr val="dk1"/>
+              </a:fontRef>
+            </p:style>
+            <p:txBody>
+              <a:bodyPr rtlCol="0" anchor="t" anchorCtr="0"/>
+              <a:lstStyle/>
+              <a:p>
+                <a:endParaRPr lang="en-US" sz="900" dirty="0"/>
+              </a:p>
+            </p:txBody>
+          </p:sp>
+          <p:sp>
+            <p:nvSpPr>
+              <p:cNvPr id="64" name="TextBox 63"/>
+              <p:cNvSpPr txBox="1"/>
+              <p:nvPr/>
+            </p:nvSpPr>
+            <p:spPr>
+              <a:xfrm>
+                <a:off x="4383835" y="1512675"/>
+                <a:ext cx="3580837" cy="230832"/>
+              </a:xfrm>
+              <a:prstGeom prst="rect">
+                <a:avLst/>
+              </a:prstGeom>
+              <a:noFill/>
+            </p:spPr>
+            <p:txBody>
+              <a:bodyPr wrap="square" rtlCol="0">
+                <a:spAutoFit/>
+              </a:bodyPr>
+              <a:lstStyle/>
+              <a:p>
+                <a:pPr marL="398463" indent="-398463"/>
+                <a:r>
+                  <a:rPr lang="en-US" sz="900" dirty="0" smtClean="0">
+                    <a:solidFill>
+                      <a:schemeClr val="bg1">
+                        <a:lumMod val="65000"/>
+                      </a:schemeClr>
+                    </a:solidFill>
+                    <a:latin typeface="Arial Narrow"/>
+                    <a:cs typeface="Arial Narrow"/>
+                    <a:sym typeface="Wingdings"/>
+                  </a:rPr>
+                  <a:t>REPLY:  	</a:t>
+                </a:r>
+                <a:r>
+                  <a:rPr lang="en-US" sz="900" dirty="0" smtClean="0"/>
+                  <a:t>Got it. Ready to send?</a:t>
+                </a:r>
+                <a:endParaRPr lang="en-US" sz="900" dirty="0"/>
+              </a:p>
+            </p:txBody>
+          </p:sp>
+        </p:grpSp>
+        <p:grpSp>
+          <p:nvGrpSpPr>
+            <p:cNvPr id="65" name="Group 64"/>
+            <p:cNvGrpSpPr/>
+            <p:nvPr/>
+          </p:nvGrpSpPr>
+          <p:grpSpPr>
+            <a:xfrm>
+              <a:off x="4145950" y="3395947"/>
+              <a:ext cx="3619878" cy="530352"/>
+              <a:chOff x="4360727" y="1255431"/>
+              <a:chExt cx="3619878" cy="530352"/>
+            </a:xfrm>
+          </p:grpSpPr>
+          <p:sp>
+            <p:nvSpPr>
+              <p:cNvPr id="66" name="TextBox 65"/>
+              <p:cNvSpPr txBox="1"/>
+              <p:nvPr/>
+            </p:nvSpPr>
+            <p:spPr>
+              <a:xfrm>
+                <a:off x="4385201" y="1282499"/>
+                <a:ext cx="1021931" cy="253916"/>
+              </a:xfrm>
+              <a:prstGeom prst="rect">
+                <a:avLst/>
+              </a:prstGeom>
+              <a:noFill/>
+            </p:spPr>
+            <p:txBody>
+              <a:bodyPr wrap="none" rtlCol="0">
+                <a:spAutoFit/>
+              </a:bodyPr>
+              <a:lstStyle/>
+              <a:p>
+                <a:r>
+                  <a:rPr lang="en-US" sz="900" dirty="0" smtClean="0">
+                    <a:solidFill>
+                      <a:schemeClr val="bg1">
+                        <a:lumMod val="65000"/>
+                      </a:schemeClr>
+                    </a:solidFill>
+                    <a:latin typeface="Arial Narrow"/>
+                    <a:cs typeface="Arial Narrow"/>
+                    <a:sym typeface="Wingdings"/>
+                  </a:rPr>
+                  <a:t>DIALOGUE STATE</a:t>
+                </a:r>
+                <a:r>
+                  <a:rPr lang="en-US" sz="1000" dirty="0" smtClean="0">
+                    <a:solidFill>
+                      <a:schemeClr val="bg1">
+                        <a:lumMod val="65000"/>
+                      </a:schemeClr>
+                    </a:solidFill>
+                    <a:latin typeface="Arial Narrow"/>
+                    <a:cs typeface="Arial Narrow"/>
+                    <a:sym typeface="Wingdings"/>
+                  </a:rPr>
+                  <a:t>: </a:t>
+                </a:r>
+                <a:endParaRPr lang="en-US" sz="900" dirty="0"/>
+              </a:p>
+            </p:txBody>
+          </p:sp>
+          <p:sp>
+            <p:nvSpPr>
+              <p:cNvPr id="67" name="Rounded Rectangle 66"/>
+              <p:cNvSpPr/>
+              <p:nvPr/>
+            </p:nvSpPr>
+            <p:spPr>
+              <a:xfrm>
+                <a:off x="5378656" y="1325412"/>
+                <a:ext cx="1461789" cy="184321"/>
+              </a:xfrm>
+              <a:prstGeom prst="roundRect">
+                <a:avLst/>
+              </a:prstGeom>
+              <a:ln w="12700" cmpd="sng">
+                <a:solidFill>
+                  <a:schemeClr val="bg1">
+                    <a:lumMod val="85000"/>
+                  </a:schemeClr>
+                </a:solidFill>
+              </a:ln>
+            </p:spPr>
+            <p:style>
+              <a:lnRef idx="2">
+                <a:schemeClr val="accent6"/>
+              </a:lnRef>
+              <a:fillRef idx="1">
+                <a:schemeClr val="lt1"/>
+              </a:fillRef>
+              <a:effectRef idx="0">
+                <a:schemeClr val="accent6"/>
+              </a:effectRef>
+              <a:fontRef idx="minor">
+                <a:schemeClr val="dk1"/>
+              </a:fontRef>
+            </p:style>
+            <p:txBody>
+              <a:bodyPr lIns="0" tIns="0" rIns="0" bIns="27432" rtlCol="0" anchor="ctr" anchorCtr="1"/>
+              <a:lstStyle/>
+              <a:p>
+                <a:pPr algn="ctr"/>
+                <a:r>
+                  <a:rPr lang="en-US" sz="1000" dirty="0" smtClean="0">
+                    <a:solidFill>
+                      <a:srgbClr val="E74C3C"/>
+                    </a:solidFill>
+                    <a:latin typeface="Consolas"/>
+                    <a:cs typeface="Consolas"/>
+                  </a:rPr>
+                  <a:t>verify_message_sent</a:t>
+                </a:r>
+                <a:endParaRPr lang="en-US" sz="1000" dirty="0">
+                  <a:solidFill>
+                    <a:srgbClr val="E74C3C"/>
+                  </a:solidFill>
+                  <a:latin typeface="Consolas"/>
+                  <a:cs typeface="Consolas"/>
+                </a:endParaRPr>
+              </a:p>
+            </p:txBody>
+          </p:sp>
+          <p:sp>
+            <p:nvSpPr>
+              <p:cNvPr id="69" name="Rounded Rectangle 68"/>
+              <p:cNvSpPr/>
+              <p:nvPr/>
+            </p:nvSpPr>
+            <p:spPr>
+              <a:xfrm>
+                <a:off x="4360727" y="1255431"/>
+                <a:ext cx="3619878" cy="530352"/>
+              </a:xfrm>
+              <a:prstGeom prst="roundRect">
+                <a:avLst>
+                  <a:gd name="adj" fmla="val 0"/>
+                </a:avLst>
+              </a:prstGeom>
+              <a:noFill/>
+              <a:ln w="6350" cmpd="sng">
+                <a:solidFill>
+                  <a:schemeClr val="bg1">
+                    <a:lumMod val="50000"/>
+                  </a:schemeClr>
+                </a:solidFill>
+              </a:ln>
+            </p:spPr>
+            <p:style>
+              <a:lnRef idx="2">
+                <a:schemeClr val="dk1"/>
+              </a:lnRef>
+              <a:fillRef idx="1">
+                <a:schemeClr val="lt1"/>
+              </a:fillRef>
+              <a:effectRef idx="0">
+                <a:schemeClr val="dk1"/>
+              </a:effectRef>
+              <a:fontRef idx="minor">
+                <a:schemeClr val="dk1"/>
+              </a:fontRef>
+            </p:style>
+            <p:txBody>
+              <a:bodyPr rtlCol="0" anchor="t" anchorCtr="0"/>
+              <a:lstStyle/>
+              <a:p>
+                <a:endParaRPr lang="en-US" sz="900" dirty="0"/>
+              </a:p>
+            </p:txBody>
+          </p:sp>
+          <p:sp>
+            <p:nvSpPr>
+              <p:cNvPr id="70" name="TextBox 69"/>
+              <p:cNvSpPr txBox="1"/>
+              <p:nvPr/>
+            </p:nvSpPr>
+            <p:spPr>
+              <a:xfrm>
+                <a:off x="4383836" y="1512675"/>
+                <a:ext cx="2109860" cy="230832"/>
+              </a:xfrm>
+              <a:prstGeom prst="rect">
+                <a:avLst/>
+              </a:prstGeom>
+              <a:noFill/>
+            </p:spPr>
+            <p:txBody>
+              <a:bodyPr wrap="none" rtlCol="0">
+                <a:spAutoFit/>
+              </a:bodyPr>
+              <a:lstStyle/>
+              <a:p>
+                <a:pPr marL="398463" indent="-398463"/>
+                <a:r>
+                  <a:rPr lang="en-US" sz="900" dirty="0" smtClean="0">
+                    <a:solidFill>
+                      <a:schemeClr val="bg1">
+                        <a:lumMod val="65000"/>
+                      </a:schemeClr>
+                    </a:solidFill>
+                    <a:latin typeface="Arial Narrow"/>
+                    <a:cs typeface="Arial Narrow"/>
+                    <a:sym typeface="Wingdings"/>
+                  </a:rPr>
+                  <a:t>REPLY:  	</a:t>
+                </a:r>
+                <a:r>
+                  <a:rPr lang="en-US" sz="900" dirty="0" smtClean="0"/>
+                  <a:t>Your message has been sent.</a:t>
+                </a:r>
+                <a:endParaRPr lang="en-US" sz="900" dirty="0"/>
+              </a:p>
+            </p:txBody>
+          </p:sp>
+        </p:grpSp>
+        <p:cxnSp>
+          <p:nvCxnSpPr>
+            <p:cNvPr id="7" name="Straight Arrow Connector 6"/>
+            <p:cNvCxnSpPr/>
+            <p:nvPr/>
+          </p:nvCxnSpPr>
+          <p:spPr>
+            <a:xfrm>
+              <a:off x="2716756" y="2196888"/>
+              <a:ext cx="1339172" cy="0"/>
+            </a:xfrm>
+            <a:prstGeom prst="straightConnector1">
+              <a:avLst/>
+            </a:prstGeom>
+            <a:ln w="19050" cmpd="sng">
+              <a:solidFill>
+                <a:schemeClr val="bg1">
+                  <a:lumMod val="65000"/>
+                </a:schemeClr>
+              </a:solidFill>
+              <a:tailEnd type="arrow"/>
+            </a:ln>
+          </p:spPr>
+          <p:style>
+            <a:lnRef idx="1">
+              <a:schemeClr val="accent6"/>
+            </a:lnRef>
+            <a:fillRef idx="0">
+              <a:schemeClr val="accent6"/>
+            </a:fillRef>
+            <a:effectRef idx="0">
+              <a:schemeClr val="accent6"/>
+            </a:effectRef>
+            <a:fontRef idx="minor">
+              <a:schemeClr val="tx1"/>
+            </a:fontRef>
+          </p:style>
+        </p:cxnSp>
+        <p:cxnSp>
+          <p:nvCxnSpPr>
+            <p:cNvPr id="81" name="Straight Arrow Connector 80"/>
+            <p:cNvCxnSpPr/>
+            <p:nvPr/>
+          </p:nvCxnSpPr>
+          <p:spPr>
+            <a:xfrm flipH="1">
+              <a:off x="2716756" y="2241459"/>
+              <a:ext cx="1339172" cy="656854"/>
+            </a:xfrm>
+            <a:prstGeom prst="straightConnector1">
+              <a:avLst/>
+            </a:prstGeom>
+            <a:ln w="19050" cmpd="sng">
+              <a:solidFill>
+                <a:schemeClr val="bg1">
+                  <a:lumMod val="65000"/>
+                </a:schemeClr>
+              </a:solidFill>
+              <a:tailEnd type="arrow"/>
+            </a:ln>
+          </p:spPr>
+          <p:style>
+            <a:lnRef idx="1">
+              <a:schemeClr val="accent6"/>
+            </a:lnRef>
+            <a:fillRef idx="0">
+              <a:schemeClr val="accent6"/>
+            </a:fillRef>
+            <a:effectRef idx="0">
+              <a:schemeClr val="accent6"/>
+            </a:effectRef>
+            <a:fontRef idx="minor">
+              <a:schemeClr val="tx1"/>
+            </a:fontRef>
+          </p:style>
+        </p:cxnSp>
+        <p:grpSp>
+          <p:nvGrpSpPr>
+            <p:cNvPr id="44" name="Group 43"/>
+            <p:cNvGrpSpPr/>
+            <p:nvPr/>
+          </p:nvGrpSpPr>
+          <p:grpSpPr>
+            <a:xfrm>
+              <a:off x="3234386" y="2078039"/>
+              <a:ext cx="248855" cy="230832"/>
+              <a:chOff x="3103485" y="1459067"/>
+              <a:chExt cx="248855" cy="230832"/>
+            </a:xfrm>
+          </p:grpSpPr>
+          <p:sp>
+            <p:nvSpPr>
+              <p:cNvPr id="41" name="Oval 40"/>
+              <p:cNvSpPr>
+                <a:spLocks noChangeAspect="1"/>
+              </p:cNvSpPr>
+              <p:nvPr/>
+            </p:nvSpPr>
+            <p:spPr>
+              <a:xfrm>
+                <a:off x="3141307" y="1487200"/>
+                <a:ext cx="177759" cy="177759"/>
+              </a:xfrm>
+              <a:prstGeom prst="ellipse">
+                <a:avLst/>
+              </a:prstGeom>
+              <a:solidFill>
+                <a:srgbClr val="FFFFFF"/>
+              </a:solidFill>
+              <a:ln w="12700" cmpd="sng">
+                <a:solidFill>
+                  <a:schemeClr val="bg1">
+                    <a:lumMod val="65000"/>
+                  </a:schemeClr>
+                </a:solidFill>
+              </a:ln>
+            </p:spPr>
+            <p:style>
+              <a:lnRef idx="2">
+                <a:schemeClr val="accent6"/>
+              </a:lnRef>
+              <a:fillRef idx="1">
+                <a:schemeClr val="lt1"/>
+              </a:fillRef>
+              <a:effectRef idx="0">
+                <a:schemeClr val="accent6"/>
+              </a:effectRef>
+              <a:fontRef idx="minor">
+                <a:schemeClr val="dk1"/>
+              </a:fontRef>
+            </p:style>
+            <p:txBody>
+              <a:bodyPr rtlCol="0" anchor="ctr"/>
+              <a:lstStyle/>
+              <a:p>
+                <a:pPr algn="ctr"/>
+                <a:endParaRPr lang="en-US" dirty="0"/>
+              </a:p>
+            </p:txBody>
+          </p:sp>
+          <p:sp>
+            <p:nvSpPr>
+              <p:cNvPr id="42" name="TextBox 41"/>
+              <p:cNvSpPr txBox="1"/>
+              <p:nvPr/>
+            </p:nvSpPr>
+            <p:spPr>
+              <a:xfrm>
+                <a:off x="3103485" y="1459067"/>
+                <a:ext cx="248855" cy="230832"/>
+              </a:xfrm>
+              <a:prstGeom prst="rect">
+                <a:avLst/>
+              </a:prstGeom>
+              <a:noFill/>
+            </p:spPr>
+            <p:txBody>
+              <a:bodyPr wrap="none" rtlCol="0">
+                <a:spAutoFit/>
+              </a:bodyPr>
+              <a:lstStyle/>
+              <a:p>
+                <a:pPr algn="ctr"/>
+                <a:r>
+                  <a:rPr lang="en-US" sz="900" b="1" dirty="0" smtClean="0">
+                    <a:solidFill>
+                      <a:schemeClr val="tx1">
+                        <a:lumMod val="50000"/>
+                        <a:lumOff val="50000"/>
+                      </a:schemeClr>
+                    </a:solidFill>
+                  </a:rPr>
+                  <a:t>1</a:t>
+                </a:r>
+                <a:endParaRPr lang="en-US" sz="900" b="1" dirty="0">
+                  <a:solidFill>
+                    <a:schemeClr val="tx1">
+                      <a:lumMod val="50000"/>
+                      <a:lumOff val="50000"/>
+                    </a:schemeClr>
+                  </a:solidFill>
+                </a:endParaRPr>
+              </a:p>
+            </p:txBody>
+          </p:sp>
+        </p:grpSp>
+        <p:grpSp>
+          <p:nvGrpSpPr>
+            <p:cNvPr id="108" name="Group 107"/>
+            <p:cNvGrpSpPr/>
+            <p:nvPr/>
+          </p:nvGrpSpPr>
+          <p:grpSpPr>
+            <a:xfrm>
+              <a:off x="3234386" y="2459195"/>
+              <a:ext cx="248855" cy="230832"/>
+              <a:chOff x="3103485" y="1459067"/>
+              <a:chExt cx="248855" cy="230832"/>
+            </a:xfrm>
+          </p:grpSpPr>
+          <p:sp>
+            <p:nvSpPr>
+              <p:cNvPr id="109" name="Oval 108"/>
+              <p:cNvSpPr>
+                <a:spLocks noChangeAspect="1"/>
+              </p:cNvSpPr>
+              <p:nvPr/>
+            </p:nvSpPr>
+            <p:spPr>
+              <a:xfrm>
+                <a:off x="3141307" y="1487200"/>
+                <a:ext cx="177759" cy="177759"/>
+              </a:xfrm>
+              <a:prstGeom prst="ellipse">
+                <a:avLst/>
+              </a:prstGeom>
+              <a:solidFill>
+                <a:srgbClr val="FFFFFF"/>
+              </a:solidFill>
+              <a:ln w="12700" cmpd="sng">
+                <a:solidFill>
+                  <a:schemeClr val="bg1">
+                    <a:lumMod val="65000"/>
+                  </a:schemeClr>
+                </a:solidFill>
+              </a:ln>
+            </p:spPr>
+            <p:style>
+              <a:lnRef idx="2">
+                <a:schemeClr val="accent6"/>
+              </a:lnRef>
+              <a:fillRef idx="1">
+                <a:schemeClr val="lt1"/>
+              </a:fillRef>
+              <a:effectRef idx="0">
+                <a:schemeClr val="accent6"/>
+              </a:effectRef>
+              <a:fontRef idx="minor">
+                <a:schemeClr val="dk1"/>
+              </a:fontRef>
+            </p:style>
+            <p:txBody>
+              <a:bodyPr rtlCol="0" anchor="ctr"/>
+              <a:lstStyle/>
+              <a:p>
+                <a:pPr algn="ctr"/>
+                <a:endParaRPr lang="en-US" dirty="0"/>
+              </a:p>
+            </p:txBody>
+          </p:sp>
+          <p:sp>
+            <p:nvSpPr>
+              <p:cNvPr id="110" name="TextBox 109"/>
+              <p:cNvSpPr txBox="1"/>
+              <p:nvPr/>
+            </p:nvSpPr>
+            <p:spPr>
+              <a:xfrm>
+                <a:off x="3103485" y="1459067"/>
+                <a:ext cx="248855" cy="230832"/>
+              </a:xfrm>
+              <a:prstGeom prst="rect">
+                <a:avLst/>
+              </a:prstGeom>
+              <a:noFill/>
+            </p:spPr>
+            <p:txBody>
+              <a:bodyPr wrap="none" rtlCol="0">
+                <a:spAutoFit/>
+              </a:bodyPr>
+              <a:lstStyle/>
+              <a:p>
+                <a:pPr algn="ctr"/>
+                <a:r>
+                  <a:rPr lang="en-US" sz="900" b="1" dirty="0" smtClean="0">
+                    <a:solidFill>
+                      <a:schemeClr val="tx1">
+                        <a:lumMod val="50000"/>
+                        <a:lumOff val="50000"/>
+                      </a:schemeClr>
+                    </a:solidFill>
+                  </a:rPr>
+                  <a:t>2</a:t>
+                </a:r>
+                <a:endParaRPr lang="en-US" sz="900" b="1" dirty="0">
+                  <a:solidFill>
+                    <a:schemeClr val="tx1">
+                      <a:lumMod val="50000"/>
+                      <a:lumOff val="50000"/>
+                    </a:schemeClr>
+                  </a:solidFill>
+                </a:endParaRPr>
+              </a:p>
+            </p:txBody>
+          </p:sp>
+        </p:grpSp>
+        <p:sp>
+          <p:nvSpPr>
+            <p:cNvPr id="132" name="Rounded Rectangle 131"/>
+            <p:cNvSpPr/>
+            <p:nvPr/>
+          </p:nvSpPr>
+          <p:spPr>
+            <a:xfrm>
+              <a:off x="1596570" y="2791754"/>
+              <a:ext cx="1049605" cy="282419"/>
+            </a:xfrm>
+            <a:prstGeom prst="roundRect">
+              <a:avLst>
+                <a:gd name="adj" fmla="val 34525"/>
+              </a:avLst>
+            </a:prstGeom>
+            <a:solidFill>
+              <a:srgbClr val="1C73E1">
+                <a:alpha val="71000"/>
+              </a:srgbClr>
+            </a:solidFill>
+            <a:ln>
+              <a:noFill/>
+            </a:ln>
+            <a:effectLst>
+              <a:outerShdw blurRad="50800" dist="38100" dir="2700000" algn="tl" rotWithShape="0">
+                <a:prstClr val="black">
+                  <a:alpha val="40000"/>
+                </a:prstClr>
+              </a:outerShdw>
+            </a:effectLst>
+          </p:spPr>
+          <p:style>
+            <a:lnRef idx="2">
+              <a:schemeClr val="dk1"/>
+            </a:lnRef>
+            <a:fillRef idx="1">
+              <a:schemeClr val="lt1"/>
+            </a:fillRef>
+            <a:effectRef idx="0">
+              <a:schemeClr val="dk1"/>
+            </a:effectRef>
+            <a:fontRef idx="minor">
+              <a:schemeClr val="dk1"/>
+            </a:fontRef>
+          </p:style>
+          <p:txBody>
+            <a:bodyPr tIns="36576" bIns="36576" rtlCol="0" anchor="t" anchorCtr="0"/>
+            <a:lstStyle/>
+            <a:p>
+              <a:r>
+                <a:rPr lang="en-US" sz="900" dirty="0" smtClean="0">
+                  <a:solidFill>
+                    <a:srgbClr val="FFFFFF"/>
+                  </a:solidFill>
+                </a:rPr>
+                <a:t>See you at 8pm</a:t>
+              </a:r>
+              <a:endParaRPr lang="en-US" sz="900" dirty="0" smtClean="0">
+                <a:solidFill>
+                  <a:srgbClr val="FFFFFF"/>
+                </a:solidFill>
+              </a:endParaRPr>
+            </a:p>
+            <a:p>
+              <a:endParaRPr lang="en-US" sz="900" dirty="0">
+                <a:solidFill>
+                  <a:srgbClr val="FFFFFF"/>
+                </a:solidFill>
+              </a:endParaRPr>
+            </a:p>
+            <a:p>
+              <a:endParaRPr lang="en-US" sz="900" dirty="0">
+                <a:solidFill>
+                  <a:srgbClr val="FFFFFF"/>
+                </a:solidFill>
+              </a:endParaRPr>
+            </a:p>
+          </p:txBody>
+        </p:sp>
+        <p:sp>
+          <p:nvSpPr>
+            <p:cNvPr id="133" name="Rounded Rectangle 132"/>
+            <p:cNvSpPr/>
+            <p:nvPr/>
+          </p:nvSpPr>
+          <p:spPr>
+            <a:xfrm>
+              <a:off x="2182327" y="3528809"/>
+              <a:ext cx="463848" cy="282419"/>
+            </a:xfrm>
+            <a:prstGeom prst="roundRect">
+              <a:avLst>
+                <a:gd name="adj" fmla="val 34525"/>
+              </a:avLst>
+            </a:prstGeom>
+            <a:solidFill>
+              <a:srgbClr val="1C73E1">
+                <a:alpha val="71000"/>
+              </a:srgbClr>
+            </a:solidFill>
+            <a:ln>
+              <a:noFill/>
+            </a:ln>
+            <a:effectLst>
+              <a:outerShdw blurRad="50800" dist="38100" dir="2700000" algn="tl" rotWithShape="0">
+                <a:prstClr val="black">
+                  <a:alpha val="40000"/>
+                </a:prstClr>
+              </a:outerShdw>
+            </a:effectLst>
+          </p:spPr>
+          <p:style>
+            <a:lnRef idx="2">
+              <a:schemeClr val="dk1"/>
+            </a:lnRef>
+            <a:fillRef idx="1">
+              <a:schemeClr val="lt1"/>
+            </a:fillRef>
+            <a:effectRef idx="0">
+              <a:schemeClr val="dk1"/>
+            </a:effectRef>
+            <a:fontRef idx="minor">
+              <a:schemeClr val="dk1"/>
+            </a:fontRef>
+          </p:style>
+          <p:txBody>
+            <a:bodyPr tIns="36576" bIns="36576" rtlCol="0" anchor="t" anchorCtr="0"/>
+            <a:lstStyle/>
+            <a:p>
+              <a:r>
+                <a:rPr lang="en-US" sz="900" dirty="0" smtClean="0">
+                  <a:solidFill>
+                    <a:srgbClr val="FFFFFF"/>
+                  </a:solidFill>
+                </a:rPr>
+                <a:t>Yes</a:t>
+              </a:r>
+              <a:endParaRPr lang="en-US" sz="900" dirty="0" smtClean="0">
+                <a:solidFill>
+                  <a:srgbClr val="FFFFFF"/>
+                </a:solidFill>
+              </a:endParaRPr>
+            </a:p>
+            <a:p>
+              <a:endParaRPr lang="en-US" sz="900" dirty="0">
+                <a:solidFill>
+                  <a:srgbClr val="FFFFFF"/>
+                </a:solidFill>
+              </a:endParaRPr>
+            </a:p>
+            <a:p>
+              <a:endParaRPr lang="en-US" sz="900" dirty="0">
+                <a:solidFill>
+                  <a:srgbClr val="FFFFFF"/>
+                </a:solidFill>
+              </a:endParaRPr>
+            </a:p>
+          </p:txBody>
+        </p:sp>
+        <p:cxnSp>
+          <p:nvCxnSpPr>
+            <p:cNvPr id="134" name="Straight Arrow Connector 133"/>
+            <p:cNvCxnSpPr/>
+            <p:nvPr/>
+          </p:nvCxnSpPr>
+          <p:spPr>
+            <a:xfrm>
+              <a:off x="2716756" y="2940547"/>
+              <a:ext cx="1339172" cy="0"/>
+            </a:xfrm>
+            <a:prstGeom prst="straightConnector1">
+              <a:avLst/>
+            </a:prstGeom>
+            <a:ln w="19050" cmpd="sng">
+              <a:solidFill>
+                <a:schemeClr val="bg1">
+                  <a:lumMod val="65000"/>
+                </a:schemeClr>
+              </a:solidFill>
+              <a:tailEnd type="arrow"/>
+            </a:ln>
+          </p:spPr>
+          <p:style>
+            <a:lnRef idx="1">
+              <a:schemeClr val="accent6"/>
+            </a:lnRef>
+            <a:fillRef idx="0">
+              <a:schemeClr val="accent6"/>
+            </a:fillRef>
+            <a:effectRef idx="0">
+              <a:schemeClr val="accent6"/>
+            </a:effectRef>
+            <a:fontRef idx="minor">
+              <a:schemeClr val="tx1"/>
+            </a:fontRef>
+          </p:style>
+        </p:cxnSp>
+        <p:grpSp>
+          <p:nvGrpSpPr>
+            <p:cNvPr id="135" name="Group 134"/>
+            <p:cNvGrpSpPr/>
+            <p:nvPr/>
+          </p:nvGrpSpPr>
+          <p:grpSpPr>
+            <a:xfrm>
+              <a:off x="3234386" y="2821698"/>
+              <a:ext cx="248855" cy="230832"/>
+              <a:chOff x="3103485" y="1459067"/>
+              <a:chExt cx="248855" cy="230832"/>
+            </a:xfrm>
+          </p:grpSpPr>
+          <p:sp>
+            <p:nvSpPr>
+              <p:cNvPr id="136" name="Oval 135"/>
+              <p:cNvSpPr>
+                <a:spLocks noChangeAspect="1"/>
+              </p:cNvSpPr>
+              <p:nvPr/>
+            </p:nvSpPr>
+            <p:spPr>
+              <a:xfrm>
+                <a:off x="3141307" y="1487200"/>
+                <a:ext cx="177759" cy="177759"/>
+              </a:xfrm>
+              <a:prstGeom prst="ellipse">
+                <a:avLst/>
+              </a:prstGeom>
+              <a:solidFill>
+                <a:srgbClr val="FFFFFF"/>
+              </a:solidFill>
+              <a:ln w="12700" cmpd="sng">
+                <a:solidFill>
+                  <a:schemeClr val="bg1">
+                    <a:lumMod val="65000"/>
+                  </a:schemeClr>
+                </a:solidFill>
+              </a:ln>
+            </p:spPr>
+            <p:style>
+              <a:lnRef idx="2">
+                <a:schemeClr val="accent6"/>
+              </a:lnRef>
+              <a:fillRef idx="1">
+                <a:schemeClr val="lt1"/>
+              </a:fillRef>
+              <a:effectRef idx="0">
+                <a:schemeClr val="accent6"/>
+              </a:effectRef>
+              <a:fontRef idx="minor">
+                <a:schemeClr val="dk1"/>
+              </a:fontRef>
+            </p:style>
+            <p:txBody>
+              <a:bodyPr rtlCol="0" anchor="ctr"/>
+              <a:lstStyle/>
+              <a:p>
+                <a:pPr algn="ctr"/>
+                <a:endParaRPr lang="en-US" dirty="0"/>
+              </a:p>
+            </p:txBody>
+          </p:sp>
+          <p:sp>
+            <p:nvSpPr>
+              <p:cNvPr id="137" name="TextBox 136"/>
+              <p:cNvSpPr txBox="1"/>
+              <p:nvPr/>
+            </p:nvSpPr>
+            <p:spPr>
+              <a:xfrm>
+                <a:off x="3103485" y="1459067"/>
+                <a:ext cx="248855" cy="230832"/>
+              </a:xfrm>
+              <a:prstGeom prst="rect">
+                <a:avLst/>
+              </a:prstGeom>
+              <a:noFill/>
+            </p:spPr>
+            <p:txBody>
+              <a:bodyPr wrap="none" rtlCol="0">
+                <a:spAutoFit/>
+              </a:bodyPr>
+              <a:lstStyle/>
+              <a:p>
+                <a:pPr algn="ctr"/>
+                <a:r>
+                  <a:rPr lang="en-US" sz="900" b="1" dirty="0" smtClean="0">
+                    <a:solidFill>
+                      <a:schemeClr val="tx1">
+                        <a:lumMod val="50000"/>
+                        <a:lumOff val="50000"/>
+                      </a:schemeClr>
+                    </a:solidFill>
+                  </a:rPr>
+                  <a:t>3</a:t>
+                </a:r>
+                <a:endParaRPr lang="en-US" sz="900" b="1" dirty="0">
+                  <a:solidFill>
+                    <a:schemeClr val="tx1">
+                      <a:lumMod val="50000"/>
+                      <a:lumOff val="50000"/>
+                    </a:schemeClr>
+                  </a:solidFill>
+                </a:endParaRPr>
+              </a:p>
+            </p:txBody>
+          </p:sp>
+        </p:grpSp>
+        <p:cxnSp>
+          <p:nvCxnSpPr>
+            <p:cNvPr id="138" name="Straight Arrow Connector 137"/>
+            <p:cNvCxnSpPr/>
+            <p:nvPr/>
+          </p:nvCxnSpPr>
+          <p:spPr>
+            <a:xfrm flipH="1">
+              <a:off x="2716756" y="2978605"/>
+              <a:ext cx="1339172" cy="656854"/>
+            </a:xfrm>
+            <a:prstGeom prst="straightConnector1">
+              <a:avLst/>
+            </a:prstGeom>
+            <a:ln w="19050" cmpd="sng">
+              <a:solidFill>
+                <a:schemeClr val="bg1">
+                  <a:lumMod val="65000"/>
+                </a:schemeClr>
+              </a:solidFill>
+              <a:tailEnd type="arrow"/>
+            </a:ln>
+          </p:spPr>
+          <p:style>
+            <a:lnRef idx="1">
+              <a:schemeClr val="accent6"/>
+            </a:lnRef>
+            <a:fillRef idx="0">
+              <a:schemeClr val="accent6"/>
+            </a:fillRef>
+            <a:effectRef idx="0">
+              <a:schemeClr val="accent6"/>
+            </a:effectRef>
+            <a:fontRef idx="minor">
+              <a:schemeClr val="tx1"/>
+            </a:fontRef>
+          </p:style>
+        </p:cxnSp>
+        <p:grpSp>
+          <p:nvGrpSpPr>
+            <p:cNvPr id="139" name="Group 138"/>
+            <p:cNvGrpSpPr/>
+            <p:nvPr/>
+          </p:nvGrpSpPr>
+          <p:grpSpPr>
+            <a:xfrm>
+              <a:off x="3234386" y="3196341"/>
+              <a:ext cx="248855" cy="230832"/>
+              <a:chOff x="3103485" y="1459067"/>
+              <a:chExt cx="248855" cy="230832"/>
+            </a:xfrm>
+          </p:grpSpPr>
+          <p:sp>
+            <p:nvSpPr>
+              <p:cNvPr id="140" name="Oval 139"/>
+              <p:cNvSpPr>
+                <a:spLocks noChangeAspect="1"/>
+              </p:cNvSpPr>
+              <p:nvPr/>
+            </p:nvSpPr>
+            <p:spPr>
+              <a:xfrm>
+                <a:off x="3141307" y="1487200"/>
+                <a:ext cx="177759" cy="177759"/>
+              </a:xfrm>
+              <a:prstGeom prst="ellipse">
+                <a:avLst/>
+              </a:prstGeom>
+              <a:solidFill>
+                <a:srgbClr val="FFFFFF"/>
+              </a:solidFill>
+              <a:ln w="12700" cmpd="sng">
+                <a:solidFill>
+                  <a:schemeClr val="bg1">
+                    <a:lumMod val="65000"/>
+                  </a:schemeClr>
+                </a:solidFill>
+              </a:ln>
+            </p:spPr>
+            <p:style>
+              <a:lnRef idx="2">
+                <a:schemeClr val="accent6"/>
+              </a:lnRef>
+              <a:fillRef idx="1">
+                <a:schemeClr val="lt1"/>
+              </a:fillRef>
+              <a:effectRef idx="0">
+                <a:schemeClr val="accent6"/>
+              </a:effectRef>
+              <a:fontRef idx="minor">
+                <a:schemeClr val="dk1"/>
+              </a:fontRef>
+            </p:style>
+            <p:txBody>
+              <a:bodyPr rtlCol="0" anchor="ctr"/>
+              <a:lstStyle/>
+              <a:p>
+                <a:pPr algn="ctr"/>
+                <a:endParaRPr lang="en-US" dirty="0"/>
+              </a:p>
+            </p:txBody>
+          </p:sp>
+          <p:sp>
+            <p:nvSpPr>
+              <p:cNvPr id="141" name="TextBox 140"/>
+              <p:cNvSpPr txBox="1"/>
+              <p:nvPr/>
+            </p:nvSpPr>
+            <p:spPr>
+              <a:xfrm>
+                <a:off x="3103485" y="1459067"/>
+                <a:ext cx="248855" cy="230832"/>
+              </a:xfrm>
+              <a:prstGeom prst="rect">
+                <a:avLst/>
+              </a:prstGeom>
+              <a:noFill/>
+            </p:spPr>
+            <p:txBody>
+              <a:bodyPr wrap="none" rtlCol="0">
+                <a:spAutoFit/>
+              </a:bodyPr>
+              <a:lstStyle/>
+              <a:p>
+                <a:pPr algn="ctr"/>
+                <a:r>
+                  <a:rPr lang="en-US" sz="900" b="1" dirty="0" smtClean="0">
+                    <a:solidFill>
+                      <a:schemeClr val="tx1">
+                        <a:lumMod val="50000"/>
+                        <a:lumOff val="50000"/>
+                      </a:schemeClr>
+                    </a:solidFill>
+                  </a:rPr>
+                  <a:t>4</a:t>
+                </a:r>
+                <a:endParaRPr lang="en-US" sz="900" b="1" dirty="0">
+                  <a:solidFill>
+                    <a:schemeClr val="tx1">
+                      <a:lumMod val="50000"/>
+                      <a:lumOff val="50000"/>
+                    </a:schemeClr>
+                  </a:solidFill>
+                </a:endParaRPr>
+              </a:p>
+            </p:txBody>
+          </p:sp>
+        </p:grpSp>
+        <p:cxnSp>
+          <p:nvCxnSpPr>
+            <p:cNvPr id="142" name="Straight Arrow Connector 141"/>
+            <p:cNvCxnSpPr/>
+            <p:nvPr/>
+          </p:nvCxnSpPr>
+          <p:spPr>
+            <a:xfrm>
+              <a:off x="2716756" y="3677693"/>
+              <a:ext cx="1339172" cy="0"/>
+            </a:xfrm>
+            <a:prstGeom prst="straightConnector1">
+              <a:avLst/>
+            </a:prstGeom>
+            <a:ln w="19050" cmpd="sng">
+              <a:solidFill>
+                <a:schemeClr val="bg1">
+                  <a:lumMod val="65000"/>
+                </a:schemeClr>
+              </a:solidFill>
+              <a:tailEnd type="arrow"/>
+            </a:ln>
+          </p:spPr>
+          <p:style>
+            <a:lnRef idx="1">
+              <a:schemeClr val="accent6"/>
+            </a:lnRef>
+            <a:fillRef idx="0">
+              <a:schemeClr val="accent6"/>
+            </a:fillRef>
+            <a:effectRef idx="0">
+              <a:schemeClr val="accent6"/>
+            </a:effectRef>
+            <a:fontRef idx="minor">
+              <a:schemeClr val="tx1"/>
+            </a:fontRef>
+          </p:style>
+        </p:cxnSp>
+        <p:grpSp>
+          <p:nvGrpSpPr>
+            <p:cNvPr id="143" name="Group 142"/>
+            <p:cNvGrpSpPr/>
+            <p:nvPr/>
+          </p:nvGrpSpPr>
+          <p:grpSpPr>
+            <a:xfrm>
+              <a:off x="3234386" y="3558844"/>
+              <a:ext cx="248855" cy="230832"/>
+              <a:chOff x="3103485" y="1459067"/>
+              <a:chExt cx="248855" cy="230832"/>
+            </a:xfrm>
+          </p:grpSpPr>
+          <p:sp>
+            <p:nvSpPr>
+              <p:cNvPr id="144" name="Oval 143"/>
+              <p:cNvSpPr>
+                <a:spLocks noChangeAspect="1"/>
+              </p:cNvSpPr>
+              <p:nvPr/>
+            </p:nvSpPr>
+            <p:spPr>
+              <a:xfrm>
+                <a:off x="3141307" y="1487200"/>
+                <a:ext cx="177759" cy="177759"/>
+              </a:xfrm>
+              <a:prstGeom prst="ellipse">
+                <a:avLst/>
+              </a:prstGeom>
+              <a:solidFill>
+                <a:srgbClr val="FFFFFF"/>
+              </a:solidFill>
+              <a:ln w="12700" cmpd="sng">
+                <a:solidFill>
+                  <a:schemeClr val="bg1">
+                    <a:lumMod val="65000"/>
+                  </a:schemeClr>
+                </a:solidFill>
+              </a:ln>
+            </p:spPr>
+            <p:style>
+              <a:lnRef idx="2">
+                <a:schemeClr val="accent6"/>
+              </a:lnRef>
+              <a:fillRef idx="1">
+                <a:schemeClr val="lt1"/>
+              </a:fillRef>
+              <a:effectRef idx="0">
+                <a:schemeClr val="accent6"/>
+              </a:effectRef>
+              <a:fontRef idx="minor">
+                <a:schemeClr val="dk1"/>
+              </a:fontRef>
+            </p:style>
+            <p:txBody>
+              <a:bodyPr rtlCol="0" anchor="ctr"/>
+              <a:lstStyle/>
+              <a:p>
+                <a:pPr algn="ctr"/>
+                <a:endParaRPr lang="en-US" dirty="0"/>
+              </a:p>
+            </p:txBody>
+          </p:sp>
+          <p:sp>
+            <p:nvSpPr>
+              <p:cNvPr id="145" name="TextBox 144"/>
+              <p:cNvSpPr txBox="1"/>
+              <p:nvPr/>
+            </p:nvSpPr>
+            <p:spPr>
+              <a:xfrm>
+                <a:off x="3103485" y="1459067"/>
+                <a:ext cx="248855" cy="230832"/>
+              </a:xfrm>
+              <a:prstGeom prst="rect">
+                <a:avLst/>
+              </a:prstGeom>
+              <a:noFill/>
+            </p:spPr>
+            <p:txBody>
+              <a:bodyPr wrap="none" rtlCol="0">
+                <a:spAutoFit/>
+              </a:bodyPr>
+              <a:lstStyle/>
+              <a:p>
+                <a:pPr algn="ctr"/>
+                <a:r>
+                  <a:rPr lang="en-US" sz="900" b="1" dirty="0" smtClean="0">
+                    <a:solidFill>
+                      <a:schemeClr val="tx1">
+                        <a:lumMod val="50000"/>
+                        <a:lumOff val="50000"/>
+                      </a:schemeClr>
+                    </a:solidFill>
+                  </a:rPr>
+                  <a:t>5</a:t>
+                </a:r>
+                <a:endParaRPr lang="en-US" sz="900" b="1" dirty="0">
+                  <a:solidFill>
+                    <a:schemeClr val="tx1">
+                      <a:lumMod val="50000"/>
+                      <a:lumOff val="50000"/>
+                    </a:schemeClr>
+                  </a:solidFill>
+                </a:endParaRPr>
+              </a:p>
+            </p:txBody>
+          </p:sp>
+        </p:grpSp>
+      </p:grpSp>
+    </p:spTree>
+    <p:extLst>
+      <p:ext uri="{BB962C8B-B14F-4D97-AF65-F5344CB8AC3E}">
+        <p14:creationId xmlns:p14="http://schemas.microsoft.com/office/powerpoint/2010/main" val="2831155723"/>
+      </p:ext>
+    </p:extLst>
+  </p:cSld>
+  <p:clrMapOvr>
+    <a:masterClrMapping/>
+  </p:clrMapOvr>
+</p:sld>
+</file>
+
+<file path=ppt/slides/slide6.xml><?xml version="1.0" encoding="utf-8"?>
+<p:sld xmlns:a="http://schemas.openxmlformats.org/drawingml/2006/main" xmlns:r="http://schemas.openxmlformats.org/officeDocument/2006/relationships" xmlns:p="http://schemas.openxmlformats.org/presentationml/2006/main">
+  <p:cSld>
+    <p:spTree>
+      <p:nvGrpSpPr>
+        <p:cNvPr id="1" name=""/>
+        <p:cNvGrpSpPr/>
+        <p:nvPr/>
+      </p:nvGrpSpPr>
+      <p:grpSpPr>
+        <a:xfrm>
+          <a:off x="0" y="0"/>
+          <a:ext cx="0" cy="0"/>
+          <a:chOff x="0" y="0"/>
+          <a:chExt cx="0" cy="0"/>
+        </a:xfrm>
+      </p:grpSpPr>
+      <p:sp>
+        <p:nvSpPr>
+          <p:cNvPr id="2" name="Slide Number Placeholder 1"/>
+          <p:cNvSpPr>
+            <a:spLocks noGrp="1"/>
+          </p:cNvSpPr>
+          <p:nvPr>
+            <p:ph type="sldNum" sz="quarter" idx="12"/>
+          </p:nvPr>
+        </p:nvSpPr>
+        <p:spPr/>
+        <p:txBody>
+          <a:bodyPr/>
+          <a:lstStyle/>
+          <a:p>
+            <a:fld id="{D01B2998-00A9-9E41-AB29-A15A35C12BAC}" type="slidenum">
+              <a:rPr lang="en-US" smtClean="0"/>
+              <a:t>6</a:t>
+            </a:fld>
+            <a:endParaRPr lang="en-US" dirty="0"/>
+          </a:p>
+        </p:txBody>
+      </p:sp>
+      <p:grpSp>
+        <p:nvGrpSpPr>
+          <p:cNvPr id="27" name="Group 26"/>
+          <p:cNvGrpSpPr/>
+          <p:nvPr/>
+        </p:nvGrpSpPr>
+        <p:grpSpPr>
+          <a:xfrm>
+            <a:off x="1321790" y="2177482"/>
+            <a:ext cx="6550154" cy="2738882"/>
+            <a:chOff x="1321790" y="2177482"/>
+            <a:chExt cx="6550154" cy="2738882"/>
+          </a:xfrm>
+        </p:grpSpPr>
+        <p:sp>
+          <p:nvSpPr>
+            <p:cNvPr id="34" name="Rounded Rectangle 33"/>
+            <p:cNvSpPr/>
+            <p:nvPr/>
+          </p:nvSpPr>
+          <p:spPr>
+            <a:xfrm>
+              <a:off x="1563370" y="2201531"/>
+              <a:ext cx="1184379" cy="282419"/>
+            </a:xfrm>
+            <a:prstGeom prst="roundRect">
+              <a:avLst>
+                <a:gd name="adj" fmla="val 34525"/>
+              </a:avLst>
+            </a:prstGeom>
+            <a:solidFill>
+              <a:srgbClr val="1C73E1">
+                <a:alpha val="71000"/>
+              </a:srgbClr>
+            </a:solidFill>
+            <a:ln>
+              <a:noFill/>
+            </a:ln>
+            <a:effectLst>
+              <a:outerShdw blurRad="50800" dist="38100" dir="2700000" algn="tl" rotWithShape="0">
+                <a:prstClr val="black">
+                  <a:alpha val="40000"/>
+                </a:prstClr>
+              </a:outerShdw>
+            </a:effectLst>
+          </p:spPr>
+          <p:style>
+            <a:lnRef idx="2">
+              <a:schemeClr val="dk1"/>
+            </a:lnRef>
+            <a:fillRef idx="1">
+              <a:schemeClr val="lt1"/>
+            </a:fillRef>
+            <a:effectRef idx="0">
+              <a:schemeClr val="dk1"/>
+            </a:effectRef>
+            <a:fontRef idx="minor">
+              <a:schemeClr val="dk1"/>
+            </a:fontRef>
+          </p:style>
+          <p:txBody>
+            <a:bodyPr tIns="36576" bIns="36576" rtlCol="0" anchor="t" anchorCtr="0"/>
+            <a:lstStyle/>
+            <a:p>
+              <a:r>
+                <a:rPr lang="en-US" sz="900" dirty="0" smtClean="0">
+                  <a:solidFill>
+                    <a:srgbClr val="FFFFFF"/>
+                  </a:solidFill>
+                </a:rPr>
+                <a:t>Send a text to Pat</a:t>
+              </a:r>
+              <a:endParaRPr lang="en-US" sz="900" dirty="0" smtClean="0">
+                <a:solidFill>
+                  <a:srgbClr val="FFFFFF"/>
+                </a:solidFill>
+              </a:endParaRPr>
+            </a:p>
+            <a:p>
+              <a:endParaRPr lang="en-US" sz="900" dirty="0">
+                <a:solidFill>
+                  <a:srgbClr val="FFFFFF"/>
+                </a:solidFill>
+              </a:endParaRPr>
+            </a:p>
+            <a:p>
+              <a:endParaRPr lang="en-US" sz="900" dirty="0">
+                <a:solidFill>
+                  <a:srgbClr val="FFFFFF"/>
+                </a:solidFill>
+              </a:endParaRPr>
+            </a:p>
+          </p:txBody>
+        </p:sp>
+        <p:grpSp>
+          <p:nvGrpSpPr>
+            <p:cNvPr id="3" name="Group 2"/>
+            <p:cNvGrpSpPr/>
+            <p:nvPr/>
+          </p:nvGrpSpPr>
+          <p:grpSpPr>
+            <a:xfrm>
+              <a:off x="4252066" y="2177482"/>
+              <a:ext cx="3619878" cy="530352"/>
+              <a:chOff x="4360727" y="1255431"/>
+              <a:chExt cx="3619878" cy="530352"/>
+            </a:xfrm>
+          </p:grpSpPr>
+          <p:sp>
+            <p:nvSpPr>
+              <p:cNvPr id="43" name="TextBox 42"/>
+              <p:cNvSpPr txBox="1"/>
+              <p:nvPr/>
+            </p:nvSpPr>
+            <p:spPr>
+              <a:xfrm>
+                <a:off x="4385201" y="1282499"/>
+                <a:ext cx="1021931" cy="253916"/>
+              </a:xfrm>
+              <a:prstGeom prst="rect">
+                <a:avLst/>
+              </a:prstGeom>
+              <a:noFill/>
+            </p:spPr>
+            <p:txBody>
+              <a:bodyPr wrap="none" rtlCol="0">
+                <a:spAutoFit/>
+              </a:bodyPr>
+              <a:lstStyle/>
+              <a:p>
+                <a:r>
+                  <a:rPr lang="en-US" sz="900" dirty="0" smtClean="0">
+                    <a:solidFill>
+                      <a:schemeClr val="bg1">
+                        <a:lumMod val="65000"/>
+                      </a:schemeClr>
+                    </a:solidFill>
+                    <a:latin typeface="Arial Narrow"/>
+                    <a:cs typeface="Arial Narrow"/>
+                    <a:sym typeface="Wingdings"/>
+                  </a:rPr>
+                  <a:t>DIALOGUE STATE</a:t>
+                </a:r>
+                <a:r>
+                  <a:rPr lang="en-US" sz="1000" dirty="0" smtClean="0">
+                    <a:solidFill>
+                      <a:schemeClr val="bg1">
+                        <a:lumMod val="65000"/>
+                      </a:schemeClr>
+                    </a:solidFill>
+                    <a:latin typeface="Arial Narrow"/>
+                    <a:cs typeface="Arial Narrow"/>
+                    <a:sym typeface="Wingdings"/>
+                  </a:rPr>
+                  <a:t>: </a:t>
+                </a:r>
+                <a:endParaRPr lang="en-US" sz="900" dirty="0"/>
+              </a:p>
+            </p:txBody>
+          </p:sp>
+          <p:sp>
+            <p:nvSpPr>
+              <p:cNvPr id="5" name="Rounded Rectangle 4"/>
+              <p:cNvSpPr/>
+              <p:nvPr/>
+            </p:nvSpPr>
+            <p:spPr>
+              <a:xfrm>
+                <a:off x="5378656" y="1325412"/>
+                <a:ext cx="1730177" cy="184321"/>
+              </a:xfrm>
+              <a:prstGeom prst="roundRect">
+                <a:avLst/>
+              </a:prstGeom>
+              <a:ln w="12700" cmpd="sng">
+                <a:solidFill>
+                  <a:schemeClr val="bg1">
+                    <a:lumMod val="85000"/>
+                  </a:schemeClr>
+                </a:solidFill>
+              </a:ln>
+            </p:spPr>
+            <p:style>
+              <a:lnRef idx="2">
+                <a:schemeClr val="accent6"/>
+              </a:lnRef>
+              <a:fillRef idx="1">
+                <a:schemeClr val="lt1"/>
+              </a:fillRef>
+              <a:effectRef idx="0">
+                <a:schemeClr val="accent6"/>
+              </a:effectRef>
+              <a:fontRef idx="minor">
+                <a:schemeClr val="dk1"/>
+              </a:fontRef>
+            </p:style>
+            <p:txBody>
+              <a:bodyPr lIns="0" tIns="0" rIns="0" bIns="27432" rtlCol="0" anchor="ctr" anchorCtr="1"/>
+              <a:lstStyle/>
+              <a:p>
+                <a:pPr algn="ctr"/>
+                <a:r>
+                  <a:rPr lang="en-US" sz="1000" dirty="0" smtClean="0">
+                    <a:solidFill>
+                      <a:srgbClr val="E74C3C"/>
+                    </a:solidFill>
+                    <a:latin typeface="Consolas"/>
+                    <a:cs typeface="Consolas"/>
+                  </a:rPr>
+                  <a:t>prompt_for_message_body</a:t>
+                </a:r>
+                <a:endParaRPr lang="en-US" sz="1000" dirty="0">
+                  <a:solidFill>
+                    <a:srgbClr val="E74C3C"/>
+                  </a:solidFill>
+                  <a:latin typeface="Consolas"/>
+                  <a:cs typeface="Consolas"/>
+                </a:endParaRPr>
+              </a:p>
+            </p:txBody>
+          </p:sp>
+          <p:sp>
+            <p:nvSpPr>
+              <p:cNvPr id="56" name="Rounded Rectangle 55"/>
+              <p:cNvSpPr/>
+              <p:nvPr/>
+            </p:nvSpPr>
+            <p:spPr>
+              <a:xfrm>
+                <a:off x="4360727" y="1255431"/>
+                <a:ext cx="3619878" cy="530352"/>
+              </a:xfrm>
+              <a:prstGeom prst="roundRect">
+                <a:avLst>
+                  <a:gd name="adj" fmla="val 0"/>
+                </a:avLst>
+              </a:prstGeom>
+              <a:noFill/>
+              <a:ln w="6350" cmpd="sng">
+                <a:solidFill>
+                  <a:schemeClr val="bg1">
+                    <a:lumMod val="50000"/>
+                  </a:schemeClr>
+                </a:solidFill>
+              </a:ln>
+            </p:spPr>
+            <p:style>
+              <a:lnRef idx="2">
+                <a:schemeClr val="dk1"/>
+              </a:lnRef>
+              <a:fillRef idx="1">
+                <a:schemeClr val="lt1"/>
+              </a:fillRef>
+              <a:effectRef idx="0">
+                <a:schemeClr val="dk1"/>
+              </a:effectRef>
+              <a:fontRef idx="minor">
+                <a:schemeClr val="dk1"/>
+              </a:fontRef>
+            </p:style>
+            <p:txBody>
+              <a:bodyPr rtlCol="0" anchor="t" anchorCtr="0"/>
+              <a:lstStyle/>
+              <a:p>
+                <a:endParaRPr lang="en-US" sz="900" dirty="0"/>
+              </a:p>
+            </p:txBody>
+          </p:sp>
+          <p:sp>
+            <p:nvSpPr>
+              <p:cNvPr id="59" name="TextBox 58"/>
+              <p:cNvSpPr txBox="1"/>
+              <p:nvPr/>
+            </p:nvSpPr>
+            <p:spPr>
+              <a:xfrm>
+                <a:off x="4383836" y="1512675"/>
+                <a:ext cx="2588657" cy="230832"/>
+              </a:xfrm>
+              <a:prstGeom prst="rect">
+                <a:avLst/>
+              </a:prstGeom>
+              <a:noFill/>
+            </p:spPr>
+            <p:txBody>
+              <a:bodyPr wrap="none" rtlCol="0">
+                <a:spAutoFit/>
+              </a:bodyPr>
+              <a:lstStyle/>
+              <a:p>
+                <a:pPr marL="398463" indent="-398463"/>
+                <a:r>
+                  <a:rPr lang="en-US" sz="900" dirty="0" smtClean="0">
+                    <a:solidFill>
+                      <a:schemeClr val="bg1">
+                        <a:lumMod val="65000"/>
+                      </a:schemeClr>
+                    </a:solidFill>
+                    <a:latin typeface="Arial Narrow"/>
+                    <a:cs typeface="Arial Narrow"/>
+                    <a:sym typeface="Wingdings"/>
+                  </a:rPr>
+                  <a:t>REPLY:  	</a:t>
+                </a:r>
+                <a:r>
+                  <a:rPr lang="en-US" sz="900" dirty="0" smtClean="0"/>
+                  <a:t>What message would you like to send?</a:t>
+                </a:r>
+                <a:endParaRPr lang="en-US" sz="900" dirty="0"/>
+              </a:p>
+            </p:txBody>
+          </p:sp>
+        </p:grpSp>
+        <p:grpSp>
+          <p:nvGrpSpPr>
+            <p:cNvPr id="60" name="Group 59"/>
+            <p:cNvGrpSpPr/>
+            <p:nvPr/>
+          </p:nvGrpSpPr>
+          <p:grpSpPr>
+            <a:xfrm>
+              <a:off x="4249795" y="2913865"/>
+              <a:ext cx="3619878" cy="530352"/>
+              <a:chOff x="4360727" y="1255431"/>
+              <a:chExt cx="3619878" cy="530352"/>
+            </a:xfrm>
+          </p:grpSpPr>
+          <p:sp>
+            <p:nvSpPr>
+              <p:cNvPr id="61" name="TextBox 60"/>
+              <p:cNvSpPr txBox="1"/>
+              <p:nvPr/>
+            </p:nvSpPr>
+            <p:spPr>
+              <a:xfrm>
+                <a:off x="4385201" y="1282499"/>
+                <a:ext cx="1021931" cy="253916"/>
+              </a:xfrm>
+              <a:prstGeom prst="rect">
+                <a:avLst/>
+              </a:prstGeom>
+              <a:noFill/>
+            </p:spPr>
+            <p:txBody>
+              <a:bodyPr wrap="none" rtlCol="0">
+                <a:spAutoFit/>
+              </a:bodyPr>
+              <a:lstStyle/>
+              <a:p>
+                <a:r>
+                  <a:rPr lang="en-US" sz="900" dirty="0" smtClean="0">
+                    <a:solidFill>
+                      <a:schemeClr val="bg1">
+                        <a:lumMod val="65000"/>
+                      </a:schemeClr>
+                    </a:solidFill>
+                    <a:latin typeface="Arial Narrow"/>
+                    <a:cs typeface="Arial Narrow"/>
+                    <a:sym typeface="Wingdings"/>
+                  </a:rPr>
+                  <a:t>DIALOGUE STATE</a:t>
+                </a:r>
+                <a:r>
+                  <a:rPr lang="en-US" sz="1000" dirty="0" smtClean="0">
+                    <a:solidFill>
+                      <a:schemeClr val="bg1">
+                        <a:lumMod val="65000"/>
+                      </a:schemeClr>
+                    </a:solidFill>
+                    <a:latin typeface="Arial Narrow"/>
+                    <a:cs typeface="Arial Narrow"/>
+                    <a:sym typeface="Wingdings"/>
+                  </a:rPr>
+                  <a:t>: </a:t>
+                </a:r>
+                <a:endParaRPr lang="en-US" sz="900" dirty="0"/>
+              </a:p>
+            </p:txBody>
+          </p:sp>
+          <p:sp>
+            <p:nvSpPr>
+              <p:cNvPr id="62" name="Rounded Rectangle 61"/>
+              <p:cNvSpPr/>
+              <p:nvPr/>
+            </p:nvSpPr>
+            <p:spPr>
+              <a:xfrm>
+                <a:off x="5378656" y="1325412"/>
+                <a:ext cx="1732448" cy="184321"/>
+              </a:xfrm>
+              <a:prstGeom prst="roundRect">
+                <a:avLst/>
+              </a:prstGeom>
+              <a:ln w="12700" cmpd="sng">
+                <a:solidFill>
+                  <a:schemeClr val="bg1">
+                    <a:lumMod val="85000"/>
+                  </a:schemeClr>
+                </a:solidFill>
+              </a:ln>
+            </p:spPr>
+            <p:style>
+              <a:lnRef idx="2">
+                <a:schemeClr val="accent6"/>
+              </a:lnRef>
+              <a:fillRef idx="1">
+                <a:schemeClr val="lt1"/>
+              </a:fillRef>
+              <a:effectRef idx="0">
+                <a:schemeClr val="accent6"/>
+              </a:effectRef>
+              <a:fontRef idx="minor">
+                <a:schemeClr val="dk1"/>
+              </a:fontRef>
+            </p:style>
+            <p:txBody>
+              <a:bodyPr lIns="0" tIns="0" rIns="0" bIns="27432" rtlCol="0" anchor="ctr" anchorCtr="1"/>
+              <a:lstStyle/>
+              <a:p>
+                <a:pPr algn="ctr"/>
+                <a:r>
+                  <a:rPr lang="en-US" sz="1000" dirty="0" smtClean="0">
+                    <a:solidFill>
+                      <a:srgbClr val="E74C3C"/>
+                    </a:solidFill>
+                    <a:latin typeface="Consolas"/>
+                    <a:cs typeface="Consolas"/>
+                  </a:rPr>
+                  <a:t>prompt_for_confirmation</a:t>
+                </a:r>
+                <a:endParaRPr lang="en-US" sz="1000" dirty="0">
+                  <a:solidFill>
+                    <a:srgbClr val="E74C3C"/>
+                  </a:solidFill>
+                  <a:latin typeface="Consolas"/>
+                  <a:cs typeface="Consolas"/>
+                </a:endParaRPr>
+              </a:p>
+            </p:txBody>
+          </p:sp>
+          <p:sp>
+            <p:nvSpPr>
+              <p:cNvPr id="63" name="Rounded Rectangle 62"/>
+              <p:cNvSpPr/>
+              <p:nvPr/>
+            </p:nvSpPr>
+            <p:spPr>
+              <a:xfrm>
+                <a:off x="4360727" y="1255431"/>
+                <a:ext cx="3619878" cy="530352"/>
+              </a:xfrm>
+              <a:prstGeom prst="roundRect">
+                <a:avLst>
+                  <a:gd name="adj" fmla="val 0"/>
+                </a:avLst>
+              </a:prstGeom>
+              <a:noFill/>
+              <a:ln w="6350" cmpd="sng">
+                <a:solidFill>
+                  <a:schemeClr val="bg1">
+                    <a:lumMod val="50000"/>
+                  </a:schemeClr>
+                </a:solidFill>
+              </a:ln>
+            </p:spPr>
+            <p:style>
+              <a:lnRef idx="2">
+                <a:schemeClr val="dk1"/>
+              </a:lnRef>
+              <a:fillRef idx="1">
+                <a:schemeClr val="lt1"/>
+              </a:fillRef>
+              <a:effectRef idx="0">
+                <a:schemeClr val="dk1"/>
+              </a:effectRef>
+              <a:fontRef idx="minor">
+                <a:schemeClr val="dk1"/>
+              </a:fontRef>
+            </p:style>
+            <p:txBody>
+              <a:bodyPr rtlCol="0" anchor="t" anchorCtr="0"/>
+              <a:lstStyle/>
+              <a:p>
+                <a:endParaRPr lang="en-US" sz="900" dirty="0"/>
+              </a:p>
+            </p:txBody>
+          </p:sp>
+          <p:sp>
+            <p:nvSpPr>
+              <p:cNvPr id="64" name="TextBox 63"/>
+              <p:cNvSpPr txBox="1"/>
+              <p:nvPr/>
+            </p:nvSpPr>
+            <p:spPr>
+              <a:xfrm>
+                <a:off x="4383835" y="1512675"/>
+                <a:ext cx="3580837" cy="230832"/>
+              </a:xfrm>
+              <a:prstGeom prst="rect">
+                <a:avLst/>
+              </a:prstGeom>
+              <a:noFill/>
+            </p:spPr>
+            <p:txBody>
+              <a:bodyPr wrap="square" rtlCol="0">
+                <a:spAutoFit/>
+              </a:bodyPr>
+              <a:lstStyle/>
+              <a:p>
+                <a:pPr marL="398463" indent="-398463"/>
+                <a:r>
+                  <a:rPr lang="en-US" sz="900" dirty="0" smtClean="0">
+                    <a:solidFill>
+                      <a:schemeClr val="bg1">
+                        <a:lumMod val="65000"/>
+                      </a:schemeClr>
+                    </a:solidFill>
+                    <a:latin typeface="Arial Narrow"/>
+                    <a:cs typeface="Arial Narrow"/>
+                    <a:sym typeface="Wingdings"/>
+                  </a:rPr>
+                  <a:t>REPLY:  	</a:t>
+                </a:r>
+                <a:r>
+                  <a:rPr lang="en-US" sz="900" dirty="0" smtClean="0"/>
+                  <a:t>Got it. Ready to send?</a:t>
+                </a:r>
+                <a:endParaRPr lang="en-US" sz="900" dirty="0"/>
+              </a:p>
+            </p:txBody>
+          </p:sp>
+        </p:grpSp>
+        <p:grpSp>
+          <p:nvGrpSpPr>
+            <p:cNvPr id="65" name="Group 64"/>
+            <p:cNvGrpSpPr/>
+            <p:nvPr/>
+          </p:nvGrpSpPr>
+          <p:grpSpPr>
+            <a:xfrm>
+              <a:off x="4247524" y="3650249"/>
+              <a:ext cx="3619878" cy="530352"/>
+              <a:chOff x="4360727" y="1255431"/>
+              <a:chExt cx="3619878" cy="530352"/>
+            </a:xfrm>
+          </p:grpSpPr>
+          <p:sp>
+            <p:nvSpPr>
+              <p:cNvPr id="66" name="TextBox 65"/>
+              <p:cNvSpPr txBox="1"/>
+              <p:nvPr/>
+            </p:nvSpPr>
+            <p:spPr>
+              <a:xfrm>
+                <a:off x="4385201" y="1282499"/>
+                <a:ext cx="1021931" cy="253916"/>
+              </a:xfrm>
+              <a:prstGeom prst="rect">
+                <a:avLst/>
+              </a:prstGeom>
+              <a:noFill/>
+            </p:spPr>
+            <p:txBody>
+              <a:bodyPr wrap="none" rtlCol="0">
+                <a:spAutoFit/>
+              </a:bodyPr>
+              <a:lstStyle/>
+              <a:p>
+                <a:r>
+                  <a:rPr lang="en-US" sz="900" dirty="0" smtClean="0">
+                    <a:solidFill>
+                      <a:schemeClr val="bg1">
+                        <a:lumMod val="65000"/>
+                      </a:schemeClr>
+                    </a:solidFill>
+                    <a:latin typeface="Arial Narrow"/>
+                    <a:cs typeface="Arial Narrow"/>
+                    <a:sym typeface="Wingdings"/>
+                  </a:rPr>
+                  <a:t>DIALOGUE STATE</a:t>
+                </a:r>
+                <a:r>
+                  <a:rPr lang="en-US" sz="1000" dirty="0" smtClean="0">
+                    <a:solidFill>
+                      <a:schemeClr val="bg1">
+                        <a:lumMod val="65000"/>
+                      </a:schemeClr>
+                    </a:solidFill>
+                    <a:latin typeface="Arial Narrow"/>
+                    <a:cs typeface="Arial Narrow"/>
+                    <a:sym typeface="Wingdings"/>
+                  </a:rPr>
+                  <a:t>: </a:t>
+                </a:r>
+                <a:endParaRPr lang="en-US" sz="900" dirty="0"/>
+              </a:p>
+            </p:txBody>
+          </p:sp>
+          <p:sp>
+            <p:nvSpPr>
+              <p:cNvPr id="67" name="Rounded Rectangle 66"/>
+              <p:cNvSpPr/>
+              <p:nvPr/>
+            </p:nvSpPr>
+            <p:spPr>
+              <a:xfrm>
+                <a:off x="5378656" y="1325412"/>
+                <a:ext cx="1461789" cy="184321"/>
+              </a:xfrm>
+              <a:prstGeom prst="roundRect">
+                <a:avLst/>
+              </a:prstGeom>
+              <a:ln w="12700" cmpd="sng">
+                <a:solidFill>
+                  <a:schemeClr val="bg1">
+                    <a:lumMod val="85000"/>
+                  </a:schemeClr>
+                </a:solidFill>
+              </a:ln>
+            </p:spPr>
+            <p:style>
+              <a:lnRef idx="2">
+                <a:schemeClr val="accent6"/>
+              </a:lnRef>
+              <a:fillRef idx="1">
+                <a:schemeClr val="lt1"/>
+              </a:fillRef>
+              <a:effectRef idx="0">
+                <a:schemeClr val="accent6"/>
+              </a:effectRef>
+              <a:fontRef idx="minor">
+                <a:schemeClr val="dk1"/>
+              </a:fontRef>
+            </p:style>
+            <p:txBody>
+              <a:bodyPr lIns="0" tIns="0" rIns="0" bIns="27432" rtlCol="0" anchor="ctr" anchorCtr="1"/>
+              <a:lstStyle/>
+              <a:p>
+                <a:pPr algn="ctr"/>
+                <a:r>
+                  <a:rPr lang="en-US" sz="1000" dirty="0" smtClean="0">
+                    <a:solidFill>
+                      <a:srgbClr val="E74C3C"/>
+                    </a:solidFill>
+                    <a:latin typeface="Consolas"/>
+                    <a:cs typeface="Consolas"/>
+                  </a:rPr>
+                  <a:t>verify_message_sent</a:t>
+                </a:r>
+                <a:endParaRPr lang="en-US" sz="1000" dirty="0">
+                  <a:solidFill>
+                    <a:srgbClr val="E74C3C"/>
+                  </a:solidFill>
+                  <a:latin typeface="Consolas"/>
+                  <a:cs typeface="Consolas"/>
+                </a:endParaRPr>
+              </a:p>
+            </p:txBody>
+          </p:sp>
+          <p:sp>
+            <p:nvSpPr>
+              <p:cNvPr id="69" name="Rounded Rectangle 68"/>
+              <p:cNvSpPr/>
+              <p:nvPr/>
+            </p:nvSpPr>
+            <p:spPr>
+              <a:xfrm>
+                <a:off x="4360727" y="1255431"/>
+                <a:ext cx="3619878" cy="530352"/>
+              </a:xfrm>
+              <a:prstGeom prst="roundRect">
+                <a:avLst>
+                  <a:gd name="adj" fmla="val 0"/>
+                </a:avLst>
+              </a:prstGeom>
+              <a:noFill/>
+              <a:ln w="6350" cmpd="sng">
+                <a:solidFill>
+                  <a:schemeClr val="bg1">
+                    <a:lumMod val="50000"/>
+                  </a:schemeClr>
+                </a:solidFill>
+              </a:ln>
+            </p:spPr>
+            <p:style>
+              <a:lnRef idx="2">
+                <a:schemeClr val="dk1"/>
+              </a:lnRef>
+              <a:fillRef idx="1">
+                <a:schemeClr val="lt1"/>
+              </a:fillRef>
+              <a:effectRef idx="0">
+                <a:schemeClr val="dk1"/>
+              </a:effectRef>
+              <a:fontRef idx="minor">
+                <a:schemeClr val="dk1"/>
+              </a:fontRef>
+            </p:style>
+            <p:txBody>
+              <a:bodyPr rtlCol="0" anchor="t" anchorCtr="0"/>
+              <a:lstStyle/>
+              <a:p>
+                <a:endParaRPr lang="en-US" sz="900" dirty="0"/>
+              </a:p>
+            </p:txBody>
+          </p:sp>
+          <p:sp>
+            <p:nvSpPr>
+              <p:cNvPr id="70" name="TextBox 69"/>
+              <p:cNvSpPr txBox="1"/>
+              <p:nvPr/>
+            </p:nvSpPr>
+            <p:spPr>
+              <a:xfrm>
+                <a:off x="4383836" y="1512675"/>
+                <a:ext cx="2109860" cy="230832"/>
+              </a:xfrm>
+              <a:prstGeom prst="rect">
+                <a:avLst/>
+              </a:prstGeom>
+              <a:noFill/>
+            </p:spPr>
+            <p:txBody>
+              <a:bodyPr wrap="none" rtlCol="0">
+                <a:spAutoFit/>
+              </a:bodyPr>
+              <a:lstStyle/>
+              <a:p>
+                <a:pPr marL="398463" indent="-398463"/>
+                <a:r>
+                  <a:rPr lang="en-US" sz="900" dirty="0" smtClean="0">
+                    <a:solidFill>
+                      <a:schemeClr val="bg1">
+                        <a:lumMod val="65000"/>
+                      </a:schemeClr>
+                    </a:solidFill>
+                    <a:latin typeface="Arial Narrow"/>
+                    <a:cs typeface="Arial Narrow"/>
+                    <a:sym typeface="Wingdings"/>
+                  </a:rPr>
+                  <a:t>REPLY:  	</a:t>
+                </a:r>
+                <a:r>
+                  <a:rPr lang="en-US" sz="900" dirty="0" smtClean="0"/>
+                  <a:t>Your message has been sent.</a:t>
+                </a:r>
+                <a:endParaRPr lang="en-US" sz="900" dirty="0"/>
+              </a:p>
+            </p:txBody>
+          </p:sp>
+        </p:grpSp>
+        <p:cxnSp>
+          <p:nvCxnSpPr>
+            <p:cNvPr id="7" name="Straight Arrow Connector 6"/>
+            <p:cNvCxnSpPr/>
+            <p:nvPr/>
+          </p:nvCxnSpPr>
+          <p:spPr>
+            <a:xfrm>
+              <a:off x="2818330" y="2339307"/>
+              <a:ext cx="1339172" cy="0"/>
+            </a:xfrm>
+            <a:prstGeom prst="straightConnector1">
+              <a:avLst/>
+            </a:prstGeom>
+            <a:ln w="19050" cmpd="sng">
+              <a:solidFill>
+                <a:schemeClr val="bg1">
+                  <a:lumMod val="65000"/>
+                </a:schemeClr>
+              </a:solidFill>
+              <a:tailEnd type="arrow"/>
+            </a:ln>
+          </p:spPr>
+          <p:style>
+            <a:lnRef idx="1">
+              <a:schemeClr val="accent6"/>
+            </a:lnRef>
+            <a:fillRef idx="0">
+              <a:schemeClr val="accent6"/>
+            </a:fillRef>
+            <a:effectRef idx="0">
+              <a:schemeClr val="accent6"/>
+            </a:effectRef>
+            <a:fontRef idx="minor">
+              <a:schemeClr val="tx1"/>
+            </a:fontRef>
+          </p:style>
+        </p:cxnSp>
+        <p:cxnSp>
+          <p:nvCxnSpPr>
+            <p:cNvPr id="81" name="Straight Arrow Connector 80"/>
+            <p:cNvCxnSpPr/>
+            <p:nvPr/>
+          </p:nvCxnSpPr>
+          <p:spPr>
+            <a:xfrm flipH="1">
+              <a:off x="2818330" y="2387874"/>
+              <a:ext cx="1339172" cy="448586"/>
+            </a:xfrm>
+            <a:prstGeom prst="straightConnector1">
+              <a:avLst/>
+            </a:prstGeom>
+            <a:ln w="19050" cmpd="sng">
+              <a:solidFill>
+                <a:schemeClr val="bg1">
+                  <a:lumMod val="65000"/>
+                </a:schemeClr>
+              </a:solidFill>
+              <a:tailEnd type="arrow"/>
+            </a:ln>
+          </p:spPr>
+          <p:style>
+            <a:lnRef idx="1">
+              <a:schemeClr val="accent6"/>
+            </a:lnRef>
+            <a:fillRef idx="0">
+              <a:schemeClr val="accent6"/>
+            </a:fillRef>
+            <a:effectRef idx="0">
+              <a:schemeClr val="accent6"/>
+            </a:effectRef>
+            <a:fontRef idx="minor">
+              <a:schemeClr val="tx1"/>
+            </a:fontRef>
+          </p:style>
+        </p:cxnSp>
+        <p:grpSp>
+          <p:nvGrpSpPr>
+            <p:cNvPr id="44" name="Group 43"/>
+            <p:cNvGrpSpPr/>
+            <p:nvPr/>
+          </p:nvGrpSpPr>
+          <p:grpSpPr>
+            <a:xfrm>
+              <a:off x="3060054" y="2220458"/>
+              <a:ext cx="248855" cy="230832"/>
+              <a:chOff x="3103485" y="1459067"/>
+              <a:chExt cx="248855" cy="230832"/>
+            </a:xfrm>
+          </p:grpSpPr>
+          <p:sp>
+            <p:nvSpPr>
+              <p:cNvPr id="41" name="Oval 40"/>
+              <p:cNvSpPr>
+                <a:spLocks noChangeAspect="1"/>
+              </p:cNvSpPr>
+              <p:nvPr/>
+            </p:nvSpPr>
+            <p:spPr>
+              <a:xfrm>
+                <a:off x="3141307" y="1487200"/>
+                <a:ext cx="177759" cy="177759"/>
+              </a:xfrm>
+              <a:prstGeom prst="ellipse">
+                <a:avLst/>
+              </a:prstGeom>
+              <a:solidFill>
+                <a:srgbClr val="FFFFFF"/>
+              </a:solidFill>
+              <a:ln w="12700" cmpd="sng">
+                <a:solidFill>
+                  <a:schemeClr val="bg1">
+                    <a:lumMod val="65000"/>
+                  </a:schemeClr>
+                </a:solidFill>
+              </a:ln>
+            </p:spPr>
+            <p:style>
+              <a:lnRef idx="2">
+                <a:schemeClr val="accent6"/>
+              </a:lnRef>
+              <a:fillRef idx="1">
+                <a:schemeClr val="lt1"/>
+              </a:fillRef>
+              <a:effectRef idx="0">
+                <a:schemeClr val="accent6"/>
+              </a:effectRef>
+              <a:fontRef idx="minor">
+                <a:schemeClr val="dk1"/>
+              </a:fontRef>
+            </p:style>
+            <p:txBody>
+              <a:bodyPr rtlCol="0" anchor="ctr"/>
+              <a:lstStyle/>
+              <a:p>
+                <a:pPr algn="ctr"/>
+                <a:endParaRPr lang="en-US" dirty="0"/>
+              </a:p>
+            </p:txBody>
+          </p:sp>
+          <p:sp>
+            <p:nvSpPr>
+              <p:cNvPr id="42" name="TextBox 41"/>
+              <p:cNvSpPr txBox="1"/>
+              <p:nvPr/>
+            </p:nvSpPr>
+            <p:spPr>
+              <a:xfrm>
+                <a:off x="3103485" y="1459067"/>
+                <a:ext cx="248855" cy="230832"/>
+              </a:xfrm>
+              <a:prstGeom prst="rect">
+                <a:avLst/>
+              </a:prstGeom>
+              <a:noFill/>
+            </p:spPr>
+            <p:txBody>
+              <a:bodyPr wrap="none" rtlCol="0">
+                <a:spAutoFit/>
+              </a:bodyPr>
+              <a:lstStyle/>
+              <a:p>
+                <a:pPr algn="ctr"/>
+                <a:r>
+                  <a:rPr lang="en-US" sz="900" b="1" dirty="0" smtClean="0">
+                    <a:solidFill>
+                      <a:schemeClr val="tx1">
+                        <a:lumMod val="50000"/>
+                        <a:lumOff val="50000"/>
+                      </a:schemeClr>
+                    </a:solidFill>
+                  </a:rPr>
+                  <a:t>1</a:t>
+                </a:r>
+                <a:endParaRPr lang="en-US" sz="900" b="1" dirty="0">
+                  <a:solidFill>
+                    <a:schemeClr val="tx1">
+                      <a:lumMod val="50000"/>
+                      <a:lumOff val="50000"/>
+                    </a:schemeClr>
+                  </a:solidFill>
+                </a:endParaRPr>
+              </a:p>
+            </p:txBody>
+          </p:sp>
+        </p:grpSp>
+        <p:grpSp>
+          <p:nvGrpSpPr>
+            <p:cNvPr id="108" name="Group 107"/>
+            <p:cNvGrpSpPr/>
+            <p:nvPr/>
+          </p:nvGrpSpPr>
+          <p:grpSpPr>
+            <a:xfrm>
+              <a:off x="3060054" y="2587905"/>
+              <a:ext cx="248855" cy="230832"/>
+              <a:chOff x="3103485" y="1459067"/>
+              <a:chExt cx="248855" cy="230832"/>
+            </a:xfrm>
+          </p:grpSpPr>
+          <p:sp>
+            <p:nvSpPr>
+              <p:cNvPr id="109" name="Oval 108"/>
+              <p:cNvSpPr>
+                <a:spLocks noChangeAspect="1"/>
+              </p:cNvSpPr>
+              <p:nvPr/>
+            </p:nvSpPr>
+            <p:spPr>
+              <a:xfrm>
+                <a:off x="3141307" y="1487200"/>
+                <a:ext cx="177759" cy="177759"/>
+              </a:xfrm>
+              <a:prstGeom prst="ellipse">
+                <a:avLst/>
+              </a:prstGeom>
+              <a:solidFill>
+                <a:srgbClr val="FFFFFF"/>
+              </a:solidFill>
+              <a:ln w="12700" cmpd="sng">
+                <a:solidFill>
+                  <a:schemeClr val="bg1">
+                    <a:lumMod val="65000"/>
+                  </a:schemeClr>
+                </a:solidFill>
+              </a:ln>
+            </p:spPr>
+            <p:style>
+              <a:lnRef idx="2">
+                <a:schemeClr val="accent6"/>
+              </a:lnRef>
+              <a:fillRef idx="1">
+                <a:schemeClr val="lt1"/>
+              </a:fillRef>
+              <a:effectRef idx="0">
+                <a:schemeClr val="accent6"/>
+              </a:effectRef>
+              <a:fontRef idx="minor">
+                <a:schemeClr val="dk1"/>
+              </a:fontRef>
+            </p:style>
+            <p:txBody>
+              <a:bodyPr rtlCol="0" anchor="ctr"/>
+              <a:lstStyle/>
+              <a:p>
+                <a:pPr algn="ctr"/>
+                <a:endParaRPr lang="en-US" dirty="0"/>
+              </a:p>
+            </p:txBody>
+          </p:sp>
+          <p:sp>
+            <p:nvSpPr>
+              <p:cNvPr id="110" name="TextBox 109"/>
+              <p:cNvSpPr txBox="1"/>
+              <p:nvPr/>
+            </p:nvSpPr>
+            <p:spPr>
+              <a:xfrm>
+                <a:off x="3103485" y="1459067"/>
+                <a:ext cx="248855" cy="230832"/>
+              </a:xfrm>
+              <a:prstGeom prst="rect">
+                <a:avLst/>
+              </a:prstGeom>
+              <a:noFill/>
+            </p:spPr>
+            <p:txBody>
+              <a:bodyPr wrap="none" rtlCol="0">
+                <a:spAutoFit/>
+              </a:bodyPr>
+              <a:lstStyle/>
+              <a:p>
+                <a:pPr algn="ctr"/>
+                <a:r>
+                  <a:rPr lang="en-US" sz="900" b="1" dirty="0" smtClean="0">
+                    <a:solidFill>
+                      <a:schemeClr val="tx1">
+                        <a:lumMod val="50000"/>
+                        <a:lumOff val="50000"/>
+                      </a:schemeClr>
+                    </a:solidFill>
+                  </a:rPr>
+                  <a:t>2</a:t>
+                </a:r>
+                <a:endParaRPr lang="en-US" sz="900" b="1" dirty="0">
+                  <a:solidFill>
+                    <a:schemeClr val="tx1">
+                      <a:lumMod val="50000"/>
+                      <a:lumOff val="50000"/>
+                    </a:schemeClr>
+                  </a:solidFill>
+                </a:endParaRPr>
+              </a:p>
+            </p:txBody>
+          </p:sp>
+        </p:grpSp>
+        <p:sp>
+          <p:nvSpPr>
+            <p:cNvPr id="133" name="Rounded Rectangle 132"/>
+            <p:cNvSpPr/>
+            <p:nvPr/>
+          </p:nvSpPr>
+          <p:spPr>
+            <a:xfrm>
+              <a:off x="1321790" y="4381390"/>
+              <a:ext cx="1425959" cy="513110"/>
+            </a:xfrm>
+            <a:prstGeom prst="roundRect">
+              <a:avLst>
+                <a:gd name="adj" fmla="val 15583"/>
+              </a:avLst>
+            </a:prstGeom>
+            <a:solidFill>
+              <a:srgbClr val="1C73E1">
+                <a:alpha val="71000"/>
+              </a:srgbClr>
+            </a:solidFill>
+            <a:ln>
+              <a:noFill/>
+            </a:ln>
+            <a:effectLst>
+              <a:outerShdw blurRad="50800" dist="38100" dir="2700000" algn="tl" rotWithShape="0">
+                <a:prstClr val="black">
+                  <a:alpha val="40000"/>
+                </a:prstClr>
+              </a:outerShdw>
+            </a:effectLst>
+          </p:spPr>
+          <p:style>
+            <a:lnRef idx="2">
+              <a:schemeClr val="dk1"/>
+            </a:lnRef>
+            <a:fillRef idx="1">
+              <a:schemeClr val="lt1"/>
+            </a:fillRef>
+            <a:effectRef idx="0">
+              <a:schemeClr val="dk1"/>
+            </a:effectRef>
+            <a:fontRef idx="minor">
+              <a:schemeClr val="dk1"/>
+            </a:fontRef>
+          </p:style>
+          <p:txBody>
+            <a:bodyPr tIns="36576" bIns="36576" rtlCol="0" anchor="t" anchorCtr="0"/>
+            <a:lstStyle/>
+            <a:p>
+              <a:r>
+                <a:rPr lang="en-US" sz="900" dirty="0" smtClean="0">
+                  <a:solidFill>
+                    <a:srgbClr val="FFFFFF"/>
+                  </a:solidFill>
+                </a:rPr>
+                <a:t>Hold on a second. </a:t>
+              </a:r>
+              <a:r>
+                <a:rPr lang="en-US" sz="900" dirty="0" smtClean="0">
+                  <a:solidFill>
+                    <a:srgbClr val="FFFFFF"/>
+                  </a:solidFill>
+                </a:rPr>
+                <a:t>How do I get to</a:t>
+              </a:r>
+              <a:r>
+                <a:rPr lang="en-US" sz="900" dirty="0">
+                  <a:solidFill>
+                    <a:srgbClr val="FFFFFF"/>
+                  </a:solidFill>
+                </a:rPr>
+                <a:t> </a:t>
+              </a:r>
+              <a:r>
+                <a:rPr lang="en-US" sz="900" dirty="0" smtClean="0">
+                  <a:solidFill>
+                    <a:srgbClr val="FFFFFF"/>
+                  </a:solidFill>
+                </a:rPr>
+                <a:t>Enzo's restaurant?</a:t>
+              </a:r>
+              <a:endParaRPr lang="en-US" sz="900" dirty="0" smtClean="0">
+                <a:solidFill>
+                  <a:srgbClr val="FFFFFF"/>
+                </a:solidFill>
+              </a:endParaRPr>
+            </a:p>
+            <a:p>
+              <a:endParaRPr lang="en-US" sz="900" dirty="0">
+                <a:solidFill>
+                  <a:srgbClr val="FFFFFF"/>
+                </a:solidFill>
+              </a:endParaRPr>
+            </a:p>
+            <a:p>
+              <a:endParaRPr lang="en-US" sz="900" dirty="0">
+                <a:solidFill>
+                  <a:srgbClr val="FFFFFF"/>
+                </a:solidFill>
+              </a:endParaRPr>
+            </a:p>
+          </p:txBody>
+        </p:sp>
+        <p:cxnSp>
+          <p:nvCxnSpPr>
+            <p:cNvPr id="134" name="Straight Arrow Connector 133"/>
+            <p:cNvCxnSpPr/>
+            <p:nvPr/>
+          </p:nvCxnSpPr>
+          <p:spPr>
+            <a:xfrm>
+              <a:off x="2818330" y="2879877"/>
+              <a:ext cx="1339172" cy="118849"/>
+            </a:xfrm>
+            <a:prstGeom prst="straightConnector1">
+              <a:avLst/>
+            </a:prstGeom>
+            <a:ln w="19050" cmpd="sng">
+              <a:solidFill>
+                <a:schemeClr val="bg1">
+                  <a:lumMod val="65000"/>
+                </a:schemeClr>
+              </a:solidFill>
+              <a:tailEnd type="arrow"/>
+            </a:ln>
+          </p:spPr>
+          <p:style>
+            <a:lnRef idx="1">
+              <a:schemeClr val="accent6"/>
+            </a:lnRef>
+            <a:fillRef idx="0">
+              <a:schemeClr val="accent6"/>
+            </a:fillRef>
+            <a:effectRef idx="0">
+              <a:schemeClr val="accent6"/>
+            </a:effectRef>
+            <a:fontRef idx="minor">
+              <a:schemeClr val="tx1"/>
+            </a:fontRef>
+          </p:style>
+        </p:cxnSp>
+        <p:grpSp>
+          <p:nvGrpSpPr>
+            <p:cNvPr id="135" name="Group 134"/>
+            <p:cNvGrpSpPr/>
+            <p:nvPr/>
+          </p:nvGrpSpPr>
+          <p:grpSpPr>
+            <a:xfrm>
+              <a:off x="3060054" y="2803765"/>
+              <a:ext cx="248855" cy="230832"/>
+              <a:chOff x="3103485" y="1459067"/>
+              <a:chExt cx="248855" cy="230832"/>
+            </a:xfrm>
+          </p:grpSpPr>
+          <p:sp>
+            <p:nvSpPr>
+              <p:cNvPr id="136" name="Oval 135"/>
+              <p:cNvSpPr>
+                <a:spLocks noChangeAspect="1"/>
+              </p:cNvSpPr>
+              <p:nvPr/>
+            </p:nvSpPr>
+            <p:spPr>
+              <a:xfrm>
+                <a:off x="3141307" y="1487200"/>
+                <a:ext cx="177759" cy="177759"/>
+              </a:xfrm>
+              <a:prstGeom prst="ellipse">
+                <a:avLst/>
+              </a:prstGeom>
+              <a:solidFill>
+                <a:srgbClr val="FFFFFF"/>
+              </a:solidFill>
+              <a:ln w="12700" cmpd="sng">
+                <a:solidFill>
+                  <a:schemeClr val="bg1">
+                    <a:lumMod val="65000"/>
+                  </a:schemeClr>
+                </a:solidFill>
+              </a:ln>
+            </p:spPr>
+            <p:style>
+              <a:lnRef idx="2">
+                <a:schemeClr val="accent6"/>
+              </a:lnRef>
+              <a:fillRef idx="1">
+                <a:schemeClr val="lt1"/>
+              </a:fillRef>
+              <a:effectRef idx="0">
+                <a:schemeClr val="accent6"/>
+              </a:effectRef>
+              <a:fontRef idx="minor">
+                <a:schemeClr val="dk1"/>
+              </a:fontRef>
+            </p:style>
+            <p:txBody>
+              <a:bodyPr rtlCol="0" anchor="ctr"/>
+              <a:lstStyle/>
+              <a:p>
+                <a:pPr algn="ctr"/>
+                <a:endParaRPr lang="en-US" dirty="0"/>
+              </a:p>
+            </p:txBody>
+          </p:sp>
+          <p:sp>
+            <p:nvSpPr>
+              <p:cNvPr id="137" name="TextBox 136"/>
+              <p:cNvSpPr txBox="1"/>
+              <p:nvPr/>
+            </p:nvSpPr>
+            <p:spPr>
+              <a:xfrm>
+                <a:off x="3103485" y="1459067"/>
+                <a:ext cx="248855" cy="230832"/>
+              </a:xfrm>
+              <a:prstGeom prst="rect">
+                <a:avLst/>
+              </a:prstGeom>
+              <a:noFill/>
+            </p:spPr>
+            <p:txBody>
+              <a:bodyPr wrap="none" rtlCol="0">
+                <a:spAutoFit/>
+              </a:bodyPr>
+              <a:lstStyle/>
+              <a:p>
+                <a:pPr algn="ctr"/>
+                <a:r>
+                  <a:rPr lang="en-US" sz="900" b="1" dirty="0" smtClean="0">
+                    <a:solidFill>
+                      <a:schemeClr val="tx1">
+                        <a:lumMod val="50000"/>
+                        <a:lumOff val="50000"/>
+                      </a:schemeClr>
+                    </a:solidFill>
+                  </a:rPr>
+                  <a:t>3</a:t>
+                </a:r>
+                <a:endParaRPr lang="en-US" sz="900" b="1" dirty="0">
+                  <a:solidFill>
+                    <a:schemeClr val="tx1">
+                      <a:lumMod val="50000"/>
+                      <a:lumOff val="50000"/>
+                    </a:schemeClr>
+                  </a:solidFill>
+                </a:endParaRPr>
+              </a:p>
+            </p:txBody>
+          </p:sp>
+        </p:grpSp>
+        <p:cxnSp>
+          <p:nvCxnSpPr>
+            <p:cNvPr id="138" name="Straight Arrow Connector 137"/>
+            <p:cNvCxnSpPr/>
+            <p:nvPr/>
+          </p:nvCxnSpPr>
+          <p:spPr>
+            <a:xfrm flipH="1">
+              <a:off x="2818330" y="3040778"/>
+              <a:ext cx="1339172" cy="455411"/>
+            </a:xfrm>
+            <a:prstGeom prst="straightConnector1">
+              <a:avLst/>
+            </a:prstGeom>
+            <a:ln w="19050" cmpd="sng">
+              <a:solidFill>
+                <a:schemeClr val="bg1">
+                  <a:lumMod val="65000"/>
+                </a:schemeClr>
+              </a:solidFill>
+              <a:tailEnd type="arrow"/>
+            </a:ln>
+          </p:spPr>
+          <p:style>
+            <a:lnRef idx="1">
+              <a:schemeClr val="accent6"/>
+            </a:lnRef>
+            <a:fillRef idx="0">
+              <a:schemeClr val="accent6"/>
+            </a:fillRef>
+            <a:effectRef idx="0">
+              <a:schemeClr val="accent6"/>
+            </a:effectRef>
+            <a:fontRef idx="minor">
+              <a:schemeClr val="tx1"/>
+            </a:fontRef>
+          </p:style>
+        </p:cxnSp>
+        <p:cxnSp>
+          <p:nvCxnSpPr>
+            <p:cNvPr id="142" name="Straight Arrow Connector 141"/>
+            <p:cNvCxnSpPr/>
+            <p:nvPr/>
+          </p:nvCxnSpPr>
+          <p:spPr>
+            <a:xfrm flipV="1">
+              <a:off x="2823087" y="3258352"/>
+              <a:ext cx="1339172" cy="727780"/>
+            </a:xfrm>
+            <a:prstGeom prst="straightConnector1">
+              <a:avLst/>
+            </a:prstGeom>
+            <a:ln w="19050" cmpd="sng">
+              <a:solidFill>
+                <a:schemeClr val="bg1">
+                  <a:lumMod val="65000"/>
+                </a:schemeClr>
+              </a:solidFill>
+              <a:tailEnd type="arrow"/>
+            </a:ln>
+          </p:spPr>
+          <p:style>
+            <a:lnRef idx="1">
+              <a:schemeClr val="accent6"/>
+            </a:lnRef>
+            <a:fillRef idx="0">
+              <a:schemeClr val="accent6"/>
+            </a:fillRef>
+            <a:effectRef idx="0">
+              <a:schemeClr val="accent6"/>
+            </a:effectRef>
+            <a:fontRef idx="minor">
+              <a:schemeClr val="tx1"/>
+            </a:fontRef>
+          </p:style>
+        </p:cxnSp>
+        <p:sp>
+          <p:nvSpPr>
+            <p:cNvPr id="45" name="Rounded Rectangle 44"/>
+            <p:cNvSpPr/>
+            <p:nvPr/>
+          </p:nvSpPr>
+          <p:spPr>
+            <a:xfrm>
+              <a:off x="1698144" y="2719418"/>
+              <a:ext cx="1049605" cy="282419"/>
+            </a:xfrm>
+            <a:prstGeom prst="roundRect">
+              <a:avLst>
+                <a:gd name="adj" fmla="val 34525"/>
+              </a:avLst>
+            </a:prstGeom>
+            <a:solidFill>
+              <a:srgbClr val="1C73E1">
+                <a:alpha val="71000"/>
+              </a:srgbClr>
+            </a:solidFill>
+            <a:ln>
+              <a:noFill/>
+            </a:ln>
+            <a:effectLst>
+              <a:outerShdw blurRad="50800" dist="38100" dir="2700000" algn="tl" rotWithShape="0">
+                <a:prstClr val="black">
+                  <a:alpha val="40000"/>
+                </a:prstClr>
+              </a:outerShdw>
+            </a:effectLst>
+          </p:spPr>
+          <p:style>
+            <a:lnRef idx="2">
+              <a:schemeClr val="dk1"/>
+            </a:lnRef>
+            <a:fillRef idx="1">
+              <a:schemeClr val="lt1"/>
+            </a:fillRef>
+            <a:effectRef idx="0">
+              <a:schemeClr val="dk1"/>
+            </a:effectRef>
+            <a:fontRef idx="minor">
+              <a:schemeClr val="dk1"/>
+            </a:fontRef>
+          </p:style>
+          <p:txBody>
+            <a:bodyPr tIns="36576" bIns="36576" rtlCol="0" anchor="t" anchorCtr="0"/>
+            <a:lstStyle/>
+            <a:p>
+              <a:r>
+                <a:rPr lang="en-US" sz="900" dirty="0" smtClean="0">
+                  <a:solidFill>
+                    <a:srgbClr val="FFFFFF"/>
+                  </a:solidFill>
+                </a:rPr>
+                <a:t>See you at 8pm</a:t>
+              </a:r>
+              <a:endParaRPr lang="en-US" sz="900" dirty="0" smtClean="0">
+                <a:solidFill>
+                  <a:srgbClr val="FFFFFF"/>
+                </a:solidFill>
+              </a:endParaRPr>
+            </a:p>
+            <a:p>
+              <a:endParaRPr lang="en-US" sz="900" dirty="0">
+                <a:solidFill>
+                  <a:srgbClr val="FFFFFF"/>
+                </a:solidFill>
+              </a:endParaRPr>
+            </a:p>
+            <a:p>
+              <a:endParaRPr lang="en-US" sz="900" dirty="0">
+                <a:solidFill>
+                  <a:srgbClr val="FFFFFF"/>
+                </a:solidFill>
+              </a:endParaRPr>
+            </a:p>
+          </p:txBody>
+        </p:sp>
+        <p:sp>
+          <p:nvSpPr>
+            <p:cNvPr id="46" name="Rounded Rectangle 45"/>
+            <p:cNvSpPr/>
+            <p:nvPr/>
+          </p:nvSpPr>
+          <p:spPr>
+            <a:xfrm>
+              <a:off x="1464335" y="3237305"/>
+              <a:ext cx="1283413" cy="390731"/>
+            </a:xfrm>
+            <a:prstGeom prst="roundRect">
+              <a:avLst>
+                <a:gd name="adj" fmla="val 21012"/>
+              </a:avLst>
+            </a:prstGeom>
+            <a:solidFill>
+              <a:srgbClr val="1C73E1">
+                <a:alpha val="71000"/>
+              </a:srgbClr>
+            </a:solidFill>
+            <a:ln>
+              <a:noFill/>
+            </a:ln>
+            <a:effectLst>
+              <a:outerShdw blurRad="50800" dist="38100" dir="2700000" algn="tl" rotWithShape="0">
+                <a:prstClr val="black">
+                  <a:alpha val="40000"/>
+                </a:prstClr>
+              </a:outerShdw>
+            </a:effectLst>
+          </p:spPr>
+          <p:style>
+            <a:lnRef idx="2">
+              <a:schemeClr val="dk1"/>
+            </a:lnRef>
+            <a:fillRef idx="1">
+              <a:schemeClr val="lt1"/>
+            </a:fillRef>
+            <a:effectRef idx="0">
+              <a:schemeClr val="dk1"/>
+            </a:effectRef>
+            <a:fontRef idx="minor">
+              <a:schemeClr val="dk1"/>
+            </a:fontRef>
+          </p:style>
+          <p:txBody>
+            <a:bodyPr tIns="36576" bIns="36576" rtlCol="0" anchor="t" anchorCtr="0"/>
+            <a:lstStyle/>
+            <a:p>
+              <a:r>
+                <a:rPr lang="en-US" sz="900" dirty="0" smtClean="0">
+                  <a:solidFill>
+                    <a:srgbClr val="FFFFFF"/>
+                  </a:solidFill>
+                </a:rPr>
+                <a:t>Scratch that. Send a text to Sue instead</a:t>
+              </a:r>
+              <a:endParaRPr lang="en-US" sz="900" dirty="0" smtClean="0">
+                <a:solidFill>
+                  <a:srgbClr val="FFFFFF"/>
+                </a:solidFill>
+              </a:endParaRPr>
+            </a:p>
+            <a:p>
+              <a:endParaRPr lang="en-US" sz="900" dirty="0">
+                <a:solidFill>
+                  <a:srgbClr val="FFFFFF"/>
+                </a:solidFill>
+              </a:endParaRPr>
+            </a:p>
+            <a:p>
+              <a:endParaRPr lang="en-US" sz="900" dirty="0">
+                <a:solidFill>
+                  <a:srgbClr val="FFFFFF"/>
+                </a:solidFill>
+              </a:endParaRPr>
+            </a:p>
+          </p:txBody>
+        </p:sp>
+        <p:sp>
+          <p:nvSpPr>
+            <p:cNvPr id="47" name="Rounded Rectangle 46"/>
+            <p:cNvSpPr/>
+            <p:nvPr/>
+          </p:nvSpPr>
+          <p:spPr>
+            <a:xfrm>
+              <a:off x="1516172" y="3863504"/>
+              <a:ext cx="1231578" cy="282419"/>
+            </a:xfrm>
+            <a:prstGeom prst="roundRect">
+              <a:avLst>
+                <a:gd name="adj" fmla="val 34525"/>
+              </a:avLst>
+            </a:prstGeom>
+            <a:solidFill>
+              <a:srgbClr val="1C73E1">
+                <a:alpha val="71000"/>
+              </a:srgbClr>
+            </a:solidFill>
+            <a:ln>
+              <a:noFill/>
+            </a:ln>
+            <a:effectLst>
+              <a:outerShdw blurRad="50800" dist="38100" dir="2700000" algn="tl" rotWithShape="0">
+                <a:prstClr val="black">
+                  <a:alpha val="40000"/>
+                </a:prstClr>
+              </a:outerShdw>
+            </a:effectLst>
+          </p:spPr>
+          <p:style>
+            <a:lnRef idx="2">
+              <a:schemeClr val="dk1"/>
+            </a:lnRef>
+            <a:fillRef idx="1">
+              <a:schemeClr val="lt1"/>
+            </a:fillRef>
+            <a:effectRef idx="0">
+              <a:schemeClr val="dk1"/>
+            </a:effectRef>
+            <a:fontRef idx="minor">
+              <a:schemeClr val="dk1"/>
+            </a:fontRef>
+          </p:style>
+          <p:txBody>
+            <a:bodyPr tIns="36576" bIns="36576" rtlCol="0" anchor="t" anchorCtr="0"/>
+            <a:lstStyle/>
+            <a:p>
+              <a:r>
+                <a:rPr lang="en-US" sz="900" dirty="0" smtClean="0">
+                  <a:solidFill>
+                    <a:srgbClr val="FFFFFF"/>
+                  </a:solidFill>
+                </a:rPr>
+                <a:t>Meet you at Enzo's</a:t>
+              </a:r>
+              <a:endParaRPr lang="en-US" sz="900" dirty="0" smtClean="0">
+                <a:solidFill>
+                  <a:srgbClr val="FFFFFF"/>
+                </a:solidFill>
+              </a:endParaRPr>
+            </a:p>
+            <a:p>
+              <a:endParaRPr lang="en-US" sz="900" dirty="0">
+                <a:solidFill>
+                  <a:srgbClr val="FFFFFF"/>
+                </a:solidFill>
+              </a:endParaRPr>
+            </a:p>
+            <a:p>
+              <a:endParaRPr lang="en-US" sz="900" dirty="0">
+                <a:solidFill>
+                  <a:srgbClr val="FFFFFF"/>
+                </a:solidFill>
+              </a:endParaRPr>
+            </a:p>
+          </p:txBody>
+        </p:sp>
+        <p:grpSp>
+          <p:nvGrpSpPr>
+            <p:cNvPr id="48" name="Group 47"/>
+            <p:cNvGrpSpPr/>
+            <p:nvPr/>
+          </p:nvGrpSpPr>
+          <p:grpSpPr>
+            <a:xfrm>
+              <a:off x="4245587" y="4386012"/>
+              <a:ext cx="3619878" cy="530352"/>
+              <a:chOff x="4360727" y="1255431"/>
+              <a:chExt cx="3619878" cy="530352"/>
+            </a:xfrm>
+          </p:grpSpPr>
+          <p:sp>
+            <p:nvSpPr>
+              <p:cNvPr id="49" name="TextBox 48"/>
+              <p:cNvSpPr txBox="1"/>
+              <p:nvPr/>
+            </p:nvSpPr>
+            <p:spPr>
+              <a:xfrm>
+                <a:off x="4385201" y="1282499"/>
+                <a:ext cx="1021931" cy="253916"/>
+              </a:xfrm>
+              <a:prstGeom prst="rect">
+                <a:avLst/>
+              </a:prstGeom>
+              <a:noFill/>
+            </p:spPr>
+            <p:txBody>
+              <a:bodyPr wrap="none" rtlCol="0">
+                <a:spAutoFit/>
+              </a:bodyPr>
+              <a:lstStyle/>
+              <a:p>
+                <a:r>
+                  <a:rPr lang="en-US" sz="900" dirty="0" smtClean="0">
+                    <a:solidFill>
+                      <a:schemeClr val="bg1">
+                        <a:lumMod val="65000"/>
+                      </a:schemeClr>
+                    </a:solidFill>
+                    <a:latin typeface="Arial Narrow"/>
+                    <a:cs typeface="Arial Narrow"/>
+                    <a:sym typeface="Wingdings"/>
+                  </a:rPr>
+                  <a:t>DIALOGUE STATE</a:t>
+                </a:r>
+                <a:r>
+                  <a:rPr lang="en-US" sz="1000" dirty="0" smtClean="0">
+                    <a:solidFill>
+                      <a:schemeClr val="bg1">
+                        <a:lumMod val="65000"/>
+                      </a:schemeClr>
+                    </a:solidFill>
+                    <a:latin typeface="Arial Narrow"/>
+                    <a:cs typeface="Arial Narrow"/>
+                    <a:sym typeface="Wingdings"/>
+                  </a:rPr>
+                  <a:t>: </a:t>
+                </a:r>
+                <a:endParaRPr lang="en-US" sz="900" dirty="0"/>
+              </a:p>
+            </p:txBody>
+          </p:sp>
+          <p:sp>
+            <p:nvSpPr>
+              <p:cNvPr id="50" name="Rounded Rectangle 49"/>
+              <p:cNvSpPr/>
+              <p:nvPr/>
+            </p:nvSpPr>
+            <p:spPr>
+              <a:xfrm>
+                <a:off x="5378657" y="1325412"/>
+                <a:ext cx="1209366" cy="184321"/>
+              </a:xfrm>
+              <a:prstGeom prst="roundRect">
+                <a:avLst/>
+              </a:prstGeom>
+              <a:ln w="12700" cmpd="sng">
+                <a:solidFill>
+                  <a:schemeClr val="bg1">
+                    <a:lumMod val="85000"/>
+                  </a:schemeClr>
+                </a:solidFill>
+              </a:ln>
+            </p:spPr>
+            <p:style>
+              <a:lnRef idx="2">
+                <a:schemeClr val="accent6"/>
+              </a:lnRef>
+              <a:fillRef idx="1">
+                <a:schemeClr val="lt1"/>
+              </a:fillRef>
+              <a:effectRef idx="0">
+                <a:schemeClr val="accent6"/>
+              </a:effectRef>
+              <a:fontRef idx="minor">
+                <a:schemeClr val="dk1"/>
+              </a:fontRef>
+            </p:style>
+            <p:txBody>
+              <a:bodyPr lIns="0" tIns="0" rIns="0" bIns="27432" rtlCol="0" anchor="ctr" anchorCtr="1"/>
+              <a:lstStyle/>
+              <a:p>
+                <a:pPr algn="ctr"/>
+                <a:r>
+                  <a:rPr lang="en-US" sz="1000" dirty="0" smtClean="0">
+                    <a:solidFill>
+                      <a:srgbClr val="E74C3C"/>
+                    </a:solidFill>
+                    <a:latin typeface="Consolas"/>
+                    <a:cs typeface="Consolas"/>
+                  </a:rPr>
+                  <a:t>show_directions</a:t>
+                </a:r>
+                <a:endParaRPr lang="en-US" sz="1000" dirty="0">
+                  <a:solidFill>
+                    <a:srgbClr val="E74C3C"/>
+                  </a:solidFill>
+                  <a:latin typeface="Consolas"/>
+                  <a:cs typeface="Consolas"/>
+                </a:endParaRPr>
+              </a:p>
+            </p:txBody>
+          </p:sp>
+          <p:sp>
+            <p:nvSpPr>
+              <p:cNvPr id="51" name="Rounded Rectangle 50"/>
+              <p:cNvSpPr/>
+              <p:nvPr/>
+            </p:nvSpPr>
+            <p:spPr>
+              <a:xfrm>
+                <a:off x="4360727" y="1255431"/>
+                <a:ext cx="3619878" cy="530352"/>
+              </a:xfrm>
+              <a:prstGeom prst="roundRect">
+                <a:avLst>
+                  <a:gd name="adj" fmla="val 0"/>
+                </a:avLst>
+              </a:prstGeom>
+              <a:noFill/>
+              <a:ln w="6350" cmpd="sng">
+                <a:solidFill>
+                  <a:schemeClr val="bg1">
+                    <a:lumMod val="50000"/>
+                  </a:schemeClr>
+                </a:solidFill>
+              </a:ln>
+            </p:spPr>
+            <p:style>
+              <a:lnRef idx="2">
+                <a:schemeClr val="dk1"/>
+              </a:lnRef>
+              <a:fillRef idx="1">
+                <a:schemeClr val="lt1"/>
+              </a:fillRef>
+              <a:effectRef idx="0">
+                <a:schemeClr val="dk1"/>
+              </a:effectRef>
+              <a:fontRef idx="minor">
+                <a:schemeClr val="dk1"/>
+              </a:fontRef>
+            </p:style>
+            <p:txBody>
+              <a:bodyPr rtlCol="0" anchor="t" anchorCtr="0"/>
+              <a:lstStyle/>
+              <a:p>
+                <a:endParaRPr lang="en-US" sz="900" dirty="0"/>
+              </a:p>
+            </p:txBody>
+          </p:sp>
+          <p:sp>
+            <p:nvSpPr>
+              <p:cNvPr id="52" name="TextBox 51"/>
+              <p:cNvSpPr txBox="1"/>
+              <p:nvPr/>
+            </p:nvSpPr>
+            <p:spPr>
+              <a:xfrm>
+                <a:off x="4383836" y="1512675"/>
+                <a:ext cx="2229447" cy="230832"/>
+              </a:xfrm>
+              <a:prstGeom prst="rect">
+                <a:avLst/>
+              </a:prstGeom>
+              <a:noFill/>
+            </p:spPr>
+            <p:txBody>
+              <a:bodyPr wrap="none" rtlCol="0">
+                <a:spAutoFit/>
+              </a:bodyPr>
+              <a:lstStyle/>
+              <a:p>
+                <a:pPr marL="398463" indent="-398463"/>
+                <a:r>
+                  <a:rPr lang="en-US" sz="900" dirty="0" smtClean="0">
+                    <a:solidFill>
+                      <a:schemeClr val="bg1">
+                        <a:lumMod val="65000"/>
+                      </a:schemeClr>
+                    </a:solidFill>
+                    <a:latin typeface="Arial Narrow"/>
+                    <a:cs typeface="Arial Narrow"/>
+                    <a:sym typeface="Wingdings"/>
+                  </a:rPr>
+                  <a:t>REPLY:  	</a:t>
+                </a:r>
+                <a:r>
+                  <a:rPr lang="en-US" sz="900" dirty="0" smtClean="0"/>
+                  <a:t>Here are directions to </a:t>
+                </a:r>
+                <a:r>
+                  <a:rPr lang="en-US" sz="900" dirty="0" smtClean="0">
+                    <a:solidFill>
+                      <a:srgbClr val="2C74A5"/>
+                    </a:solidFill>
+                  </a:rPr>
+                  <a:t>{location}</a:t>
+                </a:r>
+                <a:r>
+                  <a:rPr lang="en-US" sz="900" dirty="0" smtClean="0"/>
+                  <a:t>.</a:t>
+                </a:r>
+                <a:endParaRPr lang="en-US" sz="900" dirty="0"/>
+              </a:p>
+            </p:txBody>
+          </p:sp>
+        </p:grpSp>
+        <p:cxnSp>
+          <p:nvCxnSpPr>
+            <p:cNvPr id="57" name="Straight Arrow Connector 56"/>
+            <p:cNvCxnSpPr/>
+            <p:nvPr/>
+          </p:nvCxnSpPr>
+          <p:spPr>
+            <a:xfrm flipV="1">
+              <a:off x="2818330" y="2559115"/>
+              <a:ext cx="1339172" cy="842827"/>
+            </a:xfrm>
+            <a:prstGeom prst="straightConnector1">
+              <a:avLst/>
+            </a:prstGeom>
+            <a:ln w="19050" cmpd="sng">
+              <a:solidFill>
+                <a:schemeClr val="bg1">
+                  <a:lumMod val="65000"/>
+                </a:schemeClr>
+              </a:solidFill>
+              <a:tailEnd type="arrow"/>
+            </a:ln>
+          </p:spPr>
+          <p:style>
+            <a:lnRef idx="1">
+              <a:schemeClr val="accent6"/>
+            </a:lnRef>
+            <a:fillRef idx="0">
+              <a:schemeClr val="accent6"/>
+            </a:fillRef>
+            <a:effectRef idx="0">
+              <a:schemeClr val="accent6"/>
+            </a:effectRef>
+            <a:fontRef idx="minor">
+              <a:schemeClr val="tx1"/>
+            </a:fontRef>
+          </p:style>
+        </p:cxnSp>
+        <p:cxnSp>
+          <p:nvCxnSpPr>
+            <p:cNvPr id="68" name="Straight Arrow Connector 67"/>
+            <p:cNvCxnSpPr/>
+            <p:nvPr/>
+          </p:nvCxnSpPr>
+          <p:spPr>
+            <a:xfrm flipH="1">
+              <a:off x="2818330" y="2636147"/>
+              <a:ext cx="1339172" cy="1295086"/>
+            </a:xfrm>
+            <a:prstGeom prst="straightConnector1">
+              <a:avLst/>
+            </a:prstGeom>
+            <a:ln w="19050" cmpd="sng">
+              <a:solidFill>
+                <a:schemeClr val="bg1">
+                  <a:lumMod val="65000"/>
+                </a:schemeClr>
+              </a:solidFill>
+              <a:tailEnd type="arrow"/>
+            </a:ln>
+          </p:spPr>
+          <p:style>
+            <a:lnRef idx="1">
+              <a:schemeClr val="accent6"/>
+            </a:lnRef>
+            <a:fillRef idx="0">
+              <a:schemeClr val="accent6"/>
+            </a:fillRef>
+            <a:effectRef idx="0">
+              <a:schemeClr val="accent6"/>
+            </a:effectRef>
+            <a:fontRef idx="minor">
+              <a:schemeClr val="tx1"/>
+            </a:fontRef>
+          </p:style>
+        </p:cxnSp>
+        <p:cxnSp>
+          <p:nvCxnSpPr>
+            <p:cNvPr id="71" name="Straight Arrow Connector 70"/>
+            <p:cNvCxnSpPr/>
+            <p:nvPr/>
+          </p:nvCxnSpPr>
+          <p:spPr>
+            <a:xfrm flipH="1">
+              <a:off x="2818330" y="3338807"/>
+              <a:ext cx="1339172" cy="1265697"/>
+            </a:xfrm>
+            <a:prstGeom prst="straightConnector1">
+              <a:avLst/>
+            </a:prstGeom>
+            <a:ln w="19050" cmpd="sng">
+              <a:solidFill>
+                <a:schemeClr val="bg1">
+                  <a:lumMod val="65000"/>
+                </a:schemeClr>
+              </a:solidFill>
+              <a:tailEnd type="arrow"/>
+            </a:ln>
+          </p:spPr>
+          <p:style>
+            <a:lnRef idx="1">
+              <a:schemeClr val="accent6"/>
+            </a:lnRef>
+            <a:fillRef idx="0">
+              <a:schemeClr val="accent6"/>
+            </a:fillRef>
+            <a:effectRef idx="0">
+              <a:schemeClr val="accent6"/>
+            </a:effectRef>
+            <a:fontRef idx="minor">
+              <a:schemeClr val="tx1"/>
+            </a:fontRef>
+          </p:style>
+        </p:cxnSp>
+        <p:cxnSp>
+          <p:nvCxnSpPr>
+            <p:cNvPr id="79" name="Straight Arrow Connector 78"/>
+            <p:cNvCxnSpPr/>
+            <p:nvPr/>
+          </p:nvCxnSpPr>
+          <p:spPr>
+            <a:xfrm>
+              <a:off x="2823087" y="4660775"/>
+              <a:ext cx="1339172" cy="0"/>
+            </a:xfrm>
+            <a:prstGeom prst="straightConnector1">
+              <a:avLst/>
+            </a:prstGeom>
+            <a:ln w="19050" cmpd="sng">
+              <a:solidFill>
+                <a:schemeClr val="bg1">
+                  <a:lumMod val="65000"/>
+                </a:schemeClr>
+              </a:solidFill>
+              <a:tailEnd type="arrow"/>
+            </a:ln>
+          </p:spPr>
+          <p:style>
+            <a:lnRef idx="1">
+              <a:schemeClr val="accent6"/>
+            </a:lnRef>
+            <a:fillRef idx="0">
+              <a:schemeClr val="accent6"/>
+            </a:fillRef>
+            <a:effectRef idx="0">
+              <a:schemeClr val="accent6"/>
+            </a:effectRef>
+            <a:fontRef idx="minor">
+              <a:schemeClr val="tx1"/>
+            </a:fontRef>
+          </p:style>
+        </p:cxnSp>
+        <p:grpSp>
+          <p:nvGrpSpPr>
+            <p:cNvPr id="139" name="Group 138"/>
+            <p:cNvGrpSpPr/>
+            <p:nvPr/>
+          </p:nvGrpSpPr>
+          <p:grpSpPr>
+            <a:xfrm>
+              <a:off x="3060054" y="3255442"/>
+              <a:ext cx="248855" cy="230832"/>
+              <a:chOff x="3103485" y="1459067"/>
+              <a:chExt cx="248855" cy="230832"/>
+            </a:xfrm>
+          </p:grpSpPr>
+          <p:sp>
+            <p:nvSpPr>
+              <p:cNvPr id="140" name="Oval 139"/>
+              <p:cNvSpPr>
+                <a:spLocks noChangeAspect="1"/>
+              </p:cNvSpPr>
+              <p:nvPr/>
+            </p:nvSpPr>
+            <p:spPr>
+              <a:xfrm>
+                <a:off x="3141307" y="1487200"/>
+                <a:ext cx="177759" cy="177759"/>
+              </a:xfrm>
+              <a:prstGeom prst="ellipse">
+                <a:avLst/>
+              </a:prstGeom>
+              <a:solidFill>
+                <a:srgbClr val="FFFFFF"/>
+              </a:solidFill>
+              <a:ln w="12700" cmpd="sng">
+                <a:solidFill>
+                  <a:schemeClr val="bg1">
+                    <a:lumMod val="65000"/>
+                  </a:schemeClr>
+                </a:solidFill>
+              </a:ln>
+            </p:spPr>
+            <p:style>
+              <a:lnRef idx="2">
+                <a:schemeClr val="accent6"/>
+              </a:lnRef>
+              <a:fillRef idx="1">
+                <a:schemeClr val="lt1"/>
+              </a:fillRef>
+              <a:effectRef idx="0">
+                <a:schemeClr val="accent6"/>
+              </a:effectRef>
+              <a:fontRef idx="minor">
+                <a:schemeClr val="dk1"/>
+              </a:fontRef>
+            </p:style>
+            <p:txBody>
+              <a:bodyPr rtlCol="0" anchor="ctr"/>
+              <a:lstStyle/>
+              <a:p>
+                <a:pPr algn="ctr"/>
+                <a:endParaRPr lang="en-US" dirty="0"/>
+              </a:p>
+            </p:txBody>
+          </p:sp>
+          <p:sp>
+            <p:nvSpPr>
+              <p:cNvPr id="141" name="TextBox 140"/>
+              <p:cNvSpPr txBox="1"/>
+              <p:nvPr/>
+            </p:nvSpPr>
+            <p:spPr>
+              <a:xfrm>
+                <a:off x="3103485" y="1459067"/>
+                <a:ext cx="248855" cy="230832"/>
+              </a:xfrm>
+              <a:prstGeom prst="rect">
+                <a:avLst/>
+              </a:prstGeom>
+              <a:noFill/>
+            </p:spPr>
+            <p:txBody>
+              <a:bodyPr wrap="none" rtlCol="0">
+                <a:spAutoFit/>
+              </a:bodyPr>
+              <a:lstStyle/>
+              <a:p>
+                <a:pPr algn="ctr"/>
+                <a:r>
+                  <a:rPr lang="en-US" sz="900" b="1" dirty="0" smtClean="0">
+                    <a:solidFill>
+                      <a:schemeClr val="tx1">
+                        <a:lumMod val="50000"/>
+                        <a:lumOff val="50000"/>
+                      </a:schemeClr>
+                    </a:solidFill>
+                  </a:rPr>
+                  <a:t>4</a:t>
+                </a:r>
+                <a:endParaRPr lang="en-US" sz="900" b="1" dirty="0">
+                  <a:solidFill>
+                    <a:schemeClr val="tx1">
+                      <a:lumMod val="50000"/>
+                      <a:lumOff val="50000"/>
+                    </a:schemeClr>
+                  </a:solidFill>
+                </a:endParaRPr>
+              </a:p>
+            </p:txBody>
+          </p:sp>
+        </p:grpSp>
+        <p:grpSp>
+          <p:nvGrpSpPr>
+            <p:cNvPr id="143" name="Group 142"/>
+            <p:cNvGrpSpPr/>
+            <p:nvPr/>
+          </p:nvGrpSpPr>
+          <p:grpSpPr>
+            <a:xfrm>
+              <a:off x="3060054" y="3041108"/>
+              <a:ext cx="248855" cy="230832"/>
+              <a:chOff x="3103485" y="1459067"/>
+              <a:chExt cx="248855" cy="230832"/>
+            </a:xfrm>
+          </p:grpSpPr>
+          <p:sp>
+            <p:nvSpPr>
+              <p:cNvPr id="144" name="Oval 143"/>
+              <p:cNvSpPr>
+                <a:spLocks noChangeAspect="1"/>
+              </p:cNvSpPr>
+              <p:nvPr/>
+            </p:nvSpPr>
+            <p:spPr>
+              <a:xfrm>
+                <a:off x="3141307" y="1487200"/>
+                <a:ext cx="177759" cy="177759"/>
+              </a:xfrm>
+              <a:prstGeom prst="ellipse">
+                <a:avLst/>
+              </a:prstGeom>
+              <a:solidFill>
+                <a:srgbClr val="FFFFFF"/>
+              </a:solidFill>
+              <a:ln w="12700" cmpd="sng">
+                <a:solidFill>
+                  <a:schemeClr val="bg1">
+                    <a:lumMod val="65000"/>
+                  </a:schemeClr>
+                </a:solidFill>
+              </a:ln>
+            </p:spPr>
+            <p:style>
+              <a:lnRef idx="2">
+                <a:schemeClr val="accent6"/>
+              </a:lnRef>
+              <a:fillRef idx="1">
+                <a:schemeClr val="lt1"/>
+              </a:fillRef>
+              <a:effectRef idx="0">
+                <a:schemeClr val="accent6"/>
+              </a:effectRef>
+              <a:fontRef idx="minor">
+                <a:schemeClr val="dk1"/>
+              </a:fontRef>
+            </p:style>
+            <p:txBody>
+              <a:bodyPr rtlCol="0" anchor="ctr"/>
+              <a:lstStyle/>
+              <a:p>
+                <a:pPr algn="ctr"/>
+                <a:endParaRPr lang="en-US" dirty="0"/>
+              </a:p>
+            </p:txBody>
+          </p:sp>
+          <p:sp>
+            <p:nvSpPr>
+              <p:cNvPr id="145" name="TextBox 144"/>
+              <p:cNvSpPr txBox="1"/>
+              <p:nvPr/>
+            </p:nvSpPr>
+            <p:spPr>
+              <a:xfrm>
+                <a:off x="3103485" y="1459067"/>
+                <a:ext cx="248855" cy="230832"/>
+              </a:xfrm>
+              <a:prstGeom prst="rect">
+                <a:avLst/>
+              </a:prstGeom>
+              <a:noFill/>
+            </p:spPr>
+            <p:txBody>
+              <a:bodyPr wrap="none" rtlCol="0">
+                <a:spAutoFit/>
+              </a:bodyPr>
+              <a:lstStyle/>
+              <a:p>
+                <a:pPr algn="ctr"/>
+                <a:r>
+                  <a:rPr lang="en-US" sz="900" b="1" dirty="0" smtClean="0">
+                    <a:solidFill>
+                      <a:schemeClr val="tx1">
+                        <a:lumMod val="50000"/>
+                        <a:lumOff val="50000"/>
+                      </a:schemeClr>
+                    </a:solidFill>
+                  </a:rPr>
+                  <a:t>5</a:t>
+                </a:r>
+                <a:endParaRPr lang="en-US" sz="900" b="1" dirty="0">
+                  <a:solidFill>
+                    <a:schemeClr val="tx1">
+                      <a:lumMod val="50000"/>
+                      <a:lumOff val="50000"/>
+                    </a:schemeClr>
+                  </a:solidFill>
+                </a:endParaRPr>
+              </a:p>
+            </p:txBody>
+          </p:sp>
+        </p:grpSp>
+        <p:grpSp>
+          <p:nvGrpSpPr>
+            <p:cNvPr id="82" name="Group 81"/>
+            <p:cNvGrpSpPr/>
+            <p:nvPr/>
+          </p:nvGrpSpPr>
+          <p:grpSpPr>
+            <a:xfrm>
+              <a:off x="3060054" y="3465407"/>
+              <a:ext cx="248855" cy="230832"/>
+              <a:chOff x="3103485" y="1459067"/>
+              <a:chExt cx="248855" cy="230832"/>
+            </a:xfrm>
+          </p:grpSpPr>
+          <p:sp>
+            <p:nvSpPr>
+              <p:cNvPr id="83" name="Oval 82"/>
+              <p:cNvSpPr>
+                <a:spLocks noChangeAspect="1"/>
+              </p:cNvSpPr>
+              <p:nvPr/>
+            </p:nvSpPr>
+            <p:spPr>
+              <a:xfrm>
+                <a:off x="3141307" y="1487200"/>
+                <a:ext cx="177759" cy="177759"/>
+              </a:xfrm>
+              <a:prstGeom prst="ellipse">
+                <a:avLst/>
+              </a:prstGeom>
+              <a:solidFill>
+                <a:srgbClr val="FFFFFF"/>
+              </a:solidFill>
+              <a:ln w="12700" cmpd="sng">
+                <a:solidFill>
+                  <a:schemeClr val="bg1">
+                    <a:lumMod val="65000"/>
+                  </a:schemeClr>
+                </a:solidFill>
+              </a:ln>
+            </p:spPr>
+            <p:style>
+              <a:lnRef idx="2">
+                <a:schemeClr val="accent6"/>
+              </a:lnRef>
+              <a:fillRef idx="1">
+                <a:schemeClr val="lt1"/>
+              </a:fillRef>
+              <a:effectRef idx="0">
+                <a:schemeClr val="accent6"/>
+              </a:effectRef>
+              <a:fontRef idx="minor">
+                <a:schemeClr val="dk1"/>
+              </a:fontRef>
+            </p:style>
+            <p:txBody>
+              <a:bodyPr rtlCol="0" anchor="ctr"/>
+              <a:lstStyle/>
+              <a:p>
+                <a:pPr algn="ctr"/>
+                <a:endParaRPr lang="en-US" dirty="0"/>
+              </a:p>
+            </p:txBody>
+          </p:sp>
+          <p:sp>
+            <p:nvSpPr>
+              <p:cNvPr id="84" name="TextBox 83"/>
+              <p:cNvSpPr txBox="1"/>
+              <p:nvPr/>
+            </p:nvSpPr>
+            <p:spPr>
+              <a:xfrm>
+                <a:off x="3103485" y="1459067"/>
+                <a:ext cx="248855" cy="230832"/>
+              </a:xfrm>
+              <a:prstGeom prst="rect">
+                <a:avLst/>
+              </a:prstGeom>
+              <a:noFill/>
+            </p:spPr>
+            <p:txBody>
+              <a:bodyPr wrap="none" rtlCol="0">
+                <a:spAutoFit/>
+              </a:bodyPr>
+              <a:lstStyle/>
+              <a:p>
+                <a:pPr algn="ctr"/>
+                <a:r>
+                  <a:rPr lang="en-US" sz="900" b="1" dirty="0" smtClean="0">
+                    <a:solidFill>
+                      <a:schemeClr val="tx1">
+                        <a:lumMod val="50000"/>
+                        <a:lumOff val="50000"/>
+                      </a:schemeClr>
+                    </a:solidFill>
+                  </a:rPr>
+                  <a:t>6</a:t>
+                </a:r>
+                <a:endParaRPr lang="en-US" sz="900" b="1" dirty="0">
+                  <a:solidFill>
+                    <a:schemeClr val="tx1">
+                      <a:lumMod val="50000"/>
+                      <a:lumOff val="50000"/>
+                    </a:schemeClr>
+                  </a:solidFill>
+                </a:endParaRPr>
+              </a:p>
+            </p:txBody>
+          </p:sp>
+        </p:grpSp>
+        <p:grpSp>
+          <p:nvGrpSpPr>
+            <p:cNvPr id="85" name="Group 84"/>
+            <p:cNvGrpSpPr/>
+            <p:nvPr/>
+          </p:nvGrpSpPr>
+          <p:grpSpPr>
+            <a:xfrm>
+              <a:off x="3060054" y="3676616"/>
+              <a:ext cx="248855" cy="230832"/>
+              <a:chOff x="3103485" y="1459067"/>
+              <a:chExt cx="248855" cy="230832"/>
+            </a:xfrm>
+          </p:grpSpPr>
+          <p:sp>
+            <p:nvSpPr>
+              <p:cNvPr id="86" name="Oval 85"/>
+              <p:cNvSpPr>
+                <a:spLocks noChangeAspect="1"/>
+              </p:cNvSpPr>
+              <p:nvPr/>
+            </p:nvSpPr>
+            <p:spPr>
+              <a:xfrm>
+                <a:off x="3141307" y="1487200"/>
+                <a:ext cx="177759" cy="177759"/>
+              </a:xfrm>
+              <a:prstGeom prst="ellipse">
+                <a:avLst/>
+              </a:prstGeom>
+              <a:solidFill>
+                <a:srgbClr val="FFFFFF"/>
+              </a:solidFill>
+              <a:ln w="12700" cmpd="sng">
+                <a:solidFill>
+                  <a:schemeClr val="bg1">
+                    <a:lumMod val="65000"/>
+                  </a:schemeClr>
+                </a:solidFill>
+              </a:ln>
+            </p:spPr>
+            <p:style>
+              <a:lnRef idx="2">
+                <a:schemeClr val="accent6"/>
+              </a:lnRef>
+              <a:fillRef idx="1">
+                <a:schemeClr val="lt1"/>
+              </a:fillRef>
+              <a:effectRef idx="0">
+                <a:schemeClr val="accent6"/>
+              </a:effectRef>
+              <a:fontRef idx="minor">
+                <a:schemeClr val="dk1"/>
+              </a:fontRef>
+            </p:style>
+            <p:txBody>
+              <a:bodyPr rtlCol="0" anchor="ctr"/>
+              <a:lstStyle/>
+              <a:p>
+                <a:pPr algn="ctr"/>
+                <a:endParaRPr lang="en-US" dirty="0"/>
+              </a:p>
+            </p:txBody>
+          </p:sp>
+          <p:sp>
+            <p:nvSpPr>
+              <p:cNvPr id="87" name="TextBox 86"/>
+              <p:cNvSpPr txBox="1"/>
+              <p:nvPr/>
+            </p:nvSpPr>
+            <p:spPr>
+              <a:xfrm>
+                <a:off x="3103485" y="1459067"/>
+                <a:ext cx="248855" cy="230832"/>
+              </a:xfrm>
+              <a:prstGeom prst="rect">
+                <a:avLst/>
+              </a:prstGeom>
+              <a:noFill/>
+            </p:spPr>
+            <p:txBody>
+              <a:bodyPr wrap="none" rtlCol="0">
+                <a:spAutoFit/>
+              </a:bodyPr>
+              <a:lstStyle/>
+              <a:p>
+                <a:pPr algn="ctr"/>
+                <a:r>
+                  <a:rPr lang="en-US" sz="900" b="1" dirty="0" smtClean="0">
+                    <a:solidFill>
+                      <a:schemeClr val="tx1">
+                        <a:lumMod val="50000"/>
+                        <a:lumOff val="50000"/>
+                      </a:schemeClr>
+                    </a:solidFill>
+                  </a:rPr>
+                  <a:t>7</a:t>
+                </a:r>
+                <a:endParaRPr lang="en-US" sz="900" b="1" dirty="0">
+                  <a:solidFill>
+                    <a:schemeClr val="tx1">
+                      <a:lumMod val="50000"/>
+                      <a:lumOff val="50000"/>
+                    </a:schemeClr>
+                  </a:solidFill>
+                </a:endParaRPr>
+              </a:p>
+            </p:txBody>
+          </p:sp>
+        </p:grpSp>
+        <p:grpSp>
+          <p:nvGrpSpPr>
+            <p:cNvPr id="88" name="Group 87"/>
+            <p:cNvGrpSpPr/>
+            <p:nvPr/>
+          </p:nvGrpSpPr>
+          <p:grpSpPr>
+            <a:xfrm>
+              <a:off x="3060054" y="4146118"/>
+              <a:ext cx="248855" cy="230832"/>
+              <a:chOff x="3103485" y="1459067"/>
+              <a:chExt cx="248855" cy="230832"/>
+            </a:xfrm>
+          </p:grpSpPr>
+          <p:sp>
+            <p:nvSpPr>
+              <p:cNvPr id="89" name="Oval 88"/>
+              <p:cNvSpPr>
+                <a:spLocks noChangeAspect="1"/>
+              </p:cNvSpPr>
+              <p:nvPr/>
+            </p:nvSpPr>
+            <p:spPr>
+              <a:xfrm>
+                <a:off x="3141307" y="1487200"/>
+                <a:ext cx="177759" cy="177759"/>
+              </a:xfrm>
+              <a:prstGeom prst="ellipse">
+                <a:avLst/>
+              </a:prstGeom>
+              <a:solidFill>
+                <a:srgbClr val="FFFFFF"/>
+              </a:solidFill>
+              <a:ln w="12700" cmpd="sng">
+                <a:solidFill>
+                  <a:schemeClr val="bg1">
+                    <a:lumMod val="65000"/>
+                  </a:schemeClr>
+                </a:solidFill>
+              </a:ln>
+            </p:spPr>
+            <p:style>
+              <a:lnRef idx="2">
+                <a:schemeClr val="accent6"/>
+              </a:lnRef>
+              <a:fillRef idx="1">
+                <a:schemeClr val="lt1"/>
+              </a:fillRef>
+              <a:effectRef idx="0">
+                <a:schemeClr val="accent6"/>
+              </a:effectRef>
+              <a:fontRef idx="minor">
+                <a:schemeClr val="dk1"/>
+              </a:fontRef>
+            </p:style>
+            <p:txBody>
+              <a:bodyPr rtlCol="0" anchor="ctr"/>
+              <a:lstStyle/>
+              <a:p>
+                <a:pPr algn="ctr"/>
+                <a:endParaRPr lang="en-US" dirty="0"/>
+              </a:p>
+            </p:txBody>
+          </p:sp>
+          <p:sp>
+            <p:nvSpPr>
+              <p:cNvPr id="91" name="TextBox 90"/>
+              <p:cNvSpPr txBox="1"/>
+              <p:nvPr/>
+            </p:nvSpPr>
+            <p:spPr>
+              <a:xfrm>
+                <a:off x="3103485" y="1459067"/>
+                <a:ext cx="248855" cy="230832"/>
+              </a:xfrm>
+              <a:prstGeom prst="rect">
+                <a:avLst/>
+              </a:prstGeom>
+              <a:noFill/>
+            </p:spPr>
+            <p:txBody>
+              <a:bodyPr wrap="none" rtlCol="0">
+                <a:spAutoFit/>
+              </a:bodyPr>
+              <a:lstStyle/>
+              <a:p>
+                <a:pPr algn="ctr"/>
+                <a:r>
+                  <a:rPr lang="en-US" sz="900" b="1" dirty="0" smtClean="0">
+                    <a:solidFill>
+                      <a:schemeClr val="tx1">
+                        <a:lumMod val="50000"/>
+                        <a:lumOff val="50000"/>
+                      </a:schemeClr>
+                    </a:solidFill>
+                  </a:rPr>
+                  <a:t>8</a:t>
+                </a:r>
+                <a:endParaRPr lang="en-US" sz="900" b="1" dirty="0">
+                  <a:solidFill>
+                    <a:schemeClr val="tx1">
+                      <a:lumMod val="50000"/>
+                      <a:lumOff val="50000"/>
+                    </a:schemeClr>
+                  </a:solidFill>
+                </a:endParaRPr>
+              </a:p>
+            </p:txBody>
+          </p:sp>
+        </p:grpSp>
+        <p:grpSp>
+          <p:nvGrpSpPr>
+            <p:cNvPr id="92" name="Group 91"/>
+            <p:cNvGrpSpPr/>
+            <p:nvPr/>
+          </p:nvGrpSpPr>
+          <p:grpSpPr>
+            <a:xfrm>
+              <a:off x="3060054" y="4545359"/>
+              <a:ext cx="248855" cy="230832"/>
+              <a:chOff x="3103485" y="1459067"/>
+              <a:chExt cx="248855" cy="230832"/>
+            </a:xfrm>
+          </p:grpSpPr>
+          <p:sp>
+            <p:nvSpPr>
+              <p:cNvPr id="93" name="Oval 92"/>
+              <p:cNvSpPr>
+                <a:spLocks noChangeAspect="1"/>
+              </p:cNvSpPr>
+              <p:nvPr/>
+            </p:nvSpPr>
+            <p:spPr>
+              <a:xfrm>
+                <a:off x="3141307" y="1487200"/>
+                <a:ext cx="177759" cy="177759"/>
+              </a:xfrm>
+              <a:prstGeom prst="ellipse">
+                <a:avLst/>
+              </a:prstGeom>
+              <a:solidFill>
+                <a:srgbClr val="FFFFFF"/>
+              </a:solidFill>
+              <a:ln w="12700" cmpd="sng">
+                <a:solidFill>
+                  <a:schemeClr val="bg1">
+                    <a:lumMod val="65000"/>
+                  </a:schemeClr>
+                </a:solidFill>
+              </a:ln>
+            </p:spPr>
+            <p:style>
+              <a:lnRef idx="2">
+                <a:schemeClr val="accent6"/>
+              </a:lnRef>
+              <a:fillRef idx="1">
+                <a:schemeClr val="lt1"/>
+              </a:fillRef>
+              <a:effectRef idx="0">
+                <a:schemeClr val="accent6"/>
+              </a:effectRef>
+              <a:fontRef idx="minor">
+                <a:schemeClr val="dk1"/>
+              </a:fontRef>
+            </p:style>
+            <p:txBody>
+              <a:bodyPr rtlCol="0" anchor="ctr"/>
+              <a:lstStyle/>
+              <a:p>
+                <a:pPr algn="ctr"/>
+                <a:endParaRPr lang="en-US" dirty="0"/>
+              </a:p>
+            </p:txBody>
+          </p:sp>
+          <p:sp>
+            <p:nvSpPr>
+              <p:cNvPr id="94" name="TextBox 93"/>
+              <p:cNvSpPr txBox="1"/>
+              <p:nvPr/>
+            </p:nvSpPr>
+            <p:spPr>
+              <a:xfrm>
+                <a:off x="3103485" y="1459067"/>
+                <a:ext cx="248855" cy="230832"/>
+              </a:xfrm>
+              <a:prstGeom prst="rect">
+                <a:avLst/>
+              </a:prstGeom>
+              <a:noFill/>
+            </p:spPr>
+            <p:txBody>
+              <a:bodyPr wrap="none" rtlCol="0">
+                <a:spAutoFit/>
+              </a:bodyPr>
+              <a:lstStyle/>
+              <a:p>
+                <a:pPr algn="ctr"/>
+                <a:r>
+                  <a:rPr lang="en-US" sz="900" b="1" dirty="0" smtClean="0">
+                    <a:solidFill>
+                      <a:schemeClr val="tx1">
+                        <a:lumMod val="50000"/>
+                        <a:lumOff val="50000"/>
+                      </a:schemeClr>
+                    </a:solidFill>
+                  </a:rPr>
+                  <a:t>9</a:t>
+                </a:r>
+                <a:endParaRPr lang="en-US" sz="900" b="1" dirty="0">
+                  <a:solidFill>
+                    <a:schemeClr val="tx1">
+                      <a:lumMod val="50000"/>
+                      <a:lumOff val="50000"/>
+                    </a:schemeClr>
+                  </a:solidFill>
+                </a:endParaRPr>
+              </a:p>
+            </p:txBody>
+          </p:sp>
+        </p:grpSp>
+      </p:grpSp>
+    </p:spTree>
+    <p:extLst>
+      <p:ext uri="{BB962C8B-B14F-4D97-AF65-F5344CB8AC3E}">
+        <p14:creationId xmlns:p14="http://schemas.microsoft.com/office/powerpoint/2010/main" val="3664764466"/>
+      </p:ext>
+    </p:extLst>
+  </p:cSld>
+  <p:clrMapOvr>
+    <a:masterClrMapping/>
+  </p:clrMapOvr>
+</p:sld>
+</file>
+
+<file path=ppt/slides/slide7.xml><?xml version="1.0" encoding="utf-8"?>
+<p:sld xmlns:a="http://schemas.openxmlformats.org/drawingml/2006/main" xmlns:r="http://schemas.openxmlformats.org/officeDocument/2006/relationships" xmlns:p="http://schemas.openxmlformats.org/presentationml/2006/main">
+  <p:cSld>
+    <p:spTree>
+      <p:nvGrpSpPr>
+        <p:cNvPr id="1" name=""/>
+        <p:cNvGrpSpPr/>
+        <p:nvPr/>
+      </p:nvGrpSpPr>
+      <p:grpSpPr>
+        <a:xfrm>
+          <a:off x="0" y="0"/>
+          <a:ext cx="0" cy="0"/>
+          <a:chOff x="0" y="0"/>
+          <a:chExt cx="0" cy="0"/>
+        </a:xfrm>
+      </p:grpSpPr>
+      <p:sp>
+        <p:nvSpPr>
+          <p:cNvPr id="2" name="Slide Number Placeholder 1"/>
+          <p:cNvSpPr>
+            <a:spLocks noGrp="1"/>
+          </p:cNvSpPr>
+          <p:nvPr>
+            <p:ph type="sldNum" sz="quarter" idx="12"/>
+          </p:nvPr>
+        </p:nvSpPr>
+        <p:spPr/>
+        <p:txBody>
+          <a:bodyPr/>
+          <a:lstStyle/>
+          <a:p>
+            <a:fld id="{D01B2998-00A9-9E41-AB29-A15A35C12BAC}" type="slidenum">
+              <a:rPr lang="en-US" smtClean="0"/>
+              <a:t>7</a:t>
+            </a:fld>
+            <a:endParaRPr lang="en-US" dirty="0"/>
+          </a:p>
+        </p:txBody>
+      </p:sp>
+      <p:grpSp>
+        <p:nvGrpSpPr>
+          <p:cNvPr id="88" name="Group 87"/>
+          <p:cNvGrpSpPr/>
+          <p:nvPr/>
+        </p:nvGrpSpPr>
+        <p:grpSpPr>
+          <a:xfrm>
+            <a:off x="1132831" y="1744803"/>
+            <a:ext cx="6637539" cy="3262248"/>
+            <a:chOff x="1343066" y="1255431"/>
+            <a:chExt cx="6637539" cy="3262248"/>
+          </a:xfrm>
+        </p:grpSpPr>
+        <p:sp>
+          <p:nvSpPr>
+            <p:cNvPr id="34" name="Rounded Rectangle 33"/>
+            <p:cNvSpPr/>
+            <p:nvPr/>
+          </p:nvSpPr>
+          <p:spPr>
+            <a:xfrm>
+              <a:off x="2283851" y="1436705"/>
+              <a:ext cx="572560" cy="282419"/>
+            </a:xfrm>
+            <a:prstGeom prst="roundRect">
+              <a:avLst>
+                <a:gd name="adj" fmla="val 34525"/>
+              </a:avLst>
+            </a:prstGeom>
+            <a:solidFill>
+              <a:srgbClr val="1C73E1">
+                <a:alpha val="71000"/>
+              </a:srgbClr>
+            </a:solidFill>
+            <a:ln>
+              <a:noFill/>
+            </a:ln>
+            <a:effectLst>
+              <a:outerShdw blurRad="50800" dist="38100" dir="2700000" algn="tl" rotWithShape="0">
+                <a:prstClr val="black">
+                  <a:alpha val="40000"/>
+                </a:prstClr>
+              </a:outerShdw>
+            </a:effectLst>
+          </p:spPr>
+          <p:style>
+            <a:lnRef idx="2">
+              <a:schemeClr val="dk1"/>
+            </a:lnRef>
+            <a:fillRef idx="1">
+              <a:schemeClr val="lt1"/>
+            </a:fillRef>
+            <a:effectRef idx="0">
+              <a:schemeClr val="dk1"/>
+            </a:effectRef>
+            <a:fontRef idx="minor">
+              <a:schemeClr val="dk1"/>
+            </a:fontRef>
+          </p:style>
+          <p:txBody>
+            <a:bodyPr tIns="36576" bIns="36576" rtlCol="0" anchor="t" anchorCtr="0"/>
+            <a:lstStyle/>
+            <a:p>
+              <a:r>
+                <a:rPr lang="en-US" sz="900" dirty="0">
+                  <a:solidFill>
+                    <a:srgbClr val="FFFFFF"/>
+                  </a:solidFill>
+                </a:rPr>
+                <a:t>H</a:t>
+              </a:r>
+              <a:r>
+                <a:rPr lang="en-US" sz="900" dirty="0" smtClean="0">
+                  <a:solidFill>
+                    <a:srgbClr val="FFFFFF"/>
+                  </a:solidFill>
+                </a:rPr>
+                <a:t>ello</a:t>
+              </a:r>
+            </a:p>
+            <a:p>
+              <a:endParaRPr lang="en-US" sz="900" dirty="0">
+                <a:solidFill>
+                  <a:srgbClr val="FFFFFF"/>
+                </a:solidFill>
+              </a:endParaRPr>
+            </a:p>
+            <a:p>
+              <a:endParaRPr lang="en-US" sz="900" dirty="0">
+                <a:solidFill>
+                  <a:srgbClr val="FFFFFF"/>
+                </a:solidFill>
+              </a:endParaRPr>
+            </a:p>
+          </p:txBody>
+        </p:sp>
+        <p:sp>
+          <p:nvSpPr>
+            <p:cNvPr id="45" name="Rounded Rectangle 44"/>
+            <p:cNvSpPr/>
+            <p:nvPr/>
+          </p:nvSpPr>
+          <p:spPr>
+            <a:xfrm>
+              <a:off x="1343066" y="2027505"/>
+              <a:ext cx="1513345" cy="390731"/>
+            </a:xfrm>
+            <a:prstGeom prst="roundRect">
+              <a:avLst>
+                <a:gd name="adj" fmla="val 21012"/>
+              </a:avLst>
+            </a:prstGeom>
+            <a:solidFill>
+              <a:srgbClr val="1C73E1">
+                <a:alpha val="71000"/>
+              </a:srgbClr>
+            </a:solidFill>
+            <a:ln>
+              <a:noFill/>
+            </a:ln>
+            <a:effectLst>
+              <a:outerShdw blurRad="50800" dist="38100" dir="2700000" algn="tl" rotWithShape="0">
+                <a:prstClr val="black">
+                  <a:alpha val="40000"/>
+                </a:prstClr>
+              </a:outerShdw>
+            </a:effectLst>
+          </p:spPr>
+          <p:style>
+            <a:lnRef idx="2">
+              <a:schemeClr val="dk1"/>
+            </a:lnRef>
+            <a:fillRef idx="1">
+              <a:schemeClr val="lt1"/>
+            </a:fillRef>
+            <a:effectRef idx="0">
+              <a:schemeClr val="dk1"/>
+            </a:effectRef>
+            <a:fontRef idx="minor">
+              <a:schemeClr val="dk1"/>
+            </a:fontRef>
+          </p:style>
+          <p:txBody>
+            <a:bodyPr tIns="36576" bIns="36576" rtlCol="0" anchor="t" anchorCtr="0"/>
+            <a:lstStyle/>
+            <a:p>
+              <a:r>
+                <a:rPr lang="en-US" sz="900" dirty="0">
+                  <a:solidFill>
+                    <a:srgbClr val="FFFFFF"/>
+                  </a:solidFill>
+                </a:rPr>
+                <a:t>When does the store on </a:t>
+              </a:r>
+              <a:r>
+                <a:rPr lang="en-US" sz="900" dirty="0" smtClean="0">
+                  <a:solidFill>
+                    <a:srgbClr val="FFFFFF"/>
+                  </a:solidFill>
+                </a:rPr>
+                <a:t/>
+              </a:r>
+              <a:br>
+                <a:rPr lang="en-US" sz="900" dirty="0" smtClean="0">
+                  <a:solidFill>
+                    <a:srgbClr val="FFFFFF"/>
+                  </a:solidFill>
+                </a:rPr>
+              </a:br>
+              <a:r>
+                <a:rPr lang="en-US" sz="900" dirty="0" smtClean="0">
+                  <a:solidFill>
+                    <a:srgbClr val="FFFFFF"/>
+                  </a:solidFill>
+                </a:rPr>
+                <a:t>Elm </a:t>
+              </a:r>
+              <a:r>
+                <a:rPr lang="en-US" sz="900" dirty="0">
+                  <a:solidFill>
+                    <a:srgbClr val="FFFFFF"/>
+                  </a:solidFill>
+                </a:rPr>
+                <a:t>Street close today?</a:t>
+              </a:r>
+              <a:endParaRPr lang="en-US" sz="900" dirty="0" smtClean="0">
+                <a:solidFill>
+                  <a:srgbClr val="FFFFFF"/>
+                </a:solidFill>
+              </a:endParaRPr>
+            </a:p>
+            <a:p>
+              <a:endParaRPr lang="en-US" sz="900" dirty="0">
+                <a:solidFill>
+                  <a:srgbClr val="FFFFFF"/>
+                </a:solidFill>
+              </a:endParaRPr>
+            </a:p>
+            <a:p>
+              <a:endParaRPr lang="en-US" sz="900" dirty="0">
+                <a:solidFill>
+                  <a:srgbClr val="FFFFFF"/>
+                </a:solidFill>
+              </a:endParaRPr>
+            </a:p>
+          </p:txBody>
+        </p:sp>
+        <p:sp>
+          <p:nvSpPr>
+            <p:cNvPr id="48" name="Rounded Rectangle 47"/>
+            <p:cNvSpPr/>
+            <p:nvPr/>
+          </p:nvSpPr>
+          <p:spPr>
+            <a:xfrm>
+              <a:off x="1554152" y="2713938"/>
+              <a:ext cx="1302259" cy="390731"/>
+            </a:xfrm>
+            <a:prstGeom prst="roundRect">
+              <a:avLst>
+                <a:gd name="adj" fmla="val 21012"/>
+              </a:avLst>
+            </a:prstGeom>
+            <a:solidFill>
+              <a:srgbClr val="1C73E1">
+                <a:alpha val="71000"/>
+              </a:srgbClr>
+            </a:solidFill>
+            <a:ln>
+              <a:noFill/>
+            </a:ln>
+            <a:effectLst>
+              <a:outerShdw blurRad="50800" dist="38100" dir="2700000" algn="tl" rotWithShape="0">
+                <a:prstClr val="black">
+                  <a:alpha val="40000"/>
+                </a:prstClr>
+              </a:outerShdw>
+            </a:effectLst>
+          </p:spPr>
+          <p:style>
+            <a:lnRef idx="2">
+              <a:schemeClr val="dk1"/>
+            </a:lnRef>
+            <a:fillRef idx="1">
+              <a:schemeClr val="lt1"/>
+            </a:fillRef>
+            <a:effectRef idx="0">
+              <a:schemeClr val="dk1"/>
+            </a:effectRef>
+            <a:fontRef idx="minor">
+              <a:schemeClr val="dk1"/>
+            </a:fontRef>
+          </p:style>
+          <p:txBody>
+            <a:bodyPr tIns="36576" bIns="36576" rtlCol="0" anchor="t" anchorCtr="0"/>
+            <a:lstStyle/>
+            <a:p>
+              <a:r>
+                <a:rPr lang="en-US" sz="900" dirty="0" smtClean="0">
+                  <a:solidFill>
+                    <a:srgbClr val="FFFFFF"/>
+                  </a:solidFill>
+                </a:rPr>
+                <a:t>Where is the nearest</a:t>
+              </a:r>
+              <a:br>
+                <a:rPr lang="en-US" sz="900" dirty="0" smtClean="0">
+                  <a:solidFill>
+                    <a:srgbClr val="FFFFFF"/>
+                  </a:solidFill>
+                </a:rPr>
+              </a:br>
+              <a:r>
+                <a:rPr lang="en-US" sz="900" dirty="0" smtClean="0">
+                  <a:solidFill>
+                    <a:srgbClr val="FFFFFF"/>
+                  </a:solidFill>
+                </a:rPr>
+                <a:t>Kwik-E-Mart?</a:t>
+              </a:r>
+            </a:p>
+            <a:p>
+              <a:endParaRPr lang="en-US" sz="900" dirty="0">
+                <a:solidFill>
+                  <a:srgbClr val="FFFFFF"/>
+                </a:solidFill>
+              </a:endParaRPr>
+            </a:p>
+            <a:p>
+              <a:endParaRPr lang="en-US" sz="900" dirty="0">
+                <a:solidFill>
+                  <a:srgbClr val="FFFFFF"/>
+                </a:solidFill>
+              </a:endParaRPr>
+            </a:p>
+          </p:txBody>
+        </p:sp>
+        <p:sp>
+          <p:nvSpPr>
+            <p:cNvPr id="49" name="Rounded Rectangle 48"/>
+            <p:cNvSpPr/>
+            <p:nvPr/>
+          </p:nvSpPr>
+          <p:spPr>
+            <a:xfrm>
+              <a:off x="1533634" y="3400371"/>
+              <a:ext cx="1322777" cy="390731"/>
+            </a:xfrm>
+            <a:prstGeom prst="roundRect">
+              <a:avLst>
+                <a:gd name="adj" fmla="val 21012"/>
+              </a:avLst>
+            </a:prstGeom>
+            <a:solidFill>
+              <a:srgbClr val="1C73E1">
+                <a:alpha val="71000"/>
+              </a:srgbClr>
+            </a:solidFill>
+            <a:ln>
+              <a:noFill/>
+            </a:ln>
+            <a:effectLst>
+              <a:outerShdw blurRad="50800" dist="38100" dir="2700000" algn="tl" rotWithShape="0">
+                <a:prstClr val="black">
+                  <a:alpha val="40000"/>
+                </a:prstClr>
+              </a:outerShdw>
+            </a:effectLst>
+          </p:spPr>
+          <p:style>
+            <a:lnRef idx="2">
+              <a:schemeClr val="dk1"/>
+            </a:lnRef>
+            <a:fillRef idx="1">
+              <a:schemeClr val="lt1"/>
+            </a:fillRef>
+            <a:effectRef idx="0">
+              <a:schemeClr val="dk1"/>
+            </a:effectRef>
+            <a:fontRef idx="minor">
+              <a:schemeClr val="dk1"/>
+            </a:fontRef>
+          </p:style>
+          <p:txBody>
+            <a:bodyPr tIns="36576" bIns="36576" rtlCol="0" anchor="t" anchorCtr="0"/>
+            <a:lstStyle/>
+            <a:p>
+              <a:r>
+                <a:rPr lang="en-US" sz="900" dirty="0" smtClean="0">
+                  <a:solidFill>
+                    <a:srgbClr val="FFFFFF"/>
+                  </a:solidFill>
+                </a:rPr>
+                <a:t>When does that store open tomorrow?</a:t>
+              </a:r>
+            </a:p>
+            <a:p>
+              <a:endParaRPr lang="en-US" sz="900" dirty="0">
+                <a:solidFill>
+                  <a:srgbClr val="FFFFFF"/>
+                </a:solidFill>
+              </a:endParaRPr>
+            </a:p>
+            <a:p>
+              <a:endParaRPr lang="en-US" sz="900" dirty="0">
+                <a:solidFill>
+                  <a:srgbClr val="FFFFFF"/>
+                </a:solidFill>
+              </a:endParaRPr>
+            </a:p>
+          </p:txBody>
+        </p:sp>
+        <p:sp>
+          <p:nvSpPr>
+            <p:cNvPr id="50" name="Rounded Rectangle 49"/>
+            <p:cNvSpPr/>
+            <p:nvPr/>
+          </p:nvSpPr>
+          <p:spPr>
+            <a:xfrm>
+              <a:off x="2148691" y="4099482"/>
+              <a:ext cx="707720" cy="282419"/>
+            </a:xfrm>
+            <a:prstGeom prst="roundRect">
+              <a:avLst>
+                <a:gd name="adj" fmla="val 34525"/>
+              </a:avLst>
+            </a:prstGeom>
+            <a:solidFill>
+              <a:srgbClr val="1C73E1">
+                <a:alpha val="71000"/>
+              </a:srgbClr>
+            </a:solidFill>
+            <a:ln>
+              <a:noFill/>
+            </a:ln>
+            <a:effectLst>
+              <a:outerShdw blurRad="50800" dist="38100" dir="2700000" algn="tl" rotWithShape="0">
+                <a:prstClr val="black">
+                  <a:alpha val="40000"/>
+                </a:prstClr>
+              </a:outerShdw>
+            </a:effectLst>
+          </p:spPr>
+          <p:style>
+            <a:lnRef idx="2">
+              <a:schemeClr val="dk1"/>
+            </a:lnRef>
+            <a:fillRef idx="1">
+              <a:schemeClr val="lt1"/>
+            </a:fillRef>
+            <a:effectRef idx="0">
+              <a:schemeClr val="dk1"/>
+            </a:effectRef>
+            <a:fontRef idx="minor">
+              <a:schemeClr val="dk1"/>
+            </a:fontRef>
+          </p:style>
+          <p:txBody>
+            <a:bodyPr tIns="36576" bIns="36576" rtlCol="0" anchor="t" anchorCtr="0"/>
+            <a:lstStyle/>
+            <a:p>
+              <a:r>
+                <a:rPr lang="en-US" sz="900" dirty="0" smtClean="0">
+                  <a:solidFill>
+                    <a:srgbClr val="FFFFFF"/>
+                  </a:solidFill>
+                </a:rPr>
+                <a:t>Goodbye</a:t>
+              </a:r>
+            </a:p>
+            <a:p>
+              <a:endParaRPr lang="en-US" sz="900" dirty="0">
+                <a:solidFill>
+                  <a:srgbClr val="FFFFFF"/>
+                </a:solidFill>
+              </a:endParaRPr>
+            </a:p>
+            <a:p>
+              <a:endParaRPr lang="en-US" sz="900" dirty="0">
+                <a:solidFill>
+                  <a:srgbClr val="FFFFFF"/>
+                </a:solidFill>
+              </a:endParaRPr>
+            </a:p>
+          </p:txBody>
+        </p:sp>
+        <p:grpSp>
+          <p:nvGrpSpPr>
+            <p:cNvPr id="3" name="Group 2"/>
+            <p:cNvGrpSpPr/>
+            <p:nvPr/>
+          </p:nvGrpSpPr>
+          <p:grpSpPr>
+            <a:xfrm>
+              <a:off x="4360727" y="1255431"/>
+              <a:ext cx="3619878" cy="644956"/>
+              <a:chOff x="4360727" y="1255431"/>
+              <a:chExt cx="3619878" cy="644956"/>
+            </a:xfrm>
+          </p:grpSpPr>
+          <p:sp>
+            <p:nvSpPr>
+              <p:cNvPr id="43" name="TextBox 42"/>
+              <p:cNvSpPr txBox="1"/>
+              <p:nvPr/>
+            </p:nvSpPr>
+            <p:spPr>
+              <a:xfrm>
+                <a:off x="4385201" y="1282499"/>
+                <a:ext cx="1021931" cy="253916"/>
+              </a:xfrm>
+              <a:prstGeom prst="rect">
+                <a:avLst/>
+              </a:prstGeom>
+              <a:noFill/>
+            </p:spPr>
+            <p:txBody>
+              <a:bodyPr wrap="none" rtlCol="0">
+                <a:spAutoFit/>
+              </a:bodyPr>
+              <a:lstStyle/>
+              <a:p>
+                <a:r>
+                  <a:rPr lang="en-US" sz="900" dirty="0" smtClean="0">
+                    <a:solidFill>
+                      <a:schemeClr val="bg1">
+                        <a:lumMod val="65000"/>
+                      </a:schemeClr>
+                    </a:solidFill>
+                    <a:latin typeface="Arial Narrow"/>
+                    <a:cs typeface="Arial Narrow"/>
+                    <a:sym typeface="Wingdings"/>
+                  </a:rPr>
+                  <a:t>DIALOGUE STATE</a:t>
+                </a:r>
+                <a:r>
+                  <a:rPr lang="en-US" sz="1000" dirty="0" smtClean="0">
+                    <a:solidFill>
+                      <a:schemeClr val="bg1">
+                        <a:lumMod val="65000"/>
+                      </a:schemeClr>
+                    </a:solidFill>
+                    <a:latin typeface="Arial Narrow"/>
+                    <a:cs typeface="Arial Narrow"/>
+                    <a:sym typeface="Wingdings"/>
+                  </a:rPr>
+                  <a:t>: </a:t>
+                </a:r>
+                <a:endParaRPr lang="en-US" sz="900" dirty="0"/>
+              </a:p>
+            </p:txBody>
+          </p:sp>
+          <p:sp>
+            <p:nvSpPr>
+              <p:cNvPr id="5" name="Rounded Rectangle 4"/>
+              <p:cNvSpPr/>
+              <p:nvPr/>
+            </p:nvSpPr>
+            <p:spPr>
+              <a:xfrm>
+                <a:off x="5378657" y="1325412"/>
+                <a:ext cx="657432" cy="184321"/>
+              </a:xfrm>
+              <a:prstGeom prst="roundRect">
+                <a:avLst/>
+              </a:prstGeom>
+              <a:ln w="12700" cmpd="sng">
+                <a:solidFill>
+                  <a:schemeClr val="bg1">
+                    <a:lumMod val="85000"/>
+                  </a:schemeClr>
+                </a:solidFill>
+              </a:ln>
+            </p:spPr>
+            <p:style>
+              <a:lnRef idx="2">
+                <a:schemeClr val="accent6"/>
+              </a:lnRef>
+              <a:fillRef idx="1">
+                <a:schemeClr val="lt1"/>
+              </a:fillRef>
+              <a:effectRef idx="0">
+                <a:schemeClr val="accent6"/>
+              </a:effectRef>
+              <a:fontRef idx="minor">
+                <a:schemeClr val="dk1"/>
+              </a:fontRef>
+            </p:style>
+            <p:txBody>
+              <a:bodyPr lIns="0" tIns="0" rIns="0" bIns="27432" rtlCol="0" anchor="ctr" anchorCtr="1"/>
+              <a:lstStyle/>
+              <a:p>
+                <a:pPr algn="ctr"/>
+                <a:r>
+                  <a:rPr lang="en-US" sz="1000" dirty="0" smtClean="0">
+                    <a:solidFill>
+                      <a:srgbClr val="E74C3C"/>
+                    </a:solidFill>
+                    <a:latin typeface="Consolas"/>
+                    <a:cs typeface="Consolas"/>
+                  </a:rPr>
+                  <a:t>welcome</a:t>
+                </a:r>
+                <a:endParaRPr lang="en-US" sz="1000" dirty="0">
+                  <a:solidFill>
+                    <a:srgbClr val="E74C3C"/>
+                  </a:solidFill>
+                  <a:latin typeface="Consolas"/>
+                  <a:cs typeface="Consolas"/>
+                </a:endParaRPr>
+              </a:p>
+            </p:txBody>
+          </p:sp>
+          <p:sp>
+            <p:nvSpPr>
+              <p:cNvPr id="56" name="Rounded Rectangle 55"/>
+              <p:cNvSpPr/>
+              <p:nvPr/>
+            </p:nvSpPr>
+            <p:spPr>
+              <a:xfrm>
+                <a:off x="4360727" y="1255431"/>
+                <a:ext cx="3619878" cy="644956"/>
+              </a:xfrm>
+              <a:prstGeom prst="roundRect">
+                <a:avLst>
+                  <a:gd name="adj" fmla="val 0"/>
+                </a:avLst>
+              </a:prstGeom>
+              <a:noFill/>
+              <a:ln w="6350" cmpd="sng">
+                <a:solidFill>
+                  <a:schemeClr val="bg1">
+                    <a:lumMod val="50000"/>
+                  </a:schemeClr>
+                </a:solidFill>
+              </a:ln>
+            </p:spPr>
+            <p:style>
+              <a:lnRef idx="2">
+                <a:schemeClr val="dk1"/>
+              </a:lnRef>
+              <a:fillRef idx="1">
+                <a:schemeClr val="lt1"/>
+              </a:fillRef>
+              <a:effectRef idx="0">
+                <a:schemeClr val="dk1"/>
+              </a:effectRef>
+              <a:fontRef idx="minor">
+                <a:schemeClr val="dk1"/>
+              </a:fontRef>
+            </p:style>
+            <p:txBody>
+              <a:bodyPr rtlCol="0" anchor="t" anchorCtr="0"/>
+              <a:lstStyle/>
+              <a:p>
+                <a:endParaRPr lang="en-US" sz="900" dirty="0"/>
+              </a:p>
+            </p:txBody>
+          </p:sp>
+          <p:sp>
+            <p:nvSpPr>
+              <p:cNvPr id="59" name="TextBox 58"/>
+              <p:cNvSpPr txBox="1"/>
+              <p:nvPr/>
+            </p:nvSpPr>
+            <p:spPr>
+              <a:xfrm>
+                <a:off x="4383836" y="1512675"/>
+                <a:ext cx="3583108" cy="369332"/>
+              </a:xfrm>
+              <a:prstGeom prst="rect">
+                <a:avLst/>
+              </a:prstGeom>
+              <a:noFill/>
+            </p:spPr>
+            <p:txBody>
+              <a:bodyPr wrap="none" rtlCol="0">
+                <a:spAutoFit/>
+              </a:bodyPr>
+              <a:lstStyle/>
+              <a:p>
+                <a:pPr marL="398463" indent="-398463"/>
+                <a:r>
+                  <a:rPr lang="en-US" sz="900" dirty="0" smtClean="0">
+                    <a:solidFill>
+                      <a:schemeClr val="bg1">
+                        <a:lumMod val="65000"/>
+                      </a:schemeClr>
+                    </a:solidFill>
+                    <a:latin typeface="Arial Narrow"/>
+                    <a:cs typeface="Arial Narrow"/>
+                    <a:sym typeface="Wingdings"/>
+                  </a:rPr>
+                  <a:t>REPLY:  	</a:t>
+                </a:r>
+                <a:r>
+                  <a:rPr lang="en-US" sz="900" dirty="0" smtClean="0"/>
+                  <a:t>Hello</a:t>
+                </a:r>
+                <a:r>
+                  <a:rPr lang="en-US" sz="900" dirty="0"/>
+                  <a:t>, </a:t>
+                </a:r>
+                <a:r>
+                  <a:rPr lang="en-US" sz="900" dirty="0" smtClean="0">
+                    <a:solidFill>
+                      <a:srgbClr val="2C74A5"/>
+                    </a:solidFill>
+                  </a:rPr>
+                  <a:t>{name}</a:t>
+                </a:r>
+                <a:r>
+                  <a:rPr lang="en-US" sz="900" dirty="0" smtClean="0"/>
+                  <a:t>. </a:t>
+                </a:r>
+                <a:r>
+                  <a:rPr lang="en-US" sz="900" dirty="0"/>
+                  <a:t>I can help you find store hours for your local </a:t>
+                </a:r>
+                <a:r>
+                  <a:rPr lang="en-US" sz="900" dirty="0" smtClean="0"/>
+                  <a:t/>
+                </a:r>
+                <a:br>
+                  <a:rPr lang="en-US" sz="900" dirty="0" smtClean="0"/>
+                </a:br>
+                <a:r>
+                  <a:rPr lang="en-US" sz="900" dirty="0" smtClean="0"/>
+                  <a:t>Kwik</a:t>
+                </a:r>
+                <a:r>
+                  <a:rPr lang="en-US" sz="900" dirty="0"/>
+                  <a:t>-E-Mart. How can I help</a:t>
+                </a:r>
+                <a:r>
+                  <a:rPr lang="en-US" sz="900" dirty="0" smtClean="0"/>
+                  <a:t>?</a:t>
+                </a:r>
+                <a:endParaRPr lang="en-US" sz="900" dirty="0"/>
+              </a:p>
+            </p:txBody>
+          </p:sp>
+        </p:grpSp>
+        <p:grpSp>
+          <p:nvGrpSpPr>
+            <p:cNvPr id="60" name="Group 59"/>
+            <p:cNvGrpSpPr/>
+            <p:nvPr/>
+          </p:nvGrpSpPr>
+          <p:grpSpPr>
+            <a:xfrm>
+              <a:off x="4358456" y="2205687"/>
+              <a:ext cx="3619878" cy="644956"/>
+              <a:chOff x="4360727" y="1255431"/>
+              <a:chExt cx="3619878" cy="644956"/>
+            </a:xfrm>
+          </p:grpSpPr>
+          <p:sp>
+            <p:nvSpPr>
+              <p:cNvPr id="61" name="TextBox 60"/>
+              <p:cNvSpPr txBox="1"/>
+              <p:nvPr/>
+            </p:nvSpPr>
+            <p:spPr>
+              <a:xfrm>
+                <a:off x="4385201" y="1282499"/>
+                <a:ext cx="1021931" cy="253916"/>
+              </a:xfrm>
+              <a:prstGeom prst="rect">
+                <a:avLst/>
+              </a:prstGeom>
+              <a:noFill/>
+            </p:spPr>
+            <p:txBody>
+              <a:bodyPr wrap="none" rtlCol="0">
+                <a:spAutoFit/>
+              </a:bodyPr>
+              <a:lstStyle/>
+              <a:p>
+                <a:r>
+                  <a:rPr lang="en-US" sz="900" dirty="0" smtClean="0">
+                    <a:solidFill>
+                      <a:schemeClr val="bg1">
+                        <a:lumMod val="65000"/>
+                      </a:schemeClr>
+                    </a:solidFill>
+                    <a:latin typeface="Arial Narrow"/>
+                    <a:cs typeface="Arial Narrow"/>
+                    <a:sym typeface="Wingdings"/>
+                  </a:rPr>
+                  <a:t>DIALOGUE STATE</a:t>
+                </a:r>
+                <a:r>
+                  <a:rPr lang="en-US" sz="1000" dirty="0" smtClean="0">
+                    <a:solidFill>
+                      <a:schemeClr val="bg1">
+                        <a:lumMod val="65000"/>
+                      </a:schemeClr>
+                    </a:solidFill>
+                    <a:latin typeface="Arial Narrow"/>
+                    <a:cs typeface="Arial Narrow"/>
+                    <a:sym typeface="Wingdings"/>
+                  </a:rPr>
+                  <a:t>: </a:t>
+                </a:r>
+                <a:endParaRPr lang="en-US" sz="900" dirty="0"/>
+              </a:p>
+            </p:txBody>
+          </p:sp>
+          <p:sp>
+            <p:nvSpPr>
+              <p:cNvPr id="62" name="Rounded Rectangle 61"/>
+              <p:cNvSpPr/>
+              <p:nvPr/>
+            </p:nvSpPr>
+            <p:spPr>
+              <a:xfrm>
+                <a:off x="5378657" y="1325412"/>
+                <a:ext cx="1246918" cy="184321"/>
+              </a:xfrm>
+              <a:prstGeom prst="roundRect">
+                <a:avLst/>
+              </a:prstGeom>
+              <a:ln w="12700" cmpd="sng">
+                <a:solidFill>
+                  <a:schemeClr val="bg1">
+                    <a:lumMod val="85000"/>
+                  </a:schemeClr>
+                </a:solidFill>
+              </a:ln>
+            </p:spPr>
+            <p:style>
+              <a:lnRef idx="2">
+                <a:schemeClr val="accent6"/>
+              </a:lnRef>
+              <a:fillRef idx="1">
+                <a:schemeClr val="lt1"/>
+              </a:fillRef>
+              <a:effectRef idx="0">
+                <a:schemeClr val="accent6"/>
+              </a:effectRef>
+              <a:fontRef idx="minor">
+                <a:schemeClr val="dk1"/>
+              </a:fontRef>
+            </p:style>
+            <p:txBody>
+              <a:bodyPr lIns="0" tIns="0" rIns="0" bIns="27432" rtlCol="0" anchor="ctr" anchorCtr="1"/>
+              <a:lstStyle/>
+              <a:p>
+                <a:pPr algn="ctr"/>
+                <a:r>
+                  <a:rPr lang="en-US" sz="1000" dirty="0" smtClean="0">
+                    <a:solidFill>
+                      <a:srgbClr val="E74C3C"/>
+                    </a:solidFill>
+                    <a:latin typeface="Consolas"/>
+                    <a:cs typeface="Consolas"/>
+                  </a:rPr>
+                  <a:t>send_store_hours</a:t>
+                </a:r>
+                <a:endParaRPr lang="en-US" sz="1000" dirty="0">
+                  <a:solidFill>
+                    <a:srgbClr val="E74C3C"/>
+                  </a:solidFill>
+                  <a:latin typeface="Consolas"/>
+                  <a:cs typeface="Consolas"/>
+                </a:endParaRPr>
+              </a:p>
+            </p:txBody>
+          </p:sp>
+          <p:sp>
+            <p:nvSpPr>
+              <p:cNvPr id="63" name="Rounded Rectangle 62"/>
+              <p:cNvSpPr/>
+              <p:nvPr/>
+            </p:nvSpPr>
+            <p:spPr>
+              <a:xfrm>
+                <a:off x="4360727" y="1255431"/>
+                <a:ext cx="3619878" cy="644956"/>
+              </a:xfrm>
+              <a:prstGeom prst="roundRect">
+                <a:avLst>
+                  <a:gd name="adj" fmla="val 0"/>
+                </a:avLst>
+              </a:prstGeom>
+              <a:noFill/>
+              <a:ln w="6350" cmpd="sng">
+                <a:solidFill>
+                  <a:schemeClr val="bg1">
+                    <a:lumMod val="50000"/>
+                  </a:schemeClr>
+                </a:solidFill>
+              </a:ln>
+            </p:spPr>
+            <p:style>
+              <a:lnRef idx="2">
+                <a:schemeClr val="dk1"/>
+              </a:lnRef>
+              <a:fillRef idx="1">
+                <a:schemeClr val="lt1"/>
+              </a:fillRef>
+              <a:effectRef idx="0">
+                <a:schemeClr val="dk1"/>
+              </a:effectRef>
+              <a:fontRef idx="minor">
+                <a:schemeClr val="dk1"/>
+              </a:fontRef>
+            </p:style>
+            <p:txBody>
+              <a:bodyPr rtlCol="0" anchor="t" anchorCtr="0"/>
+              <a:lstStyle/>
+              <a:p>
+                <a:endParaRPr lang="en-US" sz="900" dirty="0"/>
+              </a:p>
+            </p:txBody>
+          </p:sp>
+          <p:sp>
+            <p:nvSpPr>
+              <p:cNvPr id="64" name="TextBox 63"/>
+              <p:cNvSpPr txBox="1"/>
+              <p:nvPr/>
+            </p:nvSpPr>
+            <p:spPr>
+              <a:xfrm>
+                <a:off x="4383835" y="1512675"/>
+                <a:ext cx="3580837" cy="369332"/>
+              </a:xfrm>
+              <a:prstGeom prst="rect">
+                <a:avLst/>
+              </a:prstGeom>
+              <a:noFill/>
+            </p:spPr>
+            <p:txBody>
+              <a:bodyPr wrap="square" rtlCol="0">
+                <a:spAutoFit/>
+              </a:bodyPr>
+              <a:lstStyle/>
+              <a:p>
+                <a:pPr marL="398463" indent="-398463"/>
+                <a:r>
+                  <a:rPr lang="en-US" sz="900" dirty="0" smtClean="0">
+                    <a:solidFill>
+                      <a:schemeClr val="bg1">
+                        <a:lumMod val="65000"/>
+                      </a:schemeClr>
+                    </a:solidFill>
+                    <a:latin typeface="Arial Narrow"/>
+                    <a:cs typeface="Arial Narrow"/>
+                    <a:sym typeface="Wingdings"/>
+                  </a:rPr>
+                  <a:t>REPLY:  	</a:t>
+                </a:r>
+                <a:r>
+                  <a:rPr lang="en-US" sz="900" dirty="0"/>
+                  <a:t>The </a:t>
+                </a:r>
+                <a:r>
+                  <a:rPr lang="en-US" sz="900" dirty="0" smtClean="0">
+                    <a:solidFill>
+                      <a:srgbClr val="2C74A5"/>
+                    </a:solidFill>
+                  </a:rPr>
+                  <a:t>{store_name} </a:t>
+                </a:r>
+                <a:r>
+                  <a:rPr lang="en-US" sz="900" dirty="0" smtClean="0"/>
+                  <a:t>Kwik</a:t>
+                </a:r>
+                <a:r>
+                  <a:rPr lang="en-US" sz="900" dirty="0"/>
+                  <a:t>-E-Mart opens at </a:t>
+                </a:r>
+                <a:r>
+                  <a:rPr lang="en-US" sz="900" dirty="0" smtClean="0">
+                    <a:solidFill>
+                      <a:srgbClr val="2C74A5"/>
+                    </a:solidFill>
+                  </a:rPr>
+                  <a:t>{open_time} </a:t>
+                </a:r>
+                <a:r>
+                  <a:rPr lang="en-US" sz="900" dirty="0"/>
+                  <a:t>and closes at </a:t>
+                </a:r>
+                <a:r>
+                  <a:rPr lang="en-US" sz="900" dirty="0" smtClean="0">
+                    <a:solidFill>
+                      <a:srgbClr val="2C74A5"/>
+                    </a:solidFill>
+                  </a:rPr>
+                  <a:t>{close_time} </a:t>
+                </a:r>
+                <a:r>
+                  <a:rPr lang="en-US" sz="900" dirty="0" smtClean="0"/>
+                  <a:t>tomorrow.</a:t>
+                </a:r>
+                <a:endParaRPr lang="en-US" sz="900" dirty="0"/>
+              </a:p>
+            </p:txBody>
+          </p:sp>
+        </p:grpSp>
+        <p:grpSp>
+          <p:nvGrpSpPr>
+            <p:cNvPr id="65" name="Group 64"/>
+            <p:cNvGrpSpPr/>
+            <p:nvPr/>
+          </p:nvGrpSpPr>
+          <p:grpSpPr>
+            <a:xfrm>
+              <a:off x="4356185" y="3155943"/>
+              <a:ext cx="3619878" cy="530352"/>
+              <a:chOff x="4360727" y="1255431"/>
+              <a:chExt cx="3619878" cy="530352"/>
+            </a:xfrm>
+          </p:grpSpPr>
+          <p:sp>
+            <p:nvSpPr>
+              <p:cNvPr id="66" name="TextBox 65"/>
+              <p:cNvSpPr txBox="1"/>
+              <p:nvPr/>
+            </p:nvSpPr>
+            <p:spPr>
+              <a:xfrm>
+                <a:off x="4385201" y="1282499"/>
+                <a:ext cx="1021931" cy="253916"/>
+              </a:xfrm>
+              <a:prstGeom prst="rect">
+                <a:avLst/>
+              </a:prstGeom>
+              <a:noFill/>
+            </p:spPr>
+            <p:txBody>
+              <a:bodyPr wrap="none" rtlCol="0">
+                <a:spAutoFit/>
+              </a:bodyPr>
+              <a:lstStyle/>
+              <a:p>
+                <a:r>
+                  <a:rPr lang="en-US" sz="900" dirty="0" smtClean="0">
+                    <a:solidFill>
+                      <a:schemeClr val="bg1">
+                        <a:lumMod val="65000"/>
+                      </a:schemeClr>
+                    </a:solidFill>
+                    <a:latin typeface="Arial Narrow"/>
+                    <a:cs typeface="Arial Narrow"/>
+                    <a:sym typeface="Wingdings"/>
+                  </a:rPr>
+                  <a:t>DIALOGUE STATE</a:t>
+                </a:r>
+                <a:r>
+                  <a:rPr lang="en-US" sz="1000" dirty="0" smtClean="0">
+                    <a:solidFill>
+                      <a:schemeClr val="bg1">
+                        <a:lumMod val="65000"/>
+                      </a:schemeClr>
+                    </a:solidFill>
+                    <a:latin typeface="Arial Narrow"/>
+                    <a:cs typeface="Arial Narrow"/>
+                    <a:sym typeface="Wingdings"/>
+                  </a:rPr>
+                  <a:t>: </a:t>
+                </a:r>
+                <a:endParaRPr lang="en-US" sz="900" dirty="0"/>
+              </a:p>
+            </p:txBody>
+          </p:sp>
+          <p:sp>
+            <p:nvSpPr>
+              <p:cNvPr id="67" name="Rounded Rectangle 66"/>
+              <p:cNvSpPr/>
+              <p:nvPr/>
+            </p:nvSpPr>
+            <p:spPr>
+              <a:xfrm>
+                <a:off x="5378656" y="1325412"/>
+                <a:ext cx="1393445" cy="184321"/>
+              </a:xfrm>
+              <a:prstGeom prst="roundRect">
+                <a:avLst/>
+              </a:prstGeom>
+              <a:ln w="12700" cmpd="sng">
+                <a:solidFill>
+                  <a:schemeClr val="bg1">
+                    <a:lumMod val="85000"/>
+                  </a:schemeClr>
+                </a:solidFill>
+              </a:ln>
+            </p:spPr>
+            <p:style>
+              <a:lnRef idx="2">
+                <a:schemeClr val="accent6"/>
+              </a:lnRef>
+              <a:fillRef idx="1">
+                <a:schemeClr val="lt1"/>
+              </a:fillRef>
+              <a:effectRef idx="0">
+                <a:schemeClr val="accent6"/>
+              </a:effectRef>
+              <a:fontRef idx="minor">
+                <a:schemeClr val="dk1"/>
+              </a:fontRef>
+            </p:style>
+            <p:txBody>
+              <a:bodyPr lIns="0" tIns="0" rIns="0" bIns="27432" rtlCol="0" anchor="ctr" anchorCtr="1"/>
+              <a:lstStyle/>
+              <a:p>
+                <a:pPr algn="ctr"/>
+                <a:r>
+                  <a:rPr lang="en-US" sz="1000" dirty="0" smtClean="0">
+                    <a:solidFill>
+                      <a:srgbClr val="E74C3C"/>
+                    </a:solidFill>
+                    <a:latin typeface="Consolas"/>
+                    <a:cs typeface="Consolas"/>
+                  </a:rPr>
+                  <a:t>send_nearest_store</a:t>
+                </a:r>
+                <a:endParaRPr lang="en-US" sz="1000" dirty="0">
+                  <a:solidFill>
+                    <a:srgbClr val="E74C3C"/>
+                  </a:solidFill>
+                  <a:latin typeface="Consolas"/>
+                  <a:cs typeface="Consolas"/>
+                </a:endParaRPr>
+              </a:p>
+            </p:txBody>
+          </p:sp>
+          <p:sp>
+            <p:nvSpPr>
+              <p:cNvPr id="69" name="Rounded Rectangle 68"/>
+              <p:cNvSpPr/>
+              <p:nvPr/>
+            </p:nvSpPr>
+            <p:spPr>
+              <a:xfrm>
+                <a:off x="4360727" y="1255431"/>
+                <a:ext cx="3619878" cy="530352"/>
+              </a:xfrm>
+              <a:prstGeom prst="roundRect">
+                <a:avLst>
+                  <a:gd name="adj" fmla="val 0"/>
+                </a:avLst>
+              </a:prstGeom>
+              <a:noFill/>
+              <a:ln w="6350" cmpd="sng">
+                <a:solidFill>
+                  <a:schemeClr val="bg1">
+                    <a:lumMod val="50000"/>
+                  </a:schemeClr>
+                </a:solidFill>
+              </a:ln>
+            </p:spPr>
+            <p:style>
+              <a:lnRef idx="2">
+                <a:schemeClr val="dk1"/>
+              </a:lnRef>
+              <a:fillRef idx="1">
+                <a:schemeClr val="lt1"/>
+              </a:fillRef>
+              <a:effectRef idx="0">
+                <a:schemeClr val="dk1"/>
+              </a:effectRef>
+              <a:fontRef idx="minor">
+                <a:schemeClr val="dk1"/>
+              </a:fontRef>
+            </p:style>
+            <p:txBody>
+              <a:bodyPr rtlCol="0" anchor="t" anchorCtr="0"/>
+              <a:lstStyle/>
+              <a:p>
+                <a:endParaRPr lang="en-US" sz="900" dirty="0"/>
+              </a:p>
+            </p:txBody>
+          </p:sp>
+          <p:sp>
+            <p:nvSpPr>
+              <p:cNvPr id="70" name="TextBox 69"/>
+              <p:cNvSpPr txBox="1"/>
+              <p:nvPr/>
+            </p:nvSpPr>
+            <p:spPr>
+              <a:xfrm>
+                <a:off x="4383836" y="1512675"/>
+                <a:ext cx="3296371" cy="230832"/>
+              </a:xfrm>
+              <a:prstGeom prst="rect">
+                <a:avLst/>
+              </a:prstGeom>
+              <a:noFill/>
+            </p:spPr>
+            <p:txBody>
+              <a:bodyPr wrap="none" rtlCol="0">
+                <a:spAutoFit/>
+              </a:bodyPr>
+              <a:lstStyle/>
+              <a:p>
+                <a:pPr marL="398463" indent="-398463"/>
+                <a:r>
+                  <a:rPr lang="en-US" sz="900" dirty="0" smtClean="0">
+                    <a:solidFill>
+                      <a:schemeClr val="bg1">
+                        <a:lumMod val="65000"/>
+                      </a:schemeClr>
+                    </a:solidFill>
+                    <a:latin typeface="Arial Narrow"/>
+                    <a:cs typeface="Arial Narrow"/>
+                    <a:sym typeface="Wingdings"/>
+                  </a:rPr>
+                  <a:t>REPLY:  	</a:t>
+                </a:r>
+                <a:r>
+                  <a:rPr lang="en-US" sz="900" dirty="0"/>
+                  <a:t>Your nearest Kwik-E-Mart is located </a:t>
+                </a:r>
+                <a:r>
+                  <a:rPr lang="en-US" sz="900" dirty="0" smtClean="0"/>
+                  <a:t>at </a:t>
+                </a:r>
+                <a:r>
+                  <a:rPr lang="en-US" sz="900" dirty="0">
+                    <a:solidFill>
+                      <a:srgbClr val="2C74A5"/>
+                    </a:solidFill>
+                  </a:rPr>
+                  <a:t>{store_name</a:t>
+                </a:r>
+                <a:r>
+                  <a:rPr lang="en-US" sz="900" dirty="0" smtClean="0">
+                    <a:solidFill>
+                      <a:srgbClr val="2C74A5"/>
+                    </a:solidFill>
+                  </a:rPr>
+                  <a:t>}</a:t>
+                </a:r>
+                <a:r>
+                  <a:rPr lang="en-US" sz="900" dirty="0" smtClean="0"/>
+                  <a:t>.</a:t>
+                </a:r>
+                <a:endParaRPr lang="en-US" sz="900" dirty="0"/>
+              </a:p>
+            </p:txBody>
+          </p:sp>
+        </p:grpSp>
+        <p:grpSp>
+          <p:nvGrpSpPr>
+            <p:cNvPr id="71" name="Group 70"/>
+            <p:cNvGrpSpPr/>
+            <p:nvPr/>
+          </p:nvGrpSpPr>
+          <p:grpSpPr>
+            <a:xfrm>
+              <a:off x="4353914" y="3991595"/>
+              <a:ext cx="3619878" cy="526084"/>
+              <a:chOff x="4360727" y="1255431"/>
+              <a:chExt cx="3619878" cy="526084"/>
+            </a:xfrm>
+          </p:grpSpPr>
+          <p:sp>
+            <p:nvSpPr>
+              <p:cNvPr id="73" name="TextBox 72"/>
+              <p:cNvSpPr txBox="1"/>
+              <p:nvPr/>
+            </p:nvSpPr>
+            <p:spPr>
+              <a:xfrm>
+                <a:off x="4385201" y="1282499"/>
+                <a:ext cx="1021931" cy="253916"/>
+              </a:xfrm>
+              <a:prstGeom prst="rect">
+                <a:avLst/>
+              </a:prstGeom>
+              <a:noFill/>
+            </p:spPr>
+            <p:txBody>
+              <a:bodyPr wrap="none" rtlCol="0">
+                <a:spAutoFit/>
+              </a:bodyPr>
+              <a:lstStyle/>
+              <a:p>
+                <a:r>
+                  <a:rPr lang="en-US" sz="900" dirty="0" smtClean="0">
+                    <a:solidFill>
+                      <a:schemeClr val="bg1">
+                        <a:lumMod val="65000"/>
+                      </a:schemeClr>
+                    </a:solidFill>
+                    <a:latin typeface="Arial Narrow"/>
+                    <a:cs typeface="Arial Narrow"/>
+                    <a:sym typeface="Wingdings"/>
+                  </a:rPr>
+                  <a:t>DIALOGUE STATE</a:t>
+                </a:r>
+                <a:r>
+                  <a:rPr lang="en-US" sz="1000" dirty="0" smtClean="0">
+                    <a:solidFill>
+                      <a:schemeClr val="bg1">
+                        <a:lumMod val="65000"/>
+                      </a:schemeClr>
+                    </a:solidFill>
+                    <a:latin typeface="Arial Narrow"/>
+                    <a:cs typeface="Arial Narrow"/>
+                    <a:sym typeface="Wingdings"/>
+                  </a:rPr>
+                  <a:t>: </a:t>
+                </a:r>
+                <a:endParaRPr lang="en-US" sz="900" dirty="0"/>
+              </a:p>
+            </p:txBody>
+          </p:sp>
+          <p:sp>
+            <p:nvSpPr>
+              <p:cNvPr id="75" name="Rounded Rectangle 74"/>
+              <p:cNvSpPr/>
+              <p:nvPr/>
+            </p:nvSpPr>
+            <p:spPr>
+              <a:xfrm>
+                <a:off x="5378658" y="1325412"/>
+                <a:ext cx="912525" cy="184321"/>
+              </a:xfrm>
+              <a:prstGeom prst="roundRect">
+                <a:avLst/>
+              </a:prstGeom>
+              <a:ln w="12700" cmpd="sng">
+                <a:solidFill>
+                  <a:schemeClr val="bg1">
+                    <a:lumMod val="85000"/>
+                  </a:schemeClr>
+                </a:solidFill>
+              </a:ln>
+            </p:spPr>
+            <p:style>
+              <a:lnRef idx="2">
+                <a:schemeClr val="accent6"/>
+              </a:lnRef>
+              <a:fillRef idx="1">
+                <a:schemeClr val="lt1"/>
+              </a:fillRef>
+              <a:effectRef idx="0">
+                <a:schemeClr val="accent6"/>
+              </a:effectRef>
+              <a:fontRef idx="minor">
+                <a:schemeClr val="dk1"/>
+              </a:fontRef>
+            </p:style>
+            <p:txBody>
+              <a:bodyPr lIns="0" tIns="0" rIns="0" bIns="27432" rtlCol="0" anchor="ctr" anchorCtr="1"/>
+              <a:lstStyle/>
+              <a:p>
+                <a:pPr algn="ctr"/>
+                <a:r>
+                  <a:rPr lang="en-US" sz="1000" dirty="0" smtClean="0">
+                    <a:solidFill>
+                      <a:srgbClr val="E74C3C"/>
+                    </a:solidFill>
+                    <a:latin typeface="Consolas"/>
+                    <a:cs typeface="Consolas"/>
+                  </a:rPr>
+                  <a:t>say_goodbye</a:t>
+                </a:r>
+                <a:endParaRPr lang="en-US" sz="1000" dirty="0">
+                  <a:solidFill>
+                    <a:srgbClr val="E74C3C"/>
+                  </a:solidFill>
+                  <a:latin typeface="Consolas"/>
+                  <a:cs typeface="Consolas"/>
+                </a:endParaRPr>
+              </a:p>
+            </p:txBody>
+          </p:sp>
+          <p:sp>
+            <p:nvSpPr>
+              <p:cNvPr id="78" name="Rounded Rectangle 77"/>
+              <p:cNvSpPr/>
+              <p:nvPr/>
+            </p:nvSpPr>
+            <p:spPr>
+              <a:xfrm>
+                <a:off x="4360727" y="1255431"/>
+                <a:ext cx="3619878" cy="526084"/>
+              </a:xfrm>
+              <a:prstGeom prst="roundRect">
+                <a:avLst>
+                  <a:gd name="adj" fmla="val 0"/>
+                </a:avLst>
+              </a:prstGeom>
+              <a:noFill/>
+              <a:ln w="6350" cmpd="sng">
+                <a:solidFill>
+                  <a:schemeClr val="bg1">
+                    <a:lumMod val="50000"/>
+                  </a:schemeClr>
+                </a:solidFill>
+              </a:ln>
+            </p:spPr>
+            <p:style>
+              <a:lnRef idx="2">
+                <a:schemeClr val="dk1"/>
+              </a:lnRef>
+              <a:fillRef idx="1">
+                <a:schemeClr val="lt1"/>
+              </a:fillRef>
+              <a:effectRef idx="0">
+                <a:schemeClr val="dk1"/>
+              </a:effectRef>
+              <a:fontRef idx="minor">
+                <a:schemeClr val="dk1"/>
+              </a:fontRef>
+            </p:style>
+            <p:txBody>
+              <a:bodyPr rtlCol="0" anchor="t" anchorCtr="0"/>
+              <a:lstStyle/>
+              <a:p>
+                <a:endParaRPr lang="en-US" sz="900" dirty="0"/>
+              </a:p>
+            </p:txBody>
+          </p:sp>
+          <p:sp>
+            <p:nvSpPr>
+              <p:cNvPr id="80" name="TextBox 79"/>
+              <p:cNvSpPr txBox="1"/>
+              <p:nvPr/>
+            </p:nvSpPr>
+            <p:spPr>
+              <a:xfrm>
+                <a:off x="4383836" y="1512675"/>
+                <a:ext cx="1438158" cy="230832"/>
+              </a:xfrm>
+              <a:prstGeom prst="rect">
+                <a:avLst/>
+              </a:prstGeom>
+              <a:noFill/>
+            </p:spPr>
+            <p:txBody>
+              <a:bodyPr wrap="none" rtlCol="0">
+                <a:spAutoFit/>
+              </a:bodyPr>
+              <a:lstStyle/>
+              <a:p>
+                <a:pPr marL="398463" indent="-398463"/>
+                <a:r>
+                  <a:rPr lang="en-US" sz="900" dirty="0" smtClean="0">
+                    <a:solidFill>
+                      <a:schemeClr val="bg1">
+                        <a:lumMod val="65000"/>
+                      </a:schemeClr>
+                    </a:solidFill>
+                    <a:latin typeface="Arial Narrow"/>
+                    <a:cs typeface="Arial Narrow"/>
+                    <a:sym typeface="Wingdings"/>
+                  </a:rPr>
+                  <a:t>REPLY:  	</a:t>
+                </a:r>
+                <a:r>
+                  <a:rPr lang="en-US" sz="900" dirty="0" smtClean="0"/>
+                  <a:t>Have a nice day.</a:t>
+                </a:r>
+                <a:endParaRPr lang="en-US" sz="900" dirty="0"/>
+              </a:p>
+            </p:txBody>
+          </p:sp>
+        </p:grpSp>
+        <p:cxnSp>
+          <p:nvCxnSpPr>
+            <p:cNvPr id="7" name="Straight Arrow Connector 6"/>
+            <p:cNvCxnSpPr/>
+            <p:nvPr/>
+          </p:nvCxnSpPr>
+          <p:spPr>
+            <a:xfrm>
+              <a:off x="2926991" y="1577916"/>
+              <a:ext cx="1339172" cy="0"/>
+            </a:xfrm>
+            <a:prstGeom prst="straightConnector1">
+              <a:avLst/>
+            </a:prstGeom>
+            <a:ln w="19050" cmpd="sng">
+              <a:solidFill>
+                <a:schemeClr val="bg1">
+                  <a:lumMod val="65000"/>
+                </a:schemeClr>
+              </a:solidFill>
+              <a:tailEnd type="arrow"/>
+            </a:ln>
+          </p:spPr>
+          <p:style>
+            <a:lnRef idx="1">
+              <a:schemeClr val="accent6"/>
+            </a:lnRef>
+            <a:fillRef idx="0">
+              <a:schemeClr val="accent6"/>
+            </a:fillRef>
+            <a:effectRef idx="0">
+              <a:schemeClr val="accent6"/>
+            </a:effectRef>
+            <a:fontRef idx="minor">
+              <a:schemeClr val="tx1"/>
+            </a:fontRef>
+          </p:style>
+        </p:cxnSp>
+        <p:cxnSp>
+          <p:nvCxnSpPr>
+            <p:cNvPr id="81" name="Straight Arrow Connector 80"/>
+            <p:cNvCxnSpPr/>
+            <p:nvPr/>
+          </p:nvCxnSpPr>
+          <p:spPr>
+            <a:xfrm flipH="1">
+              <a:off x="2926991" y="1663959"/>
+              <a:ext cx="1339172" cy="541728"/>
+            </a:xfrm>
+            <a:prstGeom prst="straightConnector1">
+              <a:avLst/>
+            </a:prstGeom>
+            <a:ln w="19050" cmpd="sng">
+              <a:solidFill>
+                <a:schemeClr val="bg1">
+                  <a:lumMod val="65000"/>
+                </a:schemeClr>
+              </a:solidFill>
+              <a:tailEnd type="arrow"/>
+            </a:ln>
+          </p:spPr>
+          <p:style>
+            <a:lnRef idx="1">
+              <a:schemeClr val="accent6"/>
+            </a:lnRef>
+            <a:fillRef idx="0">
+              <a:schemeClr val="accent6"/>
+            </a:fillRef>
+            <a:effectRef idx="0">
+              <a:schemeClr val="accent6"/>
+            </a:effectRef>
+            <a:fontRef idx="minor">
+              <a:schemeClr val="tx1"/>
+            </a:fontRef>
+          </p:style>
+        </p:cxnSp>
+        <p:cxnSp>
+          <p:nvCxnSpPr>
+            <p:cNvPr id="82" name="Straight Arrow Connector 81"/>
+            <p:cNvCxnSpPr/>
+            <p:nvPr/>
+          </p:nvCxnSpPr>
+          <p:spPr>
+            <a:xfrm>
+              <a:off x="2926991" y="2275668"/>
+              <a:ext cx="1339172" cy="82903"/>
+            </a:xfrm>
+            <a:prstGeom prst="straightConnector1">
+              <a:avLst/>
+            </a:prstGeom>
+            <a:ln w="19050" cmpd="sng">
+              <a:solidFill>
+                <a:schemeClr val="bg1">
+                  <a:lumMod val="65000"/>
+                </a:schemeClr>
+              </a:solidFill>
+              <a:tailEnd type="arrow"/>
+            </a:ln>
+          </p:spPr>
+          <p:style>
+            <a:lnRef idx="1">
+              <a:schemeClr val="accent6"/>
+            </a:lnRef>
+            <a:fillRef idx="0">
+              <a:schemeClr val="accent6"/>
+            </a:fillRef>
+            <a:effectRef idx="0">
+              <a:schemeClr val="accent6"/>
+            </a:effectRef>
+            <a:fontRef idx="minor">
+              <a:schemeClr val="tx1"/>
+            </a:fontRef>
+          </p:style>
+        </p:cxnSp>
+        <p:cxnSp>
+          <p:nvCxnSpPr>
+            <p:cNvPr id="83" name="Straight Arrow Connector 82"/>
+            <p:cNvCxnSpPr/>
+            <p:nvPr/>
+          </p:nvCxnSpPr>
+          <p:spPr>
+            <a:xfrm flipH="1">
+              <a:off x="2926991" y="2418236"/>
+              <a:ext cx="1339172" cy="479437"/>
+            </a:xfrm>
+            <a:prstGeom prst="straightConnector1">
+              <a:avLst/>
+            </a:prstGeom>
+            <a:ln w="19050" cmpd="sng">
+              <a:solidFill>
+                <a:schemeClr val="bg1">
+                  <a:lumMod val="65000"/>
+                </a:schemeClr>
+              </a:solidFill>
+              <a:tailEnd type="arrow"/>
+            </a:ln>
+          </p:spPr>
+          <p:style>
+            <a:lnRef idx="1">
+              <a:schemeClr val="accent6"/>
+            </a:lnRef>
+            <a:fillRef idx="0">
+              <a:schemeClr val="accent6"/>
+            </a:fillRef>
+            <a:effectRef idx="0">
+              <a:schemeClr val="accent6"/>
+            </a:effectRef>
+            <a:fontRef idx="minor">
+              <a:schemeClr val="tx1"/>
+            </a:fontRef>
+          </p:style>
+        </p:cxnSp>
+        <p:cxnSp>
+          <p:nvCxnSpPr>
+            <p:cNvPr id="84" name="Straight Arrow Connector 83"/>
+            <p:cNvCxnSpPr/>
+            <p:nvPr/>
+          </p:nvCxnSpPr>
+          <p:spPr>
+            <a:xfrm>
+              <a:off x="2926991" y="2956804"/>
+              <a:ext cx="1339172" cy="443567"/>
+            </a:xfrm>
+            <a:prstGeom prst="straightConnector1">
+              <a:avLst/>
+            </a:prstGeom>
+            <a:ln w="19050" cmpd="sng">
+              <a:solidFill>
+                <a:schemeClr val="bg1">
+                  <a:lumMod val="65000"/>
+                </a:schemeClr>
+              </a:solidFill>
+              <a:tailEnd type="arrow"/>
+            </a:ln>
+          </p:spPr>
+          <p:style>
+            <a:lnRef idx="1">
+              <a:schemeClr val="accent6"/>
+            </a:lnRef>
+            <a:fillRef idx="0">
+              <a:schemeClr val="accent6"/>
+            </a:fillRef>
+            <a:effectRef idx="0">
+              <a:schemeClr val="accent6"/>
+            </a:effectRef>
+            <a:fontRef idx="minor">
+              <a:schemeClr val="tx1"/>
+            </a:fontRef>
+          </p:style>
+        </p:cxnSp>
+        <p:cxnSp>
+          <p:nvCxnSpPr>
+            <p:cNvPr id="87" name="Straight Arrow Connector 86"/>
+            <p:cNvCxnSpPr/>
+            <p:nvPr/>
+          </p:nvCxnSpPr>
+          <p:spPr>
+            <a:xfrm flipH="1">
+              <a:off x="2926991" y="3446576"/>
+              <a:ext cx="1339170" cy="197443"/>
+            </a:xfrm>
+            <a:prstGeom prst="straightConnector1">
+              <a:avLst/>
+            </a:prstGeom>
+            <a:ln w="19050" cmpd="sng">
+              <a:solidFill>
+                <a:schemeClr val="bg1">
+                  <a:lumMod val="65000"/>
+                </a:schemeClr>
+              </a:solidFill>
+              <a:tailEnd type="arrow"/>
+            </a:ln>
+          </p:spPr>
+          <p:style>
+            <a:lnRef idx="1">
+              <a:schemeClr val="accent6"/>
+            </a:lnRef>
+            <a:fillRef idx="0">
+              <a:schemeClr val="accent6"/>
+            </a:fillRef>
+            <a:effectRef idx="0">
+              <a:schemeClr val="accent6"/>
+            </a:effectRef>
+            <a:fontRef idx="minor">
+              <a:schemeClr val="tx1"/>
+            </a:fontRef>
+          </p:style>
+        </p:cxnSp>
+        <p:cxnSp>
+          <p:nvCxnSpPr>
+            <p:cNvPr id="93" name="Straight Arrow Connector 92"/>
+            <p:cNvCxnSpPr/>
+            <p:nvPr/>
+          </p:nvCxnSpPr>
+          <p:spPr>
+            <a:xfrm flipV="1">
+              <a:off x="2926991" y="2643673"/>
+              <a:ext cx="1339172" cy="927879"/>
+            </a:xfrm>
+            <a:prstGeom prst="straightConnector1">
+              <a:avLst/>
+            </a:prstGeom>
+            <a:ln w="19050" cmpd="sng">
+              <a:solidFill>
+                <a:schemeClr val="bg1">
+                  <a:lumMod val="65000"/>
+                </a:schemeClr>
+              </a:solidFill>
+              <a:tailEnd type="arrow"/>
+            </a:ln>
+          </p:spPr>
+          <p:style>
+            <a:lnRef idx="1">
+              <a:schemeClr val="accent6"/>
+            </a:lnRef>
+            <a:fillRef idx="0">
+              <a:schemeClr val="accent6"/>
+            </a:fillRef>
+            <a:effectRef idx="0">
+              <a:schemeClr val="accent6"/>
+            </a:effectRef>
+            <a:fontRef idx="minor">
+              <a:schemeClr val="tx1"/>
+            </a:fontRef>
+          </p:style>
+        </p:cxnSp>
+        <p:cxnSp>
+          <p:nvCxnSpPr>
+            <p:cNvPr id="105" name="Straight Arrow Connector 104"/>
+            <p:cNvCxnSpPr/>
+            <p:nvPr/>
+          </p:nvCxnSpPr>
+          <p:spPr>
+            <a:xfrm flipH="1">
+              <a:off x="2926992" y="2752531"/>
+              <a:ext cx="1339171" cy="1451428"/>
+            </a:xfrm>
+            <a:prstGeom prst="straightConnector1">
+              <a:avLst/>
+            </a:prstGeom>
+            <a:ln w="19050" cmpd="sng">
+              <a:solidFill>
+                <a:schemeClr val="bg1">
+                  <a:lumMod val="65000"/>
+                </a:schemeClr>
+              </a:solidFill>
+              <a:tailEnd type="arrow"/>
+            </a:ln>
+          </p:spPr>
+          <p:style>
+            <a:lnRef idx="1">
+              <a:schemeClr val="accent6"/>
+            </a:lnRef>
+            <a:fillRef idx="0">
+              <a:schemeClr val="accent6"/>
+            </a:fillRef>
+            <a:effectRef idx="0">
+              <a:schemeClr val="accent6"/>
+            </a:effectRef>
+            <a:fontRef idx="minor">
+              <a:schemeClr val="tx1"/>
+            </a:fontRef>
+          </p:style>
+        </p:cxnSp>
+        <p:cxnSp>
+          <p:nvCxnSpPr>
+            <p:cNvPr id="107" name="Straight Arrow Connector 106"/>
+            <p:cNvCxnSpPr/>
+            <p:nvPr/>
+          </p:nvCxnSpPr>
+          <p:spPr>
+            <a:xfrm>
+              <a:off x="2926989" y="4257027"/>
+              <a:ext cx="1339172" cy="0"/>
+            </a:xfrm>
+            <a:prstGeom prst="straightConnector1">
+              <a:avLst/>
+            </a:prstGeom>
+            <a:ln w="19050" cmpd="sng">
+              <a:solidFill>
+                <a:schemeClr val="bg1">
+                  <a:lumMod val="65000"/>
+                </a:schemeClr>
+              </a:solidFill>
+              <a:tailEnd type="arrow"/>
+            </a:ln>
+          </p:spPr>
+          <p:style>
+            <a:lnRef idx="1">
+              <a:schemeClr val="accent6"/>
+            </a:lnRef>
+            <a:fillRef idx="0">
+              <a:schemeClr val="accent6"/>
+            </a:fillRef>
+            <a:effectRef idx="0">
+              <a:schemeClr val="accent6"/>
+            </a:effectRef>
+            <a:fontRef idx="minor">
+              <a:schemeClr val="tx1"/>
+            </a:fontRef>
+          </p:style>
+        </p:cxnSp>
+        <p:grpSp>
+          <p:nvGrpSpPr>
+            <p:cNvPr id="44" name="Group 43"/>
+            <p:cNvGrpSpPr/>
+            <p:nvPr/>
+          </p:nvGrpSpPr>
+          <p:grpSpPr>
+            <a:xfrm>
+              <a:off x="3128397" y="1459067"/>
+              <a:ext cx="248855" cy="230832"/>
+              <a:chOff x="3103485" y="1459067"/>
+              <a:chExt cx="248855" cy="230832"/>
+            </a:xfrm>
+          </p:grpSpPr>
+          <p:sp>
+            <p:nvSpPr>
+              <p:cNvPr id="41" name="Oval 40"/>
+              <p:cNvSpPr>
+                <a:spLocks noChangeAspect="1"/>
+              </p:cNvSpPr>
+              <p:nvPr/>
+            </p:nvSpPr>
+            <p:spPr>
+              <a:xfrm>
+                <a:off x="3141307" y="1487200"/>
+                <a:ext cx="177759" cy="177759"/>
+              </a:xfrm>
+              <a:prstGeom prst="ellipse">
+                <a:avLst/>
+              </a:prstGeom>
+              <a:solidFill>
+                <a:srgbClr val="FFFFFF"/>
+              </a:solidFill>
+              <a:ln w="12700" cmpd="sng">
+                <a:solidFill>
+                  <a:schemeClr val="bg1">
+                    <a:lumMod val="65000"/>
+                  </a:schemeClr>
+                </a:solidFill>
+              </a:ln>
+            </p:spPr>
+            <p:style>
+              <a:lnRef idx="2">
+                <a:schemeClr val="accent6"/>
+              </a:lnRef>
+              <a:fillRef idx="1">
+                <a:schemeClr val="lt1"/>
+              </a:fillRef>
+              <a:effectRef idx="0">
+                <a:schemeClr val="accent6"/>
+              </a:effectRef>
+              <a:fontRef idx="minor">
+                <a:schemeClr val="dk1"/>
+              </a:fontRef>
+            </p:style>
+            <p:txBody>
+              <a:bodyPr rtlCol="0" anchor="ctr"/>
+              <a:lstStyle/>
+              <a:p>
+                <a:pPr algn="ctr"/>
+                <a:endParaRPr lang="en-US" dirty="0"/>
+              </a:p>
+            </p:txBody>
+          </p:sp>
+          <p:sp>
+            <p:nvSpPr>
+              <p:cNvPr id="42" name="TextBox 41"/>
+              <p:cNvSpPr txBox="1"/>
+              <p:nvPr/>
+            </p:nvSpPr>
+            <p:spPr>
+              <a:xfrm>
+                <a:off x="3103485" y="1459067"/>
+                <a:ext cx="248855" cy="230832"/>
+              </a:xfrm>
+              <a:prstGeom prst="rect">
+                <a:avLst/>
+              </a:prstGeom>
+              <a:noFill/>
+            </p:spPr>
+            <p:txBody>
+              <a:bodyPr wrap="none" rtlCol="0">
+                <a:spAutoFit/>
+              </a:bodyPr>
+              <a:lstStyle/>
+              <a:p>
+                <a:pPr algn="ctr"/>
+                <a:r>
+                  <a:rPr lang="en-US" sz="900" b="1" dirty="0" smtClean="0">
+                    <a:solidFill>
+                      <a:schemeClr val="tx1">
+                        <a:lumMod val="50000"/>
+                        <a:lumOff val="50000"/>
+                      </a:schemeClr>
+                    </a:solidFill>
+                  </a:rPr>
+                  <a:t>1</a:t>
+                </a:r>
+                <a:endParaRPr lang="en-US" sz="900" b="1" dirty="0">
+                  <a:solidFill>
+                    <a:schemeClr val="tx1">
+                      <a:lumMod val="50000"/>
+                      <a:lumOff val="50000"/>
+                    </a:schemeClr>
+                  </a:solidFill>
+                </a:endParaRPr>
+              </a:p>
+            </p:txBody>
+          </p:sp>
+        </p:grpSp>
+        <p:grpSp>
+          <p:nvGrpSpPr>
+            <p:cNvPr id="108" name="Group 107"/>
+            <p:cNvGrpSpPr/>
+            <p:nvPr/>
+          </p:nvGrpSpPr>
+          <p:grpSpPr>
+            <a:xfrm>
+              <a:off x="3128397" y="1943903"/>
+              <a:ext cx="248855" cy="230832"/>
+              <a:chOff x="3103485" y="1459067"/>
+              <a:chExt cx="248855" cy="230832"/>
+            </a:xfrm>
+          </p:grpSpPr>
+          <p:sp>
+            <p:nvSpPr>
+              <p:cNvPr id="109" name="Oval 108"/>
+              <p:cNvSpPr>
+                <a:spLocks noChangeAspect="1"/>
+              </p:cNvSpPr>
+              <p:nvPr/>
+            </p:nvSpPr>
+            <p:spPr>
+              <a:xfrm>
+                <a:off x="3141307" y="1487200"/>
+                <a:ext cx="177759" cy="177759"/>
+              </a:xfrm>
+              <a:prstGeom prst="ellipse">
+                <a:avLst/>
+              </a:prstGeom>
+              <a:solidFill>
+                <a:srgbClr val="FFFFFF"/>
+              </a:solidFill>
+              <a:ln w="12700" cmpd="sng">
+                <a:solidFill>
+                  <a:schemeClr val="bg1">
+                    <a:lumMod val="65000"/>
+                  </a:schemeClr>
+                </a:solidFill>
+              </a:ln>
+            </p:spPr>
+            <p:style>
+              <a:lnRef idx="2">
+                <a:schemeClr val="accent6"/>
+              </a:lnRef>
+              <a:fillRef idx="1">
+                <a:schemeClr val="lt1"/>
+              </a:fillRef>
+              <a:effectRef idx="0">
+                <a:schemeClr val="accent6"/>
+              </a:effectRef>
+              <a:fontRef idx="minor">
+                <a:schemeClr val="dk1"/>
+              </a:fontRef>
+            </p:style>
+            <p:txBody>
+              <a:bodyPr rtlCol="0" anchor="ctr"/>
+              <a:lstStyle/>
+              <a:p>
+                <a:pPr algn="ctr"/>
+                <a:endParaRPr lang="en-US" dirty="0"/>
+              </a:p>
+            </p:txBody>
+          </p:sp>
+          <p:sp>
+            <p:nvSpPr>
+              <p:cNvPr id="110" name="TextBox 109"/>
+              <p:cNvSpPr txBox="1"/>
+              <p:nvPr/>
+            </p:nvSpPr>
+            <p:spPr>
+              <a:xfrm>
+                <a:off x="3103485" y="1459067"/>
+                <a:ext cx="248855" cy="230832"/>
+              </a:xfrm>
+              <a:prstGeom prst="rect">
+                <a:avLst/>
+              </a:prstGeom>
+              <a:noFill/>
+            </p:spPr>
+            <p:txBody>
+              <a:bodyPr wrap="none" rtlCol="0">
+                <a:spAutoFit/>
+              </a:bodyPr>
+              <a:lstStyle/>
+              <a:p>
+                <a:pPr algn="ctr"/>
+                <a:r>
+                  <a:rPr lang="en-US" sz="900" b="1" dirty="0" smtClean="0">
+                    <a:solidFill>
+                      <a:schemeClr val="tx1">
+                        <a:lumMod val="50000"/>
+                        <a:lumOff val="50000"/>
+                      </a:schemeClr>
+                    </a:solidFill>
+                  </a:rPr>
+                  <a:t>2</a:t>
+                </a:r>
+                <a:endParaRPr lang="en-US" sz="900" b="1" dirty="0">
+                  <a:solidFill>
+                    <a:schemeClr val="tx1">
+                      <a:lumMod val="50000"/>
+                      <a:lumOff val="50000"/>
+                    </a:schemeClr>
+                  </a:solidFill>
+                </a:endParaRPr>
+              </a:p>
+            </p:txBody>
+          </p:sp>
+        </p:grpSp>
+        <p:grpSp>
+          <p:nvGrpSpPr>
+            <p:cNvPr id="111" name="Group 110"/>
+            <p:cNvGrpSpPr/>
+            <p:nvPr/>
+          </p:nvGrpSpPr>
+          <p:grpSpPr>
+            <a:xfrm>
+              <a:off x="3128397" y="2178013"/>
+              <a:ext cx="248855" cy="230832"/>
+              <a:chOff x="3103485" y="1459067"/>
+              <a:chExt cx="248855" cy="230832"/>
+            </a:xfrm>
+          </p:grpSpPr>
+          <p:sp>
+            <p:nvSpPr>
+              <p:cNvPr id="112" name="Oval 111"/>
+              <p:cNvSpPr>
+                <a:spLocks noChangeAspect="1"/>
+              </p:cNvSpPr>
+              <p:nvPr/>
+            </p:nvSpPr>
+            <p:spPr>
+              <a:xfrm>
+                <a:off x="3141307" y="1487200"/>
+                <a:ext cx="177759" cy="177759"/>
+              </a:xfrm>
+              <a:prstGeom prst="ellipse">
+                <a:avLst/>
+              </a:prstGeom>
+              <a:solidFill>
+                <a:srgbClr val="FFFFFF"/>
+              </a:solidFill>
+              <a:ln w="12700" cmpd="sng">
+                <a:solidFill>
+                  <a:schemeClr val="bg1">
+                    <a:lumMod val="65000"/>
+                  </a:schemeClr>
+                </a:solidFill>
+              </a:ln>
+            </p:spPr>
+            <p:style>
+              <a:lnRef idx="2">
+                <a:schemeClr val="accent6"/>
+              </a:lnRef>
+              <a:fillRef idx="1">
+                <a:schemeClr val="lt1"/>
+              </a:fillRef>
+              <a:effectRef idx="0">
+                <a:schemeClr val="accent6"/>
+              </a:effectRef>
+              <a:fontRef idx="minor">
+                <a:schemeClr val="dk1"/>
+              </a:fontRef>
+            </p:style>
+            <p:txBody>
+              <a:bodyPr rtlCol="0" anchor="ctr"/>
+              <a:lstStyle/>
+              <a:p>
+                <a:pPr algn="ctr"/>
+                <a:endParaRPr lang="en-US" dirty="0"/>
+              </a:p>
+            </p:txBody>
+          </p:sp>
+          <p:sp>
+            <p:nvSpPr>
+              <p:cNvPr id="113" name="TextBox 112"/>
+              <p:cNvSpPr txBox="1"/>
+              <p:nvPr/>
+            </p:nvSpPr>
+            <p:spPr>
+              <a:xfrm>
+                <a:off x="3103485" y="1459067"/>
+                <a:ext cx="248855" cy="230832"/>
+              </a:xfrm>
+              <a:prstGeom prst="rect">
+                <a:avLst/>
+              </a:prstGeom>
+              <a:noFill/>
+            </p:spPr>
+            <p:txBody>
+              <a:bodyPr wrap="none" rtlCol="0">
+                <a:spAutoFit/>
+              </a:bodyPr>
+              <a:lstStyle/>
+              <a:p>
+                <a:pPr algn="ctr"/>
+                <a:r>
+                  <a:rPr lang="en-US" sz="900" b="1" dirty="0" smtClean="0">
+                    <a:solidFill>
+                      <a:schemeClr val="tx1">
+                        <a:lumMod val="50000"/>
+                        <a:lumOff val="50000"/>
+                      </a:schemeClr>
+                    </a:solidFill>
+                  </a:rPr>
+                  <a:t>3</a:t>
+                </a:r>
+                <a:endParaRPr lang="en-US" sz="900" b="1" dirty="0">
+                  <a:solidFill>
+                    <a:schemeClr val="tx1">
+                      <a:lumMod val="50000"/>
+                      <a:lumOff val="50000"/>
+                    </a:schemeClr>
+                  </a:solidFill>
+                </a:endParaRPr>
+              </a:p>
+            </p:txBody>
+          </p:sp>
+        </p:grpSp>
+        <p:grpSp>
+          <p:nvGrpSpPr>
+            <p:cNvPr id="114" name="Group 113"/>
+            <p:cNvGrpSpPr/>
+            <p:nvPr/>
+          </p:nvGrpSpPr>
+          <p:grpSpPr>
+            <a:xfrm>
+              <a:off x="3128397" y="2655057"/>
+              <a:ext cx="248855" cy="230832"/>
+              <a:chOff x="3103485" y="1459067"/>
+              <a:chExt cx="248855" cy="230832"/>
+            </a:xfrm>
+          </p:grpSpPr>
+          <p:sp>
+            <p:nvSpPr>
+              <p:cNvPr id="115" name="Oval 114"/>
+              <p:cNvSpPr>
+                <a:spLocks noChangeAspect="1"/>
+              </p:cNvSpPr>
+              <p:nvPr/>
+            </p:nvSpPr>
+            <p:spPr>
+              <a:xfrm>
+                <a:off x="3141307" y="1487200"/>
+                <a:ext cx="177759" cy="177759"/>
+              </a:xfrm>
+              <a:prstGeom prst="ellipse">
+                <a:avLst/>
+              </a:prstGeom>
+              <a:solidFill>
+                <a:srgbClr val="FFFFFF"/>
+              </a:solidFill>
+              <a:ln w="12700" cmpd="sng">
+                <a:solidFill>
+                  <a:schemeClr val="bg1">
+                    <a:lumMod val="65000"/>
+                  </a:schemeClr>
+                </a:solidFill>
+              </a:ln>
+            </p:spPr>
+            <p:style>
+              <a:lnRef idx="2">
+                <a:schemeClr val="accent6"/>
+              </a:lnRef>
+              <a:fillRef idx="1">
+                <a:schemeClr val="lt1"/>
+              </a:fillRef>
+              <a:effectRef idx="0">
+                <a:schemeClr val="accent6"/>
+              </a:effectRef>
+              <a:fontRef idx="minor">
+                <a:schemeClr val="dk1"/>
+              </a:fontRef>
+            </p:style>
+            <p:txBody>
+              <a:bodyPr rtlCol="0" anchor="ctr"/>
+              <a:lstStyle/>
+              <a:p>
+                <a:pPr algn="ctr"/>
+                <a:endParaRPr lang="en-US" dirty="0"/>
+              </a:p>
+            </p:txBody>
+          </p:sp>
+          <p:sp>
+            <p:nvSpPr>
+              <p:cNvPr id="116" name="TextBox 115"/>
+              <p:cNvSpPr txBox="1"/>
+              <p:nvPr/>
+            </p:nvSpPr>
+            <p:spPr>
+              <a:xfrm>
+                <a:off x="3103485" y="1459067"/>
+                <a:ext cx="248855" cy="230832"/>
+              </a:xfrm>
+              <a:prstGeom prst="rect">
+                <a:avLst/>
+              </a:prstGeom>
+              <a:noFill/>
+            </p:spPr>
+            <p:txBody>
+              <a:bodyPr wrap="none" rtlCol="0">
+                <a:spAutoFit/>
+              </a:bodyPr>
+              <a:lstStyle/>
+              <a:p>
+                <a:pPr algn="ctr"/>
+                <a:r>
+                  <a:rPr lang="en-US" sz="900" b="1" dirty="0" smtClean="0">
+                    <a:solidFill>
+                      <a:schemeClr val="tx1">
+                        <a:lumMod val="50000"/>
+                        <a:lumOff val="50000"/>
+                      </a:schemeClr>
+                    </a:solidFill>
+                  </a:rPr>
+                  <a:t>4</a:t>
+                </a:r>
+                <a:endParaRPr lang="en-US" sz="900" b="1" dirty="0">
+                  <a:solidFill>
+                    <a:schemeClr val="tx1">
+                      <a:lumMod val="50000"/>
+                      <a:lumOff val="50000"/>
+                    </a:schemeClr>
+                  </a:solidFill>
+                </a:endParaRPr>
+              </a:p>
+            </p:txBody>
+          </p:sp>
+        </p:grpSp>
+        <p:grpSp>
+          <p:nvGrpSpPr>
+            <p:cNvPr id="117" name="Group 116"/>
+            <p:cNvGrpSpPr/>
+            <p:nvPr/>
+          </p:nvGrpSpPr>
+          <p:grpSpPr>
+            <a:xfrm>
+              <a:off x="3128397" y="2948835"/>
+              <a:ext cx="248855" cy="230832"/>
+              <a:chOff x="3103485" y="1459067"/>
+              <a:chExt cx="248855" cy="230832"/>
+            </a:xfrm>
+          </p:grpSpPr>
+          <p:sp>
+            <p:nvSpPr>
+              <p:cNvPr id="118" name="Oval 117"/>
+              <p:cNvSpPr>
+                <a:spLocks noChangeAspect="1"/>
+              </p:cNvSpPr>
+              <p:nvPr/>
+            </p:nvSpPr>
+            <p:spPr>
+              <a:xfrm>
+                <a:off x="3141307" y="1487200"/>
+                <a:ext cx="177759" cy="177759"/>
+              </a:xfrm>
+              <a:prstGeom prst="ellipse">
+                <a:avLst/>
+              </a:prstGeom>
+              <a:solidFill>
+                <a:srgbClr val="FFFFFF"/>
+              </a:solidFill>
+              <a:ln w="12700" cmpd="sng">
+                <a:solidFill>
+                  <a:schemeClr val="bg1">
+                    <a:lumMod val="65000"/>
+                  </a:schemeClr>
+                </a:solidFill>
+              </a:ln>
+            </p:spPr>
+            <p:style>
+              <a:lnRef idx="2">
+                <a:schemeClr val="accent6"/>
+              </a:lnRef>
+              <a:fillRef idx="1">
+                <a:schemeClr val="lt1"/>
+              </a:fillRef>
+              <a:effectRef idx="0">
+                <a:schemeClr val="accent6"/>
+              </a:effectRef>
+              <a:fontRef idx="minor">
+                <a:schemeClr val="dk1"/>
+              </a:fontRef>
+            </p:style>
+            <p:txBody>
+              <a:bodyPr rtlCol="0" anchor="ctr"/>
+              <a:lstStyle/>
+              <a:p>
+                <a:pPr algn="ctr"/>
+                <a:endParaRPr lang="en-US" dirty="0"/>
+              </a:p>
+            </p:txBody>
+          </p:sp>
+          <p:sp>
+            <p:nvSpPr>
+              <p:cNvPr id="119" name="TextBox 118"/>
+              <p:cNvSpPr txBox="1"/>
+              <p:nvPr/>
+            </p:nvSpPr>
+            <p:spPr>
+              <a:xfrm>
+                <a:off x="3103485" y="1459067"/>
+                <a:ext cx="248855" cy="230832"/>
+              </a:xfrm>
+              <a:prstGeom prst="rect">
+                <a:avLst/>
+              </a:prstGeom>
+              <a:noFill/>
+            </p:spPr>
+            <p:txBody>
+              <a:bodyPr wrap="none" rtlCol="0">
+                <a:spAutoFit/>
+              </a:bodyPr>
+              <a:lstStyle/>
+              <a:p>
+                <a:pPr algn="ctr"/>
+                <a:r>
+                  <a:rPr lang="en-US" sz="900" b="1" dirty="0" smtClean="0">
+                    <a:solidFill>
+                      <a:schemeClr val="tx1">
+                        <a:lumMod val="50000"/>
+                        <a:lumOff val="50000"/>
+                      </a:schemeClr>
+                    </a:solidFill>
+                  </a:rPr>
+                  <a:t>5</a:t>
+                </a:r>
+                <a:endParaRPr lang="en-US" sz="900" b="1" dirty="0">
+                  <a:solidFill>
+                    <a:schemeClr val="tx1">
+                      <a:lumMod val="50000"/>
+                      <a:lumOff val="50000"/>
+                    </a:schemeClr>
+                  </a:solidFill>
+                </a:endParaRPr>
+              </a:p>
+            </p:txBody>
+          </p:sp>
+        </p:grpSp>
+        <p:grpSp>
+          <p:nvGrpSpPr>
+            <p:cNvPr id="120" name="Group 119"/>
+            <p:cNvGrpSpPr/>
+            <p:nvPr/>
+          </p:nvGrpSpPr>
+          <p:grpSpPr>
+            <a:xfrm>
+              <a:off x="3128397" y="3477023"/>
+              <a:ext cx="248855" cy="230832"/>
+              <a:chOff x="3103485" y="1459067"/>
+              <a:chExt cx="248855" cy="230832"/>
+            </a:xfrm>
+          </p:grpSpPr>
+          <p:sp>
+            <p:nvSpPr>
+              <p:cNvPr id="121" name="Oval 120"/>
+              <p:cNvSpPr>
+                <a:spLocks noChangeAspect="1"/>
+              </p:cNvSpPr>
+              <p:nvPr/>
+            </p:nvSpPr>
+            <p:spPr>
+              <a:xfrm>
+                <a:off x="3141307" y="1487200"/>
+                <a:ext cx="177759" cy="177759"/>
+              </a:xfrm>
+              <a:prstGeom prst="ellipse">
+                <a:avLst/>
+              </a:prstGeom>
+              <a:solidFill>
+                <a:srgbClr val="FFFFFF"/>
+              </a:solidFill>
+              <a:ln w="12700" cmpd="sng">
+                <a:solidFill>
+                  <a:schemeClr val="bg1">
+                    <a:lumMod val="65000"/>
+                  </a:schemeClr>
+                </a:solidFill>
+              </a:ln>
+            </p:spPr>
+            <p:style>
+              <a:lnRef idx="2">
+                <a:schemeClr val="accent6"/>
+              </a:lnRef>
+              <a:fillRef idx="1">
+                <a:schemeClr val="lt1"/>
+              </a:fillRef>
+              <a:effectRef idx="0">
+                <a:schemeClr val="accent6"/>
+              </a:effectRef>
+              <a:fontRef idx="minor">
+                <a:schemeClr val="dk1"/>
+              </a:fontRef>
+            </p:style>
+            <p:txBody>
+              <a:bodyPr rtlCol="0" anchor="ctr"/>
+              <a:lstStyle/>
+              <a:p>
+                <a:pPr algn="ctr"/>
+                <a:endParaRPr lang="en-US" dirty="0"/>
+              </a:p>
+            </p:txBody>
+          </p:sp>
+          <p:sp>
+            <p:nvSpPr>
+              <p:cNvPr id="122" name="TextBox 121"/>
+              <p:cNvSpPr txBox="1"/>
+              <p:nvPr/>
+            </p:nvSpPr>
+            <p:spPr>
+              <a:xfrm>
+                <a:off x="3103485" y="1459067"/>
+                <a:ext cx="248855" cy="230832"/>
+              </a:xfrm>
+              <a:prstGeom prst="rect">
+                <a:avLst/>
+              </a:prstGeom>
+              <a:noFill/>
+            </p:spPr>
+            <p:txBody>
+              <a:bodyPr wrap="none" rtlCol="0">
+                <a:spAutoFit/>
+              </a:bodyPr>
+              <a:lstStyle/>
+              <a:p>
+                <a:pPr algn="ctr"/>
+                <a:r>
+                  <a:rPr lang="en-US" sz="900" b="1" dirty="0" smtClean="0">
+                    <a:solidFill>
+                      <a:schemeClr val="tx1">
+                        <a:lumMod val="50000"/>
+                        <a:lumOff val="50000"/>
+                      </a:schemeClr>
+                    </a:solidFill>
+                  </a:rPr>
+                  <a:t>6</a:t>
+                </a:r>
+                <a:endParaRPr lang="en-US" sz="900" b="1" dirty="0">
+                  <a:solidFill>
+                    <a:schemeClr val="tx1">
+                      <a:lumMod val="50000"/>
+                      <a:lumOff val="50000"/>
+                    </a:schemeClr>
+                  </a:solidFill>
+                </a:endParaRPr>
+              </a:p>
+            </p:txBody>
+          </p:sp>
+        </p:grpSp>
+        <p:grpSp>
+          <p:nvGrpSpPr>
+            <p:cNvPr id="123" name="Group 122"/>
+            <p:cNvGrpSpPr/>
+            <p:nvPr/>
+          </p:nvGrpSpPr>
+          <p:grpSpPr>
+            <a:xfrm>
+              <a:off x="3128397" y="3226994"/>
+              <a:ext cx="248855" cy="230832"/>
+              <a:chOff x="3103485" y="1459067"/>
+              <a:chExt cx="248855" cy="230832"/>
+            </a:xfrm>
+          </p:grpSpPr>
+          <p:sp>
+            <p:nvSpPr>
+              <p:cNvPr id="124" name="Oval 123"/>
+              <p:cNvSpPr>
+                <a:spLocks noChangeAspect="1"/>
+              </p:cNvSpPr>
+              <p:nvPr/>
+            </p:nvSpPr>
+            <p:spPr>
+              <a:xfrm>
+                <a:off x="3141307" y="1487200"/>
+                <a:ext cx="177759" cy="177759"/>
+              </a:xfrm>
+              <a:prstGeom prst="ellipse">
+                <a:avLst/>
+              </a:prstGeom>
+              <a:solidFill>
+                <a:srgbClr val="FFFFFF"/>
+              </a:solidFill>
+              <a:ln w="12700" cmpd="sng">
+                <a:solidFill>
+                  <a:schemeClr val="bg1">
+                    <a:lumMod val="65000"/>
+                  </a:schemeClr>
+                </a:solidFill>
+              </a:ln>
+            </p:spPr>
+            <p:style>
+              <a:lnRef idx="2">
+                <a:schemeClr val="accent6"/>
+              </a:lnRef>
+              <a:fillRef idx="1">
+                <a:schemeClr val="lt1"/>
+              </a:fillRef>
+              <a:effectRef idx="0">
+                <a:schemeClr val="accent6"/>
+              </a:effectRef>
+              <a:fontRef idx="minor">
+                <a:schemeClr val="dk1"/>
+              </a:fontRef>
+            </p:style>
+            <p:txBody>
+              <a:bodyPr rtlCol="0" anchor="ctr"/>
+              <a:lstStyle/>
+              <a:p>
+                <a:pPr algn="ctr"/>
+                <a:endParaRPr lang="en-US" dirty="0"/>
+              </a:p>
+            </p:txBody>
+          </p:sp>
+          <p:sp>
+            <p:nvSpPr>
+              <p:cNvPr id="125" name="TextBox 124"/>
+              <p:cNvSpPr txBox="1"/>
+              <p:nvPr/>
+            </p:nvSpPr>
+            <p:spPr>
+              <a:xfrm>
+                <a:off x="3103485" y="1459067"/>
+                <a:ext cx="248855" cy="230832"/>
+              </a:xfrm>
+              <a:prstGeom prst="rect">
+                <a:avLst/>
+              </a:prstGeom>
+              <a:noFill/>
+            </p:spPr>
+            <p:txBody>
+              <a:bodyPr wrap="none" rtlCol="0">
+                <a:spAutoFit/>
+              </a:bodyPr>
+              <a:lstStyle/>
+              <a:p>
+                <a:pPr algn="ctr"/>
+                <a:r>
+                  <a:rPr lang="en-US" sz="900" b="1" dirty="0" smtClean="0">
+                    <a:solidFill>
+                      <a:schemeClr val="tx1">
+                        <a:lumMod val="50000"/>
+                        <a:lumOff val="50000"/>
+                      </a:schemeClr>
+                    </a:solidFill>
+                  </a:rPr>
+                  <a:t>7</a:t>
+                </a:r>
+                <a:endParaRPr lang="en-US" sz="900" b="1" dirty="0">
+                  <a:solidFill>
+                    <a:schemeClr val="tx1">
+                      <a:lumMod val="50000"/>
+                      <a:lumOff val="50000"/>
+                    </a:schemeClr>
+                  </a:solidFill>
+                </a:endParaRPr>
+              </a:p>
+            </p:txBody>
+          </p:sp>
+        </p:grpSp>
+        <p:grpSp>
+          <p:nvGrpSpPr>
+            <p:cNvPr id="126" name="Group 125"/>
+            <p:cNvGrpSpPr/>
+            <p:nvPr/>
+          </p:nvGrpSpPr>
+          <p:grpSpPr>
+            <a:xfrm>
+              <a:off x="3128397" y="3721356"/>
+              <a:ext cx="248855" cy="230832"/>
+              <a:chOff x="3103485" y="1459067"/>
+              <a:chExt cx="248855" cy="230832"/>
+            </a:xfrm>
+          </p:grpSpPr>
+          <p:sp>
+            <p:nvSpPr>
+              <p:cNvPr id="127" name="Oval 126"/>
+              <p:cNvSpPr>
+                <a:spLocks noChangeAspect="1"/>
+              </p:cNvSpPr>
+              <p:nvPr/>
+            </p:nvSpPr>
+            <p:spPr>
+              <a:xfrm>
+                <a:off x="3141307" y="1487200"/>
+                <a:ext cx="177759" cy="177759"/>
+              </a:xfrm>
+              <a:prstGeom prst="ellipse">
+                <a:avLst/>
+              </a:prstGeom>
+              <a:solidFill>
+                <a:srgbClr val="FFFFFF"/>
+              </a:solidFill>
+              <a:ln w="12700" cmpd="sng">
+                <a:solidFill>
+                  <a:schemeClr val="bg1">
+                    <a:lumMod val="65000"/>
+                  </a:schemeClr>
+                </a:solidFill>
+              </a:ln>
+            </p:spPr>
+            <p:style>
+              <a:lnRef idx="2">
+                <a:schemeClr val="accent6"/>
+              </a:lnRef>
+              <a:fillRef idx="1">
+                <a:schemeClr val="lt1"/>
+              </a:fillRef>
+              <a:effectRef idx="0">
+                <a:schemeClr val="accent6"/>
+              </a:effectRef>
+              <a:fontRef idx="minor">
+                <a:schemeClr val="dk1"/>
+              </a:fontRef>
+            </p:style>
+            <p:txBody>
+              <a:bodyPr rtlCol="0" anchor="ctr"/>
+              <a:lstStyle/>
+              <a:p>
+                <a:pPr algn="ctr"/>
+                <a:endParaRPr lang="en-US" dirty="0"/>
+              </a:p>
+            </p:txBody>
+          </p:sp>
+          <p:sp>
+            <p:nvSpPr>
+              <p:cNvPr id="128" name="TextBox 127"/>
+              <p:cNvSpPr txBox="1"/>
+              <p:nvPr/>
+            </p:nvSpPr>
+            <p:spPr>
+              <a:xfrm>
+                <a:off x="3103485" y="1459067"/>
+                <a:ext cx="248855" cy="230832"/>
+              </a:xfrm>
+              <a:prstGeom prst="rect">
+                <a:avLst/>
+              </a:prstGeom>
+              <a:noFill/>
+            </p:spPr>
+            <p:txBody>
+              <a:bodyPr wrap="none" rtlCol="0">
+                <a:spAutoFit/>
+              </a:bodyPr>
+              <a:lstStyle/>
+              <a:p>
+                <a:pPr algn="ctr"/>
+                <a:r>
+                  <a:rPr lang="en-US" sz="900" b="1" dirty="0" smtClean="0">
+                    <a:solidFill>
+                      <a:schemeClr val="tx1">
+                        <a:lumMod val="50000"/>
+                        <a:lumOff val="50000"/>
+                      </a:schemeClr>
+                    </a:solidFill>
+                  </a:rPr>
+                  <a:t>8</a:t>
+                </a:r>
+                <a:endParaRPr lang="en-US" sz="900" b="1" dirty="0">
+                  <a:solidFill>
+                    <a:schemeClr val="tx1">
+                      <a:lumMod val="50000"/>
+                      <a:lumOff val="50000"/>
+                    </a:schemeClr>
+                  </a:solidFill>
+                </a:endParaRPr>
+              </a:p>
+            </p:txBody>
+          </p:sp>
+        </p:grpSp>
+        <p:grpSp>
+          <p:nvGrpSpPr>
+            <p:cNvPr id="129" name="Group 128"/>
+            <p:cNvGrpSpPr/>
+            <p:nvPr/>
+          </p:nvGrpSpPr>
+          <p:grpSpPr>
+            <a:xfrm>
+              <a:off x="3128397" y="4138283"/>
+              <a:ext cx="248855" cy="230832"/>
+              <a:chOff x="3103485" y="1459067"/>
+              <a:chExt cx="248855" cy="230832"/>
+            </a:xfrm>
+          </p:grpSpPr>
+          <p:sp>
+            <p:nvSpPr>
+              <p:cNvPr id="130" name="Oval 129"/>
+              <p:cNvSpPr>
+                <a:spLocks noChangeAspect="1"/>
+              </p:cNvSpPr>
+              <p:nvPr/>
+            </p:nvSpPr>
+            <p:spPr>
+              <a:xfrm>
+                <a:off x="3141307" y="1487200"/>
+                <a:ext cx="177759" cy="177759"/>
+              </a:xfrm>
+              <a:prstGeom prst="ellipse">
+                <a:avLst/>
+              </a:prstGeom>
+              <a:solidFill>
+                <a:srgbClr val="FFFFFF"/>
+              </a:solidFill>
+              <a:ln w="12700" cmpd="sng">
+                <a:solidFill>
+                  <a:schemeClr val="bg1">
+                    <a:lumMod val="65000"/>
+                  </a:schemeClr>
+                </a:solidFill>
+              </a:ln>
+            </p:spPr>
+            <p:style>
+              <a:lnRef idx="2">
+                <a:schemeClr val="accent6"/>
+              </a:lnRef>
+              <a:fillRef idx="1">
+                <a:schemeClr val="lt1"/>
+              </a:fillRef>
+              <a:effectRef idx="0">
+                <a:schemeClr val="accent6"/>
+              </a:effectRef>
+              <a:fontRef idx="minor">
+                <a:schemeClr val="dk1"/>
+              </a:fontRef>
+            </p:style>
+            <p:txBody>
+              <a:bodyPr rtlCol="0" anchor="ctr"/>
+              <a:lstStyle/>
+              <a:p>
+                <a:pPr algn="ctr"/>
+                <a:endParaRPr lang="en-US" dirty="0"/>
+              </a:p>
+            </p:txBody>
+          </p:sp>
+          <p:sp>
+            <p:nvSpPr>
+              <p:cNvPr id="131" name="TextBox 130"/>
+              <p:cNvSpPr txBox="1"/>
+              <p:nvPr/>
+            </p:nvSpPr>
+            <p:spPr>
+              <a:xfrm>
+                <a:off x="3103485" y="1459067"/>
+                <a:ext cx="248855" cy="230832"/>
+              </a:xfrm>
+              <a:prstGeom prst="rect">
+                <a:avLst/>
+              </a:prstGeom>
+              <a:noFill/>
+            </p:spPr>
+            <p:txBody>
+              <a:bodyPr wrap="none" rtlCol="0">
+                <a:spAutoFit/>
+              </a:bodyPr>
+              <a:lstStyle/>
+              <a:p>
+                <a:pPr algn="ctr"/>
+                <a:r>
+                  <a:rPr lang="en-US" sz="900" b="1" dirty="0" smtClean="0">
+                    <a:solidFill>
+                      <a:schemeClr val="tx1">
+                        <a:lumMod val="50000"/>
+                        <a:lumOff val="50000"/>
+                      </a:schemeClr>
+                    </a:solidFill>
+                  </a:rPr>
+                  <a:t>9</a:t>
+                </a:r>
+                <a:endParaRPr lang="en-US" sz="900" b="1" dirty="0">
+                  <a:solidFill>
+                    <a:schemeClr val="tx1">
+                      <a:lumMod val="50000"/>
+                      <a:lumOff val="50000"/>
+                    </a:schemeClr>
+                  </a:solidFill>
+                </a:endParaRPr>
+              </a:p>
+            </p:txBody>
+          </p:sp>
+        </p:grpSp>
+      </p:grpSp>
+    </p:spTree>
+    <p:extLst>
+      <p:ext uri="{BB962C8B-B14F-4D97-AF65-F5344CB8AC3E}">
+        <p14:creationId xmlns:p14="http://schemas.microsoft.com/office/powerpoint/2010/main" val="3113763623"/>
       </p:ext>
     </p:extLst>
   </p:cSld>

--- a/docs/source/images/images.pptx
+++ b/docs/source/images/images.pptx
@@ -294,7 +294,7 @@
           <a:p>
             <a:fld id="{85FD3787-7239-C647-8F46-4AEF603A44BF}" type="datetime1">
               <a:rPr lang="en-US" smtClean="0"/>
-              <a:t>1/17/17</a:t>
+              <a:t>1/18/17</a:t>
             </a:fld>
             <a:endParaRPr lang="en-US" dirty="0"/>
           </a:p>
@@ -464,7 +464,7 @@
           <a:p>
             <a:fld id="{58F06498-C7BA-7B4F-A289-96E741DB6F51}" type="datetime1">
               <a:rPr lang="en-US" smtClean="0"/>
-              <a:t>1/17/17</a:t>
+              <a:t>1/18/17</a:t>
             </a:fld>
             <a:endParaRPr lang="en-US" dirty="0"/>
           </a:p>
@@ -644,7 +644,7 @@
           <a:p>
             <a:fld id="{92B56630-3C53-6E41-8F36-B5B7DC677D8C}" type="datetime1">
               <a:rPr lang="en-US" smtClean="0"/>
-              <a:t>1/17/17</a:t>
+              <a:t>1/18/17</a:t>
             </a:fld>
             <a:endParaRPr lang="en-US" dirty="0"/>
           </a:p>
@@ -814,7 +814,7 @@
           <a:p>
             <a:fld id="{AB3D54BB-4E0B-844F-968F-93A99D2A0E27}" type="datetime1">
               <a:rPr lang="en-US" smtClean="0"/>
-              <a:t>1/17/17</a:t>
+              <a:t>1/18/17</a:t>
             </a:fld>
             <a:endParaRPr lang="en-US" dirty="0"/>
           </a:p>
@@ -1060,7 +1060,7 @@
           <a:p>
             <a:fld id="{8308F5C4-D4BE-1246-89B0-2CF09E5A1C73}" type="datetime1">
               <a:rPr lang="en-US" smtClean="0"/>
-              <a:t>1/17/17</a:t>
+              <a:t>1/18/17</a:t>
             </a:fld>
             <a:endParaRPr lang="en-US" dirty="0"/>
           </a:p>
@@ -1348,7 +1348,7 @@
           <a:p>
             <a:fld id="{AE2C759A-60C1-D347-A2FC-BD124BE24608}" type="datetime1">
               <a:rPr lang="en-US" smtClean="0"/>
-              <a:t>1/17/17</a:t>
+              <a:t>1/18/17</a:t>
             </a:fld>
             <a:endParaRPr lang="en-US" dirty="0"/>
           </a:p>
@@ -1770,7 +1770,7 @@
           <a:p>
             <a:fld id="{81A1B11B-E3A3-7242-9E6D-08D8E0DF02D1}" type="datetime1">
               <a:rPr lang="en-US" smtClean="0"/>
-              <a:t>1/17/17</a:t>
+              <a:t>1/18/17</a:t>
             </a:fld>
             <a:endParaRPr lang="en-US" dirty="0"/>
           </a:p>
@@ -1888,7 +1888,7 @@
           <a:p>
             <a:fld id="{4BD03965-1CEF-054A-A931-4796ABBAFB43}" type="datetime1">
               <a:rPr lang="en-US" smtClean="0"/>
-              <a:t>1/17/17</a:t>
+              <a:t>1/18/17</a:t>
             </a:fld>
             <a:endParaRPr lang="en-US" dirty="0"/>
           </a:p>
@@ -1983,7 +1983,7 @@
           <a:p>
             <a:fld id="{B2AA7C06-6D5E-494B-9BF1-9BBBE1D5A1C7}" type="datetime1">
               <a:rPr lang="en-US" smtClean="0"/>
-              <a:t>1/17/17</a:t>
+              <a:t>1/18/17</a:t>
             </a:fld>
             <a:endParaRPr lang="en-US" dirty="0"/>
           </a:p>
@@ -2260,7 +2260,7 @@
           <a:p>
             <a:fld id="{7CE04B88-50CE-7A45-AE26-A9751D882E6D}" type="datetime1">
               <a:rPr lang="en-US" smtClean="0"/>
-              <a:t>1/17/17</a:t>
+              <a:t>1/18/17</a:t>
             </a:fld>
             <a:endParaRPr lang="en-US" dirty="0"/>
           </a:p>
@@ -2517,7 +2517,7 @@
           <a:p>
             <a:fld id="{70B692A8-8BCF-2745-A1F3-24034345F60C}" type="datetime1">
               <a:rPr lang="en-US" smtClean="0"/>
-              <a:t>1/17/17</a:t>
+              <a:t>1/18/17</a:t>
             </a:fld>
             <a:endParaRPr lang="en-US" dirty="0"/>
           </a:p>
@@ -2731,7 +2731,7 @@
             <a:fld id="{B994E09A-36F1-0A45-80F7-B10DE6908129}" type="datetime1">
               <a:rPr lang="en-US" smtClean="0"/>
               <a:pPr/>
-              <a:t>1/17/17</a:t>
+              <a:t>1/18/17</a:t>
             </a:fld>
             <a:endParaRPr lang="en-US" dirty="0"/>
           </a:p>
@@ -10138,11 +10138,6 @@
                 </a:rPr>
                 <a:t>Send a text to Pat</a:t>
               </a:r>
-              <a:endParaRPr lang="en-US" sz="900" dirty="0" smtClean="0">
-                <a:solidFill>
-                  <a:srgbClr val="FFFFFF"/>
-                </a:solidFill>
-              </a:endParaRPr>
             </a:p>
             <a:p>
               <a:endParaRPr lang="en-US" sz="900" dirty="0">
@@ -11171,11 +11166,6 @@
                 </a:rPr>
                 <a:t>See you at 8pm</a:t>
               </a:r>
-              <a:endParaRPr lang="en-US" sz="900" dirty="0" smtClean="0">
-                <a:solidFill>
-                  <a:srgbClr val="FFFFFF"/>
-                </a:solidFill>
-              </a:endParaRPr>
             </a:p>
             <a:p>
               <a:endParaRPr lang="en-US" sz="900" dirty="0">
@@ -11251,11 +11241,6 @@
                 </a:rPr>
                 <a:t>Yes</a:t>
               </a:r>
-              <a:endParaRPr lang="en-US" sz="900" dirty="0" smtClean="0">
-                <a:solidFill>
-                  <a:srgbClr val="FFFFFF"/>
-                </a:solidFill>
-              </a:endParaRPr>
             </a:p>
             <a:p>
               <a:endParaRPr lang="en-US" sz="900" dirty="0">
@@ -11843,11 +11828,6 @@
                 </a:rPr>
                 <a:t>Send a text to Pat</a:t>
               </a:r>
-              <a:endParaRPr lang="en-US" sz="900" dirty="0" smtClean="0">
-                <a:solidFill>
-                  <a:srgbClr val="FFFFFF"/>
-                </a:solidFill>
-              </a:endParaRPr>
             </a:p>
             <a:p>
               <a:endParaRPr lang="en-US" sz="900" dirty="0">
@@ -12874,15 +12854,7 @@
                     <a:srgbClr val="FFFFFF"/>
                   </a:solidFill>
                 </a:rPr>
-                <a:t>Hold on a second. </a:t>
-              </a:r>
-              <a:r>
-                <a:rPr lang="en-US" sz="900" dirty="0" smtClean="0">
-                  <a:solidFill>
-                    <a:srgbClr val="FFFFFF"/>
-                  </a:solidFill>
-                </a:rPr>
-                <a:t>How do I get to</a:t>
+                <a:t>Hold on a second. How do I get to</a:t>
               </a:r>
               <a:r>
                 <a:rPr lang="en-US" sz="900" dirty="0">
@@ -12900,11 +12872,6 @@
                 </a:rPr>
                 <a:t>Enzo's restaurant?</a:t>
               </a:r>
-              <a:endParaRPr lang="en-US" sz="900" dirty="0" smtClean="0">
-                <a:solidFill>
-                  <a:srgbClr val="FFFFFF"/>
-                </a:solidFill>
-              </a:endParaRPr>
             </a:p>
             <a:p>
               <a:endParaRPr lang="en-US" sz="900" dirty="0">
@@ -13204,11 +13171,6 @@
                 </a:rPr>
                 <a:t>See you at 8pm</a:t>
               </a:r>
-              <a:endParaRPr lang="en-US" sz="900" dirty="0" smtClean="0">
-                <a:solidFill>
-                  <a:srgbClr val="FFFFFF"/>
-                </a:solidFill>
-              </a:endParaRPr>
             </a:p>
             <a:p>
               <a:endParaRPr lang="en-US" sz="900" dirty="0">
@@ -13284,11 +13246,6 @@
                 </a:rPr>
                 <a:t>Scratch that. Send a text to Sue instead</a:t>
               </a:r>
-              <a:endParaRPr lang="en-US" sz="900" dirty="0" smtClean="0">
-                <a:solidFill>
-                  <a:srgbClr val="FFFFFF"/>
-                </a:solidFill>
-              </a:endParaRPr>
             </a:p>
             <a:p>
               <a:endParaRPr lang="en-US" sz="900" dirty="0">
@@ -13364,11 +13321,6 @@
                 </a:rPr>
                 <a:t>Meet you at Enzo's</a:t>
               </a:r>
-              <a:endParaRPr lang="en-US" sz="900" dirty="0" smtClean="0">
-                <a:solidFill>
-                  <a:srgbClr val="FFFFFF"/>
-                </a:solidFill>
-              </a:endParaRPr>
             </a:p>
             <a:p>
               <a:endParaRPr lang="en-US" sz="900" dirty="0">
@@ -15440,8 +15392,16 @@
                   <a:t>{close_time} </a:t>
                 </a:r>
                 <a:r>
+                  <a:rPr lang="en-US" sz="900" dirty="0" smtClean="0">
+                    <a:solidFill>
+                      <a:srgbClr val="2C74A5"/>
+                    </a:solidFill>
+                  </a:rPr>
+                  <a:t>{date} </a:t>
+                </a:r>
+                <a:r>
                   <a:rPr lang="en-US" sz="900" dirty="0" smtClean="0"/>
-                  <a:t>tomorrow.</a:t>
+                  <a:t>.</a:t>
                 </a:r>
                 <a:endParaRPr lang="en-US" sz="900" dirty="0"/>
               </a:p>

--- a/docs/source/images/images.pptx
+++ b/docs/source/images/images.pptx
@@ -5,13 +5,14 @@
     <p:sldMasterId id="2147483648" r:id="rId1"/>
   </p:sldMasterIdLst>
   <p:sldIdLst>
-    <p:sldId id="257" r:id="rId2"/>
-    <p:sldId id="258" r:id="rId3"/>
-    <p:sldId id="259" r:id="rId4"/>
-    <p:sldId id="260" r:id="rId5"/>
-    <p:sldId id="261" r:id="rId6"/>
-    <p:sldId id="263" r:id="rId7"/>
-    <p:sldId id="262" r:id="rId8"/>
+    <p:sldId id="264" r:id="rId2"/>
+    <p:sldId id="257" r:id="rId3"/>
+    <p:sldId id="258" r:id="rId4"/>
+    <p:sldId id="259" r:id="rId5"/>
+    <p:sldId id="260" r:id="rId6"/>
+    <p:sldId id="261" r:id="rId7"/>
+    <p:sldId id="263" r:id="rId8"/>
+    <p:sldId id="262" r:id="rId9"/>
   </p:sldIdLst>
   <p:sldSz cx="9144000" cy="6858000" type="screen4x3"/>
   <p:notesSz cx="6858000" cy="9144000"/>
@@ -294,7 +295,7 @@
           <a:p>
             <a:fld id="{85FD3787-7239-C647-8F46-4AEF603A44BF}" type="datetime1">
               <a:rPr lang="en-US" smtClean="0"/>
-              <a:t>1/18/17</a:t>
+              <a:t>1/23/17</a:t>
             </a:fld>
             <a:endParaRPr lang="en-US" dirty="0"/>
           </a:p>
@@ -464,7 +465,7 @@
           <a:p>
             <a:fld id="{58F06498-C7BA-7B4F-A289-96E741DB6F51}" type="datetime1">
               <a:rPr lang="en-US" smtClean="0"/>
-              <a:t>1/18/17</a:t>
+              <a:t>1/23/17</a:t>
             </a:fld>
             <a:endParaRPr lang="en-US" dirty="0"/>
           </a:p>
@@ -644,7 +645,7 @@
           <a:p>
             <a:fld id="{92B56630-3C53-6E41-8F36-B5B7DC677D8C}" type="datetime1">
               <a:rPr lang="en-US" smtClean="0"/>
-              <a:t>1/18/17</a:t>
+              <a:t>1/23/17</a:t>
             </a:fld>
             <a:endParaRPr lang="en-US" dirty="0"/>
           </a:p>
@@ -814,7 +815,7 @@
           <a:p>
             <a:fld id="{AB3D54BB-4E0B-844F-968F-93A99D2A0E27}" type="datetime1">
               <a:rPr lang="en-US" smtClean="0"/>
-              <a:t>1/18/17</a:t>
+              <a:t>1/23/17</a:t>
             </a:fld>
             <a:endParaRPr lang="en-US" dirty="0"/>
           </a:p>
@@ -1060,7 +1061,7 @@
           <a:p>
             <a:fld id="{8308F5C4-D4BE-1246-89B0-2CF09E5A1C73}" type="datetime1">
               <a:rPr lang="en-US" smtClean="0"/>
-              <a:t>1/18/17</a:t>
+              <a:t>1/23/17</a:t>
             </a:fld>
             <a:endParaRPr lang="en-US" dirty="0"/>
           </a:p>
@@ -1348,7 +1349,7 @@
           <a:p>
             <a:fld id="{AE2C759A-60C1-D347-A2FC-BD124BE24608}" type="datetime1">
               <a:rPr lang="en-US" smtClean="0"/>
-              <a:t>1/18/17</a:t>
+              <a:t>1/23/17</a:t>
             </a:fld>
             <a:endParaRPr lang="en-US" dirty="0"/>
           </a:p>
@@ -1770,7 +1771,7 @@
           <a:p>
             <a:fld id="{81A1B11B-E3A3-7242-9E6D-08D8E0DF02D1}" type="datetime1">
               <a:rPr lang="en-US" smtClean="0"/>
-              <a:t>1/18/17</a:t>
+              <a:t>1/23/17</a:t>
             </a:fld>
             <a:endParaRPr lang="en-US" dirty="0"/>
           </a:p>
@@ -1888,7 +1889,7 @@
           <a:p>
             <a:fld id="{4BD03965-1CEF-054A-A931-4796ABBAFB43}" type="datetime1">
               <a:rPr lang="en-US" smtClean="0"/>
-              <a:t>1/18/17</a:t>
+              <a:t>1/23/17</a:t>
             </a:fld>
             <a:endParaRPr lang="en-US" dirty="0"/>
           </a:p>
@@ -1983,7 +1984,7 @@
           <a:p>
             <a:fld id="{B2AA7C06-6D5E-494B-9BF1-9BBBE1D5A1C7}" type="datetime1">
               <a:rPr lang="en-US" smtClean="0"/>
-              <a:t>1/18/17</a:t>
+              <a:t>1/23/17</a:t>
             </a:fld>
             <a:endParaRPr lang="en-US" dirty="0"/>
           </a:p>
@@ -2260,7 +2261,7 @@
           <a:p>
             <a:fld id="{7CE04B88-50CE-7A45-AE26-A9751D882E6D}" type="datetime1">
               <a:rPr lang="en-US" smtClean="0"/>
-              <a:t>1/18/17</a:t>
+              <a:t>1/23/17</a:t>
             </a:fld>
             <a:endParaRPr lang="en-US" dirty="0"/>
           </a:p>
@@ -2517,7 +2518,7 @@
           <a:p>
             <a:fld id="{70B692A8-8BCF-2745-A1F3-24034345F60C}" type="datetime1">
               <a:rPr lang="en-US" smtClean="0"/>
-              <a:t>1/18/17</a:t>
+              <a:t>1/23/17</a:t>
             </a:fld>
             <a:endParaRPr lang="en-US" dirty="0"/>
           </a:p>
@@ -2731,7 +2732,7 @@
             <a:fld id="{B994E09A-36F1-0A45-80F7-B10DE6908129}" type="datetime1">
               <a:rPr lang="en-US" smtClean="0"/>
               <a:pPr/>
-              <a:t>1/18/17</a:t>
+              <a:t>1/23/17</a:t>
             </a:fld>
             <a:endParaRPr lang="en-US" dirty="0"/>
           </a:p>
@@ -3139,6 +3140,1375 @@
         </p:nvGrpSpPr>
         <p:grpSpPr>
           <a:xfrm>
+            <a:off x="1455580" y="2444239"/>
+            <a:ext cx="6232841" cy="1532487"/>
+            <a:chOff x="1455580" y="1584631"/>
+            <a:chExt cx="6232841" cy="1532487"/>
+          </a:xfrm>
+        </p:grpSpPr>
+        <p:sp>
+          <p:nvSpPr>
+            <p:cNvPr id="4" name="Rectangle 3"/>
+            <p:cNvSpPr/>
+            <p:nvPr/>
+          </p:nvSpPr>
+          <p:spPr>
+            <a:xfrm>
+              <a:off x="1455580" y="1584631"/>
+              <a:ext cx="4660476" cy="1071217"/>
+            </a:xfrm>
+            <a:prstGeom prst="rect">
+              <a:avLst/>
+            </a:prstGeom>
+            <a:solidFill>
+              <a:schemeClr val="bg1">
+                <a:lumMod val="95000"/>
+              </a:schemeClr>
+            </a:solidFill>
+            <a:ln w="12700" cmpd="sng">
+              <a:solidFill>
+                <a:srgbClr val="3C6FA5"/>
+              </a:solidFill>
+            </a:ln>
+          </p:spPr>
+          <p:style>
+            <a:lnRef idx="2">
+              <a:schemeClr val="dk1"/>
+            </a:lnRef>
+            <a:fillRef idx="1">
+              <a:schemeClr val="lt1"/>
+            </a:fillRef>
+            <a:effectRef idx="0">
+              <a:schemeClr val="dk1"/>
+            </a:effectRef>
+            <a:fontRef idx="minor">
+              <a:schemeClr val="dk1"/>
+            </a:fontRef>
+          </p:style>
+          <p:txBody>
+            <a:bodyPr tIns="64008" rtlCol="0" anchor="t"/>
+            <a:lstStyle/>
+            <a:p>
+              <a:pPr algn="ctr" defTabSz="914400">
+                <a:spcBef>
+                  <a:spcPts val="600"/>
+                </a:spcBef>
+              </a:pPr>
+              <a:r>
+                <a:rPr lang="en-US" sz="1050" b="1" kern="0" dirty="0" smtClean="0">
+                  <a:solidFill>
+                    <a:srgbClr val="3C6FA5"/>
+                  </a:solidFill>
+                  <a:latin typeface="Arial Narrow"/>
+                  <a:cs typeface="Arial Narrow"/>
+                  <a:sym typeface="Arial"/>
+                </a:rPr>
+                <a:t>Natural Language Processor</a:t>
+              </a:r>
+              <a:endParaRPr lang="en-US" sz="1050" b="1" kern="0" dirty="0">
+                <a:solidFill>
+                  <a:srgbClr val="3C6FA5"/>
+                </a:solidFill>
+                <a:latin typeface="Arial Narrow"/>
+                <a:cs typeface="Arial Narrow"/>
+                <a:sym typeface="Arial"/>
+              </a:endParaRPr>
+            </a:p>
+          </p:txBody>
+        </p:sp>
+        <p:sp>
+          <p:nvSpPr>
+            <p:cNvPr id="5" name="Rectangle 4"/>
+            <p:cNvSpPr/>
+            <p:nvPr/>
+          </p:nvSpPr>
+          <p:spPr>
+            <a:xfrm>
+              <a:off x="3035986" y="1887518"/>
+              <a:ext cx="732259" cy="726630"/>
+            </a:xfrm>
+            <a:prstGeom prst="rect">
+              <a:avLst/>
+            </a:prstGeom>
+            <a:solidFill>
+              <a:schemeClr val="bg1"/>
+            </a:solidFill>
+            <a:ln w="12700" cmpd="sng">
+              <a:solidFill>
+                <a:schemeClr val="tx2">
+                  <a:lumMod val="40000"/>
+                  <a:lumOff val="60000"/>
+                </a:schemeClr>
+              </a:solidFill>
+            </a:ln>
+          </p:spPr>
+          <p:style>
+            <a:lnRef idx="2">
+              <a:schemeClr val="dk1"/>
+            </a:lnRef>
+            <a:fillRef idx="1">
+              <a:schemeClr val="lt1"/>
+            </a:fillRef>
+            <a:effectRef idx="0">
+              <a:schemeClr val="dk1"/>
+            </a:effectRef>
+            <a:fontRef idx="minor">
+              <a:schemeClr val="dk1"/>
+            </a:fontRef>
+          </p:style>
+          <p:txBody>
+            <a:bodyPr lIns="0" rIns="0" rtlCol="0" anchor="ctr"/>
+            <a:lstStyle/>
+            <a:p>
+              <a:pPr algn="ctr" defTabSz="914400"/>
+              <a:r>
+                <a:rPr lang="en-US" sz="1050" b="1" kern="0" dirty="0" smtClean="0">
+                  <a:solidFill>
+                    <a:schemeClr val="tx2">
+                      <a:lumMod val="60000"/>
+                      <a:lumOff val="40000"/>
+                    </a:schemeClr>
+                  </a:solidFill>
+                  <a:latin typeface="Arial Narrow"/>
+                  <a:cs typeface="Arial Narrow"/>
+                  <a:sym typeface="Arial"/>
+                </a:rPr>
+                <a:t>Entity</a:t>
+              </a:r>
+              <a:r>
+                <a:rPr lang="en-US" sz="1050" b="1" kern="0" dirty="0">
+                  <a:solidFill>
+                    <a:schemeClr val="tx2">
+                      <a:lumMod val="60000"/>
+                      <a:lumOff val="40000"/>
+                    </a:schemeClr>
+                  </a:solidFill>
+                  <a:latin typeface="Arial Narrow"/>
+                  <a:cs typeface="Arial Narrow"/>
+                  <a:sym typeface="Arial"/>
+                </a:rPr>
+                <a:t/>
+              </a:r>
+              <a:br>
+                <a:rPr lang="en-US" sz="1050" b="1" kern="0" dirty="0">
+                  <a:solidFill>
+                    <a:schemeClr val="tx2">
+                      <a:lumMod val="60000"/>
+                      <a:lumOff val="40000"/>
+                    </a:schemeClr>
+                  </a:solidFill>
+                  <a:latin typeface="Arial Narrow"/>
+                  <a:cs typeface="Arial Narrow"/>
+                  <a:sym typeface="Arial"/>
+                </a:rPr>
+              </a:br>
+              <a:r>
+                <a:rPr lang="en-US" sz="1050" b="1" kern="0" dirty="0" smtClean="0">
+                  <a:solidFill>
+                    <a:schemeClr val="tx2">
+                      <a:lumMod val="60000"/>
+                      <a:lumOff val="40000"/>
+                    </a:schemeClr>
+                  </a:solidFill>
+                  <a:latin typeface="Arial Narrow"/>
+                  <a:cs typeface="Arial Narrow"/>
+                  <a:sym typeface="Arial"/>
+                </a:rPr>
+                <a:t>Recognizer</a:t>
+              </a:r>
+              <a:endParaRPr lang="en-US" sz="1050" b="1" kern="0" dirty="0">
+                <a:solidFill>
+                  <a:schemeClr val="tx2">
+                    <a:lumMod val="60000"/>
+                    <a:lumOff val="40000"/>
+                  </a:schemeClr>
+                </a:solidFill>
+                <a:latin typeface="Arial Narrow"/>
+                <a:cs typeface="Arial Narrow"/>
+                <a:sym typeface="Arial"/>
+              </a:endParaRPr>
+            </a:p>
+          </p:txBody>
+        </p:sp>
+        <p:sp>
+          <p:nvSpPr>
+            <p:cNvPr id="6" name="Rectangle 5"/>
+            <p:cNvSpPr/>
+            <p:nvPr/>
+          </p:nvSpPr>
+          <p:spPr>
+            <a:xfrm>
+              <a:off x="3804595" y="1887518"/>
+              <a:ext cx="732259" cy="726630"/>
+            </a:xfrm>
+            <a:prstGeom prst="rect">
+              <a:avLst/>
+            </a:prstGeom>
+            <a:solidFill>
+              <a:schemeClr val="bg1"/>
+            </a:solidFill>
+            <a:ln w="12700" cmpd="sng">
+              <a:solidFill>
+                <a:schemeClr val="tx2">
+                  <a:lumMod val="40000"/>
+                  <a:lumOff val="60000"/>
+                </a:schemeClr>
+              </a:solidFill>
+            </a:ln>
+          </p:spPr>
+          <p:style>
+            <a:lnRef idx="2">
+              <a:schemeClr val="dk1"/>
+            </a:lnRef>
+            <a:fillRef idx="1">
+              <a:schemeClr val="lt1"/>
+            </a:fillRef>
+            <a:effectRef idx="0">
+              <a:schemeClr val="dk1"/>
+            </a:effectRef>
+            <a:fontRef idx="minor">
+              <a:schemeClr val="dk1"/>
+            </a:fontRef>
+          </p:style>
+          <p:txBody>
+            <a:bodyPr lIns="0" rIns="0" rtlCol="0" anchor="ctr"/>
+            <a:lstStyle/>
+            <a:p>
+              <a:pPr algn="ctr" defTabSz="914400"/>
+              <a:r>
+                <a:rPr lang="en-US" sz="1050" b="1" kern="0" dirty="0" smtClean="0">
+                  <a:solidFill>
+                    <a:schemeClr val="tx2">
+                      <a:lumMod val="60000"/>
+                      <a:lumOff val="40000"/>
+                    </a:schemeClr>
+                  </a:solidFill>
+                  <a:latin typeface="Arial Narrow"/>
+                  <a:cs typeface="Arial Narrow"/>
+                  <a:sym typeface="Arial"/>
+                </a:rPr>
+                <a:t>Role</a:t>
+              </a:r>
+              <a:br>
+                <a:rPr lang="en-US" sz="1050" b="1" kern="0" dirty="0" smtClean="0">
+                  <a:solidFill>
+                    <a:schemeClr val="tx2">
+                      <a:lumMod val="60000"/>
+                      <a:lumOff val="40000"/>
+                    </a:schemeClr>
+                  </a:solidFill>
+                  <a:latin typeface="Arial Narrow"/>
+                  <a:cs typeface="Arial Narrow"/>
+                  <a:sym typeface="Arial"/>
+                </a:rPr>
+              </a:br>
+              <a:r>
+                <a:rPr lang="en-US" sz="1050" b="1" kern="0" dirty="0" smtClean="0">
+                  <a:solidFill>
+                    <a:schemeClr val="tx2">
+                      <a:lumMod val="60000"/>
+                      <a:lumOff val="40000"/>
+                    </a:schemeClr>
+                  </a:solidFill>
+                  <a:latin typeface="Arial Narrow"/>
+                  <a:cs typeface="Arial Narrow"/>
+                  <a:sym typeface="Arial"/>
+                </a:rPr>
+                <a:t>Classifier</a:t>
+              </a:r>
+              <a:endParaRPr lang="en-US" sz="1050" b="1" kern="0" dirty="0">
+                <a:solidFill>
+                  <a:schemeClr val="tx2">
+                    <a:lumMod val="60000"/>
+                    <a:lumOff val="40000"/>
+                  </a:schemeClr>
+                </a:solidFill>
+                <a:latin typeface="Arial Narrow"/>
+                <a:cs typeface="Arial Narrow"/>
+                <a:sym typeface="Arial"/>
+              </a:endParaRPr>
+            </a:p>
+          </p:txBody>
+        </p:sp>
+        <p:sp>
+          <p:nvSpPr>
+            <p:cNvPr id="7" name="Rectangle 6"/>
+            <p:cNvSpPr/>
+            <p:nvPr/>
+          </p:nvSpPr>
+          <p:spPr>
+            <a:xfrm>
+              <a:off x="4573204" y="1887518"/>
+              <a:ext cx="732259" cy="726630"/>
+            </a:xfrm>
+            <a:prstGeom prst="rect">
+              <a:avLst/>
+            </a:prstGeom>
+            <a:solidFill>
+              <a:schemeClr val="bg1"/>
+            </a:solidFill>
+            <a:ln w="12700" cmpd="sng">
+              <a:solidFill>
+                <a:schemeClr val="tx2">
+                  <a:lumMod val="40000"/>
+                  <a:lumOff val="60000"/>
+                </a:schemeClr>
+              </a:solidFill>
+            </a:ln>
+          </p:spPr>
+          <p:style>
+            <a:lnRef idx="2">
+              <a:schemeClr val="dk1"/>
+            </a:lnRef>
+            <a:fillRef idx="1">
+              <a:schemeClr val="lt1"/>
+            </a:fillRef>
+            <a:effectRef idx="0">
+              <a:schemeClr val="dk1"/>
+            </a:effectRef>
+            <a:fontRef idx="minor">
+              <a:schemeClr val="dk1"/>
+            </a:fontRef>
+          </p:style>
+          <p:txBody>
+            <a:bodyPr lIns="0" rIns="0" rtlCol="0" anchor="ctr"/>
+            <a:lstStyle/>
+            <a:p>
+              <a:pPr algn="ctr" defTabSz="914400"/>
+              <a:r>
+                <a:rPr lang="en-US" sz="1050" b="1" kern="0" dirty="0">
+                  <a:solidFill>
+                    <a:schemeClr val="tx2">
+                      <a:lumMod val="60000"/>
+                      <a:lumOff val="40000"/>
+                    </a:schemeClr>
+                  </a:solidFill>
+                  <a:latin typeface="Arial Narrow"/>
+                  <a:cs typeface="Arial Narrow"/>
+                  <a:sym typeface="Arial"/>
+                </a:rPr>
+                <a:t>Entity</a:t>
+              </a:r>
+              <a:br>
+                <a:rPr lang="en-US" sz="1050" b="1" kern="0" dirty="0">
+                  <a:solidFill>
+                    <a:schemeClr val="tx2">
+                      <a:lumMod val="60000"/>
+                      <a:lumOff val="40000"/>
+                    </a:schemeClr>
+                  </a:solidFill>
+                  <a:latin typeface="Arial Narrow"/>
+                  <a:cs typeface="Arial Narrow"/>
+                  <a:sym typeface="Arial"/>
+                </a:rPr>
+              </a:br>
+              <a:r>
+                <a:rPr lang="en-US" sz="1050" b="1" kern="0" dirty="0">
+                  <a:solidFill>
+                    <a:schemeClr val="tx2">
+                      <a:lumMod val="60000"/>
+                      <a:lumOff val="40000"/>
+                    </a:schemeClr>
+                  </a:solidFill>
+                  <a:latin typeface="Arial Narrow"/>
+                  <a:cs typeface="Arial Narrow"/>
+                  <a:sym typeface="Arial"/>
+                </a:rPr>
+                <a:t>Resolver</a:t>
+              </a:r>
+            </a:p>
+          </p:txBody>
+        </p:sp>
+        <p:sp>
+          <p:nvSpPr>
+            <p:cNvPr id="8" name="Rectangle 7"/>
+            <p:cNvSpPr/>
+            <p:nvPr/>
+          </p:nvSpPr>
+          <p:spPr>
+            <a:xfrm>
+              <a:off x="5341815" y="1887518"/>
+              <a:ext cx="732259" cy="726630"/>
+            </a:xfrm>
+            <a:prstGeom prst="rect">
+              <a:avLst/>
+            </a:prstGeom>
+            <a:solidFill>
+              <a:schemeClr val="bg1"/>
+            </a:solidFill>
+            <a:ln w="12700" cmpd="sng">
+              <a:solidFill>
+                <a:schemeClr val="tx2">
+                  <a:lumMod val="40000"/>
+                  <a:lumOff val="60000"/>
+                </a:schemeClr>
+              </a:solidFill>
+            </a:ln>
+          </p:spPr>
+          <p:style>
+            <a:lnRef idx="2">
+              <a:schemeClr val="dk1"/>
+            </a:lnRef>
+            <a:fillRef idx="1">
+              <a:schemeClr val="lt1"/>
+            </a:fillRef>
+            <a:effectRef idx="0">
+              <a:schemeClr val="dk1"/>
+            </a:effectRef>
+            <a:fontRef idx="minor">
+              <a:schemeClr val="dk1"/>
+            </a:fontRef>
+          </p:style>
+          <p:txBody>
+            <a:bodyPr lIns="0" rIns="0" rtlCol="0" anchor="ctr"/>
+            <a:lstStyle/>
+            <a:p>
+              <a:pPr algn="ctr" defTabSz="914400"/>
+              <a:r>
+                <a:rPr lang="en-US" sz="1050" b="1" kern="0" dirty="0" smtClean="0">
+                  <a:solidFill>
+                    <a:schemeClr val="tx2">
+                      <a:lumMod val="60000"/>
+                      <a:lumOff val="40000"/>
+                    </a:schemeClr>
+                  </a:solidFill>
+                  <a:latin typeface="Arial Narrow"/>
+                  <a:cs typeface="Arial Narrow"/>
+                  <a:sym typeface="Arial"/>
+                </a:rPr>
+                <a:t>Language</a:t>
+              </a:r>
+              <a:r>
+                <a:rPr lang="en-US" sz="1050" b="1" kern="0" dirty="0">
+                  <a:solidFill>
+                    <a:schemeClr val="tx2">
+                      <a:lumMod val="60000"/>
+                      <a:lumOff val="40000"/>
+                    </a:schemeClr>
+                  </a:solidFill>
+                  <a:latin typeface="Arial Narrow"/>
+                  <a:cs typeface="Arial Narrow"/>
+                  <a:sym typeface="Arial"/>
+                </a:rPr>
+                <a:t/>
+              </a:r>
+              <a:br>
+                <a:rPr lang="en-US" sz="1050" b="1" kern="0" dirty="0">
+                  <a:solidFill>
+                    <a:schemeClr val="tx2">
+                      <a:lumMod val="60000"/>
+                      <a:lumOff val="40000"/>
+                    </a:schemeClr>
+                  </a:solidFill>
+                  <a:latin typeface="Arial Narrow"/>
+                  <a:cs typeface="Arial Narrow"/>
+                  <a:sym typeface="Arial"/>
+                </a:rPr>
+              </a:br>
+              <a:r>
+                <a:rPr lang="en-US" sz="1050" b="1" kern="0" dirty="0">
+                  <a:solidFill>
+                    <a:schemeClr val="tx2">
+                      <a:lumMod val="60000"/>
+                      <a:lumOff val="40000"/>
+                    </a:schemeClr>
+                  </a:solidFill>
+                  <a:latin typeface="Arial Narrow"/>
+                  <a:cs typeface="Arial Narrow"/>
+                  <a:sym typeface="Arial"/>
+                </a:rPr>
+                <a:t>Parser</a:t>
+              </a:r>
+            </a:p>
+          </p:txBody>
+        </p:sp>
+        <p:sp>
+          <p:nvSpPr>
+            <p:cNvPr id="9" name="Rectangle 8"/>
+            <p:cNvSpPr/>
+            <p:nvPr/>
+          </p:nvSpPr>
+          <p:spPr>
+            <a:xfrm>
+              <a:off x="6225381" y="2383585"/>
+              <a:ext cx="1463040" cy="271345"/>
+            </a:xfrm>
+            <a:prstGeom prst="rect">
+              <a:avLst/>
+            </a:prstGeom>
+            <a:solidFill>
+              <a:schemeClr val="bg1">
+                <a:lumMod val="95000"/>
+              </a:schemeClr>
+            </a:solidFill>
+            <a:ln w="12700" cmpd="sng">
+              <a:solidFill>
+                <a:srgbClr val="3C6FA5"/>
+              </a:solidFill>
+            </a:ln>
+          </p:spPr>
+          <p:style>
+            <a:lnRef idx="2">
+              <a:schemeClr val="dk1"/>
+            </a:lnRef>
+            <a:fillRef idx="1">
+              <a:schemeClr val="lt1"/>
+            </a:fillRef>
+            <a:effectRef idx="0">
+              <a:schemeClr val="dk1"/>
+            </a:effectRef>
+            <a:fontRef idx="minor">
+              <a:schemeClr val="dk1"/>
+            </a:fontRef>
+          </p:style>
+          <p:txBody>
+            <a:bodyPr lIns="0" rIns="0" rtlCol="0" anchor="ctr"/>
+            <a:lstStyle/>
+            <a:p>
+              <a:pPr algn="ctr" defTabSz="914400"/>
+              <a:r>
+                <a:rPr lang="en-US" sz="1050" b="1" kern="0" dirty="0" smtClean="0">
+                  <a:solidFill>
+                    <a:srgbClr val="3C6FA5"/>
+                  </a:solidFill>
+                  <a:latin typeface="Arial Narrow"/>
+                  <a:cs typeface="Arial Narrow"/>
+                  <a:sym typeface="Arial"/>
+                </a:rPr>
+                <a:t>Dialogue Manager</a:t>
+              </a:r>
+              <a:endParaRPr lang="en-US" sz="1050" b="1" kern="0" dirty="0">
+                <a:solidFill>
+                  <a:srgbClr val="3C6FA5"/>
+                </a:solidFill>
+                <a:latin typeface="Arial Narrow"/>
+                <a:cs typeface="Arial Narrow"/>
+                <a:sym typeface="Arial"/>
+              </a:endParaRPr>
+            </a:p>
+          </p:txBody>
+        </p:sp>
+        <p:sp>
+          <p:nvSpPr>
+            <p:cNvPr id="10" name="Rectangle 9"/>
+            <p:cNvSpPr/>
+            <p:nvPr/>
+          </p:nvSpPr>
+          <p:spPr>
+            <a:xfrm>
+              <a:off x="1455692" y="2844934"/>
+              <a:ext cx="6232729" cy="272184"/>
+            </a:xfrm>
+            <a:prstGeom prst="rect">
+              <a:avLst/>
+            </a:prstGeom>
+            <a:solidFill>
+              <a:schemeClr val="bg1">
+                <a:lumMod val="95000"/>
+              </a:schemeClr>
+            </a:solidFill>
+            <a:ln w="12700" cmpd="sng">
+              <a:solidFill>
+                <a:srgbClr val="3C6FA5"/>
+              </a:solidFill>
+            </a:ln>
+          </p:spPr>
+          <p:style>
+            <a:lnRef idx="2">
+              <a:schemeClr val="dk1"/>
+            </a:lnRef>
+            <a:fillRef idx="1">
+              <a:schemeClr val="lt1"/>
+            </a:fillRef>
+            <a:effectRef idx="0">
+              <a:schemeClr val="dk1"/>
+            </a:effectRef>
+            <a:fontRef idx="minor">
+              <a:schemeClr val="dk1"/>
+            </a:fontRef>
+          </p:style>
+          <p:txBody>
+            <a:bodyPr lIns="0" rIns="0" rtlCol="0" anchor="ctr"/>
+            <a:lstStyle/>
+            <a:p>
+              <a:pPr algn="ctr" defTabSz="914400"/>
+              <a:r>
+                <a:rPr lang="en-US" sz="1050" b="1" kern="0" dirty="0" smtClean="0">
+                  <a:solidFill>
+                    <a:srgbClr val="3C6FA5"/>
+                  </a:solidFill>
+                  <a:latin typeface="Arial Narrow"/>
+                  <a:cs typeface="Arial Narrow"/>
+                  <a:sym typeface="Arial"/>
+                </a:rPr>
+                <a:t>Application Manager</a:t>
+              </a:r>
+              <a:endParaRPr lang="en-US" sz="1050" b="1" kern="0" dirty="0">
+                <a:solidFill>
+                  <a:srgbClr val="3C6FA5"/>
+                </a:solidFill>
+                <a:latin typeface="Arial Narrow"/>
+                <a:cs typeface="Arial Narrow"/>
+                <a:sym typeface="Arial"/>
+              </a:endParaRPr>
+            </a:p>
+          </p:txBody>
+        </p:sp>
+        <p:cxnSp>
+          <p:nvCxnSpPr>
+            <p:cNvPr id="11" name="Straight Arrow Connector 10"/>
+            <p:cNvCxnSpPr/>
+            <p:nvPr/>
+          </p:nvCxnSpPr>
+          <p:spPr>
+            <a:xfrm>
+              <a:off x="3402115" y="2655743"/>
+              <a:ext cx="0" cy="182879"/>
+            </a:xfrm>
+            <a:prstGeom prst="straightConnector1">
+              <a:avLst/>
+            </a:prstGeom>
+            <a:ln>
+              <a:solidFill>
+                <a:schemeClr val="tx2">
+                  <a:lumMod val="60000"/>
+                  <a:lumOff val="40000"/>
+                </a:schemeClr>
+              </a:solidFill>
+              <a:headEnd type="triangle"/>
+              <a:tailEnd type="triangle"/>
+            </a:ln>
+          </p:spPr>
+          <p:style>
+            <a:lnRef idx="1">
+              <a:schemeClr val="dk1"/>
+            </a:lnRef>
+            <a:fillRef idx="0">
+              <a:schemeClr val="dk1"/>
+            </a:fillRef>
+            <a:effectRef idx="0">
+              <a:schemeClr val="dk1"/>
+            </a:effectRef>
+            <a:fontRef idx="minor">
+              <a:schemeClr val="tx1"/>
+            </a:fontRef>
+          </p:style>
+        </p:cxnSp>
+        <p:cxnSp>
+          <p:nvCxnSpPr>
+            <p:cNvPr id="12" name="Straight Arrow Connector 11"/>
+            <p:cNvCxnSpPr/>
+            <p:nvPr/>
+          </p:nvCxnSpPr>
+          <p:spPr>
+            <a:xfrm>
+              <a:off x="4170724" y="2655741"/>
+              <a:ext cx="0" cy="182879"/>
+            </a:xfrm>
+            <a:prstGeom prst="straightConnector1">
+              <a:avLst/>
+            </a:prstGeom>
+            <a:ln>
+              <a:solidFill>
+                <a:schemeClr val="tx2">
+                  <a:lumMod val="60000"/>
+                  <a:lumOff val="40000"/>
+                </a:schemeClr>
+              </a:solidFill>
+              <a:headEnd type="triangle"/>
+              <a:tailEnd type="triangle"/>
+            </a:ln>
+          </p:spPr>
+          <p:style>
+            <a:lnRef idx="1">
+              <a:schemeClr val="dk1"/>
+            </a:lnRef>
+            <a:fillRef idx="0">
+              <a:schemeClr val="dk1"/>
+            </a:fillRef>
+            <a:effectRef idx="0">
+              <a:schemeClr val="dk1"/>
+            </a:effectRef>
+            <a:fontRef idx="minor">
+              <a:schemeClr val="tx1"/>
+            </a:fontRef>
+          </p:style>
+        </p:cxnSp>
+        <p:cxnSp>
+          <p:nvCxnSpPr>
+            <p:cNvPr id="13" name="Straight Arrow Connector 12"/>
+            <p:cNvCxnSpPr/>
+            <p:nvPr/>
+          </p:nvCxnSpPr>
+          <p:spPr>
+            <a:xfrm>
+              <a:off x="4939333" y="2655739"/>
+              <a:ext cx="0" cy="182879"/>
+            </a:xfrm>
+            <a:prstGeom prst="straightConnector1">
+              <a:avLst/>
+            </a:prstGeom>
+            <a:ln>
+              <a:solidFill>
+                <a:schemeClr val="tx2">
+                  <a:lumMod val="60000"/>
+                  <a:lumOff val="40000"/>
+                </a:schemeClr>
+              </a:solidFill>
+              <a:headEnd type="triangle"/>
+              <a:tailEnd type="triangle"/>
+            </a:ln>
+          </p:spPr>
+          <p:style>
+            <a:lnRef idx="1">
+              <a:schemeClr val="dk1"/>
+            </a:lnRef>
+            <a:fillRef idx="0">
+              <a:schemeClr val="dk1"/>
+            </a:fillRef>
+            <a:effectRef idx="0">
+              <a:schemeClr val="dk1"/>
+            </a:effectRef>
+            <a:fontRef idx="minor">
+              <a:schemeClr val="tx1"/>
+            </a:fontRef>
+          </p:style>
+        </p:cxnSp>
+        <p:cxnSp>
+          <p:nvCxnSpPr>
+            <p:cNvPr id="14" name="Straight Arrow Connector 13"/>
+            <p:cNvCxnSpPr/>
+            <p:nvPr/>
+          </p:nvCxnSpPr>
+          <p:spPr>
+            <a:xfrm>
+              <a:off x="5707944" y="2655737"/>
+              <a:ext cx="0" cy="182879"/>
+            </a:xfrm>
+            <a:prstGeom prst="straightConnector1">
+              <a:avLst/>
+            </a:prstGeom>
+            <a:ln>
+              <a:solidFill>
+                <a:schemeClr val="tx2">
+                  <a:lumMod val="60000"/>
+                  <a:lumOff val="40000"/>
+                </a:schemeClr>
+              </a:solidFill>
+              <a:headEnd type="triangle"/>
+              <a:tailEnd type="triangle"/>
+            </a:ln>
+          </p:spPr>
+          <p:style>
+            <a:lnRef idx="1">
+              <a:schemeClr val="dk1"/>
+            </a:lnRef>
+            <a:fillRef idx="0">
+              <a:schemeClr val="dk1"/>
+            </a:fillRef>
+            <a:effectRef idx="0">
+              <a:schemeClr val="dk1"/>
+            </a:effectRef>
+            <a:fontRef idx="minor">
+              <a:schemeClr val="tx1"/>
+            </a:fontRef>
+          </p:style>
+        </p:cxnSp>
+        <p:cxnSp>
+          <p:nvCxnSpPr>
+            <p:cNvPr id="15" name="Straight Arrow Connector 14"/>
+            <p:cNvCxnSpPr/>
+            <p:nvPr/>
+          </p:nvCxnSpPr>
+          <p:spPr>
+            <a:xfrm>
+              <a:off x="6956901" y="2654931"/>
+              <a:ext cx="0" cy="182879"/>
+            </a:xfrm>
+            <a:prstGeom prst="straightConnector1">
+              <a:avLst/>
+            </a:prstGeom>
+            <a:ln>
+              <a:solidFill>
+                <a:schemeClr val="tx2">
+                  <a:lumMod val="60000"/>
+                  <a:lumOff val="40000"/>
+                </a:schemeClr>
+              </a:solidFill>
+              <a:headEnd type="triangle"/>
+              <a:tailEnd type="triangle"/>
+            </a:ln>
+          </p:spPr>
+          <p:style>
+            <a:lnRef idx="1">
+              <a:schemeClr val="dk1"/>
+            </a:lnRef>
+            <a:fillRef idx="0">
+              <a:schemeClr val="dk1"/>
+            </a:fillRef>
+            <a:effectRef idx="0">
+              <a:schemeClr val="dk1"/>
+            </a:effectRef>
+            <a:fontRef idx="minor">
+              <a:schemeClr val="tx1"/>
+            </a:fontRef>
+          </p:style>
+        </p:cxnSp>
+        <p:sp>
+          <p:nvSpPr>
+            <p:cNvPr id="16" name="Rectangle 15"/>
+            <p:cNvSpPr/>
+            <p:nvPr/>
+          </p:nvSpPr>
+          <p:spPr>
+            <a:xfrm>
+              <a:off x="2267377" y="1887518"/>
+              <a:ext cx="732259" cy="726630"/>
+            </a:xfrm>
+            <a:prstGeom prst="rect">
+              <a:avLst/>
+            </a:prstGeom>
+            <a:solidFill>
+              <a:schemeClr val="bg1"/>
+            </a:solidFill>
+            <a:ln w="12700" cmpd="sng">
+              <a:solidFill>
+                <a:schemeClr val="tx2">
+                  <a:lumMod val="40000"/>
+                  <a:lumOff val="60000"/>
+                </a:schemeClr>
+              </a:solidFill>
+            </a:ln>
+          </p:spPr>
+          <p:style>
+            <a:lnRef idx="2">
+              <a:schemeClr val="dk1"/>
+            </a:lnRef>
+            <a:fillRef idx="1">
+              <a:schemeClr val="lt1"/>
+            </a:fillRef>
+            <a:effectRef idx="0">
+              <a:schemeClr val="dk1"/>
+            </a:effectRef>
+            <a:fontRef idx="minor">
+              <a:schemeClr val="dk1"/>
+            </a:fontRef>
+          </p:style>
+          <p:txBody>
+            <a:bodyPr lIns="0" rIns="0" rtlCol="0" anchor="ctr"/>
+            <a:lstStyle/>
+            <a:p>
+              <a:pPr algn="ctr" defTabSz="914400"/>
+              <a:r>
+                <a:rPr lang="en-US" sz="1050" b="1" kern="0" dirty="0">
+                  <a:solidFill>
+                    <a:schemeClr val="tx2">
+                      <a:lumMod val="60000"/>
+                      <a:lumOff val="40000"/>
+                    </a:schemeClr>
+                  </a:solidFill>
+                  <a:latin typeface="Arial Narrow"/>
+                  <a:cs typeface="Arial Narrow"/>
+                  <a:sym typeface="Arial"/>
+                </a:rPr>
+                <a:t>Intent</a:t>
+              </a:r>
+              <a:br>
+                <a:rPr lang="en-US" sz="1050" b="1" kern="0" dirty="0">
+                  <a:solidFill>
+                    <a:schemeClr val="tx2">
+                      <a:lumMod val="60000"/>
+                      <a:lumOff val="40000"/>
+                    </a:schemeClr>
+                  </a:solidFill>
+                  <a:latin typeface="Arial Narrow"/>
+                  <a:cs typeface="Arial Narrow"/>
+                  <a:sym typeface="Arial"/>
+                </a:rPr>
+              </a:br>
+              <a:r>
+                <a:rPr lang="en-US" sz="1050" b="1" kern="0" dirty="0">
+                  <a:solidFill>
+                    <a:schemeClr val="tx2">
+                      <a:lumMod val="60000"/>
+                      <a:lumOff val="40000"/>
+                    </a:schemeClr>
+                  </a:solidFill>
+                  <a:latin typeface="Arial Narrow"/>
+                  <a:cs typeface="Arial Narrow"/>
+                  <a:sym typeface="Arial"/>
+                </a:rPr>
+                <a:t>Classifier</a:t>
+              </a:r>
+            </a:p>
+          </p:txBody>
+        </p:sp>
+        <p:cxnSp>
+          <p:nvCxnSpPr>
+            <p:cNvPr id="17" name="Straight Arrow Connector 16"/>
+            <p:cNvCxnSpPr/>
+            <p:nvPr/>
+          </p:nvCxnSpPr>
+          <p:spPr>
+            <a:xfrm>
+              <a:off x="2633506" y="2658367"/>
+              <a:ext cx="0" cy="182879"/>
+            </a:xfrm>
+            <a:prstGeom prst="straightConnector1">
+              <a:avLst/>
+            </a:prstGeom>
+            <a:ln>
+              <a:solidFill>
+                <a:schemeClr val="tx2">
+                  <a:lumMod val="60000"/>
+                  <a:lumOff val="40000"/>
+                </a:schemeClr>
+              </a:solidFill>
+              <a:headEnd type="triangle"/>
+              <a:tailEnd type="triangle"/>
+            </a:ln>
+          </p:spPr>
+          <p:style>
+            <a:lnRef idx="1">
+              <a:schemeClr val="dk1"/>
+            </a:lnRef>
+            <a:fillRef idx="0">
+              <a:schemeClr val="dk1"/>
+            </a:fillRef>
+            <a:effectRef idx="0">
+              <a:schemeClr val="dk1"/>
+            </a:effectRef>
+            <a:fontRef idx="minor">
+              <a:schemeClr val="tx1"/>
+            </a:fontRef>
+          </p:style>
+        </p:cxnSp>
+        <p:sp>
+          <p:nvSpPr>
+            <p:cNvPr id="18" name="Rectangle 17"/>
+            <p:cNvSpPr/>
+            <p:nvPr/>
+          </p:nvSpPr>
+          <p:spPr>
+            <a:xfrm>
+              <a:off x="1498768" y="1887518"/>
+              <a:ext cx="732259" cy="726630"/>
+            </a:xfrm>
+            <a:prstGeom prst="rect">
+              <a:avLst/>
+            </a:prstGeom>
+            <a:solidFill>
+              <a:schemeClr val="bg1"/>
+            </a:solidFill>
+            <a:ln w="12700" cmpd="sng">
+              <a:solidFill>
+                <a:schemeClr val="tx2">
+                  <a:lumMod val="40000"/>
+                  <a:lumOff val="60000"/>
+                </a:schemeClr>
+              </a:solidFill>
+            </a:ln>
+          </p:spPr>
+          <p:style>
+            <a:lnRef idx="2">
+              <a:schemeClr val="dk1"/>
+            </a:lnRef>
+            <a:fillRef idx="1">
+              <a:schemeClr val="lt1"/>
+            </a:fillRef>
+            <a:effectRef idx="0">
+              <a:schemeClr val="dk1"/>
+            </a:effectRef>
+            <a:fontRef idx="minor">
+              <a:schemeClr val="dk1"/>
+            </a:fontRef>
+          </p:style>
+          <p:txBody>
+            <a:bodyPr lIns="0" rIns="0" rtlCol="0" anchor="ctr"/>
+            <a:lstStyle/>
+            <a:p>
+              <a:pPr algn="ctr" defTabSz="914400"/>
+              <a:r>
+                <a:rPr lang="en-US" sz="1050" b="1" kern="0" dirty="0" smtClean="0">
+                  <a:solidFill>
+                    <a:schemeClr val="tx2">
+                      <a:lumMod val="60000"/>
+                      <a:lumOff val="40000"/>
+                    </a:schemeClr>
+                  </a:solidFill>
+                  <a:latin typeface="Arial Narrow"/>
+                  <a:cs typeface="Arial Narrow"/>
+                  <a:sym typeface="Arial"/>
+                </a:rPr>
+                <a:t>Domain</a:t>
+              </a:r>
+              <a:r>
+                <a:rPr lang="en-US" sz="1050" b="1" kern="0" dirty="0">
+                  <a:solidFill>
+                    <a:schemeClr val="tx2">
+                      <a:lumMod val="60000"/>
+                      <a:lumOff val="40000"/>
+                    </a:schemeClr>
+                  </a:solidFill>
+                  <a:latin typeface="Arial Narrow"/>
+                  <a:cs typeface="Arial Narrow"/>
+                  <a:sym typeface="Arial"/>
+                </a:rPr>
+                <a:t/>
+              </a:r>
+              <a:br>
+                <a:rPr lang="en-US" sz="1050" b="1" kern="0" dirty="0">
+                  <a:solidFill>
+                    <a:schemeClr val="tx2">
+                      <a:lumMod val="60000"/>
+                      <a:lumOff val="40000"/>
+                    </a:schemeClr>
+                  </a:solidFill>
+                  <a:latin typeface="Arial Narrow"/>
+                  <a:cs typeface="Arial Narrow"/>
+                  <a:sym typeface="Arial"/>
+                </a:rPr>
+              </a:br>
+              <a:r>
+                <a:rPr lang="en-US" sz="1050" b="1" kern="0" dirty="0">
+                  <a:solidFill>
+                    <a:schemeClr val="tx2">
+                      <a:lumMod val="60000"/>
+                      <a:lumOff val="40000"/>
+                    </a:schemeClr>
+                  </a:solidFill>
+                  <a:latin typeface="Arial Narrow"/>
+                  <a:cs typeface="Arial Narrow"/>
+                  <a:sym typeface="Arial"/>
+                </a:rPr>
+                <a:t>Classifier</a:t>
+              </a:r>
+            </a:p>
+          </p:txBody>
+        </p:sp>
+        <p:cxnSp>
+          <p:nvCxnSpPr>
+            <p:cNvPr id="19" name="Straight Arrow Connector 18"/>
+            <p:cNvCxnSpPr/>
+            <p:nvPr/>
+          </p:nvCxnSpPr>
+          <p:spPr>
+            <a:xfrm>
+              <a:off x="1864897" y="2660991"/>
+              <a:ext cx="0" cy="182879"/>
+            </a:xfrm>
+            <a:prstGeom prst="straightConnector1">
+              <a:avLst/>
+            </a:prstGeom>
+            <a:ln>
+              <a:solidFill>
+                <a:schemeClr val="tx2">
+                  <a:lumMod val="60000"/>
+                  <a:lumOff val="40000"/>
+                </a:schemeClr>
+              </a:solidFill>
+              <a:headEnd type="triangle"/>
+              <a:tailEnd type="triangle"/>
+            </a:ln>
+          </p:spPr>
+          <p:style>
+            <a:lnRef idx="1">
+              <a:schemeClr val="dk1"/>
+            </a:lnRef>
+            <a:fillRef idx="0">
+              <a:schemeClr val="dk1"/>
+            </a:fillRef>
+            <a:effectRef idx="0">
+              <a:schemeClr val="dk1"/>
+            </a:effectRef>
+            <a:fontRef idx="minor">
+              <a:schemeClr val="tx1"/>
+            </a:fontRef>
+          </p:style>
+        </p:cxnSp>
+        <p:cxnSp>
+          <p:nvCxnSpPr>
+            <p:cNvPr id="20" name="Straight Arrow Connector 19"/>
+            <p:cNvCxnSpPr/>
+            <p:nvPr/>
+          </p:nvCxnSpPr>
+          <p:spPr>
+            <a:xfrm>
+              <a:off x="6956901" y="2186997"/>
+              <a:ext cx="0" cy="194284"/>
+            </a:xfrm>
+            <a:prstGeom prst="straightConnector1">
+              <a:avLst/>
+            </a:prstGeom>
+            <a:ln>
+              <a:solidFill>
+                <a:schemeClr val="tx2">
+                  <a:lumMod val="60000"/>
+                  <a:lumOff val="40000"/>
+                </a:schemeClr>
+              </a:solidFill>
+              <a:headEnd type="triangle"/>
+              <a:tailEnd type="triangle"/>
+            </a:ln>
+          </p:spPr>
+          <p:style>
+            <a:lnRef idx="1">
+              <a:schemeClr val="dk1"/>
+            </a:lnRef>
+            <a:fillRef idx="0">
+              <a:schemeClr val="dk1"/>
+            </a:fillRef>
+            <a:effectRef idx="0">
+              <a:schemeClr val="dk1"/>
+            </a:effectRef>
+            <a:fontRef idx="minor">
+              <a:schemeClr val="tx1"/>
+            </a:fontRef>
+          </p:style>
+        </p:cxnSp>
+        <p:sp>
+          <p:nvSpPr>
+            <p:cNvPr id="21" name="Rectangle 20"/>
+            <p:cNvSpPr/>
+            <p:nvPr/>
+          </p:nvSpPr>
+          <p:spPr>
+            <a:xfrm>
+              <a:off x="6225381" y="1586367"/>
+              <a:ext cx="1463040" cy="596610"/>
+            </a:xfrm>
+            <a:prstGeom prst="rect">
+              <a:avLst/>
+            </a:prstGeom>
+            <a:solidFill>
+              <a:schemeClr val="bg1">
+                <a:lumMod val="95000"/>
+              </a:schemeClr>
+            </a:solidFill>
+            <a:ln w="12700" cmpd="sng">
+              <a:solidFill>
+                <a:srgbClr val="3C6FA5"/>
+              </a:solidFill>
+            </a:ln>
+          </p:spPr>
+          <p:style>
+            <a:lnRef idx="2">
+              <a:schemeClr val="dk1"/>
+            </a:lnRef>
+            <a:fillRef idx="1">
+              <a:schemeClr val="lt1"/>
+            </a:fillRef>
+            <a:effectRef idx="0">
+              <a:schemeClr val="dk1"/>
+            </a:effectRef>
+            <a:fontRef idx="minor">
+              <a:schemeClr val="dk1"/>
+            </a:fontRef>
+          </p:style>
+          <p:txBody>
+            <a:bodyPr lIns="0" rIns="0" rtlCol="0" anchor="ctr"/>
+            <a:lstStyle/>
+            <a:p>
+              <a:pPr algn="ctr" defTabSz="914400"/>
+              <a:r>
+                <a:rPr lang="en-US" sz="1050" b="1" kern="0" dirty="0" smtClean="0">
+                  <a:solidFill>
+                    <a:srgbClr val="3C6FA5"/>
+                  </a:solidFill>
+                  <a:latin typeface="Arial Narrow"/>
+                  <a:cs typeface="Arial Narrow"/>
+                  <a:sym typeface="Arial"/>
+                </a:rPr>
+                <a:t/>
+              </a:r>
+              <a:br>
+                <a:rPr lang="en-US" sz="1050" b="1" kern="0" dirty="0" smtClean="0">
+                  <a:solidFill>
+                    <a:srgbClr val="3C6FA5"/>
+                  </a:solidFill>
+                  <a:latin typeface="Arial Narrow"/>
+                  <a:cs typeface="Arial Narrow"/>
+                  <a:sym typeface="Arial"/>
+                </a:rPr>
+              </a:br>
+              <a:r>
+                <a:rPr lang="en-US" sz="1050" b="1" kern="0" dirty="0" smtClean="0">
+                  <a:solidFill>
+                    <a:srgbClr val="3C6FA5"/>
+                  </a:solidFill>
+                  <a:latin typeface="Arial Narrow"/>
+                  <a:cs typeface="Arial Narrow"/>
+                  <a:sym typeface="Arial"/>
+                </a:rPr>
+                <a:t/>
+              </a:r>
+              <a:br>
+                <a:rPr lang="en-US" sz="1050" b="1" kern="0" dirty="0" smtClean="0">
+                  <a:solidFill>
+                    <a:srgbClr val="3C6FA5"/>
+                  </a:solidFill>
+                  <a:latin typeface="Arial Narrow"/>
+                  <a:cs typeface="Arial Narrow"/>
+                  <a:sym typeface="Arial"/>
+                </a:rPr>
+              </a:br>
+              <a:r>
+                <a:rPr lang="en-US" sz="1050" b="1" kern="0" dirty="0" smtClean="0">
+                  <a:solidFill>
+                    <a:srgbClr val="3C6FA5"/>
+                  </a:solidFill>
+                  <a:latin typeface="Arial Narrow"/>
+                  <a:cs typeface="Arial Narrow"/>
+                  <a:sym typeface="Arial"/>
+                </a:rPr>
+                <a:t>Question Answerer</a:t>
+              </a:r>
+              <a:endParaRPr lang="en-US" sz="1050" b="1" kern="0" dirty="0">
+                <a:solidFill>
+                  <a:srgbClr val="3C6FA5"/>
+                </a:solidFill>
+                <a:latin typeface="Arial Narrow"/>
+                <a:cs typeface="Arial Narrow"/>
+                <a:sym typeface="Arial"/>
+              </a:endParaRPr>
+            </a:p>
+          </p:txBody>
+        </p:sp>
+        <p:sp>
+          <p:nvSpPr>
+            <p:cNvPr id="22" name="Rectangle 21"/>
+            <p:cNvSpPr/>
+            <p:nvPr/>
+          </p:nvSpPr>
+          <p:spPr>
+            <a:xfrm>
+              <a:off x="6263258" y="1629499"/>
+              <a:ext cx="1387287" cy="271345"/>
+            </a:xfrm>
+            <a:prstGeom prst="rect">
+              <a:avLst/>
+            </a:prstGeom>
+            <a:solidFill>
+              <a:schemeClr val="bg1"/>
+            </a:solidFill>
+            <a:ln w="12700" cmpd="sng">
+              <a:solidFill>
+                <a:schemeClr val="tx2">
+                  <a:lumMod val="40000"/>
+                  <a:lumOff val="60000"/>
+                </a:schemeClr>
+              </a:solidFill>
+            </a:ln>
+          </p:spPr>
+          <p:style>
+            <a:lnRef idx="2">
+              <a:schemeClr val="dk1"/>
+            </a:lnRef>
+            <a:fillRef idx="1">
+              <a:schemeClr val="lt1"/>
+            </a:fillRef>
+            <a:effectRef idx="0">
+              <a:schemeClr val="dk1"/>
+            </a:effectRef>
+            <a:fontRef idx="minor">
+              <a:schemeClr val="dk1"/>
+            </a:fontRef>
+          </p:style>
+          <p:txBody>
+            <a:bodyPr lIns="0" tIns="0" rIns="0" bIns="0" rtlCol="0" anchor="ctr"/>
+            <a:lstStyle/>
+            <a:p>
+              <a:pPr algn="ctr" defTabSz="914400"/>
+              <a:r>
+                <a:rPr lang="en-US" sz="1050" b="1" kern="0" dirty="0" smtClean="0">
+                  <a:solidFill>
+                    <a:schemeClr val="tx2">
+                      <a:lumMod val="60000"/>
+                      <a:lumOff val="40000"/>
+                    </a:schemeClr>
+                  </a:solidFill>
+                  <a:latin typeface="Arial Narrow"/>
+                  <a:cs typeface="Arial Narrow"/>
+                  <a:sym typeface="Arial"/>
+                </a:rPr>
+                <a:t>Knowledge Base</a:t>
+              </a:r>
+              <a:endParaRPr lang="en-US" sz="1050" b="1" kern="0" dirty="0">
+                <a:solidFill>
+                  <a:schemeClr val="tx2">
+                    <a:lumMod val="60000"/>
+                    <a:lumOff val="40000"/>
+                  </a:schemeClr>
+                </a:solidFill>
+                <a:latin typeface="Arial Narrow"/>
+                <a:cs typeface="Arial Narrow"/>
+                <a:sym typeface="Arial"/>
+              </a:endParaRPr>
+            </a:p>
+          </p:txBody>
+        </p:sp>
+      </p:grpSp>
+    </p:spTree>
+    <p:extLst>
+      <p:ext uri="{BB962C8B-B14F-4D97-AF65-F5344CB8AC3E}">
+        <p14:creationId xmlns:p14="http://schemas.microsoft.com/office/powerpoint/2010/main" val="1367213121"/>
+      </p:ext>
+    </p:extLst>
+  </p:cSld>
+  <p:clrMapOvr>
+    <a:masterClrMapping/>
+  </p:clrMapOvr>
+</p:sld>
+</file>
+
+<file path=ppt/slides/slide2.xml><?xml version="1.0" encoding="utf-8"?>
+<p:sld xmlns:a="http://schemas.openxmlformats.org/drawingml/2006/main" xmlns:r="http://schemas.openxmlformats.org/officeDocument/2006/relationships" xmlns:p="http://schemas.openxmlformats.org/presentationml/2006/main">
+  <p:cSld>
+    <p:spTree>
+      <p:nvGrpSpPr>
+        <p:cNvPr id="1" name=""/>
+        <p:cNvGrpSpPr/>
+        <p:nvPr/>
+      </p:nvGrpSpPr>
+      <p:grpSpPr>
+        <a:xfrm>
+          <a:off x="0" y="0"/>
+          <a:ext cx="0" cy="0"/>
+          <a:chOff x="0" y="0"/>
+          <a:chExt cx="0" cy="0"/>
+        </a:xfrm>
+      </p:grpSpPr>
+      <p:sp>
+        <p:nvSpPr>
+          <p:cNvPr id="2" name="Slide Number Placeholder 1"/>
+          <p:cNvSpPr>
+            <a:spLocks noGrp="1"/>
+          </p:cNvSpPr>
+          <p:nvPr>
+            <p:ph type="sldNum" sz="quarter" idx="12"/>
+          </p:nvPr>
+        </p:nvSpPr>
+        <p:spPr/>
+        <p:txBody>
+          <a:bodyPr/>
+          <a:lstStyle/>
+          <a:p>
+            <a:fld id="{D01B2998-00A9-9E41-AB29-A15A35C12BAC}" type="slidenum">
+              <a:rPr lang="en-US" smtClean="0"/>
+              <a:t>2</a:t>
+            </a:fld>
+            <a:endParaRPr lang="en-US" dirty="0"/>
+          </a:p>
+        </p:txBody>
+      </p:sp>
+      <p:grpSp>
+        <p:nvGrpSpPr>
+          <p:cNvPr id="3" name="Group 2"/>
+          <p:cNvGrpSpPr/>
+          <p:nvPr/>
+        </p:nvGrpSpPr>
+        <p:grpSpPr>
+          <a:xfrm>
             <a:off x="3180290" y="830438"/>
             <a:ext cx="3159727" cy="4027459"/>
             <a:chOff x="3180290" y="830438"/>
@@ -3926,7 +5296,7 @@
 </p:sld>
 </file>
 
-<file path=ppt/slides/slide2.xml><?xml version="1.0" encoding="utf-8"?>
+<file path=ppt/slides/slide3.xml><?xml version="1.0" encoding="utf-8"?>
 <p:sld xmlns:a="http://schemas.openxmlformats.org/drawingml/2006/main" xmlns:r="http://schemas.openxmlformats.org/officeDocument/2006/relationships" xmlns:p="http://schemas.openxmlformats.org/presentationml/2006/main">
   <p:cSld>
     <p:spTree>
@@ -3960,7 +5330,7 @@
           <a:p>
             <a:fld id="{D01B2998-00A9-9E41-AB29-A15A35C12BAC}" type="slidenum">
               <a:rPr lang="en-US" smtClean="0"/>
-              <a:t>2</a:t>
+              <a:t>3</a:t>
             </a:fld>
             <a:endParaRPr lang="en-US" dirty="0"/>
           </a:p>
@@ -6549,7 +7919,7 @@
 </p:sld>
 </file>
 
-<file path=ppt/slides/slide3.xml><?xml version="1.0" encoding="utf-8"?>
+<file path=ppt/slides/slide4.xml><?xml version="1.0" encoding="utf-8"?>
 <p:sld xmlns:a="http://schemas.openxmlformats.org/drawingml/2006/main" xmlns:r="http://schemas.openxmlformats.org/officeDocument/2006/relationships" xmlns:p="http://schemas.openxmlformats.org/presentationml/2006/main">
   <p:cSld>
     <p:spTree>
@@ -6583,7 +7953,7 @@
           <a:p>
             <a:fld id="{D01B2998-00A9-9E41-AB29-A15A35C12BAC}" type="slidenum">
               <a:rPr lang="en-US" smtClean="0"/>
-              <a:t>3</a:t>
+              <a:t>4</a:t>
             </a:fld>
             <a:endParaRPr lang="en-US" dirty="0"/>
           </a:p>
@@ -7753,7 +9123,7 @@
 </p:sld>
 </file>
 
-<file path=ppt/slides/slide4.xml><?xml version="1.0" encoding="utf-8"?>
+<file path=ppt/slides/slide5.xml><?xml version="1.0" encoding="utf-8"?>
 <p:sld xmlns:a="http://schemas.openxmlformats.org/drawingml/2006/main" xmlns:r="http://schemas.openxmlformats.org/officeDocument/2006/relationships" xmlns:p="http://schemas.openxmlformats.org/presentationml/2006/main">
   <p:cSld>
     <p:spTree>
@@ -7787,7 +9157,7 @@
           <a:p>
             <a:fld id="{D01B2998-00A9-9E41-AB29-A15A35C12BAC}" type="slidenum">
               <a:rPr lang="en-US" smtClean="0"/>
-              <a:t>4</a:t>
+              <a:t>5</a:t>
             </a:fld>
             <a:endParaRPr lang="en-US" dirty="0"/>
           </a:p>
@@ -10026,7 +11396,7 @@
 </p:sld>
 </file>
 
-<file path=ppt/slides/slide5.xml><?xml version="1.0" encoding="utf-8"?>
+<file path=ppt/slides/slide6.xml><?xml version="1.0" encoding="utf-8"?>
 <p:sld xmlns:a="http://schemas.openxmlformats.org/drawingml/2006/main" xmlns:r="http://schemas.openxmlformats.org/officeDocument/2006/relationships" xmlns:p="http://schemas.openxmlformats.org/presentationml/2006/main">
   <p:cSld>
     <p:spTree>
@@ -10060,7 +11430,7 @@
           <a:p>
             <a:fld id="{D01B2998-00A9-9E41-AB29-A15A35C12BAC}" type="slidenum">
               <a:rPr lang="en-US" smtClean="0"/>
-              <a:t>5</a:t>
+              <a:t>6</a:t>
             </a:fld>
             <a:endParaRPr lang="en-US" dirty="0"/>
           </a:p>
@@ -11716,7 +13086,7 @@
 </p:sld>
 </file>
 
-<file path=ppt/slides/slide6.xml><?xml version="1.0" encoding="utf-8"?>
+<file path=ppt/slides/slide7.xml><?xml version="1.0" encoding="utf-8"?>
 <p:sld xmlns:a="http://schemas.openxmlformats.org/drawingml/2006/main" xmlns:r="http://schemas.openxmlformats.org/officeDocument/2006/relationships" xmlns:p="http://schemas.openxmlformats.org/presentationml/2006/main">
   <p:cSld>
     <p:spTree>
@@ -11750,7 +13120,7 @@
           <a:p>
             <a:fld id="{D01B2998-00A9-9E41-AB29-A15A35C12BAC}" type="slidenum">
               <a:rPr lang="en-US" smtClean="0"/>
-              <a:t>6</a:t>
+              <a:t>7</a:t>
             </a:fld>
             <a:endParaRPr lang="en-US" dirty="0"/>
           </a:p>
@@ -14395,7 +15765,7 @@
 </p:sld>
 </file>
 
-<file path=ppt/slides/slide7.xml><?xml version="1.0" encoding="utf-8"?>
+<file path=ppt/slides/slide8.xml><?xml version="1.0" encoding="utf-8"?>
 <p:sld xmlns:a="http://schemas.openxmlformats.org/drawingml/2006/main" xmlns:r="http://schemas.openxmlformats.org/officeDocument/2006/relationships" xmlns:p="http://schemas.openxmlformats.org/presentationml/2006/main">
   <p:cSld>
     <p:spTree>
@@ -14429,7 +15799,7 @@
           <a:p>
             <a:fld id="{D01B2998-00A9-9E41-AB29-A15A35C12BAC}" type="slidenum">
               <a:rPr lang="en-US" smtClean="0"/>
-              <a:t>7</a:t>
+              <a:t>8</a:t>
             </a:fld>
             <a:endParaRPr lang="en-US" dirty="0"/>
           </a:p>
@@ -15389,15 +16759,7 @@
                       <a:srgbClr val="2C74A5"/>
                     </a:solidFill>
                   </a:rPr>
-                  <a:t>{close_time} </a:t>
-                </a:r>
-                <a:r>
-                  <a:rPr lang="en-US" sz="900" dirty="0" smtClean="0">
-                    <a:solidFill>
-                      <a:srgbClr val="2C74A5"/>
-                    </a:solidFill>
-                  </a:rPr>
-                  <a:t>{date} </a:t>
+                  <a:t>{close_time} {date} </a:t>
                 </a:r>
                 <a:r>
                   <a:rPr lang="en-US" sz="900" dirty="0" smtClean="0"/>

--- a/docs/source/images/images.pptx
+++ b/docs/source/images/images.pptx
@@ -13,6 +13,7 @@
     <p:sldId id="261" r:id="rId7"/>
     <p:sldId id="263" r:id="rId8"/>
     <p:sldId id="262" r:id="rId9"/>
+    <p:sldId id="265" r:id="rId10"/>
   </p:sldIdLst>
   <p:sldSz cx="9144000" cy="6858000" type="screen4x3"/>
   <p:notesSz cx="6858000" cy="9144000"/>
@@ -4574,8 +4575,12 @@
                 <a:t>23 Elm Street </a:t>
               </a:r>
               <a:r>
+                <a:rPr lang="en-US" sz="900" dirty="0" err="1"/>
+                <a:t>Kwik</a:t>
+              </a:r>
+              <a:r>
                 <a:rPr lang="en-US" sz="900" dirty="0"/>
-                <a:t>Kwik-E-Mart </a:t>
+                <a:t>-E-Mart </a:t>
               </a:r>
               <a:r>
                 <a:rPr lang="en-US" sz="900" dirty="0" smtClean="0"/>
@@ -4666,7 +4671,15 @@
             <a:p>
               <a:r>
                 <a:rPr lang="en-US" sz="900" dirty="0"/>
-                <a:t>Hello, Pat. I can help you find store hours for your local Kwik-E-Mart. How can I help?</a:t>
+                <a:t>Hello, Pat. I can help you find store hours for your local </a:t>
+              </a:r>
+              <a:r>
+                <a:rPr lang="en-US" sz="900" dirty="0" err="1"/>
+                <a:t>Kwik</a:t>
+              </a:r>
+              <a:r>
+                <a:rPr lang="en-US" sz="900" dirty="0"/>
+                <a:t>-E-Mart. How can I help?</a:t>
               </a:r>
             </a:p>
             <a:p>
@@ -4889,7 +4902,15 @@
             <a:p>
               <a:r>
                 <a:rPr lang="en-US" sz="900" dirty="0"/>
-                <a:t>Your nearest Kwik-E-Mart is located at </a:t>
+                <a:t>Your nearest </a:t>
+              </a:r>
+              <a:r>
+                <a:rPr lang="en-US" sz="900" dirty="0" err="1"/>
+                <a:t>Kwik</a:t>
+              </a:r>
+              <a:r>
+                <a:rPr lang="en-US" sz="900" dirty="0"/>
+                <a:t>-E-Mart is located at </a:t>
               </a:r>
               <a:r>
                 <a:rPr lang="en-US" sz="900" dirty="0" smtClean="0"/>
@@ -4972,7 +4993,23 @@
                     <a:srgbClr val="FFFFFF"/>
                   </a:solidFill>
                 </a:rPr>
-                <a:t>Where is the nearest Kwik-E-Mart?</a:t>
+                <a:t>Where is the nearest </a:t>
+              </a:r>
+              <a:r>
+                <a:rPr lang="en-US" sz="900" dirty="0" err="1" smtClean="0">
+                  <a:solidFill>
+                    <a:srgbClr val="FFFFFF"/>
+                  </a:solidFill>
+                </a:rPr>
+                <a:t>Kwik</a:t>
+              </a:r>
+              <a:r>
+                <a:rPr lang="en-US" sz="900" dirty="0" smtClean="0">
+                  <a:solidFill>
+                    <a:srgbClr val="FFFFFF"/>
+                  </a:solidFill>
+                </a:rPr>
+                <a:t>-E-Mart?</a:t>
               </a:r>
             </a:p>
             <a:p>
@@ -5050,8 +5087,12 @@
                 <a:t>Pine and Market </a:t>
               </a:r>
               <a:r>
+                <a:rPr lang="en-US" sz="900" dirty="0" err="1"/>
+                <a:t>Kwik</a:t>
+              </a:r>
+              <a:r>
                 <a:rPr lang="en-US" sz="900" dirty="0"/>
-                <a:t>Kwik-E-Mart opens at </a:t>
+                <a:t>-E-Mart opens at </a:t>
               </a:r>
               <a:r>
                 <a:rPr lang="en-US" sz="900" dirty="0" smtClean="0"/>
@@ -9926,12 +9967,20 @@
                   </a:rPr>
                 </a:br>
                 <a:r>
+                  <a:rPr lang="en-US" sz="900" dirty="0" err="1" smtClean="0">
+                    <a:solidFill>
+                      <a:srgbClr val="FFFFFF"/>
+                    </a:solidFill>
+                  </a:rPr>
+                  <a:t>Kwik</a:t>
+                </a:r>
+                <a:r>
                   <a:rPr lang="en-US" sz="900" dirty="0" smtClean="0">
                     <a:solidFill>
                       <a:srgbClr val="FFFFFF"/>
                     </a:solidFill>
                   </a:rPr>
-                  <a:t>Kwik-E-Mart?</a:t>
+                  <a:t>-E-Mart?</a:t>
                 </a:r>
               </a:p>
               <a:p>
@@ -16079,12 +16128,20 @@
                 </a:rPr>
               </a:br>
               <a:r>
+                <a:rPr lang="en-US" sz="900" dirty="0" err="1" smtClean="0">
+                  <a:solidFill>
+                    <a:srgbClr val="FFFFFF"/>
+                  </a:solidFill>
+                </a:rPr>
+                <a:t>Kwik</a:t>
+              </a:r>
+              <a:r>
                 <a:rPr lang="en-US" sz="900" dirty="0" smtClean="0">
                   <a:solidFill>
                     <a:srgbClr val="FFFFFF"/>
                   </a:solidFill>
                 </a:rPr>
-                <a:t>Kwik-E-Mart?</a:t>
+                <a:t>-E-Mart?</a:t>
               </a:r>
             </a:p>
             <a:p>
@@ -16495,7 +16552,7 @@
                   <a:rPr lang="en-US" sz="900" dirty="0" smtClean="0"/>
                 </a:br>
                 <a:r>
-                  <a:rPr lang="en-US" sz="900" dirty="0" smtClean="0"/>
+                  <a:rPr lang="en-US" sz="900" dirty="0" err="1" smtClean="0"/>
                   <a:t>Kwik</a:t>
                 </a:r>
                 <a:r>
@@ -16734,7 +16791,7 @@
                   <a:t>{store_name} </a:t>
                 </a:r>
                 <a:r>
-                  <a:rPr lang="en-US" sz="900" dirty="0" smtClean="0"/>
+                  <a:rPr lang="en-US" sz="900" dirty="0" err="1" smtClean="0"/>
                   <a:t>Kwik</a:t>
                 </a:r>
                 <a:r>
@@ -16982,7 +17039,15 @@
                 </a:r>
                 <a:r>
                   <a:rPr lang="en-US" sz="900" dirty="0"/>
-                  <a:t>Your nearest Kwik-E-Mart is located </a:t>
+                  <a:t>Your nearest </a:t>
+                </a:r>
+                <a:r>
+                  <a:rPr lang="en-US" sz="900" dirty="0" err="1"/>
+                  <a:t>Kwik</a:t>
+                </a:r>
+                <a:r>
+                  <a:rPr lang="en-US" sz="900" dirty="0"/>
+                  <a:t>-E-Mart is located </a:t>
                 </a:r>
                 <a:r>
                   <a:rPr lang="en-US" sz="900" dirty="0" smtClean="0"/>
@@ -18578,6 +18643,2303 @@
 </p:sld>
 </file>
 
+<file path=ppt/slides/slide9.xml><?xml version="1.0" encoding="utf-8"?>
+<p:sld xmlns:a="http://schemas.openxmlformats.org/drawingml/2006/main" xmlns:r="http://schemas.openxmlformats.org/officeDocument/2006/relationships" xmlns:p="http://schemas.openxmlformats.org/presentationml/2006/main">
+  <p:cSld>
+    <p:spTree>
+      <p:nvGrpSpPr>
+        <p:cNvPr id="1" name=""/>
+        <p:cNvGrpSpPr/>
+        <p:nvPr/>
+      </p:nvGrpSpPr>
+      <p:grpSpPr>
+        <a:xfrm>
+          <a:off x="0" y="0"/>
+          <a:ext cx="0" cy="0"/>
+          <a:chOff x="0" y="0"/>
+          <a:chExt cx="0" cy="0"/>
+        </a:xfrm>
+      </p:grpSpPr>
+      <p:sp>
+        <p:nvSpPr>
+          <p:cNvPr id="2" name="Slide Number Placeholder 1"/>
+          <p:cNvSpPr>
+            <a:spLocks noGrp="1"/>
+          </p:cNvSpPr>
+          <p:nvPr>
+            <p:ph type="sldNum" sz="quarter" idx="12"/>
+          </p:nvPr>
+        </p:nvSpPr>
+        <p:spPr/>
+        <p:txBody>
+          <a:bodyPr/>
+          <a:lstStyle/>
+          <a:p>
+            <a:fld id="{D01B2998-00A9-9E41-AB29-A15A35C12BAC}" type="slidenum">
+              <a:rPr lang="en-US" smtClean="0"/>
+              <a:t>9</a:t>
+            </a:fld>
+            <a:endParaRPr lang="en-US" dirty="0"/>
+          </a:p>
+        </p:txBody>
+      </p:sp>
+      <p:grpSp>
+        <p:nvGrpSpPr>
+          <p:cNvPr id="137" name="Group 136"/>
+          <p:cNvGrpSpPr/>
+          <p:nvPr/>
+        </p:nvGrpSpPr>
+        <p:grpSpPr>
+          <a:xfrm>
+            <a:off x="1433847" y="1286712"/>
+            <a:ext cx="6450996" cy="3620032"/>
+            <a:chOff x="1562452" y="827297"/>
+            <a:chExt cx="6450996" cy="3620032"/>
+          </a:xfrm>
+        </p:grpSpPr>
+        <p:grpSp>
+          <p:nvGrpSpPr>
+            <p:cNvPr id="82" name="Group 81"/>
+            <p:cNvGrpSpPr/>
+            <p:nvPr/>
+          </p:nvGrpSpPr>
+          <p:grpSpPr>
+            <a:xfrm>
+              <a:off x="1562452" y="827297"/>
+              <a:ext cx="6450996" cy="690247"/>
+              <a:chOff x="1562452" y="827297"/>
+              <a:chExt cx="6450996" cy="690247"/>
+            </a:xfrm>
+          </p:grpSpPr>
+          <p:sp>
+            <p:nvSpPr>
+              <p:cNvPr id="43" name="TextBox 42"/>
+              <p:cNvSpPr txBox="1"/>
+              <p:nvPr/>
+            </p:nvSpPr>
+            <p:spPr>
+              <a:xfrm>
+                <a:off x="1977262" y="1286712"/>
+                <a:ext cx="671979" cy="230832"/>
+              </a:xfrm>
+              <a:prstGeom prst="rect">
+                <a:avLst/>
+              </a:prstGeom>
+              <a:noFill/>
+            </p:spPr>
+            <p:txBody>
+              <a:bodyPr wrap="none" rtlCol="0">
+                <a:spAutoFit/>
+              </a:bodyPr>
+              <a:lstStyle/>
+              <a:p>
+                <a:r>
+                  <a:rPr lang="en-US" sz="900" dirty="0" smtClean="0">
+                    <a:solidFill>
+                      <a:srgbClr val="E74C3C"/>
+                    </a:solidFill>
+                    <a:latin typeface="Arial Narrow"/>
+                    <a:cs typeface="Arial Narrow"/>
+                    <a:sym typeface="Wingdings"/>
+                  </a:rPr>
+                  <a:t>QUANTITY</a:t>
+                </a:r>
+                <a:endParaRPr lang="en-US" sz="900" dirty="0">
+                  <a:solidFill>
+                    <a:srgbClr val="E74C3C"/>
+                  </a:solidFill>
+                </a:endParaRPr>
+              </a:p>
+            </p:txBody>
+          </p:sp>
+          <p:sp>
+            <p:nvSpPr>
+              <p:cNvPr id="41" name="Rounded Rectangle 40"/>
+              <p:cNvSpPr/>
+              <p:nvPr/>
+            </p:nvSpPr>
+            <p:spPr>
+              <a:xfrm>
+                <a:off x="1562452" y="827297"/>
+                <a:ext cx="6450996" cy="370291"/>
+              </a:xfrm>
+              <a:prstGeom prst="roundRect">
+                <a:avLst>
+                  <a:gd name="adj" fmla="val 34525"/>
+                </a:avLst>
+              </a:prstGeom>
+              <a:solidFill>
+                <a:schemeClr val="bg1">
+                  <a:lumMod val="95000"/>
+                </a:schemeClr>
+              </a:solidFill>
+              <a:ln w="3175" cmpd="sng">
+                <a:solidFill>
+                  <a:schemeClr val="bg1">
+                    <a:lumMod val="85000"/>
+                  </a:schemeClr>
+                </a:solidFill>
+              </a:ln>
+            </p:spPr>
+            <p:style>
+              <a:lnRef idx="2">
+                <a:schemeClr val="dk1"/>
+              </a:lnRef>
+              <a:fillRef idx="1">
+                <a:schemeClr val="lt1"/>
+              </a:fillRef>
+              <a:effectRef idx="0">
+                <a:schemeClr val="dk1"/>
+              </a:effectRef>
+              <a:fontRef idx="minor">
+                <a:schemeClr val="dk1"/>
+              </a:fontRef>
+            </p:style>
+            <p:txBody>
+              <a:bodyPr tIns="36576" bIns="36576" rtlCol="0" anchor="t" anchorCtr="0"/>
+              <a:lstStyle/>
+              <a:p>
+                <a:r>
+                  <a:rPr lang="en-US" sz="1200" dirty="0" smtClean="0">
+                    <a:solidFill>
+                      <a:schemeClr val="tx1"/>
+                    </a:solidFill>
+                  </a:rPr>
+                  <a:t>Order  one   large      squishee    and a dozen    donuts   from the  Elm Street    </a:t>
+                </a:r>
+                <a:r>
+                  <a:rPr lang="en-US" sz="1200" dirty="0" err="1" smtClean="0">
+                    <a:solidFill>
+                      <a:schemeClr val="tx1"/>
+                    </a:solidFill>
+                  </a:rPr>
+                  <a:t>Kwik</a:t>
+                </a:r>
+                <a:r>
+                  <a:rPr lang="en-US" sz="1200" dirty="0" smtClean="0">
+                    <a:solidFill>
+                      <a:schemeClr val="tx1"/>
+                    </a:solidFill>
+                  </a:rPr>
+                  <a:t>-E-Mart</a:t>
+                </a:r>
+                <a:endParaRPr lang="en-US" sz="1200" dirty="0" smtClean="0">
+                  <a:solidFill>
+                    <a:schemeClr val="tx1"/>
+                  </a:solidFill>
+                </a:endParaRPr>
+              </a:p>
+              <a:p>
+                <a:endParaRPr lang="en-US" sz="1200" dirty="0">
+                  <a:solidFill>
+                    <a:schemeClr val="tx1"/>
+                  </a:solidFill>
+                </a:endParaRPr>
+              </a:p>
+              <a:p>
+                <a:endParaRPr lang="en-US" sz="1200" dirty="0">
+                  <a:solidFill>
+                    <a:schemeClr val="tx1"/>
+                  </a:solidFill>
+                </a:endParaRPr>
+              </a:p>
+            </p:txBody>
+          </p:sp>
+          <p:sp>
+            <p:nvSpPr>
+              <p:cNvPr id="46" name="Rounded Rectangle 45"/>
+              <p:cNvSpPr/>
+              <p:nvPr/>
+            </p:nvSpPr>
+            <p:spPr>
+              <a:xfrm>
+                <a:off x="2121526" y="902244"/>
+                <a:ext cx="371553" cy="210625"/>
+              </a:xfrm>
+              <a:prstGeom prst="roundRect">
+                <a:avLst/>
+              </a:prstGeom>
+              <a:ln w="12700" cmpd="sng">
+                <a:solidFill>
+                  <a:schemeClr val="bg1">
+                    <a:lumMod val="85000"/>
+                  </a:schemeClr>
+                </a:solidFill>
+              </a:ln>
+            </p:spPr>
+            <p:style>
+              <a:lnRef idx="2">
+                <a:schemeClr val="accent6"/>
+              </a:lnRef>
+              <a:fillRef idx="1">
+                <a:schemeClr val="lt1"/>
+              </a:fillRef>
+              <a:effectRef idx="0">
+                <a:schemeClr val="accent6"/>
+              </a:effectRef>
+              <a:fontRef idx="minor">
+                <a:schemeClr val="dk1"/>
+              </a:fontRef>
+            </p:style>
+            <p:txBody>
+              <a:bodyPr lIns="0" tIns="0" rIns="0" bIns="36576" rtlCol="0" anchor="ctr" anchorCtr="1"/>
+              <a:lstStyle/>
+              <a:p>
+                <a:pPr algn="ctr"/>
+                <a:r>
+                  <a:rPr lang="en-US" sz="1200" dirty="0" smtClean="0">
+                    <a:solidFill>
+                      <a:srgbClr val="E74C3C"/>
+                    </a:solidFill>
+                    <a:latin typeface="Consolas"/>
+                    <a:cs typeface="Consolas"/>
+                  </a:rPr>
+                  <a:t>one</a:t>
+                </a:r>
+                <a:endParaRPr lang="en-US" sz="1200" dirty="0">
+                  <a:solidFill>
+                    <a:srgbClr val="E74C3C"/>
+                  </a:solidFill>
+                  <a:latin typeface="Consolas"/>
+                  <a:cs typeface="Consolas"/>
+                </a:endParaRPr>
+              </a:p>
+            </p:txBody>
+          </p:sp>
+          <p:sp>
+            <p:nvSpPr>
+              <p:cNvPr id="47" name="Rounded Rectangle 46"/>
+              <p:cNvSpPr/>
+              <p:nvPr/>
+            </p:nvSpPr>
+            <p:spPr>
+              <a:xfrm>
+                <a:off x="2536356" y="902244"/>
+                <a:ext cx="548813" cy="210625"/>
+              </a:xfrm>
+              <a:prstGeom prst="roundRect">
+                <a:avLst/>
+              </a:prstGeom>
+              <a:ln w="12700" cmpd="sng">
+                <a:solidFill>
+                  <a:schemeClr val="bg1">
+                    <a:lumMod val="85000"/>
+                  </a:schemeClr>
+                </a:solidFill>
+              </a:ln>
+            </p:spPr>
+            <p:style>
+              <a:lnRef idx="2">
+                <a:schemeClr val="accent6"/>
+              </a:lnRef>
+              <a:fillRef idx="1">
+                <a:schemeClr val="lt1"/>
+              </a:fillRef>
+              <a:effectRef idx="0">
+                <a:schemeClr val="accent6"/>
+              </a:effectRef>
+              <a:fontRef idx="minor">
+                <a:schemeClr val="dk1"/>
+              </a:fontRef>
+            </p:style>
+            <p:txBody>
+              <a:bodyPr lIns="0" tIns="0" rIns="0" bIns="36576" rtlCol="0" anchor="ctr" anchorCtr="1"/>
+              <a:lstStyle/>
+              <a:p>
+                <a:pPr algn="ctr"/>
+                <a:r>
+                  <a:rPr lang="en-US" sz="1200" dirty="0" smtClean="0">
+                    <a:solidFill>
+                      <a:srgbClr val="E74C3C"/>
+                    </a:solidFill>
+                    <a:latin typeface="Consolas"/>
+                    <a:cs typeface="Consolas"/>
+                  </a:rPr>
+                  <a:t>large</a:t>
+                </a:r>
+                <a:endParaRPr lang="en-US" sz="1200" dirty="0">
+                  <a:solidFill>
+                    <a:srgbClr val="E74C3C"/>
+                  </a:solidFill>
+                  <a:latin typeface="Consolas"/>
+                  <a:cs typeface="Consolas"/>
+                </a:endParaRPr>
+              </a:p>
+            </p:txBody>
+          </p:sp>
+          <p:sp>
+            <p:nvSpPr>
+              <p:cNvPr id="48" name="Rounded Rectangle 47"/>
+              <p:cNvSpPr/>
+              <p:nvPr/>
+            </p:nvSpPr>
+            <p:spPr>
+              <a:xfrm>
+                <a:off x="3127342" y="902244"/>
+                <a:ext cx="746794" cy="210625"/>
+              </a:xfrm>
+              <a:prstGeom prst="roundRect">
+                <a:avLst/>
+              </a:prstGeom>
+              <a:ln w="12700" cmpd="sng">
+                <a:solidFill>
+                  <a:srgbClr val="D9D9D9"/>
+                </a:solidFill>
+              </a:ln>
+            </p:spPr>
+            <p:style>
+              <a:lnRef idx="2">
+                <a:schemeClr val="accent6"/>
+              </a:lnRef>
+              <a:fillRef idx="1">
+                <a:schemeClr val="lt1"/>
+              </a:fillRef>
+              <a:effectRef idx="0">
+                <a:schemeClr val="accent6"/>
+              </a:effectRef>
+              <a:fontRef idx="minor">
+                <a:schemeClr val="dk1"/>
+              </a:fontRef>
+            </p:style>
+            <p:txBody>
+              <a:bodyPr lIns="0" tIns="0" rIns="0" bIns="36576" rtlCol="0" anchor="ctr" anchorCtr="1"/>
+              <a:lstStyle/>
+              <a:p>
+                <a:pPr algn="ctr"/>
+                <a:r>
+                  <a:rPr lang="en-US" sz="1200" dirty="0" smtClean="0">
+                    <a:solidFill>
+                      <a:srgbClr val="E74C3C"/>
+                    </a:solidFill>
+                    <a:latin typeface="Consolas"/>
+                    <a:cs typeface="Consolas"/>
+                  </a:rPr>
+                  <a:t>squishee</a:t>
+                </a:r>
+                <a:endParaRPr lang="en-US" sz="1200" dirty="0">
+                  <a:solidFill>
+                    <a:srgbClr val="E74C3C"/>
+                  </a:solidFill>
+                  <a:latin typeface="Consolas"/>
+                  <a:cs typeface="Consolas"/>
+                </a:endParaRPr>
+              </a:p>
+            </p:txBody>
+          </p:sp>
+          <p:sp>
+            <p:nvSpPr>
+              <p:cNvPr id="49" name="Rounded Rectangle 48"/>
+              <p:cNvSpPr/>
+              <p:nvPr/>
+            </p:nvSpPr>
+            <p:spPr>
+              <a:xfrm>
+                <a:off x="4205497" y="902244"/>
+                <a:ext cx="662881" cy="210625"/>
+              </a:xfrm>
+              <a:prstGeom prst="roundRect">
+                <a:avLst/>
+              </a:prstGeom>
+              <a:ln w="12700" cmpd="sng">
+                <a:solidFill>
+                  <a:schemeClr val="bg1">
+                    <a:lumMod val="85000"/>
+                  </a:schemeClr>
+                </a:solidFill>
+              </a:ln>
+            </p:spPr>
+            <p:style>
+              <a:lnRef idx="2">
+                <a:schemeClr val="accent6"/>
+              </a:lnRef>
+              <a:fillRef idx="1">
+                <a:schemeClr val="lt1"/>
+              </a:fillRef>
+              <a:effectRef idx="0">
+                <a:schemeClr val="accent6"/>
+              </a:effectRef>
+              <a:fontRef idx="minor">
+                <a:schemeClr val="dk1"/>
+              </a:fontRef>
+            </p:style>
+            <p:txBody>
+              <a:bodyPr lIns="0" tIns="0" rIns="0" bIns="36576" rtlCol="0" anchor="ctr" anchorCtr="1"/>
+              <a:lstStyle/>
+              <a:p>
+                <a:pPr algn="ctr"/>
+                <a:r>
+                  <a:rPr lang="en-US" sz="1200" dirty="0" smtClean="0">
+                    <a:solidFill>
+                      <a:srgbClr val="E74C3C"/>
+                    </a:solidFill>
+                    <a:latin typeface="Consolas"/>
+                    <a:cs typeface="Consolas"/>
+                  </a:rPr>
+                  <a:t>a dozen</a:t>
+                </a:r>
+                <a:endParaRPr lang="en-US" sz="1200" dirty="0">
+                  <a:solidFill>
+                    <a:srgbClr val="E74C3C"/>
+                  </a:solidFill>
+                  <a:latin typeface="Consolas"/>
+                  <a:cs typeface="Consolas"/>
+                </a:endParaRPr>
+              </a:p>
+            </p:txBody>
+          </p:sp>
+          <p:sp>
+            <p:nvSpPr>
+              <p:cNvPr id="50" name="Rounded Rectangle 49"/>
+              <p:cNvSpPr/>
+              <p:nvPr/>
+            </p:nvSpPr>
+            <p:spPr>
+              <a:xfrm>
+                <a:off x="4905119" y="902244"/>
+                <a:ext cx="567101" cy="210625"/>
+              </a:xfrm>
+              <a:prstGeom prst="roundRect">
+                <a:avLst/>
+              </a:prstGeom>
+              <a:ln w="12700" cmpd="sng">
+                <a:solidFill>
+                  <a:schemeClr val="bg1">
+                    <a:lumMod val="85000"/>
+                  </a:schemeClr>
+                </a:solidFill>
+              </a:ln>
+            </p:spPr>
+            <p:style>
+              <a:lnRef idx="2">
+                <a:schemeClr val="accent6"/>
+              </a:lnRef>
+              <a:fillRef idx="1">
+                <a:schemeClr val="lt1"/>
+              </a:fillRef>
+              <a:effectRef idx="0">
+                <a:schemeClr val="accent6"/>
+              </a:effectRef>
+              <a:fontRef idx="minor">
+                <a:schemeClr val="dk1"/>
+              </a:fontRef>
+            </p:style>
+            <p:txBody>
+              <a:bodyPr lIns="0" tIns="0" rIns="0" bIns="36576" rtlCol="0" anchor="ctr" anchorCtr="1"/>
+              <a:lstStyle/>
+              <a:p>
+                <a:pPr algn="ctr"/>
+                <a:r>
+                  <a:rPr lang="en-US" sz="1200" dirty="0" smtClean="0">
+                    <a:solidFill>
+                      <a:srgbClr val="E74C3C"/>
+                    </a:solidFill>
+                    <a:latin typeface="Consolas"/>
+                    <a:cs typeface="Consolas"/>
+                  </a:rPr>
+                  <a:t>donuts</a:t>
+                </a:r>
+                <a:endParaRPr lang="en-US" sz="1200" dirty="0">
+                  <a:solidFill>
+                    <a:srgbClr val="E74C3C"/>
+                  </a:solidFill>
+                  <a:latin typeface="Consolas"/>
+                  <a:cs typeface="Consolas"/>
+                </a:endParaRPr>
+              </a:p>
+            </p:txBody>
+          </p:sp>
+          <p:sp>
+            <p:nvSpPr>
+              <p:cNvPr id="51" name="Rounded Rectangle 50"/>
+              <p:cNvSpPr/>
+              <p:nvPr/>
+            </p:nvSpPr>
+            <p:spPr>
+              <a:xfrm>
+                <a:off x="6097863" y="902244"/>
+                <a:ext cx="911590" cy="210625"/>
+              </a:xfrm>
+              <a:prstGeom prst="roundRect">
+                <a:avLst/>
+              </a:prstGeom>
+              <a:ln w="12700" cmpd="sng">
+                <a:solidFill>
+                  <a:schemeClr val="bg1">
+                    <a:lumMod val="85000"/>
+                  </a:schemeClr>
+                </a:solidFill>
+              </a:ln>
+            </p:spPr>
+            <p:style>
+              <a:lnRef idx="2">
+                <a:schemeClr val="accent6"/>
+              </a:lnRef>
+              <a:fillRef idx="1">
+                <a:schemeClr val="lt1"/>
+              </a:fillRef>
+              <a:effectRef idx="0">
+                <a:schemeClr val="accent6"/>
+              </a:effectRef>
+              <a:fontRef idx="minor">
+                <a:schemeClr val="dk1"/>
+              </a:fontRef>
+            </p:style>
+            <p:txBody>
+              <a:bodyPr lIns="0" tIns="0" rIns="0" bIns="36576" rtlCol="0" anchor="ctr" anchorCtr="1"/>
+              <a:lstStyle/>
+              <a:p>
+                <a:pPr algn="ctr"/>
+                <a:r>
+                  <a:rPr lang="en-US" sz="1200" dirty="0" smtClean="0">
+                    <a:solidFill>
+                      <a:srgbClr val="E74C3C"/>
+                    </a:solidFill>
+                    <a:latin typeface="Consolas"/>
+                    <a:cs typeface="Consolas"/>
+                  </a:rPr>
+                  <a:t>Elm Street</a:t>
+                </a:r>
+                <a:endParaRPr lang="en-US" sz="1200" dirty="0">
+                  <a:solidFill>
+                    <a:srgbClr val="E74C3C"/>
+                  </a:solidFill>
+                  <a:latin typeface="Consolas"/>
+                  <a:cs typeface="Consolas"/>
+                </a:endParaRPr>
+              </a:p>
+            </p:txBody>
+          </p:sp>
+          <p:sp>
+            <p:nvSpPr>
+              <p:cNvPr id="54" name="TextBox 53"/>
+              <p:cNvSpPr txBox="1"/>
+              <p:nvPr/>
+            </p:nvSpPr>
+            <p:spPr>
+              <a:xfrm>
+                <a:off x="2613242" y="1286712"/>
+                <a:ext cx="395041" cy="230832"/>
+              </a:xfrm>
+              <a:prstGeom prst="rect">
+                <a:avLst/>
+              </a:prstGeom>
+              <a:noFill/>
+            </p:spPr>
+            <p:txBody>
+              <a:bodyPr wrap="none" rtlCol="0">
+                <a:spAutoFit/>
+              </a:bodyPr>
+              <a:lstStyle/>
+              <a:p>
+                <a:r>
+                  <a:rPr lang="en-US" sz="900" dirty="0" smtClean="0">
+                    <a:solidFill>
+                      <a:srgbClr val="E74C3C"/>
+                    </a:solidFill>
+                    <a:latin typeface="Arial Narrow"/>
+                    <a:cs typeface="Arial Narrow"/>
+                    <a:sym typeface="Wingdings"/>
+                  </a:rPr>
+                  <a:t>SIZE</a:t>
+                </a:r>
+                <a:endParaRPr lang="en-US" sz="900" dirty="0">
+                  <a:solidFill>
+                    <a:srgbClr val="E74C3C"/>
+                  </a:solidFill>
+                </a:endParaRPr>
+              </a:p>
+            </p:txBody>
+          </p:sp>
+          <p:sp>
+            <p:nvSpPr>
+              <p:cNvPr id="55" name="TextBox 54"/>
+              <p:cNvSpPr txBox="1"/>
+              <p:nvPr/>
+            </p:nvSpPr>
+            <p:spPr>
+              <a:xfrm>
+                <a:off x="3185346" y="1286712"/>
+                <a:ext cx="652474" cy="230832"/>
+              </a:xfrm>
+              <a:prstGeom prst="rect">
+                <a:avLst/>
+              </a:prstGeom>
+              <a:noFill/>
+            </p:spPr>
+            <p:txBody>
+              <a:bodyPr wrap="none" rtlCol="0">
+                <a:spAutoFit/>
+              </a:bodyPr>
+              <a:lstStyle/>
+              <a:p>
+                <a:r>
+                  <a:rPr lang="en-US" sz="900" dirty="0" smtClean="0">
+                    <a:solidFill>
+                      <a:srgbClr val="E74C3C"/>
+                    </a:solidFill>
+                    <a:latin typeface="Arial Narrow"/>
+                    <a:cs typeface="Arial Narrow"/>
+                    <a:sym typeface="Wingdings"/>
+                  </a:rPr>
+                  <a:t>PRODUCT</a:t>
+                </a:r>
+                <a:endParaRPr lang="en-US" sz="900" dirty="0">
+                  <a:solidFill>
+                    <a:srgbClr val="E74C3C"/>
+                  </a:solidFill>
+                </a:endParaRPr>
+              </a:p>
+            </p:txBody>
+          </p:sp>
+          <p:sp>
+            <p:nvSpPr>
+              <p:cNvPr id="56" name="TextBox 55"/>
+              <p:cNvSpPr txBox="1"/>
+              <p:nvPr/>
+            </p:nvSpPr>
+            <p:spPr>
+              <a:xfrm>
+                <a:off x="4214869" y="1286712"/>
+                <a:ext cx="663125" cy="230832"/>
+              </a:xfrm>
+              <a:prstGeom prst="rect">
+                <a:avLst/>
+              </a:prstGeom>
+              <a:noFill/>
+            </p:spPr>
+            <p:txBody>
+              <a:bodyPr wrap="none" rtlCol="0">
+                <a:spAutoFit/>
+              </a:bodyPr>
+              <a:lstStyle/>
+              <a:p>
+                <a:r>
+                  <a:rPr lang="en-US" sz="900" dirty="0" smtClean="0">
+                    <a:solidFill>
+                      <a:srgbClr val="E74C3C"/>
+                    </a:solidFill>
+                    <a:latin typeface="Arial Narrow"/>
+                    <a:cs typeface="Arial Narrow"/>
+                    <a:sym typeface="Wingdings"/>
+                  </a:rPr>
+                  <a:t>QUANTITY</a:t>
+                </a:r>
+                <a:endParaRPr lang="en-US" sz="900" dirty="0">
+                  <a:solidFill>
+                    <a:srgbClr val="E74C3C"/>
+                  </a:solidFill>
+                </a:endParaRPr>
+              </a:p>
+            </p:txBody>
+          </p:sp>
+          <p:sp>
+            <p:nvSpPr>
+              <p:cNvPr id="57" name="TextBox 56"/>
+              <p:cNvSpPr txBox="1"/>
+              <p:nvPr/>
+            </p:nvSpPr>
+            <p:spPr>
+              <a:xfrm>
+                <a:off x="4877428" y="1286712"/>
+                <a:ext cx="652474" cy="230832"/>
+              </a:xfrm>
+              <a:prstGeom prst="rect">
+                <a:avLst/>
+              </a:prstGeom>
+              <a:noFill/>
+            </p:spPr>
+            <p:txBody>
+              <a:bodyPr wrap="none" rtlCol="0">
+                <a:spAutoFit/>
+              </a:bodyPr>
+              <a:lstStyle/>
+              <a:p>
+                <a:r>
+                  <a:rPr lang="en-US" sz="900" dirty="0" smtClean="0">
+                    <a:solidFill>
+                      <a:srgbClr val="E74C3C"/>
+                    </a:solidFill>
+                    <a:latin typeface="Arial Narrow"/>
+                    <a:cs typeface="Arial Narrow"/>
+                    <a:sym typeface="Wingdings"/>
+                  </a:rPr>
+                  <a:t>PRODUCT</a:t>
+                </a:r>
+                <a:endParaRPr lang="en-US" sz="900" dirty="0">
+                  <a:solidFill>
+                    <a:srgbClr val="E74C3C"/>
+                  </a:solidFill>
+                </a:endParaRPr>
+              </a:p>
+            </p:txBody>
+          </p:sp>
+          <p:sp>
+            <p:nvSpPr>
+              <p:cNvPr id="58" name="TextBox 57"/>
+              <p:cNvSpPr txBox="1"/>
+              <p:nvPr/>
+            </p:nvSpPr>
+            <p:spPr>
+              <a:xfrm>
+                <a:off x="6174387" y="1286712"/>
+                <a:ext cx="835066" cy="230832"/>
+              </a:xfrm>
+              <a:prstGeom prst="rect">
+                <a:avLst/>
+              </a:prstGeom>
+              <a:noFill/>
+            </p:spPr>
+            <p:txBody>
+              <a:bodyPr wrap="none" rtlCol="0">
+                <a:spAutoFit/>
+              </a:bodyPr>
+              <a:lstStyle/>
+              <a:p>
+                <a:r>
+                  <a:rPr lang="en-US" sz="900" dirty="0" smtClean="0">
+                    <a:solidFill>
+                      <a:srgbClr val="E74C3C"/>
+                    </a:solidFill>
+                    <a:latin typeface="Arial Narrow"/>
+                    <a:cs typeface="Arial Narrow"/>
+                    <a:sym typeface="Wingdings"/>
+                  </a:rPr>
+                  <a:t>STORE_NAME</a:t>
+                </a:r>
+                <a:endParaRPr lang="en-US" sz="900" dirty="0">
+                  <a:solidFill>
+                    <a:srgbClr val="E74C3C"/>
+                  </a:solidFill>
+                </a:endParaRPr>
+              </a:p>
+            </p:txBody>
+          </p:sp>
+          <p:cxnSp>
+            <p:nvCxnSpPr>
+              <p:cNvPr id="64" name="Straight Connector 63"/>
+              <p:cNvCxnSpPr/>
+              <p:nvPr/>
+            </p:nvCxnSpPr>
+            <p:spPr>
+              <a:xfrm>
+                <a:off x="2315571" y="1113231"/>
+                <a:ext cx="0" cy="216490"/>
+              </a:xfrm>
+              <a:prstGeom prst="line">
+                <a:avLst/>
+              </a:prstGeom>
+              <a:ln w="12700" cmpd="sng">
+                <a:solidFill>
+                  <a:schemeClr val="bg1">
+                    <a:lumMod val="85000"/>
+                  </a:schemeClr>
+                </a:solidFill>
+              </a:ln>
+            </p:spPr>
+            <p:style>
+              <a:lnRef idx="1">
+                <a:schemeClr val="accent6"/>
+              </a:lnRef>
+              <a:fillRef idx="0">
+                <a:schemeClr val="accent6"/>
+              </a:fillRef>
+              <a:effectRef idx="0">
+                <a:schemeClr val="accent6"/>
+              </a:effectRef>
+              <a:fontRef idx="minor">
+                <a:schemeClr val="tx1"/>
+              </a:fontRef>
+            </p:style>
+          </p:cxnSp>
+          <p:cxnSp>
+            <p:nvCxnSpPr>
+              <p:cNvPr id="65" name="Straight Connector 64"/>
+              <p:cNvCxnSpPr/>
+              <p:nvPr/>
+            </p:nvCxnSpPr>
+            <p:spPr>
+              <a:xfrm>
+                <a:off x="2805379" y="1113231"/>
+                <a:ext cx="0" cy="216490"/>
+              </a:xfrm>
+              <a:prstGeom prst="line">
+                <a:avLst/>
+              </a:prstGeom>
+              <a:ln w="12700" cmpd="sng">
+                <a:solidFill>
+                  <a:schemeClr val="bg1">
+                    <a:lumMod val="85000"/>
+                  </a:schemeClr>
+                </a:solidFill>
+              </a:ln>
+            </p:spPr>
+            <p:style>
+              <a:lnRef idx="1">
+                <a:schemeClr val="accent6"/>
+              </a:lnRef>
+              <a:fillRef idx="0">
+                <a:schemeClr val="accent6"/>
+              </a:fillRef>
+              <a:effectRef idx="0">
+                <a:schemeClr val="accent6"/>
+              </a:effectRef>
+              <a:fontRef idx="minor">
+                <a:schemeClr val="tx1"/>
+              </a:fontRef>
+            </p:style>
+          </p:cxnSp>
+          <p:cxnSp>
+            <p:nvCxnSpPr>
+              <p:cNvPr id="66" name="Straight Connector 65"/>
+              <p:cNvCxnSpPr/>
+              <p:nvPr/>
+            </p:nvCxnSpPr>
+            <p:spPr>
+              <a:xfrm>
+                <a:off x="3498175" y="1113231"/>
+                <a:ext cx="0" cy="216490"/>
+              </a:xfrm>
+              <a:prstGeom prst="line">
+                <a:avLst/>
+              </a:prstGeom>
+              <a:ln w="12700" cmpd="sng">
+                <a:solidFill>
+                  <a:schemeClr val="bg1">
+                    <a:lumMod val="85000"/>
+                  </a:schemeClr>
+                </a:solidFill>
+              </a:ln>
+            </p:spPr>
+            <p:style>
+              <a:lnRef idx="1">
+                <a:schemeClr val="accent6"/>
+              </a:lnRef>
+              <a:fillRef idx="0">
+                <a:schemeClr val="accent6"/>
+              </a:fillRef>
+              <a:effectRef idx="0">
+                <a:schemeClr val="accent6"/>
+              </a:effectRef>
+              <a:fontRef idx="minor">
+                <a:schemeClr val="tx1"/>
+              </a:fontRef>
+            </p:style>
+          </p:cxnSp>
+          <p:cxnSp>
+            <p:nvCxnSpPr>
+              <p:cNvPr id="67" name="Straight Connector 66"/>
+              <p:cNvCxnSpPr/>
+              <p:nvPr/>
+            </p:nvCxnSpPr>
+            <p:spPr>
+              <a:xfrm>
+                <a:off x="4530105" y="1113231"/>
+                <a:ext cx="0" cy="216490"/>
+              </a:xfrm>
+              <a:prstGeom prst="line">
+                <a:avLst/>
+              </a:prstGeom>
+              <a:ln w="12700" cmpd="sng">
+                <a:solidFill>
+                  <a:schemeClr val="bg1">
+                    <a:lumMod val="85000"/>
+                  </a:schemeClr>
+                </a:solidFill>
+              </a:ln>
+            </p:spPr>
+            <p:style>
+              <a:lnRef idx="1">
+                <a:schemeClr val="accent6"/>
+              </a:lnRef>
+              <a:fillRef idx="0">
+                <a:schemeClr val="accent6"/>
+              </a:fillRef>
+              <a:effectRef idx="0">
+                <a:schemeClr val="accent6"/>
+              </a:effectRef>
+              <a:fontRef idx="minor">
+                <a:schemeClr val="tx1"/>
+              </a:fontRef>
+            </p:style>
+          </p:cxnSp>
+          <p:cxnSp>
+            <p:nvCxnSpPr>
+              <p:cNvPr id="68" name="Straight Connector 67"/>
+              <p:cNvCxnSpPr/>
+              <p:nvPr/>
+            </p:nvCxnSpPr>
+            <p:spPr>
+              <a:xfrm>
+                <a:off x="5198270" y="1113231"/>
+                <a:ext cx="0" cy="216490"/>
+              </a:xfrm>
+              <a:prstGeom prst="line">
+                <a:avLst/>
+              </a:prstGeom>
+              <a:ln w="12700" cmpd="sng">
+                <a:solidFill>
+                  <a:schemeClr val="bg1">
+                    <a:lumMod val="85000"/>
+                  </a:schemeClr>
+                </a:solidFill>
+              </a:ln>
+            </p:spPr>
+            <p:style>
+              <a:lnRef idx="1">
+                <a:schemeClr val="accent6"/>
+              </a:lnRef>
+              <a:fillRef idx="0">
+                <a:schemeClr val="accent6"/>
+              </a:fillRef>
+              <a:effectRef idx="0">
+                <a:schemeClr val="accent6"/>
+              </a:effectRef>
+              <a:fontRef idx="minor">
+                <a:schemeClr val="tx1"/>
+              </a:fontRef>
+            </p:style>
+          </p:cxnSp>
+          <p:cxnSp>
+            <p:nvCxnSpPr>
+              <p:cNvPr id="69" name="Straight Connector 68"/>
+              <p:cNvCxnSpPr/>
+              <p:nvPr/>
+            </p:nvCxnSpPr>
+            <p:spPr>
+              <a:xfrm>
+                <a:off x="6587553" y="1113231"/>
+                <a:ext cx="0" cy="216490"/>
+              </a:xfrm>
+              <a:prstGeom prst="line">
+                <a:avLst/>
+              </a:prstGeom>
+              <a:ln w="12700" cmpd="sng">
+                <a:solidFill>
+                  <a:schemeClr val="bg1">
+                    <a:lumMod val="85000"/>
+                  </a:schemeClr>
+                </a:solidFill>
+              </a:ln>
+            </p:spPr>
+            <p:style>
+              <a:lnRef idx="1">
+                <a:schemeClr val="accent6"/>
+              </a:lnRef>
+              <a:fillRef idx="0">
+                <a:schemeClr val="accent6"/>
+              </a:fillRef>
+              <a:effectRef idx="0">
+                <a:schemeClr val="accent6"/>
+              </a:effectRef>
+              <a:fontRef idx="minor">
+                <a:schemeClr val="tx1"/>
+              </a:fontRef>
+            </p:style>
+          </p:cxnSp>
+          <p:cxnSp>
+            <p:nvCxnSpPr>
+              <p:cNvPr id="73" name="Straight Connector 72"/>
+              <p:cNvCxnSpPr/>
+              <p:nvPr/>
+            </p:nvCxnSpPr>
+            <p:spPr>
+              <a:xfrm rot="5400000">
+                <a:off x="2309407" y="1098037"/>
+                <a:ext cx="0" cy="463370"/>
+              </a:xfrm>
+              <a:prstGeom prst="line">
+                <a:avLst/>
+              </a:prstGeom>
+              <a:ln w="12700" cmpd="sng">
+                <a:solidFill>
+                  <a:schemeClr val="bg1">
+                    <a:lumMod val="85000"/>
+                  </a:schemeClr>
+                </a:solidFill>
+              </a:ln>
+            </p:spPr>
+            <p:style>
+              <a:lnRef idx="1">
+                <a:schemeClr val="accent6"/>
+              </a:lnRef>
+              <a:fillRef idx="0">
+                <a:schemeClr val="accent6"/>
+              </a:fillRef>
+              <a:effectRef idx="0">
+                <a:schemeClr val="accent6"/>
+              </a:effectRef>
+              <a:fontRef idx="minor">
+                <a:schemeClr val="tx1"/>
+              </a:fontRef>
+            </p:style>
+          </p:cxnSp>
+          <p:cxnSp>
+            <p:nvCxnSpPr>
+              <p:cNvPr id="74" name="Straight Connector 73"/>
+              <p:cNvCxnSpPr/>
+              <p:nvPr/>
+            </p:nvCxnSpPr>
+            <p:spPr>
+              <a:xfrm rot="5400000">
+                <a:off x="2808292" y="1230627"/>
+                <a:ext cx="0" cy="198189"/>
+              </a:xfrm>
+              <a:prstGeom prst="line">
+                <a:avLst/>
+              </a:prstGeom>
+              <a:ln w="12700" cmpd="sng">
+                <a:solidFill>
+                  <a:schemeClr val="bg1">
+                    <a:lumMod val="85000"/>
+                  </a:schemeClr>
+                </a:solidFill>
+              </a:ln>
+            </p:spPr>
+            <p:style>
+              <a:lnRef idx="1">
+                <a:schemeClr val="accent6"/>
+              </a:lnRef>
+              <a:fillRef idx="0">
+                <a:schemeClr val="accent6"/>
+              </a:fillRef>
+              <a:effectRef idx="0">
+                <a:schemeClr val="accent6"/>
+              </a:effectRef>
+              <a:fontRef idx="minor">
+                <a:schemeClr val="tx1"/>
+              </a:fontRef>
+            </p:style>
+          </p:cxnSp>
+          <p:cxnSp>
+            <p:nvCxnSpPr>
+              <p:cNvPr id="75" name="Straight Connector 74"/>
+              <p:cNvCxnSpPr/>
+              <p:nvPr/>
+            </p:nvCxnSpPr>
+            <p:spPr>
+              <a:xfrm rot="5400000">
+                <a:off x="3501186" y="1093351"/>
+                <a:ext cx="0" cy="463370"/>
+              </a:xfrm>
+              <a:prstGeom prst="line">
+                <a:avLst/>
+              </a:prstGeom>
+              <a:ln w="12700" cmpd="sng">
+                <a:solidFill>
+                  <a:schemeClr val="bg1">
+                    <a:lumMod val="85000"/>
+                  </a:schemeClr>
+                </a:solidFill>
+              </a:ln>
+            </p:spPr>
+            <p:style>
+              <a:lnRef idx="1">
+                <a:schemeClr val="accent6"/>
+              </a:lnRef>
+              <a:fillRef idx="0">
+                <a:schemeClr val="accent6"/>
+              </a:fillRef>
+              <a:effectRef idx="0">
+                <a:schemeClr val="accent6"/>
+              </a:effectRef>
+              <a:fontRef idx="minor">
+                <a:schemeClr val="tx1"/>
+              </a:fontRef>
+            </p:style>
+          </p:cxnSp>
+          <p:cxnSp>
+            <p:nvCxnSpPr>
+              <p:cNvPr id="76" name="Straight Connector 75"/>
+              <p:cNvCxnSpPr/>
+              <p:nvPr/>
+            </p:nvCxnSpPr>
+            <p:spPr>
+              <a:xfrm rot="5400000">
+                <a:off x="4539477" y="1098037"/>
+                <a:ext cx="0" cy="463370"/>
+              </a:xfrm>
+              <a:prstGeom prst="line">
+                <a:avLst/>
+              </a:prstGeom>
+              <a:ln w="12700" cmpd="sng">
+                <a:solidFill>
+                  <a:schemeClr val="bg1">
+                    <a:lumMod val="85000"/>
+                  </a:schemeClr>
+                </a:solidFill>
+              </a:ln>
+            </p:spPr>
+            <p:style>
+              <a:lnRef idx="1">
+                <a:schemeClr val="accent6"/>
+              </a:lnRef>
+              <a:fillRef idx="0">
+                <a:schemeClr val="accent6"/>
+              </a:fillRef>
+              <a:effectRef idx="0">
+                <a:schemeClr val="accent6"/>
+              </a:effectRef>
+              <a:fontRef idx="minor">
+                <a:schemeClr val="tx1"/>
+              </a:fontRef>
+            </p:style>
+          </p:cxnSp>
+          <p:cxnSp>
+            <p:nvCxnSpPr>
+              <p:cNvPr id="77" name="Straight Connector 76"/>
+              <p:cNvCxnSpPr/>
+              <p:nvPr/>
+            </p:nvCxnSpPr>
+            <p:spPr>
+              <a:xfrm rot="5400000">
+                <a:off x="5198270" y="1098037"/>
+                <a:ext cx="0" cy="463370"/>
+              </a:xfrm>
+              <a:prstGeom prst="line">
+                <a:avLst/>
+              </a:prstGeom>
+              <a:ln w="12700" cmpd="sng">
+                <a:solidFill>
+                  <a:schemeClr val="bg1">
+                    <a:lumMod val="85000"/>
+                  </a:schemeClr>
+                </a:solidFill>
+              </a:ln>
+            </p:spPr>
+            <p:style>
+              <a:lnRef idx="1">
+                <a:schemeClr val="accent6"/>
+              </a:lnRef>
+              <a:fillRef idx="0">
+                <a:schemeClr val="accent6"/>
+              </a:fillRef>
+              <a:effectRef idx="0">
+                <a:schemeClr val="accent6"/>
+              </a:effectRef>
+              <a:fontRef idx="minor">
+                <a:schemeClr val="tx1"/>
+              </a:fontRef>
+            </p:style>
+          </p:cxnSp>
+          <p:cxnSp>
+            <p:nvCxnSpPr>
+              <p:cNvPr id="78" name="Straight Connector 77"/>
+              <p:cNvCxnSpPr/>
+              <p:nvPr/>
+            </p:nvCxnSpPr>
+            <p:spPr>
+              <a:xfrm rot="5400000">
+                <a:off x="6587534" y="1011171"/>
+                <a:ext cx="0" cy="637103"/>
+              </a:xfrm>
+              <a:prstGeom prst="line">
+                <a:avLst/>
+              </a:prstGeom>
+              <a:ln w="12700" cmpd="sng">
+                <a:solidFill>
+                  <a:schemeClr val="bg1">
+                    <a:lumMod val="85000"/>
+                  </a:schemeClr>
+                </a:solidFill>
+              </a:ln>
+            </p:spPr>
+            <p:style>
+              <a:lnRef idx="1">
+                <a:schemeClr val="accent6"/>
+              </a:lnRef>
+              <a:fillRef idx="0">
+                <a:schemeClr val="accent6"/>
+              </a:fillRef>
+              <a:effectRef idx="0">
+                <a:schemeClr val="accent6"/>
+              </a:effectRef>
+              <a:fontRef idx="minor">
+                <a:schemeClr val="tx1"/>
+              </a:fontRef>
+            </p:style>
+          </p:cxnSp>
+        </p:grpSp>
+        <p:grpSp>
+          <p:nvGrpSpPr>
+            <p:cNvPr id="134" name="Group 133"/>
+            <p:cNvGrpSpPr/>
+            <p:nvPr/>
+          </p:nvGrpSpPr>
+          <p:grpSpPr>
+            <a:xfrm>
+              <a:off x="2067373" y="3044720"/>
+              <a:ext cx="5441155" cy="1402609"/>
+              <a:chOff x="1983053" y="3052914"/>
+              <a:chExt cx="5441155" cy="1402609"/>
+            </a:xfrm>
+          </p:grpSpPr>
+          <p:sp>
+            <p:nvSpPr>
+              <p:cNvPr id="85" name="Rounded Rectangle 84"/>
+              <p:cNvSpPr/>
+              <p:nvPr/>
+            </p:nvSpPr>
+            <p:spPr>
+              <a:xfrm>
+                <a:off x="1983053" y="3059095"/>
+                <a:ext cx="5441155" cy="1396428"/>
+              </a:xfrm>
+              <a:prstGeom prst="roundRect">
+                <a:avLst>
+                  <a:gd name="adj" fmla="val 10427"/>
+                </a:avLst>
+              </a:prstGeom>
+              <a:solidFill>
+                <a:schemeClr val="bg1">
+                  <a:lumMod val="95000"/>
+                </a:schemeClr>
+              </a:solidFill>
+              <a:ln w="3175" cmpd="sng">
+                <a:solidFill>
+                  <a:schemeClr val="bg1">
+                    <a:lumMod val="85000"/>
+                  </a:schemeClr>
+                </a:solidFill>
+              </a:ln>
+            </p:spPr>
+            <p:style>
+              <a:lnRef idx="2">
+                <a:schemeClr val="dk1"/>
+              </a:lnRef>
+              <a:fillRef idx="1">
+                <a:schemeClr val="lt1"/>
+              </a:fillRef>
+              <a:effectRef idx="0">
+                <a:schemeClr val="dk1"/>
+              </a:effectRef>
+              <a:fontRef idx="minor">
+                <a:schemeClr val="dk1"/>
+              </a:fontRef>
+            </p:style>
+            <p:txBody>
+              <a:bodyPr tIns="36576" bIns="36576" rtlCol="0" anchor="t" anchorCtr="0"/>
+              <a:lstStyle/>
+              <a:p>
+                <a:endParaRPr lang="en-US" sz="1200" dirty="0">
+                  <a:solidFill>
+                    <a:schemeClr val="tx1"/>
+                  </a:solidFill>
+                </a:endParaRPr>
+              </a:p>
+              <a:p>
+                <a:endParaRPr lang="en-US" sz="1200" dirty="0">
+                  <a:solidFill>
+                    <a:schemeClr val="tx1"/>
+                  </a:solidFill>
+                </a:endParaRPr>
+              </a:p>
+            </p:txBody>
+          </p:sp>
+          <p:sp>
+            <p:nvSpPr>
+              <p:cNvPr id="130" name="Rounded Rectangle 129"/>
+              <p:cNvSpPr/>
+              <p:nvPr/>
+            </p:nvSpPr>
+            <p:spPr>
+              <a:xfrm>
+                <a:off x="2083279" y="3343551"/>
+                <a:ext cx="1550195" cy="1006198"/>
+              </a:xfrm>
+              <a:prstGeom prst="roundRect">
+                <a:avLst>
+                  <a:gd name="adj" fmla="val 8682"/>
+                </a:avLst>
+              </a:prstGeom>
+              <a:solidFill>
+                <a:schemeClr val="bg1"/>
+              </a:solidFill>
+              <a:ln w="3175" cmpd="sng">
+                <a:noFill/>
+              </a:ln>
+            </p:spPr>
+            <p:style>
+              <a:lnRef idx="2">
+                <a:schemeClr val="dk1"/>
+              </a:lnRef>
+              <a:fillRef idx="1">
+                <a:schemeClr val="lt1"/>
+              </a:fillRef>
+              <a:effectRef idx="0">
+                <a:schemeClr val="dk1"/>
+              </a:effectRef>
+              <a:fontRef idx="minor">
+                <a:schemeClr val="dk1"/>
+              </a:fontRef>
+            </p:style>
+            <p:txBody>
+              <a:bodyPr tIns="36576" bIns="36576" rtlCol="0" anchor="t" anchorCtr="0"/>
+              <a:lstStyle/>
+              <a:p>
+                <a:endParaRPr lang="en-US" sz="1200" dirty="0">
+                  <a:solidFill>
+                    <a:schemeClr val="tx1"/>
+                  </a:solidFill>
+                </a:endParaRPr>
+              </a:p>
+              <a:p>
+                <a:endParaRPr lang="en-US" sz="1200" dirty="0">
+                  <a:solidFill>
+                    <a:schemeClr val="tx1"/>
+                  </a:solidFill>
+                </a:endParaRPr>
+              </a:p>
+            </p:txBody>
+          </p:sp>
+          <p:sp>
+            <p:nvSpPr>
+              <p:cNvPr id="131" name="Rectangle 130"/>
+              <p:cNvSpPr/>
+              <p:nvPr/>
+            </p:nvSpPr>
+            <p:spPr>
+              <a:xfrm>
+                <a:off x="4234955" y="3052914"/>
+                <a:ext cx="937351" cy="276999"/>
+              </a:xfrm>
+              <a:prstGeom prst="rect">
+                <a:avLst/>
+              </a:prstGeom>
+            </p:spPr>
+            <p:txBody>
+              <a:bodyPr wrap="none">
+                <a:spAutoFit/>
+              </a:bodyPr>
+              <a:lstStyle/>
+              <a:p>
+                <a:r>
+                  <a:rPr lang="en-US" sz="1200" dirty="0" smtClean="0"/>
+                  <a:t>Parse Tree</a:t>
+                </a:r>
+                <a:endParaRPr lang="en-US" sz="1200" dirty="0"/>
+              </a:p>
+            </p:txBody>
+          </p:sp>
+          <p:grpSp>
+            <p:nvGrpSpPr>
+              <p:cNvPr id="117" name="Group 116"/>
+              <p:cNvGrpSpPr/>
+              <p:nvPr/>
+            </p:nvGrpSpPr>
+            <p:grpSpPr>
+              <a:xfrm>
+                <a:off x="2166440" y="3448315"/>
+                <a:ext cx="1365469" cy="818136"/>
+                <a:chOff x="1819876" y="1772830"/>
+                <a:chExt cx="1365469" cy="818136"/>
+              </a:xfrm>
+            </p:grpSpPr>
+            <p:sp>
+              <p:nvSpPr>
+                <p:cNvPr id="109" name="Rounded Rectangle 108"/>
+                <p:cNvSpPr/>
+                <p:nvPr/>
+              </p:nvSpPr>
+              <p:spPr>
+                <a:xfrm>
+                  <a:off x="1819876" y="1772830"/>
+                  <a:ext cx="1365469" cy="210625"/>
+                </a:xfrm>
+                <a:prstGeom prst="roundRect">
+                  <a:avLst/>
+                </a:prstGeom>
+                <a:ln w="12700" cmpd="sng">
+                  <a:solidFill>
+                    <a:srgbClr val="D9D9D9"/>
+                  </a:solidFill>
+                </a:ln>
+              </p:spPr>
+              <p:style>
+                <a:lnRef idx="2">
+                  <a:schemeClr val="accent6"/>
+                </a:lnRef>
+                <a:fillRef idx="1">
+                  <a:schemeClr val="lt1"/>
+                </a:fillRef>
+                <a:effectRef idx="0">
+                  <a:schemeClr val="accent6"/>
+                </a:effectRef>
+                <a:fontRef idx="minor">
+                  <a:schemeClr val="dk1"/>
+                </a:fontRef>
+              </p:style>
+              <p:txBody>
+                <a:bodyPr lIns="0" tIns="0" rIns="0" bIns="36576" rtlCol="0" anchor="ctr" anchorCtr="1"/>
+                <a:lstStyle/>
+                <a:p>
+                  <a:pPr algn="ctr"/>
+                  <a:r>
+                    <a:rPr lang="en-US" sz="800" dirty="0" smtClean="0">
+                      <a:solidFill>
+                        <a:srgbClr val="E74C3C"/>
+                      </a:solidFill>
+                      <a:latin typeface="Arial Narrow"/>
+                      <a:cs typeface="Arial Narrow"/>
+                      <a:sym typeface="Wingdings"/>
+                    </a:rPr>
+                    <a:t>PRODUCT:  </a:t>
+                  </a:r>
+                  <a:r>
+                    <a:rPr lang="en-US" sz="1200" dirty="0" smtClean="0">
+                      <a:solidFill>
+                        <a:srgbClr val="E74C3C"/>
+                      </a:solidFill>
+                      <a:latin typeface="Consolas"/>
+                      <a:cs typeface="Consolas"/>
+                    </a:rPr>
+                    <a:t>squishee</a:t>
+                  </a:r>
+                  <a:endParaRPr lang="en-US" sz="1200" dirty="0">
+                    <a:solidFill>
+                      <a:srgbClr val="E74C3C"/>
+                    </a:solidFill>
+                    <a:latin typeface="Consolas"/>
+                    <a:cs typeface="Consolas"/>
+                  </a:endParaRPr>
+                </a:p>
+              </p:txBody>
+            </p:sp>
+            <p:cxnSp>
+              <p:nvCxnSpPr>
+                <p:cNvPr id="111" name="Straight Connector 110"/>
+                <p:cNvCxnSpPr/>
+                <p:nvPr/>
+              </p:nvCxnSpPr>
+              <p:spPr>
+                <a:xfrm>
+                  <a:off x="1983054" y="1983455"/>
+                  <a:ext cx="0" cy="510898"/>
+                </a:xfrm>
+                <a:prstGeom prst="line">
+                  <a:avLst/>
+                </a:prstGeom>
+                <a:ln w="12700" cmpd="sng">
+                  <a:solidFill>
+                    <a:schemeClr val="bg1">
+                      <a:lumMod val="85000"/>
+                    </a:schemeClr>
+                  </a:solidFill>
+                </a:ln>
+              </p:spPr>
+              <p:style>
+                <a:lnRef idx="1">
+                  <a:schemeClr val="accent6"/>
+                </a:lnRef>
+                <a:fillRef idx="0">
+                  <a:schemeClr val="accent6"/>
+                </a:fillRef>
+                <a:effectRef idx="0">
+                  <a:schemeClr val="accent6"/>
+                </a:effectRef>
+                <a:fontRef idx="minor">
+                  <a:schemeClr val="tx1"/>
+                </a:fontRef>
+              </p:style>
+            </p:cxnSp>
+            <p:cxnSp>
+              <p:nvCxnSpPr>
+                <p:cNvPr id="112" name="Straight Connector 111"/>
+                <p:cNvCxnSpPr/>
+                <p:nvPr/>
+              </p:nvCxnSpPr>
+              <p:spPr>
+                <a:xfrm rot="5400000">
+                  <a:off x="2208947" y="1964504"/>
+                  <a:ext cx="0" cy="463370"/>
+                </a:xfrm>
+                <a:prstGeom prst="line">
+                  <a:avLst/>
+                </a:prstGeom>
+                <a:ln w="12700" cmpd="sng">
+                  <a:solidFill>
+                    <a:schemeClr val="bg1">
+                      <a:lumMod val="85000"/>
+                    </a:schemeClr>
+                  </a:solidFill>
+                </a:ln>
+              </p:spPr>
+              <p:style>
+                <a:lnRef idx="1">
+                  <a:schemeClr val="accent6"/>
+                </a:lnRef>
+                <a:fillRef idx="0">
+                  <a:schemeClr val="accent6"/>
+                </a:fillRef>
+                <a:effectRef idx="0">
+                  <a:schemeClr val="accent6"/>
+                </a:effectRef>
+                <a:fontRef idx="minor">
+                  <a:schemeClr val="tx1"/>
+                </a:fontRef>
+              </p:style>
+            </p:cxnSp>
+            <p:sp>
+              <p:nvSpPr>
+                <p:cNvPr id="114" name="Rounded Rectangle 113"/>
+                <p:cNvSpPr/>
+                <p:nvPr/>
+              </p:nvSpPr>
+              <p:spPr>
+                <a:xfrm>
+                  <a:off x="2107862" y="2086340"/>
+                  <a:ext cx="900422" cy="210625"/>
+                </a:xfrm>
+                <a:prstGeom prst="roundRect">
+                  <a:avLst/>
+                </a:prstGeom>
+                <a:ln w="12700" cmpd="sng">
+                  <a:solidFill>
+                    <a:srgbClr val="D9D9D9"/>
+                  </a:solidFill>
+                </a:ln>
+              </p:spPr>
+              <p:style>
+                <a:lnRef idx="2">
+                  <a:schemeClr val="accent6"/>
+                </a:lnRef>
+                <a:fillRef idx="1">
+                  <a:schemeClr val="lt1"/>
+                </a:fillRef>
+                <a:effectRef idx="0">
+                  <a:schemeClr val="accent6"/>
+                </a:effectRef>
+                <a:fontRef idx="minor">
+                  <a:schemeClr val="dk1"/>
+                </a:fontRef>
+              </p:style>
+              <p:txBody>
+                <a:bodyPr lIns="0" tIns="0" rIns="0" bIns="36576" rtlCol="0" anchor="ctr" anchorCtr="1"/>
+                <a:lstStyle/>
+                <a:p>
+                  <a:pPr algn="ctr"/>
+                  <a:r>
+                    <a:rPr lang="en-US" sz="800" dirty="0" smtClean="0">
+                      <a:solidFill>
+                        <a:srgbClr val="E74C3C"/>
+                      </a:solidFill>
+                      <a:latin typeface="Arial Narrow"/>
+                      <a:cs typeface="Arial Narrow"/>
+                      <a:sym typeface="Wingdings"/>
+                    </a:rPr>
+                    <a:t>QUANTITY:  </a:t>
+                  </a:r>
+                  <a:r>
+                    <a:rPr lang="en-US" sz="1200" dirty="0" smtClean="0">
+                      <a:solidFill>
+                        <a:srgbClr val="E74C3C"/>
+                      </a:solidFill>
+                      <a:latin typeface="Consolas"/>
+                      <a:cs typeface="Consolas"/>
+                    </a:rPr>
+                    <a:t>one</a:t>
+                  </a:r>
+                  <a:endParaRPr lang="en-US" sz="1200" dirty="0">
+                    <a:solidFill>
+                      <a:srgbClr val="E74C3C"/>
+                    </a:solidFill>
+                    <a:latin typeface="Consolas"/>
+                    <a:cs typeface="Consolas"/>
+                  </a:endParaRPr>
+                </a:p>
+              </p:txBody>
+            </p:sp>
+            <p:cxnSp>
+              <p:nvCxnSpPr>
+                <p:cNvPr id="115" name="Straight Connector 114"/>
+                <p:cNvCxnSpPr/>
+                <p:nvPr/>
+              </p:nvCxnSpPr>
+              <p:spPr>
+                <a:xfrm rot="5400000">
+                  <a:off x="2213539" y="2258505"/>
+                  <a:ext cx="0" cy="463370"/>
+                </a:xfrm>
+                <a:prstGeom prst="line">
+                  <a:avLst/>
+                </a:prstGeom>
+                <a:ln w="12700" cmpd="sng">
+                  <a:solidFill>
+                    <a:schemeClr val="bg1">
+                      <a:lumMod val="85000"/>
+                    </a:schemeClr>
+                  </a:solidFill>
+                </a:ln>
+              </p:spPr>
+              <p:style>
+                <a:lnRef idx="1">
+                  <a:schemeClr val="accent6"/>
+                </a:lnRef>
+                <a:fillRef idx="0">
+                  <a:schemeClr val="accent6"/>
+                </a:fillRef>
+                <a:effectRef idx="0">
+                  <a:schemeClr val="accent6"/>
+                </a:effectRef>
+                <a:fontRef idx="minor">
+                  <a:schemeClr val="tx1"/>
+                </a:fontRef>
+              </p:style>
+            </p:cxnSp>
+            <p:sp>
+              <p:nvSpPr>
+                <p:cNvPr id="116" name="Rounded Rectangle 115"/>
+                <p:cNvSpPr/>
+                <p:nvPr/>
+              </p:nvSpPr>
+              <p:spPr>
+                <a:xfrm>
+                  <a:off x="2112454" y="2380341"/>
+                  <a:ext cx="845558" cy="210625"/>
+                </a:xfrm>
+                <a:prstGeom prst="roundRect">
+                  <a:avLst/>
+                </a:prstGeom>
+                <a:ln w="12700" cmpd="sng">
+                  <a:solidFill>
+                    <a:srgbClr val="D9D9D9"/>
+                  </a:solidFill>
+                </a:ln>
+              </p:spPr>
+              <p:style>
+                <a:lnRef idx="2">
+                  <a:schemeClr val="accent6"/>
+                </a:lnRef>
+                <a:fillRef idx="1">
+                  <a:schemeClr val="lt1"/>
+                </a:fillRef>
+                <a:effectRef idx="0">
+                  <a:schemeClr val="accent6"/>
+                </a:effectRef>
+                <a:fontRef idx="minor">
+                  <a:schemeClr val="dk1"/>
+                </a:fontRef>
+              </p:style>
+              <p:txBody>
+                <a:bodyPr lIns="0" tIns="0" rIns="0" bIns="36576" rtlCol="0" anchor="ctr" anchorCtr="1"/>
+                <a:lstStyle/>
+                <a:p>
+                  <a:pPr algn="ctr"/>
+                  <a:r>
+                    <a:rPr lang="en-US" sz="800" dirty="0" smtClean="0">
+                      <a:solidFill>
+                        <a:srgbClr val="E74C3C"/>
+                      </a:solidFill>
+                      <a:latin typeface="Arial Narrow"/>
+                      <a:cs typeface="Arial Narrow"/>
+                      <a:sym typeface="Wingdings"/>
+                    </a:rPr>
+                    <a:t>SIZE:  </a:t>
+                  </a:r>
+                  <a:r>
+                    <a:rPr lang="en-US" sz="1200" dirty="0" smtClean="0">
+                      <a:solidFill>
+                        <a:srgbClr val="E74C3C"/>
+                      </a:solidFill>
+                      <a:latin typeface="Consolas"/>
+                      <a:cs typeface="Consolas"/>
+                    </a:rPr>
+                    <a:t>large</a:t>
+                  </a:r>
+                  <a:endParaRPr lang="en-US" sz="1200" dirty="0">
+                    <a:solidFill>
+                      <a:srgbClr val="E74C3C"/>
+                    </a:solidFill>
+                    <a:latin typeface="Consolas"/>
+                    <a:cs typeface="Consolas"/>
+                  </a:endParaRPr>
+                </a:p>
+              </p:txBody>
+            </p:sp>
+          </p:grpSp>
+          <p:sp>
+            <p:nvSpPr>
+              <p:cNvPr id="132" name="Rounded Rectangle 131"/>
+              <p:cNvSpPr/>
+              <p:nvPr/>
+            </p:nvSpPr>
+            <p:spPr>
+              <a:xfrm>
+                <a:off x="3732871" y="3353482"/>
+                <a:ext cx="1697084" cy="707636"/>
+              </a:xfrm>
+              <a:prstGeom prst="roundRect">
+                <a:avLst>
+                  <a:gd name="adj" fmla="val 8682"/>
+                </a:avLst>
+              </a:prstGeom>
+              <a:solidFill>
+                <a:schemeClr val="bg1"/>
+              </a:solidFill>
+              <a:ln w="3175" cmpd="sng">
+                <a:noFill/>
+              </a:ln>
+            </p:spPr>
+            <p:style>
+              <a:lnRef idx="2">
+                <a:schemeClr val="dk1"/>
+              </a:lnRef>
+              <a:fillRef idx="1">
+                <a:schemeClr val="lt1"/>
+              </a:fillRef>
+              <a:effectRef idx="0">
+                <a:schemeClr val="dk1"/>
+              </a:effectRef>
+              <a:fontRef idx="minor">
+                <a:schemeClr val="dk1"/>
+              </a:fontRef>
+            </p:style>
+            <p:txBody>
+              <a:bodyPr tIns="36576" bIns="36576" rtlCol="0" anchor="t" anchorCtr="0"/>
+              <a:lstStyle/>
+              <a:p>
+                <a:endParaRPr lang="en-US" sz="1200" dirty="0">
+                  <a:solidFill>
+                    <a:schemeClr val="tx1"/>
+                  </a:solidFill>
+                </a:endParaRPr>
+              </a:p>
+              <a:p>
+                <a:endParaRPr lang="en-US" sz="1200" dirty="0">
+                  <a:solidFill>
+                    <a:schemeClr val="tx1"/>
+                  </a:solidFill>
+                </a:endParaRPr>
+              </a:p>
+            </p:txBody>
+          </p:sp>
+          <p:grpSp>
+            <p:nvGrpSpPr>
+              <p:cNvPr id="118" name="Group 117"/>
+              <p:cNvGrpSpPr/>
+              <p:nvPr/>
+            </p:nvGrpSpPr>
+            <p:grpSpPr>
+              <a:xfrm>
+                <a:off x="3828633" y="3449792"/>
+                <a:ext cx="1508783" cy="524135"/>
+                <a:chOff x="1819877" y="1772830"/>
+                <a:chExt cx="1508783" cy="524135"/>
+              </a:xfrm>
+            </p:grpSpPr>
+            <p:sp>
+              <p:nvSpPr>
+                <p:cNvPr id="119" name="Rounded Rectangle 118"/>
+                <p:cNvSpPr/>
+                <p:nvPr/>
+              </p:nvSpPr>
+              <p:spPr>
+                <a:xfrm>
+                  <a:off x="1819877" y="1772830"/>
+                  <a:ext cx="1171185" cy="210625"/>
+                </a:xfrm>
+                <a:prstGeom prst="roundRect">
+                  <a:avLst/>
+                </a:prstGeom>
+                <a:ln w="12700" cmpd="sng">
+                  <a:solidFill>
+                    <a:srgbClr val="D9D9D9"/>
+                  </a:solidFill>
+                </a:ln>
+              </p:spPr>
+              <p:style>
+                <a:lnRef idx="2">
+                  <a:schemeClr val="accent6"/>
+                </a:lnRef>
+                <a:fillRef idx="1">
+                  <a:schemeClr val="lt1"/>
+                </a:fillRef>
+                <a:effectRef idx="0">
+                  <a:schemeClr val="accent6"/>
+                </a:effectRef>
+                <a:fontRef idx="minor">
+                  <a:schemeClr val="dk1"/>
+                </a:fontRef>
+              </p:style>
+              <p:txBody>
+                <a:bodyPr lIns="0" tIns="0" rIns="0" bIns="36576" rtlCol="0" anchor="ctr" anchorCtr="1"/>
+                <a:lstStyle/>
+                <a:p>
+                  <a:pPr algn="ctr"/>
+                  <a:r>
+                    <a:rPr lang="en-US" sz="800" dirty="0" smtClean="0">
+                      <a:solidFill>
+                        <a:srgbClr val="E74C3C"/>
+                      </a:solidFill>
+                      <a:latin typeface="Arial Narrow"/>
+                      <a:cs typeface="Arial Narrow"/>
+                      <a:sym typeface="Wingdings"/>
+                    </a:rPr>
+                    <a:t>PRODUCT:  </a:t>
+                  </a:r>
+                  <a:r>
+                    <a:rPr lang="en-US" sz="1200" dirty="0" smtClean="0">
+                      <a:solidFill>
+                        <a:srgbClr val="E74C3C"/>
+                      </a:solidFill>
+                      <a:latin typeface="Consolas"/>
+                      <a:cs typeface="Consolas"/>
+                    </a:rPr>
+                    <a:t>donuts</a:t>
+                  </a:r>
+                  <a:endParaRPr lang="en-US" sz="1200" dirty="0">
+                    <a:solidFill>
+                      <a:srgbClr val="E74C3C"/>
+                    </a:solidFill>
+                    <a:latin typeface="Consolas"/>
+                    <a:cs typeface="Consolas"/>
+                  </a:endParaRPr>
+                </a:p>
+              </p:txBody>
+            </p:sp>
+            <p:cxnSp>
+              <p:nvCxnSpPr>
+                <p:cNvPr id="120" name="Straight Connector 119"/>
+                <p:cNvCxnSpPr/>
+                <p:nvPr/>
+              </p:nvCxnSpPr>
+              <p:spPr>
+                <a:xfrm>
+                  <a:off x="1983054" y="1983456"/>
+                  <a:ext cx="0" cy="209144"/>
+                </a:xfrm>
+                <a:prstGeom prst="line">
+                  <a:avLst/>
+                </a:prstGeom>
+                <a:ln w="12700" cmpd="sng">
+                  <a:solidFill>
+                    <a:schemeClr val="bg1">
+                      <a:lumMod val="85000"/>
+                    </a:schemeClr>
+                  </a:solidFill>
+                </a:ln>
+              </p:spPr>
+              <p:style>
+                <a:lnRef idx="1">
+                  <a:schemeClr val="accent6"/>
+                </a:lnRef>
+                <a:fillRef idx="0">
+                  <a:schemeClr val="accent6"/>
+                </a:fillRef>
+                <a:effectRef idx="0">
+                  <a:schemeClr val="accent6"/>
+                </a:effectRef>
+                <a:fontRef idx="minor">
+                  <a:schemeClr val="tx1"/>
+                </a:fontRef>
+              </p:style>
+            </p:cxnSp>
+            <p:cxnSp>
+              <p:nvCxnSpPr>
+                <p:cNvPr id="121" name="Straight Connector 120"/>
+                <p:cNvCxnSpPr/>
+                <p:nvPr/>
+              </p:nvCxnSpPr>
+              <p:spPr>
+                <a:xfrm rot="5400000">
+                  <a:off x="2208947" y="1964504"/>
+                  <a:ext cx="0" cy="463370"/>
+                </a:xfrm>
+                <a:prstGeom prst="line">
+                  <a:avLst/>
+                </a:prstGeom>
+                <a:ln w="12700" cmpd="sng">
+                  <a:solidFill>
+                    <a:schemeClr val="bg1">
+                      <a:lumMod val="85000"/>
+                    </a:schemeClr>
+                  </a:solidFill>
+                </a:ln>
+              </p:spPr>
+              <p:style>
+                <a:lnRef idx="1">
+                  <a:schemeClr val="accent6"/>
+                </a:lnRef>
+                <a:fillRef idx="0">
+                  <a:schemeClr val="accent6"/>
+                </a:fillRef>
+                <a:effectRef idx="0">
+                  <a:schemeClr val="accent6"/>
+                </a:effectRef>
+                <a:fontRef idx="minor">
+                  <a:schemeClr val="tx1"/>
+                </a:fontRef>
+              </p:style>
+            </p:cxnSp>
+            <p:sp>
+              <p:nvSpPr>
+                <p:cNvPr id="122" name="Rounded Rectangle 121"/>
+                <p:cNvSpPr/>
+                <p:nvPr/>
+              </p:nvSpPr>
+              <p:spPr>
+                <a:xfrm>
+                  <a:off x="2107861" y="2086340"/>
+                  <a:ext cx="1220799" cy="210625"/>
+                </a:xfrm>
+                <a:prstGeom prst="roundRect">
+                  <a:avLst/>
+                </a:prstGeom>
+                <a:ln w="12700" cmpd="sng">
+                  <a:solidFill>
+                    <a:srgbClr val="D9D9D9"/>
+                  </a:solidFill>
+                </a:ln>
+              </p:spPr>
+              <p:style>
+                <a:lnRef idx="2">
+                  <a:schemeClr val="accent6"/>
+                </a:lnRef>
+                <a:fillRef idx="1">
+                  <a:schemeClr val="lt1"/>
+                </a:fillRef>
+                <a:effectRef idx="0">
+                  <a:schemeClr val="accent6"/>
+                </a:effectRef>
+                <a:fontRef idx="minor">
+                  <a:schemeClr val="dk1"/>
+                </a:fontRef>
+              </p:style>
+              <p:txBody>
+                <a:bodyPr lIns="0" tIns="0" rIns="0" bIns="36576" rtlCol="0" anchor="ctr" anchorCtr="1"/>
+                <a:lstStyle/>
+                <a:p>
+                  <a:pPr algn="ctr"/>
+                  <a:r>
+                    <a:rPr lang="en-US" sz="800" dirty="0" smtClean="0">
+                      <a:solidFill>
+                        <a:srgbClr val="E74C3C"/>
+                      </a:solidFill>
+                      <a:latin typeface="Arial Narrow"/>
+                      <a:cs typeface="Arial Narrow"/>
+                      <a:sym typeface="Wingdings"/>
+                    </a:rPr>
+                    <a:t>QUANTITY:  </a:t>
+                  </a:r>
+                  <a:r>
+                    <a:rPr lang="en-US" sz="1200" dirty="0" smtClean="0">
+                      <a:solidFill>
+                        <a:srgbClr val="E74C3C"/>
+                      </a:solidFill>
+                      <a:latin typeface="Consolas"/>
+                      <a:cs typeface="Consolas"/>
+                    </a:rPr>
+                    <a:t>a dozen</a:t>
+                  </a:r>
+                  <a:endParaRPr lang="en-US" sz="1200" dirty="0">
+                    <a:solidFill>
+                      <a:srgbClr val="E74C3C"/>
+                    </a:solidFill>
+                    <a:latin typeface="Consolas"/>
+                    <a:cs typeface="Consolas"/>
+                  </a:endParaRPr>
+                </a:p>
+              </p:txBody>
+            </p:sp>
+          </p:grpSp>
+          <p:sp>
+            <p:nvSpPr>
+              <p:cNvPr id="133" name="Rounded Rectangle 132"/>
+              <p:cNvSpPr/>
+              <p:nvPr/>
+            </p:nvSpPr>
+            <p:spPr>
+              <a:xfrm>
+                <a:off x="5503362" y="3343551"/>
+                <a:ext cx="1826570" cy="418274"/>
+              </a:xfrm>
+              <a:prstGeom prst="roundRect">
+                <a:avLst>
+                  <a:gd name="adj" fmla="val 17538"/>
+                </a:avLst>
+              </a:prstGeom>
+              <a:solidFill>
+                <a:schemeClr val="bg1"/>
+              </a:solidFill>
+              <a:ln w="3175" cmpd="sng">
+                <a:noFill/>
+              </a:ln>
+            </p:spPr>
+            <p:style>
+              <a:lnRef idx="2">
+                <a:schemeClr val="dk1"/>
+              </a:lnRef>
+              <a:fillRef idx="1">
+                <a:schemeClr val="lt1"/>
+              </a:fillRef>
+              <a:effectRef idx="0">
+                <a:schemeClr val="dk1"/>
+              </a:effectRef>
+              <a:fontRef idx="minor">
+                <a:schemeClr val="dk1"/>
+              </a:fontRef>
+            </p:style>
+            <p:txBody>
+              <a:bodyPr tIns="36576" bIns="36576" rtlCol="0" anchor="t" anchorCtr="0"/>
+              <a:lstStyle/>
+              <a:p>
+                <a:endParaRPr lang="en-US" sz="1200" dirty="0">
+                  <a:solidFill>
+                    <a:schemeClr val="tx1"/>
+                  </a:solidFill>
+                </a:endParaRPr>
+              </a:p>
+              <a:p>
+                <a:endParaRPr lang="en-US" sz="1200" dirty="0">
+                  <a:solidFill>
+                    <a:schemeClr val="tx1"/>
+                  </a:solidFill>
+                </a:endParaRPr>
+              </a:p>
+            </p:txBody>
+          </p:sp>
+          <p:sp>
+            <p:nvSpPr>
+              <p:cNvPr id="126" name="Rounded Rectangle 125"/>
+              <p:cNvSpPr/>
+              <p:nvPr/>
+            </p:nvSpPr>
+            <p:spPr>
+              <a:xfrm>
+                <a:off x="5592982" y="3451771"/>
+                <a:ext cx="1621461" cy="210625"/>
+              </a:xfrm>
+              <a:prstGeom prst="roundRect">
+                <a:avLst/>
+              </a:prstGeom>
+              <a:ln w="12700" cmpd="sng">
+                <a:solidFill>
+                  <a:srgbClr val="D9D9D9"/>
+                </a:solidFill>
+              </a:ln>
+            </p:spPr>
+            <p:style>
+              <a:lnRef idx="2">
+                <a:schemeClr val="accent6"/>
+              </a:lnRef>
+              <a:fillRef idx="1">
+                <a:schemeClr val="lt1"/>
+              </a:fillRef>
+              <a:effectRef idx="0">
+                <a:schemeClr val="accent6"/>
+              </a:effectRef>
+              <a:fontRef idx="minor">
+                <a:schemeClr val="dk1"/>
+              </a:fontRef>
+            </p:style>
+            <p:txBody>
+              <a:bodyPr lIns="0" tIns="0" rIns="0" bIns="36576" rtlCol="0" anchor="ctr" anchorCtr="1"/>
+              <a:lstStyle/>
+              <a:p>
+                <a:pPr algn="ctr"/>
+                <a:r>
+                  <a:rPr lang="en-US" sz="800" dirty="0" smtClean="0">
+                    <a:solidFill>
+                      <a:srgbClr val="E74C3C"/>
+                    </a:solidFill>
+                    <a:latin typeface="Arial Narrow"/>
+                    <a:cs typeface="Arial Narrow"/>
+                    <a:sym typeface="Wingdings"/>
+                  </a:rPr>
+                  <a:t>STORE_NAME:  </a:t>
+                </a:r>
+                <a:r>
+                  <a:rPr lang="en-US" sz="1200" dirty="0" smtClean="0">
+                    <a:solidFill>
+                      <a:srgbClr val="E74C3C"/>
+                    </a:solidFill>
+                    <a:latin typeface="Consolas"/>
+                    <a:cs typeface="Consolas"/>
+                  </a:rPr>
+                  <a:t>Elm Street</a:t>
+                </a:r>
+                <a:endParaRPr lang="en-US" sz="1200" dirty="0">
+                  <a:solidFill>
+                    <a:srgbClr val="E74C3C"/>
+                  </a:solidFill>
+                  <a:latin typeface="Consolas"/>
+                  <a:cs typeface="Consolas"/>
+                </a:endParaRPr>
+              </a:p>
+            </p:txBody>
+          </p:sp>
+        </p:grpSp>
+        <p:sp>
+          <p:nvSpPr>
+            <p:cNvPr id="135" name="Down Arrow 134"/>
+            <p:cNvSpPr/>
+            <p:nvPr/>
+          </p:nvSpPr>
+          <p:spPr>
+            <a:xfrm>
+              <a:off x="4571512" y="1712456"/>
+              <a:ext cx="432877" cy="319548"/>
+            </a:xfrm>
+            <a:prstGeom prst="downArrow">
+              <a:avLst/>
+            </a:prstGeom>
+            <a:solidFill>
+              <a:schemeClr val="bg1">
+                <a:lumMod val="75000"/>
+              </a:schemeClr>
+            </a:solidFill>
+            <a:ln>
+              <a:noFill/>
+            </a:ln>
+          </p:spPr>
+          <p:style>
+            <a:lnRef idx="2">
+              <a:schemeClr val="accent6"/>
+            </a:lnRef>
+            <a:fillRef idx="1">
+              <a:schemeClr val="lt1"/>
+            </a:fillRef>
+            <a:effectRef idx="0">
+              <a:schemeClr val="accent6"/>
+            </a:effectRef>
+            <a:fontRef idx="minor">
+              <a:schemeClr val="dk1"/>
+            </a:fontRef>
+          </p:style>
+          <p:txBody>
+            <a:bodyPr rtlCol="0" anchor="ctr"/>
+            <a:lstStyle/>
+            <a:p>
+              <a:pPr algn="ctr"/>
+              <a:endParaRPr lang="en-US"/>
+            </a:p>
+          </p:txBody>
+        </p:sp>
+        <p:sp>
+          <p:nvSpPr>
+            <p:cNvPr id="136" name="Down Arrow 135"/>
+            <p:cNvSpPr/>
+            <p:nvPr/>
+          </p:nvSpPr>
+          <p:spPr>
+            <a:xfrm>
+              <a:off x="4571512" y="2505334"/>
+              <a:ext cx="432877" cy="319548"/>
+            </a:xfrm>
+            <a:prstGeom prst="downArrow">
+              <a:avLst/>
+            </a:prstGeom>
+            <a:solidFill>
+              <a:schemeClr val="bg1">
+                <a:lumMod val="75000"/>
+              </a:schemeClr>
+            </a:solidFill>
+            <a:ln>
+              <a:noFill/>
+            </a:ln>
+          </p:spPr>
+          <p:style>
+            <a:lnRef idx="2">
+              <a:schemeClr val="accent6"/>
+            </a:lnRef>
+            <a:fillRef idx="1">
+              <a:schemeClr val="lt1"/>
+            </a:fillRef>
+            <a:effectRef idx="0">
+              <a:schemeClr val="accent6"/>
+            </a:effectRef>
+            <a:fontRef idx="minor">
+              <a:schemeClr val="dk1"/>
+            </a:fontRef>
+          </p:style>
+          <p:txBody>
+            <a:bodyPr rtlCol="0" anchor="ctr"/>
+            <a:lstStyle/>
+            <a:p>
+              <a:pPr algn="ctr"/>
+              <a:endParaRPr lang="en-US"/>
+            </a:p>
+          </p:txBody>
+        </p:sp>
+        <p:sp>
+          <p:nvSpPr>
+            <p:cNvPr id="81" name="Rectangle 80"/>
+            <p:cNvSpPr/>
+            <p:nvPr/>
+          </p:nvSpPr>
+          <p:spPr>
+            <a:xfrm>
+              <a:off x="3776448" y="2038918"/>
+              <a:ext cx="2023005" cy="458222"/>
+            </a:xfrm>
+            <a:prstGeom prst="rect">
+              <a:avLst/>
+            </a:prstGeom>
+            <a:solidFill>
+              <a:schemeClr val="bg1">
+                <a:lumMod val="95000"/>
+              </a:schemeClr>
+            </a:solidFill>
+            <a:ln w="12700" cmpd="sng">
+              <a:solidFill>
+                <a:srgbClr val="3C6FA5"/>
+              </a:solidFill>
+            </a:ln>
+          </p:spPr>
+          <p:style>
+            <a:lnRef idx="2">
+              <a:schemeClr val="dk1"/>
+            </a:lnRef>
+            <a:fillRef idx="1">
+              <a:schemeClr val="lt1"/>
+            </a:fillRef>
+            <a:effectRef idx="0">
+              <a:schemeClr val="dk1"/>
+            </a:effectRef>
+            <a:fontRef idx="minor">
+              <a:schemeClr val="dk1"/>
+            </a:fontRef>
+          </p:style>
+          <p:txBody>
+            <a:bodyPr lIns="0" rIns="0" rtlCol="0" anchor="ctr"/>
+            <a:lstStyle/>
+            <a:p>
+              <a:pPr algn="ctr" defTabSz="914400"/>
+              <a:r>
+                <a:rPr lang="en-US" sz="1600" b="1" kern="0" dirty="0" smtClean="0">
+                  <a:solidFill>
+                    <a:srgbClr val="3C6FA5"/>
+                  </a:solidFill>
+                  <a:latin typeface="Arial Narrow"/>
+                  <a:cs typeface="Arial Narrow"/>
+                  <a:sym typeface="Arial"/>
+                </a:rPr>
+                <a:t>Language Parser</a:t>
+              </a:r>
+              <a:endParaRPr lang="en-US" sz="1600" b="1" kern="0" dirty="0">
+                <a:solidFill>
+                  <a:srgbClr val="3C6FA5"/>
+                </a:solidFill>
+                <a:latin typeface="Arial Narrow"/>
+                <a:cs typeface="Arial Narrow"/>
+                <a:sym typeface="Arial"/>
+              </a:endParaRPr>
+            </a:p>
+          </p:txBody>
+        </p:sp>
+      </p:grpSp>
+    </p:spTree>
+    <p:extLst>
+      <p:ext uri="{BB962C8B-B14F-4D97-AF65-F5344CB8AC3E}">
+        <p14:creationId xmlns:p14="http://schemas.microsoft.com/office/powerpoint/2010/main" val="4195954556"/>
+      </p:ext>
+    </p:extLst>
+  </p:cSld>
+  <p:clrMapOvr>
+    <a:masterClrMapping/>
+  </p:clrMapOvr>
+</p:sld>
+</file>
+
 <file path=ppt/theme/theme1.xml><?xml version="1.0" encoding="utf-8"?>
 <a:theme xmlns:a="http://schemas.openxmlformats.org/drawingml/2006/main" name="Default Theme">
   <a:themeElements>

--- a/docs/source/images/images.pptx
+++ b/docs/source/images/images.pptx
@@ -4575,12 +4575,8 @@
                 <a:t>23 Elm Street </a:t>
               </a:r>
               <a:r>
-                <a:rPr lang="en-US" sz="900" dirty="0" err="1"/>
-                <a:t>Kwik</a:t>
-              </a:r>
-              <a:r>
                 <a:rPr lang="en-US" sz="900" dirty="0"/>
-                <a:t>-E-Mart </a:t>
+                <a:t>Kwik-E-Mart </a:t>
               </a:r>
               <a:r>
                 <a:rPr lang="en-US" sz="900" dirty="0" smtClean="0"/>
@@ -4671,15 +4667,7 @@
             <a:p>
               <a:r>
                 <a:rPr lang="en-US" sz="900" dirty="0"/>
-                <a:t>Hello, Pat. I can help you find store hours for your local </a:t>
-              </a:r>
-              <a:r>
-                <a:rPr lang="en-US" sz="900" dirty="0" err="1"/>
-                <a:t>Kwik</a:t>
-              </a:r>
-              <a:r>
-                <a:rPr lang="en-US" sz="900" dirty="0"/>
-                <a:t>-E-Mart. How can I help?</a:t>
+                <a:t>Hello, Pat. I can help you find store hours for your local Kwik-E-Mart. How can I help?</a:t>
               </a:r>
             </a:p>
             <a:p>
@@ -4902,15 +4890,7 @@
             <a:p>
               <a:r>
                 <a:rPr lang="en-US" sz="900" dirty="0"/>
-                <a:t>Your nearest </a:t>
-              </a:r>
-              <a:r>
-                <a:rPr lang="en-US" sz="900" dirty="0" err="1"/>
-                <a:t>Kwik</a:t>
-              </a:r>
-              <a:r>
-                <a:rPr lang="en-US" sz="900" dirty="0"/>
-                <a:t>-E-Mart is located at </a:t>
+                <a:t>Your nearest Kwik-E-Mart is located at </a:t>
               </a:r>
               <a:r>
                 <a:rPr lang="en-US" sz="900" dirty="0" smtClean="0"/>
@@ -4993,23 +4973,7 @@
                     <a:srgbClr val="FFFFFF"/>
                   </a:solidFill>
                 </a:rPr>
-                <a:t>Where is the nearest </a:t>
-              </a:r>
-              <a:r>
-                <a:rPr lang="en-US" sz="900" dirty="0" err="1" smtClean="0">
-                  <a:solidFill>
-                    <a:srgbClr val="FFFFFF"/>
-                  </a:solidFill>
-                </a:rPr>
-                <a:t>Kwik</a:t>
-              </a:r>
-              <a:r>
-                <a:rPr lang="en-US" sz="900" dirty="0" smtClean="0">
-                  <a:solidFill>
-                    <a:srgbClr val="FFFFFF"/>
-                  </a:solidFill>
-                </a:rPr>
-                <a:t>-E-Mart?</a:t>
+                <a:t>Where is the nearest Kwik-E-Mart?</a:t>
               </a:r>
             </a:p>
             <a:p>
@@ -5087,12 +5051,8 @@
                 <a:t>Pine and Market </a:t>
               </a:r>
               <a:r>
-                <a:rPr lang="en-US" sz="900" dirty="0" err="1"/>
-                <a:t>Kwik</a:t>
-              </a:r>
-              <a:r>
                 <a:rPr lang="en-US" sz="900" dirty="0"/>
-                <a:t>-E-Mart opens at </a:t>
+                <a:t>Kwik-E-Mart opens at </a:t>
               </a:r>
               <a:r>
                 <a:rPr lang="en-US" sz="900" dirty="0" smtClean="0"/>
@@ -9967,20 +9927,12 @@
                   </a:rPr>
                 </a:br>
                 <a:r>
-                  <a:rPr lang="en-US" sz="900" dirty="0" err="1" smtClean="0">
-                    <a:solidFill>
-                      <a:srgbClr val="FFFFFF"/>
-                    </a:solidFill>
-                  </a:rPr>
-                  <a:t>Kwik</a:t>
-                </a:r>
-                <a:r>
                   <a:rPr lang="en-US" sz="900" dirty="0" smtClean="0">
                     <a:solidFill>
                       <a:srgbClr val="FFFFFF"/>
                     </a:solidFill>
                   </a:rPr>
-                  <a:t>-E-Mart?</a:t>
+                  <a:t>Kwik-E-Mart?</a:t>
                 </a:r>
               </a:p>
               <a:p>
@@ -16128,20 +16080,12 @@
                 </a:rPr>
               </a:br>
               <a:r>
-                <a:rPr lang="en-US" sz="900" dirty="0" err="1" smtClean="0">
-                  <a:solidFill>
-                    <a:srgbClr val="FFFFFF"/>
-                  </a:solidFill>
-                </a:rPr>
-                <a:t>Kwik</a:t>
-              </a:r>
-              <a:r>
                 <a:rPr lang="en-US" sz="900" dirty="0" smtClean="0">
                   <a:solidFill>
                     <a:srgbClr val="FFFFFF"/>
                   </a:solidFill>
                 </a:rPr>
-                <a:t>-E-Mart?</a:t>
+                <a:t>Kwik-E-Mart?</a:t>
               </a:r>
             </a:p>
             <a:p>
@@ -16552,7 +16496,7 @@
                   <a:rPr lang="en-US" sz="900" dirty="0" smtClean="0"/>
                 </a:br>
                 <a:r>
-                  <a:rPr lang="en-US" sz="900" dirty="0" err="1" smtClean="0"/>
+                  <a:rPr lang="en-US" sz="900" dirty="0" smtClean="0"/>
                   <a:t>Kwik</a:t>
                 </a:r>
                 <a:r>
@@ -16791,7 +16735,7 @@
                   <a:t>{store_name} </a:t>
                 </a:r>
                 <a:r>
-                  <a:rPr lang="en-US" sz="900" dirty="0" err="1" smtClean="0"/>
+                  <a:rPr lang="en-US" sz="900" dirty="0" smtClean="0"/>
                   <a:t>Kwik</a:t>
                 </a:r>
                 <a:r>
@@ -17039,15 +16983,7 @@
                 </a:r>
                 <a:r>
                   <a:rPr lang="en-US" sz="900" dirty="0"/>
-                  <a:t>Your nearest </a:t>
-                </a:r>
-                <a:r>
-                  <a:rPr lang="en-US" sz="900" dirty="0" err="1"/>
-                  <a:t>Kwik</a:t>
-                </a:r>
-                <a:r>
-                  <a:rPr lang="en-US" sz="900" dirty="0"/>
-                  <a:t>-E-Mart is located </a:t>
+                  <a:t>Your nearest Kwik-E-Mart is located </a:t>
                 </a:r>
                 <a:r>
                   <a:rPr lang="en-US" sz="900" dirty="0" smtClean="0"/>
@@ -18805,29 +18741,8 @@
                       <a:schemeClr val="tx1"/>
                     </a:solidFill>
                   </a:rPr>
-                  <a:t>Order  one   large      squishee    and a dozen    donuts   from the  Elm Street    </a:t>
+                  <a:t>Order  one   large      squishee    and a dozen    donuts   from the  Elm Street    Kwik-E-Mart</a:t>
                 </a:r>
-                <a:r>
-                  <a:rPr lang="en-US" sz="1200" dirty="0" err="1" smtClean="0">
-                    <a:solidFill>
-                      <a:schemeClr val="tx1"/>
-                    </a:solidFill>
-                  </a:rPr>
-                  <a:t>Kwik</a:t>
-                </a:r>
-                <a:r>
-                  <a:rPr lang="en-US" sz="1200" dirty="0" smtClean="0">
-                    <a:solidFill>
-                      <a:schemeClr val="tx1"/>
-                    </a:solidFill>
-                  </a:rPr>
-                  <a:t>-E-Mart</a:t>
-                </a:r>
-                <a:endParaRPr lang="en-US" sz="1200" dirty="0" smtClean="0">
-                  <a:solidFill>
-                    <a:schemeClr val="tx1"/>
-                  </a:solidFill>
-                </a:endParaRPr>
               </a:p>
               <a:p>
                 <a:endParaRPr lang="en-US" sz="1200" dirty="0">

--- a/docs/source/images/images.pptx
+++ b/docs/source/images/images.pptx
@@ -16,7 +16,7 @@
     <p:sldId id="258" r:id="rId7"/>
     <p:sldId id="259" r:id="rId8"/>
     <p:sldId id="266" r:id="rId9"/>
-    <p:sldId id="260" r:id="rId10"/>
+    <p:sldId id="277" r:id="rId10"/>
     <p:sldId id="261" r:id="rId11"/>
     <p:sldId id="263" r:id="rId12"/>
     <p:sldId id="262" r:id="rId13"/>
@@ -222,7 +222,7 @@
           <a:p>
             <a:fld id="{C06C16C2-E84F-C94A-BAEB-BD9A80415D2E}" type="datetimeFigureOut">
               <a:rPr lang="en-US" smtClean="0"/>
-              <a:t>7/1/17</a:t>
+              <a:t>7/2/17</a:t>
             </a:fld>
             <a:endParaRPr lang="en-US"/>
           </a:p>
@@ -1221,7 +1221,7 @@
           <a:p>
             <a:fld id="{85FD3787-7239-C647-8F46-4AEF603A44BF}" type="datetime1">
               <a:rPr lang="en-US" smtClean="0"/>
-              <a:t>7/1/17</a:t>
+              <a:t>7/2/17</a:t>
             </a:fld>
             <a:endParaRPr lang="en-US" dirty="0"/>
           </a:p>
@@ -1391,7 +1391,7 @@
           <a:p>
             <a:fld id="{58F06498-C7BA-7B4F-A289-96E741DB6F51}" type="datetime1">
               <a:rPr lang="en-US" smtClean="0"/>
-              <a:t>7/1/17</a:t>
+              <a:t>7/2/17</a:t>
             </a:fld>
             <a:endParaRPr lang="en-US" dirty="0"/>
           </a:p>
@@ -1571,7 +1571,7 @@
           <a:p>
             <a:fld id="{92B56630-3C53-6E41-8F36-B5B7DC677D8C}" type="datetime1">
               <a:rPr lang="en-US" smtClean="0"/>
-              <a:t>7/1/17</a:t>
+              <a:t>7/2/17</a:t>
             </a:fld>
             <a:endParaRPr lang="en-US" dirty="0"/>
           </a:p>
@@ -1741,7 +1741,7 @@
           <a:p>
             <a:fld id="{AB3D54BB-4E0B-844F-968F-93A99D2A0E27}" type="datetime1">
               <a:rPr lang="en-US" smtClean="0"/>
-              <a:t>7/1/17</a:t>
+              <a:t>7/2/17</a:t>
             </a:fld>
             <a:endParaRPr lang="en-US" dirty="0"/>
           </a:p>
@@ -1987,7 +1987,7 @@
           <a:p>
             <a:fld id="{8308F5C4-D4BE-1246-89B0-2CF09E5A1C73}" type="datetime1">
               <a:rPr lang="en-US" smtClean="0"/>
-              <a:t>7/1/17</a:t>
+              <a:t>7/2/17</a:t>
             </a:fld>
             <a:endParaRPr lang="en-US" dirty="0"/>
           </a:p>
@@ -2275,7 +2275,7 @@
           <a:p>
             <a:fld id="{AE2C759A-60C1-D347-A2FC-BD124BE24608}" type="datetime1">
               <a:rPr lang="en-US" smtClean="0"/>
-              <a:t>7/1/17</a:t>
+              <a:t>7/2/17</a:t>
             </a:fld>
             <a:endParaRPr lang="en-US" dirty="0"/>
           </a:p>
@@ -2697,7 +2697,7 @@
           <a:p>
             <a:fld id="{81A1B11B-E3A3-7242-9E6D-08D8E0DF02D1}" type="datetime1">
               <a:rPr lang="en-US" smtClean="0"/>
-              <a:t>7/1/17</a:t>
+              <a:t>7/2/17</a:t>
             </a:fld>
             <a:endParaRPr lang="en-US" dirty="0"/>
           </a:p>
@@ -2815,7 +2815,7 @@
           <a:p>
             <a:fld id="{4BD03965-1CEF-054A-A931-4796ABBAFB43}" type="datetime1">
               <a:rPr lang="en-US" smtClean="0"/>
-              <a:t>7/1/17</a:t>
+              <a:t>7/2/17</a:t>
             </a:fld>
             <a:endParaRPr lang="en-US" dirty="0"/>
           </a:p>
@@ -2910,7 +2910,7 @@
           <a:p>
             <a:fld id="{B2AA7C06-6D5E-494B-9BF1-9BBBE1D5A1C7}" type="datetime1">
               <a:rPr lang="en-US" smtClean="0"/>
-              <a:t>7/1/17</a:t>
+              <a:t>7/2/17</a:t>
             </a:fld>
             <a:endParaRPr lang="en-US" dirty="0"/>
           </a:p>
@@ -3187,7 +3187,7 @@
           <a:p>
             <a:fld id="{7CE04B88-50CE-7A45-AE26-A9751D882E6D}" type="datetime1">
               <a:rPr lang="en-US" smtClean="0"/>
-              <a:t>7/1/17</a:t>
+              <a:t>7/2/17</a:t>
             </a:fld>
             <a:endParaRPr lang="en-US" dirty="0"/>
           </a:p>
@@ -3444,7 +3444,7 @@
           <a:p>
             <a:fld id="{70B692A8-8BCF-2745-A1F3-24034345F60C}" type="datetime1">
               <a:rPr lang="en-US" smtClean="0"/>
-              <a:t>7/1/17</a:t>
+              <a:t>7/2/17</a:t>
             </a:fld>
             <a:endParaRPr lang="en-US" dirty="0"/>
           </a:p>
@@ -3658,7 +3658,7 @@
             <a:fld id="{B994E09A-36F1-0A45-80F7-B10DE6908129}" type="datetime1">
               <a:rPr lang="en-US" smtClean="0"/>
               <a:pPr/>
-              <a:t>7/1/17</a:t>
+              <a:t>7/2/17</a:t>
             </a:fld>
             <a:endParaRPr lang="en-US" dirty="0"/>
           </a:p>
@@ -18110,12 +18110,6 @@
                 </a:rPr>
                 <a:t>“Order one large squishee and a dozen donuts from the Elm Street Kwik-E-Mart”</a:t>
               </a:r>
-              <a:endParaRPr lang="en-US" sz="1400" dirty="0">
-                <a:solidFill>
-                  <a:srgbClr val="2C74A5"/>
-                </a:solidFill>
-                <a:cs typeface="Arial Narrow"/>
-              </a:endParaRPr>
             </a:p>
           </p:txBody>
         </p:sp>
@@ -18158,7 +18152,6 @@
                 <a:rPr lang="en-US" b="1" dirty="0"/>
                 <a:t>INPUT</a:t>
               </a:r>
-              <a:endParaRPr lang="en-US" b="1" dirty="0"/>
             </a:p>
           </p:txBody>
         </p:sp>
@@ -18847,12 +18840,6 @@
                   </a:rPr>
                   <a:t>12</a:t>
                 </a:r>
-                <a:endParaRPr lang="en-US" sz="800" b="1" dirty="0">
-                  <a:solidFill>
-                    <a:srgbClr val="2C74A5"/>
-                  </a:solidFill>
-                  <a:cs typeface="Arial Narrow"/>
-                </a:endParaRPr>
               </a:p>
             </p:txBody>
           </p:sp>
@@ -28100,7 +28087,7 @@
         </p:nvSpPr>
         <p:spPr/>
         <p:txBody>
-          <a:bodyPr/>
+          <a:bodyPr anchor="t"/>
           <a:lstStyle/>
           <a:p>
             <a:fld id="{D01B2998-00A9-9E41-AB29-A15A35C12BAC}" type="slidenum">
@@ -28148,7 +28135,7 @@
             <p:spPr>
               <a:xfrm>
                 <a:off x="2471528" y="617329"/>
-                <a:ext cx="682417" cy="276999"/>
+                <a:ext cx="716863" cy="276999"/>
               </a:xfrm>
               <a:prstGeom prst="rect">
                 <a:avLst/>
@@ -28156,7 +28143,7 @@
               <a:noFill/>
             </p:spPr>
             <p:txBody>
-              <a:bodyPr wrap="none" rtlCol="0">
+              <a:bodyPr wrap="none" rtlCol="0" anchor="t">
                 <a:spAutoFit/>
               </a:bodyPr>
               <a:lstStyle/>
@@ -28228,7 +28215,7 @@
               </a:fontRef>
             </p:style>
             <p:txBody>
-              <a:bodyPr lIns="0" tIns="0" rIns="0" bIns="45720" rtlCol="0" anchor="ctr" anchorCtr="1"/>
+              <a:bodyPr lIns="0" tIns="0" rIns="0" bIns="45720" rtlCol="0" anchor="t" anchorCtr="1"/>
               <a:lstStyle/>
               <a:p>
                 <a:pPr algn="ctr"/>
@@ -28261,7 +28248,7 @@
             <p:spPr>
               <a:xfrm>
                 <a:off x="4200448" y="619839"/>
-                <a:ext cx="637370" cy="276999"/>
+                <a:ext cx="671979" cy="276999"/>
               </a:xfrm>
               <a:prstGeom prst="rect">
                 <a:avLst/>
@@ -28269,7 +28256,7 @@
               <a:noFill/>
             </p:spPr>
             <p:txBody>
-              <a:bodyPr wrap="none" rtlCol="0">
+              <a:bodyPr wrap="none" rtlCol="0" anchor="t">
                 <a:spAutoFit/>
               </a:bodyPr>
               <a:lstStyle/>
@@ -28341,7 +28328,7 @@
               </a:fontRef>
             </p:style>
             <p:txBody>
-              <a:bodyPr lIns="0" tIns="0" rIns="0" bIns="45720" rtlCol="0" anchor="ctr" anchorCtr="1"/>
+              <a:bodyPr lIns="0" tIns="0" rIns="0" bIns="45720" rtlCol="0" anchor="t" anchorCtr="1"/>
               <a:lstStyle/>
               <a:p>
                 <a:pPr algn="ctr"/>
@@ -28375,7 +28362,7 @@
           <p:spPr>
             <a:xfrm>
               <a:off x="2429332" y="1432863"/>
-              <a:ext cx="740344" cy="276999"/>
+              <a:ext cx="774571" cy="276999"/>
             </a:xfrm>
             <a:prstGeom prst="rect">
               <a:avLst/>
@@ -28383,7 +28370,7 @@
             <a:noFill/>
           </p:spPr>
           <p:txBody>
-            <a:bodyPr wrap="none" rtlCol="0">
+            <a:bodyPr wrap="none" rtlCol="0" anchor="t">
               <a:spAutoFit/>
             </a:bodyPr>
             <a:lstStyle/>
@@ -28455,7 +28442,7 @@
             </a:fontRef>
           </p:style>
           <p:txBody>
-            <a:bodyPr lIns="0" tIns="0" rIns="0" bIns="27432" rtlCol="0" anchor="ctr" anchorCtr="1"/>
+            <a:bodyPr lIns="0" tIns="0" rIns="0" bIns="27432" rtlCol="0" anchor="t" anchorCtr="1"/>
             <a:lstStyle/>
             <a:p>
               <a:pPr algn="ctr"/>
@@ -28606,7 +28593,7 @@
               <a:noFill/>
             </p:spPr>
             <p:txBody>
-              <a:bodyPr wrap="none" rtlCol="0">
+              <a:bodyPr wrap="none" rtlCol="0" anchor="t">
                 <a:spAutoFit/>
               </a:bodyPr>
               <a:lstStyle/>
@@ -28771,7 +28758,7 @@
               <a:noFill/>
             </p:spPr>
             <p:txBody>
-              <a:bodyPr wrap="none" rtlCol="0">
+              <a:bodyPr wrap="none" rtlCol="0" anchor="t">
                 <a:spAutoFit/>
               </a:bodyPr>
               <a:lstStyle/>
@@ -28915,7 +28902,7 @@
               <a:noFill/>
             </p:spPr>
             <p:txBody>
-              <a:bodyPr wrap="none" rtlCol="0">
+              <a:bodyPr wrap="none" rtlCol="0" anchor="t">
                 <a:spAutoFit/>
               </a:bodyPr>
               <a:lstStyle/>
@@ -29044,7 +29031,7 @@
               <a:noFill/>
             </p:spPr>
             <p:txBody>
-              <a:bodyPr wrap="none" rtlCol="0">
+              <a:bodyPr wrap="none" rtlCol="0" anchor="t">
                 <a:spAutoFit/>
               </a:bodyPr>
               <a:lstStyle/>
@@ -29173,7 +29160,7 @@
               <a:noFill/>
             </p:spPr>
             <p:txBody>
-              <a:bodyPr wrap="none" rtlCol="0">
+              <a:bodyPr wrap="none" rtlCol="0" anchor="t">
                 <a:spAutoFit/>
               </a:bodyPr>
               <a:lstStyle/>
@@ -29219,7 +29206,7 @@
             <p:spPr>
               <a:xfrm>
                 <a:off x="2471528" y="617329"/>
-                <a:ext cx="682417" cy="276999"/>
+                <a:ext cx="716863" cy="276999"/>
               </a:xfrm>
               <a:prstGeom prst="rect">
                 <a:avLst/>
@@ -29227,7 +29214,7 @@
               <a:noFill/>
             </p:spPr>
             <p:txBody>
-              <a:bodyPr wrap="none" rtlCol="0">
+              <a:bodyPr wrap="none" rtlCol="0" anchor="t">
                 <a:spAutoFit/>
               </a:bodyPr>
               <a:lstStyle/>
@@ -29299,7 +29286,7 @@
               </a:fontRef>
             </p:style>
             <p:txBody>
-              <a:bodyPr lIns="0" tIns="0" rIns="0" bIns="45720" rtlCol="0" anchor="ctr" anchorCtr="1"/>
+              <a:bodyPr lIns="0" tIns="0" rIns="0" bIns="45720" rtlCol="0" anchor="t" anchorCtr="1"/>
               <a:lstStyle/>
               <a:p>
                 <a:pPr algn="ctr"/>
@@ -29332,7 +29319,7 @@
             <p:spPr>
               <a:xfrm>
                 <a:off x="4200448" y="619839"/>
-                <a:ext cx="637370" cy="276999"/>
+                <a:ext cx="671979" cy="276999"/>
               </a:xfrm>
               <a:prstGeom prst="rect">
                 <a:avLst/>
@@ -29340,7 +29327,7 @@
               <a:noFill/>
             </p:spPr>
             <p:txBody>
-              <a:bodyPr wrap="none" rtlCol="0">
+              <a:bodyPr wrap="none" rtlCol="0" anchor="t">
                 <a:spAutoFit/>
               </a:bodyPr>
               <a:lstStyle/>
@@ -29412,7 +29399,7 @@
               </a:fontRef>
             </p:style>
             <p:txBody>
-              <a:bodyPr lIns="0" tIns="0" rIns="0" bIns="45720" rtlCol="0" anchor="ctr" anchorCtr="1"/>
+              <a:bodyPr lIns="0" tIns="0" rIns="0" bIns="45720" rtlCol="0" anchor="t" anchorCtr="1"/>
               <a:lstStyle/>
               <a:p>
                 <a:pPr algn="ctr"/>
@@ -29446,7 +29433,7 @@
           <p:spPr>
             <a:xfrm>
               <a:off x="2430298" y="1179769"/>
-              <a:ext cx="682417" cy="276999"/>
+              <a:ext cx="716863" cy="276999"/>
             </a:xfrm>
             <a:prstGeom prst="rect">
               <a:avLst/>
@@ -29454,7 +29441,7 @@
             <a:noFill/>
           </p:spPr>
           <p:txBody>
-            <a:bodyPr wrap="none" rtlCol="0">
+            <a:bodyPr wrap="none" rtlCol="0" anchor="t">
               <a:spAutoFit/>
             </a:bodyPr>
             <a:lstStyle/>
@@ -29526,7 +29513,7 @@
             </a:fontRef>
           </p:style>
           <p:txBody>
-            <a:bodyPr lIns="0" tIns="0" rIns="0" bIns="45720" rtlCol="0" anchor="ctr" anchorCtr="1"/>
+            <a:bodyPr lIns="0" tIns="0" rIns="0" bIns="45720" rtlCol="0" anchor="t" anchorCtr="1"/>
             <a:lstStyle/>
             <a:p>
               <a:pPr algn="ctr"/>
@@ -29559,7 +29546,7 @@
           <p:spPr>
             <a:xfrm>
               <a:off x="4159218" y="1182279"/>
-              <a:ext cx="637370" cy="276999"/>
+              <a:ext cx="671979" cy="276999"/>
             </a:xfrm>
             <a:prstGeom prst="rect">
               <a:avLst/>
@@ -29567,7 +29554,7 @@
             <a:noFill/>
           </p:spPr>
           <p:txBody>
-            <a:bodyPr wrap="none" rtlCol="0">
+            <a:bodyPr wrap="none" rtlCol="0" anchor="t">
               <a:spAutoFit/>
             </a:bodyPr>
             <a:lstStyle/>
@@ -29639,7 +29626,7 @@
             </a:fontRef>
           </p:style>
           <p:txBody>
-            <a:bodyPr lIns="0" tIns="0" rIns="0" bIns="45720" rtlCol="0" anchor="ctr" anchorCtr="1"/>
+            <a:bodyPr lIns="0" tIns="0" rIns="0" bIns="45720" rtlCol="0" anchor="t" anchorCtr="1"/>
             <a:lstStyle/>
             <a:p>
               <a:pPr algn="ctr"/>
@@ -29672,7 +29659,7 @@
           <p:spPr>
             <a:xfrm>
               <a:off x="5019941" y="1487303"/>
-              <a:ext cx="969264" cy="193466"/>
+              <a:ext cx="1266552" cy="193466"/>
             </a:xfrm>
             <a:prstGeom prst="roundRect">
               <a:avLst/>
@@ -29700,7 +29687,7 @@
             </a:fontRef>
           </p:style>
           <p:txBody>
-            <a:bodyPr lIns="0" tIns="0" rIns="0" bIns="27432" rtlCol="0" anchor="ctr" anchorCtr="1"/>
+            <a:bodyPr lIns="0" tIns="0" rIns="0" bIns="27432" rtlCol="0" anchor="t" anchorCtr="1"/>
             <a:lstStyle/>
             <a:p>
               <a:pPr algn="ctr"/>
@@ -29725,7 +29712,7 @@
                   <a:latin typeface="Consolas"/>
                   <a:cs typeface="Consolas"/>
                 </a:rPr>
-                <a:t>|date</a:t>
+                <a:t>|sys_time</a:t>
               </a:r>
               <a:endParaRPr lang="en-US" sz="1200" dirty="0">
                 <a:solidFill>
@@ -29760,7 +29747,7 @@
             <p:spPr>
               <a:xfrm>
                 <a:off x="2471528" y="617329"/>
-                <a:ext cx="682417" cy="276999"/>
+                <a:ext cx="716863" cy="276999"/>
               </a:xfrm>
               <a:prstGeom prst="rect">
                 <a:avLst/>
@@ -29768,7 +29755,7 @@
               <a:noFill/>
             </p:spPr>
             <p:txBody>
-              <a:bodyPr wrap="none" rtlCol="0">
+              <a:bodyPr wrap="none" rtlCol="0" anchor="t">
                 <a:spAutoFit/>
               </a:bodyPr>
               <a:lstStyle/>
@@ -29840,7 +29827,7 @@
               </a:fontRef>
             </p:style>
             <p:txBody>
-              <a:bodyPr lIns="0" tIns="0" rIns="0" bIns="45720" rtlCol="0" anchor="ctr" anchorCtr="1"/>
+              <a:bodyPr lIns="0" tIns="0" rIns="0" bIns="45720" rtlCol="0" anchor="t" anchorCtr="1"/>
               <a:lstStyle/>
               <a:p>
                 <a:pPr algn="ctr"/>
@@ -29873,7 +29860,7 @@
             <p:spPr>
               <a:xfrm>
                 <a:off x="4200448" y="619839"/>
-                <a:ext cx="637370" cy="276999"/>
+                <a:ext cx="671979" cy="276999"/>
               </a:xfrm>
               <a:prstGeom prst="rect">
                 <a:avLst/>
@@ -29881,7 +29868,7 @@
               <a:noFill/>
             </p:spPr>
             <p:txBody>
-              <a:bodyPr wrap="none" rtlCol="0">
+              <a:bodyPr wrap="none" rtlCol="0" anchor="t">
                 <a:spAutoFit/>
               </a:bodyPr>
               <a:lstStyle/>
@@ -29953,7 +29940,7 @@
               </a:fontRef>
             </p:style>
             <p:txBody>
-              <a:bodyPr lIns="0" tIns="0" rIns="0" bIns="45720" rtlCol="0" anchor="ctr" anchorCtr="1"/>
+              <a:bodyPr lIns="0" tIns="0" rIns="0" bIns="45720" rtlCol="0" anchor="t" anchorCtr="1"/>
               <a:lstStyle/>
               <a:p>
                 <a:pPr algn="ctr"/>
@@ -29987,7 +29974,7 @@
           <p:spPr>
             <a:xfrm>
               <a:off x="2427877" y="2828615"/>
-              <a:ext cx="740344" cy="276999"/>
+              <a:ext cx="774571" cy="276999"/>
             </a:xfrm>
             <a:prstGeom prst="rect">
               <a:avLst/>
@@ -29995,7 +29982,7 @@
             <a:noFill/>
           </p:spPr>
           <p:txBody>
-            <a:bodyPr wrap="none" rtlCol="0">
+            <a:bodyPr wrap="none" rtlCol="0" anchor="t">
               <a:spAutoFit/>
             </a:bodyPr>
             <a:lstStyle/>
@@ -30038,8 +30025,8 @@
           </p:nvSpPr>
           <p:spPr>
             <a:xfrm>
-              <a:off x="3116876" y="2883055"/>
-              <a:ext cx="1204409" cy="193466"/>
+              <a:off x="3116875" y="2883055"/>
+              <a:ext cx="1544799" cy="193466"/>
             </a:xfrm>
             <a:prstGeom prst="roundRect">
               <a:avLst/>
@@ -30067,12 +30054,12 @@
             </a:fontRef>
           </p:style>
           <p:txBody>
-            <a:bodyPr lIns="0" tIns="0" rIns="0" bIns="27432" rtlCol="0" anchor="ctr" anchorCtr="1"/>
+            <a:bodyPr lIns="0" tIns="0" rIns="0" bIns="27432" rtlCol="0" anchor="t" anchorCtr="1"/>
             <a:lstStyle/>
             <a:p>
               <a:pPr algn="ctr"/>
               <a:r>
-                <a:rPr lang="en-US" sz="1100" dirty="0" smtClean="0">
+                <a:rPr lang="en-US" sz="1100" smtClean="0">
                   <a:solidFill>
                     <a:schemeClr val="tx1">
                       <a:lumMod val="50000"/>
@@ -30085,14 +30072,14 @@
                 <a:t>tomorrow</a:t>
               </a:r>
               <a:r>
-                <a:rPr lang="en-US" sz="1200" dirty="0" smtClean="0">
+                <a:rPr lang="en-US" sz="1200" smtClean="0">
                   <a:solidFill>
                     <a:srgbClr val="E74C3C"/>
                   </a:solidFill>
                   <a:latin typeface="Consolas"/>
                   <a:cs typeface="Consolas"/>
                 </a:rPr>
-                <a:t>|date</a:t>
+                <a:t>|sys_time</a:t>
               </a:r>
               <a:endParaRPr lang="en-US" sz="1200" dirty="0">
                 <a:solidFill>
@@ -30113,7 +30100,7 @@
           <p:spPr>
             <a:xfrm>
               <a:off x="2428843" y="2575521"/>
-              <a:ext cx="682417" cy="276999"/>
+              <a:ext cx="716863" cy="276999"/>
             </a:xfrm>
             <a:prstGeom prst="rect">
               <a:avLst/>
@@ -30121,7 +30108,7 @@
             <a:noFill/>
           </p:spPr>
           <p:txBody>
-            <a:bodyPr wrap="none" rtlCol="0">
+            <a:bodyPr wrap="none" rtlCol="0" anchor="t">
               <a:spAutoFit/>
             </a:bodyPr>
             <a:lstStyle/>
@@ -30193,7 +30180,7 @@
             </a:fontRef>
           </p:style>
           <p:txBody>
-            <a:bodyPr lIns="0" tIns="0" rIns="0" bIns="45720" rtlCol="0" anchor="ctr" anchorCtr="1"/>
+            <a:bodyPr lIns="0" tIns="0" rIns="0" bIns="45720" rtlCol="0" anchor="t" anchorCtr="1"/>
             <a:lstStyle/>
             <a:p>
               <a:pPr algn="ctr"/>
@@ -30226,7 +30213,7 @@
           <p:spPr>
             <a:xfrm>
               <a:off x="4157763" y="2578031"/>
-              <a:ext cx="637370" cy="276999"/>
+              <a:ext cx="671979" cy="276999"/>
             </a:xfrm>
             <a:prstGeom prst="rect">
               <a:avLst/>
@@ -30234,7 +30221,7 @@
             <a:noFill/>
           </p:spPr>
           <p:txBody>
-            <a:bodyPr wrap="none" rtlCol="0">
+            <a:bodyPr wrap="none" rtlCol="0" anchor="t">
               <a:spAutoFit/>
             </a:bodyPr>
             <a:lstStyle/>
@@ -30306,7 +30293,7 @@
             </a:fontRef>
           </p:style>
           <p:txBody>
-            <a:bodyPr lIns="0" tIns="0" rIns="0" bIns="45720" rtlCol="0" anchor="ctr" anchorCtr="1"/>
+            <a:bodyPr lIns="0" tIns="0" rIns="0" bIns="45720" rtlCol="0" anchor="t" anchorCtr="1"/>
             <a:lstStyle/>
             <a:p>
               <a:pPr algn="ctr"/>
@@ -30334,7 +30321,7 @@
     </p:spTree>
     <p:extLst>
       <p:ext uri="{BB962C8B-B14F-4D97-AF65-F5344CB8AC3E}">
-        <p14:creationId xmlns:p14="http://schemas.microsoft.com/office/powerpoint/2010/main" val="2312925158"/>
+        <p14:creationId xmlns:p14="http://schemas.microsoft.com/office/powerpoint/2010/main" val="1690112468"/>
       </p:ext>
     </p:extLst>
   </p:cSld>

--- a/docs/source/images/images.pptx
+++ b/docs/source/images/images.pptx
@@ -222,7 +222,7 @@
           <a:p>
             <a:fld id="{C06C16C2-E84F-C94A-BAEB-BD9A80415D2E}" type="datetimeFigureOut">
               <a:rPr lang="en-US" smtClean="0"/>
-              <a:t>7/2/17</a:t>
+              <a:t>7/14/17</a:t>
             </a:fld>
             <a:endParaRPr lang="en-US"/>
           </a:p>
@@ -1221,7 +1221,7 @@
           <a:p>
             <a:fld id="{85FD3787-7239-C647-8F46-4AEF603A44BF}" type="datetime1">
               <a:rPr lang="en-US" smtClean="0"/>
-              <a:t>7/2/17</a:t>
+              <a:t>7/14/17</a:t>
             </a:fld>
             <a:endParaRPr lang="en-US" dirty="0"/>
           </a:p>
@@ -1391,7 +1391,7 @@
           <a:p>
             <a:fld id="{58F06498-C7BA-7B4F-A289-96E741DB6F51}" type="datetime1">
               <a:rPr lang="en-US" smtClean="0"/>
-              <a:t>7/2/17</a:t>
+              <a:t>7/14/17</a:t>
             </a:fld>
             <a:endParaRPr lang="en-US" dirty="0"/>
           </a:p>
@@ -1571,7 +1571,7 @@
           <a:p>
             <a:fld id="{92B56630-3C53-6E41-8F36-B5B7DC677D8C}" type="datetime1">
               <a:rPr lang="en-US" smtClean="0"/>
-              <a:t>7/2/17</a:t>
+              <a:t>7/14/17</a:t>
             </a:fld>
             <a:endParaRPr lang="en-US" dirty="0"/>
           </a:p>
@@ -1741,7 +1741,7 @@
           <a:p>
             <a:fld id="{AB3D54BB-4E0B-844F-968F-93A99D2A0E27}" type="datetime1">
               <a:rPr lang="en-US" smtClean="0"/>
-              <a:t>7/2/17</a:t>
+              <a:t>7/14/17</a:t>
             </a:fld>
             <a:endParaRPr lang="en-US" dirty="0"/>
           </a:p>
@@ -1987,7 +1987,7 @@
           <a:p>
             <a:fld id="{8308F5C4-D4BE-1246-89B0-2CF09E5A1C73}" type="datetime1">
               <a:rPr lang="en-US" smtClean="0"/>
-              <a:t>7/2/17</a:t>
+              <a:t>7/14/17</a:t>
             </a:fld>
             <a:endParaRPr lang="en-US" dirty="0"/>
           </a:p>
@@ -2275,7 +2275,7 @@
           <a:p>
             <a:fld id="{AE2C759A-60C1-D347-A2FC-BD124BE24608}" type="datetime1">
               <a:rPr lang="en-US" smtClean="0"/>
-              <a:t>7/2/17</a:t>
+              <a:t>7/14/17</a:t>
             </a:fld>
             <a:endParaRPr lang="en-US" dirty="0"/>
           </a:p>
@@ -2697,7 +2697,7 @@
           <a:p>
             <a:fld id="{81A1B11B-E3A3-7242-9E6D-08D8E0DF02D1}" type="datetime1">
               <a:rPr lang="en-US" smtClean="0"/>
-              <a:t>7/2/17</a:t>
+              <a:t>7/14/17</a:t>
             </a:fld>
             <a:endParaRPr lang="en-US" dirty="0"/>
           </a:p>
@@ -2815,7 +2815,7 @@
           <a:p>
             <a:fld id="{4BD03965-1CEF-054A-A931-4796ABBAFB43}" type="datetime1">
               <a:rPr lang="en-US" smtClean="0"/>
-              <a:t>7/2/17</a:t>
+              <a:t>7/14/17</a:t>
             </a:fld>
             <a:endParaRPr lang="en-US" dirty="0"/>
           </a:p>
@@ -2910,7 +2910,7 @@
           <a:p>
             <a:fld id="{B2AA7C06-6D5E-494B-9BF1-9BBBE1D5A1C7}" type="datetime1">
               <a:rPr lang="en-US" smtClean="0"/>
-              <a:t>7/2/17</a:t>
+              <a:t>7/14/17</a:t>
             </a:fld>
             <a:endParaRPr lang="en-US" dirty="0"/>
           </a:p>
@@ -3187,7 +3187,7 @@
           <a:p>
             <a:fld id="{7CE04B88-50CE-7A45-AE26-A9751D882E6D}" type="datetime1">
               <a:rPr lang="en-US" smtClean="0"/>
-              <a:t>7/2/17</a:t>
+              <a:t>7/14/17</a:t>
             </a:fld>
             <a:endParaRPr lang="en-US" dirty="0"/>
           </a:p>
@@ -3444,7 +3444,7 @@
           <a:p>
             <a:fld id="{70B692A8-8BCF-2745-A1F3-24034345F60C}" type="datetime1">
               <a:rPr lang="en-US" smtClean="0"/>
-              <a:t>7/2/17</a:t>
+              <a:t>7/14/17</a:t>
             </a:fld>
             <a:endParaRPr lang="en-US" dirty="0"/>
           </a:p>
@@ -3658,7 +3658,7 @@
             <a:fld id="{B994E09A-36F1-0A45-80F7-B10DE6908129}" type="datetime1">
               <a:rPr lang="en-US" smtClean="0"/>
               <a:pPr/>
-              <a:t>7/2/17</a:t>
+              <a:t>7/14/17</a:t>
             </a:fld>
             <a:endParaRPr lang="en-US" dirty="0"/>
           </a:p>
@@ -26318,1726 +26318,1739 @@
           </a:p>
         </p:txBody>
       </p:sp>
-      <p:sp>
-        <p:nvSpPr>
-          <p:cNvPr id="4" name="Rectangle 3"/>
-          <p:cNvSpPr/>
+      <p:grpSp>
+        <p:nvGrpSpPr>
+          <p:cNvPr id="5" name="Group 4"/>
+          <p:cNvGrpSpPr/>
           <p:nvPr/>
-        </p:nvSpPr>
-        <p:spPr>
+        </p:nvGrpSpPr>
+        <p:grpSpPr>
           <a:xfrm>
-            <a:off x="4219141" y="1871629"/>
-            <a:ext cx="1228807" cy="267236"/>
+            <a:off x="1248023" y="1861866"/>
+            <a:ext cx="6783234" cy="2077670"/>
+            <a:chOff x="1248023" y="1861866"/>
+            <a:chExt cx="6783234" cy="2077670"/>
           </a:xfrm>
-          <a:prstGeom prst="rect">
-            <a:avLst/>
-          </a:prstGeom>
-          <a:solidFill>
-            <a:schemeClr val="bg1">
-              <a:lumMod val="95000"/>
-            </a:schemeClr>
-          </a:solidFill>
-          <a:ln w="12700" cmpd="sng">
+        </p:grpSpPr>
+        <p:sp>
+          <p:nvSpPr>
+            <p:cNvPr id="4" name="Rectangle 3"/>
+            <p:cNvSpPr/>
+            <p:nvPr/>
+          </p:nvSpPr>
+          <p:spPr>
+            <a:xfrm>
+              <a:off x="4219141" y="1871629"/>
+              <a:ext cx="1228807" cy="267236"/>
+            </a:xfrm>
+            <a:prstGeom prst="rect">
+              <a:avLst/>
+            </a:prstGeom>
             <a:solidFill>
-              <a:srgbClr val="2C74A5"/>
+              <a:schemeClr val="bg1">
+                <a:lumMod val="95000"/>
+              </a:schemeClr>
             </a:solidFill>
-          </a:ln>
-        </p:spPr>
-        <p:style>
-          <a:lnRef idx="2">
-            <a:schemeClr val="dk1"/>
-          </a:lnRef>
-          <a:fillRef idx="1">
-            <a:schemeClr val="lt1"/>
-          </a:fillRef>
-          <a:effectRef idx="0">
-            <a:schemeClr val="dk1"/>
-          </a:effectRef>
-          <a:fontRef idx="minor">
-            <a:schemeClr val="dk1"/>
-          </a:fontRef>
-        </p:style>
-        <p:txBody>
-          <a:bodyPr tIns="0" bIns="27432" rtlCol="0" anchor="ctr" anchorCtr="1"/>
-          <a:lstStyle/>
-          <a:p>
-            <a:pPr algn="ctr"/>
-            <a:r>
-              <a:rPr lang="en-US" sz="1200" b="1" dirty="0" smtClean="0">
-                <a:solidFill>
-                  <a:srgbClr val="2C74A5"/>
-                </a:solidFill>
-                <a:latin typeface="Arial Narrow"/>
-                <a:cs typeface="Arial Narrow"/>
-              </a:rPr>
-              <a:t>food_ordering</a:t>
-            </a:r>
-            <a:endParaRPr lang="en-US" sz="2000" b="1" dirty="0">
+            <a:ln w="12700" cmpd="sng">
               <a:solidFill>
                 <a:srgbClr val="2C74A5"/>
               </a:solidFill>
-              <a:latin typeface="Arial Narrow"/>
-              <a:cs typeface="Arial Narrow"/>
-            </a:endParaRPr>
-          </a:p>
-        </p:txBody>
-      </p:sp>
-      <p:sp>
-        <p:nvSpPr>
-          <p:cNvPr id="7" name="Rectangle 6"/>
-          <p:cNvSpPr/>
-          <p:nvPr/>
-        </p:nvSpPr>
-        <p:spPr>
-          <a:xfrm>
-            <a:off x="4376346" y="2505567"/>
-            <a:ext cx="914399" cy="229465"/>
-          </a:xfrm>
-          <a:prstGeom prst="rect">
-            <a:avLst/>
-          </a:prstGeom>
-          <a:solidFill>
-            <a:schemeClr val="bg1">
-              <a:lumMod val="95000"/>
-            </a:schemeClr>
-          </a:solidFill>
-          <a:ln w="12700" cmpd="sng">
-            <a:solidFill>
-              <a:srgbClr val="2C74A5"/>
-            </a:solidFill>
-          </a:ln>
-        </p:spPr>
-        <p:style>
-          <a:lnRef idx="2">
-            <a:schemeClr val="dk1"/>
-          </a:lnRef>
-          <a:fillRef idx="1">
-            <a:schemeClr val="lt1"/>
-          </a:fillRef>
-          <a:effectRef idx="0">
-            <a:schemeClr val="dk1"/>
-          </a:effectRef>
-          <a:fontRef idx="minor">
-            <a:schemeClr val="dk1"/>
-          </a:fontRef>
-        </p:style>
-        <p:txBody>
-          <a:bodyPr tIns="0" bIns="27432" rtlCol="0" anchor="ctr" anchorCtr="1"/>
-          <a:lstStyle/>
-          <a:p>
-            <a:pPr algn="ctr"/>
-            <a:r>
-              <a:rPr lang="en-US" sz="1200" b="1" dirty="0" smtClean="0">
+            </a:ln>
+          </p:spPr>
+          <p:style>
+            <a:lnRef idx="2">
+              <a:schemeClr val="dk1"/>
+            </a:lnRef>
+            <a:fillRef idx="1">
+              <a:schemeClr val="lt1"/>
+            </a:fillRef>
+            <a:effectRef idx="0">
+              <a:schemeClr val="dk1"/>
+            </a:effectRef>
+            <a:fontRef idx="minor">
+              <a:schemeClr val="dk1"/>
+            </a:fontRef>
+          </p:style>
+          <p:txBody>
+            <a:bodyPr tIns="0" bIns="27432" rtlCol="0" anchor="ctr" anchorCtr="1"/>
+            <a:lstStyle/>
+            <a:p>
+              <a:pPr algn="ctr"/>
+              <a:r>
+                <a:rPr lang="en-US" sz="1200" b="1" dirty="0" smtClean="0">
+                  <a:solidFill>
+                    <a:srgbClr val="2C74A5"/>
+                  </a:solidFill>
+                  <a:latin typeface="Arial Narrow"/>
+                  <a:cs typeface="Arial Narrow"/>
+                </a:rPr>
+                <a:t>food_ordering</a:t>
+              </a:r>
+              <a:endParaRPr lang="en-US" sz="2000" b="1" dirty="0">
                 <a:solidFill>
                   <a:srgbClr val="2C74A5"/>
                 </a:solidFill>
                 <a:latin typeface="Arial Narrow"/>
                 <a:cs typeface="Arial Narrow"/>
-              </a:rPr>
-              <a:t>ordering</a:t>
-            </a:r>
-            <a:endParaRPr lang="en-US" sz="2000" b="1" dirty="0">
+              </a:endParaRPr>
+            </a:p>
+          </p:txBody>
+        </p:sp>
+        <p:sp>
+          <p:nvSpPr>
+            <p:cNvPr id="7" name="Rectangle 6"/>
+            <p:cNvSpPr/>
+            <p:nvPr/>
+          </p:nvSpPr>
+          <p:spPr>
+            <a:xfrm>
+              <a:off x="4376346" y="2505567"/>
+              <a:ext cx="914399" cy="229465"/>
+            </a:xfrm>
+            <a:prstGeom prst="rect">
+              <a:avLst/>
+            </a:prstGeom>
+            <a:solidFill>
+              <a:schemeClr val="bg1">
+                <a:lumMod val="95000"/>
+              </a:schemeClr>
+            </a:solidFill>
+            <a:ln w="12700" cmpd="sng">
               <a:solidFill>
                 <a:srgbClr val="2C74A5"/>
               </a:solidFill>
-              <a:latin typeface="Arial Narrow"/>
-              <a:cs typeface="Arial Narrow"/>
-            </a:endParaRPr>
-          </a:p>
-        </p:txBody>
-      </p:sp>
-      <p:sp>
-        <p:nvSpPr>
-          <p:cNvPr id="60" name="TextBox 59"/>
-          <p:cNvSpPr txBox="1"/>
-          <p:nvPr/>
-        </p:nvSpPr>
-        <p:spPr>
-          <a:xfrm>
-            <a:off x="1248023" y="2487366"/>
-            <a:ext cx="808635" cy="276999"/>
-          </a:xfrm>
-          <a:prstGeom prst="rect">
-            <a:avLst/>
-          </a:prstGeom>
-          <a:noFill/>
-        </p:spPr>
-        <p:txBody>
-          <a:bodyPr wrap="none" rtlCol="0" anchor="ctr">
-            <a:spAutoFit/>
-          </a:bodyPr>
-          <a:lstStyle/>
-          <a:p>
-            <a:pPr algn="ctr"/>
-            <a:r>
-              <a:rPr lang="en-US" sz="1200" dirty="0" smtClean="0">
-                <a:solidFill>
-                  <a:srgbClr val="A6A6A6"/>
+            </a:ln>
+          </p:spPr>
+          <p:style>
+            <a:lnRef idx="2">
+              <a:schemeClr val="dk1"/>
+            </a:lnRef>
+            <a:fillRef idx="1">
+              <a:schemeClr val="lt1"/>
+            </a:fillRef>
+            <a:effectRef idx="0">
+              <a:schemeClr val="dk1"/>
+            </a:effectRef>
+            <a:fontRef idx="minor">
+              <a:schemeClr val="dk1"/>
+            </a:fontRef>
+          </p:style>
+          <p:txBody>
+            <a:bodyPr tIns="0" bIns="27432" rtlCol="0" anchor="ctr" anchorCtr="1"/>
+            <a:lstStyle/>
+            <a:p>
+              <a:pPr algn="ctr"/>
+              <a:r>
+                <a:rPr lang="en-US" sz="1200" b="1" dirty="0" smtClean="0">
+                  <a:solidFill>
+                    <a:srgbClr val="2C74A5"/>
+                  </a:solidFill>
+                  <a:latin typeface="Arial Narrow"/>
+                  <a:cs typeface="Arial Narrow"/>
+                </a:rPr>
+                <a:t>ordering</a:t>
+              </a:r>
+              <a:endParaRPr lang="en-US" sz="2000" b="1" dirty="0">
+                <a:solidFill>
+                  <a:srgbClr val="2C74A5"/>
                 </a:solidFill>
                 <a:latin typeface="Arial Narrow"/>
                 <a:cs typeface="Arial Narrow"/>
-              </a:rPr>
-              <a:t>DOMAINS:</a:t>
-            </a:r>
-          </a:p>
-        </p:txBody>
-      </p:sp>
-      <p:sp>
-        <p:nvSpPr>
-          <p:cNvPr id="61" name="TextBox 60"/>
-          <p:cNvSpPr txBox="1"/>
-          <p:nvPr/>
-        </p:nvSpPr>
-        <p:spPr>
-          <a:xfrm>
-            <a:off x="1248023" y="3074952"/>
-            <a:ext cx="759493" cy="276999"/>
-          </a:xfrm>
-          <a:prstGeom prst="rect">
-            <a:avLst/>
-          </a:prstGeom>
-          <a:noFill/>
-        </p:spPr>
-        <p:txBody>
-          <a:bodyPr wrap="none" rtlCol="0" anchor="ctr">
-            <a:spAutoFit/>
-          </a:bodyPr>
-          <a:lstStyle/>
-          <a:p>
-            <a:pPr algn="ctr"/>
-            <a:r>
-              <a:rPr lang="en-US" sz="1200" dirty="0" smtClean="0">
-                <a:solidFill>
-                  <a:srgbClr val="A6A6A6"/>
-                </a:solidFill>
-                <a:latin typeface="Arial Narrow"/>
-                <a:cs typeface="Arial Narrow"/>
-              </a:rPr>
-              <a:t>INTENTS:</a:t>
-            </a:r>
-          </a:p>
-        </p:txBody>
-      </p:sp>
-      <p:sp>
-        <p:nvSpPr>
-          <p:cNvPr id="62" name="TextBox 61"/>
-          <p:cNvSpPr txBox="1"/>
-          <p:nvPr/>
-        </p:nvSpPr>
-        <p:spPr>
-          <a:xfrm>
-            <a:off x="1248023" y="3662537"/>
-            <a:ext cx="787671" cy="276999"/>
-          </a:xfrm>
-          <a:prstGeom prst="rect">
-            <a:avLst/>
-          </a:prstGeom>
-          <a:noFill/>
-        </p:spPr>
-        <p:txBody>
-          <a:bodyPr wrap="none" rtlCol="0" anchor="ctr">
-            <a:spAutoFit/>
-          </a:bodyPr>
-          <a:lstStyle/>
-          <a:p>
-            <a:pPr algn="ctr"/>
-            <a:r>
-              <a:rPr lang="en-US" sz="1200" dirty="0" smtClean="0">
-                <a:solidFill>
-                  <a:srgbClr val="A6A6A6"/>
-                </a:solidFill>
-                <a:latin typeface="Arial Narrow"/>
-                <a:cs typeface="Arial Narrow"/>
-              </a:rPr>
-              <a:t>ENTITIES:</a:t>
-            </a:r>
-          </a:p>
-        </p:txBody>
-      </p:sp>
-      <p:sp>
-        <p:nvSpPr>
-          <p:cNvPr id="25" name="Rectangle 24"/>
-          <p:cNvSpPr/>
-          <p:nvPr/>
-        </p:nvSpPr>
-        <p:spPr>
-          <a:xfrm>
-            <a:off x="2062543" y="3112866"/>
-            <a:ext cx="683647" cy="221063"/>
-          </a:xfrm>
-          <a:prstGeom prst="rect">
-            <a:avLst/>
-          </a:prstGeom>
-          <a:solidFill>
-            <a:schemeClr val="bg1">
-              <a:lumMod val="95000"/>
-            </a:schemeClr>
-          </a:solidFill>
-          <a:ln w="12700" cmpd="sng">
+              </a:endParaRPr>
+            </a:p>
+          </p:txBody>
+        </p:sp>
+        <p:sp>
+          <p:nvSpPr>
+            <p:cNvPr id="60" name="TextBox 59"/>
+            <p:cNvSpPr txBox="1"/>
+            <p:nvPr/>
+          </p:nvSpPr>
+          <p:spPr>
+            <a:xfrm>
+              <a:off x="1248023" y="2487366"/>
+              <a:ext cx="808635" cy="276999"/>
+            </a:xfrm>
+            <a:prstGeom prst="rect">
+              <a:avLst/>
+            </a:prstGeom>
+            <a:noFill/>
+          </p:spPr>
+          <p:txBody>
+            <a:bodyPr wrap="none" rtlCol="0" anchor="ctr">
+              <a:spAutoFit/>
+            </a:bodyPr>
+            <a:lstStyle/>
+            <a:p>
+              <a:pPr algn="ctr"/>
+              <a:r>
+                <a:rPr lang="en-US" sz="1200" dirty="0" smtClean="0">
+                  <a:solidFill>
+                    <a:srgbClr val="A6A6A6"/>
+                  </a:solidFill>
+                  <a:latin typeface="Arial Narrow"/>
+                  <a:cs typeface="Arial Narrow"/>
+                </a:rPr>
+                <a:t>DOMAINS:</a:t>
+              </a:r>
+            </a:p>
+          </p:txBody>
+        </p:sp>
+        <p:sp>
+          <p:nvSpPr>
+            <p:cNvPr id="61" name="TextBox 60"/>
+            <p:cNvSpPr txBox="1"/>
+            <p:nvPr/>
+          </p:nvSpPr>
+          <p:spPr>
+            <a:xfrm>
+              <a:off x="1248023" y="3074952"/>
+              <a:ext cx="759493" cy="276999"/>
+            </a:xfrm>
+            <a:prstGeom prst="rect">
+              <a:avLst/>
+            </a:prstGeom>
+            <a:noFill/>
+          </p:spPr>
+          <p:txBody>
+            <a:bodyPr wrap="none" rtlCol="0" anchor="ctr">
+              <a:spAutoFit/>
+            </a:bodyPr>
+            <a:lstStyle/>
+            <a:p>
+              <a:pPr algn="ctr"/>
+              <a:r>
+                <a:rPr lang="en-US" sz="1200" dirty="0" smtClean="0">
+                  <a:solidFill>
+                    <a:srgbClr val="A6A6A6"/>
+                  </a:solidFill>
+                  <a:latin typeface="Arial Narrow"/>
+                  <a:cs typeface="Arial Narrow"/>
+                </a:rPr>
+                <a:t>INTENTS:</a:t>
+              </a:r>
+            </a:p>
+          </p:txBody>
+        </p:sp>
+        <p:sp>
+          <p:nvSpPr>
+            <p:cNvPr id="62" name="TextBox 61"/>
+            <p:cNvSpPr txBox="1"/>
+            <p:nvPr/>
+          </p:nvSpPr>
+          <p:spPr>
+            <a:xfrm>
+              <a:off x="1248023" y="3662537"/>
+              <a:ext cx="787671" cy="276999"/>
+            </a:xfrm>
+            <a:prstGeom prst="rect">
+              <a:avLst/>
+            </a:prstGeom>
+            <a:noFill/>
+          </p:spPr>
+          <p:txBody>
+            <a:bodyPr wrap="none" rtlCol="0" anchor="ctr">
+              <a:spAutoFit/>
+            </a:bodyPr>
+            <a:lstStyle/>
+            <a:p>
+              <a:pPr algn="ctr"/>
+              <a:r>
+                <a:rPr lang="en-US" sz="1200" dirty="0" smtClean="0">
+                  <a:solidFill>
+                    <a:srgbClr val="A6A6A6"/>
+                  </a:solidFill>
+                  <a:latin typeface="Arial Narrow"/>
+                  <a:cs typeface="Arial Narrow"/>
+                </a:rPr>
+                <a:t>ENTITIES:</a:t>
+              </a:r>
+            </a:p>
+          </p:txBody>
+        </p:sp>
+        <p:sp>
+          <p:nvSpPr>
+            <p:cNvPr id="25" name="Rectangle 24"/>
+            <p:cNvSpPr/>
+            <p:nvPr/>
+          </p:nvSpPr>
+          <p:spPr>
+            <a:xfrm>
+              <a:off x="2062543" y="3112866"/>
+              <a:ext cx="683647" cy="221063"/>
+            </a:xfrm>
+            <a:prstGeom prst="rect">
+              <a:avLst/>
+            </a:prstGeom>
             <a:solidFill>
-              <a:srgbClr val="2C74A5"/>
+              <a:schemeClr val="bg1">
+                <a:lumMod val="95000"/>
+              </a:schemeClr>
             </a:solidFill>
-          </a:ln>
-        </p:spPr>
-        <p:style>
-          <a:lnRef idx="2">
-            <a:schemeClr val="dk1"/>
-          </a:lnRef>
-          <a:fillRef idx="1">
-            <a:schemeClr val="lt1"/>
-          </a:fillRef>
-          <a:effectRef idx="0">
-            <a:schemeClr val="dk1"/>
-          </a:effectRef>
-          <a:fontRef idx="minor">
-            <a:schemeClr val="dk1"/>
-          </a:fontRef>
-        </p:style>
-        <p:txBody>
-          <a:bodyPr tIns="0" bIns="27432" rtlCol="0" anchor="ctr" anchorCtr="1"/>
-          <a:lstStyle/>
-          <a:p>
-            <a:pPr algn="ctr"/>
-            <a:r>
-              <a:rPr lang="en-US" sz="1200" b="1" dirty="0" smtClean="0">
-                <a:solidFill>
-                  <a:srgbClr val="2C74A5"/>
-                </a:solidFill>
-                <a:latin typeface="Arial Narrow"/>
-                <a:cs typeface="Arial Narrow"/>
-              </a:rPr>
-              <a:t>greet</a:t>
-            </a:r>
-            <a:endParaRPr lang="en-US" sz="2000" b="1" dirty="0">
+            <a:ln w="12700" cmpd="sng">
               <a:solidFill>
                 <a:srgbClr val="2C74A5"/>
               </a:solidFill>
-              <a:latin typeface="Arial Narrow"/>
-              <a:cs typeface="Arial Narrow"/>
-            </a:endParaRPr>
-          </a:p>
-        </p:txBody>
-      </p:sp>
-      <p:sp>
-        <p:nvSpPr>
-          <p:cNvPr id="56" name="Rectangle 55"/>
-          <p:cNvSpPr/>
-          <p:nvPr/>
-        </p:nvSpPr>
-        <p:spPr>
-          <a:xfrm>
-            <a:off x="2865248" y="3104466"/>
-            <a:ext cx="871923" cy="229465"/>
-          </a:xfrm>
-          <a:prstGeom prst="rect">
-            <a:avLst/>
-          </a:prstGeom>
-          <a:solidFill>
-            <a:schemeClr val="bg1">
-              <a:lumMod val="95000"/>
-            </a:schemeClr>
-          </a:solidFill>
-          <a:ln w="12700" cmpd="sng">
-            <a:solidFill>
-              <a:srgbClr val="2C74A5"/>
-            </a:solidFill>
-          </a:ln>
-        </p:spPr>
-        <p:style>
-          <a:lnRef idx="2">
-            <a:schemeClr val="dk1"/>
-          </a:lnRef>
-          <a:fillRef idx="1">
-            <a:schemeClr val="lt1"/>
-          </a:fillRef>
-          <a:effectRef idx="0">
-            <a:schemeClr val="dk1"/>
-          </a:effectRef>
-          <a:fontRef idx="minor">
-            <a:schemeClr val="dk1"/>
-          </a:fontRef>
-        </p:style>
-        <p:txBody>
-          <a:bodyPr tIns="0" bIns="27432" rtlCol="0" anchor="ctr" anchorCtr="1"/>
-          <a:lstStyle/>
-          <a:p>
-            <a:pPr algn="ctr"/>
-            <a:r>
-              <a:rPr lang="en-US" sz="1200" b="1" dirty="0" smtClean="0">
+            </a:ln>
+          </p:spPr>
+          <p:style>
+            <a:lnRef idx="2">
+              <a:schemeClr val="dk1"/>
+            </a:lnRef>
+            <a:fillRef idx="1">
+              <a:schemeClr val="lt1"/>
+            </a:fillRef>
+            <a:effectRef idx="0">
+              <a:schemeClr val="dk1"/>
+            </a:effectRef>
+            <a:fontRef idx="minor">
+              <a:schemeClr val="dk1"/>
+            </a:fontRef>
+          </p:style>
+          <p:txBody>
+            <a:bodyPr tIns="0" bIns="27432" rtlCol="0" anchor="ctr" anchorCtr="1"/>
+            <a:lstStyle/>
+            <a:p>
+              <a:pPr algn="ctr"/>
+              <a:r>
+                <a:rPr lang="en-US" sz="1200" b="1" dirty="0" smtClean="0">
+                  <a:solidFill>
+                    <a:srgbClr val="2C74A5"/>
+                  </a:solidFill>
+                  <a:latin typeface="Arial Narrow"/>
+                  <a:cs typeface="Arial Narrow"/>
+                </a:rPr>
+                <a:t>greet</a:t>
+              </a:r>
+              <a:endParaRPr lang="en-US" sz="2000" b="1" dirty="0">
                 <a:solidFill>
                   <a:srgbClr val="2C74A5"/>
                 </a:solidFill>
                 <a:latin typeface="Arial Narrow"/>
                 <a:cs typeface="Arial Narrow"/>
-              </a:rPr>
-              <a:t>build_order</a:t>
-            </a:r>
-            <a:endParaRPr lang="en-US" sz="2000" b="1" dirty="0">
+              </a:endParaRPr>
+            </a:p>
+          </p:txBody>
+        </p:sp>
+        <p:sp>
+          <p:nvSpPr>
+            <p:cNvPr id="56" name="Rectangle 55"/>
+            <p:cNvSpPr/>
+            <p:nvPr/>
+          </p:nvSpPr>
+          <p:spPr>
+            <a:xfrm>
+              <a:off x="2865248" y="3104466"/>
+              <a:ext cx="871923" cy="229465"/>
+            </a:xfrm>
+            <a:prstGeom prst="rect">
+              <a:avLst/>
+            </a:prstGeom>
+            <a:solidFill>
+              <a:schemeClr val="bg1">
+                <a:lumMod val="95000"/>
+              </a:schemeClr>
+            </a:solidFill>
+            <a:ln w="12700" cmpd="sng">
               <a:solidFill>
                 <a:srgbClr val="2C74A5"/>
               </a:solidFill>
-              <a:latin typeface="Arial Narrow"/>
-              <a:cs typeface="Arial Narrow"/>
-            </a:endParaRPr>
-          </a:p>
-        </p:txBody>
-      </p:sp>
-      <p:sp>
-        <p:nvSpPr>
-          <p:cNvPr id="64" name="Rectangle 63"/>
-          <p:cNvSpPr/>
-          <p:nvPr/>
-        </p:nvSpPr>
-        <p:spPr>
-          <a:xfrm>
-            <a:off x="3855673" y="3104467"/>
-            <a:ext cx="914399" cy="229465"/>
-          </a:xfrm>
-          <a:prstGeom prst="rect">
-            <a:avLst/>
-          </a:prstGeom>
-          <a:solidFill>
-            <a:schemeClr val="bg1">
-              <a:lumMod val="95000"/>
-            </a:schemeClr>
-          </a:solidFill>
-          <a:ln w="12700" cmpd="sng">
-            <a:solidFill>
-              <a:srgbClr val="2C74A5"/>
-            </a:solidFill>
-          </a:ln>
-        </p:spPr>
-        <p:style>
-          <a:lnRef idx="2">
-            <a:schemeClr val="dk1"/>
-          </a:lnRef>
-          <a:fillRef idx="1">
-            <a:schemeClr val="lt1"/>
-          </a:fillRef>
-          <a:effectRef idx="0">
-            <a:schemeClr val="dk1"/>
-          </a:effectRef>
-          <a:fontRef idx="minor">
-            <a:schemeClr val="dk1"/>
-          </a:fontRef>
-        </p:style>
-        <p:txBody>
-          <a:bodyPr tIns="0" bIns="27432" rtlCol="0" anchor="ctr" anchorCtr="1"/>
-          <a:lstStyle/>
-          <a:p>
-            <a:pPr algn="ctr"/>
-            <a:r>
-              <a:rPr lang="en-US" sz="1200" b="1" dirty="0" smtClean="0">
+            </a:ln>
+          </p:spPr>
+          <p:style>
+            <a:lnRef idx="2">
+              <a:schemeClr val="dk1"/>
+            </a:lnRef>
+            <a:fillRef idx="1">
+              <a:schemeClr val="lt1"/>
+            </a:fillRef>
+            <a:effectRef idx="0">
+              <a:schemeClr val="dk1"/>
+            </a:effectRef>
+            <a:fontRef idx="minor">
+              <a:schemeClr val="dk1"/>
+            </a:fontRef>
+          </p:style>
+          <p:txBody>
+            <a:bodyPr tIns="0" bIns="27432" rtlCol="0" anchor="ctr" anchorCtr="1"/>
+            <a:lstStyle/>
+            <a:p>
+              <a:pPr algn="ctr"/>
+              <a:r>
+                <a:rPr lang="en-US" sz="1200" b="1" dirty="0" smtClean="0">
+                  <a:solidFill>
+                    <a:srgbClr val="2C74A5"/>
+                  </a:solidFill>
+                  <a:latin typeface="Arial Narrow"/>
+                  <a:cs typeface="Arial Narrow"/>
+                </a:rPr>
+                <a:t>build_order</a:t>
+              </a:r>
+              <a:endParaRPr lang="en-US" sz="2000" b="1" dirty="0">
                 <a:solidFill>
                   <a:srgbClr val="2C74A5"/>
                 </a:solidFill>
                 <a:latin typeface="Arial Narrow"/>
                 <a:cs typeface="Arial Narrow"/>
-              </a:rPr>
-              <a:t>place_order</a:t>
-            </a:r>
-            <a:endParaRPr lang="en-US" sz="2000" b="1" dirty="0">
+              </a:endParaRPr>
+            </a:p>
+          </p:txBody>
+        </p:sp>
+        <p:sp>
+          <p:nvSpPr>
+            <p:cNvPr id="64" name="Rectangle 63"/>
+            <p:cNvSpPr/>
+            <p:nvPr/>
+          </p:nvSpPr>
+          <p:spPr>
+            <a:xfrm>
+              <a:off x="3855673" y="3104467"/>
+              <a:ext cx="914399" cy="229465"/>
+            </a:xfrm>
+            <a:prstGeom prst="rect">
+              <a:avLst/>
+            </a:prstGeom>
+            <a:solidFill>
+              <a:schemeClr val="bg1">
+                <a:lumMod val="95000"/>
+              </a:schemeClr>
+            </a:solidFill>
+            <a:ln w="12700" cmpd="sng">
               <a:solidFill>
                 <a:srgbClr val="2C74A5"/>
               </a:solidFill>
-              <a:latin typeface="Arial Narrow"/>
-              <a:cs typeface="Arial Narrow"/>
-            </a:endParaRPr>
-          </a:p>
-        </p:txBody>
-      </p:sp>
-      <p:sp>
-        <p:nvSpPr>
-          <p:cNvPr id="66" name="Rectangle 65"/>
-          <p:cNvSpPr/>
-          <p:nvPr/>
-        </p:nvSpPr>
-        <p:spPr>
-          <a:xfrm>
-            <a:off x="5837454" y="3096234"/>
-            <a:ext cx="543371" cy="229465"/>
-          </a:xfrm>
-          <a:prstGeom prst="rect">
-            <a:avLst/>
-          </a:prstGeom>
-          <a:solidFill>
-            <a:schemeClr val="bg1">
-              <a:lumMod val="95000"/>
-            </a:schemeClr>
-          </a:solidFill>
-          <a:ln w="12700" cmpd="sng">
-            <a:solidFill>
-              <a:srgbClr val="2C74A5"/>
-            </a:solidFill>
-          </a:ln>
-        </p:spPr>
-        <p:style>
-          <a:lnRef idx="2">
-            <a:schemeClr val="dk1"/>
-          </a:lnRef>
-          <a:fillRef idx="1">
-            <a:schemeClr val="lt1"/>
-          </a:fillRef>
-          <a:effectRef idx="0">
-            <a:schemeClr val="dk1"/>
-          </a:effectRef>
-          <a:fontRef idx="minor">
-            <a:schemeClr val="dk1"/>
-          </a:fontRef>
-        </p:style>
-        <p:txBody>
-          <a:bodyPr tIns="0" bIns="27432" rtlCol="0" anchor="ctr" anchorCtr="1"/>
-          <a:lstStyle/>
-          <a:p>
-            <a:pPr algn="ctr"/>
-            <a:r>
-              <a:rPr lang="en-US" sz="1200" b="1" dirty="0" smtClean="0">
+            </a:ln>
+          </p:spPr>
+          <p:style>
+            <a:lnRef idx="2">
+              <a:schemeClr val="dk1"/>
+            </a:lnRef>
+            <a:fillRef idx="1">
+              <a:schemeClr val="lt1"/>
+            </a:fillRef>
+            <a:effectRef idx="0">
+              <a:schemeClr val="dk1"/>
+            </a:effectRef>
+            <a:fontRef idx="minor">
+              <a:schemeClr val="dk1"/>
+            </a:fontRef>
+          </p:style>
+          <p:txBody>
+            <a:bodyPr tIns="0" bIns="27432" rtlCol="0" anchor="ctr" anchorCtr="1"/>
+            <a:lstStyle/>
+            <a:p>
+              <a:pPr algn="ctr"/>
+              <a:r>
+                <a:rPr lang="en-US" sz="1200" b="1" dirty="0" smtClean="0">
+                  <a:solidFill>
+                    <a:srgbClr val="2C74A5"/>
+                  </a:solidFill>
+                  <a:latin typeface="Arial Narrow"/>
+                  <a:cs typeface="Arial Narrow"/>
+                </a:rPr>
+                <a:t>place_order</a:t>
+              </a:r>
+              <a:endParaRPr lang="en-US" sz="2000" b="1" dirty="0">
                 <a:solidFill>
                   <a:srgbClr val="2C74A5"/>
                 </a:solidFill>
                 <a:latin typeface="Arial Narrow"/>
                 <a:cs typeface="Arial Narrow"/>
-              </a:rPr>
-              <a:t>exit</a:t>
-            </a:r>
-            <a:endParaRPr lang="en-US" sz="2000" b="1" dirty="0">
+              </a:endParaRPr>
+            </a:p>
+          </p:txBody>
+        </p:sp>
+        <p:sp>
+          <p:nvSpPr>
+            <p:cNvPr id="66" name="Rectangle 65"/>
+            <p:cNvSpPr/>
+            <p:nvPr/>
+          </p:nvSpPr>
+          <p:spPr>
+            <a:xfrm>
+              <a:off x="5837454" y="3096234"/>
+              <a:ext cx="543371" cy="229465"/>
+            </a:xfrm>
+            <a:prstGeom prst="rect">
+              <a:avLst/>
+            </a:prstGeom>
+            <a:solidFill>
+              <a:schemeClr val="bg1">
+                <a:lumMod val="95000"/>
+              </a:schemeClr>
+            </a:solidFill>
+            <a:ln w="12700" cmpd="sng">
               <a:solidFill>
                 <a:srgbClr val="2C74A5"/>
               </a:solidFill>
-              <a:latin typeface="Arial Narrow"/>
-              <a:cs typeface="Arial Narrow"/>
-            </a:endParaRPr>
-          </a:p>
-        </p:txBody>
-      </p:sp>
-      <p:sp>
-        <p:nvSpPr>
-          <p:cNvPr id="67" name="Rectangle 66"/>
-          <p:cNvSpPr/>
-          <p:nvPr/>
-        </p:nvSpPr>
-        <p:spPr>
-          <a:xfrm>
-            <a:off x="6499327" y="3096233"/>
-            <a:ext cx="455500" cy="229465"/>
-          </a:xfrm>
-          <a:prstGeom prst="rect">
-            <a:avLst/>
-          </a:prstGeom>
-          <a:solidFill>
-            <a:schemeClr val="bg1">
-              <a:lumMod val="95000"/>
-            </a:schemeClr>
-          </a:solidFill>
-          <a:ln w="12700" cmpd="sng">
-            <a:solidFill>
-              <a:srgbClr val="2C74A5"/>
-            </a:solidFill>
-          </a:ln>
-        </p:spPr>
-        <p:style>
-          <a:lnRef idx="2">
-            <a:schemeClr val="dk1"/>
-          </a:lnRef>
-          <a:fillRef idx="1">
-            <a:schemeClr val="lt1"/>
-          </a:fillRef>
-          <a:effectRef idx="0">
-            <a:schemeClr val="dk1"/>
-          </a:effectRef>
-          <a:fontRef idx="minor">
-            <a:schemeClr val="dk1"/>
-          </a:fontRef>
-        </p:style>
-        <p:txBody>
-          <a:bodyPr tIns="0" bIns="27432" rtlCol="0" anchor="ctr" anchorCtr="1"/>
-          <a:lstStyle/>
-          <a:p>
-            <a:pPr algn="ctr"/>
-            <a:r>
-              <a:rPr lang="en-US" sz="1200" b="1" dirty="0" smtClean="0">
+            </a:ln>
+          </p:spPr>
+          <p:style>
+            <a:lnRef idx="2">
+              <a:schemeClr val="dk1"/>
+            </a:lnRef>
+            <a:fillRef idx="1">
+              <a:schemeClr val="lt1"/>
+            </a:fillRef>
+            <a:effectRef idx="0">
+              <a:schemeClr val="dk1"/>
+            </a:effectRef>
+            <a:fontRef idx="minor">
+              <a:schemeClr val="dk1"/>
+            </a:fontRef>
+          </p:style>
+          <p:txBody>
+            <a:bodyPr tIns="0" bIns="27432" rtlCol="0" anchor="ctr" anchorCtr="1"/>
+            <a:lstStyle/>
+            <a:p>
+              <a:pPr algn="ctr"/>
+              <a:r>
+                <a:rPr lang="en-US" sz="1200" b="1" dirty="0" smtClean="0">
+                  <a:solidFill>
+                    <a:srgbClr val="2C74A5"/>
+                  </a:solidFill>
+                  <a:latin typeface="Arial Narrow"/>
+                  <a:cs typeface="Arial Narrow"/>
+                </a:rPr>
+                <a:t>exit</a:t>
+              </a:r>
+              <a:endParaRPr lang="en-US" sz="2000" b="1" dirty="0">
                 <a:solidFill>
                   <a:srgbClr val="2C74A5"/>
                 </a:solidFill>
                 <a:latin typeface="Arial Narrow"/>
                 <a:cs typeface="Arial Narrow"/>
-              </a:rPr>
-              <a:t>help</a:t>
-            </a:r>
-            <a:endParaRPr lang="en-US" sz="2000" b="1" dirty="0">
+              </a:endParaRPr>
+            </a:p>
+          </p:txBody>
+        </p:sp>
+        <p:sp>
+          <p:nvSpPr>
+            <p:cNvPr id="67" name="Rectangle 66"/>
+            <p:cNvSpPr/>
+            <p:nvPr/>
+          </p:nvSpPr>
+          <p:spPr>
+            <a:xfrm>
+              <a:off x="6499327" y="3096233"/>
+              <a:ext cx="455500" cy="229465"/>
+            </a:xfrm>
+            <a:prstGeom prst="rect">
+              <a:avLst/>
+            </a:prstGeom>
+            <a:solidFill>
+              <a:schemeClr val="bg1">
+                <a:lumMod val="95000"/>
+              </a:schemeClr>
+            </a:solidFill>
+            <a:ln w="12700" cmpd="sng">
               <a:solidFill>
                 <a:srgbClr val="2C74A5"/>
               </a:solidFill>
-              <a:latin typeface="Arial Narrow"/>
-              <a:cs typeface="Arial Narrow"/>
-            </a:endParaRPr>
-          </a:p>
-        </p:txBody>
-      </p:sp>
-      <p:sp>
-        <p:nvSpPr>
-          <p:cNvPr id="35" name="Rectangle 34"/>
-          <p:cNvSpPr/>
-          <p:nvPr/>
-        </p:nvSpPr>
-        <p:spPr>
-          <a:xfrm>
-            <a:off x="4888574" y="3097061"/>
-            <a:ext cx="830378" cy="229465"/>
-          </a:xfrm>
-          <a:prstGeom prst="rect">
-            <a:avLst/>
-          </a:prstGeom>
-          <a:solidFill>
-            <a:schemeClr val="bg1">
-              <a:lumMod val="95000"/>
-            </a:schemeClr>
-          </a:solidFill>
-          <a:ln w="12700" cmpd="sng">
-            <a:solidFill>
-              <a:srgbClr val="2C74A5"/>
-            </a:solidFill>
-          </a:ln>
-        </p:spPr>
-        <p:style>
-          <a:lnRef idx="2">
-            <a:schemeClr val="dk1"/>
-          </a:lnRef>
-          <a:fillRef idx="1">
-            <a:schemeClr val="lt1"/>
-          </a:fillRef>
-          <a:effectRef idx="0">
-            <a:schemeClr val="dk1"/>
-          </a:effectRef>
-          <a:fontRef idx="minor">
-            <a:schemeClr val="dk1"/>
-          </a:fontRef>
-        </p:style>
-        <p:txBody>
-          <a:bodyPr tIns="0" bIns="27432" rtlCol="0" anchor="ctr" anchorCtr="1"/>
-          <a:lstStyle/>
-          <a:p>
-            <a:pPr algn="ctr"/>
-            <a:r>
-              <a:rPr lang="en-US" sz="1200" b="1" smtClean="0">
+            </a:ln>
+          </p:spPr>
+          <p:style>
+            <a:lnRef idx="2">
+              <a:schemeClr val="dk1"/>
+            </a:lnRef>
+            <a:fillRef idx="1">
+              <a:schemeClr val="lt1"/>
+            </a:fillRef>
+            <a:effectRef idx="0">
+              <a:schemeClr val="dk1"/>
+            </a:effectRef>
+            <a:fontRef idx="minor">
+              <a:schemeClr val="dk1"/>
+            </a:fontRef>
+          </p:style>
+          <p:txBody>
+            <a:bodyPr tIns="0" bIns="27432" rtlCol="0" anchor="ctr" anchorCtr="1"/>
+            <a:lstStyle/>
+            <a:p>
+              <a:pPr algn="ctr"/>
+              <a:r>
+                <a:rPr lang="en-US" sz="1200" b="1" dirty="0" smtClean="0">
+                  <a:solidFill>
+                    <a:srgbClr val="2C74A5"/>
+                  </a:solidFill>
+                  <a:latin typeface="Arial Narrow"/>
+                  <a:cs typeface="Arial Narrow"/>
+                </a:rPr>
+                <a:t>help</a:t>
+              </a:r>
+              <a:endParaRPr lang="en-US" sz="2000" b="1" dirty="0">
                 <a:solidFill>
                   <a:srgbClr val="2C74A5"/>
                 </a:solidFill>
                 <a:latin typeface="Arial Narrow"/>
                 <a:cs typeface="Arial Narrow"/>
-              </a:rPr>
-              <a:t>start_over</a:t>
-            </a:r>
-            <a:endParaRPr lang="en-US" sz="2000" b="1" dirty="0">
+              </a:endParaRPr>
+            </a:p>
+          </p:txBody>
+        </p:sp>
+        <p:sp>
+          <p:nvSpPr>
+            <p:cNvPr id="35" name="Rectangle 34"/>
+            <p:cNvSpPr/>
+            <p:nvPr/>
+          </p:nvSpPr>
+          <p:spPr>
+            <a:xfrm>
+              <a:off x="4888574" y="3097061"/>
+              <a:ext cx="830378" cy="229465"/>
+            </a:xfrm>
+            <a:prstGeom prst="rect">
+              <a:avLst/>
+            </a:prstGeom>
+            <a:solidFill>
+              <a:schemeClr val="bg1">
+                <a:lumMod val="95000"/>
+              </a:schemeClr>
+            </a:solidFill>
+            <a:ln w="12700" cmpd="sng">
               <a:solidFill>
                 <a:srgbClr val="2C74A5"/>
               </a:solidFill>
-              <a:latin typeface="Arial Narrow"/>
-              <a:cs typeface="Arial Narrow"/>
-            </a:endParaRPr>
-          </a:p>
-        </p:txBody>
-      </p:sp>
-      <p:sp>
-        <p:nvSpPr>
-          <p:cNvPr id="36" name="Rectangle 35"/>
-          <p:cNvSpPr/>
-          <p:nvPr/>
-        </p:nvSpPr>
-        <p:spPr>
-          <a:xfrm>
-            <a:off x="7077704" y="3096233"/>
-            <a:ext cx="953553" cy="229465"/>
-          </a:xfrm>
-          <a:prstGeom prst="rect">
-            <a:avLst/>
-          </a:prstGeom>
-          <a:solidFill>
-            <a:schemeClr val="bg1">
-              <a:lumMod val="95000"/>
-            </a:schemeClr>
-          </a:solidFill>
-          <a:ln w="12700" cmpd="sng">
-            <a:solidFill>
-              <a:srgbClr val="2C74A5"/>
-            </a:solidFill>
-          </a:ln>
-        </p:spPr>
-        <p:style>
-          <a:lnRef idx="2">
-            <a:schemeClr val="dk1"/>
-          </a:lnRef>
-          <a:fillRef idx="1">
-            <a:schemeClr val="lt1"/>
-          </a:fillRef>
-          <a:effectRef idx="0">
-            <a:schemeClr val="dk1"/>
-          </a:effectRef>
-          <a:fontRef idx="minor">
-            <a:schemeClr val="dk1"/>
-          </a:fontRef>
-        </p:style>
-        <p:txBody>
-          <a:bodyPr tIns="0" bIns="27432" rtlCol="0" anchor="ctr" anchorCtr="1"/>
-          <a:lstStyle/>
-          <a:p>
-            <a:pPr algn="ctr"/>
-            <a:r>
-              <a:rPr lang="en-US" sz="1200" b="1" dirty="0" smtClean="0">
+            </a:ln>
+          </p:spPr>
+          <p:style>
+            <a:lnRef idx="2">
+              <a:schemeClr val="dk1"/>
+            </a:lnRef>
+            <a:fillRef idx="1">
+              <a:schemeClr val="lt1"/>
+            </a:fillRef>
+            <a:effectRef idx="0">
+              <a:schemeClr val="dk1"/>
+            </a:effectRef>
+            <a:fontRef idx="minor">
+              <a:schemeClr val="dk1"/>
+            </a:fontRef>
+          </p:style>
+          <p:txBody>
+            <a:bodyPr tIns="0" bIns="27432" rtlCol="0" anchor="ctr" anchorCtr="1"/>
+            <a:lstStyle/>
+            <a:p>
+              <a:pPr algn="ctr"/>
+              <a:r>
+                <a:rPr lang="en-US" sz="1200" b="1" smtClean="0">
+                  <a:solidFill>
+                    <a:srgbClr val="2C74A5"/>
+                  </a:solidFill>
+                  <a:latin typeface="Arial Narrow"/>
+                  <a:cs typeface="Arial Narrow"/>
+                </a:rPr>
+                <a:t>start_over</a:t>
+              </a:r>
+              <a:endParaRPr lang="en-US" sz="2000" b="1" dirty="0">
                 <a:solidFill>
                   <a:srgbClr val="2C74A5"/>
                 </a:solidFill>
                 <a:latin typeface="Arial Narrow"/>
                 <a:cs typeface="Arial Narrow"/>
-              </a:rPr>
-              <a:t>unsupported</a:t>
-            </a:r>
-            <a:endParaRPr lang="en-US" sz="2000" b="1" dirty="0">
+              </a:endParaRPr>
+            </a:p>
+          </p:txBody>
+        </p:sp>
+        <p:sp>
+          <p:nvSpPr>
+            <p:cNvPr id="36" name="Rectangle 35"/>
+            <p:cNvSpPr/>
+            <p:nvPr/>
+          </p:nvSpPr>
+          <p:spPr>
+            <a:xfrm>
+              <a:off x="7077704" y="3096233"/>
+              <a:ext cx="953553" cy="229465"/>
+            </a:xfrm>
+            <a:prstGeom prst="rect">
+              <a:avLst/>
+            </a:prstGeom>
+            <a:solidFill>
+              <a:schemeClr val="bg1">
+                <a:lumMod val="95000"/>
+              </a:schemeClr>
+            </a:solidFill>
+            <a:ln w="12700" cmpd="sng">
               <a:solidFill>
                 <a:srgbClr val="2C74A5"/>
               </a:solidFill>
-              <a:latin typeface="Arial Narrow"/>
-              <a:cs typeface="Arial Narrow"/>
-            </a:endParaRPr>
-          </a:p>
-        </p:txBody>
-      </p:sp>
-      <p:sp>
-        <p:nvSpPr>
-          <p:cNvPr id="69" name="Rectangle 68"/>
-          <p:cNvSpPr/>
-          <p:nvPr/>
-        </p:nvSpPr>
-        <p:spPr>
-          <a:xfrm>
-            <a:off x="2234436" y="3688558"/>
-            <a:ext cx="809524" cy="229465"/>
-          </a:xfrm>
-          <a:prstGeom prst="rect">
-            <a:avLst/>
-          </a:prstGeom>
-          <a:solidFill>
-            <a:schemeClr val="bg1">
-              <a:lumMod val="95000"/>
-            </a:schemeClr>
-          </a:solidFill>
-          <a:ln w="12700" cmpd="sng">
-            <a:solidFill>
-              <a:srgbClr val="2C74A5"/>
-            </a:solidFill>
-          </a:ln>
-        </p:spPr>
-        <p:style>
-          <a:lnRef idx="2">
-            <a:schemeClr val="dk1"/>
-          </a:lnRef>
-          <a:fillRef idx="1">
-            <a:schemeClr val="lt1"/>
-          </a:fillRef>
-          <a:effectRef idx="0">
-            <a:schemeClr val="dk1"/>
-          </a:effectRef>
-          <a:fontRef idx="minor">
-            <a:schemeClr val="dk1"/>
-          </a:fontRef>
-        </p:style>
-        <p:txBody>
-          <a:bodyPr tIns="0" bIns="27432" rtlCol="0" anchor="ctr" anchorCtr="1"/>
-          <a:lstStyle/>
-          <a:p>
-            <a:pPr algn="ctr"/>
-            <a:r>
-              <a:rPr lang="en-US" sz="1200" b="1" dirty="0" smtClean="0">
+            </a:ln>
+          </p:spPr>
+          <p:style>
+            <a:lnRef idx="2">
+              <a:schemeClr val="dk1"/>
+            </a:lnRef>
+            <a:fillRef idx="1">
+              <a:schemeClr val="lt1"/>
+            </a:fillRef>
+            <a:effectRef idx="0">
+              <a:schemeClr val="dk1"/>
+            </a:effectRef>
+            <a:fontRef idx="minor">
+              <a:schemeClr val="dk1"/>
+            </a:fontRef>
+          </p:style>
+          <p:txBody>
+            <a:bodyPr tIns="0" bIns="27432" rtlCol="0" anchor="ctr" anchorCtr="1"/>
+            <a:lstStyle/>
+            <a:p>
+              <a:pPr algn="ctr"/>
+              <a:r>
+                <a:rPr lang="en-US" sz="1200" b="1" dirty="0" smtClean="0">
+                  <a:solidFill>
+                    <a:srgbClr val="2C74A5"/>
+                  </a:solidFill>
+                  <a:latin typeface="Arial Narrow"/>
+                  <a:cs typeface="Arial Narrow"/>
+                </a:rPr>
+                <a:t>unsupported</a:t>
+              </a:r>
+              <a:endParaRPr lang="en-US" sz="2000" b="1" dirty="0">
                 <a:solidFill>
                   <a:srgbClr val="2C74A5"/>
                 </a:solidFill>
                 <a:latin typeface="Arial Narrow"/>
                 <a:cs typeface="Arial Narrow"/>
-              </a:rPr>
-              <a:t>restaurant</a:t>
-            </a:r>
-            <a:endParaRPr lang="en-US" sz="2000" b="1" dirty="0">
+              </a:endParaRPr>
+            </a:p>
+          </p:txBody>
+        </p:sp>
+        <p:sp>
+          <p:nvSpPr>
+            <p:cNvPr id="69" name="Rectangle 68"/>
+            <p:cNvSpPr/>
+            <p:nvPr/>
+          </p:nvSpPr>
+          <p:spPr>
+            <a:xfrm>
+              <a:off x="2234436" y="3688558"/>
+              <a:ext cx="809524" cy="229465"/>
+            </a:xfrm>
+            <a:prstGeom prst="rect">
+              <a:avLst/>
+            </a:prstGeom>
+            <a:solidFill>
+              <a:schemeClr val="bg1">
+                <a:lumMod val="95000"/>
+              </a:schemeClr>
+            </a:solidFill>
+            <a:ln w="12700" cmpd="sng">
               <a:solidFill>
                 <a:srgbClr val="2C74A5"/>
               </a:solidFill>
-              <a:latin typeface="Arial Narrow"/>
-              <a:cs typeface="Arial Narrow"/>
-            </a:endParaRPr>
-          </a:p>
-        </p:txBody>
-      </p:sp>
-      <p:sp>
-        <p:nvSpPr>
-          <p:cNvPr id="70" name="Rectangle 69"/>
-          <p:cNvSpPr/>
-          <p:nvPr/>
-        </p:nvSpPr>
-        <p:spPr>
-          <a:xfrm>
-            <a:off x="4697115" y="3686043"/>
-            <a:ext cx="498332" cy="229465"/>
-          </a:xfrm>
-          <a:prstGeom prst="rect">
-            <a:avLst/>
-          </a:prstGeom>
-          <a:solidFill>
-            <a:schemeClr val="bg1">
-              <a:lumMod val="95000"/>
-            </a:schemeClr>
-          </a:solidFill>
-          <a:ln w="12700" cmpd="sng">
-            <a:solidFill>
-              <a:srgbClr val="2C74A5"/>
-            </a:solidFill>
-          </a:ln>
-        </p:spPr>
-        <p:style>
-          <a:lnRef idx="2">
-            <a:schemeClr val="dk1"/>
-          </a:lnRef>
-          <a:fillRef idx="1">
-            <a:schemeClr val="lt1"/>
-          </a:fillRef>
-          <a:effectRef idx="0">
-            <a:schemeClr val="dk1"/>
-          </a:effectRef>
-          <a:fontRef idx="minor">
-            <a:schemeClr val="dk1"/>
-          </a:fontRef>
-        </p:style>
-        <p:txBody>
-          <a:bodyPr tIns="0" bIns="27432" rtlCol="0" anchor="ctr" anchorCtr="1"/>
-          <a:lstStyle/>
-          <a:p>
-            <a:pPr algn="ctr"/>
-            <a:r>
-              <a:rPr lang="en-US" sz="1200" b="1" dirty="0" smtClean="0">
+            </a:ln>
+          </p:spPr>
+          <p:style>
+            <a:lnRef idx="2">
+              <a:schemeClr val="dk1"/>
+            </a:lnRef>
+            <a:fillRef idx="1">
+              <a:schemeClr val="lt1"/>
+            </a:fillRef>
+            <a:effectRef idx="0">
+              <a:schemeClr val="dk1"/>
+            </a:effectRef>
+            <a:fontRef idx="minor">
+              <a:schemeClr val="dk1"/>
+            </a:fontRef>
+          </p:style>
+          <p:txBody>
+            <a:bodyPr tIns="0" bIns="27432" rtlCol="0" anchor="ctr" anchorCtr="1"/>
+            <a:lstStyle/>
+            <a:p>
+              <a:pPr algn="ctr"/>
+              <a:r>
+                <a:rPr lang="en-US" sz="1200" b="1" dirty="0" smtClean="0">
+                  <a:solidFill>
+                    <a:srgbClr val="2C74A5"/>
+                  </a:solidFill>
+                  <a:latin typeface="Arial Narrow"/>
+                  <a:cs typeface="Arial Narrow"/>
+                </a:rPr>
+                <a:t>restaurant</a:t>
+              </a:r>
+              <a:endParaRPr lang="en-US" sz="2000" b="1" dirty="0">
                 <a:solidFill>
                   <a:srgbClr val="2C74A5"/>
                 </a:solidFill>
                 <a:latin typeface="Arial Narrow"/>
                 <a:cs typeface="Arial Narrow"/>
-              </a:rPr>
-              <a:t>dish</a:t>
-            </a:r>
-            <a:endParaRPr lang="en-US" sz="2000" b="1" dirty="0">
+              </a:endParaRPr>
+            </a:p>
+          </p:txBody>
+        </p:sp>
+        <p:sp>
+          <p:nvSpPr>
+            <p:cNvPr id="70" name="Rectangle 69"/>
+            <p:cNvSpPr/>
+            <p:nvPr/>
+          </p:nvSpPr>
+          <p:spPr>
+            <a:xfrm>
+              <a:off x="4697115" y="3686043"/>
+              <a:ext cx="498332" cy="229465"/>
+            </a:xfrm>
+            <a:prstGeom prst="rect">
+              <a:avLst/>
+            </a:prstGeom>
+            <a:solidFill>
+              <a:schemeClr val="bg1">
+                <a:lumMod val="95000"/>
+              </a:schemeClr>
+            </a:solidFill>
+            <a:ln w="12700" cmpd="sng">
               <a:solidFill>
                 <a:srgbClr val="2C74A5"/>
               </a:solidFill>
-              <a:latin typeface="Arial Narrow"/>
-              <a:cs typeface="Arial Narrow"/>
-            </a:endParaRPr>
-          </a:p>
-        </p:txBody>
-      </p:sp>
-      <p:sp>
-        <p:nvSpPr>
-          <p:cNvPr id="39" name="Rectangle 38"/>
-          <p:cNvSpPr/>
-          <p:nvPr/>
-        </p:nvSpPr>
-        <p:spPr>
-          <a:xfrm>
-            <a:off x="5290941" y="3686042"/>
-            <a:ext cx="599208" cy="229465"/>
-          </a:xfrm>
-          <a:prstGeom prst="rect">
-            <a:avLst/>
-          </a:prstGeom>
-          <a:solidFill>
-            <a:schemeClr val="bg1">
-              <a:lumMod val="95000"/>
-            </a:schemeClr>
-          </a:solidFill>
-          <a:ln w="12700" cmpd="sng">
-            <a:solidFill>
-              <a:srgbClr val="2C74A5"/>
-            </a:solidFill>
-          </a:ln>
-        </p:spPr>
-        <p:style>
-          <a:lnRef idx="2">
-            <a:schemeClr val="dk1"/>
-          </a:lnRef>
-          <a:fillRef idx="1">
-            <a:schemeClr val="lt1"/>
-          </a:fillRef>
-          <a:effectRef idx="0">
-            <a:schemeClr val="dk1"/>
-          </a:effectRef>
-          <a:fontRef idx="minor">
-            <a:schemeClr val="dk1"/>
-          </a:fontRef>
-        </p:style>
-        <p:txBody>
-          <a:bodyPr tIns="0" bIns="27432" rtlCol="0" anchor="ctr" anchorCtr="1"/>
-          <a:lstStyle/>
-          <a:p>
-            <a:pPr algn="ctr"/>
-            <a:r>
-              <a:rPr lang="en-US" sz="1200" b="1" dirty="0" smtClean="0">
+            </a:ln>
+          </p:spPr>
+          <p:style>
+            <a:lnRef idx="2">
+              <a:schemeClr val="dk1"/>
+            </a:lnRef>
+            <a:fillRef idx="1">
+              <a:schemeClr val="lt1"/>
+            </a:fillRef>
+            <a:effectRef idx="0">
+              <a:schemeClr val="dk1"/>
+            </a:effectRef>
+            <a:fontRef idx="minor">
+              <a:schemeClr val="dk1"/>
+            </a:fontRef>
+          </p:style>
+          <p:txBody>
+            <a:bodyPr tIns="0" bIns="27432" rtlCol="0" anchor="ctr" anchorCtr="1"/>
+            <a:lstStyle/>
+            <a:p>
+              <a:pPr algn="ctr"/>
+              <a:r>
+                <a:rPr lang="en-US" sz="1200" b="1" dirty="0" smtClean="0">
+                  <a:solidFill>
+                    <a:srgbClr val="2C74A5"/>
+                  </a:solidFill>
+                  <a:latin typeface="Arial Narrow"/>
+                  <a:cs typeface="Arial Narrow"/>
+                </a:rPr>
+                <a:t>dish</a:t>
+              </a:r>
+              <a:endParaRPr lang="en-US" sz="2000" b="1" dirty="0">
                 <a:solidFill>
                   <a:srgbClr val="2C74A5"/>
                 </a:solidFill>
                 <a:latin typeface="Arial Narrow"/>
                 <a:cs typeface="Arial Narrow"/>
-              </a:rPr>
-              <a:t>option</a:t>
-            </a:r>
-            <a:endParaRPr lang="en-US" sz="2000" b="1" dirty="0">
+              </a:endParaRPr>
+            </a:p>
+          </p:txBody>
+        </p:sp>
+        <p:sp>
+          <p:nvSpPr>
+            <p:cNvPr id="39" name="Rectangle 38"/>
+            <p:cNvSpPr/>
+            <p:nvPr/>
+          </p:nvSpPr>
+          <p:spPr>
+            <a:xfrm>
+              <a:off x="5290941" y="3686042"/>
+              <a:ext cx="599208" cy="229465"/>
+            </a:xfrm>
+            <a:prstGeom prst="rect">
+              <a:avLst/>
+            </a:prstGeom>
+            <a:solidFill>
+              <a:schemeClr val="bg1">
+                <a:lumMod val="95000"/>
+              </a:schemeClr>
+            </a:solidFill>
+            <a:ln w="12700" cmpd="sng">
               <a:solidFill>
                 <a:srgbClr val="2C74A5"/>
               </a:solidFill>
-              <a:latin typeface="Arial Narrow"/>
-              <a:cs typeface="Arial Narrow"/>
-            </a:endParaRPr>
-          </a:p>
-        </p:txBody>
-      </p:sp>
-      <p:sp>
-        <p:nvSpPr>
-          <p:cNvPr id="34" name="TextBox 33"/>
-          <p:cNvSpPr txBox="1"/>
-          <p:nvPr/>
-        </p:nvSpPr>
-        <p:spPr>
-          <a:xfrm>
-            <a:off x="1248023" y="1861866"/>
-            <a:ext cx="474810" cy="276999"/>
-          </a:xfrm>
-          <a:prstGeom prst="rect">
-            <a:avLst/>
-          </a:prstGeom>
-          <a:noFill/>
-        </p:spPr>
-        <p:txBody>
-          <a:bodyPr wrap="none" rtlCol="0" anchor="ctr">
-            <a:spAutoFit/>
-          </a:bodyPr>
-          <a:lstStyle/>
-          <a:p>
-            <a:pPr algn="ctr"/>
-            <a:r>
-              <a:rPr lang="en-US" sz="1200" dirty="0" smtClean="0">
-                <a:solidFill>
-                  <a:srgbClr val="A6A6A6"/>
+            </a:ln>
+          </p:spPr>
+          <p:style>
+            <a:lnRef idx="2">
+              <a:schemeClr val="dk1"/>
+            </a:lnRef>
+            <a:fillRef idx="1">
+              <a:schemeClr val="lt1"/>
+            </a:fillRef>
+            <a:effectRef idx="0">
+              <a:schemeClr val="dk1"/>
+            </a:effectRef>
+            <a:fontRef idx="minor">
+              <a:schemeClr val="dk1"/>
+            </a:fontRef>
+          </p:style>
+          <p:txBody>
+            <a:bodyPr tIns="0" bIns="27432" rtlCol="0" anchor="ctr" anchorCtr="1"/>
+            <a:lstStyle/>
+            <a:p>
+              <a:pPr algn="ctr"/>
+              <a:r>
+                <a:rPr lang="en-US" sz="1200" b="1" dirty="0" smtClean="0">
+                  <a:solidFill>
+                    <a:srgbClr val="2C74A5"/>
+                  </a:solidFill>
+                  <a:latin typeface="Arial Narrow"/>
+                  <a:cs typeface="Arial Narrow"/>
+                </a:rPr>
+                <a:t>option</a:t>
+              </a:r>
+              <a:endParaRPr lang="en-US" sz="2000" b="1" dirty="0">
+                <a:solidFill>
+                  <a:srgbClr val="2C74A5"/>
                 </a:solidFill>
                 <a:latin typeface="Arial Narrow"/>
                 <a:cs typeface="Arial Narrow"/>
-              </a:rPr>
-              <a:t>APP:</a:t>
-            </a:r>
-          </a:p>
-        </p:txBody>
-      </p:sp>
-      <p:sp>
-        <p:nvSpPr>
-          <p:cNvPr id="40" name="Rectangle 39"/>
-          <p:cNvSpPr/>
-          <p:nvPr/>
-        </p:nvSpPr>
-        <p:spPr>
-          <a:xfrm>
-            <a:off x="6045898" y="3686042"/>
-            <a:ext cx="907390" cy="229465"/>
-          </a:xfrm>
-          <a:prstGeom prst="rect">
-            <a:avLst/>
-          </a:prstGeom>
-          <a:solidFill>
-            <a:schemeClr val="bg1">
-              <a:lumMod val="95000"/>
-            </a:schemeClr>
-          </a:solidFill>
-          <a:ln w="12700" cmpd="sng">
+              </a:endParaRPr>
+            </a:p>
+          </p:txBody>
+        </p:sp>
+        <p:sp>
+          <p:nvSpPr>
+            <p:cNvPr id="34" name="TextBox 33"/>
+            <p:cNvSpPr txBox="1"/>
+            <p:nvPr/>
+          </p:nvSpPr>
+          <p:spPr>
+            <a:xfrm>
+              <a:off x="1248023" y="1861866"/>
+              <a:ext cx="474810" cy="276999"/>
+            </a:xfrm>
+            <a:prstGeom prst="rect">
+              <a:avLst/>
+            </a:prstGeom>
+            <a:noFill/>
+          </p:spPr>
+          <p:txBody>
+            <a:bodyPr wrap="none" rtlCol="0" anchor="ctr">
+              <a:spAutoFit/>
+            </a:bodyPr>
+            <a:lstStyle/>
+            <a:p>
+              <a:pPr algn="ctr"/>
+              <a:r>
+                <a:rPr lang="en-US" sz="1200" dirty="0" smtClean="0">
+                  <a:solidFill>
+                    <a:srgbClr val="A6A6A6"/>
+                  </a:solidFill>
+                  <a:latin typeface="Arial Narrow"/>
+                  <a:cs typeface="Arial Narrow"/>
+                </a:rPr>
+                <a:t>APP:</a:t>
+              </a:r>
+            </a:p>
+          </p:txBody>
+        </p:sp>
+        <p:sp>
+          <p:nvSpPr>
+            <p:cNvPr id="40" name="Rectangle 39"/>
+            <p:cNvSpPr/>
+            <p:nvPr/>
+          </p:nvSpPr>
+          <p:spPr>
+            <a:xfrm>
+              <a:off x="6045897" y="3686042"/>
+              <a:ext cx="966847" cy="229465"/>
+            </a:xfrm>
+            <a:prstGeom prst="rect">
+              <a:avLst/>
+            </a:prstGeom>
             <a:solidFill>
-              <a:srgbClr val="2C74A5"/>
+              <a:schemeClr val="bg1">
+                <a:lumMod val="95000"/>
+              </a:schemeClr>
             </a:solidFill>
-          </a:ln>
-        </p:spPr>
-        <p:style>
-          <a:lnRef idx="2">
-            <a:schemeClr val="dk1"/>
-          </a:lnRef>
-          <a:fillRef idx="1">
-            <a:schemeClr val="lt1"/>
-          </a:fillRef>
-          <a:effectRef idx="0">
-            <a:schemeClr val="dk1"/>
-          </a:effectRef>
-          <a:fontRef idx="minor">
-            <a:schemeClr val="dk1"/>
-          </a:fontRef>
-        </p:style>
-        <p:txBody>
-          <a:bodyPr tIns="0" bIns="27432" rtlCol="0" anchor="ctr" anchorCtr="1"/>
-          <a:lstStyle/>
-          <a:p>
-            <a:pPr algn="ctr"/>
-            <a:r>
-              <a:rPr lang="en-US" sz="1200" b="1" dirty="0" smtClean="0">
-                <a:solidFill>
-                  <a:srgbClr val="2C74A5"/>
-                </a:solidFill>
-                <a:latin typeface="Arial Narrow"/>
-                <a:cs typeface="Arial Narrow"/>
-              </a:rPr>
-              <a:t>sys:number</a:t>
-            </a:r>
-            <a:endParaRPr lang="en-US" sz="2000" b="1" dirty="0">
+            <a:ln w="12700" cmpd="sng">
               <a:solidFill>
                 <a:srgbClr val="2C74A5"/>
               </a:solidFill>
-              <a:latin typeface="Arial Narrow"/>
-              <a:cs typeface="Arial Narrow"/>
-            </a:endParaRPr>
-          </a:p>
-        </p:txBody>
-      </p:sp>
-      <p:cxnSp>
-        <p:nvCxnSpPr>
-          <p:cNvPr id="141" name="Straight Connector 140"/>
-          <p:cNvCxnSpPr>
-            <a:stCxn id="4" idx="2"/>
-            <a:endCxn id="7" idx="0"/>
-          </p:cNvCxnSpPr>
-          <p:nvPr/>
-        </p:nvCxnSpPr>
-        <p:spPr>
-          <a:xfrm>
-            <a:off x="4833545" y="2138865"/>
-            <a:ext cx="1" cy="366702"/>
-          </a:xfrm>
-          <a:prstGeom prst="line">
-            <a:avLst/>
-          </a:prstGeom>
-        </p:spPr>
-        <p:style>
-          <a:lnRef idx="1">
-            <a:schemeClr val="accent6"/>
-          </a:lnRef>
-          <a:fillRef idx="0">
-            <a:schemeClr val="accent6"/>
-          </a:fillRef>
-          <a:effectRef idx="0">
-            <a:schemeClr val="accent6"/>
-          </a:effectRef>
-          <a:fontRef idx="minor">
-            <a:schemeClr val="tx1"/>
-          </a:fontRef>
-        </p:style>
-      </p:cxnSp>
-      <p:cxnSp>
-        <p:nvCxnSpPr>
-          <p:cNvPr id="142" name="Straight Connector 141"/>
-          <p:cNvCxnSpPr/>
-          <p:nvPr/>
-        </p:nvCxnSpPr>
-        <p:spPr>
-          <a:xfrm>
-            <a:off x="4312871" y="2916832"/>
-            <a:ext cx="2" cy="196034"/>
-          </a:xfrm>
-          <a:prstGeom prst="line">
-            <a:avLst/>
-          </a:prstGeom>
-        </p:spPr>
-        <p:style>
-          <a:lnRef idx="1">
-            <a:schemeClr val="accent6"/>
-          </a:lnRef>
-          <a:fillRef idx="0">
-            <a:schemeClr val="accent6"/>
-          </a:fillRef>
-          <a:effectRef idx="0">
-            <a:schemeClr val="accent6"/>
-          </a:effectRef>
-          <a:fontRef idx="minor">
-            <a:schemeClr val="tx1"/>
-          </a:fontRef>
-        </p:style>
-      </p:cxnSp>
-      <p:cxnSp>
-        <p:nvCxnSpPr>
-          <p:cNvPr id="150" name="Straight Connector 149"/>
-          <p:cNvCxnSpPr/>
-          <p:nvPr/>
-        </p:nvCxnSpPr>
-        <p:spPr>
-          <a:xfrm flipH="1">
-            <a:off x="2402269" y="2908433"/>
-            <a:ext cx="5157216" cy="4739"/>
-          </a:xfrm>
-          <a:prstGeom prst="line">
-            <a:avLst/>
-          </a:prstGeom>
-          <a:ln>
-            <a:solidFill>
-              <a:srgbClr val="7F7F7F"/>
-            </a:solidFill>
-          </a:ln>
-        </p:spPr>
-        <p:style>
-          <a:lnRef idx="1">
-            <a:schemeClr val="dk1"/>
-          </a:lnRef>
-          <a:fillRef idx="0">
-            <a:schemeClr val="dk1"/>
-          </a:fillRef>
-          <a:effectRef idx="0">
-            <a:schemeClr val="dk1"/>
-          </a:effectRef>
-          <a:fontRef idx="minor">
-            <a:schemeClr val="tx1"/>
-          </a:fontRef>
-        </p:style>
-      </p:cxnSp>
-      <p:cxnSp>
-        <p:nvCxnSpPr>
-          <p:cNvPr id="152" name="Straight Connector 151"/>
-          <p:cNvCxnSpPr>
-            <a:endCxn id="35" idx="0"/>
-          </p:cNvCxnSpPr>
-          <p:nvPr/>
-        </p:nvCxnSpPr>
-        <p:spPr>
-          <a:xfrm>
-            <a:off x="5303763" y="2908433"/>
-            <a:ext cx="0" cy="188628"/>
-          </a:xfrm>
-          <a:prstGeom prst="line">
-            <a:avLst/>
-          </a:prstGeom>
-        </p:spPr>
-        <p:style>
-          <a:lnRef idx="1">
-            <a:schemeClr val="accent6"/>
-          </a:lnRef>
-          <a:fillRef idx="0">
-            <a:schemeClr val="accent6"/>
-          </a:fillRef>
-          <a:effectRef idx="0">
-            <a:schemeClr val="accent6"/>
-          </a:effectRef>
-          <a:fontRef idx="minor">
-            <a:schemeClr val="tx1"/>
-          </a:fontRef>
-        </p:style>
-      </p:cxnSp>
-      <p:cxnSp>
-        <p:nvCxnSpPr>
-          <p:cNvPr id="155" name="Straight Connector 154"/>
-          <p:cNvCxnSpPr>
-            <a:endCxn id="66" idx="0"/>
-          </p:cNvCxnSpPr>
-          <p:nvPr/>
-        </p:nvCxnSpPr>
-        <p:spPr>
-          <a:xfrm>
-            <a:off x="6109139" y="2908433"/>
-            <a:ext cx="1" cy="187801"/>
-          </a:xfrm>
-          <a:prstGeom prst="line">
-            <a:avLst/>
-          </a:prstGeom>
-        </p:spPr>
-        <p:style>
-          <a:lnRef idx="1">
-            <a:schemeClr val="accent6"/>
-          </a:lnRef>
-          <a:fillRef idx="0">
-            <a:schemeClr val="accent6"/>
-          </a:fillRef>
-          <a:effectRef idx="0">
-            <a:schemeClr val="accent6"/>
-          </a:effectRef>
-          <a:fontRef idx="minor">
-            <a:schemeClr val="tx1"/>
-          </a:fontRef>
-        </p:style>
-      </p:cxnSp>
-      <p:cxnSp>
-        <p:nvCxnSpPr>
-          <p:cNvPr id="158" name="Straight Connector 157"/>
-          <p:cNvCxnSpPr>
-            <a:endCxn id="67" idx="0"/>
-          </p:cNvCxnSpPr>
-          <p:nvPr/>
-        </p:nvCxnSpPr>
-        <p:spPr>
-          <a:xfrm>
-            <a:off x="6727077" y="2914919"/>
-            <a:ext cx="0" cy="181314"/>
-          </a:xfrm>
-          <a:prstGeom prst="line">
-            <a:avLst/>
-          </a:prstGeom>
-        </p:spPr>
-        <p:style>
-          <a:lnRef idx="1">
-            <a:schemeClr val="accent6"/>
-          </a:lnRef>
-          <a:fillRef idx="0">
-            <a:schemeClr val="accent6"/>
-          </a:fillRef>
-          <a:effectRef idx="0">
-            <a:schemeClr val="accent6"/>
-          </a:effectRef>
-          <a:fontRef idx="minor">
-            <a:schemeClr val="tx1"/>
-          </a:fontRef>
-        </p:style>
-      </p:cxnSp>
-      <p:cxnSp>
-        <p:nvCxnSpPr>
-          <p:cNvPr id="161" name="Straight Connector 160"/>
-          <p:cNvCxnSpPr>
-            <a:endCxn id="36" idx="0"/>
-          </p:cNvCxnSpPr>
-          <p:nvPr/>
-        </p:nvCxnSpPr>
-        <p:spPr>
-          <a:xfrm>
-            <a:off x="7554480" y="2914919"/>
-            <a:ext cx="1" cy="181314"/>
-          </a:xfrm>
-          <a:prstGeom prst="line">
-            <a:avLst/>
-          </a:prstGeom>
-        </p:spPr>
-        <p:style>
-          <a:lnRef idx="1">
-            <a:schemeClr val="accent6"/>
-          </a:lnRef>
-          <a:fillRef idx="0">
-            <a:schemeClr val="accent6"/>
-          </a:fillRef>
-          <a:effectRef idx="0">
-            <a:schemeClr val="accent6"/>
-          </a:effectRef>
-          <a:fontRef idx="minor">
-            <a:schemeClr val="tx1"/>
-          </a:fontRef>
-        </p:style>
-      </p:cxnSp>
-      <p:cxnSp>
-        <p:nvCxnSpPr>
-          <p:cNvPr id="166" name="Straight Connector 165"/>
-          <p:cNvCxnSpPr>
-            <a:endCxn id="56" idx="0"/>
-          </p:cNvCxnSpPr>
-          <p:nvPr/>
-        </p:nvCxnSpPr>
-        <p:spPr>
-          <a:xfrm>
-            <a:off x="3301209" y="2911994"/>
-            <a:ext cx="1" cy="192472"/>
-          </a:xfrm>
-          <a:prstGeom prst="line">
-            <a:avLst/>
-          </a:prstGeom>
-        </p:spPr>
-        <p:style>
-          <a:lnRef idx="1">
-            <a:schemeClr val="accent6"/>
-          </a:lnRef>
-          <a:fillRef idx="0">
-            <a:schemeClr val="accent6"/>
-          </a:fillRef>
-          <a:effectRef idx="0">
-            <a:schemeClr val="accent6"/>
-          </a:effectRef>
-          <a:fontRef idx="minor">
-            <a:schemeClr val="tx1"/>
-          </a:fontRef>
-        </p:style>
-      </p:cxnSp>
-      <p:cxnSp>
-        <p:nvCxnSpPr>
-          <p:cNvPr id="169" name="Straight Connector 168"/>
-          <p:cNvCxnSpPr>
-            <a:endCxn id="25" idx="0"/>
-          </p:cNvCxnSpPr>
-          <p:nvPr/>
-        </p:nvCxnSpPr>
-        <p:spPr>
-          <a:xfrm>
-            <a:off x="2404366" y="2911994"/>
-            <a:ext cx="1" cy="200872"/>
-          </a:xfrm>
-          <a:prstGeom prst="line">
-            <a:avLst/>
-          </a:prstGeom>
-        </p:spPr>
-        <p:style>
-          <a:lnRef idx="1">
-            <a:schemeClr val="accent6"/>
-          </a:lnRef>
-          <a:fillRef idx="0">
-            <a:schemeClr val="accent6"/>
-          </a:fillRef>
-          <a:effectRef idx="0">
-            <a:schemeClr val="accent6"/>
-          </a:effectRef>
-          <a:fontRef idx="minor">
-            <a:schemeClr val="tx1"/>
-          </a:fontRef>
-        </p:style>
-      </p:cxnSp>
-      <p:cxnSp>
-        <p:nvCxnSpPr>
-          <p:cNvPr id="172" name="Straight Connector 171"/>
-          <p:cNvCxnSpPr>
-            <a:stCxn id="7" idx="2"/>
-          </p:cNvCxnSpPr>
-          <p:nvPr/>
-        </p:nvCxnSpPr>
-        <p:spPr>
-          <a:xfrm flipH="1">
-            <a:off x="4833544" y="2735032"/>
-            <a:ext cx="2" cy="179887"/>
-          </a:xfrm>
-          <a:prstGeom prst="line">
-            <a:avLst/>
-          </a:prstGeom>
-        </p:spPr>
-        <p:style>
-          <a:lnRef idx="1">
-            <a:schemeClr val="accent6"/>
-          </a:lnRef>
-          <a:fillRef idx="0">
-            <a:schemeClr val="accent6"/>
-          </a:fillRef>
-          <a:effectRef idx="0">
-            <a:schemeClr val="accent6"/>
-          </a:effectRef>
-          <a:fontRef idx="minor">
-            <a:schemeClr val="tx1"/>
-          </a:fontRef>
-        </p:style>
-      </p:cxnSp>
-      <p:cxnSp>
-        <p:nvCxnSpPr>
-          <p:cNvPr id="175" name="Straight Connector 174"/>
-          <p:cNvCxnSpPr/>
-          <p:nvPr/>
-        </p:nvCxnSpPr>
-        <p:spPr>
-          <a:xfrm flipH="1">
-            <a:off x="2639197" y="3507667"/>
-            <a:ext cx="3867912" cy="2751"/>
-          </a:xfrm>
-          <a:prstGeom prst="line">
-            <a:avLst/>
-          </a:prstGeom>
-          <a:ln>
-            <a:solidFill>
-              <a:srgbClr val="7F7F7F"/>
-            </a:solidFill>
-          </a:ln>
-        </p:spPr>
-        <p:style>
-          <a:lnRef idx="1">
-            <a:schemeClr val="dk1"/>
-          </a:lnRef>
-          <a:fillRef idx="0">
-            <a:schemeClr val="dk1"/>
-          </a:fillRef>
-          <a:effectRef idx="0">
-            <a:schemeClr val="dk1"/>
-          </a:effectRef>
-          <a:fontRef idx="minor">
-            <a:schemeClr val="tx1"/>
-          </a:fontRef>
-        </p:style>
-      </p:cxnSp>
-      <p:cxnSp>
-        <p:nvCxnSpPr>
-          <p:cNvPr id="176" name="Straight Connector 175"/>
-          <p:cNvCxnSpPr>
-            <a:endCxn id="70" idx="0"/>
-          </p:cNvCxnSpPr>
-          <p:nvPr/>
-        </p:nvCxnSpPr>
-        <p:spPr>
-          <a:xfrm>
-            <a:off x="4944004" y="3510159"/>
-            <a:ext cx="2277" cy="175884"/>
-          </a:xfrm>
-          <a:prstGeom prst="line">
-            <a:avLst/>
-          </a:prstGeom>
-          <a:ln>
-            <a:solidFill>
-              <a:srgbClr val="7F7F7F"/>
-            </a:solidFill>
-          </a:ln>
-        </p:spPr>
-        <p:style>
-          <a:lnRef idx="1">
-            <a:schemeClr val="dk1"/>
-          </a:lnRef>
-          <a:fillRef idx="0">
-            <a:schemeClr val="dk1"/>
-          </a:fillRef>
-          <a:effectRef idx="0">
-            <a:schemeClr val="dk1"/>
-          </a:effectRef>
-          <a:fontRef idx="minor">
-            <a:schemeClr val="tx1"/>
-          </a:fontRef>
-        </p:style>
-      </p:cxnSp>
-      <p:cxnSp>
-        <p:nvCxnSpPr>
-          <p:cNvPr id="179" name="Straight Connector 178"/>
-          <p:cNvCxnSpPr>
-            <a:endCxn id="39" idx="0"/>
-          </p:cNvCxnSpPr>
-          <p:nvPr/>
-        </p:nvCxnSpPr>
-        <p:spPr>
-          <a:xfrm flipH="1">
-            <a:off x="5590545" y="3510159"/>
-            <a:ext cx="976" cy="175883"/>
-          </a:xfrm>
-          <a:prstGeom prst="line">
-            <a:avLst/>
-          </a:prstGeom>
-          <a:ln>
-            <a:solidFill>
-              <a:srgbClr val="7F7F7F"/>
-            </a:solidFill>
-          </a:ln>
-        </p:spPr>
-        <p:style>
-          <a:lnRef idx="1">
-            <a:schemeClr val="dk1"/>
-          </a:lnRef>
-          <a:fillRef idx="0">
-            <a:schemeClr val="dk1"/>
-          </a:fillRef>
-          <a:effectRef idx="0">
-            <a:schemeClr val="dk1"/>
-          </a:effectRef>
-          <a:fontRef idx="minor">
-            <a:schemeClr val="tx1"/>
-          </a:fontRef>
-        </p:style>
-      </p:cxnSp>
-      <p:cxnSp>
-        <p:nvCxnSpPr>
-          <p:cNvPr id="186" name="Straight Connector 185"/>
-          <p:cNvCxnSpPr>
-            <a:endCxn id="69" idx="0"/>
-          </p:cNvCxnSpPr>
-          <p:nvPr/>
-        </p:nvCxnSpPr>
-        <p:spPr>
-          <a:xfrm flipH="1">
-            <a:off x="2639198" y="3510418"/>
-            <a:ext cx="3374" cy="178140"/>
-          </a:xfrm>
-          <a:prstGeom prst="line">
-            <a:avLst/>
-          </a:prstGeom>
-          <a:ln>
-            <a:solidFill>
-              <a:srgbClr val="7F7F7F"/>
-            </a:solidFill>
-          </a:ln>
-        </p:spPr>
-        <p:style>
-          <a:lnRef idx="1">
-            <a:schemeClr val="dk1"/>
-          </a:lnRef>
-          <a:fillRef idx="0">
-            <a:schemeClr val="dk1"/>
-          </a:fillRef>
-          <a:effectRef idx="0">
-            <a:schemeClr val="dk1"/>
-          </a:effectRef>
-          <a:fontRef idx="minor">
-            <a:schemeClr val="tx1"/>
-          </a:fontRef>
-        </p:style>
-      </p:cxnSp>
-      <p:cxnSp>
-        <p:nvCxnSpPr>
-          <p:cNvPr id="189" name="Straight Connector 188"/>
-          <p:cNvCxnSpPr>
-            <a:endCxn id="40" idx="0"/>
-          </p:cNvCxnSpPr>
-          <p:nvPr/>
-        </p:nvCxnSpPr>
-        <p:spPr>
-          <a:xfrm>
-            <a:off x="6499593" y="3510159"/>
-            <a:ext cx="0" cy="175883"/>
-          </a:xfrm>
-          <a:prstGeom prst="line">
-            <a:avLst/>
-          </a:prstGeom>
-          <a:ln>
-            <a:solidFill>
-              <a:srgbClr val="7F7F7F"/>
-            </a:solidFill>
-          </a:ln>
-        </p:spPr>
-        <p:style>
-          <a:lnRef idx="1">
-            <a:schemeClr val="dk1"/>
-          </a:lnRef>
-          <a:fillRef idx="0">
-            <a:schemeClr val="dk1"/>
-          </a:fillRef>
-          <a:effectRef idx="0">
-            <a:schemeClr val="dk1"/>
-          </a:effectRef>
-          <a:fontRef idx="minor">
-            <a:schemeClr val="tx1"/>
-          </a:fontRef>
-        </p:style>
-      </p:cxnSp>
-      <p:cxnSp>
-        <p:nvCxnSpPr>
-          <p:cNvPr id="196" name="Straight Connector 195"/>
-          <p:cNvCxnSpPr>
-            <a:stCxn id="56" idx="2"/>
-          </p:cNvCxnSpPr>
-          <p:nvPr/>
-        </p:nvCxnSpPr>
-        <p:spPr>
-          <a:xfrm>
-            <a:off x="3301210" y="3333931"/>
-            <a:ext cx="2276" cy="173736"/>
-          </a:xfrm>
-          <a:prstGeom prst="line">
-            <a:avLst/>
-          </a:prstGeom>
-          <a:ln>
-            <a:solidFill>
-              <a:srgbClr val="7F7F7F"/>
-            </a:solidFill>
-          </a:ln>
-        </p:spPr>
-        <p:style>
-          <a:lnRef idx="1">
-            <a:schemeClr val="dk1"/>
-          </a:lnRef>
-          <a:fillRef idx="0">
-            <a:schemeClr val="dk1"/>
-          </a:fillRef>
-          <a:effectRef idx="0">
-            <a:schemeClr val="dk1"/>
-          </a:effectRef>
-          <a:fontRef idx="minor">
-            <a:schemeClr val="tx1"/>
-          </a:fontRef>
-        </p:style>
-      </p:cxnSp>
-      <p:sp>
-        <p:nvSpPr>
-          <p:cNvPr id="200" name="Rectangle 199"/>
-          <p:cNvSpPr/>
-          <p:nvPr/>
-        </p:nvSpPr>
-        <p:spPr>
-          <a:xfrm>
-            <a:off x="3139159" y="3686043"/>
-            <a:ext cx="649792" cy="229465"/>
-          </a:xfrm>
-          <a:prstGeom prst="rect">
-            <a:avLst/>
-          </a:prstGeom>
-          <a:solidFill>
-            <a:schemeClr val="bg1">
-              <a:lumMod val="95000"/>
-            </a:schemeClr>
-          </a:solidFill>
-          <a:ln w="12700" cmpd="sng">
-            <a:solidFill>
-              <a:srgbClr val="2C74A5"/>
-            </a:solidFill>
-          </a:ln>
-        </p:spPr>
-        <p:style>
-          <a:lnRef idx="2">
-            <a:schemeClr val="dk1"/>
-          </a:lnRef>
-          <a:fillRef idx="1">
-            <a:schemeClr val="lt1"/>
-          </a:fillRef>
-          <a:effectRef idx="0">
-            <a:schemeClr val="dk1"/>
-          </a:effectRef>
-          <a:fontRef idx="minor">
-            <a:schemeClr val="dk1"/>
-          </a:fontRef>
-        </p:style>
-        <p:txBody>
-          <a:bodyPr tIns="0" bIns="27432" rtlCol="0" anchor="ctr" anchorCtr="1"/>
-          <a:lstStyle/>
-          <a:p>
-            <a:pPr algn="ctr"/>
-            <a:r>
-              <a:rPr lang="en-US" sz="1200" b="1" dirty="0" smtClean="0">
+            </a:ln>
+          </p:spPr>
+          <p:style>
+            <a:lnRef idx="2">
+              <a:schemeClr val="dk1"/>
+            </a:lnRef>
+            <a:fillRef idx="1">
+              <a:schemeClr val="lt1"/>
+            </a:fillRef>
+            <a:effectRef idx="0">
+              <a:schemeClr val="dk1"/>
+            </a:effectRef>
+            <a:fontRef idx="minor">
+              <a:schemeClr val="dk1"/>
+            </a:fontRef>
+          </p:style>
+          <p:txBody>
+            <a:bodyPr tIns="0" bIns="27432" rtlCol="0" anchor="ctr" anchorCtr="1"/>
+            <a:lstStyle/>
+            <a:p>
+              <a:pPr algn="ctr"/>
+              <a:r>
+                <a:rPr lang="en-US" sz="1200" b="1" dirty="0" smtClean="0">
+                  <a:solidFill>
+                    <a:srgbClr val="2C74A5"/>
+                  </a:solidFill>
+                  <a:latin typeface="Arial Narrow"/>
+                  <a:cs typeface="Arial Narrow"/>
+                </a:rPr>
+                <a:t>sys_number</a:t>
+              </a:r>
+              <a:endParaRPr lang="en-US" sz="2000" b="1" dirty="0">
                 <a:solidFill>
                   <a:srgbClr val="2C74A5"/>
                 </a:solidFill>
                 <a:latin typeface="Arial Narrow"/>
                 <a:cs typeface="Arial Narrow"/>
-              </a:rPr>
-              <a:t>cuisine</a:t>
-            </a:r>
-            <a:endParaRPr lang="en-US" sz="2000" b="1" dirty="0">
+              </a:endParaRPr>
+            </a:p>
+          </p:txBody>
+        </p:sp>
+        <p:cxnSp>
+          <p:nvCxnSpPr>
+            <p:cNvPr id="141" name="Straight Connector 140"/>
+            <p:cNvCxnSpPr>
+              <a:stCxn id="4" idx="2"/>
+              <a:endCxn id="7" idx="0"/>
+            </p:cNvCxnSpPr>
+            <p:nvPr/>
+          </p:nvCxnSpPr>
+          <p:spPr>
+            <a:xfrm>
+              <a:off x="4833545" y="2138865"/>
+              <a:ext cx="1" cy="366702"/>
+            </a:xfrm>
+            <a:prstGeom prst="line">
+              <a:avLst/>
+            </a:prstGeom>
+          </p:spPr>
+          <p:style>
+            <a:lnRef idx="1">
+              <a:schemeClr val="accent6"/>
+            </a:lnRef>
+            <a:fillRef idx="0">
+              <a:schemeClr val="accent6"/>
+            </a:fillRef>
+            <a:effectRef idx="0">
+              <a:schemeClr val="accent6"/>
+            </a:effectRef>
+            <a:fontRef idx="minor">
+              <a:schemeClr val="tx1"/>
+            </a:fontRef>
+          </p:style>
+        </p:cxnSp>
+        <p:cxnSp>
+          <p:nvCxnSpPr>
+            <p:cNvPr id="142" name="Straight Connector 141"/>
+            <p:cNvCxnSpPr/>
+            <p:nvPr/>
+          </p:nvCxnSpPr>
+          <p:spPr>
+            <a:xfrm>
+              <a:off x="4312871" y="2916832"/>
+              <a:ext cx="2" cy="196034"/>
+            </a:xfrm>
+            <a:prstGeom prst="line">
+              <a:avLst/>
+            </a:prstGeom>
+          </p:spPr>
+          <p:style>
+            <a:lnRef idx="1">
+              <a:schemeClr val="accent6"/>
+            </a:lnRef>
+            <a:fillRef idx="0">
+              <a:schemeClr val="accent6"/>
+            </a:fillRef>
+            <a:effectRef idx="0">
+              <a:schemeClr val="accent6"/>
+            </a:effectRef>
+            <a:fontRef idx="minor">
+              <a:schemeClr val="tx1"/>
+            </a:fontRef>
+          </p:style>
+        </p:cxnSp>
+        <p:cxnSp>
+          <p:nvCxnSpPr>
+            <p:cNvPr id="150" name="Straight Connector 149"/>
+            <p:cNvCxnSpPr/>
+            <p:nvPr/>
+          </p:nvCxnSpPr>
+          <p:spPr>
+            <a:xfrm flipH="1">
+              <a:off x="2402269" y="2908433"/>
+              <a:ext cx="5157216" cy="4739"/>
+            </a:xfrm>
+            <a:prstGeom prst="line">
+              <a:avLst/>
+            </a:prstGeom>
+            <a:ln>
+              <a:solidFill>
+                <a:srgbClr val="7F7F7F"/>
+              </a:solidFill>
+            </a:ln>
+          </p:spPr>
+          <p:style>
+            <a:lnRef idx="1">
+              <a:schemeClr val="dk1"/>
+            </a:lnRef>
+            <a:fillRef idx="0">
+              <a:schemeClr val="dk1"/>
+            </a:fillRef>
+            <a:effectRef idx="0">
+              <a:schemeClr val="dk1"/>
+            </a:effectRef>
+            <a:fontRef idx="minor">
+              <a:schemeClr val="tx1"/>
+            </a:fontRef>
+          </p:style>
+        </p:cxnSp>
+        <p:cxnSp>
+          <p:nvCxnSpPr>
+            <p:cNvPr id="152" name="Straight Connector 151"/>
+            <p:cNvCxnSpPr>
+              <a:endCxn id="35" idx="0"/>
+            </p:cNvCxnSpPr>
+            <p:nvPr/>
+          </p:nvCxnSpPr>
+          <p:spPr>
+            <a:xfrm>
+              <a:off x="5303763" y="2908433"/>
+              <a:ext cx="0" cy="188628"/>
+            </a:xfrm>
+            <a:prstGeom prst="line">
+              <a:avLst/>
+            </a:prstGeom>
+          </p:spPr>
+          <p:style>
+            <a:lnRef idx="1">
+              <a:schemeClr val="accent6"/>
+            </a:lnRef>
+            <a:fillRef idx="0">
+              <a:schemeClr val="accent6"/>
+            </a:fillRef>
+            <a:effectRef idx="0">
+              <a:schemeClr val="accent6"/>
+            </a:effectRef>
+            <a:fontRef idx="minor">
+              <a:schemeClr val="tx1"/>
+            </a:fontRef>
+          </p:style>
+        </p:cxnSp>
+        <p:cxnSp>
+          <p:nvCxnSpPr>
+            <p:cNvPr id="155" name="Straight Connector 154"/>
+            <p:cNvCxnSpPr>
+              <a:endCxn id="66" idx="0"/>
+            </p:cNvCxnSpPr>
+            <p:nvPr/>
+          </p:nvCxnSpPr>
+          <p:spPr>
+            <a:xfrm>
+              <a:off x="6109139" y="2908433"/>
+              <a:ext cx="1" cy="187801"/>
+            </a:xfrm>
+            <a:prstGeom prst="line">
+              <a:avLst/>
+            </a:prstGeom>
+          </p:spPr>
+          <p:style>
+            <a:lnRef idx="1">
+              <a:schemeClr val="accent6"/>
+            </a:lnRef>
+            <a:fillRef idx="0">
+              <a:schemeClr val="accent6"/>
+            </a:fillRef>
+            <a:effectRef idx="0">
+              <a:schemeClr val="accent6"/>
+            </a:effectRef>
+            <a:fontRef idx="minor">
+              <a:schemeClr val="tx1"/>
+            </a:fontRef>
+          </p:style>
+        </p:cxnSp>
+        <p:cxnSp>
+          <p:nvCxnSpPr>
+            <p:cNvPr id="158" name="Straight Connector 157"/>
+            <p:cNvCxnSpPr>
+              <a:endCxn id="67" idx="0"/>
+            </p:cNvCxnSpPr>
+            <p:nvPr/>
+          </p:nvCxnSpPr>
+          <p:spPr>
+            <a:xfrm>
+              <a:off x="6727077" y="2914919"/>
+              <a:ext cx="0" cy="181314"/>
+            </a:xfrm>
+            <a:prstGeom prst="line">
+              <a:avLst/>
+            </a:prstGeom>
+          </p:spPr>
+          <p:style>
+            <a:lnRef idx="1">
+              <a:schemeClr val="accent6"/>
+            </a:lnRef>
+            <a:fillRef idx="0">
+              <a:schemeClr val="accent6"/>
+            </a:fillRef>
+            <a:effectRef idx="0">
+              <a:schemeClr val="accent6"/>
+            </a:effectRef>
+            <a:fontRef idx="minor">
+              <a:schemeClr val="tx1"/>
+            </a:fontRef>
+          </p:style>
+        </p:cxnSp>
+        <p:cxnSp>
+          <p:nvCxnSpPr>
+            <p:cNvPr id="161" name="Straight Connector 160"/>
+            <p:cNvCxnSpPr>
+              <a:endCxn id="36" idx="0"/>
+            </p:cNvCxnSpPr>
+            <p:nvPr/>
+          </p:nvCxnSpPr>
+          <p:spPr>
+            <a:xfrm>
+              <a:off x="7554480" y="2914919"/>
+              <a:ext cx="1" cy="181314"/>
+            </a:xfrm>
+            <a:prstGeom prst="line">
+              <a:avLst/>
+            </a:prstGeom>
+          </p:spPr>
+          <p:style>
+            <a:lnRef idx="1">
+              <a:schemeClr val="accent6"/>
+            </a:lnRef>
+            <a:fillRef idx="0">
+              <a:schemeClr val="accent6"/>
+            </a:fillRef>
+            <a:effectRef idx="0">
+              <a:schemeClr val="accent6"/>
+            </a:effectRef>
+            <a:fontRef idx="minor">
+              <a:schemeClr val="tx1"/>
+            </a:fontRef>
+          </p:style>
+        </p:cxnSp>
+        <p:cxnSp>
+          <p:nvCxnSpPr>
+            <p:cNvPr id="166" name="Straight Connector 165"/>
+            <p:cNvCxnSpPr>
+              <a:endCxn id="56" idx="0"/>
+            </p:cNvCxnSpPr>
+            <p:nvPr/>
+          </p:nvCxnSpPr>
+          <p:spPr>
+            <a:xfrm>
+              <a:off x="3301209" y="2911994"/>
+              <a:ext cx="1" cy="192472"/>
+            </a:xfrm>
+            <a:prstGeom prst="line">
+              <a:avLst/>
+            </a:prstGeom>
+          </p:spPr>
+          <p:style>
+            <a:lnRef idx="1">
+              <a:schemeClr val="accent6"/>
+            </a:lnRef>
+            <a:fillRef idx="0">
+              <a:schemeClr val="accent6"/>
+            </a:fillRef>
+            <a:effectRef idx="0">
+              <a:schemeClr val="accent6"/>
+            </a:effectRef>
+            <a:fontRef idx="minor">
+              <a:schemeClr val="tx1"/>
+            </a:fontRef>
+          </p:style>
+        </p:cxnSp>
+        <p:cxnSp>
+          <p:nvCxnSpPr>
+            <p:cNvPr id="169" name="Straight Connector 168"/>
+            <p:cNvCxnSpPr>
+              <a:endCxn id="25" idx="0"/>
+            </p:cNvCxnSpPr>
+            <p:nvPr/>
+          </p:nvCxnSpPr>
+          <p:spPr>
+            <a:xfrm>
+              <a:off x="2404366" y="2911994"/>
+              <a:ext cx="1" cy="200872"/>
+            </a:xfrm>
+            <a:prstGeom prst="line">
+              <a:avLst/>
+            </a:prstGeom>
+          </p:spPr>
+          <p:style>
+            <a:lnRef idx="1">
+              <a:schemeClr val="accent6"/>
+            </a:lnRef>
+            <a:fillRef idx="0">
+              <a:schemeClr val="accent6"/>
+            </a:fillRef>
+            <a:effectRef idx="0">
+              <a:schemeClr val="accent6"/>
+            </a:effectRef>
+            <a:fontRef idx="minor">
+              <a:schemeClr val="tx1"/>
+            </a:fontRef>
+          </p:style>
+        </p:cxnSp>
+        <p:cxnSp>
+          <p:nvCxnSpPr>
+            <p:cNvPr id="172" name="Straight Connector 171"/>
+            <p:cNvCxnSpPr>
+              <a:stCxn id="7" idx="2"/>
+            </p:cNvCxnSpPr>
+            <p:nvPr/>
+          </p:nvCxnSpPr>
+          <p:spPr>
+            <a:xfrm flipH="1">
+              <a:off x="4833544" y="2735032"/>
+              <a:ext cx="2" cy="179887"/>
+            </a:xfrm>
+            <a:prstGeom prst="line">
+              <a:avLst/>
+            </a:prstGeom>
+          </p:spPr>
+          <p:style>
+            <a:lnRef idx="1">
+              <a:schemeClr val="accent6"/>
+            </a:lnRef>
+            <a:fillRef idx="0">
+              <a:schemeClr val="accent6"/>
+            </a:fillRef>
+            <a:effectRef idx="0">
+              <a:schemeClr val="accent6"/>
+            </a:effectRef>
+            <a:fontRef idx="minor">
+              <a:schemeClr val="tx1"/>
+            </a:fontRef>
+          </p:style>
+        </p:cxnSp>
+        <p:cxnSp>
+          <p:nvCxnSpPr>
+            <p:cNvPr id="175" name="Straight Connector 174"/>
+            <p:cNvCxnSpPr/>
+            <p:nvPr/>
+          </p:nvCxnSpPr>
+          <p:spPr>
+            <a:xfrm flipH="1">
+              <a:off x="2639197" y="3507667"/>
+              <a:ext cx="3877056" cy="2751"/>
+            </a:xfrm>
+            <a:prstGeom prst="line">
+              <a:avLst/>
+            </a:prstGeom>
+            <a:ln>
+              <a:solidFill>
+                <a:srgbClr val="7F7F7F"/>
+              </a:solidFill>
+            </a:ln>
+          </p:spPr>
+          <p:style>
+            <a:lnRef idx="1">
+              <a:schemeClr val="dk1"/>
+            </a:lnRef>
+            <a:fillRef idx="0">
+              <a:schemeClr val="dk1"/>
+            </a:fillRef>
+            <a:effectRef idx="0">
+              <a:schemeClr val="dk1"/>
+            </a:effectRef>
+            <a:fontRef idx="minor">
+              <a:schemeClr val="tx1"/>
+            </a:fontRef>
+          </p:style>
+        </p:cxnSp>
+        <p:cxnSp>
+          <p:nvCxnSpPr>
+            <p:cNvPr id="176" name="Straight Connector 175"/>
+            <p:cNvCxnSpPr>
+              <a:endCxn id="70" idx="0"/>
+            </p:cNvCxnSpPr>
+            <p:nvPr/>
+          </p:nvCxnSpPr>
+          <p:spPr>
+            <a:xfrm>
+              <a:off x="4944004" y="3510159"/>
+              <a:ext cx="2277" cy="175884"/>
+            </a:xfrm>
+            <a:prstGeom prst="line">
+              <a:avLst/>
+            </a:prstGeom>
+            <a:ln>
+              <a:solidFill>
+                <a:srgbClr val="7F7F7F"/>
+              </a:solidFill>
+            </a:ln>
+          </p:spPr>
+          <p:style>
+            <a:lnRef idx="1">
+              <a:schemeClr val="dk1"/>
+            </a:lnRef>
+            <a:fillRef idx="0">
+              <a:schemeClr val="dk1"/>
+            </a:fillRef>
+            <a:effectRef idx="0">
+              <a:schemeClr val="dk1"/>
+            </a:effectRef>
+            <a:fontRef idx="minor">
+              <a:schemeClr val="tx1"/>
+            </a:fontRef>
+          </p:style>
+        </p:cxnSp>
+        <p:cxnSp>
+          <p:nvCxnSpPr>
+            <p:cNvPr id="179" name="Straight Connector 178"/>
+            <p:cNvCxnSpPr>
+              <a:endCxn id="39" idx="0"/>
+            </p:cNvCxnSpPr>
+            <p:nvPr/>
+          </p:nvCxnSpPr>
+          <p:spPr>
+            <a:xfrm flipH="1">
+              <a:off x="5590545" y="3510159"/>
+              <a:ext cx="976" cy="175883"/>
+            </a:xfrm>
+            <a:prstGeom prst="line">
+              <a:avLst/>
+            </a:prstGeom>
+            <a:ln>
+              <a:solidFill>
+                <a:srgbClr val="7F7F7F"/>
+              </a:solidFill>
+            </a:ln>
+          </p:spPr>
+          <p:style>
+            <a:lnRef idx="1">
+              <a:schemeClr val="dk1"/>
+            </a:lnRef>
+            <a:fillRef idx="0">
+              <a:schemeClr val="dk1"/>
+            </a:fillRef>
+            <a:effectRef idx="0">
+              <a:schemeClr val="dk1"/>
+            </a:effectRef>
+            <a:fontRef idx="minor">
+              <a:schemeClr val="tx1"/>
+            </a:fontRef>
+          </p:style>
+        </p:cxnSp>
+        <p:cxnSp>
+          <p:nvCxnSpPr>
+            <p:cNvPr id="186" name="Straight Connector 185"/>
+            <p:cNvCxnSpPr>
+              <a:endCxn id="69" idx="0"/>
+            </p:cNvCxnSpPr>
+            <p:nvPr/>
+          </p:nvCxnSpPr>
+          <p:spPr>
+            <a:xfrm flipH="1">
+              <a:off x="2639198" y="3510418"/>
+              <a:ext cx="3374" cy="178140"/>
+            </a:xfrm>
+            <a:prstGeom prst="line">
+              <a:avLst/>
+            </a:prstGeom>
+            <a:ln>
+              <a:solidFill>
+                <a:srgbClr val="7F7F7F"/>
+              </a:solidFill>
+            </a:ln>
+          </p:spPr>
+          <p:style>
+            <a:lnRef idx="1">
+              <a:schemeClr val="dk1"/>
+            </a:lnRef>
+            <a:fillRef idx="0">
+              <a:schemeClr val="dk1"/>
+            </a:fillRef>
+            <a:effectRef idx="0">
+              <a:schemeClr val="dk1"/>
+            </a:effectRef>
+            <a:fontRef idx="minor">
+              <a:schemeClr val="tx1"/>
+            </a:fontRef>
+          </p:style>
+        </p:cxnSp>
+        <p:cxnSp>
+          <p:nvCxnSpPr>
+            <p:cNvPr id="189" name="Straight Connector 188"/>
+            <p:cNvCxnSpPr/>
+            <p:nvPr/>
+          </p:nvCxnSpPr>
+          <p:spPr>
+            <a:xfrm>
+              <a:off x="6510673" y="3510159"/>
+              <a:ext cx="0" cy="175883"/>
+            </a:xfrm>
+            <a:prstGeom prst="line">
+              <a:avLst/>
+            </a:prstGeom>
+            <a:ln>
+              <a:solidFill>
+                <a:srgbClr val="7F7F7F"/>
+              </a:solidFill>
+            </a:ln>
+          </p:spPr>
+          <p:style>
+            <a:lnRef idx="1">
+              <a:schemeClr val="dk1"/>
+            </a:lnRef>
+            <a:fillRef idx="0">
+              <a:schemeClr val="dk1"/>
+            </a:fillRef>
+            <a:effectRef idx="0">
+              <a:schemeClr val="dk1"/>
+            </a:effectRef>
+            <a:fontRef idx="minor">
+              <a:schemeClr val="tx1"/>
+            </a:fontRef>
+          </p:style>
+        </p:cxnSp>
+        <p:cxnSp>
+          <p:nvCxnSpPr>
+            <p:cNvPr id="196" name="Straight Connector 195"/>
+            <p:cNvCxnSpPr>
+              <a:stCxn id="56" idx="2"/>
+            </p:cNvCxnSpPr>
+            <p:nvPr/>
+          </p:nvCxnSpPr>
+          <p:spPr>
+            <a:xfrm>
+              <a:off x="3301210" y="3333931"/>
+              <a:ext cx="2276" cy="173736"/>
+            </a:xfrm>
+            <a:prstGeom prst="line">
+              <a:avLst/>
+            </a:prstGeom>
+            <a:ln>
+              <a:solidFill>
+                <a:srgbClr val="7F7F7F"/>
+              </a:solidFill>
+            </a:ln>
+          </p:spPr>
+          <p:style>
+            <a:lnRef idx="1">
+              <a:schemeClr val="dk1"/>
+            </a:lnRef>
+            <a:fillRef idx="0">
+              <a:schemeClr val="dk1"/>
+            </a:fillRef>
+            <a:effectRef idx="0">
+              <a:schemeClr val="dk1"/>
+            </a:effectRef>
+            <a:fontRef idx="minor">
+              <a:schemeClr val="tx1"/>
+            </a:fontRef>
+          </p:style>
+        </p:cxnSp>
+        <p:sp>
+          <p:nvSpPr>
+            <p:cNvPr id="200" name="Rectangle 199"/>
+            <p:cNvSpPr/>
+            <p:nvPr/>
+          </p:nvSpPr>
+          <p:spPr>
+            <a:xfrm>
+              <a:off x="3139159" y="3686043"/>
+              <a:ext cx="649792" cy="229465"/>
+            </a:xfrm>
+            <a:prstGeom prst="rect">
+              <a:avLst/>
+            </a:prstGeom>
+            <a:solidFill>
+              <a:schemeClr val="bg1">
+                <a:lumMod val="95000"/>
+              </a:schemeClr>
+            </a:solidFill>
+            <a:ln w="12700" cmpd="sng">
               <a:solidFill>
                 <a:srgbClr val="2C74A5"/>
               </a:solidFill>
-              <a:latin typeface="Arial Narrow"/>
-              <a:cs typeface="Arial Narrow"/>
-            </a:endParaRPr>
-          </a:p>
-        </p:txBody>
-      </p:sp>
-      <p:sp>
-        <p:nvSpPr>
-          <p:cNvPr id="201" name="Rectangle 200"/>
-          <p:cNvSpPr/>
-          <p:nvPr/>
-        </p:nvSpPr>
-        <p:spPr>
-          <a:xfrm>
-            <a:off x="3878644" y="3686043"/>
-            <a:ext cx="722507" cy="229465"/>
-          </a:xfrm>
-          <a:prstGeom prst="rect">
-            <a:avLst/>
-          </a:prstGeom>
-          <a:solidFill>
-            <a:schemeClr val="bg1">
-              <a:lumMod val="95000"/>
-            </a:schemeClr>
-          </a:solidFill>
-          <a:ln w="12700" cmpd="sng">
-            <a:solidFill>
-              <a:srgbClr val="2C74A5"/>
-            </a:solidFill>
-          </a:ln>
-        </p:spPr>
-        <p:style>
-          <a:lnRef idx="2">
-            <a:schemeClr val="dk1"/>
-          </a:lnRef>
-          <a:fillRef idx="1">
-            <a:schemeClr val="lt1"/>
-          </a:fillRef>
-          <a:effectRef idx="0">
-            <a:schemeClr val="dk1"/>
-          </a:effectRef>
-          <a:fontRef idx="minor">
-            <a:schemeClr val="dk1"/>
-          </a:fontRef>
-        </p:style>
-        <p:txBody>
-          <a:bodyPr tIns="0" bIns="27432" rtlCol="0" anchor="ctr" anchorCtr="1"/>
-          <a:lstStyle/>
-          <a:p>
-            <a:pPr algn="ctr"/>
-            <a:r>
-              <a:rPr lang="en-US" sz="1200" b="1" dirty="0" smtClean="0">
+            </a:ln>
+          </p:spPr>
+          <p:style>
+            <a:lnRef idx="2">
+              <a:schemeClr val="dk1"/>
+            </a:lnRef>
+            <a:fillRef idx="1">
+              <a:schemeClr val="lt1"/>
+            </a:fillRef>
+            <a:effectRef idx="0">
+              <a:schemeClr val="dk1"/>
+            </a:effectRef>
+            <a:fontRef idx="minor">
+              <a:schemeClr val="dk1"/>
+            </a:fontRef>
+          </p:style>
+          <p:txBody>
+            <a:bodyPr tIns="0" bIns="27432" rtlCol="0" anchor="ctr" anchorCtr="1"/>
+            <a:lstStyle/>
+            <a:p>
+              <a:pPr algn="ctr"/>
+              <a:r>
+                <a:rPr lang="en-US" sz="1200" b="1" dirty="0" smtClean="0">
+                  <a:solidFill>
+                    <a:srgbClr val="2C74A5"/>
+                  </a:solidFill>
+                  <a:latin typeface="Arial Narrow"/>
+                  <a:cs typeface="Arial Narrow"/>
+                </a:rPr>
+                <a:t>cuisine</a:t>
+              </a:r>
+              <a:endParaRPr lang="en-US" sz="2000" b="1" dirty="0">
                 <a:solidFill>
                   <a:srgbClr val="2C74A5"/>
                 </a:solidFill>
                 <a:latin typeface="Arial Narrow"/>
                 <a:cs typeface="Arial Narrow"/>
-              </a:rPr>
-              <a:t>category</a:t>
-            </a:r>
-            <a:endParaRPr lang="en-US" sz="2000" b="1" dirty="0">
+              </a:endParaRPr>
+            </a:p>
+          </p:txBody>
+        </p:sp>
+        <p:sp>
+          <p:nvSpPr>
+            <p:cNvPr id="201" name="Rectangle 200"/>
+            <p:cNvSpPr/>
+            <p:nvPr/>
+          </p:nvSpPr>
+          <p:spPr>
+            <a:xfrm>
+              <a:off x="3878644" y="3686043"/>
+              <a:ext cx="722507" cy="229465"/>
+            </a:xfrm>
+            <a:prstGeom prst="rect">
+              <a:avLst/>
+            </a:prstGeom>
+            <a:solidFill>
+              <a:schemeClr val="bg1">
+                <a:lumMod val="95000"/>
+              </a:schemeClr>
+            </a:solidFill>
+            <a:ln w="12700" cmpd="sng">
               <a:solidFill>
                 <a:srgbClr val="2C74A5"/>
               </a:solidFill>
-              <a:latin typeface="Arial Narrow"/>
-              <a:cs typeface="Arial Narrow"/>
-            </a:endParaRPr>
-          </a:p>
-        </p:txBody>
-      </p:sp>
-      <p:cxnSp>
-        <p:nvCxnSpPr>
-          <p:cNvPr id="202" name="Straight Connector 201"/>
-          <p:cNvCxnSpPr>
-            <a:endCxn id="201" idx="0"/>
-          </p:cNvCxnSpPr>
-          <p:nvPr/>
-        </p:nvCxnSpPr>
-        <p:spPr>
-          <a:xfrm>
-            <a:off x="4238590" y="3507667"/>
-            <a:ext cx="1308" cy="178376"/>
-          </a:xfrm>
-          <a:prstGeom prst="line">
-            <a:avLst/>
-          </a:prstGeom>
-          <a:ln>
-            <a:solidFill>
-              <a:srgbClr val="7F7F7F"/>
-            </a:solidFill>
-          </a:ln>
-        </p:spPr>
-        <p:style>
-          <a:lnRef idx="1">
-            <a:schemeClr val="dk1"/>
-          </a:lnRef>
-          <a:fillRef idx="0">
-            <a:schemeClr val="dk1"/>
-          </a:fillRef>
-          <a:effectRef idx="0">
-            <a:schemeClr val="dk1"/>
-          </a:effectRef>
-          <a:fontRef idx="minor">
-            <a:schemeClr val="tx1"/>
-          </a:fontRef>
-        </p:style>
-      </p:cxnSp>
-      <p:cxnSp>
-        <p:nvCxnSpPr>
-          <p:cNvPr id="205" name="Straight Connector 204"/>
-          <p:cNvCxnSpPr>
-            <a:endCxn id="200" idx="0"/>
-          </p:cNvCxnSpPr>
-          <p:nvPr/>
-        </p:nvCxnSpPr>
-        <p:spPr>
-          <a:xfrm>
-            <a:off x="3464055" y="3514648"/>
-            <a:ext cx="0" cy="171395"/>
-          </a:xfrm>
-          <a:prstGeom prst="line">
-            <a:avLst/>
-          </a:prstGeom>
-          <a:ln>
-            <a:solidFill>
-              <a:srgbClr val="7F7F7F"/>
-            </a:solidFill>
-          </a:ln>
-        </p:spPr>
-        <p:style>
-          <a:lnRef idx="1">
-            <a:schemeClr val="dk1"/>
-          </a:lnRef>
-          <a:fillRef idx="0">
-            <a:schemeClr val="dk1"/>
-          </a:fillRef>
-          <a:effectRef idx="0">
-            <a:schemeClr val="dk1"/>
-          </a:effectRef>
-          <a:fontRef idx="minor">
-            <a:schemeClr val="tx1"/>
-          </a:fontRef>
-        </p:style>
-      </p:cxnSp>
+            </a:ln>
+          </p:spPr>
+          <p:style>
+            <a:lnRef idx="2">
+              <a:schemeClr val="dk1"/>
+            </a:lnRef>
+            <a:fillRef idx="1">
+              <a:schemeClr val="lt1"/>
+            </a:fillRef>
+            <a:effectRef idx="0">
+              <a:schemeClr val="dk1"/>
+            </a:effectRef>
+            <a:fontRef idx="minor">
+              <a:schemeClr val="dk1"/>
+            </a:fontRef>
+          </p:style>
+          <p:txBody>
+            <a:bodyPr tIns="0" bIns="27432" rtlCol="0" anchor="ctr" anchorCtr="1"/>
+            <a:lstStyle/>
+            <a:p>
+              <a:pPr algn="ctr"/>
+              <a:r>
+                <a:rPr lang="en-US" sz="1200" b="1" dirty="0" smtClean="0">
+                  <a:solidFill>
+                    <a:srgbClr val="2C74A5"/>
+                  </a:solidFill>
+                  <a:latin typeface="Arial Narrow"/>
+                  <a:cs typeface="Arial Narrow"/>
+                </a:rPr>
+                <a:t>category</a:t>
+              </a:r>
+              <a:endParaRPr lang="en-US" sz="2000" b="1" dirty="0">
+                <a:solidFill>
+                  <a:srgbClr val="2C74A5"/>
+                </a:solidFill>
+                <a:latin typeface="Arial Narrow"/>
+                <a:cs typeface="Arial Narrow"/>
+              </a:endParaRPr>
+            </a:p>
+          </p:txBody>
+        </p:sp>
+        <p:cxnSp>
+          <p:nvCxnSpPr>
+            <p:cNvPr id="202" name="Straight Connector 201"/>
+            <p:cNvCxnSpPr>
+              <a:endCxn id="201" idx="0"/>
+            </p:cNvCxnSpPr>
+            <p:nvPr/>
+          </p:nvCxnSpPr>
+          <p:spPr>
+            <a:xfrm>
+              <a:off x="4238590" y="3507667"/>
+              <a:ext cx="1308" cy="178376"/>
+            </a:xfrm>
+            <a:prstGeom prst="line">
+              <a:avLst/>
+            </a:prstGeom>
+            <a:ln>
+              <a:solidFill>
+                <a:srgbClr val="7F7F7F"/>
+              </a:solidFill>
+            </a:ln>
+          </p:spPr>
+          <p:style>
+            <a:lnRef idx="1">
+              <a:schemeClr val="dk1"/>
+            </a:lnRef>
+            <a:fillRef idx="0">
+              <a:schemeClr val="dk1"/>
+            </a:fillRef>
+            <a:effectRef idx="0">
+              <a:schemeClr val="dk1"/>
+            </a:effectRef>
+            <a:fontRef idx="minor">
+              <a:schemeClr val="tx1"/>
+            </a:fontRef>
+          </p:style>
+        </p:cxnSp>
+        <p:cxnSp>
+          <p:nvCxnSpPr>
+            <p:cNvPr id="205" name="Straight Connector 204"/>
+            <p:cNvCxnSpPr>
+              <a:endCxn id="200" idx="0"/>
+            </p:cNvCxnSpPr>
+            <p:nvPr/>
+          </p:nvCxnSpPr>
+          <p:spPr>
+            <a:xfrm>
+              <a:off x="3464055" y="3514648"/>
+              <a:ext cx="0" cy="171395"/>
+            </a:xfrm>
+            <a:prstGeom prst="line">
+              <a:avLst/>
+            </a:prstGeom>
+            <a:ln>
+              <a:solidFill>
+                <a:srgbClr val="7F7F7F"/>
+              </a:solidFill>
+            </a:ln>
+          </p:spPr>
+          <p:style>
+            <a:lnRef idx="1">
+              <a:schemeClr val="dk1"/>
+            </a:lnRef>
+            <a:fillRef idx="0">
+              <a:schemeClr val="dk1"/>
+            </a:fillRef>
+            <a:effectRef idx="0">
+              <a:schemeClr val="dk1"/>
+            </a:effectRef>
+            <a:fontRef idx="minor">
+              <a:schemeClr val="tx1"/>
+            </a:fontRef>
+          </p:style>
+        </p:cxnSp>
+      </p:grpSp>
     </p:spTree>
     <p:extLst>
       <p:ext uri="{BB962C8B-B14F-4D97-AF65-F5344CB8AC3E}">

--- a/docs/source/images/images.pptx
+++ b/docs/source/images/images.pptx
@@ -225,7 +225,7 @@
           <a:p>
             <a:fld id="{C06C16C2-E84F-C94A-BAEB-BD9A80415D2E}" type="datetimeFigureOut">
               <a:rPr lang="en-US" smtClean="0"/>
-              <a:t>7/17/17</a:t>
+              <a:t>7/24/17</a:t>
             </a:fld>
             <a:endParaRPr lang="en-US"/>
           </a:p>
@@ -1419,7 +1419,7 @@
           <a:p>
             <a:fld id="{85FD3787-7239-C647-8F46-4AEF603A44BF}" type="datetime1">
               <a:rPr lang="en-US" smtClean="0"/>
-              <a:t>7/17/17</a:t>
+              <a:t>7/24/17</a:t>
             </a:fld>
             <a:endParaRPr lang="en-US" dirty="0"/>
           </a:p>
@@ -1589,7 +1589,7 @@
           <a:p>
             <a:fld id="{58F06498-C7BA-7B4F-A289-96E741DB6F51}" type="datetime1">
               <a:rPr lang="en-US" smtClean="0"/>
-              <a:t>7/17/17</a:t>
+              <a:t>7/24/17</a:t>
             </a:fld>
             <a:endParaRPr lang="en-US" dirty="0"/>
           </a:p>
@@ -1769,7 +1769,7 @@
           <a:p>
             <a:fld id="{92B56630-3C53-6E41-8F36-B5B7DC677D8C}" type="datetime1">
               <a:rPr lang="en-US" smtClean="0"/>
-              <a:t>7/17/17</a:t>
+              <a:t>7/24/17</a:t>
             </a:fld>
             <a:endParaRPr lang="en-US" dirty="0"/>
           </a:p>
@@ -1939,7 +1939,7 @@
           <a:p>
             <a:fld id="{AB3D54BB-4E0B-844F-968F-93A99D2A0E27}" type="datetime1">
               <a:rPr lang="en-US" smtClean="0"/>
-              <a:t>7/17/17</a:t>
+              <a:t>7/24/17</a:t>
             </a:fld>
             <a:endParaRPr lang="en-US" dirty="0"/>
           </a:p>
@@ -2185,7 +2185,7 @@
           <a:p>
             <a:fld id="{8308F5C4-D4BE-1246-89B0-2CF09E5A1C73}" type="datetime1">
               <a:rPr lang="en-US" smtClean="0"/>
-              <a:t>7/17/17</a:t>
+              <a:t>7/24/17</a:t>
             </a:fld>
             <a:endParaRPr lang="en-US" dirty="0"/>
           </a:p>
@@ -2473,7 +2473,7 @@
           <a:p>
             <a:fld id="{AE2C759A-60C1-D347-A2FC-BD124BE24608}" type="datetime1">
               <a:rPr lang="en-US" smtClean="0"/>
-              <a:t>7/17/17</a:t>
+              <a:t>7/24/17</a:t>
             </a:fld>
             <a:endParaRPr lang="en-US" dirty="0"/>
           </a:p>
@@ -2895,7 +2895,7 @@
           <a:p>
             <a:fld id="{81A1B11B-E3A3-7242-9E6D-08D8E0DF02D1}" type="datetime1">
               <a:rPr lang="en-US" smtClean="0"/>
-              <a:t>7/17/17</a:t>
+              <a:t>7/24/17</a:t>
             </a:fld>
             <a:endParaRPr lang="en-US" dirty="0"/>
           </a:p>
@@ -3013,7 +3013,7 @@
           <a:p>
             <a:fld id="{4BD03965-1CEF-054A-A931-4796ABBAFB43}" type="datetime1">
               <a:rPr lang="en-US" smtClean="0"/>
-              <a:t>7/17/17</a:t>
+              <a:t>7/24/17</a:t>
             </a:fld>
             <a:endParaRPr lang="en-US" dirty="0"/>
           </a:p>
@@ -3108,7 +3108,7 @@
           <a:p>
             <a:fld id="{B2AA7C06-6D5E-494B-9BF1-9BBBE1D5A1C7}" type="datetime1">
               <a:rPr lang="en-US" smtClean="0"/>
-              <a:t>7/17/17</a:t>
+              <a:t>7/24/17</a:t>
             </a:fld>
             <a:endParaRPr lang="en-US" dirty="0"/>
           </a:p>
@@ -3385,7 +3385,7 @@
           <a:p>
             <a:fld id="{7CE04B88-50CE-7A45-AE26-A9751D882E6D}" type="datetime1">
               <a:rPr lang="en-US" smtClean="0"/>
-              <a:t>7/17/17</a:t>
+              <a:t>7/24/17</a:t>
             </a:fld>
             <a:endParaRPr lang="en-US" dirty="0"/>
           </a:p>
@@ -3642,7 +3642,7 @@
           <a:p>
             <a:fld id="{70B692A8-8BCF-2745-A1F3-24034345F60C}" type="datetime1">
               <a:rPr lang="en-US" smtClean="0"/>
-              <a:t>7/17/17</a:t>
+              <a:t>7/24/17</a:t>
             </a:fld>
             <a:endParaRPr lang="en-US" dirty="0"/>
           </a:p>
@@ -3856,7 +3856,7 @@
             <a:fld id="{B994E09A-36F1-0A45-80F7-B10DE6908129}" type="datetime1">
               <a:rPr lang="en-US" smtClean="0"/>
               <a:pPr/>
-              <a:t>7/17/17</a:t>
+              <a:t>7/24/17</a:t>
             </a:fld>
             <a:endParaRPr lang="en-US" dirty="0"/>
           </a:p>
@@ -27434,48 +27434,60 @@
           <a:lstStyle/>
           <a:p>
             <a:r>
-              <a:rPr lang="en-US" sz="900" dirty="0" smtClean="0"/>
-              <a:t>Ok, I got the </a:t>
+              <a:rPr lang="en-US" sz="900" dirty="0"/>
+              <a:t>Sure, I have 2 orders of </a:t>
+            </a:r>
+            <a:r>
+              <a:rPr lang="en-US" sz="900" b="1" dirty="0"/>
+              <a:t>Pepperoni Pizza</a:t>
+            </a:r>
+            <a:r>
+              <a:rPr lang="en-US" sz="900" dirty="0"/>
+              <a:t>, 1 order of </a:t>
+            </a:r>
+            <a:r>
+              <a:rPr lang="en-US" sz="900" b="1" dirty="0"/>
+              <a:t>Vegetarian Pizza</a:t>
+            </a:r>
+            <a:r>
+              <a:rPr lang="en-US" sz="900" dirty="0"/>
+              <a:t>, and 1 order of </a:t>
             </a:r>
             <a:r>
               <a:rPr lang="en-US" sz="900" b="1" dirty="0" smtClean="0"/>
-              <a:t>Saag Paneer </a:t>
+              <a:t>House Salad</a:t>
             </a:r>
             <a:r>
               <a:rPr lang="en-US" sz="900" dirty="0" smtClean="0"/>
-              <a:t>with a side of </a:t>
+              <a:t> </a:t>
+            </a:r>
+            <a:r>
+              <a:rPr lang="en-US" sz="900" dirty="0"/>
+              <a:t>from </a:t>
+            </a:r>
+            <a:r>
+              <a:rPr lang="en-US" sz="900" b="1" dirty="0" err="1"/>
+              <a:t>Firetrail</a:t>
+            </a:r>
+            <a:r>
+              <a:rPr lang="en-US" sz="900" b="1" dirty="0"/>
+              <a:t> Pizza </a:t>
+            </a:r>
+            <a:r>
+              <a:rPr lang="en-US" sz="900" dirty="0"/>
+              <a:t>for a total price of </a:t>
             </a:r>
             <a:r>
               <a:rPr lang="en-US" sz="900" b="1" dirty="0" smtClean="0"/>
-              <a:t>Peas Pulav and Raita </a:t>
+              <a:t>$41.99</a:t>
             </a:r>
             <a:r>
               <a:rPr lang="en-US" sz="900" dirty="0" smtClean="0"/>
-              <a:t>and a </a:t>
+              <a:t>. </a:t>
             </a:r>
             <a:r>
-              <a:rPr lang="en-US" sz="900" b="1" dirty="0" smtClean="0"/>
-              <a:t>Garlic Naan </a:t>
-            </a:r>
-            <a:r>
-              <a:rPr lang="en-US" sz="900" dirty="0" smtClean="0"/>
-              <a:t>from </a:t>
-            </a:r>
-            <a:r>
-              <a:rPr lang="en-US" sz="900" b="1" dirty="0" smtClean="0"/>
-              <a:t>Little India </a:t>
-            </a:r>
-            <a:r>
-              <a:rPr lang="en-US" sz="900" dirty="0" smtClean="0"/>
-              <a:t>for a total price of</a:t>
-            </a:r>
-            <a:r>
-              <a:rPr lang="en-US" sz="900" b="1" dirty="0" smtClean="0"/>
-              <a:t> $14.75.</a:t>
-            </a:r>
-            <a:r>
-              <a:rPr lang="en-US" sz="900" dirty="0" smtClean="0"/>
-              <a:t> Would you like to place the order?</a:t>
+              <a:rPr lang="en-US" sz="900" dirty="0"/>
+              <a:t>Would you like to place the order?</a:t>
             </a:r>
             <a:endParaRPr lang="en-US" sz="900" b="1" dirty="0"/>
           </a:p>
@@ -27536,8 +27548,16 @@
               <a:t>Great, what can I get you from </a:t>
             </a:r>
             <a:r>
+              <a:rPr lang="en-US" sz="900" b="1" dirty="0" err="1" smtClean="0"/>
+              <a:t>Firetrail</a:t>
+            </a:r>
+            <a:r>
               <a:rPr lang="en-US" sz="900" b="1" dirty="0" smtClean="0"/>
-              <a:t>Little India?</a:t>
+              <a:t> Pizza</a:t>
+            </a:r>
+            <a:r>
+              <a:rPr lang="en-US" sz="900" b="1" dirty="0" smtClean="0"/>
+              <a:t>?</a:t>
             </a:r>
             <a:endParaRPr lang="en-US" sz="900" dirty="0"/>
           </a:p>
@@ -27602,15 +27622,7 @@
                   <a:srgbClr val="FFFFFF"/>
                 </a:solidFill>
               </a:rPr>
-              <a:t>I want Saag Paneer with Peas Pulav, cucumber raita and one garlic </a:t>
-            </a:r>
-            <a:r>
-              <a:rPr lang="en-US" sz="900" dirty="0" smtClean="0">
-                <a:solidFill>
-                  <a:srgbClr val="FFFFFF"/>
-                </a:solidFill>
-              </a:rPr>
-              <a:t>naan.</a:t>
+              <a:t>I want two pepperoni pizzas, one veggie pizza and some house salad.</a:t>
             </a:r>
             <a:endParaRPr lang="en-US" sz="900" dirty="0">
               <a:solidFill>
@@ -27676,23 +27688,32 @@
                   <a:srgbClr val="FFFFFF"/>
                 </a:solidFill>
               </a:rPr>
-              <a:t>How about </a:t>
+              <a:t>How </a:t>
             </a:r>
             <a:r>
-              <a:rPr lang="en-US" sz="900" smtClean="0">
+              <a:rPr lang="en-US" sz="900" dirty="0" smtClean="0">
                 <a:solidFill>
                   <a:srgbClr val="FFFFFF"/>
                 </a:solidFill>
               </a:rPr>
-              <a:t>Little India?</a:t>
+              <a:t>about </a:t>
             </a:r>
-            <a:endParaRPr lang="en-US" sz="900" dirty="0" smtClean="0">
-              <a:solidFill>
-                <a:srgbClr val="FFFFFF"/>
-              </a:solidFill>
-            </a:endParaRPr>
-          </a:p>
-          <a:p>
+            <a:r>
+              <a:rPr lang="en-US" sz="900" dirty="0" err="1" smtClean="0">
+                <a:solidFill>
+                  <a:srgbClr val="FFFFFF"/>
+                </a:solidFill>
+              </a:rPr>
+              <a:t>Firetrail</a:t>
+            </a:r>
+            <a:r>
+              <a:rPr lang="en-US" sz="900" dirty="0" smtClean="0">
+                <a:solidFill>
+                  <a:srgbClr val="FFFFFF"/>
+                </a:solidFill>
+              </a:rPr>
+              <a:t>?</a:t>
+            </a:r>
             <a:endParaRPr lang="en-US" sz="900" dirty="0">
               <a:solidFill>
                 <a:srgbClr val="FFFFFF"/>
@@ -27759,40 +27780,48 @@
           <a:lstStyle/>
           <a:p>
             <a:r>
-              <a:rPr lang="en-US" sz="900" dirty="0" smtClean="0"/>
+              <a:rPr lang="en-US" sz="900" dirty="0"/>
               <a:t>I found </a:t>
             </a:r>
             <a:r>
-              <a:rPr lang="en-US" sz="900" b="1" dirty="0" smtClean="0"/>
-              <a:t>Garlic Naan </a:t>
+              <a:rPr lang="en-US" sz="900" b="1" dirty="0"/>
+              <a:t>pizza</a:t>
             </a:r>
             <a:r>
-              <a:rPr lang="en-US" sz="900" dirty="0" smtClean="0"/>
-              <a:t>at </a:t>
+              <a:rPr lang="en-US" sz="900" dirty="0"/>
+              <a:t> at </a:t>
             </a:r>
             <a:r>
-              <a:rPr lang="en-US" sz="900" b="1" dirty="0" smtClean="0"/>
-              <a:t>Punjab Kabab House</a:t>
+              <a:rPr lang="en-US" sz="900" b="1" dirty="0"/>
+              <a:t>Extreme Pizza, </a:t>
             </a:r>
             <a:r>
-              <a:rPr lang="en-US" sz="900" dirty="0" smtClean="0"/>
+              <a:rPr lang="en-US" sz="900" b="1" dirty="0" err="1"/>
+              <a:t>Buca</a:t>
+            </a:r>
+            <a:r>
+              <a:rPr lang="en-US" sz="900" b="1" dirty="0"/>
+              <a:t> Di </a:t>
+            </a:r>
+            <a:r>
+              <a:rPr lang="en-US" sz="900" b="1" dirty="0" err="1"/>
+              <a:t>Beppo</a:t>
+            </a:r>
+            <a:r>
+              <a:rPr lang="en-US" sz="900" dirty="0"/>
               <a:t>, </a:t>
             </a:r>
             <a:r>
-              <a:rPr lang="en-US" sz="900" b="1" dirty="0" smtClean="0"/>
-              <a:t>Little India </a:t>
+              <a:rPr lang="en-US" sz="900" b="1" dirty="0" err="1"/>
+              <a:t>Firetrail</a:t>
             </a:r>
             <a:r>
-              <a:rPr lang="en-US" sz="900" dirty="0" smtClean="0"/>
-              <a:t>and </a:t>
+              <a:rPr lang="en-US" sz="900" b="1" dirty="0"/>
+              <a:t> Pizza</a:t>
             </a:r>
             <a:r>
-              <a:rPr lang="en-US" sz="900" b="1" dirty="0" smtClean="0"/>
-              <a:t>Urban Curry. </a:t>
-            </a:r>
-            <a:r>
-              <a:rPr lang="en-US" sz="900" dirty="0" smtClean="0"/>
-              <a:t>Which one would you like to order form?</a:t>
+              <a:rPr lang="en-US" sz="900" dirty="0"/>
+              <a:t>. Where would you like to order from?</a:t>
             </a:r>
             <a:endParaRPr lang="en-US" sz="900" dirty="0"/>
           </a:p>
@@ -27854,8 +27883,21 @@
                   <a:srgbClr val="FFFFFF"/>
                 </a:solidFill>
               </a:rPr>
-              <a:t>What are some good places that have garlic naan?</a:t>
+              <a:t>What are some good places </a:t>
             </a:r>
+            <a:r>
+              <a:rPr lang="en-US" sz="900" dirty="0" smtClean="0">
+                <a:solidFill>
+                  <a:srgbClr val="FFFFFF"/>
+                </a:solidFill>
+              </a:rPr>
+              <a:t>that have pizza on the menu?</a:t>
+            </a:r>
+            <a:endParaRPr lang="en-US" sz="900" dirty="0" smtClean="0">
+              <a:solidFill>
+                <a:srgbClr val="FFFFFF"/>
+              </a:solidFill>
+            </a:endParaRPr>
           </a:p>
           <a:p>
             <a:endParaRPr lang="en-US" sz="900" dirty="0">
@@ -27929,7 +27971,15 @@
                   <a:srgbClr val="FFFFFF"/>
                 </a:solidFill>
               </a:rPr>
-              <a:t>Could you also add a mango lassi to my order?</a:t>
+              <a:t>Could </a:t>
+            </a:r>
+            <a:r>
+              <a:rPr lang="en-US" sz="900" dirty="0" smtClean="0">
+                <a:solidFill>
+                  <a:srgbClr val="FFFFFF"/>
+                </a:solidFill>
+              </a:rPr>
+              <a:t>you add another house salad to my order?</a:t>
             </a:r>
             <a:endParaRPr lang="en-US" sz="900" dirty="0">
               <a:solidFill>
@@ -27995,27 +28045,51 @@
             </a:r>
             <a:r>
               <a:rPr lang="en-US" sz="900" b="1" dirty="0" smtClean="0"/>
-              <a:t>Mango Lassi </a:t>
+              <a:t>House Salad </a:t>
             </a:r>
             <a:r>
               <a:rPr lang="en-US" sz="900" dirty="0" smtClean="0"/>
-              <a:t>to your order from </a:t>
+              <a:t>to </a:t>
+            </a:r>
+            <a:r>
+              <a:rPr lang="en-US" sz="900" dirty="0" smtClean="0"/>
+              <a:t>your order </a:t>
+            </a:r>
+            <a:r>
+              <a:rPr lang="en-US" sz="900" dirty="0" smtClean="0"/>
+              <a:t>from </a:t>
+            </a:r>
+            <a:r>
+              <a:rPr lang="en-US" sz="900" b="1" dirty="0" err="1" smtClean="0"/>
+              <a:t>Firetrail</a:t>
             </a:r>
             <a:r>
               <a:rPr lang="en-US" sz="900" b="1" dirty="0" smtClean="0"/>
-              <a:t>Little India</a:t>
+              <a:t> Pizza</a:t>
             </a:r>
             <a:r>
               <a:rPr lang="en-US" sz="900" dirty="0" smtClean="0"/>
-              <a:t>. The total price is now </a:t>
+              <a:t>. </a:t>
+            </a:r>
+            <a:r>
+              <a:rPr lang="en-US" sz="900" dirty="0" smtClean="0"/>
+              <a:t>The total price is now </a:t>
+            </a:r>
+            <a:r>
+              <a:rPr lang="en-US" sz="900" b="1" dirty="0"/>
+              <a:t>$48.98</a:t>
             </a:r>
             <a:r>
               <a:rPr lang="en-US" sz="900" b="1" dirty="0" smtClean="0"/>
-              <a:t>$17.75.</a:t>
+              <a:t>.</a:t>
             </a:r>
             <a:r>
               <a:rPr lang="en-US" sz="900" dirty="0" smtClean="0"/>
-              <a:t> Would you like to place the order?</a:t>
+              <a:t> </a:t>
+            </a:r>
+            <a:r>
+              <a:rPr lang="en-US" sz="900" dirty="0" smtClean="0"/>
+              <a:t>Would you like to place the order?</a:t>
             </a:r>
             <a:endParaRPr lang="en-US" sz="900" b="1" dirty="0"/>
           </a:p>
@@ -28076,8 +28150,16 @@
               <a:t>Great, your order from </a:t>
             </a:r>
             <a:r>
+              <a:rPr lang="en-US" sz="900" b="1" dirty="0" err="1" smtClean="0"/>
+              <a:t>Firetrail</a:t>
+            </a:r>
+            <a:r>
               <a:rPr lang="en-US" sz="900" b="1" dirty="0" smtClean="0"/>
-              <a:t>Little India </a:t>
+              <a:t> Pizz</a:t>
+            </a:r>
+            <a:r>
+              <a:rPr lang="en-US" sz="900" b="1" dirty="0" smtClean="0"/>
+              <a:t>a </a:t>
             </a:r>
             <a:r>
               <a:rPr lang="en-US" sz="900" dirty="0" smtClean="0"/>
@@ -28221,58 +28303,42 @@
           <a:lstStyle/>
           <a:p>
             <a:r>
-              <a:rPr lang="en-US" sz="900" dirty="0" smtClean="0"/>
-              <a:t>Sure, I got the </a:t>
+              <a:rPr lang="en-US" sz="900" dirty="0"/>
+              <a:t>Sure, I have 1 order of </a:t>
+            </a:r>
+            <a:r>
+              <a:rPr lang="en-US" sz="900" b="1" dirty="0"/>
+              <a:t>Caesar Salad </a:t>
+            </a:r>
+            <a:r>
+              <a:rPr lang="en-US" sz="900" dirty="0"/>
+              <a:t>and 1 order of </a:t>
             </a:r>
             <a:r>
               <a:rPr lang="en-US" sz="900" b="1" dirty="0" smtClean="0"/>
-              <a:t>Grilled Chicken Sandwich </a:t>
+              <a:t>Veggie Wrap </a:t>
             </a:r>
             <a:r>
               <a:rPr lang="en-US" sz="900" dirty="0" smtClean="0"/>
-              <a:t>on </a:t>
-            </a:r>
-            <a:r>
-              <a:rPr lang="en-US" sz="900" b="1" dirty="0"/>
-              <a:t>s</a:t>
-            </a:r>
-            <a:r>
-              <a:rPr lang="en-US" sz="900" b="1" dirty="0" smtClean="0"/>
-              <a:t>ourdough </a:t>
-            </a:r>
-            <a:r>
-              <a:rPr lang="en-US" sz="900" b="1" dirty="0"/>
-              <a:t>b</a:t>
-            </a:r>
-            <a:r>
-              <a:rPr lang="en-US" sz="900" b="1" dirty="0" smtClean="0"/>
-              <a:t>read </a:t>
-            </a:r>
-            <a:r>
-              <a:rPr lang="en-US" sz="900" dirty="0"/>
               <a:t>from </a:t>
             </a:r>
             <a:r>
               <a:rPr lang="en-US" sz="900" b="1" dirty="0"/>
-              <a:t>Sam's Sandwiches &amp; </a:t>
+              <a:t>The Salad Place </a:t>
             </a:r>
             <a:r>
-              <a:rPr lang="en-US" sz="900" b="1" dirty="0" smtClean="0"/>
-              <a:t>Coffee </a:t>
+              <a:rPr lang="en-US" sz="900" dirty="0"/>
+              <a:t>for a total price of </a:t>
             </a:r>
             <a:r>
-              <a:rPr lang="en-US" sz="900" dirty="0" smtClean="0"/>
-              <a:t>for a total price of</a:t>
+              <a:rPr lang="en-US" sz="900" b="1" dirty="0"/>
+              <a:t>$17.90</a:t>
             </a:r>
             <a:r>
-              <a:rPr lang="en-US" sz="900" b="1" dirty="0" smtClean="0"/>
-              <a:t> $5.95</a:t>
-            </a:r>
-            <a:r>
-              <a:rPr lang="en-US" sz="900" dirty="0" smtClean="0"/>
+              <a:rPr lang="en-US" sz="900" dirty="0"/>
               <a:t>. Would you like to place the order?</a:t>
             </a:r>
-            <a:endParaRPr lang="en-US" sz="900" b="1" dirty="0"/>
+            <a:endParaRPr lang="en-US" sz="900" dirty="0" smtClean="0"/>
           </a:p>
         </p:txBody>
       </p:sp>
@@ -28348,7 +28414,23 @@
             </a:r>
             <a:r>
               <a:rPr lang="en-US" sz="900" dirty="0" smtClean="0"/>
-              <a:t>Palmyra, Boulevard Cafe and Sallys.</a:t>
+              <a:t>Palmyra, </a:t>
+            </a:r>
+            <a:r>
+              <a:rPr lang="en-US" sz="900" dirty="0"/>
+              <a:t>Grandma's Deli &amp; </a:t>
+            </a:r>
+            <a:r>
+              <a:rPr lang="en-US" sz="900" dirty="0" smtClean="0"/>
+              <a:t>Café </a:t>
+            </a:r>
+            <a:r>
+              <a:rPr lang="en-US" sz="900" dirty="0" smtClean="0"/>
+              <a:t>and </a:t>
+            </a:r>
+            <a:r>
+              <a:rPr lang="en-US" sz="900" dirty="0" smtClean="0"/>
+              <a:t>Sallys.</a:t>
             </a:r>
             <a:endParaRPr lang="en-US" sz="900" dirty="0"/>
           </a:p>
@@ -28413,7 +28495,23 @@
                   <a:srgbClr val="FFFFFF"/>
                 </a:solidFill>
               </a:rPr>
-              <a:t>I </a:t>
+              <a:t>I would like a </a:t>
+            </a:r>
+            <a:r>
+              <a:rPr lang="en-US" sz="900" dirty="0" err="1">
+                <a:solidFill>
+                  <a:srgbClr val="FFFFFF"/>
+                </a:solidFill>
+              </a:rPr>
+              <a:t>ceasar</a:t>
+            </a:r>
+            <a:r>
+              <a:rPr lang="en-US" sz="900" dirty="0">
+                <a:solidFill>
+                  <a:srgbClr val="FFFFFF"/>
+                </a:solidFill>
+              </a:rPr>
+              <a:t> salad and a veggie wrap from t</a:t>
             </a:r>
             <a:r>
               <a:rPr lang="en-US" sz="900" dirty="0" smtClean="0">
@@ -28421,7 +28519,7 @@
                   <a:srgbClr val="FFFFFF"/>
                 </a:solidFill>
               </a:rPr>
-              <a:t>would like a </a:t>
+              <a:t>he </a:t>
             </a:r>
             <a:r>
               <a:rPr lang="en-US" sz="900" dirty="0">
@@ -28429,7 +28527,7 @@
                   <a:srgbClr val="FFFFFF"/>
                 </a:solidFill>
               </a:rPr>
-              <a:t>grilled chicken sandwich with sourdough </a:t>
+              <a:t>s</a:t>
             </a:r>
             <a:r>
               <a:rPr lang="en-US" sz="900" dirty="0" smtClean="0">
@@ -28437,7 +28535,7 @@
                   <a:srgbClr val="FFFFFF"/>
                 </a:solidFill>
               </a:rPr>
-              <a:t>from </a:t>
+              <a:t>alad </a:t>
             </a:r>
             <a:r>
               <a:rPr lang="en-US" sz="900" dirty="0">
@@ -28445,8 +28543,21 @@
                   <a:srgbClr val="FFFFFF"/>
                 </a:solidFill>
               </a:rPr>
-              <a:t>Sams.</a:t>
+              <a:t>p</a:t>
             </a:r>
+            <a:r>
+              <a:rPr lang="en-US" sz="900" dirty="0" smtClean="0">
+                <a:solidFill>
+                  <a:srgbClr val="FFFFFF"/>
+                </a:solidFill>
+              </a:rPr>
+              <a:t>lace.</a:t>
+            </a:r>
+            <a:endParaRPr lang="en-US" sz="900" dirty="0">
+              <a:solidFill>
+                <a:srgbClr val="FFFFFF"/>
+              </a:solidFill>
+            </a:endParaRPr>
           </a:p>
         </p:txBody>
       </p:sp>
@@ -28588,12 +28699,16 @@
               <a:t>Great, your order from </a:t>
             </a:r>
             <a:r>
-              <a:rPr lang="en-US" sz="900" b="1" dirty="0" smtClean="0"/>
-              <a:t>Sam’s Sandwiches &amp; Coffee</a:t>
+              <a:rPr lang="en-US" sz="900" b="1" dirty="0"/>
+              <a:t>The Salad Place</a:t>
             </a:r>
             <a:r>
               <a:rPr lang="en-US" sz="900" dirty="0" smtClean="0"/>
-              <a:t> will </a:t>
+              <a:t> </a:t>
+            </a:r>
+            <a:r>
+              <a:rPr lang="en-US" sz="900" dirty="0" smtClean="0"/>
+              <a:t>will </a:t>
             </a:r>
             <a:r>
               <a:rPr lang="en-US" sz="900" dirty="0"/>
@@ -28974,11 +29089,6 @@
               </a:rPr>
               <a:t>do you have romantic movies?</a:t>
             </a:r>
-            <a:endParaRPr lang="en-US" sz="900" dirty="0">
-              <a:solidFill>
-                <a:srgbClr val="FFFFFF"/>
-              </a:solidFill>
-            </a:endParaRPr>
           </a:p>
           <a:p>
             <a:endParaRPr lang="en-US" sz="900" dirty="0">
@@ -29109,7 +29219,6 @@
               <a:rPr lang="en-US" sz="900" dirty="0"/>
               <a:t>.</a:t>
             </a:r>
-            <a:endParaRPr lang="en-US" sz="900" dirty="0"/>
           </a:p>
         </p:txBody>
       </p:sp>
@@ -29171,11 +29280,6 @@
               </a:rPr>
               <a:t>Find Tom Hanks movies</a:t>
             </a:r>
-            <a:endParaRPr lang="en-US" sz="900" dirty="0">
-              <a:solidFill>
-                <a:srgbClr val="FFFFFF"/>
-              </a:solidFill>
-            </a:endParaRPr>
           </a:p>
         </p:txBody>
       </p:sp>
@@ -29316,7 +29420,6 @@
               <a:rPr lang="en-US" sz="900" dirty="0"/>
               <a:t>See you later.</a:t>
             </a:r>
-            <a:endParaRPr lang="en-US" sz="900" dirty="0"/>
           </a:p>
         </p:txBody>
       </p:sp>
@@ -29744,7 +29847,6 @@
               <a:rPr lang="en-US" sz="900" b="1" dirty="0"/>
               <a:t>Beauty and the Beast</a:t>
             </a:r>
-            <a:endParaRPr lang="en-US" sz="900" b="1" dirty="0"/>
           </a:p>
         </p:txBody>
       </p:sp>
@@ -29803,7 +29905,6 @@
               <a:rPr lang="en-US" sz="900" b="1" dirty="0"/>
               <a:t>Twilight</a:t>
             </a:r>
-            <a:endParaRPr lang="en-US" sz="900" b="1" dirty="0"/>
           </a:p>
         </p:txBody>
       </p:sp>
@@ -30104,7 +30205,6 @@
               <a:rPr lang="en-US" sz="900" b="1" dirty="0"/>
               <a:t>Big</a:t>
             </a:r>
-            <a:endParaRPr lang="en-US" sz="900" b="1" dirty="0"/>
           </a:p>
         </p:txBody>
       </p:sp>
@@ -30354,7 +30454,6 @@
               <a:rPr lang="en-US" sz="900" b="1" dirty="0"/>
               <a:t>Larry Crowne</a:t>
             </a:r>
-            <a:endParaRPr lang="en-US" sz="900" b="1" dirty="0"/>
           </a:p>
         </p:txBody>
       </p:sp>
@@ -30412,7 +30511,6 @@
               <a:rPr lang="en-US" sz="900" dirty="0"/>
               <a:t>See you later.</a:t>
             </a:r>
-            <a:endParaRPr lang="en-US" sz="900" dirty="0"/>
           </a:p>
         </p:txBody>
       </p:sp>

--- a/docs/source/images/images.pptx
+++ b/docs/source/images/images.pptx
@@ -5,7 +5,7 @@
     <p:sldMasterId id="2147483648" r:id="rId1"/>
   </p:sldMasterIdLst>
   <p:notesMasterIdLst>
-    <p:notesMasterId r:id="rId20"/>
+    <p:notesMasterId r:id="rId22"/>
   </p:notesMasterIdLst>
   <p:sldIdLst>
     <p:sldId id="272" r:id="rId2"/>
@@ -26,6 +26,8 @@
     <p:sldId id="265" r:id="rId17"/>
     <p:sldId id="273" r:id="rId18"/>
     <p:sldId id="276" r:id="rId19"/>
+    <p:sldId id="281" r:id="rId20"/>
+    <p:sldId id="282" r:id="rId21"/>
   </p:sldIdLst>
   <p:sldSz cx="9144000" cy="6858000" type="screen4x3"/>
   <p:notesSz cx="6858000" cy="9144000"/>
@@ -225,7 +227,7 @@
           <a:p>
             <a:fld id="{C06C16C2-E84F-C94A-BAEB-BD9A80415D2E}" type="datetimeFigureOut">
               <a:rPr lang="en-US" smtClean="0"/>
-              <a:t>7/17/17</a:t>
+              <a:t>7/26/17</a:t>
             </a:fld>
             <a:endParaRPr lang="en-US"/>
           </a:p>
@@ -1238,6 +1240,312 @@
 </p:notes>
 </file>
 
+<file path=ppt/notesSlides/notesSlide8.xml><?xml version="1.0" encoding="utf-8"?>
+<p:notes xmlns:a="http://schemas.openxmlformats.org/drawingml/2006/main" xmlns:r="http://schemas.openxmlformats.org/officeDocument/2006/relationships" xmlns:p="http://schemas.openxmlformats.org/presentationml/2006/main">
+  <p:cSld>
+    <p:spTree>
+      <p:nvGrpSpPr>
+        <p:cNvPr id="1" name=""/>
+        <p:cNvGrpSpPr/>
+        <p:nvPr/>
+      </p:nvGrpSpPr>
+      <p:grpSpPr>
+        <a:xfrm>
+          <a:off x="0" y="0"/>
+          <a:ext cx="0" cy="0"/>
+          <a:chOff x="0" y="0"/>
+          <a:chExt cx="0" cy="0"/>
+        </a:xfrm>
+      </p:grpSpPr>
+      <p:sp>
+        <p:nvSpPr>
+          <p:cNvPr id="2" name="Slide Image Placeholder 1"/>
+          <p:cNvSpPr>
+            <a:spLocks noGrp="1" noRot="1" noChangeAspect="1"/>
+          </p:cNvSpPr>
+          <p:nvPr>
+            <p:ph type="sldImg"/>
+          </p:nvPr>
+        </p:nvSpPr>
+        <p:spPr/>
+      </p:sp>
+      <p:sp>
+        <p:nvSpPr>
+          <p:cNvPr id="3" name="Notes Placeholder 2"/>
+          <p:cNvSpPr>
+            <a:spLocks noGrp="1"/>
+          </p:cNvSpPr>
+          <p:nvPr>
+            <p:ph type="body" idx="1"/>
+          </p:nvPr>
+        </p:nvSpPr>
+        <p:spPr/>
+        <p:txBody>
+          <a:bodyPr/>
+          <a:lstStyle/>
+          <a:p>
+            <a:pPr marL="171450" indent="-171450">
+              <a:buFont typeface="Arial" charset="0"/>
+              <a:buChar char="•"/>
+            </a:pPr>
+            <a:r>
+              <a:rPr lang="is-IS" baseline="0" dirty="0" smtClean="0"/>
+              <a:t>Parser function: Relations, Entity Groups</a:t>
+            </a:r>
+          </a:p>
+          <a:p>
+            <a:pPr marL="171450" indent="-171450">
+              <a:buFont typeface="Arial" charset="0"/>
+              <a:buChar char="•"/>
+            </a:pPr>
+            <a:r>
+              <a:rPr lang="is-IS" baseline="0" dirty="0" smtClean="0"/>
+              <a:t>Quantity 1, Size: Large </a:t>
+            </a:r>
+            <a:r>
+              <a:rPr lang="is-IS" baseline="0" dirty="0" smtClean="0">
+                <a:sym typeface="Wingdings"/>
+              </a:rPr>
+              <a:t> Squishee</a:t>
+            </a:r>
+          </a:p>
+          <a:p>
+            <a:pPr marL="171450" indent="-171450">
+              <a:buFont typeface="Arial" charset="0"/>
+              <a:buChar char="•"/>
+            </a:pPr>
+            <a:r>
+              <a:rPr lang="is-IS" baseline="0" dirty="0" smtClean="0">
+                <a:sym typeface="Wingdings"/>
+              </a:rPr>
+              <a:t>Separate order of donuts </a:t>
+            </a:r>
+          </a:p>
+          <a:p>
+            <a:pPr marL="171450" indent="-171450">
+              <a:buFont typeface="Arial" charset="0"/>
+              <a:buChar char="•"/>
+            </a:pPr>
+            <a:r>
+              <a:rPr lang="is-IS" baseline="0" dirty="0" smtClean="0">
+                <a:sym typeface="Wingdings"/>
+              </a:rPr>
+              <a:t>Requested store</a:t>
+            </a:r>
+          </a:p>
+          <a:p>
+            <a:pPr marL="171450" indent="-171450">
+              <a:buFont typeface="Arial" charset="0"/>
+              <a:buChar char="•"/>
+            </a:pPr>
+            <a:r>
+              <a:rPr lang="is-IS" baseline="0" dirty="0" smtClean="0">
+                <a:sym typeface="Wingdings"/>
+              </a:rPr>
+              <a:t>All info to fulfill request, e.g. POS system</a:t>
+            </a:r>
+            <a:endParaRPr lang="is-IS" baseline="0" dirty="0" smtClean="0"/>
+          </a:p>
+        </p:txBody>
+      </p:sp>
+      <p:sp>
+        <p:nvSpPr>
+          <p:cNvPr id="4" name="Slide Number Placeholder 3"/>
+          <p:cNvSpPr>
+            <a:spLocks noGrp="1"/>
+          </p:cNvSpPr>
+          <p:nvPr>
+            <p:ph type="sldNum" sz="quarter" idx="10"/>
+          </p:nvPr>
+        </p:nvSpPr>
+        <p:spPr/>
+        <p:txBody>
+          <a:bodyPr/>
+          <a:lstStyle/>
+          <a:p>
+            <a:fld id="{DA19B0A4-E9CB-B047-A1DB-D605C59043BA}" type="slidenum">
+              <a:rPr lang="en-US" smtClean="0">
+                <a:solidFill>
+                  <a:prstClr val="black"/>
+                </a:solidFill>
+              </a:rPr>
+              <a:pPr/>
+              <a:t>19</a:t>
+            </a:fld>
+            <a:endParaRPr lang="en-US">
+              <a:solidFill>
+                <a:prstClr val="black"/>
+              </a:solidFill>
+            </a:endParaRPr>
+          </a:p>
+        </p:txBody>
+      </p:sp>
+    </p:spTree>
+    <p:extLst>
+      <p:ext uri="{BB962C8B-B14F-4D97-AF65-F5344CB8AC3E}">
+        <p14:creationId xmlns:p14="http://schemas.microsoft.com/office/powerpoint/2010/main" val="954188502"/>
+      </p:ext>
+    </p:extLst>
+  </p:cSld>
+  <p:clrMapOvr>
+    <a:masterClrMapping/>
+  </p:clrMapOvr>
+</p:notes>
+</file>
+
+<file path=ppt/notesSlides/notesSlide9.xml><?xml version="1.0" encoding="utf-8"?>
+<p:notes xmlns:a="http://schemas.openxmlformats.org/drawingml/2006/main" xmlns:r="http://schemas.openxmlformats.org/officeDocument/2006/relationships" xmlns:p="http://schemas.openxmlformats.org/presentationml/2006/main">
+  <p:cSld>
+    <p:spTree>
+      <p:nvGrpSpPr>
+        <p:cNvPr id="1" name=""/>
+        <p:cNvGrpSpPr/>
+        <p:nvPr/>
+      </p:nvGrpSpPr>
+      <p:grpSpPr>
+        <a:xfrm>
+          <a:off x="0" y="0"/>
+          <a:ext cx="0" cy="0"/>
+          <a:chOff x="0" y="0"/>
+          <a:chExt cx="0" cy="0"/>
+        </a:xfrm>
+      </p:grpSpPr>
+      <p:sp>
+        <p:nvSpPr>
+          <p:cNvPr id="2" name="Slide Image Placeholder 1"/>
+          <p:cNvSpPr>
+            <a:spLocks noGrp="1" noRot="1" noChangeAspect="1"/>
+          </p:cNvSpPr>
+          <p:nvPr>
+            <p:ph type="sldImg"/>
+          </p:nvPr>
+        </p:nvSpPr>
+        <p:spPr/>
+      </p:sp>
+      <p:sp>
+        <p:nvSpPr>
+          <p:cNvPr id="3" name="Notes Placeholder 2"/>
+          <p:cNvSpPr>
+            <a:spLocks noGrp="1"/>
+          </p:cNvSpPr>
+          <p:nvPr>
+            <p:ph type="body" idx="1"/>
+          </p:nvPr>
+        </p:nvSpPr>
+        <p:spPr/>
+        <p:txBody>
+          <a:bodyPr/>
+          <a:lstStyle/>
+          <a:p>
+            <a:pPr marL="171450" indent="-171450">
+              <a:buFont typeface="Arial" charset="0"/>
+              <a:buChar char="•"/>
+            </a:pPr>
+            <a:r>
+              <a:rPr lang="is-IS" baseline="0" dirty="0" smtClean="0"/>
+              <a:t>Parser function: Relations, Entity Groups</a:t>
+            </a:r>
+          </a:p>
+          <a:p>
+            <a:pPr marL="171450" indent="-171450">
+              <a:buFont typeface="Arial" charset="0"/>
+              <a:buChar char="•"/>
+            </a:pPr>
+            <a:r>
+              <a:rPr lang="is-IS" baseline="0" dirty="0" smtClean="0"/>
+              <a:t>Quantity 1, Size: Large </a:t>
+            </a:r>
+            <a:r>
+              <a:rPr lang="is-IS" baseline="0" dirty="0" smtClean="0">
+                <a:sym typeface="Wingdings"/>
+              </a:rPr>
+              <a:t> Squishee</a:t>
+            </a:r>
+          </a:p>
+          <a:p>
+            <a:pPr marL="171450" indent="-171450">
+              <a:buFont typeface="Arial" charset="0"/>
+              <a:buChar char="•"/>
+            </a:pPr>
+            <a:r>
+              <a:rPr lang="is-IS" baseline="0" dirty="0" smtClean="0">
+                <a:sym typeface="Wingdings"/>
+              </a:rPr>
+              <a:t>Separate order of donuts </a:t>
+            </a:r>
+          </a:p>
+          <a:p>
+            <a:pPr marL="171450" indent="-171450">
+              <a:buFont typeface="Arial" charset="0"/>
+              <a:buChar char="•"/>
+            </a:pPr>
+            <a:r>
+              <a:rPr lang="is-IS" baseline="0" dirty="0" smtClean="0">
+                <a:sym typeface="Wingdings"/>
+              </a:rPr>
+              <a:t>Requested store</a:t>
+            </a:r>
+          </a:p>
+          <a:p>
+            <a:pPr marL="171450" indent="-171450">
+              <a:buFont typeface="Arial" charset="0"/>
+              <a:buChar char="•"/>
+            </a:pPr>
+            <a:r>
+              <a:rPr lang="is-IS" baseline="0" dirty="0" smtClean="0">
+                <a:sym typeface="Wingdings"/>
+              </a:rPr>
+              <a:t>All info to fulfill request, e.g. POS system</a:t>
+            </a:r>
+            <a:endParaRPr lang="is-IS" baseline="0" dirty="0" smtClean="0"/>
+          </a:p>
+        </p:txBody>
+      </p:sp>
+      <p:sp>
+        <p:nvSpPr>
+          <p:cNvPr id="4" name="Slide Number Placeholder 3"/>
+          <p:cNvSpPr>
+            <a:spLocks noGrp="1"/>
+          </p:cNvSpPr>
+          <p:nvPr>
+            <p:ph type="sldNum" sz="quarter" idx="10"/>
+          </p:nvPr>
+        </p:nvSpPr>
+        <p:spPr/>
+        <p:txBody>
+          <a:bodyPr/>
+          <a:lstStyle/>
+          <a:p>
+            <a:fld id="{DA19B0A4-E9CB-B047-A1DB-D605C59043BA}" type="slidenum">
+              <a:rPr lang="en-US" smtClean="0">
+                <a:solidFill>
+                  <a:prstClr val="black"/>
+                </a:solidFill>
+              </a:rPr>
+              <a:pPr/>
+              <a:t>20</a:t>
+            </a:fld>
+            <a:endParaRPr lang="en-US">
+              <a:solidFill>
+                <a:prstClr val="black"/>
+              </a:solidFill>
+            </a:endParaRPr>
+          </a:p>
+        </p:txBody>
+      </p:sp>
+    </p:spTree>
+    <p:extLst>
+      <p:ext uri="{BB962C8B-B14F-4D97-AF65-F5344CB8AC3E}">
+        <p14:creationId xmlns:p14="http://schemas.microsoft.com/office/powerpoint/2010/main" val="1877257926"/>
+      </p:ext>
+    </p:extLst>
+  </p:cSld>
+  <p:clrMapOvr>
+    <a:masterClrMapping/>
+  </p:clrMapOvr>
+</p:notes>
+</file>
+
 <file path=ppt/slideLayouts/slideLayout1.xml><?xml version="1.0" encoding="utf-8"?>
 <p:sldLayout xmlns:a="http://schemas.openxmlformats.org/drawingml/2006/main" xmlns:r="http://schemas.openxmlformats.org/officeDocument/2006/relationships" xmlns:p="http://schemas.openxmlformats.org/presentationml/2006/main" type="title" preserve="1">
   <p:cSld name="Title Slide">
@@ -1419,7 +1727,7 @@
           <a:p>
             <a:fld id="{85FD3787-7239-C647-8F46-4AEF603A44BF}" type="datetime1">
               <a:rPr lang="en-US" smtClean="0"/>
-              <a:t>7/17/17</a:t>
+              <a:t>7/26/17</a:t>
             </a:fld>
             <a:endParaRPr lang="en-US" dirty="0"/>
           </a:p>
@@ -1589,7 +1897,7 @@
           <a:p>
             <a:fld id="{58F06498-C7BA-7B4F-A289-96E741DB6F51}" type="datetime1">
               <a:rPr lang="en-US" smtClean="0"/>
-              <a:t>7/17/17</a:t>
+              <a:t>7/26/17</a:t>
             </a:fld>
             <a:endParaRPr lang="en-US" dirty="0"/>
           </a:p>
@@ -1769,7 +2077,7 @@
           <a:p>
             <a:fld id="{92B56630-3C53-6E41-8F36-B5B7DC677D8C}" type="datetime1">
               <a:rPr lang="en-US" smtClean="0"/>
-              <a:t>7/17/17</a:t>
+              <a:t>7/26/17</a:t>
             </a:fld>
             <a:endParaRPr lang="en-US" dirty="0"/>
           </a:p>
@@ -1939,7 +2247,7 @@
           <a:p>
             <a:fld id="{AB3D54BB-4E0B-844F-968F-93A99D2A0E27}" type="datetime1">
               <a:rPr lang="en-US" smtClean="0"/>
-              <a:t>7/17/17</a:t>
+              <a:t>7/26/17</a:t>
             </a:fld>
             <a:endParaRPr lang="en-US" dirty="0"/>
           </a:p>
@@ -2185,7 +2493,7 @@
           <a:p>
             <a:fld id="{8308F5C4-D4BE-1246-89B0-2CF09E5A1C73}" type="datetime1">
               <a:rPr lang="en-US" smtClean="0"/>
-              <a:t>7/17/17</a:t>
+              <a:t>7/26/17</a:t>
             </a:fld>
             <a:endParaRPr lang="en-US" dirty="0"/>
           </a:p>
@@ -2473,7 +2781,7 @@
           <a:p>
             <a:fld id="{AE2C759A-60C1-D347-A2FC-BD124BE24608}" type="datetime1">
               <a:rPr lang="en-US" smtClean="0"/>
-              <a:t>7/17/17</a:t>
+              <a:t>7/26/17</a:t>
             </a:fld>
             <a:endParaRPr lang="en-US" dirty="0"/>
           </a:p>
@@ -2895,7 +3203,7 @@
           <a:p>
             <a:fld id="{81A1B11B-E3A3-7242-9E6D-08D8E0DF02D1}" type="datetime1">
               <a:rPr lang="en-US" smtClean="0"/>
-              <a:t>7/17/17</a:t>
+              <a:t>7/26/17</a:t>
             </a:fld>
             <a:endParaRPr lang="en-US" dirty="0"/>
           </a:p>
@@ -3013,7 +3321,7 @@
           <a:p>
             <a:fld id="{4BD03965-1CEF-054A-A931-4796ABBAFB43}" type="datetime1">
               <a:rPr lang="en-US" smtClean="0"/>
-              <a:t>7/17/17</a:t>
+              <a:t>7/26/17</a:t>
             </a:fld>
             <a:endParaRPr lang="en-US" dirty="0"/>
           </a:p>
@@ -3108,7 +3416,7 @@
           <a:p>
             <a:fld id="{B2AA7C06-6D5E-494B-9BF1-9BBBE1D5A1C7}" type="datetime1">
               <a:rPr lang="en-US" smtClean="0"/>
-              <a:t>7/17/17</a:t>
+              <a:t>7/26/17</a:t>
             </a:fld>
             <a:endParaRPr lang="en-US" dirty="0"/>
           </a:p>
@@ -3385,7 +3693,7 @@
           <a:p>
             <a:fld id="{7CE04B88-50CE-7A45-AE26-A9751D882E6D}" type="datetime1">
               <a:rPr lang="en-US" smtClean="0"/>
-              <a:t>7/17/17</a:t>
+              <a:t>7/26/17</a:t>
             </a:fld>
             <a:endParaRPr lang="en-US" dirty="0"/>
           </a:p>
@@ -3642,7 +3950,7 @@
           <a:p>
             <a:fld id="{70B692A8-8BCF-2745-A1F3-24034345F60C}" type="datetime1">
               <a:rPr lang="en-US" smtClean="0"/>
-              <a:t>7/17/17</a:t>
+              <a:t>7/26/17</a:t>
             </a:fld>
             <a:endParaRPr lang="en-US" dirty="0"/>
           </a:p>
@@ -3856,7 +4164,7 @@
             <a:fld id="{B994E09A-36F1-0A45-80F7-B10DE6908129}" type="datetime1">
               <a:rPr lang="en-US" smtClean="0"/>
               <a:pPr/>
-              <a:t>7/17/17</a:t>
+              <a:t>7/26/17</a:t>
             </a:fld>
             <a:endParaRPr lang="en-US" dirty="0"/>
           </a:p>
@@ -25844,6 +26152,2652 @@
 </p:sld>
 </file>
 
+<file path=ppt/slides/slide19.xml><?xml version="1.0" encoding="utf-8"?>
+<p:sld xmlns:a="http://schemas.openxmlformats.org/drawingml/2006/main" xmlns:r="http://schemas.openxmlformats.org/officeDocument/2006/relationships" xmlns:p="http://schemas.openxmlformats.org/presentationml/2006/main">
+  <p:cSld>
+    <p:spTree>
+      <p:nvGrpSpPr>
+        <p:cNvPr id="1" name=""/>
+        <p:cNvGrpSpPr/>
+        <p:nvPr/>
+      </p:nvGrpSpPr>
+      <p:grpSpPr>
+        <a:xfrm>
+          <a:off x="0" y="0"/>
+          <a:ext cx="0" cy="0"/>
+          <a:chOff x="0" y="0"/>
+          <a:chExt cx="0" cy="0"/>
+        </a:xfrm>
+      </p:grpSpPr>
+      <p:grpSp>
+        <p:nvGrpSpPr>
+          <p:cNvPr id="29" name="Group 28"/>
+          <p:cNvGrpSpPr/>
+          <p:nvPr/>
+        </p:nvGrpSpPr>
+        <p:grpSpPr>
+          <a:xfrm>
+            <a:off x="177242" y="1001262"/>
+            <a:ext cx="8519377" cy="5021651"/>
+            <a:chOff x="177242" y="1001262"/>
+            <a:chExt cx="8519377" cy="5021651"/>
+          </a:xfrm>
+        </p:grpSpPr>
+        <p:sp>
+          <p:nvSpPr>
+            <p:cNvPr id="73" name="Rounded Rectangle 72"/>
+            <p:cNvSpPr/>
+            <p:nvPr/>
+          </p:nvSpPr>
+          <p:spPr>
+            <a:xfrm>
+              <a:off x="967011" y="1001262"/>
+              <a:ext cx="7729608" cy="411076"/>
+            </a:xfrm>
+            <a:prstGeom prst="roundRect">
+              <a:avLst>
+                <a:gd name="adj" fmla="val 11698"/>
+              </a:avLst>
+            </a:prstGeom>
+            <a:solidFill>
+              <a:srgbClr val="F2F2F2"/>
+            </a:solidFill>
+            <a:ln w="6350">
+              <a:solidFill>
+                <a:srgbClr val="2C74A5"/>
+              </a:solidFill>
+            </a:ln>
+          </p:spPr>
+          <p:style>
+            <a:lnRef idx="2">
+              <a:schemeClr val="dk1"/>
+            </a:lnRef>
+            <a:fillRef idx="1">
+              <a:schemeClr val="lt1"/>
+            </a:fillRef>
+            <a:effectRef idx="0">
+              <a:schemeClr val="dk1"/>
+            </a:effectRef>
+            <a:fontRef idx="minor">
+              <a:schemeClr val="dk1"/>
+            </a:fontRef>
+          </p:style>
+          <p:txBody>
+            <a:bodyPr lIns="274320" rtlCol="0" anchor="ctr"/>
+            <a:lstStyle/>
+            <a:p>
+              <a:pPr>
+                <a:spcAft>
+                  <a:spcPts val="600"/>
+                </a:spcAft>
+              </a:pPr>
+              <a:r>
+                <a:rPr lang="en-US" sz="1400" dirty="0" smtClean="0">
+                  <a:solidFill>
+                    <a:srgbClr val="2C74A5"/>
+                  </a:solidFill>
+                  <a:cs typeface="Arial Narrow"/>
+                </a:rPr>
+                <a:t>“Two tall lattes, decaf</a:t>
+              </a:r>
+              <a:r>
+                <a:rPr lang="en-US" sz="1400" smtClean="0">
+                  <a:solidFill>
+                    <a:srgbClr val="2C74A5"/>
+                  </a:solidFill>
+                  <a:cs typeface="Arial Narrow"/>
+                </a:rPr>
+                <a:t>, and a </a:t>
+              </a:r>
+              <a:r>
+                <a:rPr lang="en-US" sz="1400" dirty="0" smtClean="0">
+                  <a:solidFill>
+                    <a:srgbClr val="2C74A5"/>
+                  </a:solidFill>
+                  <a:cs typeface="Arial Narrow"/>
+                </a:rPr>
+                <a:t>small café mocha with whipped cream from the Broadway store”</a:t>
+              </a:r>
+              <a:endParaRPr lang="en-US" sz="1400" dirty="0">
+                <a:solidFill>
+                  <a:srgbClr val="2C74A5"/>
+                </a:solidFill>
+                <a:cs typeface="Arial Narrow"/>
+              </a:endParaRPr>
+            </a:p>
+          </p:txBody>
+        </p:sp>
+        <p:sp>
+          <p:nvSpPr>
+            <p:cNvPr id="74" name="TextBox 73"/>
+            <p:cNvSpPr txBox="1"/>
+            <p:nvPr/>
+          </p:nvSpPr>
+          <p:spPr>
+            <a:xfrm>
+              <a:off x="177242" y="1001654"/>
+              <a:ext cx="611682" cy="276999"/>
+            </a:xfrm>
+            <a:prstGeom prst="rect">
+              <a:avLst/>
+            </a:prstGeom>
+            <a:noFill/>
+          </p:spPr>
+          <p:txBody>
+            <a:bodyPr wrap="none" rtlCol="0" anchor="ctr">
+              <a:spAutoFit/>
+            </a:bodyPr>
+            <a:lstStyle>
+              <a:defPPr>
+                <a:defRPr lang="en-US"/>
+              </a:defPPr>
+              <a:lvl1pPr algn="ctr">
+                <a:defRPr sz="1200">
+                  <a:solidFill>
+                    <a:srgbClr val="A6A6A6"/>
+                  </a:solidFill>
+                  <a:latin typeface="Arial Narrow"/>
+                  <a:cs typeface="Arial Narrow"/>
+                </a:defRPr>
+              </a:lvl1pPr>
+            </a:lstStyle>
+            <a:p>
+              <a:r>
+                <a:rPr lang="en-US" b="1" dirty="0"/>
+                <a:t>INPUT</a:t>
+              </a:r>
+            </a:p>
+          </p:txBody>
+        </p:sp>
+        <p:sp>
+          <p:nvSpPr>
+            <p:cNvPr id="75" name="TextBox 74"/>
+            <p:cNvSpPr txBox="1"/>
+            <p:nvPr/>
+          </p:nvSpPr>
+          <p:spPr>
+            <a:xfrm>
+              <a:off x="177242" y="2437249"/>
+              <a:ext cx="920830" cy="461665"/>
+            </a:xfrm>
+            <a:prstGeom prst="rect">
+              <a:avLst/>
+            </a:prstGeom>
+            <a:noFill/>
+          </p:spPr>
+          <p:txBody>
+            <a:bodyPr wrap="none" rtlCol="0">
+              <a:spAutoFit/>
+            </a:bodyPr>
+            <a:lstStyle/>
+            <a:p>
+              <a:r>
+                <a:rPr lang="en-US" sz="1200" b="1" dirty="0" smtClean="0">
+                  <a:solidFill>
+                    <a:srgbClr val="A6A6A6"/>
+                  </a:solidFill>
+                  <a:latin typeface="Arial Narrow"/>
+                  <a:cs typeface="Arial Narrow"/>
+                </a:rPr>
+                <a:t>CANDIDATE</a:t>
+              </a:r>
+            </a:p>
+            <a:p>
+              <a:r>
+                <a:rPr lang="en-US" sz="1200" b="1" dirty="0" smtClean="0">
+                  <a:solidFill>
+                    <a:srgbClr val="A6A6A6"/>
+                  </a:solidFill>
+                  <a:latin typeface="Arial Narrow"/>
+                  <a:cs typeface="Arial Narrow"/>
+                </a:rPr>
+                <a:t>PARSE</a:t>
+              </a:r>
+              <a:r>
+                <a:rPr lang="en-US" sz="1200" b="1" dirty="0">
+                  <a:solidFill>
+                    <a:srgbClr val="A6A6A6"/>
+                  </a:solidFill>
+                  <a:latin typeface="Arial Narrow"/>
+                  <a:cs typeface="Arial Narrow"/>
+                </a:rPr>
+                <a:t> </a:t>
+              </a:r>
+              <a:r>
+                <a:rPr lang="en-US" sz="1200" b="1" dirty="0" smtClean="0">
+                  <a:solidFill>
+                    <a:srgbClr val="A6A6A6"/>
+                  </a:solidFill>
+                  <a:latin typeface="Arial Narrow"/>
+                  <a:cs typeface="Arial Narrow"/>
+                </a:rPr>
+                <a:t>#1</a:t>
+              </a:r>
+            </a:p>
+          </p:txBody>
+        </p:sp>
+        <p:grpSp>
+          <p:nvGrpSpPr>
+            <p:cNvPr id="28" name="Group 27"/>
+            <p:cNvGrpSpPr/>
+            <p:nvPr/>
+          </p:nvGrpSpPr>
+          <p:grpSpPr>
+            <a:xfrm>
+              <a:off x="1545021" y="1619978"/>
+              <a:ext cx="6556657" cy="2096208"/>
+              <a:chOff x="1545021" y="1619978"/>
+              <a:chExt cx="6556657" cy="2096208"/>
+            </a:xfrm>
+          </p:grpSpPr>
+          <p:sp>
+            <p:nvSpPr>
+              <p:cNvPr id="71" name="Rounded Rectangle 70"/>
+              <p:cNvSpPr/>
+              <p:nvPr/>
+            </p:nvSpPr>
+            <p:spPr>
+              <a:xfrm>
+                <a:off x="1545021" y="1619978"/>
+                <a:ext cx="6556657" cy="2096208"/>
+              </a:xfrm>
+              <a:prstGeom prst="roundRect">
+                <a:avLst>
+                  <a:gd name="adj" fmla="val 3581"/>
+                </a:avLst>
+              </a:prstGeom>
+              <a:solidFill>
+                <a:srgbClr val="F2F2F2"/>
+              </a:solidFill>
+              <a:ln w="3175">
+                <a:solidFill>
+                  <a:srgbClr val="2C74A5"/>
+                </a:solidFill>
+                <a:prstDash val="solid"/>
+              </a:ln>
+            </p:spPr>
+            <p:style>
+              <a:lnRef idx="2">
+                <a:schemeClr val="dk1"/>
+              </a:lnRef>
+              <a:fillRef idx="1">
+                <a:schemeClr val="lt1"/>
+              </a:fillRef>
+              <a:effectRef idx="0">
+                <a:schemeClr val="dk1"/>
+              </a:effectRef>
+              <a:fontRef idx="minor">
+                <a:schemeClr val="dk1"/>
+              </a:fontRef>
+            </p:style>
+            <p:txBody>
+              <a:bodyPr rtlCol="0" anchor="ctr"/>
+              <a:lstStyle/>
+              <a:p>
+                <a:pPr algn="ctr"/>
+                <a:endParaRPr lang="en-US"/>
+              </a:p>
+            </p:txBody>
+          </p:sp>
+          <p:sp>
+            <p:nvSpPr>
+              <p:cNvPr id="76" name="TextBox 75"/>
+              <p:cNvSpPr txBox="1"/>
+              <p:nvPr/>
+            </p:nvSpPr>
+            <p:spPr>
+              <a:xfrm>
+                <a:off x="4111682" y="1646456"/>
+                <a:ext cx="1440266" cy="276999"/>
+              </a:xfrm>
+              <a:prstGeom prst="rect">
+                <a:avLst/>
+              </a:prstGeom>
+              <a:noFill/>
+              <a:ln>
+                <a:noFill/>
+              </a:ln>
+            </p:spPr>
+            <p:txBody>
+              <a:bodyPr wrap="none" rtlCol="0">
+                <a:spAutoFit/>
+              </a:bodyPr>
+              <a:lstStyle/>
+              <a:p>
+                <a:r>
+                  <a:rPr lang="en-US" sz="1200" b="1" smtClean="0">
+                    <a:solidFill>
+                      <a:srgbClr val="2C74A5"/>
+                    </a:solidFill>
+                  </a:rPr>
+                  <a:t>ENTITY </a:t>
+                </a:r>
+                <a:r>
+                  <a:rPr lang="en-US" sz="1200" b="1" dirty="0" smtClean="0">
+                    <a:solidFill>
+                      <a:srgbClr val="2C74A5"/>
+                    </a:solidFill>
+                  </a:rPr>
+                  <a:t>GROUPS</a:t>
+                </a:r>
+                <a:endParaRPr lang="en-US" sz="1200" b="1" dirty="0">
+                  <a:solidFill>
+                    <a:srgbClr val="2C74A5"/>
+                  </a:solidFill>
+                </a:endParaRPr>
+              </a:p>
+            </p:txBody>
+          </p:sp>
+          <p:sp>
+            <p:nvSpPr>
+              <p:cNvPr id="78" name="Rectangle 77"/>
+              <p:cNvSpPr/>
+              <p:nvPr/>
+            </p:nvSpPr>
+            <p:spPr>
+              <a:xfrm>
+                <a:off x="1640324" y="1991178"/>
+                <a:ext cx="2340238" cy="1591839"/>
+              </a:xfrm>
+              <a:prstGeom prst="rect">
+                <a:avLst/>
+              </a:prstGeom>
+              <a:noFill/>
+              <a:ln w="3175">
+                <a:solidFill>
+                  <a:srgbClr val="2C74A5"/>
+                </a:solidFill>
+                <a:prstDash val="dash"/>
+              </a:ln>
+            </p:spPr>
+            <p:style>
+              <a:lnRef idx="2">
+                <a:schemeClr val="dk1"/>
+              </a:lnRef>
+              <a:fillRef idx="1">
+                <a:schemeClr val="lt1"/>
+              </a:fillRef>
+              <a:effectRef idx="0">
+                <a:schemeClr val="dk1"/>
+              </a:effectRef>
+              <a:fontRef idx="minor">
+                <a:schemeClr val="dk1"/>
+              </a:fontRef>
+            </p:style>
+            <p:txBody>
+              <a:bodyPr rtlCol="0" anchor="ctr"/>
+              <a:lstStyle/>
+              <a:p>
+                <a:pPr algn="ctr"/>
+                <a:endParaRPr lang="en-US"/>
+              </a:p>
+            </p:txBody>
+          </p:sp>
+          <p:cxnSp>
+            <p:nvCxnSpPr>
+              <p:cNvPr id="79" name="Straight Connector 78"/>
+              <p:cNvCxnSpPr/>
+              <p:nvPr/>
+            </p:nvCxnSpPr>
+            <p:spPr>
+              <a:xfrm>
+                <a:off x="1972859" y="2522743"/>
+                <a:ext cx="196210" cy="0"/>
+              </a:xfrm>
+              <a:prstGeom prst="line">
+                <a:avLst/>
+              </a:prstGeom>
+              <a:ln w="6350">
+                <a:solidFill>
+                  <a:srgbClr val="2C74A5"/>
+                </a:solidFill>
+              </a:ln>
+            </p:spPr>
+            <p:style>
+              <a:lnRef idx="1">
+                <a:schemeClr val="dk1"/>
+              </a:lnRef>
+              <a:fillRef idx="0">
+                <a:schemeClr val="dk1"/>
+              </a:fillRef>
+              <a:effectRef idx="0">
+                <a:schemeClr val="dk1"/>
+              </a:effectRef>
+              <a:fontRef idx="minor">
+                <a:schemeClr val="tx1"/>
+              </a:fontRef>
+            </p:style>
+          </p:cxnSp>
+          <p:cxnSp>
+            <p:nvCxnSpPr>
+              <p:cNvPr id="80" name="Straight Connector 79"/>
+              <p:cNvCxnSpPr/>
+              <p:nvPr/>
+            </p:nvCxnSpPr>
+            <p:spPr>
+              <a:xfrm>
+                <a:off x="1970704" y="2287684"/>
+                <a:ext cx="2155" cy="895748"/>
+              </a:xfrm>
+              <a:prstGeom prst="line">
+                <a:avLst/>
+              </a:prstGeom>
+              <a:ln w="6350">
+                <a:solidFill>
+                  <a:srgbClr val="2C74A5"/>
+                </a:solidFill>
+              </a:ln>
+            </p:spPr>
+            <p:style>
+              <a:lnRef idx="1">
+                <a:schemeClr val="dk1"/>
+              </a:lnRef>
+              <a:fillRef idx="0">
+                <a:schemeClr val="dk1"/>
+              </a:fillRef>
+              <a:effectRef idx="0">
+                <a:schemeClr val="dk1"/>
+              </a:effectRef>
+              <a:fontRef idx="minor">
+                <a:schemeClr val="tx1"/>
+              </a:fontRef>
+            </p:style>
+          </p:cxnSp>
+          <p:cxnSp>
+            <p:nvCxnSpPr>
+              <p:cNvPr id="81" name="Straight Connector 80"/>
+              <p:cNvCxnSpPr/>
+              <p:nvPr/>
+            </p:nvCxnSpPr>
+            <p:spPr>
+              <a:xfrm>
+                <a:off x="1972859" y="2853088"/>
+                <a:ext cx="196210" cy="0"/>
+              </a:xfrm>
+              <a:prstGeom prst="line">
+                <a:avLst/>
+              </a:prstGeom>
+              <a:ln w="6350">
+                <a:solidFill>
+                  <a:srgbClr val="2C74A5"/>
+                </a:solidFill>
+              </a:ln>
+            </p:spPr>
+            <p:style>
+              <a:lnRef idx="1">
+                <a:schemeClr val="dk1"/>
+              </a:lnRef>
+              <a:fillRef idx="0">
+                <a:schemeClr val="dk1"/>
+              </a:fillRef>
+              <a:effectRef idx="0">
+                <a:schemeClr val="dk1"/>
+              </a:effectRef>
+              <a:fontRef idx="minor">
+                <a:schemeClr val="tx1"/>
+              </a:fontRef>
+            </p:style>
+          </p:cxnSp>
+          <p:sp>
+            <p:nvSpPr>
+              <p:cNvPr id="82" name="Rounded Rectangle 81"/>
+              <p:cNvSpPr/>
+              <p:nvPr/>
+            </p:nvSpPr>
+            <p:spPr>
+              <a:xfrm>
+                <a:off x="2111276" y="2726866"/>
+                <a:ext cx="1486039" cy="243396"/>
+              </a:xfrm>
+              <a:prstGeom prst="roundRect">
+                <a:avLst>
+                  <a:gd name="adj" fmla="val 50000"/>
+                </a:avLst>
+              </a:prstGeom>
+              <a:solidFill>
+                <a:schemeClr val="bg1"/>
+              </a:solidFill>
+              <a:ln w="6350">
+                <a:solidFill>
+                  <a:srgbClr val="2C74A5"/>
+                </a:solidFill>
+              </a:ln>
+            </p:spPr>
+            <p:style>
+              <a:lnRef idx="2">
+                <a:schemeClr val="dk1"/>
+              </a:lnRef>
+              <a:fillRef idx="1">
+                <a:schemeClr val="lt1"/>
+              </a:fillRef>
+              <a:effectRef idx="0">
+                <a:schemeClr val="dk1"/>
+              </a:effectRef>
+              <a:fontRef idx="minor">
+                <a:schemeClr val="dk1"/>
+              </a:fontRef>
+            </p:style>
+            <p:txBody>
+              <a:bodyPr lIns="182880" rIns="36576" rtlCol="0" anchor="ctr"/>
+              <a:lstStyle/>
+              <a:p>
+                <a:pPr>
+                  <a:spcAft>
+                    <a:spcPts val="600"/>
+                  </a:spcAft>
+                </a:pPr>
+                <a:r>
+                  <a:rPr lang="en-US" sz="800" dirty="0">
+                    <a:solidFill>
+                      <a:srgbClr val="E84C3B"/>
+                    </a:solidFill>
+                    <a:cs typeface="Arial Narrow"/>
+                  </a:rPr>
+                  <a:t>SIZE:</a:t>
+                </a:r>
+                <a:r>
+                  <a:rPr lang="en-US" sz="800" dirty="0">
+                    <a:solidFill>
+                      <a:srgbClr val="0070C0"/>
+                    </a:solidFill>
+                    <a:cs typeface="Arial Narrow"/>
+                  </a:rPr>
+                  <a:t> </a:t>
+                </a:r>
+                <a:r>
+                  <a:rPr lang="en-US" sz="800" b="1" dirty="0" smtClean="0">
+                    <a:solidFill>
+                      <a:srgbClr val="2C74A5"/>
+                    </a:solidFill>
+                    <a:cs typeface="Arial Narrow"/>
+                  </a:rPr>
+                  <a:t>TALL</a:t>
+                </a:r>
+                <a:endParaRPr lang="en-US" sz="800" b="1" dirty="0">
+                  <a:solidFill>
+                    <a:srgbClr val="2C74A5"/>
+                  </a:solidFill>
+                  <a:cs typeface="Arial Narrow"/>
+                </a:endParaRPr>
+              </a:p>
+            </p:txBody>
+          </p:sp>
+          <p:sp>
+            <p:nvSpPr>
+              <p:cNvPr id="83" name="Rounded Rectangle 82"/>
+              <p:cNvSpPr/>
+              <p:nvPr/>
+            </p:nvSpPr>
+            <p:spPr>
+              <a:xfrm>
+                <a:off x="1710414" y="2059521"/>
+                <a:ext cx="2226201" cy="243396"/>
+              </a:xfrm>
+              <a:prstGeom prst="roundRect">
+                <a:avLst>
+                  <a:gd name="adj" fmla="val 50000"/>
+                </a:avLst>
+              </a:prstGeom>
+              <a:solidFill>
+                <a:schemeClr val="bg1"/>
+              </a:solidFill>
+              <a:ln w="6350">
+                <a:solidFill>
+                  <a:srgbClr val="2C74A5"/>
+                </a:solidFill>
+              </a:ln>
+            </p:spPr>
+            <p:style>
+              <a:lnRef idx="2">
+                <a:schemeClr val="dk1"/>
+              </a:lnRef>
+              <a:fillRef idx="1">
+                <a:schemeClr val="lt1"/>
+              </a:fillRef>
+              <a:effectRef idx="0">
+                <a:schemeClr val="dk1"/>
+              </a:effectRef>
+              <a:fontRef idx="minor">
+                <a:schemeClr val="dk1"/>
+              </a:fontRef>
+            </p:style>
+            <p:txBody>
+              <a:bodyPr lIns="182880" rIns="36576" rtlCol="0" anchor="ctr"/>
+              <a:lstStyle/>
+              <a:p>
+                <a:pPr>
+                  <a:spcAft>
+                    <a:spcPts val="600"/>
+                  </a:spcAft>
+                </a:pPr>
+                <a:r>
+                  <a:rPr lang="en-US" sz="800" dirty="0" smtClean="0">
+                    <a:solidFill>
+                      <a:srgbClr val="E84C3B"/>
+                    </a:solidFill>
+                    <a:cs typeface="Arial Narrow"/>
+                  </a:rPr>
+                  <a:t>PRODUCT:</a:t>
+                </a:r>
+                <a:r>
+                  <a:rPr lang="en-US" sz="800" dirty="0" smtClean="0">
+                    <a:solidFill>
+                      <a:srgbClr val="0070C0"/>
+                    </a:solidFill>
+                    <a:cs typeface="Arial Narrow"/>
+                  </a:rPr>
+                  <a:t> </a:t>
+                </a:r>
+                <a:r>
+                  <a:rPr lang="en-US" sz="800" b="1" dirty="0" smtClean="0">
+                    <a:solidFill>
+                      <a:srgbClr val="2C74A5"/>
+                    </a:solidFill>
+                    <a:cs typeface="Arial Narrow"/>
+                  </a:rPr>
+                  <a:t>LATTES</a:t>
+                </a:r>
+                <a:endParaRPr lang="en-US" sz="800" b="1" dirty="0">
+                  <a:solidFill>
+                    <a:srgbClr val="2C74A5"/>
+                  </a:solidFill>
+                  <a:cs typeface="Arial Narrow"/>
+                </a:endParaRPr>
+              </a:p>
+            </p:txBody>
+          </p:sp>
+          <p:sp>
+            <p:nvSpPr>
+              <p:cNvPr id="84" name="Rounded Rectangle 83"/>
+              <p:cNvSpPr/>
+              <p:nvPr/>
+            </p:nvSpPr>
+            <p:spPr>
+              <a:xfrm>
+                <a:off x="2111281" y="2399173"/>
+                <a:ext cx="1486039" cy="243396"/>
+              </a:xfrm>
+              <a:prstGeom prst="roundRect">
+                <a:avLst>
+                  <a:gd name="adj" fmla="val 50000"/>
+                </a:avLst>
+              </a:prstGeom>
+              <a:solidFill>
+                <a:schemeClr val="bg1"/>
+              </a:solidFill>
+              <a:ln w="6350">
+                <a:solidFill>
+                  <a:srgbClr val="2C74A5"/>
+                </a:solidFill>
+              </a:ln>
+            </p:spPr>
+            <p:style>
+              <a:lnRef idx="2">
+                <a:schemeClr val="dk1"/>
+              </a:lnRef>
+              <a:fillRef idx="1">
+                <a:schemeClr val="lt1"/>
+              </a:fillRef>
+              <a:effectRef idx="0">
+                <a:schemeClr val="dk1"/>
+              </a:effectRef>
+              <a:fontRef idx="minor">
+                <a:schemeClr val="dk1"/>
+              </a:fontRef>
+            </p:style>
+            <p:txBody>
+              <a:bodyPr lIns="182880" rIns="36576" rtlCol="0" anchor="ctr"/>
+              <a:lstStyle/>
+              <a:p>
+                <a:pPr>
+                  <a:spcAft>
+                    <a:spcPts val="600"/>
+                  </a:spcAft>
+                </a:pPr>
+                <a:r>
+                  <a:rPr lang="en-US" sz="800" dirty="0">
+                    <a:solidFill>
+                      <a:srgbClr val="E84C3B"/>
+                    </a:solidFill>
+                    <a:cs typeface="Arial Narrow"/>
+                  </a:rPr>
+                  <a:t>QUANTITY:</a:t>
+                </a:r>
+                <a:r>
+                  <a:rPr lang="en-US" sz="800" dirty="0">
+                    <a:solidFill>
+                      <a:srgbClr val="0070C0"/>
+                    </a:solidFill>
+                    <a:cs typeface="Arial Narrow"/>
+                  </a:rPr>
+                  <a:t> </a:t>
+                </a:r>
+                <a:r>
+                  <a:rPr lang="en-US" sz="800" b="1" dirty="0" smtClean="0">
+                    <a:solidFill>
+                      <a:srgbClr val="2C74A5"/>
+                    </a:solidFill>
+                    <a:cs typeface="Arial Narrow"/>
+                  </a:rPr>
+                  <a:t>TWO</a:t>
+                </a:r>
+                <a:endParaRPr lang="en-US" sz="800" b="1" dirty="0">
+                  <a:solidFill>
+                    <a:srgbClr val="2C74A5"/>
+                  </a:solidFill>
+                  <a:cs typeface="Arial Narrow"/>
+                </a:endParaRPr>
+              </a:p>
+            </p:txBody>
+          </p:sp>
+          <p:sp>
+            <p:nvSpPr>
+              <p:cNvPr id="86" name="Rectangle 85"/>
+              <p:cNvSpPr/>
+              <p:nvPr/>
+            </p:nvSpPr>
+            <p:spPr>
+              <a:xfrm>
+                <a:off x="4049025" y="1989281"/>
+                <a:ext cx="2144647" cy="1593736"/>
+              </a:xfrm>
+              <a:prstGeom prst="rect">
+                <a:avLst/>
+              </a:prstGeom>
+              <a:noFill/>
+              <a:ln w="3175">
+                <a:solidFill>
+                  <a:srgbClr val="2C74A5"/>
+                </a:solidFill>
+                <a:prstDash val="dash"/>
+              </a:ln>
+            </p:spPr>
+            <p:style>
+              <a:lnRef idx="2">
+                <a:schemeClr val="dk1"/>
+              </a:lnRef>
+              <a:fillRef idx="1">
+                <a:schemeClr val="lt1"/>
+              </a:fillRef>
+              <a:effectRef idx="0">
+                <a:schemeClr val="dk1"/>
+              </a:effectRef>
+              <a:fontRef idx="minor">
+                <a:schemeClr val="dk1"/>
+              </a:fontRef>
+            </p:style>
+            <p:txBody>
+              <a:bodyPr rtlCol="0" anchor="ctr"/>
+              <a:lstStyle/>
+              <a:p>
+                <a:pPr algn="ctr"/>
+                <a:endParaRPr lang="en-US"/>
+              </a:p>
+            </p:txBody>
+          </p:sp>
+          <p:cxnSp>
+            <p:nvCxnSpPr>
+              <p:cNvPr id="87" name="Straight Connector 86"/>
+              <p:cNvCxnSpPr/>
+              <p:nvPr/>
+            </p:nvCxnSpPr>
+            <p:spPr>
+              <a:xfrm>
+                <a:off x="4379933" y="2527731"/>
+                <a:ext cx="196210" cy="0"/>
+              </a:xfrm>
+              <a:prstGeom prst="line">
+                <a:avLst/>
+              </a:prstGeom>
+              <a:ln w="6350">
+                <a:solidFill>
+                  <a:srgbClr val="2C74A5"/>
+                </a:solidFill>
+              </a:ln>
+            </p:spPr>
+            <p:style>
+              <a:lnRef idx="1">
+                <a:schemeClr val="dk1"/>
+              </a:lnRef>
+              <a:fillRef idx="0">
+                <a:schemeClr val="dk1"/>
+              </a:fillRef>
+              <a:effectRef idx="0">
+                <a:schemeClr val="dk1"/>
+              </a:effectRef>
+              <a:fontRef idx="minor">
+                <a:schemeClr val="tx1"/>
+              </a:fontRef>
+            </p:style>
+          </p:cxnSp>
+          <p:cxnSp>
+            <p:nvCxnSpPr>
+              <p:cNvPr id="88" name="Straight Connector 87"/>
+              <p:cNvCxnSpPr/>
+              <p:nvPr/>
+            </p:nvCxnSpPr>
+            <p:spPr>
+              <a:xfrm>
+                <a:off x="4379933" y="2300959"/>
+                <a:ext cx="0" cy="566424"/>
+              </a:xfrm>
+              <a:prstGeom prst="line">
+                <a:avLst/>
+              </a:prstGeom>
+              <a:ln w="6350">
+                <a:solidFill>
+                  <a:srgbClr val="2C74A5"/>
+                </a:solidFill>
+              </a:ln>
+            </p:spPr>
+            <p:style>
+              <a:lnRef idx="1">
+                <a:schemeClr val="dk1"/>
+              </a:lnRef>
+              <a:fillRef idx="0">
+                <a:schemeClr val="dk1"/>
+              </a:fillRef>
+              <a:effectRef idx="0">
+                <a:schemeClr val="dk1"/>
+              </a:effectRef>
+              <a:fontRef idx="minor">
+                <a:schemeClr val="tx1"/>
+              </a:fontRef>
+            </p:style>
+          </p:cxnSp>
+          <p:sp>
+            <p:nvSpPr>
+              <p:cNvPr id="89" name="Rounded Rectangle 88"/>
+              <p:cNvSpPr/>
+              <p:nvPr/>
+            </p:nvSpPr>
+            <p:spPr>
+              <a:xfrm>
+                <a:off x="4538799" y="2399173"/>
+                <a:ext cx="1613741" cy="243396"/>
+              </a:xfrm>
+              <a:prstGeom prst="roundRect">
+                <a:avLst>
+                  <a:gd name="adj" fmla="val 50000"/>
+                </a:avLst>
+              </a:prstGeom>
+              <a:solidFill>
+                <a:schemeClr val="bg1"/>
+              </a:solidFill>
+              <a:ln w="6350">
+                <a:solidFill>
+                  <a:srgbClr val="2C74A5"/>
+                </a:solidFill>
+              </a:ln>
+            </p:spPr>
+            <p:style>
+              <a:lnRef idx="2">
+                <a:schemeClr val="dk1"/>
+              </a:lnRef>
+              <a:fillRef idx="1">
+                <a:schemeClr val="lt1"/>
+              </a:fillRef>
+              <a:effectRef idx="0">
+                <a:schemeClr val="dk1"/>
+              </a:effectRef>
+              <a:fontRef idx="minor">
+                <a:schemeClr val="dk1"/>
+              </a:fontRef>
+            </p:style>
+            <p:txBody>
+              <a:bodyPr lIns="182880" rIns="36576" rtlCol="0" anchor="ctr"/>
+              <a:lstStyle/>
+              <a:p>
+                <a:pPr>
+                  <a:spcAft>
+                    <a:spcPts val="600"/>
+                  </a:spcAft>
+                </a:pPr>
+                <a:r>
+                  <a:rPr lang="en-US" sz="800" dirty="0" smtClean="0">
+                    <a:solidFill>
+                      <a:srgbClr val="E84C3B"/>
+                    </a:solidFill>
+                    <a:cs typeface="Arial Narrow"/>
+                  </a:rPr>
+                  <a:t>SIZE:</a:t>
+                </a:r>
+                <a:r>
+                  <a:rPr lang="en-US" sz="800" dirty="0" smtClean="0">
+                    <a:solidFill>
+                      <a:srgbClr val="0070C0"/>
+                    </a:solidFill>
+                    <a:cs typeface="Arial Narrow"/>
+                  </a:rPr>
+                  <a:t> </a:t>
+                </a:r>
+                <a:r>
+                  <a:rPr lang="en-US" sz="800" b="1" dirty="0" smtClean="0">
+                    <a:solidFill>
+                      <a:srgbClr val="2C74A5"/>
+                    </a:solidFill>
+                    <a:cs typeface="Arial Narrow"/>
+                  </a:rPr>
+                  <a:t>SMALL</a:t>
+                </a:r>
+                <a:endParaRPr lang="en-US" sz="800" b="1" dirty="0">
+                  <a:solidFill>
+                    <a:srgbClr val="2C74A5"/>
+                  </a:solidFill>
+                  <a:cs typeface="Arial Narrow"/>
+                </a:endParaRPr>
+              </a:p>
+            </p:txBody>
+          </p:sp>
+          <p:sp>
+            <p:nvSpPr>
+              <p:cNvPr id="90" name="Rounded Rectangle 89"/>
+              <p:cNvSpPr/>
+              <p:nvPr/>
+            </p:nvSpPr>
+            <p:spPr>
+              <a:xfrm>
+                <a:off x="4122593" y="2059521"/>
+                <a:ext cx="1829248" cy="243396"/>
+              </a:xfrm>
+              <a:prstGeom prst="roundRect">
+                <a:avLst>
+                  <a:gd name="adj" fmla="val 50000"/>
+                </a:avLst>
+              </a:prstGeom>
+              <a:solidFill>
+                <a:schemeClr val="bg1"/>
+              </a:solidFill>
+              <a:ln w="6350">
+                <a:solidFill>
+                  <a:srgbClr val="2C74A5"/>
+                </a:solidFill>
+              </a:ln>
+            </p:spPr>
+            <p:style>
+              <a:lnRef idx="2">
+                <a:schemeClr val="dk1"/>
+              </a:lnRef>
+              <a:fillRef idx="1">
+                <a:schemeClr val="lt1"/>
+              </a:fillRef>
+              <a:effectRef idx="0">
+                <a:schemeClr val="dk1"/>
+              </a:effectRef>
+              <a:fontRef idx="minor">
+                <a:schemeClr val="dk1"/>
+              </a:fontRef>
+            </p:style>
+            <p:txBody>
+              <a:bodyPr lIns="182880" rIns="36576" rtlCol="0" anchor="ctr"/>
+              <a:lstStyle/>
+              <a:p>
+                <a:pPr>
+                  <a:spcAft>
+                    <a:spcPts val="600"/>
+                  </a:spcAft>
+                </a:pPr>
+                <a:r>
+                  <a:rPr lang="en-US" sz="800" dirty="0" smtClean="0">
+                    <a:solidFill>
+                      <a:srgbClr val="E84C3B"/>
+                    </a:solidFill>
+                    <a:cs typeface="Arial Narrow"/>
+                  </a:rPr>
+                  <a:t>PRODUCT:</a:t>
+                </a:r>
+                <a:r>
+                  <a:rPr lang="en-US" sz="800" dirty="0" smtClean="0">
+                    <a:solidFill>
+                      <a:srgbClr val="0070C0"/>
+                    </a:solidFill>
+                    <a:cs typeface="Arial Narrow"/>
+                  </a:rPr>
+                  <a:t> </a:t>
+                </a:r>
+                <a:r>
+                  <a:rPr lang="en-US" sz="800" b="1" dirty="0" smtClean="0">
+                    <a:solidFill>
+                      <a:srgbClr val="2C74A5"/>
+                    </a:solidFill>
+                    <a:cs typeface="Arial Narrow"/>
+                  </a:rPr>
+                  <a:t>CAFÉ MOCHA</a:t>
+                </a:r>
+                <a:endParaRPr lang="en-US" sz="800" b="1" dirty="0">
+                  <a:solidFill>
+                    <a:srgbClr val="2C74A5"/>
+                  </a:solidFill>
+                  <a:cs typeface="Arial Narrow"/>
+                </a:endParaRPr>
+              </a:p>
+            </p:txBody>
+          </p:sp>
+          <p:sp>
+            <p:nvSpPr>
+              <p:cNvPr id="92" name="Rectangle 91"/>
+              <p:cNvSpPr/>
+              <p:nvPr/>
+            </p:nvSpPr>
+            <p:spPr>
+              <a:xfrm>
+                <a:off x="6262135" y="1989281"/>
+                <a:ext cx="1762682" cy="1593736"/>
+              </a:xfrm>
+              <a:prstGeom prst="rect">
+                <a:avLst/>
+              </a:prstGeom>
+              <a:noFill/>
+              <a:ln w="3175">
+                <a:solidFill>
+                  <a:srgbClr val="2C74A5"/>
+                </a:solidFill>
+                <a:prstDash val="dash"/>
+              </a:ln>
+            </p:spPr>
+            <p:style>
+              <a:lnRef idx="2">
+                <a:schemeClr val="dk1"/>
+              </a:lnRef>
+              <a:fillRef idx="1">
+                <a:schemeClr val="lt1"/>
+              </a:fillRef>
+              <a:effectRef idx="0">
+                <a:schemeClr val="dk1"/>
+              </a:effectRef>
+              <a:fontRef idx="minor">
+                <a:schemeClr val="dk1"/>
+              </a:fontRef>
+            </p:style>
+            <p:txBody>
+              <a:bodyPr rtlCol="0" anchor="ctr"/>
+              <a:lstStyle/>
+              <a:p>
+                <a:pPr algn="ctr"/>
+                <a:endParaRPr lang="en-US">
+                  <a:solidFill>
+                    <a:srgbClr val="2C74A5"/>
+                  </a:solidFill>
+                </a:endParaRPr>
+              </a:p>
+            </p:txBody>
+          </p:sp>
+          <p:sp>
+            <p:nvSpPr>
+              <p:cNvPr id="93" name="Rounded Rectangle 92"/>
+              <p:cNvSpPr/>
+              <p:nvPr/>
+            </p:nvSpPr>
+            <p:spPr>
+              <a:xfrm>
+                <a:off x="6330597" y="2053199"/>
+                <a:ext cx="1610391" cy="243396"/>
+              </a:xfrm>
+              <a:prstGeom prst="roundRect">
+                <a:avLst>
+                  <a:gd name="adj" fmla="val 50000"/>
+                </a:avLst>
+              </a:prstGeom>
+              <a:solidFill>
+                <a:schemeClr val="bg1"/>
+              </a:solidFill>
+              <a:ln w="6350">
+                <a:solidFill>
+                  <a:srgbClr val="2C74A5"/>
+                </a:solidFill>
+              </a:ln>
+            </p:spPr>
+            <p:style>
+              <a:lnRef idx="2">
+                <a:schemeClr val="dk1"/>
+              </a:lnRef>
+              <a:fillRef idx="1">
+                <a:schemeClr val="lt1"/>
+              </a:fillRef>
+              <a:effectRef idx="0">
+                <a:schemeClr val="dk1"/>
+              </a:effectRef>
+              <a:fontRef idx="minor">
+                <a:schemeClr val="dk1"/>
+              </a:fontRef>
+            </p:style>
+            <p:txBody>
+              <a:bodyPr lIns="182880" rIns="36576" rtlCol="0" anchor="ctr"/>
+              <a:lstStyle/>
+              <a:p>
+                <a:pPr>
+                  <a:spcAft>
+                    <a:spcPts val="600"/>
+                  </a:spcAft>
+                </a:pPr>
+                <a:r>
+                  <a:rPr lang="en-US" sz="800" dirty="0" smtClean="0">
+                    <a:solidFill>
+                      <a:srgbClr val="E84C3B"/>
+                    </a:solidFill>
+                    <a:cs typeface="Arial Narrow"/>
+                  </a:rPr>
+                  <a:t>STORE:</a:t>
+                </a:r>
+                <a:r>
+                  <a:rPr lang="en-US" sz="800" dirty="0" smtClean="0">
+                    <a:solidFill>
+                      <a:srgbClr val="0070C0"/>
+                    </a:solidFill>
+                    <a:cs typeface="Arial Narrow"/>
+                  </a:rPr>
+                  <a:t> </a:t>
+                </a:r>
+                <a:r>
+                  <a:rPr lang="en-US" sz="800" b="1" dirty="0" smtClean="0">
+                    <a:solidFill>
+                      <a:srgbClr val="2C74A5"/>
+                    </a:solidFill>
+                    <a:cs typeface="Arial Narrow"/>
+                  </a:rPr>
+                  <a:t>BROADWAY</a:t>
+                </a:r>
+                <a:endParaRPr lang="en-US" sz="800" b="1" dirty="0">
+                  <a:solidFill>
+                    <a:srgbClr val="2C74A5"/>
+                  </a:solidFill>
+                  <a:cs typeface="Arial Narrow"/>
+                </a:endParaRPr>
+              </a:p>
+            </p:txBody>
+          </p:sp>
+          <p:cxnSp>
+            <p:nvCxnSpPr>
+              <p:cNvPr id="106" name="Straight Connector 105"/>
+              <p:cNvCxnSpPr/>
+              <p:nvPr/>
+            </p:nvCxnSpPr>
+            <p:spPr>
+              <a:xfrm>
+                <a:off x="1972859" y="3183432"/>
+                <a:ext cx="196210" cy="0"/>
+              </a:xfrm>
+              <a:prstGeom prst="line">
+                <a:avLst/>
+              </a:prstGeom>
+              <a:ln w="6350">
+                <a:solidFill>
+                  <a:srgbClr val="2C74A5"/>
+                </a:solidFill>
+              </a:ln>
+            </p:spPr>
+            <p:style>
+              <a:lnRef idx="1">
+                <a:schemeClr val="dk1"/>
+              </a:lnRef>
+              <a:fillRef idx="0">
+                <a:schemeClr val="dk1"/>
+              </a:fillRef>
+              <a:effectRef idx="0">
+                <a:schemeClr val="dk1"/>
+              </a:effectRef>
+              <a:fontRef idx="minor">
+                <a:schemeClr val="tx1"/>
+              </a:fontRef>
+            </p:style>
+          </p:cxnSp>
+          <p:sp>
+            <p:nvSpPr>
+              <p:cNvPr id="109" name="Rounded Rectangle 108"/>
+              <p:cNvSpPr/>
+              <p:nvPr/>
+            </p:nvSpPr>
+            <p:spPr>
+              <a:xfrm>
+                <a:off x="2111276" y="3057210"/>
+                <a:ext cx="1486039" cy="243396"/>
+              </a:xfrm>
+              <a:prstGeom prst="roundRect">
+                <a:avLst>
+                  <a:gd name="adj" fmla="val 50000"/>
+                </a:avLst>
+              </a:prstGeom>
+              <a:solidFill>
+                <a:schemeClr val="bg1"/>
+              </a:solidFill>
+              <a:ln w="6350">
+                <a:solidFill>
+                  <a:srgbClr val="2C74A5"/>
+                </a:solidFill>
+              </a:ln>
+            </p:spPr>
+            <p:style>
+              <a:lnRef idx="2">
+                <a:schemeClr val="dk1"/>
+              </a:lnRef>
+              <a:fillRef idx="1">
+                <a:schemeClr val="lt1"/>
+              </a:fillRef>
+              <a:effectRef idx="0">
+                <a:schemeClr val="dk1"/>
+              </a:effectRef>
+              <a:fontRef idx="minor">
+                <a:schemeClr val="dk1"/>
+              </a:fontRef>
+            </p:style>
+            <p:txBody>
+              <a:bodyPr lIns="182880" rIns="36576" rtlCol="0" anchor="ctr"/>
+              <a:lstStyle/>
+              <a:p>
+                <a:pPr>
+                  <a:spcAft>
+                    <a:spcPts val="600"/>
+                  </a:spcAft>
+                </a:pPr>
+                <a:r>
+                  <a:rPr lang="en-US" sz="800" dirty="0" smtClean="0">
+                    <a:solidFill>
+                      <a:srgbClr val="E84C3B"/>
+                    </a:solidFill>
+                    <a:cs typeface="Arial Narrow"/>
+                  </a:rPr>
+                  <a:t>OPTION:</a:t>
+                </a:r>
+                <a:r>
+                  <a:rPr lang="en-US" sz="800" dirty="0" smtClean="0">
+                    <a:solidFill>
+                      <a:srgbClr val="0070C0"/>
+                    </a:solidFill>
+                    <a:cs typeface="Arial Narrow"/>
+                  </a:rPr>
+                  <a:t> </a:t>
+                </a:r>
+                <a:r>
+                  <a:rPr lang="en-US" sz="800" b="1" dirty="0" smtClean="0">
+                    <a:solidFill>
+                      <a:srgbClr val="2C74A5"/>
+                    </a:solidFill>
+                    <a:cs typeface="Arial Narrow"/>
+                  </a:rPr>
+                  <a:t>DECAF</a:t>
+                </a:r>
+                <a:endParaRPr lang="en-US" sz="800" b="1" dirty="0">
+                  <a:solidFill>
+                    <a:srgbClr val="2C74A5"/>
+                  </a:solidFill>
+                  <a:cs typeface="Arial Narrow"/>
+                </a:endParaRPr>
+              </a:p>
+            </p:txBody>
+          </p:sp>
+          <p:cxnSp>
+            <p:nvCxnSpPr>
+              <p:cNvPr id="113" name="Straight Connector 112"/>
+              <p:cNvCxnSpPr/>
+              <p:nvPr/>
+            </p:nvCxnSpPr>
+            <p:spPr>
+              <a:xfrm>
+                <a:off x="4379933" y="2867383"/>
+                <a:ext cx="196210" cy="0"/>
+              </a:xfrm>
+              <a:prstGeom prst="line">
+                <a:avLst/>
+              </a:prstGeom>
+              <a:ln w="6350">
+                <a:solidFill>
+                  <a:srgbClr val="2C74A5"/>
+                </a:solidFill>
+              </a:ln>
+            </p:spPr>
+            <p:style>
+              <a:lnRef idx="1">
+                <a:schemeClr val="dk1"/>
+              </a:lnRef>
+              <a:fillRef idx="0">
+                <a:schemeClr val="dk1"/>
+              </a:fillRef>
+              <a:effectRef idx="0">
+                <a:schemeClr val="dk1"/>
+              </a:effectRef>
+              <a:fontRef idx="minor">
+                <a:schemeClr val="tx1"/>
+              </a:fontRef>
+            </p:style>
+          </p:cxnSp>
+          <p:sp>
+            <p:nvSpPr>
+              <p:cNvPr id="114" name="Rounded Rectangle 113"/>
+              <p:cNvSpPr/>
+              <p:nvPr/>
+            </p:nvSpPr>
+            <p:spPr>
+              <a:xfrm>
+                <a:off x="4538799" y="2738825"/>
+                <a:ext cx="1613741" cy="243396"/>
+              </a:xfrm>
+              <a:prstGeom prst="roundRect">
+                <a:avLst>
+                  <a:gd name="adj" fmla="val 50000"/>
+                </a:avLst>
+              </a:prstGeom>
+              <a:solidFill>
+                <a:schemeClr val="bg1"/>
+              </a:solidFill>
+              <a:ln w="6350">
+                <a:solidFill>
+                  <a:srgbClr val="2C74A5"/>
+                </a:solidFill>
+              </a:ln>
+            </p:spPr>
+            <p:style>
+              <a:lnRef idx="2">
+                <a:schemeClr val="dk1"/>
+              </a:lnRef>
+              <a:fillRef idx="1">
+                <a:schemeClr val="lt1"/>
+              </a:fillRef>
+              <a:effectRef idx="0">
+                <a:schemeClr val="dk1"/>
+              </a:effectRef>
+              <a:fontRef idx="minor">
+                <a:schemeClr val="dk1"/>
+              </a:fontRef>
+            </p:style>
+            <p:txBody>
+              <a:bodyPr lIns="182880" rIns="36576" rtlCol="0" anchor="ctr"/>
+              <a:lstStyle/>
+              <a:p>
+                <a:pPr>
+                  <a:spcAft>
+                    <a:spcPts val="600"/>
+                  </a:spcAft>
+                </a:pPr>
+                <a:r>
+                  <a:rPr lang="en-US" sz="800" dirty="0" smtClean="0">
+                    <a:solidFill>
+                      <a:srgbClr val="E84C3B"/>
+                    </a:solidFill>
+                    <a:cs typeface="Arial Narrow"/>
+                  </a:rPr>
+                  <a:t>OPTION:</a:t>
+                </a:r>
+                <a:r>
+                  <a:rPr lang="en-US" sz="800" dirty="0" smtClean="0">
+                    <a:solidFill>
+                      <a:srgbClr val="0070C0"/>
+                    </a:solidFill>
+                    <a:cs typeface="Arial Narrow"/>
+                  </a:rPr>
+                  <a:t> </a:t>
+                </a:r>
+                <a:r>
+                  <a:rPr lang="en-US" sz="800" b="1" dirty="0" smtClean="0">
+                    <a:solidFill>
+                      <a:srgbClr val="2C74A5"/>
+                    </a:solidFill>
+                    <a:cs typeface="Arial Narrow"/>
+                  </a:rPr>
+                  <a:t>WHIPPED CREAM</a:t>
+                </a:r>
+                <a:endParaRPr lang="en-US" sz="800" b="1" dirty="0">
+                  <a:solidFill>
+                    <a:srgbClr val="2C74A5"/>
+                  </a:solidFill>
+                  <a:cs typeface="Arial Narrow"/>
+                </a:endParaRPr>
+              </a:p>
+            </p:txBody>
+          </p:sp>
+        </p:grpSp>
+        <p:sp>
+          <p:nvSpPr>
+            <p:cNvPr id="142" name="TextBox 141"/>
+            <p:cNvSpPr txBox="1"/>
+            <p:nvPr/>
+          </p:nvSpPr>
+          <p:spPr>
+            <a:xfrm>
+              <a:off x="177242" y="4743976"/>
+              <a:ext cx="920830" cy="461665"/>
+            </a:xfrm>
+            <a:prstGeom prst="rect">
+              <a:avLst/>
+            </a:prstGeom>
+            <a:noFill/>
+          </p:spPr>
+          <p:txBody>
+            <a:bodyPr wrap="none" rtlCol="0">
+              <a:spAutoFit/>
+            </a:bodyPr>
+            <a:lstStyle/>
+            <a:p>
+              <a:r>
+                <a:rPr lang="en-US" sz="1200" b="1" dirty="0" smtClean="0">
+                  <a:solidFill>
+                    <a:srgbClr val="A6A6A6"/>
+                  </a:solidFill>
+                  <a:latin typeface="Arial Narrow"/>
+                  <a:cs typeface="Arial Narrow"/>
+                </a:rPr>
+                <a:t>CANDIDATE</a:t>
+              </a:r>
+            </a:p>
+            <a:p>
+              <a:r>
+                <a:rPr lang="en-US" sz="1200" b="1" dirty="0" smtClean="0">
+                  <a:solidFill>
+                    <a:srgbClr val="A6A6A6"/>
+                  </a:solidFill>
+                  <a:latin typeface="Arial Narrow"/>
+                  <a:cs typeface="Arial Narrow"/>
+                </a:rPr>
+                <a:t>PARSE</a:t>
+              </a:r>
+              <a:r>
+                <a:rPr lang="en-US" sz="1200" b="1" dirty="0">
+                  <a:solidFill>
+                    <a:srgbClr val="A6A6A6"/>
+                  </a:solidFill>
+                  <a:latin typeface="Arial Narrow"/>
+                  <a:cs typeface="Arial Narrow"/>
+                </a:rPr>
+                <a:t> </a:t>
+              </a:r>
+              <a:r>
+                <a:rPr lang="en-US" sz="1200" b="1" dirty="0" smtClean="0">
+                  <a:solidFill>
+                    <a:srgbClr val="A6A6A6"/>
+                  </a:solidFill>
+                  <a:latin typeface="Arial Narrow"/>
+                  <a:cs typeface="Arial Narrow"/>
+                </a:rPr>
+                <a:t>#2</a:t>
+              </a:r>
+            </a:p>
+          </p:txBody>
+        </p:sp>
+        <p:grpSp>
+          <p:nvGrpSpPr>
+            <p:cNvPr id="27" name="Group 26"/>
+            <p:cNvGrpSpPr/>
+            <p:nvPr/>
+          </p:nvGrpSpPr>
+          <p:grpSpPr>
+            <a:xfrm>
+              <a:off x="1545021" y="3926705"/>
+              <a:ext cx="6556657" cy="2096208"/>
+              <a:chOff x="1545021" y="4025379"/>
+              <a:chExt cx="6556657" cy="2096208"/>
+            </a:xfrm>
+          </p:grpSpPr>
+          <p:sp>
+            <p:nvSpPr>
+              <p:cNvPr id="116" name="Rounded Rectangle 115"/>
+              <p:cNvSpPr/>
+              <p:nvPr/>
+            </p:nvSpPr>
+            <p:spPr>
+              <a:xfrm>
+                <a:off x="1545021" y="4025379"/>
+                <a:ext cx="6556657" cy="2096208"/>
+              </a:xfrm>
+              <a:prstGeom prst="roundRect">
+                <a:avLst>
+                  <a:gd name="adj" fmla="val 3581"/>
+                </a:avLst>
+              </a:prstGeom>
+              <a:solidFill>
+                <a:srgbClr val="F2F2F2"/>
+              </a:solidFill>
+              <a:ln w="3175">
+                <a:solidFill>
+                  <a:srgbClr val="2C74A5"/>
+                </a:solidFill>
+                <a:prstDash val="solid"/>
+              </a:ln>
+            </p:spPr>
+            <p:style>
+              <a:lnRef idx="2">
+                <a:schemeClr val="dk1"/>
+              </a:lnRef>
+              <a:fillRef idx="1">
+                <a:schemeClr val="lt1"/>
+              </a:fillRef>
+              <a:effectRef idx="0">
+                <a:schemeClr val="dk1"/>
+              </a:effectRef>
+              <a:fontRef idx="minor">
+                <a:schemeClr val="dk1"/>
+              </a:fontRef>
+            </p:style>
+            <p:txBody>
+              <a:bodyPr rtlCol="0" anchor="ctr"/>
+              <a:lstStyle/>
+              <a:p>
+                <a:pPr algn="ctr"/>
+                <a:endParaRPr lang="en-US"/>
+              </a:p>
+            </p:txBody>
+          </p:sp>
+          <p:sp>
+            <p:nvSpPr>
+              <p:cNvPr id="118" name="TextBox 117"/>
+              <p:cNvSpPr txBox="1"/>
+              <p:nvPr/>
+            </p:nvSpPr>
+            <p:spPr>
+              <a:xfrm>
+                <a:off x="4111682" y="4051857"/>
+                <a:ext cx="1440266" cy="276999"/>
+              </a:xfrm>
+              <a:prstGeom prst="rect">
+                <a:avLst/>
+              </a:prstGeom>
+              <a:noFill/>
+              <a:ln>
+                <a:noFill/>
+              </a:ln>
+            </p:spPr>
+            <p:txBody>
+              <a:bodyPr wrap="none" rtlCol="0">
+                <a:spAutoFit/>
+              </a:bodyPr>
+              <a:lstStyle/>
+              <a:p>
+                <a:r>
+                  <a:rPr lang="en-US" sz="1200" b="1" smtClean="0">
+                    <a:solidFill>
+                      <a:srgbClr val="2C74A5"/>
+                    </a:solidFill>
+                  </a:rPr>
+                  <a:t>ENTITY </a:t>
+                </a:r>
+                <a:r>
+                  <a:rPr lang="en-US" sz="1200" b="1" dirty="0" smtClean="0">
+                    <a:solidFill>
+                      <a:srgbClr val="2C74A5"/>
+                    </a:solidFill>
+                  </a:rPr>
+                  <a:t>GROUPS</a:t>
+                </a:r>
+                <a:endParaRPr lang="en-US" sz="1200" b="1" dirty="0">
+                  <a:solidFill>
+                    <a:srgbClr val="2C74A5"/>
+                  </a:solidFill>
+                </a:endParaRPr>
+              </a:p>
+            </p:txBody>
+          </p:sp>
+          <p:sp>
+            <p:nvSpPr>
+              <p:cNvPr id="120" name="Rectangle 119"/>
+              <p:cNvSpPr/>
+              <p:nvPr/>
+            </p:nvSpPr>
+            <p:spPr>
+              <a:xfrm>
+                <a:off x="1640324" y="4396579"/>
+                <a:ext cx="2340238" cy="1591839"/>
+              </a:xfrm>
+              <a:prstGeom prst="rect">
+                <a:avLst/>
+              </a:prstGeom>
+              <a:noFill/>
+              <a:ln w="3175">
+                <a:solidFill>
+                  <a:srgbClr val="2C74A5"/>
+                </a:solidFill>
+                <a:prstDash val="dash"/>
+              </a:ln>
+            </p:spPr>
+            <p:style>
+              <a:lnRef idx="2">
+                <a:schemeClr val="dk1"/>
+              </a:lnRef>
+              <a:fillRef idx="1">
+                <a:schemeClr val="lt1"/>
+              </a:fillRef>
+              <a:effectRef idx="0">
+                <a:schemeClr val="dk1"/>
+              </a:effectRef>
+              <a:fontRef idx="minor">
+                <a:schemeClr val="dk1"/>
+              </a:fontRef>
+            </p:style>
+            <p:txBody>
+              <a:bodyPr rtlCol="0" anchor="ctr"/>
+              <a:lstStyle/>
+              <a:p>
+                <a:pPr algn="ctr"/>
+                <a:endParaRPr lang="en-US"/>
+              </a:p>
+            </p:txBody>
+          </p:sp>
+          <p:cxnSp>
+            <p:nvCxnSpPr>
+              <p:cNvPr id="122" name="Straight Connector 121"/>
+              <p:cNvCxnSpPr/>
+              <p:nvPr/>
+            </p:nvCxnSpPr>
+            <p:spPr>
+              <a:xfrm>
+                <a:off x="1972859" y="4928144"/>
+                <a:ext cx="196210" cy="0"/>
+              </a:xfrm>
+              <a:prstGeom prst="line">
+                <a:avLst/>
+              </a:prstGeom>
+              <a:ln w="6350">
+                <a:solidFill>
+                  <a:srgbClr val="2C74A5"/>
+                </a:solidFill>
+              </a:ln>
+            </p:spPr>
+            <p:style>
+              <a:lnRef idx="1">
+                <a:schemeClr val="dk1"/>
+              </a:lnRef>
+              <a:fillRef idx="0">
+                <a:schemeClr val="dk1"/>
+              </a:fillRef>
+              <a:effectRef idx="0">
+                <a:schemeClr val="dk1"/>
+              </a:effectRef>
+              <a:fontRef idx="minor">
+                <a:schemeClr val="tx1"/>
+              </a:fontRef>
+            </p:style>
+          </p:cxnSp>
+          <p:cxnSp>
+            <p:nvCxnSpPr>
+              <p:cNvPr id="124" name="Straight Connector 123"/>
+              <p:cNvCxnSpPr/>
+              <p:nvPr/>
+            </p:nvCxnSpPr>
+            <p:spPr>
+              <a:xfrm>
+                <a:off x="1970704" y="4693085"/>
+                <a:ext cx="0" cy="566928"/>
+              </a:xfrm>
+              <a:prstGeom prst="line">
+                <a:avLst/>
+              </a:prstGeom>
+              <a:ln w="6350">
+                <a:solidFill>
+                  <a:srgbClr val="2C74A5"/>
+                </a:solidFill>
+              </a:ln>
+            </p:spPr>
+            <p:style>
+              <a:lnRef idx="1">
+                <a:schemeClr val="dk1"/>
+              </a:lnRef>
+              <a:fillRef idx="0">
+                <a:schemeClr val="dk1"/>
+              </a:fillRef>
+              <a:effectRef idx="0">
+                <a:schemeClr val="dk1"/>
+              </a:effectRef>
+              <a:fontRef idx="minor">
+                <a:schemeClr val="tx1"/>
+              </a:fontRef>
+            </p:style>
+          </p:cxnSp>
+          <p:cxnSp>
+            <p:nvCxnSpPr>
+              <p:cNvPr id="125" name="Straight Connector 124"/>
+              <p:cNvCxnSpPr/>
+              <p:nvPr/>
+            </p:nvCxnSpPr>
+            <p:spPr>
+              <a:xfrm>
+                <a:off x="1972859" y="5258489"/>
+                <a:ext cx="196210" cy="0"/>
+              </a:xfrm>
+              <a:prstGeom prst="line">
+                <a:avLst/>
+              </a:prstGeom>
+              <a:ln w="6350">
+                <a:solidFill>
+                  <a:srgbClr val="2C74A5"/>
+                </a:solidFill>
+              </a:ln>
+            </p:spPr>
+            <p:style>
+              <a:lnRef idx="1">
+                <a:schemeClr val="dk1"/>
+              </a:lnRef>
+              <a:fillRef idx="0">
+                <a:schemeClr val="dk1"/>
+              </a:fillRef>
+              <a:effectRef idx="0">
+                <a:schemeClr val="dk1"/>
+              </a:effectRef>
+              <a:fontRef idx="minor">
+                <a:schemeClr val="tx1"/>
+              </a:fontRef>
+            </p:style>
+          </p:cxnSp>
+          <p:sp>
+            <p:nvSpPr>
+              <p:cNvPr id="126" name="Rounded Rectangle 125"/>
+              <p:cNvSpPr/>
+              <p:nvPr/>
+            </p:nvSpPr>
+            <p:spPr>
+              <a:xfrm>
+                <a:off x="2111276" y="5132267"/>
+                <a:ext cx="1486039" cy="243396"/>
+              </a:xfrm>
+              <a:prstGeom prst="roundRect">
+                <a:avLst>
+                  <a:gd name="adj" fmla="val 50000"/>
+                </a:avLst>
+              </a:prstGeom>
+              <a:solidFill>
+                <a:schemeClr val="bg1"/>
+              </a:solidFill>
+              <a:ln w="6350">
+                <a:solidFill>
+                  <a:srgbClr val="2C74A5"/>
+                </a:solidFill>
+              </a:ln>
+            </p:spPr>
+            <p:style>
+              <a:lnRef idx="2">
+                <a:schemeClr val="dk1"/>
+              </a:lnRef>
+              <a:fillRef idx="1">
+                <a:schemeClr val="lt1"/>
+              </a:fillRef>
+              <a:effectRef idx="0">
+                <a:schemeClr val="dk1"/>
+              </a:effectRef>
+              <a:fontRef idx="minor">
+                <a:schemeClr val="dk1"/>
+              </a:fontRef>
+            </p:style>
+            <p:txBody>
+              <a:bodyPr lIns="182880" rIns="36576" rtlCol="0" anchor="ctr"/>
+              <a:lstStyle/>
+              <a:p>
+                <a:pPr>
+                  <a:spcAft>
+                    <a:spcPts val="600"/>
+                  </a:spcAft>
+                </a:pPr>
+                <a:r>
+                  <a:rPr lang="en-US" sz="800" dirty="0">
+                    <a:solidFill>
+                      <a:srgbClr val="E84C3B"/>
+                    </a:solidFill>
+                    <a:cs typeface="Arial Narrow"/>
+                  </a:rPr>
+                  <a:t>SIZE:</a:t>
+                </a:r>
+                <a:r>
+                  <a:rPr lang="en-US" sz="800" dirty="0">
+                    <a:solidFill>
+                      <a:srgbClr val="0070C0"/>
+                    </a:solidFill>
+                    <a:cs typeface="Arial Narrow"/>
+                  </a:rPr>
+                  <a:t> </a:t>
+                </a:r>
+                <a:r>
+                  <a:rPr lang="en-US" sz="800" b="1" dirty="0" smtClean="0">
+                    <a:solidFill>
+                      <a:srgbClr val="2C74A5"/>
+                    </a:solidFill>
+                    <a:cs typeface="Arial Narrow"/>
+                  </a:rPr>
+                  <a:t>TALL</a:t>
+                </a:r>
+                <a:endParaRPr lang="en-US" sz="800" b="1" dirty="0">
+                  <a:solidFill>
+                    <a:srgbClr val="2C74A5"/>
+                  </a:solidFill>
+                  <a:cs typeface="Arial Narrow"/>
+                </a:endParaRPr>
+              </a:p>
+            </p:txBody>
+          </p:sp>
+          <p:sp>
+            <p:nvSpPr>
+              <p:cNvPr id="127" name="Rounded Rectangle 126"/>
+              <p:cNvSpPr/>
+              <p:nvPr/>
+            </p:nvSpPr>
+            <p:spPr>
+              <a:xfrm>
+                <a:off x="1710414" y="4464922"/>
+                <a:ext cx="2226201" cy="243396"/>
+              </a:xfrm>
+              <a:prstGeom prst="roundRect">
+                <a:avLst>
+                  <a:gd name="adj" fmla="val 50000"/>
+                </a:avLst>
+              </a:prstGeom>
+              <a:solidFill>
+                <a:schemeClr val="bg1"/>
+              </a:solidFill>
+              <a:ln w="6350">
+                <a:solidFill>
+                  <a:srgbClr val="2C74A5"/>
+                </a:solidFill>
+              </a:ln>
+            </p:spPr>
+            <p:style>
+              <a:lnRef idx="2">
+                <a:schemeClr val="dk1"/>
+              </a:lnRef>
+              <a:fillRef idx="1">
+                <a:schemeClr val="lt1"/>
+              </a:fillRef>
+              <a:effectRef idx="0">
+                <a:schemeClr val="dk1"/>
+              </a:effectRef>
+              <a:fontRef idx="minor">
+                <a:schemeClr val="dk1"/>
+              </a:fontRef>
+            </p:style>
+            <p:txBody>
+              <a:bodyPr lIns="182880" rIns="36576" rtlCol="0" anchor="ctr"/>
+              <a:lstStyle/>
+              <a:p>
+                <a:pPr>
+                  <a:spcAft>
+                    <a:spcPts val="600"/>
+                  </a:spcAft>
+                </a:pPr>
+                <a:r>
+                  <a:rPr lang="en-US" sz="800" dirty="0" smtClean="0">
+                    <a:solidFill>
+                      <a:srgbClr val="E84C3B"/>
+                    </a:solidFill>
+                    <a:cs typeface="Arial Narrow"/>
+                  </a:rPr>
+                  <a:t>PRODUCT:</a:t>
+                </a:r>
+                <a:r>
+                  <a:rPr lang="en-US" sz="800" dirty="0" smtClean="0">
+                    <a:solidFill>
+                      <a:srgbClr val="0070C0"/>
+                    </a:solidFill>
+                    <a:cs typeface="Arial Narrow"/>
+                  </a:rPr>
+                  <a:t> </a:t>
+                </a:r>
+                <a:r>
+                  <a:rPr lang="en-US" sz="800" b="1" dirty="0" smtClean="0">
+                    <a:solidFill>
+                      <a:srgbClr val="2C74A5"/>
+                    </a:solidFill>
+                    <a:cs typeface="Arial Narrow"/>
+                  </a:rPr>
+                  <a:t>LATTES</a:t>
+                </a:r>
+                <a:endParaRPr lang="en-US" sz="800" b="1" dirty="0">
+                  <a:solidFill>
+                    <a:srgbClr val="2C74A5"/>
+                  </a:solidFill>
+                  <a:cs typeface="Arial Narrow"/>
+                </a:endParaRPr>
+              </a:p>
+            </p:txBody>
+          </p:sp>
+          <p:sp>
+            <p:nvSpPr>
+              <p:cNvPr id="128" name="Rounded Rectangle 127"/>
+              <p:cNvSpPr/>
+              <p:nvPr/>
+            </p:nvSpPr>
+            <p:spPr>
+              <a:xfrm>
+                <a:off x="2111281" y="4804574"/>
+                <a:ext cx="1486039" cy="243396"/>
+              </a:xfrm>
+              <a:prstGeom prst="roundRect">
+                <a:avLst>
+                  <a:gd name="adj" fmla="val 50000"/>
+                </a:avLst>
+              </a:prstGeom>
+              <a:solidFill>
+                <a:schemeClr val="bg1"/>
+              </a:solidFill>
+              <a:ln w="6350">
+                <a:solidFill>
+                  <a:srgbClr val="2C74A5"/>
+                </a:solidFill>
+              </a:ln>
+            </p:spPr>
+            <p:style>
+              <a:lnRef idx="2">
+                <a:schemeClr val="dk1"/>
+              </a:lnRef>
+              <a:fillRef idx="1">
+                <a:schemeClr val="lt1"/>
+              </a:fillRef>
+              <a:effectRef idx="0">
+                <a:schemeClr val="dk1"/>
+              </a:effectRef>
+              <a:fontRef idx="minor">
+                <a:schemeClr val="dk1"/>
+              </a:fontRef>
+            </p:style>
+            <p:txBody>
+              <a:bodyPr lIns="182880" rIns="36576" rtlCol="0" anchor="ctr"/>
+              <a:lstStyle/>
+              <a:p>
+                <a:pPr>
+                  <a:spcAft>
+                    <a:spcPts val="600"/>
+                  </a:spcAft>
+                </a:pPr>
+                <a:r>
+                  <a:rPr lang="en-US" sz="800" dirty="0">
+                    <a:solidFill>
+                      <a:srgbClr val="E84C3B"/>
+                    </a:solidFill>
+                    <a:cs typeface="Arial Narrow"/>
+                  </a:rPr>
+                  <a:t>QUANTITY:</a:t>
+                </a:r>
+                <a:r>
+                  <a:rPr lang="en-US" sz="800" dirty="0">
+                    <a:solidFill>
+                      <a:srgbClr val="0070C0"/>
+                    </a:solidFill>
+                    <a:cs typeface="Arial Narrow"/>
+                  </a:rPr>
+                  <a:t> </a:t>
+                </a:r>
+                <a:r>
+                  <a:rPr lang="en-US" sz="800" b="1" dirty="0" smtClean="0">
+                    <a:solidFill>
+                      <a:srgbClr val="2C74A5"/>
+                    </a:solidFill>
+                    <a:cs typeface="Arial Narrow"/>
+                  </a:rPr>
+                  <a:t>TWO</a:t>
+                </a:r>
+                <a:endParaRPr lang="en-US" sz="800" b="1" dirty="0">
+                  <a:solidFill>
+                    <a:srgbClr val="2C74A5"/>
+                  </a:solidFill>
+                  <a:cs typeface="Arial Narrow"/>
+                </a:endParaRPr>
+              </a:p>
+            </p:txBody>
+          </p:sp>
+          <p:sp>
+            <p:nvSpPr>
+              <p:cNvPr id="129" name="Rectangle 128"/>
+              <p:cNvSpPr/>
+              <p:nvPr/>
+            </p:nvSpPr>
+            <p:spPr>
+              <a:xfrm>
+                <a:off x="4049025" y="4394682"/>
+                <a:ext cx="2144647" cy="1593736"/>
+              </a:xfrm>
+              <a:prstGeom prst="rect">
+                <a:avLst/>
+              </a:prstGeom>
+              <a:noFill/>
+              <a:ln w="3175">
+                <a:solidFill>
+                  <a:srgbClr val="2C74A5"/>
+                </a:solidFill>
+                <a:prstDash val="dash"/>
+              </a:ln>
+            </p:spPr>
+            <p:style>
+              <a:lnRef idx="2">
+                <a:schemeClr val="dk1"/>
+              </a:lnRef>
+              <a:fillRef idx="1">
+                <a:schemeClr val="lt1"/>
+              </a:fillRef>
+              <a:effectRef idx="0">
+                <a:schemeClr val="dk1"/>
+              </a:effectRef>
+              <a:fontRef idx="minor">
+                <a:schemeClr val="dk1"/>
+              </a:fontRef>
+            </p:style>
+            <p:txBody>
+              <a:bodyPr rtlCol="0" anchor="ctr"/>
+              <a:lstStyle/>
+              <a:p>
+                <a:pPr algn="ctr"/>
+                <a:endParaRPr lang="en-US"/>
+              </a:p>
+            </p:txBody>
+          </p:sp>
+          <p:cxnSp>
+            <p:nvCxnSpPr>
+              <p:cNvPr id="130" name="Straight Connector 129"/>
+              <p:cNvCxnSpPr/>
+              <p:nvPr/>
+            </p:nvCxnSpPr>
+            <p:spPr>
+              <a:xfrm>
+                <a:off x="4379933" y="4933132"/>
+                <a:ext cx="196210" cy="0"/>
+              </a:xfrm>
+              <a:prstGeom prst="line">
+                <a:avLst/>
+              </a:prstGeom>
+              <a:ln w="6350">
+                <a:solidFill>
+                  <a:srgbClr val="2C74A5"/>
+                </a:solidFill>
+              </a:ln>
+            </p:spPr>
+            <p:style>
+              <a:lnRef idx="1">
+                <a:schemeClr val="dk1"/>
+              </a:lnRef>
+              <a:fillRef idx="0">
+                <a:schemeClr val="dk1"/>
+              </a:fillRef>
+              <a:effectRef idx="0">
+                <a:schemeClr val="dk1"/>
+              </a:effectRef>
+              <a:fontRef idx="minor">
+                <a:schemeClr val="tx1"/>
+              </a:fontRef>
+            </p:style>
+          </p:cxnSp>
+          <p:cxnSp>
+            <p:nvCxnSpPr>
+              <p:cNvPr id="132" name="Straight Connector 131"/>
+              <p:cNvCxnSpPr/>
+              <p:nvPr/>
+            </p:nvCxnSpPr>
+            <p:spPr>
+              <a:xfrm>
+                <a:off x="4379933" y="4706360"/>
+                <a:ext cx="0" cy="906076"/>
+              </a:xfrm>
+              <a:prstGeom prst="line">
+                <a:avLst/>
+              </a:prstGeom>
+              <a:ln w="6350">
+                <a:solidFill>
+                  <a:srgbClr val="2C74A5"/>
+                </a:solidFill>
+              </a:ln>
+            </p:spPr>
+            <p:style>
+              <a:lnRef idx="1">
+                <a:schemeClr val="dk1"/>
+              </a:lnRef>
+              <a:fillRef idx="0">
+                <a:schemeClr val="dk1"/>
+              </a:fillRef>
+              <a:effectRef idx="0">
+                <a:schemeClr val="dk1"/>
+              </a:effectRef>
+              <a:fontRef idx="minor">
+                <a:schemeClr val="tx1"/>
+              </a:fontRef>
+            </p:style>
+          </p:cxnSp>
+          <p:sp>
+            <p:nvSpPr>
+              <p:cNvPr id="133" name="Rounded Rectangle 132"/>
+              <p:cNvSpPr/>
+              <p:nvPr/>
+            </p:nvSpPr>
+            <p:spPr>
+              <a:xfrm>
+                <a:off x="4538799" y="4804574"/>
+                <a:ext cx="1613741" cy="243396"/>
+              </a:xfrm>
+              <a:prstGeom prst="roundRect">
+                <a:avLst>
+                  <a:gd name="adj" fmla="val 50000"/>
+                </a:avLst>
+              </a:prstGeom>
+              <a:solidFill>
+                <a:schemeClr val="bg1"/>
+              </a:solidFill>
+              <a:ln w="6350">
+                <a:solidFill>
+                  <a:srgbClr val="2C74A5"/>
+                </a:solidFill>
+              </a:ln>
+            </p:spPr>
+            <p:style>
+              <a:lnRef idx="2">
+                <a:schemeClr val="dk1"/>
+              </a:lnRef>
+              <a:fillRef idx="1">
+                <a:schemeClr val="lt1"/>
+              </a:fillRef>
+              <a:effectRef idx="0">
+                <a:schemeClr val="dk1"/>
+              </a:effectRef>
+              <a:fontRef idx="minor">
+                <a:schemeClr val="dk1"/>
+              </a:fontRef>
+            </p:style>
+            <p:txBody>
+              <a:bodyPr lIns="182880" rIns="36576" rtlCol="0" anchor="ctr"/>
+              <a:lstStyle/>
+              <a:p>
+                <a:pPr>
+                  <a:spcAft>
+                    <a:spcPts val="600"/>
+                  </a:spcAft>
+                </a:pPr>
+                <a:r>
+                  <a:rPr lang="en-US" sz="800" dirty="0">
+                    <a:solidFill>
+                      <a:srgbClr val="E84C3B"/>
+                    </a:solidFill>
+                    <a:cs typeface="Arial Narrow"/>
+                  </a:rPr>
+                  <a:t>OPTION:</a:t>
+                </a:r>
+                <a:r>
+                  <a:rPr lang="en-US" sz="800" dirty="0">
+                    <a:solidFill>
+                      <a:srgbClr val="0070C0"/>
+                    </a:solidFill>
+                    <a:cs typeface="Arial Narrow"/>
+                  </a:rPr>
+                  <a:t> </a:t>
+                </a:r>
+                <a:r>
+                  <a:rPr lang="en-US" sz="800" b="1" dirty="0">
+                    <a:solidFill>
+                      <a:srgbClr val="2C74A5"/>
+                    </a:solidFill>
+                    <a:cs typeface="Arial Narrow"/>
+                  </a:rPr>
+                  <a:t>DECAF</a:t>
+                </a:r>
+              </a:p>
+            </p:txBody>
+          </p:sp>
+          <p:sp>
+            <p:nvSpPr>
+              <p:cNvPr id="134" name="Rounded Rectangle 133"/>
+              <p:cNvSpPr/>
+              <p:nvPr/>
+            </p:nvSpPr>
+            <p:spPr>
+              <a:xfrm>
+                <a:off x="4122593" y="4464922"/>
+                <a:ext cx="1829248" cy="243396"/>
+              </a:xfrm>
+              <a:prstGeom prst="roundRect">
+                <a:avLst>
+                  <a:gd name="adj" fmla="val 50000"/>
+                </a:avLst>
+              </a:prstGeom>
+              <a:solidFill>
+                <a:schemeClr val="bg1"/>
+              </a:solidFill>
+              <a:ln w="6350">
+                <a:solidFill>
+                  <a:srgbClr val="2C74A5"/>
+                </a:solidFill>
+              </a:ln>
+            </p:spPr>
+            <p:style>
+              <a:lnRef idx="2">
+                <a:schemeClr val="dk1"/>
+              </a:lnRef>
+              <a:fillRef idx="1">
+                <a:schemeClr val="lt1"/>
+              </a:fillRef>
+              <a:effectRef idx="0">
+                <a:schemeClr val="dk1"/>
+              </a:effectRef>
+              <a:fontRef idx="minor">
+                <a:schemeClr val="dk1"/>
+              </a:fontRef>
+            </p:style>
+            <p:txBody>
+              <a:bodyPr lIns="182880" rIns="36576" rtlCol="0" anchor="ctr"/>
+              <a:lstStyle/>
+              <a:p>
+                <a:pPr>
+                  <a:spcAft>
+                    <a:spcPts val="600"/>
+                  </a:spcAft>
+                </a:pPr>
+                <a:r>
+                  <a:rPr lang="en-US" sz="800" dirty="0" smtClean="0">
+                    <a:solidFill>
+                      <a:srgbClr val="E84C3B"/>
+                    </a:solidFill>
+                    <a:cs typeface="Arial Narrow"/>
+                  </a:rPr>
+                  <a:t>PRODUCT:</a:t>
+                </a:r>
+                <a:r>
+                  <a:rPr lang="en-US" sz="800" dirty="0" smtClean="0">
+                    <a:solidFill>
+                      <a:srgbClr val="0070C0"/>
+                    </a:solidFill>
+                    <a:cs typeface="Arial Narrow"/>
+                  </a:rPr>
+                  <a:t> </a:t>
+                </a:r>
+                <a:r>
+                  <a:rPr lang="en-US" sz="800" b="1" dirty="0" smtClean="0">
+                    <a:solidFill>
+                      <a:srgbClr val="2C74A5"/>
+                    </a:solidFill>
+                    <a:cs typeface="Arial Narrow"/>
+                  </a:rPr>
+                  <a:t>CAFÉ MOCHA</a:t>
+                </a:r>
+                <a:endParaRPr lang="en-US" sz="800" b="1" dirty="0">
+                  <a:solidFill>
+                    <a:srgbClr val="2C74A5"/>
+                  </a:solidFill>
+                  <a:cs typeface="Arial Narrow"/>
+                </a:endParaRPr>
+              </a:p>
+            </p:txBody>
+          </p:sp>
+          <p:sp>
+            <p:nvSpPr>
+              <p:cNvPr id="136" name="Rectangle 135"/>
+              <p:cNvSpPr/>
+              <p:nvPr/>
+            </p:nvSpPr>
+            <p:spPr>
+              <a:xfrm>
+                <a:off x="6262135" y="4394682"/>
+                <a:ext cx="1762682" cy="1593736"/>
+              </a:xfrm>
+              <a:prstGeom prst="rect">
+                <a:avLst/>
+              </a:prstGeom>
+              <a:noFill/>
+              <a:ln w="3175">
+                <a:solidFill>
+                  <a:srgbClr val="2C74A5"/>
+                </a:solidFill>
+                <a:prstDash val="dash"/>
+              </a:ln>
+            </p:spPr>
+            <p:style>
+              <a:lnRef idx="2">
+                <a:schemeClr val="dk1"/>
+              </a:lnRef>
+              <a:fillRef idx="1">
+                <a:schemeClr val="lt1"/>
+              </a:fillRef>
+              <a:effectRef idx="0">
+                <a:schemeClr val="dk1"/>
+              </a:effectRef>
+              <a:fontRef idx="minor">
+                <a:schemeClr val="dk1"/>
+              </a:fontRef>
+            </p:style>
+            <p:txBody>
+              <a:bodyPr rtlCol="0" anchor="ctr"/>
+              <a:lstStyle/>
+              <a:p>
+                <a:pPr algn="ctr"/>
+                <a:endParaRPr lang="en-US">
+                  <a:solidFill>
+                    <a:srgbClr val="2C74A5"/>
+                  </a:solidFill>
+                </a:endParaRPr>
+              </a:p>
+            </p:txBody>
+          </p:sp>
+          <p:sp>
+            <p:nvSpPr>
+              <p:cNvPr id="137" name="Rounded Rectangle 136"/>
+              <p:cNvSpPr/>
+              <p:nvPr/>
+            </p:nvSpPr>
+            <p:spPr>
+              <a:xfrm>
+                <a:off x="6330597" y="4458600"/>
+                <a:ext cx="1610391" cy="243396"/>
+              </a:xfrm>
+              <a:prstGeom prst="roundRect">
+                <a:avLst>
+                  <a:gd name="adj" fmla="val 50000"/>
+                </a:avLst>
+              </a:prstGeom>
+              <a:solidFill>
+                <a:schemeClr val="bg1"/>
+              </a:solidFill>
+              <a:ln w="6350">
+                <a:solidFill>
+                  <a:srgbClr val="2C74A5"/>
+                </a:solidFill>
+              </a:ln>
+            </p:spPr>
+            <p:style>
+              <a:lnRef idx="2">
+                <a:schemeClr val="dk1"/>
+              </a:lnRef>
+              <a:fillRef idx="1">
+                <a:schemeClr val="lt1"/>
+              </a:fillRef>
+              <a:effectRef idx="0">
+                <a:schemeClr val="dk1"/>
+              </a:effectRef>
+              <a:fontRef idx="minor">
+                <a:schemeClr val="dk1"/>
+              </a:fontRef>
+            </p:style>
+            <p:txBody>
+              <a:bodyPr lIns="182880" rIns="36576" rtlCol="0" anchor="ctr"/>
+              <a:lstStyle/>
+              <a:p>
+                <a:pPr>
+                  <a:spcAft>
+                    <a:spcPts val="600"/>
+                  </a:spcAft>
+                </a:pPr>
+                <a:r>
+                  <a:rPr lang="en-US" sz="800" dirty="0" smtClean="0">
+                    <a:solidFill>
+                      <a:srgbClr val="E84C3B"/>
+                    </a:solidFill>
+                    <a:cs typeface="Arial Narrow"/>
+                  </a:rPr>
+                  <a:t>STORE:</a:t>
+                </a:r>
+                <a:r>
+                  <a:rPr lang="en-US" sz="800" dirty="0" smtClean="0">
+                    <a:solidFill>
+                      <a:srgbClr val="0070C0"/>
+                    </a:solidFill>
+                    <a:cs typeface="Arial Narrow"/>
+                  </a:rPr>
+                  <a:t> </a:t>
+                </a:r>
+                <a:r>
+                  <a:rPr lang="en-US" sz="800" b="1" dirty="0" smtClean="0">
+                    <a:solidFill>
+                      <a:srgbClr val="2C74A5"/>
+                    </a:solidFill>
+                    <a:cs typeface="Arial Narrow"/>
+                  </a:rPr>
+                  <a:t>BROADWAY</a:t>
+                </a:r>
+                <a:endParaRPr lang="en-US" sz="800" b="1" dirty="0">
+                  <a:solidFill>
+                    <a:srgbClr val="2C74A5"/>
+                  </a:solidFill>
+                  <a:cs typeface="Arial Narrow"/>
+                </a:endParaRPr>
+              </a:p>
+            </p:txBody>
+          </p:sp>
+          <p:cxnSp>
+            <p:nvCxnSpPr>
+              <p:cNvPr id="140" name="Straight Connector 139"/>
+              <p:cNvCxnSpPr/>
+              <p:nvPr/>
+            </p:nvCxnSpPr>
+            <p:spPr>
+              <a:xfrm>
+                <a:off x="4379933" y="5272784"/>
+                <a:ext cx="196210" cy="0"/>
+              </a:xfrm>
+              <a:prstGeom prst="line">
+                <a:avLst/>
+              </a:prstGeom>
+              <a:ln w="6350">
+                <a:solidFill>
+                  <a:srgbClr val="2C74A5"/>
+                </a:solidFill>
+              </a:ln>
+            </p:spPr>
+            <p:style>
+              <a:lnRef idx="1">
+                <a:schemeClr val="dk1"/>
+              </a:lnRef>
+              <a:fillRef idx="0">
+                <a:schemeClr val="dk1"/>
+              </a:fillRef>
+              <a:effectRef idx="0">
+                <a:schemeClr val="dk1"/>
+              </a:effectRef>
+              <a:fontRef idx="minor">
+                <a:schemeClr val="tx1"/>
+              </a:fontRef>
+            </p:style>
+          </p:cxnSp>
+          <p:sp>
+            <p:nvSpPr>
+              <p:cNvPr id="141" name="Rounded Rectangle 140"/>
+              <p:cNvSpPr/>
+              <p:nvPr/>
+            </p:nvSpPr>
+            <p:spPr>
+              <a:xfrm>
+                <a:off x="4538799" y="5144226"/>
+                <a:ext cx="1613741" cy="243396"/>
+              </a:xfrm>
+              <a:prstGeom prst="roundRect">
+                <a:avLst>
+                  <a:gd name="adj" fmla="val 50000"/>
+                </a:avLst>
+              </a:prstGeom>
+              <a:solidFill>
+                <a:schemeClr val="bg1"/>
+              </a:solidFill>
+              <a:ln w="6350">
+                <a:solidFill>
+                  <a:srgbClr val="2C74A5"/>
+                </a:solidFill>
+              </a:ln>
+            </p:spPr>
+            <p:style>
+              <a:lnRef idx="2">
+                <a:schemeClr val="dk1"/>
+              </a:lnRef>
+              <a:fillRef idx="1">
+                <a:schemeClr val="lt1"/>
+              </a:fillRef>
+              <a:effectRef idx="0">
+                <a:schemeClr val="dk1"/>
+              </a:effectRef>
+              <a:fontRef idx="minor">
+                <a:schemeClr val="dk1"/>
+              </a:fontRef>
+            </p:style>
+            <p:txBody>
+              <a:bodyPr lIns="182880" rIns="36576" rtlCol="0" anchor="ctr"/>
+              <a:lstStyle/>
+              <a:p>
+                <a:pPr>
+                  <a:spcAft>
+                    <a:spcPts val="600"/>
+                  </a:spcAft>
+                </a:pPr>
+                <a:r>
+                  <a:rPr lang="en-US" sz="800" dirty="0">
+                    <a:solidFill>
+                      <a:srgbClr val="E84C3B"/>
+                    </a:solidFill>
+                    <a:cs typeface="Arial Narrow"/>
+                  </a:rPr>
+                  <a:t>SIZE:</a:t>
+                </a:r>
+                <a:r>
+                  <a:rPr lang="en-US" sz="800" dirty="0">
+                    <a:solidFill>
+                      <a:srgbClr val="0070C0"/>
+                    </a:solidFill>
+                    <a:cs typeface="Arial Narrow"/>
+                  </a:rPr>
+                  <a:t> </a:t>
+                </a:r>
+                <a:r>
+                  <a:rPr lang="en-US" sz="800" b="1" dirty="0">
+                    <a:solidFill>
+                      <a:srgbClr val="2C74A5"/>
+                    </a:solidFill>
+                    <a:cs typeface="Arial Narrow"/>
+                  </a:rPr>
+                  <a:t>SMALL</a:t>
+                </a:r>
+              </a:p>
+            </p:txBody>
+          </p:sp>
+          <p:cxnSp>
+            <p:nvCxnSpPr>
+              <p:cNvPr id="144" name="Straight Connector 143"/>
+              <p:cNvCxnSpPr/>
+              <p:nvPr/>
+            </p:nvCxnSpPr>
+            <p:spPr>
+              <a:xfrm>
+                <a:off x="4379933" y="5612436"/>
+                <a:ext cx="196210" cy="0"/>
+              </a:xfrm>
+              <a:prstGeom prst="line">
+                <a:avLst/>
+              </a:prstGeom>
+              <a:ln w="6350">
+                <a:solidFill>
+                  <a:srgbClr val="2C74A5"/>
+                </a:solidFill>
+              </a:ln>
+            </p:spPr>
+            <p:style>
+              <a:lnRef idx="1">
+                <a:schemeClr val="dk1"/>
+              </a:lnRef>
+              <a:fillRef idx="0">
+                <a:schemeClr val="dk1"/>
+              </a:fillRef>
+              <a:effectRef idx="0">
+                <a:schemeClr val="dk1"/>
+              </a:effectRef>
+              <a:fontRef idx="minor">
+                <a:schemeClr val="tx1"/>
+              </a:fontRef>
+            </p:style>
+          </p:cxnSp>
+          <p:sp>
+            <p:nvSpPr>
+              <p:cNvPr id="145" name="Rounded Rectangle 144"/>
+              <p:cNvSpPr/>
+              <p:nvPr/>
+            </p:nvSpPr>
+            <p:spPr>
+              <a:xfrm>
+                <a:off x="4538799" y="5483878"/>
+                <a:ext cx="1613741" cy="243396"/>
+              </a:xfrm>
+              <a:prstGeom prst="roundRect">
+                <a:avLst>
+                  <a:gd name="adj" fmla="val 50000"/>
+                </a:avLst>
+              </a:prstGeom>
+              <a:solidFill>
+                <a:schemeClr val="bg1"/>
+              </a:solidFill>
+              <a:ln w="6350">
+                <a:solidFill>
+                  <a:srgbClr val="2C74A5"/>
+                </a:solidFill>
+              </a:ln>
+            </p:spPr>
+            <p:style>
+              <a:lnRef idx="2">
+                <a:schemeClr val="dk1"/>
+              </a:lnRef>
+              <a:fillRef idx="1">
+                <a:schemeClr val="lt1"/>
+              </a:fillRef>
+              <a:effectRef idx="0">
+                <a:schemeClr val="dk1"/>
+              </a:effectRef>
+              <a:fontRef idx="minor">
+                <a:schemeClr val="dk1"/>
+              </a:fontRef>
+            </p:style>
+            <p:txBody>
+              <a:bodyPr lIns="182880" rIns="36576" rtlCol="0" anchor="ctr"/>
+              <a:lstStyle/>
+              <a:p>
+                <a:pPr>
+                  <a:spcAft>
+                    <a:spcPts val="600"/>
+                  </a:spcAft>
+                </a:pPr>
+                <a:r>
+                  <a:rPr lang="en-US" sz="800" dirty="0" smtClean="0">
+                    <a:solidFill>
+                      <a:srgbClr val="E84C3B"/>
+                    </a:solidFill>
+                    <a:cs typeface="Arial Narrow"/>
+                  </a:rPr>
+                  <a:t>OPTION:</a:t>
+                </a:r>
+                <a:r>
+                  <a:rPr lang="en-US" sz="800" dirty="0" smtClean="0">
+                    <a:solidFill>
+                      <a:srgbClr val="0070C0"/>
+                    </a:solidFill>
+                    <a:cs typeface="Arial Narrow"/>
+                  </a:rPr>
+                  <a:t> </a:t>
+                </a:r>
+                <a:r>
+                  <a:rPr lang="en-US" sz="800" b="1" dirty="0" smtClean="0">
+                    <a:solidFill>
+                      <a:srgbClr val="2C74A5"/>
+                    </a:solidFill>
+                    <a:cs typeface="Arial Narrow"/>
+                  </a:rPr>
+                  <a:t>WHIPPED CREAM</a:t>
+                </a:r>
+                <a:endParaRPr lang="en-US" sz="800" b="1" dirty="0">
+                  <a:solidFill>
+                    <a:srgbClr val="2C74A5"/>
+                  </a:solidFill>
+                  <a:cs typeface="Arial Narrow"/>
+                </a:endParaRPr>
+              </a:p>
+            </p:txBody>
+          </p:sp>
+        </p:grpSp>
+      </p:grpSp>
+    </p:spTree>
+    <p:extLst>
+      <p:ext uri="{BB962C8B-B14F-4D97-AF65-F5344CB8AC3E}">
+        <p14:creationId xmlns:p14="http://schemas.microsoft.com/office/powerpoint/2010/main" val="2048132895"/>
+      </p:ext>
+    </p:extLst>
+  </p:cSld>
+  <p:clrMapOvr>
+    <a:masterClrMapping/>
+  </p:clrMapOvr>
+  <mc:AlternateContent xmlns:mc="http://schemas.openxmlformats.org/markup-compatibility/2006" xmlns:p14="http://schemas.microsoft.com/office/powerpoint/2010/main">
+    <mc:Choice Requires="p14">
+      <p:transition spd="slow" p14:dur="2000"/>
+    </mc:Choice>
+    <mc:Fallback xmlns="">
+      <p:transition spd="slow"/>
+    </mc:Fallback>
+  </mc:AlternateContent>
+  <p:timing>
+    <p:tnLst>
+      <p:par>
+        <p:cTn id="1" dur="indefinite" restart="never" nodeType="tmRoot"/>
+      </p:par>
+    </p:tnLst>
+  </p:timing>
+</p:sld>
+</file>
+
 <file path=ppt/slides/slide2.xml><?xml version="1.0" encoding="utf-8"?>
 <p:sld xmlns:a="http://schemas.openxmlformats.org/drawingml/2006/main" xmlns:r="http://schemas.openxmlformats.org/officeDocument/2006/relationships" xmlns:p="http://schemas.openxmlformats.org/presentationml/2006/main">
   <p:cSld>
@@ -26676,6 +29630,2637 @@
   <p:clrMapOvr>
     <a:masterClrMapping/>
   </p:clrMapOvr>
+  <p:timing>
+    <p:tnLst>
+      <p:par>
+        <p:cTn id="1" dur="indefinite" restart="never" nodeType="tmRoot"/>
+      </p:par>
+    </p:tnLst>
+  </p:timing>
+</p:sld>
+</file>
+
+<file path=ppt/slides/slide20.xml><?xml version="1.0" encoding="utf-8"?>
+<p:sld xmlns:a="http://schemas.openxmlformats.org/drawingml/2006/main" xmlns:r="http://schemas.openxmlformats.org/officeDocument/2006/relationships" xmlns:p="http://schemas.openxmlformats.org/presentationml/2006/main">
+  <p:cSld>
+    <p:spTree>
+      <p:nvGrpSpPr>
+        <p:cNvPr id="1" name=""/>
+        <p:cNvGrpSpPr/>
+        <p:nvPr/>
+      </p:nvGrpSpPr>
+      <p:grpSpPr>
+        <a:xfrm>
+          <a:off x="0" y="0"/>
+          <a:ext cx="0" cy="0"/>
+          <a:chOff x="0" y="0"/>
+          <a:chExt cx="0" cy="0"/>
+        </a:xfrm>
+      </p:grpSpPr>
+      <p:sp>
+        <p:nvSpPr>
+          <p:cNvPr id="73" name="Rounded Rectangle 72"/>
+          <p:cNvSpPr/>
+          <p:nvPr/>
+        </p:nvSpPr>
+        <p:spPr>
+          <a:xfrm>
+            <a:off x="1336360" y="1001262"/>
+            <a:ext cx="6973977" cy="411076"/>
+          </a:xfrm>
+          <a:prstGeom prst="roundRect">
+            <a:avLst>
+              <a:gd name="adj" fmla="val 11698"/>
+            </a:avLst>
+          </a:prstGeom>
+          <a:solidFill>
+            <a:srgbClr val="F2F2F2"/>
+          </a:solidFill>
+          <a:ln w="6350">
+            <a:solidFill>
+              <a:srgbClr val="2C74A5"/>
+            </a:solidFill>
+          </a:ln>
+        </p:spPr>
+        <p:style>
+          <a:lnRef idx="2">
+            <a:schemeClr val="dk1"/>
+          </a:lnRef>
+          <a:fillRef idx="1">
+            <a:schemeClr val="lt1"/>
+          </a:fillRef>
+          <a:effectRef idx="0">
+            <a:schemeClr val="dk1"/>
+          </a:effectRef>
+          <a:fontRef idx="minor">
+            <a:schemeClr val="dk1"/>
+          </a:fontRef>
+        </p:style>
+        <p:txBody>
+          <a:bodyPr lIns="274320" rtlCol="0" anchor="ctr"/>
+          <a:lstStyle/>
+          <a:p>
+            <a:pPr>
+              <a:spcAft>
+                <a:spcPts val="600"/>
+              </a:spcAft>
+            </a:pPr>
+            <a:r>
+              <a:rPr lang="en-US" sz="1400" dirty="0" smtClean="0">
+                <a:solidFill>
+                  <a:srgbClr val="2C74A5"/>
+                </a:solidFill>
+                <a:cs typeface="Arial Narrow"/>
+              </a:rPr>
+              <a:t>“I’d </a:t>
+            </a:r>
+            <a:r>
+              <a:rPr lang="en-US" sz="1400" smtClean="0">
+                <a:solidFill>
+                  <a:srgbClr val="2C74A5"/>
+                </a:solidFill>
+                <a:cs typeface="Arial Narrow"/>
+              </a:rPr>
+              <a:t>like to order a </a:t>
+            </a:r>
+            <a:r>
+              <a:rPr lang="en-US" sz="1400" dirty="0" smtClean="0">
+                <a:solidFill>
+                  <a:srgbClr val="2C74A5"/>
+                </a:solidFill>
+                <a:cs typeface="Arial Narrow"/>
+              </a:rPr>
+              <a:t>pepperoni pizza with extra cheese, a calzone and two diet coke.”</a:t>
+            </a:r>
+            <a:endParaRPr lang="en-US" sz="1400" dirty="0">
+              <a:solidFill>
+                <a:srgbClr val="2C74A5"/>
+              </a:solidFill>
+              <a:cs typeface="Arial Narrow"/>
+            </a:endParaRPr>
+          </a:p>
+        </p:txBody>
+      </p:sp>
+      <p:sp>
+        <p:nvSpPr>
+          <p:cNvPr id="74" name="TextBox 73"/>
+          <p:cNvSpPr txBox="1"/>
+          <p:nvPr/>
+        </p:nvSpPr>
+        <p:spPr>
+          <a:xfrm>
+            <a:off x="177242" y="1001654"/>
+            <a:ext cx="611682" cy="276999"/>
+          </a:xfrm>
+          <a:prstGeom prst="rect">
+            <a:avLst/>
+          </a:prstGeom>
+          <a:noFill/>
+        </p:spPr>
+        <p:txBody>
+          <a:bodyPr wrap="none" rtlCol="0" anchor="ctr">
+            <a:spAutoFit/>
+          </a:bodyPr>
+          <a:lstStyle>
+            <a:defPPr>
+              <a:defRPr lang="en-US"/>
+            </a:defPPr>
+            <a:lvl1pPr algn="ctr">
+              <a:defRPr sz="1200">
+                <a:solidFill>
+                  <a:srgbClr val="A6A6A6"/>
+                </a:solidFill>
+                <a:latin typeface="Arial Narrow"/>
+                <a:cs typeface="Arial Narrow"/>
+              </a:defRPr>
+            </a:lvl1pPr>
+          </a:lstStyle>
+          <a:p>
+            <a:r>
+              <a:rPr lang="en-US" b="1" dirty="0"/>
+              <a:t>INPUT</a:t>
+            </a:r>
+          </a:p>
+        </p:txBody>
+      </p:sp>
+      <p:sp>
+        <p:nvSpPr>
+          <p:cNvPr id="75" name="TextBox 74"/>
+          <p:cNvSpPr txBox="1"/>
+          <p:nvPr/>
+        </p:nvSpPr>
+        <p:spPr>
+          <a:xfrm>
+            <a:off x="177242" y="2437249"/>
+            <a:ext cx="920830" cy="461665"/>
+          </a:xfrm>
+          <a:prstGeom prst="rect">
+            <a:avLst/>
+          </a:prstGeom>
+          <a:noFill/>
+        </p:spPr>
+        <p:txBody>
+          <a:bodyPr wrap="none" rtlCol="0">
+            <a:spAutoFit/>
+          </a:bodyPr>
+          <a:lstStyle/>
+          <a:p>
+            <a:r>
+              <a:rPr lang="en-US" sz="1200" b="1" dirty="0" smtClean="0">
+                <a:solidFill>
+                  <a:srgbClr val="A6A6A6"/>
+                </a:solidFill>
+                <a:latin typeface="Arial Narrow"/>
+                <a:cs typeface="Arial Narrow"/>
+              </a:rPr>
+              <a:t>CANDIDATE</a:t>
+            </a:r>
+          </a:p>
+          <a:p>
+            <a:r>
+              <a:rPr lang="en-US" sz="1200" b="1" dirty="0" smtClean="0">
+                <a:solidFill>
+                  <a:srgbClr val="A6A6A6"/>
+                </a:solidFill>
+                <a:latin typeface="Arial Narrow"/>
+                <a:cs typeface="Arial Narrow"/>
+              </a:rPr>
+              <a:t>PARSE</a:t>
+            </a:r>
+            <a:r>
+              <a:rPr lang="en-US" sz="1200" b="1" dirty="0">
+                <a:solidFill>
+                  <a:srgbClr val="A6A6A6"/>
+                </a:solidFill>
+                <a:latin typeface="Arial Narrow"/>
+                <a:cs typeface="Arial Narrow"/>
+              </a:rPr>
+              <a:t> </a:t>
+            </a:r>
+            <a:r>
+              <a:rPr lang="en-US" sz="1200" b="1" dirty="0" smtClean="0">
+                <a:solidFill>
+                  <a:srgbClr val="A6A6A6"/>
+                </a:solidFill>
+                <a:latin typeface="Arial Narrow"/>
+                <a:cs typeface="Arial Narrow"/>
+              </a:rPr>
+              <a:t>#1</a:t>
+            </a:r>
+          </a:p>
+        </p:txBody>
+      </p:sp>
+      <p:grpSp>
+        <p:nvGrpSpPr>
+          <p:cNvPr id="28" name="Group 27"/>
+          <p:cNvGrpSpPr/>
+          <p:nvPr/>
+        </p:nvGrpSpPr>
+        <p:grpSpPr>
+          <a:xfrm>
+            <a:off x="1545021" y="1619978"/>
+            <a:ext cx="6556657" cy="2096208"/>
+            <a:chOff x="1545021" y="1619978"/>
+            <a:chExt cx="6556657" cy="2096208"/>
+          </a:xfrm>
+        </p:grpSpPr>
+        <p:sp>
+          <p:nvSpPr>
+            <p:cNvPr id="71" name="Rounded Rectangle 70"/>
+            <p:cNvSpPr/>
+            <p:nvPr/>
+          </p:nvSpPr>
+          <p:spPr>
+            <a:xfrm>
+              <a:off x="1545021" y="1619978"/>
+              <a:ext cx="6556657" cy="2096208"/>
+            </a:xfrm>
+            <a:prstGeom prst="roundRect">
+              <a:avLst>
+                <a:gd name="adj" fmla="val 3581"/>
+              </a:avLst>
+            </a:prstGeom>
+            <a:solidFill>
+              <a:srgbClr val="F2F2F2"/>
+            </a:solidFill>
+            <a:ln w="3175">
+              <a:solidFill>
+                <a:srgbClr val="2C74A5"/>
+              </a:solidFill>
+              <a:prstDash val="solid"/>
+            </a:ln>
+          </p:spPr>
+          <p:style>
+            <a:lnRef idx="2">
+              <a:schemeClr val="dk1"/>
+            </a:lnRef>
+            <a:fillRef idx="1">
+              <a:schemeClr val="lt1"/>
+            </a:fillRef>
+            <a:effectRef idx="0">
+              <a:schemeClr val="dk1"/>
+            </a:effectRef>
+            <a:fontRef idx="minor">
+              <a:schemeClr val="dk1"/>
+            </a:fontRef>
+          </p:style>
+          <p:txBody>
+            <a:bodyPr rtlCol="0" anchor="ctr"/>
+            <a:lstStyle/>
+            <a:p>
+              <a:pPr algn="ctr"/>
+              <a:endParaRPr lang="en-US"/>
+            </a:p>
+          </p:txBody>
+        </p:sp>
+        <p:sp>
+          <p:nvSpPr>
+            <p:cNvPr id="76" name="TextBox 75"/>
+            <p:cNvSpPr txBox="1"/>
+            <p:nvPr/>
+          </p:nvSpPr>
+          <p:spPr>
+            <a:xfrm>
+              <a:off x="4111682" y="1646456"/>
+              <a:ext cx="1440266" cy="276999"/>
+            </a:xfrm>
+            <a:prstGeom prst="rect">
+              <a:avLst/>
+            </a:prstGeom>
+            <a:noFill/>
+            <a:ln>
+              <a:noFill/>
+            </a:ln>
+          </p:spPr>
+          <p:txBody>
+            <a:bodyPr wrap="none" rtlCol="0">
+              <a:spAutoFit/>
+            </a:bodyPr>
+            <a:lstStyle/>
+            <a:p>
+              <a:r>
+                <a:rPr lang="en-US" sz="1200" b="1" smtClean="0">
+                  <a:solidFill>
+                    <a:srgbClr val="2C74A5"/>
+                  </a:solidFill>
+                </a:rPr>
+                <a:t>ENTITY </a:t>
+              </a:r>
+              <a:r>
+                <a:rPr lang="en-US" sz="1200" b="1" dirty="0" smtClean="0">
+                  <a:solidFill>
+                    <a:srgbClr val="2C74A5"/>
+                  </a:solidFill>
+                </a:rPr>
+                <a:t>GROUPS</a:t>
+              </a:r>
+              <a:endParaRPr lang="en-US" sz="1200" b="1" dirty="0">
+                <a:solidFill>
+                  <a:srgbClr val="2C74A5"/>
+                </a:solidFill>
+              </a:endParaRPr>
+            </a:p>
+          </p:txBody>
+        </p:sp>
+        <p:sp>
+          <p:nvSpPr>
+            <p:cNvPr id="78" name="Rectangle 77"/>
+            <p:cNvSpPr/>
+            <p:nvPr/>
+          </p:nvSpPr>
+          <p:spPr>
+            <a:xfrm>
+              <a:off x="1640324" y="1991178"/>
+              <a:ext cx="2340238" cy="1591839"/>
+            </a:xfrm>
+            <a:prstGeom prst="rect">
+              <a:avLst/>
+            </a:prstGeom>
+            <a:noFill/>
+            <a:ln w="3175">
+              <a:solidFill>
+                <a:srgbClr val="2C74A5"/>
+              </a:solidFill>
+              <a:prstDash val="dash"/>
+            </a:ln>
+          </p:spPr>
+          <p:style>
+            <a:lnRef idx="2">
+              <a:schemeClr val="dk1"/>
+            </a:lnRef>
+            <a:fillRef idx="1">
+              <a:schemeClr val="lt1"/>
+            </a:fillRef>
+            <a:effectRef idx="0">
+              <a:schemeClr val="dk1"/>
+            </a:effectRef>
+            <a:fontRef idx="minor">
+              <a:schemeClr val="dk1"/>
+            </a:fontRef>
+          </p:style>
+          <p:txBody>
+            <a:bodyPr rtlCol="0" anchor="ctr"/>
+            <a:lstStyle/>
+            <a:p>
+              <a:pPr algn="ctr"/>
+              <a:endParaRPr lang="en-US"/>
+            </a:p>
+          </p:txBody>
+        </p:sp>
+        <p:cxnSp>
+          <p:nvCxnSpPr>
+            <p:cNvPr id="79" name="Straight Connector 78"/>
+            <p:cNvCxnSpPr/>
+            <p:nvPr/>
+          </p:nvCxnSpPr>
+          <p:spPr>
+            <a:xfrm>
+              <a:off x="1972859" y="2522743"/>
+              <a:ext cx="196210" cy="0"/>
+            </a:xfrm>
+            <a:prstGeom prst="line">
+              <a:avLst/>
+            </a:prstGeom>
+            <a:ln w="6350">
+              <a:solidFill>
+                <a:srgbClr val="2C74A5"/>
+              </a:solidFill>
+            </a:ln>
+          </p:spPr>
+          <p:style>
+            <a:lnRef idx="1">
+              <a:schemeClr val="dk1"/>
+            </a:lnRef>
+            <a:fillRef idx="0">
+              <a:schemeClr val="dk1"/>
+            </a:fillRef>
+            <a:effectRef idx="0">
+              <a:schemeClr val="dk1"/>
+            </a:effectRef>
+            <a:fontRef idx="minor">
+              <a:schemeClr val="tx1"/>
+            </a:fontRef>
+          </p:style>
+        </p:cxnSp>
+        <p:cxnSp>
+          <p:nvCxnSpPr>
+            <p:cNvPr id="80" name="Straight Connector 79"/>
+            <p:cNvCxnSpPr/>
+            <p:nvPr/>
+          </p:nvCxnSpPr>
+          <p:spPr>
+            <a:xfrm>
+              <a:off x="1970704" y="2287684"/>
+              <a:ext cx="2155" cy="895748"/>
+            </a:xfrm>
+            <a:prstGeom prst="line">
+              <a:avLst/>
+            </a:prstGeom>
+            <a:ln w="6350">
+              <a:solidFill>
+                <a:srgbClr val="2C74A5"/>
+              </a:solidFill>
+            </a:ln>
+          </p:spPr>
+          <p:style>
+            <a:lnRef idx="1">
+              <a:schemeClr val="dk1"/>
+            </a:lnRef>
+            <a:fillRef idx="0">
+              <a:schemeClr val="dk1"/>
+            </a:fillRef>
+            <a:effectRef idx="0">
+              <a:schemeClr val="dk1"/>
+            </a:effectRef>
+            <a:fontRef idx="minor">
+              <a:schemeClr val="tx1"/>
+            </a:fontRef>
+          </p:style>
+        </p:cxnSp>
+        <p:cxnSp>
+          <p:nvCxnSpPr>
+            <p:cNvPr id="81" name="Straight Connector 80"/>
+            <p:cNvCxnSpPr/>
+            <p:nvPr/>
+          </p:nvCxnSpPr>
+          <p:spPr>
+            <a:xfrm>
+              <a:off x="1972859" y="2853088"/>
+              <a:ext cx="196210" cy="0"/>
+            </a:xfrm>
+            <a:prstGeom prst="line">
+              <a:avLst/>
+            </a:prstGeom>
+            <a:ln w="6350">
+              <a:solidFill>
+                <a:srgbClr val="2C74A5"/>
+              </a:solidFill>
+            </a:ln>
+          </p:spPr>
+          <p:style>
+            <a:lnRef idx="1">
+              <a:schemeClr val="dk1"/>
+            </a:lnRef>
+            <a:fillRef idx="0">
+              <a:schemeClr val="dk1"/>
+            </a:fillRef>
+            <a:effectRef idx="0">
+              <a:schemeClr val="dk1"/>
+            </a:effectRef>
+            <a:fontRef idx="minor">
+              <a:schemeClr val="tx1"/>
+            </a:fontRef>
+          </p:style>
+        </p:cxnSp>
+        <p:sp>
+          <p:nvSpPr>
+            <p:cNvPr id="82" name="Rounded Rectangle 81"/>
+            <p:cNvSpPr/>
+            <p:nvPr/>
+          </p:nvSpPr>
+          <p:spPr>
+            <a:xfrm>
+              <a:off x="2111276" y="2726866"/>
+              <a:ext cx="1486039" cy="243396"/>
+            </a:xfrm>
+            <a:prstGeom prst="roundRect">
+              <a:avLst>
+                <a:gd name="adj" fmla="val 50000"/>
+              </a:avLst>
+            </a:prstGeom>
+            <a:solidFill>
+              <a:schemeClr val="bg1"/>
+            </a:solidFill>
+            <a:ln w="6350">
+              <a:solidFill>
+                <a:srgbClr val="2C74A5"/>
+              </a:solidFill>
+            </a:ln>
+          </p:spPr>
+          <p:style>
+            <a:lnRef idx="2">
+              <a:schemeClr val="dk1"/>
+            </a:lnRef>
+            <a:fillRef idx="1">
+              <a:schemeClr val="lt1"/>
+            </a:fillRef>
+            <a:effectRef idx="0">
+              <a:schemeClr val="dk1"/>
+            </a:effectRef>
+            <a:fontRef idx="minor">
+              <a:schemeClr val="dk1"/>
+            </a:fontRef>
+          </p:style>
+          <p:txBody>
+            <a:bodyPr lIns="182880" rIns="36576" rtlCol="0" anchor="ctr"/>
+            <a:lstStyle/>
+            <a:p>
+              <a:pPr>
+                <a:spcAft>
+                  <a:spcPts val="600"/>
+                </a:spcAft>
+              </a:pPr>
+              <a:r>
+                <a:rPr lang="en-US" sz="800" dirty="0">
+                  <a:solidFill>
+                    <a:srgbClr val="E84C3B"/>
+                  </a:solidFill>
+                  <a:cs typeface="Arial Narrow"/>
+                </a:rPr>
+                <a:t>SIZE:</a:t>
+              </a:r>
+              <a:r>
+                <a:rPr lang="en-US" sz="800" dirty="0">
+                  <a:solidFill>
+                    <a:srgbClr val="0070C0"/>
+                  </a:solidFill>
+                  <a:cs typeface="Arial Narrow"/>
+                </a:rPr>
+                <a:t> </a:t>
+              </a:r>
+              <a:r>
+                <a:rPr lang="en-US" sz="800" b="1" dirty="0" smtClean="0">
+                  <a:solidFill>
+                    <a:srgbClr val="2C74A5"/>
+                  </a:solidFill>
+                  <a:cs typeface="Arial Narrow"/>
+                </a:rPr>
+                <a:t>TALL</a:t>
+              </a:r>
+              <a:endParaRPr lang="en-US" sz="800" b="1" dirty="0">
+                <a:solidFill>
+                  <a:srgbClr val="2C74A5"/>
+                </a:solidFill>
+                <a:cs typeface="Arial Narrow"/>
+              </a:endParaRPr>
+            </a:p>
+          </p:txBody>
+        </p:sp>
+        <p:sp>
+          <p:nvSpPr>
+            <p:cNvPr id="83" name="Rounded Rectangle 82"/>
+            <p:cNvSpPr/>
+            <p:nvPr/>
+          </p:nvSpPr>
+          <p:spPr>
+            <a:xfrm>
+              <a:off x="1710414" y="2059521"/>
+              <a:ext cx="2226201" cy="243396"/>
+            </a:xfrm>
+            <a:prstGeom prst="roundRect">
+              <a:avLst>
+                <a:gd name="adj" fmla="val 50000"/>
+              </a:avLst>
+            </a:prstGeom>
+            <a:solidFill>
+              <a:schemeClr val="bg1"/>
+            </a:solidFill>
+            <a:ln w="6350">
+              <a:solidFill>
+                <a:srgbClr val="2C74A5"/>
+              </a:solidFill>
+            </a:ln>
+          </p:spPr>
+          <p:style>
+            <a:lnRef idx="2">
+              <a:schemeClr val="dk1"/>
+            </a:lnRef>
+            <a:fillRef idx="1">
+              <a:schemeClr val="lt1"/>
+            </a:fillRef>
+            <a:effectRef idx="0">
+              <a:schemeClr val="dk1"/>
+            </a:effectRef>
+            <a:fontRef idx="minor">
+              <a:schemeClr val="dk1"/>
+            </a:fontRef>
+          </p:style>
+          <p:txBody>
+            <a:bodyPr lIns="182880" rIns="36576" rtlCol="0" anchor="ctr"/>
+            <a:lstStyle/>
+            <a:p>
+              <a:pPr>
+                <a:spcAft>
+                  <a:spcPts val="600"/>
+                </a:spcAft>
+              </a:pPr>
+              <a:r>
+                <a:rPr lang="en-US" sz="800" dirty="0" smtClean="0">
+                  <a:solidFill>
+                    <a:srgbClr val="E84C3B"/>
+                  </a:solidFill>
+                  <a:cs typeface="Arial Narrow"/>
+                </a:rPr>
+                <a:t>PRODUCT:</a:t>
+              </a:r>
+              <a:r>
+                <a:rPr lang="en-US" sz="800" dirty="0" smtClean="0">
+                  <a:solidFill>
+                    <a:srgbClr val="0070C0"/>
+                  </a:solidFill>
+                  <a:cs typeface="Arial Narrow"/>
+                </a:rPr>
+                <a:t> </a:t>
+              </a:r>
+              <a:r>
+                <a:rPr lang="en-US" sz="800" b="1" dirty="0" smtClean="0">
+                  <a:solidFill>
+                    <a:srgbClr val="2C74A5"/>
+                  </a:solidFill>
+                  <a:cs typeface="Arial Narrow"/>
+                </a:rPr>
+                <a:t>LATTES</a:t>
+              </a:r>
+              <a:endParaRPr lang="en-US" sz="800" b="1" dirty="0">
+                <a:solidFill>
+                  <a:srgbClr val="2C74A5"/>
+                </a:solidFill>
+                <a:cs typeface="Arial Narrow"/>
+              </a:endParaRPr>
+            </a:p>
+          </p:txBody>
+        </p:sp>
+        <p:sp>
+          <p:nvSpPr>
+            <p:cNvPr id="84" name="Rounded Rectangle 83"/>
+            <p:cNvSpPr/>
+            <p:nvPr/>
+          </p:nvSpPr>
+          <p:spPr>
+            <a:xfrm>
+              <a:off x="2111281" y="2399173"/>
+              <a:ext cx="1486039" cy="243396"/>
+            </a:xfrm>
+            <a:prstGeom prst="roundRect">
+              <a:avLst>
+                <a:gd name="adj" fmla="val 50000"/>
+              </a:avLst>
+            </a:prstGeom>
+            <a:solidFill>
+              <a:schemeClr val="bg1"/>
+            </a:solidFill>
+            <a:ln w="6350">
+              <a:solidFill>
+                <a:srgbClr val="2C74A5"/>
+              </a:solidFill>
+            </a:ln>
+          </p:spPr>
+          <p:style>
+            <a:lnRef idx="2">
+              <a:schemeClr val="dk1"/>
+            </a:lnRef>
+            <a:fillRef idx="1">
+              <a:schemeClr val="lt1"/>
+            </a:fillRef>
+            <a:effectRef idx="0">
+              <a:schemeClr val="dk1"/>
+            </a:effectRef>
+            <a:fontRef idx="minor">
+              <a:schemeClr val="dk1"/>
+            </a:fontRef>
+          </p:style>
+          <p:txBody>
+            <a:bodyPr lIns="182880" rIns="36576" rtlCol="0" anchor="ctr"/>
+            <a:lstStyle/>
+            <a:p>
+              <a:pPr>
+                <a:spcAft>
+                  <a:spcPts val="600"/>
+                </a:spcAft>
+              </a:pPr>
+              <a:r>
+                <a:rPr lang="en-US" sz="800" dirty="0">
+                  <a:solidFill>
+                    <a:srgbClr val="E84C3B"/>
+                  </a:solidFill>
+                  <a:cs typeface="Arial Narrow"/>
+                </a:rPr>
+                <a:t>QUANTITY:</a:t>
+              </a:r>
+              <a:r>
+                <a:rPr lang="en-US" sz="800" dirty="0">
+                  <a:solidFill>
+                    <a:srgbClr val="0070C0"/>
+                  </a:solidFill>
+                  <a:cs typeface="Arial Narrow"/>
+                </a:rPr>
+                <a:t> </a:t>
+              </a:r>
+              <a:r>
+                <a:rPr lang="en-US" sz="800" b="1" dirty="0" smtClean="0">
+                  <a:solidFill>
+                    <a:srgbClr val="2C74A5"/>
+                  </a:solidFill>
+                  <a:cs typeface="Arial Narrow"/>
+                </a:rPr>
+                <a:t>TWO</a:t>
+              </a:r>
+              <a:endParaRPr lang="en-US" sz="800" b="1" dirty="0">
+                <a:solidFill>
+                  <a:srgbClr val="2C74A5"/>
+                </a:solidFill>
+                <a:cs typeface="Arial Narrow"/>
+              </a:endParaRPr>
+            </a:p>
+          </p:txBody>
+        </p:sp>
+        <p:sp>
+          <p:nvSpPr>
+            <p:cNvPr id="86" name="Rectangle 85"/>
+            <p:cNvSpPr/>
+            <p:nvPr/>
+          </p:nvSpPr>
+          <p:spPr>
+            <a:xfrm>
+              <a:off x="4049025" y="1989281"/>
+              <a:ext cx="2144647" cy="1593736"/>
+            </a:xfrm>
+            <a:prstGeom prst="rect">
+              <a:avLst/>
+            </a:prstGeom>
+            <a:noFill/>
+            <a:ln w="3175">
+              <a:solidFill>
+                <a:srgbClr val="2C74A5"/>
+              </a:solidFill>
+              <a:prstDash val="dash"/>
+            </a:ln>
+          </p:spPr>
+          <p:style>
+            <a:lnRef idx="2">
+              <a:schemeClr val="dk1"/>
+            </a:lnRef>
+            <a:fillRef idx="1">
+              <a:schemeClr val="lt1"/>
+            </a:fillRef>
+            <a:effectRef idx="0">
+              <a:schemeClr val="dk1"/>
+            </a:effectRef>
+            <a:fontRef idx="minor">
+              <a:schemeClr val="dk1"/>
+            </a:fontRef>
+          </p:style>
+          <p:txBody>
+            <a:bodyPr rtlCol="0" anchor="ctr"/>
+            <a:lstStyle/>
+            <a:p>
+              <a:pPr algn="ctr"/>
+              <a:endParaRPr lang="en-US"/>
+            </a:p>
+          </p:txBody>
+        </p:sp>
+        <p:cxnSp>
+          <p:nvCxnSpPr>
+            <p:cNvPr id="87" name="Straight Connector 86"/>
+            <p:cNvCxnSpPr/>
+            <p:nvPr/>
+          </p:nvCxnSpPr>
+          <p:spPr>
+            <a:xfrm>
+              <a:off x="4379933" y="2527731"/>
+              <a:ext cx="196210" cy="0"/>
+            </a:xfrm>
+            <a:prstGeom prst="line">
+              <a:avLst/>
+            </a:prstGeom>
+            <a:ln w="6350">
+              <a:solidFill>
+                <a:srgbClr val="2C74A5"/>
+              </a:solidFill>
+            </a:ln>
+          </p:spPr>
+          <p:style>
+            <a:lnRef idx="1">
+              <a:schemeClr val="dk1"/>
+            </a:lnRef>
+            <a:fillRef idx="0">
+              <a:schemeClr val="dk1"/>
+            </a:fillRef>
+            <a:effectRef idx="0">
+              <a:schemeClr val="dk1"/>
+            </a:effectRef>
+            <a:fontRef idx="minor">
+              <a:schemeClr val="tx1"/>
+            </a:fontRef>
+          </p:style>
+        </p:cxnSp>
+        <p:cxnSp>
+          <p:nvCxnSpPr>
+            <p:cNvPr id="88" name="Straight Connector 87"/>
+            <p:cNvCxnSpPr/>
+            <p:nvPr/>
+          </p:nvCxnSpPr>
+          <p:spPr>
+            <a:xfrm>
+              <a:off x="4379933" y="2300959"/>
+              <a:ext cx="0" cy="566424"/>
+            </a:xfrm>
+            <a:prstGeom prst="line">
+              <a:avLst/>
+            </a:prstGeom>
+            <a:ln w="6350">
+              <a:solidFill>
+                <a:srgbClr val="2C74A5"/>
+              </a:solidFill>
+            </a:ln>
+          </p:spPr>
+          <p:style>
+            <a:lnRef idx="1">
+              <a:schemeClr val="dk1"/>
+            </a:lnRef>
+            <a:fillRef idx="0">
+              <a:schemeClr val="dk1"/>
+            </a:fillRef>
+            <a:effectRef idx="0">
+              <a:schemeClr val="dk1"/>
+            </a:effectRef>
+            <a:fontRef idx="minor">
+              <a:schemeClr val="tx1"/>
+            </a:fontRef>
+          </p:style>
+        </p:cxnSp>
+        <p:sp>
+          <p:nvSpPr>
+            <p:cNvPr id="89" name="Rounded Rectangle 88"/>
+            <p:cNvSpPr/>
+            <p:nvPr/>
+          </p:nvSpPr>
+          <p:spPr>
+            <a:xfrm>
+              <a:off x="4538799" y="2399173"/>
+              <a:ext cx="1613741" cy="243396"/>
+            </a:xfrm>
+            <a:prstGeom prst="roundRect">
+              <a:avLst>
+                <a:gd name="adj" fmla="val 50000"/>
+              </a:avLst>
+            </a:prstGeom>
+            <a:solidFill>
+              <a:schemeClr val="bg1"/>
+            </a:solidFill>
+            <a:ln w="6350">
+              <a:solidFill>
+                <a:srgbClr val="2C74A5"/>
+              </a:solidFill>
+            </a:ln>
+          </p:spPr>
+          <p:style>
+            <a:lnRef idx="2">
+              <a:schemeClr val="dk1"/>
+            </a:lnRef>
+            <a:fillRef idx="1">
+              <a:schemeClr val="lt1"/>
+            </a:fillRef>
+            <a:effectRef idx="0">
+              <a:schemeClr val="dk1"/>
+            </a:effectRef>
+            <a:fontRef idx="minor">
+              <a:schemeClr val="dk1"/>
+            </a:fontRef>
+          </p:style>
+          <p:txBody>
+            <a:bodyPr lIns="182880" rIns="36576" rtlCol="0" anchor="ctr"/>
+            <a:lstStyle/>
+            <a:p>
+              <a:pPr>
+                <a:spcAft>
+                  <a:spcPts val="600"/>
+                </a:spcAft>
+              </a:pPr>
+              <a:r>
+                <a:rPr lang="en-US" sz="800" dirty="0" smtClean="0">
+                  <a:solidFill>
+                    <a:srgbClr val="E84C3B"/>
+                  </a:solidFill>
+                  <a:cs typeface="Arial Narrow"/>
+                </a:rPr>
+                <a:t>SIZE:</a:t>
+              </a:r>
+              <a:r>
+                <a:rPr lang="en-US" sz="800" dirty="0" smtClean="0">
+                  <a:solidFill>
+                    <a:srgbClr val="0070C0"/>
+                  </a:solidFill>
+                  <a:cs typeface="Arial Narrow"/>
+                </a:rPr>
+                <a:t> </a:t>
+              </a:r>
+              <a:r>
+                <a:rPr lang="en-US" sz="800" b="1" dirty="0" smtClean="0">
+                  <a:solidFill>
+                    <a:srgbClr val="2C74A5"/>
+                  </a:solidFill>
+                  <a:cs typeface="Arial Narrow"/>
+                </a:rPr>
+                <a:t>SMALL</a:t>
+              </a:r>
+              <a:endParaRPr lang="en-US" sz="800" b="1" dirty="0">
+                <a:solidFill>
+                  <a:srgbClr val="2C74A5"/>
+                </a:solidFill>
+                <a:cs typeface="Arial Narrow"/>
+              </a:endParaRPr>
+            </a:p>
+          </p:txBody>
+        </p:sp>
+        <p:sp>
+          <p:nvSpPr>
+            <p:cNvPr id="90" name="Rounded Rectangle 89"/>
+            <p:cNvSpPr/>
+            <p:nvPr/>
+          </p:nvSpPr>
+          <p:spPr>
+            <a:xfrm>
+              <a:off x="4122593" y="2059521"/>
+              <a:ext cx="1829248" cy="243396"/>
+            </a:xfrm>
+            <a:prstGeom prst="roundRect">
+              <a:avLst>
+                <a:gd name="adj" fmla="val 50000"/>
+              </a:avLst>
+            </a:prstGeom>
+            <a:solidFill>
+              <a:schemeClr val="bg1"/>
+            </a:solidFill>
+            <a:ln w="6350">
+              <a:solidFill>
+                <a:srgbClr val="2C74A5"/>
+              </a:solidFill>
+            </a:ln>
+          </p:spPr>
+          <p:style>
+            <a:lnRef idx="2">
+              <a:schemeClr val="dk1"/>
+            </a:lnRef>
+            <a:fillRef idx="1">
+              <a:schemeClr val="lt1"/>
+            </a:fillRef>
+            <a:effectRef idx="0">
+              <a:schemeClr val="dk1"/>
+            </a:effectRef>
+            <a:fontRef idx="minor">
+              <a:schemeClr val="dk1"/>
+            </a:fontRef>
+          </p:style>
+          <p:txBody>
+            <a:bodyPr lIns="182880" rIns="36576" rtlCol="0" anchor="ctr"/>
+            <a:lstStyle/>
+            <a:p>
+              <a:pPr>
+                <a:spcAft>
+                  <a:spcPts val="600"/>
+                </a:spcAft>
+              </a:pPr>
+              <a:r>
+                <a:rPr lang="en-US" sz="800" dirty="0" smtClean="0">
+                  <a:solidFill>
+                    <a:srgbClr val="E84C3B"/>
+                  </a:solidFill>
+                  <a:cs typeface="Arial Narrow"/>
+                </a:rPr>
+                <a:t>PRODUCT:</a:t>
+              </a:r>
+              <a:r>
+                <a:rPr lang="en-US" sz="800" dirty="0" smtClean="0">
+                  <a:solidFill>
+                    <a:srgbClr val="0070C0"/>
+                  </a:solidFill>
+                  <a:cs typeface="Arial Narrow"/>
+                </a:rPr>
+                <a:t> </a:t>
+              </a:r>
+              <a:r>
+                <a:rPr lang="en-US" sz="800" b="1" dirty="0" smtClean="0">
+                  <a:solidFill>
+                    <a:srgbClr val="2C74A5"/>
+                  </a:solidFill>
+                  <a:cs typeface="Arial Narrow"/>
+                </a:rPr>
+                <a:t>CAFÉ MOCHA</a:t>
+              </a:r>
+              <a:endParaRPr lang="en-US" sz="800" b="1" dirty="0">
+                <a:solidFill>
+                  <a:srgbClr val="2C74A5"/>
+                </a:solidFill>
+                <a:cs typeface="Arial Narrow"/>
+              </a:endParaRPr>
+            </a:p>
+          </p:txBody>
+        </p:sp>
+        <p:sp>
+          <p:nvSpPr>
+            <p:cNvPr id="92" name="Rectangle 91"/>
+            <p:cNvSpPr/>
+            <p:nvPr/>
+          </p:nvSpPr>
+          <p:spPr>
+            <a:xfrm>
+              <a:off x="6262135" y="1989281"/>
+              <a:ext cx="1762682" cy="1593736"/>
+            </a:xfrm>
+            <a:prstGeom prst="rect">
+              <a:avLst/>
+            </a:prstGeom>
+            <a:noFill/>
+            <a:ln w="3175">
+              <a:solidFill>
+                <a:srgbClr val="2C74A5"/>
+              </a:solidFill>
+              <a:prstDash val="dash"/>
+            </a:ln>
+          </p:spPr>
+          <p:style>
+            <a:lnRef idx="2">
+              <a:schemeClr val="dk1"/>
+            </a:lnRef>
+            <a:fillRef idx="1">
+              <a:schemeClr val="lt1"/>
+            </a:fillRef>
+            <a:effectRef idx="0">
+              <a:schemeClr val="dk1"/>
+            </a:effectRef>
+            <a:fontRef idx="minor">
+              <a:schemeClr val="dk1"/>
+            </a:fontRef>
+          </p:style>
+          <p:txBody>
+            <a:bodyPr rtlCol="0" anchor="ctr"/>
+            <a:lstStyle/>
+            <a:p>
+              <a:pPr algn="ctr"/>
+              <a:endParaRPr lang="en-US">
+                <a:solidFill>
+                  <a:srgbClr val="2C74A5"/>
+                </a:solidFill>
+              </a:endParaRPr>
+            </a:p>
+          </p:txBody>
+        </p:sp>
+        <p:sp>
+          <p:nvSpPr>
+            <p:cNvPr id="93" name="Rounded Rectangle 92"/>
+            <p:cNvSpPr/>
+            <p:nvPr/>
+          </p:nvSpPr>
+          <p:spPr>
+            <a:xfrm>
+              <a:off x="6330597" y="2053199"/>
+              <a:ext cx="1610391" cy="243396"/>
+            </a:xfrm>
+            <a:prstGeom prst="roundRect">
+              <a:avLst>
+                <a:gd name="adj" fmla="val 50000"/>
+              </a:avLst>
+            </a:prstGeom>
+            <a:solidFill>
+              <a:schemeClr val="bg1"/>
+            </a:solidFill>
+            <a:ln w="6350">
+              <a:solidFill>
+                <a:srgbClr val="2C74A5"/>
+              </a:solidFill>
+            </a:ln>
+          </p:spPr>
+          <p:style>
+            <a:lnRef idx="2">
+              <a:schemeClr val="dk1"/>
+            </a:lnRef>
+            <a:fillRef idx="1">
+              <a:schemeClr val="lt1"/>
+            </a:fillRef>
+            <a:effectRef idx="0">
+              <a:schemeClr val="dk1"/>
+            </a:effectRef>
+            <a:fontRef idx="minor">
+              <a:schemeClr val="dk1"/>
+            </a:fontRef>
+          </p:style>
+          <p:txBody>
+            <a:bodyPr lIns="182880" rIns="36576" rtlCol="0" anchor="ctr"/>
+            <a:lstStyle/>
+            <a:p>
+              <a:pPr>
+                <a:spcAft>
+                  <a:spcPts val="600"/>
+                </a:spcAft>
+              </a:pPr>
+              <a:r>
+                <a:rPr lang="en-US" sz="800" dirty="0" smtClean="0">
+                  <a:solidFill>
+                    <a:srgbClr val="E84C3B"/>
+                  </a:solidFill>
+                  <a:cs typeface="Arial Narrow"/>
+                </a:rPr>
+                <a:t>STORE:</a:t>
+              </a:r>
+              <a:r>
+                <a:rPr lang="en-US" sz="800" dirty="0" smtClean="0">
+                  <a:solidFill>
+                    <a:srgbClr val="0070C0"/>
+                  </a:solidFill>
+                  <a:cs typeface="Arial Narrow"/>
+                </a:rPr>
+                <a:t> </a:t>
+              </a:r>
+              <a:r>
+                <a:rPr lang="en-US" sz="800" b="1" dirty="0" smtClean="0">
+                  <a:solidFill>
+                    <a:srgbClr val="2C74A5"/>
+                  </a:solidFill>
+                  <a:cs typeface="Arial Narrow"/>
+                </a:rPr>
+                <a:t>BROADWAY</a:t>
+              </a:r>
+              <a:endParaRPr lang="en-US" sz="800" b="1" dirty="0">
+                <a:solidFill>
+                  <a:srgbClr val="2C74A5"/>
+                </a:solidFill>
+                <a:cs typeface="Arial Narrow"/>
+              </a:endParaRPr>
+            </a:p>
+          </p:txBody>
+        </p:sp>
+        <p:cxnSp>
+          <p:nvCxnSpPr>
+            <p:cNvPr id="106" name="Straight Connector 105"/>
+            <p:cNvCxnSpPr/>
+            <p:nvPr/>
+          </p:nvCxnSpPr>
+          <p:spPr>
+            <a:xfrm>
+              <a:off x="1972859" y="3183432"/>
+              <a:ext cx="196210" cy="0"/>
+            </a:xfrm>
+            <a:prstGeom prst="line">
+              <a:avLst/>
+            </a:prstGeom>
+            <a:ln w="6350">
+              <a:solidFill>
+                <a:srgbClr val="2C74A5"/>
+              </a:solidFill>
+            </a:ln>
+          </p:spPr>
+          <p:style>
+            <a:lnRef idx="1">
+              <a:schemeClr val="dk1"/>
+            </a:lnRef>
+            <a:fillRef idx="0">
+              <a:schemeClr val="dk1"/>
+            </a:fillRef>
+            <a:effectRef idx="0">
+              <a:schemeClr val="dk1"/>
+            </a:effectRef>
+            <a:fontRef idx="minor">
+              <a:schemeClr val="tx1"/>
+            </a:fontRef>
+          </p:style>
+        </p:cxnSp>
+        <p:sp>
+          <p:nvSpPr>
+            <p:cNvPr id="109" name="Rounded Rectangle 108"/>
+            <p:cNvSpPr/>
+            <p:nvPr/>
+          </p:nvSpPr>
+          <p:spPr>
+            <a:xfrm>
+              <a:off x="2111276" y="3057210"/>
+              <a:ext cx="1486039" cy="243396"/>
+            </a:xfrm>
+            <a:prstGeom prst="roundRect">
+              <a:avLst>
+                <a:gd name="adj" fmla="val 50000"/>
+              </a:avLst>
+            </a:prstGeom>
+            <a:solidFill>
+              <a:schemeClr val="bg1"/>
+            </a:solidFill>
+            <a:ln w="6350">
+              <a:solidFill>
+                <a:srgbClr val="2C74A5"/>
+              </a:solidFill>
+            </a:ln>
+          </p:spPr>
+          <p:style>
+            <a:lnRef idx="2">
+              <a:schemeClr val="dk1"/>
+            </a:lnRef>
+            <a:fillRef idx="1">
+              <a:schemeClr val="lt1"/>
+            </a:fillRef>
+            <a:effectRef idx="0">
+              <a:schemeClr val="dk1"/>
+            </a:effectRef>
+            <a:fontRef idx="minor">
+              <a:schemeClr val="dk1"/>
+            </a:fontRef>
+          </p:style>
+          <p:txBody>
+            <a:bodyPr lIns="182880" rIns="36576" rtlCol="0" anchor="ctr"/>
+            <a:lstStyle/>
+            <a:p>
+              <a:pPr>
+                <a:spcAft>
+                  <a:spcPts val="600"/>
+                </a:spcAft>
+              </a:pPr>
+              <a:r>
+                <a:rPr lang="en-US" sz="800" dirty="0" smtClean="0">
+                  <a:solidFill>
+                    <a:srgbClr val="E84C3B"/>
+                  </a:solidFill>
+                  <a:cs typeface="Arial Narrow"/>
+                </a:rPr>
+                <a:t>OPTION:</a:t>
+              </a:r>
+              <a:r>
+                <a:rPr lang="en-US" sz="800" dirty="0" smtClean="0">
+                  <a:solidFill>
+                    <a:srgbClr val="0070C0"/>
+                  </a:solidFill>
+                  <a:cs typeface="Arial Narrow"/>
+                </a:rPr>
+                <a:t> </a:t>
+              </a:r>
+              <a:r>
+                <a:rPr lang="en-US" sz="800" b="1" dirty="0" smtClean="0">
+                  <a:solidFill>
+                    <a:srgbClr val="2C74A5"/>
+                  </a:solidFill>
+                  <a:cs typeface="Arial Narrow"/>
+                </a:rPr>
+                <a:t>DECAF</a:t>
+              </a:r>
+              <a:endParaRPr lang="en-US" sz="800" b="1" dirty="0">
+                <a:solidFill>
+                  <a:srgbClr val="2C74A5"/>
+                </a:solidFill>
+                <a:cs typeface="Arial Narrow"/>
+              </a:endParaRPr>
+            </a:p>
+          </p:txBody>
+        </p:sp>
+        <p:cxnSp>
+          <p:nvCxnSpPr>
+            <p:cNvPr id="113" name="Straight Connector 112"/>
+            <p:cNvCxnSpPr/>
+            <p:nvPr/>
+          </p:nvCxnSpPr>
+          <p:spPr>
+            <a:xfrm>
+              <a:off x="4379933" y="2867383"/>
+              <a:ext cx="196210" cy="0"/>
+            </a:xfrm>
+            <a:prstGeom prst="line">
+              <a:avLst/>
+            </a:prstGeom>
+            <a:ln w="6350">
+              <a:solidFill>
+                <a:srgbClr val="2C74A5"/>
+              </a:solidFill>
+            </a:ln>
+          </p:spPr>
+          <p:style>
+            <a:lnRef idx="1">
+              <a:schemeClr val="dk1"/>
+            </a:lnRef>
+            <a:fillRef idx="0">
+              <a:schemeClr val="dk1"/>
+            </a:fillRef>
+            <a:effectRef idx="0">
+              <a:schemeClr val="dk1"/>
+            </a:effectRef>
+            <a:fontRef idx="minor">
+              <a:schemeClr val="tx1"/>
+            </a:fontRef>
+          </p:style>
+        </p:cxnSp>
+        <p:sp>
+          <p:nvSpPr>
+            <p:cNvPr id="114" name="Rounded Rectangle 113"/>
+            <p:cNvSpPr/>
+            <p:nvPr/>
+          </p:nvSpPr>
+          <p:spPr>
+            <a:xfrm>
+              <a:off x="4538799" y="2738825"/>
+              <a:ext cx="1613741" cy="243396"/>
+            </a:xfrm>
+            <a:prstGeom prst="roundRect">
+              <a:avLst>
+                <a:gd name="adj" fmla="val 50000"/>
+              </a:avLst>
+            </a:prstGeom>
+            <a:solidFill>
+              <a:schemeClr val="bg1"/>
+            </a:solidFill>
+            <a:ln w="6350">
+              <a:solidFill>
+                <a:srgbClr val="2C74A5"/>
+              </a:solidFill>
+            </a:ln>
+          </p:spPr>
+          <p:style>
+            <a:lnRef idx="2">
+              <a:schemeClr val="dk1"/>
+            </a:lnRef>
+            <a:fillRef idx="1">
+              <a:schemeClr val="lt1"/>
+            </a:fillRef>
+            <a:effectRef idx="0">
+              <a:schemeClr val="dk1"/>
+            </a:effectRef>
+            <a:fontRef idx="minor">
+              <a:schemeClr val="dk1"/>
+            </a:fontRef>
+          </p:style>
+          <p:txBody>
+            <a:bodyPr lIns="182880" rIns="36576" rtlCol="0" anchor="ctr"/>
+            <a:lstStyle/>
+            <a:p>
+              <a:pPr>
+                <a:spcAft>
+                  <a:spcPts val="600"/>
+                </a:spcAft>
+              </a:pPr>
+              <a:r>
+                <a:rPr lang="en-US" sz="800" dirty="0" smtClean="0">
+                  <a:solidFill>
+                    <a:srgbClr val="E84C3B"/>
+                  </a:solidFill>
+                  <a:cs typeface="Arial Narrow"/>
+                </a:rPr>
+                <a:t>OPTION:</a:t>
+              </a:r>
+              <a:r>
+                <a:rPr lang="en-US" sz="800" dirty="0" smtClean="0">
+                  <a:solidFill>
+                    <a:srgbClr val="0070C0"/>
+                  </a:solidFill>
+                  <a:cs typeface="Arial Narrow"/>
+                </a:rPr>
+                <a:t> </a:t>
+              </a:r>
+              <a:r>
+                <a:rPr lang="en-US" sz="800" b="1" dirty="0" smtClean="0">
+                  <a:solidFill>
+                    <a:srgbClr val="2C74A5"/>
+                  </a:solidFill>
+                  <a:cs typeface="Arial Narrow"/>
+                </a:rPr>
+                <a:t>WHIPPED CREAM</a:t>
+              </a:r>
+              <a:endParaRPr lang="en-US" sz="800" b="1" dirty="0">
+                <a:solidFill>
+                  <a:srgbClr val="2C74A5"/>
+                </a:solidFill>
+                <a:cs typeface="Arial Narrow"/>
+              </a:endParaRPr>
+            </a:p>
+          </p:txBody>
+        </p:sp>
+      </p:grpSp>
+      <p:sp>
+        <p:nvSpPr>
+          <p:cNvPr id="142" name="TextBox 141"/>
+          <p:cNvSpPr txBox="1"/>
+          <p:nvPr/>
+        </p:nvSpPr>
+        <p:spPr>
+          <a:xfrm>
+            <a:off x="177242" y="4743976"/>
+            <a:ext cx="920830" cy="461665"/>
+          </a:xfrm>
+          <a:prstGeom prst="rect">
+            <a:avLst/>
+          </a:prstGeom>
+          <a:noFill/>
+        </p:spPr>
+        <p:txBody>
+          <a:bodyPr wrap="none" rtlCol="0">
+            <a:spAutoFit/>
+          </a:bodyPr>
+          <a:lstStyle/>
+          <a:p>
+            <a:r>
+              <a:rPr lang="en-US" sz="1200" b="1" dirty="0" smtClean="0">
+                <a:solidFill>
+                  <a:srgbClr val="A6A6A6"/>
+                </a:solidFill>
+                <a:latin typeface="Arial Narrow"/>
+                <a:cs typeface="Arial Narrow"/>
+              </a:rPr>
+              <a:t>CANDIDATE</a:t>
+            </a:r>
+          </a:p>
+          <a:p>
+            <a:r>
+              <a:rPr lang="en-US" sz="1200" b="1" dirty="0" smtClean="0">
+                <a:solidFill>
+                  <a:srgbClr val="A6A6A6"/>
+                </a:solidFill>
+                <a:latin typeface="Arial Narrow"/>
+                <a:cs typeface="Arial Narrow"/>
+              </a:rPr>
+              <a:t>PARSE</a:t>
+            </a:r>
+            <a:r>
+              <a:rPr lang="en-US" sz="1200" b="1" dirty="0">
+                <a:solidFill>
+                  <a:srgbClr val="A6A6A6"/>
+                </a:solidFill>
+                <a:latin typeface="Arial Narrow"/>
+                <a:cs typeface="Arial Narrow"/>
+              </a:rPr>
+              <a:t> </a:t>
+            </a:r>
+            <a:r>
+              <a:rPr lang="en-US" sz="1200" b="1" dirty="0" smtClean="0">
+                <a:solidFill>
+                  <a:srgbClr val="A6A6A6"/>
+                </a:solidFill>
+                <a:latin typeface="Arial Narrow"/>
+                <a:cs typeface="Arial Narrow"/>
+              </a:rPr>
+              <a:t>#2</a:t>
+            </a:r>
+          </a:p>
+        </p:txBody>
+      </p:sp>
+      <p:grpSp>
+        <p:nvGrpSpPr>
+          <p:cNvPr id="27" name="Group 26"/>
+          <p:cNvGrpSpPr/>
+          <p:nvPr/>
+        </p:nvGrpSpPr>
+        <p:grpSpPr>
+          <a:xfrm>
+            <a:off x="1545021" y="3926705"/>
+            <a:ext cx="6556657" cy="2096208"/>
+            <a:chOff x="1545021" y="4025379"/>
+            <a:chExt cx="6556657" cy="2096208"/>
+          </a:xfrm>
+        </p:grpSpPr>
+        <p:sp>
+          <p:nvSpPr>
+            <p:cNvPr id="116" name="Rounded Rectangle 115"/>
+            <p:cNvSpPr/>
+            <p:nvPr/>
+          </p:nvSpPr>
+          <p:spPr>
+            <a:xfrm>
+              <a:off x="1545021" y="4025379"/>
+              <a:ext cx="6556657" cy="2096208"/>
+            </a:xfrm>
+            <a:prstGeom prst="roundRect">
+              <a:avLst>
+                <a:gd name="adj" fmla="val 3581"/>
+              </a:avLst>
+            </a:prstGeom>
+            <a:solidFill>
+              <a:srgbClr val="F2F2F2"/>
+            </a:solidFill>
+            <a:ln w="3175">
+              <a:solidFill>
+                <a:srgbClr val="2C74A5"/>
+              </a:solidFill>
+              <a:prstDash val="solid"/>
+            </a:ln>
+          </p:spPr>
+          <p:style>
+            <a:lnRef idx="2">
+              <a:schemeClr val="dk1"/>
+            </a:lnRef>
+            <a:fillRef idx="1">
+              <a:schemeClr val="lt1"/>
+            </a:fillRef>
+            <a:effectRef idx="0">
+              <a:schemeClr val="dk1"/>
+            </a:effectRef>
+            <a:fontRef idx="minor">
+              <a:schemeClr val="dk1"/>
+            </a:fontRef>
+          </p:style>
+          <p:txBody>
+            <a:bodyPr rtlCol="0" anchor="ctr"/>
+            <a:lstStyle/>
+            <a:p>
+              <a:pPr algn="ctr"/>
+              <a:endParaRPr lang="en-US"/>
+            </a:p>
+          </p:txBody>
+        </p:sp>
+        <p:sp>
+          <p:nvSpPr>
+            <p:cNvPr id="118" name="TextBox 117"/>
+            <p:cNvSpPr txBox="1"/>
+            <p:nvPr/>
+          </p:nvSpPr>
+          <p:spPr>
+            <a:xfrm>
+              <a:off x="4111682" y="4051857"/>
+              <a:ext cx="1440266" cy="276999"/>
+            </a:xfrm>
+            <a:prstGeom prst="rect">
+              <a:avLst/>
+            </a:prstGeom>
+            <a:noFill/>
+            <a:ln>
+              <a:noFill/>
+            </a:ln>
+          </p:spPr>
+          <p:txBody>
+            <a:bodyPr wrap="none" rtlCol="0">
+              <a:spAutoFit/>
+            </a:bodyPr>
+            <a:lstStyle/>
+            <a:p>
+              <a:r>
+                <a:rPr lang="en-US" sz="1200" b="1" smtClean="0">
+                  <a:solidFill>
+                    <a:srgbClr val="2C74A5"/>
+                  </a:solidFill>
+                </a:rPr>
+                <a:t>ENTITY </a:t>
+              </a:r>
+              <a:r>
+                <a:rPr lang="en-US" sz="1200" b="1" dirty="0" smtClean="0">
+                  <a:solidFill>
+                    <a:srgbClr val="2C74A5"/>
+                  </a:solidFill>
+                </a:rPr>
+                <a:t>GROUPS</a:t>
+              </a:r>
+              <a:endParaRPr lang="en-US" sz="1200" b="1" dirty="0">
+                <a:solidFill>
+                  <a:srgbClr val="2C74A5"/>
+                </a:solidFill>
+              </a:endParaRPr>
+            </a:p>
+          </p:txBody>
+        </p:sp>
+        <p:sp>
+          <p:nvSpPr>
+            <p:cNvPr id="120" name="Rectangle 119"/>
+            <p:cNvSpPr/>
+            <p:nvPr/>
+          </p:nvSpPr>
+          <p:spPr>
+            <a:xfrm>
+              <a:off x="1640324" y="4396579"/>
+              <a:ext cx="2340238" cy="1591839"/>
+            </a:xfrm>
+            <a:prstGeom prst="rect">
+              <a:avLst/>
+            </a:prstGeom>
+            <a:noFill/>
+            <a:ln w="3175">
+              <a:solidFill>
+                <a:srgbClr val="2C74A5"/>
+              </a:solidFill>
+              <a:prstDash val="dash"/>
+            </a:ln>
+          </p:spPr>
+          <p:style>
+            <a:lnRef idx="2">
+              <a:schemeClr val="dk1"/>
+            </a:lnRef>
+            <a:fillRef idx="1">
+              <a:schemeClr val="lt1"/>
+            </a:fillRef>
+            <a:effectRef idx="0">
+              <a:schemeClr val="dk1"/>
+            </a:effectRef>
+            <a:fontRef idx="minor">
+              <a:schemeClr val="dk1"/>
+            </a:fontRef>
+          </p:style>
+          <p:txBody>
+            <a:bodyPr rtlCol="0" anchor="ctr"/>
+            <a:lstStyle/>
+            <a:p>
+              <a:pPr algn="ctr"/>
+              <a:endParaRPr lang="en-US"/>
+            </a:p>
+          </p:txBody>
+        </p:sp>
+        <p:cxnSp>
+          <p:nvCxnSpPr>
+            <p:cNvPr id="122" name="Straight Connector 121"/>
+            <p:cNvCxnSpPr/>
+            <p:nvPr/>
+          </p:nvCxnSpPr>
+          <p:spPr>
+            <a:xfrm>
+              <a:off x="1972859" y="4928144"/>
+              <a:ext cx="196210" cy="0"/>
+            </a:xfrm>
+            <a:prstGeom prst="line">
+              <a:avLst/>
+            </a:prstGeom>
+            <a:ln w="6350">
+              <a:solidFill>
+                <a:srgbClr val="2C74A5"/>
+              </a:solidFill>
+            </a:ln>
+          </p:spPr>
+          <p:style>
+            <a:lnRef idx="1">
+              <a:schemeClr val="dk1"/>
+            </a:lnRef>
+            <a:fillRef idx="0">
+              <a:schemeClr val="dk1"/>
+            </a:fillRef>
+            <a:effectRef idx="0">
+              <a:schemeClr val="dk1"/>
+            </a:effectRef>
+            <a:fontRef idx="minor">
+              <a:schemeClr val="tx1"/>
+            </a:fontRef>
+          </p:style>
+        </p:cxnSp>
+        <p:cxnSp>
+          <p:nvCxnSpPr>
+            <p:cNvPr id="124" name="Straight Connector 123"/>
+            <p:cNvCxnSpPr/>
+            <p:nvPr/>
+          </p:nvCxnSpPr>
+          <p:spPr>
+            <a:xfrm>
+              <a:off x="1970704" y="4693085"/>
+              <a:ext cx="0" cy="566928"/>
+            </a:xfrm>
+            <a:prstGeom prst="line">
+              <a:avLst/>
+            </a:prstGeom>
+            <a:ln w="6350">
+              <a:solidFill>
+                <a:srgbClr val="2C74A5"/>
+              </a:solidFill>
+            </a:ln>
+          </p:spPr>
+          <p:style>
+            <a:lnRef idx="1">
+              <a:schemeClr val="dk1"/>
+            </a:lnRef>
+            <a:fillRef idx="0">
+              <a:schemeClr val="dk1"/>
+            </a:fillRef>
+            <a:effectRef idx="0">
+              <a:schemeClr val="dk1"/>
+            </a:effectRef>
+            <a:fontRef idx="minor">
+              <a:schemeClr val="tx1"/>
+            </a:fontRef>
+          </p:style>
+        </p:cxnSp>
+        <p:cxnSp>
+          <p:nvCxnSpPr>
+            <p:cNvPr id="125" name="Straight Connector 124"/>
+            <p:cNvCxnSpPr/>
+            <p:nvPr/>
+          </p:nvCxnSpPr>
+          <p:spPr>
+            <a:xfrm>
+              <a:off x="1972859" y="5258489"/>
+              <a:ext cx="196210" cy="0"/>
+            </a:xfrm>
+            <a:prstGeom prst="line">
+              <a:avLst/>
+            </a:prstGeom>
+            <a:ln w="6350">
+              <a:solidFill>
+                <a:srgbClr val="2C74A5"/>
+              </a:solidFill>
+            </a:ln>
+          </p:spPr>
+          <p:style>
+            <a:lnRef idx="1">
+              <a:schemeClr val="dk1"/>
+            </a:lnRef>
+            <a:fillRef idx="0">
+              <a:schemeClr val="dk1"/>
+            </a:fillRef>
+            <a:effectRef idx="0">
+              <a:schemeClr val="dk1"/>
+            </a:effectRef>
+            <a:fontRef idx="minor">
+              <a:schemeClr val="tx1"/>
+            </a:fontRef>
+          </p:style>
+        </p:cxnSp>
+        <p:sp>
+          <p:nvSpPr>
+            <p:cNvPr id="126" name="Rounded Rectangle 125"/>
+            <p:cNvSpPr/>
+            <p:nvPr/>
+          </p:nvSpPr>
+          <p:spPr>
+            <a:xfrm>
+              <a:off x="2111276" y="5132267"/>
+              <a:ext cx="1486039" cy="243396"/>
+            </a:xfrm>
+            <a:prstGeom prst="roundRect">
+              <a:avLst>
+                <a:gd name="adj" fmla="val 50000"/>
+              </a:avLst>
+            </a:prstGeom>
+            <a:solidFill>
+              <a:schemeClr val="bg1"/>
+            </a:solidFill>
+            <a:ln w="6350">
+              <a:solidFill>
+                <a:srgbClr val="2C74A5"/>
+              </a:solidFill>
+            </a:ln>
+          </p:spPr>
+          <p:style>
+            <a:lnRef idx="2">
+              <a:schemeClr val="dk1"/>
+            </a:lnRef>
+            <a:fillRef idx="1">
+              <a:schemeClr val="lt1"/>
+            </a:fillRef>
+            <a:effectRef idx="0">
+              <a:schemeClr val="dk1"/>
+            </a:effectRef>
+            <a:fontRef idx="minor">
+              <a:schemeClr val="dk1"/>
+            </a:fontRef>
+          </p:style>
+          <p:txBody>
+            <a:bodyPr lIns="182880" rIns="36576" rtlCol="0" anchor="ctr"/>
+            <a:lstStyle/>
+            <a:p>
+              <a:pPr>
+                <a:spcAft>
+                  <a:spcPts val="600"/>
+                </a:spcAft>
+              </a:pPr>
+              <a:r>
+                <a:rPr lang="en-US" sz="800" dirty="0">
+                  <a:solidFill>
+                    <a:srgbClr val="E84C3B"/>
+                  </a:solidFill>
+                  <a:cs typeface="Arial Narrow"/>
+                </a:rPr>
+                <a:t>SIZE:</a:t>
+              </a:r>
+              <a:r>
+                <a:rPr lang="en-US" sz="800" dirty="0">
+                  <a:solidFill>
+                    <a:srgbClr val="0070C0"/>
+                  </a:solidFill>
+                  <a:cs typeface="Arial Narrow"/>
+                </a:rPr>
+                <a:t> </a:t>
+              </a:r>
+              <a:r>
+                <a:rPr lang="en-US" sz="800" b="1" dirty="0" smtClean="0">
+                  <a:solidFill>
+                    <a:srgbClr val="2C74A5"/>
+                  </a:solidFill>
+                  <a:cs typeface="Arial Narrow"/>
+                </a:rPr>
+                <a:t>TALL</a:t>
+              </a:r>
+              <a:endParaRPr lang="en-US" sz="800" b="1" dirty="0">
+                <a:solidFill>
+                  <a:srgbClr val="2C74A5"/>
+                </a:solidFill>
+                <a:cs typeface="Arial Narrow"/>
+              </a:endParaRPr>
+            </a:p>
+          </p:txBody>
+        </p:sp>
+        <p:sp>
+          <p:nvSpPr>
+            <p:cNvPr id="127" name="Rounded Rectangle 126"/>
+            <p:cNvSpPr/>
+            <p:nvPr/>
+          </p:nvSpPr>
+          <p:spPr>
+            <a:xfrm>
+              <a:off x="1710414" y="4464922"/>
+              <a:ext cx="2226201" cy="243396"/>
+            </a:xfrm>
+            <a:prstGeom prst="roundRect">
+              <a:avLst>
+                <a:gd name="adj" fmla="val 50000"/>
+              </a:avLst>
+            </a:prstGeom>
+            <a:solidFill>
+              <a:schemeClr val="bg1"/>
+            </a:solidFill>
+            <a:ln w="6350">
+              <a:solidFill>
+                <a:srgbClr val="2C74A5"/>
+              </a:solidFill>
+            </a:ln>
+          </p:spPr>
+          <p:style>
+            <a:lnRef idx="2">
+              <a:schemeClr val="dk1"/>
+            </a:lnRef>
+            <a:fillRef idx="1">
+              <a:schemeClr val="lt1"/>
+            </a:fillRef>
+            <a:effectRef idx="0">
+              <a:schemeClr val="dk1"/>
+            </a:effectRef>
+            <a:fontRef idx="minor">
+              <a:schemeClr val="dk1"/>
+            </a:fontRef>
+          </p:style>
+          <p:txBody>
+            <a:bodyPr lIns="182880" rIns="36576" rtlCol="0" anchor="ctr"/>
+            <a:lstStyle/>
+            <a:p>
+              <a:pPr>
+                <a:spcAft>
+                  <a:spcPts val="600"/>
+                </a:spcAft>
+              </a:pPr>
+              <a:r>
+                <a:rPr lang="en-US" sz="800" dirty="0" smtClean="0">
+                  <a:solidFill>
+                    <a:srgbClr val="E84C3B"/>
+                  </a:solidFill>
+                  <a:cs typeface="Arial Narrow"/>
+                </a:rPr>
+                <a:t>PRODUCT:</a:t>
+              </a:r>
+              <a:r>
+                <a:rPr lang="en-US" sz="800" dirty="0" smtClean="0">
+                  <a:solidFill>
+                    <a:srgbClr val="0070C0"/>
+                  </a:solidFill>
+                  <a:cs typeface="Arial Narrow"/>
+                </a:rPr>
+                <a:t> </a:t>
+              </a:r>
+              <a:r>
+                <a:rPr lang="en-US" sz="800" b="1" dirty="0" smtClean="0">
+                  <a:solidFill>
+                    <a:srgbClr val="2C74A5"/>
+                  </a:solidFill>
+                  <a:cs typeface="Arial Narrow"/>
+                </a:rPr>
+                <a:t>LATTES</a:t>
+              </a:r>
+              <a:endParaRPr lang="en-US" sz="800" b="1" dirty="0">
+                <a:solidFill>
+                  <a:srgbClr val="2C74A5"/>
+                </a:solidFill>
+                <a:cs typeface="Arial Narrow"/>
+              </a:endParaRPr>
+            </a:p>
+          </p:txBody>
+        </p:sp>
+        <p:sp>
+          <p:nvSpPr>
+            <p:cNvPr id="128" name="Rounded Rectangle 127"/>
+            <p:cNvSpPr/>
+            <p:nvPr/>
+          </p:nvSpPr>
+          <p:spPr>
+            <a:xfrm>
+              <a:off x="2111281" y="4804574"/>
+              <a:ext cx="1486039" cy="243396"/>
+            </a:xfrm>
+            <a:prstGeom prst="roundRect">
+              <a:avLst>
+                <a:gd name="adj" fmla="val 50000"/>
+              </a:avLst>
+            </a:prstGeom>
+            <a:solidFill>
+              <a:schemeClr val="bg1"/>
+            </a:solidFill>
+            <a:ln w="6350">
+              <a:solidFill>
+                <a:srgbClr val="2C74A5"/>
+              </a:solidFill>
+            </a:ln>
+          </p:spPr>
+          <p:style>
+            <a:lnRef idx="2">
+              <a:schemeClr val="dk1"/>
+            </a:lnRef>
+            <a:fillRef idx="1">
+              <a:schemeClr val="lt1"/>
+            </a:fillRef>
+            <a:effectRef idx="0">
+              <a:schemeClr val="dk1"/>
+            </a:effectRef>
+            <a:fontRef idx="minor">
+              <a:schemeClr val="dk1"/>
+            </a:fontRef>
+          </p:style>
+          <p:txBody>
+            <a:bodyPr lIns="182880" rIns="36576" rtlCol="0" anchor="ctr"/>
+            <a:lstStyle/>
+            <a:p>
+              <a:pPr>
+                <a:spcAft>
+                  <a:spcPts val="600"/>
+                </a:spcAft>
+              </a:pPr>
+              <a:r>
+                <a:rPr lang="en-US" sz="800" dirty="0">
+                  <a:solidFill>
+                    <a:srgbClr val="E84C3B"/>
+                  </a:solidFill>
+                  <a:cs typeface="Arial Narrow"/>
+                </a:rPr>
+                <a:t>QUANTITY:</a:t>
+              </a:r>
+              <a:r>
+                <a:rPr lang="en-US" sz="800" dirty="0">
+                  <a:solidFill>
+                    <a:srgbClr val="0070C0"/>
+                  </a:solidFill>
+                  <a:cs typeface="Arial Narrow"/>
+                </a:rPr>
+                <a:t> </a:t>
+              </a:r>
+              <a:r>
+                <a:rPr lang="en-US" sz="800" b="1" dirty="0" smtClean="0">
+                  <a:solidFill>
+                    <a:srgbClr val="2C74A5"/>
+                  </a:solidFill>
+                  <a:cs typeface="Arial Narrow"/>
+                </a:rPr>
+                <a:t>TWO</a:t>
+              </a:r>
+              <a:endParaRPr lang="en-US" sz="800" b="1" dirty="0">
+                <a:solidFill>
+                  <a:srgbClr val="2C74A5"/>
+                </a:solidFill>
+                <a:cs typeface="Arial Narrow"/>
+              </a:endParaRPr>
+            </a:p>
+          </p:txBody>
+        </p:sp>
+        <p:sp>
+          <p:nvSpPr>
+            <p:cNvPr id="129" name="Rectangle 128"/>
+            <p:cNvSpPr/>
+            <p:nvPr/>
+          </p:nvSpPr>
+          <p:spPr>
+            <a:xfrm>
+              <a:off x="4049025" y="4394682"/>
+              <a:ext cx="2144647" cy="1593736"/>
+            </a:xfrm>
+            <a:prstGeom prst="rect">
+              <a:avLst/>
+            </a:prstGeom>
+            <a:noFill/>
+            <a:ln w="3175">
+              <a:solidFill>
+                <a:srgbClr val="2C74A5"/>
+              </a:solidFill>
+              <a:prstDash val="dash"/>
+            </a:ln>
+          </p:spPr>
+          <p:style>
+            <a:lnRef idx="2">
+              <a:schemeClr val="dk1"/>
+            </a:lnRef>
+            <a:fillRef idx="1">
+              <a:schemeClr val="lt1"/>
+            </a:fillRef>
+            <a:effectRef idx="0">
+              <a:schemeClr val="dk1"/>
+            </a:effectRef>
+            <a:fontRef idx="minor">
+              <a:schemeClr val="dk1"/>
+            </a:fontRef>
+          </p:style>
+          <p:txBody>
+            <a:bodyPr rtlCol="0" anchor="ctr"/>
+            <a:lstStyle/>
+            <a:p>
+              <a:pPr algn="ctr"/>
+              <a:endParaRPr lang="en-US"/>
+            </a:p>
+          </p:txBody>
+        </p:sp>
+        <p:cxnSp>
+          <p:nvCxnSpPr>
+            <p:cNvPr id="130" name="Straight Connector 129"/>
+            <p:cNvCxnSpPr/>
+            <p:nvPr/>
+          </p:nvCxnSpPr>
+          <p:spPr>
+            <a:xfrm>
+              <a:off x="4379933" y="4933132"/>
+              <a:ext cx="196210" cy="0"/>
+            </a:xfrm>
+            <a:prstGeom prst="line">
+              <a:avLst/>
+            </a:prstGeom>
+            <a:ln w="6350">
+              <a:solidFill>
+                <a:srgbClr val="2C74A5"/>
+              </a:solidFill>
+            </a:ln>
+          </p:spPr>
+          <p:style>
+            <a:lnRef idx="1">
+              <a:schemeClr val="dk1"/>
+            </a:lnRef>
+            <a:fillRef idx="0">
+              <a:schemeClr val="dk1"/>
+            </a:fillRef>
+            <a:effectRef idx="0">
+              <a:schemeClr val="dk1"/>
+            </a:effectRef>
+            <a:fontRef idx="minor">
+              <a:schemeClr val="tx1"/>
+            </a:fontRef>
+          </p:style>
+        </p:cxnSp>
+        <p:cxnSp>
+          <p:nvCxnSpPr>
+            <p:cNvPr id="132" name="Straight Connector 131"/>
+            <p:cNvCxnSpPr/>
+            <p:nvPr/>
+          </p:nvCxnSpPr>
+          <p:spPr>
+            <a:xfrm>
+              <a:off x="4379933" y="4706360"/>
+              <a:ext cx="0" cy="906076"/>
+            </a:xfrm>
+            <a:prstGeom prst="line">
+              <a:avLst/>
+            </a:prstGeom>
+            <a:ln w="6350">
+              <a:solidFill>
+                <a:srgbClr val="2C74A5"/>
+              </a:solidFill>
+            </a:ln>
+          </p:spPr>
+          <p:style>
+            <a:lnRef idx="1">
+              <a:schemeClr val="dk1"/>
+            </a:lnRef>
+            <a:fillRef idx="0">
+              <a:schemeClr val="dk1"/>
+            </a:fillRef>
+            <a:effectRef idx="0">
+              <a:schemeClr val="dk1"/>
+            </a:effectRef>
+            <a:fontRef idx="minor">
+              <a:schemeClr val="tx1"/>
+            </a:fontRef>
+          </p:style>
+        </p:cxnSp>
+        <p:sp>
+          <p:nvSpPr>
+            <p:cNvPr id="133" name="Rounded Rectangle 132"/>
+            <p:cNvSpPr/>
+            <p:nvPr/>
+          </p:nvSpPr>
+          <p:spPr>
+            <a:xfrm>
+              <a:off x="4538799" y="4804574"/>
+              <a:ext cx="1613741" cy="243396"/>
+            </a:xfrm>
+            <a:prstGeom prst="roundRect">
+              <a:avLst>
+                <a:gd name="adj" fmla="val 50000"/>
+              </a:avLst>
+            </a:prstGeom>
+            <a:solidFill>
+              <a:schemeClr val="bg1"/>
+            </a:solidFill>
+            <a:ln w="6350">
+              <a:solidFill>
+                <a:srgbClr val="2C74A5"/>
+              </a:solidFill>
+            </a:ln>
+          </p:spPr>
+          <p:style>
+            <a:lnRef idx="2">
+              <a:schemeClr val="dk1"/>
+            </a:lnRef>
+            <a:fillRef idx="1">
+              <a:schemeClr val="lt1"/>
+            </a:fillRef>
+            <a:effectRef idx="0">
+              <a:schemeClr val="dk1"/>
+            </a:effectRef>
+            <a:fontRef idx="minor">
+              <a:schemeClr val="dk1"/>
+            </a:fontRef>
+          </p:style>
+          <p:txBody>
+            <a:bodyPr lIns="182880" rIns="36576" rtlCol="0" anchor="ctr"/>
+            <a:lstStyle/>
+            <a:p>
+              <a:pPr>
+                <a:spcAft>
+                  <a:spcPts val="600"/>
+                </a:spcAft>
+              </a:pPr>
+              <a:r>
+                <a:rPr lang="en-US" sz="800" dirty="0">
+                  <a:solidFill>
+                    <a:srgbClr val="E84C3B"/>
+                  </a:solidFill>
+                  <a:cs typeface="Arial Narrow"/>
+                </a:rPr>
+                <a:t>OPTION:</a:t>
+              </a:r>
+              <a:r>
+                <a:rPr lang="en-US" sz="800" dirty="0">
+                  <a:solidFill>
+                    <a:srgbClr val="0070C0"/>
+                  </a:solidFill>
+                  <a:cs typeface="Arial Narrow"/>
+                </a:rPr>
+                <a:t> </a:t>
+              </a:r>
+              <a:r>
+                <a:rPr lang="en-US" sz="800" b="1" dirty="0">
+                  <a:solidFill>
+                    <a:srgbClr val="2C74A5"/>
+                  </a:solidFill>
+                  <a:cs typeface="Arial Narrow"/>
+                </a:rPr>
+                <a:t>DECAF</a:t>
+              </a:r>
+            </a:p>
+          </p:txBody>
+        </p:sp>
+        <p:sp>
+          <p:nvSpPr>
+            <p:cNvPr id="134" name="Rounded Rectangle 133"/>
+            <p:cNvSpPr/>
+            <p:nvPr/>
+          </p:nvSpPr>
+          <p:spPr>
+            <a:xfrm>
+              <a:off x="4122593" y="4464922"/>
+              <a:ext cx="1829248" cy="243396"/>
+            </a:xfrm>
+            <a:prstGeom prst="roundRect">
+              <a:avLst>
+                <a:gd name="adj" fmla="val 50000"/>
+              </a:avLst>
+            </a:prstGeom>
+            <a:solidFill>
+              <a:schemeClr val="bg1"/>
+            </a:solidFill>
+            <a:ln w="6350">
+              <a:solidFill>
+                <a:srgbClr val="2C74A5"/>
+              </a:solidFill>
+            </a:ln>
+          </p:spPr>
+          <p:style>
+            <a:lnRef idx="2">
+              <a:schemeClr val="dk1"/>
+            </a:lnRef>
+            <a:fillRef idx="1">
+              <a:schemeClr val="lt1"/>
+            </a:fillRef>
+            <a:effectRef idx="0">
+              <a:schemeClr val="dk1"/>
+            </a:effectRef>
+            <a:fontRef idx="minor">
+              <a:schemeClr val="dk1"/>
+            </a:fontRef>
+          </p:style>
+          <p:txBody>
+            <a:bodyPr lIns="182880" rIns="36576" rtlCol="0" anchor="ctr"/>
+            <a:lstStyle/>
+            <a:p>
+              <a:pPr>
+                <a:spcAft>
+                  <a:spcPts val="600"/>
+                </a:spcAft>
+              </a:pPr>
+              <a:r>
+                <a:rPr lang="en-US" sz="800" dirty="0" smtClean="0">
+                  <a:solidFill>
+                    <a:srgbClr val="E84C3B"/>
+                  </a:solidFill>
+                  <a:cs typeface="Arial Narrow"/>
+                </a:rPr>
+                <a:t>PRODUCT:</a:t>
+              </a:r>
+              <a:r>
+                <a:rPr lang="en-US" sz="800" dirty="0" smtClean="0">
+                  <a:solidFill>
+                    <a:srgbClr val="0070C0"/>
+                  </a:solidFill>
+                  <a:cs typeface="Arial Narrow"/>
+                </a:rPr>
+                <a:t> </a:t>
+              </a:r>
+              <a:r>
+                <a:rPr lang="en-US" sz="800" b="1" dirty="0" smtClean="0">
+                  <a:solidFill>
+                    <a:srgbClr val="2C74A5"/>
+                  </a:solidFill>
+                  <a:cs typeface="Arial Narrow"/>
+                </a:rPr>
+                <a:t>CAFÉ MOCHA</a:t>
+              </a:r>
+              <a:endParaRPr lang="en-US" sz="800" b="1" dirty="0">
+                <a:solidFill>
+                  <a:srgbClr val="2C74A5"/>
+                </a:solidFill>
+                <a:cs typeface="Arial Narrow"/>
+              </a:endParaRPr>
+            </a:p>
+          </p:txBody>
+        </p:sp>
+        <p:sp>
+          <p:nvSpPr>
+            <p:cNvPr id="136" name="Rectangle 135"/>
+            <p:cNvSpPr/>
+            <p:nvPr/>
+          </p:nvSpPr>
+          <p:spPr>
+            <a:xfrm>
+              <a:off x="6262135" y="4394682"/>
+              <a:ext cx="1762682" cy="1593736"/>
+            </a:xfrm>
+            <a:prstGeom prst="rect">
+              <a:avLst/>
+            </a:prstGeom>
+            <a:noFill/>
+            <a:ln w="3175">
+              <a:solidFill>
+                <a:srgbClr val="2C74A5"/>
+              </a:solidFill>
+              <a:prstDash val="dash"/>
+            </a:ln>
+          </p:spPr>
+          <p:style>
+            <a:lnRef idx="2">
+              <a:schemeClr val="dk1"/>
+            </a:lnRef>
+            <a:fillRef idx="1">
+              <a:schemeClr val="lt1"/>
+            </a:fillRef>
+            <a:effectRef idx="0">
+              <a:schemeClr val="dk1"/>
+            </a:effectRef>
+            <a:fontRef idx="minor">
+              <a:schemeClr val="dk1"/>
+            </a:fontRef>
+          </p:style>
+          <p:txBody>
+            <a:bodyPr rtlCol="0" anchor="ctr"/>
+            <a:lstStyle/>
+            <a:p>
+              <a:pPr algn="ctr"/>
+              <a:endParaRPr lang="en-US">
+                <a:solidFill>
+                  <a:srgbClr val="2C74A5"/>
+                </a:solidFill>
+              </a:endParaRPr>
+            </a:p>
+          </p:txBody>
+        </p:sp>
+        <p:sp>
+          <p:nvSpPr>
+            <p:cNvPr id="137" name="Rounded Rectangle 136"/>
+            <p:cNvSpPr/>
+            <p:nvPr/>
+          </p:nvSpPr>
+          <p:spPr>
+            <a:xfrm>
+              <a:off x="6330597" y="4458600"/>
+              <a:ext cx="1610391" cy="243396"/>
+            </a:xfrm>
+            <a:prstGeom prst="roundRect">
+              <a:avLst>
+                <a:gd name="adj" fmla="val 50000"/>
+              </a:avLst>
+            </a:prstGeom>
+            <a:solidFill>
+              <a:schemeClr val="bg1"/>
+            </a:solidFill>
+            <a:ln w="6350">
+              <a:solidFill>
+                <a:srgbClr val="2C74A5"/>
+              </a:solidFill>
+            </a:ln>
+          </p:spPr>
+          <p:style>
+            <a:lnRef idx="2">
+              <a:schemeClr val="dk1"/>
+            </a:lnRef>
+            <a:fillRef idx="1">
+              <a:schemeClr val="lt1"/>
+            </a:fillRef>
+            <a:effectRef idx="0">
+              <a:schemeClr val="dk1"/>
+            </a:effectRef>
+            <a:fontRef idx="minor">
+              <a:schemeClr val="dk1"/>
+            </a:fontRef>
+          </p:style>
+          <p:txBody>
+            <a:bodyPr lIns="182880" rIns="36576" rtlCol="0" anchor="ctr"/>
+            <a:lstStyle/>
+            <a:p>
+              <a:pPr>
+                <a:spcAft>
+                  <a:spcPts val="600"/>
+                </a:spcAft>
+              </a:pPr>
+              <a:r>
+                <a:rPr lang="en-US" sz="800" dirty="0" smtClean="0">
+                  <a:solidFill>
+                    <a:srgbClr val="E84C3B"/>
+                  </a:solidFill>
+                  <a:cs typeface="Arial Narrow"/>
+                </a:rPr>
+                <a:t>STORE:</a:t>
+              </a:r>
+              <a:r>
+                <a:rPr lang="en-US" sz="800" dirty="0" smtClean="0">
+                  <a:solidFill>
+                    <a:srgbClr val="0070C0"/>
+                  </a:solidFill>
+                  <a:cs typeface="Arial Narrow"/>
+                </a:rPr>
+                <a:t> </a:t>
+              </a:r>
+              <a:r>
+                <a:rPr lang="en-US" sz="800" b="1" dirty="0" smtClean="0">
+                  <a:solidFill>
+                    <a:srgbClr val="2C74A5"/>
+                  </a:solidFill>
+                  <a:cs typeface="Arial Narrow"/>
+                </a:rPr>
+                <a:t>BROADWAY</a:t>
+              </a:r>
+              <a:endParaRPr lang="en-US" sz="800" b="1" dirty="0">
+                <a:solidFill>
+                  <a:srgbClr val="2C74A5"/>
+                </a:solidFill>
+                <a:cs typeface="Arial Narrow"/>
+              </a:endParaRPr>
+            </a:p>
+          </p:txBody>
+        </p:sp>
+        <p:cxnSp>
+          <p:nvCxnSpPr>
+            <p:cNvPr id="140" name="Straight Connector 139"/>
+            <p:cNvCxnSpPr/>
+            <p:nvPr/>
+          </p:nvCxnSpPr>
+          <p:spPr>
+            <a:xfrm>
+              <a:off x="4379933" y="5272784"/>
+              <a:ext cx="196210" cy="0"/>
+            </a:xfrm>
+            <a:prstGeom prst="line">
+              <a:avLst/>
+            </a:prstGeom>
+            <a:ln w="6350">
+              <a:solidFill>
+                <a:srgbClr val="2C74A5"/>
+              </a:solidFill>
+            </a:ln>
+          </p:spPr>
+          <p:style>
+            <a:lnRef idx="1">
+              <a:schemeClr val="dk1"/>
+            </a:lnRef>
+            <a:fillRef idx="0">
+              <a:schemeClr val="dk1"/>
+            </a:fillRef>
+            <a:effectRef idx="0">
+              <a:schemeClr val="dk1"/>
+            </a:effectRef>
+            <a:fontRef idx="minor">
+              <a:schemeClr val="tx1"/>
+            </a:fontRef>
+          </p:style>
+        </p:cxnSp>
+        <p:sp>
+          <p:nvSpPr>
+            <p:cNvPr id="141" name="Rounded Rectangle 140"/>
+            <p:cNvSpPr/>
+            <p:nvPr/>
+          </p:nvSpPr>
+          <p:spPr>
+            <a:xfrm>
+              <a:off x="4538799" y="5144226"/>
+              <a:ext cx="1613741" cy="243396"/>
+            </a:xfrm>
+            <a:prstGeom prst="roundRect">
+              <a:avLst>
+                <a:gd name="adj" fmla="val 50000"/>
+              </a:avLst>
+            </a:prstGeom>
+            <a:solidFill>
+              <a:schemeClr val="bg1"/>
+            </a:solidFill>
+            <a:ln w="6350">
+              <a:solidFill>
+                <a:srgbClr val="2C74A5"/>
+              </a:solidFill>
+            </a:ln>
+          </p:spPr>
+          <p:style>
+            <a:lnRef idx="2">
+              <a:schemeClr val="dk1"/>
+            </a:lnRef>
+            <a:fillRef idx="1">
+              <a:schemeClr val="lt1"/>
+            </a:fillRef>
+            <a:effectRef idx="0">
+              <a:schemeClr val="dk1"/>
+            </a:effectRef>
+            <a:fontRef idx="minor">
+              <a:schemeClr val="dk1"/>
+            </a:fontRef>
+          </p:style>
+          <p:txBody>
+            <a:bodyPr lIns="182880" rIns="36576" rtlCol="0" anchor="ctr"/>
+            <a:lstStyle/>
+            <a:p>
+              <a:pPr>
+                <a:spcAft>
+                  <a:spcPts val="600"/>
+                </a:spcAft>
+              </a:pPr>
+              <a:r>
+                <a:rPr lang="en-US" sz="800" dirty="0">
+                  <a:solidFill>
+                    <a:srgbClr val="E84C3B"/>
+                  </a:solidFill>
+                  <a:cs typeface="Arial Narrow"/>
+                </a:rPr>
+                <a:t>SIZE:</a:t>
+              </a:r>
+              <a:r>
+                <a:rPr lang="en-US" sz="800" dirty="0">
+                  <a:solidFill>
+                    <a:srgbClr val="0070C0"/>
+                  </a:solidFill>
+                  <a:cs typeface="Arial Narrow"/>
+                </a:rPr>
+                <a:t> </a:t>
+              </a:r>
+              <a:r>
+                <a:rPr lang="en-US" sz="800" b="1" dirty="0">
+                  <a:solidFill>
+                    <a:srgbClr val="2C74A5"/>
+                  </a:solidFill>
+                  <a:cs typeface="Arial Narrow"/>
+                </a:rPr>
+                <a:t>SMALL</a:t>
+              </a:r>
+            </a:p>
+          </p:txBody>
+        </p:sp>
+        <p:cxnSp>
+          <p:nvCxnSpPr>
+            <p:cNvPr id="144" name="Straight Connector 143"/>
+            <p:cNvCxnSpPr/>
+            <p:nvPr/>
+          </p:nvCxnSpPr>
+          <p:spPr>
+            <a:xfrm>
+              <a:off x="4379933" y="5612436"/>
+              <a:ext cx="196210" cy="0"/>
+            </a:xfrm>
+            <a:prstGeom prst="line">
+              <a:avLst/>
+            </a:prstGeom>
+            <a:ln w="6350">
+              <a:solidFill>
+                <a:srgbClr val="2C74A5"/>
+              </a:solidFill>
+            </a:ln>
+          </p:spPr>
+          <p:style>
+            <a:lnRef idx="1">
+              <a:schemeClr val="dk1"/>
+            </a:lnRef>
+            <a:fillRef idx="0">
+              <a:schemeClr val="dk1"/>
+            </a:fillRef>
+            <a:effectRef idx="0">
+              <a:schemeClr val="dk1"/>
+            </a:effectRef>
+            <a:fontRef idx="minor">
+              <a:schemeClr val="tx1"/>
+            </a:fontRef>
+          </p:style>
+        </p:cxnSp>
+        <p:sp>
+          <p:nvSpPr>
+            <p:cNvPr id="145" name="Rounded Rectangle 144"/>
+            <p:cNvSpPr/>
+            <p:nvPr/>
+          </p:nvSpPr>
+          <p:spPr>
+            <a:xfrm>
+              <a:off x="4538799" y="5483878"/>
+              <a:ext cx="1613741" cy="243396"/>
+            </a:xfrm>
+            <a:prstGeom prst="roundRect">
+              <a:avLst>
+                <a:gd name="adj" fmla="val 50000"/>
+              </a:avLst>
+            </a:prstGeom>
+            <a:solidFill>
+              <a:schemeClr val="bg1"/>
+            </a:solidFill>
+            <a:ln w="6350">
+              <a:solidFill>
+                <a:srgbClr val="2C74A5"/>
+              </a:solidFill>
+            </a:ln>
+          </p:spPr>
+          <p:style>
+            <a:lnRef idx="2">
+              <a:schemeClr val="dk1"/>
+            </a:lnRef>
+            <a:fillRef idx="1">
+              <a:schemeClr val="lt1"/>
+            </a:fillRef>
+            <a:effectRef idx="0">
+              <a:schemeClr val="dk1"/>
+            </a:effectRef>
+            <a:fontRef idx="minor">
+              <a:schemeClr val="dk1"/>
+            </a:fontRef>
+          </p:style>
+          <p:txBody>
+            <a:bodyPr lIns="182880" rIns="36576" rtlCol="0" anchor="ctr"/>
+            <a:lstStyle/>
+            <a:p>
+              <a:pPr>
+                <a:spcAft>
+                  <a:spcPts val="600"/>
+                </a:spcAft>
+              </a:pPr>
+              <a:r>
+                <a:rPr lang="en-US" sz="800" dirty="0" smtClean="0">
+                  <a:solidFill>
+                    <a:srgbClr val="E84C3B"/>
+                  </a:solidFill>
+                  <a:cs typeface="Arial Narrow"/>
+                </a:rPr>
+                <a:t>OPTION:</a:t>
+              </a:r>
+              <a:r>
+                <a:rPr lang="en-US" sz="800" dirty="0" smtClean="0">
+                  <a:solidFill>
+                    <a:srgbClr val="0070C0"/>
+                  </a:solidFill>
+                  <a:cs typeface="Arial Narrow"/>
+                </a:rPr>
+                <a:t> </a:t>
+              </a:r>
+              <a:r>
+                <a:rPr lang="en-US" sz="800" b="1" dirty="0" smtClean="0">
+                  <a:solidFill>
+                    <a:srgbClr val="2C74A5"/>
+                  </a:solidFill>
+                  <a:cs typeface="Arial Narrow"/>
+                </a:rPr>
+                <a:t>WHIPPED CREAM</a:t>
+              </a:r>
+              <a:endParaRPr lang="en-US" sz="800" b="1" dirty="0">
+                <a:solidFill>
+                  <a:srgbClr val="2C74A5"/>
+                </a:solidFill>
+                <a:cs typeface="Arial Narrow"/>
+              </a:endParaRPr>
+            </a:p>
+          </p:txBody>
+        </p:sp>
+      </p:grpSp>
+    </p:spTree>
+    <p:extLst>
+      <p:ext uri="{BB962C8B-B14F-4D97-AF65-F5344CB8AC3E}">
+        <p14:creationId xmlns:p14="http://schemas.microsoft.com/office/powerpoint/2010/main" val="2116546462"/>
+      </p:ext>
+    </p:extLst>
+  </p:cSld>
+  <p:clrMapOvr>
+    <a:masterClrMapping/>
+  </p:clrMapOvr>
+  <mc:AlternateContent xmlns:mc="http://schemas.openxmlformats.org/markup-compatibility/2006" xmlns:p14="http://schemas.microsoft.com/office/powerpoint/2010/main">
+    <mc:Choice Requires="p14">
+      <p:transition spd="slow" p14:dur="2000"/>
+    </mc:Choice>
+    <mc:Fallback xmlns="">
+      <p:transition spd="slow"/>
+    </mc:Fallback>
+  </mc:AlternateContent>
   <p:timing>
     <p:tnLst>
       <p:par>
@@ -28974,11 +34559,6 @@
               </a:rPr>
               <a:t>do you have romantic movies?</a:t>
             </a:r>
-            <a:endParaRPr lang="en-US" sz="900" dirty="0">
-              <a:solidFill>
-                <a:srgbClr val="FFFFFF"/>
-              </a:solidFill>
-            </a:endParaRPr>
           </a:p>
           <a:p>
             <a:endParaRPr lang="en-US" sz="900" dirty="0">
@@ -29109,7 +34689,6 @@
               <a:rPr lang="en-US" sz="900" dirty="0"/>
               <a:t>.</a:t>
             </a:r>
-            <a:endParaRPr lang="en-US" sz="900" dirty="0"/>
           </a:p>
         </p:txBody>
       </p:sp>
@@ -29171,11 +34750,6 @@
               </a:rPr>
               <a:t>Find Tom Hanks movies</a:t>
             </a:r>
-            <a:endParaRPr lang="en-US" sz="900" dirty="0">
-              <a:solidFill>
-                <a:srgbClr val="FFFFFF"/>
-              </a:solidFill>
-            </a:endParaRPr>
           </a:p>
         </p:txBody>
       </p:sp>
@@ -29316,7 +34890,6 @@
               <a:rPr lang="en-US" sz="900" dirty="0"/>
               <a:t>See you later.</a:t>
             </a:r>
-            <a:endParaRPr lang="en-US" sz="900" dirty="0"/>
           </a:p>
         </p:txBody>
       </p:sp>
@@ -29744,7 +35317,6 @@
               <a:rPr lang="en-US" sz="900" b="1" dirty="0"/>
               <a:t>Beauty and the Beast</a:t>
             </a:r>
-            <a:endParaRPr lang="en-US" sz="900" b="1" dirty="0"/>
           </a:p>
         </p:txBody>
       </p:sp>
@@ -29803,7 +35375,6 @@
               <a:rPr lang="en-US" sz="900" b="1" dirty="0"/>
               <a:t>Twilight</a:t>
             </a:r>
-            <a:endParaRPr lang="en-US" sz="900" b="1" dirty="0"/>
           </a:p>
         </p:txBody>
       </p:sp>
@@ -30104,7 +35675,6 @@
               <a:rPr lang="en-US" sz="900" b="1" dirty="0"/>
               <a:t>Big</a:t>
             </a:r>
-            <a:endParaRPr lang="en-US" sz="900" b="1" dirty="0"/>
           </a:p>
         </p:txBody>
       </p:sp>
@@ -30354,7 +35924,6 @@
               <a:rPr lang="en-US" sz="900" b="1" dirty="0"/>
               <a:t>Larry Crowne</a:t>
             </a:r>
-            <a:endParaRPr lang="en-US" sz="900" b="1" dirty="0"/>
           </a:p>
         </p:txBody>
       </p:sp>
@@ -30412,7 +35981,6 @@
               <a:rPr lang="en-US" sz="900" dirty="0"/>
               <a:t>See you later.</a:t>
             </a:r>
-            <a:endParaRPr lang="en-US" sz="900" dirty="0"/>
           </a:p>
         </p:txBody>
       </p:sp>

--- a/docs/source/images/images.pptx
+++ b/docs/source/images/images.pptx
@@ -5,7 +5,7 @@
     <p:sldMasterId id="2147483648" r:id="rId1"/>
   </p:sldMasterIdLst>
   <p:notesMasterIdLst>
-    <p:notesMasterId r:id="rId20"/>
+    <p:notesMasterId r:id="rId22"/>
   </p:notesMasterIdLst>
   <p:sldIdLst>
     <p:sldId id="272" r:id="rId2"/>
@@ -26,6 +26,8 @@
     <p:sldId id="265" r:id="rId17"/>
     <p:sldId id="273" r:id="rId18"/>
     <p:sldId id="276" r:id="rId19"/>
+    <p:sldId id="281" r:id="rId20"/>
+    <p:sldId id="282" r:id="rId21"/>
   </p:sldIdLst>
   <p:sldSz cx="9144000" cy="6858000" type="screen4x3"/>
   <p:notesSz cx="6858000" cy="9144000"/>
@@ -225,7 +227,7 @@
           <a:p>
             <a:fld id="{C06C16C2-E84F-C94A-BAEB-BD9A80415D2E}" type="datetimeFigureOut">
               <a:rPr lang="en-US" smtClean="0"/>
-              <a:t>7/24/17</a:t>
+              <a:t>7/26/17</a:t>
             </a:fld>
             <a:endParaRPr lang="en-US"/>
           </a:p>
@@ -1238,6 +1240,312 @@
 </p:notes>
 </file>
 
+<file path=ppt/notesSlides/notesSlide8.xml><?xml version="1.0" encoding="utf-8"?>
+<p:notes xmlns:a="http://schemas.openxmlformats.org/drawingml/2006/main" xmlns:r="http://schemas.openxmlformats.org/officeDocument/2006/relationships" xmlns:p="http://schemas.openxmlformats.org/presentationml/2006/main">
+  <p:cSld>
+    <p:spTree>
+      <p:nvGrpSpPr>
+        <p:cNvPr id="1" name=""/>
+        <p:cNvGrpSpPr/>
+        <p:nvPr/>
+      </p:nvGrpSpPr>
+      <p:grpSpPr>
+        <a:xfrm>
+          <a:off x="0" y="0"/>
+          <a:ext cx="0" cy="0"/>
+          <a:chOff x="0" y="0"/>
+          <a:chExt cx="0" cy="0"/>
+        </a:xfrm>
+      </p:grpSpPr>
+      <p:sp>
+        <p:nvSpPr>
+          <p:cNvPr id="2" name="Slide Image Placeholder 1"/>
+          <p:cNvSpPr>
+            <a:spLocks noGrp="1" noRot="1" noChangeAspect="1"/>
+          </p:cNvSpPr>
+          <p:nvPr>
+            <p:ph type="sldImg"/>
+          </p:nvPr>
+        </p:nvSpPr>
+        <p:spPr/>
+      </p:sp>
+      <p:sp>
+        <p:nvSpPr>
+          <p:cNvPr id="3" name="Notes Placeholder 2"/>
+          <p:cNvSpPr>
+            <a:spLocks noGrp="1"/>
+          </p:cNvSpPr>
+          <p:nvPr>
+            <p:ph type="body" idx="1"/>
+          </p:nvPr>
+        </p:nvSpPr>
+        <p:spPr/>
+        <p:txBody>
+          <a:bodyPr/>
+          <a:lstStyle/>
+          <a:p>
+            <a:pPr marL="171450" indent="-171450">
+              <a:buFont typeface="Arial" charset="0"/>
+              <a:buChar char="•"/>
+            </a:pPr>
+            <a:r>
+              <a:rPr lang="is-IS" baseline="0" dirty="0" smtClean="0"/>
+              <a:t>Parser function: Relations, Entity Groups</a:t>
+            </a:r>
+          </a:p>
+          <a:p>
+            <a:pPr marL="171450" indent="-171450">
+              <a:buFont typeface="Arial" charset="0"/>
+              <a:buChar char="•"/>
+            </a:pPr>
+            <a:r>
+              <a:rPr lang="is-IS" baseline="0" dirty="0" smtClean="0"/>
+              <a:t>Quantity 1, Size: Large </a:t>
+            </a:r>
+            <a:r>
+              <a:rPr lang="is-IS" baseline="0" dirty="0" smtClean="0">
+                <a:sym typeface="Wingdings"/>
+              </a:rPr>
+              <a:t> Squishee</a:t>
+            </a:r>
+          </a:p>
+          <a:p>
+            <a:pPr marL="171450" indent="-171450">
+              <a:buFont typeface="Arial" charset="0"/>
+              <a:buChar char="•"/>
+            </a:pPr>
+            <a:r>
+              <a:rPr lang="is-IS" baseline="0" dirty="0" smtClean="0">
+                <a:sym typeface="Wingdings"/>
+              </a:rPr>
+              <a:t>Separate order of donuts </a:t>
+            </a:r>
+          </a:p>
+          <a:p>
+            <a:pPr marL="171450" indent="-171450">
+              <a:buFont typeface="Arial" charset="0"/>
+              <a:buChar char="•"/>
+            </a:pPr>
+            <a:r>
+              <a:rPr lang="is-IS" baseline="0" dirty="0" smtClean="0">
+                <a:sym typeface="Wingdings"/>
+              </a:rPr>
+              <a:t>Requested store</a:t>
+            </a:r>
+          </a:p>
+          <a:p>
+            <a:pPr marL="171450" indent="-171450">
+              <a:buFont typeface="Arial" charset="0"/>
+              <a:buChar char="•"/>
+            </a:pPr>
+            <a:r>
+              <a:rPr lang="is-IS" baseline="0" dirty="0" smtClean="0">
+                <a:sym typeface="Wingdings"/>
+              </a:rPr>
+              <a:t>All info to fulfill request, e.g. POS system</a:t>
+            </a:r>
+            <a:endParaRPr lang="is-IS" baseline="0" dirty="0" smtClean="0"/>
+          </a:p>
+        </p:txBody>
+      </p:sp>
+      <p:sp>
+        <p:nvSpPr>
+          <p:cNvPr id="4" name="Slide Number Placeholder 3"/>
+          <p:cNvSpPr>
+            <a:spLocks noGrp="1"/>
+          </p:cNvSpPr>
+          <p:nvPr>
+            <p:ph type="sldNum" sz="quarter" idx="10"/>
+          </p:nvPr>
+        </p:nvSpPr>
+        <p:spPr/>
+        <p:txBody>
+          <a:bodyPr/>
+          <a:lstStyle/>
+          <a:p>
+            <a:fld id="{DA19B0A4-E9CB-B047-A1DB-D605C59043BA}" type="slidenum">
+              <a:rPr lang="en-US" smtClean="0">
+                <a:solidFill>
+                  <a:prstClr val="black"/>
+                </a:solidFill>
+              </a:rPr>
+              <a:pPr/>
+              <a:t>19</a:t>
+            </a:fld>
+            <a:endParaRPr lang="en-US">
+              <a:solidFill>
+                <a:prstClr val="black"/>
+              </a:solidFill>
+            </a:endParaRPr>
+          </a:p>
+        </p:txBody>
+      </p:sp>
+    </p:spTree>
+    <p:extLst>
+      <p:ext uri="{BB962C8B-B14F-4D97-AF65-F5344CB8AC3E}">
+        <p14:creationId xmlns:p14="http://schemas.microsoft.com/office/powerpoint/2010/main" val="954188502"/>
+      </p:ext>
+    </p:extLst>
+  </p:cSld>
+  <p:clrMapOvr>
+    <a:masterClrMapping/>
+  </p:clrMapOvr>
+</p:notes>
+</file>
+
+<file path=ppt/notesSlides/notesSlide9.xml><?xml version="1.0" encoding="utf-8"?>
+<p:notes xmlns:a="http://schemas.openxmlformats.org/drawingml/2006/main" xmlns:r="http://schemas.openxmlformats.org/officeDocument/2006/relationships" xmlns:p="http://schemas.openxmlformats.org/presentationml/2006/main">
+  <p:cSld>
+    <p:spTree>
+      <p:nvGrpSpPr>
+        <p:cNvPr id="1" name=""/>
+        <p:cNvGrpSpPr/>
+        <p:nvPr/>
+      </p:nvGrpSpPr>
+      <p:grpSpPr>
+        <a:xfrm>
+          <a:off x="0" y="0"/>
+          <a:ext cx="0" cy="0"/>
+          <a:chOff x="0" y="0"/>
+          <a:chExt cx="0" cy="0"/>
+        </a:xfrm>
+      </p:grpSpPr>
+      <p:sp>
+        <p:nvSpPr>
+          <p:cNvPr id="2" name="Slide Image Placeholder 1"/>
+          <p:cNvSpPr>
+            <a:spLocks noGrp="1" noRot="1" noChangeAspect="1"/>
+          </p:cNvSpPr>
+          <p:nvPr>
+            <p:ph type="sldImg"/>
+          </p:nvPr>
+        </p:nvSpPr>
+        <p:spPr/>
+      </p:sp>
+      <p:sp>
+        <p:nvSpPr>
+          <p:cNvPr id="3" name="Notes Placeholder 2"/>
+          <p:cNvSpPr>
+            <a:spLocks noGrp="1"/>
+          </p:cNvSpPr>
+          <p:nvPr>
+            <p:ph type="body" idx="1"/>
+          </p:nvPr>
+        </p:nvSpPr>
+        <p:spPr/>
+        <p:txBody>
+          <a:bodyPr/>
+          <a:lstStyle/>
+          <a:p>
+            <a:pPr marL="171450" indent="-171450">
+              <a:buFont typeface="Arial" charset="0"/>
+              <a:buChar char="•"/>
+            </a:pPr>
+            <a:r>
+              <a:rPr lang="is-IS" baseline="0" dirty="0" smtClean="0"/>
+              <a:t>Parser function: Relations, Entity Groups</a:t>
+            </a:r>
+          </a:p>
+          <a:p>
+            <a:pPr marL="171450" indent="-171450">
+              <a:buFont typeface="Arial" charset="0"/>
+              <a:buChar char="•"/>
+            </a:pPr>
+            <a:r>
+              <a:rPr lang="is-IS" baseline="0" dirty="0" smtClean="0"/>
+              <a:t>Quantity 1, Size: Large </a:t>
+            </a:r>
+            <a:r>
+              <a:rPr lang="is-IS" baseline="0" dirty="0" smtClean="0">
+                <a:sym typeface="Wingdings"/>
+              </a:rPr>
+              <a:t> Squishee</a:t>
+            </a:r>
+          </a:p>
+          <a:p>
+            <a:pPr marL="171450" indent="-171450">
+              <a:buFont typeface="Arial" charset="0"/>
+              <a:buChar char="•"/>
+            </a:pPr>
+            <a:r>
+              <a:rPr lang="is-IS" baseline="0" dirty="0" smtClean="0">
+                <a:sym typeface="Wingdings"/>
+              </a:rPr>
+              <a:t>Separate order of donuts </a:t>
+            </a:r>
+          </a:p>
+          <a:p>
+            <a:pPr marL="171450" indent="-171450">
+              <a:buFont typeface="Arial" charset="0"/>
+              <a:buChar char="•"/>
+            </a:pPr>
+            <a:r>
+              <a:rPr lang="is-IS" baseline="0" dirty="0" smtClean="0">
+                <a:sym typeface="Wingdings"/>
+              </a:rPr>
+              <a:t>Requested store</a:t>
+            </a:r>
+          </a:p>
+          <a:p>
+            <a:pPr marL="171450" indent="-171450">
+              <a:buFont typeface="Arial" charset="0"/>
+              <a:buChar char="•"/>
+            </a:pPr>
+            <a:r>
+              <a:rPr lang="is-IS" baseline="0" dirty="0" smtClean="0">
+                <a:sym typeface="Wingdings"/>
+              </a:rPr>
+              <a:t>All info to fulfill request, e.g. POS system</a:t>
+            </a:r>
+            <a:endParaRPr lang="is-IS" baseline="0" dirty="0" smtClean="0"/>
+          </a:p>
+        </p:txBody>
+      </p:sp>
+      <p:sp>
+        <p:nvSpPr>
+          <p:cNvPr id="4" name="Slide Number Placeholder 3"/>
+          <p:cNvSpPr>
+            <a:spLocks noGrp="1"/>
+          </p:cNvSpPr>
+          <p:nvPr>
+            <p:ph type="sldNum" sz="quarter" idx="10"/>
+          </p:nvPr>
+        </p:nvSpPr>
+        <p:spPr/>
+        <p:txBody>
+          <a:bodyPr/>
+          <a:lstStyle/>
+          <a:p>
+            <a:fld id="{DA19B0A4-E9CB-B047-A1DB-D605C59043BA}" type="slidenum">
+              <a:rPr lang="en-US" smtClean="0">
+                <a:solidFill>
+                  <a:prstClr val="black"/>
+                </a:solidFill>
+              </a:rPr>
+              <a:pPr/>
+              <a:t>20</a:t>
+            </a:fld>
+            <a:endParaRPr lang="en-US">
+              <a:solidFill>
+                <a:prstClr val="black"/>
+              </a:solidFill>
+            </a:endParaRPr>
+          </a:p>
+        </p:txBody>
+      </p:sp>
+    </p:spTree>
+    <p:extLst>
+      <p:ext uri="{BB962C8B-B14F-4D97-AF65-F5344CB8AC3E}">
+        <p14:creationId xmlns:p14="http://schemas.microsoft.com/office/powerpoint/2010/main" val="1877257926"/>
+      </p:ext>
+    </p:extLst>
+  </p:cSld>
+  <p:clrMapOvr>
+    <a:masterClrMapping/>
+  </p:clrMapOvr>
+</p:notes>
+</file>
+
 <file path=ppt/slideLayouts/slideLayout1.xml><?xml version="1.0" encoding="utf-8"?>
 <p:sldLayout xmlns:a="http://schemas.openxmlformats.org/drawingml/2006/main" xmlns:r="http://schemas.openxmlformats.org/officeDocument/2006/relationships" xmlns:p="http://schemas.openxmlformats.org/presentationml/2006/main" type="title" preserve="1">
   <p:cSld name="Title Slide">
@@ -1419,7 +1727,7 @@
           <a:p>
             <a:fld id="{85FD3787-7239-C647-8F46-4AEF603A44BF}" type="datetime1">
               <a:rPr lang="en-US" smtClean="0"/>
-              <a:t>7/24/17</a:t>
+              <a:t>7/26/17</a:t>
             </a:fld>
             <a:endParaRPr lang="en-US" dirty="0"/>
           </a:p>
@@ -1589,7 +1897,7 @@
           <a:p>
             <a:fld id="{58F06498-C7BA-7B4F-A289-96E741DB6F51}" type="datetime1">
               <a:rPr lang="en-US" smtClean="0"/>
-              <a:t>7/24/17</a:t>
+              <a:t>7/26/17</a:t>
             </a:fld>
             <a:endParaRPr lang="en-US" dirty="0"/>
           </a:p>
@@ -1769,7 +2077,7 @@
           <a:p>
             <a:fld id="{92B56630-3C53-6E41-8F36-B5B7DC677D8C}" type="datetime1">
               <a:rPr lang="en-US" smtClean="0"/>
-              <a:t>7/24/17</a:t>
+              <a:t>7/26/17</a:t>
             </a:fld>
             <a:endParaRPr lang="en-US" dirty="0"/>
           </a:p>
@@ -1939,7 +2247,7 @@
           <a:p>
             <a:fld id="{AB3D54BB-4E0B-844F-968F-93A99D2A0E27}" type="datetime1">
               <a:rPr lang="en-US" smtClean="0"/>
-              <a:t>7/24/17</a:t>
+              <a:t>7/26/17</a:t>
             </a:fld>
             <a:endParaRPr lang="en-US" dirty="0"/>
           </a:p>
@@ -2185,7 +2493,7 @@
           <a:p>
             <a:fld id="{8308F5C4-D4BE-1246-89B0-2CF09E5A1C73}" type="datetime1">
               <a:rPr lang="en-US" smtClean="0"/>
-              <a:t>7/24/17</a:t>
+              <a:t>7/26/17</a:t>
             </a:fld>
             <a:endParaRPr lang="en-US" dirty="0"/>
           </a:p>
@@ -2473,7 +2781,7 @@
           <a:p>
             <a:fld id="{AE2C759A-60C1-D347-A2FC-BD124BE24608}" type="datetime1">
               <a:rPr lang="en-US" smtClean="0"/>
-              <a:t>7/24/17</a:t>
+              <a:t>7/26/17</a:t>
             </a:fld>
             <a:endParaRPr lang="en-US" dirty="0"/>
           </a:p>
@@ -2895,7 +3203,7 @@
           <a:p>
             <a:fld id="{81A1B11B-E3A3-7242-9E6D-08D8E0DF02D1}" type="datetime1">
               <a:rPr lang="en-US" smtClean="0"/>
-              <a:t>7/24/17</a:t>
+              <a:t>7/26/17</a:t>
             </a:fld>
             <a:endParaRPr lang="en-US" dirty="0"/>
           </a:p>
@@ -3013,7 +3321,7 @@
           <a:p>
             <a:fld id="{4BD03965-1CEF-054A-A931-4796ABBAFB43}" type="datetime1">
               <a:rPr lang="en-US" smtClean="0"/>
-              <a:t>7/24/17</a:t>
+              <a:t>7/26/17</a:t>
             </a:fld>
             <a:endParaRPr lang="en-US" dirty="0"/>
           </a:p>
@@ -3108,7 +3416,7 @@
           <a:p>
             <a:fld id="{B2AA7C06-6D5E-494B-9BF1-9BBBE1D5A1C7}" type="datetime1">
               <a:rPr lang="en-US" smtClean="0"/>
-              <a:t>7/24/17</a:t>
+              <a:t>7/26/17</a:t>
             </a:fld>
             <a:endParaRPr lang="en-US" dirty="0"/>
           </a:p>
@@ -3385,7 +3693,7 @@
           <a:p>
             <a:fld id="{7CE04B88-50CE-7A45-AE26-A9751D882E6D}" type="datetime1">
               <a:rPr lang="en-US" smtClean="0"/>
-              <a:t>7/24/17</a:t>
+              <a:t>7/26/17</a:t>
             </a:fld>
             <a:endParaRPr lang="en-US" dirty="0"/>
           </a:p>
@@ -3642,7 +3950,7 @@
           <a:p>
             <a:fld id="{70B692A8-8BCF-2745-A1F3-24034345F60C}" type="datetime1">
               <a:rPr lang="en-US" smtClean="0"/>
-              <a:t>7/24/17</a:t>
+              <a:t>7/26/17</a:t>
             </a:fld>
             <a:endParaRPr lang="en-US" dirty="0"/>
           </a:p>
@@ -3856,7 +4164,7 @@
             <a:fld id="{B994E09A-36F1-0A45-80F7-B10DE6908129}" type="datetime1">
               <a:rPr lang="en-US" smtClean="0"/>
               <a:pPr/>
-              <a:t>7/24/17</a:t>
+              <a:t>7/26/17</a:t>
             </a:fld>
             <a:endParaRPr lang="en-US" dirty="0"/>
           </a:p>
@@ -25844,6 +26152,2643 @@
 </p:sld>
 </file>
 
+<file path=ppt/slides/slide19.xml><?xml version="1.0" encoding="utf-8"?>
+<p:sld xmlns:a="http://schemas.openxmlformats.org/drawingml/2006/main" xmlns:r="http://schemas.openxmlformats.org/officeDocument/2006/relationships" xmlns:p="http://schemas.openxmlformats.org/presentationml/2006/main">
+  <p:cSld>
+    <p:spTree>
+      <p:nvGrpSpPr>
+        <p:cNvPr id="1" name=""/>
+        <p:cNvGrpSpPr/>
+        <p:nvPr/>
+      </p:nvGrpSpPr>
+      <p:grpSpPr>
+        <a:xfrm>
+          <a:off x="0" y="0"/>
+          <a:ext cx="0" cy="0"/>
+          <a:chOff x="0" y="0"/>
+          <a:chExt cx="0" cy="0"/>
+        </a:xfrm>
+      </p:grpSpPr>
+      <p:grpSp>
+        <p:nvGrpSpPr>
+          <p:cNvPr id="29" name="Group 28"/>
+          <p:cNvGrpSpPr/>
+          <p:nvPr/>
+        </p:nvGrpSpPr>
+        <p:grpSpPr>
+          <a:xfrm>
+            <a:off x="177242" y="1001262"/>
+            <a:ext cx="8519377" cy="5021651"/>
+            <a:chOff x="177242" y="1001262"/>
+            <a:chExt cx="8519377" cy="5021651"/>
+          </a:xfrm>
+        </p:grpSpPr>
+        <p:sp>
+          <p:nvSpPr>
+            <p:cNvPr id="73" name="Rounded Rectangle 72"/>
+            <p:cNvSpPr/>
+            <p:nvPr/>
+          </p:nvSpPr>
+          <p:spPr>
+            <a:xfrm>
+              <a:off x="967011" y="1001262"/>
+              <a:ext cx="7729608" cy="411076"/>
+            </a:xfrm>
+            <a:prstGeom prst="roundRect">
+              <a:avLst>
+                <a:gd name="adj" fmla="val 11698"/>
+              </a:avLst>
+            </a:prstGeom>
+            <a:solidFill>
+              <a:srgbClr val="F2F2F2"/>
+            </a:solidFill>
+            <a:ln w="6350">
+              <a:solidFill>
+                <a:srgbClr val="2C74A5"/>
+              </a:solidFill>
+            </a:ln>
+          </p:spPr>
+          <p:style>
+            <a:lnRef idx="2">
+              <a:schemeClr val="dk1"/>
+            </a:lnRef>
+            <a:fillRef idx="1">
+              <a:schemeClr val="lt1"/>
+            </a:fillRef>
+            <a:effectRef idx="0">
+              <a:schemeClr val="dk1"/>
+            </a:effectRef>
+            <a:fontRef idx="minor">
+              <a:schemeClr val="dk1"/>
+            </a:fontRef>
+          </p:style>
+          <p:txBody>
+            <a:bodyPr lIns="274320" rtlCol="0" anchor="ctr"/>
+            <a:lstStyle/>
+            <a:p>
+              <a:pPr>
+                <a:spcAft>
+                  <a:spcPts val="600"/>
+                </a:spcAft>
+              </a:pPr>
+              <a:r>
+                <a:rPr lang="en-US" sz="1400" dirty="0" smtClean="0">
+                  <a:solidFill>
+                    <a:srgbClr val="2C74A5"/>
+                  </a:solidFill>
+                  <a:cs typeface="Arial Narrow"/>
+                </a:rPr>
+                <a:t>“Two tall lattes, decaf, and a small café mocha with whipped </a:t>
+              </a:r>
+              <a:r>
+                <a:rPr lang="en-US" sz="1400" dirty="0" smtClean="0">
+                  <a:solidFill>
+                    <a:srgbClr val="2C74A5"/>
+                  </a:solidFill>
+                  <a:cs typeface="Arial Narrow"/>
+                </a:rPr>
+                <a:t>cream”</a:t>
+              </a:r>
+              <a:endParaRPr lang="en-US" sz="1400" dirty="0">
+                <a:solidFill>
+                  <a:srgbClr val="2C74A5"/>
+                </a:solidFill>
+                <a:cs typeface="Arial Narrow"/>
+              </a:endParaRPr>
+            </a:p>
+          </p:txBody>
+        </p:sp>
+        <p:sp>
+          <p:nvSpPr>
+            <p:cNvPr id="74" name="TextBox 73"/>
+            <p:cNvSpPr txBox="1"/>
+            <p:nvPr/>
+          </p:nvSpPr>
+          <p:spPr>
+            <a:xfrm>
+              <a:off x="177242" y="1001654"/>
+              <a:ext cx="611682" cy="276999"/>
+            </a:xfrm>
+            <a:prstGeom prst="rect">
+              <a:avLst/>
+            </a:prstGeom>
+            <a:noFill/>
+          </p:spPr>
+          <p:txBody>
+            <a:bodyPr wrap="none" rtlCol="0" anchor="ctr">
+              <a:spAutoFit/>
+            </a:bodyPr>
+            <a:lstStyle>
+              <a:defPPr>
+                <a:defRPr lang="en-US"/>
+              </a:defPPr>
+              <a:lvl1pPr algn="ctr">
+                <a:defRPr sz="1200">
+                  <a:solidFill>
+                    <a:srgbClr val="A6A6A6"/>
+                  </a:solidFill>
+                  <a:latin typeface="Arial Narrow"/>
+                  <a:cs typeface="Arial Narrow"/>
+                </a:defRPr>
+              </a:lvl1pPr>
+            </a:lstStyle>
+            <a:p>
+              <a:r>
+                <a:rPr lang="en-US" b="1" dirty="0"/>
+                <a:t>INPUT</a:t>
+              </a:r>
+            </a:p>
+          </p:txBody>
+        </p:sp>
+        <p:sp>
+          <p:nvSpPr>
+            <p:cNvPr id="75" name="TextBox 74"/>
+            <p:cNvSpPr txBox="1"/>
+            <p:nvPr/>
+          </p:nvSpPr>
+          <p:spPr>
+            <a:xfrm>
+              <a:off x="177242" y="2437249"/>
+              <a:ext cx="920830" cy="461665"/>
+            </a:xfrm>
+            <a:prstGeom prst="rect">
+              <a:avLst/>
+            </a:prstGeom>
+            <a:noFill/>
+          </p:spPr>
+          <p:txBody>
+            <a:bodyPr wrap="none" rtlCol="0">
+              <a:spAutoFit/>
+            </a:bodyPr>
+            <a:lstStyle/>
+            <a:p>
+              <a:r>
+                <a:rPr lang="en-US" sz="1200" b="1" dirty="0" smtClean="0">
+                  <a:solidFill>
+                    <a:srgbClr val="A6A6A6"/>
+                  </a:solidFill>
+                  <a:latin typeface="Arial Narrow"/>
+                  <a:cs typeface="Arial Narrow"/>
+                </a:rPr>
+                <a:t>CANDIDATE</a:t>
+              </a:r>
+            </a:p>
+            <a:p>
+              <a:r>
+                <a:rPr lang="en-US" sz="1200" b="1" dirty="0" smtClean="0">
+                  <a:solidFill>
+                    <a:srgbClr val="A6A6A6"/>
+                  </a:solidFill>
+                  <a:latin typeface="Arial Narrow"/>
+                  <a:cs typeface="Arial Narrow"/>
+                </a:rPr>
+                <a:t>PARSE</a:t>
+              </a:r>
+              <a:r>
+                <a:rPr lang="en-US" sz="1200" b="1" dirty="0">
+                  <a:solidFill>
+                    <a:srgbClr val="A6A6A6"/>
+                  </a:solidFill>
+                  <a:latin typeface="Arial Narrow"/>
+                  <a:cs typeface="Arial Narrow"/>
+                </a:rPr>
+                <a:t> </a:t>
+              </a:r>
+              <a:r>
+                <a:rPr lang="en-US" sz="1200" b="1" dirty="0" smtClean="0">
+                  <a:solidFill>
+                    <a:srgbClr val="A6A6A6"/>
+                  </a:solidFill>
+                  <a:latin typeface="Arial Narrow"/>
+                  <a:cs typeface="Arial Narrow"/>
+                </a:rPr>
+                <a:t>#1</a:t>
+              </a:r>
+            </a:p>
+          </p:txBody>
+        </p:sp>
+        <p:grpSp>
+          <p:nvGrpSpPr>
+            <p:cNvPr id="28" name="Group 27"/>
+            <p:cNvGrpSpPr/>
+            <p:nvPr/>
+          </p:nvGrpSpPr>
+          <p:grpSpPr>
+            <a:xfrm>
+              <a:off x="1545021" y="1619978"/>
+              <a:ext cx="6556657" cy="2096208"/>
+              <a:chOff x="1545021" y="1619978"/>
+              <a:chExt cx="6556657" cy="2096208"/>
+            </a:xfrm>
+          </p:grpSpPr>
+          <p:sp>
+            <p:nvSpPr>
+              <p:cNvPr id="71" name="Rounded Rectangle 70"/>
+              <p:cNvSpPr/>
+              <p:nvPr/>
+            </p:nvSpPr>
+            <p:spPr>
+              <a:xfrm>
+                <a:off x="1545021" y="1619978"/>
+                <a:ext cx="6556657" cy="2096208"/>
+              </a:xfrm>
+              <a:prstGeom prst="roundRect">
+                <a:avLst>
+                  <a:gd name="adj" fmla="val 3581"/>
+                </a:avLst>
+              </a:prstGeom>
+              <a:solidFill>
+                <a:srgbClr val="F2F2F2"/>
+              </a:solidFill>
+              <a:ln w="3175">
+                <a:solidFill>
+                  <a:srgbClr val="2C74A5"/>
+                </a:solidFill>
+                <a:prstDash val="solid"/>
+              </a:ln>
+            </p:spPr>
+            <p:style>
+              <a:lnRef idx="2">
+                <a:schemeClr val="dk1"/>
+              </a:lnRef>
+              <a:fillRef idx="1">
+                <a:schemeClr val="lt1"/>
+              </a:fillRef>
+              <a:effectRef idx="0">
+                <a:schemeClr val="dk1"/>
+              </a:effectRef>
+              <a:fontRef idx="minor">
+                <a:schemeClr val="dk1"/>
+              </a:fontRef>
+            </p:style>
+            <p:txBody>
+              <a:bodyPr rtlCol="0" anchor="ctr"/>
+              <a:lstStyle/>
+              <a:p>
+                <a:pPr algn="ctr"/>
+                <a:endParaRPr lang="en-US"/>
+              </a:p>
+            </p:txBody>
+          </p:sp>
+          <p:sp>
+            <p:nvSpPr>
+              <p:cNvPr id="76" name="TextBox 75"/>
+              <p:cNvSpPr txBox="1"/>
+              <p:nvPr/>
+            </p:nvSpPr>
+            <p:spPr>
+              <a:xfrm>
+                <a:off x="4111682" y="1646456"/>
+                <a:ext cx="1440266" cy="276999"/>
+              </a:xfrm>
+              <a:prstGeom prst="rect">
+                <a:avLst/>
+              </a:prstGeom>
+              <a:noFill/>
+              <a:ln>
+                <a:noFill/>
+              </a:ln>
+            </p:spPr>
+            <p:txBody>
+              <a:bodyPr wrap="none" rtlCol="0">
+                <a:spAutoFit/>
+              </a:bodyPr>
+              <a:lstStyle/>
+              <a:p>
+                <a:r>
+                  <a:rPr lang="en-US" sz="1200" b="1" smtClean="0">
+                    <a:solidFill>
+                      <a:srgbClr val="2C74A5"/>
+                    </a:solidFill>
+                  </a:rPr>
+                  <a:t>ENTITY </a:t>
+                </a:r>
+                <a:r>
+                  <a:rPr lang="en-US" sz="1200" b="1" dirty="0" smtClean="0">
+                    <a:solidFill>
+                      <a:srgbClr val="2C74A5"/>
+                    </a:solidFill>
+                  </a:rPr>
+                  <a:t>GROUPS</a:t>
+                </a:r>
+                <a:endParaRPr lang="en-US" sz="1200" b="1" dirty="0">
+                  <a:solidFill>
+                    <a:srgbClr val="2C74A5"/>
+                  </a:solidFill>
+                </a:endParaRPr>
+              </a:p>
+            </p:txBody>
+          </p:sp>
+          <p:sp>
+            <p:nvSpPr>
+              <p:cNvPr id="78" name="Rectangle 77"/>
+              <p:cNvSpPr/>
+              <p:nvPr/>
+            </p:nvSpPr>
+            <p:spPr>
+              <a:xfrm>
+                <a:off x="1640324" y="1991178"/>
+                <a:ext cx="2340238" cy="1591839"/>
+              </a:xfrm>
+              <a:prstGeom prst="rect">
+                <a:avLst/>
+              </a:prstGeom>
+              <a:noFill/>
+              <a:ln w="3175">
+                <a:solidFill>
+                  <a:srgbClr val="2C74A5"/>
+                </a:solidFill>
+                <a:prstDash val="dash"/>
+              </a:ln>
+            </p:spPr>
+            <p:style>
+              <a:lnRef idx="2">
+                <a:schemeClr val="dk1"/>
+              </a:lnRef>
+              <a:fillRef idx="1">
+                <a:schemeClr val="lt1"/>
+              </a:fillRef>
+              <a:effectRef idx="0">
+                <a:schemeClr val="dk1"/>
+              </a:effectRef>
+              <a:fontRef idx="minor">
+                <a:schemeClr val="dk1"/>
+              </a:fontRef>
+            </p:style>
+            <p:txBody>
+              <a:bodyPr rtlCol="0" anchor="ctr"/>
+              <a:lstStyle/>
+              <a:p>
+                <a:pPr algn="ctr"/>
+                <a:endParaRPr lang="en-US"/>
+              </a:p>
+            </p:txBody>
+          </p:sp>
+          <p:cxnSp>
+            <p:nvCxnSpPr>
+              <p:cNvPr id="79" name="Straight Connector 78"/>
+              <p:cNvCxnSpPr/>
+              <p:nvPr/>
+            </p:nvCxnSpPr>
+            <p:spPr>
+              <a:xfrm>
+                <a:off x="1972859" y="2522743"/>
+                <a:ext cx="196210" cy="0"/>
+              </a:xfrm>
+              <a:prstGeom prst="line">
+                <a:avLst/>
+              </a:prstGeom>
+              <a:ln w="6350">
+                <a:solidFill>
+                  <a:srgbClr val="2C74A5"/>
+                </a:solidFill>
+              </a:ln>
+            </p:spPr>
+            <p:style>
+              <a:lnRef idx="1">
+                <a:schemeClr val="dk1"/>
+              </a:lnRef>
+              <a:fillRef idx="0">
+                <a:schemeClr val="dk1"/>
+              </a:fillRef>
+              <a:effectRef idx="0">
+                <a:schemeClr val="dk1"/>
+              </a:effectRef>
+              <a:fontRef idx="minor">
+                <a:schemeClr val="tx1"/>
+              </a:fontRef>
+            </p:style>
+          </p:cxnSp>
+          <p:cxnSp>
+            <p:nvCxnSpPr>
+              <p:cNvPr id="80" name="Straight Connector 79"/>
+              <p:cNvCxnSpPr/>
+              <p:nvPr/>
+            </p:nvCxnSpPr>
+            <p:spPr>
+              <a:xfrm>
+                <a:off x="1970704" y="2287684"/>
+                <a:ext cx="2155" cy="895748"/>
+              </a:xfrm>
+              <a:prstGeom prst="line">
+                <a:avLst/>
+              </a:prstGeom>
+              <a:ln w="6350">
+                <a:solidFill>
+                  <a:srgbClr val="2C74A5"/>
+                </a:solidFill>
+              </a:ln>
+            </p:spPr>
+            <p:style>
+              <a:lnRef idx="1">
+                <a:schemeClr val="dk1"/>
+              </a:lnRef>
+              <a:fillRef idx="0">
+                <a:schemeClr val="dk1"/>
+              </a:fillRef>
+              <a:effectRef idx="0">
+                <a:schemeClr val="dk1"/>
+              </a:effectRef>
+              <a:fontRef idx="minor">
+                <a:schemeClr val="tx1"/>
+              </a:fontRef>
+            </p:style>
+          </p:cxnSp>
+          <p:cxnSp>
+            <p:nvCxnSpPr>
+              <p:cNvPr id="81" name="Straight Connector 80"/>
+              <p:cNvCxnSpPr/>
+              <p:nvPr/>
+            </p:nvCxnSpPr>
+            <p:spPr>
+              <a:xfrm>
+                <a:off x="1972859" y="2853088"/>
+                <a:ext cx="196210" cy="0"/>
+              </a:xfrm>
+              <a:prstGeom prst="line">
+                <a:avLst/>
+              </a:prstGeom>
+              <a:ln w="6350">
+                <a:solidFill>
+                  <a:srgbClr val="2C74A5"/>
+                </a:solidFill>
+              </a:ln>
+            </p:spPr>
+            <p:style>
+              <a:lnRef idx="1">
+                <a:schemeClr val="dk1"/>
+              </a:lnRef>
+              <a:fillRef idx="0">
+                <a:schemeClr val="dk1"/>
+              </a:fillRef>
+              <a:effectRef idx="0">
+                <a:schemeClr val="dk1"/>
+              </a:effectRef>
+              <a:fontRef idx="minor">
+                <a:schemeClr val="tx1"/>
+              </a:fontRef>
+            </p:style>
+          </p:cxnSp>
+          <p:sp>
+            <p:nvSpPr>
+              <p:cNvPr id="82" name="Rounded Rectangle 81"/>
+              <p:cNvSpPr/>
+              <p:nvPr/>
+            </p:nvSpPr>
+            <p:spPr>
+              <a:xfrm>
+                <a:off x="2111276" y="2726866"/>
+                <a:ext cx="1486039" cy="243396"/>
+              </a:xfrm>
+              <a:prstGeom prst="roundRect">
+                <a:avLst>
+                  <a:gd name="adj" fmla="val 50000"/>
+                </a:avLst>
+              </a:prstGeom>
+              <a:solidFill>
+                <a:schemeClr val="bg1"/>
+              </a:solidFill>
+              <a:ln w="6350">
+                <a:solidFill>
+                  <a:srgbClr val="2C74A5"/>
+                </a:solidFill>
+              </a:ln>
+            </p:spPr>
+            <p:style>
+              <a:lnRef idx="2">
+                <a:schemeClr val="dk1"/>
+              </a:lnRef>
+              <a:fillRef idx="1">
+                <a:schemeClr val="lt1"/>
+              </a:fillRef>
+              <a:effectRef idx="0">
+                <a:schemeClr val="dk1"/>
+              </a:effectRef>
+              <a:fontRef idx="minor">
+                <a:schemeClr val="dk1"/>
+              </a:fontRef>
+            </p:style>
+            <p:txBody>
+              <a:bodyPr lIns="182880" rIns="36576" rtlCol="0" anchor="ctr"/>
+              <a:lstStyle/>
+              <a:p>
+                <a:pPr>
+                  <a:spcAft>
+                    <a:spcPts val="600"/>
+                  </a:spcAft>
+                </a:pPr>
+                <a:r>
+                  <a:rPr lang="en-US" sz="800" dirty="0">
+                    <a:solidFill>
+                      <a:srgbClr val="E84C3B"/>
+                    </a:solidFill>
+                    <a:cs typeface="Arial Narrow"/>
+                  </a:rPr>
+                  <a:t>SIZE:</a:t>
+                </a:r>
+                <a:r>
+                  <a:rPr lang="en-US" sz="800" dirty="0">
+                    <a:solidFill>
+                      <a:srgbClr val="0070C0"/>
+                    </a:solidFill>
+                    <a:cs typeface="Arial Narrow"/>
+                  </a:rPr>
+                  <a:t> </a:t>
+                </a:r>
+                <a:r>
+                  <a:rPr lang="en-US" sz="800" b="1" dirty="0" smtClean="0">
+                    <a:solidFill>
+                      <a:srgbClr val="2C74A5"/>
+                    </a:solidFill>
+                    <a:cs typeface="Arial Narrow"/>
+                  </a:rPr>
+                  <a:t>TALL</a:t>
+                </a:r>
+                <a:endParaRPr lang="en-US" sz="800" b="1" dirty="0">
+                  <a:solidFill>
+                    <a:srgbClr val="2C74A5"/>
+                  </a:solidFill>
+                  <a:cs typeface="Arial Narrow"/>
+                </a:endParaRPr>
+              </a:p>
+            </p:txBody>
+          </p:sp>
+          <p:sp>
+            <p:nvSpPr>
+              <p:cNvPr id="83" name="Rounded Rectangle 82"/>
+              <p:cNvSpPr/>
+              <p:nvPr/>
+            </p:nvSpPr>
+            <p:spPr>
+              <a:xfrm>
+                <a:off x="1710414" y="2059521"/>
+                <a:ext cx="2226201" cy="243396"/>
+              </a:xfrm>
+              <a:prstGeom prst="roundRect">
+                <a:avLst>
+                  <a:gd name="adj" fmla="val 50000"/>
+                </a:avLst>
+              </a:prstGeom>
+              <a:solidFill>
+                <a:schemeClr val="bg1"/>
+              </a:solidFill>
+              <a:ln w="6350">
+                <a:solidFill>
+                  <a:srgbClr val="2C74A5"/>
+                </a:solidFill>
+              </a:ln>
+            </p:spPr>
+            <p:style>
+              <a:lnRef idx="2">
+                <a:schemeClr val="dk1"/>
+              </a:lnRef>
+              <a:fillRef idx="1">
+                <a:schemeClr val="lt1"/>
+              </a:fillRef>
+              <a:effectRef idx="0">
+                <a:schemeClr val="dk1"/>
+              </a:effectRef>
+              <a:fontRef idx="minor">
+                <a:schemeClr val="dk1"/>
+              </a:fontRef>
+            </p:style>
+            <p:txBody>
+              <a:bodyPr lIns="182880" rIns="36576" rtlCol="0" anchor="ctr"/>
+              <a:lstStyle/>
+              <a:p>
+                <a:pPr>
+                  <a:spcAft>
+                    <a:spcPts val="600"/>
+                  </a:spcAft>
+                </a:pPr>
+                <a:r>
+                  <a:rPr lang="en-US" sz="800" dirty="0" smtClean="0">
+                    <a:solidFill>
+                      <a:srgbClr val="E84C3B"/>
+                    </a:solidFill>
+                    <a:cs typeface="Arial Narrow"/>
+                  </a:rPr>
+                  <a:t>DISH:</a:t>
+                </a:r>
+                <a:r>
+                  <a:rPr lang="en-US" sz="800" dirty="0" smtClean="0">
+                    <a:solidFill>
+                      <a:srgbClr val="0070C0"/>
+                    </a:solidFill>
+                    <a:cs typeface="Arial Narrow"/>
+                  </a:rPr>
+                  <a:t> </a:t>
+                </a:r>
+                <a:r>
+                  <a:rPr lang="en-US" sz="800" b="1" dirty="0" smtClean="0">
+                    <a:solidFill>
+                      <a:srgbClr val="2C74A5"/>
+                    </a:solidFill>
+                    <a:cs typeface="Arial Narrow"/>
+                  </a:rPr>
+                  <a:t>LATTES</a:t>
+                </a:r>
+                <a:endParaRPr lang="en-US" sz="800" b="1" dirty="0">
+                  <a:solidFill>
+                    <a:srgbClr val="2C74A5"/>
+                  </a:solidFill>
+                  <a:cs typeface="Arial Narrow"/>
+                </a:endParaRPr>
+              </a:p>
+            </p:txBody>
+          </p:sp>
+          <p:sp>
+            <p:nvSpPr>
+              <p:cNvPr id="84" name="Rounded Rectangle 83"/>
+              <p:cNvSpPr/>
+              <p:nvPr/>
+            </p:nvSpPr>
+            <p:spPr>
+              <a:xfrm>
+                <a:off x="2111281" y="2399173"/>
+                <a:ext cx="1486039" cy="243396"/>
+              </a:xfrm>
+              <a:prstGeom prst="roundRect">
+                <a:avLst>
+                  <a:gd name="adj" fmla="val 50000"/>
+                </a:avLst>
+              </a:prstGeom>
+              <a:solidFill>
+                <a:schemeClr val="bg1"/>
+              </a:solidFill>
+              <a:ln w="6350">
+                <a:solidFill>
+                  <a:srgbClr val="2C74A5"/>
+                </a:solidFill>
+              </a:ln>
+            </p:spPr>
+            <p:style>
+              <a:lnRef idx="2">
+                <a:schemeClr val="dk1"/>
+              </a:lnRef>
+              <a:fillRef idx="1">
+                <a:schemeClr val="lt1"/>
+              </a:fillRef>
+              <a:effectRef idx="0">
+                <a:schemeClr val="dk1"/>
+              </a:effectRef>
+              <a:fontRef idx="minor">
+                <a:schemeClr val="dk1"/>
+              </a:fontRef>
+            </p:style>
+            <p:txBody>
+              <a:bodyPr lIns="182880" rIns="36576" rtlCol="0" anchor="ctr"/>
+              <a:lstStyle/>
+              <a:p>
+                <a:pPr>
+                  <a:spcAft>
+                    <a:spcPts val="600"/>
+                  </a:spcAft>
+                </a:pPr>
+                <a:r>
+                  <a:rPr lang="en-US" sz="800" dirty="0">
+                    <a:solidFill>
+                      <a:srgbClr val="E84C3B"/>
+                    </a:solidFill>
+                    <a:cs typeface="Arial Narrow"/>
+                  </a:rPr>
+                  <a:t>QUANTITY:</a:t>
+                </a:r>
+                <a:r>
+                  <a:rPr lang="en-US" sz="800" dirty="0">
+                    <a:solidFill>
+                      <a:srgbClr val="0070C0"/>
+                    </a:solidFill>
+                    <a:cs typeface="Arial Narrow"/>
+                  </a:rPr>
+                  <a:t> </a:t>
+                </a:r>
+                <a:r>
+                  <a:rPr lang="en-US" sz="800" b="1" dirty="0" smtClean="0">
+                    <a:solidFill>
+                      <a:srgbClr val="2C74A5"/>
+                    </a:solidFill>
+                    <a:cs typeface="Arial Narrow"/>
+                  </a:rPr>
+                  <a:t>TWO</a:t>
+                </a:r>
+                <a:endParaRPr lang="en-US" sz="800" b="1" dirty="0">
+                  <a:solidFill>
+                    <a:srgbClr val="2C74A5"/>
+                  </a:solidFill>
+                  <a:cs typeface="Arial Narrow"/>
+                </a:endParaRPr>
+              </a:p>
+            </p:txBody>
+          </p:sp>
+          <p:sp>
+            <p:nvSpPr>
+              <p:cNvPr id="86" name="Rectangle 85"/>
+              <p:cNvSpPr/>
+              <p:nvPr/>
+            </p:nvSpPr>
+            <p:spPr>
+              <a:xfrm>
+                <a:off x="4049025" y="1989281"/>
+                <a:ext cx="2144647" cy="1593736"/>
+              </a:xfrm>
+              <a:prstGeom prst="rect">
+                <a:avLst/>
+              </a:prstGeom>
+              <a:noFill/>
+              <a:ln w="3175">
+                <a:solidFill>
+                  <a:srgbClr val="2C74A5"/>
+                </a:solidFill>
+                <a:prstDash val="dash"/>
+              </a:ln>
+            </p:spPr>
+            <p:style>
+              <a:lnRef idx="2">
+                <a:schemeClr val="dk1"/>
+              </a:lnRef>
+              <a:fillRef idx="1">
+                <a:schemeClr val="lt1"/>
+              </a:fillRef>
+              <a:effectRef idx="0">
+                <a:schemeClr val="dk1"/>
+              </a:effectRef>
+              <a:fontRef idx="minor">
+                <a:schemeClr val="dk1"/>
+              </a:fontRef>
+            </p:style>
+            <p:txBody>
+              <a:bodyPr rtlCol="0" anchor="ctr"/>
+              <a:lstStyle/>
+              <a:p>
+                <a:pPr algn="ctr"/>
+                <a:endParaRPr lang="en-US"/>
+              </a:p>
+            </p:txBody>
+          </p:sp>
+          <p:cxnSp>
+            <p:nvCxnSpPr>
+              <p:cNvPr id="87" name="Straight Connector 86"/>
+              <p:cNvCxnSpPr/>
+              <p:nvPr/>
+            </p:nvCxnSpPr>
+            <p:spPr>
+              <a:xfrm>
+                <a:off x="4379933" y="2527731"/>
+                <a:ext cx="196210" cy="0"/>
+              </a:xfrm>
+              <a:prstGeom prst="line">
+                <a:avLst/>
+              </a:prstGeom>
+              <a:ln w="6350">
+                <a:solidFill>
+                  <a:srgbClr val="2C74A5"/>
+                </a:solidFill>
+              </a:ln>
+            </p:spPr>
+            <p:style>
+              <a:lnRef idx="1">
+                <a:schemeClr val="dk1"/>
+              </a:lnRef>
+              <a:fillRef idx="0">
+                <a:schemeClr val="dk1"/>
+              </a:fillRef>
+              <a:effectRef idx="0">
+                <a:schemeClr val="dk1"/>
+              </a:effectRef>
+              <a:fontRef idx="minor">
+                <a:schemeClr val="tx1"/>
+              </a:fontRef>
+            </p:style>
+          </p:cxnSp>
+          <p:cxnSp>
+            <p:nvCxnSpPr>
+              <p:cNvPr id="88" name="Straight Connector 87"/>
+              <p:cNvCxnSpPr/>
+              <p:nvPr/>
+            </p:nvCxnSpPr>
+            <p:spPr>
+              <a:xfrm>
+                <a:off x="4379933" y="2300959"/>
+                <a:ext cx="0" cy="566424"/>
+              </a:xfrm>
+              <a:prstGeom prst="line">
+                <a:avLst/>
+              </a:prstGeom>
+              <a:ln w="6350">
+                <a:solidFill>
+                  <a:srgbClr val="2C74A5"/>
+                </a:solidFill>
+              </a:ln>
+            </p:spPr>
+            <p:style>
+              <a:lnRef idx="1">
+                <a:schemeClr val="dk1"/>
+              </a:lnRef>
+              <a:fillRef idx="0">
+                <a:schemeClr val="dk1"/>
+              </a:fillRef>
+              <a:effectRef idx="0">
+                <a:schemeClr val="dk1"/>
+              </a:effectRef>
+              <a:fontRef idx="minor">
+                <a:schemeClr val="tx1"/>
+              </a:fontRef>
+            </p:style>
+          </p:cxnSp>
+          <p:sp>
+            <p:nvSpPr>
+              <p:cNvPr id="89" name="Rounded Rectangle 88"/>
+              <p:cNvSpPr/>
+              <p:nvPr/>
+            </p:nvSpPr>
+            <p:spPr>
+              <a:xfrm>
+                <a:off x="4538799" y="2399173"/>
+                <a:ext cx="1613741" cy="243396"/>
+              </a:xfrm>
+              <a:prstGeom prst="roundRect">
+                <a:avLst>
+                  <a:gd name="adj" fmla="val 50000"/>
+                </a:avLst>
+              </a:prstGeom>
+              <a:solidFill>
+                <a:schemeClr val="bg1"/>
+              </a:solidFill>
+              <a:ln w="6350">
+                <a:solidFill>
+                  <a:srgbClr val="2C74A5"/>
+                </a:solidFill>
+              </a:ln>
+            </p:spPr>
+            <p:style>
+              <a:lnRef idx="2">
+                <a:schemeClr val="dk1"/>
+              </a:lnRef>
+              <a:fillRef idx="1">
+                <a:schemeClr val="lt1"/>
+              </a:fillRef>
+              <a:effectRef idx="0">
+                <a:schemeClr val="dk1"/>
+              </a:effectRef>
+              <a:fontRef idx="minor">
+                <a:schemeClr val="dk1"/>
+              </a:fontRef>
+            </p:style>
+            <p:txBody>
+              <a:bodyPr lIns="182880" rIns="36576" rtlCol="0" anchor="ctr"/>
+              <a:lstStyle/>
+              <a:p>
+                <a:pPr>
+                  <a:spcAft>
+                    <a:spcPts val="600"/>
+                  </a:spcAft>
+                </a:pPr>
+                <a:r>
+                  <a:rPr lang="en-US" sz="800" dirty="0" smtClean="0">
+                    <a:solidFill>
+                      <a:srgbClr val="E84C3B"/>
+                    </a:solidFill>
+                    <a:cs typeface="Arial Narrow"/>
+                  </a:rPr>
+                  <a:t>SIZE:</a:t>
+                </a:r>
+                <a:r>
+                  <a:rPr lang="en-US" sz="800" dirty="0" smtClean="0">
+                    <a:solidFill>
+                      <a:srgbClr val="0070C0"/>
+                    </a:solidFill>
+                    <a:cs typeface="Arial Narrow"/>
+                  </a:rPr>
+                  <a:t> </a:t>
+                </a:r>
+                <a:r>
+                  <a:rPr lang="en-US" sz="800" b="1" dirty="0" smtClean="0">
+                    <a:solidFill>
+                      <a:srgbClr val="2C74A5"/>
+                    </a:solidFill>
+                    <a:cs typeface="Arial Narrow"/>
+                  </a:rPr>
+                  <a:t>SMALL</a:t>
+                </a:r>
+                <a:endParaRPr lang="en-US" sz="800" b="1" dirty="0">
+                  <a:solidFill>
+                    <a:srgbClr val="2C74A5"/>
+                  </a:solidFill>
+                  <a:cs typeface="Arial Narrow"/>
+                </a:endParaRPr>
+              </a:p>
+            </p:txBody>
+          </p:sp>
+          <p:sp>
+            <p:nvSpPr>
+              <p:cNvPr id="90" name="Rounded Rectangle 89"/>
+              <p:cNvSpPr/>
+              <p:nvPr/>
+            </p:nvSpPr>
+            <p:spPr>
+              <a:xfrm>
+                <a:off x="4122593" y="2059521"/>
+                <a:ext cx="1829248" cy="243396"/>
+              </a:xfrm>
+              <a:prstGeom prst="roundRect">
+                <a:avLst>
+                  <a:gd name="adj" fmla="val 50000"/>
+                </a:avLst>
+              </a:prstGeom>
+              <a:solidFill>
+                <a:schemeClr val="bg1"/>
+              </a:solidFill>
+              <a:ln w="6350">
+                <a:solidFill>
+                  <a:srgbClr val="2C74A5"/>
+                </a:solidFill>
+              </a:ln>
+            </p:spPr>
+            <p:style>
+              <a:lnRef idx="2">
+                <a:schemeClr val="dk1"/>
+              </a:lnRef>
+              <a:fillRef idx="1">
+                <a:schemeClr val="lt1"/>
+              </a:fillRef>
+              <a:effectRef idx="0">
+                <a:schemeClr val="dk1"/>
+              </a:effectRef>
+              <a:fontRef idx="minor">
+                <a:schemeClr val="dk1"/>
+              </a:fontRef>
+            </p:style>
+            <p:txBody>
+              <a:bodyPr lIns="182880" rIns="36576" rtlCol="0" anchor="ctr"/>
+              <a:lstStyle/>
+              <a:p>
+                <a:pPr>
+                  <a:spcAft>
+                    <a:spcPts val="600"/>
+                  </a:spcAft>
+                </a:pPr>
+                <a:r>
+                  <a:rPr lang="en-US" sz="800" dirty="0" smtClean="0">
+                    <a:solidFill>
+                      <a:srgbClr val="E84C3B"/>
+                    </a:solidFill>
+                    <a:cs typeface="Arial Narrow"/>
+                  </a:rPr>
+                  <a:t>DISH:</a:t>
+                </a:r>
+                <a:r>
+                  <a:rPr lang="en-US" sz="800" dirty="0" smtClean="0">
+                    <a:solidFill>
+                      <a:srgbClr val="0070C0"/>
+                    </a:solidFill>
+                    <a:cs typeface="Arial Narrow"/>
+                  </a:rPr>
+                  <a:t> </a:t>
+                </a:r>
+                <a:r>
+                  <a:rPr lang="en-US" sz="800" b="1" dirty="0" smtClean="0">
+                    <a:solidFill>
+                      <a:srgbClr val="2C74A5"/>
+                    </a:solidFill>
+                    <a:cs typeface="Arial Narrow"/>
+                  </a:rPr>
+                  <a:t>CAFÉ MOCHA</a:t>
+                </a:r>
+                <a:endParaRPr lang="en-US" sz="800" b="1" dirty="0">
+                  <a:solidFill>
+                    <a:srgbClr val="2C74A5"/>
+                  </a:solidFill>
+                  <a:cs typeface="Arial Narrow"/>
+                </a:endParaRPr>
+              </a:p>
+            </p:txBody>
+          </p:sp>
+          <p:sp>
+            <p:nvSpPr>
+              <p:cNvPr id="92" name="Rectangle 91"/>
+              <p:cNvSpPr/>
+              <p:nvPr/>
+            </p:nvSpPr>
+            <p:spPr>
+              <a:xfrm>
+                <a:off x="6262135" y="1989281"/>
+                <a:ext cx="1762682" cy="1593736"/>
+              </a:xfrm>
+              <a:prstGeom prst="rect">
+                <a:avLst/>
+              </a:prstGeom>
+              <a:noFill/>
+              <a:ln w="3175">
+                <a:solidFill>
+                  <a:srgbClr val="2C74A5"/>
+                </a:solidFill>
+                <a:prstDash val="dash"/>
+              </a:ln>
+            </p:spPr>
+            <p:style>
+              <a:lnRef idx="2">
+                <a:schemeClr val="dk1"/>
+              </a:lnRef>
+              <a:fillRef idx="1">
+                <a:schemeClr val="lt1"/>
+              </a:fillRef>
+              <a:effectRef idx="0">
+                <a:schemeClr val="dk1"/>
+              </a:effectRef>
+              <a:fontRef idx="minor">
+                <a:schemeClr val="dk1"/>
+              </a:fontRef>
+            </p:style>
+            <p:txBody>
+              <a:bodyPr rtlCol="0" anchor="ctr"/>
+              <a:lstStyle/>
+              <a:p>
+                <a:pPr algn="ctr"/>
+                <a:endParaRPr lang="en-US">
+                  <a:solidFill>
+                    <a:srgbClr val="2C74A5"/>
+                  </a:solidFill>
+                </a:endParaRPr>
+              </a:p>
+            </p:txBody>
+          </p:sp>
+          <p:sp>
+            <p:nvSpPr>
+              <p:cNvPr id="93" name="Rounded Rectangle 92"/>
+              <p:cNvSpPr/>
+              <p:nvPr/>
+            </p:nvSpPr>
+            <p:spPr>
+              <a:xfrm>
+                <a:off x="6330597" y="2053199"/>
+                <a:ext cx="1610391" cy="243396"/>
+              </a:xfrm>
+              <a:prstGeom prst="roundRect">
+                <a:avLst>
+                  <a:gd name="adj" fmla="val 50000"/>
+                </a:avLst>
+              </a:prstGeom>
+              <a:solidFill>
+                <a:schemeClr val="bg1"/>
+              </a:solidFill>
+              <a:ln w="6350">
+                <a:solidFill>
+                  <a:srgbClr val="2C74A5"/>
+                </a:solidFill>
+              </a:ln>
+            </p:spPr>
+            <p:style>
+              <a:lnRef idx="2">
+                <a:schemeClr val="dk1"/>
+              </a:lnRef>
+              <a:fillRef idx="1">
+                <a:schemeClr val="lt1"/>
+              </a:fillRef>
+              <a:effectRef idx="0">
+                <a:schemeClr val="dk1"/>
+              </a:effectRef>
+              <a:fontRef idx="minor">
+                <a:schemeClr val="dk1"/>
+              </a:fontRef>
+            </p:style>
+            <p:txBody>
+              <a:bodyPr lIns="182880" rIns="36576" rtlCol="0" anchor="ctr"/>
+              <a:lstStyle/>
+              <a:p>
+                <a:pPr>
+                  <a:spcAft>
+                    <a:spcPts val="600"/>
+                  </a:spcAft>
+                </a:pPr>
+                <a:r>
+                  <a:rPr lang="en-US" sz="800" dirty="0" smtClean="0">
+                    <a:solidFill>
+                      <a:srgbClr val="E84C3B"/>
+                    </a:solidFill>
+                    <a:cs typeface="Arial Narrow"/>
+                  </a:rPr>
+                  <a:t>STORE:</a:t>
+                </a:r>
+                <a:r>
+                  <a:rPr lang="en-US" sz="800" dirty="0" smtClean="0">
+                    <a:solidFill>
+                      <a:srgbClr val="0070C0"/>
+                    </a:solidFill>
+                    <a:cs typeface="Arial Narrow"/>
+                  </a:rPr>
+                  <a:t> </a:t>
+                </a:r>
+                <a:r>
+                  <a:rPr lang="en-US" sz="800" b="1" dirty="0" smtClean="0">
+                    <a:solidFill>
+                      <a:srgbClr val="2C74A5"/>
+                    </a:solidFill>
+                    <a:cs typeface="Arial Narrow"/>
+                  </a:rPr>
+                  <a:t>BROADWAY</a:t>
+                </a:r>
+                <a:endParaRPr lang="en-US" sz="800" b="1" dirty="0">
+                  <a:solidFill>
+                    <a:srgbClr val="2C74A5"/>
+                  </a:solidFill>
+                  <a:cs typeface="Arial Narrow"/>
+                </a:endParaRPr>
+              </a:p>
+            </p:txBody>
+          </p:sp>
+          <p:cxnSp>
+            <p:nvCxnSpPr>
+              <p:cNvPr id="106" name="Straight Connector 105"/>
+              <p:cNvCxnSpPr/>
+              <p:nvPr/>
+            </p:nvCxnSpPr>
+            <p:spPr>
+              <a:xfrm>
+                <a:off x="1972859" y="3183432"/>
+                <a:ext cx="196210" cy="0"/>
+              </a:xfrm>
+              <a:prstGeom prst="line">
+                <a:avLst/>
+              </a:prstGeom>
+              <a:ln w="6350">
+                <a:solidFill>
+                  <a:srgbClr val="2C74A5"/>
+                </a:solidFill>
+              </a:ln>
+            </p:spPr>
+            <p:style>
+              <a:lnRef idx="1">
+                <a:schemeClr val="dk1"/>
+              </a:lnRef>
+              <a:fillRef idx="0">
+                <a:schemeClr val="dk1"/>
+              </a:fillRef>
+              <a:effectRef idx="0">
+                <a:schemeClr val="dk1"/>
+              </a:effectRef>
+              <a:fontRef idx="minor">
+                <a:schemeClr val="tx1"/>
+              </a:fontRef>
+            </p:style>
+          </p:cxnSp>
+          <p:sp>
+            <p:nvSpPr>
+              <p:cNvPr id="109" name="Rounded Rectangle 108"/>
+              <p:cNvSpPr/>
+              <p:nvPr/>
+            </p:nvSpPr>
+            <p:spPr>
+              <a:xfrm>
+                <a:off x="2111276" y="3057210"/>
+                <a:ext cx="1486039" cy="243396"/>
+              </a:xfrm>
+              <a:prstGeom prst="roundRect">
+                <a:avLst>
+                  <a:gd name="adj" fmla="val 50000"/>
+                </a:avLst>
+              </a:prstGeom>
+              <a:solidFill>
+                <a:schemeClr val="bg1"/>
+              </a:solidFill>
+              <a:ln w="6350">
+                <a:solidFill>
+                  <a:srgbClr val="2C74A5"/>
+                </a:solidFill>
+              </a:ln>
+            </p:spPr>
+            <p:style>
+              <a:lnRef idx="2">
+                <a:schemeClr val="dk1"/>
+              </a:lnRef>
+              <a:fillRef idx="1">
+                <a:schemeClr val="lt1"/>
+              </a:fillRef>
+              <a:effectRef idx="0">
+                <a:schemeClr val="dk1"/>
+              </a:effectRef>
+              <a:fontRef idx="minor">
+                <a:schemeClr val="dk1"/>
+              </a:fontRef>
+            </p:style>
+            <p:txBody>
+              <a:bodyPr lIns="182880" rIns="36576" rtlCol="0" anchor="ctr"/>
+              <a:lstStyle/>
+              <a:p>
+                <a:pPr>
+                  <a:spcAft>
+                    <a:spcPts val="600"/>
+                  </a:spcAft>
+                </a:pPr>
+                <a:r>
+                  <a:rPr lang="en-US" sz="800" dirty="0" smtClean="0">
+                    <a:solidFill>
+                      <a:srgbClr val="E84C3B"/>
+                    </a:solidFill>
+                    <a:cs typeface="Arial Narrow"/>
+                  </a:rPr>
+                  <a:t>OPTION:</a:t>
+                </a:r>
+                <a:r>
+                  <a:rPr lang="en-US" sz="800" dirty="0" smtClean="0">
+                    <a:solidFill>
+                      <a:srgbClr val="0070C0"/>
+                    </a:solidFill>
+                    <a:cs typeface="Arial Narrow"/>
+                  </a:rPr>
+                  <a:t> </a:t>
+                </a:r>
+                <a:r>
+                  <a:rPr lang="en-US" sz="800" b="1" dirty="0" smtClean="0">
+                    <a:solidFill>
+                      <a:srgbClr val="2C74A5"/>
+                    </a:solidFill>
+                    <a:cs typeface="Arial Narrow"/>
+                  </a:rPr>
+                  <a:t>DECAF</a:t>
+                </a:r>
+                <a:endParaRPr lang="en-US" sz="800" b="1" dirty="0">
+                  <a:solidFill>
+                    <a:srgbClr val="2C74A5"/>
+                  </a:solidFill>
+                  <a:cs typeface="Arial Narrow"/>
+                </a:endParaRPr>
+              </a:p>
+            </p:txBody>
+          </p:sp>
+          <p:cxnSp>
+            <p:nvCxnSpPr>
+              <p:cNvPr id="113" name="Straight Connector 112"/>
+              <p:cNvCxnSpPr/>
+              <p:nvPr/>
+            </p:nvCxnSpPr>
+            <p:spPr>
+              <a:xfrm>
+                <a:off x="4379933" y="2867383"/>
+                <a:ext cx="196210" cy="0"/>
+              </a:xfrm>
+              <a:prstGeom prst="line">
+                <a:avLst/>
+              </a:prstGeom>
+              <a:ln w="6350">
+                <a:solidFill>
+                  <a:srgbClr val="2C74A5"/>
+                </a:solidFill>
+              </a:ln>
+            </p:spPr>
+            <p:style>
+              <a:lnRef idx="1">
+                <a:schemeClr val="dk1"/>
+              </a:lnRef>
+              <a:fillRef idx="0">
+                <a:schemeClr val="dk1"/>
+              </a:fillRef>
+              <a:effectRef idx="0">
+                <a:schemeClr val="dk1"/>
+              </a:effectRef>
+              <a:fontRef idx="minor">
+                <a:schemeClr val="tx1"/>
+              </a:fontRef>
+            </p:style>
+          </p:cxnSp>
+          <p:sp>
+            <p:nvSpPr>
+              <p:cNvPr id="114" name="Rounded Rectangle 113"/>
+              <p:cNvSpPr/>
+              <p:nvPr/>
+            </p:nvSpPr>
+            <p:spPr>
+              <a:xfrm>
+                <a:off x="4538799" y="2738825"/>
+                <a:ext cx="1613741" cy="243396"/>
+              </a:xfrm>
+              <a:prstGeom prst="roundRect">
+                <a:avLst>
+                  <a:gd name="adj" fmla="val 50000"/>
+                </a:avLst>
+              </a:prstGeom>
+              <a:solidFill>
+                <a:schemeClr val="bg1"/>
+              </a:solidFill>
+              <a:ln w="6350">
+                <a:solidFill>
+                  <a:srgbClr val="2C74A5"/>
+                </a:solidFill>
+              </a:ln>
+            </p:spPr>
+            <p:style>
+              <a:lnRef idx="2">
+                <a:schemeClr val="dk1"/>
+              </a:lnRef>
+              <a:fillRef idx="1">
+                <a:schemeClr val="lt1"/>
+              </a:fillRef>
+              <a:effectRef idx="0">
+                <a:schemeClr val="dk1"/>
+              </a:effectRef>
+              <a:fontRef idx="minor">
+                <a:schemeClr val="dk1"/>
+              </a:fontRef>
+            </p:style>
+            <p:txBody>
+              <a:bodyPr lIns="182880" rIns="36576" rtlCol="0" anchor="ctr"/>
+              <a:lstStyle/>
+              <a:p>
+                <a:pPr>
+                  <a:spcAft>
+                    <a:spcPts val="600"/>
+                  </a:spcAft>
+                </a:pPr>
+                <a:r>
+                  <a:rPr lang="en-US" sz="800" dirty="0" smtClean="0">
+                    <a:solidFill>
+                      <a:srgbClr val="E84C3B"/>
+                    </a:solidFill>
+                    <a:cs typeface="Arial Narrow"/>
+                  </a:rPr>
+                  <a:t>OPTION:</a:t>
+                </a:r>
+                <a:r>
+                  <a:rPr lang="en-US" sz="800" dirty="0" smtClean="0">
+                    <a:solidFill>
+                      <a:srgbClr val="0070C0"/>
+                    </a:solidFill>
+                    <a:cs typeface="Arial Narrow"/>
+                  </a:rPr>
+                  <a:t> </a:t>
+                </a:r>
+                <a:r>
+                  <a:rPr lang="en-US" sz="800" b="1" dirty="0" smtClean="0">
+                    <a:solidFill>
+                      <a:srgbClr val="2C74A5"/>
+                    </a:solidFill>
+                    <a:cs typeface="Arial Narrow"/>
+                  </a:rPr>
+                  <a:t>WHIPPED CREAM</a:t>
+                </a:r>
+                <a:endParaRPr lang="en-US" sz="800" b="1" dirty="0">
+                  <a:solidFill>
+                    <a:srgbClr val="2C74A5"/>
+                  </a:solidFill>
+                  <a:cs typeface="Arial Narrow"/>
+                </a:endParaRPr>
+              </a:p>
+            </p:txBody>
+          </p:sp>
+        </p:grpSp>
+        <p:sp>
+          <p:nvSpPr>
+            <p:cNvPr id="142" name="TextBox 141"/>
+            <p:cNvSpPr txBox="1"/>
+            <p:nvPr/>
+          </p:nvSpPr>
+          <p:spPr>
+            <a:xfrm>
+              <a:off x="177242" y="4743976"/>
+              <a:ext cx="920830" cy="461665"/>
+            </a:xfrm>
+            <a:prstGeom prst="rect">
+              <a:avLst/>
+            </a:prstGeom>
+            <a:noFill/>
+          </p:spPr>
+          <p:txBody>
+            <a:bodyPr wrap="none" rtlCol="0">
+              <a:spAutoFit/>
+            </a:bodyPr>
+            <a:lstStyle/>
+            <a:p>
+              <a:r>
+                <a:rPr lang="en-US" sz="1200" b="1" dirty="0" smtClean="0">
+                  <a:solidFill>
+                    <a:srgbClr val="A6A6A6"/>
+                  </a:solidFill>
+                  <a:latin typeface="Arial Narrow"/>
+                  <a:cs typeface="Arial Narrow"/>
+                </a:rPr>
+                <a:t>CANDIDATE</a:t>
+              </a:r>
+            </a:p>
+            <a:p>
+              <a:r>
+                <a:rPr lang="en-US" sz="1200" b="1" dirty="0" smtClean="0">
+                  <a:solidFill>
+                    <a:srgbClr val="A6A6A6"/>
+                  </a:solidFill>
+                  <a:latin typeface="Arial Narrow"/>
+                  <a:cs typeface="Arial Narrow"/>
+                </a:rPr>
+                <a:t>PARSE</a:t>
+              </a:r>
+              <a:r>
+                <a:rPr lang="en-US" sz="1200" b="1" dirty="0">
+                  <a:solidFill>
+                    <a:srgbClr val="A6A6A6"/>
+                  </a:solidFill>
+                  <a:latin typeface="Arial Narrow"/>
+                  <a:cs typeface="Arial Narrow"/>
+                </a:rPr>
+                <a:t> </a:t>
+              </a:r>
+              <a:r>
+                <a:rPr lang="en-US" sz="1200" b="1" dirty="0" smtClean="0">
+                  <a:solidFill>
+                    <a:srgbClr val="A6A6A6"/>
+                  </a:solidFill>
+                  <a:latin typeface="Arial Narrow"/>
+                  <a:cs typeface="Arial Narrow"/>
+                </a:rPr>
+                <a:t>#2</a:t>
+              </a:r>
+            </a:p>
+          </p:txBody>
+        </p:sp>
+        <p:grpSp>
+          <p:nvGrpSpPr>
+            <p:cNvPr id="27" name="Group 26"/>
+            <p:cNvGrpSpPr/>
+            <p:nvPr/>
+          </p:nvGrpSpPr>
+          <p:grpSpPr>
+            <a:xfrm>
+              <a:off x="1545021" y="3926705"/>
+              <a:ext cx="6556657" cy="2096208"/>
+              <a:chOff x="1545021" y="4025379"/>
+              <a:chExt cx="6556657" cy="2096208"/>
+            </a:xfrm>
+          </p:grpSpPr>
+          <p:sp>
+            <p:nvSpPr>
+              <p:cNvPr id="116" name="Rounded Rectangle 115"/>
+              <p:cNvSpPr/>
+              <p:nvPr/>
+            </p:nvSpPr>
+            <p:spPr>
+              <a:xfrm>
+                <a:off x="1545021" y="4025379"/>
+                <a:ext cx="6556657" cy="2096208"/>
+              </a:xfrm>
+              <a:prstGeom prst="roundRect">
+                <a:avLst>
+                  <a:gd name="adj" fmla="val 3581"/>
+                </a:avLst>
+              </a:prstGeom>
+              <a:solidFill>
+                <a:srgbClr val="F2F2F2"/>
+              </a:solidFill>
+              <a:ln w="3175">
+                <a:solidFill>
+                  <a:srgbClr val="2C74A5"/>
+                </a:solidFill>
+                <a:prstDash val="solid"/>
+              </a:ln>
+            </p:spPr>
+            <p:style>
+              <a:lnRef idx="2">
+                <a:schemeClr val="dk1"/>
+              </a:lnRef>
+              <a:fillRef idx="1">
+                <a:schemeClr val="lt1"/>
+              </a:fillRef>
+              <a:effectRef idx="0">
+                <a:schemeClr val="dk1"/>
+              </a:effectRef>
+              <a:fontRef idx="minor">
+                <a:schemeClr val="dk1"/>
+              </a:fontRef>
+            </p:style>
+            <p:txBody>
+              <a:bodyPr rtlCol="0" anchor="ctr"/>
+              <a:lstStyle/>
+              <a:p>
+                <a:pPr algn="ctr"/>
+                <a:endParaRPr lang="en-US"/>
+              </a:p>
+            </p:txBody>
+          </p:sp>
+          <p:sp>
+            <p:nvSpPr>
+              <p:cNvPr id="118" name="TextBox 117"/>
+              <p:cNvSpPr txBox="1"/>
+              <p:nvPr/>
+            </p:nvSpPr>
+            <p:spPr>
+              <a:xfrm>
+                <a:off x="4111682" y="4051857"/>
+                <a:ext cx="1440266" cy="276999"/>
+              </a:xfrm>
+              <a:prstGeom prst="rect">
+                <a:avLst/>
+              </a:prstGeom>
+              <a:noFill/>
+              <a:ln>
+                <a:noFill/>
+              </a:ln>
+            </p:spPr>
+            <p:txBody>
+              <a:bodyPr wrap="none" rtlCol="0">
+                <a:spAutoFit/>
+              </a:bodyPr>
+              <a:lstStyle/>
+              <a:p>
+                <a:r>
+                  <a:rPr lang="en-US" sz="1200" b="1" smtClean="0">
+                    <a:solidFill>
+                      <a:srgbClr val="2C74A5"/>
+                    </a:solidFill>
+                  </a:rPr>
+                  <a:t>ENTITY </a:t>
+                </a:r>
+                <a:r>
+                  <a:rPr lang="en-US" sz="1200" b="1" dirty="0" smtClean="0">
+                    <a:solidFill>
+                      <a:srgbClr val="2C74A5"/>
+                    </a:solidFill>
+                  </a:rPr>
+                  <a:t>GROUPS</a:t>
+                </a:r>
+                <a:endParaRPr lang="en-US" sz="1200" b="1" dirty="0">
+                  <a:solidFill>
+                    <a:srgbClr val="2C74A5"/>
+                  </a:solidFill>
+                </a:endParaRPr>
+              </a:p>
+            </p:txBody>
+          </p:sp>
+          <p:sp>
+            <p:nvSpPr>
+              <p:cNvPr id="120" name="Rectangle 119"/>
+              <p:cNvSpPr/>
+              <p:nvPr/>
+            </p:nvSpPr>
+            <p:spPr>
+              <a:xfrm>
+                <a:off x="1640324" y="4396579"/>
+                <a:ext cx="2340238" cy="1591839"/>
+              </a:xfrm>
+              <a:prstGeom prst="rect">
+                <a:avLst/>
+              </a:prstGeom>
+              <a:noFill/>
+              <a:ln w="3175">
+                <a:solidFill>
+                  <a:srgbClr val="2C74A5"/>
+                </a:solidFill>
+                <a:prstDash val="dash"/>
+              </a:ln>
+            </p:spPr>
+            <p:style>
+              <a:lnRef idx="2">
+                <a:schemeClr val="dk1"/>
+              </a:lnRef>
+              <a:fillRef idx="1">
+                <a:schemeClr val="lt1"/>
+              </a:fillRef>
+              <a:effectRef idx="0">
+                <a:schemeClr val="dk1"/>
+              </a:effectRef>
+              <a:fontRef idx="minor">
+                <a:schemeClr val="dk1"/>
+              </a:fontRef>
+            </p:style>
+            <p:txBody>
+              <a:bodyPr rtlCol="0" anchor="ctr"/>
+              <a:lstStyle/>
+              <a:p>
+                <a:pPr algn="ctr"/>
+                <a:endParaRPr lang="en-US"/>
+              </a:p>
+            </p:txBody>
+          </p:sp>
+          <p:cxnSp>
+            <p:nvCxnSpPr>
+              <p:cNvPr id="122" name="Straight Connector 121"/>
+              <p:cNvCxnSpPr/>
+              <p:nvPr/>
+            </p:nvCxnSpPr>
+            <p:spPr>
+              <a:xfrm>
+                <a:off x="1972859" y="4928144"/>
+                <a:ext cx="196210" cy="0"/>
+              </a:xfrm>
+              <a:prstGeom prst="line">
+                <a:avLst/>
+              </a:prstGeom>
+              <a:ln w="6350">
+                <a:solidFill>
+                  <a:srgbClr val="2C74A5"/>
+                </a:solidFill>
+              </a:ln>
+            </p:spPr>
+            <p:style>
+              <a:lnRef idx="1">
+                <a:schemeClr val="dk1"/>
+              </a:lnRef>
+              <a:fillRef idx="0">
+                <a:schemeClr val="dk1"/>
+              </a:fillRef>
+              <a:effectRef idx="0">
+                <a:schemeClr val="dk1"/>
+              </a:effectRef>
+              <a:fontRef idx="minor">
+                <a:schemeClr val="tx1"/>
+              </a:fontRef>
+            </p:style>
+          </p:cxnSp>
+          <p:cxnSp>
+            <p:nvCxnSpPr>
+              <p:cNvPr id="124" name="Straight Connector 123"/>
+              <p:cNvCxnSpPr/>
+              <p:nvPr/>
+            </p:nvCxnSpPr>
+            <p:spPr>
+              <a:xfrm>
+                <a:off x="1970704" y="4693085"/>
+                <a:ext cx="0" cy="566928"/>
+              </a:xfrm>
+              <a:prstGeom prst="line">
+                <a:avLst/>
+              </a:prstGeom>
+              <a:ln w="6350">
+                <a:solidFill>
+                  <a:srgbClr val="2C74A5"/>
+                </a:solidFill>
+              </a:ln>
+            </p:spPr>
+            <p:style>
+              <a:lnRef idx="1">
+                <a:schemeClr val="dk1"/>
+              </a:lnRef>
+              <a:fillRef idx="0">
+                <a:schemeClr val="dk1"/>
+              </a:fillRef>
+              <a:effectRef idx="0">
+                <a:schemeClr val="dk1"/>
+              </a:effectRef>
+              <a:fontRef idx="minor">
+                <a:schemeClr val="tx1"/>
+              </a:fontRef>
+            </p:style>
+          </p:cxnSp>
+          <p:cxnSp>
+            <p:nvCxnSpPr>
+              <p:cNvPr id="125" name="Straight Connector 124"/>
+              <p:cNvCxnSpPr/>
+              <p:nvPr/>
+            </p:nvCxnSpPr>
+            <p:spPr>
+              <a:xfrm>
+                <a:off x="1972859" y="5258489"/>
+                <a:ext cx="196210" cy="0"/>
+              </a:xfrm>
+              <a:prstGeom prst="line">
+                <a:avLst/>
+              </a:prstGeom>
+              <a:ln w="6350">
+                <a:solidFill>
+                  <a:srgbClr val="2C74A5"/>
+                </a:solidFill>
+              </a:ln>
+            </p:spPr>
+            <p:style>
+              <a:lnRef idx="1">
+                <a:schemeClr val="dk1"/>
+              </a:lnRef>
+              <a:fillRef idx="0">
+                <a:schemeClr val="dk1"/>
+              </a:fillRef>
+              <a:effectRef idx="0">
+                <a:schemeClr val="dk1"/>
+              </a:effectRef>
+              <a:fontRef idx="minor">
+                <a:schemeClr val="tx1"/>
+              </a:fontRef>
+            </p:style>
+          </p:cxnSp>
+          <p:sp>
+            <p:nvSpPr>
+              <p:cNvPr id="126" name="Rounded Rectangle 125"/>
+              <p:cNvSpPr/>
+              <p:nvPr/>
+            </p:nvSpPr>
+            <p:spPr>
+              <a:xfrm>
+                <a:off x="2111276" y="5132267"/>
+                <a:ext cx="1486039" cy="243396"/>
+              </a:xfrm>
+              <a:prstGeom prst="roundRect">
+                <a:avLst>
+                  <a:gd name="adj" fmla="val 50000"/>
+                </a:avLst>
+              </a:prstGeom>
+              <a:solidFill>
+                <a:schemeClr val="bg1"/>
+              </a:solidFill>
+              <a:ln w="6350">
+                <a:solidFill>
+                  <a:srgbClr val="2C74A5"/>
+                </a:solidFill>
+              </a:ln>
+            </p:spPr>
+            <p:style>
+              <a:lnRef idx="2">
+                <a:schemeClr val="dk1"/>
+              </a:lnRef>
+              <a:fillRef idx="1">
+                <a:schemeClr val="lt1"/>
+              </a:fillRef>
+              <a:effectRef idx="0">
+                <a:schemeClr val="dk1"/>
+              </a:effectRef>
+              <a:fontRef idx="minor">
+                <a:schemeClr val="dk1"/>
+              </a:fontRef>
+            </p:style>
+            <p:txBody>
+              <a:bodyPr lIns="182880" rIns="36576" rtlCol="0" anchor="ctr"/>
+              <a:lstStyle/>
+              <a:p>
+                <a:pPr>
+                  <a:spcAft>
+                    <a:spcPts val="600"/>
+                  </a:spcAft>
+                </a:pPr>
+                <a:r>
+                  <a:rPr lang="en-US" sz="800" dirty="0">
+                    <a:solidFill>
+                      <a:srgbClr val="E84C3B"/>
+                    </a:solidFill>
+                    <a:cs typeface="Arial Narrow"/>
+                  </a:rPr>
+                  <a:t>SIZE:</a:t>
+                </a:r>
+                <a:r>
+                  <a:rPr lang="en-US" sz="800" dirty="0">
+                    <a:solidFill>
+                      <a:srgbClr val="0070C0"/>
+                    </a:solidFill>
+                    <a:cs typeface="Arial Narrow"/>
+                  </a:rPr>
+                  <a:t> </a:t>
+                </a:r>
+                <a:r>
+                  <a:rPr lang="en-US" sz="800" b="1" dirty="0" smtClean="0">
+                    <a:solidFill>
+                      <a:srgbClr val="2C74A5"/>
+                    </a:solidFill>
+                    <a:cs typeface="Arial Narrow"/>
+                  </a:rPr>
+                  <a:t>TALL</a:t>
+                </a:r>
+                <a:endParaRPr lang="en-US" sz="800" b="1" dirty="0">
+                  <a:solidFill>
+                    <a:srgbClr val="2C74A5"/>
+                  </a:solidFill>
+                  <a:cs typeface="Arial Narrow"/>
+                </a:endParaRPr>
+              </a:p>
+            </p:txBody>
+          </p:sp>
+          <p:sp>
+            <p:nvSpPr>
+              <p:cNvPr id="127" name="Rounded Rectangle 126"/>
+              <p:cNvSpPr/>
+              <p:nvPr/>
+            </p:nvSpPr>
+            <p:spPr>
+              <a:xfrm>
+                <a:off x="1710414" y="4464922"/>
+                <a:ext cx="2226201" cy="243396"/>
+              </a:xfrm>
+              <a:prstGeom prst="roundRect">
+                <a:avLst>
+                  <a:gd name="adj" fmla="val 50000"/>
+                </a:avLst>
+              </a:prstGeom>
+              <a:solidFill>
+                <a:schemeClr val="bg1"/>
+              </a:solidFill>
+              <a:ln w="6350">
+                <a:solidFill>
+                  <a:srgbClr val="2C74A5"/>
+                </a:solidFill>
+              </a:ln>
+            </p:spPr>
+            <p:style>
+              <a:lnRef idx="2">
+                <a:schemeClr val="dk1"/>
+              </a:lnRef>
+              <a:fillRef idx="1">
+                <a:schemeClr val="lt1"/>
+              </a:fillRef>
+              <a:effectRef idx="0">
+                <a:schemeClr val="dk1"/>
+              </a:effectRef>
+              <a:fontRef idx="minor">
+                <a:schemeClr val="dk1"/>
+              </a:fontRef>
+            </p:style>
+            <p:txBody>
+              <a:bodyPr lIns="182880" rIns="36576" rtlCol="0" anchor="ctr"/>
+              <a:lstStyle/>
+              <a:p>
+                <a:pPr>
+                  <a:spcAft>
+                    <a:spcPts val="600"/>
+                  </a:spcAft>
+                </a:pPr>
+                <a:r>
+                  <a:rPr lang="en-US" sz="800" dirty="0" smtClean="0">
+                    <a:solidFill>
+                      <a:srgbClr val="E84C3B"/>
+                    </a:solidFill>
+                    <a:cs typeface="Arial Narrow"/>
+                  </a:rPr>
+                  <a:t>PRODUCT:</a:t>
+                </a:r>
+                <a:r>
+                  <a:rPr lang="en-US" sz="800" dirty="0" smtClean="0">
+                    <a:solidFill>
+                      <a:srgbClr val="0070C0"/>
+                    </a:solidFill>
+                    <a:cs typeface="Arial Narrow"/>
+                  </a:rPr>
+                  <a:t> </a:t>
+                </a:r>
+                <a:r>
+                  <a:rPr lang="en-US" sz="800" b="1" dirty="0" smtClean="0">
+                    <a:solidFill>
+                      <a:srgbClr val="2C74A5"/>
+                    </a:solidFill>
+                    <a:cs typeface="Arial Narrow"/>
+                  </a:rPr>
+                  <a:t>LATTES</a:t>
+                </a:r>
+                <a:endParaRPr lang="en-US" sz="800" b="1" dirty="0">
+                  <a:solidFill>
+                    <a:srgbClr val="2C74A5"/>
+                  </a:solidFill>
+                  <a:cs typeface="Arial Narrow"/>
+                </a:endParaRPr>
+              </a:p>
+            </p:txBody>
+          </p:sp>
+          <p:sp>
+            <p:nvSpPr>
+              <p:cNvPr id="128" name="Rounded Rectangle 127"/>
+              <p:cNvSpPr/>
+              <p:nvPr/>
+            </p:nvSpPr>
+            <p:spPr>
+              <a:xfrm>
+                <a:off x="2111281" y="4804574"/>
+                <a:ext cx="1486039" cy="243396"/>
+              </a:xfrm>
+              <a:prstGeom prst="roundRect">
+                <a:avLst>
+                  <a:gd name="adj" fmla="val 50000"/>
+                </a:avLst>
+              </a:prstGeom>
+              <a:solidFill>
+                <a:schemeClr val="bg1"/>
+              </a:solidFill>
+              <a:ln w="6350">
+                <a:solidFill>
+                  <a:srgbClr val="2C74A5"/>
+                </a:solidFill>
+              </a:ln>
+            </p:spPr>
+            <p:style>
+              <a:lnRef idx="2">
+                <a:schemeClr val="dk1"/>
+              </a:lnRef>
+              <a:fillRef idx="1">
+                <a:schemeClr val="lt1"/>
+              </a:fillRef>
+              <a:effectRef idx="0">
+                <a:schemeClr val="dk1"/>
+              </a:effectRef>
+              <a:fontRef idx="minor">
+                <a:schemeClr val="dk1"/>
+              </a:fontRef>
+            </p:style>
+            <p:txBody>
+              <a:bodyPr lIns="182880" rIns="36576" rtlCol="0" anchor="ctr"/>
+              <a:lstStyle/>
+              <a:p>
+                <a:pPr>
+                  <a:spcAft>
+                    <a:spcPts val="600"/>
+                  </a:spcAft>
+                </a:pPr>
+                <a:r>
+                  <a:rPr lang="en-US" sz="800" dirty="0">
+                    <a:solidFill>
+                      <a:srgbClr val="E84C3B"/>
+                    </a:solidFill>
+                    <a:cs typeface="Arial Narrow"/>
+                  </a:rPr>
+                  <a:t>QUANTITY:</a:t>
+                </a:r>
+                <a:r>
+                  <a:rPr lang="en-US" sz="800" dirty="0">
+                    <a:solidFill>
+                      <a:srgbClr val="0070C0"/>
+                    </a:solidFill>
+                    <a:cs typeface="Arial Narrow"/>
+                  </a:rPr>
+                  <a:t> </a:t>
+                </a:r>
+                <a:r>
+                  <a:rPr lang="en-US" sz="800" b="1" dirty="0" smtClean="0">
+                    <a:solidFill>
+                      <a:srgbClr val="2C74A5"/>
+                    </a:solidFill>
+                    <a:cs typeface="Arial Narrow"/>
+                  </a:rPr>
+                  <a:t>TWO</a:t>
+                </a:r>
+                <a:endParaRPr lang="en-US" sz="800" b="1" dirty="0">
+                  <a:solidFill>
+                    <a:srgbClr val="2C74A5"/>
+                  </a:solidFill>
+                  <a:cs typeface="Arial Narrow"/>
+                </a:endParaRPr>
+              </a:p>
+            </p:txBody>
+          </p:sp>
+          <p:sp>
+            <p:nvSpPr>
+              <p:cNvPr id="129" name="Rectangle 128"/>
+              <p:cNvSpPr/>
+              <p:nvPr/>
+            </p:nvSpPr>
+            <p:spPr>
+              <a:xfrm>
+                <a:off x="4049025" y="4394682"/>
+                <a:ext cx="2144647" cy="1593736"/>
+              </a:xfrm>
+              <a:prstGeom prst="rect">
+                <a:avLst/>
+              </a:prstGeom>
+              <a:noFill/>
+              <a:ln w="3175">
+                <a:solidFill>
+                  <a:srgbClr val="2C74A5"/>
+                </a:solidFill>
+                <a:prstDash val="dash"/>
+              </a:ln>
+            </p:spPr>
+            <p:style>
+              <a:lnRef idx="2">
+                <a:schemeClr val="dk1"/>
+              </a:lnRef>
+              <a:fillRef idx="1">
+                <a:schemeClr val="lt1"/>
+              </a:fillRef>
+              <a:effectRef idx="0">
+                <a:schemeClr val="dk1"/>
+              </a:effectRef>
+              <a:fontRef idx="minor">
+                <a:schemeClr val="dk1"/>
+              </a:fontRef>
+            </p:style>
+            <p:txBody>
+              <a:bodyPr rtlCol="0" anchor="ctr"/>
+              <a:lstStyle/>
+              <a:p>
+                <a:pPr algn="ctr"/>
+                <a:endParaRPr lang="en-US"/>
+              </a:p>
+            </p:txBody>
+          </p:sp>
+          <p:cxnSp>
+            <p:nvCxnSpPr>
+              <p:cNvPr id="130" name="Straight Connector 129"/>
+              <p:cNvCxnSpPr/>
+              <p:nvPr/>
+            </p:nvCxnSpPr>
+            <p:spPr>
+              <a:xfrm>
+                <a:off x="4379933" y="4933132"/>
+                <a:ext cx="196210" cy="0"/>
+              </a:xfrm>
+              <a:prstGeom prst="line">
+                <a:avLst/>
+              </a:prstGeom>
+              <a:ln w="6350">
+                <a:solidFill>
+                  <a:srgbClr val="2C74A5"/>
+                </a:solidFill>
+              </a:ln>
+            </p:spPr>
+            <p:style>
+              <a:lnRef idx="1">
+                <a:schemeClr val="dk1"/>
+              </a:lnRef>
+              <a:fillRef idx="0">
+                <a:schemeClr val="dk1"/>
+              </a:fillRef>
+              <a:effectRef idx="0">
+                <a:schemeClr val="dk1"/>
+              </a:effectRef>
+              <a:fontRef idx="minor">
+                <a:schemeClr val="tx1"/>
+              </a:fontRef>
+            </p:style>
+          </p:cxnSp>
+          <p:cxnSp>
+            <p:nvCxnSpPr>
+              <p:cNvPr id="132" name="Straight Connector 131"/>
+              <p:cNvCxnSpPr/>
+              <p:nvPr/>
+            </p:nvCxnSpPr>
+            <p:spPr>
+              <a:xfrm>
+                <a:off x="4379933" y="4706360"/>
+                <a:ext cx="0" cy="906076"/>
+              </a:xfrm>
+              <a:prstGeom prst="line">
+                <a:avLst/>
+              </a:prstGeom>
+              <a:ln w="6350">
+                <a:solidFill>
+                  <a:srgbClr val="2C74A5"/>
+                </a:solidFill>
+              </a:ln>
+            </p:spPr>
+            <p:style>
+              <a:lnRef idx="1">
+                <a:schemeClr val="dk1"/>
+              </a:lnRef>
+              <a:fillRef idx="0">
+                <a:schemeClr val="dk1"/>
+              </a:fillRef>
+              <a:effectRef idx="0">
+                <a:schemeClr val="dk1"/>
+              </a:effectRef>
+              <a:fontRef idx="minor">
+                <a:schemeClr val="tx1"/>
+              </a:fontRef>
+            </p:style>
+          </p:cxnSp>
+          <p:sp>
+            <p:nvSpPr>
+              <p:cNvPr id="133" name="Rounded Rectangle 132"/>
+              <p:cNvSpPr/>
+              <p:nvPr/>
+            </p:nvSpPr>
+            <p:spPr>
+              <a:xfrm>
+                <a:off x="4538799" y="4804574"/>
+                <a:ext cx="1613741" cy="243396"/>
+              </a:xfrm>
+              <a:prstGeom prst="roundRect">
+                <a:avLst>
+                  <a:gd name="adj" fmla="val 50000"/>
+                </a:avLst>
+              </a:prstGeom>
+              <a:solidFill>
+                <a:schemeClr val="bg1"/>
+              </a:solidFill>
+              <a:ln w="6350">
+                <a:solidFill>
+                  <a:srgbClr val="2C74A5"/>
+                </a:solidFill>
+              </a:ln>
+            </p:spPr>
+            <p:style>
+              <a:lnRef idx="2">
+                <a:schemeClr val="dk1"/>
+              </a:lnRef>
+              <a:fillRef idx="1">
+                <a:schemeClr val="lt1"/>
+              </a:fillRef>
+              <a:effectRef idx="0">
+                <a:schemeClr val="dk1"/>
+              </a:effectRef>
+              <a:fontRef idx="minor">
+                <a:schemeClr val="dk1"/>
+              </a:fontRef>
+            </p:style>
+            <p:txBody>
+              <a:bodyPr lIns="182880" rIns="36576" rtlCol="0" anchor="ctr"/>
+              <a:lstStyle/>
+              <a:p>
+                <a:pPr>
+                  <a:spcAft>
+                    <a:spcPts val="600"/>
+                  </a:spcAft>
+                </a:pPr>
+                <a:r>
+                  <a:rPr lang="en-US" sz="800" dirty="0">
+                    <a:solidFill>
+                      <a:srgbClr val="E84C3B"/>
+                    </a:solidFill>
+                    <a:cs typeface="Arial Narrow"/>
+                  </a:rPr>
+                  <a:t>OPTION:</a:t>
+                </a:r>
+                <a:r>
+                  <a:rPr lang="en-US" sz="800" dirty="0">
+                    <a:solidFill>
+                      <a:srgbClr val="0070C0"/>
+                    </a:solidFill>
+                    <a:cs typeface="Arial Narrow"/>
+                  </a:rPr>
+                  <a:t> </a:t>
+                </a:r>
+                <a:r>
+                  <a:rPr lang="en-US" sz="800" b="1" dirty="0">
+                    <a:solidFill>
+                      <a:srgbClr val="2C74A5"/>
+                    </a:solidFill>
+                    <a:cs typeface="Arial Narrow"/>
+                  </a:rPr>
+                  <a:t>DECAF</a:t>
+                </a:r>
+              </a:p>
+            </p:txBody>
+          </p:sp>
+          <p:sp>
+            <p:nvSpPr>
+              <p:cNvPr id="134" name="Rounded Rectangle 133"/>
+              <p:cNvSpPr/>
+              <p:nvPr/>
+            </p:nvSpPr>
+            <p:spPr>
+              <a:xfrm>
+                <a:off x="4122593" y="4464922"/>
+                <a:ext cx="1829248" cy="243396"/>
+              </a:xfrm>
+              <a:prstGeom prst="roundRect">
+                <a:avLst>
+                  <a:gd name="adj" fmla="val 50000"/>
+                </a:avLst>
+              </a:prstGeom>
+              <a:solidFill>
+                <a:schemeClr val="bg1"/>
+              </a:solidFill>
+              <a:ln w="6350">
+                <a:solidFill>
+                  <a:srgbClr val="2C74A5"/>
+                </a:solidFill>
+              </a:ln>
+            </p:spPr>
+            <p:style>
+              <a:lnRef idx="2">
+                <a:schemeClr val="dk1"/>
+              </a:lnRef>
+              <a:fillRef idx="1">
+                <a:schemeClr val="lt1"/>
+              </a:fillRef>
+              <a:effectRef idx="0">
+                <a:schemeClr val="dk1"/>
+              </a:effectRef>
+              <a:fontRef idx="minor">
+                <a:schemeClr val="dk1"/>
+              </a:fontRef>
+            </p:style>
+            <p:txBody>
+              <a:bodyPr lIns="182880" rIns="36576" rtlCol="0" anchor="ctr"/>
+              <a:lstStyle/>
+              <a:p>
+                <a:pPr>
+                  <a:spcAft>
+                    <a:spcPts val="600"/>
+                  </a:spcAft>
+                </a:pPr>
+                <a:r>
+                  <a:rPr lang="en-US" sz="800" dirty="0" smtClean="0">
+                    <a:solidFill>
+                      <a:srgbClr val="E84C3B"/>
+                    </a:solidFill>
+                    <a:cs typeface="Arial Narrow"/>
+                  </a:rPr>
+                  <a:t>PRODUCT:</a:t>
+                </a:r>
+                <a:r>
+                  <a:rPr lang="en-US" sz="800" dirty="0" smtClean="0">
+                    <a:solidFill>
+                      <a:srgbClr val="0070C0"/>
+                    </a:solidFill>
+                    <a:cs typeface="Arial Narrow"/>
+                  </a:rPr>
+                  <a:t> </a:t>
+                </a:r>
+                <a:r>
+                  <a:rPr lang="en-US" sz="800" b="1" dirty="0" smtClean="0">
+                    <a:solidFill>
+                      <a:srgbClr val="2C74A5"/>
+                    </a:solidFill>
+                    <a:cs typeface="Arial Narrow"/>
+                  </a:rPr>
+                  <a:t>CAFÉ MOCHA</a:t>
+                </a:r>
+                <a:endParaRPr lang="en-US" sz="800" b="1" dirty="0">
+                  <a:solidFill>
+                    <a:srgbClr val="2C74A5"/>
+                  </a:solidFill>
+                  <a:cs typeface="Arial Narrow"/>
+                </a:endParaRPr>
+              </a:p>
+            </p:txBody>
+          </p:sp>
+          <p:sp>
+            <p:nvSpPr>
+              <p:cNvPr id="136" name="Rectangle 135"/>
+              <p:cNvSpPr/>
+              <p:nvPr/>
+            </p:nvSpPr>
+            <p:spPr>
+              <a:xfrm>
+                <a:off x="6262135" y="4394682"/>
+                <a:ext cx="1762682" cy="1593736"/>
+              </a:xfrm>
+              <a:prstGeom prst="rect">
+                <a:avLst/>
+              </a:prstGeom>
+              <a:noFill/>
+              <a:ln w="3175">
+                <a:solidFill>
+                  <a:srgbClr val="2C74A5"/>
+                </a:solidFill>
+                <a:prstDash val="dash"/>
+              </a:ln>
+            </p:spPr>
+            <p:style>
+              <a:lnRef idx="2">
+                <a:schemeClr val="dk1"/>
+              </a:lnRef>
+              <a:fillRef idx="1">
+                <a:schemeClr val="lt1"/>
+              </a:fillRef>
+              <a:effectRef idx="0">
+                <a:schemeClr val="dk1"/>
+              </a:effectRef>
+              <a:fontRef idx="minor">
+                <a:schemeClr val="dk1"/>
+              </a:fontRef>
+            </p:style>
+            <p:txBody>
+              <a:bodyPr rtlCol="0" anchor="ctr"/>
+              <a:lstStyle/>
+              <a:p>
+                <a:pPr algn="ctr"/>
+                <a:endParaRPr lang="en-US">
+                  <a:solidFill>
+                    <a:srgbClr val="2C74A5"/>
+                  </a:solidFill>
+                </a:endParaRPr>
+              </a:p>
+            </p:txBody>
+          </p:sp>
+          <p:sp>
+            <p:nvSpPr>
+              <p:cNvPr id="137" name="Rounded Rectangle 136"/>
+              <p:cNvSpPr/>
+              <p:nvPr/>
+            </p:nvSpPr>
+            <p:spPr>
+              <a:xfrm>
+                <a:off x="6330597" y="4458600"/>
+                <a:ext cx="1610391" cy="243396"/>
+              </a:xfrm>
+              <a:prstGeom prst="roundRect">
+                <a:avLst>
+                  <a:gd name="adj" fmla="val 50000"/>
+                </a:avLst>
+              </a:prstGeom>
+              <a:solidFill>
+                <a:schemeClr val="bg1"/>
+              </a:solidFill>
+              <a:ln w="6350">
+                <a:solidFill>
+                  <a:srgbClr val="2C74A5"/>
+                </a:solidFill>
+              </a:ln>
+            </p:spPr>
+            <p:style>
+              <a:lnRef idx="2">
+                <a:schemeClr val="dk1"/>
+              </a:lnRef>
+              <a:fillRef idx="1">
+                <a:schemeClr val="lt1"/>
+              </a:fillRef>
+              <a:effectRef idx="0">
+                <a:schemeClr val="dk1"/>
+              </a:effectRef>
+              <a:fontRef idx="minor">
+                <a:schemeClr val="dk1"/>
+              </a:fontRef>
+            </p:style>
+            <p:txBody>
+              <a:bodyPr lIns="182880" rIns="36576" rtlCol="0" anchor="ctr"/>
+              <a:lstStyle/>
+              <a:p>
+                <a:pPr>
+                  <a:spcAft>
+                    <a:spcPts val="600"/>
+                  </a:spcAft>
+                </a:pPr>
+                <a:r>
+                  <a:rPr lang="en-US" sz="800" dirty="0" smtClean="0">
+                    <a:solidFill>
+                      <a:srgbClr val="E84C3B"/>
+                    </a:solidFill>
+                    <a:cs typeface="Arial Narrow"/>
+                  </a:rPr>
+                  <a:t>STORE:</a:t>
+                </a:r>
+                <a:r>
+                  <a:rPr lang="en-US" sz="800" dirty="0" smtClean="0">
+                    <a:solidFill>
+                      <a:srgbClr val="0070C0"/>
+                    </a:solidFill>
+                    <a:cs typeface="Arial Narrow"/>
+                  </a:rPr>
+                  <a:t> </a:t>
+                </a:r>
+                <a:r>
+                  <a:rPr lang="en-US" sz="800" b="1" dirty="0" smtClean="0">
+                    <a:solidFill>
+                      <a:srgbClr val="2C74A5"/>
+                    </a:solidFill>
+                    <a:cs typeface="Arial Narrow"/>
+                  </a:rPr>
+                  <a:t>BROADWAY</a:t>
+                </a:r>
+                <a:endParaRPr lang="en-US" sz="800" b="1" dirty="0">
+                  <a:solidFill>
+                    <a:srgbClr val="2C74A5"/>
+                  </a:solidFill>
+                  <a:cs typeface="Arial Narrow"/>
+                </a:endParaRPr>
+              </a:p>
+            </p:txBody>
+          </p:sp>
+          <p:cxnSp>
+            <p:nvCxnSpPr>
+              <p:cNvPr id="140" name="Straight Connector 139"/>
+              <p:cNvCxnSpPr/>
+              <p:nvPr/>
+            </p:nvCxnSpPr>
+            <p:spPr>
+              <a:xfrm>
+                <a:off x="4379933" y="5272784"/>
+                <a:ext cx="196210" cy="0"/>
+              </a:xfrm>
+              <a:prstGeom prst="line">
+                <a:avLst/>
+              </a:prstGeom>
+              <a:ln w="6350">
+                <a:solidFill>
+                  <a:srgbClr val="2C74A5"/>
+                </a:solidFill>
+              </a:ln>
+            </p:spPr>
+            <p:style>
+              <a:lnRef idx="1">
+                <a:schemeClr val="dk1"/>
+              </a:lnRef>
+              <a:fillRef idx="0">
+                <a:schemeClr val="dk1"/>
+              </a:fillRef>
+              <a:effectRef idx="0">
+                <a:schemeClr val="dk1"/>
+              </a:effectRef>
+              <a:fontRef idx="minor">
+                <a:schemeClr val="tx1"/>
+              </a:fontRef>
+            </p:style>
+          </p:cxnSp>
+          <p:sp>
+            <p:nvSpPr>
+              <p:cNvPr id="141" name="Rounded Rectangle 140"/>
+              <p:cNvSpPr/>
+              <p:nvPr/>
+            </p:nvSpPr>
+            <p:spPr>
+              <a:xfrm>
+                <a:off x="4538799" y="5144226"/>
+                <a:ext cx="1613741" cy="243396"/>
+              </a:xfrm>
+              <a:prstGeom prst="roundRect">
+                <a:avLst>
+                  <a:gd name="adj" fmla="val 50000"/>
+                </a:avLst>
+              </a:prstGeom>
+              <a:solidFill>
+                <a:schemeClr val="bg1"/>
+              </a:solidFill>
+              <a:ln w="6350">
+                <a:solidFill>
+                  <a:srgbClr val="2C74A5"/>
+                </a:solidFill>
+              </a:ln>
+            </p:spPr>
+            <p:style>
+              <a:lnRef idx="2">
+                <a:schemeClr val="dk1"/>
+              </a:lnRef>
+              <a:fillRef idx="1">
+                <a:schemeClr val="lt1"/>
+              </a:fillRef>
+              <a:effectRef idx="0">
+                <a:schemeClr val="dk1"/>
+              </a:effectRef>
+              <a:fontRef idx="minor">
+                <a:schemeClr val="dk1"/>
+              </a:fontRef>
+            </p:style>
+            <p:txBody>
+              <a:bodyPr lIns="182880" rIns="36576" rtlCol="0" anchor="ctr"/>
+              <a:lstStyle/>
+              <a:p>
+                <a:pPr>
+                  <a:spcAft>
+                    <a:spcPts val="600"/>
+                  </a:spcAft>
+                </a:pPr>
+                <a:r>
+                  <a:rPr lang="en-US" sz="800" dirty="0">
+                    <a:solidFill>
+                      <a:srgbClr val="E84C3B"/>
+                    </a:solidFill>
+                    <a:cs typeface="Arial Narrow"/>
+                  </a:rPr>
+                  <a:t>SIZE:</a:t>
+                </a:r>
+                <a:r>
+                  <a:rPr lang="en-US" sz="800" dirty="0">
+                    <a:solidFill>
+                      <a:srgbClr val="0070C0"/>
+                    </a:solidFill>
+                    <a:cs typeface="Arial Narrow"/>
+                  </a:rPr>
+                  <a:t> </a:t>
+                </a:r>
+                <a:r>
+                  <a:rPr lang="en-US" sz="800" b="1" dirty="0">
+                    <a:solidFill>
+                      <a:srgbClr val="2C74A5"/>
+                    </a:solidFill>
+                    <a:cs typeface="Arial Narrow"/>
+                  </a:rPr>
+                  <a:t>SMALL</a:t>
+                </a:r>
+              </a:p>
+            </p:txBody>
+          </p:sp>
+          <p:cxnSp>
+            <p:nvCxnSpPr>
+              <p:cNvPr id="144" name="Straight Connector 143"/>
+              <p:cNvCxnSpPr/>
+              <p:nvPr/>
+            </p:nvCxnSpPr>
+            <p:spPr>
+              <a:xfrm>
+                <a:off x="4379933" y="5612436"/>
+                <a:ext cx="196210" cy="0"/>
+              </a:xfrm>
+              <a:prstGeom prst="line">
+                <a:avLst/>
+              </a:prstGeom>
+              <a:ln w="6350">
+                <a:solidFill>
+                  <a:srgbClr val="2C74A5"/>
+                </a:solidFill>
+              </a:ln>
+            </p:spPr>
+            <p:style>
+              <a:lnRef idx="1">
+                <a:schemeClr val="dk1"/>
+              </a:lnRef>
+              <a:fillRef idx="0">
+                <a:schemeClr val="dk1"/>
+              </a:fillRef>
+              <a:effectRef idx="0">
+                <a:schemeClr val="dk1"/>
+              </a:effectRef>
+              <a:fontRef idx="minor">
+                <a:schemeClr val="tx1"/>
+              </a:fontRef>
+            </p:style>
+          </p:cxnSp>
+          <p:sp>
+            <p:nvSpPr>
+              <p:cNvPr id="145" name="Rounded Rectangle 144"/>
+              <p:cNvSpPr/>
+              <p:nvPr/>
+            </p:nvSpPr>
+            <p:spPr>
+              <a:xfrm>
+                <a:off x="4538799" y="5483878"/>
+                <a:ext cx="1613741" cy="243396"/>
+              </a:xfrm>
+              <a:prstGeom prst="roundRect">
+                <a:avLst>
+                  <a:gd name="adj" fmla="val 50000"/>
+                </a:avLst>
+              </a:prstGeom>
+              <a:solidFill>
+                <a:schemeClr val="bg1"/>
+              </a:solidFill>
+              <a:ln w="6350">
+                <a:solidFill>
+                  <a:srgbClr val="2C74A5"/>
+                </a:solidFill>
+              </a:ln>
+            </p:spPr>
+            <p:style>
+              <a:lnRef idx="2">
+                <a:schemeClr val="dk1"/>
+              </a:lnRef>
+              <a:fillRef idx="1">
+                <a:schemeClr val="lt1"/>
+              </a:fillRef>
+              <a:effectRef idx="0">
+                <a:schemeClr val="dk1"/>
+              </a:effectRef>
+              <a:fontRef idx="minor">
+                <a:schemeClr val="dk1"/>
+              </a:fontRef>
+            </p:style>
+            <p:txBody>
+              <a:bodyPr lIns="182880" rIns="36576" rtlCol="0" anchor="ctr"/>
+              <a:lstStyle/>
+              <a:p>
+                <a:pPr>
+                  <a:spcAft>
+                    <a:spcPts val="600"/>
+                  </a:spcAft>
+                </a:pPr>
+                <a:r>
+                  <a:rPr lang="en-US" sz="800" dirty="0" smtClean="0">
+                    <a:solidFill>
+                      <a:srgbClr val="E84C3B"/>
+                    </a:solidFill>
+                    <a:cs typeface="Arial Narrow"/>
+                  </a:rPr>
+                  <a:t>OPTION:</a:t>
+                </a:r>
+                <a:r>
+                  <a:rPr lang="en-US" sz="800" dirty="0" smtClean="0">
+                    <a:solidFill>
+                      <a:srgbClr val="0070C0"/>
+                    </a:solidFill>
+                    <a:cs typeface="Arial Narrow"/>
+                  </a:rPr>
+                  <a:t> </a:t>
+                </a:r>
+                <a:r>
+                  <a:rPr lang="en-US" sz="800" b="1" dirty="0" smtClean="0">
+                    <a:solidFill>
+                      <a:srgbClr val="2C74A5"/>
+                    </a:solidFill>
+                    <a:cs typeface="Arial Narrow"/>
+                  </a:rPr>
+                  <a:t>WHIPPED CREAM</a:t>
+                </a:r>
+                <a:endParaRPr lang="en-US" sz="800" b="1" dirty="0">
+                  <a:solidFill>
+                    <a:srgbClr val="2C74A5"/>
+                  </a:solidFill>
+                  <a:cs typeface="Arial Narrow"/>
+                </a:endParaRPr>
+              </a:p>
+            </p:txBody>
+          </p:sp>
+        </p:grpSp>
+      </p:grpSp>
+    </p:spTree>
+    <p:extLst>
+      <p:ext uri="{BB962C8B-B14F-4D97-AF65-F5344CB8AC3E}">
+        <p14:creationId xmlns:p14="http://schemas.microsoft.com/office/powerpoint/2010/main" val="2048132895"/>
+      </p:ext>
+    </p:extLst>
+  </p:cSld>
+  <p:clrMapOvr>
+    <a:masterClrMapping/>
+  </p:clrMapOvr>
+  <mc:AlternateContent xmlns:mc="http://schemas.openxmlformats.org/markup-compatibility/2006" xmlns:p14="http://schemas.microsoft.com/office/powerpoint/2010/main">
+    <mc:Choice Requires="p14">
+      <p:transition spd="slow" p14:dur="2000"/>
+    </mc:Choice>
+    <mc:Fallback xmlns="">
+      <p:transition spd="slow"/>
+    </mc:Fallback>
+  </mc:AlternateContent>
+  <p:timing>
+    <p:tnLst>
+      <p:par>
+        <p:cTn id="1" dur="indefinite" restart="never" nodeType="tmRoot"/>
+      </p:par>
+    </p:tnLst>
+  </p:timing>
+</p:sld>
+</file>
+
 <file path=ppt/slides/slide2.xml><?xml version="1.0" encoding="utf-8"?>
 <p:sld xmlns:a="http://schemas.openxmlformats.org/drawingml/2006/main" xmlns:r="http://schemas.openxmlformats.org/officeDocument/2006/relationships" xmlns:p="http://schemas.openxmlformats.org/presentationml/2006/main">
   <p:cSld>
@@ -26676,6 +29621,2888 @@
   <p:clrMapOvr>
     <a:masterClrMapping/>
   </p:clrMapOvr>
+  <p:timing>
+    <p:tnLst>
+      <p:par>
+        <p:cTn id="1" dur="indefinite" restart="never" nodeType="tmRoot"/>
+      </p:par>
+    </p:tnLst>
+  </p:timing>
+</p:sld>
+</file>
+
+<file path=ppt/slides/slide20.xml><?xml version="1.0" encoding="utf-8"?>
+<p:sld xmlns:a="http://schemas.openxmlformats.org/drawingml/2006/main" xmlns:r="http://schemas.openxmlformats.org/officeDocument/2006/relationships" xmlns:p="http://schemas.openxmlformats.org/presentationml/2006/main">
+  <p:cSld>
+    <p:spTree>
+      <p:nvGrpSpPr>
+        <p:cNvPr id="1" name=""/>
+        <p:cNvGrpSpPr/>
+        <p:nvPr/>
+      </p:nvGrpSpPr>
+      <p:grpSpPr>
+        <a:xfrm>
+          <a:off x="0" y="0"/>
+          <a:ext cx="0" cy="0"/>
+          <a:chOff x="0" y="0"/>
+          <a:chExt cx="0" cy="0"/>
+        </a:xfrm>
+      </p:grpSpPr>
+      <p:sp>
+        <p:nvSpPr>
+          <p:cNvPr id="73" name="Rounded Rectangle 72"/>
+          <p:cNvSpPr/>
+          <p:nvPr/>
+        </p:nvSpPr>
+        <p:spPr>
+          <a:xfrm>
+            <a:off x="1336360" y="1001262"/>
+            <a:ext cx="6973977" cy="411076"/>
+          </a:xfrm>
+          <a:prstGeom prst="roundRect">
+            <a:avLst>
+              <a:gd name="adj" fmla="val 11698"/>
+            </a:avLst>
+          </a:prstGeom>
+          <a:solidFill>
+            <a:srgbClr val="F2F2F2"/>
+          </a:solidFill>
+          <a:ln w="6350">
+            <a:solidFill>
+              <a:srgbClr val="2C74A5"/>
+            </a:solidFill>
+          </a:ln>
+        </p:spPr>
+        <p:style>
+          <a:lnRef idx="2">
+            <a:schemeClr val="dk1"/>
+          </a:lnRef>
+          <a:fillRef idx="1">
+            <a:schemeClr val="lt1"/>
+          </a:fillRef>
+          <a:effectRef idx="0">
+            <a:schemeClr val="dk1"/>
+          </a:effectRef>
+          <a:fontRef idx="minor">
+            <a:schemeClr val="dk1"/>
+          </a:fontRef>
+        </p:style>
+        <p:txBody>
+          <a:bodyPr lIns="274320" rtlCol="0" anchor="ctr"/>
+          <a:lstStyle/>
+          <a:p>
+            <a:pPr>
+              <a:spcAft>
+                <a:spcPts val="600"/>
+              </a:spcAft>
+            </a:pPr>
+            <a:r>
+              <a:rPr lang="en-US" sz="1400" dirty="0" smtClean="0">
+                <a:solidFill>
+                  <a:srgbClr val="2C74A5"/>
+                </a:solidFill>
+                <a:cs typeface="Arial Narrow"/>
+              </a:rPr>
+              <a:t>“I’d like to order a pepperoni pizza with extra cheese, a calzone and two diet coke.”</a:t>
+            </a:r>
+            <a:endParaRPr lang="en-US" sz="1400" dirty="0">
+              <a:solidFill>
+                <a:srgbClr val="2C74A5"/>
+              </a:solidFill>
+              <a:cs typeface="Arial Narrow"/>
+            </a:endParaRPr>
+          </a:p>
+        </p:txBody>
+      </p:sp>
+      <p:sp>
+        <p:nvSpPr>
+          <p:cNvPr id="74" name="TextBox 73"/>
+          <p:cNvSpPr txBox="1"/>
+          <p:nvPr/>
+        </p:nvSpPr>
+        <p:spPr>
+          <a:xfrm>
+            <a:off x="177242" y="1001654"/>
+            <a:ext cx="611682" cy="276999"/>
+          </a:xfrm>
+          <a:prstGeom prst="rect">
+            <a:avLst/>
+          </a:prstGeom>
+          <a:noFill/>
+        </p:spPr>
+        <p:txBody>
+          <a:bodyPr wrap="none" rtlCol="0" anchor="ctr">
+            <a:spAutoFit/>
+          </a:bodyPr>
+          <a:lstStyle>
+            <a:defPPr>
+              <a:defRPr lang="en-US"/>
+            </a:defPPr>
+            <a:lvl1pPr algn="ctr">
+              <a:defRPr sz="1200">
+                <a:solidFill>
+                  <a:srgbClr val="A6A6A6"/>
+                </a:solidFill>
+                <a:latin typeface="Arial Narrow"/>
+                <a:cs typeface="Arial Narrow"/>
+              </a:defRPr>
+            </a:lvl1pPr>
+          </a:lstStyle>
+          <a:p>
+            <a:r>
+              <a:rPr lang="en-US" b="1" dirty="0"/>
+              <a:t>INPUT</a:t>
+            </a:r>
+          </a:p>
+        </p:txBody>
+      </p:sp>
+      <p:sp>
+        <p:nvSpPr>
+          <p:cNvPr id="75" name="TextBox 74"/>
+          <p:cNvSpPr txBox="1"/>
+          <p:nvPr/>
+        </p:nvSpPr>
+        <p:spPr>
+          <a:xfrm>
+            <a:off x="177242" y="2437249"/>
+            <a:ext cx="920830" cy="461665"/>
+          </a:xfrm>
+          <a:prstGeom prst="rect">
+            <a:avLst/>
+          </a:prstGeom>
+          <a:noFill/>
+        </p:spPr>
+        <p:txBody>
+          <a:bodyPr wrap="none" rtlCol="0">
+            <a:spAutoFit/>
+          </a:bodyPr>
+          <a:lstStyle/>
+          <a:p>
+            <a:r>
+              <a:rPr lang="en-US" sz="1200" b="1" dirty="0" smtClean="0">
+                <a:solidFill>
+                  <a:srgbClr val="A6A6A6"/>
+                </a:solidFill>
+                <a:latin typeface="Arial Narrow"/>
+                <a:cs typeface="Arial Narrow"/>
+              </a:rPr>
+              <a:t>CANDIDATE</a:t>
+            </a:r>
+          </a:p>
+          <a:p>
+            <a:r>
+              <a:rPr lang="en-US" sz="1200" b="1" dirty="0" smtClean="0">
+                <a:solidFill>
+                  <a:srgbClr val="A6A6A6"/>
+                </a:solidFill>
+                <a:latin typeface="Arial Narrow"/>
+                <a:cs typeface="Arial Narrow"/>
+              </a:rPr>
+              <a:t>PARSE</a:t>
+            </a:r>
+            <a:r>
+              <a:rPr lang="en-US" sz="1200" b="1" dirty="0">
+                <a:solidFill>
+                  <a:srgbClr val="A6A6A6"/>
+                </a:solidFill>
+                <a:latin typeface="Arial Narrow"/>
+                <a:cs typeface="Arial Narrow"/>
+              </a:rPr>
+              <a:t> </a:t>
+            </a:r>
+            <a:r>
+              <a:rPr lang="en-US" sz="1200" b="1" dirty="0" smtClean="0">
+                <a:solidFill>
+                  <a:srgbClr val="A6A6A6"/>
+                </a:solidFill>
+                <a:latin typeface="Arial Narrow"/>
+                <a:cs typeface="Arial Narrow"/>
+              </a:rPr>
+              <a:t>#1</a:t>
+            </a:r>
+          </a:p>
+        </p:txBody>
+      </p:sp>
+      <p:sp>
+        <p:nvSpPr>
+          <p:cNvPr id="71" name="Rounded Rectangle 70"/>
+          <p:cNvSpPr/>
+          <p:nvPr/>
+        </p:nvSpPr>
+        <p:spPr>
+          <a:xfrm>
+            <a:off x="1545021" y="1619978"/>
+            <a:ext cx="6556657" cy="2096208"/>
+          </a:xfrm>
+          <a:prstGeom prst="roundRect">
+            <a:avLst>
+              <a:gd name="adj" fmla="val 3581"/>
+            </a:avLst>
+          </a:prstGeom>
+          <a:solidFill>
+            <a:srgbClr val="F2F2F2"/>
+          </a:solidFill>
+          <a:ln w="3175">
+            <a:solidFill>
+              <a:srgbClr val="2C74A5"/>
+            </a:solidFill>
+            <a:prstDash val="solid"/>
+          </a:ln>
+        </p:spPr>
+        <p:style>
+          <a:lnRef idx="2">
+            <a:schemeClr val="dk1"/>
+          </a:lnRef>
+          <a:fillRef idx="1">
+            <a:schemeClr val="lt1"/>
+          </a:fillRef>
+          <a:effectRef idx="0">
+            <a:schemeClr val="dk1"/>
+          </a:effectRef>
+          <a:fontRef idx="minor">
+            <a:schemeClr val="dk1"/>
+          </a:fontRef>
+        </p:style>
+        <p:txBody>
+          <a:bodyPr rtlCol="0" anchor="ctr"/>
+          <a:lstStyle/>
+          <a:p>
+            <a:pPr algn="ctr"/>
+            <a:endParaRPr lang="en-US"/>
+          </a:p>
+        </p:txBody>
+      </p:sp>
+      <p:sp>
+        <p:nvSpPr>
+          <p:cNvPr id="76" name="TextBox 75"/>
+          <p:cNvSpPr txBox="1"/>
+          <p:nvPr/>
+        </p:nvSpPr>
+        <p:spPr>
+          <a:xfrm>
+            <a:off x="4111682" y="1646456"/>
+            <a:ext cx="1440266" cy="276999"/>
+          </a:xfrm>
+          <a:prstGeom prst="rect">
+            <a:avLst/>
+          </a:prstGeom>
+          <a:noFill/>
+          <a:ln>
+            <a:noFill/>
+          </a:ln>
+        </p:spPr>
+        <p:txBody>
+          <a:bodyPr wrap="none" rtlCol="0">
+            <a:spAutoFit/>
+          </a:bodyPr>
+          <a:lstStyle/>
+          <a:p>
+            <a:r>
+              <a:rPr lang="en-US" sz="1200" b="1" smtClean="0">
+                <a:solidFill>
+                  <a:srgbClr val="2C74A5"/>
+                </a:solidFill>
+              </a:rPr>
+              <a:t>ENTITY </a:t>
+            </a:r>
+            <a:r>
+              <a:rPr lang="en-US" sz="1200" b="1" dirty="0" smtClean="0">
+                <a:solidFill>
+                  <a:srgbClr val="2C74A5"/>
+                </a:solidFill>
+              </a:rPr>
+              <a:t>GROUPS</a:t>
+            </a:r>
+            <a:endParaRPr lang="en-US" sz="1200" b="1" dirty="0">
+              <a:solidFill>
+                <a:srgbClr val="2C74A5"/>
+              </a:solidFill>
+            </a:endParaRPr>
+          </a:p>
+        </p:txBody>
+      </p:sp>
+      <p:sp>
+        <p:nvSpPr>
+          <p:cNvPr id="78" name="Rectangle 77"/>
+          <p:cNvSpPr/>
+          <p:nvPr/>
+        </p:nvSpPr>
+        <p:spPr>
+          <a:xfrm>
+            <a:off x="1640324" y="1991178"/>
+            <a:ext cx="2340238" cy="1591839"/>
+          </a:xfrm>
+          <a:prstGeom prst="rect">
+            <a:avLst/>
+          </a:prstGeom>
+          <a:noFill/>
+          <a:ln w="3175">
+            <a:solidFill>
+              <a:srgbClr val="2C74A5"/>
+            </a:solidFill>
+            <a:prstDash val="dash"/>
+          </a:ln>
+        </p:spPr>
+        <p:style>
+          <a:lnRef idx="2">
+            <a:schemeClr val="dk1"/>
+          </a:lnRef>
+          <a:fillRef idx="1">
+            <a:schemeClr val="lt1"/>
+          </a:fillRef>
+          <a:effectRef idx="0">
+            <a:schemeClr val="dk1"/>
+          </a:effectRef>
+          <a:fontRef idx="minor">
+            <a:schemeClr val="dk1"/>
+          </a:fontRef>
+        </p:style>
+        <p:txBody>
+          <a:bodyPr rtlCol="0" anchor="ctr"/>
+          <a:lstStyle/>
+          <a:p>
+            <a:pPr algn="ctr"/>
+            <a:endParaRPr lang="en-US"/>
+          </a:p>
+        </p:txBody>
+      </p:sp>
+      <p:cxnSp>
+        <p:nvCxnSpPr>
+          <p:cNvPr id="79" name="Straight Connector 78"/>
+          <p:cNvCxnSpPr/>
+          <p:nvPr/>
+        </p:nvCxnSpPr>
+        <p:spPr>
+          <a:xfrm>
+            <a:off x="1972859" y="2522743"/>
+            <a:ext cx="196210" cy="0"/>
+          </a:xfrm>
+          <a:prstGeom prst="line">
+            <a:avLst/>
+          </a:prstGeom>
+          <a:ln w="6350">
+            <a:solidFill>
+              <a:srgbClr val="2C74A5"/>
+            </a:solidFill>
+          </a:ln>
+        </p:spPr>
+        <p:style>
+          <a:lnRef idx="1">
+            <a:schemeClr val="dk1"/>
+          </a:lnRef>
+          <a:fillRef idx="0">
+            <a:schemeClr val="dk1"/>
+          </a:fillRef>
+          <a:effectRef idx="0">
+            <a:schemeClr val="dk1"/>
+          </a:effectRef>
+          <a:fontRef idx="minor">
+            <a:schemeClr val="tx1"/>
+          </a:fontRef>
+        </p:style>
+      </p:cxnSp>
+      <p:cxnSp>
+        <p:nvCxnSpPr>
+          <p:cNvPr id="80" name="Straight Connector 79"/>
+          <p:cNvCxnSpPr/>
+          <p:nvPr/>
+        </p:nvCxnSpPr>
+        <p:spPr>
+          <a:xfrm>
+            <a:off x="1970704" y="2287684"/>
+            <a:ext cx="2155" cy="895748"/>
+          </a:xfrm>
+          <a:prstGeom prst="line">
+            <a:avLst/>
+          </a:prstGeom>
+          <a:ln w="6350">
+            <a:solidFill>
+              <a:srgbClr val="2C74A5"/>
+            </a:solidFill>
+          </a:ln>
+        </p:spPr>
+        <p:style>
+          <a:lnRef idx="1">
+            <a:schemeClr val="dk1"/>
+          </a:lnRef>
+          <a:fillRef idx="0">
+            <a:schemeClr val="dk1"/>
+          </a:fillRef>
+          <a:effectRef idx="0">
+            <a:schemeClr val="dk1"/>
+          </a:effectRef>
+          <a:fontRef idx="minor">
+            <a:schemeClr val="tx1"/>
+          </a:fontRef>
+        </p:style>
+      </p:cxnSp>
+      <p:cxnSp>
+        <p:nvCxnSpPr>
+          <p:cNvPr id="81" name="Straight Connector 80"/>
+          <p:cNvCxnSpPr/>
+          <p:nvPr/>
+        </p:nvCxnSpPr>
+        <p:spPr>
+          <a:xfrm>
+            <a:off x="1972859" y="2853088"/>
+            <a:ext cx="196210" cy="0"/>
+          </a:xfrm>
+          <a:prstGeom prst="line">
+            <a:avLst/>
+          </a:prstGeom>
+          <a:ln w="6350">
+            <a:solidFill>
+              <a:srgbClr val="2C74A5"/>
+            </a:solidFill>
+          </a:ln>
+        </p:spPr>
+        <p:style>
+          <a:lnRef idx="1">
+            <a:schemeClr val="dk1"/>
+          </a:lnRef>
+          <a:fillRef idx="0">
+            <a:schemeClr val="dk1"/>
+          </a:fillRef>
+          <a:effectRef idx="0">
+            <a:schemeClr val="dk1"/>
+          </a:effectRef>
+          <a:fontRef idx="minor">
+            <a:schemeClr val="tx1"/>
+          </a:fontRef>
+        </p:style>
+      </p:cxnSp>
+      <p:sp>
+        <p:nvSpPr>
+          <p:cNvPr id="82" name="Rounded Rectangle 81"/>
+          <p:cNvSpPr/>
+          <p:nvPr/>
+        </p:nvSpPr>
+        <p:spPr>
+          <a:xfrm>
+            <a:off x="2111276" y="2726866"/>
+            <a:ext cx="1486039" cy="243396"/>
+          </a:xfrm>
+          <a:prstGeom prst="roundRect">
+            <a:avLst>
+              <a:gd name="adj" fmla="val 50000"/>
+            </a:avLst>
+          </a:prstGeom>
+          <a:solidFill>
+            <a:schemeClr val="bg1"/>
+          </a:solidFill>
+          <a:ln w="6350">
+            <a:solidFill>
+              <a:srgbClr val="2C74A5"/>
+            </a:solidFill>
+          </a:ln>
+        </p:spPr>
+        <p:style>
+          <a:lnRef idx="2">
+            <a:schemeClr val="dk1"/>
+          </a:lnRef>
+          <a:fillRef idx="1">
+            <a:schemeClr val="lt1"/>
+          </a:fillRef>
+          <a:effectRef idx="0">
+            <a:schemeClr val="dk1"/>
+          </a:effectRef>
+          <a:fontRef idx="minor">
+            <a:schemeClr val="dk1"/>
+          </a:fontRef>
+        </p:style>
+        <p:txBody>
+          <a:bodyPr lIns="182880" rIns="36576" rtlCol="0" anchor="ctr"/>
+          <a:lstStyle/>
+          <a:p>
+            <a:pPr>
+              <a:spcAft>
+                <a:spcPts val="600"/>
+              </a:spcAft>
+            </a:pPr>
+            <a:r>
+              <a:rPr lang="en-US" sz="800" dirty="0">
+                <a:solidFill>
+                  <a:srgbClr val="E84C3B"/>
+                </a:solidFill>
+                <a:cs typeface="Arial Narrow"/>
+              </a:rPr>
+              <a:t>SIZE:</a:t>
+            </a:r>
+            <a:r>
+              <a:rPr lang="en-US" sz="800" dirty="0">
+                <a:solidFill>
+                  <a:srgbClr val="0070C0"/>
+                </a:solidFill>
+                <a:cs typeface="Arial Narrow"/>
+              </a:rPr>
+              <a:t> </a:t>
+            </a:r>
+            <a:r>
+              <a:rPr lang="en-US" sz="800" b="1" dirty="0" smtClean="0">
+                <a:solidFill>
+                  <a:srgbClr val="2C74A5"/>
+                </a:solidFill>
+                <a:cs typeface="Arial Narrow"/>
+              </a:rPr>
+              <a:t>TALL</a:t>
+            </a:r>
+            <a:endParaRPr lang="en-US" sz="800" b="1" dirty="0">
+              <a:solidFill>
+                <a:srgbClr val="2C74A5"/>
+              </a:solidFill>
+              <a:cs typeface="Arial Narrow"/>
+            </a:endParaRPr>
+          </a:p>
+        </p:txBody>
+      </p:sp>
+      <p:sp>
+        <p:nvSpPr>
+          <p:cNvPr id="83" name="Rounded Rectangle 82"/>
+          <p:cNvSpPr/>
+          <p:nvPr/>
+        </p:nvSpPr>
+        <p:spPr>
+          <a:xfrm>
+            <a:off x="1710414" y="2059521"/>
+            <a:ext cx="2226201" cy="243396"/>
+          </a:xfrm>
+          <a:prstGeom prst="roundRect">
+            <a:avLst>
+              <a:gd name="adj" fmla="val 50000"/>
+            </a:avLst>
+          </a:prstGeom>
+          <a:solidFill>
+            <a:schemeClr val="bg1"/>
+          </a:solidFill>
+          <a:ln w="6350">
+            <a:solidFill>
+              <a:srgbClr val="2C74A5"/>
+            </a:solidFill>
+          </a:ln>
+        </p:spPr>
+        <p:style>
+          <a:lnRef idx="2">
+            <a:schemeClr val="dk1"/>
+          </a:lnRef>
+          <a:fillRef idx="1">
+            <a:schemeClr val="lt1"/>
+          </a:fillRef>
+          <a:effectRef idx="0">
+            <a:schemeClr val="dk1"/>
+          </a:effectRef>
+          <a:fontRef idx="minor">
+            <a:schemeClr val="dk1"/>
+          </a:fontRef>
+        </p:style>
+        <p:txBody>
+          <a:bodyPr lIns="182880" rIns="36576" rtlCol="0" anchor="ctr"/>
+          <a:lstStyle/>
+          <a:p>
+            <a:pPr>
+              <a:spcAft>
+                <a:spcPts val="600"/>
+              </a:spcAft>
+            </a:pPr>
+            <a:r>
+              <a:rPr lang="en-US" sz="800" dirty="0" smtClean="0">
+                <a:solidFill>
+                  <a:srgbClr val="E84C3B"/>
+                </a:solidFill>
+                <a:cs typeface="Arial Narrow"/>
+              </a:rPr>
+              <a:t>PRODUCT:</a:t>
+            </a:r>
+            <a:r>
+              <a:rPr lang="en-US" sz="800" dirty="0" smtClean="0">
+                <a:solidFill>
+                  <a:srgbClr val="0070C0"/>
+                </a:solidFill>
+                <a:cs typeface="Arial Narrow"/>
+              </a:rPr>
+              <a:t> </a:t>
+            </a:r>
+            <a:r>
+              <a:rPr lang="en-US" sz="800" b="1" dirty="0" smtClean="0">
+                <a:solidFill>
+                  <a:srgbClr val="2C74A5"/>
+                </a:solidFill>
+                <a:cs typeface="Arial Narrow"/>
+              </a:rPr>
+              <a:t>LATTES</a:t>
+            </a:r>
+            <a:endParaRPr lang="en-US" sz="800" b="1" dirty="0">
+              <a:solidFill>
+                <a:srgbClr val="2C74A5"/>
+              </a:solidFill>
+              <a:cs typeface="Arial Narrow"/>
+            </a:endParaRPr>
+          </a:p>
+        </p:txBody>
+      </p:sp>
+      <p:sp>
+        <p:nvSpPr>
+          <p:cNvPr id="84" name="Rounded Rectangle 83"/>
+          <p:cNvSpPr/>
+          <p:nvPr/>
+        </p:nvSpPr>
+        <p:spPr>
+          <a:xfrm>
+            <a:off x="2111281" y="2399173"/>
+            <a:ext cx="1486039" cy="243396"/>
+          </a:xfrm>
+          <a:prstGeom prst="roundRect">
+            <a:avLst>
+              <a:gd name="adj" fmla="val 50000"/>
+            </a:avLst>
+          </a:prstGeom>
+          <a:solidFill>
+            <a:schemeClr val="bg1"/>
+          </a:solidFill>
+          <a:ln w="6350">
+            <a:solidFill>
+              <a:srgbClr val="2C74A5"/>
+            </a:solidFill>
+          </a:ln>
+        </p:spPr>
+        <p:style>
+          <a:lnRef idx="2">
+            <a:schemeClr val="dk1"/>
+          </a:lnRef>
+          <a:fillRef idx="1">
+            <a:schemeClr val="lt1"/>
+          </a:fillRef>
+          <a:effectRef idx="0">
+            <a:schemeClr val="dk1"/>
+          </a:effectRef>
+          <a:fontRef idx="minor">
+            <a:schemeClr val="dk1"/>
+          </a:fontRef>
+        </p:style>
+        <p:txBody>
+          <a:bodyPr lIns="182880" rIns="36576" rtlCol="0" anchor="ctr"/>
+          <a:lstStyle/>
+          <a:p>
+            <a:pPr>
+              <a:spcAft>
+                <a:spcPts val="600"/>
+              </a:spcAft>
+            </a:pPr>
+            <a:r>
+              <a:rPr lang="en-US" sz="800" dirty="0">
+                <a:solidFill>
+                  <a:srgbClr val="E84C3B"/>
+                </a:solidFill>
+                <a:cs typeface="Arial Narrow"/>
+              </a:rPr>
+              <a:t>QUANTITY:</a:t>
+            </a:r>
+            <a:r>
+              <a:rPr lang="en-US" sz="800" dirty="0">
+                <a:solidFill>
+                  <a:srgbClr val="0070C0"/>
+                </a:solidFill>
+                <a:cs typeface="Arial Narrow"/>
+              </a:rPr>
+              <a:t> </a:t>
+            </a:r>
+            <a:r>
+              <a:rPr lang="en-US" sz="800" b="1" dirty="0" smtClean="0">
+                <a:solidFill>
+                  <a:srgbClr val="2C74A5"/>
+                </a:solidFill>
+                <a:cs typeface="Arial Narrow"/>
+              </a:rPr>
+              <a:t>TWO</a:t>
+            </a:r>
+            <a:endParaRPr lang="en-US" sz="800" b="1" dirty="0">
+              <a:solidFill>
+                <a:srgbClr val="2C74A5"/>
+              </a:solidFill>
+              <a:cs typeface="Arial Narrow"/>
+            </a:endParaRPr>
+          </a:p>
+        </p:txBody>
+      </p:sp>
+      <p:sp>
+        <p:nvSpPr>
+          <p:cNvPr id="86" name="Rectangle 85"/>
+          <p:cNvSpPr/>
+          <p:nvPr/>
+        </p:nvSpPr>
+        <p:spPr>
+          <a:xfrm>
+            <a:off x="4049025" y="1989281"/>
+            <a:ext cx="2144647" cy="1593736"/>
+          </a:xfrm>
+          <a:prstGeom prst="rect">
+            <a:avLst/>
+          </a:prstGeom>
+          <a:noFill/>
+          <a:ln w="3175">
+            <a:solidFill>
+              <a:srgbClr val="2C74A5"/>
+            </a:solidFill>
+            <a:prstDash val="dash"/>
+          </a:ln>
+        </p:spPr>
+        <p:style>
+          <a:lnRef idx="2">
+            <a:schemeClr val="dk1"/>
+          </a:lnRef>
+          <a:fillRef idx="1">
+            <a:schemeClr val="lt1"/>
+          </a:fillRef>
+          <a:effectRef idx="0">
+            <a:schemeClr val="dk1"/>
+          </a:effectRef>
+          <a:fontRef idx="minor">
+            <a:schemeClr val="dk1"/>
+          </a:fontRef>
+        </p:style>
+        <p:txBody>
+          <a:bodyPr rtlCol="0" anchor="ctr"/>
+          <a:lstStyle/>
+          <a:p>
+            <a:pPr algn="ctr"/>
+            <a:endParaRPr lang="en-US"/>
+          </a:p>
+        </p:txBody>
+      </p:sp>
+      <p:cxnSp>
+        <p:nvCxnSpPr>
+          <p:cNvPr id="87" name="Straight Connector 86"/>
+          <p:cNvCxnSpPr/>
+          <p:nvPr/>
+        </p:nvCxnSpPr>
+        <p:spPr>
+          <a:xfrm>
+            <a:off x="4379933" y="2527731"/>
+            <a:ext cx="196210" cy="0"/>
+          </a:xfrm>
+          <a:prstGeom prst="line">
+            <a:avLst/>
+          </a:prstGeom>
+          <a:ln w="6350">
+            <a:solidFill>
+              <a:srgbClr val="2C74A5"/>
+            </a:solidFill>
+          </a:ln>
+        </p:spPr>
+        <p:style>
+          <a:lnRef idx="1">
+            <a:schemeClr val="dk1"/>
+          </a:lnRef>
+          <a:fillRef idx="0">
+            <a:schemeClr val="dk1"/>
+          </a:fillRef>
+          <a:effectRef idx="0">
+            <a:schemeClr val="dk1"/>
+          </a:effectRef>
+          <a:fontRef idx="minor">
+            <a:schemeClr val="tx1"/>
+          </a:fontRef>
+        </p:style>
+      </p:cxnSp>
+      <p:cxnSp>
+        <p:nvCxnSpPr>
+          <p:cNvPr id="88" name="Straight Connector 87"/>
+          <p:cNvCxnSpPr/>
+          <p:nvPr/>
+        </p:nvCxnSpPr>
+        <p:spPr>
+          <a:xfrm>
+            <a:off x="4379933" y="2300959"/>
+            <a:ext cx="0" cy="566424"/>
+          </a:xfrm>
+          <a:prstGeom prst="line">
+            <a:avLst/>
+          </a:prstGeom>
+          <a:ln w="6350">
+            <a:solidFill>
+              <a:srgbClr val="2C74A5"/>
+            </a:solidFill>
+          </a:ln>
+        </p:spPr>
+        <p:style>
+          <a:lnRef idx="1">
+            <a:schemeClr val="dk1"/>
+          </a:lnRef>
+          <a:fillRef idx="0">
+            <a:schemeClr val="dk1"/>
+          </a:fillRef>
+          <a:effectRef idx="0">
+            <a:schemeClr val="dk1"/>
+          </a:effectRef>
+          <a:fontRef idx="minor">
+            <a:schemeClr val="tx1"/>
+          </a:fontRef>
+        </p:style>
+      </p:cxnSp>
+      <p:sp>
+        <p:nvSpPr>
+          <p:cNvPr id="89" name="Rounded Rectangle 88"/>
+          <p:cNvSpPr/>
+          <p:nvPr/>
+        </p:nvSpPr>
+        <p:spPr>
+          <a:xfrm>
+            <a:off x="4538799" y="2399173"/>
+            <a:ext cx="1613741" cy="243396"/>
+          </a:xfrm>
+          <a:prstGeom prst="roundRect">
+            <a:avLst>
+              <a:gd name="adj" fmla="val 50000"/>
+            </a:avLst>
+          </a:prstGeom>
+          <a:solidFill>
+            <a:schemeClr val="bg1"/>
+          </a:solidFill>
+          <a:ln w="6350">
+            <a:solidFill>
+              <a:srgbClr val="2C74A5"/>
+            </a:solidFill>
+          </a:ln>
+        </p:spPr>
+        <p:style>
+          <a:lnRef idx="2">
+            <a:schemeClr val="dk1"/>
+          </a:lnRef>
+          <a:fillRef idx="1">
+            <a:schemeClr val="lt1"/>
+          </a:fillRef>
+          <a:effectRef idx="0">
+            <a:schemeClr val="dk1"/>
+          </a:effectRef>
+          <a:fontRef idx="minor">
+            <a:schemeClr val="dk1"/>
+          </a:fontRef>
+        </p:style>
+        <p:txBody>
+          <a:bodyPr lIns="182880" rIns="36576" rtlCol="0" anchor="ctr"/>
+          <a:lstStyle/>
+          <a:p>
+            <a:pPr>
+              <a:spcAft>
+                <a:spcPts val="600"/>
+              </a:spcAft>
+            </a:pPr>
+            <a:r>
+              <a:rPr lang="en-US" sz="800" dirty="0" smtClean="0">
+                <a:solidFill>
+                  <a:srgbClr val="E84C3B"/>
+                </a:solidFill>
+                <a:cs typeface="Arial Narrow"/>
+              </a:rPr>
+              <a:t>SIZE:</a:t>
+            </a:r>
+            <a:r>
+              <a:rPr lang="en-US" sz="800" dirty="0" smtClean="0">
+                <a:solidFill>
+                  <a:srgbClr val="0070C0"/>
+                </a:solidFill>
+                <a:cs typeface="Arial Narrow"/>
+              </a:rPr>
+              <a:t> </a:t>
+            </a:r>
+            <a:r>
+              <a:rPr lang="en-US" sz="800" b="1" dirty="0" smtClean="0">
+                <a:solidFill>
+                  <a:srgbClr val="2C74A5"/>
+                </a:solidFill>
+                <a:cs typeface="Arial Narrow"/>
+              </a:rPr>
+              <a:t>SMALL</a:t>
+            </a:r>
+            <a:endParaRPr lang="en-US" sz="800" b="1" dirty="0">
+              <a:solidFill>
+                <a:srgbClr val="2C74A5"/>
+              </a:solidFill>
+              <a:cs typeface="Arial Narrow"/>
+            </a:endParaRPr>
+          </a:p>
+        </p:txBody>
+      </p:sp>
+      <p:sp>
+        <p:nvSpPr>
+          <p:cNvPr id="90" name="Rounded Rectangle 89"/>
+          <p:cNvSpPr/>
+          <p:nvPr/>
+        </p:nvSpPr>
+        <p:spPr>
+          <a:xfrm>
+            <a:off x="4122593" y="2059521"/>
+            <a:ext cx="1829248" cy="243396"/>
+          </a:xfrm>
+          <a:prstGeom prst="roundRect">
+            <a:avLst>
+              <a:gd name="adj" fmla="val 50000"/>
+            </a:avLst>
+          </a:prstGeom>
+          <a:solidFill>
+            <a:schemeClr val="bg1"/>
+          </a:solidFill>
+          <a:ln w="6350">
+            <a:solidFill>
+              <a:srgbClr val="2C74A5"/>
+            </a:solidFill>
+          </a:ln>
+        </p:spPr>
+        <p:style>
+          <a:lnRef idx="2">
+            <a:schemeClr val="dk1"/>
+          </a:lnRef>
+          <a:fillRef idx="1">
+            <a:schemeClr val="lt1"/>
+          </a:fillRef>
+          <a:effectRef idx="0">
+            <a:schemeClr val="dk1"/>
+          </a:effectRef>
+          <a:fontRef idx="minor">
+            <a:schemeClr val="dk1"/>
+          </a:fontRef>
+        </p:style>
+        <p:txBody>
+          <a:bodyPr lIns="182880" rIns="36576" rtlCol="0" anchor="ctr"/>
+          <a:lstStyle/>
+          <a:p>
+            <a:pPr>
+              <a:spcAft>
+                <a:spcPts val="600"/>
+              </a:spcAft>
+            </a:pPr>
+            <a:r>
+              <a:rPr lang="en-US" sz="800" dirty="0" smtClean="0">
+                <a:solidFill>
+                  <a:srgbClr val="E84C3B"/>
+                </a:solidFill>
+                <a:cs typeface="Arial Narrow"/>
+              </a:rPr>
+              <a:t>PRODUCT:</a:t>
+            </a:r>
+            <a:r>
+              <a:rPr lang="en-US" sz="800" dirty="0" smtClean="0">
+                <a:solidFill>
+                  <a:srgbClr val="0070C0"/>
+                </a:solidFill>
+                <a:cs typeface="Arial Narrow"/>
+              </a:rPr>
+              <a:t> </a:t>
+            </a:r>
+            <a:r>
+              <a:rPr lang="en-US" sz="800" b="1" dirty="0" smtClean="0">
+                <a:solidFill>
+                  <a:srgbClr val="2C74A5"/>
+                </a:solidFill>
+                <a:cs typeface="Arial Narrow"/>
+              </a:rPr>
+              <a:t>CAFÉ MOCHA</a:t>
+            </a:r>
+            <a:endParaRPr lang="en-US" sz="800" b="1" dirty="0">
+              <a:solidFill>
+                <a:srgbClr val="2C74A5"/>
+              </a:solidFill>
+              <a:cs typeface="Arial Narrow"/>
+            </a:endParaRPr>
+          </a:p>
+        </p:txBody>
+      </p:sp>
+      <p:cxnSp>
+        <p:nvCxnSpPr>
+          <p:cNvPr id="106" name="Straight Connector 105"/>
+          <p:cNvCxnSpPr/>
+          <p:nvPr/>
+        </p:nvCxnSpPr>
+        <p:spPr>
+          <a:xfrm>
+            <a:off x="1972859" y="3183432"/>
+            <a:ext cx="196210" cy="0"/>
+          </a:xfrm>
+          <a:prstGeom prst="line">
+            <a:avLst/>
+          </a:prstGeom>
+          <a:ln w="6350">
+            <a:solidFill>
+              <a:srgbClr val="2C74A5"/>
+            </a:solidFill>
+          </a:ln>
+        </p:spPr>
+        <p:style>
+          <a:lnRef idx="1">
+            <a:schemeClr val="dk1"/>
+          </a:lnRef>
+          <a:fillRef idx="0">
+            <a:schemeClr val="dk1"/>
+          </a:fillRef>
+          <a:effectRef idx="0">
+            <a:schemeClr val="dk1"/>
+          </a:effectRef>
+          <a:fontRef idx="minor">
+            <a:schemeClr val="tx1"/>
+          </a:fontRef>
+        </p:style>
+      </p:cxnSp>
+      <p:sp>
+        <p:nvSpPr>
+          <p:cNvPr id="109" name="Rounded Rectangle 108"/>
+          <p:cNvSpPr/>
+          <p:nvPr/>
+        </p:nvSpPr>
+        <p:spPr>
+          <a:xfrm>
+            <a:off x="2111276" y="3057210"/>
+            <a:ext cx="1486039" cy="243396"/>
+          </a:xfrm>
+          <a:prstGeom prst="roundRect">
+            <a:avLst>
+              <a:gd name="adj" fmla="val 50000"/>
+            </a:avLst>
+          </a:prstGeom>
+          <a:solidFill>
+            <a:schemeClr val="bg1"/>
+          </a:solidFill>
+          <a:ln w="6350">
+            <a:solidFill>
+              <a:srgbClr val="2C74A5"/>
+            </a:solidFill>
+          </a:ln>
+        </p:spPr>
+        <p:style>
+          <a:lnRef idx="2">
+            <a:schemeClr val="dk1"/>
+          </a:lnRef>
+          <a:fillRef idx="1">
+            <a:schemeClr val="lt1"/>
+          </a:fillRef>
+          <a:effectRef idx="0">
+            <a:schemeClr val="dk1"/>
+          </a:effectRef>
+          <a:fontRef idx="minor">
+            <a:schemeClr val="dk1"/>
+          </a:fontRef>
+        </p:style>
+        <p:txBody>
+          <a:bodyPr lIns="182880" rIns="36576" rtlCol="0" anchor="ctr"/>
+          <a:lstStyle/>
+          <a:p>
+            <a:pPr>
+              <a:spcAft>
+                <a:spcPts val="600"/>
+              </a:spcAft>
+            </a:pPr>
+            <a:r>
+              <a:rPr lang="en-US" sz="800" dirty="0" smtClean="0">
+                <a:solidFill>
+                  <a:srgbClr val="E84C3B"/>
+                </a:solidFill>
+                <a:cs typeface="Arial Narrow"/>
+              </a:rPr>
+              <a:t>OPTION:</a:t>
+            </a:r>
+            <a:r>
+              <a:rPr lang="en-US" sz="800" dirty="0" smtClean="0">
+                <a:solidFill>
+                  <a:srgbClr val="0070C0"/>
+                </a:solidFill>
+                <a:cs typeface="Arial Narrow"/>
+              </a:rPr>
+              <a:t> </a:t>
+            </a:r>
+            <a:r>
+              <a:rPr lang="en-US" sz="800" b="1" dirty="0" smtClean="0">
+                <a:solidFill>
+                  <a:srgbClr val="2C74A5"/>
+                </a:solidFill>
+                <a:cs typeface="Arial Narrow"/>
+              </a:rPr>
+              <a:t>DECAF</a:t>
+            </a:r>
+            <a:endParaRPr lang="en-US" sz="800" b="1" dirty="0">
+              <a:solidFill>
+                <a:srgbClr val="2C74A5"/>
+              </a:solidFill>
+              <a:cs typeface="Arial Narrow"/>
+            </a:endParaRPr>
+          </a:p>
+        </p:txBody>
+      </p:sp>
+      <p:cxnSp>
+        <p:nvCxnSpPr>
+          <p:cNvPr id="113" name="Straight Connector 112"/>
+          <p:cNvCxnSpPr/>
+          <p:nvPr/>
+        </p:nvCxnSpPr>
+        <p:spPr>
+          <a:xfrm>
+            <a:off x="4379933" y="2867383"/>
+            <a:ext cx="196210" cy="0"/>
+          </a:xfrm>
+          <a:prstGeom prst="line">
+            <a:avLst/>
+          </a:prstGeom>
+          <a:ln w="6350">
+            <a:solidFill>
+              <a:srgbClr val="2C74A5"/>
+            </a:solidFill>
+          </a:ln>
+        </p:spPr>
+        <p:style>
+          <a:lnRef idx="1">
+            <a:schemeClr val="dk1"/>
+          </a:lnRef>
+          <a:fillRef idx="0">
+            <a:schemeClr val="dk1"/>
+          </a:fillRef>
+          <a:effectRef idx="0">
+            <a:schemeClr val="dk1"/>
+          </a:effectRef>
+          <a:fontRef idx="minor">
+            <a:schemeClr val="tx1"/>
+          </a:fontRef>
+        </p:style>
+      </p:cxnSp>
+      <p:sp>
+        <p:nvSpPr>
+          <p:cNvPr id="114" name="Rounded Rectangle 113"/>
+          <p:cNvSpPr/>
+          <p:nvPr/>
+        </p:nvSpPr>
+        <p:spPr>
+          <a:xfrm>
+            <a:off x="4538799" y="2738825"/>
+            <a:ext cx="1613741" cy="243396"/>
+          </a:xfrm>
+          <a:prstGeom prst="roundRect">
+            <a:avLst>
+              <a:gd name="adj" fmla="val 50000"/>
+            </a:avLst>
+          </a:prstGeom>
+          <a:solidFill>
+            <a:schemeClr val="bg1"/>
+          </a:solidFill>
+          <a:ln w="6350">
+            <a:solidFill>
+              <a:srgbClr val="2C74A5"/>
+            </a:solidFill>
+          </a:ln>
+        </p:spPr>
+        <p:style>
+          <a:lnRef idx="2">
+            <a:schemeClr val="dk1"/>
+          </a:lnRef>
+          <a:fillRef idx="1">
+            <a:schemeClr val="lt1"/>
+          </a:fillRef>
+          <a:effectRef idx="0">
+            <a:schemeClr val="dk1"/>
+          </a:effectRef>
+          <a:fontRef idx="minor">
+            <a:schemeClr val="dk1"/>
+          </a:fontRef>
+        </p:style>
+        <p:txBody>
+          <a:bodyPr lIns="182880" rIns="36576" rtlCol="0" anchor="ctr"/>
+          <a:lstStyle/>
+          <a:p>
+            <a:pPr>
+              <a:spcAft>
+                <a:spcPts val="600"/>
+              </a:spcAft>
+            </a:pPr>
+            <a:r>
+              <a:rPr lang="en-US" sz="800" dirty="0" smtClean="0">
+                <a:solidFill>
+                  <a:srgbClr val="E84C3B"/>
+                </a:solidFill>
+                <a:cs typeface="Arial Narrow"/>
+              </a:rPr>
+              <a:t>OPTION:</a:t>
+            </a:r>
+            <a:r>
+              <a:rPr lang="en-US" sz="800" dirty="0" smtClean="0">
+                <a:solidFill>
+                  <a:srgbClr val="0070C0"/>
+                </a:solidFill>
+                <a:cs typeface="Arial Narrow"/>
+              </a:rPr>
+              <a:t> </a:t>
+            </a:r>
+            <a:r>
+              <a:rPr lang="en-US" sz="800" b="1" dirty="0" smtClean="0">
+                <a:solidFill>
+                  <a:srgbClr val="2C74A5"/>
+                </a:solidFill>
+                <a:cs typeface="Arial Narrow"/>
+              </a:rPr>
+              <a:t>WHIPPED CREAM</a:t>
+            </a:r>
+            <a:endParaRPr lang="en-US" sz="800" b="1" dirty="0">
+              <a:solidFill>
+                <a:srgbClr val="2C74A5"/>
+              </a:solidFill>
+              <a:cs typeface="Arial Narrow"/>
+            </a:endParaRPr>
+          </a:p>
+        </p:txBody>
+      </p:sp>
+      <p:sp>
+        <p:nvSpPr>
+          <p:cNvPr id="142" name="TextBox 141"/>
+          <p:cNvSpPr txBox="1"/>
+          <p:nvPr/>
+        </p:nvSpPr>
+        <p:spPr>
+          <a:xfrm>
+            <a:off x="177242" y="4743976"/>
+            <a:ext cx="920830" cy="461665"/>
+          </a:xfrm>
+          <a:prstGeom prst="rect">
+            <a:avLst/>
+          </a:prstGeom>
+          <a:noFill/>
+        </p:spPr>
+        <p:txBody>
+          <a:bodyPr wrap="none" rtlCol="0">
+            <a:spAutoFit/>
+          </a:bodyPr>
+          <a:lstStyle/>
+          <a:p>
+            <a:r>
+              <a:rPr lang="en-US" sz="1200" b="1" dirty="0" smtClean="0">
+                <a:solidFill>
+                  <a:srgbClr val="A6A6A6"/>
+                </a:solidFill>
+                <a:latin typeface="Arial Narrow"/>
+                <a:cs typeface="Arial Narrow"/>
+              </a:rPr>
+              <a:t>CANDIDATE</a:t>
+            </a:r>
+          </a:p>
+          <a:p>
+            <a:r>
+              <a:rPr lang="en-US" sz="1200" b="1" dirty="0" smtClean="0">
+                <a:solidFill>
+                  <a:srgbClr val="A6A6A6"/>
+                </a:solidFill>
+                <a:latin typeface="Arial Narrow"/>
+                <a:cs typeface="Arial Narrow"/>
+              </a:rPr>
+              <a:t>PARSE</a:t>
+            </a:r>
+            <a:r>
+              <a:rPr lang="en-US" sz="1200" b="1" dirty="0">
+                <a:solidFill>
+                  <a:srgbClr val="A6A6A6"/>
+                </a:solidFill>
+                <a:latin typeface="Arial Narrow"/>
+                <a:cs typeface="Arial Narrow"/>
+              </a:rPr>
+              <a:t> </a:t>
+            </a:r>
+            <a:r>
+              <a:rPr lang="en-US" sz="1200" b="1" dirty="0" smtClean="0">
+                <a:solidFill>
+                  <a:srgbClr val="A6A6A6"/>
+                </a:solidFill>
+                <a:latin typeface="Arial Narrow"/>
+                <a:cs typeface="Arial Narrow"/>
+              </a:rPr>
+              <a:t>#2</a:t>
+            </a:r>
+          </a:p>
+        </p:txBody>
+      </p:sp>
+      <p:grpSp>
+        <p:nvGrpSpPr>
+          <p:cNvPr id="27" name="Group 26"/>
+          <p:cNvGrpSpPr/>
+          <p:nvPr/>
+        </p:nvGrpSpPr>
+        <p:grpSpPr>
+          <a:xfrm>
+            <a:off x="1545021" y="3926705"/>
+            <a:ext cx="6556657" cy="2096208"/>
+            <a:chOff x="1545021" y="4025379"/>
+            <a:chExt cx="6556657" cy="2096208"/>
+          </a:xfrm>
+        </p:grpSpPr>
+        <p:sp>
+          <p:nvSpPr>
+            <p:cNvPr id="116" name="Rounded Rectangle 115"/>
+            <p:cNvSpPr/>
+            <p:nvPr/>
+          </p:nvSpPr>
+          <p:spPr>
+            <a:xfrm>
+              <a:off x="1545021" y="4025379"/>
+              <a:ext cx="6556657" cy="2096208"/>
+            </a:xfrm>
+            <a:prstGeom prst="roundRect">
+              <a:avLst>
+                <a:gd name="adj" fmla="val 3581"/>
+              </a:avLst>
+            </a:prstGeom>
+            <a:solidFill>
+              <a:srgbClr val="F2F2F2"/>
+            </a:solidFill>
+            <a:ln w="3175">
+              <a:solidFill>
+                <a:srgbClr val="2C74A5"/>
+              </a:solidFill>
+              <a:prstDash val="solid"/>
+            </a:ln>
+          </p:spPr>
+          <p:style>
+            <a:lnRef idx="2">
+              <a:schemeClr val="dk1"/>
+            </a:lnRef>
+            <a:fillRef idx="1">
+              <a:schemeClr val="lt1"/>
+            </a:fillRef>
+            <a:effectRef idx="0">
+              <a:schemeClr val="dk1"/>
+            </a:effectRef>
+            <a:fontRef idx="minor">
+              <a:schemeClr val="dk1"/>
+            </a:fontRef>
+          </p:style>
+          <p:txBody>
+            <a:bodyPr rtlCol="0" anchor="ctr"/>
+            <a:lstStyle/>
+            <a:p>
+              <a:pPr algn="ctr"/>
+              <a:endParaRPr lang="en-US"/>
+            </a:p>
+          </p:txBody>
+        </p:sp>
+        <p:sp>
+          <p:nvSpPr>
+            <p:cNvPr id="118" name="TextBox 117"/>
+            <p:cNvSpPr txBox="1"/>
+            <p:nvPr/>
+          </p:nvSpPr>
+          <p:spPr>
+            <a:xfrm>
+              <a:off x="4111682" y="4051857"/>
+              <a:ext cx="1440266" cy="276999"/>
+            </a:xfrm>
+            <a:prstGeom prst="rect">
+              <a:avLst/>
+            </a:prstGeom>
+            <a:noFill/>
+            <a:ln>
+              <a:noFill/>
+            </a:ln>
+          </p:spPr>
+          <p:txBody>
+            <a:bodyPr wrap="none" rtlCol="0">
+              <a:spAutoFit/>
+            </a:bodyPr>
+            <a:lstStyle/>
+            <a:p>
+              <a:r>
+                <a:rPr lang="en-US" sz="1200" b="1" smtClean="0">
+                  <a:solidFill>
+                    <a:srgbClr val="2C74A5"/>
+                  </a:solidFill>
+                </a:rPr>
+                <a:t>ENTITY </a:t>
+              </a:r>
+              <a:r>
+                <a:rPr lang="en-US" sz="1200" b="1" dirty="0" smtClean="0">
+                  <a:solidFill>
+                    <a:srgbClr val="2C74A5"/>
+                  </a:solidFill>
+                </a:rPr>
+                <a:t>GROUPS</a:t>
+              </a:r>
+              <a:endParaRPr lang="en-US" sz="1200" b="1" dirty="0">
+                <a:solidFill>
+                  <a:srgbClr val="2C74A5"/>
+                </a:solidFill>
+              </a:endParaRPr>
+            </a:p>
+          </p:txBody>
+        </p:sp>
+        <p:sp>
+          <p:nvSpPr>
+            <p:cNvPr id="120" name="Rectangle 119"/>
+            <p:cNvSpPr/>
+            <p:nvPr/>
+          </p:nvSpPr>
+          <p:spPr>
+            <a:xfrm>
+              <a:off x="1640324" y="4396579"/>
+              <a:ext cx="2340238" cy="1591839"/>
+            </a:xfrm>
+            <a:prstGeom prst="rect">
+              <a:avLst/>
+            </a:prstGeom>
+            <a:noFill/>
+            <a:ln w="3175">
+              <a:solidFill>
+                <a:srgbClr val="2C74A5"/>
+              </a:solidFill>
+              <a:prstDash val="dash"/>
+            </a:ln>
+          </p:spPr>
+          <p:style>
+            <a:lnRef idx="2">
+              <a:schemeClr val="dk1"/>
+            </a:lnRef>
+            <a:fillRef idx="1">
+              <a:schemeClr val="lt1"/>
+            </a:fillRef>
+            <a:effectRef idx="0">
+              <a:schemeClr val="dk1"/>
+            </a:effectRef>
+            <a:fontRef idx="minor">
+              <a:schemeClr val="dk1"/>
+            </a:fontRef>
+          </p:style>
+          <p:txBody>
+            <a:bodyPr rtlCol="0" anchor="ctr"/>
+            <a:lstStyle/>
+            <a:p>
+              <a:pPr algn="ctr"/>
+              <a:endParaRPr lang="en-US"/>
+            </a:p>
+          </p:txBody>
+        </p:sp>
+        <p:cxnSp>
+          <p:nvCxnSpPr>
+            <p:cNvPr id="122" name="Straight Connector 121"/>
+            <p:cNvCxnSpPr/>
+            <p:nvPr/>
+          </p:nvCxnSpPr>
+          <p:spPr>
+            <a:xfrm>
+              <a:off x="1972859" y="4928144"/>
+              <a:ext cx="196210" cy="0"/>
+            </a:xfrm>
+            <a:prstGeom prst="line">
+              <a:avLst/>
+            </a:prstGeom>
+            <a:ln w="6350">
+              <a:solidFill>
+                <a:srgbClr val="2C74A5"/>
+              </a:solidFill>
+            </a:ln>
+          </p:spPr>
+          <p:style>
+            <a:lnRef idx="1">
+              <a:schemeClr val="dk1"/>
+            </a:lnRef>
+            <a:fillRef idx="0">
+              <a:schemeClr val="dk1"/>
+            </a:fillRef>
+            <a:effectRef idx="0">
+              <a:schemeClr val="dk1"/>
+            </a:effectRef>
+            <a:fontRef idx="minor">
+              <a:schemeClr val="tx1"/>
+            </a:fontRef>
+          </p:style>
+        </p:cxnSp>
+        <p:cxnSp>
+          <p:nvCxnSpPr>
+            <p:cNvPr id="124" name="Straight Connector 123"/>
+            <p:cNvCxnSpPr/>
+            <p:nvPr/>
+          </p:nvCxnSpPr>
+          <p:spPr>
+            <a:xfrm>
+              <a:off x="1970704" y="4693085"/>
+              <a:ext cx="0" cy="566928"/>
+            </a:xfrm>
+            <a:prstGeom prst="line">
+              <a:avLst/>
+            </a:prstGeom>
+            <a:ln w="6350">
+              <a:solidFill>
+                <a:srgbClr val="2C74A5"/>
+              </a:solidFill>
+            </a:ln>
+          </p:spPr>
+          <p:style>
+            <a:lnRef idx="1">
+              <a:schemeClr val="dk1"/>
+            </a:lnRef>
+            <a:fillRef idx="0">
+              <a:schemeClr val="dk1"/>
+            </a:fillRef>
+            <a:effectRef idx="0">
+              <a:schemeClr val="dk1"/>
+            </a:effectRef>
+            <a:fontRef idx="minor">
+              <a:schemeClr val="tx1"/>
+            </a:fontRef>
+          </p:style>
+        </p:cxnSp>
+        <p:cxnSp>
+          <p:nvCxnSpPr>
+            <p:cNvPr id="125" name="Straight Connector 124"/>
+            <p:cNvCxnSpPr/>
+            <p:nvPr/>
+          </p:nvCxnSpPr>
+          <p:spPr>
+            <a:xfrm>
+              <a:off x="1972859" y="5258489"/>
+              <a:ext cx="196210" cy="0"/>
+            </a:xfrm>
+            <a:prstGeom prst="line">
+              <a:avLst/>
+            </a:prstGeom>
+            <a:ln w="6350">
+              <a:solidFill>
+                <a:srgbClr val="2C74A5"/>
+              </a:solidFill>
+            </a:ln>
+          </p:spPr>
+          <p:style>
+            <a:lnRef idx="1">
+              <a:schemeClr val="dk1"/>
+            </a:lnRef>
+            <a:fillRef idx="0">
+              <a:schemeClr val="dk1"/>
+            </a:fillRef>
+            <a:effectRef idx="0">
+              <a:schemeClr val="dk1"/>
+            </a:effectRef>
+            <a:fontRef idx="minor">
+              <a:schemeClr val="tx1"/>
+            </a:fontRef>
+          </p:style>
+        </p:cxnSp>
+        <p:sp>
+          <p:nvSpPr>
+            <p:cNvPr id="126" name="Rounded Rectangle 125"/>
+            <p:cNvSpPr/>
+            <p:nvPr/>
+          </p:nvSpPr>
+          <p:spPr>
+            <a:xfrm>
+              <a:off x="2111276" y="5132267"/>
+              <a:ext cx="1486039" cy="243396"/>
+            </a:xfrm>
+            <a:prstGeom prst="roundRect">
+              <a:avLst>
+                <a:gd name="adj" fmla="val 50000"/>
+              </a:avLst>
+            </a:prstGeom>
+            <a:solidFill>
+              <a:schemeClr val="bg1"/>
+            </a:solidFill>
+            <a:ln w="6350">
+              <a:solidFill>
+                <a:srgbClr val="2C74A5"/>
+              </a:solidFill>
+            </a:ln>
+          </p:spPr>
+          <p:style>
+            <a:lnRef idx="2">
+              <a:schemeClr val="dk1"/>
+            </a:lnRef>
+            <a:fillRef idx="1">
+              <a:schemeClr val="lt1"/>
+            </a:fillRef>
+            <a:effectRef idx="0">
+              <a:schemeClr val="dk1"/>
+            </a:effectRef>
+            <a:fontRef idx="minor">
+              <a:schemeClr val="dk1"/>
+            </a:fontRef>
+          </p:style>
+          <p:txBody>
+            <a:bodyPr lIns="182880" rIns="36576" rtlCol="0" anchor="ctr"/>
+            <a:lstStyle/>
+            <a:p>
+              <a:pPr>
+                <a:spcAft>
+                  <a:spcPts val="600"/>
+                </a:spcAft>
+              </a:pPr>
+              <a:r>
+                <a:rPr lang="en-US" sz="800" dirty="0">
+                  <a:solidFill>
+                    <a:srgbClr val="E84C3B"/>
+                  </a:solidFill>
+                  <a:cs typeface="Arial Narrow"/>
+                </a:rPr>
+                <a:t>SIZE:</a:t>
+              </a:r>
+              <a:r>
+                <a:rPr lang="en-US" sz="800" dirty="0">
+                  <a:solidFill>
+                    <a:srgbClr val="0070C0"/>
+                  </a:solidFill>
+                  <a:cs typeface="Arial Narrow"/>
+                </a:rPr>
+                <a:t> </a:t>
+              </a:r>
+              <a:r>
+                <a:rPr lang="en-US" sz="800" b="1" dirty="0" smtClean="0">
+                  <a:solidFill>
+                    <a:srgbClr val="2C74A5"/>
+                  </a:solidFill>
+                  <a:cs typeface="Arial Narrow"/>
+                </a:rPr>
+                <a:t>TALL</a:t>
+              </a:r>
+              <a:endParaRPr lang="en-US" sz="800" b="1" dirty="0">
+                <a:solidFill>
+                  <a:srgbClr val="2C74A5"/>
+                </a:solidFill>
+                <a:cs typeface="Arial Narrow"/>
+              </a:endParaRPr>
+            </a:p>
+          </p:txBody>
+        </p:sp>
+        <p:sp>
+          <p:nvSpPr>
+            <p:cNvPr id="127" name="Rounded Rectangle 126"/>
+            <p:cNvSpPr/>
+            <p:nvPr/>
+          </p:nvSpPr>
+          <p:spPr>
+            <a:xfrm>
+              <a:off x="1710414" y="4464922"/>
+              <a:ext cx="2226201" cy="243396"/>
+            </a:xfrm>
+            <a:prstGeom prst="roundRect">
+              <a:avLst>
+                <a:gd name="adj" fmla="val 50000"/>
+              </a:avLst>
+            </a:prstGeom>
+            <a:solidFill>
+              <a:schemeClr val="bg1"/>
+            </a:solidFill>
+            <a:ln w="6350">
+              <a:solidFill>
+                <a:srgbClr val="2C74A5"/>
+              </a:solidFill>
+            </a:ln>
+          </p:spPr>
+          <p:style>
+            <a:lnRef idx="2">
+              <a:schemeClr val="dk1"/>
+            </a:lnRef>
+            <a:fillRef idx="1">
+              <a:schemeClr val="lt1"/>
+            </a:fillRef>
+            <a:effectRef idx="0">
+              <a:schemeClr val="dk1"/>
+            </a:effectRef>
+            <a:fontRef idx="minor">
+              <a:schemeClr val="dk1"/>
+            </a:fontRef>
+          </p:style>
+          <p:txBody>
+            <a:bodyPr lIns="182880" rIns="36576" rtlCol="0" anchor="ctr"/>
+            <a:lstStyle/>
+            <a:p>
+              <a:pPr>
+                <a:spcAft>
+                  <a:spcPts val="600"/>
+                </a:spcAft>
+              </a:pPr>
+              <a:r>
+                <a:rPr lang="en-US" sz="800" dirty="0" smtClean="0">
+                  <a:solidFill>
+                    <a:srgbClr val="E84C3B"/>
+                  </a:solidFill>
+                  <a:cs typeface="Arial Narrow"/>
+                </a:rPr>
+                <a:t>PRODUCT:</a:t>
+              </a:r>
+              <a:r>
+                <a:rPr lang="en-US" sz="800" dirty="0" smtClean="0">
+                  <a:solidFill>
+                    <a:srgbClr val="0070C0"/>
+                  </a:solidFill>
+                  <a:cs typeface="Arial Narrow"/>
+                </a:rPr>
+                <a:t> </a:t>
+              </a:r>
+              <a:r>
+                <a:rPr lang="en-US" sz="800" b="1" dirty="0" smtClean="0">
+                  <a:solidFill>
+                    <a:srgbClr val="2C74A5"/>
+                  </a:solidFill>
+                  <a:cs typeface="Arial Narrow"/>
+                </a:rPr>
+                <a:t>LATTES</a:t>
+              </a:r>
+              <a:endParaRPr lang="en-US" sz="800" b="1" dirty="0">
+                <a:solidFill>
+                  <a:srgbClr val="2C74A5"/>
+                </a:solidFill>
+                <a:cs typeface="Arial Narrow"/>
+              </a:endParaRPr>
+            </a:p>
+          </p:txBody>
+        </p:sp>
+        <p:sp>
+          <p:nvSpPr>
+            <p:cNvPr id="128" name="Rounded Rectangle 127"/>
+            <p:cNvSpPr/>
+            <p:nvPr/>
+          </p:nvSpPr>
+          <p:spPr>
+            <a:xfrm>
+              <a:off x="2111281" y="4804574"/>
+              <a:ext cx="1486039" cy="243396"/>
+            </a:xfrm>
+            <a:prstGeom prst="roundRect">
+              <a:avLst>
+                <a:gd name="adj" fmla="val 50000"/>
+              </a:avLst>
+            </a:prstGeom>
+            <a:solidFill>
+              <a:schemeClr val="bg1"/>
+            </a:solidFill>
+            <a:ln w="6350">
+              <a:solidFill>
+                <a:srgbClr val="2C74A5"/>
+              </a:solidFill>
+            </a:ln>
+          </p:spPr>
+          <p:style>
+            <a:lnRef idx="2">
+              <a:schemeClr val="dk1"/>
+            </a:lnRef>
+            <a:fillRef idx="1">
+              <a:schemeClr val="lt1"/>
+            </a:fillRef>
+            <a:effectRef idx="0">
+              <a:schemeClr val="dk1"/>
+            </a:effectRef>
+            <a:fontRef idx="minor">
+              <a:schemeClr val="dk1"/>
+            </a:fontRef>
+          </p:style>
+          <p:txBody>
+            <a:bodyPr lIns="182880" rIns="36576" rtlCol="0" anchor="ctr"/>
+            <a:lstStyle/>
+            <a:p>
+              <a:pPr>
+                <a:spcAft>
+                  <a:spcPts val="600"/>
+                </a:spcAft>
+              </a:pPr>
+              <a:r>
+                <a:rPr lang="en-US" sz="800" dirty="0">
+                  <a:solidFill>
+                    <a:srgbClr val="E84C3B"/>
+                  </a:solidFill>
+                  <a:cs typeface="Arial Narrow"/>
+                </a:rPr>
+                <a:t>QUANTITY:</a:t>
+              </a:r>
+              <a:r>
+                <a:rPr lang="en-US" sz="800" dirty="0">
+                  <a:solidFill>
+                    <a:srgbClr val="0070C0"/>
+                  </a:solidFill>
+                  <a:cs typeface="Arial Narrow"/>
+                </a:rPr>
+                <a:t> </a:t>
+              </a:r>
+              <a:r>
+                <a:rPr lang="en-US" sz="800" b="1" dirty="0" smtClean="0">
+                  <a:solidFill>
+                    <a:srgbClr val="2C74A5"/>
+                  </a:solidFill>
+                  <a:cs typeface="Arial Narrow"/>
+                </a:rPr>
+                <a:t>TWO</a:t>
+              </a:r>
+              <a:endParaRPr lang="en-US" sz="800" b="1" dirty="0">
+                <a:solidFill>
+                  <a:srgbClr val="2C74A5"/>
+                </a:solidFill>
+                <a:cs typeface="Arial Narrow"/>
+              </a:endParaRPr>
+            </a:p>
+          </p:txBody>
+        </p:sp>
+        <p:sp>
+          <p:nvSpPr>
+            <p:cNvPr id="129" name="Rectangle 128"/>
+            <p:cNvSpPr/>
+            <p:nvPr/>
+          </p:nvSpPr>
+          <p:spPr>
+            <a:xfrm>
+              <a:off x="4049025" y="4394682"/>
+              <a:ext cx="2144647" cy="1593736"/>
+            </a:xfrm>
+            <a:prstGeom prst="rect">
+              <a:avLst/>
+            </a:prstGeom>
+            <a:noFill/>
+            <a:ln w="3175">
+              <a:solidFill>
+                <a:srgbClr val="2C74A5"/>
+              </a:solidFill>
+              <a:prstDash val="dash"/>
+            </a:ln>
+          </p:spPr>
+          <p:style>
+            <a:lnRef idx="2">
+              <a:schemeClr val="dk1"/>
+            </a:lnRef>
+            <a:fillRef idx="1">
+              <a:schemeClr val="lt1"/>
+            </a:fillRef>
+            <a:effectRef idx="0">
+              <a:schemeClr val="dk1"/>
+            </a:effectRef>
+            <a:fontRef idx="minor">
+              <a:schemeClr val="dk1"/>
+            </a:fontRef>
+          </p:style>
+          <p:txBody>
+            <a:bodyPr rtlCol="0" anchor="ctr"/>
+            <a:lstStyle/>
+            <a:p>
+              <a:pPr algn="ctr"/>
+              <a:endParaRPr lang="en-US"/>
+            </a:p>
+          </p:txBody>
+        </p:sp>
+        <p:cxnSp>
+          <p:nvCxnSpPr>
+            <p:cNvPr id="130" name="Straight Connector 129"/>
+            <p:cNvCxnSpPr/>
+            <p:nvPr/>
+          </p:nvCxnSpPr>
+          <p:spPr>
+            <a:xfrm>
+              <a:off x="4379933" y="4933132"/>
+              <a:ext cx="196210" cy="0"/>
+            </a:xfrm>
+            <a:prstGeom prst="line">
+              <a:avLst/>
+            </a:prstGeom>
+            <a:ln w="6350">
+              <a:solidFill>
+                <a:srgbClr val="2C74A5"/>
+              </a:solidFill>
+            </a:ln>
+          </p:spPr>
+          <p:style>
+            <a:lnRef idx="1">
+              <a:schemeClr val="dk1"/>
+            </a:lnRef>
+            <a:fillRef idx="0">
+              <a:schemeClr val="dk1"/>
+            </a:fillRef>
+            <a:effectRef idx="0">
+              <a:schemeClr val="dk1"/>
+            </a:effectRef>
+            <a:fontRef idx="minor">
+              <a:schemeClr val="tx1"/>
+            </a:fontRef>
+          </p:style>
+        </p:cxnSp>
+        <p:cxnSp>
+          <p:nvCxnSpPr>
+            <p:cNvPr id="132" name="Straight Connector 131"/>
+            <p:cNvCxnSpPr/>
+            <p:nvPr/>
+          </p:nvCxnSpPr>
+          <p:spPr>
+            <a:xfrm>
+              <a:off x="4379933" y="4706360"/>
+              <a:ext cx="0" cy="906076"/>
+            </a:xfrm>
+            <a:prstGeom prst="line">
+              <a:avLst/>
+            </a:prstGeom>
+            <a:ln w="6350">
+              <a:solidFill>
+                <a:srgbClr val="2C74A5"/>
+              </a:solidFill>
+            </a:ln>
+          </p:spPr>
+          <p:style>
+            <a:lnRef idx="1">
+              <a:schemeClr val="dk1"/>
+            </a:lnRef>
+            <a:fillRef idx="0">
+              <a:schemeClr val="dk1"/>
+            </a:fillRef>
+            <a:effectRef idx="0">
+              <a:schemeClr val="dk1"/>
+            </a:effectRef>
+            <a:fontRef idx="minor">
+              <a:schemeClr val="tx1"/>
+            </a:fontRef>
+          </p:style>
+        </p:cxnSp>
+        <p:sp>
+          <p:nvSpPr>
+            <p:cNvPr id="133" name="Rounded Rectangle 132"/>
+            <p:cNvSpPr/>
+            <p:nvPr/>
+          </p:nvSpPr>
+          <p:spPr>
+            <a:xfrm>
+              <a:off x="4538799" y="4804574"/>
+              <a:ext cx="1613741" cy="243396"/>
+            </a:xfrm>
+            <a:prstGeom prst="roundRect">
+              <a:avLst>
+                <a:gd name="adj" fmla="val 50000"/>
+              </a:avLst>
+            </a:prstGeom>
+            <a:solidFill>
+              <a:schemeClr val="bg1"/>
+            </a:solidFill>
+            <a:ln w="6350">
+              <a:solidFill>
+                <a:srgbClr val="2C74A5"/>
+              </a:solidFill>
+            </a:ln>
+          </p:spPr>
+          <p:style>
+            <a:lnRef idx="2">
+              <a:schemeClr val="dk1"/>
+            </a:lnRef>
+            <a:fillRef idx="1">
+              <a:schemeClr val="lt1"/>
+            </a:fillRef>
+            <a:effectRef idx="0">
+              <a:schemeClr val="dk1"/>
+            </a:effectRef>
+            <a:fontRef idx="minor">
+              <a:schemeClr val="dk1"/>
+            </a:fontRef>
+          </p:style>
+          <p:txBody>
+            <a:bodyPr lIns="182880" rIns="36576" rtlCol="0" anchor="ctr"/>
+            <a:lstStyle/>
+            <a:p>
+              <a:pPr>
+                <a:spcAft>
+                  <a:spcPts val="600"/>
+                </a:spcAft>
+              </a:pPr>
+              <a:r>
+                <a:rPr lang="en-US" sz="800" dirty="0">
+                  <a:solidFill>
+                    <a:srgbClr val="E84C3B"/>
+                  </a:solidFill>
+                  <a:cs typeface="Arial Narrow"/>
+                </a:rPr>
+                <a:t>OPTION:</a:t>
+              </a:r>
+              <a:r>
+                <a:rPr lang="en-US" sz="800" dirty="0">
+                  <a:solidFill>
+                    <a:srgbClr val="0070C0"/>
+                  </a:solidFill>
+                  <a:cs typeface="Arial Narrow"/>
+                </a:rPr>
+                <a:t> </a:t>
+              </a:r>
+              <a:r>
+                <a:rPr lang="en-US" sz="800" b="1" dirty="0">
+                  <a:solidFill>
+                    <a:srgbClr val="2C74A5"/>
+                  </a:solidFill>
+                  <a:cs typeface="Arial Narrow"/>
+                </a:rPr>
+                <a:t>DECAF</a:t>
+              </a:r>
+            </a:p>
+          </p:txBody>
+        </p:sp>
+        <p:sp>
+          <p:nvSpPr>
+            <p:cNvPr id="134" name="Rounded Rectangle 133"/>
+            <p:cNvSpPr/>
+            <p:nvPr/>
+          </p:nvSpPr>
+          <p:spPr>
+            <a:xfrm>
+              <a:off x="4122593" y="4464922"/>
+              <a:ext cx="1829248" cy="243396"/>
+            </a:xfrm>
+            <a:prstGeom prst="roundRect">
+              <a:avLst>
+                <a:gd name="adj" fmla="val 50000"/>
+              </a:avLst>
+            </a:prstGeom>
+            <a:solidFill>
+              <a:schemeClr val="bg1"/>
+            </a:solidFill>
+            <a:ln w="6350">
+              <a:solidFill>
+                <a:srgbClr val="2C74A5"/>
+              </a:solidFill>
+            </a:ln>
+          </p:spPr>
+          <p:style>
+            <a:lnRef idx="2">
+              <a:schemeClr val="dk1"/>
+            </a:lnRef>
+            <a:fillRef idx="1">
+              <a:schemeClr val="lt1"/>
+            </a:fillRef>
+            <a:effectRef idx="0">
+              <a:schemeClr val="dk1"/>
+            </a:effectRef>
+            <a:fontRef idx="minor">
+              <a:schemeClr val="dk1"/>
+            </a:fontRef>
+          </p:style>
+          <p:txBody>
+            <a:bodyPr lIns="182880" rIns="36576" rtlCol="0" anchor="ctr"/>
+            <a:lstStyle/>
+            <a:p>
+              <a:pPr>
+                <a:spcAft>
+                  <a:spcPts val="600"/>
+                </a:spcAft>
+              </a:pPr>
+              <a:r>
+                <a:rPr lang="en-US" sz="800" dirty="0" smtClean="0">
+                  <a:solidFill>
+                    <a:srgbClr val="E84C3B"/>
+                  </a:solidFill>
+                  <a:cs typeface="Arial Narrow"/>
+                </a:rPr>
+                <a:t>PRODUCT:</a:t>
+              </a:r>
+              <a:r>
+                <a:rPr lang="en-US" sz="800" dirty="0" smtClean="0">
+                  <a:solidFill>
+                    <a:srgbClr val="0070C0"/>
+                  </a:solidFill>
+                  <a:cs typeface="Arial Narrow"/>
+                </a:rPr>
+                <a:t> </a:t>
+              </a:r>
+              <a:r>
+                <a:rPr lang="en-US" sz="800" b="1" dirty="0" smtClean="0">
+                  <a:solidFill>
+                    <a:srgbClr val="2C74A5"/>
+                  </a:solidFill>
+                  <a:cs typeface="Arial Narrow"/>
+                </a:rPr>
+                <a:t>CAFÉ MOCHA</a:t>
+              </a:r>
+              <a:endParaRPr lang="en-US" sz="800" b="1" dirty="0">
+                <a:solidFill>
+                  <a:srgbClr val="2C74A5"/>
+                </a:solidFill>
+                <a:cs typeface="Arial Narrow"/>
+              </a:endParaRPr>
+            </a:p>
+          </p:txBody>
+        </p:sp>
+        <p:sp>
+          <p:nvSpPr>
+            <p:cNvPr id="136" name="Rectangle 135"/>
+            <p:cNvSpPr/>
+            <p:nvPr/>
+          </p:nvSpPr>
+          <p:spPr>
+            <a:xfrm>
+              <a:off x="6262135" y="4394682"/>
+              <a:ext cx="1762682" cy="1593736"/>
+            </a:xfrm>
+            <a:prstGeom prst="rect">
+              <a:avLst/>
+            </a:prstGeom>
+            <a:noFill/>
+            <a:ln w="3175">
+              <a:solidFill>
+                <a:srgbClr val="2C74A5"/>
+              </a:solidFill>
+              <a:prstDash val="dash"/>
+            </a:ln>
+          </p:spPr>
+          <p:style>
+            <a:lnRef idx="2">
+              <a:schemeClr val="dk1"/>
+            </a:lnRef>
+            <a:fillRef idx="1">
+              <a:schemeClr val="lt1"/>
+            </a:fillRef>
+            <a:effectRef idx="0">
+              <a:schemeClr val="dk1"/>
+            </a:effectRef>
+            <a:fontRef idx="minor">
+              <a:schemeClr val="dk1"/>
+            </a:fontRef>
+          </p:style>
+          <p:txBody>
+            <a:bodyPr rtlCol="0" anchor="ctr"/>
+            <a:lstStyle/>
+            <a:p>
+              <a:pPr algn="ctr"/>
+              <a:endParaRPr lang="en-US">
+                <a:solidFill>
+                  <a:srgbClr val="2C74A5"/>
+                </a:solidFill>
+              </a:endParaRPr>
+            </a:p>
+          </p:txBody>
+        </p:sp>
+        <p:sp>
+          <p:nvSpPr>
+            <p:cNvPr id="137" name="Rounded Rectangle 136"/>
+            <p:cNvSpPr/>
+            <p:nvPr/>
+          </p:nvSpPr>
+          <p:spPr>
+            <a:xfrm>
+              <a:off x="6330597" y="4458600"/>
+              <a:ext cx="1610391" cy="243396"/>
+            </a:xfrm>
+            <a:prstGeom prst="roundRect">
+              <a:avLst>
+                <a:gd name="adj" fmla="val 50000"/>
+              </a:avLst>
+            </a:prstGeom>
+            <a:solidFill>
+              <a:schemeClr val="bg1"/>
+            </a:solidFill>
+            <a:ln w="6350">
+              <a:solidFill>
+                <a:srgbClr val="2C74A5"/>
+              </a:solidFill>
+            </a:ln>
+          </p:spPr>
+          <p:style>
+            <a:lnRef idx="2">
+              <a:schemeClr val="dk1"/>
+            </a:lnRef>
+            <a:fillRef idx="1">
+              <a:schemeClr val="lt1"/>
+            </a:fillRef>
+            <a:effectRef idx="0">
+              <a:schemeClr val="dk1"/>
+            </a:effectRef>
+            <a:fontRef idx="minor">
+              <a:schemeClr val="dk1"/>
+            </a:fontRef>
+          </p:style>
+          <p:txBody>
+            <a:bodyPr lIns="182880" rIns="36576" rtlCol="0" anchor="ctr"/>
+            <a:lstStyle/>
+            <a:p>
+              <a:pPr>
+                <a:spcAft>
+                  <a:spcPts val="600"/>
+                </a:spcAft>
+              </a:pPr>
+              <a:r>
+                <a:rPr lang="en-US" sz="800" dirty="0" smtClean="0">
+                  <a:solidFill>
+                    <a:srgbClr val="E84C3B"/>
+                  </a:solidFill>
+                  <a:cs typeface="Arial Narrow"/>
+                </a:rPr>
+                <a:t>STORE:</a:t>
+              </a:r>
+              <a:r>
+                <a:rPr lang="en-US" sz="800" dirty="0" smtClean="0">
+                  <a:solidFill>
+                    <a:srgbClr val="0070C0"/>
+                  </a:solidFill>
+                  <a:cs typeface="Arial Narrow"/>
+                </a:rPr>
+                <a:t> </a:t>
+              </a:r>
+              <a:r>
+                <a:rPr lang="en-US" sz="800" b="1" dirty="0" smtClean="0">
+                  <a:solidFill>
+                    <a:srgbClr val="2C74A5"/>
+                  </a:solidFill>
+                  <a:cs typeface="Arial Narrow"/>
+                </a:rPr>
+                <a:t>BROADWAY</a:t>
+              </a:r>
+              <a:endParaRPr lang="en-US" sz="800" b="1" dirty="0">
+                <a:solidFill>
+                  <a:srgbClr val="2C74A5"/>
+                </a:solidFill>
+                <a:cs typeface="Arial Narrow"/>
+              </a:endParaRPr>
+            </a:p>
+          </p:txBody>
+        </p:sp>
+        <p:cxnSp>
+          <p:nvCxnSpPr>
+            <p:cNvPr id="140" name="Straight Connector 139"/>
+            <p:cNvCxnSpPr/>
+            <p:nvPr/>
+          </p:nvCxnSpPr>
+          <p:spPr>
+            <a:xfrm>
+              <a:off x="4379933" y="5272784"/>
+              <a:ext cx="196210" cy="0"/>
+            </a:xfrm>
+            <a:prstGeom prst="line">
+              <a:avLst/>
+            </a:prstGeom>
+            <a:ln w="6350">
+              <a:solidFill>
+                <a:srgbClr val="2C74A5"/>
+              </a:solidFill>
+            </a:ln>
+          </p:spPr>
+          <p:style>
+            <a:lnRef idx="1">
+              <a:schemeClr val="dk1"/>
+            </a:lnRef>
+            <a:fillRef idx="0">
+              <a:schemeClr val="dk1"/>
+            </a:fillRef>
+            <a:effectRef idx="0">
+              <a:schemeClr val="dk1"/>
+            </a:effectRef>
+            <a:fontRef idx="minor">
+              <a:schemeClr val="tx1"/>
+            </a:fontRef>
+          </p:style>
+        </p:cxnSp>
+        <p:sp>
+          <p:nvSpPr>
+            <p:cNvPr id="141" name="Rounded Rectangle 140"/>
+            <p:cNvSpPr/>
+            <p:nvPr/>
+          </p:nvSpPr>
+          <p:spPr>
+            <a:xfrm>
+              <a:off x="4538799" y="5144226"/>
+              <a:ext cx="1613741" cy="243396"/>
+            </a:xfrm>
+            <a:prstGeom prst="roundRect">
+              <a:avLst>
+                <a:gd name="adj" fmla="val 50000"/>
+              </a:avLst>
+            </a:prstGeom>
+            <a:solidFill>
+              <a:schemeClr val="bg1"/>
+            </a:solidFill>
+            <a:ln w="6350">
+              <a:solidFill>
+                <a:srgbClr val="2C74A5"/>
+              </a:solidFill>
+            </a:ln>
+          </p:spPr>
+          <p:style>
+            <a:lnRef idx="2">
+              <a:schemeClr val="dk1"/>
+            </a:lnRef>
+            <a:fillRef idx="1">
+              <a:schemeClr val="lt1"/>
+            </a:fillRef>
+            <a:effectRef idx="0">
+              <a:schemeClr val="dk1"/>
+            </a:effectRef>
+            <a:fontRef idx="minor">
+              <a:schemeClr val="dk1"/>
+            </a:fontRef>
+          </p:style>
+          <p:txBody>
+            <a:bodyPr lIns="182880" rIns="36576" rtlCol="0" anchor="ctr"/>
+            <a:lstStyle/>
+            <a:p>
+              <a:pPr>
+                <a:spcAft>
+                  <a:spcPts val="600"/>
+                </a:spcAft>
+              </a:pPr>
+              <a:r>
+                <a:rPr lang="en-US" sz="800" dirty="0">
+                  <a:solidFill>
+                    <a:srgbClr val="E84C3B"/>
+                  </a:solidFill>
+                  <a:cs typeface="Arial Narrow"/>
+                </a:rPr>
+                <a:t>SIZE:</a:t>
+              </a:r>
+              <a:r>
+                <a:rPr lang="en-US" sz="800" dirty="0">
+                  <a:solidFill>
+                    <a:srgbClr val="0070C0"/>
+                  </a:solidFill>
+                  <a:cs typeface="Arial Narrow"/>
+                </a:rPr>
+                <a:t> </a:t>
+              </a:r>
+              <a:r>
+                <a:rPr lang="en-US" sz="800" b="1" dirty="0">
+                  <a:solidFill>
+                    <a:srgbClr val="2C74A5"/>
+                  </a:solidFill>
+                  <a:cs typeface="Arial Narrow"/>
+                </a:rPr>
+                <a:t>SMALL</a:t>
+              </a:r>
+            </a:p>
+          </p:txBody>
+        </p:sp>
+        <p:cxnSp>
+          <p:nvCxnSpPr>
+            <p:cNvPr id="144" name="Straight Connector 143"/>
+            <p:cNvCxnSpPr/>
+            <p:nvPr/>
+          </p:nvCxnSpPr>
+          <p:spPr>
+            <a:xfrm>
+              <a:off x="4379933" y="5612436"/>
+              <a:ext cx="196210" cy="0"/>
+            </a:xfrm>
+            <a:prstGeom prst="line">
+              <a:avLst/>
+            </a:prstGeom>
+            <a:ln w="6350">
+              <a:solidFill>
+                <a:srgbClr val="2C74A5"/>
+              </a:solidFill>
+            </a:ln>
+          </p:spPr>
+          <p:style>
+            <a:lnRef idx="1">
+              <a:schemeClr val="dk1"/>
+            </a:lnRef>
+            <a:fillRef idx="0">
+              <a:schemeClr val="dk1"/>
+            </a:fillRef>
+            <a:effectRef idx="0">
+              <a:schemeClr val="dk1"/>
+            </a:effectRef>
+            <a:fontRef idx="minor">
+              <a:schemeClr val="tx1"/>
+            </a:fontRef>
+          </p:style>
+        </p:cxnSp>
+        <p:sp>
+          <p:nvSpPr>
+            <p:cNvPr id="145" name="Rounded Rectangle 144"/>
+            <p:cNvSpPr/>
+            <p:nvPr/>
+          </p:nvSpPr>
+          <p:spPr>
+            <a:xfrm>
+              <a:off x="4538799" y="5483878"/>
+              <a:ext cx="1613741" cy="243396"/>
+            </a:xfrm>
+            <a:prstGeom prst="roundRect">
+              <a:avLst>
+                <a:gd name="adj" fmla="val 50000"/>
+              </a:avLst>
+            </a:prstGeom>
+            <a:solidFill>
+              <a:schemeClr val="bg1"/>
+            </a:solidFill>
+            <a:ln w="6350">
+              <a:solidFill>
+                <a:srgbClr val="2C74A5"/>
+              </a:solidFill>
+            </a:ln>
+          </p:spPr>
+          <p:style>
+            <a:lnRef idx="2">
+              <a:schemeClr val="dk1"/>
+            </a:lnRef>
+            <a:fillRef idx="1">
+              <a:schemeClr val="lt1"/>
+            </a:fillRef>
+            <a:effectRef idx="0">
+              <a:schemeClr val="dk1"/>
+            </a:effectRef>
+            <a:fontRef idx="minor">
+              <a:schemeClr val="dk1"/>
+            </a:fontRef>
+          </p:style>
+          <p:txBody>
+            <a:bodyPr lIns="182880" rIns="36576" rtlCol="0" anchor="ctr"/>
+            <a:lstStyle/>
+            <a:p>
+              <a:pPr>
+                <a:spcAft>
+                  <a:spcPts val="600"/>
+                </a:spcAft>
+              </a:pPr>
+              <a:r>
+                <a:rPr lang="en-US" sz="800" dirty="0" smtClean="0">
+                  <a:solidFill>
+                    <a:srgbClr val="E84C3B"/>
+                  </a:solidFill>
+                  <a:cs typeface="Arial Narrow"/>
+                </a:rPr>
+                <a:t>OPTION:</a:t>
+              </a:r>
+              <a:r>
+                <a:rPr lang="en-US" sz="800" dirty="0" smtClean="0">
+                  <a:solidFill>
+                    <a:srgbClr val="0070C0"/>
+                  </a:solidFill>
+                  <a:cs typeface="Arial Narrow"/>
+                </a:rPr>
+                <a:t> </a:t>
+              </a:r>
+              <a:r>
+                <a:rPr lang="en-US" sz="800" b="1" dirty="0" smtClean="0">
+                  <a:solidFill>
+                    <a:srgbClr val="2C74A5"/>
+                  </a:solidFill>
+                  <a:cs typeface="Arial Narrow"/>
+                </a:rPr>
+                <a:t>WHIPPED CREAM</a:t>
+              </a:r>
+              <a:endParaRPr lang="en-US" sz="800" b="1" dirty="0">
+                <a:solidFill>
+                  <a:srgbClr val="2C74A5"/>
+                </a:solidFill>
+                <a:cs typeface="Arial Narrow"/>
+              </a:endParaRPr>
+            </a:p>
+          </p:txBody>
+        </p:sp>
+      </p:grpSp>
+      <p:grpSp>
+        <p:nvGrpSpPr>
+          <p:cNvPr id="2" name="Group 1"/>
+          <p:cNvGrpSpPr/>
+          <p:nvPr/>
+        </p:nvGrpSpPr>
+        <p:grpSpPr>
+          <a:xfrm>
+            <a:off x="6262135" y="1989281"/>
+            <a:ext cx="2144647" cy="1593736"/>
+            <a:chOff x="6561753" y="2437249"/>
+            <a:chExt cx="2144647" cy="1593736"/>
+          </a:xfrm>
+        </p:grpSpPr>
+        <p:sp>
+          <p:nvSpPr>
+            <p:cNvPr id="56" name="Rectangle 55"/>
+            <p:cNvSpPr/>
+            <p:nvPr/>
+          </p:nvSpPr>
+          <p:spPr>
+            <a:xfrm>
+              <a:off x="6561753" y="2437249"/>
+              <a:ext cx="2144647" cy="1593736"/>
+            </a:xfrm>
+            <a:prstGeom prst="rect">
+              <a:avLst/>
+            </a:prstGeom>
+            <a:noFill/>
+            <a:ln w="3175">
+              <a:solidFill>
+                <a:srgbClr val="2C74A5"/>
+              </a:solidFill>
+              <a:prstDash val="dash"/>
+            </a:ln>
+          </p:spPr>
+          <p:style>
+            <a:lnRef idx="2">
+              <a:schemeClr val="dk1"/>
+            </a:lnRef>
+            <a:fillRef idx="1">
+              <a:schemeClr val="lt1"/>
+            </a:fillRef>
+            <a:effectRef idx="0">
+              <a:schemeClr val="dk1"/>
+            </a:effectRef>
+            <a:fontRef idx="minor">
+              <a:schemeClr val="dk1"/>
+            </a:fontRef>
+          </p:style>
+          <p:txBody>
+            <a:bodyPr rtlCol="0" anchor="ctr"/>
+            <a:lstStyle/>
+            <a:p>
+              <a:pPr algn="ctr"/>
+              <a:endParaRPr lang="en-US"/>
+            </a:p>
+          </p:txBody>
+        </p:sp>
+        <p:cxnSp>
+          <p:nvCxnSpPr>
+            <p:cNvPr id="57" name="Straight Connector 56"/>
+            <p:cNvCxnSpPr/>
+            <p:nvPr/>
+          </p:nvCxnSpPr>
+          <p:spPr>
+            <a:xfrm>
+              <a:off x="6896942" y="2975699"/>
+              <a:ext cx="196210" cy="0"/>
+            </a:xfrm>
+            <a:prstGeom prst="line">
+              <a:avLst/>
+            </a:prstGeom>
+            <a:ln w="6350">
+              <a:solidFill>
+                <a:srgbClr val="2C74A5"/>
+              </a:solidFill>
+            </a:ln>
+          </p:spPr>
+          <p:style>
+            <a:lnRef idx="1">
+              <a:schemeClr val="dk1"/>
+            </a:lnRef>
+            <a:fillRef idx="0">
+              <a:schemeClr val="dk1"/>
+            </a:fillRef>
+            <a:effectRef idx="0">
+              <a:schemeClr val="dk1"/>
+            </a:effectRef>
+            <a:fontRef idx="minor">
+              <a:schemeClr val="tx1"/>
+            </a:fontRef>
+          </p:style>
+        </p:cxnSp>
+        <p:cxnSp>
+          <p:nvCxnSpPr>
+            <p:cNvPr id="58" name="Straight Connector 57"/>
+            <p:cNvCxnSpPr/>
+            <p:nvPr/>
+          </p:nvCxnSpPr>
+          <p:spPr>
+            <a:xfrm>
+              <a:off x="6896942" y="2748927"/>
+              <a:ext cx="0" cy="566424"/>
+            </a:xfrm>
+            <a:prstGeom prst="line">
+              <a:avLst/>
+            </a:prstGeom>
+            <a:ln w="6350">
+              <a:solidFill>
+                <a:srgbClr val="2C74A5"/>
+              </a:solidFill>
+            </a:ln>
+          </p:spPr>
+          <p:style>
+            <a:lnRef idx="1">
+              <a:schemeClr val="dk1"/>
+            </a:lnRef>
+            <a:fillRef idx="0">
+              <a:schemeClr val="dk1"/>
+            </a:fillRef>
+            <a:effectRef idx="0">
+              <a:schemeClr val="dk1"/>
+            </a:effectRef>
+            <a:fontRef idx="minor">
+              <a:schemeClr val="tx1"/>
+            </a:fontRef>
+          </p:style>
+        </p:cxnSp>
+        <p:sp>
+          <p:nvSpPr>
+            <p:cNvPr id="59" name="Rounded Rectangle 58"/>
+            <p:cNvSpPr/>
+            <p:nvPr/>
+          </p:nvSpPr>
+          <p:spPr>
+            <a:xfrm>
+              <a:off x="7055808" y="2847141"/>
+              <a:ext cx="1613741" cy="243396"/>
+            </a:xfrm>
+            <a:prstGeom prst="roundRect">
+              <a:avLst>
+                <a:gd name="adj" fmla="val 50000"/>
+              </a:avLst>
+            </a:prstGeom>
+            <a:solidFill>
+              <a:schemeClr val="bg1"/>
+            </a:solidFill>
+            <a:ln w="6350">
+              <a:solidFill>
+                <a:srgbClr val="2C74A5"/>
+              </a:solidFill>
+            </a:ln>
+          </p:spPr>
+          <p:style>
+            <a:lnRef idx="2">
+              <a:schemeClr val="dk1"/>
+            </a:lnRef>
+            <a:fillRef idx="1">
+              <a:schemeClr val="lt1"/>
+            </a:fillRef>
+            <a:effectRef idx="0">
+              <a:schemeClr val="dk1"/>
+            </a:effectRef>
+            <a:fontRef idx="minor">
+              <a:schemeClr val="dk1"/>
+            </a:fontRef>
+          </p:style>
+          <p:txBody>
+            <a:bodyPr lIns="182880" rIns="36576" rtlCol="0" anchor="ctr"/>
+            <a:lstStyle/>
+            <a:p>
+              <a:pPr>
+                <a:spcAft>
+                  <a:spcPts val="600"/>
+                </a:spcAft>
+              </a:pPr>
+              <a:r>
+                <a:rPr lang="en-US" sz="800" dirty="0" smtClean="0">
+                  <a:solidFill>
+                    <a:srgbClr val="E84C3B"/>
+                  </a:solidFill>
+                  <a:cs typeface="Arial Narrow"/>
+                </a:rPr>
+                <a:t>SIZE:</a:t>
+              </a:r>
+              <a:r>
+                <a:rPr lang="en-US" sz="800" dirty="0" smtClean="0">
+                  <a:solidFill>
+                    <a:srgbClr val="0070C0"/>
+                  </a:solidFill>
+                  <a:cs typeface="Arial Narrow"/>
+                </a:rPr>
+                <a:t> </a:t>
+              </a:r>
+              <a:r>
+                <a:rPr lang="en-US" sz="800" b="1" dirty="0" smtClean="0">
+                  <a:solidFill>
+                    <a:srgbClr val="2C74A5"/>
+                  </a:solidFill>
+                  <a:cs typeface="Arial Narrow"/>
+                </a:rPr>
+                <a:t>SMALL</a:t>
+              </a:r>
+              <a:endParaRPr lang="en-US" sz="800" b="1" dirty="0">
+                <a:solidFill>
+                  <a:srgbClr val="2C74A5"/>
+                </a:solidFill>
+                <a:cs typeface="Arial Narrow"/>
+              </a:endParaRPr>
+            </a:p>
+          </p:txBody>
+        </p:sp>
+        <p:sp>
+          <p:nvSpPr>
+            <p:cNvPr id="60" name="Rounded Rectangle 59"/>
+            <p:cNvSpPr/>
+            <p:nvPr/>
+          </p:nvSpPr>
+          <p:spPr>
+            <a:xfrm>
+              <a:off x="6639602" y="2507489"/>
+              <a:ext cx="1829248" cy="243396"/>
+            </a:xfrm>
+            <a:prstGeom prst="roundRect">
+              <a:avLst>
+                <a:gd name="adj" fmla="val 50000"/>
+              </a:avLst>
+            </a:prstGeom>
+            <a:solidFill>
+              <a:schemeClr val="bg1"/>
+            </a:solidFill>
+            <a:ln w="6350">
+              <a:solidFill>
+                <a:srgbClr val="2C74A5"/>
+              </a:solidFill>
+            </a:ln>
+          </p:spPr>
+          <p:style>
+            <a:lnRef idx="2">
+              <a:schemeClr val="dk1"/>
+            </a:lnRef>
+            <a:fillRef idx="1">
+              <a:schemeClr val="lt1"/>
+            </a:fillRef>
+            <a:effectRef idx="0">
+              <a:schemeClr val="dk1"/>
+            </a:effectRef>
+            <a:fontRef idx="minor">
+              <a:schemeClr val="dk1"/>
+            </a:fontRef>
+          </p:style>
+          <p:txBody>
+            <a:bodyPr lIns="182880" rIns="36576" rtlCol="0" anchor="ctr"/>
+            <a:lstStyle/>
+            <a:p>
+              <a:pPr>
+                <a:spcAft>
+                  <a:spcPts val="600"/>
+                </a:spcAft>
+              </a:pPr>
+              <a:r>
+                <a:rPr lang="en-US" sz="800" dirty="0" smtClean="0">
+                  <a:solidFill>
+                    <a:srgbClr val="E84C3B"/>
+                  </a:solidFill>
+                  <a:cs typeface="Arial Narrow"/>
+                </a:rPr>
+                <a:t>PRODUCT:</a:t>
+              </a:r>
+              <a:r>
+                <a:rPr lang="en-US" sz="800" dirty="0" smtClean="0">
+                  <a:solidFill>
+                    <a:srgbClr val="0070C0"/>
+                  </a:solidFill>
+                  <a:cs typeface="Arial Narrow"/>
+                </a:rPr>
+                <a:t> </a:t>
+              </a:r>
+              <a:r>
+                <a:rPr lang="en-US" sz="800" b="1" dirty="0" smtClean="0">
+                  <a:solidFill>
+                    <a:srgbClr val="2C74A5"/>
+                  </a:solidFill>
+                  <a:cs typeface="Arial Narrow"/>
+                </a:rPr>
+                <a:t>CAFÉ MOCHA</a:t>
+              </a:r>
+              <a:endParaRPr lang="en-US" sz="800" b="1" dirty="0">
+                <a:solidFill>
+                  <a:srgbClr val="2C74A5"/>
+                </a:solidFill>
+                <a:cs typeface="Arial Narrow"/>
+              </a:endParaRPr>
+            </a:p>
+          </p:txBody>
+        </p:sp>
+        <p:cxnSp>
+          <p:nvCxnSpPr>
+            <p:cNvPr id="61" name="Straight Connector 60"/>
+            <p:cNvCxnSpPr/>
+            <p:nvPr/>
+          </p:nvCxnSpPr>
+          <p:spPr>
+            <a:xfrm>
+              <a:off x="6896942" y="3315351"/>
+              <a:ext cx="196210" cy="0"/>
+            </a:xfrm>
+            <a:prstGeom prst="line">
+              <a:avLst/>
+            </a:prstGeom>
+            <a:ln w="6350">
+              <a:solidFill>
+                <a:srgbClr val="2C74A5"/>
+              </a:solidFill>
+            </a:ln>
+          </p:spPr>
+          <p:style>
+            <a:lnRef idx="1">
+              <a:schemeClr val="dk1"/>
+            </a:lnRef>
+            <a:fillRef idx="0">
+              <a:schemeClr val="dk1"/>
+            </a:fillRef>
+            <a:effectRef idx="0">
+              <a:schemeClr val="dk1"/>
+            </a:effectRef>
+            <a:fontRef idx="minor">
+              <a:schemeClr val="tx1"/>
+            </a:fontRef>
+          </p:style>
+        </p:cxnSp>
+        <p:sp>
+          <p:nvSpPr>
+            <p:cNvPr id="62" name="Rounded Rectangle 61"/>
+            <p:cNvSpPr/>
+            <p:nvPr/>
+          </p:nvSpPr>
+          <p:spPr>
+            <a:xfrm>
+              <a:off x="7055808" y="3186793"/>
+              <a:ext cx="1613741" cy="243396"/>
+            </a:xfrm>
+            <a:prstGeom prst="roundRect">
+              <a:avLst>
+                <a:gd name="adj" fmla="val 50000"/>
+              </a:avLst>
+            </a:prstGeom>
+            <a:solidFill>
+              <a:schemeClr val="bg1"/>
+            </a:solidFill>
+            <a:ln w="6350">
+              <a:solidFill>
+                <a:srgbClr val="2C74A5"/>
+              </a:solidFill>
+            </a:ln>
+          </p:spPr>
+          <p:style>
+            <a:lnRef idx="2">
+              <a:schemeClr val="dk1"/>
+            </a:lnRef>
+            <a:fillRef idx="1">
+              <a:schemeClr val="lt1"/>
+            </a:fillRef>
+            <a:effectRef idx="0">
+              <a:schemeClr val="dk1"/>
+            </a:effectRef>
+            <a:fontRef idx="minor">
+              <a:schemeClr val="dk1"/>
+            </a:fontRef>
+          </p:style>
+          <p:txBody>
+            <a:bodyPr lIns="182880" rIns="36576" rtlCol="0" anchor="ctr"/>
+            <a:lstStyle/>
+            <a:p>
+              <a:pPr>
+                <a:spcAft>
+                  <a:spcPts val="600"/>
+                </a:spcAft>
+              </a:pPr>
+              <a:r>
+                <a:rPr lang="en-US" sz="800" dirty="0" smtClean="0">
+                  <a:solidFill>
+                    <a:srgbClr val="E84C3B"/>
+                  </a:solidFill>
+                  <a:cs typeface="Arial Narrow"/>
+                </a:rPr>
+                <a:t>OPTION:</a:t>
+              </a:r>
+              <a:r>
+                <a:rPr lang="en-US" sz="800" dirty="0" smtClean="0">
+                  <a:solidFill>
+                    <a:srgbClr val="0070C0"/>
+                  </a:solidFill>
+                  <a:cs typeface="Arial Narrow"/>
+                </a:rPr>
+                <a:t> </a:t>
+              </a:r>
+              <a:r>
+                <a:rPr lang="en-US" sz="800" b="1" dirty="0" smtClean="0">
+                  <a:solidFill>
+                    <a:srgbClr val="2C74A5"/>
+                  </a:solidFill>
+                  <a:cs typeface="Arial Narrow"/>
+                </a:rPr>
+                <a:t>WHIPPED CREAM</a:t>
+              </a:r>
+              <a:endParaRPr lang="en-US" sz="800" b="1" dirty="0">
+                <a:solidFill>
+                  <a:srgbClr val="2C74A5"/>
+                </a:solidFill>
+                <a:cs typeface="Arial Narrow"/>
+              </a:endParaRPr>
+            </a:p>
+          </p:txBody>
+        </p:sp>
+      </p:grpSp>
+    </p:spTree>
+    <p:extLst>
+      <p:ext uri="{BB962C8B-B14F-4D97-AF65-F5344CB8AC3E}">
+        <p14:creationId xmlns:p14="http://schemas.microsoft.com/office/powerpoint/2010/main" val="2116546462"/>
+      </p:ext>
+    </p:extLst>
+  </p:cSld>
+  <p:clrMapOvr>
+    <a:masterClrMapping/>
+  </p:clrMapOvr>
+  <mc:AlternateContent xmlns:mc="http://schemas.openxmlformats.org/markup-compatibility/2006" xmlns:p14="http://schemas.microsoft.com/office/powerpoint/2010/main">
+    <mc:Choice Requires="p14">
+      <p:transition spd="slow" p14:dur="2000"/>
+    </mc:Choice>
+    <mc:Fallback xmlns="">
+      <p:transition spd="slow"/>
+    </mc:Fallback>
+  </mc:AlternateContent>
   <p:timing>
     <p:tnLst>
       <p:par>
@@ -27434,60 +33261,48 @@
           <a:lstStyle/>
           <a:p>
             <a:r>
-              <a:rPr lang="en-US" sz="900" dirty="0"/>
-              <a:t>Sure, I have 2 orders of </a:t>
-            </a:r>
-            <a:r>
-              <a:rPr lang="en-US" sz="900" b="1" dirty="0"/>
-              <a:t>Pepperoni Pizza</a:t>
-            </a:r>
-            <a:r>
-              <a:rPr lang="en-US" sz="900" dirty="0"/>
-              <a:t>, 1 order of </a:t>
-            </a:r>
-            <a:r>
-              <a:rPr lang="en-US" sz="900" b="1" dirty="0"/>
-              <a:t>Vegetarian Pizza</a:t>
-            </a:r>
-            <a:r>
-              <a:rPr lang="en-US" sz="900" dirty="0"/>
-              <a:t>, and 1 order of </a:t>
+              <a:rPr lang="en-US" sz="900" dirty="0" smtClean="0"/>
+              <a:t>Ok, I got the </a:t>
             </a:r>
             <a:r>
               <a:rPr lang="en-US" sz="900" b="1" dirty="0" smtClean="0"/>
-              <a:t>House Salad</a:t>
+              <a:t>Saag Paneer </a:t>
             </a:r>
             <a:r>
               <a:rPr lang="en-US" sz="900" dirty="0" smtClean="0"/>
-              <a:t> </a:t>
+              <a:t>with a side of </a:t>
             </a:r>
             <a:r>
-              <a:rPr lang="en-US" sz="900" dirty="0"/>
+              <a:rPr lang="en-US" sz="900" b="1" dirty="0" smtClean="0"/>
+              <a:t>Peas Pulav and Raita </a:t>
+            </a:r>
+            <a:r>
+              <a:rPr lang="en-US" sz="900" dirty="0" smtClean="0"/>
+              <a:t>and a </a:t>
+            </a:r>
+            <a:r>
+              <a:rPr lang="en-US" sz="900" b="1" dirty="0" smtClean="0"/>
+              <a:t>Garlic Naan </a:t>
+            </a:r>
+            <a:r>
+              <a:rPr lang="en-US" sz="900" dirty="0" smtClean="0"/>
               <a:t>from </a:t>
             </a:r>
             <a:r>
-              <a:rPr lang="en-US" sz="900" b="1" dirty="0" err="1"/>
-              <a:t>Firetrail</a:t>
+              <a:rPr lang="en-US" sz="900" b="1" dirty="0" smtClean="0"/>
+              <a:t>Little India </a:t>
             </a:r>
             <a:r>
-              <a:rPr lang="en-US" sz="900" b="1" dirty="0"/>
-              <a:t> Pizza </a:t>
-            </a:r>
-            <a:r>
-              <a:rPr lang="en-US" sz="900" dirty="0"/>
-              <a:t>for a total price of </a:t>
+              <a:rPr lang="en-US" sz="900" dirty="0" smtClean="0"/>
+              <a:t>for a total price of</a:t>
             </a:r>
             <a:r>
               <a:rPr lang="en-US" sz="900" b="1" dirty="0" smtClean="0"/>
-              <a:t>$41.99</a:t>
+              <a:t> $14.75.</a:t>
             </a:r>
             <a:r>
               <a:rPr lang="en-US" sz="900" dirty="0" smtClean="0"/>
-              <a:t>. </a:t>
-            </a:r>
-            <a:r>
-              <a:rPr lang="en-US" sz="900" dirty="0"/>
-              <a:t>Would you like to place the order?</a:t>
+              <a:t> Would you like to place the order?</a:t>
             </a:r>
             <a:endParaRPr lang="en-US" sz="900" b="1" dirty="0"/>
           </a:p>
@@ -27548,16 +33363,8 @@
               <a:t>Great, what can I get you from </a:t>
             </a:r>
             <a:r>
-              <a:rPr lang="en-US" sz="900" b="1" dirty="0" err="1" smtClean="0"/>
-              <a:t>Firetrail</a:t>
-            </a:r>
-            <a:r>
               <a:rPr lang="en-US" sz="900" b="1" dirty="0" smtClean="0"/>
-              <a:t> Pizza</a:t>
-            </a:r>
-            <a:r>
-              <a:rPr lang="en-US" sz="900" b="1" dirty="0" smtClean="0"/>
-              <a:t>?</a:t>
+              <a:t>Little India?</a:t>
             </a:r>
             <a:endParaRPr lang="en-US" sz="900" dirty="0"/>
           </a:p>
@@ -27622,7 +33429,15 @@
                   <a:srgbClr val="FFFFFF"/>
                 </a:solidFill>
               </a:rPr>
-              <a:t>I want two pepperoni pizzas, one veggie pizza and some house salad.</a:t>
+              <a:t>I want Saag Paneer with Peas Pulav, cucumber raita and one garlic </a:t>
+            </a:r>
+            <a:r>
+              <a:rPr lang="en-US" sz="900" dirty="0" smtClean="0">
+                <a:solidFill>
+                  <a:srgbClr val="FFFFFF"/>
+                </a:solidFill>
+              </a:rPr>
+              <a:t>naan.</a:t>
             </a:r>
             <a:endParaRPr lang="en-US" sz="900" dirty="0">
               <a:solidFill>
@@ -27688,32 +33503,23 @@
                   <a:srgbClr val="FFFFFF"/>
                 </a:solidFill>
               </a:rPr>
-              <a:t>How </a:t>
+              <a:t>How about </a:t>
             </a:r>
             <a:r>
-              <a:rPr lang="en-US" sz="900" dirty="0" smtClean="0">
+              <a:rPr lang="en-US" sz="900" smtClean="0">
                 <a:solidFill>
                   <a:srgbClr val="FFFFFF"/>
                 </a:solidFill>
               </a:rPr>
-              <a:t>about </a:t>
+              <a:t>Little India?</a:t>
             </a:r>
-            <a:r>
-              <a:rPr lang="en-US" sz="900" dirty="0" err="1" smtClean="0">
-                <a:solidFill>
-                  <a:srgbClr val="FFFFFF"/>
-                </a:solidFill>
-              </a:rPr>
-              <a:t>Firetrail</a:t>
-            </a:r>
-            <a:r>
-              <a:rPr lang="en-US" sz="900" dirty="0" smtClean="0">
-                <a:solidFill>
-                  <a:srgbClr val="FFFFFF"/>
-                </a:solidFill>
-              </a:rPr>
-              <a:t>?</a:t>
-            </a:r>
+            <a:endParaRPr lang="en-US" sz="900" dirty="0" smtClean="0">
+              <a:solidFill>
+                <a:srgbClr val="FFFFFF"/>
+              </a:solidFill>
+            </a:endParaRPr>
+          </a:p>
+          <a:p>
             <a:endParaRPr lang="en-US" sz="900" dirty="0">
               <a:solidFill>
                 <a:srgbClr val="FFFFFF"/>
@@ -27780,48 +33586,40 @@
           <a:lstStyle/>
           <a:p>
             <a:r>
-              <a:rPr lang="en-US" sz="900" dirty="0"/>
+              <a:rPr lang="en-US" sz="900" dirty="0" smtClean="0"/>
               <a:t>I found </a:t>
             </a:r>
             <a:r>
-              <a:rPr lang="en-US" sz="900" b="1" dirty="0"/>
-              <a:t>pizza</a:t>
+              <a:rPr lang="en-US" sz="900" b="1" dirty="0" smtClean="0"/>
+              <a:t>Garlic Naan </a:t>
             </a:r>
             <a:r>
-              <a:rPr lang="en-US" sz="900" dirty="0"/>
-              <a:t> at </a:t>
+              <a:rPr lang="en-US" sz="900" dirty="0" smtClean="0"/>
+              <a:t>at </a:t>
             </a:r>
             <a:r>
-              <a:rPr lang="en-US" sz="900" b="1" dirty="0"/>
-              <a:t>Extreme Pizza, </a:t>
+              <a:rPr lang="en-US" sz="900" b="1" dirty="0" smtClean="0"/>
+              <a:t>Punjab Kabab House</a:t>
             </a:r>
             <a:r>
-              <a:rPr lang="en-US" sz="900" b="1" dirty="0" err="1"/>
-              <a:t>Buca</a:t>
-            </a:r>
-            <a:r>
-              <a:rPr lang="en-US" sz="900" b="1" dirty="0"/>
-              <a:t> Di </a:t>
-            </a:r>
-            <a:r>
-              <a:rPr lang="en-US" sz="900" b="1" dirty="0" err="1"/>
-              <a:t>Beppo</a:t>
-            </a:r>
-            <a:r>
-              <a:rPr lang="en-US" sz="900" dirty="0"/>
+              <a:rPr lang="en-US" sz="900" dirty="0" smtClean="0"/>
               <a:t>, </a:t>
             </a:r>
             <a:r>
-              <a:rPr lang="en-US" sz="900" b="1" dirty="0" err="1"/>
-              <a:t>Firetrail</a:t>
+              <a:rPr lang="en-US" sz="900" b="1" dirty="0" smtClean="0"/>
+              <a:t>Little India </a:t>
             </a:r>
             <a:r>
-              <a:rPr lang="en-US" sz="900" b="1" dirty="0"/>
-              <a:t> Pizza</a:t>
+              <a:rPr lang="en-US" sz="900" dirty="0" smtClean="0"/>
+              <a:t>and </a:t>
             </a:r>
             <a:r>
-              <a:rPr lang="en-US" sz="900" dirty="0"/>
-              <a:t>. Where would you like to order from?</a:t>
+              <a:rPr lang="en-US" sz="900" b="1" dirty="0" smtClean="0"/>
+              <a:t>Urban Curry. </a:t>
+            </a:r>
+            <a:r>
+              <a:rPr lang="en-US" sz="900" dirty="0" smtClean="0"/>
+              <a:t>Which one would you like to order form?</a:t>
             </a:r>
             <a:endParaRPr lang="en-US" sz="900" dirty="0"/>
           </a:p>
@@ -27883,21 +33681,8 @@
                   <a:srgbClr val="FFFFFF"/>
                 </a:solidFill>
               </a:rPr>
-              <a:t>What are some good places </a:t>
+              <a:t>What are some good places that have garlic naan?</a:t>
             </a:r>
-            <a:r>
-              <a:rPr lang="en-US" sz="900" dirty="0" smtClean="0">
-                <a:solidFill>
-                  <a:srgbClr val="FFFFFF"/>
-                </a:solidFill>
-              </a:rPr>
-              <a:t>that have pizza on the menu?</a:t>
-            </a:r>
-            <a:endParaRPr lang="en-US" sz="900" dirty="0" smtClean="0">
-              <a:solidFill>
-                <a:srgbClr val="FFFFFF"/>
-              </a:solidFill>
-            </a:endParaRPr>
           </a:p>
           <a:p>
             <a:endParaRPr lang="en-US" sz="900" dirty="0">
@@ -27971,15 +33756,7 @@
                   <a:srgbClr val="FFFFFF"/>
                 </a:solidFill>
               </a:rPr>
-              <a:t>Could </a:t>
-            </a:r>
-            <a:r>
-              <a:rPr lang="en-US" sz="900" dirty="0" smtClean="0">
-                <a:solidFill>
-                  <a:srgbClr val="FFFFFF"/>
-                </a:solidFill>
-              </a:rPr>
-              <a:t>you add another house salad to my order?</a:t>
+              <a:t>Could you also add a mango lassi to my order?</a:t>
             </a:r>
             <a:endParaRPr lang="en-US" sz="900" dirty="0">
               <a:solidFill>
@@ -28045,51 +33822,27 @@
             </a:r>
             <a:r>
               <a:rPr lang="en-US" sz="900" b="1" dirty="0" smtClean="0"/>
-              <a:t>House Salad </a:t>
+              <a:t>Mango Lassi </a:t>
             </a:r>
             <a:r>
               <a:rPr lang="en-US" sz="900" dirty="0" smtClean="0"/>
-              <a:t>to </a:t>
+              <a:t>to your order from </a:t>
+            </a:r>
+            <a:r>
+              <a:rPr lang="en-US" sz="900" b="1" dirty="0" smtClean="0"/>
+              <a:t>Little India</a:t>
             </a:r>
             <a:r>
               <a:rPr lang="en-US" sz="900" dirty="0" smtClean="0"/>
-              <a:t>your order </a:t>
+              <a:t>. The total price is now </a:t>
+            </a:r>
+            <a:r>
+              <a:rPr lang="en-US" sz="900" b="1" dirty="0" smtClean="0"/>
+              <a:t>$17.75.</a:t>
             </a:r>
             <a:r>
               <a:rPr lang="en-US" sz="900" dirty="0" smtClean="0"/>
-              <a:t>from </a:t>
-            </a:r>
-            <a:r>
-              <a:rPr lang="en-US" sz="900" b="1" dirty="0" err="1" smtClean="0"/>
-              <a:t>Firetrail</a:t>
-            </a:r>
-            <a:r>
-              <a:rPr lang="en-US" sz="900" b="1" dirty="0" smtClean="0"/>
-              <a:t> Pizza</a:t>
-            </a:r>
-            <a:r>
-              <a:rPr lang="en-US" sz="900" dirty="0" smtClean="0"/>
-              <a:t>. </a:t>
-            </a:r>
-            <a:r>
-              <a:rPr lang="en-US" sz="900" dirty="0" smtClean="0"/>
-              <a:t>The total price is now </a:t>
-            </a:r>
-            <a:r>
-              <a:rPr lang="en-US" sz="900" b="1" dirty="0"/>
-              <a:t>$48.98</a:t>
-            </a:r>
-            <a:r>
-              <a:rPr lang="en-US" sz="900" b="1" dirty="0" smtClean="0"/>
-              <a:t>.</a:t>
-            </a:r>
-            <a:r>
-              <a:rPr lang="en-US" sz="900" dirty="0" smtClean="0"/>
-              <a:t> </a:t>
-            </a:r>
-            <a:r>
-              <a:rPr lang="en-US" sz="900" dirty="0" smtClean="0"/>
-              <a:t>Would you like to place the order?</a:t>
+              <a:t> Would you like to place the order?</a:t>
             </a:r>
             <a:endParaRPr lang="en-US" sz="900" b="1" dirty="0"/>
           </a:p>
@@ -28150,16 +33903,8 @@
               <a:t>Great, your order from </a:t>
             </a:r>
             <a:r>
-              <a:rPr lang="en-US" sz="900" b="1" dirty="0" err="1" smtClean="0"/>
-              <a:t>Firetrail</a:t>
-            </a:r>
-            <a:r>
               <a:rPr lang="en-US" sz="900" b="1" dirty="0" smtClean="0"/>
-              <a:t> Pizz</a:t>
-            </a:r>
-            <a:r>
-              <a:rPr lang="en-US" sz="900" b="1" dirty="0" smtClean="0"/>
-              <a:t>a </a:t>
+              <a:t>Little India </a:t>
             </a:r>
             <a:r>
               <a:rPr lang="en-US" sz="900" dirty="0" smtClean="0"/>
@@ -28303,42 +34048,58 @@
           <a:lstStyle/>
           <a:p>
             <a:r>
-              <a:rPr lang="en-US" sz="900" dirty="0"/>
-              <a:t>Sure, I have 1 order of </a:t>
+              <a:rPr lang="en-US" sz="900" dirty="0" smtClean="0"/>
+              <a:t>Sure, I got the </a:t>
+            </a:r>
+            <a:r>
+              <a:rPr lang="en-US" sz="900" b="1" dirty="0" smtClean="0"/>
+              <a:t>Grilled Chicken Sandwich </a:t>
+            </a:r>
+            <a:r>
+              <a:rPr lang="en-US" sz="900" dirty="0" smtClean="0"/>
+              <a:t>on </a:t>
             </a:r>
             <a:r>
               <a:rPr lang="en-US" sz="900" b="1" dirty="0"/>
-              <a:t>Caesar Salad </a:t>
+              <a:t>s</a:t>
+            </a:r>
+            <a:r>
+              <a:rPr lang="en-US" sz="900" b="1" dirty="0" smtClean="0"/>
+              <a:t>ourdough </a:t>
+            </a:r>
+            <a:r>
+              <a:rPr lang="en-US" sz="900" b="1" dirty="0"/>
+              <a:t>b</a:t>
+            </a:r>
+            <a:r>
+              <a:rPr lang="en-US" sz="900" b="1" dirty="0" smtClean="0"/>
+              <a:t>read </a:t>
             </a:r>
             <a:r>
               <a:rPr lang="en-US" sz="900" dirty="0"/>
-              <a:t>and 1 order of </a:t>
-            </a:r>
-            <a:r>
-              <a:rPr lang="en-US" sz="900" b="1" dirty="0" smtClean="0"/>
-              <a:t>Veggie Wrap </a:t>
-            </a:r>
-            <a:r>
-              <a:rPr lang="en-US" sz="900" dirty="0" smtClean="0"/>
               <a:t>from </a:t>
             </a:r>
             <a:r>
               <a:rPr lang="en-US" sz="900" b="1" dirty="0"/>
-              <a:t>The Salad Place </a:t>
+              <a:t>Sam's Sandwiches &amp; </a:t>
             </a:r>
             <a:r>
-              <a:rPr lang="en-US" sz="900" dirty="0"/>
-              <a:t>for a total price of </a:t>
+              <a:rPr lang="en-US" sz="900" b="1" dirty="0" smtClean="0"/>
+              <a:t>Coffee </a:t>
             </a:r>
             <a:r>
-              <a:rPr lang="en-US" sz="900" b="1" dirty="0"/>
-              <a:t>$17.90</a:t>
+              <a:rPr lang="en-US" sz="900" dirty="0" smtClean="0"/>
+              <a:t>for a total price of</a:t>
             </a:r>
             <a:r>
-              <a:rPr lang="en-US" sz="900" dirty="0"/>
+              <a:rPr lang="en-US" sz="900" b="1" dirty="0" smtClean="0"/>
+              <a:t> $5.95</a:t>
+            </a:r>
+            <a:r>
+              <a:rPr lang="en-US" sz="900" dirty="0" smtClean="0"/>
               <a:t>. Would you like to place the order?</a:t>
             </a:r>
-            <a:endParaRPr lang="en-US" sz="900" dirty="0" smtClean="0"/>
+            <a:endParaRPr lang="en-US" sz="900" b="1" dirty="0"/>
           </a:p>
         </p:txBody>
       </p:sp>
@@ -28414,23 +34175,7 @@
             </a:r>
             <a:r>
               <a:rPr lang="en-US" sz="900" dirty="0" smtClean="0"/>
-              <a:t>Palmyra, </a:t>
-            </a:r>
-            <a:r>
-              <a:rPr lang="en-US" sz="900" dirty="0"/>
-              <a:t>Grandma's Deli &amp; </a:t>
-            </a:r>
-            <a:r>
-              <a:rPr lang="en-US" sz="900" dirty="0" smtClean="0"/>
-              <a:t>Café </a:t>
-            </a:r>
-            <a:r>
-              <a:rPr lang="en-US" sz="900" dirty="0" smtClean="0"/>
-              <a:t>and </a:t>
-            </a:r>
-            <a:r>
-              <a:rPr lang="en-US" sz="900" dirty="0" smtClean="0"/>
-              <a:t>Sallys.</a:t>
+              <a:t>Palmyra, Boulevard Cafe and Sallys.</a:t>
             </a:r>
             <a:endParaRPr lang="en-US" sz="900" dirty="0"/>
           </a:p>
@@ -28495,15 +34240,15 @@
                   <a:srgbClr val="FFFFFF"/>
                 </a:solidFill>
               </a:rPr>
-              <a:t>I would like a </a:t>
+              <a:t>I </a:t>
             </a:r>
             <a:r>
-              <a:rPr lang="en-US" sz="900" dirty="0" err="1">
+              <a:rPr lang="en-US" sz="900" dirty="0" smtClean="0">
                 <a:solidFill>
                   <a:srgbClr val="FFFFFF"/>
                 </a:solidFill>
               </a:rPr>
-              <a:t>ceasar</a:t>
+              <a:t>would like a </a:t>
             </a:r>
             <a:r>
               <a:rPr lang="en-US" sz="900" dirty="0">
@@ -28511,7 +34256,7 @@
                   <a:srgbClr val="FFFFFF"/>
                 </a:solidFill>
               </a:rPr>
-              <a:t> salad and a veggie wrap from t</a:t>
+              <a:t>grilled chicken sandwich with sourdough </a:t>
             </a:r>
             <a:r>
               <a:rPr lang="en-US" sz="900" dirty="0" smtClean="0">
@@ -28519,7 +34264,7 @@
                   <a:srgbClr val="FFFFFF"/>
                 </a:solidFill>
               </a:rPr>
-              <a:t>he </a:t>
+              <a:t>from </a:t>
             </a:r>
             <a:r>
               <a:rPr lang="en-US" sz="900" dirty="0">
@@ -28527,37 +34272,8 @@
                   <a:srgbClr val="FFFFFF"/>
                 </a:solidFill>
               </a:rPr>
-              <a:t>s</a:t>
+              <a:t>Sams.</a:t>
             </a:r>
-            <a:r>
-              <a:rPr lang="en-US" sz="900" dirty="0" smtClean="0">
-                <a:solidFill>
-                  <a:srgbClr val="FFFFFF"/>
-                </a:solidFill>
-              </a:rPr>
-              <a:t>alad </a:t>
-            </a:r>
-            <a:r>
-              <a:rPr lang="en-US" sz="900" dirty="0">
-                <a:solidFill>
-                  <a:srgbClr val="FFFFFF"/>
-                </a:solidFill>
-              </a:rPr>
-              <a:t>p</a:t>
-            </a:r>
-            <a:r>
-              <a:rPr lang="en-US" sz="900" dirty="0" smtClean="0">
-                <a:solidFill>
-                  <a:srgbClr val="FFFFFF"/>
-                </a:solidFill>
-              </a:rPr>
-              <a:t>lace.</a:t>
-            </a:r>
-            <a:endParaRPr lang="en-US" sz="900" dirty="0">
-              <a:solidFill>
-                <a:srgbClr val="FFFFFF"/>
-              </a:solidFill>
-            </a:endParaRPr>
           </a:p>
         </p:txBody>
       </p:sp>
@@ -28699,16 +34415,12 @@
               <a:t>Great, your order from </a:t>
             </a:r>
             <a:r>
-              <a:rPr lang="en-US" sz="900" b="1" dirty="0"/>
-              <a:t>The Salad Place</a:t>
+              <a:rPr lang="en-US" sz="900" b="1" dirty="0" smtClean="0"/>
+              <a:t>Sam’s Sandwiches &amp; Coffee</a:t>
             </a:r>
             <a:r>
               <a:rPr lang="en-US" sz="900" dirty="0" smtClean="0"/>
-              <a:t> </a:t>
-            </a:r>
-            <a:r>
-              <a:rPr lang="en-US" sz="900" dirty="0" smtClean="0"/>
-              <a:t>will </a:t>
+              <a:t> will </a:t>
             </a:r>
             <a:r>
               <a:rPr lang="en-US" sz="900" dirty="0"/>

--- a/docs/source/images/images.pptx
+++ b/docs/source/images/images.pptx
@@ -5,7 +5,7 @@
     <p:sldMasterId id="2147483648" r:id="rId1"/>
   </p:sldMasterIdLst>
   <p:notesMasterIdLst>
-    <p:notesMasterId r:id="rId22"/>
+    <p:notesMasterId r:id="rId21"/>
   </p:notesMasterIdLst>
   <p:sldIdLst>
     <p:sldId id="272" r:id="rId2"/>
@@ -26,8 +26,7 @@
     <p:sldId id="265" r:id="rId17"/>
     <p:sldId id="273" r:id="rId18"/>
     <p:sldId id="276" r:id="rId19"/>
-    <p:sldId id="281" r:id="rId20"/>
-    <p:sldId id="282" r:id="rId21"/>
+    <p:sldId id="285" r:id="rId20"/>
   </p:sldIdLst>
   <p:sldSz cx="9144000" cy="6858000" type="screen4x3"/>
   <p:notesSz cx="6858000" cy="9144000"/>
@@ -1383,160 +1382,7 @@
     </p:spTree>
     <p:extLst>
       <p:ext uri="{BB962C8B-B14F-4D97-AF65-F5344CB8AC3E}">
-        <p14:creationId xmlns:p14="http://schemas.microsoft.com/office/powerpoint/2010/main" val="954188502"/>
-      </p:ext>
-    </p:extLst>
-  </p:cSld>
-  <p:clrMapOvr>
-    <a:masterClrMapping/>
-  </p:clrMapOvr>
-</p:notes>
-</file>
-
-<file path=ppt/notesSlides/notesSlide9.xml><?xml version="1.0" encoding="utf-8"?>
-<p:notes xmlns:a="http://schemas.openxmlformats.org/drawingml/2006/main" xmlns:r="http://schemas.openxmlformats.org/officeDocument/2006/relationships" xmlns:p="http://schemas.openxmlformats.org/presentationml/2006/main">
-  <p:cSld>
-    <p:spTree>
-      <p:nvGrpSpPr>
-        <p:cNvPr id="1" name=""/>
-        <p:cNvGrpSpPr/>
-        <p:nvPr/>
-      </p:nvGrpSpPr>
-      <p:grpSpPr>
-        <a:xfrm>
-          <a:off x="0" y="0"/>
-          <a:ext cx="0" cy="0"/>
-          <a:chOff x="0" y="0"/>
-          <a:chExt cx="0" cy="0"/>
-        </a:xfrm>
-      </p:grpSpPr>
-      <p:sp>
-        <p:nvSpPr>
-          <p:cNvPr id="2" name="Slide Image Placeholder 1"/>
-          <p:cNvSpPr>
-            <a:spLocks noGrp="1" noRot="1" noChangeAspect="1"/>
-          </p:cNvSpPr>
-          <p:nvPr>
-            <p:ph type="sldImg"/>
-          </p:nvPr>
-        </p:nvSpPr>
-        <p:spPr/>
-      </p:sp>
-      <p:sp>
-        <p:nvSpPr>
-          <p:cNvPr id="3" name="Notes Placeholder 2"/>
-          <p:cNvSpPr>
-            <a:spLocks noGrp="1"/>
-          </p:cNvSpPr>
-          <p:nvPr>
-            <p:ph type="body" idx="1"/>
-          </p:nvPr>
-        </p:nvSpPr>
-        <p:spPr/>
-        <p:txBody>
-          <a:bodyPr/>
-          <a:lstStyle/>
-          <a:p>
-            <a:pPr marL="171450" indent="-171450">
-              <a:buFont typeface="Arial" charset="0"/>
-              <a:buChar char="•"/>
-            </a:pPr>
-            <a:r>
-              <a:rPr lang="is-IS" baseline="0" dirty="0" smtClean="0"/>
-              <a:t>Parser function: Relations, Entity Groups</a:t>
-            </a:r>
-          </a:p>
-          <a:p>
-            <a:pPr marL="171450" indent="-171450">
-              <a:buFont typeface="Arial" charset="0"/>
-              <a:buChar char="•"/>
-            </a:pPr>
-            <a:r>
-              <a:rPr lang="is-IS" baseline="0" dirty="0" smtClean="0"/>
-              <a:t>Quantity 1, Size: Large </a:t>
-            </a:r>
-            <a:r>
-              <a:rPr lang="is-IS" baseline="0" dirty="0" smtClean="0">
-                <a:sym typeface="Wingdings"/>
-              </a:rPr>
-              <a:t> Squishee</a:t>
-            </a:r>
-          </a:p>
-          <a:p>
-            <a:pPr marL="171450" indent="-171450">
-              <a:buFont typeface="Arial" charset="0"/>
-              <a:buChar char="•"/>
-            </a:pPr>
-            <a:r>
-              <a:rPr lang="is-IS" baseline="0" dirty="0" smtClean="0">
-                <a:sym typeface="Wingdings"/>
-              </a:rPr>
-              <a:t>Separate order of donuts </a:t>
-            </a:r>
-          </a:p>
-          <a:p>
-            <a:pPr marL="171450" indent="-171450">
-              <a:buFont typeface="Arial" charset="0"/>
-              <a:buChar char="•"/>
-            </a:pPr>
-            <a:r>
-              <a:rPr lang="is-IS" baseline="0" dirty="0" smtClean="0">
-                <a:sym typeface="Wingdings"/>
-              </a:rPr>
-              <a:t>Requested store</a:t>
-            </a:r>
-          </a:p>
-          <a:p>
-            <a:pPr marL="171450" indent="-171450">
-              <a:buFont typeface="Arial" charset="0"/>
-              <a:buChar char="•"/>
-            </a:pPr>
-            <a:r>
-              <a:rPr lang="is-IS" baseline="0" dirty="0" smtClean="0">
-                <a:sym typeface="Wingdings"/>
-              </a:rPr>
-              <a:t>All info to fulfill request, e.g. POS system</a:t>
-            </a:r>
-            <a:endParaRPr lang="is-IS" baseline="0" dirty="0" smtClean="0"/>
-          </a:p>
-        </p:txBody>
-      </p:sp>
-      <p:sp>
-        <p:nvSpPr>
-          <p:cNvPr id="4" name="Slide Number Placeholder 3"/>
-          <p:cNvSpPr>
-            <a:spLocks noGrp="1"/>
-          </p:cNvSpPr>
-          <p:nvPr>
-            <p:ph type="sldNum" sz="quarter" idx="10"/>
-          </p:nvPr>
-        </p:nvSpPr>
-        <p:spPr/>
-        <p:txBody>
-          <a:bodyPr/>
-          <a:lstStyle/>
-          <a:p>
-            <a:fld id="{DA19B0A4-E9CB-B047-A1DB-D605C59043BA}" type="slidenum">
-              <a:rPr lang="en-US" smtClean="0">
-                <a:solidFill>
-                  <a:prstClr val="black"/>
-                </a:solidFill>
-              </a:rPr>
-              <a:pPr/>
-              <a:t>20</a:t>
-            </a:fld>
-            <a:endParaRPr lang="en-US">
-              <a:solidFill>
-                <a:prstClr val="black"/>
-              </a:solidFill>
-            </a:endParaRPr>
-          </a:p>
-        </p:txBody>
-      </p:sp>
-    </p:spTree>
-    <p:extLst>
-      <p:ext uri="{BB962C8B-B14F-4D97-AF65-F5344CB8AC3E}">
-        <p14:creationId xmlns:p14="http://schemas.microsoft.com/office/powerpoint/2010/main" val="1877257926"/>
+        <p14:creationId xmlns:p14="http://schemas.microsoft.com/office/powerpoint/2010/main" val="1136009165"/>
       </p:ext>
     </p:extLst>
   </p:cSld>
@@ -26169,30 +26015,101 @@
           <a:chExt cx="0" cy="0"/>
         </a:xfrm>
       </p:grpSpPr>
+      <p:sp>
+        <p:nvSpPr>
+          <p:cNvPr id="3" name="Footer Placeholder 2"/>
+          <p:cNvSpPr>
+            <a:spLocks noGrp="1"/>
+          </p:cNvSpPr>
+          <p:nvPr>
+            <p:ph type="ftr" sz="quarter" idx="11"/>
+          </p:nvPr>
+        </p:nvSpPr>
+        <p:spPr/>
+        <p:txBody>
+          <a:bodyPr/>
+          <a:lstStyle/>
+          <a:p>
+            <a:r>
+              <a:rPr lang="en-US" smtClean="0">
+                <a:solidFill>
+                  <a:prstClr val="black">
+                    <a:tint val="75000"/>
+                  </a:prstClr>
+                </a:solidFill>
+              </a:rPr>
+              <a:t>PROPRIETARY &amp; CONFIDENTIAL</a:t>
+            </a:r>
+            <a:endParaRPr lang="en-US">
+              <a:solidFill>
+                <a:prstClr val="black">
+                  <a:tint val="75000"/>
+                </a:prstClr>
+              </a:solidFill>
+            </a:endParaRPr>
+          </a:p>
+        </p:txBody>
+      </p:sp>
+      <p:sp>
+        <p:nvSpPr>
+          <p:cNvPr id="2" name="Slide Number Placeholder 1"/>
+          <p:cNvSpPr>
+            <a:spLocks noGrp="1"/>
+          </p:cNvSpPr>
+          <p:nvPr>
+            <p:ph type="sldNum" sz="quarter" idx="12"/>
+          </p:nvPr>
+        </p:nvSpPr>
+        <p:spPr/>
+        <p:txBody>
+          <a:bodyPr/>
+          <a:lstStyle/>
+          <a:p>
+            <a:fld id="{D01B2998-00A9-9E41-AB29-A15A35C12BAC}" type="slidenum">
+              <a:rPr lang="en-US" smtClean="0">
+                <a:solidFill>
+                  <a:prstClr val="black">
+                    <a:tint val="75000"/>
+                  </a:prstClr>
+                </a:solidFill>
+              </a:rPr>
+              <a:pPr/>
+              <a:t>19</a:t>
+            </a:fld>
+            <a:endParaRPr lang="en-US">
+              <a:solidFill>
+                <a:prstClr val="black">
+                  <a:tint val="75000"/>
+                </a:prstClr>
+              </a:solidFill>
+            </a:endParaRPr>
+          </a:p>
+        </p:txBody>
+      </p:sp>
       <p:grpSp>
         <p:nvGrpSpPr>
-          <p:cNvPr id="29" name="Group 28"/>
+          <p:cNvPr id="33" name="Group 32"/>
           <p:cNvGrpSpPr/>
           <p:nvPr/>
         </p:nvGrpSpPr>
         <p:grpSpPr>
           <a:xfrm>
-            <a:off x="177242" y="1001262"/>
-            <a:ext cx="8519377" cy="5021651"/>
-            <a:chOff x="177242" y="1001262"/>
-            <a:chExt cx="8519377" cy="5021651"/>
+            <a:off x="123783" y="358184"/>
+            <a:ext cx="8186551" cy="5770641"/>
+            <a:chOff x="123783" y="1001654"/>
+            <a:chExt cx="8186551" cy="5770641"/>
           </a:xfrm>
         </p:grpSpPr>
         <p:sp>
           <p:nvSpPr>
-            <p:cNvPr id="73" name="Rounded Rectangle 72"/>
+            <p:cNvPr id="34" name="Rounded Rectangle 33"/>
             <p:cNvSpPr/>
             <p:nvPr/>
           </p:nvSpPr>
           <p:spPr>
             <a:xfrm>
-              <a:off x="967011" y="1001262"/>
-              <a:ext cx="7729608" cy="411076"/>
+              <a:off x="1336357" y="1001654"/>
+              <a:ext cx="6973977" cy="411076"/>
             </a:xfrm>
             <a:prstGeom prst="roundRect">
               <a:avLst>
@@ -26238,7 +26155,7 @@
                   </a:solidFill>
                   <a:cs typeface="Arial Narrow"/>
                 </a:rPr>
-                <a:t>“Two tall lattes, decaf, and a small café mocha with whipped </a:t>
+                <a:t>“I’d like to order a pepperoni pizza with extra cheese, a </a:t>
               </a:r>
               <a:r>
                 <a:rPr lang="en-US" sz="1400" dirty="0" smtClean="0">
@@ -26247,7 +26164,7 @@
                   </a:solidFill>
                   <a:cs typeface="Arial Narrow"/>
                 </a:rPr>
-                <a:t>cream”</a:t>
+                <a:t>calzone and two diet coke.”</a:t>
               </a:r>
               <a:endParaRPr lang="en-US" sz="1400" dirty="0">
                 <a:solidFill>
@@ -26260,7 +26177,7 @@
         </p:sp>
         <p:sp>
           <p:nvSpPr>
-            <p:cNvPr id="74" name="TextBox 73"/>
+            <p:cNvPr id="35" name="TextBox 34"/>
             <p:cNvSpPr txBox="1"/>
             <p:nvPr/>
           </p:nvSpPr>
@@ -26302,13 +26219,13 @@
         </p:sp>
         <p:sp>
           <p:nvSpPr>
-            <p:cNvPr id="75" name="TextBox 74"/>
+            <p:cNvPr id="36" name="TextBox 35"/>
             <p:cNvSpPr txBox="1"/>
             <p:nvPr/>
           </p:nvSpPr>
           <p:spPr>
             <a:xfrm>
-              <a:off x="177242" y="2437249"/>
+              <a:off x="123783" y="2369478"/>
               <a:ext cx="920830" cy="461665"/>
             </a:xfrm>
             <a:prstGeom prst="rect">
@@ -26362,35 +26279,116 @@
                   <a:latin typeface="Arial Narrow"/>
                   <a:cs typeface="Arial Narrow"/>
                 </a:rPr>
-                <a:t>#1</a:t>
+                <a:t>1</a:t>
               </a:r>
+              <a:endParaRPr lang="en-US" sz="1200" b="1" dirty="0" smtClean="0">
+                <a:solidFill>
+                  <a:srgbClr val="A6A6A6"/>
+                </a:solidFill>
+                <a:latin typeface="Arial Narrow"/>
+                <a:cs typeface="Arial Narrow"/>
+              </a:endParaRPr>
+            </a:p>
+          </p:txBody>
+        </p:sp>
+        <p:sp>
+          <p:nvSpPr>
+            <p:cNvPr id="37" name="TextBox 36"/>
+            <p:cNvSpPr txBox="1"/>
+            <p:nvPr/>
+          </p:nvSpPr>
+          <p:spPr>
+            <a:xfrm>
+              <a:off x="177242" y="3866905"/>
+              <a:ext cx="920830" cy="461665"/>
+            </a:xfrm>
+            <a:prstGeom prst="rect">
+              <a:avLst/>
+            </a:prstGeom>
+            <a:noFill/>
+          </p:spPr>
+          <p:txBody>
+            <a:bodyPr wrap="none" rtlCol="0">
+              <a:spAutoFit/>
+            </a:bodyPr>
+            <a:lstStyle/>
+            <a:p>
+              <a:r>
+                <a:rPr lang="en-US" sz="1200" b="1" dirty="0" smtClean="0">
+                  <a:solidFill>
+                    <a:srgbClr val="A6A6A6"/>
+                  </a:solidFill>
+                  <a:latin typeface="Arial Narrow"/>
+                  <a:cs typeface="Arial Narrow"/>
+                </a:rPr>
+                <a:t>CANDIDATE</a:t>
+              </a:r>
+            </a:p>
+            <a:p>
+              <a:r>
+                <a:rPr lang="en-US" sz="1200" b="1" dirty="0" smtClean="0">
+                  <a:solidFill>
+                    <a:srgbClr val="A6A6A6"/>
+                  </a:solidFill>
+                  <a:latin typeface="Arial Narrow"/>
+                  <a:cs typeface="Arial Narrow"/>
+                </a:rPr>
+                <a:t>PARSE</a:t>
+              </a:r>
+              <a:r>
+                <a:rPr lang="en-US" sz="1200" b="1" dirty="0">
+                  <a:solidFill>
+                    <a:srgbClr val="A6A6A6"/>
+                  </a:solidFill>
+                  <a:latin typeface="Arial Narrow"/>
+                  <a:cs typeface="Arial Narrow"/>
+                </a:rPr>
+                <a:t> </a:t>
+              </a:r>
+              <a:r>
+                <a:rPr lang="en-US" sz="1200" b="1" dirty="0" smtClean="0">
+                  <a:solidFill>
+                    <a:srgbClr val="A6A6A6"/>
+                  </a:solidFill>
+                  <a:latin typeface="Arial Narrow"/>
+                  <a:cs typeface="Arial Narrow"/>
+                </a:rPr>
+                <a:t>2</a:t>
+              </a:r>
+              <a:endParaRPr lang="en-US" sz="1200" b="1" dirty="0" smtClean="0">
+                <a:solidFill>
+                  <a:srgbClr val="A6A6A6"/>
+                </a:solidFill>
+                <a:latin typeface="Arial Narrow"/>
+                <a:cs typeface="Arial Narrow"/>
+              </a:endParaRPr>
             </a:p>
           </p:txBody>
         </p:sp>
         <p:grpSp>
           <p:nvGrpSpPr>
-            <p:cNvPr id="28" name="Group 27"/>
+            <p:cNvPr id="38" name="Group 37"/>
             <p:cNvGrpSpPr/>
             <p:nvPr/>
           </p:nvGrpSpPr>
           <p:grpSpPr>
             <a:xfrm>
-              <a:off x="1545021" y="1619978"/>
-              <a:ext cx="6556657" cy="2096208"/>
-              <a:chOff x="1545021" y="1619978"/>
-              <a:chExt cx="6556657" cy="2096208"/>
+              <a:off x="1545018" y="5195496"/>
+              <a:ext cx="6556657" cy="1576799"/>
+              <a:chOff x="1545021" y="1619977"/>
+              <a:chExt cx="6556657" cy="1576799"/>
             </a:xfrm>
           </p:grpSpPr>
           <p:sp>
             <p:nvSpPr>
-              <p:cNvPr id="71" name="Rounded Rectangle 70"/>
+              <p:cNvPr id="76" name="Rounded Rectangle 75"/>
               <p:cNvSpPr/>
               <p:nvPr/>
             </p:nvSpPr>
             <p:spPr>
               <a:xfrm>
-                <a:off x="1545021" y="1619978"/>
-                <a:ext cx="6556657" cy="2096208"/>
+                <a:off x="1545021" y="1619977"/>
+                <a:ext cx="6556657" cy="1576799"/>
               </a:xfrm>
               <a:prstGeom prst="roundRect">
                 <a:avLst>
@@ -26432,7 +26430,7 @@
           </p:sp>
           <p:sp>
             <p:nvSpPr>
-              <p:cNvPr id="76" name="TextBox 75"/>
+              <p:cNvPr id="77" name="TextBox 76"/>
               <p:cNvSpPr txBox="1"/>
               <p:nvPr/>
             </p:nvSpPr>
@@ -26487,8 +26485,8 @@
             </p:nvSpPr>
             <p:spPr>
               <a:xfrm>
-                <a:off x="1640324" y="1991178"/>
-                <a:ext cx="2340238" cy="1591839"/>
+                <a:off x="1640324" y="1991179"/>
+                <a:ext cx="2340238" cy="1057886"/>
               </a:xfrm>
               <a:prstGeom prst="rect">
                 <a:avLst/>
@@ -26524,205 +26522,16 @@
               </a:p>
             </p:txBody>
           </p:sp>
-          <p:cxnSp>
-            <p:nvCxnSpPr>
-              <p:cNvPr id="79" name="Straight Connector 78"/>
-              <p:cNvCxnSpPr/>
-              <p:nvPr/>
-            </p:nvCxnSpPr>
-            <p:spPr>
-              <a:xfrm>
-                <a:off x="1972859" y="2522743"/>
-                <a:ext cx="196210" cy="0"/>
-              </a:xfrm>
-              <a:prstGeom prst="line">
-                <a:avLst/>
-              </a:prstGeom>
-              <a:ln w="6350">
-                <a:solidFill>
-                  <a:srgbClr val="2C74A5"/>
-                </a:solidFill>
-              </a:ln>
-            </p:spPr>
-            <p:style>
-              <a:lnRef idx="1">
-                <a:schemeClr val="dk1"/>
-              </a:lnRef>
-              <a:fillRef idx="0">
-                <a:schemeClr val="dk1"/>
-              </a:fillRef>
-              <a:effectRef idx="0">
-                <a:schemeClr val="dk1"/>
-              </a:effectRef>
-              <a:fontRef idx="minor">
-                <a:schemeClr val="tx1"/>
-              </a:fontRef>
-            </p:style>
-          </p:cxnSp>
-          <p:cxnSp>
-            <p:nvCxnSpPr>
-              <p:cNvPr id="80" name="Straight Connector 79"/>
-              <p:cNvCxnSpPr/>
-              <p:nvPr/>
-            </p:nvCxnSpPr>
-            <p:spPr>
-              <a:xfrm>
-                <a:off x="1970704" y="2287684"/>
-                <a:ext cx="2155" cy="895748"/>
-              </a:xfrm>
-              <a:prstGeom prst="line">
-                <a:avLst/>
-              </a:prstGeom>
-              <a:ln w="6350">
-                <a:solidFill>
-                  <a:srgbClr val="2C74A5"/>
-                </a:solidFill>
-              </a:ln>
-            </p:spPr>
-            <p:style>
-              <a:lnRef idx="1">
-                <a:schemeClr val="dk1"/>
-              </a:lnRef>
-              <a:fillRef idx="0">
-                <a:schemeClr val="dk1"/>
-              </a:fillRef>
-              <a:effectRef idx="0">
-                <a:schemeClr val="dk1"/>
-              </a:effectRef>
-              <a:fontRef idx="minor">
-                <a:schemeClr val="tx1"/>
-              </a:fontRef>
-            </p:style>
-          </p:cxnSp>
-          <p:cxnSp>
-            <p:nvCxnSpPr>
-              <p:cNvPr id="81" name="Straight Connector 80"/>
-              <p:cNvCxnSpPr/>
-              <p:nvPr/>
-            </p:nvCxnSpPr>
-            <p:spPr>
-              <a:xfrm>
-                <a:off x="1972859" y="2853088"/>
-                <a:ext cx="196210" cy="0"/>
-              </a:xfrm>
-              <a:prstGeom prst="line">
-                <a:avLst/>
-              </a:prstGeom>
-              <a:ln w="6350">
-                <a:solidFill>
-                  <a:srgbClr val="2C74A5"/>
-                </a:solidFill>
-              </a:ln>
-            </p:spPr>
-            <p:style>
-              <a:lnRef idx="1">
-                <a:schemeClr val="dk1"/>
-              </a:lnRef>
-              <a:fillRef idx="0">
-                <a:schemeClr val="dk1"/>
-              </a:fillRef>
-              <a:effectRef idx="0">
-                <a:schemeClr val="dk1"/>
-              </a:effectRef>
-              <a:fontRef idx="minor">
-                <a:schemeClr val="tx1"/>
-              </a:fontRef>
-            </p:style>
-          </p:cxnSp>
           <p:sp>
             <p:nvSpPr>
-              <p:cNvPr id="82" name="Rounded Rectangle 81"/>
+              <p:cNvPr id="79" name="Rounded Rectangle 78"/>
               <p:cNvSpPr/>
               <p:nvPr/>
             </p:nvSpPr>
             <p:spPr>
               <a:xfrm>
-                <a:off x="2111276" y="2726866"/>
-                <a:ext cx="1486039" cy="243396"/>
-              </a:xfrm>
-              <a:prstGeom prst="roundRect">
-                <a:avLst>
-                  <a:gd name="adj" fmla="val 50000"/>
-                </a:avLst>
-              </a:prstGeom>
-              <a:solidFill>
-                <a:schemeClr val="bg1"/>
-              </a:solidFill>
-              <a:ln w="6350">
-                <a:solidFill>
-                  <a:srgbClr val="2C74A5"/>
-                </a:solidFill>
-              </a:ln>
-            </p:spPr>
-            <p:style>
-              <a:lnRef idx="2">
-                <a:schemeClr val="dk1"/>
-              </a:lnRef>
-              <a:fillRef idx="1">
-                <a:schemeClr val="lt1"/>
-              </a:fillRef>
-              <a:effectRef idx="0">
-                <a:schemeClr val="dk1"/>
-              </a:effectRef>
-              <a:fontRef idx="minor">
-                <a:schemeClr val="dk1"/>
-              </a:fontRef>
-            </p:style>
-            <p:txBody>
-              <a:bodyPr lIns="182880" rIns="36576" rtlCol="0" anchor="ctr"/>
-              <a:lstStyle/>
-              <a:p>
-                <a:pPr>
-                  <a:spcAft>
-                    <a:spcPts val="600"/>
-                  </a:spcAft>
-                </a:pPr>
-                <a:r>
-                  <a:rPr lang="en-US" sz="800" dirty="0">
-                    <a:solidFill>
-                      <a:srgbClr val="E84C3B"/>
-                    </a:solidFill>
-                    <a:cs typeface="Arial Narrow"/>
-                  </a:rPr>
-                  <a:t>SIZE:</a:t>
-                </a:r>
-                <a:r>
-                  <a:rPr lang="en-US" sz="800" dirty="0">
-                    <a:solidFill>
-                      <a:srgbClr val="0070C0"/>
-                    </a:solidFill>
-                    <a:cs typeface="Arial Narrow"/>
-                  </a:rPr>
-                  <a:t> </a:t>
-                </a:r>
-                <a:r>
-                  <a:rPr lang="en-US" sz="800" b="1" dirty="0" smtClean="0">
-                    <a:solidFill>
-                      <a:srgbClr val="2C74A5"/>
-                    </a:solidFill>
-                    <a:cs typeface="Arial Narrow"/>
-                  </a:rPr>
-                  <a:t>TALL</a:t>
-                </a:r>
-                <a:endParaRPr lang="en-US" sz="800" b="1" dirty="0">
-                  <a:solidFill>
-                    <a:srgbClr val="2C74A5"/>
-                  </a:solidFill>
-                  <a:cs typeface="Arial Narrow"/>
-                </a:endParaRPr>
-              </a:p>
-            </p:txBody>
-          </p:sp>
-          <p:sp>
-            <p:nvSpPr>
-              <p:cNvPr id="83" name="Rounded Rectangle 82"/>
-              <p:cNvSpPr/>
-              <p:nvPr/>
-            </p:nvSpPr>
-            <p:spPr>
-              <a:xfrm>
-                <a:off x="1710414" y="2059521"/>
-                <a:ext cx="2226201" cy="243396"/>
+                <a:off x="1710415" y="2059521"/>
+                <a:ext cx="1588460" cy="243396"/>
               </a:xfrm>
               <a:prstGeom prst="roundRect">
                 <a:avLst>
@@ -26786,7 +26595,7 @@
                     </a:solidFill>
                     <a:cs typeface="Arial Narrow"/>
                   </a:rPr>
-                  <a:t>LATTES</a:t>
+                  <a:t>PEPPERONI PIZZA</a:t>
                 </a:r>
                 <a:endParaRPr lang="en-US" sz="800" b="1" dirty="0">
                   <a:solidFill>
@@ -26799,98 +26608,14 @@
           </p:sp>
           <p:sp>
             <p:nvSpPr>
-              <p:cNvPr id="84" name="Rounded Rectangle 83"/>
-              <p:cNvSpPr/>
-              <p:nvPr/>
-            </p:nvSpPr>
-            <p:spPr>
-              <a:xfrm>
-                <a:off x="2111281" y="2399173"/>
-                <a:ext cx="1486039" cy="243396"/>
-              </a:xfrm>
-              <a:prstGeom prst="roundRect">
-                <a:avLst>
-                  <a:gd name="adj" fmla="val 50000"/>
-                </a:avLst>
-              </a:prstGeom>
-              <a:solidFill>
-                <a:schemeClr val="bg1"/>
-              </a:solidFill>
-              <a:ln w="6350">
-                <a:solidFill>
-                  <a:srgbClr val="2C74A5"/>
-                </a:solidFill>
-              </a:ln>
-            </p:spPr>
-            <p:style>
-              <a:lnRef idx="2">
-                <a:schemeClr val="dk1"/>
-              </a:lnRef>
-              <a:fillRef idx="1">
-                <a:schemeClr val="lt1"/>
-              </a:fillRef>
-              <a:effectRef idx="0">
-                <a:schemeClr val="dk1"/>
-              </a:effectRef>
-              <a:fontRef idx="minor">
-                <a:schemeClr val="dk1"/>
-              </a:fontRef>
-            </p:style>
-            <p:txBody>
-              <a:bodyPr lIns="182880" rIns="36576" rtlCol="0" anchor="ctr"/>
-              <a:lstStyle/>
-              <a:p>
-                <a:pPr>
-                  <a:spcAft>
-                    <a:spcPts val="600"/>
-                  </a:spcAft>
-                </a:pPr>
-                <a:r>
-                  <a:rPr lang="en-US" sz="800" dirty="0">
-                    <a:solidFill>
-                      <a:srgbClr val="E84C3B"/>
-                    </a:solidFill>
-                    <a:cs typeface="Arial Narrow"/>
-                  </a:rPr>
-                  <a:t>QUANTITY:</a:t>
-                </a:r>
-                <a:r>
-                  <a:rPr lang="en-US" sz="800" dirty="0">
-                    <a:solidFill>
-                      <a:srgbClr val="0070C0"/>
-                    </a:solidFill>
-                    <a:cs typeface="Arial Narrow"/>
-                  </a:rPr>
-                  <a:t> </a:t>
-                </a:r>
-                <a:r>
-                  <a:rPr lang="en-US" sz="800" b="1" dirty="0" smtClean="0">
-                    <a:solidFill>
-                      <a:srgbClr val="2C74A5"/>
-                    </a:solidFill>
-                    <a:cs typeface="Arial Narrow"/>
-                  </a:rPr>
-                  <a:t>TWO</a:t>
-                </a:r>
-                <a:endParaRPr lang="en-US" sz="800" b="1" dirty="0">
-                  <a:solidFill>
-                    <a:srgbClr val="2C74A5"/>
-                  </a:solidFill>
-                  <a:cs typeface="Arial Narrow"/>
-                </a:endParaRPr>
-              </a:p>
-            </p:txBody>
-          </p:sp>
-          <p:sp>
-            <p:nvSpPr>
-              <p:cNvPr id="86" name="Rectangle 85"/>
+              <p:cNvPr id="80" name="Rectangle 79"/>
               <p:cNvSpPr/>
               <p:nvPr/>
             </p:nvSpPr>
             <p:spPr>
               <a:xfrm>
                 <a:off x="4049025" y="1989281"/>
-                <a:ext cx="2144647" cy="1593736"/>
+                <a:ext cx="2144647" cy="1059784"/>
               </a:xfrm>
               <a:prstGeom prst="rect">
                 <a:avLst/>
@@ -26928,7 +26653,7 @@
           </p:sp>
           <p:cxnSp>
             <p:nvCxnSpPr>
-              <p:cNvPr id="87" name="Straight Connector 86"/>
+              <p:cNvPr id="81" name="Straight Connector 80"/>
               <p:cNvCxnSpPr/>
               <p:nvPr/>
             </p:nvCxnSpPr>
@@ -26963,14 +26688,14 @@
           </p:cxnSp>
           <p:cxnSp>
             <p:nvCxnSpPr>
-              <p:cNvPr id="88" name="Straight Connector 87"/>
+              <p:cNvPr id="82" name="Straight Connector 81"/>
               <p:cNvCxnSpPr/>
               <p:nvPr/>
             </p:nvCxnSpPr>
             <p:spPr>
               <a:xfrm>
-                <a:off x="4379933" y="2300959"/>
-                <a:ext cx="0" cy="566424"/>
+                <a:off x="4379933" y="2322949"/>
+                <a:ext cx="0" cy="554724"/>
               </a:xfrm>
               <a:prstGeom prst="line">
                 <a:avLst/>
@@ -26998,98 +26723,14 @@
           </p:cxnSp>
           <p:sp>
             <p:nvSpPr>
-              <p:cNvPr id="89" name="Rounded Rectangle 88"/>
-              <p:cNvSpPr/>
-              <p:nvPr/>
-            </p:nvSpPr>
-            <p:spPr>
-              <a:xfrm>
-                <a:off x="4538799" y="2399173"/>
-                <a:ext cx="1613741" cy="243396"/>
-              </a:xfrm>
-              <a:prstGeom prst="roundRect">
-                <a:avLst>
-                  <a:gd name="adj" fmla="val 50000"/>
-                </a:avLst>
-              </a:prstGeom>
-              <a:solidFill>
-                <a:schemeClr val="bg1"/>
-              </a:solidFill>
-              <a:ln w="6350">
-                <a:solidFill>
-                  <a:srgbClr val="2C74A5"/>
-                </a:solidFill>
-              </a:ln>
-            </p:spPr>
-            <p:style>
-              <a:lnRef idx="2">
-                <a:schemeClr val="dk1"/>
-              </a:lnRef>
-              <a:fillRef idx="1">
-                <a:schemeClr val="lt1"/>
-              </a:fillRef>
-              <a:effectRef idx="0">
-                <a:schemeClr val="dk1"/>
-              </a:effectRef>
-              <a:fontRef idx="minor">
-                <a:schemeClr val="dk1"/>
-              </a:fontRef>
-            </p:style>
-            <p:txBody>
-              <a:bodyPr lIns="182880" rIns="36576" rtlCol="0" anchor="ctr"/>
-              <a:lstStyle/>
-              <a:p>
-                <a:pPr>
-                  <a:spcAft>
-                    <a:spcPts val="600"/>
-                  </a:spcAft>
-                </a:pPr>
-                <a:r>
-                  <a:rPr lang="en-US" sz="800" dirty="0" smtClean="0">
-                    <a:solidFill>
-                      <a:srgbClr val="E84C3B"/>
-                    </a:solidFill>
-                    <a:cs typeface="Arial Narrow"/>
-                  </a:rPr>
-                  <a:t>SIZE:</a:t>
-                </a:r>
-                <a:r>
-                  <a:rPr lang="en-US" sz="800" dirty="0" smtClean="0">
-                    <a:solidFill>
-                      <a:srgbClr val="0070C0"/>
-                    </a:solidFill>
-                    <a:cs typeface="Arial Narrow"/>
-                  </a:rPr>
-                  <a:t> </a:t>
-                </a:r>
-                <a:r>
-                  <a:rPr lang="en-US" sz="800" b="1" dirty="0" smtClean="0">
-                    <a:solidFill>
-                      <a:srgbClr val="2C74A5"/>
-                    </a:solidFill>
-                    <a:cs typeface="Arial Narrow"/>
-                  </a:rPr>
-                  <a:t>SMALL</a:t>
-                </a:r>
-                <a:endParaRPr lang="en-US" sz="800" b="1" dirty="0">
-                  <a:solidFill>
-                    <a:srgbClr val="2C74A5"/>
-                  </a:solidFill>
-                  <a:cs typeface="Arial Narrow"/>
-                </a:endParaRPr>
-              </a:p>
-            </p:txBody>
-          </p:sp>
-          <p:sp>
-            <p:nvSpPr>
-              <p:cNvPr id="90" name="Rounded Rectangle 89"/>
+              <p:cNvPr id="83" name="Rounded Rectangle 82"/>
               <p:cNvSpPr/>
               <p:nvPr/>
             </p:nvSpPr>
             <p:spPr>
               <a:xfrm>
                 <a:off x="4122593" y="2059521"/>
-                <a:ext cx="1829248" cy="243396"/>
+                <a:ext cx="1117622" cy="243396"/>
               </a:xfrm>
               <a:prstGeom prst="roundRect">
                 <a:avLst>
@@ -27153,7 +26794,7 @@
                     </a:solidFill>
                     <a:cs typeface="Arial Narrow"/>
                   </a:rPr>
-                  <a:t>CAFÉ MOCHA</a:t>
+                  <a:t>CALZONE</a:t>
                 </a:r>
                 <a:endParaRPr lang="en-US" sz="800" b="1" dirty="0">
                   <a:solidFill>
@@ -27166,182 +26807,14 @@
           </p:sp>
           <p:sp>
             <p:nvSpPr>
-              <p:cNvPr id="92" name="Rectangle 91"/>
+              <p:cNvPr id="84" name="Rounded Rectangle 83"/>
               <p:cNvSpPr/>
               <p:nvPr/>
             </p:nvSpPr>
             <p:spPr>
               <a:xfrm>
-                <a:off x="6262135" y="1989281"/>
-                <a:ext cx="1762682" cy="1593736"/>
-              </a:xfrm>
-              <a:prstGeom prst="rect">
-                <a:avLst/>
-              </a:prstGeom>
-              <a:noFill/>
-              <a:ln w="3175">
-                <a:solidFill>
-                  <a:srgbClr val="2C74A5"/>
-                </a:solidFill>
-                <a:prstDash val="dash"/>
-              </a:ln>
-            </p:spPr>
-            <p:style>
-              <a:lnRef idx="2">
-                <a:schemeClr val="dk1"/>
-              </a:lnRef>
-              <a:fillRef idx="1">
-                <a:schemeClr val="lt1"/>
-              </a:fillRef>
-              <a:effectRef idx="0">
-                <a:schemeClr val="dk1"/>
-              </a:effectRef>
-              <a:fontRef idx="minor">
-                <a:schemeClr val="dk1"/>
-              </a:fontRef>
-            </p:style>
-            <p:txBody>
-              <a:bodyPr rtlCol="0" anchor="ctr"/>
-              <a:lstStyle/>
-              <a:p>
-                <a:pPr algn="ctr"/>
-                <a:endParaRPr lang="en-US">
-                  <a:solidFill>
-                    <a:srgbClr val="2C74A5"/>
-                  </a:solidFill>
-                </a:endParaRPr>
-              </a:p>
-            </p:txBody>
-          </p:sp>
-          <p:sp>
-            <p:nvSpPr>
-              <p:cNvPr id="93" name="Rounded Rectangle 92"/>
-              <p:cNvSpPr/>
-              <p:nvPr/>
-            </p:nvSpPr>
-            <p:spPr>
-              <a:xfrm>
-                <a:off x="6330597" y="2053199"/>
-                <a:ext cx="1610391" cy="243396"/>
-              </a:xfrm>
-              <a:prstGeom prst="roundRect">
-                <a:avLst>
-                  <a:gd name="adj" fmla="val 50000"/>
-                </a:avLst>
-              </a:prstGeom>
-              <a:solidFill>
-                <a:schemeClr val="bg1"/>
-              </a:solidFill>
-              <a:ln w="6350">
-                <a:solidFill>
-                  <a:srgbClr val="2C74A5"/>
-                </a:solidFill>
-              </a:ln>
-            </p:spPr>
-            <p:style>
-              <a:lnRef idx="2">
-                <a:schemeClr val="dk1"/>
-              </a:lnRef>
-              <a:fillRef idx="1">
-                <a:schemeClr val="lt1"/>
-              </a:fillRef>
-              <a:effectRef idx="0">
-                <a:schemeClr val="dk1"/>
-              </a:effectRef>
-              <a:fontRef idx="minor">
-                <a:schemeClr val="dk1"/>
-              </a:fontRef>
-            </p:style>
-            <p:txBody>
-              <a:bodyPr lIns="182880" rIns="36576" rtlCol="0" anchor="ctr"/>
-              <a:lstStyle/>
-              <a:p>
-                <a:pPr>
-                  <a:spcAft>
-                    <a:spcPts val="600"/>
-                  </a:spcAft>
-                </a:pPr>
-                <a:r>
-                  <a:rPr lang="en-US" sz="800" dirty="0" smtClean="0">
-                    <a:solidFill>
-                      <a:srgbClr val="E84C3B"/>
-                    </a:solidFill>
-                    <a:cs typeface="Arial Narrow"/>
-                  </a:rPr>
-                  <a:t>STORE:</a:t>
-                </a:r>
-                <a:r>
-                  <a:rPr lang="en-US" sz="800" dirty="0" smtClean="0">
-                    <a:solidFill>
-                      <a:srgbClr val="0070C0"/>
-                    </a:solidFill>
-                    <a:cs typeface="Arial Narrow"/>
-                  </a:rPr>
-                  <a:t> </a:t>
-                </a:r>
-                <a:r>
-                  <a:rPr lang="en-US" sz="800" b="1" dirty="0" smtClean="0">
-                    <a:solidFill>
-                      <a:srgbClr val="2C74A5"/>
-                    </a:solidFill>
-                    <a:cs typeface="Arial Narrow"/>
-                  </a:rPr>
-                  <a:t>BROADWAY</a:t>
-                </a:r>
-                <a:endParaRPr lang="en-US" sz="800" b="1" dirty="0">
-                  <a:solidFill>
-                    <a:srgbClr val="2C74A5"/>
-                  </a:solidFill>
-                  <a:cs typeface="Arial Narrow"/>
-                </a:endParaRPr>
-              </a:p>
-            </p:txBody>
-          </p:sp>
-          <p:cxnSp>
-            <p:nvCxnSpPr>
-              <p:cNvPr id="106" name="Straight Connector 105"/>
-              <p:cNvCxnSpPr/>
-              <p:nvPr/>
-            </p:nvCxnSpPr>
-            <p:spPr>
-              <a:xfrm>
-                <a:off x="1972859" y="3183432"/>
-                <a:ext cx="196210" cy="0"/>
-              </a:xfrm>
-              <a:prstGeom prst="line">
-                <a:avLst/>
-              </a:prstGeom>
-              <a:ln w="6350">
-                <a:solidFill>
-                  <a:srgbClr val="2C74A5"/>
-                </a:solidFill>
-              </a:ln>
-            </p:spPr>
-            <p:style>
-              <a:lnRef idx="1">
-                <a:schemeClr val="dk1"/>
-              </a:lnRef>
-              <a:fillRef idx="0">
-                <a:schemeClr val="dk1"/>
-              </a:fillRef>
-              <a:effectRef idx="0">
-                <a:schemeClr val="dk1"/>
-              </a:effectRef>
-              <a:fontRef idx="minor">
-                <a:schemeClr val="tx1"/>
-              </a:fontRef>
-            </p:style>
-          </p:cxnSp>
-          <p:sp>
-            <p:nvSpPr>
-              <p:cNvPr id="109" name="Rounded Rectangle 108"/>
-              <p:cNvSpPr/>
-              <p:nvPr/>
-            </p:nvSpPr>
-            <p:spPr>
-              <a:xfrm>
-                <a:off x="2111276" y="3057210"/>
-                <a:ext cx="1486039" cy="243396"/>
+                <a:off x="4538799" y="2406033"/>
+                <a:ext cx="1613741" cy="243396"/>
               </a:xfrm>
               <a:prstGeom prst="roundRect">
                 <a:avLst>
@@ -27405,7 +26878,7 @@
                     </a:solidFill>
                     <a:cs typeface="Arial Narrow"/>
                   </a:rPr>
-                  <a:t>DECAF</a:t>
+                  <a:t>EXTRA CHEESE</a:t>
                 </a:r>
                 <a:endParaRPr lang="en-US" sz="800" b="1" dirty="0">
                   <a:solidFill>
@@ -27416,15 +26889,159 @@
               </a:p>
             </p:txBody>
           </p:sp>
+          <p:grpSp>
+            <p:nvGrpSpPr>
+              <p:cNvPr id="85" name="Group 84"/>
+              <p:cNvGrpSpPr/>
+              <p:nvPr/>
+            </p:nvGrpSpPr>
+            <p:grpSpPr>
+              <a:xfrm>
+                <a:off x="6262135" y="1989281"/>
+                <a:ext cx="1762682" cy="1059784"/>
+                <a:chOff x="6561753" y="2437249"/>
+                <a:chExt cx="1762682" cy="1059784"/>
+              </a:xfrm>
+            </p:grpSpPr>
+            <p:sp>
+              <p:nvSpPr>
+                <p:cNvPr id="88" name="Rectangle 87"/>
+                <p:cNvSpPr/>
+                <p:nvPr/>
+              </p:nvSpPr>
+              <p:spPr>
+                <a:xfrm>
+                  <a:off x="6561753" y="2437249"/>
+                  <a:ext cx="1762682" cy="1059784"/>
+                </a:xfrm>
+                <a:prstGeom prst="rect">
+                  <a:avLst/>
+                </a:prstGeom>
+                <a:noFill/>
+                <a:ln w="3175">
+                  <a:solidFill>
+                    <a:srgbClr val="2C74A5"/>
+                  </a:solidFill>
+                  <a:prstDash val="dash"/>
+                </a:ln>
+              </p:spPr>
+              <p:style>
+                <a:lnRef idx="2">
+                  <a:schemeClr val="dk1"/>
+                </a:lnRef>
+                <a:fillRef idx="1">
+                  <a:schemeClr val="lt1"/>
+                </a:fillRef>
+                <a:effectRef idx="0">
+                  <a:schemeClr val="dk1"/>
+                </a:effectRef>
+                <a:fontRef idx="minor">
+                  <a:schemeClr val="dk1"/>
+                </a:fontRef>
+              </p:style>
+              <p:txBody>
+                <a:bodyPr rtlCol="0" anchor="ctr"/>
+                <a:lstStyle/>
+                <a:p>
+                  <a:pPr algn="ctr"/>
+                  <a:endParaRPr lang="en-US"/>
+                </a:p>
+              </p:txBody>
+            </p:sp>
+            <p:sp>
+              <p:nvSpPr>
+                <p:cNvPr id="89" name="Rounded Rectangle 88"/>
+                <p:cNvSpPr/>
+                <p:nvPr/>
+              </p:nvSpPr>
+              <p:spPr>
+                <a:xfrm>
+                  <a:off x="6639602" y="2507489"/>
+                  <a:ext cx="1207333" cy="243396"/>
+                </a:xfrm>
+                <a:prstGeom prst="roundRect">
+                  <a:avLst>
+                    <a:gd name="adj" fmla="val 50000"/>
+                  </a:avLst>
+                </a:prstGeom>
+                <a:solidFill>
+                  <a:schemeClr val="bg1"/>
+                </a:solidFill>
+                <a:ln w="6350">
+                  <a:solidFill>
+                    <a:srgbClr val="2C74A5"/>
+                  </a:solidFill>
+                </a:ln>
+              </p:spPr>
+              <p:style>
+                <a:lnRef idx="2">
+                  <a:schemeClr val="dk1"/>
+                </a:lnRef>
+                <a:fillRef idx="1">
+                  <a:schemeClr val="lt1"/>
+                </a:fillRef>
+                <a:effectRef idx="0">
+                  <a:schemeClr val="dk1"/>
+                </a:effectRef>
+                <a:fontRef idx="minor">
+                  <a:schemeClr val="dk1"/>
+                </a:fontRef>
+              </p:style>
+              <p:txBody>
+                <a:bodyPr lIns="182880" rIns="36576" rtlCol="0" anchor="ctr"/>
+                <a:lstStyle/>
+                <a:p>
+                  <a:pPr>
+                    <a:spcAft>
+                      <a:spcPts val="600"/>
+                    </a:spcAft>
+                  </a:pPr>
+                  <a:r>
+                    <a:rPr lang="en-US" sz="800" dirty="0" smtClean="0">
+                      <a:solidFill>
+                        <a:srgbClr val="E84C3B"/>
+                      </a:solidFill>
+                      <a:cs typeface="Arial Narrow"/>
+                    </a:rPr>
+                    <a:t>DISH:</a:t>
+                  </a:r>
+                  <a:r>
+                    <a:rPr lang="en-US" sz="800" dirty="0" smtClean="0">
+                      <a:solidFill>
+                        <a:srgbClr val="0070C0"/>
+                      </a:solidFill>
+                      <a:cs typeface="Arial Narrow"/>
+                    </a:rPr>
+                    <a:t> </a:t>
+                  </a:r>
+                  <a:r>
+                    <a:rPr lang="en-US" sz="800" b="1" dirty="0" smtClean="0">
+                      <a:solidFill>
+                        <a:srgbClr val="2C74A5"/>
+                      </a:solidFill>
+                      <a:cs typeface="Arial Narrow"/>
+                    </a:rPr>
+                    <a:t>DIET COKE</a:t>
+                  </a:r>
+                  <a:endParaRPr lang="en-US" sz="800" b="1" dirty="0">
+                    <a:solidFill>
+                      <a:srgbClr val="2C74A5"/>
+                    </a:solidFill>
+                    <a:cs typeface="Arial Narrow"/>
+                  </a:endParaRPr>
+                </a:p>
+              </p:txBody>
+            </p:sp>
+          </p:grpSp>
           <p:cxnSp>
             <p:nvCxnSpPr>
-              <p:cNvPr id="113" name="Straight Connector 112"/>
+              <p:cNvPr id="86" name="Straight Connector 85"/>
               <p:cNvCxnSpPr/>
               <p:nvPr/>
             </p:nvCxnSpPr>
             <p:spPr>
               <a:xfrm>
-                <a:off x="4379933" y="2867383"/>
+                <a:off x="4381882" y="2877673"/>
                 <a:ext cx="196210" cy="0"/>
               </a:xfrm>
               <a:prstGeom prst="line">
@@ -27453,13 +27070,538 @@
           </p:cxnSp>
           <p:sp>
             <p:nvSpPr>
-              <p:cNvPr id="114" name="Rounded Rectangle 113"/>
+              <p:cNvPr id="87" name="Rounded Rectangle 86"/>
               <p:cNvSpPr/>
               <p:nvPr/>
             </p:nvSpPr>
             <p:spPr>
               <a:xfrm>
-                <a:off x="4538799" y="2738825"/>
+                <a:off x="4540748" y="2749115"/>
+                <a:ext cx="1184797" cy="250256"/>
+              </a:xfrm>
+              <a:prstGeom prst="roundRect">
+                <a:avLst>
+                  <a:gd name="adj" fmla="val 50000"/>
+                </a:avLst>
+              </a:prstGeom>
+              <a:solidFill>
+                <a:schemeClr val="bg1"/>
+              </a:solidFill>
+              <a:ln w="6350">
+                <a:solidFill>
+                  <a:srgbClr val="2C74A5"/>
+                </a:solidFill>
+              </a:ln>
+            </p:spPr>
+            <p:style>
+              <a:lnRef idx="2">
+                <a:schemeClr val="dk1"/>
+              </a:lnRef>
+              <a:fillRef idx="1">
+                <a:schemeClr val="lt1"/>
+              </a:fillRef>
+              <a:effectRef idx="0">
+                <a:schemeClr val="dk1"/>
+              </a:effectRef>
+              <a:fontRef idx="minor">
+                <a:schemeClr val="dk1"/>
+              </a:fontRef>
+            </p:style>
+            <p:txBody>
+              <a:bodyPr lIns="182880" rIns="36576" rtlCol="0" anchor="ctr"/>
+              <a:lstStyle/>
+              <a:p>
+                <a:pPr>
+                  <a:spcAft>
+                    <a:spcPts val="600"/>
+                  </a:spcAft>
+                </a:pPr>
+                <a:r>
+                  <a:rPr lang="en-US" sz="800" dirty="0" smtClean="0">
+                    <a:solidFill>
+                      <a:srgbClr val="E84C3B"/>
+                    </a:solidFill>
+                    <a:cs typeface="Arial Narrow"/>
+                  </a:rPr>
+                  <a:t>QUANTITY:</a:t>
+                </a:r>
+                <a:r>
+                  <a:rPr lang="en-US" sz="800" dirty="0" smtClean="0">
+                    <a:solidFill>
+                      <a:srgbClr val="0070C0"/>
+                    </a:solidFill>
+                    <a:cs typeface="Arial Narrow"/>
+                  </a:rPr>
+                  <a:t> </a:t>
+                </a:r>
+                <a:r>
+                  <a:rPr lang="en-US" sz="800" b="1" dirty="0" smtClean="0">
+                    <a:solidFill>
+                      <a:srgbClr val="2C74A5"/>
+                    </a:solidFill>
+                    <a:cs typeface="Arial Narrow"/>
+                  </a:rPr>
+                  <a:t>TWO</a:t>
+                </a:r>
+                <a:endParaRPr lang="en-US" sz="800" b="1" dirty="0">
+                  <a:solidFill>
+                    <a:srgbClr val="2C74A5"/>
+                  </a:solidFill>
+                  <a:cs typeface="Arial Narrow"/>
+                </a:endParaRPr>
+              </a:p>
+            </p:txBody>
+          </p:sp>
+        </p:grpSp>
+        <p:grpSp>
+          <p:nvGrpSpPr>
+            <p:cNvPr id="39" name="Group 38"/>
+            <p:cNvGrpSpPr/>
+            <p:nvPr/>
+          </p:nvGrpSpPr>
+          <p:grpSpPr>
+            <a:xfrm>
+              <a:off x="1545021" y="3399006"/>
+              <a:ext cx="6556657" cy="1576799"/>
+              <a:chOff x="1545021" y="3399006"/>
+              <a:chExt cx="6556657" cy="1576799"/>
+            </a:xfrm>
+          </p:grpSpPr>
+          <p:sp>
+            <p:nvSpPr>
+              <p:cNvPr id="62" name="Rounded Rectangle 61"/>
+              <p:cNvSpPr/>
+              <p:nvPr/>
+            </p:nvSpPr>
+            <p:spPr>
+              <a:xfrm>
+                <a:off x="1545021" y="3399006"/>
+                <a:ext cx="6556657" cy="1576799"/>
+              </a:xfrm>
+              <a:prstGeom prst="roundRect">
+                <a:avLst>
+                  <a:gd name="adj" fmla="val 3581"/>
+                </a:avLst>
+              </a:prstGeom>
+              <a:solidFill>
+                <a:srgbClr val="F2F2F2"/>
+              </a:solidFill>
+              <a:ln w="3175">
+                <a:solidFill>
+                  <a:srgbClr val="2C74A5"/>
+                </a:solidFill>
+                <a:prstDash val="solid"/>
+              </a:ln>
+            </p:spPr>
+            <p:style>
+              <a:lnRef idx="2">
+                <a:schemeClr val="dk1"/>
+              </a:lnRef>
+              <a:fillRef idx="1">
+                <a:schemeClr val="lt1"/>
+              </a:fillRef>
+              <a:effectRef idx="0">
+                <a:schemeClr val="dk1"/>
+              </a:effectRef>
+              <a:fontRef idx="minor">
+                <a:schemeClr val="dk1"/>
+              </a:fontRef>
+            </p:style>
+            <p:txBody>
+              <a:bodyPr rtlCol="0" anchor="ctr"/>
+              <a:lstStyle/>
+              <a:p>
+                <a:pPr algn="ctr"/>
+                <a:endParaRPr lang="en-US"/>
+              </a:p>
+            </p:txBody>
+          </p:sp>
+          <p:sp>
+            <p:nvSpPr>
+              <p:cNvPr id="63" name="TextBox 62"/>
+              <p:cNvSpPr txBox="1"/>
+              <p:nvPr/>
+            </p:nvSpPr>
+            <p:spPr>
+              <a:xfrm>
+                <a:off x="4111682" y="3425485"/>
+                <a:ext cx="1440266" cy="276999"/>
+              </a:xfrm>
+              <a:prstGeom prst="rect">
+                <a:avLst/>
+              </a:prstGeom>
+              <a:noFill/>
+              <a:ln>
+                <a:noFill/>
+              </a:ln>
+            </p:spPr>
+            <p:txBody>
+              <a:bodyPr wrap="none" rtlCol="0">
+                <a:spAutoFit/>
+              </a:bodyPr>
+              <a:lstStyle/>
+              <a:p>
+                <a:r>
+                  <a:rPr lang="en-US" sz="1200" b="1" smtClean="0">
+                    <a:solidFill>
+                      <a:srgbClr val="2C74A5"/>
+                    </a:solidFill>
+                  </a:rPr>
+                  <a:t>ENTITY </a:t>
+                </a:r>
+                <a:r>
+                  <a:rPr lang="en-US" sz="1200" b="1" dirty="0" smtClean="0">
+                    <a:solidFill>
+                      <a:srgbClr val="2C74A5"/>
+                    </a:solidFill>
+                  </a:rPr>
+                  <a:t>GROUPS</a:t>
+                </a:r>
+                <a:endParaRPr lang="en-US" sz="1200" b="1" dirty="0">
+                  <a:solidFill>
+                    <a:srgbClr val="2C74A5"/>
+                  </a:solidFill>
+                </a:endParaRPr>
+              </a:p>
+            </p:txBody>
+          </p:sp>
+          <p:sp>
+            <p:nvSpPr>
+              <p:cNvPr id="64" name="Rectangle 63"/>
+              <p:cNvSpPr/>
+              <p:nvPr/>
+            </p:nvSpPr>
+            <p:spPr>
+              <a:xfrm>
+                <a:off x="1640324" y="3770208"/>
+                <a:ext cx="2340238" cy="1057886"/>
+              </a:xfrm>
+              <a:prstGeom prst="rect">
+                <a:avLst/>
+              </a:prstGeom>
+              <a:noFill/>
+              <a:ln w="3175">
+                <a:solidFill>
+                  <a:srgbClr val="2C74A5"/>
+                </a:solidFill>
+                <a:prstDash val="dash"/>
+              </a:ln>
+            </p:spPr>
+            <p:style>
+              <a:lnRef idx="2">
+                <a:schemeClr val="dk1"/>
+              </a:lnRef>
+              <a:fillRef idx="1">
+                <a:schemeClr val="lt1"/>
+              </a:fillRef>
+              <a:effectRef idx="0">
+                <a:schemeClr val="dk1"/>
+              </a:effectRef>
+              <a:fontRef idx="minor">
+                <a:schemeClr val="dk1"/>
+              </a:fontRef>
+            </p:style>
+            <p:txBody>
+              <a:bodyPr rtlCol="0" anchor="ctr"/>
+              <a:lstStyle/>
+              <a:p>
+                <a:pPr algn="ctr"/>
+                <a:endParaRPr lang="en-US"/>
+              </a:p>
+            </p:txBody>
+          </p:sp>
+          <p:sp>
+            <p:nvSpPr>
+              <p:cNvPr id="65" name="Rounded Rectangle 64"/>
+              <p:cNvSpPr/>
+              <p:nvPr/>
+            </p:nvSpPr>
+            <p:spPr>
+              <a:xfrm>
+                <a:off x="1710415" y="3838550"/>
+                <a:ext cx="1588460" cy="243396"/>
+              </a:xfrm>
+              <a:prstGeom prst="roundRect">
+                <a:avLst>
+                  <a:gd name="adj" fmla="val 50000"/>
+                </a:avLst>
+              </a:prstGeom>
+              <a:solidFill>
+                <a:schemeClr val="bg1"/>
+              </a:solidFill>
+              <a:ln w="6350">
+                <a:solidFill>
+                  <a:srgbClr val="2C74A5"/>
+                </a:solidFill>
+              </a:ln>
+            </p:spPr>
+            <p:style>
+              <a:lnRef idx="2">
+                <a:schemeClr val="dk1"/>
+              </a:lnRef>
+              <a:fillRef idx="1">
+                <a:schemeClr val="lt1"/>
+              </a:fillRef>
+              <a:effectRef idx="0">
+                <a:schemeClr val="dk1"/>
+              </a:effectRef>
+              <a:fontRef idx="minor">
+                <a:schemeClr val="dk1"/>
+              </a:fontRef>
+            </p:style>
+            <p:txBody>
+              <a:bodyPr lIns="182880" rIns="36576" rtlCol="0" anchor="ctr"/>
+              <a:lstStyle/>
+              <a:p>
+                <a:pPr>
+                  <a:spcAft>
+                    <a:spcPts val="600"/>
+                  </a:spcAft>
+                </a:pPr>
+                <a:r>
+                  <a:rPr lang="en-US" sz="800" dirty="0" smtClean="0">
+                    <a:solidFill>
+                      <a:srgbClr val="E84C3B"/>
+                    </a:solidFill>
+                    <a:cs typeface="Arial Narrow"/>
+                  </a:rPr>
+                  <a:t>DISH:</a:t>
+                </a:r>
+                <a:r>
+                  <a:rPr lang="en-US" sz="800" dirty="0" smtClean="0">
+                    <a:solidFill>
+                      <a:srgbClr val="0070C0"/>
+                    </a:solidFill>
+                    <a:cs typeface="Arial Narrow"/>
+                  </a:rPr>
+                  <a:t> </a:t>
+                </a:r>
+                <a:r>
+                  <a:rPr lang="en-US" sz="800" b="1" dirty="0" smtClean="0">
+                    <a:solidFill>
+                      <a:srgbClr val="2C74A5"/>
+                    </a:solidFill>
+                    <a:cs typeface="Arial Narrow"/>
+                  </a:rPr>
+                  <a:t>PEPPERONI PIZZA</a:t>
+                </a:r>
+                <a:endParaRPr lang="en-US" sz="800" b="1" dirty="0">
+                  <a:solidFill>
+                    <a:srgbClr val="2C74A5"/>
+                  </a:solidFill>
+                  <a:cs typeface="Arial Narrow"/>
+                </a:endParaRPr>
+              </a:p>
+            </p:txBody>
+          </p:sp>
+          <p:sp>
+            <p:nvSpPr>
+              <p:cNvPr id="66" name="Rectangle 65"/>
+              <p:cNvSpPr/>
+              <p:nvPr/>
+            </p:nvSpPr>
+            <p:spPr>
+              <a:xfrm>
+                <a:off x="4049025" y="3768310"/>
+                <a:ext cx="2144647" cy="1059784"/>
+              </a:xfrm>
+              <a:prstGeom prst="rect">
+                <a:avLst/>
+              </a:prstGeom>
+              <a:noFill/>
+              <a:ln w="3175">
+                <a:solidFill>
+                  <a:srgbClr val="2C74A5"/>
+                </a:solidFill>
+                <a:prstDash val="dash"/>
+              </a:ln>
+            </p:spPr>
+            <p:style>
+              <a:lnRef idx="2">
+                <a:schemeClr val="dk1"/>
+              </a:lnRef>
+              <a:fillRef idx="1">
+                <a:schemeClr val="lt1"/>
+              </a:fillRef>
+              <a:effectRef idx="0">
+                <a:schemeClr val="dk1"/>
+              </a:effectRef>
+              <a:fontRef idx="minor">
+                <a:schemeClr val="dk1"/>
+              </a:fontRef>
+            </p:style>
+            <p:txBody>
+              <a:bodyPr rtlCol="0" anchor="ctr"/>
+              <a:lstStyle/>
+              <a:p>
+                <a:pPr algn="ctr"/>
+                <a:endParaRPr lang="en-US"/>
+              </a:p>
+            </p:txBody>
+          </p:sp>
+          <p:cxnSp>
+            <p:nvCxnSpPr>
+              <p:cNvPr id="67" name="Straight Connector 66"/>
+              <p:cNvCxnSpPr/>
+              <p:nvPr/>
+            </p:nvCxnSpPr>
+            <p:spPr>
+              <a:xfrm>
+                <a:off x="4379933" y="4325549"/>
+                <a:ext cx="196210" cy="0"/>
+              </a:xfrm>
+              <a:prstGeom prst="line">
+                <a:avLst/>
+              </a:prstGeom>
+              <a:ln w="6350">
+                <a:solidFill>
+                  <a:srgbClr val="2C74A5"/>
+                </a:solidFill>
+              </a:ln>
+            </p:spPr>
+            <p:style>
+              <a:lnRef idx="1">
+                <a:schemeClr val="dk1"/>
+              </a:lnRef>
+              <a:fillRef idx="0">
+                <a:schemeClr val="dk1"/>
+              </a:fillRef>
+              <a:effectRef idx="0">
+                <a:schemeClr val="dk1"/>
+              </a:effectRef>
+              <a:fontRef idx="minor">
+                <a:schemeClr val="tx1"/>
+              </a:fontRef>
+            </p:style>
+          </p:cxnSp>
+          <p:cxnSp>
+            <p:nvCxnSpPr>
+              <p:cNvPr id="68" name="Straight Connector 67"/>
+              <p:cNvCxnSpPr/>
+              <p:nvPr/>
+            </p:nvCxnSpPr>
+            <p:spPr>
+              <a:xfrm>
+                <a:off x="4379933" y="4096227"/>
+                <a:ext cx="0" cy="228600"/>
+              </a:xfrm>
+              <a:prstGeom prst="line">
+                <a:avLst/>
+              </a:prstGeom>
+              <a:ln w="6350">
+                <a:solidFill>
+                  <a:srgbClr val="2C74A5"/>
+                </a:solidFill>
+              </a:ln>
+            </p:spPr>
+            <p:style>
+              <a:lnRef idx="1">
+                <a:schemeClr val="dk1"/>
+              </a:lnRef>
+              <a:fillRef idx="0">
+                <a:schemeClr val="dk1"/>
+              </a:fillRef>
+              <a:effectRef idx="0">
+                <a:schemeClr val="dk1"/>
+              </a:effectRef>
+              <a:fontRef idx="minor">
+                <a:schemeClr val="tx1"/>
+              </a:fontRef>
+            </p:style>
+          </p:cxnSp>
+          <p:sp>
+            <p:nvSpPr>
+              <p:cNvPr id="69" name="Rounded Rectangle 68"/>
+              <p:cNvSpPr/>
+              <p:nvPr/>
+            </p:nvSpPr>
+            <p:spPr>
+              <a:xfrm>
+                <a:off x="4122593" y="3838550"/>
+                <a:ext cx="1117622" cy="243396"/>
+              </a:xfrm>
+              <a:prstGeom prst="roundRect">
+                <a:avLst>
+                  <a:gd name="adj" fmla="val 50000"/>
+                </a:avLst>
+              </a:prstGeom>
+              <a:solidFill>
+                <a:schemeClr val="bg1"/>
+              </a:solidFill>
+              <a:ln w="6350">
+                <a:solidFill>
+                  <a:srgbClr val="2C74A5"/>
+                </a:solidFill>
+              </a:ln>
+            </p:spPr>
+            <p:style>
+              <a:lnRef idx="2">
+                <a:schemeClr val="dk1"/>
+              </a:lnRef>
+              <a:fillRef idx="1">
+                <a:schemeClr val="lt1"/>
+              </a:fillRef>
+              <a:effectRef idx="0">
+                <a:schemeClr val="dk1"/>
+              </a:effectRef>
+              <a:fontRef idx="minor">
+                <a:schemeClr val="dk1"/>
+              </a:fontRef>
+            </p:style>
+            <p:txBody>
+              <a:bodyPr lIns="182880" rIns="36576" rtlCol="0" anchor="ctr"/>
+              <a:lstStyle/>
+              <a:p>
+                <a:pPr>
+                  <a:spcAft>
+                    <a:spcPts val="600"/>
+                  </a:spcAft>
+                </a:pPr>
+                <a:r>
+                  <a:rPr lang="en-US" sz="800" dirty="0" smtClean="0">
+                    <a:solidFill>
+                      <a:srgbClr val="E84C3B"/>
+                    </a:solidFill>
+                    <a:cs typeface="Arial Narrow"/>
+                  </a:rPr>
+                  <a:t>DISH:</a:t>
+                </a:r>
+                <a:r>
+                  <a:rPr lang="en-US" sz="800" dirty="0" smtClean="0">
+                    <a:solidFill>
+                      <a:srgbClr val="0070C0"/>
+                    </a:solidFill>
+                    <a:cs typeface="Arial Narrow"/>
+                  </a:rPr>
+                  <a:t> </a:t>
+                </a:r>
+                <a:r>
+                  <a:rPr lang="en-US" sz="800" b="1" dirty="0" smtClean="0">
+                    <a:solidFill>
+                      <a:srgbClr val="2C74A5"/>
+                    </a:solidFill>
+                    <a:cs typeface="Arial Narrow"/>
+                  </a:rPr>
+                  <a:t>CALZONE</a:t>
+                </a:r>
+                <a:endParaRPr lang="en-US" sz="800" b="1" dirty="0">
+                  <a:solidFill>
+                    <a:srgbClr val="2C74A5"/>
+                  </a:solidFill>
+                  <a:cs typeface="Arial Narrow"/>
+                </a:endParaRPr>
+              </a:p>
+            </p:txBody>
+          </p:sp>
+          <p:sp>
+            <p:nvSpPr>
+              <p:cNvPr id="70" name="Rounded Rectangle 69"/>
+              <p:cNvSpPr/>
+              <p:nvPr/>
+            </p:nvSpPr>
+            <p:spPr>
+              <a:xfrm>
+                <a:off x="4538799" y="4185062"/>
                 <a:ext cx="1613741" cy="243396"/>
               </a:xfrm>
               <a:prstGeom prst="roundRect">
@@ -27524,7 +27666,290 @@
                     </a:solidFill>
                     <a:cs typeface="Arial Narrow"/>
                   </a:rPr>
-                  <a:t>WHIPPED CREAM</a:t>
+                  <a:t>EXTRA CHEESE</a:t>
+                </a:r>
+                <a:endParaRPr lang="en-US" sz="800" b="1" dirty="0">
+                  <a:solidFill>
+                    <a:srgbClr val="2C74A5"/>
+                  </a:solidFill>
+                  <a:cs typeface="Arial Narrow"/>
+                </a:endParaRPr>
+              </a:p>
+            </p:txBody>
+          </p:sp>
+          <p:sp>
+            <p:nvSpPr>
+              <p:cNvPr id="71" name="Rectangle 70"/>
+              <p:cNvSpPr/>
+              <p:nvPr/>
+            </p:nvSpPr>
+            <p:spPr>
+              <a:xfrm>
+                <a:off x="6262135" y="3768310"/>
+                <a:ext cx="1762682" cy="1059784"/>
+              </a:xfrm>
+              <a:prstGeom prst="rect">
+                <a:avLst/>
+              </a:prstGeom>
+              <a:noFill/>
+              <a:ln w="3175">
+                <a:solidFill>
+                  <a:srgbClr val="2C74A5"/>
+                </a:solidFill>
+                <a:prstDash val="dash"/>
+              </a:ln>
+            </p:spPr>
+            <p:style>
+              <a:lnRef idx="2">
+                <a:schemeClr val="dk1"/>
+              </a:lnRef>
+              <a:fillRef idx="1">
+                <a:schemeClr val="lt1"/>
+              </a:fillRef>
+              <a:effectRef idx="0">
+                <a:schemeClr val="dk1"/>
+              </a:effectRef>
+              <a:fontRef idx="minor">
+                <a:schemeClr val="dk1"/>
+              </a:fontRef>
+            </p:style>
+            <p:txBody>
+              <a:bodyPr rtlCol="0" anchor="ctr"/>
+              <a:lstStyle/>
+              <a:p>
+                <a:pPr algn="ctr"/>
+                <a:endParaRPr lang="en-US"/>
+              </a:p>
+            </p:txBody>
+          </p:sp>
+          <p:cxnSp>
+            <p:nvCxnSpPr>
+              <p:cNvPr id="72" name="Straight Connector 71"/>
+              <p:cNvCxnSpPr/>
+              <p:nvPr/>
+            </p:nvCxnSpPr>
+            <p:spPr>
+              <a:xfrm>
+                <a:off x="6597324" y="4083189"/>
+                <a:ext cx="0" cy="228600"/>
+              </a:xfrm>
+              <a:prstGeom prst="line">
+                <a:avLst/>
+              </a:prstGeom>
+              <a:ln w="6350">
+                <a:solidFill>
+                  <a:srgbClr val="2C74A5"/>
+                </a:solidFill>
+              </a:ln>
+            </p:spPr>
+            <p:style>
+              <a:lnRef idx="1">
+                <a:schemeClr val="dk1"/>
+              </a:lnRef>
+              <a:fillRef idx="0">
+                <a:schemeClr val="dk1"/>
+              </a:fillRef>
+              <a:effectRef idx="0">
+                <a:schemeClr val="dk1"/>
+              </a:effectRef>
+              <a:fontRef idx="minor">
+                <a:schemeClr val="tx1"/>
+              </a:fontRef>
+            </p:style>
+          </p:cxnSp>
+          <p:sp>
+            <p:nvSpPr>
+              <p:cNvPr id="73" name="Rounded Rectangle 72"/>
+              <p:cNvSpPr/>
+              <p:nvPr/>
+            </p:nvSpPr>
+            <p:spPr>
+              <a:xfrm>
+                <a:off x="6339984" y="3832415"/>
+                <a:ext cx="1117622" cy="243396"/>
+              </a:xfrm>
+              <a:prstGeom prst="roundRect">
+                <a:avLst>
+                  <a:gd name="adj" fmla="val 50000"/>
+                </a:avLst>
+              </a:prstGeom>
+              <a:solidFill>
+                <a:schemeClr val="bg1"/>
+              </a:solidFill>
+              <a:ln w="6350">
+                <a:solidFill>
+                  <a:srgbClr val="2C74A5"/>
+                </a:solidFill>
+              </a:ln>
+            </p:spPr>
+            <p:style>
+              <a:lnRef idx="2">
+                <a:schemeClr val="dk1"/>
+              </a:lnRef>
+              <a:fillRef idx="1">
+                <a:schemeClr val="lt1"/>
+              </a:fillRef>
+              <a:effectRef idx="0">
+                <a:schemeClr val="dk1"/>
+              </a:effectRef>
+              <a:fontRef idx="minor">
+                <a:schemeClr val="dk1"/>
+              </a:fontRef>
+            </p:style>
+            <p:txBody>
+              <a:bodyPr lIns="182880" rIns="36576" rtlCol="0" anchor="ctr"/>
+              <a:lstStyle/>
+              <a:p>
+                <a:pPr>
+                  <a:spcAft>
+                    <a:spcPts val="600"/>
+                  </a:spcAft>
+                </a:pPr>
+                <a:r>
+                  <a:rPr lang="en-US" sz="800" dirty="0" smtClean="0">
+                    <a:solidFill>
+                      <a:srgbClr val="E84C3B"/>
+                    </a:solidFill>
+                    <a:cs typeface="Arial Narrow"/>
+                  </a:rPr>
+                  <a:t>DISH:</a:t>
+                </a:r>
+                <a:r>
+                  <a:rPr lang="en-US" sz="800" dirty="0" smtClean="0">
+                    <a:solidFill>
+                      <a:srgbClr val="0070C0"/>
+                    </a:solidFill>
+                    <a:cs typeface="Arial Narrow"/>
+                  </a:rPr>
+                  <a:t> </a:t>
+                </a:r>
+                <a:r>
+                  <a:rPr lang="en-US" sz="800" b="1" dirty="0" smtClean="0">
+                    <a:solidFill>
+                      <a:srgbClr val="2C74A5"/>
+                    </a:solidFill>
+                    <a:cs typeface="Arial Narrow"/>
+                  </a:rPr>
+                  <a:t>COKE</a:t>
+                </a:r>
+                <a:endParaRPr lang="en-US" sz="800" b="1" dirty="0">
+                  <a:solidFill>
+                    <a:srgbClr val="2C74A5"/>
+                  </a:solidFill>
+                  <a:cs typeface="Arial Narrow"/>
+                </a:endParaRPr>
+              </a:p>
+            </p:txBody>
+          </p:sp>
+          <p:cxnSp>
+            <p:nvCxnSpPr>
+              <p:cNvPr id="74" name="Straight Connector 73"/>
+              <p:cNvCxnSpPr/>
+              <p:nvPr/>
+            </p:nvCxnSpPr>
+            <p:spPr>
+              <a:xfrm>
+                <a:off x="6597384" y="4306760"/>
+                <a:ext cx="196210" cy="0"/>
+              </a:xfrm>
+              <a:prstGeom prst="line">
+                <a:avLst/>
+              </a:prstGeom>
+              <a:ln w="6350">
+                <a:solidFill>
+                  <a:srgbClr val="2C74A5"/>
+                </a:solidFill>
+              </a:ln>
+            </p:spPr>
+            <p:style>
+              <a:lnRef idx="1">
+                <a:schemeClr val="dk1"/>
+              </a:lnRef>
+              <a:fillRef idx="0">
+                <a:schemeClr val="dk1"/>
+              </a:fillRef>
+              <a:effectRef idx="0">
+                <a:schemeClr val="dk1"/>
+              </a:effectRef>
+              <a:fontRef idx="minor">
+                <a:schemeClr val="tx1"/>
+              </a:fontRef>
+            </p:style>
+          </p:cxnSp>
+          <p:sp>
+            <p:nvSpPr>
+              <p:cNvPr id="75" name="Rounded Rectangle 74"/>
+              <p:cNvSpPr/>
+              <p:nvPr/>
+            </p:nvSpPr>
+            <p:spPr>
+              <a:xfrm>
+                <a:off x="6762513" y="4178202"/>
+                <a:ext cx="1184797" cy="250256"/>
+              </a:xfrm>
+              <a:prstGeom prst="roundRect">
+                <a:avLst>
+                  <a:gd name="adj" fmla="val 50000"/>
+                </a:avLst>
+              </a:prstGeom>
+              <a:solidFill>
+                <a:schemeClr val="bg1"/>
+              </a:solidFill>
+              <a:ln w="6350">
+                <a:solidFill>
+                  <a:srgbClr val="2C74A5"/>
+                </a:solidFill>
+              </a:ln>
+            </p:spPr>
+            <p:style>
+              <a:lnRef idx="2">
+                <a:schemeClr val="dk1"/>
+              </a:lnRef>
+              <a:fillRef idx="1">
+                <a:schemeClr val="lt1"/>
+              </a:fillRef>
+              <a:effectRef idx="0">
+                <a:schemeClr val="dk1"/>
+              </a:effectRef>
+              <a:fontRef idx="minor">
+                <a:schemeClr val="dk1"/>
+              </a:fontRef>
+            </p:style>
+            <p:txBody>
+              <a:bodyPr lIns="182880" rIns="36576" rtlCol="0" anchor="ctr"/>
+              <a:lstStyle/>
+              <a:p>
+                <a:pPr>
+                  <a:spcAft>
+                    <a:spcPts val="600"/>
+                  </a:spcAft>
+                </a:pPr>
+                <a:r>
+                  <a:rPr lang="en-US" sz="800" dirty="0" smtClean="0">
+                    <a:solidFill>
+                      <a:srgbClr val="E84C3B"/>
+                    </a:solidFill>
+                    <a:cs typeface="Arial Narrow"/>
+                  </a:rPr>
+                  <a:t>QUANTITY:</a:t>
+                </a:r>
+                <a:r>
+                  <a:rPr lang="en-US" sz="800" dirty="0" smtClean="0">
+                    <a:solidFill>
+                      <a:srgbClr val="0070C0"/>
+                    </a:solidFill>
+                    <a:cs typeface="Arial Narrow"/>
+                  </a:rPr>
+                  <a:t> </a:t>
+                </a:r>
+                <a:r>
+                  <a:rPr lang="en-US" sz="800" b="1" dirty="0" smtClean="0">
+                    <a:solidFill>
+                      <a:srgbClr val="2C74A5"/>
+                    </a:solidFill>
+                    <a:cs typeface="Arial Narrow"/>
+                  </a:rPr>
+                  <a:t>TWO</a:t>
                 </a:r>
                 <a:endParaRPr lang="en-US" sz="800" b="1" dirty="0">
                   <a:solidFill>
@@ -27538,13 +27963,13 @@
         </p:grpSp>
         <p:sp>
           <p:nvSpPr>
-            <p:cNvPr id="142" name="TextBox 141"/>
+            <p:cNvPr id="40" name="TextBox 39"/>
             <p:cNvSpPr txBox="1"/>
             <p:nvPr/>
           </p:nvSpPr>
           <p:spPr>
             <a:xfrm>
-              <a:off x="177242" y="4743976"/>
+              <a:off x="161310" y="5631385"/>
               <a:ext cx="920830" cy="461665"/>
             </a:xfrm>
             <a:prstGeom prst="rect">
@@ -27598,35 +28023,42 @@
                   <a:latin typeface="Arial Narrow"/>
                   <a:cs typeface="Arial Narrow"/>
                 </a:rPr>
-                <a:t>#2</a:t>
+                <a:t>3</a:t>
               </a:r>
+              <a:endParaRPr lang="en-US" sz="1200" b="1" dirty="0" smtClean="0">
+                <a:solidFill>
+                  <a:srgbClr val="A6A6A6"/>
+                </a:solidFill>
+                <a:latin typeface="Arial Narrow"/>
+                <a:cs typeface="Arial Narrow"/>
+              </a:endParaRPr>
             </a:p>
           </p:txBody>
         </p:sp>
         <p:grpSp>
           <p:nvGrpSpPr>
-            <p:cNvPr id="27" name="Group 26"/>
+            <p:cNvPr id="41" name="Group 40"/>
             <p:cNvGrpSpPr/>
             <p:nvPr/>
           </p:nvGrpSpPr>
           <p:grpSpPr>
             <a:xfrm>
-              <a:off x="1545021" y="3926705"/>
-              <a:ext cx="6556657" cy="2096208"/>
-              <a:chOff x="1545021" y="4025379"/>
-              <a:chExt cx="6556657" cy="2096208"/>
+              <a:off x="1545018" y="1602516"/>
+              <a:ext cx="6556657" cy="1576799"/>
+              <a:chOff x="1545021" y="5178035"/>
+              <a:chExt cx="6556657" cy="1576799"/>
             </a:xfrm>
           </p:grpSpPr>
           <p:sp>
             <p:nvSpPr>
-              <p:cNvPr id="116" name="Rounded Rectangle 115"/>
+              <p:cNvPr id="42" name="Rounded Rectangle 41"/>
               <p:cNvSpPr/>
               <p:nvPr/>
             </p:nvSpPr>
             <p:spPr>
               <a:xfrm>
-                <a:off x="1545021" y="4025379"/>
-                <a:ext cx="6556657" cy="2096208"/>
+                <a:off x="1545021" y="5178035"/>
+                <a:ext cx="6556657" cy="1576799"/>
               </a:xfrm>
               <a:prstGeom prst="roundRect">
                 <a:avLst>
@@ -27668,13 +28100,13 @@
           </p:sp>
           <p:sp>
             <p:nvSpPr>
-              <p:cNvPr id="118" name="TextBox 117"/>
+              <p:cNvPr id="43" name="TextBox 42"/>
               <p:cNvSpPr txBox="1"/>
               <p:nvPr/>
             </p:nvSpPr>
             <p:spPr>
               <a:xfrm>
-                <a:off x="4111682" y="4051857"/>
+                <a:off x="4111682" y="5204514"/>
                 <a:ext cx="1440266" cy="276999"/>
               </a:xfrm>
               <a:prstGeom prst="rect">
@@ -27717,14 +28149,14 @@
           </p:sp>
           <p:sp>
             <p:nvSpPr>
-              <p:cNvPr id="120" name="Rectangle 119"/>
+              <p:cNvPr id="44" name="Rectangle 43"/>
               <p:cNvSpPr/>
               <p:nvPr/>
             </p:nvSpPr>
             <p:spPr>
               <a:xfrm>
-                <a:off x="1640324" y="4396579"/>
-                <a:ext cx="2340238" cy="1591839"/>
+                <a:off x="1640324" y="5549237"/>
+                <a:ext cx="2340238" cy="1057886"/>
               </a:xfrm>
               <a:prstGeom prst="rect">
                 <a:avLst/>
@@ -27760,134 +28192,26 @@
               </a:p>
             </p:txBody>
           </p:sp>
-          <p:cxnSp>
-            <p:nvCxnSpPr>
-              <p:cNvPr id="122" name="Straight Connector 121"/>
-              <p:cNvCxnSpPr/>
-              <p:nvPr/>
-            </p:nvCxnSpPr>
-            <p:spPr>
-              <a:xfrm>
-                <a:off x="1972859" y="4928144"/>
-                <a:ext cx="196210" cy="0"/>
-              </a:xfrm>
-              <a:prstGeom prst="line">
-                <a:avLst/>
-              </a:prstGeom>
-              <a:ln w="6350">
-                <a:solidFill>
-                  <a:srgbClr val="2C74A5"/>
-                </a:solidFill>
-              </a:ln>
-            </p:spPr>
-            <p:style>
-              <a:lnRef idx="1">
-                <a:schemeClr val="dk1"/>
-              </a:lnRef>
-              <a:fillRef idx="0">
-                <a:schemeClr val="dk1"/>
-              </a:fillRef>
-              <a:effectRef idx="0">
-                <a:schemeClr val="dk1"/>
-              </a:effectRef>
-              <a:fontRef idx="minor">
-                <a:schemeClr val="tx1"/>
-              </a:fontRef>
-            </p:style>
-          </p:cxnSp>
-          <p:cxnSp>
-            <p:nvCxnSpPr>
-              <p:cNvPr id="124" name="Straight Connector 123"/>
-              <p:cNvCxnSpPr/>
-              <p:nvPr/>
-            </p:nvCxnSpPr>
-            <p:spPr>
-              <a:xfrm>
-                <a:off x="1970704" y="4693085"/>
-                <a:ext cx="0" cy="566928"/>
-              </a:xfrm>
-              <a:prstGeom prst="line">
-                <a:avLst/>
-              </a:prstGeom>
-              <a:ln w="6350">
-                <a:solidFill>
-                  <a:srgbClr val="2C74A5"/>
-                </a:solidFill>
-              </a:ln>
-            </p:spPr>
-            <p:style>
-              <a:lnRef idx="1">
-                <a:schemeClr val="dk1"/>
-              </a:lnRef>
-              <a:fillRef idx="0">
-                <a:schemeClr val="dk1"/>
-              </a:fillRef>
-              <a:effectRef idx="0">
-                <a:schemeClr val="dk1"/>
-              </a:effectRef>
-              <a:fontRef idx="minor">
-                <a:schemeClr val="tx1"/>
-              </a:fontRef>
-            </p:style>
-          </p:cxnSp>
-          <p:cxnSp>
-            <p:nvCxnSpPr>
-              <p:cNvPr id="125" name="Straight Connector 124"/>
-              <p:cNvCxnSpPr/>
-              <p:nvPr/>
-            </p:nvCxnSpPr>
-            <p:spPr>
-              <a:xfrm>
-                <a:off x="1972859" y="5258489"/>
-                <a:ext cx="196210" cy="0"/>
-              </a:xfrm>
-              <a:prstGeom prst="line">
-                <a:avLst/>
-              </a:prstGeom>
-              <a:ln w="6350">
-                <a:solidFill>
-                  <a:srgbClr val="2C74A5"/>
-                </a:solidFill>
-              </a:ln>
-            </p:spPr>
-            <p:style>
-              <a:lnRef idx="1">
-                <a:schemeClr val="dk1"/>
-              </a:lnRef>
-              <a:fillRef idx="0">
-                <a:schemeClr val="dk1"/>
-              </a:fillRef>
-              <a:effectRef idx="0">
-                <a:schemeClr val="dk1"/>
-              </a:effectRef>
-              <a:fontRef idx="minor">
-                <a:schemeClr val="tx1"/>
-              </a:fontRef>
-            </p:style>
-          </p:cxnSp>
           <p:sp>
             <p:nvSpPr>
-              <p:cNvPr id="126" name="Rounded Rectangle 125"/>
+              <p:cNvPr id="45" name="Rectangle 44"/>
               <p:cNvSpPr/>
               <p:nvPr/>
             </p:nvSpPr>
             <p:spPr>
               <a:xfrm>
-                <a:off x="2111276" y="5132267"/>
-                <a:ext cx="1486039" cy="243396"/>
+                <a:off x="4049025" y="5547339"/>
+                <a:ext cx="2144647" cy="1059784"/>
               </a:xfrm>
-              <a:prstGeom prst="roundRect">
-                <a:avLst>
-                  <a:gd name="adj" fmla="val 50000"/>
-                </a:avLst>
+              <a:prstGeom prst="rect">
+                <a:avLst/>
               </a:prstGeom>
-              <a:solidFill>
-                <a:schemeClr val="bg1"/>
-              </a:solidFill>
-              <a:ln w="6350">
+              <a:noFill/>
+              <a:ln w="3175">
                 <a:solidFill>
                   <a:srgbClr val="2C74A5"/>
                 </a:solidFill>
+                <a:prstDash val="dash"/>
               </a:ln>
             </p:spPr>
             <p:style>
@@ -27905,60 +28229,24 @@
               </a:fontRef>
             </p:style>
             <p:txBody>
-              <a:bodyPr lIns="182880" rIns="36576" rtlCol="0" anchor="ctr"/>
+              <a:bodyPr rtlCol="0" anchor="ctr"/>
               <a:lstStyle/>
               <a:p>
-                <a:pPr>
-                  <a:spcAft>
-                    <a:spcPts val="600"/>
-                  </a:spcAft>
-                </a:pPr>
-                <a:r>
-                  <a:rPr lang="en-US" sz="800" dirty="0">
-                    <a:solidFill>
-                      <a:srgbClr val="E84C3B"/>
-                    </a:solidFill>
-                    <a:cs typeface="Arial Narrow"/>
-                  </a:rPr>
-                  <a:t>SIZE:</a:t>
-                </a:r>
-                <a:r>
-                  <a:rPr lang="en-US" sz="800" dirty="0">
-                    <a:solidFill>
-                      <a:srgbClr val="0070C0"/>
-                    </a:solidFill>
-                    <a:cs typeface="Arial Narrow"/>
-                  </a:rPr>
-                  <a:t> </a:t>
-                </a:r>
-                <a:r>
-                  <a:rPr lang="en-US" sz="800" b="1" dirty="0" smtClean="0">
-                    <a:solidFill>
-                      <a:srgbClr val="2C74A5"/>
-                    </a:solidFill>
-                    <a:cs typeface="Arial Narrow"/>
-                  </a:rPr>
-                  <a:t>TALL</a:t>
-                </a:r>
-                <a:endParaRPr lang="en-US" sz="800" b="1" dirty="0">
-                  <a:solidFill>
-                    <a:srgbClr val="2C74A5"/>
-                  </a:solidFill>
-                  <a:cs typeface="Arial Narrow"/>
-                </a:endParaRPr>
+                <a:pPr algn="ctr"/>
+                <a:endParaRPr lang="en-US"/>
               </a:p>
             </p:txBody>
           </p:sp>
           <p:sp>
             <p:nvSpPr>
-              <p:cNvPr id="127" name="Rounded Rectangle 126"/>
+              <p:cNvPr id="46" name="Rounded Rectangle 45"/>
               <p:cNvSpPr/>
               <p:nvPr/>
             </p:nvSpPr>
             <p:spPr>
               <a:xfrm>
-                <a:off x="1710414" y="4464922"/>
-                <a:ext cx="2226201" cy="243396"/>
+                <a:off x="4122593" y="5617579"/>
+                <a:ext cx="1117622" cy="243396"/>
               </a:xfrm>
               <a:prstGeom prst="roundRect">
                 <a:avLst>
@@ -28004,7 +28292,7 @@
                     </a:solidFill>
                     <a:cs typeface="Arial Narrow"/>
                   </a:rPr>
-                  <a:t>PRODUCT:</a:t>
+                  <a:t>DISH:</a:t>
                 </a:r>
                 <a:r>
                   <a:rPr lang="en-US" sz="800" dirty="0" smtClean="0">
@@ -28022,7 +28310,7 @@
                     </a:solidFill>
                     <a:cs typeface="Arial Narrow"/>
                   </a:rPr>
-                  <a:t>LATTES</a:t>
+                  <a:t>CALZONE</a:t>
                 </a:r>
                 <a:endParaRPr lang="en-US" sz="800" b="1" dirty="0">
                   <a:solidFill>
@@ -28035,98 +28323,14 @@
           </p:sp>
           <p:sp>
             <p:nvSpPr>
-              <p:cNvPr id="128" name="Rounded Rectangle 127"/>
+              <p:cNvPr id="47" name="Rectangle 46"/>
               <p:cNvSpPr/>
               <p:nvPr/>
             </p:nvSpPr>
             <p:spPr>
               <a:xfrm>
-                <a:off x="2111281" y="4804574"/>
-                <a:ext cx="1486039" cy="243396"/>
-              </a:xfrm>
-              <a:prstGeom prst="roundRect">
-                <a:avLst>
-                  <a:gd name="adj" fmla="val 50000"/>
-                </a:avLst>
-              </a:prstGeom>
-              <a:solidFill>
-                <a:schemeClr val="bg1"/>
-              </a:solidFill>
-              <a:ln w="6350">
-                <a:solidFill>
-                  <a:srgbClr val="2C74A5"/>
-                </a:solidFill>
-              </a:ln>
-            </p:spPr>
-            <p:style>
-              <a:lnRef idx="2">
-                <a:schemeClr val="dk1"/>
-              </a:lnRef>
-              <a:fillRef idx="1">
-                <a:schemeClr val="lt1"/>
-              </a:fillRef>
-              <a:effectRef idx="0">
-                <a:schemeClr val="dk1"/>
-              </a:effectRef>
-              <a:fontRef idx="minor">
-                <a:schemeClr val="dk1"/>
-              </a:fontRef>
-            </p:style>
-            <p:txBody>
-              <a:bodyPr lIns="182880" rIns="36576" rtlCol="0" anchor="ctr"/>
-              <a:lstStyle/>
-              <a:p>
-                <a:pPr>
-                  <a:spcAft>
-                    <a:spcPts val="600"/>
-                  </a:spcAft>
-                </a:pPr>
-                <a:r>
-                  <a:rPr lang="en-US" sz="800" dirty="0">
-                    <a:solidFill>
-                      <a:srgbClr val="E84C3B"/>
-                    </a:solidFill>
-                    <a:cs typeface="Arial Narrow"/>
-                  </a:rPr>
-                  <a:t>QUANTITY:</a:t>
-                </a:r>
-                <a:r>
-                  <a:rPr lang="en-US" sz="800" dirty="0">
-                    <a:solidFill>
-                      <a:srgbClr val="0070C0"/>
-                    </a:solidFill>
-                    <a:cs typeface="Arial Narrow"/>
-                  </a:rPr>
-                  <a:t> </a:t>
-                </a:r>
-                <a:r>
-                  <a:rPr lang="en-US" sz="800" b="1" dirty="0" smtClean="0">
-                    <a:solidFill>
-                      <a:srgbClr val="2C74A5"/>
-                    </a:solidFill>
-                    <a:cs typeface="Arial Narrow"/>
-                  </a:rPr>
-                  <a:t>TWO</a:t>
-                </a:r>
-                <a:endParaRPr lang="en-US" sz="800" b="1" dirty="0">
-                  <a:solidFill>
-                    <a:srgbClr val="2C74A5"/>
-                  </a:solidFill>
-                  <a:cs typeface="Arial Narrow"/>
-                </a:endParaRPr>
-              </a:p>
-            </p:txBody>
-          </p:sp>
-          <p:sp>
-            <p:nvSpPr>
-              <p:cNvPr id="129" name="Rectangle 128"/>
-              <p:cNvSpPr/>
-              <p:nvPr/>
-            </p:nvSpPr>
-            <p:spPr>
-              <a:xfrm>
-                <a:off x="4049025" y="4394682"/>
-                <a:ext cx="2144647" cy="1593736"/>
+                <a:off x="6262135" y="5547339"/>
+                <a:ext cx="1762682" cy="1059784"/>
               </a:xfrm>
               <a:prstGeom prst="rect">
                 <a:avLst/>
@@ -28164,49 +28368,14 @@
           </p:sp>
           <p:cxnSp>
             <p:nvCxnSpPr>
-              <p:cNvPr id="130" name="Straight Connector 129"/>
+              <p:cNvPr id="48" name="Straight Connector 47"/>
               <p:cNvCxnSpPr/>
               <p:nvPr/>
             </p:nvCxnSpPr>
             <p:spPr>
               <a:xfrm>
-                <a:off x="4379933" y="4933132"/>
-                <a:ext cx="196210" cy="0"/>
-              </a:xfrm>
-              <a:prstGeom prst="line">
-                <a:avLst/>
-              </a:prstGeom>
-              <a:ln w="6350">
-                <a:solidFill>
-                  <a:srgbClr val="2C74A5"/>
-                </a:solidFill>
-              </a:ln>
-            </p:spPr>
-            <p:style>
-              <a:lnRef idx="1">
-                <a:schemeClr val="dk1"/>
-              </a:lnRef>
-              <a:fillRef idx="0">
-                <a:schemeClr val="dk1"/>
-              </a:fillRef>
-              <a:effectRef idx="0">
-                <a:schemeClr val="dk1"/>
-              </a:effectRef>
-              <a:fontRef idx="minor">
-                <a:schemeClr val="tx1"/>
-              </a:fontRef>
-            </p:style>
-          </p:cxnSp>
-          <p:cxnSp>
-            <p:nvCxnSpPr>
-              <p:cNvPr id="132" name="Straight Connector 131"/>
-              <p:cNvCxnSpPr/>
-              <p:nvPr/>
-            </p:nvCxnSpPr>
-            <p:spPr>
-              <a:xfrm>
-                <a:off x="4379933" y="4706360"/>
-                <a:ext cx="0" cy="906076"/>
+                <a:off x="6597324" y="5862218"/>
+                <a:ext cx="0" cy="228600"/>
               </a:xfrm>
               <a:prstGeom prst="line">
                 <a:avLst/>
@@ -28234,92 +28403,14 @@
           </p:cxnSp>
           <p:sp>
             <p:nvSpPr>
-              <p:cNvPr id="133" name="Rounded Rectangle 132"/>
+              <p:cNvPr id="51" name="Rounded Rectangle 50"/>
               <p:cNvSpPr/>
               <p:nvPr/>
             </p:nvSpPr>
             <p:spPr>
               <a:xfrm>
-                <a:off x="4538799" y="4804574"/>
-                <a:ext cx="1613741" cy="243396"/>
-              </a:xfrm>
-              <a:prstGeom prst="roundRect">
-                <a:avLst>
-                  <a:gd name="adj" fmla="val 50000"/>
-                </a:avLst>
-              </a:prstGeom>
-              <a:solidFill>
-                <a:schemeClr val="bg1"/>
-              </a:solidFill>
-              <a:ln w="6350">
-                <a:solidFill>
-                  <a:srgbClr val="2C74A5"/>
-                </a:solidFill>
-              </a:ln>
-            </p:spPr>
-            <p:style>
-              <a:lnRef idx="2">
-                <a:schemeClr val="dk1"/>
-              </a:lnRef>
-              <a:fillRef idx="1">
-                <a:schemeClr val="lt1"/>
-              </a:fillRef>
-              <a:effectRef idx="0">
-                <a:schemeClr val="dk1"/>
-              </a:effectRef>
-              <a:fontRef idx="minor">
-                <a:schemeClr val="dk1"/>
-              </a:fontRef>
-            </p:style>
-            <p:txBody>
-              <a:bodyPr lIns="182880" rIns="36576" rtlCol="0" anchor="ctr"/>
-              <a:lstStyle/>
-              <a:p>
-                <a:pPr>
-                  <a:spcAft>
-                    <a:spcPts val="600"/>
-                  </a:spcAft>
-                </a:pPr>
-                <a:r>
-                  <a:rPr lang="en-US" sz="800" dirty="0">
-                    <a:solidFill>
-                      <a:srgbClr val="E84C3B"/>
-                    </a:solidFill>
-                    <a:cs typeface="Arial Narrow"/>
-                  </a:rPr>
-                  <a:t>OPTION:</a:t>
-                </a:r>
-                <a:r>
-                  <a:rPr lang="en-US" sz="800" dirty="0">
-                    <a:solidFill>
-                      <a:srgbClr val="0070C0"/>
-                    </a:solidFill>
-                    <a:cs typeface="Arial Narrow"/>
-                  </a:rPr>
-                  <a:t> </a:t>
-                </a:r>
-                <a:r>
-                  <a:rPr lang="en-US" sz="800" b="1" dirty="0">
-                    <a:solidFill>
-                      <a:srgbClr val="2C74A5"/>
-                    </a:solidFill>
-                    <a:cs typeface="Arial Narrow"/>
-                  </a:rPr>
-                  <a:t>DECAF</a:t>
-                </a:r>
-              </a:p>
-            </p:txBody>
-          </p:sp>
-          <p:sp>
-            <p:nvSpPr>
-              <p:cNvPr id="134" name="Rounded Rectangle 133"/>
-              <p:cNvSpPr/>
-              <p:nvPr/>
-            </p:nvSpPr>
-            <p:spPr>
-              <a:xfrm>
-                <a:off x="4122593" y="4464922"/>
-                <a:ext cx="1829248" cy="243396"/>
+                <a:off x="6339984" y="5611444"/>
+                <a:ext cx="1117622" cy="243396"/>
               </a:xfrm>
               <a:prstGeom prst="roundRect">
                 <a:avLst>
@@ -28365,7 +28456,7 @@
                     </a:solidFill>
                     <a:cs typeface="Arial Narrow"/>
                   </a:rPr>
-                  <a:t>PRODUCT:</a:t>
+                  <a:t>DISH:</a:t>
                 </a:r>
                 <a:r>
                   <a:rPr lang="en-US" sz="800" dirty="0" smtClean="0">
@@ -28383,7 +28474,7 @@
                     </a:solidFill>
                     <a:cs typeface="Arial Narrow"/>
                   </a:rPr>
-                  <a:t>CAFÉ MOCHA</a:t>
+                  <a:t>COKE</a:t>
                 </a:r>
                 <a:endParaRPr lang="en-US" sz="800" b="1" dirty="0">
                   <a:solidFill>
@@ -28394,65 +28485,51 @@
               </a:p>
             </p:txBody>
           </p:sp>
+          <p:cxnSp>
+            <p:nvCxnSpPr>
+              <p:cNvPr id="53" name="Straight Connector 52"/>
+              <p:cNvCxnSpPr/>
+              <p:nvPr/>
+            </p:nvCxnSpPr>
+            <p:spPr>
+              <a:xfrm>
+                <a:off x="6597384" y="6085789"/>
+                <a:ext cx="196210" cy="0"/>
+              </a:xfrm>
+              <a:prstGeom prst="line">
+                <a:avLst/>
+              </a:prstGeom>
+              <a:ln w="6350">
+                <a:solidFill>
+                  <a:srgbClr val="2C74A5"/>
+                </a:solidFill>
+              </a:ln>
+            </p:spPr>
+            <p:style>
+              <a:lnRef idx="1">
+                <a:schemeClr val="dk1"/>
+              </a:lnRef>
+              <a:fillRef idx="0">
+                <a:schemeClr val="dk1"/>
+              </a:fillRef>
+              <a:effectRef idx="0">
+                <a:schemeClr val="dk1"/>
+              </a:effectRef>
+              <a:fontRef idx="minor">
+                <a:schemeClr val="tx1"/>
+              </a:fontRef>
+            </p:style>
+          </p:cxnSp>
           <p:sp>
             <p:nvSpPr>
-              <p:cNvPr id="136" name="Rectangle 135"/>
+              <p:cNvPr id="54" name="Rounded Rectangle 53"/>
               <p:cNvSpPr/>
               <p:nvPr/>
             </p:nvSpPr>
             <p:spPr>
               <a:xfrm>
-                <a:off x="6262135" y="4394682"/>
-                <a:ext cx="1762682" cy="1593736"/>
-              </a:xfrm>
-              <a:prstGeom prst="rect">
-                <a:avLst/>
-              </a:prstGeom>
-              <a:noFill/>
-              <a:ln w="3175">
-                <a:solidFill>
-                  <a:srgbClr val="2C74A5"/>
-                </a:solidFill>
-                <a:prstDash val="dash"/>
-              </a:ln>
-            </p:spPr>
-            <p:style>
-              <a:lnRef idx="2">
-                <a:schemeClr val="dk1"/>
-              </a:lnRef>
-              <a:fillRef idx="1">
-                <a:schemeClr val="lt1"/>
-              </a:fillRef>
-              <a:effectRef idx="0">
-                <a:schemeClr val="dk1"/>
-              </a:effectRef>
-              <a:fontRef idx="minor">
-                <a:schemeClr val="dk1"/>
-              </a:fontRef>
-            </p:style>
-            <p:txBody>
-              <a:bodyPr rtlCol="0" anchor="ctr"/>
-              <a:lstStyle/>
-              <a:p>
-                <a:pPr algn="ctr"/>
-                <a:endParaRPr lang="en-US">
-                  <a:solidFill>
-                    <a:srgbClr val="2C74A5"/>
-                  </a:solidFill>
-                </a:endParaRPr>
-              </a:p>
-            </p:txBody>
-          </p:sp>
-          <p:sp>
-            <p:nvSpPr>
-              <p:cNvPr id="137" name="Rounded Rectangle 136"/>
-              <p:cNvSpPr/>
-              <p:nvPr/>
-            </p:nvSpPr>
-            <p:spPr>
-              <a:xfrm>
-                <a:off x="6330597" y="4458600"/>
-                <a:ext cx="1610391" cy="243396"/>
+                <a:off x="6762513" y="5957231"/>
+                <a:ext cx="1184797" cy="250256"/>
               </a:xfrm>
               <a:prstGeom prst="roundRect">
                 <a:avLst>
@@ -28498,7 +28575,7 @@
                     </a:solidFill>
                     <a:cs typeface="Arial Narrow"/>
                   </a:rPr>
-                  <a:t>STORE:</a:t>
+                  <a:t>QUANTITY:</a:t>
                 </a:r>
                 <a:r>
                   <a:rPr lang="en-US" sz="800" dirty="0" smtClean="0">
@@ -28516,7 +28593,7 @@
                     </a:solidFill>
                     <a:cs typeface="Arial Narrow"/>
                   </a:rPr>
-                  <a:t>BROADWAY</a:t>
+                  <a:t>TWO</a:t>
                 </a:r>
                 <a:endParaRPr lang="en-US" sz="800" b="1" dirty="0">
                   <a:solidFill>
@@ -28529,14 +28606,14 @@
           </p:sp>
           <p:cxnSp>
             <p:nvCxnSpPr>
-              <p:cNvPr id="140" name="Straight Connector 139"/>
+              <p:cNvPr id="56" name="Straight Connector 55"/>
               <p:cNvCxnSpPr/>
               <p:nvPr/>
             </p:nvCxnSpPr>
             <p:spPr>
               <a:xfrm>
-                <a:off x="4379933" y="5272784"/>
-                <a:ext cx="196210" cy="0"/>
+                <a:off x="1970223" y="5882543"/>
+                <a:ext cx="0" cy="228600"/>
               </a:xfrm>
               <a:prstGeom prst="line">
                 <a:avLst/>
@@ -28564,14 +28641,14 @@
           </p:cxnSp>
           <p:sp>
             <p:nvSpPr>
-              <p:cNvPr id="141" name="Rounded Rectangle 140"/>
+              <p:cNvPr id="57" name="Rounded Rectangle 56"/>
               <p:cNvSpPr/>
               <p:nvPr/>
             </p:nvSpPr>
             <p:spPr>
               <a:xfrm>
-                <a:off x="4538799" y="5144226"/>
-                <a:ext cx="1613741" cy="243396"/>
+                <a:off x="1712883" y="5636368"/>
+                <a:ext cx="1585992" cy="243396"/>
               </a:xfrm>
               <a:prstGeom prst="roundRect">
                 <a:avLst>
@@ -28611,16 +28688,16 @@
                   </a:spcAft>
                 </a:pPr>
                 <a:r>
-                  <a:rPr lang="en-US" sz="800" dirty="0">
+                  <a:rPr lang="en-US" sz="800" dirty="0" smtClean="0">
                     <a:solidFill>
                       <a:srgbClr val="E84C3B"/>
                     </a:solidFill>
                     <a:cs typeface="Arial Narrow"/>
                   </a:rPr>
-                  <a:t>SIZE:</a:t>
+                  <a:t>DISH:</a:t>
                 </a:r>
                 <a:r>
-                  <a:rPr lang="en-US" sz="800" dirty="0">
+                  <a:rPr lang="en-US" sz="800" dirty="0" smtClean="0">
                     <a:solidFill>
                       <a:srgbClr val="0070C0"/>
                     </a:solidFill>
@@ -28635,20 +28712,35 @@
                     </a:solidFill>
                     <a:cs typeface="Arial Narrow"/>
                   </a:rPr>
-                  <a:t>SMALL</a:t>
+                  <a:t>PEPPERONI </a:t>
                 </a:r>
+                <a:r>
+                  <a:rPr lang="en-US" sz="800" b="1" dirty="0" smtClean="0">
+                    <a:solidFill>
+                      <a:srgbClr val="2C74A5"/>
+                    </a:solidFill>
+                    <a:cs typeface="Arial Narrow"/>
+                  </a:rPr>
+                  <a:t>PIZZA</a:t>
+                </a:r>
+                <a:endParaRPr lang="en-US" sz="800" b="1" dirty="0">
+                  <a:solidFill>
+                    <a:srgbClr val="2C74A5"/>
+                  </a:solidFill>
+                  <a:cs typeface="Arial Narrow"/>
+                </a:endParaRPr>
               </a:p>
             </p:txBody>
           </p:sp>
           <p:cxnSp>
             <p:nvCxnSpPr>
-              <p:cNvPr id="144" name="Straight Connector 143"/>
+              <p:cNvPr id="59" name="Straight Connector 58"/>
               <p:cNvCxnSpPr/>
               <p:nvPr/>
             </p:nvCxnSpPr>
             <p:spPr>
               <a:xfrm>
-                <a:off x="4379933" y="5612436"/>
+                <a:off x="1970223" y="6109607"/>
                 <a:ext cx="196210" cy="0"/>
               </a:xfrm>
               <a:prstGeom prst="line">
@@ -28677,13 +28769,13 @@
           </p:cxnSp>
           <p:sp>
             <p:nvSpPr>
-              <p:cNvPr id="145" name="Rounded Rectangle 144"/>
+              <p:cNvPr id="61" name="Rounded Rectangle 60"/>
               <p:cNvSpPr/>
               <p:nvPr/>
             </p:nvSpPr>
             <p:spPr>
               <a:xfrm>
-                <a:off x="4538799" y="5483878"/>
+                <a:off x="2129089" y="5969120"/>
                 <a:ext cx="1613741" cy="243396"/>
               </a:xfrm>
               <a:prstGeom prst="roundRect">
@@ -28748,7 +28840,7 @@
                     </a:solidFill>
                     <a:cs typeface="Arial Narrow"/>
                   </a:rPr>
-                  <a:t>WHIPPED CREAM</a:t>
+                  <a:t>EXTRA CHEESE</a:t>
                 </a:r>
                 <a:endParaRPr lang="en-US" sz="800" b="1" dirty="0">
                   <a:solidFill>
@@ -28764,7 +28856,7 @@
     </p:spTree>
     <p:extLst>
       <p:ext uri="{BB962C8B-B14F-4D97-AF65-F5344CB8AC3E}">
-        <p14:creationId xmlns:p14="http://schemas.microsoft.com/office/powerpoint/2010/main" val="2048132895"/>
+        <p14:creationId xmlns:p14="http://schemas.microsoft.com/office/powerpoint/2010/main" val="2059387752"/>
       </p:ext>
     </p:extLst>
   </p:cSld>
@@ -29621,2888 +29713,6 @@
   <p:clrMapOvr>
     <a:masterClrMapping/>
   </p:clrMapOvr>
-  <p:timing>
-    <p:tnLst>
-      <p:par>
-        <p:cTn id="1" dur="indefinite" restart="never" nodeType="tmRoot"/>
-      </p:par>
-    </p:tnLst>
-  </p:timing>
-</p:sld>
-</file>
-
-<file path=ppt/slides/slide20.xml><?xml version="1.0" encoding="utf-8"?>
-<p:sld xmlns:a="http://schemas.openxmlformats.org/drawingml/2006/main" xmlns:r="http://schemas.openxmlformats.org/officeDocument/2006/relationships" xmlns:p="http://schemas.openxmlformats.org/presentationml/2006/main">
-  <p:cSld>
-    <p:spTree>
-      <p:nvGrpSpPr>
-        <p:cNvPr id="1" name=""/>
-        <p:cNvGrpSpPr/>
-        <p:nvPr/>
-      </p:nvGrpSpPr>
-      <p:grpSpPr>
-        <a:xfrm>
-          <a:off x="0" y="0"/>
-          <a:ext cx="0" cy="0"/>
-          <a:chOff x="0" y="0"/>
-          <a:chExt cx="0" cy="0"/>
-        </a:xfrm>
-      </p:grpSpPr>
-      <p:sp>
-        <p:nvSpPr>
-          <p:cNvPr id="73" name="Rounded Rectangle 72"/>
-          <p:cNvSpPr/>
-          <p:nvPr/>
-        </p:nvSpPr>
-        <p:spPr>
-          <a:xfrm>
-            <a:off x="1336360" y="1001262"/>
-            <a:ext cx="6973977" cy="411076"/>
-          </a:xfrm>
-          <a:prstGeom prst="roundRect">
-            <a:avLst>
-              <a:gd name="adj" fmla="val 11698"/>
-            </a:avLst>
-          </a:prstGeom>
-          <a:solidFill>
-            <a:srgbClr val="F2F2F2"/>
-          </a:solidFill>
-          <a:ln w="6350">
-            <a:solidFill>
-              <a:srgbClr val="2C74A5"/>
-            </a:solidFill>
-          </a:ln>
-        </p:spPr>
-        <p:style>
-          <a:lnRef idx="2">
-            <a:schemeClr val="dk1"/>
-          </a:lnRef>
-          <a:fillRef idx="1">
-            <a:schemeClr val="lt1"/>
-          </a:fillRef>
-          <a:effectRef idx="0">
-            <a:schemeClr val="dk1"/>
-          </a:effectRef>
-          <a:fontRef idx="minor">
-            <a:schemeClr val="dk1"/>
-          </a:fontRef>
-        </p:style>
-        <p:txBody>
-          <a:bodyPr lIns="274320" rtlCol="0" anchor="ctr"/>
-          <a:lstStyle/>
-          <a:p>
-            <a:pPr>
-              <a:spcAft>
-                <a:spcPts val="600"/>
-              </a:spcAft>
-            </a:pPr>
-            <a:r>
-              <a:rPr lang="en-US" sz="1400" dirty="0" smtClean="0">
-                <a:solidFill>
-                  <a:srgbClr val="2C74A5"/>
-                </a:solidFill>
-                <a:cs typeface="Arial Narrow"/>
-              </a:rPr>
-              <a:t>“I’d like to order a pepperoni pizza with extra cheese, a calzone and two diet coke.”</a:t>
-            </a:r>
-            <a:endParaRPr lang="en-US" sz="1400" dirty="0">
-              <a:solidFill>
-                <a:srgbClr val="2C74A5"/>
-              </a:solidFill>
-              <a:cs typeface="Arial Narrow"/>
-            </a:endParaRPr>
-          </a:p>
-        </p:txBody>
-      </p:sp>
-      <p:sp>
-        <p:nvSpPr>
-          <p:cNvPr id="74" name="TextBox 73"/>
-          <p:cNvSpPr txBox="1"/>
-          <p:nvPr/>
-        </p:nvSpPr>
-        <p:spPr>
-          <a:xfrm>
-            <a:off x="177242" y="1001654"/>
-            <a:ext cx="611682" cy="276999"/>
-          </a:xfrm>
-          <a:prstGeom prst="rect">
-            <a:avLst/>
-          </a:prstGeom>
-          <a:noFill/>
-        </p:spPr>
-        <p:txBody>
-          <a:bodyPr wrap="none" rtlCol="0" anchor="ctr">
-            <a:spAutoFit/>
-          </a:bodyPr>
-          <a:lstStyle>
-            <a:defPPr>
-              <a:defRPr lang="en-US"/>
-            </a:defPPr>
-            <a:lvl1pPr algn="ctr">
-              <a:defRPr sz="1200">
-                <a:solidFill>
-                  <a:srgbClr val="A6A6A6"/>
-                </a:solidFill>
-                <a:latin typeface="Arial Narrow"/>
-                <a:cs typeface="Arial Narrow"/>
-              </a:defRPr>
-            </a:lvl1pPr>
-          </a:lstStyle>
-          <a:p>
-            <a:r>
-              <a:rPr lang="en-US" b="1" dirty="0"/>
-              <a:t>INPUT</a:t>
-            </a:r>
-          </a:p>
-        </p:txBody>
-      </p:sp>
-      <p:sp>
-        <p:nvSpPr>
-          <p:cNvPr id="75" name="TextBox 74"/>
-          <p:cNvSpPr txBox="1"/>
-          <p:nvPr/>
-        </p:nvSpPr>
-        <p:spPr>
-          <a:xfrm>
-            <a:off x="177242" y="2437249"/>
-            <a:ext cx="920830" cy="461665"/>
-          </a:xfrm>
-          <a:prstGeom prst="rect">
-            <a:avLst/>
-          </a:prstGeom>
-          <a:noFill/>
-        </p:spPr>
-        <p:txBody>
-          <a:bodyPr wrap="none" rtlCol="0">
-            <a:spAutoFit/>
-          </a:bodyPr>
-          <a:lstStyle/>
-          <a:p>
-            <a:r>
-              <a:rPr lang="en-US" sz="1200" b="1" dirty="0" smtClean="0">
-                <a:solidFill>
-                  <a:srgbClr val="A6A6A6"/>
-                </a:solidFill>
-                <a:latin typeface="Arial Narrow"/>
-                <a:cs typeface="Arial Narrow"/>
-              </a:rPr>
-              <a:t>CANDIDATE</a:t>
-            </a:r>
-          </a:p>
-          <a:p>
-            <a:r>
-              <a:rPr lang="en-US" sz="1200" b="1" dirty="0" smtClean="0">
-                <a:solidFill>
-                  <a:srgbClr val="A6A6A6"/>
-                </a:solidFill>
-                <a:latin typeface="Arial Narrow"/>
-                <a:cs typeface="Arial Narrow"/>
-              </a:rPr>
-              <a:t>PARSE</a:t>
-            </a:r>
-            <a:r>
-              <a:rPr lang="en-US" sz="1200" b="1" dirty="0">
-                <a:solidFill>
-                  <a:srgbClr val="A6A6A6"/>
-                </a:solidFill>
-                <a:latin typeface="Arial Narrow"/>
-                <a:cs typeface="Arial Narrow"/>
-              </a:rPr>
-              <a:t> </a:t>
-            </a:r>
-            <a:r>
-              <a:rPr lang="en-US" sz="1200" b="1" dirty="0" smtClean="0">
-                <a:solidFill>
-                  <a:srgbClr val="A6A6A6"/>
-                </a:solidFill>
-                <a:latin typeface="Arial Narrow"/>
-                <a:cs typeface="Arial Narrow"/>
-              </a:rPr>
-              <a:t>#1</a:t>
-            </a:r>
-          </a:p>
-        </p:txBody>
-      </p:sp>
-      <p:sp>
-        <p:nvSpPr>
-          <p:cNvPr id="71" name="Rounded Rectangle 70"/>
-          <p:cNvSpPr/>
-          <p:nvPr/>
-        </p:nvSpPr>
-        <p:spPr>
-          <a:xfrm>
-            <a:off x="1545021" y="1619978"/>
-            <a:ext cx="6556657" cy="2096208"/>
-          </a:xfrm>
-          <a:prstGeom prst="roundRect">
-            <a:avLst>
-              <a:gd name="adj" fmla="val 3581"/>
-            </a:avLst>
-          </a:prstGeom>
-          <a:solidFill>
-            <a:srgbClr val="F2F2F2"/>
-          </a:solidFill>
-          <a:ln w="3175">
-            <a:solidFill>
-              <a:srgbClr val="2C74A5"/>
-            </a:solidFill>
-            <a:prstDash val="solid"/>
-          </a:ln>
-        </p:spPr>
-        <p:style>
-          <a:lnRef idx="2">
-            <a:schemeClr val="dk1"/>
-          </a:lnRef>
-          <a:fillRef idx="1">
-            <a:schemeClr val="lt1"/>
-          </a:fillRef>
-          <a:effectRef idx="0">
-            <a:schemeClr val="dk1"/>
-          </a:effectRef>
-          <a:fontRef idx="minor">
-            <a:schemeClr val="dk1"/>
-          </a:fontRef>
-        </p:style>
-        <p:txBody>
-          <a:bodyPr rtlCol="0" anchor="ctr"/>
-          <a:lstStyle/>
-          <a:p>
-            <a:pPr algn="ctr"/>
-            <a:endParaRPr lang="en-US"/>
-          </a:p>
-        </p:txBody>
-      </p:sp>
-      <p:sp>
-        <p:nvSpPr>
-          <p:cNvPr id="76" name="TextBox 75"/>
-          <p:cNvSpPr txBox="1"/>
-          <p:nvPr/>
-        </p:nvSpPr>
-        <p:spPr>
-          <a:xfrm>
-            <a:off x="4111682" y="1646456"/>
-            <a:ext cx="1440266" cy="276999"/>
-          </a:xfrm>
-          <a:prstGeom prst="rect">
-            <a:avLst/>
-          </a:prstGeom>
-          <a:noFill/>
-          <a:ln>
-            <a:noFill/>
-          </a:ln>
-        </p:spPr>
-        <p:txBody>
-          <a:bodyPr wrap="none" rtlCol="0">
-            <a:spAutoFit/>
-          </a:bodyPr>
-          <a:lstStyle/>
-          <a:p>
-            <a:r>
-              <a:rPr lang="en-US" sz="1200" b="1" smtClean="0">
-                <a:solidFill>
-                  <a:srgbClr val="2C74A5"/>
-                </a:solidFill>
-              </a:rPr>
-              <a:t>ENTITY </a:t>
-            </a:r>
-            <a:r>
-              <a:rPr lang="en-US" sz="1200" b="1" dirty="0" smtClean="0">
-                <a:solidFill>
-                  <a:srgbClr val="2C74A5"/>
-                </a:solidFill>
-              </a:rPr>
-              <a:t>GROUPS</a:t>
-            </a:r>
-            <a:endParaRPr lang="en-US" sz="1200" b="1" dirty="0">
-              <a:solidFill>
-                <a:srgbClr val="2C74A5"/>
-              </a:solidFill>
-            </a:endParaRPr>
-          </a:p>
-        </p:txBody>
-      </p:sp>
-      <p:sp>
-        <p:nvSpPr>
-          <p:cNvPr id="78" name="Rectangle 77"/>
-          <p:cNvSpPr/>
-          <p:nvPr/>
-        </p:nvSpPr>
-        <p:spPr>
-          <a:xfrm>
-            <a:off x="1640324" y="1991178"/>
-            <a:ext cx="2340238" cy="1591839"/>
-          </a:xfrm>
-          <a:prstGeom prst="rect">
-            <a:avLst/>
-          </a:prstGeom>
-          <a:noFill/>
-          <a:ln w="3175">
-            <a:solidFill>
-              <a:srgbClr val="2C74A5"/>
-            </a:solidFill>
-            <a:prstDash val="dash"/>
-          </a:ln>
-        </p:spPr>
-        <p:style>
-          <a:lnRef idx="2">
-            <a:schemeClr val="dk1"/>
-          </a:lnRef>
-          <a:fillRef idx="1">
-            <a:schemeClr val="lt1"/>
-          </a:fillRef>
-          <a:effectRef idx="0">
-            <a:schemeClr val="dk1"/>
-          </a:effectRef>
-          <a:fontRef idx="minor">
-            <a:schemeClr val="dk1"/>
-          </a:fontRef>
-        </p:style>
-        <p:txBody>
-          <a:bodyPr rtlCol="0" anchor="ctr"/>
-          <a:lstStyle/>
-          <a:p>
-            <a:pPr algn="ctr"/>
-            <a:endParaRPr lang="en-US"/>
-          </a:p>
-        </p:txBody>
-      </p:sp>
-      <p:cxnSp>
-        <p:nvCxnSpPr>
-          <p:cNvPr id="79" name="Straight Connector 78"/>
-          <p:cNvCxnSpPr/>
-          <p:nvPr/>
-        </p:nvCxnSpPr>
-        <p:spPr>
-          <a:xfrm>
-            <a:off x="1972859" y="2522743"/>
-            <a:ext cx="196210" cy="0"/>
-          </a:xfrm>
-          <a:prstGeom prst="line">
-            <a:avLst/>
-          </a:prstGeom>
-          <a:ln w="6350">
-            <a:solidFill>
-              <a:srgbClr val="2C74A5"/>
-            </a:solidFill>
-          </a:ln>
-        </p:spPr>
-        <p:style>
-          <a:lnRef idx="1">
-            <a:schemeClr val="dk1"/>
-          </a:lnRef>
-          <a:fillRef idx="0">
-            <a:schemeClr val="dk1"/>
-          </a:fillRef>
-          <a:effectRef idx="0">
-            <a:schemeClr val="dk1"/>
-          </a:effectRef>
-          <a:fontRef idx="minor">
-            <a:schemeClr val="tx1"/>
-          </a:fontRef>
-        </p:style>
-      </p:cxnSp>
-      <p:cxnSp>
-        <p:nvCxnSpPr>
-          <p:cNvPr id="80" name="Straight Connector 79"/>
-          <p:cNvCxnSpPr/>
-          <p:nvPr/>
-        </p:nvCxnSpPr>
-        <p:spPr>
-          <a:xfrm>
-            <a:off x="1970704" y="2287684"/>
-            <a:ext cx="2155" cy="895748"/>
-          </a:xfrm>
-          <a:prstGeom prst="line">
-            <a:avLst/>
-          </a:prstGeom>
-          <a:ln w="6350">
-            <a:solidFill>
-              <a:srgbClr val="2C74A5"/>
-            </a:solidFill>
-          </a:ln>
-        </p:spPr>
-        <p:style>
-          <a:lnRef idx="1">
-            <a:schemeClr val="dk1"/>
-          </a:lnRef>
-          <a:fillRef idx="0">
-            <a:schemeClr val="dk1"/>
-          </a:fillRef>
-          <a:effectRef idx="0">
-            <a:schemeClr val="dk1"/>
-          </a:effectRef>
-          <a:fontRef idx="minor">
-            <a:schemeClr val="tx1"/>
-          </a:fontRef>
-        </p:style>
-      </p:cxnSp>
-      <p:cxnSp>
-        <p:nvCxnSpPr>
-          <p:cNvPr id="81" name="Straight Connector 80"/>
-          <p:cNvCxnSpPr/>
-          <p:nvPr/>
-        </p:nvCxnSpPr>
-        <p:spPr>
-          <a:xfrm>
-            <a:off x="1972859" y="2853088"/>
-            <a:ext cx="196210" cy="0"/>
-          </a:xfrm>
-          <a:prstGeom prst="line">
-            <a:avLst/>
-          </a:prstGeom>
-          <a:ln w="6350">
-            <a:solidFill>
-              <a:srgbClr val="2C74A5"/>
-            </a:solidFill>
-          </a:ln>
-        </p:spPr>
-        <p:style>
-          <a:lnRef idx="1">
-            <a:schemeClr val="dk1"/>
-          </a:lnRef>
-          <a:fillRef idx="0">
-            <a:schemeClr val="dk1"/>
-          </a:fillRef>
-          <a:effectRef idx="0">
-            <a:schemeClr val="dk1"/>
-          </a:effectRef>
-          <a:fontRef idx="minor">
-            <a:schemeClr val="tx1"/>
-          </a:fontRef>
-        </p:style>
-      </p:cxnSp>
-      <p:sp>
-        <p:nvSpPr>
-          <p:cNvPr id="82" name="Rounded Rectangle 81"/>
-          <p:cNvSpPr/>
-          <p:nvPr/>
-        </p:nvSpPr>
-        <p:spPr>
-          <a:xfrm>
-            <a:off x="2111276" y="2726866"/>
-            <a:ext cx="1486039" cy="243396"/>
-          </a:xfrm>
-          <a:prstGeom prst="roundRect">
-            <a:avLst>
-              <a:gd name="adj" fmla="val 50000"/>
-            </a:avLst>
-          </a:prstGeom>
-          <a:solidFill>
-            <a:schemeClr val="bg1"/>
-          </a:solidFill>
-          <a:ln w="6350">
-            <a:solidFill>
-              <a:srgbClr val="2C74A5"/>
-            </a:solidFill>
-          </a:ln>
-        </p:spPr>
-        <p:style>
-          <a:lnRef idx="2">
-            <a:schemeClr val="dk1"/>
-          </a:lnRef>
-          <a:fillRef idx="1">
-            <a:schemeClr val="lt1"/>
-          </a:fillRef>
-          <a:effectRef idx="0">
-            <a:schemeClr val="dk1"/>
-          </a:effectRef>
-          <a:fontRef idx="minor">
-            <a:schemeClr val="dk1"/>
-          </a:fontRef>
-        </p:style>
-        <p:txBody>
-          <a:bodyPr lIns="182880" rIns="36576" rtlCol="0" anchor="ctr"/>
-          <a:lstStyle/>
-          <a:p>
-            <a:pPr>
-              <a:spcAft>
-                <a:spcPts val="600"/>
-              </a:spcAft>
-            </a:pPr>
-            <a:r>
-              <a:rPr lang="en-US" sz="800" dirty="0">
-                <a:solidFill>
-                  <a:srgbClr val="E84C3B"/>
-                </a:solidFill>
-                <a:cs typeface="Arial Narrow"/>
-              </a:rPr>
-              <a:t>SIZE:</a:t>
-            </a:r>
-            <a:r>
-              <a:rPr lang="en-US" sz="800" dirty="0">
-                <a:solidFill>
-                  <a:srgbClr val="0070C0"/>
-                </a:solidFill>
-                <a:cs typeface="Arial Narrow"/>
-              </a:rPr>
-              <a:t> </a:t>
-            </a:r>
-            <a:r>
-              <a:rPr lang="en-US" sz="800" b="1" dirty="0" smtClean="0">
-                <a:solidFill>
-                  <a:srgbClr val="2C74A5"/>
-                </a:solidFill>
-                <a:cs typeface="Arial Narrow"/>
-              </a:rPr>
-              <a:t>TALL</a:t>
-            </a:r>
-            <a:endParaRPr lang="en-US" sz="800" b="1" dirty="0">
-              <a:solidFill>
-                <a:srgbClr val="2C74A5"/>
-              </a:solidFill>
-              <a:cs typeface="Arial Narrow"/>
-            </a:endParaRPr>
-          </a:p>
-        </p:txBody>
-      </p:sp>
-      <p:sp>
-        <p:nvSpPr>
-          <p:cNvPr id="83" name="Rounded Rectangle 82"/>
-          <p:cNvSpPr/>
-          <p:nvPr/>
-        </p:nvSpPr>
-        <p:spPr>
-          <a:xfrm>
-            <a:off x="1710414" y="2059521"/>
-            <a:ext cx="2226201" cy="243396"/>
-          </a:xfrm>
-          <a:prstGeom prst="roundRect">
-            <a:avLst>
-              <a:gd name="adj" fmla="val 50000"/>
-            </a:avLst>
-          </a:prstGeom>
-          <a:solidFill>
-            <a:schemeClr val="bg1"/>
-          </a:solidFill>
-          <a:ln w="6350">
-            <a:solidFill>
-              <a:srgbClr val="2C74A5"/>
-            </a:solidFill>
-          </a:ln>
-        </p:spPr>
-        <p:style>
-          <a:lnRef idx="2">
-            <a:schemeClr val="dk1"/>
-          </a:lnRef>
-          <a:fillRef idx="1">
-            <a:schemeClr val="lt1"/>
-          </a:fillRef>
-          <a:effectRef idx="0">
-            <a:schemeClr val="dk1"/>
-          </a:effectRef>
-          <a:fontRef idx="minor">
-            <a:schemeClr val="dk1"/>
-          </a:fontRef>
-        </p:style>
-        <p:txBody>
-          <a:bodyPr lIns="182880" rIns="36576" rtlCol="0" anchor="ctr"/>
-          <a:lstStyle/>
-          <a:p>
-            <a:pPr>
-              <a:spcAft>
-                <a:spcPts val="600"/>
-              </a:spcAft>
-            </a:pPr>
-            <a:r>
-              <a:rPr lang="en-US" sz="800" dirty="0" smtClean="0">
-                <a:solidFill>
-                  <a:srgbClr val="E84C3B"/>
-                </a:solidFill>
-                <a:cs typeface="Arial Narrow"/>
-              </a:rPr>
-              <a:t>PRODUCT:</a:t>
-            </a:r>
-            <a:r>
-              <a:rPr lang="en-US" sz="800" dirty="0" smtClean="0">
-                <a:solidFill>
-                  <a:srgbClr val="0070C0"/>
-                </a:solidFill>
-                <a:cs typeface="Arial Narrow"/>
-              </a:rPr>
-              <a:t> </a:t>
-            </a:r>
-            <a:r>
-              <a:rPr lang="en-US" sz="800" b="1" dirty="0" smtClean="0">
-                <a:solidFill>
-                  <a:srgbClr val="2C74A5"/>
-                </a:solidFill>
-                <a:cs typeface="Arial Narrow"/>
-              </a:rPr>
-              <a:t>LATTES</a:t>
-            </a:r>
-            <a:endParaRPr lang="en-US" sz="800" b="1" dirty="0">
-              <a:solidFill>
-                <a:srgbClr val="2C74A5"/>
-              </a:solidFill>
-              <a:cs typeface="Arial Narrow"/>
-            </a:endParaRPr>
-          </a:p>
-        </p:txBody>
-      </p:sp>
-      <p:sp>
-        <p:nvSpPr>
-          <p:cNvPr id="84" name="Rounded Rectangle 83"/>
-          <p:cNvSpPr/>
-          <p:nvPr/>
-        </p:nvSpPr>
-        <p:spPr>
-          <a:xfrm>
-            <a:off x="2111281" y="2399173"/>
-            <a:ext cx="1486039" cy="243396"/>
-          </a:xfrm>
-          <a:prstGeom prst="roundRect">
-            <a:avLst>
-              <a:gd name="adj" fmla="val 50000"/>
-            </a:avLst>
-          </a:prstGeom>
-          <a:solidFill>
-            <a:schemeClr val="bg1"/>
-          </a:solidFill>
-          <a:ln w="6350">
-            <a:solidFill>
-              <a:srgbClr val="2C74A5"/>
-            </a:solidFill>
-          </a:ln>
-        </p:spPr>
-        <p:style>
-          <a:lnRef idx="2">
-            <a:schemeClr val="dk1"/>
-          </a:lnRef>
-          <a:fillRef idx="1">
-            <a:schemeClr val="lt1"/>
-          </a:fillRef>
-          <a:effectRef idx="0">
-            <a:schemeClr val="dk1"/>
-          </a:effectRef>
-          <a:fontRef idx="minor">
-            <a:schemeClr val="dk1"/>
-          </a:fontRef>
-        </p:style>
-        <p:txBody>
-          <a:bodyPr lIns="182880" rIns="36576" rtlCol="0" anchor="ctr"/>
-          <a:lstStyle/>
-          <a:p>
-            <a:pPr>
-              <a:spcAft>
-                <a:spcPts val="600"/>
-              </a:spcAft>
-            </a:pPr>
-            <a:r>
-              <a:rPr lang="en-US" sz="800" dirty="0">
-                <a:solidFill>
-                  <a:srgbClr val="E84C3B"/>
-                </a:solidFill>
-                <a:cs typeface="Arial Narrow"/>
-              </a:rPr>
-              <a:t>QUANTITY:</a:t>
-            </a:r>
-            <a:r>
-              <a:rPr lang="en-US" sz="800" dirty="0">
-                <a:solidFill>
-                  <a:srgbClr val="0070C0"/>
-                </a:solidFill>
-                <a:cs typeface="Arial Narrow"/>
-              </a:rPr>
-              <a:t> </a:t>
-            </a:r>
-            <a:r>
-              <a:rPr lang="en-US" sz="800" b="1" dirty="0" smtClean="0">
-                <a:solidFill>
-                  <a:srgbClr val="2C74A5"/>
-                </a:solidFill>
-                <a:cs typeface="Arial Narrow"/>
-              </a:rPr>
-              <a:t>TWO</a:t>
-            </a:r>
-            <a:endParaRPr lang="en-US" sz="800" b="1" dirty="0">
-              <a:solidFill>
-                <a:srgbClr val="2C74A5"/>
-              </a:solidFill>
-              <a:cs typeface="Arial Narrow"/>
-            </a:endParaRPr>
-          </a:p>
-        </p:txBody>
-      </p:sp>
-      <p:sp>
-        <p:nvSpPr>
-          <p:cNvPr id="86" name="Rectangle 85"/>
-          <p:cNvSpPr/>
-          <p:nvPr/>
-        </p:nvSpPr>
-        <p:spPr>
-          <a:xfrm>
-            <a:off x="4049025" y="1989281"/>
-            <a:ext cx="2144647" cy="1593736"/>
-          </a:xfrm>
-          <a:prstGeom prst="rect">
-            <a:avLst/>
-          </a:prstGeom>
-          <a:noFill/>
-          <a:ln w="3175">
-            <a:solidFill>
-              <a:srgbClr val="2C74A5"/>
-            </a:solidFill>
-            <a:prstDash val="dash"/>
-          </a:ln>
-        </p:spPr>
-        <p:style>
-          <a:lnRef idx="2">
-            <a:schemeClr val="dk1"/>
-          </a:lnRef>
-          <a:fillRef idx="1">
-            <a:schemeClr val="lt1"/>
-          </a:fillRef>
-          <a:effectRef idx="0">
-            <a:schemeClr val="dk1"/>
-          </a:effectRef>
-          <a:fontRef idx="minor">
-            <a:schemeClr val="dk1"/>
-          </a:fontRef>
-        </p:style>
-        <p:txBody>
-          <a:bodyPr rtlCol="0" anchor="ctr"/>
-          <a:lstStyle/>
-          <a:p>
-            <a:pPr algn="ctr"/>
-            <a:endParaRPr lang="en-US"/>
-          </a:p>
-        </p:txBody>
-      </p:sp>
-      <p:cxnSp>
-        <p:nvCxnSpPr>
-          <p:cNvPr id="87" name="Straight Connector 86"/>
-          <p:cNvCxnSpPr/>
-          <p:nvPr/>
-        </p:nvCxnSpPr>
-        <p:spPr>
-          <a:xfrm>
-            <a:off x="4379933" y="2527731"/>
-            <a:ext cx="196210" cy="0"/>
-          </a:xfrm>
-          <a:prstGeom prst="line">
-            <a:avLst/>
-          </a:prstGeom>
-          <a:ln w="6350">
-            <a:solidFill>
-              <a:srgbClr val="2C74A5"/>
-            </a:solidFill>
-          </a:ln>
-        </p:spPr>
-        <p:style>
-          <a:lnRef idx="1">
-            <a:schemeClr val="dk1"/>
-          </a:lnRef>
-          <a:fillRef idx="0">
-            <a:schemeClr val="dk1"/>
-          </a:fillRef>
-          <a:effectRef idx="0">
-            <a:schemeClr val="dk1"/>
-          </a:effectRef>
-          <a:fontRef idx="minor">
-            <a:schemeClr val="tx1"/>
-          </a:fontRef>
-        </p:style>
-      </p:cxnSp>
-      <p:cxnSp>
-        <p:nvCxnSpPr>
-          <p:cNvPr id="88" name="Straight Connector 87"/>
-          <p:cNvCxnSpPr/>
-          <p:nvPr/>
-        </p:nvCxnSpPr>
-        <p:spPr>
-          <a:xfrm>
-            <a:off x="4379933" y="2300959"/>
-            <a:ext cx="0" cy="566424"/>
-          </a:xfrm>
-          <a:prstGeom prst="line">
-            <a:avLst/>
-          </a:prstGeom>
-          <a:ln w="6350">
-            <a:solidFill>
-              <a:srgbClr val="2C74A5"/>
-            </a:solidFill>
-          </a:ln>
-        </p:spPr>
-        <p:style>
-          <a:lnRef idx="1">
-            <a:schemeClr val="dk1"/>
-          </a:lnRef>
-          <a:fillRef idx="0">
-            <a:schemeClr val="dk1"/>
-          </a:fillRef>
-          <a:effectRef idx="0">
-            <a:schemeClr val="dk1"/>
-          </a:effectRef>
-          <a:fontRef idx="minor">
-            <a:schemeClr val="tx1"/>
-          </a:fontRef>
-        </p:style>
-      </p:cxnSp>
-      <p:sp>
-        <p:nvSpPr>
-          <p:cNvPr id="89" name="Rounded Rectangle 88"/>
-          <p:cNvSpPr/>
-          <p:nvPr/>
-        </p:nvSpPr>
-        <p:spPr>
-          <a:xfrm>
-            <a:off x="4538799" y="2399173"/>
-            <a:ext cx="1613741" cy="243396"/>
-          </a:xfrm>
-          <a:prstGeom prst="roundRect">
-            <a:avLst>
-              <a:gd name="adj" fmla="val 50000"/>
-            </a:avLst>
-          </a:prstGeom>
-          <a:solidFill>
-            <a:schemeClr val="bg1"/>
-          </a:solidFill>
-          <a:ln w="6350">
-            <a:solidFill>
-              <a:srgbClr val="2C74A5"/>
-            </a:solidFill>
-          </a:ln>
-        </p:spPr>
-        <p:style>
-          <a:lnRef idx="2">
-            <a:schemeClr val="dk1"/>
-          </a:lnRef>
-          <a:fillRef idx="1">
-            <a:schemeClr val="lt1"/>
-          </a:fillRef>
-          <a:effectRef idx="0">
-            <a:schemeClr val="dk1"/>
-          </a:effectRef>
-          <a:fontRef idx="minor">
-            <a:schemeClr val="dk1"/>
-          </a:fontRef>
-        </p:style>
-        <p:txBody>
-          <a:bodyPr lIns="182880" rIns="36576" rtlCol="0" anchor="ctr"/>
-          <a:lstStyle/>
-          <a:p>
-            <a:pPr>
-              <a:spcAft>
-                <a:spcPts val="600"/>
-              </a:spcAft>
-            </a:pPr>
-            <a:r>
-              <a:rPr lang="en-US" sz="800" dirty="0" smtClean="0">
-                <a:solidFill>
-                  <a:srgbClr val="E84C3B"/>
-                </a:solidFill>
-                <a:cs typeface="Arial Narrow"/>
-              </a:rPr>
-              <a:t>SIZE:</a:t>
-            </a:r>
-            <a:r>
-              <a:rPr lang="en-US" sz="800" dirty="0" smtClean="0">
-                <a:solidFill>
-                  <a:srgbClr val="0070C0"/>
-                </a:solidFill>
-                <a:cs typeface="Arial Narrow"/>
-              </a:rPr>
-              <a:t> </a:t>
-            </a:r>
-            <a:r>
-              <a:rPr lang="en-US" sz="800" b="1" dirty="0" smtClean="0">
-                <a:solidFill>
-                  <a:srgbClr val="2C74A5"/>
-                </a:solidFill>
-                <a:cs typeface="Arial Narrow"/>
-              </a:rPr>
-              <a:t>SMALL</a:t>
-            </a:r>
-            <a:endParaRPr lang="en-US" sz="800" b="1" dirty="0">
-              <a:solidFill>
-                <a:srgbClr val="2C74A5"/>
-              </a:solidFill>
-              <a:cs typeface="Arial Narrow"/>
-            </a:endParaRPr>
-          </a:p>
-        </p:txBody>
-      </p:sp>
-      <p:sp>
-        <p:nvSpPr>
-          <p:cNvPr id="90" name="Rounded Rectangle 89"/>
-          <p:cNvSpPr/>
-          <p:nvPr/>
-        </p:nvSpPr>
-        <p:spPr>
-          <a:xfrm>
-            <a:off x="4122593" y="2059521"/>
-            <a:ext cx="1829248" cy="243396"/>
-          </a:xfrm>
-          <a:prstGeom prst="roundRect">
-            <a:avLst>
-              <a:gd name="adj" fmla="val 50000"/>
-            </a:avLst>
-          </a:prstGeom>
-          <a:solidFill>
-            <a:schemeClr val="bg1"/>
-          </a:solidFill>
-          <a:ln w="6350">
-            <a:solidFill>
-              <a:srgbClr val="2C74A5"/>
-            </a:solidFill>
-          </a:ln>
-        </p:spPr>
-        <p:style>
-          <a:lnRef idx="2">
-            <a:schemeClr val="dk1"/>
-          </a:lnRef>
-          <a:fillRef idx="1">
-            <a:schemeClr val="lt1"/>
-          </a:fillRef>
-          <a:effectRef idx="0">
-            <a:schemeClr val="dk1"/>
-          </a:effectRef>
-          <a:fontRef idx="minor">
-            <a:schemeClr val="dk1"/>
-          </a:fontRef>
-        </p:style>
-        <p:txBody>
-          <a:bodyPr lIns="182880" rIns="36576" rtlCol="0" anchor="ctr"/>
-          <a:lstStyle/>
-          <a:p>
-            <a:pPr>
-              <a:spcAft>
-                <a:spcPts val="600"/>
-              </a:spcAft>
-            </a:pPr>
-            <a:r>
-              <a:rPr lang="en-US" sz="800" dirty="0" smtClean="0">
-                <a:solidFill>
-                  <a:srgbClr val="E84C3B"/>
-                </a:solidFill>
-                <a:cs typeface="Arial Narrow"/>
-              </a:rPr>
-              <a:t>PRODUCT:</a:t>
-            </a:r>
-            <a:r>
-              <a:rPr lang="en-US" sz="800" dirty="0" smtClean="0">
-                <a:solidFill>
-                  <a:srgbClr val="0070C0"/>
-                </a:solidFill>
-                <a:cs typeface="Arial Narrow"/>
-              </a:rPr>
-              <a:t> </a:t>
-            </a:r>
-            <a:r>
-              <a:rPr lang="en-US" sz="800" b="1" dirty="0" smtClean="0">
-                <a:solidFill>
-                  <a:srgbClr val="2C74A5"/>
-                </a:solidFill>
-                <a:cs typeface="Arial Narrow"/>
-              </a:rPr>
-              <a:t>CAFÉ MOCHA</a:t>
-            </a:r>
-            <a:endParaRPr lang="en-US" sz="800" b="1" dirty="0">
-              <a:solidFill>
-                <a:srgbClr val="2C74A5"/>
-              </a:solidFill>
-              <a:cs typeface="Arial Narrow"/>
-            </a:endParaRPr>
-          </a:p>
-        </p:txBody>
-      </p:sp>
-      <p:cxnSp>
-        <p:nvCxnSpPr>
-          <p:cNvPr id="106" name="Straight Connector 105"/>
-          <p:cNvCxnSpPr/>
-          <p:nvPr/>
-        </p:nvCxnSpPr>
-        <p:spPr>
-          <a:xfrm>
-            <a:off x="1972859" y="3183432"/>
-            <a:ext cx="196210" cy="0"/>
-          </a:xfrm>
-          <a:prstGeom prst="line">
-            <a:avLst/>
-          </a:prstGeom>
-          <a:ln w="6350">
-            <a:solidFill>
-              <a:srgbClr val="2C74A5"/>
-            </a:solidFill>
-          </a:ln>
-        </p:spPr>
-        <p:style>
-          <a:lnRef idx="1">
-            <a:schemeClr val="dk1"/>
-          </a:lnRef>
-          <a:fillRef idx="0">
-            <a:schemeClr val="dk1"/>
-          </a:fillRef>
-          <a:effectRef idx="0">
-            <a:schemeClr val="dk1"/>
-          </a:effectRef>
-          <a:fontRef idx="minor">
-            <a:schemeClr val="tx1"/>
-          </a:fontRef>
-        </p:style>
-      </p:cxnSp>
-      <p:sp>
-        <p:nvSpPr>
-          <p:cNvPr id="109" name="Rounded Rectangle 108"/>
-          <p:cNvSpPr/>
-          <p:nvPr/>
-        </p:nvSpPr>
-        <p:spPr>
-          <a:xfrm>
-            <a:off x="2111276" y="3057210"/>
-            <a:ext cx="1486039" cy="243396"/>
-          </a:xfrm>
-          <a:prstGeom prst="roundRect">
-            <a:avLst>
-              <a:gd name="adj" fmla="val 50000"/>
-            </a:avLst>
-          </a:prstGeom>
-          <a:solidFill>
-            <a:schemeClr val="bg1"/>
-          </a:solidFill>
-          <a:ln w="6350">
-            <a:solidFill>
-              <a:srgbClr val="2C74A5"/>
-            </a:solidFill>
-          </a:ln>
-        </p:spPr>
-        <p:style>
-          <a:lnRef idx="2">
-            <a:schemeClr val="dk1"/>
-          </a:lnRef>
-          <a:fillRef idx="1">
-            <a:schemeClr val="lt1"/>
-          </a:fillRef>
-          <a:effectRef idx="0">
-            <a:schemeClr val="dk1"/>
-          </a:effectRef>
-          <a:fontRef idx="minor">
-            <a:schemeClr val="dk1"/>
-          </a:fontRef>
-        </p:style>
-        <p:txBody>
-          <a:bodyPr lIns="182880" rIns="36576" rtlCol="0" anchor="ctr"/>
-          <a:lstStyle/>
-          <a:p>
-            <a:pPr>
-              <a:spcAft>
-                <a:spcPts val="600"/>
-              </a:spcAft>
-            </a:pPr>
-            <a:r>
-              <a:rPr lang="en-US" sz="800" dirty="0" smtClean="0">
-                <a:solidFill>
-                  <a:srgbClr val="E84C3B"/>
-                </a:solidFill>
-                <a:cs typeface="Arial Narrow"/>
-              </a:rPr>
-              <a:t>OPTION:</a:t>
-            </a:r>
-            <a:r>
-              <a:rPr lang="en-US" sz="800" dirty="0" smtClean="0">
-                <a:solidFill>
-                  <a:srgbClr val="0070C0"/>
-                </a:solidFill>
-                <a:cs typeface="Arial Narrow"/>
-              </a:rPr>
-              <a:t> </a:t>
-            </a:r>
-            <a:r>
-              <a:rPr lang="en-US" sz="800" b="1" dirty="0" smtClean="0">
-                <a:solidFill>
-                  <a:srgbClr val="2C74A5"/>
-                </a:solidFill>
-                <a:cs typeface="Arial Narrow"/>
-              </a:rPr>
-              <a:t>DECAF</a:t>
-            </a:r>
-            <a:endParaRPr lang="en-US" sz="800" b="1" dirty="0">
-              <a:solidFill>
-                <a:srgbClr val="2C74A5"/>
-              </a:solidFill>
-              <a:cs typeface="Arial Narrow"/>
-            </a:endParaRPr>
-          </a:p>
-        </p:txBody>
-      </p:sp>
-      <p:cxnSp>
-        <p:nvCxnSpPr>
-          <p:cNvPr id="113" name="Straight Connector 112"/>
-          <p:cNvCxnSpPr/>
-          <p:nvPr/>
-        </p:nvCxnSpPr>
-        <p:spPr>
-          <a:xfrm>
-            <a:off x="4379933" y="2867383"/>
-            <a:ext cx="196210" cy="0"/>
-          </a:xfrm>
-          <a:prstGeom prst="line">
-            <a:avLst/>
-          </a:prstGeom>
-          <a:ln w="6350">
-            <a:solidFill>
-              <a:srgbClr val="2C74A5"/>
-            </a:solidFill>
-          </a:ln>
-        </p:spPr>
-        <p:style>
-          <a:lnRef idx="1">
-            <a:schemeClr val="dk1"/>
-          </a:lnRef>
-          <a:fillRef idx="0">
-            <a:schemeClr val="dk1"/>
-          </a:fillRef>
-          <a:effectRef idx="0">
-            <a:schemeClr val="dk1"/>
-          </a:effectRef>
-          <a:fontRef idx="minor">
-            <a:schemeClr val="tx1"/>
-          </a:fontRef>
-        </p:style>
-      </p:cxnSp>
-      <p:sp>
-        <p:nvSpPr>
-          <p:cNvPr id="114" name="Rounded Rectangle 113"/>
-          <p:cNvSpPr/>
-          <p:nvPr/>
-        </p:nvSpPr>
-        <p:spPr>
-          <a:xfrm>
-            <a:off x="4538799" y="2738825"/>
-            <a:ext cx="1613741" cy="243396"/>
-          </a:xfrm>
-          <a:prstGeom prst="roundRect">
-            <a:avLst>
-              <a:gd name="adj" fmla="val 50000"/>
-            </a:avLst>
-          </a:prstGeom>
-          <a:solidFill>
-            <a:schemeClr val="bg1"/>
-          </a:solidFill>
-          <a:ln w="6350">
-            <a:solidFill>
-              <a:srgbClr val="2C74A5"/>
-            </a:solidFill>
-          </a:ln>
-        </p:spPr>
-        <p:style>
-          <a:lnRef idx="2">
-            <a:schemeClr val="dk1"/>
-          </a:lnRef>
-          <a:fillRef idx="1">
-            <a:schemeClr val="lt1"/>
-          </a:fillRef>
-          <a:effectRef idx="0">
-            <a:schemeClr val="dk1"/>
-          </a:effectRef>
-          <a:fontRef idx="minor">
-            <a:schemeClr val="dk1"/>
-          </a:fontRef>
-        </p:style>
-        <p:txBody>
-          <a:bodyPr lIns="182880" rIns="36576" rtlCol="0" anchor="ctr"/>
-          <a:lstStyle/>
-          <a:p>
-            <a:pPr>
-              <a:spcAft>
-                <a:spcPts val="600"/>
-              </a:spcAft>
-            </a:pPr>
-            <a:r>
-              <a:rPr lang="en-US" sz="800" dirty="0" smtClean="0">
-                <a:solidFill>
-                  <a:srgbClr val="E84C3B"/>
-                </a:solidFill>
-                <a:cs typeface="Arial Narrow"/>
-              </a:rPr>
-              <a:t>OPTION:</a:t>
-            </a:r>
-            <a:r>
-              <a:rPr lang="en-US" sz="800" dirty="0" smtClean="0">
-                <a:solidFill>
-                  <a:srgbClr val="0070C0"/>
-                </a:solidFill>
-                <a:cs typeface="Arial Narrow"/>
-              </a:rPr>
-              <a:t> </a:t>
-            </a:r>
-            <a:r>
-              <a:rPr lang="en-US" sz="800" b="1" dirty="0" smtClean="0">
-                <a:solidFill>
-                  <a:srgbClr val="2C74A5"/>
-                </a:solidFill>
-                <a:cs typeface="Arial Narrow"/>
-              </a:rPr>
-              <a:t>WHIPPED CREAM</a:t>
-            </a:r>
-            <a:endParaRPr lang="en-US" sz="800" b="1" dirty="0">
-              <a:solidFill>
-                <a:srgbClr val="2C74A5"/>
-              </a:solidFill>
-              <a:cs typeface="Arial Narrow"/>
-            </a:endParaRPr>
-          </a:p>
-        </p:txBody>
-      </p:sp>
-      <p:sp>
-        <p:nvSpPr>
-          <p:cNvPr id="142" name="TextBox 141"/>
-          <p:cNvSpPr txBox="1"/>
-          <p:nvPr/>
-        </p:nvSpPr>
-        <p:spPr>
-          <a:xfrm>
-            <a:off x="177242" y="4743976"/>
-            <a:ext cx="920830" cy="461665"/>
-          </a:xfrm>
-          <a:prstGeom prst="rect">
-            <a:avLst/>
-          </a:prstGeom>
-          <a:noFill/>
-        </p:spPr>
-        <p:txBody>
-          <a:bodyPr wrap="none" rtlCol="0">
-            <a:spAutoFit/>
-          </a:bodyPr>
-          <a:lstStyle/>
-          <a:p>
-            <a:r>
-              <a:rPr lang="en-US" sz="1200" b="1" dirty="0" smtClean="0">
-                <a:solidFill>
-                  <a:srgbClr val="A6A6A6"/>
-                </a:solidFill>
-                <a:latin typeface="Arial Narrow"/>
-                <a:cs typeface="Arial Narrow"/>
-              </a:rPr>
-              <a:t>CANDIDATE</a:t>
-            </a:r>
-          </a:p>
-          <a:p>
-            <a:r>
-              <a:rPr lang="en-US" sz="1200" b="1" dirty="0" smtClean="0">
-                <a:solidFill>
-                  <a:srgbClr val="A6A6A6"/>
-                </a:solidFill>
-                <a:latin typeface="Arial Narrow"/>
-                <a:cs typeface="Arial Narrow"/>
-              </a:rPr>
-              <a:t>PARSE</a:t>
-            </a:r>
-            <a:r>
-              <a:rPr lang="en-US" sz="1200" b="1" dirty="0">
-                <a:solidFill>
-                  <a:srgbClr val="A6A6A6"/>
-                </a:solidFill>
-                <a:latin typeface="Arial Narrow"/>
-                <a:cs typeface="Arial Narrow"/>
-              </a:rPr>
-              <a:t> </a:t>
-            </a:r>
-            <a:r>
-              <a:rPr lang="en-US" sz="1200" b="1" dirty="0" smtClean="0">
-                <a:solidFill>
-                  <a:srgbClr val="A6A6A6"/>
-                </a:solidFill>
-                <a:latin typeface="Arial Narrow"/>
-                <a:cs typeface="Arial Narrow"/>
-              </a:rPr>
-              <a:t>#2</a:t>
-            </a:r>
-          </a:p>
-        </p:txBody>
-      </p:sp>
-      <p:grpSp>
-        <p:nvGrpSpPr>
-          <p:cNvPr id="27" name="Group 26"/>
-          <p:cNvGrpSpPr/>
-          <p:nvPr/>
-        </p:nvGrpSpPr>
-        <p:grpSpPr>
-          <a:xfrm>
-            <a:off x="1545021" y="3926705"/>
-            <a:ext cx="6556657" cy="2096208"/>
-            <a:chOff x="1545021" y="4025379"/>
-            <a:chExt cx="6556657" cy="2096208"/>
-          </a:xfrm>
-        </p:grpSpPr>
-        <p:sp>
-          <p:nvSpPr>
-            <p:cNvPr id="116" name="Rounded Rectangle 115"/>
-            <p:cNvSpPr/>
-            <p:nvPr/>
-          </p:nvSpPr>
-          <p:spPr>
-            <a:xfrm>
-              <a:off x="1545021" y="4025379"/>
-              <a:ext cx="6556657" cy="2096208"/>
-            </a:xfrm>
-            <a:prstGeom prst="roundRect">
-              <a:avLst>
-                <a:gd name="adj" fmla="val 3581"/>
-              </a:avLst>
-            </a:prstGeom>
-            <a:solidFill>
-              <a:srgbClr val="F2F2F2"/>
-            </a:solidFill>
-            <a:ln w="3175">
-              <a:solidFill>
-                <a:srgbClr val="2C74A5"/>
-              </a:solidFill>
-              <a:prstDash val="solid"/>
-            </a:ln>
-          </p:spPr>
-          <p:style>
-            <a:lnRef idx="2">
-              <a:schemeClr val="dk1"/>
-            </a:lnRef>
-            <a:fillRef idx="1">
-              <a:schemeClr val="lt1"/>
-            </a:fillRef>
-            <a:effectRef idx="0">
-              <a:schemeClr val="dk1"/>
-            </a:effectRef>
-            <a:fontRef idx="minor">
-              <a:schemeClr val="dk1"/>
-            </a:fontRef>
-          </p:style>
-          <p:txBody>
-            <a:bodyPr rtlCol="0" anchor="ctr"/>
-            <a:lstStyle/>
-            <a:p>
-              <a:pPr algn="ctr"/>
-              <a:endParaRPr lang="en-US"/>
-            </a:p>
-          </p:txBody>
-        </p:sp>
-        <p:sp>
-          <p:nvSpPr>
-            <p:cNvPr id="118" name="TextBox 117"/>
-            <p:cNvSpPr txBox="1"/>
-            <p:nvPr/>
-          </p:nvSpPr>
-          <p:spPr>
-            <a:xfrm>
-              <a:off x="4111682" y="4051857"/>
-              <a:ext cx="1440266" cy="276999"/>
-            </a:xfrm>
-            <a:prstGeom prst="rect">
-              <a:avLst/>
-            </a:prstGeom>
-            <a:noFill/>
-            <a:ln>
-              <a:noFill/>
-            </a:ln>
-          </p:spPr>
-          <p:txBody>
-            <a:bodyPr wrap="none" rtlCol="0">
-              <a:spAutoFit/>
-            </a:bodyPr>
-            <a:lstStyle/>
-            <a:p>
-              <a:r>
-                <a:rPr lang="en-US" sz="1200" b="1" smtClean="0">
-                  <a:solidFill>
-                    <a:srgbClr val="2C74A5"/>
-                  </a:solidFill>
-                </a:rPr>
-                <a:t>ENTITY </a:t>
-              </a:r>
-              <a:r>
-                <a:rPr lang="en-US" sz="1200" b="1" dirty="0" smtClean="0">
-                  <a:solidFill>
-                    <a:srgbClr val="2C74A5"/>
-                  </a:solidFill>
-                </a:rPr>
-                <a:t>GROUPS</a:t>
-              </a:r>
-              <a:endParaRPr lang="en-US" sz="1200" b="1" dirty="0">
-                <a:solidFill>
-                  <a:srgbClr val="2C74A5"/>
-                </a:solidFill>
-              </a:endParaRPr>
-            </a:p>
-          </p:txBody>
-        </p:sp>
-        <p:sp>
-          <p:nvSpPr>
-            <p:cNvPr id="120" name="Rectangle 119"/>
-            <p:cNvSpPr/>
-            <p:nvPr/>
-          </p:nvSpPr>
-          <p:spPr>
-            <a:xfrm>
-              <a:off x="1640324" y="4396579"/>
-              <a:ext cx="2340238" cy="1591839"/>
-            </a:xfrm>
-            <a:prstGeom prst="rect">
-              <a:avLst/>
-            </a:prstGeom>
-            <a:noFill/>
-            <a:ln w="3175">
-              <a:solidFill>
-                <a:srgbClr val="2C74A5"/>
-              </a:solidFill>
-              <a:prstDash val="dash"/>
-            </a:ln>
-          </p:spPr>
-          <p:style>
-            <a:lnRef idx="2">
-              <a:schemeClr val="dk1"/>
-            </a:lnRef>
-            <a:fillRef idx="1">
-              <a:schemeClr val="lt1"/>
-            </a:fillRef>
-            <a:effectRef idx="0">
-              <a:schemeClr val="dk1"/>
-            </a:effectRef>
-            <a:fontRef idx="minor">
-              <a:schemeClr val="dk1"/>
-            </a:fontRef>
-          </p:style>
-          <p:txBody>
-            <a:bodyPr rtlCol="0" anchor="ctr"/>
-            <a:lstStyle/>
-            <a:p>
-              <a:pPr algn="ctr"/>
-              <a:endParaRPr lang="en-US"/>
-            </a:p>
-          </p:txBody>
-        </p:sp>
-        <p:cxnSp>
-          <p:nvCxnSpPr>
-            <p:cNvPr id="122" name="Straight Connector 121"/>
-            <p:cNvCxnSpPr/>
-            <p:nvPr/>
-          </p:nvCxnSpPr>
-          <p:spPr>
-            <a:xfrm>
-              <a:off x="1972859" y="4928144"/>
-              <a:ext cx="196210" cy="0"/>
-            </a:xfrm>
-            <a:prstGeom prst="line">
-              <a:avLst/>
-            </a:prstGeom>
-            <a:ln w="6350">
-              <a:solidFill>
-                <a:srgbClr val="2C74A5"/>
-              </a:solidFill>
-            </a:ln>
-          </p:spPr>
-          <p:style>
-            <a:lnRef idx="1">
-              <a:schemeClr val="dk1"/>
-            </a:lnRef>
-            <a:fillRef idx="0">
-              <a:schemeClr val="dk1"/>
-            </a:fillRef>
-            <a:effectRef idx="0">
-              <a:schemeClr val="dk1"/>
-            </a:effectRef>
-            <a:fontRef idx="minor">
-              <a:schemeClr val="tx1"/>
-            </a:fontRef>
-          </p:style>
-        </p:cxnSp>
-        <p:cxnSp>
-          <p:nvCxnSpPr>
-            <p:cNvPr id="124" name="Straight Connector 123"/>
-            <p:cNvCxnSpPr/>
-            <p:nvPr/>
-          </p:nvCxnSpPr>
-          <p:spPr>
-            <a:xfrm>
-              <a:off x="1970704" y="4693085"/>
-              <a:ext cx="0" cy="566928"/>
-            </a:xfrm>
-            <a:prstGeom prst="line">
-              <a:avLst/>
-            </a:prstGeom>
-            <a:ln w="6350">
-              <a:solidFill>
-                <a:srgbClr val="2C74A5"/>
-              </a:solidFill>
-            </a:ln>
-          </p:spPr>
-          <p:style>
-            <a:lnRef idx="1">
-              <a:schemeClr val="dk1"/>
-            </a:lnRef>
-            <a:fillRef idx="0">
-              <a:schemeClr val="dk1"/>
-            </a:fillRef>
-            <a:effectRef idx="0">
-              <a:schemeClr val="dk1"/>
-            </a:effectRef>
-            <a:fontRef idx="minor">
-              <a:schemeClr val="tx1"/>
-            </a:fontRef>
-          </p:style>
-        </p:cxnSp>
-        <p:cxnSp>
-          <p:nvCxnSpPr>
-            <p:cNvPr id="125" name="Straight Connector 124"/>
-            <p:cNvCxnSpPr/>
-            <p:nvPr/>
-          </p:nvCxnSpPr>
-          <p:spPr>
-            <a:xfrm>
-              <a:off x="1972859" y="5258489"/>
-              <a:ext cx="196210" cy="0"/>
-            </a:xfrm>
-            <a:prstGeom prst="line">
-              <a:avLst/>
-            </a:prstGeom>
-            <a:ln w="6350">
-              <a:solidFill>
-                <a:srgbClr val="2C74A5"/>
-              </a:solidFill>
-            </a:ln>
-          </p:spPr>
-          <p:style>
-            <a:lnRef idx="1">
-              <a:schemeClr val="dk1"/>
-            </a:lnRef>
-            <a:fillRef idx="0">
-              <a:schemeClr val="dk1"/>
-            </a:fillRef>
-            <a:effectRef idx="0">
-              <a:schemeClr val="dk1"/>
-            </a:effectRef>
-            <a:fontRef idx="minor">
-              <a:schemeClr val="tx1"/>
-            </a:fontRef>
-          </p:style>
-        </p:cxnSp>
-        <p:sp>
-          <p:nvSpPr>
-            <p:cNvPr id="126" name="Rounded Rectangle 125"/>
-            <p:cNvSpPr/>
-            <p:nvPr/>
-          </p:nvSpPr>
-          <p:spPr>
-            <a:xfrm>
-              <a:off x="2111276" y="5132267"/>
-              <a:ext cx="1486039" cy="243396"/>
-            </a:xfrm>
-            <a:prstGeom prst="roundRect">
-              <a:avLst>
-                <a:gd name="adj" fmla="val 50000"/>
-              </a:avLst>
-            </a:prstGeom>
-            <a:solidFill>
-              <a:schemeClr val="bg1"/>
-            </a:solidFill>
-            <a:ln w="6350">
-              <a:solidFill>
-                <a:srgbClr val="2C74A5"/>
-              </a:solidFill>
-            </a:ln>
-          </p:spPr>
-          <p:style>
-            <a:lnRef idx="2">
-              <a:schemeClr val="dk1"/>
-            </a:lnRef>
-            <a:fillRef idx="1">
-              <a:schemeClr val="lt1"/>
-            </a:fillRef>
-            <a:effectRef idx="0">
-              <a:schemeClr val="dk1"/>
-            </a:effectRef>
-            <a:fontRef idx="minor">
-              <a:schemeClr val="dk1"/>
-            </a:fontRef>
-          </p:style>
-          <p:txBody>
-            <a:bodyPr lIns="182880" rIns="36576" rtlCol="0" anchor="ctr"/>
-            <a:lstStyle/>
-            <a:p>
-              <a:pPr>
-                <a:spcAft>
-                  <a:spcPts val="600"/>
-                </a:spcAft>
-              </a:pPr>
-              <a:r>
-                <a:rPr lang="en-US" sz="800" dirty="0">
-                  <a:solidFill>
-                    <a:srgbClr val="E84C3B"/>
-                  </a:solidFill>
-                  <a:cs typeface="Arial Narrow"/>
-                </a:rPr>
-                <a:t>SIZE:</a:t>
-              </a:r>
-              <a:r>
-                <a:rPr lang="en-US" sz="800" dirty="0">
-                  <a:solidFill>
-                    <a:srgbClr val="0070C0"/>
-                  </a:solidFill>
-                  <a:cs typeface="Arial Narrow"/>
-                </a:rPr>
-                <a:t> </a:t>
-              </a:r>
-              <a:r>
-                <a:rPr lang="en-US" sz="800" b="1" dirty="0" smtClean="0">
-                  <a:solidFill>
-                    <a:srgbClr val="2C74A5"/>
-                  </a:solidFill>
-                  <a:cs typeface="Arial Narrow"/>
-                </a:rPr>
-                <a:t>TALL</a:t>
-              </a:r>
-              <a:endParaRPr lang="en-US" sz="800" b="1" dirty="0">
-                <a:solidFill>
-                  <a:srgbClr val="2C74A5"/>
-                </a:solidFill>
-                <a:cs typeface="Arial Narrow"/>
-              </a:endParaRPr>
-            </a:p>
-          </p:txBody>
-        </p:sp>
-        <p:sp>
-          <p:nvSpPr>
-            <p:cNvPr id="127" name="Rounded Rectangle 126"/>
-            <p:cNvSpPr/>
-            <p:nvPr/>
-          </p:nvSpPr>
-          <p:spPr>
-            <a:xfrm>
-              <a:off x="1710414" y="4464922"/>
-              <a:ext cx="2226201" cy="243396"/>
-            </a:xfrm>
-            <a:prstGeom prst="roundRect">
-              <a:avLst>
-                <a:gd name="adj" fmla="val 50000"/>
-              </a:avLst>
-            </a:prstGeom>
-            <a:solidFill>
-              <a:schemeClr val="bg1"/>
-            </a:solidFill>
-            <a:ln w="6350">
-              <a:solidFill>
-                <a:srgbClr val="2C74A5"/>
-              </a:solidFill>
-            </a:ln>
-          </p:spPr>
-          <p:style>
-            <a:lnRef idx="2">
-              <a:schemeClr val="dk1"/>
-            </a:lnRef>
-            <a:fillRef idx="1">
-              <a:schemeClr val="lt1"/>
-            </a:fillRef>
-            <a:effectRef idx="0">
-              <a:schemeClr val="dk1"/>
-            </a:effectRef>
-            <a:fontRef idx="minor">
-              <a:schemeClr val="dk1"/>
-            </a:fontRef>
-          </p:style>
-          <p:txBody>
-            <a:bodyPr lIns="182880" rIns="36576" rtlCol="0" anchor="ctr"/>
-            <a:lstStyle/>
-            <a:p>
-              <a:pPr>
-                <a:spcAft>
-                  <a:spcPts val="600"/>
-                </a:spcAft>
-              </a:pPr>
-              <a:r>
-                <a:rPr lang="en-US" sz="800" dirty="0" smtClean="0">
-                  <a:solidFill>
-                    <a:srgbClr val="E84C3B"/>
-                  </a:solidFill>
-                  <a:cs typeface="Arial Narrow"/>
-                </a:rPr>
-                <a:t>PRODUCT:</a:t>
-              </a:r>
-              <a:r>
-                <a:rPr lang="en-US" sz="800" dirty="0" smtClean="0">
-                  <a:solidFill>
-                    <a:srgbClr val="0070C0"/>
-                  </a:solidFill>
-                  <a:cs typeface="Arial Narrow"/>
-                </a:rPr>
-                <a:t> </a:t>
-              </a:r>
-              <a:r>
-                <a:rPr lang="en-US" sz="800" b="1" dirty="0" smtClean="0">
-                  <a:solidFill>
-                    <a:srgbClr val="2C74A5"/>
-                  </a:solidFill>
-                  <a:cs typeface="Arial Narrow"/>
-                </a:rPr>
-                <a:t>LATTES</a:t>
-              </a:r>
-              <a:endParaRPr lang="en-US" sz="800" b="1" dirty="0">
-                <a:solidFill>
-                  <a:srgbClr val="2C74A5"/>
-                </a:solidFill>
-                <a:cs typeface="Arial Narrow"/>
-              </a:endParaRPr>
-            </a:p>
-          </p:txBody>
-        </p:sp>
-        <p:sp>
-          <p:nvSpPr>
-            <p:cNvPr id="128" name="Rounded Rectangle 127"/>
-            <p:cNvSpPr/>
-            <p:nvPr/>
-          </p:nvSpPr>
-          <p:spPr>
-            <a:xfrm>
-              <a:off x="2111281" y="4804574"/>
-              <a:ext cx="1486039" cy="243396"/>
-            </a:xfrm>
-            <a:prstGeom prst="roundRect">
-              <a:avLst>
-                <a:gd name="adj" fmla="val 50000"/>
-              </a:avLst>
-            </a:prstGeom>
-            <a:solidFill>
-              <a:schemeClr val="bg1"/>
-            </a:solidFill>
-            <a:ln w="6350">
-              <a:solidFill>
-                <a:srgbClr val="2C74A5"/>
-              </a:solidFill>
-            </a:ln>
-          </p:spPr>
-          <p:style>
-            <a:lnRef idx="2">
-              <a:schemeClr val="dk1"/>
-            </a:lnRef>
-            <a:fillRef idx="1">
-              <a:schemeClr val="lt1"/>
-            </a:fillRef>
-            <a:effectRef idx="0">
-              <a:schemeClr val="dk1"/>
-            </a:effectRef>
-            <a:fontRef idx="minor">
-              <a:schemeClr val="dk1"/>
-            </a:fontRef>
-          </p:style>
-          <p:txBody>
-            <a:bodyPr lIns="182880" rIns="36576" rtlCol="0" anchor="ctr"/>
-            <a:lstStyle/>
-            <a:p>
-              <a:pPr>
-                <a:spcAft>
-                  <a:spcPts val="600"/>
-                </a:spcAft>
-              </a:pPr>
-              <a:r>
-                <a:rPr lang="en-US" sz="800" dirty="0">
-                  <a:solidFill>
-                    <a:srgbClr val="E84C3B"/>
-                  </a:solidFill>
-                  <a:cs typeface="Arial Narrow"/>
-                </a:rPr>
-                <a:t>QUANTITY:</a:t>
-              </a:r>
-              <a:r>
-                <a:rPr lang="en-US" sz="800" dirty="0">
-                  <a:solidFill>
-                    <a:srgbClr val="0070C0"/>
-                  </a:solidFill>
-                  <a:cs typeface="Arial Narrow"/>
-                </a:rPr>
-                <a:t> </a:t>
-              </a:r>
-              <a:r>
-                <a:rPr lang="en-US" sz="800" b="1" dirty="0" smtClean="0">
-                  <a:solidFill>
-                    <a:srgbClr val="2C74A5"/>
-                  </a:solidFill>
-                  <a:cs typeface="Arial Narrow"/>
-                </a:rPr>
-                <a:t>TWO</a:t>
-              </a:r>
-              <a:endParaRPr lang="en-US" sz="800" b="1" dirty="0">
-                <a:solidFill>
-                  <a:srgbClr val="2C74A5"/>
-                </a:solidFill>
-                <a:cs typeface="Arial Narrow"/>
-              </a:endParaRPr>
-            </a:p>
-          </p:txBody>
-        </p:sp>
-        <p:sp>
-          <p:nvSpPr>
-            <p:cNvPr id="129" name="Rectangle 128"/>
-            <p:cNvSpPr/>
-            <p:nvPr/>
-          </p:nvSpPr>
-          <p:spPr>
-            <a:xfrm>
-              <a:off x="4049025" y="4394682"/>
-              <a:ext cx="2144647" cy="1593736"/>
-            </a:xfrm>
-            <a:prstGeom prst="rect">
-              <a:avLst/>
-            </a:prstGeom>
-            <a:noFill/>
-            <a:ln w="3175">
-              <a:solidFill>
-                <a:srgbClr val="2C74A5"/>
-              </a:solidFill>
-              <a:prstDash val="dash"/>
-            </a:ln>
-          </p:spPr>
-          <p:style>
-            <a:lnRef idx="2">
-              <a:schemeClr val="dk1"/>
-            </a:lnRef>
-            <a:fillRef idx="1">
-              <a:schemeClr val="lt1"/>
-            </a:fillRef>
-            <a:effectRef idx="0">
-              <a:schemeClr val="dk1"/>
-            </a:effectRef>
-            <a:fontRef idx="minor">
-              <a:schemeClr val="dk1"/>
-            </a:fontRef>
-          </p:style>
-          <p:txBody>
-            <a:bodyPr rtlCol="0" anchor="ctr"/>
-            <a:lstStyle/>
-            <a:p>
-              <a:pPr algn="ctr"/>
-              <a:endParaRPr lang="en-US"/>
-            </a:p>
-          </p:txBody>
-        </p:sp>
-        <p:cxnSp>
-          <p:nvCxnSpPr>
-            <p:cNvPr id="130" name="Straight Connector 129"/>
-            <p:cNvCxnSpPr/>
-            <p:nvPr/>
-          </p:nvCxnSpPr>
-          <p:spPr>
-            <a:xfrm>
-              <a:off x="4379933" y="4933132"/>
-              <a:ext cx="196210" cy="0"/>
-            </a:xfrm>
-            <a:prstGeom prst="line">
-              <a:avLst/>
-            </a:prstGeom>
-            <a:ln w="6350">
-              <a:solidFill>
-                <a:srgbClr val="2C74A5"/>
-              </a:solidFill>
-            </a:ln>
-          </p:spPr>
-          <p:style>
-            <a:lnRef idx="1">
-              <a:schemeClr val="dk1"/>
-            </a:lnRef>
-            <a:fillRef idx="0">
-              <a:schemeClr val="dk1"/>
-            </a:fillRef>
-            <a:effectRef idx="0">
-              <a:schemeClr val="dk1"/>
-            </a:effectRef>
-            <a:fontRef idx="minor">
-              <a:schemeClr val="tx1"/>
-            </a:fontRef>
-          </p:style>
-        </p:cxnSp>
-        <p:cxnSp>
-          <p:nvCxnSpPr>
-            <p:cNvPr id="132" name="Straight Connector 131"/>
-            <p:cNvCxnSpPr/>
-            <p:nvPr/>
-          </p:nvCxnSpPr>
-          <p:spPr>
-            <a:xfrm>
-              <a:off x="4379933" y="4706360"/>
-              <a:ext cx="0" cy="906076"/>
-            </a:xfrm>
-            <a:prstGeom prst="line">
-              <a:avLst/>
-            </a:prstGeom>
-            <a:ln w="6350">
-              <a:solidFill>
-                <a:srgbClr val="2C74A5"/>
-              </a:solidFill>
-            </a:ln>
-          </p:spPr>
-          <p:style>
-            <a:lnRef idx="1">
-              <a:schemeClr val="dk1"/>
-            </a:lnRef>
-            <a:fillRef idx="0">
-              <a:schemeClr val="dk1"/>
-            </a:fillRef>
-            <a:effectRef idx="0">
-              <a:schemeClr val="dk1"/>
-            </a:effectRef>
-            <a:fontRef idx="minor">
-              <a:schemeClr val="tx1"/>
-            </a:fontRef>
-          </p:style>
-        </p:cxnSp>
-        <p:sp>
-          <p:nvSpPr>
-            <p:cNvPr id="133" name="Rounded Rectangle 132"/>
-            <p:cNvSpPr/>
-            <p:nvPr/>
-          </p:nvSpPr>
-          <p:spPr>
-            <a:xfrm>
-              <a:off x="4538799" y="4804574"/>
-              <a:ext cx="1613741" cy="243396"/>
-            </a:xfrm>
-            <a:prstGeom prst="roundRect">
-              <a:avLst>
-                <a:gd name="adj" fmla="val 50000"/>
-              </a:avLst>
-            </a:prstGeom>
-            <a:solidFill>
-              <a:schemeClr val="bg1"/>
-            </a:solidFill>
-            <a:ln w="6350">
-              <a:solidFill>
-                <a:srgbClr val="2C74A5"/>
-              </a:solidFill>
-            </a:ln>
-          </p:spPr>
-          <p:style>
-            <a:lnRef idx="2">
-              <a:schemeClr val="dk1"/>
-            </a:lnRef>
-            <a:fillRef idx="1">
-              <a:schemeClr val="lt1"/>
-            </a:fillRef>
-            <a:effectRef idx="0">
-              <a:schemeClr val="dk1"/>
-            </a:effectRef>
-            <a:fontRef idx="minor">
-              <a:schemeClr val="dk1"/>
-            </a:fontRef>
-          </p:style>
-          <p:txBody>
-            <a:bodyPr lIns="182880" rIns="36576" rtlCol="0" anchor="ctr"/>
-            <a:lstStyle/>
-            <a:p>
-              <a:pPr>
-                <a:spcAft>
-                  <a:spcPts val="600"/>
-                </a:spcAft>
-              </a:pPr>
-              <a:r>
-                <a:rPr lang="en-US" sz="800" dirty="0">
-                  <a:solidFill>
-                    <a:srgbClr val="E84C3B"/>
-                  </a:solidFill>
-                  <a:cs typeface="Arial Narrow"/>
-                </a:rPr>
-                <a:t>OPTION:</a:t>
-              </a:r>
-              <a:r>
-                <a:rPr lang="en-US" sz="800" dirty="0">
-                  <a:solidFill>
-                    <a:srgbClr val="0070C0"/>
-                  </a:solidFill>
-                  <a:cs typeface="Arial Narrow"/>
-                </a:rPr>
-                <a:t> </a:t>
-              </a:r>
-              <a:r>
-                <a:rPr lang="en-US" sz="800" b="1" dirty="0">
-                  <a:solidFill>
-                    <a:srgbClr val="2C74A5"/>
-                  </a:solidFill>
-                  <a:cs typeface="Arial Narrow"/>
-                </a:rPr>
-                <a:t>DECAF</a:t>
-              </a:r>
-            </a:p>
-          </p:txBody>
-        </p:sp>
-        <p:sp>
-          <p:nvSpPr>
-            <p:cNvPr id="134" name="Rounded Rectangle 133"/>
-            <p:cNvSpPr/>
-            <p:nvPr/>
-          </p:nvSpPr>
-          <p:spPr>
-            <a:xfrm>
-              <a:off x="4122593" y="4464922"/>
-              <a:ext cx="1829248" cy="243396"/>
-            </a:xfrm>
-            <a:prstGeom prst="roundRect">
-              <a:avLst>
-                <a:gd name="adj" fmla="val 50000"/>
-              </a:avLst>
-            </a:prstGeom>
-            <a:solidFill>
-              <a:schemeClr val="bg1"/>
-            </a:solidFill>
-            <a:ln w="6350">
-              <a:solidFill>
-                <a:srgbClr val="2C74A5"/>
-              </a:solidFill>
-            </a:ln>
-          </p:spPr>
-          <p:style>
-            <a:lnRef idx="2">
-              <a:schemeClr val="dk1"/>
-            </a:lnRef>
-            <a:fillRef idx="1">
-              <a:schemeClr val="lt1"/>
-            </a:fillRef>
-            <a:effectRef idx="0">
-              <a:schemeClr val="dk1"/>
-            </a:effectRef>
-            <a:fontRef idx="minor">
-              <a:schemeClr val="dk1"/>
-            </a:fontRef>
-          </p:style>
-          <p:txBody>
-            <a:bodyPr lIns="182880" rIns="36576" rtlCol="0" anchor="ctr"/>
-            <a:lstStyle/>
-            <a:p>
-              <a:pPr>
-                <a:spcAft>
-                  <a:spcPts val="600"/>
-                </a:spcAft>
-              </a:pPr>
-              <a:r>
-                <a:rPr lang="en-US" sz="800" dirty="0" smtClean="0">
-                  <a:solidFill>
-                    <a:srgbClr val="E84C3B"/>
-                  </a:solidFill>
-                  <a:cs typeface="Arial Narrow"/>
-                </a:rPr>
-                <a:t>PRODUCT:</a:t>
-              </a:r>
-              <a:r>
-                <a:rPr lang="en-US" sz="800" dirty="0" smtClean="0">
-                  <a:solidFill>
-                    <a:srgbClr val="0070C0"/>
-                  </a:solidFill>
-                  <a:cs typeface="Arial Narrow"/>
-                </a:rPr>
-                <a:t> </a:t>
-              </a:r>
-              <a:r>
-                <a:rPr lang="en-US" sz="800" b="1" dirty="0" smtClean="0">
-                  <a:solidFill>
-                    <a:srgbClr val="2C74A5"/>
-                  </a:solidFill>
-                  <a:cs typeface="Arial Narrow"/>
-                </a:rPr>
-                <a:t>CAFÉ MOCHA</a:t>
-              </a:r>
-              <a:endParaRPr lang="en-US" sz="800" b="1" dirty="0">
-                <a:solidFill>
-                  <a:srgbClr val="2C74A5"/>
-                </a:solidFill>
-                <a:cs typeface="Arial Narrow"/>
-              </a:endParaRPr>
-            </a:p>
-          </p:txBody>
-        </p:sp>
-        <p:sp>
-          <p:nvSpPr>
-            <p:cNvPr id="136" name="Rectangle 135"/>
-            <p:cNvSpPr/>
-            <p:nvPr/>
-          </p:nvSpPr>
-          <p:spPr>
-            <a:xfrm>
-              <a:off x="6262135" y="4394682"/>
-              <a:ext cx="1762682" cy="1593736"/>
-            </a:xfrm>
-            <a:prstGeom prst="rect">
-              <a:avLst/>
-            </a:prstGeom>
-            <a:noFill/>
-            <a:ln w="3175">
-              <a:solidFill>
-                <a:srgbClr val="2C74A5"/>
-              </a:solidFill>
-              <a:prstDash val="dash"/>
-            </a:ln>
-          </p:spPr>
-          <p:style>
-            <a:lnRef idx="2">
-              <a:schemeClr val="dk1"/>
-            </a:lnRef>
-            <a:fillRef idx="1">
-              <a:schemeClr val="lt1"/>
-            </a:fillRef>
-            <a:effectRef idx="0">
-              <a:schemeClr val="dk1"/>
-            </a:effectRef>
-            <a:fontRef idx="minor">
-              <a:schemeClr val="dk1"/>
-            </a:fontRef>
-          </p:style>
-          <p:txBody>
-            <a:bodyPr rtlCol="0" anchor="ctr"/>
-            <a:lstStyle/>
-            <a:p>
-              <a:pPr algn="ctr"/>
-              <a:endParaRPr lang="en-US">
-                <a:solidFill>
-                  <a:srgbClr val="2C74A5"/>
-                </a:solidFill>
-              </a:endParaRPr>
-            </a:p>
-          </p:txBody>
-        </p:sp>
-        <p:sp>
-          <p:nvSpPr>
-            <p:cNvPr id="137" name="Rounded Rectangle 136"/>
-            <p:cNvSpPr/>
-            <p:nvPr/>
-          </p:nvSpPr>
-          <p:spPr>
-            <a:xfrm>
-              <a:off x="6330597" y="4458600"/>
-              <a:ext cx="1610391" cy="243396"/>
-            </a:xfrm>
-            <a:prstGeom prst="roundRect">
-              <a:avLst>
-                <a:gd name="adj" fmla="val 50000"/>
-              </a:avLst>
-            </a:prstGeom>
-            <a:solidFill>
-              <a:schemeClr val="bg1"/>
-            </a:solidFill>
-            <a:ln w="6350">
-              <a:solidFill>
-                <a:srgbClr val="2C74A5"/>
-              </a:solidFill>
-            </a:ln>
-          </p:spPr>
-          <p:style>
-            <a:lnRef idx="2">
-              <a:schemeClr val="dk1"/>
-            </a:lnRef>
-            <a:fillRef idx="1">
-              <a:schemeClr val="lt1"/>
-            </a:fillRef>
-            <a:effectRef idx="0">
-              <a:schemeClr val="dk1"/>
-            </a:effectRef>
-            <a:fontRef idx="minor">
-              <a:schemeClr val="dk1"/>
-            </a:fontRef>
-          </p:style>
-          <p:txBody>
-            <a:bodyPr lIns="182880" rIns="36576" rtlCol="0" anchor="ctr"/>
-            <a:lstStyle/>
-            <a:p>
-              <a:pPr>
-                <a:spcAft>
-                  <a:spcPts val="600"/>
-                </a:spcAft>
-              </a:pPr>
-              <a:r>
-                <a:rPr lang="en-US" sz="800" dirty="0" smtClean="0">
-                  <a:solidFill>
-                    <a:srgbClr val="E84C3B"/>
-                  </a:solidFill>
-                  <a:cs typeface="Arial Narrow"/>
-                </a:rPr>
-                <a:t>STORE:</a:t>
-              </a:r>
-              <a:r>
-                <a:rPr lang="en-US" sz="800" dirty="0" smtClean="0">
-                  <a:solidFill>
-                    <a:srgbClr val="0070C0"/>
-                  </a:solidFill>
-                  <a:cs typeface="Arial Narrow"/>
-                </a:rPr>
-                <a:t> </a:t>
-              </a:r>
-              <a:r>
-                <a:rPr lang="en-US" sz="800" b="1" dirty="0" smtClean="0">
-                  <a:solidFill>
-                    <a:srgbClr val="2C74A5"/>
-                  </a:solidFill>
-                  <a:cs typeface="Arial Narrow"/>
-                </a:rPr>
-                <a:t>BROADWAY</a:t>
-              </a:r>
-              <a:endParaRPr lang="en-US" sz="800" b="1" dirty="0">
-                <a:solidFill>
-                  <a:srgbClr val="2C74A5"/>
-                </a:solidFill>
-                <a:cs typeface="Arial Narrow"/>
-              </a:endParaRPr>
-            </a:p>
-          </p:txBody>
-        </p:sp>
-        <p:cxnSp>
-          <p:nvCxnSpPr>
-            <p:cNvPr id="140" name="Straight Connector 139"/>
-            <p:cNvCxnSpPr/>
-            <p:nvPr/>
-          </p:nvCxnSpPr>
-          <p:spPr>
-            <a:xfrm>
-              <a:off x="4379933" y="5272784"/>
-              <a:ext cx="196210" cy="0"/>
-            </a:xfrm>
-            <a:prstGeom prst="line">
-              <a:avLst/>
-            </a:prstGeom>
-            <a:ln w="6350">
-              <a:solidFill>
-                <a:srgbClr val="2C74A5"/>
-              </a:solidFill>
-            </a:ln>
-          </p:spPr>
-          <p:style>
-            <a:lnRef idx="1">
-              <a:schemeClr val="dk1"/>
-            </a:lnRef>
-            <a:fillRef idx="0">
-              <a:schemeClr val="dk1"/>
-            </a:fillRef>
-            <a:effectRef idx="0">
-              <a:schemeClr val="dk1"/>
-            </a:effectRef>
-            <a:fontRef idx="minor">
-              <a:schemeClr val="tx1"/>
-            </a:fontRef>
-          </p:style>
-        </p:cxnSp>
-        <p:sp>
-          <p:nvSpPr>
-            <p:cNvPr id="141" name="Rounded Rectangle 140"/>
-            <p:cNvSpPr/>
-            <p:nvPr/>
-          </p:nvSpPr>
-          <p:spPr>
-            <a:xfrm>
-              <a:off x="4538799" y="5144226"/>
-              <a:ext cx="1613741" cy="243396"/>
-            </a:xfrm>
-            <a:prstGeom prst="roundRect">
-              <a:avLst>
-                <a:gd name="adj" fmla="val 50000"/>
-              </a:avLst>
-            </a:prstGeom>
-            <a:solidFill>
-              <a:schemeClr val="bg1"/>
-            </a:solidFill>
-            <a:ln w="6350">
-              <a:solidFill>
-                <a:srgbClr val="2C74A5"/>
-              </a:solidFill>
-            </a:ln>
-          </p:spPr>
-          <p:style>
-            <a:lnRef idx="2">
-              <a:schemeClr val="dk1"/>
-            </a:lnRef>
-            <a:fillRef idx="1">
-              <a:schemeClr val="lt1"/>
-            </a:fillRef>
-            <a:effectRef idx="0">
-              <a:schemeClr val="dk1"/>
-            </a:effectRef>
-            <a:fontRef idx="minor">
-              <a:schemeClr val="dk1"/>
-            </a:fontRef>
-          </p:style>
-          <p:txBody>
-            <a:bodyPr lIns="182880" rIns="36576" rtlCol="0" anchor="ctr"/>
-            <a:lstStyle/>
-            <a:p>
-              <a:pPr>
-                <a:spcAft>
-                  <a:spcPts val="600"/>
-                </a:spcAft>
-              </a:pPr>
-              <a:r>
-                <a:rPr lang="en-US" sz="800" dirty="0">
-                  <a:solidFill>
-                    <a:srgbClr val="E84C3B"/>
-                  </a:solidFill>
-                  <a:cs typeface="Arial Narrow"/>
-                </a:rPr>
-                <a:t>SIZE:</a:t>
-              </a:r>
-              <a:r>
-                <a:rPr lang="en-US" sz="800" dirty="0">
-                  <a:solidFill>
-                    <a:srgbClr val="0070C0"/>
-                  </a:solidFill>
-                  <a:cs typeface="Arial Narrow"/>
-                </a:rPr>
-                <a:t> </a:t>
-              </a:r>
-              <a:r>
-                <a:rPr lang="en-US" sz="800" b="1" dirty="0">
-                  <a:solidFill>
-                    <a:srgbClr val="2C74A5"/>
-                  </a:solidFill>
-                  <a:cs typeface="Arial Narrow"/>
-                </a:rPr>
-                <a:t>SMALL</a:t>
-              </a:r>
-            </a:p>
-          </p:txBody>
-        </p:sp>
-        <p:cxnSp>
-          <p:nvCxnSpPr>
-            <p:cNvPr id="144" name="Straight Connector 143"/>
-            <p:cNvCxnSpPr/>
-            <p:nvPr/>
-          </p:nvCxnSpPr>
-          <p:spPr>
-            <a:xfrm>
-              <a:off x="4379933" y="5612436"/>
-              <a:ext cx="196210" cy="0"/>
-            </a:xfrm>
-            <a:prstGeom prst="line">
-              <a:avLst/>
-            </a:prstGeom>
-            <a:ln w="6350">
-              <a:solidFill>
-                <a:srgbClr val="2C74A5"/>
-              </a:solidFill>
-            </a:ln>
-          </p:spPr>
-          <p:style>
-            <a:lnRef idx="1">
-              <a:schemeClr val="dk1"/>
-            </a:lnRef>
-            <a:fillRef idx="0">
-              <a:schemeClr val="dk1"/>
-            </a:fillRef>
-            <a:effectRef idx="0">
-              <a:schemeClr val="dk1"/>
-            </a:effectRef>
-            <a:fontRef idx="minor">
-              <a:schemeClr val="tx1"/>
-            </a:fontRef>
-          </p:style>
-        </p:cxnSp>
-        <p:sp>
-          <p:nvSpPr>
-            <p:cNvPr id="145" name="Rounded Rectangle 144"/>
-            <p:cNvSpPr/>
-            <p:nvPr/>
-          </p:nvSpPr>
-          <p:spPr>
-            <a:xfrm>
-              <a:off x="4538799" y="5483878"/>
-              <a:ext cx="1613741" cy="243396"/>
-            </a:xfrm>
-            <a:prstGeom prst="roundRect">
-              <a:avLst>
-                <a:gd name="adj" fmla="val 50000"/>
-              </a:avLst>
-            </a:prstGeom>
-            <a:solidFill>
-              <a:schemeClr val="bg1"/>
-            </a:solidFill>
-            <a:ln w="6350">
-              <a:solidFill>
-                <a:srgbClr val="2C74A5"/>
-              </a:solidFill>
-            </a:ln>
-          </p:spPr>
-          <p:style>
-            <a:lnRef idx="2">
-              <a:schemeClr val="dk1"/>
-            </a:lnRef>
-            <a:fillRef idx="1">
-              <a:schemeClr val="lt1"/>
-            </a:fillRef>
-            <a:effectRef idx="0">
-              <a:schemeClr val="dk1"/>
-            </a:effectRef>
-            <a:fontRef idx="minor">
-              <a:schemeClr val="dk1"/>
-            </a:fontRef>
-          </p:style>
-          <p:txBody>
-            <a:bodyPr lIns="182880" rIns="36576" rtlCol="0" anchor="ctr"/>
-            <a:lstStyle/>
-            <a:p>
-              <a:pPr>
-                <a:spcAft>
-                  <a:spcPts val="600"/>
-                </a:spcAft>
-              </a:pPr>
-              <a:r>
-                <a:rPr lang="en-US" sz="800" dirty="0" smtClean="0">
-                  <a:solidFill>
-                    <a:srgbClr val="E84C3B"/>
-                  </a:solidFill>
-                  <a:cs typeface="Arial Narrow"/>
-                </a:rPr>
-                <a:t>OPTION:</a:t>
-              </a:r>
-              <a:r>
-                <a:rPr lang="en-US" sz="800" dirty="0" smtClean="0">
-                  <a:solidFill>
-                    <a:srgbClr val="0070C0"/>
-                  </a:solidFill>
-                  <a:cs typeface="Arial Narrow"/>
-                </a:rPr>
-                <a:t> </a:t>
-              </a:r>
-              <a:r>
-                <a:rPr lang="en-US" sz="800" b="1" dirty="0" smtClean="0">
-                  <a:solidFill>
-                    <a:srgbClr val="2C74A5"/>
-                  </a:solidFill>
-                  <a:cs typeface="Arial Narrow"/>
-                </a:rPr>
-                <a:t>WHIPPED CREAM</a:t>
-              </a:r>
-              <a:endParaRPr lang="en-US" sz="800" b="1" dirty="0">
-                <a:solidFill>
-                  <a:srgbClr val="2C74A5"/>
-                </a:solidFill>
-                <a:cs typeface="Arial Narrow"/>
-              </a:endParaRPr>
-            </a:p>
-          </p:txBody>
-        </p:sp>
-      </p:grpSp>
-      <p:grpSp>
-        <p:nvGrpSpPr>
-          <p:cNvPr id="2" name="Group 1"/>
-          <p:cNvGrpSpPr/>
-          <p:nvPr/>
-        </p:nvGrpSpPr>
-        <p:grpSpPr>
-          <a:xfrm>
-            <a:off x="6262135" y="1989281"/>
-            <a:ext cx="2144647" cy="1593736"/>
-            <a:chOff x="6561753" y="2437249"/>
-            <a:chExt cx="2144647" cy="1593736"/>
-          </a:xfrm>
-        </p:grpSpPr>
-        <p:sp>
-          <p:nvSpPr>
-            <p:cNvPr id="56" name="Rectangle 55"/>
-            <p:cNvSpPr/>
-            <p:nvPr/>
-          </p:nvSpPr>
-          <p:spPr>
-            <a:xfrm>
-              <a:off x="6561753" y="2437249"/>
-              <a:ext cx="2144647" cy="1593736"/>
-            </a:xfrm>
-            <a:prstGeom prst="rect">
-              <a:avLst/>
-            </a:prstGeom>
-            <a:noFill/>
-            <a:ln w="3175">
-              <a:solidFill>
-                <a:srgbClr val="2C74A5"/>
-              </a:solidFill>
-              <a:prstDash val="dash"/>
-            </a:ln>
-          </p:spPr>
-          <p:style>
-            <a:lnRef idx="2">
-              <a:schemeClr val="dk1"/>
-            </a:lnRef>
-            <a:fillRef idx="1">
-              <a:schemeClr val="lt1"/>
-            </a:fillRef>
-            <a:effectRef idx="0">
-              <a:schemeClr val="dk1"/>
-            </a:effectRef>
-            <a:fontRef idx="minor">
-              <a:schemeClr val="dk1"/>
-            </a:fontRef>
-          </p:style>
-          <p:txBody>
-            <a:bodyPr rtlCol="0" anchor="ctr"/>
-            <a:lstStyle/>
-            <a:p>
-              <a:pPr algn="ctr"/>
-              <a:endParaRPr lang="en-US"/>
-            </a:p>
-          </p:txBody>
-        </p:sp>
-        <p:cxnSp>
-          <p:nvCxnSpPr>
-            <p:cNvPr id="57" name="Straight Connector 56"/>
-            <p:cNvCxnSpPr/>
-            <p:nvPr/>
-          </p:nvCxnSpPr>
-          <p:spPr>
-            <a:xfrm>
-              <a:off x="6896942" y="2975699"/>
-              <a:ext cx="196210" cy="0"/>
-            </a:xfrm>
-            <a:prstGeom prst="line">
-              <a:avLst/>
-            </a:prstGeom>
-            <a:ln w="6350">
-              <a:solidFill>
-                <a:srgbClr val="2C74A5"/>
-              </a:solidFill>
-            </a:ln>
-          </p:spPr>
-          <p:style>
-            <a:lnRef idx="1">
-              <a:schemeClr val="dk1"/>
-            </a:lnRef>
-            <a:fillRef idx="0">
-              <a:schemeClr val="dk1"/>
-            </a:fillRef>
-            <a:effectRef idx="0">
-              <a:schemeClr val="dk1"/>
-            </a:effectRef>
-            <a:fontRef idx="minor">
-              <a:schemeClr val="tx1"/>
-            </a:fontRef>
-          </p:style>
-        </p:cxnSp>
-        <p:cxnSp>
-          <p:nvCxnSpPr>
-            <p:cNvPr id="58" name="Straight Connector 57"/>
-            <p:cNvCxnSpPr/>
-            <p:nvPr/>
-          </p:nvCxnSpPr>
-          <p:spPr>
-            <a:xfrm>
-              <a:off x="6896942" y="2748927"/>
-              <a:ext cx="0" cy="566424"/>
-            </a:xfrm>
-            <a:prstGeom prst="line">
-              <a:avLst/>
-            </a:prstGeom>
-            <a:ln w="6350">
-              <a:solidFill>
-                <a:srgbClr val="2C74A5"/>
-              </a:solidFill>
-            </a:ln>
-          </p:spPr>
-          <p:style>
-            <a:lnRef idx="1">
-              <a:schemeClr val="dk1"/>
-            </a:lnRef>
-            <a:fillRef idx="0">
-              <a:schemeClr val="dk1"/>
-            </a:fillRef>
-            <a:effectRef idx="0">
-              <a:schemeClr val="dk1"/>
-            </a:effectRef>
-            <a:fontRef idx="minor">
-              <a:schemeClr val="tx1"/>
-            </a:fontRef>
-          </p:style>
-        </p:cxnSp>
-        <p:sp>
-          <p:nvSpPr>
-            <p:cNvPr id="59" name="Rounded Rectangle 58"/>
-            <p:cNvSpPr/>
-            <p:nvPr/>
-          </p:nvSpPr>
-          <p:spPr>
-            <a:xfrm>
-              <a:off x="7055808" y="2847141"/>
-              <a:ext cx="1613741" cy="243396"/>
-            </a:xfrm>
-            <a:prstGeom prst="roundRect">
-              <a:avLst>
-                <a:gd name="adj" fmla="val 50000"/>
-              </a:avLst>
-            </a:prstGeom>
-            <a:solidFill>
-              <a:schemeClr val="bg1"/>
-            </a:solidFill>
-            <a:ln w="6350">
-              <a:solidFill>
-                <a:srgbClr val="2C74A5"/>
-              </a:solidFill>
-            </a:ln>
-          </p:spPr>
-          <p:style>
-            <a:lnRef idx="2">
-              <a:schemeClr val="dk1"/>
-            </a:lnRef>
-            <a:fillRef idx="1">
-              <a:schemeClr val="lt1"/>
-            </a:fillRef>
-            <a:effectRef idx="0">
-              <a:schemeClr val="dk1"/>
-            </a:effectRef>
-            <a:fontRef idx="minor">
-              <a:schemeClr val="dk1"/>
-            </a:fontRef>
-          </p:style>
-          <p:txBody>
-            <a:bodyPr lIns="182880" rIns="36576" rtlCol="0" anchor="ctr"/>
-            <a:lstStyle/>
-            <a:p>
-              <a:pPr>
-                <a:spcAft>
-                  <a:spcPts val="600"/>
-                </a:spcAft>
-              </a:pPr>
-              <a:r>
-                <a:rPr lang="en-US" sz="800" dirty="0" smtClean="0">
-                  <a:solidFill>
-                    <a:srgbClr val="E84C3B"/>
-                  </a:solidFill>
-                  <a:cs typeface="Arial Narrow"/>
-                </a:rPr>
-                <a:t>SIZE:</a:t>
-              </a:r>
-              <a:r>
-                <a:rPr lang="en-US" sz="800" dirty="0" smtClean="0">
-                  <a:solidFill>
-                    <a:srgbClr val="0070C0"/>
-                  </a:solidFill>
-                  <a:cs typeface="Arial Narrow"/>
-                </a:rPr>
-                <a:t> </a:t>
-              </a:r>
-              <a:r>
-                <a:rPr lang="en-US" sz="800" b="1" dirty="0" smtClean="0">
-                  <a:solidFill>
-                    <a:srgbClr val="2C74A5"/>
-                  </a:solidFill>
-                  <a:cs typeface="Arial Narrow"/>
-                </a:rPr>
-                <a:t>SMALL</a:t>
-              </a:r>
-              <a:endParaRPr lang="en-US" sz="800" b="1" dirty="0">
-                <a:solidFill>
-                  <a:srgbClr val="2C74A5"/>
-                </a:solidFill>
-                <a:cs typeface="Arial Narrow"/>
-              </a:endParaRPr>
-            </a:p>
-          </p:txBody>
-        </p:sp>
-        <p:sp>
-          <p:nvSpPr>
-            <p:cNvPr id="60" name="Rounded Rectangle 59"/>
-            <p:cNvSpPr/>
-            <p:nvPr/>
-          </p:nvSpPr>
-          <p:spPr>
-            <a:xfrm>
-              <a:off x="6639602" y="2507489"/>
-              <a:ext cx="1829248" cy="243396"/>
-            </a:xfrm>
-            <a:prstGeom prst="roundRect">
-              <a:avLst>
-                <a:gd name="adj" fmla="val 50000"/>
-              </a:avLst>
-            </a:prstGeom>
-            <a:solidFill>
-              <a:schemeClr val="bg1"/>
-            </a:solidFill>
-            <a:ln w="6350">
-              <a:solidFill>
-                <a:srgbClr val="2C74A5"/>
-              </a:solidFill>
-            </a:ln>
-          </p:spPr>
-          <p:style>
-            <a:lnRef idx="2">
-              <a:schemeClr val="dk1"/>
-            </a:lnRef>
-            <a:fillRef idx="1">
-              <a:schemeClr val="lt1"/>
-            </a:fillRef>
-            <a:effectRef idx="0">
-              <a:schemeClr val="dk1"/>
-            </a:effectRef>
-            <a:fontRef idx="minor">
-              <a:schemeClr val="dk1"/>
-            </a:fontRef>
-          </p:style>
-          <p:txBody>
-            <a:bodyPr lIns="182880" rIns="36576" rtlCol="0" anchor="ctr"/>
-            <a:lstStyle/>
-            <a:p>
-              <a:pPr>
-                <a:spcAft>
-                  <a:spcPts val="600"/>
-                </a:spcAft>
-              </a:pPr>
-              <a:r>
-                <a:rPr lang="en-US" sz="800" dirty="0" smtClean="0">
-                  <a:solidFill>
-                    <a:srgbClr val="E84C3B"/>
-                  </a:solidFill>
-                  <a:cs typeface="Arial Narrow"/>
-                </a:rPr>
-                <a:t>PRODUCT:</a:t>
-              </a:r>
-              <a:r>
-                <a:rPr lang="en-US" sz="800" dirty="0" smtClean="0">
-                  <a:solidFill>
-                    <a:srgbClr val="0070C0"/>
-                  </a:solidFill>
-                  <a:cs typeface="Arial Narrow"/>
-                </a:rPr>
-                <a:t> </a:t>
-              </a:r>
-              <a:r>
-                <a:rPr lang="en-US" sz="800" b="1" dirty="0" smtClean="0">
-                  <a:solidFill>
-                    <a:srgbClr val="2C74A5"/>
-                  </a:solidFill>
-                  <a:cs typeface="Arial Narrow"/>
-                </a:rPr>
-                <a:t>CAFÉ MOCHA</a:t>
-              </a:r>
-              <a:endParaRPr lang="en-US" sz="800" b="1" dirty="0">
-                <a:solidFill>
-                  <a:srgbClr val="2C74A5"/>
-                </a:solidFill>
-                <a:cs typeface="Arial Narrow"/>
-              </a:endParaRPr>
-            </a:p>
-          </p:txBody>
-        </p:sp>
-        <p:cxnSp>
-          <p:nvCxnSpPr>
-            <p:cNvPr id="61" name="Straight Connector 60"/>
-            <p:cNvCxnSpPr/>
-            <p:nvPr/>
-          </p:nvCxnSpPr>
-          <p:spPr>
-            <a:xfrm>
-              <a:off x="6896942" y="3315351"/>
-              <a:ext cx="196210" cy="0"/>
-            </a:xfrm>
-            <a:prstGeom prst="line">
-              <a:avLst/>
-            </a:prstGeom>
-            <a:ln w="6350">
-              <a:solidFill>
-                <a:srgbClr val="2C74A5"/>
-              </a:solidFill>
-            </a:ln>
-          </p:spPr>
-          <p:style>
-            <a:lnRef idx="1">
-              <a:schemeClr val="dk1"/>
-            </a:lnRef>
-            <a:fillRef idx="0">
-              <a:schemeClr val="dk1"/>
-            </a:fillRef>
-            <a:effectRef idx="0">
-              <a:schemeClr val="dk1"/>
-            </a:effectRef>
-            <a:fontRef idx="minor">
-              <a:schemeClr val="tx1"/>
-            </a:fontRef>
-          </p:style>
-        </p:cxnSp>
-        <p:sp>
-          <p:nvSpPr>
-            <p:cNvPr id="62" name="Rounded Rectangle 61"/>
-            <p:cNvSpPr/>
-            <p:nvPr/>
-          </p:nvSpPr>
-          <p:spPr>
-            <a:xfrm>
-              <a:off x="7055808" y="3186793"/>
-              <a:ext cx="1613741" cy="243396"/>
-            </a:xfrm>
-            <a:prstGeom prst="roundRect">
-              <a:avLst>
-                <a:gd name="adj" fmla="val 50000"/>
-              </a:avLst>
-            </a:prstGeom>
-            <a:solidFill>
-              <a:schemeClr val="bg1"/>
-            </a:solidFill>
-            <a:ln w="6350">
-              <a:solidFill>
-                <a:srgbClr val="2C74A5"/>
-              </a:solidFill>
-            </a:ln>
-          </p:spPr>
-          <p:style>
-            <a:lnRef idx="2">
-              <a:schemeClr val="dk1"/>
-            </a:lnRef>
-            <a:fillRef idx="1">
-              <a:schemeClr val="lt1"/>
-            </a:fillRef>
-            <a:effectRef idx="0">
-              <a:schemeClr val="dk1"/>
-            </a:effectRef>
-            <a:fontRef idx="minor">
-              <a:schemeClr val="dk1"/>
-            </a:fontRef>
-          </p:style>
-          <p:txBody>
-            <a:bodyPr lIns="182880" rIns="36576" rtlCol="0" anchor="ctr"/>
-            <a:lstStyle/>
-            <a:p>
-              <a:pPr>
-                <a:spcAft>
-                  <a:spcPts val="600"/>
-                </a:spcAft>
-              </a:pPr>
-              <a:r>
-                <a:rPr lang="en-US" sz="800" dirty="0" smtClean="0">
-                  <a:solidFill>
-                    <a:srgbClr val="E84C3B"/>
-                  </a:solidFill>
-                  <a:cs typeface="Arial Narrow"/>
-                </a:rPr>
-                <a:t>OPTION:</a:t>
-              </a:r>
-              <a:r>
-                <a:rPr lang="en-US" sz="800" dirty="0" smtClean="0">
-                  <a:solidFill>
-                    <a:srgbClr val="0070C0"/>
-                  </a:solidFill>
-                  <a:cs typeface="Arial Narrow"/>
-                </a:rPr>
-                <a:t> </a:t>
-              </a:r>
-              <a:r>
-                <a:rPr lang="en-US" sz="800" b="1" dirty="0" smtClean="0">
-                  <a:solidFill>
-                    <a:srgbClr val="2C74A5"/>
-                  </a:solidFill>
-                  <a:cs typeface="Arial Narrow"/>
-                </a:rPr>
-                <a:t>WHIPPED CREAM</a:t>
-              </a:r>
-              <a:endParaRPr lang="en-US" sz="800" b="1" dirty="0">
-                <a:solidFill>
-                  <a:srgbClr val="2C74A5"/>
-                </a:solidFill>
-                <a:cs typeface="Arial Narrow"/>
-              </a:endParaRPr>
-            </a:p>
-          </p:txBody>
-        </p:sp>
-      </p:grpSp>
-    </p:spTree>
-    <p:extLst>
-      <p:ext uri="{BB962C8B-B14F-4D97-AF65-F5344CB8AC3E}">
-        <p14:creationId xmlns:p14="http://schemas.microsoft.com/office/powerpoint/2010/main" val="2116546462"/>
-      </p:ext>
-    </p:extLst>
-  </p:cSld>
-  <p:clrMapOvr>
-    <a:masterClrMapping/>
-  </p:clrMapOvr>
-  <mc:AlternateContent xmlns:mc="http://schemas.openxmlformats.org/markup-compatibility/2006" xmlns:p14="http://schemas.microsoft.com/office/powerpoint/2010/main">
-    <mc:Choice Requires="p14">
-      <p:transition spd="slow" p14:dur="2000"/>
-    </mc:Choice>
-    <mc:Fallback xmlns="">
-      <p:transition spd="slow"/>
-    </mc:Fallback>
-  </mc:AlternateContent>
   <p:timing>
     <p:tnLst>
       <p:par>

--- a/docs/source/images/images.pptx
+++ b/docs/source/images/images.pptx
@@ -5,7 +5,7 @@
     <p:sldMasterId id="2147483648" r:id="rId1"/>
   </p:sldMasterIdLst>
   <p:notesMasterIdLst>
-    <p:notesMasterId r:id="rId21"/>
+    <p:notesMasterId r:id="rId22"/>
   </p:notesMasterIdLst>
   <p:sldIdLst>
     <p:sldId id="272" r:id="rId2"/>
@@ -19,14 +19,15 @@
     <p:sldId id="259" r:id="rId10"/>
     <p:sldId id="266" r:id="rId11"/>
     <p:sldId id="280" r:id="rId12"/>
-    <p:sldId id="277" r:id="rId13"/>
-    <p:sldId id="261" r:id="rId14"/>
-    <p:sldId id="263" r:id="rId15"/>
-    <p:sldId id="262" r:id="rId16"/>
-    <p:sldId id="265" r:id="rId17"/>
-    <p:sldId id="273" r:id="rId18"/>
-    <p:sldId id="276" r:id="rId19"/>
-    <p:sldId id="285" r:id="rId20"/>
+    <p:sldId id="286" r:id="rId13"/>
+    <p:sldId id="277" r:id="rId14"/>
+    <p:sldId id="261" r:id="rId15"/>
+    <p:sldId id="263" r:id="rId16"/>
+    <p:sldId id="262" r:id="rId17"/>
+    <p:sldId id="265" r:id="rId18"/>
+    <p:sldId id="273" r:id="rId19"/>
+    <p:sldId id="276" r:id="rId20"/>
+    <p:sldId id="285" r:id="rId21"/>
   </p:sldIdLst>
   <p:sldSz cx="9144000" cy="6858000" type="screen4x3"/>
   <p:notesSz cx="6858000" cy="9144000"/>
@@ -226,7 +227,7 @@
           <a:p>
             <a:fld id="{C06C16C2-E84F-C94A-BAEB-BD9A80415D2E}" type="datetimeFigureOut">
               <a:rPr lang="en-US" smtClean="0"/>
-              <a:t>7/26/17</a:t>
+              <a:t>7/27/17</a:t>
             </a:fld>
             <a:endParaRPr lang="en-US"/>
           </a:p>
@@ -1130,67 +1131,30 @@
           <a:bodyPr/>
           <a:lstStyle/>
           <a:p>
-            <a:pPr marL="171450" indent="-171450">
-              <a:buFont typeface="Arial" charset="0"/>
-              <a:buChar char="•"/>
+            <a:pPr marL="0" marR="0" indent="0" algn="l" defTabSz="914400" rtl="0" eaLnBrk="1" fontAlgn="auto" latinLnBrk="0" hangingPunct="1">
+              <a:lnSpc>
+                <a:spcPct val="100000"/>
+              </a:lnSpc>
+              <a:spcBef>
+                <a:spcPts val="0"/>
+              </a:spcBef>
+              <a:spcAft>
+                <a:spcPts val="0"/>
+              </a:spcAft>
+              <a:buClrTx/>
+              <a:buSzTx/>
+              <a:buFontTx/>
+              <a:buNone/>
+              <a:tabLst/>
+              <a:defRPr/>
             </a:pPr>
             <a:r>
-              <a:rPr lang="is-IS" baseline="0" dirty="0" smtClean="0"/>
-              <a:t>Parser function: Relations, Entity Groups</a:t>
+              <a:rPr lang="en-US" smtClean="0"/>
+              <a:t>From Minh 07-27-17</a:t>
             </a:r>
           </a:p>
           <a:p>
-            <a:pPr marL="171450" indent="-171450">
-              <a:buFont typeface="Arial" charset="0"/>
-              <a:buChar char="•"/>
-            </a:pPr>
-            <a:r>
-              <a:rPr lang="is-IS" baseline="0" dirty="0" smtClean="0"/>
-              <a:t>Quantity 1, Size: Large </a:t>
-            </a:r>
-            <a:r>
-              <a:rPr lang="is-IS" baseline="0" dirty="0" smtClean="0">
-                <a:sym typeface="Wingdings"/>
-              </a:rPr>
-              <a:t> Squishee</a:t>
-            </a:r>
-          </a:p>
-          <a:p>
-            <a:pPr marL="171450" indent="-171450">
-              <a:buFont typeface="Arial" charset="0"/>
-              <a:buChar char="•"/>
-            </a:pPr>
-            <a:r>
-              <a:rPr lang="is-IS" baseline="0" dirty="0" smtClean="0">
-                <a:sym typeface="Wingdings"/>
-              </a:rPr>
-              <a:t>Separate order of donuts </a:t>
-            </a:r>
-          </a:p>
-          <a:p>
-            <a:pPr marL="171450" indent="-171450">
-              <a:buFont typeface="Arial" charset="0"/>
-              <a:buChar char="•"/>
-            </a:pPr>
-            <a:r>
-              <a:rPr lang="is-IS" baseline="0" dirty="0" smtClean="0">
-                <a:sym typeface="Wingdings"/>
-              </a:rPr>
-              <a:t>Requested store</a:t>
-            </a:r>
-          </a:p>
-          <a:p>
-            <a:pPr marL="171450" indent="-171450">
-              <a:buFont typeface="Arial" charset="0"/>
-              <a:buChar char="•"/>
-            </a:pPr>
-            <a:r>
-              <a:rPr lang="is-IS" baseline="0" dirty="0" smtClean="0">
-                <a:sym typeface="Wingdings"/>
-              </a:rPr>
-              <a:t>All info to fulfill request, e.g. POS system</a:t>
-            </a:r>
-            <a:endParaRPr lang="is-IS" baseline="0" dirty="0" smtClean="0"/>
+            <a:endParaRPr lang="en-US" dirty="0"/>
           </a:p>
         </p:txBody>
       </p:sp>
@@ -1209,27 +1173,18 @@
           <a:bodyPr/>
           <a:lstStyle/>
           <a:p>
-            <a:fld id="{DA19B0A4-E9CB-B047-A1DB-D605C59043BA}" type="slidenum">
-              <a:rPr lang="en-US" smtClean="0">
-                <a:solidFill>
-                  <a:prstClr val="black"/>
-                </a:solidFill>
-              </a:rPr>
-              <a:pPr/>
-              <a:t>18</a:t>
+            <a:fld id="{5964A4CF-40B0-954F-98B8-79A8DB45283F}" type="slidenum">
+              <a:rPr lang="en-US" smtClean="0"/>
+              <a:t>12</a:t>
             </a:fld>
-            <a:endParaRPr lang="en-US">
-              <a:solidFill>
-                <a:prstClr val="black"/>
-              </a:solidFill>
-            </a:endParaRPr>
+            <a:endParaRPr lang="en-US"/>
           </a:p>
         </p:txBody>
       </p:sp>
     </p:spTree>
     <p:extLst>
       <p:ext uri="{BB962C8B-B14F-4D97-AF65-F5344CB8AC3E}">
-        <p14:creationId xmlns:p14="http://schemas.microsoft.com/office/powerpoint/2010/main" val="1060955061"/>
+        <p14:creationId xmlns:p14="http://schemas.microsoft.com/office/powerpoint/2010/main" val="772255502"/>
       </p:ext>
     </p:extLst>
   </p:cSld>
@@ -1382,6 +1337,159 @@
     </p:spTree>
     <p:extLst>
       <p:ext uri="{BB962C8B-B14F-4D97-AF65-F5344CB8AC3E}">
+        <p14:creationId xmlns:p14="http://schemas.microsoft.com/office/powerpoint/2010/main" val="1060955061"/>
+      </p:ext>
+    </p:extLst>
+  </p:cSld>
+  <p:clrMapOvr>
+    <a:masterClrMapping/>
+  </p:clrMapOvr>
+</p:notes>
+</file>
+
+<file path=ppt/notesSlides/notesSlide9.xml><?xml version="1.0" encoding="utf-8"?>
+<p:notes xmlns:a="http://schemas.openxmlformats.org/drawingml/2006/main" xmlns:r="http://schemas.openxmlformats.org/officeDocument/2006/relationships" xmlns:p="http://schemas.openxmlformats.org/presentationml/2006/main">
+  <p:cSld>
+    <p:spTree>
+      <p:nvGrpSpPr>
+        <p:cNvPr id="1" name=""/>
+        <p:cNvGrpSpPr/>
+        <p:nvPr/>
+      </p:nvGrpSpPr>
+      <p:grpSpPr>
+        <a:xfrm>
+          <a:off x="0" y="0"/>
+          <a:ext cx="0" cy="0"/>
+          <a:chOff x="0" y="0"/>
+          <a:chExt cx="0" cy="0"/>
+        </a:xfrm>
+      </p:grpSpPr>
+      <p:sp>
+        <p:nvSpPr>
+          <p:cNvPr id="2" name="Slide Image Placeholder 1"/>
+          <p:cNvSpPr>
+            <a:spLocks noGrp="1" noRot="1" noChangeAspect="1"/>
+          </p:cNvSpPr>
+          <p:nvPr>
+            <p:ph type="sldImg"/>
+          </p:nvPr>
+        </p:nvSpPr>
+        <p:spPr/>
+      </p:sp>
+      <p:sp>
+        <p:nvSpPr>
+          <p:cNvPr id="3" name="Notes Placeholder 2"/>
+          <p:cNvSpPr>
+            <a:spLocks noGrp="1"/>
+          </p:cNvSpPr>
+          <p:nvPr>
+            <p:ph type="body" idx="1"/>
+          </p:nvPr>
+        </p:nvSpPr>
+        <p:spPr/>
+        <p:txBody>
+          <a:bodyPr/>
+          <a:lstStyle/>
+          <a:p>
+            <a:pPr marL="171450" indent="-171450">
+              <a:buFont typeface="Arial" charset="0"/>
+              <a:buChar char="•"/>
+            </a:pPr>
+            <a:r>
+              <a:rPr lang="is-IS" baseline="0" dirty="0" smtClean="0"/>
+              <a:t>Parser function: Relations, Entity Groups</a:t>
+            </a:r>
+          </a:p>
+          <a:p>
+            <a:pPr marL="171450" indent="-171450">
+              <a:buFont typeface="Arial" charset="0"/>
+              <a:buChar char="•"/>
+            </a:pPr>
+            <a:r>
+              <a:rPr lang="is-IS" baseline="0" dirty="0" smtClean="0"/>
+              <a:t>Quantity 1, Size: Large </a:t>
+            </a:r>
+            <a:r>
+              <a:rPr lang="is-IS" baseline="0" dirty="0" smtClean="0">
+                <a:sym typeface="Wingdings"/>
+              </a:rPr>
+              <a:t> Squishee</a:t>
+            </a:r>
+          </a:p>
+          <a:p>
+            <a:pPr marL="171450" indent="-171450">
+              <a:buFont typeface="Arial" charset="0"/>
+              <a:buChar char="•"/>
+            </a:pPr>
+            <a:r>
+              <a:rPr lang="is-IS" baseline="0" dirty="0" smtClean="0">
+                <a:sym typeface="Wingdings"/>
+              </a:rPr>
+              <a:t>Separate order of donuts </a:t>
+            </a:r>
+          </a:p>
+          <a:p>
+            <a:pPr marL="171450" indent="-171450">
+              <a:buFont typeface="Arial" charset="0"/>
+              <a:buChar char="•"/>
+            </a:pPr>
+            <a:r>
+              <a:rPr lang="is-IS" baseline="0" dirty="0" smtClean="0">
+                <a:sym typeface="Wingdings"/>
+              </a:rPr>
+              <a:t>Requested store</a:t>
+            </a:r>
+          </a:p>
+          <a:p>
+            <a:pPr marL="171450" indent="-171450">
+              <a:buFont typeface="Arial" charset="0"/>
+              <a:buChar char="•"/>
+            </a:pPr>
+            <a:r>
+              <a:rPr lang="is-IS" baseline="0" dirty="0" smtClean="0">
+                <a:sym typeface="Wingdings"/>
+              </a:rPr>
+              <a:t>All info to fulfill request, e.g. POS system</a:t>
+            </a:r>
+            <a:endParaRPr lang="is-IS" baseline="0" dirty="0" smtClean="0"/>
+          </a:p>
+        </p:txBody>
+      </p:sp>
+      <p:sp>
+        <p:nvSpPr>
+          <p:cNvPr id="4" name="Slide Number Placeholder 3"/>
+          <p:cNvSpPr>
+            <a:spLocks noGrp="1"/>
+          </p:cNvSpPr>
+          <p:nvPr>
+            <p:ph type="sldNum" sz="quarter" idx="10"/>
+          </p:nvPr>
+        </p:nvSpPr>
+        <p:spPr/>
+        <p:txBody>
+          <a:bodyPr/>
+          <a:lstStyle/>
+          <a:p>
+            <a:fld id="{DA19B0A4-E9CB-B047-A1DB-D605C59043BA}" type="slidenum">
+              <a:rPr lang="en-US" smtClean="0">
+                <a:solidFill>
+                  <a:prstClr val="black"/>
+                </a:solidFill>
+              </a:rPr>
+              <a:pPr/>
+              <a:t>20</a:t>
+            </a:fld>
+            <a:endParaRPr lang="en-US">
+              <a:solidFill>
+                <a:prstClr val="black"/>
+              </a:solidFill>
+            </a:endParaRPr>
+          </a:p>
+        </p:txBody>
+      </p:sp>
+    </p:spTree>
+    <p:extLst>
+      <p:ext uri="{BB962C8B-B14F-4D97-AF65-F5344CB8AC3E}">
         <p14:creationId xmlns:p14="http://schemas.microsoft.com/office/powerpoint/2010/main" val="1136009165"/>
       </p:ext>
     </p:extLst>
@@ -1573,7 +1681,7 @@
           <a:p>
             <a:fld id="{85FD3787-7239-C647-8F46-4AEF603A44BF}" type="datetime1">
               <a:rPr lang="en-US" smtClean="0"/>
-              <a:t>7/26/17</a:t>
+              <a:t>7/27/17</a:t>
             </a:fld>
             <a:endParaRPr lang="en-US" dirty="0"/>
           </a:p>
@@ -1743,7 +1851,7 @@
           <a:p>
             <a:fld id="{58F06498-C7BA-7B4F-A289-96E741DB6F51}" type="datetime1">
               <a:rPr lang="en-US" smtClean="0"/>
-              <a:t>7/26/17</a:t>
+              <a:t>7/27/17</a:t>
             </a:fld>
             <a:endParaRPr lang="en-US" dirty="0"/>
           </a:p>
@@ -1923,7 +2031,7 @@
           <a:p>
             <a:fld id="{92B56630-3C53-6E41-8F36-B5B7DC677D8C}" type="datetime1">
               <a:rPr lang="en-US" smtClean="0"/>
-              <a:t>7/26/17</a:t>
+              <a:t>7/27/17</a:t>
             </a:fld>
             <a:endParaRPr lang="en-US" dirty="0"/>
           </a:p>
@@ -2093,7 +2201,7 @@
           <a:p>
             <a:fld id="{AB3D54BB-4E0B-844F-968F-93A99D2A0E27}" type="datetime1">
               <a:rPr lang="en-US" smtClean="0"/>
-              <a:t>7/26/17</a:t>
+              <a:t>7/27/17</a:t>
             </a:fld>
             <a:endParaRPr lang="en-US" dirty="0"/>
           </a:p>
@@ -2339,7 +2447,7 @@
           <a:p>
             <a:fld id="{8308F5C4-D4BE-1246-89B0-2CF09E5A1C73}" type="datetime1">
               <a:rPr lang="en-US" smtClean="0"/>
-              <a:t>7/26/17</a:t>
+              <a:t>7/27/17</a:t>
             </a:fld>
             <a:endParaRPr lang="en-US" dirty="0"/>
           </a:p>
@@ -2627,7 +2735,7 @@
           <a:p>
             <a:fld id="{AE2C759A-60C1-D347-A2FC-BD124BE24608}" type="datetime1">
               <a:rPr lang="en-US" smtClean="0"/>
-              <a:t>7/26/17</a:t>
+              <a:t>7/27/17</a:t>
             </a:fld>
             <a:endParaRPr lang="en-US" dirty="0"/>
           </a:p>
@@ -3049,7 +3157,7 @@
           <a:p>
             <a:fld id="{81A1B11B-E3A3-7242-9E6D-08D8E0DF02D1}" type="datetime1">
               <a:rPr lang="en-US" smtClean="0"/>
-              <a:t>7/26/17</a:t>
+              <a:t>7/27/17</a:t>
             </a:fld>
             <a:endParaRPr lang="en-US" dirty="0"/>
           </a:p>
@@ -3167,7 +3275,7 @@
           <a:p>
             <a:fld id="{4BD03965-1CEF-054A-A931-4796ABBAFB43}" type="datetime1">
               <a:rPr lang="en-US" smtClean="0"/>
-              <a:t>7/26/17</a:t>
+              <a:t>7/27/17</a:t>
             </a:fld>
             <a:endParaRPr lang="en-US" dirty="0"/>
           </a:p>
@@ -3262,7 +3370,7 @@
           <a:p>
             <a:fld id="{B2AA7C06-6D5E-494B-9BF1-9BBBE1D5A1C7}" type="datetime1">
               <a:rPr lang="en-US" smtClean="0"/>
-              <a:t>7/26/17</a:t>
+              <a:t>7/27/17</a:t>
             </a:fld>
             <a:endParaRPr lang="en-US" dirty="0"/>
           </a:p>
@@ -3539,7 +3647,7 @@
           <a:p>
             <a:fld id="{7CE04B88-50CE-7A45-AE26-A9751D882E6D}" type="datetime1">
               <a:rPr lang="en-US" smtClean="0"/>
-              <a:t>7/26/17</a:t>
+              <a:t>7/27/17</a:t>
             </a:fld>
             <a:endParaRPr lang="en-US" dirty="0"/>
           </a:p>
@@ -3796,7 +3904,7 @@
           <a:p>
             <a:fld id="{70B692A8-8BCF-2745-A1F3-24034345F60C}" type="datetime1">
               <a:rPr lang="en-US" smtClean="0"/>
-              <a:t>7/26/17</a:t>
+              <a:t>7/27/17</a:t>
             </a:fld>
             <a:endParaRPr lang="en-US" dirty="0"/>
           </a:p>
@@ -4010,7 +4118,7 @@
             <a:fld id="{B994E09A-36F1-0A45-80F7-B10DE6908129}" type="datetime1">
               <a:rPr lang="en-US" smtClean="0"/>
               <a:pPr/>
-              <a:t>7/26/17</a:t>
+              <a:t>7/27/17</a:t>
             </a:fld>
             <a:endParaRPr lang="en-US" dirty="0"/>
           </a:p>
@@ -11124,6 +11232,3018 @@
             <p:ph type="sldNum" sz="quarter" idx="12"/>
           </p:nvPr>
         </p:nvSpPr>
+        <p:spPr>
+          <a:xfrm>
+            <a:off x="7035194" y="6479855"/>
+            <a:ext cx="2133600" cy="365125"/>
+          </a:xfrm>
+        </p:spPr>
+        <p:txBody>
+          <a:bodyPr anchor="ctr"/>
+          <a:lstStyle/>
+          <a:p>
+            <a:pPr algn="ctr"/>
+            <a:fld id="{D01B2998-00A9-9E41-AB29-A15A35C12BAC}" type="slidenum">
+              <a:rPr lang="en-US" smtClean="0"/>
+              <a:pPr algn="ctr"/>
+              <a:t>12</a:t>
+            </a:fld>
+            <a:endParaRPr lang="en-US" dirty="0"/>
+          </a:p>
+        </p:txBody>
+      </p:sp>
+      <p:sp>
+        <p:nvSpPr>
+          <p:cNvPr id="4" name="Rectangle 3"/>
+          <p:cNvSpPr/>
+          <p:nvPr/>
+        </p:nvSpPr>
+        <p:spPr>
+          <a:xfrm>
+            <a:off x="4011414" y="441129"/>
+            <a:ext cx="1228807" cy="267236"/>
+          </a:xfrm>
+          <a:prstGeom prst="rect">
+            <a:avLst/>
+          </a:prstGeom>
+          <a:solidFill>
+            <a:schemeClr val="bg1">
+              <a:lumMod val="95000"/>
+            </a:schemeClr>
+          </a:solidFill>
+          <a:ln w="12700" cmpd="sng">
+            <a:solidFill>
+              <a:srgbClr val="2C74A5"/>
+            </a:solidFill>
+          </a:ln>
+        </p:spPr>
+        <p:style>
+          <a:lnRef idx="2">
+            <a:schemeClr val="dk1"/>
+          </a:lnRef>
+          <a:fillRef idx="1">
+            <a:schemeClr val="lt1"/>
+          </a:fillRef>
+          <a:effectRef idx="0">
+            <a:schemeClr val="dk1"/>
+          </a:effectRef>
+          <a:fontRef idx="minor">
+            <a:schemeClr val="dk1"/>
+          </a:fontRef>
+        </p:style>
+        <p:txBody>
+          <a:bodyPr tIns="0" bIns="27432" rtlCol="0" anchor="ctr" anchorCtr="1"/>
+          <a:lstStyle/>
+          <a:p>
+            <a:pPr algn="ctr"/>
+            <a:r>
+              <a:rPr lang="en-US" sz="1200" b="1" dirty="0" err="1" smtClean="0">
+                <a:solidFill>
+                  <a:srgbClr val="2C74A5"/>
+                </a:solidFill>
+                <a:latin typeface="Arial Narrow"/>
+                <a:cs typeface="Arial Narrow"/>
+              </a:rPr>
+              <a:t>home_assistant</a:t>
+            </a:r>
+            <a:endParaRPr lang="en-US" sz="2000" b="1" dirty="0">
+              <a:solidFill>
+                <a:srgbClr val="2C74A5"/>
+              </a:solidFill>
+              <a:latin typeface="Arial Narrow"/>
+              <a:cs typeface="Arial Narrow"/>
+            </a:endParaRPr>
+          </a:p>
+        </p:txBody>
+      </p:sp>
+      <p:sp>
+        <p:nvSpPr>
+          <p:cNvPr id="60" name="TextBox 59"/>
+          <p:cNvSpPr txBox="1"/>
+          <p:nvPr/>
+        </p:nvSpPr>
+        <p:spPr>
+          <a:xfrm>
+            <a:off x="502955" y="1056495"/>
+            <a:ext cx="808635" cy="276999"/>
+          </a:xfrm>
+          <a:prstGeom prst="rect">
+            <a:avLst/>
+          </a:prstGeom>
+          <a:noFill/>
+        </p:spPr>
+        <p:txBody>
+          <a:bodyPr wrap="none" rtlCol="0" anchor="ctr">
+            <a:spAutoFit/>
+          </a:bodyPr>
+          <a:lstStyle/>
+          <a:p>
+            <a:pPr algn="ctr"/>
+            <a:r>
+              <a:rPr lang="en-US" sz="1200" dirty="0" smtClean="0">
+                <a:solidFill>
+                  <a:srgbClr val="A6A6A6"/>
+                </a:solidFill>
+                <a:latin typeface="Arial Narrow"/>
+                <a:cs typeface="Arial Narrow"/>
+              </a:rPr>
+              <a:t>DOMAINS:</a:t>
+            </a:r>
+          </a:p>
+        </p:txBody>
+      </p:sp>
+      <p:sp>
+        <p:nvSpPr>
+          <p:cNvPr id="61" name="TextBox 60"/>
+          <p:cNvSpPr txBox="1"/>
+          <p:nvPr/>
+        </p:nvSpPr>
+        <p:spPr>
+          <a:xfrm>
+            <a:off x="502955" y="1644081"/>
+            <a:ext cx="759493" cy="276999"/>
+          </a:xfrm>
+          <a:prstGeom prst="rect">
+            <a:avLst/>
+          </a:prstGeom>
+          <a:noFill/>
+        </p:spPr>
+        <p:txBody>
+          <a:bodyPr wrap="none" rtlCol="0" anchor="ctr">
+            <a:spAutoFit/>
+          </a:bodyPr>
+          <a:lstStyle/>
+          <a:p>
+            <a:pPr algn="ctr"/>
+            <a:r>
+              <a:rPr lang="en-US" sz="1200" dirty="0" smtClean="0">
+                <a:solidFill>
+                  <a:srgbClr val="A6A6A6"/>
+                </a:solidFill>
+                <a:latin typeface="Arial Narrow"/>
+                <a:cs typeface="Arial Narrow"/>
+              </a:rPr>
+              <a:t>INTENTS:</a:t>
+            </a:r>
+          </a:p>
+        </p:txBody>
+      </p:sp>
+      <p:sp>
+        <p:nvSpPr>
+          <p:cNvPr id="34" name="TextBox 33"/>
+          <p:cNvSpPr txBox="1"/>
+          <p:nvPr/>
+        </p:nvSpPr>
+        <p:spPr>
+          <a:xfrm>
+            <a:off x="502955" y="430995"/>
+            <a:ext cx="474810" cy="276999"/>
+          </a:xfrm>
+          <a:prstGeom prst="rect">
+            <a:avLst/>
+          </a:prstGeom>
+          <a:noFill/>
+        </p:spPr>
+        <p:txBody>
+          <a:bodyPr wrap="none" rtlCol="0" anchor="ctr">
+            <a:spAutoFit/>
+          </a:bodyPr>
+          <a:lstStyle/>
+          <a:p>
+            <a:pPr algn="ctr"/>
+            <a:r>
+              <a:rPr lang="en-US" sz="1200" dirty="0" smtClean="0">
+                <a:solidFill>
+                  <a:srgbClr val="A6A6A6"/>
+                </a:solidFill>
+                <a:latin typeface="Arial Narrow"/>
+                <a:cs typeface="Arial Narrow"/>
+              </a:rPr>
+              <a:t>APP:</a:t>
+            </a:r>
+          </a:p>
+        </p:txBody>
+      </p:sp>
+      <p:sp>
+        <p:nvSpPr>
+          <p:cNvPr id="7" name="Rectangle 6"/>
+          <p:cNvSpPr/>
+          <p:nvPr/>
+        </p:nvSpPr>
+        <p:spPr>
+          <a:xfrm>
+            <a:off x="3248847" y="1074728"/>
+            <a:ext cx="1425758" cy="229465"/>
+          </a:xfrm>
+          <a:prstGeom prst="rect">
+            <a:avLst/>
+          </a:prstGeom>
+          <a:solidFill>
+            <a:schemeClr val="bg1">
+              <a:lumMod val="95000"/>
+            </a:schemeClr>
+          </a:solidFill>
+          <a:ln w="12700" cmpd="sng">
+            <a:solidFill>
+              <a:srgbClr val="2C74A5"/>
+            </a:solidFill>
+          </a:ln>
+        </p:spPr>
+        <p:style>
+          <a:lnRef idx="2">
+            <a:schemeClr val="dk1"/>
+          </a:lnRef>
+          <a:fillRef idx="1">
+            <a:schemeClr val="lt1"/>
+          </a:fillRef>
+          <a:effectRef idx="0">
+            <a:schemeClr val="dk1"/>
+          </a:effectRef>
+          <a:fontRef idx="minor">
+            <a:schemeClr val="dk1"/>
+          </a:fontRef>
+        </p:style>
+        <p:txBody>
+          <a:bodyPr tIns="0" bIns="27432" rtlCol="0" anchor="ctr" anchorCtr="1"/>
+          <a:lstStyle/>
+          <a:p>
+            <a:pPr algn="ctr"/>
+            <a:r>
+              <a:rPr lang="en-US" sz="1200" b="1" dirty="0" err="1" smtClean="0">
+                <a:solidFill>
+                  <a:srgbClr val="2C74A5"/>
+                </a:solidFill>
+                <a:latin typeface="Arial Narrow"/>
+                <a:cs typeface="Arial Narrow"/>
+              </a:rPr>
+              <a:t>smart_home</a:t>
+            </a:r>
+            <a:endParaRPr lang="en-US" sz="2000" b="1" dirty="0">
+              <a:solidFill>
+                <a:srgbClr val="2C74A5"/>
+              </a:solidFill>
+              <a:latin typeface="Arial Narrow"/>
+              <a:cs typeface="Arial Narrow"/>
+            </a:endParaRPr>
+          </a:p>
+        </p:txBody>
+      </p:sp>
+      <p:sp>
+        <p:nvSpPr>
+          <p:cNvPr id="25" name="Rectangle 24"/>
+          <p:cNvSpPr/>
+          <p:nvPr/>
+        </p:nvSpPr>
+        <p:spPr>
+          <a:xfrm>
+            <a:off x="1819124" y="1700017"/>
+            <a:ext cx="1063469" cy="221063"/>
+          </a:xfrm>
+          <a:prstGeom prst="rect">
+            <a:avLst/>
+          </a:prstGeom>
+          <a:solidFill>
+            <a:schemeClr val="bg1">
+              <a:lumMod val="95000"/>
+            </a:schemeClr>
+          </a:solidFill>
+          <a:ln w="12700" cmpd="sng">
+            <a:solidFill>
+              <a:srgbClr val="2C74A5"/>
+            </a:solidFill>
+          </a:ln>
+        </p:spPr>
+        <p:style>
+          <a:lnRef idx="2">
+            <a:schemeClr val="dk1"/>
+          </a:lnRef>
+          <a:fillRef idx="1">
+            <a:schemeClr val="lt1"/>
+          </a:fillRef>
+          <a:effectRef idx="0">
+            <a:schemeClr val="dk1"/>
+          </a:effectRef>
+          <a:fontRef idx="minor">
+            <a:schemeClr val="dk1"/>
+          </a:fontRef>
+        </p:style>
+        <p:txBody>
+          <a:bodyPr tIns="0" bIns="27432" rtlCol="0" anchor="ctr" anchorCtr="1"/>
+          <a:lstStyle/>
+          <a:p>
+            <a:pPr algn="ctr"/>
+            <a:r>
+              <a:rPr lang="en-US" sz="1200" b="1" dirty="0" smtClean="0">
+                <a:solidFill>
+                  <a:srgbClr val="2C74A5"/>
+                </a:solidFill>
+                <a:latin typeface="Arial Narrow"/>
+                <a:cs typeface="Arial Narrow"/>
+              </a:rPr>
+              <a:t>greet</a:t>
+            </a:r>
+            <a:endParaRPr lang="en-US" sz="2000" b="1" dirty="0">
+              <a:solidFill>
+                <a:srgbClr val="2C74A5"/>
+              </a:solidFill>
+              <a:latin typeface="Arial Narrow"/>
+              <a:cs typeface="Arial Narrow"/>
+            </a:endParaRPr>
+          </a:p>
+        </p:txBody>
+      </p:sp>
+      <p:sp>
+        <p:nvSpPr>
+          <p:cNvPr id="64" name="Rectangle 63"/>
+          <p:cNvSpPr/>
+          <p:nvPr/>
+        </p:nvSpPr>
+        <p:spPr>
+          <a:xfrm>
+            <a:off x="3297788" y="1683129"/>
+            <a:ext cx="1425758" cy="229465"/>
+          </a:xfrm>
+          <a:prstGeom prst="rect">
+            <a:avLst/>
+          </a:prstGeom>
+          <a:solidFill>
+            <a:schemeClr val="bg1">
+              <a:lumMod val="95000"/>
+            </a:schemeClr>
+          </a:solidFill>
+          <a:ln w="12700" cmpd="sng">
+            <a:solidFill>
+              <a:srgbClr val="2C74A5"/>
+            </a:solidFill>
+          </a:ln>
+        </p:spPr>
+        <p:style>
+          <a:lnRef idx="2">
+            <a:schemeClr val="dk1"/>
+          </a:lnRef>
+          <a:fillRef idx="1">
+            <a:schemeClr val="lt1"/>
+          </a:fillRef>
+          <a:effectRef idx="0">
+            <a:schemeClr val="dk1"/>
+          </a:effectRef>
+          <a:fontRef idx="minor">
+            <a:schemeClr val="dk1"/>
+          </a:fontRef>
+        </p:style>
+        <p:txBody>
+          <a:bodyPr tIns="0" bIns="27432" rtlCol="0" anchor="ctr" anchorCtr="1"/>
+          <a:lstStyle/>
+          <a:p>
+            <a:pPr algn="ctr"/>
+            <a:r>
+              <a:rPr lang="en-US" sz="1200" b="1" dirty="0" err="1" smtClean="0">
+                <a:solidFill>
+                  <a:srgbClr val="2C74A5"/>
+                </a:solidFill>
+                <a:latin typeface="Arial Narrow"/>
+                <a:cs typeface="Arial Narrow"/>
+              </a:rPr>
+              <a:t>check_thermostat</a:t>
+            </a:r>
+            <a:endParaRPr lang="en-US" sz="2000" b="1" dirty="0">
+              <a:solidFill>
+                <a:srgbClr val="2C74A5"/>
+              </a:solidFill>
+              <a:latin typeface="Arial Narrow"/>
+              <a:cs typeface="Arial Narrow"/>
+            </a:endParaRPr>
+          </a:p>
+        </p:txBody>
+      </p:sp>
+      <p:sp>
+        <p:nvSpPr>
+          <p:cNvPr id="35" name="Rectangle 34"/>
+          <p:cNvSpPr/>
+          <p:nvPr/>
+        </p:nvSpPr>
+        <p:spPr>
+          <a:xfrm>
+            <a:off x="1816578" y="2091641"/>
+            <a:ext cx="1063468" cy="229465"/>
+          </a:xfrm>
+          <a:prstGeom prst="rect">
+            <a:avLst/>
+          </a:prstGeom>
+          <a:solidFill>
+            <a:schemeClr val="bg1">
+              <a:lumMod val="95000"/>
+            </a:schemeClr>
+          </a:solidFill>
+          <a:ln w="12700" cmpd="sng">
+            <a:solidFill>
+              <a:srgbClr val="2C74A5"/>
+            </a:solidFill>
+          </a:ln>
+        </p:spPr>
+        <p:style>
+          <a:lnRef idx="2">
+            <a:schemeClr val="dk1"/>
+          </a:lnRef>
+          <a:fillRef idx="1">
+            <a:schemeClr val="lt1"/>
+          </a:fillRef>
+          <a:effectRef idx="0">
+            <a:schemeClr val="dk1"/>
+          </a:effectRef>
+          <a:fontRef idx="minor">
+            <a:schemeClr val="dk1"/>
+          </a:fontRef>
+        </p:style>
+        <p:txBody>
+          <a:bodyPr tIns="0" bIns="27432" rtlCol="0" anchor="ctr" anchorCtr="1"/>
+          <a:lstStyle/>
+          <a:p>
+            <a:pPr algn="ctr"/>
+            <a:r>
+              <a:rPr lang="en-US" sz="1200" b="1" dirty="0" smtClean="0">
+                <a:solidFill>
+                  <a:srgbClr val="2C74A5"/>
+                </a:solidFill>
+                <a:latin typeface="Arial Narrow"/>
+                <a:cs typeface="Arial Narrow"/>
+              </a:rPr>
+              <a:t>exit</a:t>
+            </a:r>
+            <a:endParaRPr lang="en-US" sz="2000" b="1" dirty="0">
+              <a:solidFill>
+                <a:srgbClr val="2C74A5"/>
+              </a:solidFill>
+              <a:latin typeface="Arial Narrow"/>
+              <a:cs typeface="Arial Narrow"/>
+            </a:endParaRPr>
+          </a:p>
+        </p:txBody>
+      </p:sp>
+      <p:sp>
+        <p:nvSpPr>
+          <p:cNvPr id="36" name="Rectangle 35"/>
+          <p:cNvSpPr/>
+          <p:nvPr/>
+        </p:nvSpPr>
+        <p:spPr>
+          <a:xfrm>
+            <a:off x="4892757" y="1683129"/>
+            <a:ext cx="1093174" cy="229465"/>
+          </a:xfrm>
+          <a:prstGeom prst="rect">
+            <a:avLst/>
+          </a:prstGeom>
+          <a:solidFill>
+            <a:schemeClr val="bg1">
+              <a:lumMod val="95000"/>
+            </a:schemeClr>
+          </a:solidFill>
+          <a:ln w="12700" cmpd="sng">
+            <a:solidFill>
+              <a:srgbClr val="2C74A5"/>
+            </a:solidFill>
+          </a:ln>
+        </p:spPr>
+        <p:style>
+          <a:lnRef idx="2">
+            <a:schemeClr val="dk1"/>
+          </a:lnRef>
+          <a:fillRef idx="1">
+            <a:schemeClr val="lt1"/>
+          </a:fillRef>
+          <a:effectRef idx="0">
+            <a:schemeClr val="dk1"/>
+          </a:effectRef>
+          <a:fontRef idx="minor">
+            <a:schemeClr val="dk1"/>
+          </a:fontRef>
+        </p:style>
+        <p:txBody>
+          <a:bodyPr tIns="0" bIns="27432" rtlCol="0" anchor="ctr" anchorCtr="1"/>
+          <a:lstStyle/>
+          <a:p>
+            <a:pPr algn="ctr"/>
+            <a:r>
+              <a:rPr lang="en-US" sz="1200" b="1" dirty="0" err="1">
+                <a:solidFill>
+                  <a:srgbClr val="2C74A5"/>
+                </a:solidFill>
+                <a:latin typeface="Arial Narrow"/>
+                <a:cs typeface="Arial Narrow"/>
+              </a:rPr>
+              <a:t>c</a:t>
+            </a:r>
+            <a:r>
+              <a:rPr lang="en-US" sz="1200" b="1" dirty="0" err="1" smtClean="0">
+                <a:solidFill>
+                  <a:srgbClr val="2C74A5"/>
+                </a:solidFill>
+                <a:latin typeface="Arial Narrow"/>
+                <a:cs typeface="Arial Narrow"/>
+              </a:rPr>
+              <a:t>heck_weather</a:t>
+            </a:r>
+            <a:endParaRPr lang="en-US" sz="2000" b="1" dirty="0">
+              <a:solidFill>
+                <a:srgbClr val="2C74A5"/>
+              </a:solidFill>
+              <a:latin typeface="Arial Narrow"/>
+              <a:cs typeface="Arial Narrow"/>
+            </a:endParaRPr>
+          </a:p>
+        </p:txBody>
+      </p:sp>
+      <p:sp>
+        <p:nvSpPr>
+          <p:cNvPr id="42" name="Rectangle 41"/>
+          <p:cNvSpPr/>
+          <p:nvPr/>
+        </p:nvSpPr>
+        <p:spPr>
+          <a:xfrm>
+            <a:off x="4892757" y="1074728"/>
+            <a:ext cx="1093174" cy="229465"/>
+          </a:xfrm>
+          <a:prstGeom prst="rect">
+            <a:avLst/>
+          </a:prstGeom>
+          <a:solidFill>
+            <a:schemeClr val="bg1">
+              <a:lumMod val="95000"/>
+            </a:schemeClr>
+          </a:solidFill>
+          <a:ln w="12700" cmpd="sng">
+            <a:solidFill>
+              <a:srgbClr val="2C74A5"/>
+            </a:solidFill>
+          </a:ln>
+        </p:spPr>
+        <p:style>
+          <a:lnRef idx="2">
+            <a:schemeClr val="dk1"/>
+          </a:lnRef>
+          <a:fillRef idx="1">
+            <a:schemeClr val="lt1"/>
+          </a:fillRef>
+          <a:effectRef idx="0">
+            <a:schemeClr val="dk1"/>
+          </a:effectRef>
+          <a:fontRef idx="minor">
+            <a:schemeClr val="dk1"/>
+          </a:fontRef>
+        </p:style>
+        <p:txBody>
+          <a:bodyPr tIns="0" bIns="27432" rtlCol="0" anchor="ctr" anchorCtr="1"/>
+          <a:lstStyle/>
+          <a:p>
+            <a:pPr algn="ctr"/>
+            <a:r>
+              <a:rPr lang="en-US" sz="1200" b="1" dirty="0" smtClean="0">
+                <a:solidFill>
+                  <a:srgbClr val="2C74A5"/>
+                </a:solidFill>
+                <a:latin typeface="Arial Narrow"/>
+                <a:cs typeface="Arial Narrow"/>
+              </a:rPr>
+              <a:t>weather</a:t>
+            </a:r>
+            <a:endParaRPr lang="en-US" sz="2000" b="1" dirty="0">
+              <a:solidFill>
+                <a:srgbClr val="2C74A5"/>
+              </a:solidFill>
+              <a:latin typeface="Arial Narrow"/>
+              <a:cs typeface="Arial Narrow"/>
+            </a:endParaRPr>
+          </a:p>
+        </p:txBody>
+      </p:sp>
+      <p:cxnSp>
+        <p:nvCxnSpPr>
+          <p:cNvPr id="19" name="Elbow Connector 18"/>
+          <p:cNvCxnSpPr>
+            <a:stCxn id="4" idx="2"/>
+            <a:endCxn id="7" idx="0"/>
+          </p:cNvCxnSpPr>
+          <p:nvPr/>
+        </p:nvCxnSpPr>
+        <p:spPr>
+          <a:xfrm rot="5400000">
+            <a:off x="4110591" y="559500"/>
+            <a:ext cx="366363" cy="664092"/>
+          </a:xfrm>
+          <a:prstGeom prst="bentConnector3">
+            <a:avLst/>
+          </a:prstGeom>
+          <a:ln w="9525">
+            <a:solidFill>
+              <a:schemeClr val="accent6"/>
+            </a:solidFill>
+          </a:ln>
+          <a:effectLst/>
+        </p:spPr>
+        <p:style>
+          <a:lnRef idx="2">
+            <a:schemeClr val="accent1"/>
+          </a:lnRef>
+          <a:fillRef idx="0">
+            <a:schemeClr val="accent1"/>
+          </a:fillRef>
+          <a:effectRef idx="1">
+            <a:schemeClr val="accent1"/>
+          </a:effectRef>
+          <a:fontRef idx="minor">
+            <a:schemeClr val="tx1"/>
+          </a:fontRef>
+        </p:style>
+      </p:cxnSp>
+      <p:sp>
+        <p:nvSpPr>
+          <p:cNvPr id="50" name="Rectangle 49"/>
+          <p:cNvSpPr/>
+          <p:nvPr/>
+        </p:nvSpPr>
+        <p:spPr>
+          <a:xfrm>
+            <a:off x="3301832" y="2041250"/>
+            <a:ext cx="1425758" cy="229465"/>
+          </a:xfrm>
+          <a:prstGeom prst="rect">
+            <a:avLst/>
+          </a:prstGeom>
+          <a:solidFill>
+            <a:schemeClr val="bg1">
+              <a:lumMod val="95000"/>
+            </a:schemeClr>
+          </a:solidFill>
+          <a:ln w="12700" cmpd="sng">
+            <a:solidFill>
+              <a:srgbClr val="2C74A5"/>
+            </a:solidFill>
+          </a:ln>
+        </p:spPr>
+        <p:style>
+          <a:lnRef idx="2">
+            <a:schemeClr val="dk1"/>
+          </a:lnRef>
+          <a:fillRef idx="1">
+            <a:schemeClr val="lt1"/>
+          </a:fillRef>
+          <a:effectRef idx="0">
+            <a:schemeClr val="dk1"/>
+          </a:effectRef>
+          <a:fontRef idx="minor">
+            <a:schemeClr val="dk1"/>
+          </a:fontRef>
+        </p:style>
+        <p:txBody>
+          <a:bodyPr tIns="0" bIns="27432" rtlCol="0" anchor="ctr" anchorCtr="1"/>
+          <a:lstStyle/>
+          <a:p>
+            <a:pPr algn="ctr"/>
+            <a:r>
+              <a:rPr lang="en-US" sz="1200" b="1" dirty="0" err="1" smtClean="0">
+                <a:solidFill>
+                  <a:srgbClr val="2C74A5"/>
+                </a:solidFill>
+                <a:latin typeface="Arial Narrow"/>
+                <a:cs typeface="Arial Narrow"/>
+              </a:rPr>
+              <a:t>close_door</a:t>
+            </a:r>
+            <a:endParaRPr lang="en-US" sz="2000" b="1" dirty="0">
+              <a:solidFill>
+                <a:srgbClr val="2C74A5"/>
+              </a:solidFill>
+              <a:latin typeface="Arial Narrow"/>
+              <a:cs typeface="Arial Narrow"/>
+            </a:endParaRPr>
+          </a:p>
+        </p:txBody>
+      </p:sp>
+      <p:sp>
+        <p:nvSpPr>
+          <p:cNvPr id="29" name="Rectangle 28"/>
+          <p:cNvSpPr/>
+          <p:nvPr/>
+        </p:nvSpPr>
+        <p:spPr>
+          <a:xfrm>
+            <a:off x="3297788" y="2399371"/>
+            <a:ext cx="1425758" cy="229465"/>
+          </a:xfrm>
+          <a:prstGeom prst="rect">
+            <a:avLst/>
+          </a:prstGeom>
+          <a:solidFill>
+            <a:schemeClr val="bg1">
+              <a:lumMod val="95000"/>
+            </a:schemeClr>
+          </a:solidFill>
+          <a:ln w="12700" cmpd="sng">
+            <a:solidFill>
+              <a:srgbClr val="2C74A5"/>
+            </a:solidFill>
+          </a:ln>
+        </p:spPr>
+        <p:style>
+          <a:lnRef idx="2">
+            <a:schemeClr val="dk1"/>
+          </a:lnRef>
+          <a:fillRef idx="1">
+            <a:schemeClr val="lt1"/>
+          </a:fillRef>
+          <a:effectRef idx="0">
+            <a:schemeClr val="dk1"/>
+          </a:effectRef>
+          <a:fontRef idx="minor">
+            <a:schemeClr val="dk1"/>
+          </a:fontRef>
+        </p:style>
+        <p:txBody>
+          <a:bodyPr tIns="0" bIns="27432" rtlCol="0" anchor="ctr" anchorCtr="1"/>
+          <a:lstStyle/>
+          <a:p>
+            <a:pPr algn="ctr"/>
+            <a:r>
+              <a:rPr lang="en-US" sz="1200" b="1" dirty="0" err="1" smtClean="0">
+                <a:solidFill>
+                  <a:srgbClr val="2C74A5"/>
+                </a:solidFill>
+                <a:latin typeface="Arial Narrow"/>
+                <a:cs typeface="Arial Narrow"/>
+              </a:rPr>
+              <a:t>lock_door</a:t>
+            </a:r>
+            <a:endParaRPr lang="en-US" sz="2000" b="1" dirty="0">
+              <a:solidFill>
+                <a:srgbClr val="2C74A5"/>
+              </a:solidFill>
+              <a:latin typeface="Arial Narrow"/>
+              <a:cs typeface="Arial Narrow"/>
+            </a:endParaRPr>
+          </a:p>
+        </p:txBody>
+      </p:sp>
+      <p:sp>
+        <p:nvSpPr>
+          <p:cNvPr id="30" name="Rectangle 29"/>
+          <p:cNvSpPr/>
+          <p:nvPr/>
+        </p:nvSpPr>
+        <p:spPr>
+          <a:xfrm>
+            <a:off x="3301831" y="2771924"/>
+            <a:ext cx="1425758" cy="229465"/>
+          </a:xfrm>
+          <a:prstGeom prst="rect">
+            <a:avLst/>
+          </a:prstGeom>
+          <a:solidFill>
+            <a:schemeClr val="bg1">
+              <a:lumMod val="95000"/>
+            </a:schemeClr>
+          </a:solidFill>
+          <a:ln w="12700" cmpd="sng">
+            <a:solidFill>
+              <a:srgbClr val="2C74A5"/>
+            </a:solidFill>
+          </a:ln>
+        </p:spPr>
+        <p:style>
+          <a:lnRef idx="2">
+            <a:schemeClr val="dk1"/>
+          </a:lnRef>
+          <a:fillRef idx="1">
+            <a:schemeClr val="lt1"/>
+          </a:fillRef>
+          <a:effectRef idx="0">
+            <a:schemeClr val="dk1"/>
+          </a:effectRef>
+          <a:fontRef idx="minor">
+            <a:schemeClr val="dk1"/>
+          </a:fontRef>
+        </p:style>
+        <p:txBody>
+          <a:bodyPr tIns="0" bIns="27432" rtlCol="0" anchor="ctr" anchorCtr="1"/>
+          <a:lstStyle/>
+          <a:p>
+            <a:pPr algn="ctr"/>
+            <a:r>
+              <a:rPr lang="en-US" sz="1200" b="1" dirty="0" err="1" smtClean="0">
+                <a:solidFill>
+                  <a:srgbClr val="2C74A5"/>
+                </a:solidFill>
+                <a:latin typeface="Arial Narrow"/>
+                <a:cs typeface="Arial Narrow"/>
+              </a:rPr>
+              <a:t>open_door</a:t>
+            </a:r>
+            <a:endParaRPr lang="en-US" sz="2000" b="1" dirty="0">
+              <a:solidFill>
+                <a:srgbClr val="2C74A5"/>
+              </a:solidFill>
+              <a:latin typeface="Arial Narrow"/>
+              <a:cs typeface="Arial Narrow"/>
+            </a:endParaRPr>
+          </a:p>
+        </p:txBody>
+      </p:sp>
+      <p:sp>
+        <p:nvSpPr>
+          <p:cNvPr id="31" name="Rectangle 30"/>
+          <p:cNvSpPr/>
+          <p:nvPr/>
+        </p:nvSpPr>
+        <p:spPr>
+          <a:xfrm>
+            <a:off x="3314024" y="3107085"/>
+            <a:ext cx="1425758" cy="229465"/>
+          </a:xfrm>
+          <a:prstGeom prst="rect">
+            <a:avLst/>
+          </a:prstGeom>
+          <a:solidFill>
+            <a:schemeClr val="bg1">
+              <a:lumMod val="95000"/>
+            </a:schemeClr>
+          </a:solidFill>
+          <a:ln w="12700" cmpd="sng">
+            <a:solidFill>
+              <a:srgbClr val="2C74A5"/>
+            </a:solidFill>
+          </a:ln>
+        </p:spPr>
+        <p:style>
+          <a:lnRef idx="2">
+            <a:schemeClr val="dk1"/>
+          </a:lnRef>
+          <a:fillRef idx="1">
+            <a:schemeClr val="lt1"/>
+          </a:fillRef>
+          <a:effectRef idx="0">
+            <a:schemeClr val="dk1"/>
+          </a:effectRef>
+          <a:fontRef idx="minor">
+            <a:schemeClr val="dk1"/>
+          </a:fontRef>
+        </p:style>
+        <p:txBody>
+          <a:bodyPr tIns="0" bIns="27432" rtlCol="0" anchor="ctr" anchorCtr="1"/>
+          <a:lstStyle/>
+          <a:p>
+            <a:pPr algn="ctr"/>
+            <a:r>
+              <a:rPr lang="en-US" sz="1200" b="1" dirty="0" err="1" smtClean="0">
+                <a:solidFill>
+                  <a:srgbClr val="2C74A5"/>
+                </a:solidFill>
+                <a:latin typeface="Arial Narrow"/>
+                <a:cs typeface="Arial Narrow"/>
+              </a:rPr>
+              <a:t>set_thermostat</a:t>
+            </a:r>
+            <a:endParaRPr lang="en-US" sz="2000" b="1" dirty="0">
+              <a:solidFill>
+                <a:srgbClr val="2C74A5"/>
+              </a:solidFill>
+              <a:latin typeface="Arial Narrow"/>
+              <a:cs typeface="Arial Narrow"/>
+            </a:endParaRPr>
+          </a:p>
+        </p:txBody>
+      </p:sp>
+      <p:sp>
+        <p:nvSpPr>
+          <p:cNvPr id="33" name="Rectangle 32"/>
+          <p:cNvSpPr/>
+          <p:nvPr/>
+        </p:nvSpPr>
+        <p:spPr>
+          <a:xfrm>
+            <a:off x="3292668" y="3456678"/>
+            <a:ext cx="1448556" cy="229465"/>
+          </a:xfrm>
+          <a:prstGeom prst="rect">
+            <a:avLst/>
+          </a:prstGeom>
+          <a:solidFill>
+            <a:schemeClr val="bg1">
+              <a:lumMod val="95000"/>
+            </a:schemeClr>
+          </a:solidFill>
+          <a:ln w="12700" cmpd="sng">
+            <a:solidFill>
+              <a:srgbClr val="2C74A5"/>
+            </a:solidFill>
+          </a:ln>
+        </p:spPr>
+        <p:style>
+          <a:lnRef idx="2">
+            <a:schemeClr val="dk1"/>
+          </a:lnRef>
+          <a:fillRef idx="1">
+            <a:schemeClr val="lt1"/>
+          </a:fillRef>
+          <a:effectRef idx="0">
+            <a:schemeClr val="dk1"/>
+          </a:effectRef>
+          <a:fontRef idx="minor">
+            <a:schemeClr val="dk1"/>
+          </a:fontRef>
+        </p:style>
+        <p:txBody>
+          <a:bodyPr tIns="0" bIns="27432" rtlCol="0" anchor="ctr" anchorCtr="1"/>
+          <a:lstStyle/>
+          <a:p>
+            <a:pPr algn="ctr"/>
+            <a:r>
+              <a:rPr lang="en-US" sz="1200" b="1" dirty="0" err="1" smtClean="0">
+                <a:solidFill>
+                  <a:srgbClr val="2C74A5"/>
+                </a:solidFill>
+                <a:latin typeface="Arial Narrow"/>
+                <a:cs typeface="Arial Narrow"/>
+              </a:rPr>
+              <a:t>specify_location</a:t>
+            </a:r>
+            <a:endParaRPr lang="en-US" sz="2000" b="1" dirty="0">
+              <a:solidFill>
+                <a:srgbClr val="2C74A5"/>
+              </a:solidFill>
+              <a:latin typeface="Arial Narrow"/>
+              <a:cs typeface="Arial Narrow"/>
+            </a:endParaRPr>
+          </a:p>
+        </p:txBody>
+      </p:sp>
+      <p:sp>
+        <p:nvSpPr>
+          <p:cNvPr id="38" name="Rectangle 37"/>
+          <p:cNvSpPr/>
+          <p:nvPr/>
+        </p:nvSpPr>
+        <p:spPr>
+          <a:xfrm>
+            <a:off x="3297788" y="3831855"/>
+            <a:ext cx="1425758" cy="229465"/>
+          </a:xfrm>
+          <a:prstGeom prst="rect">
+            <a:avLst/>
+          </a:prstGeom>
+          <a:solidFill>
+            <a:schemeClr val="bg1">
+              <a:lumMod val="95000"/>
+            </a:schemeClr>
+          </a:solidFill>
+          <a:ln w="12700" cmpd="sng">
+            <a:solidFill>
+              <a:srgbClr val="2C74A5"/>
+            </a:solidFill>
+          </a:ln>
+        </p:spPr>
+        <p:style>
+          <a:lnRef idx="2">
+            <a:schemeClr val="dk1"/>
+          </a:lnRef>
+          <a:fillRef idx="1">
+            <a:schemeClr val="lt1"/>
+          </a:fillRef>
+          <a:effectRef idx="0">
+            <a:schemeClr val="dk1"/>
+          </a:effectRef>
+          <a:fontRef idx="minor">
+            <a:schemeClr val="dk1"/>
+          </a:fontRef>
+        </p:style>
+        <p:txBody>
+          <a:bodyPr tIns="0" bIns="27432" rtlCol="0" anchor="ctr" anchorCtr="1"/>
+          <a:lstStyle/>
+          <a:p>
+            <a:pPr algn="ctr"/>
+            <a:r>
+              <a:rPr lang="en-US" sz="1200" b="1" dirty="0" err="1" smtClean="0">
+                <a:solidFill>
+                  <a:srgbClr val="2C74A5"/>
+                </a:solidFill>
+                <a:latin typeface="Arial Narrow"/>
+                <a:cs typeface="Arial Narrow"/>
+              </a:rPr>
+              <a:t>turn_appliance_on</a:t>
+            </a:r>
+            <a:endParaRPr lang="en-US" sz="2000" b="1" dirty="0">
+              <a:solidFill>
+                <a:srgbClr val="2C74A5"/>
+              </a:solidFill>
+              <a:latin typeface="Arial Narrow"/>
+              <a:cs typeface="Arial Narrow"/>
+            </a:endParaRPr>
+          </a:p>
+        </p:txBody>
+      </p:sp>
+      <p:sp>
+        <p:nvSpPr>
+          <p:cNvPr id="39" name="Rectangle 38"/>
+          <p:cNvSpPr/>
+          <p:nvPr/>
+        </p:nvSpPr>
+        <p:spPr>
+          <a:xfrm>
+            <a:off x="3297788" y="4188664"/>
+            <a:ext cx="1425758" cy="229465"/>
+          </a:xfrm>
+          <a:prstGeom prst="rect">
+            <a:avLst/>
+          </a:prstGeom>
+          <a:solidFill>
+            <a:schemeClr val="bg1">
+              <a:lumMod val="95000"/>
+            </a:schemeClr>
+          </a:solidFill>
+          <a:ln w="12700" cmpd="sng">
+            <a:solidFill>
+              <a:srgbClr val="2C74A5"/>
+            </a:solidFill>
+          </a:ln>
+        </p:spPr>
+        <p:style>
+          <a:lnRef idx="2">
+            <a:schemeClr val="dk1"/>
+          </a:lnRef>
+          <a:fillRef idx="1">
+            <a:schemeClr val="lt1"/>
+          </a:fillRef>
+          <a:effectRef idx="0">
+            <a:schemeClr val="dk1"/>
+          </a:effectRef>
+          <a:fontRef idx="minor">
+            <a:schemeClr val="dk1"/>
+          </a:fontRef>
+        </p:style>
+        <p:txBody>
+          <a:bodyPr tIns="0" bIns="27432" rtlCol="0" anchor="ctr" anchorCtr="1"/>
+          <a:lstStyle/>
+          <a:p>
+            <a:pPr algn="ctr"/>
+            <a:r>
+              <a:rPr lang="en-US" sz="1200" b="1" dirty="0" err="1" smtClean="0">
+                <a:solidFill>
+                  <a:srgbClr val="2C74A5"/>
+                </a:solidFill>
+                <a:latin typeface="Arial Narrow"/>
+                <a:cs typeface="Arial Narrow"/>
+              </a:rPr>
+              <a:t>turn_appliance_off</a:t>
+            </a:r>
+            <a:endParaRPr lang="en-US" sz="2000" b="1" dirty="0">
+              <a:solidFill>
+                <a:srgbClr val="2C74A5"/>
+              </a:solidFill>
+              <a:latin typeface="Arial Narrow"/>
+              <a:cs typeface="Arial Narrow"/>
+            </a:endParaRPr>
+          </a:p>
+        </p:txBody>
+      </p:sp>
+      <p:sp>
+        <p:nvSpPr>
+          <p:cNvPr id="40" name="Rectangle 39"/>
+          <p:cNvSpPr/>
+          <p:nvPr/>
+        </p:nvSpPr>
+        <p:spPr>
+          <a:xfrm>
+            <a:off x="3314024" y="4545473"/>
+            <a:ext cx="1425758" cy="229465"/>
+          </a:xfrm>
+          <a:prstGeom prst="rect">
+            <a:avLst/>
+          </a:prstGeom>
+          <a:solidFill>
+            <a:schemeClr val="bg1">
+              <a:lumMod val="95000"/>
+            </a:schemeClr>
+          </a:solidFill>
+          <a:ln w="12700" cmpd="sng">
+            <a:solidFill>
+              <a:srgbClr val="2C74A5"/>
+            </a:solidFill>
+          </a:ln>
+        </p:spPr>
+        <p:style>
+          <a:lnRef idx="2">
+            <a:schemeClr val="dk1"/>
+          </a:lnRef>
+          <a:fillRef idx="1">
+            <a:schemeClr val="lt1"/>
+          </a:fillRef>
+          <a:effectRef idx="0">
+            <a:schemeClr val="dk1"/>
+          </a:effectRef>
+          <a:fontRef idx="minor">
+            <a:schemeClr val="dk1"/>
+          </a:fontRef>
+        </p:style>
+        <p:txBody>
+          <a:bodyPr tIns="0" bIns="27432" rtlCol="0" anchor="ctr" anchorCtr="1"/>
+          <a:lstStyle/>
+          <a:p>
+            <a:pPr algn="ctr"/>
+            <a:r>
+              <a:rPr lang="en-US" sz="1200" b="1" dirty="0" err="1" smtClean="0">
+                <a:solidFill>
+                  <a:srgbClr val="2C74A5"/>
+                </a:solidFill>
+                <a:latin typeface="Arial Narrow"/>
+                <a:cs typeface="Arial Narrow"/>
+              </a:rPr>
+              <a:t>turn_lights_off</a:t>
+            </a:r>
+            <a:endParaRPr lang="en-US" sz="2000" b="1" dirty="0">
+              <a:solidFill>
+                <a:srgbClr val="2C74A5"/>
+              </a:solidFill>
+              <a:latin typeface="Arial Narrow"/>
+              <a:cs typeface="Arial Narrow"/>
+            </a:endParaRPr>
+          </a:p>
+        </p:txBody>
+      </p:sp>
+      <p:sp>
+        <p:nvSpPr>
+          <p:cNvPr id="41" name="Rectangle 40"/>
+          <p:cNvSpPr/>
+          <p:nvPr/>
+        </p:nvSpPr>
+        <p:spPr>
+          <a:xfrm>
+            <a:off x="3301832" y="4901448"/>
+            <a:ext cx="1448556" cy="229465"/>
+          </a:xfrm>
+          <a:prstGeom prst="rect">
+            <a:avLst/>
+          </a:prstGeom>
+          <a:solidFill>
+            <a:schemeClr val="bg1">
+              <a:lumMod val="95000"/>
+            </a:schemeClr>
+          </a:solidFill>
+          <a:ln w="12700" cmpd="sng">
+            <a:solidFill>
+              <a:srgbClr val="2C74A5"/>
+            </a:solidFill>
+          </a:ln>
+        </p:spPr>
+        <p:style>
+          <a:lnRef idx="2">
+            <a:schemeClr val="dk1"/>
+          </a:lnRef>
+          <a:fillRef idx="1">
+            <a:schemeClr val="lt1"/>
+          </a:fillRef>
+          <a:effectRef idx="0">
+            <a:schemeClr val="dk1"/>
+          </a:effectRef>
+          <a:fontRef idx="minor">
+            <a:schemeClr val="dk1"/>
+          </a:fontRef>
+        </p:style>
+        <p:txBody>
+          <a:bodyPr tIns="0" bIns="27432" rtlCol="0" anchor="ctr" anchorCtr="1"/>
+          <a:lstStyle/>
+          <a:p>
+            <a:pPr algn="ctr"/>
+            <a:r>
+              <a:rPr lang="en-US" sz="1200" b="1" dirty="0" err="1" smtClean="0">
+                <a:solidFill>
+                  <a:srgbClr val="2C74A5"/>
+                </a:solidFill>
+                <a:latin typeface="Arial Narrow"/>
+                <a:cs typeface="Arial Narrow"/>
+              </a:rPr>
+              <a:t>turn_lights_on</a:t>
+            </a:r>
+            <a:endParaRPr lang="en-US" sz="1200" b="1" dirty="0" smtClean="0">
+              <a:solidFill>
+                <a:srgbClr val="2C74A5"/>
+              </a:solidFill>
+              <a:latin typeface="Arial Narrow"/>
+              <a:cs typeface="Arial Narrow"/>
+            </a:endParaRPr>
+          </a:p>
+        </p:txBody>
+      </p:sp>
+      <p:sp>
+        <p:nvSpPr>
+          <p:cNvPr id="45" name="Rectangle 44"/>
+          <p:cNvSpPr/>
+          <p:nvPr/>
+        </p:nvSpPr>
+        <p:spPr>
+          <a:xfrm>
+            <a:off x="3301832" y="5258257"/>
+            <a:ext cx="1448556" cy="229465"/>
+          </a:xfrm>
+          <a:prstGeom prst="rect">
+            <a:avLst/>
+          </a:prstGeom>
+          <a:solidFill>
+            <a:schemeClr val="bg1">
+              <a:lumMod val="95000"/>
+            </a:schemeClr>
+          </a:solidFill>
+          <a:ln w="12700" cmpd="sng">
+            <a:solidFill>
+              <a:srgbClr val="2C74A5"/>
+            </a:solidFill>
+          </a:ln>
+        </p:spPr>
+        <p:style>
+          <a:lnRef idx="2">
+            <a:schemeClr val="dk1"/>
+          </a:lnRef>
+          <a:fillRef idx="1">
+            <a:schemeClr val="lt1"/>
+          </a:fillRef>
+          <a:effectRef idx="0">
+            <a:schemeClr val="dk1"/>
+          </a:effectRef>
+          <a:fontRef idx="minor">
+            <a:schemeClr val="dk1"/>
+          </a:fontRef>
+        </p:style>
+        <p:txBody>
+          <a:bodyPr tIns="0" bIns="27432" rtlCol="0" anchor="ctr" anchorCtr="1"/>
+          <a:lstStyle/>
+          <a:p>
+            <a:pPr algn="ctr"/>
+            <a:r>
+              <a:rPr lang="en-US" sz="1200" b="1" dirty="0" err="1" smtClean="0">
+                <a:solidFill>
+                  <a:srgbClr val="2C74A5"/>
+                </a:solidFill>
+                <a:latin typeface="Arial Narrow"/>
+                <a:cs typeface="Arial Narrow"/>
+              </a:rPr>
+              <a:t>turn_off_thermostat</a:t>
+            </a:r>
+            <a:endParaRPr lang="en-US" sz="1200" b="1" dirty="0" smtClean="0">
+              <a:solidFill>
+                <a:srgbClr val="2C74A5"/>
+              </a:solidFill>
+              <a:latin typeface="Arial Narrow"/>
+              <a:cs typeface="Arial Narrow"/>
+            </a:endParaRPr>
+          </a:p>
+        </p:txBody>
+      </p:sp>
+      <p:sp>
+        <p:nvSpPr>
+          <p:cNvPr id="46" name="Rectangle 45"/>
+          <p:cNvSpPr/>
+          <p:nvPr/>
+        </p:nvSpPr>
+        <p:spPr>
+          <a:xfrm>
+            <a:off x="1819125" y="1074729"/>
+            <a:ext cx="1063469" cy="229465"/>
+          </a:xfrm>
+          <a:prstGeom prst="rect">
+            <a:avLst/>
+          </a:prstGeom>
+          <a:solidFill>
+            <a:schemeClr val="bg1">
+              <a:lumMod val="95000"/>
+            </a:schemeClr>
+          </a:solidFill>
+          <a:ln w="12700" cmpd="sng">
+            <a:solidFill>
+              <a:srgbClr val="2C74A5"/>
+            </a:solidFill>
+          </a:ln>
+        </p:spPr>
+        <p:style>
+          <a:lnRef idx="2">
+            <a:schemeClr val="dk1"/>
+          </a:lnRef>
+          <a:fillRef idx="1">
+            <a:schemeClr val="lt1"/>
+          </a:fillRef>
+          <a:effectRef idx="0">
+            <a:schemeClr val="dk1"/>
+          </a:effectRef>
+          <a:fontRef idx="minor">
+            <a:schemeClr val="dk1"/>
+          </a:fontRef>
+        </p:style>
+        <p:txBody>
+          <a:bodyPr tIns="0" bIns="27432" rtlCol="0" anchor="ctr" anchorCtr="1"/>
+          <a:lstStyle/>
+          <a:p>
+            <a:pPr algn="ctr"/>
+            <a:r>
+              <a:rPr lang="en-US" sz="1200" b="1" dirty="0" smtClean="0">
+                <a:solidFill>
+                  <a:srgbClr val="2C74A5"/>
+                </a:solidFill>
+                <a:latin typeface="Arial Narrow"/>
+                <a:cs typeface="Arial Narrow"/>
+              </a:rPr>
+              <a:t>greeting</a:t>
+            </a:r>
+            <a:endParaRPr lang="en-US" sz="2000" b="1" dirty="0">
+              <a:solidFill>
+                <a:srgbClr val="2C74A5"/>
+              </a:solidFill>
+              <a:latin typeface="Arial Narrow"/>
+              <a:cs typeface="Arial Narrow"/>
+            </a:endParaRPr>
+          </a:p>
+        </p:txBody>
+      </p:sp>
+      <p:sp>
+        <p:nvSpPr>
+          <p:cNvPr id="58" name="Rectangle 57"/>
+          <p:cNvSpPr/>
+          <p:nvPr/>
+        </p:nvSpPr>
+        <p:spPr>
+          <a:xfrm>
+            <a:off x="3295552" y="5608328"/>
+            <a:ext cx="1448556" cy="229465"/>
+          </a:xfrm>
+          <a:prstGeom prst="rect">
+            <a:avLst/>
+          </a:prstGeom>
+          <a:solidFill>
+            <a:schemeClr val="bg1">
+              <a:lumMod val="95000"/>
+            </a:schemeClr>
+          </a:solidFill>
+          <a:ln w="12700" cmpd="sng">
+            <a:solidFill>
+              <a:srgbClr val="2C74A5"/>
+            </a:solidFill>
+          </a:ln>
+        </p:spPr>
+        <p:style>
+          <a:lnRef idx="2">
+            <a:schemeClr val="dk1"/>
+          </a:lnRef>
+          <a:fillRef idx="1">
+            <a:schemeClr val="lt1"/>
+          </a:fillRef>
+          <a:effectRef idx="0">
+            <a:schemeClr val="dk1"/>
+          </a:effectRef>
+          <a:fontRef idx="minor">
+            <a:schemeClr val="dk1"/>
+          </a:fontRef>
+        </p:style>
+        <p:txBody>
+          <a:bodyPr tIns="0" bIns="27432" rtlCol="0" anchor="ctr" anchorCtr="1"/>
+          <a:lstStyle/>
+          <a:p>
+            <a:pPr algn="ctr"/>
+            <a:r>
+              <a:rPr lang="en-US" sz="1200" b="1" dirty="0" err="1" smtClean="0">
+                <a:solidFill>
+                  <a:srgbClr val="2C74A5"/>
+                </a:solidFill>
+                <a:latin typeface="Arial Narrow"/>
+                <a:cs typeface="Arial Narrow"/>
+              </a:rPr>
+              <a:t>turn_on_thermostat</a:t>
+            </a:r>
+            <a:endParaRPr lang="en-US" sz="1200" b="1" dirty="0" smtClean="0">
+              <a:solidFill>
+                <a:srgbClr val="2C74A5"/>
+              </a:solidFill>
+              <a:latin typeface="Arial Narrow"/>
+              <a:cs typeface="Arial Narrow"/>
+            </a:endParaRPr>
+          </a:p>
+        </p:txBody>
+      </p:sp>
+      <p:sp>
+        <p:nvSpPr>
+          <p:cNvPr id="59" name="Rectangle 58"/>
+          <p:cNvSpPr/>
+          <p:nvPr/>
+        </p:nvSpPr>
+        <p:spPr>
+          <a:xfrm>
+            <a:off x="3311789" y="5966285"/>
+            <a:ext cx="1448556" cy="229465"/>
+          </a:xfrm>
+          <a:prstGeom prst="rect">
+            <a:avLst/>
+          </a:prstGeom>
+          <a:solidFill>
+            <a:schemeClr val="bg1">
+              <a:lumMod val="95000"/>
+            </a:schemeClr>
+          </a:solidFill>
+          <a:ln w="12700" cmpd="sng">
+            <a:solidFill>
+              <a:srgbClr val="2C74A5"/>
+            </a:solidFill>
+          </a:ln>
+        </p:spPr>
+        <p:style>
+          <a:lnRef idx="2">
+            <a:schemeClr val="dk1"/>
+          </a:lnRef>
+          <a:fillRef idx="1">
+            <a:schemeClr val="lt1"/>
+          </a:fillRef>
+          <a:effectRef idx="0">
+            <a:schemeClr val="dk1"/>
+          </a:effectRef>
+          <a:fontRef idx="minor">
+            <a:schemeClr val="dk1"/>
+          </a:fontRef>
+        </p:style>
+        <p:txBody>
+          <a:bodyPr tIns="0" bIns="27432" rtlCol="0" anchor="ctr" anchorCtr="1"/>
+          <a:lstStyle/>
+          <a:p>
+            <a:pPr algn="ctr"/>
+            <a:r>
+              <a:rPr lang="en-US" sz="1200" b="1" dirty="0" err="1" smtClean="0">
+                <a:solidFill>
+                  <a:srgbClr val="2C74A5"/>
+                </a:solidFill>
+                <a:latin typeface="Arial Narrow"/>
+                <a:cs typeface="Arial Narrow"/>
+              </a:rPr>
+              <a:t>turn_up_thermostat</a:t>
+            </a:r>
+            <a:endParaRPr lang="en-US" sz="1200" b="1" dirty="0" smtClean="0">
+              <a:solidFill>
+                <a:srgbClr val="2C74A5"/>
+              </a:solidFill>
+              <a:latin typeface="Arial Narrow"/>
+              <a:cs typeface="Arial Narrow"/>
+            </a:endParaRPr>
+          </a:p>
+        </p:txBody>
+      </p:sp>
+      <p:sp>
+        <p:nvSpPr>
+          <p:cNvPr id="62" name="Rectangle 61"/>
+          <p:cNvSpPr/>
+          <p:nvPr/>
+        </p:nvSpPr>
+        <p:spPr>
+          <a:xfrm>
+            <a:off x="3306952" y="6315208"/>
+            <a:ext cx="1448556" cy="229465"/>
+          </a:xfrm>
+          <a:prstGeom prst="rect">
+            <a:avLst/>
+          </a:prstGeom>
+          <a:solidFill>
+            <a:schemeClr val="bg1">
+              <a:lumMod val="95000"/>
+            </a:schemeClr>
+          </a:solidFill>
+          <a:ln w="12700" cmpd="sng">
+            <a:solidFill>
+              <a:srgbClr val="2C74A5"/>
+            </a:solidFill>
+          </a:ln>
+        </p:spPr>
+        <p:style>
+          <a:lnRef idx="2">
+            <a:schemeClr val="dk1"/>
+          </a:lnRef>
+          <a:fillRef idx="1">
+            <a:schemeClr val="lt1"/>
+          </a:fillRef>
+          <a:effectRef idx="0">
+            <a:schemeClr val="dk1"/>
+          </a:effectRef>
+          <a:fontRef idx="minor">
+            <a:schemeClr val="dk1"/>
+          </a:fontRef>
+        </p:style>
+        <p:txBody>
+          <a:bodyPr tIns="0" bIns="27432" rtlCol="0" anchor="ctr" anchorCtr="1"/>
+          <a:lstStyle/>
+          <a:p>
+            <a:pPr algn="ctr"/>
+            <a:r>
+              <a:rPr lang="en-US" sz="1200" b="1" dirty="0" err="1" smtClean="0">
+                <a:solidFill>
+                  <a:srgbClr val="2C74A5"/>
+                </a:solidFill>
+                <a:latin typeface="Arial Narrow"/>
+                <a:cs typeface="Arial Narrow"/>
+              </a:rPr>
+              <a:t>unlock_door</a:t>
+            </a:r>
+            <a:endParaRPr lang="en-US" sz="1200" b="1" dirty="0" smtClean="0">
+              <a:solidFill>
+                <a:srgbClr val="2C74A5"/>
+              </a:solidFill>
+              <a:latin typeface="Arial Narrow"/>
+              <a:cs typeface="Arial Narrow"/>
+            </a:endParaRPr>
+          </a:p>
+        </p:txBody>
+      </p:sp>
+      <p:cxnSp>
+        <p:nvCxnSpPr>
+          <p:cNvPr id="68" name="Elbow Connector 67"/>
+          <p:cNvCxnSpPr>
+            <a:stCxn id="4" idx="2"/>
+            <a:endCxn id="46" idx="0"/>
+          </p:cNvCxnSpPr>
+          <p:nvPr/>
+        </p:nvCxnSpPr>
+        <p:spPr>
+          <a:xfrm rot="5400000">
+            <a:off x="3305157" y="-245932"/>
+            <a:ext cx="366364" cy="2274958"/>
+          </a:xfrm>
+          <a:prstGeom prst="bentConnector3">
+            <a:avLst/>
+          </a:prstGeom>
+        </p:spPr>
+        <p:style>
+          <a:lnRef idx="1">
+            <a:schemeClr val="dk1"/>
+          </a:lnRef>
+          <a:fillRef idx="0">
+            <a:schemeClr val="dk1"/>
+          </a:fillRef>
+          <a:effectRef idx="0">
+            <a:schemeClr val="dk1"/>
+          </a:effectRef>
+          <a:fontRef idx="minor">
+            <a:schemeClr val="tx1"/>
+          </a:fontRef>
+        </p:style>
+      </p:cxnSp>
+      <p:cxnSp>
+        <p:nvCxnSpPr>
+          <p:cNvPr id="78" name="Elbow Connector 77"/>
+          <p:cNvCxnSpPr>
+            <a:stCxn id="25" idx="1"/>
+            <a:endCxn id="46" idx="1"/>
+          </p:cNvCxnSpPr>
+          <p:nvPr/>
+        </p:nvCxnSpPr>
+        <p:spPr>
+          <a:xfrm rot="10800000" flipH="1">
+            <a:off x="1819123" y="1189463"/>
+            <a:ext cx="1" cy="621087"/>
+          </a:xfrm>
+          <a:prstGeom prst="bentConnector3">
+            <a:avLst>
+              <a:gd name="adj1" fmla="val -22860000000"/>
+            </a:avLst>
+          </a:prstGeom>
+        </p:spPr>
+        <p:style>
+          <a:lnRef idx="1">
+            <a:schemeClr val="dk1"/>
+          </a:lnRef>
+          <a:fillRef idx="0">
+            <a:schemeClr val="dk1"/>
+          </a:fillRef>
+          <a:effectRef idx="0">
+            <a:schemeClr val="dk1"/>
+          </a:effectRef>
+          <a:fontRef idx="minor">
+            <a:schemeClr val="tx1"/>
+          </a:fontRef>
+        </p:style>
+      </p:cxnSp>
+      <p:cxnSp>
+        <p:nvCxnSpPr>
+          <p:cNvPr id="82" name="Elbow Connector 81"/>
+          <p:cNvCxnSpPr>
+            <a:stCxn id="35" idx="1"/>
+            <a:endCxn id="46" idx="1"/>
+          </p:cNvCxnSpPr>
+          <p:nvPr/>
+        </p:nvCxnSpPr>
+        <p:spPr>
+          <a:xfrm rot="10800000" flipH="1">
+            <a:off x="1816577" y="1189462"/>
+            <a:ext cx="2547" cy="1016912"/>
+          </a:xfrm>
+          <a:prstGeom prst="bentConnector3">
+            <a:avLst>
+              <a:gd name="adj1" fmla="val -8975265"/>
+            </a:avLst>
+          </a:prstGeom>
+        </p:spPr>
+        <p:style>
+          <a:lnRef idx="1">
+            <a:schemeClr val="dk1"/>
+          </a:lnRef>
+          <a:fillRef idx="0">
+            <a:schemeClr val="dk1"/>
+          </a:fillRef>
+          <a:effectRef idx="0">
+            <a:schemeClr val="dk1"/>
+          </a:effectRef>
+          <a:fontRef idx="minor">
+            <a:schemeClr val="tx1"/>
+          </a:fontRef>
+        </p:style>
+      </p:cxnSp>
+      <p:cxnSp>
+        <p:nvCxnSpPr>
+          <p:cNvPr id="96" name="Elbow Connector 95"/>
+          <p:cNvCxnSpPr>
+            <a:stCxn id="64" idx="1"/>
+            <a:endCxn id="7" idx="1"/>
+          </p:cNvCxnSpPr>
+          <p:nvPr/>
+        </p:nvCxnSpPr>
+        <p:spPr>
+          <a:xfrm rot="10800000">
+            <a:off x="3248848" y="1189462"/>
+            <a:ext cx="48941" cy="608401"/>
+          </a:xfrm>
+          <a:prstGeom prst="bentConnector3">
+            <a:avLst>
+              <a:gd name="adj1" fmla="val 567093"/>
+            </a:avLst>
+          </a:prstGeom>
+        </p:spPr>
+        <p:style>
+          <a:lnRef idx="1">
+            <a:schemeClr val="dk1"/>
+          </a:lnRef>
+          <a:fillRef idx="0">
+            <a:schemeClr val="dk1"/>
+          </a:fillRef>
+          <a:effectRef idx="0">
+            <a:schemeClr val="dk1"/>
+          </a:effectRef>
+          <a:fontRef idx="minor">
+            <a:schemeClr val="tx1"/>
+          </a:fontRef>
+        </p:style>
+      </p:cxnSp>
+      <p:cxnSp>
+        <p:nvCxnSpPr>
+          <p:cNvPr id="98" name="Elbow Connector 97"/>
+          <p:cNvCxnSpPr>
+            <a:stCxn id="50" idx="1"/>
+            <a:endCxn id="7" idx="1"/>
+          </p:cNvCxnSpPr>
+          <p:nvPr/>
+        </p:nvCxnSpPr>
+        <p:spPr>
+          <a:xfrm rot="10800000">
+            <a:off x="3248848" y="1189461"/>
+            <a:ext cx="52985" cy="966522"/>
+          </a:xfrm>
+          <a:prstGeom prst="bentConnector3">
+            <a:avLst>
+              <a:gd name="adj1" fmla="val 531443"/>
+            </a:avLst>
+          </a:prstGeom>
+        </p:spPr>
+        <p:style>
+          <a:lnRef idx="1">
+            <a:schemeClr val="dk1"/>
+          </a:lnRef>
+          <a:fillRef idx="0">
+            <a:schemeClr val="dk1"/>
+          </a:fillRef>
+          <a:effectRef idx="0">
+            <a:schemeClr val="dk1"/>
+          </a:effectRef>
+          <a:fontRef idx="minor">
+            <a:schemeClr val="tx1"/>
+          </a:fontRef>
+        </p:style>
+      </p:cxnSp>
+      <p:cxnSp>
+        <p:nvCxnSpPr>
+          <p:cNvPr id="100" name="Elbow Connector 99"/>
+          <p:cNvCxnSpPr>
+            <a:stCxn id="29" idx="1"/>
+            <a:endCxn id="7" idx="1"/>
+          </p:cNvCxnSpPr>
+          <p:nvPr/>
+        </p:nvCxnSpPr>
+        <p:spPr>
+          <a:xfrm rot="10800000">
+            <a:off x="3248848" y="1189462"/>
+            <a:ext cx="48941" cy="1324643"/>
+          </a:xfrm>
+          <a:prstGeom prst="bentConnector3">
+            <a:avLst>
+              <a:gd name="adj1" fmla="val 567093"/>
+            </a:avLst>
+          </a:prstGeom>
+        </p:spPr>
+        <p:style>
+          <a:lnRef idx="1">
+            <a:schemeClr val="dk1"/>
+          </a:lnRef>
+          <a:fillRef idx="0">
+            <a:schemeClr val="dk1"/>
+          </a:fillRef>
+          <a:effectRef idx="0">
+            <a:schemeClr val="dk1"/>
+          </a:effectRef>
+          <a:fontRef idx="minor">
+            <a:schemeClr val="tx1"/>
+          </a:fontRef>
+        </p:style>
+      </p:cxnSp>
+      <p:cxnSp>
+        <p:nvCxnSpPr>
+          <p:cNvPr id="103" name="Elbow Connector 102"/>
+          <p:cNvCxnSpPr>
+            <a:stCxn id="30" idx="1"/>
+            <a:endCxn id="7" idx="1"/>
+          </p:cNvCxnSpPr>
+          <p:nvPr/>
+        </p:nvCxnSpPr>
+        <p:spPr>
+          <a:xfrm rot="10800000">
+            <a:off x="3248847" y="1189461"/>
+            <a:ext cx="52984" cy="1697196"/>
+          </a:xfrm>
+          <a:prstGeom prst="bentConnector3">
+            <a:avLst>
+              <a:gd name="adj1" fmla="val 531451"/>
+            </a:avLst>
+          </a:prstGeom>
+        </p:spPr>
+        <p:style>
+          <a:lnRef idx="1">
+            <a:schemeClr val="dk1"/>
+          </a:lnRef>
+          <a:fillRef idx="0">
+            <a:schemeClr val="dk1"/>
+          </a:fillRef>
+          <a:effectRef idx="0">
+            <a:schemeClr val="dk1"/>
+          </a:effectRef>
+          <a:fontRef idx="minor">
+            <a:schemeClr val="tx1"/>
+          </a:fontRef>
+        </p:style>
+      </p:cxnSp>
+      <p:cxnSp>
+        <p:nvCxnSpPr>
+          <p:cNvPr id="139" name="Straight Connector 138"/>
+          <p:cNvCxnSpPr>
+            <a:stCxn id="42" idx="2"/>
+            <a:endCxn id="36" idx="0"/>
+          </p:cNvCxnSpPr>
+          <p:nvPr/>
+        </p:nvCxnSpPr>
+        <p:spPr>
+          <a:xfrm>
+            <a:off x="5439344" y="1304193"/>
+            <a:ext cx="0" cy="378936"/>
+          </a:xfrm>
+          <a:prstGeom prst="line">
+            <a:avLst/>
+          </a:prstGeom>
+        </p:spPr>
+        <p:style>
+          <a:lnRef idx="1">
+            <a:schemeClr val="dk1"/>
+          </a:lnRef>
+          <a:fillRef idx="0">
+            <a:schemeClr val="dk1"/>
+          </a:fillRef>
+          <a:effectRef idx="0">
+            <a:schemeClr val="dk1"/>
+          </a:effectRef>
+          <a:fontRef idx="minor">
+            <a:schemeClr val="tx1"/>
+          </a:fontRef>
+        </p:style>
+      </p:cxnSp>
+      <p:sp>
+        <p:nvSpPr>
+          <p:cNvPr id="140" name="Rectangle 139"/>
+          <p:cNvSpPr/>
+          <p:nvPr/>
+        </p:nvSpPr>
+        <p:spPr>
+          <a:xfrm>
+            <a:off x="6403338" y="1682156"/>
+            <a:ext cx="1178840" cy="229465"/>
+          </a:xfrm>
+          <a:prstGeom prst="rect">
+            <a:avLst/>
+          </a:prstGeom>
+          <a:solidFill>
+            <a:schemeClr val="bg1">
+              <a:lumMod val="95000"/>
+            </a:schemeClr>
+          </a:solidFill>
+          <a:ln w="12700" cmpd="sng">
+            <a:solidFill>
+              <a:srgbClr val="2C74A5"/>
+            </a:solidFill>
+          </a:ln>
+        </p:spPr>
+        <p:style>
+          <a:lnRef idx="2">
+            <a:schemeClr val="dk1"/>
+          </a:lnRef>
+          <a:fillRef idx="1">
+            <a:schemeClr val="lt1"/>
+          </a:fillRef>
+          <a:effectRef idx="0">
+            <a:schemeClr val="dk1"/>
+          </a:effectRef>
+          <a:fontRef idx="minor">
+            <a:schemeClr val="dk1"/>
+          </a:fontRef>
+        </p:style>
+        <p:txBody>
+          <a:bodyPr tIns="0" bIns="27432" rtlCol="0" anchor="ctr" anchorCtr="1"/>
+          <a:lstStyle/>
+          <a:p>
+            <a:pPr algn="ctr"/>
+            <a:r>
+              <a:rPr lang="en-US" sz="1200" b="1" dirty="0" err="1" smtClean="0">
+                <a:solidFill>
+                  <a:srgbClr val="2C74A5"/>
+                </a:solidFill>
+                <a:latin typeface="Arial Narrow"/>
+                <a:cs typeface="Arial Narrow"/>
+              </a:rPr>
+              <a:t>change_alarm</a:t>
+            </a:r>
+            <a:endParaRPr lang="en-US" sz="2000" b="1" dirty="0">
+              <a:solidFill>
+                <a:srgbClr val="2C74A5"/>
+              </a:solidFill>
+              <a:latin typeface="Arial Narrow"/>
+              <a:cs typeface="Arial Narrow"/>
+            </a:endParaRPr>
+          </a:p>
+        </p:txBody>
+      </p:sp>
+      <p:sp>
+        <p:nvSpPr>
+          <p:cNvPr id="141" name="Rectangle 140"/>
+          <p:cNvSpPr/>
+          <p:nvPr/>
+        </p:nvSpPr>
+        <p:spPr>
+          <a:xfrm>
+            <a:off x="6445774" y="1078955"/>
+            <a:ext cx="1178841" cy="229465"/>
+          </a:xfrm>
+          <a:prstGeom prst="rect">
+            <a:avLst/>
+          </a:prstGeom>
+          <a:solidFill>
+            <a:schemeClr val="bg1">
+              <a:lumMod val="95000"/>
+            </a:schemeClr>
+          </a:solidFill>
+          <a:ln w="12700" cmpd="sng">
+            <a:solidFill>
+              <a:srgbClr val="2C74A5"/>
+            </a:solidFill>
+          </a:ln>
+        </p:spPr>
+        <p:style>
+          <a:lnRef idx="2">
+            <a:schemeClr val="dk1"/>
+          </a:lnRef>
+          <a:fillRef idx="1">
+            <a:schemeClr val="lt1"/>
+          </a:fillRef>
+          <a:effectRef idx="0">
+            <a:schemeClr val="dk1"/>
+          </a:effectRef>
+          <a:fontRef idx="minor">
+            <a:schemeClr val="dk1"/>
+          </a:fontRef>
+        </p:style>
+        <p:txBody>
+          <a:bodyPr tIns="0" bIns="27432" rtlCol="0" anchor="ctr" anchorCtr="1"/>
+          <a:lstStyle/>
+          <a:p>
+            <a:pPr algn="ctr"/>
+            <a:r>
+              <a:rPr lang="en-US" sz="1200" b="1" dirty="0" err="1" smtClean="0">
+                <a:solidFill>
+                  <a:srgbClr val="2C74A5"/>
+                </a:solidFill>
+                <a:latin typeface="Arial Narrow"/>
+                <a:cs typeface="Arial Narrow"/>
+              </a:rPr>
+              <a:t>time_and_dates</a:t>
+            </a:r>
+            <a:endParaRPr lang="en-US" sz="2000" b="1" dirty="0">
+              <a:solidFill>
+                <a:srgbClr val="2C74A5"/>
+              </a:solidFill>
+              <a:latin typeface="Arial Narrow"/>
+              <a:cs typeface="Arial Narrow"/>
+            </a:endParaRPr>
+          </a:p>
+        </p:txBody>
+      </p:sp>
+      <p:sp>
+        <p:nvSpPr>
+          <p:cNvPr id="144" name="Rectangle 143"/>
+          <p:cNvSpPr/>
+          <p:nvPr/>
+        </p:nvSpPr>
+        <p:spPr>
+          <a:xfrm>
+            <a:off x="6381891" y="2067024"/>
+            <a:ext cx="1178840" cy="229465"/>
+          </a:xfrm>
+          <a:prstGeom prst="rect">
+            <a:avLst/>
+          </a:prstGeom>
+          <a:solidFill>
+            <a:schemeClr val="bg1">
+              <a:lumMod val="95000"/>
+            </a:schemeClr>
+          </a:solidFill>
+          <a:ln w="12700" cmpd="sng">
+            <a:solidFill>
+              <a:srgbClr val="2C74A5"/>
+            </a:solidFill>
+          </a:ln>
+        </p:spPr>
+        <p:style>
+          <a:lnRef idx="2">
+            <a:schemeClr val="dk1"/>
+          </a:lnRef>
+          <a:fillRef idx="1">
+            <a:schemeClr val="lt1"/>
+          </a:fillRef>
+          <a:effectRef idx="0">
+            <a:schemeClr val="dk1"/>
+          </a:effectRef>
+          <a:fontRef idx="minor">
+            <a:schemeClr val="dk1"/>
+          </a:fontRef>
+        </p:style>
+        <p:txBody>
+          <a:bodyPr tIns="0" bIns="27432" rtlCol="0" anchor="ctr" anchorCtr="1"/>
+          <a:lstStyle/>
+          <a:p>
+            <a:pPr algn="ctr"/>
+            <a:r>
+              <a:rPr lang="en-US" sz="1200" b="1" dirty="0" err="1" smtClean="0">
+                <a:solidFill>
+                  <a:srgbClr val="2C74A5"/>
+                </a:solidFill>
+                <a:latin typeface="Arial Narrow"/>
+                <a:cs typeface="Arial Narrow"/>
+              </a:rPr>
+              <a:t>check_alarm</a:t>
+            </a:r>
+            <a:endParaRPr lang="en-US" sz="2000" b="1" dirty="0">
+              <a:solidFill>
+                <a:srgbClr val="2C74A5"/>
+              </a:solidFill>
+              <a:latin typeface="Arial Narrow"/>
+              <a:cs typeface="Arial Narrow"/>
+            </a:endParaRPr>
+          </a:p>
+        </p:txBody>
+      </p:sp>
+      <p:sp>
+        <p:nvSpPr>
+          <p:cNvPr id="145" name="Rectangle 144"/>
+          <p:cNvSpPr/>
+          <p:nvPr/>
+        </p:nvSpPr>
+        <p:spPr>
+          <a:xfrm>
+            <a:off x="6381891" y="2399371"/>
+            <a:ext cx="1178840" cy="229465"/>
+          </a:xfrm>
+          <a:prstGeom prst="rect">
+            <a:avLst/>
+          </a:prstGeom>
+          <a:solidFill>
+            <a:schemeClr val="bg1">
+              <a:lumMod val="95000"/>
+            </a:schemeClr>
+          </a:solidFill>
+          <a:ln w="12700" cmpd="sng">
+            <a:solidFill>
+              <a:srgbClr val="2C74A5"/>
+            </a:solidFill>
+          </a:ln>
+        </p:spPr>
+        <p:style>
+          <a:lnRef idx="2">
+            <a:schemeClr val="dk1"/>
+          </a:lnRef>
+          <a:fillRef idx="1">
+            <a:schemeClr val="lt1"/>
+          </a:fillRef>
+          <a:effectRef idx="0">
+            <a:schemeClr val="dk1"/>
+          </a:effectRef>
+          <a:fontRef idx="minor">
+            <a:schemeClr val="dk1"/>
+          </a:fontRef>
+        </p:style>
+        <p:txBody>
+          <a:bodyPr tIns="0" bIns="27432" rtlCol="0" anchor="ctr" anchorCtr="1"/>
+          <a:lstStyle/>
+          <a:p>
+            <a:pPr algn="ctr"/>
+            <a:r>
+              <a:rPr lang="en-US" sz="1200" b="1" dirty="0" err="1" smtClean="0">
+                <a:solidFill>
+                  <a:srgbClr val="2C74A5"/>
+                </a:solidFill>
+                <a:latin typeface="Arial Narrow"/>
+                <a:cs typeface="Arial Narrow"/>
+              </a:rPr>
+              <a:t>set_alarm</a:t>
+            </a:r>
+            <a:endParaRPr lang="en-US" sz="2000" b="1" dirty="0">
+              <a:solidFill>
+                <a:srgbClr val="2C74A5"/>
+              </a:solidFill>
+              <a:latin typeface="Arial Narrow"/>
+              <a:cs typeface="Arial Narrow"/>
+            </a:endParaRPr>
+          </a:p>
+        </p:txBody>
+      </p:sp>
+      <p:sp>
+        <p:nvSpPr>
+          <p:cNvPr id="146" name="Rectangle 145"/>
+          <p:cNvSpPr/>
+          <p:nvPr/>
+        </p:nvSpPr>
+        <p:spPr>
+          <a:xfrm>
+            <a:off x="6381891" y="2766747"/>
+            <a:ext cx="1178840" cy="229465"/>
+          </a:xfrm>
+          <a:prstGeom prst="rect">
+            <a:avLst/>
+          </a:prstGeom>
+          <a:solidFill>
+            <a:schemeClr val="bg1">
+              <a:lumMod val="95000"/>
+            </a:schemeClr>
+          </a:solidFill>
+          <a:ln w="12700" cmpd="sng">
+            <a:solidFill>
+              <a:srgbClr val="2C74A5"/>
+            </a:solidFill>
+          </a:ln>
+        </p:spPr>
+        <p:style>
+          <a:lnRef idx="2">
+            <a:schemeClr val="dk1"/>
+          </a:lnRef>
+          <a:fillRef idx="1">
+            <a:schemeClr val="lt1"/>
+          </a:fillRef>
+          <a:effectRef idx="0">
+            <a:schemeClr val="dk1"/>
+          </a:effectRef>
+          <a:fontRef idx="minor">
+            <a:schemeClr val="dk1"/>
+          </a:fontRef>
+        </p:style>
+        <p:txBody>
+          <a:bodyPr tIns="0" bIns="27432" rtlCol="0" anchor="ctr" anchorCtr="1"/>
+          <a:lstStyle/>
+          <a:p>
+            <a:pPr algn="ctr"/>
+            <a:r>
+              <a:rPr lang="en-US" sz="1200" b="1" dirty="0" err="1" smtClean="0">
+                <a:solidFill>
+                  <a:srgbClr val="2C74A5"/>
+                </a:solidFill>
+                <a:latin typeface="Arial Narrow"/>
+                <a:cs typeface="Arial Narrow"/>
+              </a:rPr>
+              <a:t>start_timer</a:t>
+            </a:r>
+            <a:endParaRPr lang="en-US" sz="2000" b="1" dirty="0">
+              <a:solidFill>
+                <a:srgbClr val="2C74A5"/>
+              </a:solidFill>
+              <a:latin typeface="Arial Narrow"/>
+              <a:cs typeface="Arial Narrow"/>
+            </a:endParaRPr>
+          </a:p>
+        </p:txBody>
+      </p:sp>
+      <p:sp>
+        <p:nvSpPr>
+          <p:cNvPr id="147" name="Rectangle 146"/>
+          <p:cNvSpPr/>
+          <p:nvPr/>
+        </p:nvSpPr>
+        <p:spPr>
+          <a:xfrm>
+            <a:off x="6381891" y="3110179"/>
+            <a:ext cx="1178840" cy="229465"/>
+          </a:xfrm>
+          <a:prstGeom prst="rect">
+            <a:avLst/>
+          </a:prstGeom>
+          <a:solidFill>
+            <a:schemeClr val="bg1">
+              <a:lumMod val="95000"/>
+            </a:schemeClr>
+          </a:solidFill>
+          <a:ln w="12700" cmpd="sng">
+            <a:solidFill>
+              <a:srgbClr val="2C74A5"/>
+            </a:solidFill>
+          </a:ln>
+        </p:spPr>
+        <p:style>
+          <a:lnRef idx="2">
+            <a:schemeClr val="dk1"/>
+          </a:lnRef>
+          <a:fillRef idx="1">
+            <a:schemeClr val="lt1"/>
+          </a:fillRef>
+          <a:effectRef idx="0">
+            <a:schemeClr val="dk1"/>
+          </a:effectRef>
+          <a:fontRef idx="minor">
+            <a:schemeClr val="dk1"/>
+          </a:fontRef>
+        </p:style>
+        <p:txBody>
+          <a:bodyPr tIns="0" bIns="27432" rtlCol="0" anchor="ctr" anchorCtr="1"/>
+          <a:lstStyle/>
+          <a:p>
+            <a:pPr algn="ctr"/>
+            <a:r>
+              <a:rPr lang="en-US" sz="1200" b="1" dirty="0" err="1" smtClean="0">
+                <a:solidFill>
+                  <a:srgbClr val="2C74A5"/>
+                </a:solidFill>
+                <a:latin typeface="Arial Narrow"/>
+                <a:cs typeface="Arial Narrow"/>
+              </a:rPr>
+              <a:t>stop_timer</a:t>
+            </a:r>
+            <a:endParaRPr lang="en-US" sz="2000" b="1" dirty="0">
+              <a:solidFill>
+                <a:srgbClr val="2C74A5"/>
+              </a:solidFill>
+              <a:latin typeface="Arial Narrow"/>
+              <a:cs typeface="Arial Narrow"/>
+            </a:endParaRPr>
+          </a:p>
+        </p:txBody>
+      </p:sp>
+      <p:cxnSp>
+        <p:nvCxnSpPr>
+          <p:cNvPr id="153" name="Elbow Connector 152"/>
+          <p:cNvCxnSpPr>
+            <a:stCxn id="144" idx="1"/>
+            <a:endCxn id="141" idx="1"/>
+          </p:cNvCxnSpPr>
+          <p:nvPr/>
+        </p:nvCxnSpPr>
+        <p:spPr>
+          <a:xfrm rot="10800000" flipH="1">
+            <a:off x="6381890" y="1193689"/>
+            <a:ext cx="63883" cy="988069"/>
+          </a:xfrm>
+          <a:prstGeom prst="bentConnector3">
+            <a:avLst>
+              <a:gd name="adj1" fmla="val -357842"/>
+            </a:avLst>
+          </a:prstGeom>
+        </p:spPr>
+        <p:style>
+          <a:lnRef idx="1">
+            <a:schemeClr val="dk1"/>
+          </a:lnRef>
+          <a:fillRef idx="0">
+            <a:schemeClr val="dk1"/>
+          </a:fillRef>
+          <a:effectRef idx="0">
+            <a:schemeClr val="dk1"/>
+          </a:effectRef>
+          <a:fontRef idx="minor">
+            <a:schemeClr val="tx1"/>
+          </a:fontRef>
+        </p:style>
+      </p:cxnSp>
+      <p:cxnSp>
+        <p:nvCxnSpPr>
+          <p:cNvPr id="161" name="Elbow Connector 160"/>
+          <p:cNvCxnSpPr>
+            <a:stCxn id="145" idx="1"/>
+            <a:endCxn id="141" idx="1"/>
+          </p:cNvCxnSpPr>
+          <p:nvPr/>
+        </p:nvCxnSpPr>
+        <p:spPr>
+          <a:xfrm rot="10800000" flipH="1">
+            <a:off x="6381890" y="1193688"/>
+            <a:ext cx="63883" cy="1320416"/>
+          </a:xfrm>
+          <a:prstGeom prst="bentConnector3">
+            <a:avLst>
+              <a:gd name="adj1" fmla="val -357842"/>
+            </a:avLst>
+          </a:prstGeom>
+        </p:spPr>
+        <p:style>
+          <a:lnRef idx="1">
+            <a:schemeClr val="dk1"/>
+          </a:lnRef>
+          <a:fillRef idx="0">
+            <a:schemeClr val="dk1"/>
+          </a:fillRef>
+          <a:effectRef idx="0">
+            <a:schemeClr val="dk1"/>
+          </a:effectRef>
+          <a:fontRef idx="minor">
+            <a:schemeClr val="tx1"/>
+          </a:fontRef>
+        </p:style>
+      </p:cxnSp>
+      <p:cxnSp>
+        <p:nvCxnSpPr>
+          <p:cNvPr id="164" name="Elbow Connector 163"/>
+          <p:cNvCxnSpPr/>
+          <p:nvPr/>
+        </p:nvCxnSpPr>
+        <p:spPr>
+          <a:xfrm rot="10800000" flipH="1">
+            <a:off x="6386403" y="1196629"/>
+            <a:ext cx="35779" cy="617194"/>
+          </a:xfrm>
+          <a:prstGeom prst="bentConnector3">
+            <a:avLst>
+              <a:gd name="adj1" fmla="val -638922"/>
+            </a:avLst>
+          </a:prstGeom>
+        </p:spPr>
+        <p:style>
+          <a:lnRef idx="1">
+            <a:schemeClr val="dk1"/>
+          </a:lnRef>
+          <a:fillRef idx="0">
+            <a:schemeClr val="dk1"/>
+          </a:fillRef>
+          <a:effectRef idx="0">
+            <a:schemeClr val="dk1"/>
+          </a:effectRef>
+          <a:fontRef idx="minor">
+            <a:schemeClr val="tx1"/>
+          </a:fontRef>
+        </p:style>
+      </p:cxnSp>
+      <p:cxnSp>
+        <p:nvCxnSpPr>
+          <p:cNvPr id="174" name="Elbow Connector 173"/>
+          <p:cNvCxnSpPr>
+            <a:stCxn id="146" idx="1"/>
+            <a:endCxn id="141" idx="1"/>
+          </p:cNvCxnSpPr>
+          <p:nvPr/>
+        </p:nvCxnSpPr>
+        <p:spPr>
+          <a:xfrm rot="10800000" flipH="1">
+            <a:off x="6381890" y="1193688"/>
+            <a:ext cx="63883" cy="1687792"/>
+          </a:xfrm>
+          <a:prstGeom prst="bentConnector3">
+            <a:avLst>
+              <a:gd name="adj1" fmla="val -357842"/>
+            </a:avLst>
+          </a:prstGeom>
+        </p:spPr>
+        <p:style>
+          <a:lnRef idx="1">
+            <a:schemeClr val="dk1"/>
+          </a:lnRef>
+          <a:fillRef idx="0">
+            <a:schemeClr val="dk1"/>
+          </a:fillRef>
+          <a:effectRef idx="0">
+            <a:schemeClr val="dk1"/>
+          </a:effectRef>
+          <a:fontRef idx="minor">
+            <a:schemeClr val="tx1"/>
+          </a:fontRef>
+        </p:style>
+      </p:cxnSp>
+      <p:cxnSp>
+        <p:nvCxnSpPr>
+          <p:cNvPr id="177" name="Elbow Connector 176"/>
+          <p:cNvCxnSpPr>
+            <a:stCxn id="147" idx="1"/>
+            <a:endCxn id="141" idx="1"/>
+          </p:cNvCxnSpPr>
+          <p:nvPr/>
+        </p:nvCxnSpPr>
+        <p:spPr>
+          <a:xfrm rot="10800000" flipH="1">
+            <a:off x="6381890" y="1193688"/>
+            <a:ext cx="63883" cy="2031224"/>
+          </a:xfrm>
+          <a:prstGeom prst="bentConnector3">
+            <a:avLst>
+              <a:gd name="adj1" fmla="val -357842"/>
+            </a:avLst>
+          </a:prstGeom>
+        </p:spPr>
+        <p:style>
+          <a:lnRef idx="1">
+            <a:schemeClr val="dk1"/>
+          </a:lnRef>
+          <a:fillRef idx="0">
+            <a:schemeClr val="dk1"/>
+          </a:fillRef>
+          <a:effectRef idx="0">
+            <a:schemeClr val="dk1"/>
+          </a:effectRef>
+          <a:fontRef idx="minor">
+            <a:schemeClr val="tx1"/>
+          </a:fontRef>
+        </p:style>
+      </p:cxnSp>
+      <p:sp>
+        <p:nvSpPr>
+          <p:cNvPr id="182" name="Rectangle 181"/>
+          <p:cNvSpPr/>
+          <p:nvPr/>
+        </p:nvSpPr>
+        <p:spPr>
+          <a:xfrm>
+            <a:off x="7787848" y="1056495"/>
+            <a:ext cx="1093174" cy="229465"/>
+          </a:xfrm>
+          <a:prstGeom prst="rect">
+            <a:avLst/>
+          </a:prstGeom>
+          <a:solidFill>
+            <a:schemeClr val="bg1">
+              <a:lumMod val="95000"/>
+            </a:schemeClr>
+          </a:solidFill>
+          <a:ln w="12700" cmpd="sng">
+            <a:solidFill>
+              <a:srgbClr val="2C74A5"/>
+            </a:solidFill>
+          </a:ln>
+        </p:spPr>
+        <p:style>
+          <a:lnRef idx="2">
+            <a:schemeClr val="dk1"/>
+          </a:lnRef>
+          <a:fillRef idx="1">
+            <a:schemeClr val="lt1"/>
+          </a:fillRef>
+          <a:effectRef idx="0">
+            <a:schemeClr val="dk1"/>
+          </a:effectRef>
+          <a:fontRef idx="minor">
+            <a:schemeClr val="dk1"/>
+          </a:fontRef>
+        </p:style>
+        <p:txBody>
+          <a:bodyPr tIns="0" bIns="27432" rtlCol="0" anchor="ctr" anchorCtr="1"/>
+          <a:lstStyle/>
+          <a:p>
+            <a:pPr algn="ctr"/>
+            <a:r>
+              <a:rPr lang="en-US" sz="1200" b="1" smtClean="0">
+                <a:solidFill>
+                  <a:srgbClr val="2C74A5"/>
+                </a:solidFill>
+                <a:latin typeface="Arial Narrow"/>
+                <a:cs typeface="Arial Narrow"/>
+              </a:rPr>
+              <a:t>unknown</a:t>
+            </a:r>
+            <a:endParaRPr lang="en-US" sz="2000" b="1" dirty="0">
+              <a:solidFill>
+                <a:srgbClr val="2C74A5"/>
+              </a:solidFill>
+              <a:latin typeface="Arial Narrow"/>
+              <a:cs typeface="Arial Narrow"/>
+            </a:endParaRPr>
+          </a:p>
+        </p:txBody>
+      </p:sp>
+      <p:sp>
+        <p:nvSpPr>
+          <p:cNvPr id="183" name="Rectangle 182"/>
+          <p:cNvSpPr/>
+          <p:nvPr/>
+        </p:nvSpPr>
+        <p:spPr>
+          <a:xfrm>
+            <a:off x="7787849" y="1698859"/>
+            <a:ext cx="1093174" cy="229465"/>
+          </a:xfrm>
+          <a:prstGeom prst="rect">
+            <a:avLst/>
+          </a:prstGeom>
+          <a:solidFill>
+            <a:schemeClr val="bg1">
+              <a:lumMod val="95000"/>
+            </a:schemeClr>
+          </a:solidFill>
+          <a:ln w="12700" cmpd="sng">
+            <a:solidFill>
+              <a:srgbClr val="2C74A5"/>
+            </a:solidFill>
+          </a:ln>
+        </p:spPr>
+        <p:style>
+          <a:lnRef idx="2">
+            <a:schemeClr val="dk1"/>
+          </a:lnRef>
+          <a:fillRef idx="1">
+            <a:schemeClr val="lt1"/>
+          </a:fillRef>
+          <a:effectRef idx="0">
+            <a:schemeClr val="dk1"/>
+          </a:effectRef>
+          <a:fontRef idx="minor">
+            <a:schemeClr val="dk1"/>
+          </a:fontRef>
+        </p:style>
+        <p:txBody>
+          <a:bodyPr tIns="0" bIns="27432" rtlCol="0" anchor="ctr" anchorCtr="1"/>
+          <a:lstStyle/>
+          <a:p>
+            <a:pPr algn="ctr"/>
+            <a:r>
+              <a:rPr lang="en-US" sz="1200" b="1" dirty="0" smtClean="0">
+                <a:solidFill>
+                  <a:srgbClr val="2C74A5"/>
+                </a:solidFill>
+                <a:latin typeface="Arial Narrow"/>
+                <a:cs typeface="Arial Narrow"/>
+              </a:rPr>
+              <a:t>unknown</a:t>
+            </a:r>
+            <a:endParaRPr lang="en-US" sz="2000" b="1" dirty="0">
+              <a:solidFill>
+                <a:srgbClr val="2C74A5"/>
+              </a:solidFill>
+              <a:latin typeface="Arial Narrow"/>
+              <a:cs typeface="Arial Narrow"/>
+            </a:endParaRPr>
+          </a:p>
+        </p:txBody>
+      </p:sp>
+      <p:cxnSp>
+        <p:nvCxnSpPr>
+          <p:cNvPr id="186" name="Elbow Connector 185"/>
+          <p:cNvCxnSpPr>
+            <a:endCxn id="42" idx="0"/>
+          </p:cNvCxnSpPr>
+          <p:nvPr/>
+        </p:nvCxnSpPr>
+        <p:spPr>
+          <a:xfrm>
+            <a:off x="4633051" y="893367"/>
+            <a:ext cx="806293" cy="181361"/>
+          </a:xfrm>
+          <a:prstGeom prst="bentConnector2">
+            <a:avLst/>
+          </a:prstGeom>
+        </p:spPr>
+        <p:style>
+          <a:lnRef idx="1">
+            <a:schemeClr val="dk1"/>
+          </a:lnRef>
+          <a:fillRef idx="0">
+            <a:schemeClr val="dk1"/>
+          </a:fillRef>
+          <a:effectRef idx="0">
+            <a:schemeClr val="dk1"/>
+          </a:effectRef>
+          <a:fontRef idx="minor">
+            <a:schemeClr val="tx1"/>
+          </a:fontRef>
+        </p:style>
+      </p:cxnSp>
+      <p:cxnSp>
+        <p:nvCxnSpPr>
+          <p:cNvPr id="189" name="Elbow Connector 188"/>
+          <p:cNvCxnSpPr>
+            <a:stCxn id="4" idx="2"/>
+            <a:endCxn id="141" idx="0"/>
+          </p:cNvCxnSpPr>
+          <p:nvPr/>
+        </p:nvCxnSpPr>
+        <p:spPr>
+          <a:xfrm rot="16200000" flipH="1">
+            <a:off x="5645211" y="-311029"/>
+            <a:ext cx="370590" cy="2409377"/>
+          </a:xfrm>
+          <a:prstGeom prst="bentConnector3">
+            <a:avLst>
+              <a:gd name="adj1" fmla="val 50000"/>
+            </a:avLst>
+          </a:prstGeom>
+        </p:spPr>
+        <p:style>
+          <a:lnRef idx="1">
+            <a:schemeClr val="dk1"/>
+          </a:lnRef>
+          <a:fillRef idx="0">
+            <a:schemeClr val="dk1"/>
+          </a:fillRef>
+          <a:effectRef idx="0">
+            <a:schemeClr val="dk1"/>
+          </a:effectRef>
+          <a:fontRef idx="minor">
+            <a:schemeClr val="tx1"/>
+          </a:fontRef>
+        </p:style>
+      </p:cxnSp>
+      <p:cxnSp>
+        <p:nvCxnSpPr>
+          <p:cNvPr id="193" name="Elbow Connector 192"/>
+          <p:cNvCxnSpPr/>
+          <p:nvPr/>
+        </p:nvCxnSpPr>
+        <p:spPr>
+          <a:xfrm rot="16200000" flipH="1">
+            <a:off x="6306061" y="-963412"/>
+            <a:ext cx="348130" cy="3708617"/>
+          </a:xfrm>
+          <a:prstGeom prst="bentConnector3">
+            <a:avLst>
+              <a:gd name="adj1" fmla="val 50000"/>
+            </a:avLst>
+          </a:prstGeom>
+        </p:spPr>
+        <p:style>
+          <a:lnRef idx="1">
+            <a:schemeClr val="dk1"/>
+          </a:lnRef>
+          <a:fillRef idx="0">
+            <a:schemeClr val="dk1"/>
+          </a:fillRef>
+          <a:effectRef idx="0">
+            <a:schemeClr val="dk1"/>
+          </a:effectRef>
+          <a:fontRef idx="minor">
+            <a:schemeClr val="tx1"/>
+          </a:fontRef>
+        </p:style>
+      </p:cxnSp>
+      <p:cxnSp>
+        <p:nvCxnSpPr>
+          <p:cNvPr id="199" name="Elbow Connector 198"/>
+          <p:cNvCxnSpPr>
+            <a:stCxn id="182" idx="2"/>
+            <a:endCxn id="183" idx="0"/>
+          </p:cNvCxnSpPr>
+          <p:nvPr/>
+        </p:nvCxnSpPr>
+        <p:spPr>
+          <a:xfrm rot="16200000" flipH="1">
+            <a:off x="8127986" y="1492408"/>
+            <a:ext cx="412899" cy="1"/>
+          </a:xfrm>
+          <a:prstGeom prst="bentConnector3">
+            <a:avLst>
+              <a:gd name="adj1" fmla="val 50000"/>
+            </a:avLst>
+          </a:prstGeom>
+        </p:spPr>
+        <p:style>
+          <a:lnRef idx="1">
+            <a:schemeClr val="dk1"/>
+          </a:lnRef>
+          <a:fillRef idx="0">
+            <a:schemeClr val="dk1"/>
+          </a:fillRef>
+          <a:effectRef idx="0">
+            <a:schemeClr val="dk1"/>
+          </a:effectRef>
+          <a:fontRef idx="minor">
+            <a:schemeClr val="tx1"/>
+          </a:fontRef>
+        </p:style>
+      </p:cxnSp>
+      <p:cxnSp>
+        <p:nvCxnSpPr>
+          <p:cNvPr id="224" name="Elbow Connector 223"/>
+          <p:cNvCxnSpPr>
+            <a:stCxn id="7" idx="1"/>
+            <a:endCxn id="31" idx="1"/>
+          </p:cNvCxnSpPr>
+          <p:nvPr/>
+        </p:nvCxnSpPr>
+        <p:spPr>
+          <a:xfrm rot="10800000" flipH="1" flipV="1">
+            <a:off x="3248846" y="1189460"/>
+            <a:ext cx="65177" cy="2032357"/>
+          </a:xfrm>
+          <a:prstGeom prst="bentConnector3">
+            <a:avLst>
+              <a:gd name="adj1" fmla="val -350737"/>
+            </a:avLst>
+          </a:prstGeom>
+        </p:spPr>
+        <p:style>
+          <a:lnRef idx="1">
+            <a:schemeClr val="dk1"/>
+          </a:lnRef>
+          <a:fillRef idx="0">
+            <a:schemeClr val="dk1"/>
+          </a:fillRef>
+          <a:effectRef idx="0">
+            <a:schemeClr val="dk1"/>
+          </a:effectRef>
+          <a:fontRef idx="minor">
+            <a:schemeClr val="tx1"/>
+          </a:fontRef>
+        </p:style>
+      </p:cxnSp>
+      <p:cxnSp>
+        <p:nvCxnSpPr>
+          <p:cNvPr id="227" name="Elbow Connector 226"/>
+          <p:cNvCxnSpPr>
+            <a:stCxn id="7" idx="1"/>
+            <a:endCxn id="33" idx="1"/>
+          </p:cNvCxnSpPr>
+          <p:nvPr/>
+        </p:nvCxnSpPr>
+        <p:spPr>
+          <a:xfrm rot="10800000" flipH="1" flipV="1">
+            <a:off x="3248846" y="1189461"/>
+            <a:ext cx="43821" cy="2381950"/>
+          </a:xfrm>
+          <a:prstGeom prst="bentConnector3">
+            <a:avLst>
+              <a:gd name="adj1" fmla="val -521668"/>
+            </a:avLst>
+          </a:prstGeom>
+        </p:spPr>
+        <p:style>
+          <a:lnRef idx="1">
+            <a:schemeClr val="dk1"/>
+          </a:lnRef>
+          <a:fillRef idx="0">
+            <a:schemeClr val="dk1"/>
+          </a:fillRef>
+          <a:effectRef idx="0">
+            <a:schemeClr val="dk1"/>
+          </a:effectRef>
+          <a:fontRef idx="minor">
+            <a:schemeClr val="tx1"/>
+          </a:fontRef>
+        </p:style>
+      </p:cxnSp>
+      <p:cxnSp>
+        <p:nvCxnSpPr>
+          <p:cNvPr id="230" name="Elbow Connector 229"/>
+          <p:cNvCxnSpPr>
+            <a:stCxn id="7" idx="1"/>
+            <a:endCxn id="38" idx="1"/>
+          </p:cNvCxnSpPr>
+          <p:nvPr/>
+        </p:nvCxnSpPr>
+        <p:spPr>
+          <a:xfrm rot="10800000" flipH="1" flipV="1">
+            <a:off x="3248846" y="1189460"/>
+            <a:ext cx="48941" cy="2757127"/>
+          </a:xfrm>
+          <a:prstGeom prst="bentConnector3">
+            <a:avLst>
+              <a:gd name="adj1" fmla="val -467093"/>
+            </a:avLst>
+          </a:prstGeom>
+        </p:spPr>
+        <p:style>
+          <a:lnRef idx="1">
+            <a:schemeClr val="dk1"/>
+          </a:lnRef>
+          <a:fillRef idx="0">
+            <a:schemeClr val="dk1"/>
+          </a:fillRef>
+          <a:effectRef idx="0">
+            <a:schemeClr val="dk1"/>
+          </a:effectRef>
+          <a:fontRef idx="minor">
+            <a:schemeClr val="tx1"/>
+          </a:fontRef>
+        </p:style>
+      </p:cxnSp>
+      <p:cxnSp>
+        <p:nvCxnSpPr>
+          <p:cNvPr id="233" name="Elbow Connector 232"/>
+          <p:cNvCxnSpPr>
+            <a:stCxn id="7" idx="1"/>
+            <a:endCxn id="39" idx="1"/>
+          </p:cNvCxnSpPr>
+          <p:nvPr/>
+        </p:nvCxnSpPr>
+        <p:spPr>
+          <a:xfrm rot="10800000" flipH="1" flipV="1">
+            <a:off x="3248846" y="1189461"/>
+            <a:ext cx="48941" cy="3113936"/>
+          </a:xfrm>
+          <a:prstGeom prst="bentConnector3">
+            <a:avLst>
+              <a:gd name="adj1" fmla="val -467093"/>
+            </a:avLst>
+          </a:prstGeom>
+        </p:spPr>
+        <p:style>
+          <a:lnRef idx="1">
+            <a:schemeClr val="dk1"/>
+          </a:lnRef>
+          <a:fillRef idx="0">
+            <a:schemeClr val="dk1"/>
+          </a:fillRef>
+          <a:effectRef idx="0">
+            <a:schemeClr val="dk1"/>
+          </a:effectRef>
+          <a:fontRef idx="minor">
+            <a:schemeClr val="tx1"/>
+          </a:fontRef>
+        </p:style>
+      </p:cxnSp>
+      <p:cxnSp>
+        <p:nvCxnSpPr>
+          <p:cNvPr id="236" name="Elbow Connector 235"/>
+          <p:cNvCxnSpPr>
+            <a:stCxn id="7" idx="1"/>
+            <a:endCxn id="40" idx="1"/>
+          </p:cNvCxnSpPr>
+          <p:nvPr/>
+        </p:nvCxnSpPr>
+        <p:spPr>
+          <a:xfrm rot="10800000" flipH="1" flipV="1">
+            <a:off x="3248846" y="1189460"/>
+            <a:ext cx="65177" cy="3470745"/>
+          </a:xfrm>
+          <a:prstGeom prst="bentConnector3">
+            <a:avLst>
+              <a:gd name="adj1" fmla="val -350737"/>
+            </a:avLst>
+          </a:prstGeom>
+        </p:spPr>
+        <p:style>
+          <a:lnRef idx="1">
+            <a:schemeClr val="dk1"/>
+          </a:lnRef>
+          <a:fillRef idx="0">
+            <a:schemeClr val="dk1"/>
+          </a:fillRef>
+          <a:effectRef idx="0">
+            <a:schemeClr val="dk1"/>
+          </a:effectRef>
+          <a:fontRef idx="minor">
+            <a:schemeClr val="tx1"/>
+          </a:fontRef>
+        </p:style>
+      </p:cxnSp>
+      <p:cxnSp>
+        <p:nvCxnSpPr>
+          <p:cNvPr id="239" name="Elbow Connector 238"/>
+          <p:cNvCxnSpPr>
+            <a:stCxn id="7" idx="1"/>
+            <a:endCxn id="41" idx="1"/>
+          </p:cNvCxnSpPr>
+          <p:nvPr/>
+        </p:nvCxnSpPr>
+        <p:spPr>
+          <a:xfrm rot="10800000" flipH="1" flipV="1">
+            <a:off x="3248846" y="1189461"/>
+            <a:ext cx="52985" cy="3826720"/>
+          </a:xfrm>
+          <a:prstGeom prst="bentConnector3">
+            <a:avLst>
+              <a:gd name="adj1" fmla="val -431443"/>
+            </a:avLst>
+          </a:prstGeom>
+        </p:spPr>
+        <p:style>
+          <a:lnRef idx="1">
+            <a:schemeClr val="dk1"/>
+          </a:lnRef>
+          <a:fillRef idx="0">
+            <a:schemeClr val="dk1"/>
+          </a:fillRef>
+          <a:effectRef idx="0">
+            <a:schemeClr val="dk1"/>
+          </a:effectRef>
+          <a:fontRef idx="minor">
+            <a:schemeClr val="tx1"/>
+          </a:fontRef>
+        </p:style>
+      </p:cxnSp>
+      <p:cxnSp>
+        <p:nvCxnSpPr>
+          <p:cNvPr id="242" name="Elbow Connector 241"/>
+          <p:cNvCxnSpPr>
+            <a:stCxn id="7" idx="1"/>
+            <a:endCxn id="45" idx="1"/>
+          </p:cNvCxnSpPr>
+          <p:nvPr/>
+        </p:nvCxnSpPr>
+        <p:spPr>
+          <a:xfrm rot="10800000" flipH="1" flipV="1">
+            <a:off x="3248846" y="1189460"/>
+            <a:ext cx="52985" cy="4183529"/>
+          </a:xfrm>
+          <a:prstGeom prst="bentConnector3">
+            <a:avLst>
+              <a:gd name="adj1" fmla="val -431443"/>
+            </a:avLst>
+          </a:prstGeom>
+        </p:spPr>
+        <p:style>
+          <a:lnRef idx="1">
+            <a:schemeClr val="dk1"/>
+          </a:lnRef>
+          <a:fillRef idx="0">
+            <a:schemeClr val="dk1"/>
+          </a:fillRef>
+          <a:effectRef idx="0">
+            <a:schemeClr val="dk1"/>
+          </a:effectRef>
+          <a:fontRef idx="minor">
+            <a:schemeClr val="tx1"/>
+          </a:fontRef>
+        </p:style>
+      </p:cxnSp>
+      <p:cxnSp>
+        <p:nvCxnSpPr>
+          <p:cNvPr id="245" name="Elbow Connector 244"/>
+          <p:cNvCxnSpPr>
+            <a:stCxn id="7" idx="1"/>
+            <a:endCxn id="58" idx="1"/>
+          </p:cNvCxnSpPr>
+          <p:nvPr/>
+        </p:nvCxnSpPr>
+        <p:spPr>
+          <a:xfrm rot="10800000" flipH="1" flipV="1">
+            <a:off x="3248846" y="1189461"/>
+            <a:ext cx="46705" cy="4533600"/>
+          </a:xfrm>
+          <a:prstGeom prst="bentConnector3">
+            <a:avLst>
+              <a:gd name="adj1" fmla="val -489455"/>
+            </a:avLst>
+          </a:prstGeom>
+        </p:spPr>
+        <p:style>
+          <a:lnRef idx="1">
+            <a:schemeClr val="dk1"/>
+          </a:lnRef>
+          <a:fillRef idx="0">
+            <a:schemeClr val="dk1"/>
+          </a:fillRef>
+          <a:effectRef idx="0">
+            <a:schemeClr val="dk1"/>
+          </a:effectRef>
+          <a:fontRef idx="minor">
+            <a:schemeClr val="tx1"/>
+          </a:fontRef>
+        </p:style>
+      </p:cxnSp>
+      <p:cxnSp>
+        <p:nvCxnSpPr>
+          <p:cNvPr id="248" name="Elbow Connector 247"/>
+          <p:cNvCxnSpPr>
+            <a:stCxn id="7" idx="1"/>
+            <a:endCxn id="59" idx="1"/>
+          </p:cNvCxnSpPr>
+          <p:nvPr/>
+        </p:nvCxnSpPr>
+        <p:spPr>
+          <a:xfrm rot="10800000" flipH="1" flipV="1">
+            <a:off x="3248847" y="1189460"/>
+            <a:ext cx="62942" cy="4891557"/>
+          </a:xfrm>
+          <a:prstGeom prst="bentConnector3">
+            <a:avLst>
+              <a:gd name="adj1" fmla="val -363192"/>
+            </a:avLst>
+          </a:prstGeom>
+        </p:spPr>
+        <p:style>
+          <a:lnRef idx="1">
+            <a:schemeClr val="dk1"/>
+          </a:lnRef>
+          <a:fillRef idx="0">
+            <a:schemeClr val="dk1"/>
+          </a:fillRef>
+          <a:effectRef idx="0">
+            <a:schemeClr val="dk1"/>
+          </a:effectRef>
+          <a:fontRef idx="minor">
+            <a:schemeClr val="tx1"/>
+          </a:fontRef>
+        </p:style>
+      </p:cxnSp>
+      <p:cxnSp>
+        <p:nvCxnSpPr>
+          <p:cNvPr id="251" name="Elbow Connector 250"/>
+          <p:cNvCxnSpPr>
+            <a:stCxn id="7" idx="1"/>
+            <a:endCxn id="62" idx="1"/>
+          </p:cNvCxnSpPr>
+          <p:nvPr/>
+        </p:nvCxnSpPr>
+        <p:spPr>
+          <a:xfrm rot="10800000" flipH="1" flipV="1">
+            <a:off x="3248846" y="1189461"/>
+            <a:ext cx="58105" cy="5240480"/>
+          </a:xfrm>
+          <a:prstGeom prst="bentConnector3">
+            <a:avLst>
+              <a:gd name="adj1" fmla="val -393426"/>
+            </a:avLst>
+          </a:prstGeom>
+        </p:spPr>
+        <p:style>
+          <a:lnRef idx="1">
+            <a:schemeClr val="dk1"/>
+          </a:lnRef>
+          <a:fillRef idx="0">
+            <a:schemeClr val="dk1"/>
+          </a:fillRef>
+          <a:effectRef idx="0">
+            <a:schemeClr val="dk1"/>
+          </a:effectRef>
+          <a:fontRef idx="minor">
+            <a:schemeClr val="tx1"/>
+          </a:fontRef>
+        </p:style>
+      </p:cxnSp>
+    </p:spTree>
+    <p:extLst>
+      <p:ext uri="{BB962C8B-B14F-4D97-AF65-F5344CB8AC3E}">
+        <p14:creationId xmlns:p14="http://schemas.microsoft.com/office/powerpoint/2010/main" val="2079043177"/>
+      </p:ext>
+    </p:extLst>
+  </p:cSld>
+  <p:clrMapOvr>
+    <a:masterClrMapping/>
+  </p:clrMapOvr>
+  <p:timing>
+    <p:tnLst>
+      <p:par>
+        <p:cTn id="1" dur="indefinite" restart="never" nodeType="tmRoot"/>
+      </p:par>
+    </p:tnLst>
+  </p:timing>
+</p:sld>
+</file>
+
+<file path=ppt/slides/slide13.xml><?xml version="1.0" encoding="utf-8"?>
+<p:sld xmlns:a="http://schemas.openxmlformats.org/drawingml/2006/main" xmlns:r="http://schemas.openxmlformats.org/officeDocument/2006/relationships" xmlns:p="http://schemas.openxmlformats.org/presentationml/2006/main">
+  <p:cSld>
+    <p:spTree>
+      <p:nvGrpSpPr>
+        <p:cNvPr id="1" name=""/>
+        <p:cNvGrpSpPr/>
+        <p:nvPr/>
+      </p:nvGrpSpPr>
+      <p:grpSpPr>
+        <a:xfrm>
+          <a:off x="0" y="0"/>
+          <a:ext cx="0" cy="0"/>
+          <a:chOff x="0" y="0"/>
+          <a:chExt cx="0" cy="0"/>
+        </a:xfrm>
+      </p:grpSpPr>
+      <p:sp>
+        <p:nvSpPr>
+          <p:cNvPr id="2" name="Slide Number Placeholder 1"/>
+          <p:cNvSpPr>
+            <a:spLocks noGrp="1"/>
+          </p:cNvSpPr>
+          <p:nvPr>
+            <p:ph type="sldNum" sz="quarter" idx="12"/>
+          </p:nvPr>
+        </p:nvSpPr>
         <p:spPr/>
         <p:txBody>
           <a:bodyPr anchor="t"/>
@@ -11131,7 +14251,7 @@
           <a:p>
             <a:fld id="{D01B2998-00A9-9E41-AB29-A15A35C12BAC}" type="slidenum">
               <a:rPr lang="en-US" smtClean="0"/>
-              <a:t>12</a:t>
+              <a:t>13</a:t>
             </a:fld>
             <a:endParaRPr lang="en-US" dirty="0"/>
           </a:p>
@@ -13377,7 +16497,7 @@
 </p:sld>
 </file>
 
-<file path=ppt/slides/slide13.xml><?xml version="1.0" encoding="utf-8"?>
+<file path=ppt/slides/slide14.xml><?xml version="1.0" encoding="utf-8"?>
 <p:sld xmlns:a="http://schemas.openxmlformats.org/drawingml/2006/main" xmlns:r="http://schemas.openxmlformats.org/officeDocument/2006/relationships" xmlns:p="http://schemas.openxmlformats.org/presentationml/2006/main">
   <p:cSld>
     <p:spTree>
@@ -13411,7 +16531,7 @@
           <a:p>
             <a:fld id="{D01B2998-00A9-9E41-AB29-A15A35C12BAC}" type="slidenum">
               <a:rPr lang="en-US" smtClean="0"/>
-              <a:t>13</a:t>
+              <a:t>14</a:t>
             </a:fld>
             <a:endParaRPr lang="en-US" dirty="0"/>
           </a:p>
@@ -15067,7 +18187,7 @@
 </p:sld>
 </file>
 
-<file path=ppt/slides/slide14.xml><?xml version="1.0" encoding="utf-8"?>
+<file path=ppt/slides/slide15.xml><?xml version="1.0" encoding="utf-8"?>
 <p:sld xmlns:a="http://schemas.openxmlformats.org/drawingml/2006/main" xmlns:r="http://schemas.openxmlformats.org/officeDocument/2006/relationships" xmlns:p="http://schemas.openxmlformats.org/presentationml/2006/main">
   <p:cSld>
     <p:spTree>
@@ -15101,7 +18221,7 @@
           <a:p>
             <a:fld id="{D01B2998-00A9-9E41-AB29-A15A35C12BAC}" type="slidenum">
               <a:rPr lang="en-US" smtClean="0"/>
-              <a:t>14</a:t>
+              <a:t>15</a:t>
             </a:fld>
             <a:endParaRPr lang="en-US" dirty="0"/>
           </a:p>
@@ -17746,7 +20866,7 @@
 </p:sld>
 </file>
 
-<file path=ppt/slides/slide15.xml><?xml version="1.0" encoding="utf-8"?>
+<file path=ppt/slides/slide16.xml><?xml version="1.0" encoding="utf-8"?>
 <p:sld xmlns:a="http://schemas.openxmlformats.org/drawingml/2006/main" xmlns:r="http://schemas.openxmlformats.org/officeDocument/2006/relationships" xmlns:p="http://schemas.openxmlformats.org/presentationml/2006/main">
   <p:cSld>
     <p:spTree>
@@ -17780,7 +20900,7 @@
           <a:p>
             <a:fld id="{D01B2998-00A9-9E41-AB29-A15A35C12BAC}" type="slidenum">
               <a:rPr lang="en-US" smtClean="0"/>
-              <a:t>15</a:t>
+              <a:t>16</a:t>
             </a:fld>
             <a:endParaRPr lang="en-US" dirty="0"/>
           </a:p>
@@ -20559,7 +23679,7 @@
 </p:sld>
 </file>
 
-<file path=ppt/slides/slide16.xml><?xml version="1.0" encoding="utf-8"?>
+<file path=ppt/slides/slide17.xml><?xml version="1.0" encoding="utf-8"?>
 <p:sld xmlns:a="http://schemas.openxmlformats.org/drawingml/2006/main" xmlns:r="http://schemas.openxmlformats.org/officeDocument/2006/relationships" xmlns:p="http://schemas.openxmlformats.org/presentationml/2006/main">
   <p:cSld>
     <p:spTree>
@@ -20593,7 +23713,7 @@
           <a:p>
             <a:fld id="{D01B2998-00A9-9E41-AB29-A15A35C12BAC}" type="slidenum">
               <a:rPr lang="en-US" smtClean="0"/>
-              <a:t>16</a:t>
+              <a:t>17</a:t>
             </a:fld>
             <a:endParaRPr lang="en-US" dirty="0"/>
           </a:p>
@@ -22842,7 +25962,7 @@
 </p:sld>
 </file>
 
-<file path=ppt/slides/slide17.xml><?xml version="1.0" encoding="utf-8"?>
+<file path=ppt/slides/slide18.xml><?xml version="1.0" encoding="utf-8"?>
 <p:sld xmlns:a="http://schemas.openxmlformats.org/drawingml/2006/main" xmlns:r="http://schemas.openxmlformats.org/officeDocument/2006/relationships" xmlns:p="http://schemas.openxmlformats.org/presentationml/2006/main">
   <p:cSld>
     <p:spTree>
@@ -22876,7 +25996,7 @@
           <a:p>
             <a:fld id="{D01B2998-00A9-9E41-AB29-A15A35C12BAC}" type="slidenum">
               <a:rPr lang="en-US" smtClean="0"/>
-              <a:t>17</a:t>
+              <a:t>18</a:t>
             </a:fld>
             <a:endParaRPr lang="en-US" dirty="0"/>
           </a:p>
@@ -24471,7 +27591,7 @@
 </p:sld>
 </file>
 
-<file path=ppt/slides/slide18.xml><?xml version="1.0" encoding="utf-8"?>
+<file path=ppt/slides/slide19.xml><?xml version="1.0" encoding="utf-8"?>
 <p:sld xmlns:a="http://schemas.openxmlformats.org/drawingml/2006/main" xmlns:r="http://schemas.openxmlformats.org/officeDocument/2006/relationships" xmlns:p="http://schemas.openxmlformats.org/presentationml/2006/main">
   <p:cSld>
     <p:spTree>
@@ -24547,7 +27667,7 @@
                 </a:solidFill>
               </a:rPr>
               <a:pPr/>
-              <a:t>18</a:t>
+              <a:t>19</a:t>
             </a:fld>
             <a:endParaRPr lang="en-US">
               <a:solidFill>
@@ -25974,2889 +29094,6 @@
     <p:extLst>
       <p:ext uri="{BB962C8B-B14F-4D97-AF65-F5344CB8AC3E}">
         <p14:creationId xmlns:p14="http://schemas.microsoft.com/office/powerpoint/2010/main" val="927824104"/>
-      </p:ext>
-    </p:extLst>
-  </p:cSld>
-  <p:clrMapOvr>
-    <a:masterClrMapping/>
-  </p:clrMapOvr>
-  <mc:AlternateContent xmlns:mc="http://schemas.openxmlformats.org/markup-compatibility/2006" xmlns:p14="http://schemas.microsoft.com/office/powerpoint/2010/main">
-    <mc:Choice Requires="p14">
-      <p:transition spd="slow" p14:dur="2000"/>
-    </mc:Choice>
-    <mc:Fallback xmlns="">
-      <p:transition spd="slow"/>
-    </mc:Fallback>
-  </mc:AlternateContent>
-  <p:timing>
-    <p:tnLst>
-      <p:par>
-        <p:cTn id="1" dur="indefinite" restart="never" nodeType="tmRoot"/>
-      </p:par>
-    </p:tnLst>
-  </p:timing>
-</p:sld>
-</file>
-
-<file path=ppt/slides/slide19.xml><?xml version="1.0" encoding="utf-8"?>
-<p:sld xmlns:a="http://schemas.openxmlformats.org/drawingml/2006/main" xmlns:r="http://schemas.openxmlformats.org/officeDocument/2006/relationships" xmlns:p="http://schemas.openxmlformats.org/presentationml/2006/main">
-  <p:cSld>
-    <p:spTree>
-      <p:nvGrpSpPr>
-        <p:cNvPr id="1" name=""/>
-        <p:cNvGrpSpPr/>
-        <p:nvPr/>
-      </p:nvGrpSpPr>
-      <p:grpSpPr>
-        <a:xfrm>
-          <a:off x="0" y="0"/>
-          <a:ext cx="0" cy="0"/>
-          <a:chOff x="0" y="0"/>
-          <a:chExt cx="0" cy="0"/>
-        </a:xfrm>
-      </p:grpSpPr>
-      <p:sp>
-        <p:nvSpPr>
-          <p:cNvPr id="3" name="Footer Placeholder 2"/>
-          <p:cNvSpPr>
-            <a:spLocks noGrp="1"/>
-          </p:cNvSpPr>
-          <p:nvPr>
-            <p:ph type="ftr" sz="quarter" idx="11"/>
-          </p:nvPr>
-        </p:nvSpPr>
-        <p:spPr/>
-        <p:txBody>
-          <a:bodyPr/>
-          <a:lstStyle/>
-          <a:p>
-            <a:r>
-              <a:rPr lang="en-US" smtClean="0">
-                <a:solidFill>
-                  <a:prstClr val="black">
-                    <a:tint val="75000"/>
-                  </a:prstClr>
-                </a:solidFill>
-              </a:rPr>
-              <a:t>PROPRIETARY &amp; CONFIDENTIAL</a:t>
-            </a:r>
-            <a:endParaRPr lang="en-US">
-              <a:solidFill>
-                <a:prstClr val="black">
-                  <a:tint val="75000"/>
-                </a:prstClr>
-              </a:solidFill>
-            </a:endParaRPr>
-          </a:p>
-        </p:txBody>
-      </p:sp>
-      <p:sp>
-        <p:nvSpPr>
-          <p:cNvPr id="2" name="Slide Number Placeholder 1"/>
-          <p:cNvSpPr>
-            <a:spLocks noGrp="1"/>
-          </p:cNvSpPr>
-          <p:nvPr>
-            <p:ph type="sldNum" sz="quarter" idx="12"/>
-          </p:nvPr>
-        </p:nvSpPr>
-        <p:spPr/>
-        <p:txBody>
-          <a:bodyPr/>
-          <a:lstStyle/>
-          <a:p>
-            <a:fld id="{D01B2998-00A9-9E41-AB29-A15A35C12BAC}" type="slidenum">
-              <a:rPr lang="en-US" smtClean="0">
-                <a:solidFill>
-                  <a:prstClr val="black">
-                    <a:tint val="75000"/>
-                  </a:prstClr>
-                </a:solidFill>
-              </a:rPr>
-              <a:pPr/>
-              <a:t>19</a:t>
-            </a:fld>
-            <a:endParaRPr lang="en-US">
-              <a:solidFill>
-                <a:prstClr val="black">
-                  <a:tint val="75000"/>
-                </a:prstClr>
-              </a:solidFill>
-            </a:endParaRPr>
-          </a:p>
-        </p:txBody>
-      </p:sp>
-      <p:grpSp>
-        <p:nvGrpSpPr>
-          <p:cNvPr id="33" name="Group 32"/>
-          <p:cNvGrpSpPr/>
-          <p:nvPr/>
-        </p:nvGrpSpPr>
-        <p:grpSpPr>
-          <a:xfrm>
-            <a:off x="123783" y="358184"/>
-            <a:ext cx="8186551" cy="5770641"/>
-            <a:chOff x="123783" y="1001654"/>
-            <a:chExt cx="8186551" cy="5770641"/>
-          </a:xfrm>
-        </p:grpSpPr>
-        <p:sp>
-          <p:nvSpPr>
-            <p:cNvPr id="34" name="Rounded Rectangle 33"/>
-            <p:cNvSpPr/>
-            <p:nvPr/>
-          </p:nvSpPr>
-          <p:spPr>
-            <a:xfrm>
-              <a:off x="1336357" y="1001654"/>
-              <a:ext cx="6973977" cy="411076"/>
-            </a:xfrm>
-            <a:prstGeom prst="roundRect">
-              <a:avLst>
-                <a:gd name="adj" fmla="val 11698"/>
-              </a:avLst>
-            </a:prstGeom>
-            <a:solidFill>
-              <a:srgbClr val="F2F2F2"/>
-            </a:solidFill>
-            <a:ln w="6350">
-              <a:solidFill>
-                <a:srgbClr val="2C74A5"/>
-              </a:solidFill>
-            </a:ln>
-          </p:spPr>
-          <p:style>
-            <a:lnRef idx="2">
-              <a:schemeClr val="dk1"/>
-            </a:lnRef>
-            <a:fillRef idx="1">
-              <a:schemeClr val="lt1"/>
-            </a:fillRef>
-            <a:effectRef idx="0">
-              <a:schemeClr val="dk1"/>
-            </a:effectRef>
-            <a:fontRef idx="minor">
-              <a:schemeClr val="dk1"/>
-            </a:fontRef>
-          </p:style>
-          <p:txBody>
-            <a:bodyPr lIns="274320" rtlCol="0" anchor="ctr"/>
-            <a:lstStyle/>
-            <a:p>
-              <a:pPr>
-                <a:spcAft>
-                  <a:spcPts val="600"/>
-                </a:spcAft>
-              </a:pPr>
-              <a:r>
-                <a:rPr lang="en-US" sz="1400" dirty="0" smtClean="0">
-                  <a:solidFill>
-                    <a:srgbClr val="2C74A5"/>
-                  </a:solidFill>
-                  <a:cs typeface="Arial Narrow"/>
-                </a:rPr>
-                <a:t>“I’d like to order a pepperoni pizza with extra cheese, a </a:t>
-              </a:r>
-              <a:r>
-                <a:rPr lang="en-US" sz="1400" dirty="0" smtClean="0">
-                  <a:solidFill>
-                    <a:srgbClr val="2C74A5"/>
-                  </a:solidFill>
-                  <a:cs typeface="Arial Narrow"/>
-                </a:rPr>
-                <a:t>calzone and two diet coke.”</a:t>
-              </a:r>
-              <a:endParaRPr lang="en-US" sz="1400" dirty="0">
-                <a:solidFill>
-                  <a:srgbClr val="2C74A5"/>
-                </a:solidFill>
-                <a:cs typeface="Arial Narrow"/>
-              </a:endParaRPr>
-            </a:p>
-          </p:txBody>
-        </p:sp>
-        <p:sp>
-          <p:nvSpPr>
-            <p:cNvPr id="35" name="TextBox 34"/>
-            <p:cNvSpPr txBox="1"/>
-            <p:nvPr/>
-          </p:nvSpPr>
-          <p:spPr>
-            <a:xfrm>
-              <a:off x="177242" y="1001654"/>
-              <a:ext cx="611682" cy="276999"/>
-            </a:xfrm>
-            <a:prstGeom prst="rect">
-              <a:avLst/>
-            </a:prstGeom>
-            <a:noFill/>
-          </p:spPr>
-          <p:txBody>
-            <a:bodyPr wrap="none" rtlCol="0" anchor="ctr">
-              <a:spAutoFit/>
-            </a:bodyPr>
-            <a:lstStyle>
-              <a:defPPr>
-                <a:defRPr lang="en-US"/>
-              </a:defPPr>
-              <a:lvl1pPr algn="ctr">
-                <a:defRPr sz="1200">
-                  <a:solidFill>
-                    <a:srgbClr val="A6A6A6"/>
-                  </a:solidFill>
-                  <a:latin typeface="Arial Narrow"/>
-                  <a:cs typeface="Arial Narrow"/>
-                </a:defRPr>
-              </a:lvl1pPr>
-            </a:lstStyle>
-            <a:p>
-              <a:r>
-                <a:rPr lang="en-US" b="1" dirty="0"/>
-                <a:t>INPUT</a:t>
-              </a:r>
-            </a:p>
-          </p:txBody>
-        </p:sp>
-        <p:sp>
-          <p:nvSpPr>
-            <p:cNvPr id="36" name="TextBox 35"/>
-            <p:cNvSpPr txBox="1"/>
-            <p:nvPr/>
-          </p:nvSpPr>
-          <p:spPr>
-            <a:xfrm>
-              <a:off x="123783" y="2369478"/>
-              <a:ext cx="920830" cy="461665"/>
-            </a:xfrm>
-            <a:prstGeom prst="rect">
-              <a:avLst/>
-            </a:prstGeom>
-            <a:noFill/>
-          </p:spPr>
-          <p:txBody>
-            <a:bodyPr wrap="none" rtlCol="0">
-              <a:spAutoFit/>
-            </a:bodyPr>
-            <a:lstStyle/>
-            <a:p>
-              <a:r>
-                <a:rPr lang="en-US" sz="1200" b="1" dirty="0" smtClean="0">
-                  <a:solidFill>
-                    <a:srgbClr val="A6A6A6"/>
-                  </a:solidFill>
-                  <a:latin typeface="Arial Narrow"/>
-                  <a:cs typeface="Arial Narrow"/>
-                </a:rPr>
-                <a:t>CANDIDATE</a:t>
-              </a:r>
-            </a:p>
-            <a:p>
-              <a:r>
-                <a:rPr lang="en-US" sz="1200" b="1" dirty="0" smtClean="0">
-                  <a:solidFill>
-                    <a:srgbClr val="A6A6A6"/>
-                  </a:solidFill>
-                  <a:latin typeface="Arial Narrow"/>
-                  <a:cs typeface="Arial Narrow"/>
-                </a:rPr>
-                <a:t>PARSE</a:t>
-              </a:r>
-              <a:r>
-                <a:rPr lang="en-US" sz="1200" b="1" dirty="0">
-                  <a:solidFill>
-                    <a:srgbClr val="A6A6A6"/>
-                  </a:solidFill>
-                  <a:latin typeface="Arial Narrow"/>
-                  <a:cs typeface="Arial Narrow"/>
-                </a:rPr>
-                <a:t> </a:t>
-              </a:r>
-              <a:r>
-                <a:rPr lang="en-US" sz="1200" b="1" dirty="0" smtClean="0">
-                  <a:solidFill>
-                    <a:srgbClr val="A6A6A6"/>
-                  </a:solidFill>
-                  <a:latin typeface="Arial Narrow"/>
-                  <a:cs typeface="Arial Narrow"/>
-                </a:rPr>
-                <a:t>1</a:t>
-              </a:r>
-              <a:endParaRPr lang="en-US" sz="1200" b="1" dirty="0" smtClean="0">
-                <a:solidFill>
-                  <a:srgbClr val="A6A6A6"/>
-                </a:solidFill>
-                <a:latin typeface="Arial Narrow"/>
-                <a:cs typeface="Arial Narrow"/>
-              </a:endParaRPr>
-            </a:p>
-          </p:txBody>
-        </p:sp>
-        <p:sp>
-          <p:nvSpPr>
-            <p:cNvPr id="37" name="TextBox 36"/>
-            <p:cNvSpPr txBox="1"/>
-            <p:nvPr/>
-          </p:nvSpPr>
-          <p:spPr>
-            <a:xfrm>
-              <a:off x="177242" y="3866905"/>
-              <a:ext cx="920830" cy="461665"/>
-            </a:xfrm>
-            <a:prstGeom prst="rect">
-              <a:avLst/>
-            </a:prstGeom>
-            <a:noFill/>
-          </p:spPr>
-          <p:txBody>
-            <a:bodyPr wrap="none" rtlCol="0">
-              <a:spAutoFit/>
-            </a:bodyPr>
-            <a:lstStyle/>
-            <a:p>
-              <a:r>
-                <a:rPr lang="en-US" sz="1200" b="1" dirty="0" smtClean="0">
-                  <a:solidFill>
-                    <a:srgbClr val="A6A6A6"/>
-                  </a:solidFill>
-                  <a:latin typeface="Arial Narrow"/>
-                  <a:cs typeface="Arial Narrow"/>
-                </a:rPr>
-                <a:t>CANDIDATE</a:t>
-              </a:r>
-            </a:p>
-            <a:p>
-              <a:r>
-                <a:rPr lang="en-US" sz="1200" b="1" dirty="0" smtClean="0">
-                  <a:solidFill>
-                    <a:srgbClr val="A6A6A6"/>
-                  </a:solidFill>
-                  <a:latin typeface="Arial Narrow"/>
-                  <a:cs typeface="Arial Narrow"/>
-                </a:rPr>
-                <a:t>PARSE</a:t>
-              </a:r>
-              <a:r>
-                <a:rPr lang="en-US" sz="1200" b="1" dirty="0">
-                  <a:solidFill>
-                    <a:srgbClr val="A6A6A6"/>
-                  </a:solidFill>
-                  <a:latin typeface="Arial Narrow"/>
-                  <a:cs typeface="Arial Narrow"/>
-                </a:rPr>
-                <a:t> </a:t>
-              </a:r>
-              <a:r>
-                <a:rPr lang="en-US" sz="1200" b="1" dirty="0" smtClean="0">
-                  <a:solidFill>
-                    <a:srgbClr val="A6A6A6"/>
-                  </a:solidFill>
-                  <a:latin typeface="Arial Narrow"/>
-                  <a:cs typeface="Arial Narrow"/>
-                </a:rPr>
-                <a:t>2</a:t>
-              </a:r>
-              <a:endParaRPr lang="en-US" sz="1200" b="1" dirty="0" smtClean="0">
-                <a:solidFill>
-                  <a:srgbClr val="A6A6A6"/>
-                </a:solidFill>
-                <a:latin typeface="Arial Narrow"/>
-                <a:cs typeface="Arial Narrow"/>
-              </a:endParaRPr>
-            </a:p>
-          </p:txBody>
-        </p:sp>
-        <p:grpSp>
-          <p:nvGrpSpPr>
-            <p:cNvPr id="38" name="Group 37"/>
-            <p:cNvGrpSpPr/>
-            <p:nvPr/>
-          </p:nvGrpSpPr>
-          <p:grpSpPr>
-            <a:xfrm>
-              <a:off x="1545018" y="5195496"/>
-              <a:ext cx="6556657" cy="1576799"/>
-              <a:chOff x="1545021" y="1619977"/>
-              <a:chExt cx="6556657" cy="1576799"/>
-            </a:xfrm>
-          </p:grpSpPr>
-          <p:sp>
-            <p:nvSpPr>
-              <p:cNvPr id="76" name="Rounded Rectangle 75"/>
-              <p:cNvSpPr/>
-              <p:nvPr/>
-            </p:nvSpPr>
-            <p:spPr>
-              <a:xfrm>
-                <a:off x="1545021" y="1619977"/>
-                <a:ext cx="6556657" cy="1576799"/>
-              </a:xfrm>
-              <a:prstGeom prst="roundRect">
-                <a:avLst>
-                  <a:gd name="adj" fmla="val 3581"/>
-                </a:avLst>
-              </a:prstGeom>
-              <a:solidFill>
-                <a:srgbClr val="F2F2F2"/>
-              </a:solidFill>
-              <a:ln w="3175">
-                <a:solidFill>
-                  <a:srgbClr val="2C74A5"/>
-                </a:solidFill>
-                <a:prstDash val="solid"/>
-              </a:ln>
-            </p:spPr>
-            <p:style>
-              <a:lnRef idx="2">
-                <a:schemeClr val="dk1"/>
-              </a:lnRef>
-              <a:fillRef idx="1">
-                <a:schemeClr val="lt1"/>
-              </a:fillRef>
-              <a:effectRef idx="0">
-                <a:schemeClr val="dk1"/>
-              </a:effectRef>
-              <a:fontRef idx="minor">
-                <a:schemeClr val="dk1"/>
-              </a:fontRef>
-            </p:style>
-            <p:txBody>
-              <a:bodyPr rtlCol="0" anchor="ctr"/>
-              <a:lstStyle/>
-              <a:p>
-                <a:pPr algn="ctr"/>
-                <a:endParaRPr lang="en-US"/>
-              </a:p>
-            </p:txBody>
-          </p:sp>
-          <p:sp>
-            <p:nvSpPr>
-              <p:cNvPr id="77" name="TextBox 76"/>
-              <p:cNvSpPr txBox="1"/>
-              <p:nvPr/>
-            </p:nvSpPr>
-            <p:spPr>
-              <a:xfrm>
-                <a:off x="4111682" y="1646456"/>
-                <a:ext cx="1440266" cy="276999"/>
-              </a:xfrm>
-              <a:prstGeom prst="rect">
-                <a:avLst/>
-              </a:prstGeom>
-              <a:noFill/>
-              <a:ln>
-                <a:noFill/>
-              </a:ln>
-            </p:spPr>
-            <p:txBody>
-              <a:bodyPr wrap="none" rtlCol="0">
-                <a:spAutoFit/>
-              </a:bodyPr>
-              <a:lstStyle/>
-              <a:p>
-                <a:r>
-                  <a:rPr lang="en-US" sz="1200" b="1" smtClean="0">
-                    <a:solidFill>
-                      <a:srgbClr val="2C74A5"/>
-                    </a:solidFill>
-                  </a:rPr>
-                  <a:t>ENTITY </a:t>
-                </a:r>
-                <a:r>
-                  <a:rPr lang="en-US" sz="1200" b="1" dirty="0" smtClean="0">
-                    <a:solidFill>
-                      <a:srgbClr val="2C74A5"/>
-                    </a:solidFill>
-                  </a:rPr>
-                  <a:t>GROUPS</a:t>
-                </a:r>
-                <a:endParaRPr lang="en-US" sz="1200" b="1" dirty="0">
-                  <a:solidFill>
-                    <a:srgbClr val="2C74A5"/>
-                  </a:solidFill>
-                </a:endParaRPr>
-              </a:p>
-            </p:txBody>
-          </p:sp>
-          <p:sp>
-            <p:nvSpPr>
-              <p:cNvPr id="78" name="Rectangle 77"/>
-              <p:cNvSpPr/>
-              <p:nvPr/>
-            </p:nvSpPr>
-            <p:spPr>
-              <a:xfrm>
-                <a:off x="1640324" y="1991179"/>
-                <a:ext cx="2340238" cy="1057886"/>
-              </a:xfrm>
-              <a:prstGeom prst="rect">
-                <a:avLst/>
-              </a:prstGeom>
-              <a:noFill/>
-              <a:ln w="3175">
-                <a:solidFill>
-                  <a:srgbClr val="2C74A5"/>
-                </a:solidFill>
-                <a:prstDash val="dash"/>
-              </a:ln>
-            </p:spPr>
-            <p:style>
-              <a:lnRef idx="2">
-                <a:schemeClr val="dk1"/>
-              </a:lnRef>
-              <a:fillRef idx="1">
-                <a:schemeClr val="lt1"/>
-              </a:fillRef>
-              <a:effectRef idx="0">
-                <a:schemeClr val="dk1"/>
-              </a:effectRef>
-              <a:fontRef idx="minor">
-                <a:schemeClr val="dk1"/>
-              </a:fontRef>
-            </p:style>
-            <p:txBody>
-              <a:bodyPr rtlCol="0" anchor="ctr"/>
-              <a:lstStyle/>
-              <a:p>
-                <a:pPr algn="ctr"/>
-                <a:endParaRPr lang="en-US"/>
-              </a:p>
-            </p:txBody>
-          </p:sp>
-          <p:sp>
-            <p:nvSpPr>
-              <p:cNvPr id="79" name="Rounded Rectangle 78"/>
-              <p:cNvSpPr/>
-              <p:nvPr/>
-            </p:nvSpPr>
-            <p:spPr>
-              <a:xfrm>
-                <a:off x="1710415" y="2059521"/>
-                <a:ext cx="1588460" cy="243396"/>
-              </a:xfrm>
-              <a:prstGeom prst="roundRect">
-                <a:avLst>
-                  <a:gd name="adj" fmla="val 50000"/>
-                </a:avLst>
-              </a:prstGeom>
-              <a:solidFill>
-                <a:schemeClr val="bg1"/>
-              </a:solidFill>
-              <a:ln w="6350">
-                <a:solidFill>
-                  <a:srgbClr val="2C74A5"/>
-                </a:solidFill>
-              </a:ln>
-            </p:spPr>
-            <p:style>
-              <a:lnRef idx="2">
-                <a:schemeClr val="dk1"/>
-              </a:lnRef>
-              <a:fillRef idx="1">
-                <a:schemeClr val="lt1"/>
-              </a:fillRef>
-              <a:effectRef idx="0">
-                <a:schemeClr val="dk1"/>
-              </a:effectRef>
-              <a:fontRef idx="minor">
-                <a:schemeClr val="dk1"/>
-              </a:fontRef>
-            </p:style>
-            <p:txBody>
-              <a:bodyPr lIns="182880" rIns="36576" rtlCol="0" anchor="ctr"/>
-              <a:lstStyle/>
-              <a:p>
-                <a:pPr>
-                  <a:spcAft>
-                    <a:spcPts val="600"/>
-                  </a:spcAft>
-                </a:pPr>
-                <a:r>
-                  <a:rPr lang="en-US" sz="800" dirty="0" smtClean="0">
-                    <a:solidFill>
-                      <a:srgbClr val="E84C3B"/>
-                    </a:solidFill>
-                    <a:cs typeface="Arial Narrow"/>
-                  </a:rPr>
-                  <a:t>DISH:</a:t>
-                </a:r>
-                <a:r>
-                  <a:rPr lang="en-US" sz="800" dirty="0" smtClean="0">
-                    <a:solidFill>
-                      <a:srgbClr val="0070C0"/>
-                    </a:solidFill>
-                    <a:cs typeface="Arial Narrow"/>
-                  </a:rPr>
-                  <a:t> </a:t>
-                </a:r>
-                <a:r>
-                  <a:rPr lang="en-US" sz="800" b="1" dirty="0" smtClean="0">
-                    <a:solidFill>
-                      <a:srgbClr val="2C74A5"/>
-                    </a:solidFill>
-                    <a:cs typeface="Arial Narrow"/>
-                  </a:rPr>
-                  <a:t>PEPPERONI PIZZA</a:t>
-                </a:r>
-                <a:endParaRPr lang="en-US" sz="800" b="1" dirty="0">
-                  <a:solidFill>
-                    <a:srgbClr val="2C74A5"/>
-                  </a:solidFill>
-                  <a:cs typeface="Arial Narrow"/>
-                </a:endParaRPr>
-              </a:p>
-            </p:txBody>
-          </p:sp>
-          <p:sp>
-            <p:nvSpPr>
-              <p:cNvPr id="80" name="Rectangle 79"/>
-              <p:cNvSpPr/>
-              <p:nvPr/>
-            </p:nvSpPr>
-            <p:spPr>
-              <a:xfrm>
-                <a:off x="4049025" y="1989281"/>
-                <a:ext cx="2144647" cy="1059784"/>
-              </a:xfrm>
-              <a:prstGeom prst="rect">
-                <a:avLst/>
-              </a:prstGeom>
-              <a:noFill/>
-              <a:ln w="3175">
-                <a:solidFill>
-                  <a:srgbClr val="2C74A5"/>
-                </a:solidFill>
-                <a:prstDash val="dash"/>
-              </a:ln>
-            </p:spPr>
-            <p:style>
-              <a:lnRef idx="2">
-                <a:schemeClr val="dk1"/>
-              </a:lnRef>
-              <a:fillRef idx="1">
-                <a:schemeClr val="lt1"/>
-              </a:fillRef>
-              <a:effectRef idx="0">
-                <a:schemeClr val="dk1"/>
-              </a:effectRef>
-              <a:fontRef idx="minor">
-                <a:schemeClr val="dk1"/>
-              </a:fontRef>
-            </p:style>
-            <p:txBody>
-              <a:bodyPr rtlCol="0" anchor="ctr"/>
-              <a:lstStyle/>
-              <a:p>
-                <a:pPr algn="ctr"/>
-                <a:endParaRPr lang="en-US"/>
-              </a:p>
-            </p:txBody>
-          </p:sp>
-          <p:cxnSp>
-            <p:nvCxnSpPr>
-              <p:cNvPr id="81" name="Straight Connector 80"/>
-              <p:cNvCxnSpPr/>
-              <p:nvPr/>
-            </p:nvCxnSpPr>
-            <p:spPr>
-              <a:xfrm>
-                <a:off x="4379933" y="2527731"/>
-                <a:ext cx="196210" cy="0"/>
-              </a:xfrm>
-              <a:prstGeom prst="line">
-                <a:avLst/>
-              </a:prstGeom>
-              <a:ln w="6350">
-                <a:solidFill>
-                  <a:srgbClr val="2C74A5"/>
-                </a:solidFill>
-              </a:ln>
-            </p:spPr>
-            <p:style>
-              <a:lnRef idx="1">
-                <a:schemeClr val="dk1"/>
-              </a:lnRef>
-              <a:fillRef idx="0">
-                <a:schemeClr val="dk1"/>
-              </a:fillRef>
-              <a:effectRef idx="0">
-                <a:schemeClr val="dk1"/>
-              </a:effectRef>
-              <a:fontRef idx="minor">
-                <a:schemeClr val="tx1"/>
-              </a:fontRef>
-            </p:style>
-          </p:cxnSp>
-          <p:cxnSp>
-            <p:nvCxnSpPr>
-              <p:cNvPr id="82" name="Straight Connector 81"/>
-              <p:cNvCxnSpPr/>
-              <p:nvPr/>
-            </p:nvCxnSpPr>
-            <p:spPr>
-              <a:xfrm>
-                <a:off x="4379933" y="2322949"/>
-                <a:ext cx="0" cy="554724"/>
-              </a:xfrm>
-              <a:prstGeom prst="line">
-                <a:avLst/>
-              </a:prstGeom>
-              <a:ln w="6350">
-                <a:solidFill>
-                  <a:srgbClr val="2C74A5"/>
-                </a:solidFill>
-              </a:ln>
-            </p:spPr>
-            <p:style>
-              <a:lnRef idx="1">
-                <a:schemeClr val="dk1"/>
-              </a:lnRef>
-              <a:fillRef idx="0">
-                <a:schemeClr val="dk1"/>
-              </a:fillRef>
-              <a:effectRef idx="0">
-                <a:schemeClr val="dk1"/>
-              </a:effectRef>
-              <a:fontRef idx="minor">
-                <a:schemeClr val="tx1"/>
-              </a:fontRef>
-            </p:style>
-          </p:cxnSp>
-          <p:sp>
-            <p:nvSpPr>
-              <p:cNvPr id="83" name="Rounded Rectangle 82"/>
-              <p:cNvSpPr/>
-              <p:nvPr/>
-            </p:nvSpPr>
-            <p:spPr>
-              <a:xfrm>
-                <a:off x="4122593" y="2059521"/>
-                <a:ext cx="1117622" cy="243396"/>
-              </a:xfrm>
-              <a:prstGeom prst="roundRect">
-                <a:avLst>
-                  <a:gd name="adj" fmla="val 50000"/>
-                </a:avLst>
-              </a:prstGeom>
-              <a:solidFill>
-                <a:schemeClr val="bg1"/>
-              </a:solidFill>
-              <a:ln w="6350">
-                <a:solidFill>
-                  <a:srgbClr val="2C74A5"/>
-                </a:solidFill>
-              </a:ln>
-            </p:spPr>
-            <p:style>
-              <a:lnRef idx="2">
-                <a:schemeClr val="dk1"/>
-              </a:lnRef>
-              <a:fillRef idx="1">
-                <a:schemeClr val="lt1"/>
-              </a:fillRef>
-              <a:effectRef idx="0">
-                <a:schemeClr val="dk1"/>
-              </a:effectRef>
-              <a:fontRef idx="minor">
-                <a:schemeClr val="dk1"/>
-              </a:fontRef>
-            </p:style>
-            <p:txBody>
-              <a:bodyPr lIns="182880" rIns="36576" rtlCol="0" anchor="ctr"/>
-              <a:lstStyle/>
-              <a:p>
-                <a:pPr>
-                  <a:spcAft>
-                    <a:spcPts val="600"/>
-                  </a:spcAft>
-                </a:pPr>
-                <a:r>
-                  <a:rPr lang="en-US" sz="800" dirty="0" smtClean="0">
-                    <a:solidFill>
-                      <a:srgbClr val="E84C3B"/>
-                    </a:solidFill>
-                    <a:cs typeface="Arial Narrow"/>
-                  </a:rPr>
-                  <a:t>DISH:</a:t>
-                </a:r>
-                <a:r>
-                  <a:rPr lang="en-US" sz="800" dirty="0" smtClean="0">
-                    <a:solidFill>
-                      <a:srgbClr val="0070C0"/>
-                    </a:solidFill>
-                    <a:cs typeface="Arial Narrow"/>
-                  </a:rPr>
-                  <a:t> </a:t>
-                </a:r>
-                <a:r>
-                  <a:rPr lang="en-US" sz="800" b="1" dirty="0" smtClean="0">
-                    <a:solidFill>
-                      <a:srgbClr val="2C74A5"/>
-                    </a:solidFill>
-                    <a:cs typeface="Arial Narrow"/>
-                  </a:rPr>
-                  <a:t>CALZONE</a:t>
-                </a:r>
-                <a:endParaRPr lang="en-US" sz="800" b="1" dirty="0">
-                  <a:solidFill>
-                    <a:srgbClr val="2C74A5"/>
-                  </a:solidFill>
-                  <a:cs typeface="Arial Narrow"/>
-                </a:endParaRPr>
-              </a:p>
-            </p:txBody>
-          </p:sp>
-          <p:sp>
-            <p:nvSpPr>
-              <p:cNvPr id="84" name="Rounded Rectangle 83"/>
-              <p:cNvSpPr/>
-              <p:nvPr/>
-            </p:nvSpPr>
-            <p:spPr>
-              <a:xfrm>
-                <a:off x="4538799" y="2406033"/>
-                <a:ext cx="1613741" cy="243396"/>
-              </a:xfrm>
-              <a:prstGeom prst="roundRect">
-                <a:avLst>
-                  <a:gd name="adj" fmla="val 50000"/>
-                </a:avLst>
-              </a:prstGeom>
-              <a:solidFill>
-                <a:schemeClr val="bg1"/>
-              </a:solidFill>
-              <a:ln w="6350">
-                <a:solidFill>
-                  <a:srgbClr val="2C74A5"/>
-                </a:solidFill>
-              </a:ln>
-            </p:spPr>
-            <p:style>
-              <a:lnRef idx="2">
-                <a:schemeClr val="dk1"/>
-              </a:lnRef>
-              <a:fillRef idx="1">
-                <a:schemeClr val="lt1"/>
-              </a:fillRef>
-              <a:effectRef idx="0">
-                <a:schemeClr val="dk1"/>
-              </a:effectRef>
-              <a:fontRef idx="minor">
-                <a:schemeClr val="dk1"/>
-              </a:fontRef>
-            </p:style>
-            <p:txBody>
-              <a:bodyPr lIns="182880" rIns="36576" rtlCol="0" anchor="ctr"/>
-              <a:lstStyle/>
-              <a:p>
-                <a:pPr>
-                  <a:spcAft>
-                    <a:spcPts val="600"/>
-                  </a:spcAft>
-                </a:pPr>
-                <a:r>
-                  <a:rPr lang="en-US" sz="800" dirty="0" smtClean="0">
-                    <a:solidFill>
-                      <a:srgbClr val="E84C3B"/>
-                    </a:solidFill>
-                    <a:cs typeface="Arial Narrow"/>
-                  </a:rPr>
-                  <a:t>OPTION:</a:t>
-                </a:r>
-                <a:r>
-                  <a:rPr lang="en-US" sz="800" dirty="0" smtClean="0">
-                    <a:solidFill>
-                      <a:srgbClr val="0070C0"/>
-                    </a:solidFill>
-                    <a:cs typeface="Arial Narrow"/>
-                  </a:rPr>
-                  <a:t> </a:t>
-                </a:r>
-                <a:r>
-                  <a:rPr lang="en-US" sz="800" b="1" dirty="0" smtClean="0">
-                    <a:solidFill>
-                      <a:srgbClr val="2C74A5"/>
-                    </a:solidFill>
-                    <a:cs typeface="Arial Narrow"/>
-                  </a:rPr>
-                  <a:t>EXTRA CHEESE</a:t>
-                </a:r>
-                <a:endParaRPr lang="en-US" sz="800" b="1" dirty="0">
-                  <a:solidFill>
-                    <a:srgbClr val="2C74A5"/>
-                  </a:solidFill>
-                  <a:cs typeface="Arial Narrow"/>
-                </a:endParaRPr>
-              </a:p>
-            </p:txBody>
-          </p:sp>
-          <p:grpSp>
-            <p:nvGrpSpPr>
-              <p:cNvPr id="85" name="Group 84"/>
-              <p:cNvGrpSpPr/>
-              <p:nvPr/>
-            </p:nvGrpSpPr>
-            <p:grpSpPr>
-              <a:xfrm>
-                <a:off x="6262135" y="1989281"/>
-                <a:ext cx="1762682" cy="1059784"/>
-                <a:chOff x="6561753" y="2437249"/>
-                <a:chExt cx="1762682" cy="1059784"/>
-              </a:xfrm>
-            </p:grpSpPr>
-            <p:sp>
-              <p:nvSpPr>
-                <p:cNvPr id="88" name="Rectangle 87"/>
-                <p:cNvSpPr/>
-                <p:nvPr/>
-              </p:nvSpPr>
-              <p:spPr>
-                <a:xfrm>
-                  <a:off x="6561753" y="2437249"/>
-                  <a:ext cx="1762682" cy="1059784"/>
-                </a:xfrm>
-                <a:prstGeom prst="rect">
-                  <a:avLst/>
-                </a:prstGeom>
-                <a:noFill/>
-                <a:ln w="3175">
-                  <a:solidFill>
-                    <a:srgbClr val="2C74A5"/>
-                  </a:solidFill>
-                  <a:prstDash val="dash"/>
-                </a:ln>
-              </p:spPr>
-              <p:style>
-                <a:lnRef idx="2">
-                  <a:schemeClr val="dk1"/>
-                </a:lnRef>
-                <a:fillRef idx="1">
-                  <a:schemeClr val="lt1"/>
-                </a:fillRef>
-                <a:effectRef idx="0">
-                  <a:schemeClr val="dk1"/>
-                </a:effectRef>
-                <a:fontRef idx="minor">
-                  <a:schemeClr val="dk1"/>
-                </a:fontRef>
-              </p:style>
-              <p:txBody>
-                <a:bodyPr rtlCol="0" anchor="ctr"/>
-                <a:lstStyle/>
-                <a:p>
-                  <a:pPr algn="ctr"/>
-                  <a:endParaRPr lang="en-US"/>
-                </a:p>
-              </p:txBody>
-            </p:sp>
-            <p:sp>
-              <p:nvSpPr>
-                <p:cNvPr id="89" name="Rounded Rectangle 88"/>
-                <p:cNvSpPr/>
-                <p:nvPr/>
-              </p:nvSpPr>
-              <p:spPr>
-                <a:xfrm>
-                  <a:off x="6639602" y="2507489"/>
-                  <a:ext cx="1207333" cy="243396"/>
-                </a:xfrm>
-                <a:prstGeom prst="roundRect">
-                  <a:avLst>
-                    <a:gd name="adj" fmla="val 50000"/>
-                  </a:avLst>
-                </a:prstGeom>
-                <a:solidFill>
-                  <a:schemeClr val="bg1"/>
-                </a:solidFill>
-                <a:ln w="6350">
-                  <a:solidFill>
-                    <a:srgbClr val="2C74A5"/>
-                  </a:solidFill>
-                </a:ln>
-              </p:spPr>
-              <p:style>
-                <a:lnRef idx="2">
-                  <a:schemeClr val="dk1"/>
-                </a:lnRef>
-                <a:fillRef idx="1">
-                  <a:schemeClr val="lt1"/>
-                </a:fillRef>
-                <a:effectRef idx="0">
-                  <a:schemeClr val="dk1"/>
-                </a:effectRef>
-                <a:fontRef idx="minor">
-                  <a:schemeClr val="dk1"/>
-                </a:fontRef>
-              </p:style>
-              <p:txBody>
-                <a:bodyPr lIns="182880" rIns="36576" rtlCol="0" anchor="ctr"/>
-                <a:lstStyle/>
-                <a:p>
-                  <a:pPr>
-                    <a:spcAft>
-                      <a:spcPts val="600"/>
-                    </a:spcAft>
-                  </a:pPr>
-                  <a:r>
-                    <a:rPr lang="en-US" sz="800" dirty="0" smtClean="0">
-                      <a:solidFill>
-                        <a:srgbClr val="E84C3B"/>
-                      </a:solidFill>
-                      <a:cs typeface="Arial Narrow"/>
-                    </a:rPr>
-                    <a:t>DISH:</a:t>
-                  </a:r>
-                  <a:r>
-                    <a:rPr lang="en-US" sz="800" dirty="0" smtClean="0">
-                      <a:solidFill>
-                        <a:srgbClr val="0070C0"/>
-                      </a:solidFill>
-                      <a:cs typeface="Arial Narrow"/>
-                    </a:rPr>
-                    <a:t> </a:t>
-                  </a:r>
-                  <a:r>
-                    <a:rPr lang="en-US" sz="800" b="1" dirty="0" smtClean="0">
-                      <a:solidFill>
-                        <a:srgbClr val="2C74A5"/>
-                      </a:solidFill>
-                      <a:cs typeface="Arial Narrow"/>
-                    </a:rPr>
-                    <a:t>DIET COKE</a:t>
-                  </a:r>
-                  <a:endParaRPr lang="en-US" sz="800" b="1" dirty="0">
-                    <a:solidFill>
-                      <a:srgbClr val="2C74A5"/>
-                    </a:solidFill>
-                    <a:cs typeface="Arial Narrow"/>
-                  </a:endParaRPr>
-                </a:p>
-              </p:txBody>
-            </p:sp>
-          </p:grpSp>
-          <p:cxnSp>
-            <p:nvCxnSpPr>
-              <p:cNvPr id="86" name="Straight Connector 85"/>
-              <p:cNvCxnSpPr/>
-              <p:nvPr/>
-            </p:nvCxnSpPr>
-            <p:spPr>
-              <a:xfrm>
-                <a:off x="4381882" y="2877673"/>
-                <a:ext cx="196210" cy="0"/>
-              </a:xfrm>
-              <a:prstGeom prst="line">
-                <a:avLst/>
-              </a:prstGeom>
-              <a:ln w="6350">
-                <a:solidFill>
-                  <a:srgbClr val="2C74A5"/>
-                </a:solidFill>
-              </a:ln>
-            </p:spPr>
-            <p:style>
-              <a:lnRef idx="1">
-                <a:schemeClr val="dk1"/>
-              </a:lnRef>
-              <a:fillRef idx="0">
-                <a:schemeClr val="dk1"/>
-              </a:fillRef>
-              <a:effectRef idx="0">
-                <a:schemeClr val="dk1"/>
-              </a:effectRef>
-              <a:fontRef idx="minor">
-                <a:schemeClr val="tx1"/>
-              </a:fontRef>
-            </p:style>
-          </p:cxnSp>
-          <p:sp>
-            <p:nvSpPr>
-              <p:cNvPr id="87" name="Rounded Rectangle 86"/>
-              <p:cNvSpPr/>
-              <p:nvPr/>
-            </p:nvSpPr>
-            <p:spPr>
-              <a:xfrm>
-                <a:off x="4540748" y="2749115"/>
-                <a:ext cx="1184797" cy="250256"/>
-              </a:xfrm>
-              <a:prstGeom prst="roundRect">
-                <a:avLst>
-                  <a:gd name="adj" fmla="val 50000"/>
-                </a:avLst>
-              </a:prstGeom>
-              <a:solidFill>
-                <a:schemeClr val="bg1"/>
-              </a:solidFill>
-              <a:ln w="6350">
-                <a:solidFill>
-                  <a:srgbClr val="2C74A5"/>
-                </a:solidFill>
-              </a:ln>
-            </p:spPr>
-            <p:style>
-              <a:lnRef idx="2">
-                <a:schemeClr val="dk1"/>
-              </a:lnRef>
-              <a:fillRef idx="1">
-                <a:schemeClr val="lt1"/>
-              </a:fillRef>
-              <a:effectRef idx="0">
-                <a:schemeClr val="dk1"/>
-              </a:effectRef>
-              <a:fontRef idx="minor">
-                <a:schemeClr val="dk1"/>
-              </a:fontRef>
-            </p:style>
-            <p:txBody>
-              <a:bodyPr lIns="182880" rIns="36576" rtlCol="0" anchor="ctr"/>
-              <a:lstStyle/>
-              <a:p>
-                <a:pPr>
-                  <a:spcAft>
-                    <a:spcPts val="600"/>
-                  </a:spcAft>
-                </a:pPr>
-                <a:r>
-                  <a:rPr lang="en-US" sz="800" dirty="0" smtClean="0">
-                    <a:solidFill>
-                      <a:srgbClr val="E84C3B"/>
-                    </a:solidFill>
-                    <a:cs typeface="Arial Narrow"/>
-                  </a:rPr>
-                  <a:t>QUANTITY:</a:t>
-                </a:r>
-                <a:r>
-                  <a:rPr lang="en-US" sz="800" dirty="0" smtClean="0">
-                    <a:solidFill>
-                      <a:srgbClr val="0070C0"/>
-                    </a:solidFill>
-                    <a:cs typeface="Arial Narrow"/>
-                  </a:rPr>
-                  <a:t> </a:t>
-                </a:r>
-                <a:r>
-                  <a:rPr lang="en-US" sz="800" b="1" dirty="0" smtClean="0">
-                    <a:solidFill>
-                      <a:srgbClr val="2C74A5"/>
-                    </a:solidFill>
-                    <a:cs typeface="Arial Narrow"/>
-                  </a:rPr>
-                  <a:t>TWO</a:t>
-                </a:r>
-                <a:endParaRPr lang="en-US" sz="800" b="1" dirty="0">
-                  <a:solidFill>
-                    <a:srgbClr val="2C74A5"/>
-                  </a:solidFill>
-                  <a:cs typeface="Arial Narrow"/>
-                </a:endParaRPr>
-              </a:p>
-            </p:txBody>
-          </p:sp>
-        </p:grpSp>
-        <p:grpSp>
-          <p:nvGrpSpPr>
-            <p:cNvPr id="39" name="Group 38"/>
-            <p:cNvGrpSpPr/>
-            <p:nvPr/>
-          </p:nvGrpSpPr>
-          <p:grpSpPr>
-            <a:xfrm>
-              <a:off x="1545021" y="3399006"/>
-              <a:ext cx="6556657" cy="1576799"/>
-              <a:chOff x="1545021" y="3399006"/>
-              <a:chExt cx="6556657" cy="1576799"/>
-            </a:xfrm>
-          </p:grpSpPr>
-          <p:sp>
-            <p:nvSpPr>
-              <p:cNvPr id="62" name="Rounded Rectangle 61"/>
-              <p:cNvSpPr/>
-              <p:nvPr/>
-            </p:nvSpPr>
-            <p:spPr>
-              <a:xfrm>
-                <a:off x="1545021" y="3399006"/>
-                <a:ext cx="6556657" cy="1576799"/>
-              </a:xfrm>
-              <a:prstGeom prst="roundRect">
-                <a:avLst>
-                  <a:gd name="adj" fmla="val 3581"/>
-                </a:avLst>
-              </a:prstGeom>
-              <a:solidFill>
-                <a:srgbClr val="F2F2F2"/>
-              </a:solidFill>
-              <a:ln w="3175">
-                <a:solidFill>
-                  <a:srgbClr val="2C74A5"/>
-                </a:solidFill>
-                <a:prstDash val="solid"/>
-              </a:ln>
-            </p:spPr>
-            <p:style>
-              <a:lnRef idx="2">
-                <a:schemeClr val="dk1"/>
-              </a:lnRef>
-              <a:fillRef idx="1">
-                <a:schemeClr val="lt1"/>
-              </a:fillRef>
-              <a:effectRef idx="0">
-                <a:schemeClr val="dk1"/>
-              </a:effectRef>
-              <a:fontRef idx="minor">
-                <a:schemeClr val="dk1"/>
-              </a:fontRef>
-            </p:style>
-            <p:txBody>
-              <a:bodyPr rtlCol="0" anchor="ctr"/>
-              <a:lstStyle/>
-              <a:p>
-                <a:pPr algn="ctr"/>
-                <a:endParaRPr lang="en-US"/>
-              </a:p>
-            </p:txBody>
-          </p:sp>
-          <p:sp>
-            <p:nvSpPr>
-              <p:cNvPr id="63" name="TextBox 62"/>
-              <p:cNvSpPr txBox="1"/>
-              <p:nvPr/>
-            </p:nvSpPr>
-            <p:spPr>
-              <a:xfrm>
-                <a:off x="4111682" y="3425485"/>
-                <a:ext cx="1440266" cy="276999"/>
-              </a:xfrm>
-              <a:prstGeom prst="rect">
-                <a:avLst/>
-              </a:prstGeom>
-              <a:noFill/>
-              <a:ln>
-                <a:noFill/>
-              </a:ln>
-            </p:spPr>
-            <p:txBody>
-              <a:bodyPr wrap="none" rtlCol="0">
-                <a:spAutoFit/>
-              </a:bodyPr>
-              <a:lstStyle/>
-              <a:p>
-                <a:r>
-                  <a:rPr lang="en-US" sz="1200" b="1" smtClean="0">
-                    <a:solidFill>
-                      <a:srgbClr val="2C74A5"/>
-                    </a:solidFill>
-                  </a:rPr>
-                  <a:t>ENTITY </a:t>
-                </a:r>
-                <a:r>
-                  <a:rPr lang="en-US" sz="1200" b="1" dirty="0" smtClean="0">
-                    <a:solidFill>
-                      <a:srgbClr val="2C74A5"/>
-                    </a:solidFill>
-                  </a:rPr>
-                  <a:t>GROUPS</a:t>
-                </a:r>
-                <a:endParaRPr lang="en-US" sz="1200" b="1" dirty="0">
-                  <a:solidFill>
-                    <a:srgbClr val="2C74A5"/>
-                  </a:solidFill>
-                </a:endParaRPr>
-              </a:p>
-            </p:txBody>
-          </p:sp>
-          <p:sp>
-            <p:nvSpPr>
-              <p:cNvPr id="64" name="Rectangle 63"/>
-              <p:cNvSpPr/>
-              <p:nvPr/>
-            </p:nvSpPr>
-            <p:spPr>
-              <a:xfrm>
-                <a:off x="1640324" y="3770208"/>
-                <a:ext cx="2340238" cy="1057886"/>
-              </a:xfrm>
-              <a:prstGeom prst="rect">
-                <a:avLst/>
-              </a:prstGeom>
-              <a:noFill/>
-              <a:ln w="3175">
-                <a:solidFill>
-                  <a:srgbClr val="2C74A5"/>
-                </a:solidFill>
-                <a:prstDash val="dash"/>
-              </a:ln>
-            </p:spPr>
-            <p:style>
-              <a:lnRef idx="2">
-                <a:schemeClr val="dk1"/>
-              </a:lnRef>
-              <a:fillRef idx="1">
-                <a:schemeClr val="lt1"/>
-              </a:fillRef>
-              <a:effectRef idx="0">
-                <a:schemeClr val="dk1"/>
-              </a:effectRef>
-              <a:fontRef idx="minor">
-                <a:schemeClr val="dk1"/>
-              </a:fontRef>
-            </p:style>
-            <p:txBody>
-              <a:bodyPr rtlCol="0" anchor="ctr"/>
-              <a:lstStyle/>
-              <a:p>
-                <a:pPr algn="ctr"/>
-                <a:endParaRPr lang="en-US"/>
-              </a:p>
-            </p:txBody>
-          </p:sp>
-          <p:sp>
-            <p:nvSpPr>
-              <p:cNvPr id="65" name="Rounded Rectangle 64"/>
-              <p:cNvSpPr/>
-              <p:nvPr/>
-            </p:nvSpPr>
-            <p:spPr>
-              <a:xfrm>
-                <a:off x="1710415" y="3838550"/>
-                <a:ext cx="1588460" cy="243396"/>
-              </a:xfrm>
-              <a:prstGeom prst="roundRect">
-                <a:avLst>
-                  <a:gd name="adj" fmla="val 50000"/>
-                </a:avLst>
-              </a:prstGeom>
-              <a:solidFill>
-                <a:schemeClr val="bg1"/>
-              </a:solidFill>
-              <a:ln w="6350">
-                <a:solidFill>
-                  <a:srgbClr val="2C74A5"/>
-                </a:solidFill>
-              </a:ln>
-            </p:spPr>
-            <p:style>
-              <a:lnRef idx="2">
-                <a:schemeClr val="dk1"/>
-              </a:lnRef>
-              <a:fillRef idx="1">
-                <a:schemeClr val="lt1"/>
-              </a:fillRef>
-              <a:effectRef idx="0">
-                <a:schemeClr val="dk1"/>
-              </a:effectRef>
-              <a:fontRef idx="minor">
-                <a:schemeClr val="dk1"/>
-              </a:fontRef>
-            </p:style>
-            <p:txBody>
-              <a:bodyPr lIns="182880" rIns="36576" rtlCol="0" anchor="ctr"/>
-              <a:lstStyle/>
-              <a:p>
-                <a:pPr>
-                  <a:spcAft>
-                    <a:spcPts val="600"/>
-                  </a:spcAft>
-                </a:pPr>
-                <a:r>
-                  <a:rPr lang="en-US" sz="800" dirty="0" smtClean="0">
-                    <a:solidFill>
-                      <a:srgbClr val="E84C3B"/>
-                    </a:solidFill>
-                    <a:cs typeface="Arial Narrow"/>
-                  </a:rPr>
-                  <a:t>DISH:</a:t>
-                </a:r>
-                <a:r>
-                  <a:rPr lang="en-US" sz="800" dirty="0" smtClean="0">
-                    <a:solidFill>
-                      <a:srgbClr val="0070C0"/>
-                    </a:solidFill>
-                    <a:cs typeface="Arial Narrow"/>
-                  </a:rPr>
-                  <a:t> </a:t>
-                </a:r>
-                <a:r>
-                  <a:rPr lang="en-US" sz="800" b="1" dirty="0" smtClean="0">
-                    <a:solidFill>
-                      <a:srgbClr val="2C74A5"/>
-                    </a:solidFill>
-                    <a:cs typeface="Arial Narrow"/>
-                  </a:rPr>
-                  <a:t>PEPPERONI PIZZA</a:t>
-                </a:r>
-                <a:endParaRPr lang="en-US" sz="800" b="1" dirty="0">
-                  <a:solidFill>
-                    <a:srgbClr val="2C74A5"/>
-                  </a:solidFill>
-                  <a:cs typeface="Arial Narrow"/>
-                </a:endParaRPr>
-              </a:p>
-            </p:txBody>
-          </p:sp>
-          <p:sp>
-            <p:nvSpPr>
-              <p:cNvPr id="66" name="Rectangle 65"/>
-              <p:cNvSpPr/>
-              <p:nvPr/>
-            </p:nvSpPr>
-            <p:spPr>
-              <a:xfrm>
-                <a:off x="4049025" y="3768310"/>
-                <a:ext cx="2144647" cy="1059784"/>
-              </a:xfrm>
-              <a:prstGeom prst="rect">
-                <a:avLst/>
-              </a:prstGeom>
-              <a:noFill/>
-              <a:ln w="3175">
-                <a:solidFill>
-                  <a:srgbClr val="2C74A5"/>
-                </a:solidFill>
-                <a:prstDash val="dash"/>
-              </a:ln>
-            </p:spPr>
-            <p:style>
-              <a:lnRef idx="2">
-                <a:schemeClr val="dk1"/>
-              </a:lnRef>
-              <a:fillRef idx="1">
-                <a:schemeClr val="lt1"/>
-              </a:fillRef>
-              <a:effectRef idx="0">
-                <a:schemeClr val="dk1"/>
-              </a:effectRef>
-              <a:fontRef idx="minor">
-                <a:schemeClr val="dk1"/>
-              </a:fontRef>
-            </p:style>
-            <p:txBody>
-              <a:bodyPr rtlCol="0" anchor="ctr"/>
-              <a:lstStyle/>
-              <a:p>
-                <a:pPr algn="ctr"/>
-                <a:endParaRPr lang="en-US"/>
-              </a:p>
-            </p:txBody>
-          </p:sp>
-          <p:cxnSp>
-            <p:nvCxnSpPr>
-              <p:cNvPr id="67" name="Straight Connector 66"/>
-              <p:cNvCxnSpPr/>
-              <p:nvPr/>
-            </p:nvCxnSpPr>
-            <p:spPr>
-              <a:xfrm>
-                <a:off x="4379933" y="4325549"/>
-                <a:ext cx="196210" cy="0"/>
-              </a:xfrm>
-              <a:prstGeom prst="line">
-                <a:avLst/>
-              </a:prstGeom>
-              <a:ln w="6350">
-                <a:solidFill>
-                  <a:srgbClr val="2C74A5"/>
-                </a:solidFill>
-              </a:ln>
-            </p:spPr>
-            <p:style>
-              <a:lnRef idx="1">
-                <a:schemeClr val="dk1"/>
-              </a:lnRef>
-              <a:fillRef idx="0">
-                <a:schemeClr val="dk1"/>
-              </a:fillRef>
-              <a:effectRef idx="0">
-                <a:schemeClr val="dk1"/>
-              </a:effectRef>
-              <a:fontRef idx="minor">
-                <a:schemeClr val="tx1"/>
-              </a:fontRef>
-            </p:style>
-          </p:cxnSp>
-          <p:cxnSp>
-            <p:nvCxnSpPr>
-              <p:cNvPr id="68" name="Straight Connector 67"/>
-              <p:cNvCxnSpPr/>
-              <p:nvPr/>
-            </p:nvCxnSpPr>
-            <p:spPr>
-              <a:xfrm>
-                <a:off x="4379933" y="4096227"/>
-                <a:ext cx="0" cy="228600"/>
-              </a:xfrm>
-              <a:prstGeom prst="line">
-                <a:avLst/>
-              </a:prstGeom>
-              <a:ln w="6350">
-                <a:solidFill>
-                  <a:srgbClr val="2C74A5"/>
-                </a:solidFill>
-              </a:ln>
-            </p:spPr>
-            <p:style>
-              <a:lnRef idx="1">
-                <a:schemeClr val="dk1"/>
-              </a:lnRef>
-              <a:fillRef idx="0">
-                <a:schemeClr val="dk1"/>
-              </a:fillRef>
-              <a:effectRef idx="0">
-                <a:schemeClr val="dk1"/>
-              </a:effectRef>
-              <a:fontRef idx="minor">
-                <a:schemeClr val="tx1"/>
-              </a:fontRef>
-            </p:style>
-          </p:cxnSp>
-          <p:sp>
-            <p:nvSpPr>
-              <p:cNvPr id="69" name="Rounded Rectangle 68"/>
-              <p:cNvSpPr/>
-              <p:nvPr/>
-            </p:nvSpPr>
-            <p:spPr>
-              <a:xfrm>
-                <a:off x="4122593" y="3838550"/>
-                <a:ext cx="1117622" cy="243396"/>
-              </a:xfrm>
-              <a:prstGeom prst="roundRect">
-                <a:avLst>
-                  <a:gd name="adj" fmla="val 50000"/>
-                </a:avLst>
-              </a:prstGeom>
-              <a:solidFill>
-                <a:schemeClr val="bg1"/>
-              </a:solidFill>
-              <a:ln w="6350">
-                <a:solidFill>
-                  <a:srgbClr val="2C74A5"/>
-                </a:solidFill>
-              </a:ln>
-            </p:spPr>
-            <p:style>
-              <a:lnRef idx="2">
-                <a:schemeClr val="dk1"/>
-              </a:lnRef>
-              <a:fillRef idx="1">
-                <a:schemeClr val="lt1"/>
-              </a:fillRef>
-              <a:effectRef idx="0">
-                <a:schemeClr val="dk1"/>
-              </a:effectRef>
-              <a:fontRef idx="minor">
-                <a:schemeClr val="dk1"/>
-              </a:fontRef>
-            </p:style>
-            <p:txBody>
-              <a:bodyPr lIns="182880" rIns="36576" rtlCol="0" anchor="ctr"/>
-              <a:lstStyle/>
-              <a:p>
-                <a:pPr>
-                  <a:spcAft>
-                    <a:spcPts val="600"/>
-                  </a:spcAft>
-                </a:pPr>
-                <a:r>
-                  <a:rPr lang="en-US" sz="800" dirty="0" smtClean="0">
-                    <a:solidFill>
-                      <a:srgbClr val="E84C3B"/>
-                    </a:solidFill>
-                    <a:cs typeface="Arial Narrow"/>
-                  </a:rPr>
-                  <a:t>DISH:</a:t>
-                </a:r>
-                <a:r>
-                  <a:rPr lang="en-US" sz="800" dirty="0" smtClean="0">
-                    <a:solidFill>
-                      <a:srgbClr val="0070C0"/>
-                    </a:solidFill>
-                    <a:cs typeface="Arial Narrow"/>
-                  </a:rPr>
-                  <a:t> </a:t>
-                </a:r>
-                <a:r>
-                  <a:rPr lang="en-US" sz="800" b="1" dirty="0" smtClean="0">
-                    <a:solidFill>
-                      <a:srgbClr val="2C74A5"/>
-                    </a:solidFill>
-                    <a:cs typeface="Arial Narrow"/>
-                  </a:rPr>
-                  <a:t>CALZONE</a:t>
-                </a:r>
-                <a:endParaRPr lang="en-US" sz="800" b="1" dirty="0">
-                  <a:solidFill>
-                    <a:srgbClr val="2C74A5"/>
-                  </a:solidFill>
-                  <a:cs typeface="Arial Narrow"/>
-                </a:endParaRPr>
-              </a:p>
-            </p:txBody>
-          </p:sp>
-          <p:sp>
-            <p:nvSpPr>
-              <p:cNvPr id="70" name="Rounded Rectangle 69"/>
-              <p:cNvSpPr/>
-              <p:nvPr/>
-            </p:nvSpPr>
-            <p:spPr>
-              <a:xfrm>
-                <a:off x="4538799" y="4185062"/>
-                <a:ext cx="1613741" cy="243396"/>
-              </a:xfrm>
-              <a:prstGeom prst="roundRect">
-                <a:avLst>
-                  <a:gd name="adj" fmla="val 50000"/>
-                </a:avLst>
-              </a:prstGeom>
-              <a:solidFill>
-                <a:schemeClr val="bg1"/>
-              </a:solidFill>
-              <a:ln w="6350">
-                <a:solidFill>
-                  <a:srgbClr val="2C74A5"/>
-                </a:solidFill>
-              </a:ln>
-            </p:spPr>
-            <p:style>
-              <a:lnRef idx="2">
-                <a:schemeClr val="dk1"/>
-              </a:lnRef>
-              <a:fillRef idx="1">
-                <a:schemeClr val="lt1"/>
-              </a:fillRef>
-              <a:effectRef idx="0">
-                <a:schemeClr val="dk1"/>
-              </a:effectRef>
-              <a:fontRef idx="minor">
-                <a:schemeClr val="dk1"/>
-              </a:fontRef>
-            </p:style>
-            <p:txBody>
-              <a:bodyPr lIns="182880" rIns="36576" rtlCol="0" anchor="ctr"/>
-              <a:lstStyle/>
-              <a:p>
-                <a:pPr>
-                  <a:spcAft>
-                    <a:spcPts val="600"/>
-                  </a:spcAft>
-                </a:pPr>
-                <a:r>
-                  <a:rPr lang="en-US" sz="800" dirty="0" smtClean="0">
-                    <a:solidFill>
-                      <a:srgbClr val="E84C3B"/>
-                    </a:solidFill>
-                    <a:cs typeface="Arial Narrow"/>
-                  </a:rPr>
-                  <a:t>OPTION:</a:t>
-                </a:r>
-                <a:r>
-                  <a:rPr lang="en-US" sz="800" dirty="0" smtClean="0">
-                    <a:solidFill>
-                      <a:srgbClr val="0070C0"/>
-                    </a:solidFill>
-                    <a:cs typeface="Arial Narrow"/>
-                  </a:rPr>
-                  <a:t> </a:t>
-                </a:r>
-                <a:r>
-                  <a:rPr lang="en-US" sz="800" b="1" dirty="0" smtClean="0">
-                    <a:solidFill>
-                      <a:srgbClr val="2C74A5"/>
-                    </a:solidFill>
-                    <a:cs typeface="Arial Narrow"/>
-                  </a:rPr>
-                  <a:t>EXTRA CHEESE</a:t>
-                </a:r>
-                <a:endParaRPr lang="en-US" sz="800" b="1" dirty="0">
-                  <a:solidFill>
-                    <a:srgbClr val="2C74A5"/>
-                  </a:solidFill>
-                  <a:cs typeface="Arial Narrow"/>
-                </a:endParaRPr>
-              </a:p>
-            </p:txBody>
-          </p:sp>
-          <p:sp>
-            <p:nvSpPr>
-              <p:cNvPr id="71" name="Rectangle 70"/>
-              <p:cNvSpPr/>
-              <p:nvPr/>
-            </p:nvSpPr>
-            <p:spPr>
-              <a:xfrm>
-                <a:off x="6262135" y="3768310"/>
-                <a:ext cx="1762682" cy="1059784"/>
-              </a:xfrm>
-              <a:prstGeom prst="rect">
-                <a:avLst/>
-              </a:prstGeom>
-              <a:noFill/>
-              <a:ln w="3175">
-                <a:solidFill>
-                  <a:srgbClr val="2C74A5"/>
-                </a:solidFill>
-                <a:prstDash val="dash"/>
-              </a:ln>
-            </p:spPr>
-            <p:style>
-              <a:lnRef idx="2">
-                <a:schemeClr val="dk1"/>
-              </a:lnRef>
-              <a:fillRef idx="1">
-                <a:schemeClr val="lt1"/>
-              </a:fillRef>
-              <a:effectRef idx="0">
-                <a:schemeClr val="dk1"/>
-              </a:effectRef>
-              <a:fontRef idx="minor">
-                <a:schemeClr val="dk1"/>
-              </a:fontRef>
-            </p:style>
-            <p:txBody>
-              <a:bodyPr rtlCol="0" anchor="ctr"/>
-              <a:lstStyle/>
-              <a:p>
-                <a:pPr algn="ctr"/>
-                <a:endParaRPr lang="en-US"/>
-              </a:p>
-            </p:txBody>
-          </p:sp>
-          <p:cxnSp>
-            <p:nvCxnSpPr>
-              <p:cNvPr id="72" name="Straight Connector 71"/>
-              <p:cNvCxnSpPr/>
-              <p:nvPr/>
-            </p:nvCxnSpPr>
-            <p:spPr>
-              <a:xfrm>
-                <a:off x="6597324" y="4083189"/>
-                <a:ext cx="0" cy="228600"/>
-              </a:xfrm>
-              <a:prstGeom prst="line">
-                <a:avLst/>
-              </a:prstGeom>
-              <a:ln w="6350">
-                <a:solidFill>
-                  <a:srgbClr val="2C74A5"/>
-                </a:solidFill>
-              </a:ln>
-            </p:spPr>
-            <p:style>
-              <a:lnRef idx="1">
-                <a:schemeClr val="dk1"/>
-              </a:lnRef>
-              <a:fillRef idx="0">
-                <a:schemeClr val="dk1"/>
-              </a:fillRef>
-              <a:effectRef idx="0">
-                <a:schemeClr val="dk1"/>
-              </a:effectRef>
-              <a:fontRef idx="minor">
-                <a:schemeClr val="tx1"/>
-              </a:fontRef>
-            </p:style>
-          </p:cxnSp>
-          <p:sp>
-            <p:nvSpPr>
-              <p:cNvPr id="73" name="Rounded Rectangle 72"/>
-              <p:cNvSpPr/>
-              <p:nvPr/>
-            </p:nvSpPr>
-            <p:spPr>
-              <a:xfrm>
-                <a:off x="6339984" y="3832415"/>
-                <a:ext cx="1117622" cy="243396"/>
-              </a:xfrm>
-              <a:prstGeom prst="roundRect">
-                <a:avLst>
-                  <a:gd name="adj" fmla="val 50000"/>
-                </a:avLst>
-              </a:prstGeom>
-              <a:solidFill>
-                <a:schemeClr val="bg1"/>
-              </a:solidFill>
-              <a:ln w="6350">
-                <a:solidFill>
-                  <a:srgbClr val="2C74A5"/>
-                </a:solidFill>
-              </a:ln>
-            </p:spPr>
-            <p:style>
-              <a:lnRef idx="2">
-                <a:schemeClr val="dk1"/>
-              </a:lnRef>
-              <a:fillRef idx="1">
-                <a:schemeClr val="lt1"/>
-              </a:fillRef>
-              <a:effectRef idx="0">
-                <a:schemeClr val="dk1"/>
-              </a:effectRef>
-              <a:fontRef idx="minor">
-                <a:schemeClr val="dk1"/>
-              </a:fontRef>
-            </p:style>
-            <p:txBody>
-              <a:bodyPr lIns="182880" rIns="36576" rtlCol="0" anchor="ctr"/>
-              <a:lstStyle/>
-              <a:p>
-                <a:pPr>
-                  <a:spcAft>
-                    <a:spcPts val="600"/>
-                  </a:spcAft>
-                </a:pPr>
-                <a:r>
-                  <a:rPr lang="en-US" sz="800" dirty="0" smtClean="0">
-                    <a:solidFill>
-                      <a:srgbClr val="E84C3B"/>
-                    </a:solidFill>
-                    <a:cs typeface="Arial Narrow"/>
-                  </a:rPr>
-                  <a:t>DISH:</a:t>
-                </a:r>
-                <a:r>
-                  <a:rPr lang="en-US" sz="800" dirty="0" smtClean="0">
-                    <a:solidFill>
-                      <a:srgbClr val="0070C0"/>
-                    </a:solidFill>
-                    <a:cs typeface="Arial Narrow"/>
-                  </a:rPr>
-                  <a:t> </a:t>
-                </a:r>
-                <a:r>
-                  <a:rPr lang="en-US" sz="800" b="1" dirty="0" smtClean="0">
-                    <a:solidFill>
-                      <a:srgbClr val="2C74A5"/>
-                    </a:solidFill>
-                    <a:cs typeface="Arial Narrow"/>
-                  </a:rPr>
-                  <a:t>COKE</a:t>
-                </a:r>
-                <a:endParaRPr lang="en-US" sz="800" b="1" dirty="0">
-                  <a:solidFill>
-                    <a:srgbClr val="2C74A5"/>
-                  </a:solidFill>
-                  <a:cs typeface="Arial Narrow"/>
-                </a:endParaRPr>
-              </a:p>
-            </p:txBody>
-          </p:sp>
-          <p:cxnSp>
-            <p:nvCxnSpPr>
-              <p:cNvPr id="74" name="Straight Connector 73"/>
-              <p:cNvCxnSpPr/>
-              <p:nvPr/>
-            </p:nvCxnSpPr>
-            <p:spPr>
-              <a:xfrm>
-                <a:off x="6597384" y="4306760"/>
-                <a:ext cx="196210" cy="0"/>
-              </a:xfrm>
-              <a:prstGeom prst="line">
-                <a:avLst/>
-              </a:prstGeom>
-              <a:ln w="6350">
-                <a:solidFill>
-                  <a:srgbClr val="2C74A5"/>
-                </a:solidFill>
-              </a:ln>
-            </p:spPr>
-            <p:style>
-              <a:lnRef idx="1">
-                <a:schemeClr val="dk1"/>
-              </a:lnRef>
-              <a:fillRef idx="0">
-                <a:schemeClr val="dk1"/>
-              </a:fillRef>
-              <a:effectRef idx="0">
-                <a:schemeClr val="dk1"/>
-              </a:effectRef>
-              <a:fontRef idx="minor">
-                <a:schemeClr val="tx1"/>
-              </a:fontRef>
-            </p:style>
-          </p:cxnSp>
-          <p:sp>
-            <p:nvSpPr>
-              <p:cNvPr id="75" name="Rounded Rectangle 74"/>
-              <p:cNvSpPr/>
-              <p:nvPr/>
-            </p:nvSpPr>
-            <p:spPr>
-              <a:xfrm>
-                <a:off x="6762513" y="4178202"/>
-                <a:ext cx="1184797" cy="250256"/>
-              </a:xfrm>
-              <a:prstGeom prst="roundRect">
-                <a:avLst>
-                  <a:gd name="adj" fmla="val 50000"/>
-                </a:avLst>
-              </a:prstGeom>
-              <a:solidFill>
-                <a:schemeClr val="bg1"/>
-              </a:solidFill>
-              <a:ln w="6350">
-                <a:solidFill>
-                  <a:srgbClr val="2C74A5"/>
-                </a:solidFill>
-              </a:ln>
-            </p:spPr>
-            <p:style>
-              <a:lnRef idx="2">
-                <a:schemeClr val="dk1"/>
-              </a:lnRef>
-              <a:fillRef idx="1">
-                <a:schemeClr val="lt1"/>
-              </a:fillRef>
-              <a:effectRef idx="0">
-                <a:schemeClr val="dk1"/>
-              </a:effectRef>
-              <a:fontRef idx="minor">
-                <a:schemeClr val="dk1"/>
-              </a:fontRef>
-            </p:style>
-            <p:txBody>
-              <a:bodyPr lIns="182880" rIns="36576" rtlCol="0" anchor="ctr"/>
-              <a:lstStyle/>
-              <a:p>
-                <a:pPr>
-                  <a:spcAft>
-                    <a:spcPts val="600"/>
-                  </a:spcAft>
-                </a:pPr>
-                <a:r>
-                  <a:rPr lang="en-US" sz="800" dirty="0" smtClean="0">
-                    <a:solidFill>
-                      <a:srgbClr val="E84C3B"/>
-                    </a:solidFill>
-                    <a:cs typeface="Arial Narrow"/>
-                  </a:rPr>
-                  <a:t>QUANTITY:</a:t>
-                </a:r>
-                <a:r>
-                  <a:rPr lang="en-US" sz="800" dirty="0" smtClean="0">
-                    <a:solidFill>
-                      <a:srgbClr val="0070C0"/>
-                    </a:solidFill>
-                    <a:cs typeface="Arial Narrow"/>
-                  </a:rPr>
-                  <a:t> </a:t>
-                </a:r>
-                <a:r>
-                  <a:rPr lang="en-US" sz="800" b="1" dirty="0" smtClean="0">
-                    <a:solidFill>
-                      <a:srgbClr val="2C74A5"/>
-                    </a:solidFill>
-                    <a:cs typeface="Arial Narrow"/>
-                  </a:rPr>
-                  <a:t>TWO</a:t>
-                </a:r>
-                <a:endParaRPr lang="en-US" sz="800" b="1" dirty="0">
-                  <a:solidFill>
-                    <a:srgbClr val="2C74A5"/>
-                  </a:solidFill>
-                  <a:cs typeface="Arial Narrow"/>
-                </a:endParaRPr>
-              </a:p>
-            </p:txBody>
-          </p:sp>
-        </p:grpSp>
-        <p:sp>
-          <p:nvSpPr>
-            <p:cNvPr id="40" name="TextBox 39"/>
-            <p:cNvSpPr txBox="1"/>
-            <p:nvPr/>
-          </p:nvSpPr>
-          <p:spPr>
-            <a:xfrm>
-              <a:off x="161310" y="5631385"/>
-              <a:ext cx="920830" cy="461665"/>
-            </a:xfrm>
-            <a:prstGeom prst="rect">
-              <a:avLst/>
-            </a:prstGeom>
-            <a:noFill/>
-          </p:spPr>
-          <p:txBody>
-            <a:bodyPr wrap="none" rtlCol="0">
-              <a:spAutoFit/>
-            </a:bodyPr>
-            <a:lstStyle/>
-            <a:p>
-              <a:r>
-                <a:rPr lang="en-US" sz="1200" b="1" dirty="0" smtClean="0">
-                  <a:solidFill>
-                    <a:srgbClr val="A6A6A6"/>
-                  </a:solidFill>
-                  <a:latin typeface="Arial Narrow"/>
-                  <a:cs typeface="Arial Narrow"/>
-                </a:rPr>
-                <a:t>CANDIDATE</a:t>
-              </a:r>
-            </a:p>
-            <a:p>
-              <a:r>
-                <a:rPr lang="en-US" sz="1200" b="1" dirty="0" smtClean="0">
-                  <a:solidFill>
-                    <a:srgbClr val="A6A6A6"/>
-                  </a:solidFill>
-                  <a:latin typeface="Arial Narrow"/>
-                  <a:cs typeface="Arial Narrow"/>
-                </a:rPr>
-                <a:t>PARSE</a:t>
-              </a:r>
-              <a:r>
-                <a:rPr lang="en-US" sz="1200" b="1" dirty="0">
-                  <a:solidFill>
-                    <a:srgbClr val="A6A6A6"/>
-                  </a:solidFill>
-                  <a:latin typeface="Arial Narrow"/>
-                  <a:cs typeface="Arial Narrow"/>
-                </a:rPr>
-                <a:t> </a:t>
-              </a:r>
-              <a:r>
-                <a:rPr lang="en-US" sz="1200" b="1" dirty="0" smtClean="0">
-                  <a:solidFill>
-                    <a:srgbClr val="A6A6A6"/>
-                  </a:solidFill>
-                  <a:latin typeface="Arial Narrow"/>
-                  <a:cs typeface="Arial Narrow"/>
-                </a:rPr>
-                <a:t>3</a:t>
-              </a:r>
-              <a:endParaRPr lang="en-US" sz="1200" b="1" dirty="0" smtClean="0">
-                <a:solidFill>
-                  <a:srgbClr val="A6A6A6"/>
-                </a:solidFill>
-                <a:latin typeface="Arial Narrow"/>
-                <a:cs typeface="Arial Narrow"/>
-              </a:endParaRPr>
-            </a:p>
-          </p:txBody>
-        </p:sp>
-        <p:grpSp>
-          <p:nvGrpSpPr>
-            <p:cNvPr id="41" name="Group 40"/>
-            <p:cNvGrpSpPr/>
-            <p:nvPr/>
-          </p:nvGrpSpPr>
-          <p:grpSpPr>
-            <a:xfrm>
-              <a:off x="1545018" y="1602516"/>
-              <a:ext cx="6556657" cy="1576799"/>
-              <a:chOff x="1545021" y="5178035"/>
-              <a:chExt cx="6556657" cy="1576799"/>
-            </a:xfrm>
-          </p:grpSpPr>
-          <p:sp>
-            <p:nvSpPr>
-              <p:cNvPr id="42" name="Rounded Rectangle 41"/>
-              <p:cNvSpPr/>
-              <p:nvPr/>
-            </p:nvSpPr>
-            <p:spPr>
-              <a:xfrm>
-                <a:off x="1545021" y="5178035"/>
-                <a:ext cx="6556657" cy="1576799"/>
-              </a:xfrm>
-              <a:prstGeom prst="roundRect">
-                <a:avLst>
-                  <a:gd name="adj" fmla="val 3581"/>
-                </a:avLst>
-              </a:prstGeom>
-              <a:solidFill>
-                <a:srgbClr val="F2F2F2"/>
-              </a:solidFill>
-              <a:ln w="3175">
-                <a:solidFill>
-                  <a:srgbClr val="2C74A5"/>
-                </a:solidFill>
-                <a:prstDash val="solid"/>
-              </a:ln>
-            </p:spPr>
-            <p:style>
-              <a:lnRef idx="2">
-                <a:schemeClr val="dk1"/>
-              </a:lnRef>
-              <a:fillRef idx="1">
-                <a:schemeClr val="lt1"/>
-              </a:fillRef>
-              <a:effectRef idx="0">
-                <a:schemeClr val="dk1"/>
-              </a:effectRef>
-              <a:fontRef idx="minor">
-                <a:schemeClr val="dk1"/>
-              </a:fontRef>
-            </p:style>
-            <p:txBody>
-              <a:bodyPr rtlCol="0" anchor="ctr"/>
-              <a:lstStyle/>
-              <a:p>
-                <a:pPr algn="ctr"/>
-                <a:endParaRPr lang="en-US"/>
-              </a:p>
-            </p:txBody>
-          </p:sp>
-          <p:sp>
-            <p:nvSpPr>
-              <p:cNvPr id="43" name="TextBox 42"/>
-              <p:cNvSpPr txBox="1"/>
-              <p:nvPr/>
-            </p:nvSpPr>
-            <p:spPr>
-              <a:xfrm>
-                <a:off x="4111682" y="5204514"/>
-                <a:ext cx="1440266" cy="276999"/>
-              </a:xfrm>
-              <a:prstGeom prst="rect">
-                <a:avLst/>
-              </a:prstGeom>
-              <a:noFill/>
-              <a:ln>
-                <a:noFill/>
-              </a:ln>
-            </p:spPr>
-            <p:txBody>
-              <a:bodyPr wrap="none" rtlCol="0">
-                <a:spAutoFit/>
-              </a:bodyPr>
-              <a:lstStyle/>
-              <a:p>
-                <a:r>
-                  <a:rPr lang="en-US" sz="1200" b="1" smtClean="0">
-                    <a:solidFill>
-                      <a:srgbClr val="2C74A5"/>
-                    </a:solidFill>
-                  </a:rPr>
-                  <a:t>ENTITY </a:t>
-                </a:r>
-                <a:r>
-                  <a:rPr lang="en-US" sz="1200" b="1" dirty="0" smtClean="0">
-                    <a:solidFill>
-                      <a:srgbClr val="2C74A5"/>
-                    </a:solidFill>
-                  </a:rPr>
-                  <a:t>GROUPS</a:t>
-                </a:r>
-                <a:endParaRPr lang="en-US" sz="1200" b="1" dirty="0">
-                  <a:solidFill>
-                    <a:srgbClr val="2C74A5"/>
-                  </a:solidFill>
-                </a:endParaRPr>
-              </a:p>
-            </p:txBody>
-          </p:sp>
-          <p:sp>
-            <p:nvSpPr>
-              <p:cNvPr id="44" name="Rectangle 43"/>
-              <p:cNvSpPr/>
-              <p:nvPr/>
-            </p:nvSpPr>
-            <p:spPr>
-              <a:xfrm>
-                <a:off x="1640324" y="5549237"/>
-                <a:ext cx="2340238" cy="1057886"/>
-              </a:xfrm>
-              <a:prstGeom prst="rect">
-                <a:avLst/>
-              </a:prstGeom>
-              <a:noFill/>
-              <a:ln w="3175">
-                <a:solidFill>
-                  <a:srgbClr val="2C74A5"/>
-                </a:solidFill>
-                <a:prstDash val="dash"/>
-              </a:ln>
-            </p:spPr>
-            <p:style>
-              <a:lnRef idx="2">
-                <a:schemeClr val="dk1"/>
-              </a:lnRef>
-              <a:fillRef idx="1">
-                <a:schemeClr val="lt1"/>
-              </a:fillRef>
-              <a:effectRef idx="0">
-                <a:schemeClr val="dk1"/>
-              </a:effectRef>
-              <a:fontRef idx="minor">
-                <a:schemeClr val="dk1"/>
-              </a:fontRef>
-            </p:style>
-            <p:txBody>
-              <a:bodyPr rtlCol="0" anchor="ctr"/>
-              <a:lstStyle/>
-              <a:p>
-                <a:pPr algn="ctr"/>
-                <a:endParaRPr lang="en-US"/>
-              </a:p>
-            </p:txBody>
-          </p:sp>
-          <p:sp>
-            <p:nvSpPr>
-              <p:cNvPr id="45" name="Rectangle 44"/>
-              <p:cNvSpPr/>
-              <p:nvPr/>
-            </p:nvSpPr>
-            <p:spPr>
-              <a:xfrm>
-                <a:off x="4049025" y="5547339"/>
-                <a:ext cx="2144647" cy="1059784"/>
-              </a:xfrm>
-              <a:prstGeom prst="rect">
-                <a:avLst/>
-              </a:prstGeom>
-              <a:noFill/>
-              <a:ln w="3175">
-                <a:solidFill>
-                  <a:srgbClr val="2C74A5"/>
-                </a:solidFill>
-                <a:prstDash val="dash"/>
-              </a:ln>
-            </p:spPr>
-            <p:style>
-              <a:lnRef idx="2">
-                <a:schemeClr val="dk1"/>
-              </a:lnRef>
-              <a:fillRef idx="1">
-                <a:schemeClr val="lt1"/>
-              </a:fillRef>
-              <a:effectRef idx="0">
-                <a:schemeClr val="dk1"/>
-              </a:effectRef>
-              <a:fontRef idx="minor">
-                <a:schemeClr val="dk1"/>
-              </a:fontRef>
-            </p:style>
-            <p:txBody>
-              <a:bodyPr rtlCol="0" anchor="ctr"/>
-              <a:lstStyle/>
-              <a:p>
-                <a:pPr algn="ctr"/>
-                <a:endParaRPr lang="en-US"/>
-              </a:p>
-            </p:txBody>
-          </p:sp>
-          <p:sp>
-            <p:nvSpPr>
-              <p:cNvPr id="46" name="Rounded Rectangle 45"/>
-              <p:cNvSpPr/>
-              <p:nvPr/>
-            </p:nvSpPr>
-            <p:spPr>
-              <a:xfrm>
-                <a:off x="4122593" y="5617579"/>
-                <a:ext cx="1117622" cy="243396"/>
-              </a:xfrm>
-              <a:prstGeom prst="roundRect">
-                <a:avLst>
-                  <a:gd name="adj" fmla="val 50000"/>
-                </a:avLst>
-              </a:prstGeom>
-              <a:solidFill>
-                <a:schemeClr val="bg1"/>
-              </a:solidFill>
-              <a:ln w="6350">
-                <a:solidFill>
-                  <a:srgbClr val="2C74A5"/>
-                </a:solidFill>
-              </a:ln>
-            </p:spPr>
-            <p:style>
-              <a:lnRef idx="2">
-                <a:schemeClr val="dk1"/>
-              </a:lnRef>
-              <a:fillRef idx="1">
-                <a:schemeClr val="lt1"/>
-              </a:fillRef>
-              <a:effectRef idx="0">
-                <a:schemeClr val="dk1"/>
-              </a:effectRef>
-              <a:fontRef idx="minor">
-                <a:schemeClr val="dk1"/>
-              </a:fontRef>
-            </p:style>
-            <p:txBody>
-              <a:bodyPr lIns="182880" rIns="36576" rtlCol="0" anchor="ctr"/>
-              <a:lstStyle/>
-              <a:p>
-                <a:pPr>
-                  <a:spcAft>
-                    <a:spcPts val="600"/>
-                  </a:spcAft>
-                </a:pPr>
-                <a:r>
-                  <a:rPr lang="en-US" sz="800" dirty="0" smtClean="0">
-                    <a:solidFill>
-                      <a:srgbClr val="E84C3B"/>
-                    </a:solidFill>
-                    <a:cs typeface="Arial Narrow"/>
-                  </a:rPr>
-                  <a:t>DISH:</a:t>
-                </a:r>
-                <a:r>
-                  <a:rPr lang="en-US" sz="800" dirty="0" smtClean="0">
-                    <a:solidFill>
-                      <a:srgbClr val="0070C0"/>
-                    </a:solidFill>
-                    <a:cs typeface="Arial Narrow"/>
-                  </a:rPr>
-                  <a:t> </a:t>
-                </a:r>
-                <a:r>
-                  <a:rPr lang="en-US" sz="800" b="1" dirty="0" smtClean="0">
-                    <a:solidFill>
-                      <a:srgbClr val="2C74A5"/>
-                    </a:solidFill>
-                    <a:cs typeface="Arial Narrow"/>
-                  </a:rPr>
-                  <a:t>CALZONE</a:t>
-                </a:r>
-                <a:endParaRPr lang="en-US" sz="800" b="1" dirty="0">
-                  <a:solidFill>
-                    <a:srgbClr val="2C74A5"/>
-                  </a:solidFill>
-                  <a:cs typeface="Arial Narrow"/>
-                </a:endParaRPr>
-              </a:p>
-            </p:txBody>
-          </p:sp>
-          <p:sp>
-            <p:nvSpPr>
-              <p:cNvPr id="47" name="Rectangle 46"/>
-              <p:cNvSpPr/>
-              <p:nvPr/>
-            </p:nvSpPr>
-            <p:spPr>
-              <a:xfrm>
-                <a:off x="6262135" y="5547339"/>
-                <a:ext cx="1762682" cy="1059784"/>
-              </a:xfrm>
-              <a:prstGeom prst="rect">
-                <a:avLst/>
-              </a:prstGeom>
-              <a:noFill/>
-              <a:ln w="3175">
-                <a:solidFill>
-                  <a:srgbClr val="2C74A5"/>
-                </a:solidFill>
-                <a:prstDash val="dash"/>
-              </a:ln>
-            </p:spPr>
-            <p:style>
-              <a:lnRef idx="2">
-                <a:schemeClr val="dk1"/>
-              </a:lnRef>
-              <a:fillRef idx="1">
-                <a:schemeClr val="lt1"/>
-              </a:fillRef>
-              <a:effectRef idx="0">
-                <a:schemeClr val="dk1"/>
-              </a:effectRef>
-              <a:fontRef idx="minor">
-                <a:schemeClr val="dk1"/>
-              </a:fontRef>
-            </p:style>
-            <p:txBody>
-              <a:bodyPr rtlCol="0" anchor="ctr"/>
-              <a:lstStyle/>
-              <a:p>
-                <a:pPr algn="ctr"/>
-                <a:endParaRPr lang="en-US"/>
-              </a:p>
-            </p:txBody>
-          </p:sp>
-          <p:cxnSp>
-            <p:nvCxnSpPr>
-              <p:cNvPr id="48" name="Straight Connector 47"/>
-              <p:cNvCxnSpPr/>
-              <p:nvPr/>
-            </p:nvCxnSpPr>
-            <p:spPr>
-              <a:xfrm>
-                <a:off x="6597324" y="5862218"/>
-                <a:ext cx="0" cy="228600"/>
-              </a:xfrm>
-              <a:prstGeom prst="line">
-                <a:avLst/>
-              </a:prstGeom>
-              <a:ln w="6350">
-                <a:solidFill>
-                  <a:srgbClr val="2C74A5"/>
-                </a:solidFill>
-              </a:ln>
-            </p:spPr>
-            <p:style>
-              <a:lnRef idx="1">
-                <a:schemeClr val="dk1"/>
-              </a:lnRef>
-              <a:fillRef idx="0">
-                <a:schemeClr val="dk1"/>
-              </a:fillRef>
-              <a:effectRef idx="0">
-                <a:schemeClr val="dk1"/>
-              </a:effectRef>
-              <a:fontRef idx="minor">
-                <a:schemeClr val="tx1"/>
-              </a:fontRef>
-            </p:style>
-          </p:cxnSp>
-          <p:sp>
-            <p:nvSpPr>
-              <p:cNvPr id="51" name="Rounded Rectangle 50"/>
-              <p:cNvSpPr/>
-              <p:nvPr/>
-            </p:nvSpPr>
-            <p:spPr>
-              <a:xfrm>
-                <a:off x="6339984" y="5611444"/>
-                <a:ext cx="1117622" cy="243396"/>
-              </a:xfrm>
-              <a:prstGeom prst="roundRect">
-                <a:avLst>
-                  <a:gd name="adj" fmla="val 50000"/>
-                </a:avLst>
-              </a:prstGeom>
-              <a:solidFill>
-                <a:schemeClr val="bg1"/>
-              </a:solidFill>
-              <a:ln w="6350">
-                <a:solidFill>
-                  <a:srgbClr val="2C74A5"/>
-                </a:solidFill>
-              </a:ln>
-            </p:spPr>
-            <p:style>
-              <a:lnRef idx="2">
-                <a:schemeClr val="dk1"/>
-              </a:lnRef>
-              <a:fillRef idx="1">
-                <a:schemeClr val="lt1"/>
-              </a:fillRef>
-              <a:effectRef idx="0">
-                <a:schemeClr val="dk1"/>
-              </a:effectRef>
-              <a:fontRef idx="minor">
-                <a:schemeClr val="dk1"/>
-              </a:fontRef>
-            </p:style>
-            <p:txBody>
-              <a:bodyPr lIns="182880" rIns="36576" rtlCol="0" anchor="ctr"/>
-              <a:lstStyle/>
-              <a:p>
-                <a:pPr>
-                  <a:spcAft>
-                    <a:spcPts val="600"/>
-                  </a:spcAft>
-                </a:pPr>
-                <a:r>
-                  <a:rPr lang="en-US" sz="800" dirty="0" smtClean="0">
-                    <a:solidFill>
-                      <a:srgbClr val="E84C3B"/>
-                    </a:solidFill>
-                    <a:cs typeface="Arial Narrow"/>
-                  </a:rPr>
-                  <a:t>DISH:</a:t>
-                </a:r>
-                <a:r>
-                  <a:rPr lang="en-US" sz="800" dirty="0" smtClean="0">
-                    <a:solidFill>
-                      <a:srgbClr val="0070C0"/>
-                    </a:solidFill>
-                    <a:cs typeface="Arial Narrow"/>
-                  </a:rPr>
-                  <a:t> </a:t>
-                </a:r>
-                <a:r>
-                  <a:rPr lang="en-US" sz="800" b="1" dirty="0" smtClean="0">
-                    <a:solidFill>
-                      <a:srgbClr val="2C74A5"/>
-                    </a:solidFill>
-                    <a:cs typeface="Arial Narrow"/>
-                  </a:rPr>
-                  <a:t>COKE</a:t>
-                </a:r>
-                <a:endParaRPr lang="en-US" sz="800" b="1" dirty="0">
-                  <a:solidFill>
-                    <a:srgbClr val="2C74A5"/>
-                  </a:solidFill>
-                  <a:cs typeface="Arial Narrow"/>
-                </a:endParaRPr>
-              </a:p>
-            </p:txBody>
-          </p:sp>
-          <p:cxnSp>
-            <p:nvCxnSpPr>
-              <p:cNvPr id="53" name="Straight Connector 52"/>
-              <p:cNvCxnSpPr/>
-              <p:nvPr/>
-            </p:nvCxnSpPr>
-            <p:spPr>
-              <a:xfrm>
-                <a:off x="6597384" y="6085789"/>
-                <a:ext cx="196210" cy="0"/>
-              </a:xfrm>
-              <a:prstGeom prst="line">
-                <a:avLst/>
-              </a:prstGeom>
-              <a:ln w="6350">
-                <a:solidFill>
-                  <a:srgbClr val="2C74A5"/>
-                </a:solidFill>
-              </a:ln>
-            </p:spPr>
-            <p:style>
-              <a:lnRef idx="1">
-                <a:schemeClr val="dk1"/>
-              </a:lnRef>
-              <a:fillRef idx="0">
-                <a:schemeClr val="dk1"/>
-              </a:fillRef>
-              <a:effectRef idx="0">
-                <a:schemeClr val="dk1"/>
-              </a:effectRef>
-              <a:fontRef idx="minor">
-                <a:schemeClr val="tx1"/>
-              </a:fontRef>
-            </p:style>
-          </p:cxnSp>
-          <p:sp>
-            <p:nvSpPr>
-              <p:cNvPr id="54" name="Rounded Rectangle 53"/>
-              <p:cNvSpPr/>
-              <p:nvPr/>
-            </p:nvSpPr>
-            <p:spPr>
-              <a:xfrm>
-                <a:off x="6762513" y="5957231"/>
-                <a:ext cx="1184797" cy="250256"/>
-              </a:xfrm>
-              <a:prstGeom prst="roundRect">
-                <a:avLst>
-                  <a:gd name="adj" fmla="val 50000"/>
-                </a:avLst>
-              </a:prstGeom>
-              <a:solidFill>
-                <a:schemeClr val="bg1"/>
-              </a:solidFill>
-              <a:ln w="6350">
-                <a:solidFill>
-                  <a:srgbClr val="2C74A5"/>
-                </a:solidFill>
-              </a:ln>
-            </p:spPr>
-            <p:style>
-              <a:lnRef idx="2">
-                <a:schemeClr val="dk1"/>
-              </a:lnRef>
-              <a:fillRef idx="1">
-                <a:schemeClr val="lt1"/>
-              </a:fillRef>
-              <a:effectRef idx="0">
-                <a:schemeClr val="dk1"/>
-              </a:effectRef>
-              <a:fontRef idx="minor">
-                <a:schemeClr val="dk1"/>
-              </a:fontRef>
-            </p:style>
-            <p:txBody>
-              <a:bodyPr lIns="182880" rIns="36576" rtlCol="0" anchor="ctr"/>
-              <a:lstStyle/>
-              <a:p>
-                <a:pPr>
-                  <a:spcAft>
-                    <a:spcPts val="600"/>
-                  </a:spcAft>
-                </a:pPr>
-                <a:r>
-                  <a:rPr lang="en-US" sz="800" dirty="0" smtClean="0">
-                    <a:solidFill>
-                      <a:srgbClr val="E84C3B"/>
-                    </a:solidFill>
-                    <a:cs typeface="Arial Narrow"/>
-                  </a:rPr>
-                  <a:t>QUANTITY:</a:t>
-                </a:r>
-                <a:r>
-                  <a:rPr lang="en-US" sz="800" dirty="0" smtClean="0">
-                    <a:solidFill>
-                      <a:srgbClr val="0070C0"/>
-                    </a:solidFill>
-                    <a:cs typeface="Arial Narrow"/>
-                  </a:rPr>
-                  <a:t> </a:t>
-                </a:r>
-                <a:r>
-                  <a:rPr lang="en-US" sz="800" b="1" dirty="0" smtClean="0">
-                    <a:solidFill>
-                      <a:srgbClr val="2C74A5"/>
-                    </a:solidFill>
-                    <a:cs typeface="Arial Narrow"/>
-                  </a:rPr>
-                  <a:t>TWO</a:t>
-                </a:r>
-                <a:endParaRPr lang="en-US" sz="800" b="1" dirty="0">
-                  <a:solidFill>
-                    <a:srgbClr val="2C74A5"/>
-                  </a:solidFill>
-                  <a:cs typeface="Arial Narrow"/>
-                </a:endParaRPr>
-              </a:p>
-            </p:txBody>
-          </p:sp>
-          <p:cxnSp>
-            <p:nvCxnSpPr>
-              <p:cNvPr id="56" name="Straight Connector 55"/>
-              <p:cNvCxnSpPr/>
-              <p:nvPr/>
-            </p:nvCxnSpPr>
-            <p:spPr>
-              <a:xfrm>
-                <a:off x="1970223" y="5882543"/>
-                <a:ext cx="0" cy="228600"/>
-              </a:xfrm>
-              <a:prstGeom prst="line">
-                <a:avLst/>
-              </a:prstGeom>
-              <a:ln w="6350">
-                <a:solidFill>
-                  <a:srgbClr val="2C74A5"/>
-                </a:solidFill>
-              </a:ln>
-            </p:spPr>
-            <p:style>
-              <a:lnRef idx="1">
-                <a:schemeClr val="dk1"/>
-              </a:lnRef>
-              <a:fillRef idx="0">
-                <a:schemeClr val="dk1"/>
-              </a:fillRef>
-              <a:effectRef idx="0">
-                <a:schemeClr val="dk1"/>
-              </a:effectRef>
-              <a:fontRef idx="minor">
-                <a:schemeClr val="tx1"/>
-              </a:fontRef>
-            </p:style>
-          </p:cxnSp>
-          <p:sp>
-            <p:nvSpPr>
-              <p:cNvPr id="57" name="Rounded Rectangle 56"/>
-              <p:cNvSpPr/>
-              <p:nvPr/>
-            </p:nvSpPr>
-            <p:spPr>
-              <a:xfrm>
-                <a:off x="1712883" y="5636368"/>
-                <a:ext cx="1585992" cy="243396"/>
-              </a:xfrm>
-              <a:prstGeom prst="roundRect">
-                <a:avLst>
-                  <a:gd name="adj" fmla="val 50000"/>
-                </a:avLst>
-              </a:prstGeom>
-              <a:solidFill>
-                <a:schemeClr val="bg1"/>
-              </a:solidFill>
-              <a:ln w="6350">
-                <a:solidFill>
-                  <a:srgbClr val="2C74A5"/>
-                </a:solidFill>
-              </a:ln>
-            </p:spPr>
-            <p:style>
-              <a:lnRef idx="2">
-                <a:schemeClr val="dk1"/>
-              </a:lnRef>
-              <a:fillRef idx="1">
-                <a:schemeClr val="lt1"/>
-              </a:fillRef>
-              <a:effectRef idx="0">
-                <a:schemeClr val="dk1"/>
-              </a:effectRef>
-              <a:fontRef idx="minor">
-                <a:schemeClr val="dk1"/>
-              </a:fontRef>
-            </p:style>
-            <p:txBody>
-              <a:bodyPr lIns="182880" rIns="36576" rtlCol="0" anchor="ctr"/>
-              <a:lstStyle/>
-              <a:p>
-                <a:pPr>
-                  <a:spcAft>
-                    <a:spcPts val="600"/>
-                  </a:spcAft>
-                </a:pPr>
-                <a:r>
-                  <a:rPr lang="en-US" sz="800" dirty="0" smtClean="0">
-                    <a:solidFill>
-                      <a:srgbClr val="E84C3B"/>
-                    </a:solidFill>
-                    <a:cs typeface="Arial Narrow"/>
-                  </a:rPr>
-                  <a:t>DISH:</a:t>
-                </a:r>
-                <a:r>
-                  <a:rPr lang="en-US" sz="800" dirty="0" smtClean="0">
-                    <a:solidFill>
-                      <a:srgbClr val="0070C0"/>
-                    </a:solidFill>
-                    <a:cs typeface="Arial Narrow"/>
-                  </a:rPr>
-                  <a:t> </a:t>
-                </a:r>
-                <a:r>
-                  <a:rPr lang="en-US" sz="800" b="1" dirty="0">
-                    <a:solidFill>
-                      <a:srgbClr val="2C74A5"/>
-                    </a:solidFill>
-                    <a:cs typeface="Arial Narrow"/>
-                  </a:rPr>
-                  <a:t>PEPPERONI </a:t>
-                </a:r>
-                <a:r>
-                  <a:rPr lang="en-US" sz="800" b="1" dirty="0" smtClean="0">
-                    <a:solidFill>
-                      <a:srgbClr val="2C74A5"/>
-                    </a:solidFill>
-                    <a:cs typeface="Arial Narrow"/>
-                  </a:rPr>
-                  <a:t>PIZZA</a:t>
-                </a:r>
-                <a:endParaRPr lang="en-US" sz="800" b="1" dirty="0">
-                  <a:solidFill>
-                    <a:srgbClr val="2C74A5"/>
-                  </a:solidFill>
-                  <a:cs typeface="Arial Narrow"/>
-                </a:endParaRPr>
-              </a:p>
-            </p:txBody>
-          </p:sp>
-          <p:cxnSp>
-            <p:nvCxnSpPr>
-              <p:cNvPr id="59" name="Straight Connector 58"/>
-              <p:cNvCxnSpPr/>
-              <p:nvPr/>
-            </p:nvCxnSpPr>
-            <p:spPr>
-              <a:xfrm>
-                <a:off x="1970223" y="6109607"/>
-                <a:ext cx="196210" cy="0"/>
-              </a:xfrm>
-              <a:prstGeom prst="line">
-                <a:avLst/>
-              </a:prstGeom>
-              <a:ln w="6350">
-                <a:solidFill>
-                  <a:srgbClr val="2C74A5"/>
-                </a:solidFill>
-              </a:ln>
-            </p:spPr>
-            <p:style>
-              <a:lnRef idx="1">
-                <a:schemeClr val="dk1"/>
-              </a:lnRef>
-              <a:fillRef idx="0">
-                <a:schemeClr val="dk1"/>
-              </a:fillRef>
-              <a:effectRef idx="0">
-                <a:schemeClr val="dk1"/>
-              </a:effectRef>
-              <a:fontRef idx="minor">
-                <a:schemeClr val="tx1"/>
-              </a:fontRef>
-            </p:style>
-          </p:cxnSp>
-          <p:sp>
-            <p:nvSpPr>
-              <p:cNvPr id="61" name="Rounded Rectangle 60"/>
-              <p:cNvSpPr/>
-              <p:nvPr/>
-            </p:nvSpPr>
-            <p:spPr>
-              <a:xfrm>
-                <a:off x="2129089" y="5969120"/>
-                <a:ext cx="1613741" cy="243396"/>
-              </a:xfrm>
-              <a:prstGeom prst="roundRect">
-                <a:avLst>
-                  <a:gd name="adj" fmla="val 50000"/>
-                </a:avLst>
-              </a:prstGeom>
-              <a:solidFill>
-                <a:schemeClr val="bg1"/>
-              </a:solidFill>
-              <a:ln w="6350">
-                <a:solidFill>
-                  <a:srgbClr val="2C74A5"/>
-                </a:solidFill>
-              </a:ln>
-            </p:spPr>
-            <p:style>
-              <a:lnRef idx="2">
-                <a:schemeClr val="dk1"/>
-              </a:lnRef>
-              <a:fillRef idx="1">
-                <a:schemeClr val="lt1"/>
-              </a:fillRef>
-              <a:effectRef idx="0">
-                <a:schemeClr val="dk1"/>
-              </a:effectRef>
-              <a:fontRef idx="minor">
-                <a:schemeClr val="dk1"/>
-              </a:fontRef>
-            </p:style>
-            <p:txBody>
-              <a:bodyPr lIns="182880" rIns="36576" rtlCol="0" anchor="ctr"/>
-              <a:lstStyle/>
-              <a:p>
-                <a:pPr>
-                  <a:spcAft>
-                    <a:spcPts val="600"/>
-                  </a:spcAft>
-                </a:pPr>
-                <a:r>
-                  <a:rPr lang="en-US" sz="800" dirty="0" smtClean="0">
-                    <a:solidFill>
-                      <a:srgbClr val="E84C3B"/>
-                    </a:solidFill>
-                    <a:cs typeface="Arial Narrow"/>
-                  </a:rPr>
-                  <a:t>OPTION:</a:t>
-                </a:r>
-                <a:r>
-                  <a:rPr lang="en-US" sz="800" dirty="0" smtClean="0">
-                    <a:solidFill>
-                      <a:srgbClr val="0070C0"/>
-                    </a:solidFill>
-                    <a:cs typeface="Arial Narrow"/>
-                  </a:rPr>
-                  <a:t> </a:t>
-                </a:r>
-                <a:r>
-                  <a:rPr lang="en-US" sz="800" b="1" dirty="0" smtClean="0">
-                    <a:solidFill>
-                      <a:srgbClr val="2C74A5"/>
-                    </a:solidFill>
-                    <a:cs typeface="Arial Narrow"/>
-                  </a:rPr>
-                  <a:t>EXTRA CHEESE</a:t>
-                </a:r>
-                <a:endParaRPr lang="en-US" sz="800" b="1" dirty="0">
-                  <a:solidFill>
-                    <a:srgbClr val="2C74A5"/>
-                  </a:solidFill>
-                  <a:cs typeface="Arial Narrow"/>
-                </a:endParaRPr>
-              </a:p>
-            </p:txBody>
-          </p:sp>
-        </p:grpSp>
-      </p:grpSp>
-    </p:spTree>
-    <p:extLst>
-      <p:ext uri="{BB962C8B-B14F-4D97-AF65-F5344CB8AC3E}">
-        <p14:creationId xmlns:p14="http://schemas.microsoft.com/office/powerpoint/2010/main" val="2059387752"/>
       </p:ext>
     </p:extLst>
   </p:cSld>
@@ -29713,6 +29950,2859 @@
   <p:clrMapOvr>
     <a:masterClrMapping/>
   </p:clrMapOvr>
+  <p:timing>
+    <p:tnLst>
+      <p:par>
+        <p:cTn id="1" dur="indefinite" restart="never" nodeType="tmRoot"/>
+      </p:par>
+    </p:tnLst>
+  </p:timing>
+</p:sld>
+</file>
+
+<file path=ppt/slides/slide20.xml><?xml version="1.0" encoding="utf-8"?>
+<p:sld xmlns:a="http://schemas.openxmlformats.org/drawingml/2006/main" xmlns:r="http://schemas.openxmlformats.org/officeDocument/2006/relationships" xmlns:p="http://schemas.openxmlformats.org/presentationml/2006/main">
+  <p:cSld>
+    <p:spTree>
+      <p:nvGrpSpPr>
+        <p:cNvPr id="1" name=""/>
+        <p:cNvGrpSpPr/>
+        <p:nvPr/>
+      </p:nvGrpSpPr>
+      <p:grpSpPr>
+        <a:xfrm>
+          <a:off x="0" y="0"/>
+          <a:ext cx="0" cy="0"/>
+          <a:chOff x="0" y="0"/>
+          <a:chExt cx="0" cy="0"/>
+        </a:xfrm>
+      </p:grpSpPr>
+      <p:sp>
+        <p:nvSpPr>
+          <p:cNvPr id="3" name="Footer Placeholder 2"/>
+          <p:cNvSpPr>
+            <a:spLocks noGrp="1"/>
+          </p:cNvSpPr>
+          <p:nvPr>
+            <p:ph type="ftr" sz="quarter" idx="11"/>
+          </p:nvPr>
+        </p:nvSpPr>
+        <p:spPr/>
+        <p:txBody>
+          <a:bodyPr/>
+          <a:lstStyle/>
+          <a:p>
+            <a:r>
+              <a:rPr lang="en-US" smtClean="0">
+                <a:solidFill>
+                  <a:prstClr val="black">
+                    <a:tint val="75000"/>
+                  </a:prstClr>
+                </a:solidFill>
+              </a:rPr>
+              <a:t>PROPRIETARY &amp; CONFIDENTIAL</a:t>
+            </a:r>
+            <a:endParaRPr lang="en-US">
+              <a:solidFill>
+                <a:prstClr val="black">
+                  <a:tint val="75000"/>
+                </a:prstClr>
+              </a:solidFill>
+            </a:endParaRPr>
+          </a:p>
+        </p:txBody>
+      </p:sp>
+      <p:sp>
+        <p:nvSpPr>
+          <p:cNvPr id="2" name="Slide Number Placeholder 1"/>
+          <p:cNvSpPr>
+            <a:spLocks noGrp="1"/>
+          </p:cNvSpPr>
+          <p:nvPr>
+            <p:ph type="sldNum" sz="quarter" idx="12"/>
+          </p:nvPr>
+        </p:nvSpPr>
+        <p:spPr/>
+        <p:txBody>
+          <a:bodyPr/>
+          <a:lstStyle/>
+          <a:p>
+            <a:fld id="{D01B2998-00A9-9E41-AB29-A15A35C12BAC}" type="slidenum">
+              <a:rPr lang="en-US" smtClean="0">
+                <a:solidFill>
+                  <a:prstClr val="black">
+                    <a:tint val="75000"/>
+                  </a:prstClr>
+                </a:solidFill>
+              </a:rPr>
+              <a:pPr/>
+              <a:t>20</a:t>
+            </a:fld>
+            <a:endParaRPr lang="en-US">
+              <a:solidFill>
+                <a:prstClr val="black">
+                  <a:tint val="75000"/>
+                </a:prstClr>
+              </a:solidFill>
+            </a:endParaRPr>
+          </a:p>
+        </p:txBody>
+      </p:sp>
+      <p:grpSp>
+        <p:nvGrpSpPr>
+          <p:cNvPr id="33" name="Group 32"/>
+          <p:cNvGrpSpPr/>
+          <p:nvPr/>
+        </p:nvGrpSpPr>
+        <p:grpSpPr>
+          <a:xfrm>
+            <a:off x="123783" y="358184"/>
+            <a:ext cx="8186551" cy="5770641"/>
+            <a:chOff x="123783" y="1001654"/>
+            <a:chExt cx="8186551" cy="5770641"/>
+          </a:xfrm>
+        </p:grpSpPr>
+        <p:sp>
+          <p:nvSpPr>
+            <p:cNvPr id="34" name="Rounded Rectangle 33"/>
+            <p:cNvSpPr/>
+            <p:nvPr/>
+          </p:nvSpPr>
+          <p:spPr>
+            <a:xfrm>
+              <a:off x="1336357" y="1001654"/>
+              <a:ext cx="6973977" cy="411076"/>
+            </a:xfrm>
+            <a:prstGeom prst="roundRect">
+              <a:avLst>
+                <a:gd name="adj" fmla="val 11698"/>
+              </a:avLst>
+            </a:prstGeom>
+            <a:solidFill>
+              <a:srgbClr val="F2F2F2"/>
+            </a:solidFill>
+            <a:ln w="6350">
+              <a:solidFill>
+                <a:srgbClr val="2C74A5"/>
+              </a:solidFill>
+            </a:ln>
+          </p:spPr>
+          <p:style>
+            <a:lnRef idx="2">
+              <a:schemeClr val="dk1"/>
+            </a:lnRef>
+            <a:fillRef idx="1">
+              <a:schemeClr val="lt1"/>
+            </a:fillRef>
+            <a:effectRef idx="0">
+              <a:schemeClr val="dk1"/>
+            </a:effectRef>
+            <a:fontRef idx="minor">
+              <a:schemeClr val="dk1"/>
+            </a:fontRef>
+          </p:style>
+          <p:txBody>
+            <a:bodyPr lIns="274320" rtlCol="0" anchor="ctr"/>
+            <a:lstStyle/>
+            <a:p>
+              <a:pPr>
+                <a:spcAft>
+                  <a:spcPts val="600"/>
+                </a:spcAft>
+              </a:pPr>
+              <a:r>
+                <a:rPr lang="en-US" sz="1400" dirty="0" smtClean="0">
+                  <a:solidFill>
+                    <a:srgbClr val="2C74A5"/>
+                  </a:solidFill>
+                  <a:cs typeface="Arial Narrow"/>
+                </a:rPr>
+                <a:t>“I’d like to order a pepperoni pizza with extra cheese, a calzone and two diet coke.”</a:t>
+              </a:r>
+              <a:endParaRPr lang="en-US" sz="1400" dirty="0">
+                <a:solidFill>
+                  <a:srgbClr val="2C74A5"/>
+                </a:solidFill>
+                <a:cs typeface="Arial Narrow"/>
+              </a:endParaRPr>
+            </a:p>
+          </p:txBody>
+        </p:sp>
+        <p:sp>
+          <p:nvSpPr>
+            <p:cNvPr id="35" name="TextBox 34"/>
+            <p:cNvSpPr txBox="1"/>
+            <p:nvPr/>
+          </p:nvSpPr>
+          <p:spPr>
+            <a:xfrm>
+              <a:off x="177242" y="1001654"/>
+              <a:ext cx="611682" cy="276999"/>
+            </a:xfrm>
+            <a:prstGeom prst="rect">
+              <a:avLst/>
+            </a:prstGeom>
+            <a:noFill/>
+          </p:spPr>
+          <p:txBody>
+            <a:bodyPr wrap="none" rtlCol="0" anchor="ctr">
+              <a:spAutoFit/>
+            </a:bodyPr>
+            <a:lstStyle>
+              <a:defPPr>
+                <a:defRPr lang="en-US"/>
+              </a:defPPr>
+              <a:lvl1pPr algn="ctr">
+                <a:defRPr sz="1200">
+                  <a:solidFill>
+                    <a:srgbClr val="A6A6A6"/>
+                  </a:solidFill>
+                  <a:latin typeface="Arial Narrow"/>
+                  <a:cs typeface="Arial Narrow"/>
+                </a:defRPr>
+              </a:lvl1pPr>
+            </a:lstStyle>
+            <a:p>
+              <a:r>
+                <a:rPr lang="en-US" b="1" dirty="0"/>
+                <a:t>INPUT</a:t>
+              </a:r>
+            </a:p>
+          </p:txBody>
+        </p:sp>
+        <p:sp>
+          <p:nvSpPr>
+            <p:cNvPr id="36" name="TextBox 35"/>
+            <p:cNvSpPr txBox="1"/>
+            <p:nvPr/>
+          </p:nvSpPr>
+          <p:spPr>
+            <a:xfrm>
+              <a:off x="123783" y="2369478"/>
+              <a:ext cx="920830" cy="461665"/>
+            </a:xfrm>
+            <a:prstGeom prst="rect">
+              <a:avLst/>
+            </a:prstGeom>
+            <a:noFill/>
+          </p:spPr>
+          <p:txBody>
+            <a:bodyPr wrap="none" rtlCol="0">
+              <a:spAutoFit/>
+            </a:bodyPr>
+            <a:lstStyle/>
+            <a:p>
+              <a:r>
+                <a:rPr lang="en-US" sz="1200" b="1" dirty="0" smtClean="0">
+                  <a:solidFill>
+                    <a:srgbClr val="A6A6A6"/>
+                  </a:solidFill>
+                  <a:latin typeface="Arial Narrow"/>
+                  <a:cs typeface="Arial Narrow"/>
+                </a:rPr>
+                <a:t>CANDIDATE</a:t>
+              </a:r>
+            </a:p>
+            <a:p>
+              <a:r>
+                <a:rPr lang="en-US" sz="1200" b="1" dirty="0" smtClean="0">
+                  <a:solidFill>
+                    <a:srgbClr val="A6A6A6"/>
+                  </a:solidFill>
+                  <a:latin typeface="Arial Narrow"/>
+                  <a:cs typeface="Arial Narrow"/>
+                </a:rPr>
+                <a:t>PARSE</a:t>
+              </a:r>
+              <a:r>
+                <a:rPr lang="en-US" sz="1200" b="1" dirty="0">
+                  <a:solidFill>
+                    <a:srgbClr val="A6A6A6"/>
+                  </a:solidFill>
+                  <a:latin typeface="Arial Narrow"/>
+                  <a:cs typeface="Arial Narrow"/>
+                </a:rPr>
+                <a:t> </a:t>
+              </a:r>
+              <a:r>
+                <a:rPr lang="en-US" sz="1200" b="1" dirty="0" smtClean="0">
+                  <a:solidFill>
+                    <a:srgbClr val="A6A6A6"/>
+                  </a:solidFill>
+                  <a:latin typeface="Arial Narrow"/>
+                  <a:cs typeface="Arial Narrow"/>
+                </a:rPr>
+                <a:t>1</a:t>
+              </a:r>
+            </a:p>
+          </p:txBody>
+        </p:sp>
+        <p:sp>
+          <p:nvSpPr>
+            <p:cNvPr id="37" name="TextBox 36"/>
+            <p:cNvSpPr txBox="1"/>
+            <p:nvPr/>
+          </p:nvSpPr>
+          <p:spPr>
+            <a:xfrm>
+              <a:off x="177242" y="3866905"/>
+              <a:ext cx="920830" cy="461665"/>
+            </a:xfrm>
+            <a:prstGeom prst="rect">
+              <a:avLst/>
+            </a:prstGeom>
+            <a:noFill/>
+          </p:spPr>
+          <p:txBody>
+            <a:bodyPr wrap="none" rtlCol="0">
+              <a:spAutoFit/>
+            </a:bodyPr>
+            <a:lstStyle/>
+            <a:p>
+              <a:r>
+                <a:rPr lang="en-US" sz="1200" b="1" dirty="0" smtClean="0">
+                  <a:solidFill>
+                    <a:srgbClr val="A6A6A6"/>
+                  </a:solidFill>
+                  <a:latin typeface="Arial Narrow"/>
+                  <a:cs typeface="Arial Narrow"/>
+                </a:rPr>
+                <a:t>CANDIDATE</a:t>
+              </a:r>
+            </a:p>
+            <a:p>
+              <a:r>
+                <a:rPr lang="en-US" sz="1200" b="1" dirty="0" smtClean="0">
+                  <a:solidFill>
+                    <a:srgbClr val="A6A6A6"/>
+                  </a:solidFill>
+                  <a:latin typeface="Arial Narrow"/>
+                  <a:cs typeface="Arial Narrow"/>
+                </a:rPr>
+                <a:t>PARSE</a:t>
+              </a:r>
+              <a:r>
+                <a:rPr lang="en-US" sz="1200" b="1" dirty="0">
+                  <a:solidFill>
+                    <a:srgbClr val="A6A6A6"/>
+                  </a:solidFill>
+                  <a:latin typeface="Arial Narrow"/>
+                  <a:cs typeface="Arial Narrow"/>
+                </a:rPr>
+                <a:t> </a:t>
+              </a:r>
+              <a:r>
+                <a:rPr lang="en-US" sz="1200" b="1" dirty="0" smtClean="0">
+                  <a:solidFill>
+                    <a:srgbClr val="A6A6A6"/>
+                  </a:solidFill>
+                  <a:latin typeface="Arial Narrow"/>
+                  <a:cs typeface="Arial Narrow"/>
+                </a:rPr>
+                <a:t>2</a:t>
+              </a:r>
+            </a:p>
+          </p:txBody>
+        </p:sp>
+        <p:grpSp>
+          <p:nvGrpSpPr>
+            <p:cNvPr id="38" name="Group 37"/>
+            <p:cNvGrpSpPr/>
+            <p:nvPr/>
+          </p:nvGrpSpPr>
+          <p:grpSpPr>
+            <a:xfrm>
+              <a:off x="1545018" y="5195496"/>
+              <a:ext cx="6556657" cy="1576799"/>
+              <a:chOff x="1545021" y="1619977"/>
+              <a:chExt cx="6556657" cy="1576799"/>
+            </a:xfrm>
+          </p:grpSpPr>
+          <p:sp>
+            <p:nvSpPr>
+              <p:cNvPr id="76" name="Rounded Rectangle 75"/>
+              <p:cNvSpPr/>
+              <p:nvPr/>
+            </p:nvSpPr>
+            <p:spPr>
+              <a:xfrm>
+                <a:off x="1545021" y="1619977"/>
+                <a:ext cx="6556657" cy="1576799"/>
+              </a:xfrm>
+              <a:prstGeom prst="roundRect">
+                <a:avLst>
+                  <a:gd name="adj" fmla="val 3581"/>
+                </a:avLst>
+              </a:prstGeom>
+              <a:solidFill>
+                <a:srgbClr val="F2F2F2"/>
+              </a:solidFill>
+              <a:ln w="3175">
+                <a:solidFill>
+                  <a:srgbClr val="2C74A5"/>
+                </a:solidFill>
+                <a:prstDash val="solid"/>
+              </a:ln>
+            </p:spPr>
+            <p:style>
+              <a:lnRef idx="2">
+                <a:schemeClr val="dk1"/>
+              </a:lnRef>
+              <a:fillRef idx="1">
+                <a:schemeClr val="lt1"/>
+              </a:fillRef>
+              <a:effectRef idx="0">
+                <a:schemeClr val="dk1"/>
+              </a:effectRef>
+              <a:fontRef idx="minor">
+                <a:schemeClr val="dk1"/>
+              </a:fontRef>
+            </p:style>
+            <p:txBody>
+              <a:bodyPr rtlCol="0" anchor="ctr"/>
+              <a:lstStyle/>
+              <a:p>
+                <a:pPr algn="ctr"/>
+                <a:endParaRPr lang="en-US"/>
+              </a:p>
+            </p:txBody>
+          </p:sp>
+          <p:sp>
+            <p:nvSpPr>
+              <p:cNvPr id="77" name="TextBox 76"/>
+              <p:cNvSpPr txBox="1"/>
+              <p:nvPr/>
+            </p:nvSpPr>
+            <p:spPr>
+              <a:xfrm>
+                <a:off x="4111682" y="1646456"/>
+                <a:ext cx="1440266" cy="276999"/>
+              </a:xfrm>
+              <a:prstGeom prst="rect">
+                <a:avLst/>
+              </a:prstGeom>
+              <a:noFill/>
+              <a:ln>
+                <a:noFill/>
+              </a:ln>
+            </p:spPr>
+            <p:txBody>
+              <a:bodyPr wrap="none" rtlCol="0">
+                <a:spAutoFit/>
+              </a:bodyPr>
+              <a:lstStyle/>
+              <a:p>
+                <a:r>
+                  <a:rPr lang="en-US" sz="1200" b="1" smtClean="0">
+                    <a:solidFill>
+                      <a:srgbClr val="2C74A5"/>
+                    </a:solidFill>
+                  </a:rPr>
+                  <a:t>ENTITY </a:t>
+                </a:r>
+                <a:r>
+                  <a:rPr lang="en-US" sz="1200" b="1" dirty="0" smtClean="0">
+                    <a:solidFill>
+                      <a:srgbClr val="2C74A5"/>
+                    </a:solidFill>
+                  </a:rPr>
+                  <a:t>GROUPS</a:t>
+                </a:r>
+                <a:endParaRPr lang="en-US" sz="1200" b="1" dirty="0">
+                  <a:solidFill>
+                    <a:srgbClr val="2C74A5"/>
+                  </a:solidFill>
+                </a:endParaRPr>
+              </a:p>
+            </p:txBody>
+          </p:sp>
+          <p:sp>
+            <p:nvSpPr>
+              <p:cNvPr id="78" name="Rectangle 77"/>
+              <p:cNvSpPr/>
+              <p:nvPr/>
+            </p:nvSpPr>
+            <p:spPr>
+              <a:xfrm>
+                <a:off x="1640324" y="1991179"/>
+                <a:ext cx="2340238" cy="1057886"/>
+              </a:xfrm>
+              <a:prstGeom prst="rect">
+                <a:avLst/>
+              </a:prstGeom>
+              <a:noFill/>
+              <a:ln w="3175">
+                <a:solidFill>
+                  <a:srgbClr val="2C74A5"/>
+                </a:solidFill>
+                <a:prstDash val="dash"/>
+              </a:ln>
+            </p:spPr>
+            <p:style>
+              <a:lnRef idx="2">
+                <a:schemeClr val="dk1"/>
+              </a:lnRef>
+              <a:fillRef idx="1">
+                <a:schemeClr val="lt1"/>
+              </a:fillRef>
+              <a:effectRef idx="0">
+                <a:schemeClr val="dk1"/>
+              </a:effectRef>
+              <a:fontRef idx="minor">
+                <a:schemeClr val="dk1"/>
+              </a:fontRef>
+            </p:style>
+            <p:txBody>
+              <a:bodyPr rtlCol="0" anchor="ctr"/>
+              <a:lstStyle/>
+              <a:p>
+                <a:pPr algn="ctr"/>
+                <a:endParaRPr lang="en-US"/>
+              </a:p>
+            </p:txBody>
+          </p:sp>
+          <p:sp>
+            <p:nvSpPr>
+              <p:cNvPr id="79" name="Rounded Rectangle 78"/>
+              <p:cNvSpPr/>
+              <p:nvPr/>
+            </p:nvSpPr>
+            <p:spPr>
+              <a:xfrm>
+                <a:off x="1710415" y="2059521"/>
+                <a:ext cx="1588460" cy="243396"/>
+              </a:xfrm>
+              <a:prstGeom prst="roundRect">
+                <a:avLst>
+                  <a:gd name="adj" fmla="val 50000"/>
+                </a:avLst>
+              </a:prstGeom>
+              <a:solidFill>
+                <a:schemeClr val="bg1"/>
+              </a:solidFill>
+              <a:ln w="6350">
+                <a:solidFill>
+                  <a:srgbClr val="2C74A5"/>
+                </a:solidFill>
+              </a:ln>
+            </p:spPr>
+            <p:style>
+              <a:lnRef idx="2">
+                <a:schemeClr val="dk1"/>
+              </a:lnRef>
+              <a:fillRef idx="1">
+                <a:schemeClr val="lt1"/>
+              </a:fillRef>
+              <a:effectRef idx="0">
+                <a:schemeClr val="dk1"/>
+              </a:effectRef>
+              <a:fontRef idx="minor">
+                <a:schemeClr val="dk1"/>
+              </a:fontRef>
+            </p:style>
+            <p:txBody>
+              <a:bodyPr lIns="182880" rIns="36576" rtlCol="0" anchor="ctr"/>
+              <a:lstStyle/>
+              <a:p>
+                <a:pPr>
+                  <a:spcAft>
+                    <a:spcPts val="600"/>
+                  </a:spcAft>
+                </a:pPr>
+                <a:r>
+                  <a:rPr lang="en-US" sz="800" dirty="0" smtClean="0">
+                    <a:solidFill>
+                      <a:srgbClr val="E84C3B"/>
+                    </a:solidFill>
+                    <a:cs typeface="Arial Narrow"/>
+                  </a:rPr>
+                  <a:t>DISH:</a:t>
+                </a:r>
+                <a:r>
+                  <a:rPr lang="en-US" sz="800" dirty="0" smtClean="0">
+                    <a:solidFill>
+                      <a:srgbClr val="0070C0"/>
+                    </a:solidFill>
+                    <a:cs typeface="Arial Narrow"/>
+                  </a:rPr>
+                  <a:t> </a:t>
+                </a:r>
+                <a:r>
+                  <a:rPr lang="en-US" sz="800" b="1" dirty="0" smtClean="0">
+                    <a:solidFill>
+                      <a:srgbClr val="2C74A5"/>
+                    </a:solidFill>
+                    <a:cs typeface="Arial Narrow"/>
+                  </a:rPr>
+                  <a:t>PEPPERONI PIZZA</a:t>
+                </a:r>
+                <a:endParaRPr lang="en-US" sz="800" b="1" dirty="0">
+                  <a:solidFill>
+                    <a:srgbClr val="2C74A5"/>
+                  </a:solidFill>
+                  <a:cs typeface="Arial Narrow"/>
+                </a:endParaRPr>
+              </a:p>
+            </p:txBody>
+          </p:sp>
+          <p:sp>
+            <p:nvSpPr>
+              <p:cNvPr id="80" name="Rectangle 79"/>
+              <p:cNvSpPr/>
+              <p:nvPr/>
+            </p:nvSpPr>
+            <p:spPr>
+              <a:xfrm>
+                <a:off x="4049025" y="1989281"/>
+                <a:ext cx="2144647" cy="1059784"/>
+              </a:xfrm>
+              <a:prstGeom prst="rect">
+                <a:avLst/>
+              </a:prstGeom>
+              <a:noFill/>
+              <a:ln w="3175">
+                <a:solidFill>
+                  <a:srgbClr val="2C74A5"/>
+                </a:solidFill>
+                <a:prstDash val="dash"/>
+              </a:ln>
+            </p:spPr>
+            <p:style>
+              <a:lnRef idx="2">
+                <a:schemeClr val="dk1"/>
+              </a:lnRef>
+              <a:fillRef idx="1">
+                <a:schemeClr val="lt1"/>
+              </a:fillRef>
+              <a:effectRef idx="0">
+                <a:schemeClr val="dk1"/>
+              </a:effectRef>
+              <a:fontRef idx="minor">
+                <a:schemeClr val="dk1"/>
+              </a:fontRef>
+            </p:style>
+            <p:txBody>
+              <a:bodyPr rtlCol="0" anchor="ctr"/>
+              <a:lstStyle/>
+              <a:p>
+                <a:pPr algn="ctr"/>
+                <a:endParaRPr lang="en-US"/>
+              </a:p>
+            </p:txBody>
+          </p:sp>
+          <p:cxnSp>
+            <p:nvCxnSpPr>
+              <p:cNvPr id="81" name="Straight Connector 80"/>
+              <p:cNvCxnSpPr/>
+              <p:nvPr/>
+            </p:nvCxnSpPr>
+            <p:spPr>
+              <a:xfrm>
+                <a:off x="4379933" y="2527731"/>
+                <a:ext cx="196210" cy="0"/>
+              </a:xfrm>
+              <a:prstGeom prst="line">
+                <a:avLst/>
+              </a:prstGeom>
+              <a:ln w="6350">
+                <a:solidFill>
+                  <a:srgbClr val="2C74A5"/>
+                </a:solidFill>
+              </a:ln>
+            </p:spPr>
+            <p:style>
+              <a:lnRef idx="1">
+                <a:schemeClr val="dk1"/>
+              </a:lnRef>
+              <a:fillRef idx="0">
+                <a:schemeClr val="dk1"/>
+              </a:fillRef>
+              <a:effectRef idx="0">
+                <a:schemeClr val="dk1"/>
+              </a:effectRef>
+              <a:fontRef idx="minor">
+                <a:schemeClr val="tx1"/>
+              </a:fontRef>
+            </p:style>
+          </p:cxnSp>
+          <p:cxnSp>
+            <p:nvCxnSpPr>
+              <p:cNvPr id="82" name="Straight Connector 81"/>
+              <p:cNvCxnSpPr/>
+              <p:nvPr/>
+            </p:nvCxnSpPr>
+            <p:spPr>
+              <a:xfrm>
+                <a:off x="4379933" y="2322949"/>
+                <a:ext cx="0" cy="554724"/>
+              </a:xfrm>
+              <a:prstGeom prst="line">
+                <a:avLst/>
+              </a:prstGeom>
+              <a:ln w="6350">
+                <a:solidFill>
+                  <a:srgbClr val="2C74A5"/>
+                </a:solidFill>
+              </a:ln>
+            </p:spPr>
+            <p:style>
+              <a:lnRef idx="1">
+                <a:schemeClr val="dk1"/>
+              </a:lnRef>
+              <a:fillRef idx="0">
+                <a:schemeClr val="dk1"/>
+              </a:fillRef>
+              <a:effectRef idx="0">
+                <a:schemeClr val="dk1"/>
+              </a:effectRef>
+              <a:fontRef idx="minor">
+                <a:schemeClr val="tx1"/>
+              </a:fontRef>
+            </p:style>
+          </p:cxnSp>
+          <p:sp>
+            <p:nvSpPr>
+              <p:cNvPr id="83" name="Rounded Rectangle 82"/>
+              <p:cNvSpPr/>
+              <p:nvPr/>
+            </p:nvSpPr>
+            <p:spPr>
+              <a:xfrm>
+                <a:off x="4122593" y="2059521"/>
+                <a:ext cx="1117622" cy="243396"/>
+              </a:xfrm>
+              <a:prstGeom prst="roundRect">
+                <a:avLst>
+                  <a:gd name="adj" fmla="val 50000"/>
+                </a:avLst>
+              </a:prstGeom>
+              <a:solidFill>
+                <a:schemeClr val="bg1"/>
+              </a:solidFill>
+              <a:ln w="6350">
+                <a:solidFill>
+                  <a:srgbClr val="2C74A5"/>
+                </a:solidFill>
+              </a:ln>
+            </p:spPr>
+            <p:style>
+              <a:lnRef idx="2">
+                <a:schemeClr val="dk1"/>
+              </a:lnRef>
+              <a:fillRef idx="1">
+                <a:schemeClr val="lt1"/>
+              </a:fillRef>
+              <a:effectRef idx="0">
+                <a:schemeClr val="dk1"/>
+              </a:effectRef>
+              <a:fontRef idx="minor">
+                <a:schemeClr val="dk1"/>
+              </a:fontRef>
+            </p:style>
+            <p:txBody>
+              <a:bodyPr lIns="182880" rIns="36576" rtlCol="0" anchor="ctr"/>
+              <a:lstStyle/>
+              <a:p>
+                <a:pPr>
+                  <a:spcAft>
+                    <a:spcPts val="600"/>
+                  </a:spcAft>
+                </a:pPr>
+                <a:r>
+                  <a:rPr lang="en-US" sz="800" dirty="0" smtClean="0">
+                    <a:solidFill>
+                      <a:srgbClr val="E84C3B"/>
+                    </a:solidFill>
+                    <a:cs typeface="Arial Narrow"/>
+                  </a:rPr>
+                  <a:t>DISH:</a:t>
+                </a:r>
+                <a:r>
+                  <a:rPr lang="en-US" sz="800" dirty="0" smtClean="0">
+                    <a:solidFill>
+                      <a:srgbClr val="0070C0"/>
+                    </a:solidFill>
+                    <a:cs typeface="Arial Narrow"/>
+                  </a:rPr>
+                  <a:t> </a:t>
+                </a:r>
+                <a:r>
+                  <a:rPr lang="en-US" sz="800" b="1" dirty="0" smtClean="0">
+                    <a:solidFill>
+                      <a:srgbClr val="2C74A5"/>
+                    </a:solidFill>
+                    <a:cs typeface="Arial Narrow"/>
+                  </a:rPr>
+                  <a:t>CALZONE</a:t>
+                </a:r>
+                <a:endParaRPr lang="en-US" sz="800" b="1" dirty="0">
+                  <a:solidFill>
+                    <a:srgbClr val="2C74A5"/>
+                  </a:solidFill>
+                  <a:cs typeface="Arial Narrow"/>
+                </a:endParaRPr>
+              </a:p>
+            </p:txBody>
+          </p:sp>
+          <p:sp>
+            <p:nvSpPr>
+              <p:cNvPr id="84" name="Rounded Rectangle 83"/>
+              <p:cNvSpPr/>
+              <p:nvPr/>
+            </p:nvSpPr>
+            <p:spPr>
+              <a:xfrm>
+                <a:off x="4538799" y="2406033"/>
+                <a:ext cx="1613741" cy="243396"/>
+              </a:xfrm>
+              <a:prstGeom prst="roundRect">
+                <a:avLst>
+                  <a:gd name="adj" fmla="val 50000"/>
+                </a:avLst>
+              </a:prstGeom>
+              <a:solidFill>
+                <a:schemeClr val="bg1"/>
+              </a:solidFill>
+              <a:ln w="6350">
+                <a:solidFill>
+                  <a:srgbClr val="2C74A5"/>
+                </a:solidFill>
+              </a:ln>
+            </p:spPr>
+            <p:style>
+              <a:lnRef idx="2">
+                <a:schemeClr val="dk1"/>
+              </a:lnRef>
+              <a:fillRef idx="1">
+                <a:schemeClr val="lt1"/>
+              </a:fillRef>
+              <a:effectRef idx="0">
+                <a:schemeClr val="dk1"/>
+              </a:effectRef>
+              <a:fontRef idx="minor">
+                <a:schemeClr val="dk1"/>
+              </a:fontRef>
+            </p:style>
+            <p:txBody>
+              <a:bodyPr lIns="182880" rIns="36576" rtlCol="0" anchor="ctr"/>
+              <a:lstStyle/>
+              <a:p>
+                <a:pPr>
+                  <a:spcAft>
+                    <a:spcPts val="600"/>
+                  </a:spcAft>
+                </a:pPr>
+                <a:r>
+                  <a:rPr lang="en-US" sz="800" dirty="0" smtClean="0">
+                    <a:solidFill>
+                      <a:srgbClr val="E84C3B"/>
+                    </a:solidFill>
+                    <a:cs typeface="Arial Narrow"/>
+                  </a:rPr>
+                  <a:t>OPTION:</a:t>
+                </a:r>
+                <a:r>
+                  <a:rPr lang="en-US" sz="800" dirty="0" smtClean="0">
+                    <a:solidFill>
+                      <a:srgbClr val="0070C0"/>
+                    </a:solidFill>
+                    <a:cs typeface="Arial Narrow"/>
+                  </a:rPr>
+                  <a:t> </a:t>
+                </a:r>
+                <a:r>
+                  <a:rPr lang="en-US" sz="800" b="1" dirty="0" smtClean="0">
+                    <a:solidFill>
+                      <a:srgbClr val="2C74A5"/>
+                    </a:solidFill>
+                    <a:cs typeface="Arial Narrow"/>
+                  </a:rPr>
+                  <a:t>EXTRA CHEESE</a:t>
+                </a:r>
+                <a:endParaRPr lang="en-US" sz="800" b="1" dirty="0">
+                  <a:solidFill>
+                    <a:srgbClr val="2C74A5"/>
+                  </a:solidFill>
+                  <a:cs typeface="Arial Narrow"/>
+                </a:endParaRPr>
+              </a:p>
+            </p:txBody>
+          </p:sp>
+          <p:grpSp>
+            <p:nvGrpSpPr>
+              <p:cNvPr id="85" name="Group 84"/>
+              <p:cNvGrpSpPr/>
+              <p:nvPr/>
+            </p:nvGrpSpPr>
+            <p:grpSpPr>
+              <a:xfrm>
+                <a:off x="6262135" y="1989281"/>
+                <a:ext cx="1762682" cy="1059784"/>
+                <a:chOff x="6561753" y="2437249"/>
+                <a:chExt cx="1762682" cy="1059784"/>
+              </a:xfrm>
+            </p:grpSpPr>
+            <p:sp>
+              <p:nvSpPr>
+                <p:cNvPr id="88" name="Rectangle 87"/>
+                <p:cNvSpPr/>
+                <p:nvPr/>
+              </p:nvSpPr>
+              <p:spPr>
+                <a:xfrm>
+                  <a:off x="6561753" y="2437249"/>
+                  <a:ext cx="1762682" cy="1059784"/>
+                </a:xfrm>
+                <a:prstGeom prst="rect">
+                  <a:avLst/>
+                </a:prstGeom>
+                <a:noFill/>
+                <a:ln w="3175">
+                  <a:solidFill>
+                    <a:srgbClr val="2C74A5"/>
+                  </a:solidFill>
+                  <a:prstDash val="dash"/>
+                </a:ln>
+              </p:spPr>
+              <p:style>
+                <a:lnRef idx="2">
+                  <a:schemeClr val="dk1"/>
+                </a:lnRef>
+                <a:fillRef idx="1">
+                  <a:schemeClr val="lt1"/>
+                </a:fillRef>
+                <a:effectRef idx="0">
+                  <a:schemeClr val="dk1"/>
+                </a:effectRef>
+                <a:fontRef idx="minor">
+                  <a:schemeClr val="dk1"/>
+                </a:fontRef>
+              </p:style>
+              <p:txBody>
+                <a:bodyPr rtlCol="0" anchor="ctr"/>
+                <a:lstStyle/>
+                <a:p>
+                  <a:pPr algn="ctr"/>
+                  <a:endParaRPr lang="en-US"/>
+                </a:p>
+              </p:txBody>
+            </p:sp>
+            <p:sp>
+              <p:nvSpPr>
+                <p:cNvPr id="89" name="Rounded Rectangle 88"/>
+                <p:cNvSpPr/>
+                <p:nvPr/>
+              </p:nvSpPr>
+              <p:spPr>
+                <a:xfrm>
+                  <a:off x="6639602" y="2507489"/>
+                  <a:ext cx="1207333" cy="243396"/>
+                </a:xfrm>
+                <a:prstGeom prst="roundRect">
+                  <a:avLst>
+                    <a:gd name="adj" fmla="val 50000"/>
+                  </a:avLst>
+                </a:prstGeom>
+                <a:solidFill>
+                  <a:schemeClr val="bg1"/>
+                </a:solidFill>
+                <a:ln w="6350">
+                  <a:solidFill>
+                    <a:srgbClr val="2C74A5"/>
+                  </a:solidFill>
+                </a:ln>
+              </p:spPr>
+              <p:style>
+                <a:lnRef idx="2">
+                  <a:schemeClr val="dk1"/>
+                </a:lnRef>
+                <a:fillRef idx="1">
+                  <a:schemeClr val="lt1"/>
+                </a:fillRef>
+                <a:effectRef idx="0">
+                  <a:schemeClr val="dk1"/>
+                </a:effectRef>
+                <a:fontRef idx="minor">
+                  <a:schemeClr val="dk1"/>
+                </a:fontRef>
+              </p:style>
+              <p:txBody>
+                <a:bodyPr lIns="182880" rIns="36576" rtlCol="0" anchor="ctr"/>
+                <a:lstStyle/>
+                <a:p>
+                  <a:pPr>
+                    <a:spcAft>
+                      <a:spcPts val="600"/>
+                    </a:spcAft>
+                  </a:pPr>
+                  <a:r>
+                    <a:rPr lang="en-US" sz="800" dirty="0" smtClean="0">
+                      <a:solidFill>
+                        <a:srgbClr val="E84C3B"/>
+                      </a:solidFill>
+                      <a:cs typeface="Arial Narrow"/>
+                    </a:rPr>
+                    <a:t>DISH:</a:t>
+                  </a:r>
+                  <a:r>
+                    <a:rPr lang="en-US" sz="800" dirty="0" smtClean="0">
+                      <a:solidFill>
+                        <a:srgbClr val="0070C0"/>
+                      </a:solidFill>
+                      <a:cs typeface="Arial Narrow"/>
+                    </a:rPr>
+                    <a:t> </a:t>
+                  </a:r>
+                  <a:r>
+                    <a:rPr lang="en-US" sz="800" b="1" dirty="0" smtClean="0">
+                      <a:solidFill>
+                        <a:srgbClr val="2C74A5"/>
+                      </a:solidFill>
+                      <a:cs typeface="Arial Narrow"/>
+                    </a:rPr>
+                    <a:t>DIET COKE</a:t>
+                  </a:r>
+                  <a:endParaRPr lang="en-US" sz="800" b="1" dirty="0">
+                    <a:solidFill>
+                      <a:srgbClr val="2C74A5"/>
+                    </a:solidFill>
+                    <a:cs typeface="Arial Narrow"/>
+                  </a:endParaRPr>
+                </a:p>
+              </p:txBody>
+            </p:sp>
+          </p:grpSp>
+          <p:cxnSp>
+            <p:nvCxnSpPr>
+              <p:cNvPr id="86" name="Straight Connector 85"/>
+              <p:cNvCxnSpPr/>
+              <p:nvPr/>
+            </p:nvCxnSpPr>
+            <p:spPr>
+              <a:xfrm>
+                <a:off x="4381882" y="2877673"/>
+                <a:ext cx="196210" cy="0"/>
+              </a:xfrm>
+              <a:prstGeom prst="line">
+                <a:avLst/>
+              </a:prstGeom>
+              <a:ln w="6350">
+                <a:solidFill>
+                  <a:srgbClr val="2C74A5"/>
+                </a:solidFill>
+              </a:ln>
+            </p:spPr>
+            <p:style>
+              <a:lnRef idx="1">
+                <a:schemeClr val="dk1"/>
+              </a:lnRef>
+              <a:fillRef idx="0">
+                <a:schemeClr val="dk1"/>
+              </a:fillRef>
+              <a:effectRef idx="0">
+                <a:schemeClr val="dk1"/>
+              </a:effectRef>
+              <a:fontRef idx="minor">
+                <a:schemeClr val="tx1"/>
+              </a:fontRef>
+            </p:style>
+          </p:cxnSp>
+          <p:sp>
+            <p:nvSpPr>
+              <p:cNvPr id="87" name="Rounded Rectangle 86"/>
+              <p:cNvSpPr/>
+              <p:nvPr/>
+            </p:nvSpPr>
+            <p:spPr>
+              <a:xfrm>
+                <a:off x="4540748" y="2749115"/>
+                <a:ext cx="1184797" cy="250256"/>
+              </a:xfrm>
+              <a:prstGeom prst="roundRect">
+                <a:avLst>
+                  <a:gd name="adj" fmla="val 50000"/>
+                </a:avLst>
+              </a:prstGeom>
+              <a:solidFill>
+                <a:schemeClr val="bg1"/>
+              </a:solidFill>
+              <a:ln w="6350">
+                <a:solidFill>
+                  <a:srgbClr val="2C74A5"/>
+                </a:solidFill>
+              </a:ln>
+            </p:spPr>
+            <p:style>
+              <a:lnRef idx="2">
+                <a:schemeClr val="dk1"/>
+              </a:lnRef>
+              <a:fillRef idx="1">
+                <a:schemeClr val="lt1"/>
+              </a:fillRef>
+              <a:effectRef idx="0">
+                <a:schemeClr val="dk1"/>
+              </a:effectRef>
+              <a:fontRef idx="minor">
+                <a:schemeClr val="dk1"/>
+              </a:fontRef>
+            </p:style>
+            <p:txBody>
+              <a:bodyPr lIns="182880" rIns="36576" rtlCol="0" anchor="ctr"/>
+              <a:lstStyle/>
+              <a:p>
+                <a:pPr>
+                  <a:spcAft>
+                    <a:spcPts val="600"/>
+                  </a:spcAft>
+                </a:pPr>
+                <a:r>
+                  <a:rPr lang="en-US" sz="800" dirty="0" smtClean="0">
+                    <a:solidFill>
+                      <a:srgbClr val="E84C3B"/>
+                    </a:solidFill>
+                    <a:cs typeface="Arial Narrow"/>
+                  </a:rPr>
+                  <a:t>QUANTITY:</a:t>
+                </a:r>
+                <a:r>
+                  <a:rPr lang="en-US" sz="800" dirty="0" smtClean="0">
+                    <a:solidFill>
+                      <a:srgbClr val="0070C0"/>
+                    </a:solidFill>
+                    <a:cs typeface="Arial Narrow"/>
+                  </a:rPr>
+                  <a:t> </a:t>
+                </a:r>
+                <a:r>
+                  <a:rPr lang="en-US" sz="800" b="1" dirty="0" smtClean="0">
+                    <a:solidFill>
+                      <a:srgbClr val="2C74A5"/>
+                    </a:solidFill>
+                    <a:cs typeface="Arial Narrow"/>
+                  </a:rPr>
+                  <a:t>TWO</a:t>
+                </a:r>
+                <a:endParaRPr lang="en-US" sz="800" b="1" dirty="0">
+                  <a:solidFill>
+                    <a:srgbClr val="2C74A5"/>
+                  </a:solidFill>
+                  <a:cs typeface="Arial Narrow"/>
+                </a:endParaRPr>
+              </a:p>
+            </p:txBody>
+          </p:sp>
+        </p:grpSp>
+        <p:grpSp>
+          <p:nvGrpSpPr>
+            <p:cNvPr id="39" name="Group 38"/>
+            <p:cNvGrpSpPr/>
+            <p:nvPr/>
+          </p:nvGrpSpPr>
+          <p:grpSpPr>
+            <a:xfrm>
+              <a:off x="1545021" y="3399006"/>
+              <a:ext cx="6556657" cy="1576799"/>
+              <a:chOff x="1545021" y="3399006"/>
+              <a:chExt cx="6556657" cy="1576799"/>
+            </a:xfrm>
+          </p:grpSpPr>
+          <p:sp>
+            <p:nvSpPr>
+              <p:cNvPr id="62" name="Rounded Rectangle 61"/>
+              <p:cNvSpPr/>
+              <p:nvPr/>
+            </p:nvSpPr>
+            <p:spPr>
+              <a:xfrm>
+                <a:off x="1545021" y="3399006"/>
+                <a:ext cx="6556657" cy="1576799"/>
+              </a:xfrm>
+              <a:prstGeom prst="roundRect">
+                <a:avLst>
+                  <a:gd name="adj" fmla="val 3581"/>
+                </a:avLst>
+              </a:prstGeom>
+              <a:solidFill>
+                <a:srgbClr val="F2F2F2"/>
+              </a:solidFill>
+              <a:ln w="3175">
+                <a:solidFill>
+                  <a:srgbClr val="2C74A5"/>
+                </a:solidFill>
+                <a:prstDash val="solid"/>
+              </a:ln>
+            </p:spPr>
+            <p:style>
+              <a:lnRef idx="2">
+                <a:schemeClr val="dk1"/>
+              </a:lnRef>
+              <a:fillRef idx="1">
+                <a:schemeClr val="lt1"/>
+              </a:fillRef>
+              <a:effectRef idx="0">
+                <a:schemeClr val="dk1"/>
+              </a:effectRef>
+              <a:fontRef idx="minor">
+                <a:schemeClr val="dk1"/>
+              </a:fontRef>
+            </p:style>
+            <p:txBody>
+              <a:bodyPr rtlCol="0" anchor="ctr"/>
+              <a:lstStyle/>
+              <a:p>
+                <a:pPr algn="ctr"/>
+                <a:endParaRPr lang="en-US"/>
+              </a:p>
+            </p:txBody>
+          </p:sp>
+          <p:sp>
+            <p:nvSpPr>
+              <p:cNvPr id="63" name="TextBox 62"/>
+              <p:cNvSpPr txBox="1"/>
+              <p:nvPr/>
+            </p:nvSpPr>
+            <p:spPr>
+              <a:xfrm>
+                <a:off x="4111682" y="3425485"/>
+                <a:ext cx="1440266" cy="276999"/>
+              </a:xfrm>
+              <a:prstGeom prst="rect">
+                <a:avLst/>
+              </a:prstGeom>
+              <a:noFill/>
+              <a:ln>
+                <a:noFill/>
+              </a:ln>
+            </p:spPr>
+            <p:txBody>
+              <a:bodyPr wrap="none" rtlCol="0">
+                <a:spAutoFit/>
+              </a:bodyPr>
+              <a:lstStyle/>
+              <a:p>
+                <a:r>
+                  <a:rPr lang="en-US" sz="1200" b="1" smtClean="0">
+                    <a:solidFill>
+                      <a:srgbClr val="2C74A5"/>
+                    </a:solidFill>
+                  </a:rPr>
+                  <a:t>ENTITY </a:t>
+                </a:r>
+                <a:r>
+                  <a:rPr lang="en-US" sz="1200" b="1" dirty="0" smtClean="0">
+                    <a:solidFill>
+                      <a:srgbClr val="2C74A5"/>
+                    </a:solidFill>
+                  </a:rPr>
+                  <a:t>GROUPS</a:t>
+                </a:r>
+                <a:endParaRPr lang="en-US" sz="1200" b="1" dirty="0">
+                  <a:solidFill>
+                    <a:srgbClr val="2C74A5"/>
+                  </a:solidFill>
+                </a:endParaRPr>
+              </a:p>
+            </p:txBody>
+          </p:sp>
+          <p:sp>
+            <p:nvSpPr>
+              <p:cNvPr id="64" name="Rectangle 63"/>
+              <p:cNvSpPr/>
+              <p:nvPr/>
+            </p:nvSpPr>
+            <p:spPr>
+              <a:xfrm>
+                <a:off x="1640324" y="3770208"/>
+                <a:ext cx="2340238" cy="1057886"/>
+              </a:xfrm>
+              <a:prstGeom prst="rect">
+                <a:avLst/>
+              </a:prstGeom>
+              <a:noFill/>
+              <a:ln w="3175">
+                <a:solidFill>
+                  <a:srgbClr val="2C74A5"/>
+                </a:solidFill>
+                <a:prstDash val="dash"/>
+              </a:ln>
+            </p:spPr>
+            <p:style>
+              <a:lnRef idx="2">
+                <a:schemeClr val="dk1"/>
+              </a:lnRef>
+              <a:fillRef idx="1">
+                <a:schemeClr val="lt1"/>
+              </a:fillRef>
+              <a:effectRef idx="0">
+                <a:schemeClr val="dk1"/>
+              </a:effectRef>
+              <a:fontRef idx="minor">
+                <a:schemeClr val="dk1"/>
+              </a:fontRef>
+            </p:style>
+            <p:txBody>
+              <a:bodyPr rtlCol="0" anchor="ctr"/>
+              <a:lstStyle/>
+              <a:p>
+                <a:pPr algn="ctr"/>
+                <a:endParaRPr lang="en-US"/>
+              </a:p>
+            </p:txBody>
+          </p:sp>
+          <p:sp>
+            <p:nvSpPr>
+              <p:cNvPr id="65" name="Rounded Rectangle 64"/>
+              <p:cNvSpPr/>
+              <p:nvPr/>
+            </p:nvSpPr>
+            <p:spPr>
+              <a:xfrm>
+                <a:off x="1710415" y="3838550"/>
+                <a:ext cx="1588460" cy="243396"/>
+              </a:xfrm>
+              <a:prstGeom prst="roundRect">
+                <a:avLst>
+                  <a:gd name="adj" fmla="val 50000"/>
+                </a:avLst>
+              </a:prstGeom>
+              <a:solidFill>
+                <a:schemeClr val="bg1"/>
+              </a:solidFill>
+              <a:ln w="6350">
+                <a:solidFill>
+                  <a:srgbClr val="2C74A5"/>
+                </a:solidFill>
+              </a:ln>
+            </p:spPr>
+            <p:style>
+              <a:lnRef idx="2">
+                <a:schemeClr val="dk1"/>
+              </a:lnRef>
+              <a:fillRef idx="1">
+                <a:schemeClr val="lt1"/>
+              </a:fillRef>
+              <a:effectRef idx="0">
+                <a:schemeClr val="dk1"/>
+              </a:effectRef>
+              <a:fontRef idx="minor">
+                <a:schemeClr val="dk1"/>
+              </a:fontRef>
+            </p:style>
+            <p:txBody>
+              <a:bodyPr lIns="182880" rIns="36576" rtlCol="0" anchor="ctr"/>
+              <a:lstStyle/>
+              <a:p>
+                <a:pPr>
+                  <a:spcAft>
+                    <a:spcPts val="600"/>
+                  </a:spcAft>
+                </a:pPr>
+                <a:r>
+                  <a:rPr lang="en-US" sz="800" dirty="0" smtClean="0">
+                    <a:solidFill>
+                      <a:srgbClr val="E84C3B"/>
+                    </a:solidFill>
+                    <a:cs typeface="Arial Narrow"/>
+                  </a:rPr>
+                  <a:t>DISH:</a:t>
+                </a:r>
+                <a:r>
+                  <a:rPr lang="en-US" sz="800" dirty="0" smtClean="0">
+                    <a:solidFill>
+                      <a:srgbClr val="0070C0"/>
+                    </a:solidFill>
+                    <a:cs typeface="Arial Narrow"/>
+                  </a:rPr>
+                  <a:t> </a:t>
+                </a:r>
+                <a:r>
+                  <a:rPr lang="en-US" sz="800" b="1" dirty="0" smtClean="0">
+                    <a:solidFill>
+                      <a:srgbClr val="2C74A5"/>
+                    </a:solidFill>
+                    <a:cs typeface="Arial Narrow"/>
+                  </a:rPr>
+                  <a:t>PEPPERONI PIZZA</a:t>
+                </a:r>
+                <a:endParaRPr lang="en-US" sz="800" b="1" dirty="0">
+                  <a:solidFill>
+                    <a:srgbClr val="2C74A5"/>
+                  </a:solidFill>
+                  <a:cs typeface="Arial Narrow"/>
+                </a:endParaRPr>
+              </a:p>
+            </p:txBody>
+          </p:sp>
+          <p:sp>
+            <p:nvSpPr>
+              <p:cNvPr id="66" name="Rectangle 65"/>
+              <p:cNvSpPr/>
+              <p:nvPr/>
+            </p:nvSpPr>
+            <p:spPr>
+              <a:xfrm>
+                <a:off x="4049025" y="3768310"/>
+                <a:ext cx="2144647" cy="1059784"/>
+              </a:xfrm>
+              <a:prstGeom prst="rect">
+                <a:avLst/>
+              </a:prstGeom>
+              <a:noFill/>
+              <a:ln w="3175">
+                <a:solidFill>
+                  <a:srgbClr val="2C74A5"/>
+                </a:solidFill>
+                <a:prstDash val="dash"/>
+              </a:ln>
+            </p:spPr>
+            <p:style>
+              <a:lnRef idx="2">
+                <a:schemeClr val="dk1"/>
+              </a:lnRef>
+              <a:fillRef idx="1">
+                <a:schemeClr val="lt1"/>
+              </a:fillRef>
+              <a:effectRef idx="0">
+                <a:schemeClr val="dk1"/>
+              </a:effectRef>
+              <a:fontRef idx="minor">
+                <a:schemeClr val="dk1"/>
+              </a:fontRef>
+            </p:style>
+            <p:txBody>
+              <a:bodyPr rtlCol="0" anchor="ctr"/>
+              <a:lstStyle/>
+              <a:p>
+                <a:pPr algn="ctr"/>
+                <a:endParaRPr lang="en-US"/>
+              </a:p>
+            </p:txBody>
+          </p:sp>
+          <p:cxnSp>
+            <p:nvCxnSpPr>
+              <p:cNvPr id="67" name="Straight Connector 66"/>
+              <p:cNvCxnSpPr/>
+              <p:nvPr/>
+            </p:nvCxnSpPr>
+            <p:spPr>
+              <a:xfrm>
+                <a:off x="4379933" y="4325549"/>
+                <a:ext cx="196210" cy="0"/>
+              </a:xfrm>
+              <a:prstGeom prst="line">
+                <a:avLst/>
+              </a:prstGeom>
+              <a:ln w="6350">
+                <a:solidFill>
+                  <a:srgbClr val="2C74A5"/>
+                </a:solidFill>
+              </a:ln>
+            </p:spPr>
+            <p:style>
+              <a:lnRef idx="1">
+                <a:schemeClr val="dk1"/>
+              </a:lnRef>
+              <a:fillRef idx="0">
+                <a:schemeClr val="dk1"/>
+              </a:fillRef>
+              <a:effectRef idx="0">
+                <a:schemeClr val="dk1"/>
+              </a:effectRef>
+              <a:fontRef idx="minor">
+                <a:schemeClr val="tx1"/>
+              </a:fontRef>
+            </p:style>
+          </p:cxnSp>
+          <p:cxnSp>
+            <p:nvCxnSpPr>
+              <p:cNvPr id="68" name="Straight Connector 67"/>
+              <p:cNvCxnSpPr/>
+              <p:nvPr/>
+            </p:nvCxnSpPr>
+            <p:spPr>
+              <a:xfrm>
+                <a:off x="4379933" y="4096227"/>
+                <a:ext cx="0" cy="228600"/>
+              </a:xfrm>
+              <a:prstGeom prst="line">
+                <a:avLst/>
+              </a:prstGeom>
+              <a:ln w="6350">
+                <a:solidFill>
+                  <a:srgbClr val="2C74A5"/>
+                </a:solidFill>
+              </a:ln>
+            </p:spPr>
+            <p:style>
+              <a:lnRef idx="1">
+                <a:schemeClr val="dk1"/>
+              </a:lnRef>
+              <a:fillRef idx="0">
+                <a:schemeClr val="dk1"/>
+              </a:fillRef>
+              <a:effectRef idx="0">
+                <a:schemeClr val="dk1"/>
+              </a:effectRef>
+              <a:fontRef idx="minor">
+                <a:schemeClr val="tx1"/>
+              </a:fontRef>
+            </p:style>
+          </p:cxnSp>
+          <p:sp>
+            <p:nvSpPr>
+              <p:cNvPr id="69" name="Rounded Rectangle 68"/>
+              <p:cNvSpPr/>
+              <p:nvPr/>
+            </p:nvSpPr>
+            <p:spPr>
+              <a:xfrm>
+                <a:off x="4122593" y="3838550"/>
+                <a:ext cx="1117622" cy="243396"/>
+              </a:xfrm>
+              <a:prstGeom prst="roundRect">
+                <a:avLst>
+                  <a:gd name="adj" fmla="val 50000"/>
+                </a:avLst>
+              </a:prstGeom>
+              <a:solidFill>
+                <a:schemeClr val="bg1"/>
+              </a:solidFill>
+              <a:ln w="6350">
+                <a:solidFill>
+                  <a:srgbClr val="2C74A5"/>
+                </a:solidFill>
+              </a:ln>
+            </p:spPr>
+            <p:style>
+              <a:lnRef idx="2">
+                <a:schemeClr val="dk1"/>
+              </a:lnRef>
+              <a:fillRef idx="1">
+                <a:schemeClr val="lt1"/>
+              </a:fillRef>
+              <a:effectRef idx="0">
+                <a:schemeClr val="dk1"/>
+              </a:effectRef>
+              <a:fontRef idx="minor">
+                <a:schemeClr val="dk1"/>
+              </a:fontRef>
+            </p:style>
+            <p:txBody>
+              <a:bodyPr lIns="182880" rIns="36576" rtlCol="0" anchor="ctr"/>
+              <a:lstStyle/>
+              <a:p>
+                <a:pPr>
+                  <a:spcAft>
+                    <a:spcPts val="600"/>
+                  </a:spcAft>
+                </a:pPr>
+                <a:r>
+                  <a:rPr lang="en-US" sz="800" dirty="0" smtClean="0">
+                    <a:solidFill>
+                      <a:srgbClr val="E84C3B"/>
+                    </a:solidFill>
+                    <a:cs typeface="Arial Narrow"/>
+                  </a:rPr>
+                  <a:t>DISH:</a:t>
+                </a:r>
+                <a:r>
+                  <a:rPr lang="en-US" sz="800" dirty="0" smtClean="0">
+                    <a:solidFill>
+                      <a:srgbClr val="0070C0"/>
+                    </a:solidFill>
+                    <a:cs typeface="Arial Narrow"/>
+                  </a:rPr>
+                  <a:t> </a:t>
+                </a:r>
+                <a:r>
+                  <a:rPr lang="en-US" sz="800" b="1" dirty="0" smtClean="0">
+                    <a:solidFill>
+                      <a:srgbClr val="2C74A5"/>
+                    </a:solidFill>
+                    <a:cs typeface="Arial Narrow"/>
+                  </a:rPr>
+                  <a:t>CALZONE</a:t>
+                </a:r>
+                <a:endParaRPr lang="en-US" sz="800" b="1" dirty="0">
+                  <a:solidFill>
+                    <a:srgbClr val="2C74A5"/>
+                  </a:solidFill>
+                  <a:cs typeface="Arial Narrow"/>
+                </a:endParaRPr>
+              </a:p>
+            </p:txBody>
+          </p:sp>
+          <p:sp>
+            <p:nvSpPr>
+              <p:cNvPr id="70" name="Rounded Rectangle 69"/>
+              <p:cNvSpPr/>
+              <p:nvPr/>
+            </p:nvSpPr>
+            <p:spPr>
+              <a:xfrm>
+                <a:off x="4538799" y="4185062"/>
+                <a:ext cx="1613741" cy="243396"/>
+              </a:xfrm>
+              <a:prstGeom prst="roundRect">
+                <a:avLst>
+                  <a:gd name="adj" fmla="val 50000"/>
+                </a:avLst>
+              </a:prstGeom>
+              <a:solidFill>
+                <a:schemeClr val="bg1"/>
+              </a:solidFill>
+              <a:ln w="6350">
+                <a:solidFill>
+                  <a:srgbClr val="2C74A5"/>
+                </a:solidFill>
+              </a:ln>
+            </p:spPr>
+            <p:style>
+              <a:lnRef idx="2">
+                <a:schemeClr val="dk1"/>
+              </a:lnRef>
+              <a:fillRef idx="1">
+                <a:schemeClr val="lt1"/>
+              </a:fillRef>
+              <a:effectRef idx="0">
+                <a:schemeClr val="dk1"/>
+              </a:effectRef>
+              <a:fontRef idx="minor">
+                <a:schemeClr val="dk1"/>
+              </a:fontRef>
+            </p:style>
+            <p:txBody>
+              <a:bodyPr lIns="182880" rIns="36576" rtlCol="0" anchor="ctr"/>
+              <a:lstStyle/>
+              <a:p>
+                <a:pPr>
+                  <a:spcAft>
+                    <a:spcPts val="600"/>
+                  </a:spcAft>
+                </a:pPr>
+                <a:r>
+                  <a:rPr lang="en-US" sz="800" dirty="0" smtClean="0">
+                    <a:solidFill>
+                      <a:srgbClr val="E84C3B"/>
+                    </a:solidFill>
+                    <a:cs typeface="Arial Narrow"/>
+                  </a:rPr>
+                  <a:t>OPTION:</a:t>
+                </a:r>
+                <a:r>
+                  <a:rPr lang="en-US" sz="800" dirty="0" smtClean="0">
+                    <a:solidFill>
+                      <a:srgbClr val="0070C0"/>
+                    </a:solidFill>
+                    <a:cs typeface="Arial Narrow"/>
+                  </a:rPr>
+                  <a:t> </a:t>
+                </a:r>
+                <a:r>
+                  <a:rPr lang="en-US" sz="800" b="1" dirty="0" smtClean="0">
+                    <a:solidFill>
+                      <a:srgbClr val="2C74A5"/>
+                    </a:solidFill>
+                    <a:cs typeface="Arial Narrow"/>
+                  </a:rPr>
+                  <a:t>EXTRA CHEESE</a:t>
+                </a:r>
+                <a:endParaRPr lang="en-US" sz="800" b="1" dirty="0">
+                  <a:solidFill>
+                    <a:srgbClr val="2C74A5"/>
+                  </a:solidFill>
+                  <a:cs typeface="Arial Narrow"/>
+                </a:endParaRPr>
+              </a:p>
+            </p:txBody>
+          </p:sp>
+          <p:sp>
+            <p:nvSpPr>
+              <p:cNvPr id="71" name="Rectangle 70"/>
+              <p:cNvSpPr/>
+              <p:nvPr/>
+            </p:nvSpPr>
+            <p:spPr>
+              <a:xfrm>
+                <a:off x="6262135" y="3768310"/>
+                <a:ext cx="1762682" cy="1059784"/>
+              </a:xfrm>
+              <a:prstGeom prst="rect">
+                <a:avLst/>
+              </a:prstGeom>
+              <a:noFill/>
+              <a:ln w="3175">
+                <a:solidFill>
+                  <a:srgbClr val="2C74A5"/>
+                </a:solidFill>
+                <a:prstDash val="dash"/>
+              </a:ln>
+            </p:spPr>
+            <p:style>
+              <a:lnRef idx="2">
+                <a:schemeClr val="dk1"/>
+              </a:lnRef>
+              <a:fillRef idx="1">
+                <a:schemeClr val="lt1"/>
+              </a:fillRef>
+              <a:effectRef idx="0">
+                <a:schemeClr val="dk1"/>
+              </a:effectRef>
+              <a:fontRef idx="minor">
+                <a:schemeClr val="dk1"/>
+              </a:fontRef>
+            </p:style>
+            <p:txBody>
+              <a:bodyPr rtlCol="0" anchor="ctr"/>
+              <a:lstStyle/>
+              <a:p>
+                <a:pPr algn="ctr"/>
+                <a:endParaRPr lang="en-US"/>
+              </a:p>
+            </p:txBody>
+          </p:sp>
+          <p:cxnSp>
+            <p:nvCxnSpPr>
+              <p:cNvPr id="72" name="Straight Connector 71"/>
+              <p:cNvCxnSpPr/>
+              <p:nvPr/>
+            </p:nvCxnSpPr>
+            <p:spPr>
+              <a:xfrm>
+                <a:off x="6597324" y="4083189"/>
+                <a:ext cx="0" cy="228600"/>
+              </a:xfrm>
+              <a:prstGeom prst="line">
+                <a:avLst/>
+              </a:prstGeom>
+              <a:ln w="6350">
+                <a:solidFill>
+                  <a:srgbClr val="2C74A5"/>
+                </a:solidFill>
+              </a:ln>
+            </p:spPr>
+            <p:style>
+              <a:lnRef idx="1">
+                <a:schemeClr val="dk1"/>
+              </a:lnRef>
+              <a:fillRef idx="0">
+                <a:schemeClr val="dk1"/>
+              </a:fillRef>
+              <a:effectRef idx="0">
+                <a:schemeClr val="dk1"/>
+              </a:effectRef>
+              <a:fontRef idx="minor">
+                <a:schemeClr val="tx1"/>
+              </a:fontRef>
+            </p:style>
+          </p:cxnSp>
+          <p:sp>
+            <p:nvSpPr>
+              <p:cNvPr id="73" name="Rounded Rectangle 72"/>
+              <p:cNvSpPr/>
+              <p:nvPr/>
+            </p:nvSpPr>
+            <p:spPr>
+              <a:xfrm>
+                <a:off x="6339984" y="3832415"/>
+                <a:ext cx="1117622" cy="243396"/>
+              </a:xfrm>
+              <a:prstGeom prst="roundRect">
+                <a:avLst>
+                  <a:gd name="adj" fmla="val 50000"/>
+                </a:avLst>
+              </a:prstGeom>
+              <a:solidFill>
+                <a:schemeClr val="bg1"/>
+              </a:solidFill>
+              <a:ln w="6350">
+                <a:solidFill>
+                  <a:srgbClr val="2C74A5"/>
+                </a:solidFill>
+              </a:ln>
+            </p:spPr>
+            <p:style>
+              <a:lnRef idx="2">
+                <a:schemeClr val="dk1"/>
+              </a:lnRef>
+              <a:fillRef idx="1">
+                <a:schemeClr val="lt1"/>
+              </a:fillRef>
+              <a:effectRef idx="0">
+                <a:schemeClr val="dk1"/>
+              </a:effectRef>
+              <a:fontRef idx="minor">
+                <a:schemeClr val="dk1"/>
+              </a:fontRef>
+            </p:style>
+            <p:txBody>
+              <a:bodyPr lIns="182880" rIns="36576" rtlCol="0" anchor="ctr"/>
+              <a:lstStyle/>
+              <a:p>
+                <a:pPr>
+                  <a:spcAft>
+                    <a:spcPts val="600"/>
+                  </a:spcAft>
+                </a:pPr>
+                <a:r>
+                  <a:rPr lang="en-US" sz="800" dirty="0" smtClean="0">
+                    <a:solidFill>
+                      <a:srgbClr val="E84C3B"/>
+                    </a:solidFill>
+                    <a:cs typeface="Arial Narrow"/>
+                  </a:rPr>
+                  <a:t>DISH:</a:t>
+                </a:r>
+                <a:r>
+                  <a:rPr lang="en-US" sz="800" dirty="0" smtClean="0">
+                    <a:solidFill>
+                      <a:srgbClr val="0070C0"/>
+                    </a:solidFill>
+                    <a:cs typeface="Arial Narrow"/>
+                  </a:rPr>
+                  <a:t> </a:t>
+                </a:r>
+                <a:r>
+                  <a:rPr lang="en-US" sz="800" b="1" dirty="0" smtClean="0">
+                    <a:solidFill>
+                      <a:srgbClr val="2C74A5"/>
+                    </a:solidFill>
+                    <a:cs typeface="Arial Narrow"/>
+                  </a:rPr>
+                  <a:t>COKE</a:t>
+                </a:r>
+                <a:endParaRPr lang="en-US" sz="800" b="1" dirty="0">
+                  <a:solidFill>
+                    <a:srgbClr val="2C74A5"/>
+                  </a:solidFill>
+                  <a:cs typeface="Arial Narrow"/>
+                </a:endParaRPr>
+              </a:p>
+            </p:txBody>
+          </p:sp>
+          <p:cxnSp>
+            <p:nvCxnSpPr>
+              <p:cNvPr id="74" name="Straight Connector 73"/>
+              <p:cNvCxnSpPr/>
+              <p:nvPr/>
+            </p:nvCxnSpPr>
+            <p:spPr>
+              <a:xfrm>
+                <a:off x="6597384" y="4306760"/>
+                <a:ext cx="196210" cy="0"/>
+              </a:xfrm>
+              <a:prstGeom prst="line">
+                <a:avLst/>
+              </a:prstGeom>
+              <a:ln w="6350">
+                <a:solidFill>
+                  <a:srgbClr val="2C74A5"/>
+                </a:solidFill>
+              </a:ln>
+            </p:spPr>
+            <p:style>
+              <a:lnRef idx="1">
+                <a:schemeClr val="dk1"/>
+              </a:lnRef>
+              <a:fillRef idx="0">
+                <a:schemeClr val="dk1"/>
+              </a:fillRef>
+              <a:effectRef idx="0">
+                <a:schemeClr val="dk1"/>
+              </a:effectRef>
+              <a:fontRef idx="minor">
+                <a:schemeClr val="tx1"/>
+              </a:fontRef>
+            </p:style>
+          </p:cxnSp>
+          <p:sp>
+            <p:nvSpPr>
+              <p:cNvPr id="75" name="Rounded Rectangle 74"/>
+              <p:cNvSpPr/>
+              <p:nvPr/>
+            </p:nvSpPr>
+            <p:spPr>
+              <a:xfrm>
+                <a:off x="6762513" y="4178202"/>
+                <a:ext cx="1184797" cy="250256"/>
+              </a:xfrm>
+              <a:prstGeom prst="roundRect">
+                <a:avLst>
+                  <a:gd name="adj" fmla="val 50000"/>
+                </a:avLst>
+              </a:prstGeom>
+              <a:solidFill>
+                <a:schemeClr val="bg1"/>
+              </a:solidFill>
+              <a:ln w="6350">
+                <a:solidFill>
+                  <a:srgbClr val="2C74A5"/>
+                </a:solidFill>
+              </a:ln>
+            </p:spPr>
+            <p:style>
+              <a:lnRef idx="2">
+                <a:schemeClr val="dk1"/>
+              </a:lnRef>
+              <a:fillRef idx="1">
+                <a:schemeClr val="lt1"/>
+              </a:fillRef>
+              <a:effectRef idx="0">
+                <a:schemeClr val="dk1"/>
+              </a:effectRef>
+              <a:fontRef idx="minor">
+                <a:schemeClr val="dk1"/>
+              </a:fontRef>
+            </p:style>
+            <p:txBody>
+              <a:bodyPr lIns="182880" rIns="36576" rtlCol="0" anchor="ctr"/>
+              <a:lstStyle/>
+              <a:p>
+                <a:pPr>
+                  <a:spcAft>
+                    <a:spcPts val="600"/>
+                  </a:spcAft>
+                </a:pPr>
+                <a:r>
+                  <a:rPr lang="en-US" sz="800" dirty="0" smtClean="0">
+                    <a:solidFill>
+                      <a:srgbClr val="E84C3B"/>
+                    </a:solidFill>
+                    <a:cs typeface="Arial Narrow"/>
+                  </a:rPr>
+                  <a:t>QUANTITY:</a:t>
+                </a:r>
+                <a:r>
+                  <a:rPr lang="en-US" sz="800" dirty="0" smtClean="0">
+                    <a:solidFill>
+                      <a:srgbClr val="0070C0"/>
+                    </a:solidFill>
+                    <a:cs typeface="Arial Narrow"/>
+                  </a:rPr>
+                  <a:t> </a:t>
+                </a:r>
+                <a:r>
+                  <a:rPr lang="en-US" sz="800" b="1" dirty="0" smtClean="0">
+                    <a:solidFill>
+                      <a:srgbClr val="2C74A5"/>
+                    </a:solidFill>
+                    <a:cs typeface="Arial Narrow"/>
+                  </a:rPr>
+                  <a:t>TWO</a:t>
+                </a:r>
+                <a:endParaRPr lang="en-US" sz="800" b="1" dirty="0">
+                  <a:solidFill>
+                    <a:srgbClr val="2C74A5"/>
+                  </a:solidFill>
+                  <a:cs typeface="Arial Narrow"/>
+                </a:endParaRPr>
+              </a:p>
+            </p:txBody>
+          </p:sp>
+        </p:grpSp>
+        <p:sp>
+          <p:nvSpPr>
+            <p:cNvPr id="40" name="TextBox 39"/>
+            <p:cNvSpPr txBox="1"/>
+            <p:nvPr/>
+          </p:nvSpPr>
+          <p:spPr>
+            <a:xfrm>
+              <a:off x="161310" y="5631385"/>
+              <a:ext cx="920830" cy="461665"/>
+            </a:xfrm>
+            <a:prstGeom prst="rect">
+              <a:avLst/>
+            </a:prstGeom>
+            <a:noFill/>
+          </p:spPr>
+          <p:txBody>
+            <a:bodyPr wrap="none" rtlCol="0">
+              <a:spAutoFit/>
+            </a:bodyPr>
+            <a:lstStyle/>
+            <a:p>
+              <a:r>
+                <a:rPr lang="en-US" sz="1200" b="1" dirty="0" smtClean="0">
+                  <a:solidFill>
+                    <a:srgbClr val="A6A6A6"/>
+                  </a:solidFill>
+                  <a:latin typeface="Arial Narrow"/>
+                  <a:cs typeface="Arial Narrow"/>
+                </a:rPr>
+                <a:t>CANDIDATE</a:t>
+              </a:r>
+            </a:p>
+            <a:p>
+              <a:r>
+                <a:rPr lang="en-US" sz="1200" b="1" dirty="0" smtClean="0">
+                  <a:solidFill>
+                    <a:srgbClr val="A6A6A6"/>
+                  </a:solidFill>
+                  <a:latin typeface="Arial Narrow"/>
+                  <a:cs typeface="Arial Narrow"/>
+                </a:rPr>
+                <a:t>PARSE</a:t>
+              </a:r>
+              <a:r>
+                <a:rPr lang="en-US" sz="1200" b="1" dirty="0">
+                  <a:solidFill>
+                    <a:srgbClr val="A6A6A6"/>
+                  </a:solidFill>
+                  <a:latin typeface="Arial Narrow"/>
+                  <a:cs typeface="Arial Narrow"/>
+                </a:rPr>
+                <a:t> </a:t>
+              </a:r>
+              <a:r>
+                <a:rPr lang="en-US" sz="1200" b="1" dirty="0" smtClean="0">
+                  <a:solidFill>
+                    <a:srgbClr val="A6A6A6"/>
+                  </a:solidFill>
+                  <a:latin typeface="Arial Narrow"/>
+                  <a:cs typeface="Arial Narrow"/>
+                </a:rPr>
+                <a:t>3</a:t>
+              </a:r>
+            </a:p>
+          </p:txBody>
+        </p:sp>
+        <p:grpSp>
+          <p:nvGrpSpPr>
+            <p:cNvPr id="41" name="Group 40"/>
+            <p:cNvGrpSpPr/>
+            <p:nvPr/>
+          </p:nvGrpSpPr>
+          <p:grpSpPr>
+            <a:xfrm>
+              <a:off x="1545018" y="1602516"/>
+              <a:ext cx="6556657" cy="1576799"/>
+              <a:chOff x="1545021" y="5178035"/>
+              <a:chExt cx="6556657" cy="1576799"/>
+            </a:xfrm>
+          </p:grpSpPr>
+          <p:sp>
+            <p:nvSpPr>
+              <p:cNvPr id="42" name="Rounded Rectangle 41"/>
+              <p:cNvSpPr/>
+              <p:nvPr/>
+            </p:nvSpPr>
+            <p:spPr>
+              <a:xfrm>
+                <a:off x="1545021" y="5178035"/>
+                <a:ext cx="6556657" cy="1576799"/>
+              </a:xfrm>
+              <a:prstGeom prst="roundRect">
+                <a:avLst>
+                  <a:gd name="adj" fmla="val 3581"/>
+                </a:avLst>
+              </a:prstGeom>
+              <a:solidFill>
+                <a:srgbClr val="F2F2F2"/>
+              </a:solidFill>
+              <a:ln w="3175">
+                <a:solidFill>
+                  <a:srgbClr val="2C74A5"/>
+                </a:solidFill>
+                <a:prstDash val="solid"/>
+              </a:ln>
+            </p:spPr>
+            <p:style>
+              <a:lnRef idx="2">
+                <a:schemeClr val="dk1"/>
+              </a:lnRef>
+              <a:fillRef idx="1">
+                <a:schemeClr val="lt1"/>
+              </a:fillRef>
+              <a:effectRef idx="0">
+                <a:schemeClr val="dk1"/>
+              </a:effectRef>
+              <a:fontRef idx="minor">
+                <a:schemeClr val="dk1"/>
+              </a:fontRef>
+            </p:style>
+            <p:txBody>
+              <a:bodyPr rtlCol="0" anchor="ctr"/>
+              <a:lstStyle/>
+              <a:p>
+                <a:pPr algn="ctr"/>
+                <a:endParaRPr lang="en-US"/>
+              </a:p>
+            </p:txBody>
+          </p:sp>
+          <p:sp>
+            <p:nvSpPr>
+              <p:cNvPr id="43" name="TextBox 42"/>
+              <p:cNvSpPr txBox="1"/>
+              <p:nvPr/>
+            </p:nvSpPr>
+            <p:spPr>
+              <a:xfrm>
+                <a:off x="4111682" y="5204514"/>
+                <a:ext cx="1440266" cy="276999"/>
+              </a:xfrm>
+              <a:prstGeom prst="rect">
+                <a:avLst/>
+              </a:prstGeom>
+              <a:noFill/>
+              <a:ln>
+                <a:noFill/>
+              </a:ln>
+            </p:spPr>
+            <p:txBody>
+              <a:bodyPr wrap="none" rtlCol="0">
+                <a:spAutoFit/>
+              </a:bodyPr>
+              <a:lstStyle/>
+              <a:p>
+                <a:r>
+                  <a:rPr lang="en-US" sz="1200" b="1" smtClean="0">
+                    <a:solidFill>
+                      <a:srgbClr val="2C74A5"/>
+                    </a:solidFill>
+                  </a:rPr>
+                  <a:t>ENTITY </a:t>
+                </a:r>
+                <a:r>
+                  <a:rPr lang="en-US" sz="1200" b="1" dirty="0" smtClean="0">
+                    <a:solidFill>
+                      <a:srgbClr val="2C74A5"/>
+                    </a:solidFill>
+                  </a:rPr>
+                  <a:t>GROUPS</a:t>
+                </a:r>
+                <a:endParaRPr lang="en-US" sz="1200" b="1" dirty="0">
+                  <a:solidFill>
+                    <a:srgbClr val="2C74A5"/>
+                  </a:solidFill>
+                </a:endParaRPr>
+              </a:p>
+            </p:txBody>
+          </p:sp>
+          <p:sp>
+            <p:nvSpPr>
+              <p:cNvPr id="44" name="Rectangle 43"/>
+              <p:cNvSpPr/>
+              <p:nvPr/>
+            </p:nvSpPr>
+            <p:spPr>
+              <a:xfrm>
+                <a:off x="1640324" y="5549237"/>
+                <a:ext cx="2340238" cy="1057886"/>
+              </a:xfrm>
+              <a:prstGeom prst="rect">
+                <a:avLst/>
+              </a:prstGeom>
+              <a:noFill/>
+              <a:ln w="3175">
+                <a:solidFill>
+                  <a:srgbClr val="2C74A5"/>
+                </a:solidFill>
+                <a:prstDash val="dash"/>
+              </a:ln>
+            </p:spPr>
+            <p:style>
+              <a:lnRef idx="2">
+                <a:schemeClr val="dk1"/>
+              </a:lnRef>
+              <a:fillRef idx="1">
+                <a:schemeClr val="lt1"/>
+              </a:fillRef>
+              <a:effectRef idx="0">
+                <a:schemeClr val="dk1"/>
+              </a:effectRef>
+              <a:fontRef idx="minor">
+                <a:schemeClr val="dk1"/>
+              </a:fontRef>
+            </p:style>
+            <p:txBody>
+              <a:bodyPr rtlCol="0" anchor="ctr"/>
+              <a:lstStyle/>
+              <a:p>
+                <a:pPr algn="ctr"/>
+                <a:endParaRPr lang="en-US"/>
+              </a:p>
+            </p:txBody>
+          </p:sp>
+          <p:sp>
+            <p:nvSpPr>
+              <p:cNvPr id="45" name="Rectangle 44"/>
+              <p:cNvSpPr/>
+              <p:nvPr/>
+            </p:nvSpPr>
+            <p:spPr>
+              <a:xfrm>
+                <a:off x="4049025" y="5547339"/>
+                <a:ext cx="2144647" cy="1059784"/>
+              </a:xfrm>
+              <a:prstGeom prst="rect">
+                <a:avLst/>
+              </a:prstGeom>
+              <a:noFill/>
+              <a:ln w="3175">
+                <a:solidFill>
+                  <a:srgbClr val="2C74A5"/>
+                </a:solidFill>
+                <a:prstDash val="dash"/>
+              </a:ln>
+            </p:spPr>
+            <p:style>
+              <a:lnRef idx="2">
+                <a:schemeClr val="dk1"/>
+              </a:lnRef>
+              <a:fillRef idx="1">
+                <a:schemeClr val="lt1"/>
+              </a:fillRef>
+              <a:effectRef idx="0">
+                <a:schemeClr val="dk1"/>
+              </a:effectRef>
+              <a:fontRef idx="minor">
+                <a:schemeClr val="dk1"/>
+              </a:fontRef>
+            </p:style>
+            <p:txBody>
+              <a:bodyPr rtlCol="0" anchor="ctr"/>
+              <a:lstStyle/>
+              <a:p>
+                <a:pPr algn="ctr"/>
+                <a:endParaRPr lang="en-US"/>
+              </a:p>
+            </p:txBody>
+          </p:sp>
+          <p:sp>
+            <p:nvSpPr>
+              <p:cNvPr id="46" name="Rounded Rectangle 45"/>
+              <p:cNvSpPr/>
+              <p:nvPr/>
+            </p:nvSpPr>
+            <p:spPr>
+              <a:xfrm>
+                <a:off x="4122593" y="5617579"/>
+                <a:ext cx="1117622" cy="243396"/>
+              </a:xfrm>
+              <a:prstGeom prst="roundRect">
+                <a:avLst>
+                  <a:gd name="adj" fmla="val 50000"/>
+                </a:avLst>
+              </a:prstGeom>
+              <a:solidFill>
+                <a:schemeClr val="bg1"/>
+              </a:solidFill>
+              <a:ln w="6350">
+                <a:solidFill>
+                  <a:srgbClr val="2C74A5"/>
+                </a:solidFill>
+              </a:ln>
+            </p:spPr>
+            <p:style>
+              <a:lnRef idx="2">
+                <a:schemeClr val="dk1"/>
+              </a:lnRef>
+              <a:fillRef idx="1">
+                <a:schemeClr val="lt1"/>
+              </a:fillRef>
+              <a:effectRef idx="0">
+                <a:schemeClr val="dk1"/>
+              </a:effectRef>
+              <a:fontRef idx="minor">
+                <a:schemeClr val="dk1"/>
+              </a:fontRef>
+            </p:style>
+            <p:txBody>
+              <a:bodyPr lIns="182880" rIns="36576" rtlCol="0" anchor="ctr"/>
+              <a:lstStyle/>
+              <a:p>
+                <a:pPr>
+                  <a:spcAft>
+                    <a:spcPts val="600"/>
+                  </a:spcAft>
+                </a:pPr>
+                <a:r>
+                  <a:rPr lang="en-US" sz="800" dirty="0" smtClean="0">
+                    <a:solidFill>
+                      <a:srgbClr val="E84C3B"/>
+                    </a:solidFill>
+                    <a:cs typeface="Arial Narrow"/>
+                  </a:rPr>
+                  <a:t>DISH:</a:t>
+                </a:r>
+                <a:r>
+                  <a:rPr lang="en-US" sz="800" dirty="0" smtClean="0">
+                    <a:solidFill>
+                      <a:srgbClr val="0070C0"/>
+                    </a:solidFill>
+                    <a:cs typeface="Arial Narrow"/>
+                  </a:rPr>
+                  <a:t> </a:t>
+                </a:r>
+                <a:r>
+                  <a:rPr lang="en-US" sz="800" b="1" dirty="0" smtClean="0">
+                    <a:solidFill>
+                      <a:srgbClr val="2C74A5"/>
+                    </a:solidFill>
+                    <a:cs typeface="Arial Narrow"/>
+                  </a:rPr>
+                  <a:t>CALZONE</a:t>
+                </a:r>
+                <a:endParaRPr lang="en-US" sz="800" b="1" dirty="0">
+                  <a:solidFill>
+                    <a:srgbClr val="2C74A5"/>
+                  </a:solidFill>
+                  <a:cs typeface="Arial Narrow"/>
+                </a:endParaRPr>
+              </a:p>
+            </p:txBody>
+          </p:sp>
+          <p:sp>
+            <p:nvSpPr>
+              <p:cNvPr id="47" name="Rectangle 46"/>
+              <p:cNvSpPr/>
+              <p:nvPr/>
+            </p:nvSpPr>
+            <p:spPr>
+              <a:xfrm>
+                <a:off x="6262135" y="5547339"/>
+                <a:ext cx="1762682" cy="1059784"/>
+              </a:xfrm>
+              <a:prstGeom prst="rect">
+                <a:avLst/>
+              </a:prstGeom>
+              <a:noFill/>
+              <a:ln w="3175">
+                <a:solidFill>
+                  <a:srgbClr val="2C74A5"/>
+                </a:solidFill>
+                <a:prstDash val="dash"/>
+              </a:ln>
+            </p:spPr>
+            <p:style>
+              <a:lnRef idx="2">
+                <a:schemeClr val="dk1"/>
+              </a:lnRef>
+              <a:fillRef idx="1">
+                <a:schemeClr val="lt1"/>
+              </a:fillRef>
+              <a:effectRef idx="0">
+                <a:schemeClr val="dk1"/>
+              </a:effectRef>
+              <a:fontRef idx="minor">
+                <a:schemeClr val="dk1"/>
+              </a:fontRef>
+            </p:style>
+            <p:txBody>
+              <a:bodyPr rtlCol="0" anchor="ctr"/>
+              <a:lstStyle/>
+              <a:p>
+                <a:pPr algn="ctr"/>
+                <a:endParaRPr lang="en-US"/>
+              </a:p>
+            </p:txBody>
+          </p:sp>
+          <p:cxnSp>
+            <p:nvCxnSpPr>
+              <p:cNvPr id="48" name="Straight Connector 47"/>
+              <p:cNvCxnSpPr/>
+              <p:nvPr/>
+            </p:nvCxnSpPr>
+            <p:spPr>
+              <a:xfrm>
+                <a:off x="6597324" y="5862218"/>
+                <a:ext cx="0" cy="228600"/>
+              </a:xfrm>
+              <a:prstGeom prst="line">
+                <a:avLst/>
+              </a:prstGeom>
+              <a:ln w="6350">
+                <a:solidFill>
+                  <a:srgbClr val="2C74A5"/>
+                </a:solidFill>
+              </a:ln>
+            </p:spPr>
+            <p:style>
+              <a:lnRef idx="1">
+                <a:schemeClr val="dk1"/>
+              </a:lnRef>
+              <a:fillRef idx="0">
+                <a:schemeClr val="dk1"/>
+              </a:fillRef>
+              <a:effectRef idx="0">
+                <a:schemeClr val="dk1"/>
+              </a:effectRef>
+              <a:fontRef idx="minor">
+                <a:schemeClr val="tx1"/>
+              </a:fontRef>
+            </p:style>
+          </p:cxnSp>
+          <p:sp>
+            <p:nvSpPr>
+              <p:cNvPr id="51" name="Rounded Rectangle 50"/>
+              <p:cNvSpPr/>
+              <p:nvPr/>
+            </p:nvSpPr>
+            <p:spPr>
+              <a:xfrm>
+                <a:off x="6339984" y="5611444"/>
+                <a:ext cx="1117622" cy="243396"/>
+              </a:xfrm>
+              <a:prstGeom prst="roundRect">
+                <a:avLst>
+                  <a:gd name="adj" fmla="val 50000"/>
+                </a:avLst>
+              </a:prstGeom>
+              <a:solidFill>
+                <a:schemeClr val="bg1"/>
+              </a:solidFill>
+              <a:ln w="6350">
+                <a:solidFill>
+                  <a:srgbClr val="2C74A5"/>
+                </a:solidFill>
+              </a:ln>
+            </p:spPr>
+            <p:style>
+              <a:lnRef idx="2">
+                <a:schemeClr val="dk1"/>
+              </a:lnRef>
+              <a:fillRef idx="1">
+                <a:schemeClr val="lt1"/>
+              </a:fillRef>
+              <a:effectRef idx="0">
+                <a:schemeClr val="dk1"/>
+              </a:effectRef>
+              <a:fontRef idx="minor">
+                <a:schemeClr val="dk1"/>
+              </a:fontRef>
+            </p:style>
+            <p:txBody>
+              <a:bodyPr lIns="182880" rIns="36576" rtlCol="0" anchor="ctr"/>
+              <a:lstStyle/>
+              <a:p>
+                <a:pPr>
+                  <a:spcAft>
+                    <a:spcPts val="600"/>
+                  </a:spcAft>
+                </a:pPr>
+                <a:r>
+                  <a:rPr lang="en-US" sz="800" dirty="0" smtClean="0">
+                    <a:solidFill>
+                      <a:srgbClr val="E84C3B"/>
+                    </a:solidFill>
+                    <a:cs typeface="Arial Narrow"/>
+                  </a:rPr>
+                  <a:t>DISH:</a:t>
+                </a:r>
+                <a:r>
+                  <a:rPr lang="en-US" sz="800" dirty="0" smtClean="0">
+                    <a:solidFill>
+                      <a:srgbClr val="0070C0"/>
+                    </a:solidFill>
+                    <a:cs typeface="Arial Narrow"/>
+                  </a:rPr>
+                  <a:t> </a:t>
+                </a:r>
+                <a:r>
+                  <a:rPr lang="en-US" sz="800" b="1" dirty="0" smtClean="0">
+                    <a:solidFill>
+                      <a:srgbClr val="2C74A5"/>
+                    </a:solidFill>
+                    <a:cs typeface="Arial Narrow"/>
+                  </a:rPr>
+                  <a:t>COKE</a:t>
+                </a:r>
+                <a:endParaRPr lang="en-US" sz="800" b="1" dirty="0">
+                  <a:solidFill>
+                    <a:srgbClr val="2C74A5"/>
+                  </a:solidFill>
+                  <a:cs typeface="Arial Narrow"/>
+                </a:endParaRPr>
+              </a:p>
+            </p:txBody>
+          </p:sp>
+          <p:cxnSp>
+            <p:nvCxnSpPr>
+              <p:cNvPr id="53" name="Straight Connector 52"/>
+              <p:cNvCxnSpPr/>
+              <p:nvPr/>
+            </p:nvCxnSpPr>
+            <p:spPr>
+              <a:xfrm>
+                <a:off x="6597384" y="6085789"/>
+                <a:ext cx="196210" cy="0"/>
+              </a:xfrm>
+              <a:prstGeom prst="line">
+                <a:avLst/>
+              </a:prstGeom>
+              <a:ln w="6350">
+                <a:solidFill>
+                  <a:srgbClr val="2C74A5"/>
+                </a:solidFill>
+              </a:ln>
+            </p:spPr>
+            <p:style>
+              <a:lnRef idx="1">
+                <a:schemeClr val="dk1"/>
+              </a:lnRef>
+              <a:fillRef idx="0">
+                <a:schemeClr val="dk1"/>
+              </a:fillRef>
+              <a:effectRef idx="0">
+                <a:schemeClr val="dk1"/>
+              </a:effectRef>
+              <a:fontRef idx="minor">
+                <a:schemeClr val="tx1"/>
+              </a:fontRef>
+            </p:style>
+          </p:cxnSp>
+          <p:sp>
+            <p:nvSpPr>
+              <p:cNvPr id="54" name="Rounded Rectangle 53"/>
+              <p:cNvSpPr/>
+              <p:nvPr/>
+            </p:nvSpPr>
+            <p:spPr>
+              <a:xfrm>
+                <a:off x="6762513" y="5957231"/>
+                <a:ext cx="1184797" cy="250256"/>
+              </a:xfrm>
+              <a:prstGeom prst="roundRect">
+                <a:avLst>
+                  <a:gd name="adj" fmla="val 50000"/>
+                </a:avLst>
+              </a:prstGeom>
+              <a:solidFill>
+                <a:schemeClr val="bg1"/>
+              </a:solidFill>
+              <a:ln w="6350">
+                <a:solidFill>
+                  <a:srgbClr val="2C74A5"/>
+                </a:solidFill>
+              </a:ln>
+            </p:spPr>
+            <p:style>
+              <a:lnRef idx="2">
+                <a:schemeClr val="dk1"/>
+              </a:lnRef>
+              <a:fillRef idx="1">
+                <a:schemeClr val="lt1"/>
+              </a:fillRef>
+              <a:effectRef idx="0">
+                <a:schemeClr val="dk1"/>
+              </a:effectRef>
+              <a:fontRef idx="minor">
+                <a:schemeClr val="dk1"/>
+              </a:fontRef>
+            </p:style>
+            <p:txBody>
+              <a:bodyPr lIns="182880" rIns="36576" rtlCol="0" anchor="ctr"/>
+              <a:lstStyle/>
+              <a:p>
+                <a:pPr>
+                  <a:spcAft>
+                    <a:spcPts val="600"/>
+                  </a:spcAft>
+                </a:pPr>
+                <a:r>
+                  <a:rPr lang="en-US" sz="800" dirty="0" smtClean="0">
+                    <a:solidFill>
+                      <a:srgbClr val="E84C3B"/>
+                    </a:solidFill>
+                    <a:cs typeface="Arial Narrow"/>
+                  </a:rPr>
+                  <a:t>QUANTITY:</a:t>
+                </a:r>
+                <a:r>
+                  <a:rPr lang="en-US" sz="800" dirty="0" smtClean="0">
+                    <a:solidFill>
+                      <a:srgbClr val="0070C0"/>
+                    </a:solidFill>
+                    <a:cs typeface="Arial Narrow"/>
+                  </a:rPr>
+                  <a:t> </a:t>
+                </a:r>
+                <a:r>
+                  <a:rPr lang="en-US" sz="800" b="1" dirty="0" smtClean="0">
+                    <a:solidFill>
+                      <a:srgbClr val="2C74A5"/>
+                    </a:solidFill>
+                    <a:cs typeface="Arial Narrow"/>
+                  </a:rPr>
+                  <a:t>TWO</a:t>
+                </a:r>
+                <a:endParaRPr lang="en-US" sz="800" b="1" dirty="0">
+                  <a:solidFill>
+                    <a:srgbClr val="2C74A5"/>
+                  </a:solidFill>
+                  <a:cs typeface="Arial Narrow"/>
+                </a:endParaRPr>
+              </a:p>
+            </p:txBody>
+          </p:sp>
+          <p:cxnSp>
+            <p:nvCxnSpPr>
+              <p:cNvPr id="56" name="Straight Connector 55"/>
+              <p:cNvCxnSpPr/>
+              <p:nvPr/>
+            </p:nvCxnSpPr>
+            <p:spPr>
+              <a:xfrm>
+                <a:off x="1970223" y="5882543"/>
+                <a:ext cx="0" cy="228600"/>
+              </a:xfrm>
+              <a:prstGeom prst="line">
+                <a:avLst/>
+              </a:prstGeom>
+              <a:ln w="6350">
+                <a:solidFill>
+                  <a:srgbClr val="2C74A5"/>
+                </a:solidFill>
+              </a:ln>
+            </p:spPr>
+            <p:style>
+              <a:lnRef idx="1">
+                <a:schemeClr val="dk1"/>
+              </a:lnRef>
+              <a:fillRef idx="0">
+                <a:schemeClr val="dk1"/>
+              </a:fillRef>
+              <a:effectRef idx="0">
+                <a:schemeClr val="dk1"/>
+              </a:effectRef>
+              <a:fontRef idx="minor">
+                <a:schemeClr val="tx1"/>
+              </a:fontRef>
+            </p:style>
+          </p:cxnSp>
+          <p:sp>
+            <p:nvSpPr>
+              <p:cNvPr id="57" name="Rounded Rectangle 56"/>
+              <p:cNvSpPr/>
+              <p:nvPr/>
+            </p:nvSpPr>
+            <p:spPr>
+              <a:xfrm>
+                <a:off x="1712883" y="5636368"/>
+                <a:ext cx="1585992" cy="243396"/>
+              </a:xfrm>
+              <a:prstGeom prst="roundRect">
+                <a:avLst>
+                  <a:gd name="adj" fmla="val 50000"/>
+                </a:avLst>
+              </a:prstGeom>
+              <a:solidFill>
+                <a:schemeClr val="bg1"/>
+              </a:solidFill>
+              <a:ln w="6350">
+                <a:solidFill>
+                  <a:srgbClr val="2C74A5"/>
+                </a:solidFill>
+              </a:ln>
+            </p:spPr>
+            <p:style>
+              <a:lnRef idx="2">
+                <a:schemeClr val="dk1"/>
+              </a:lnRef>
+              <a:fillRef idx="1">
+                <a:schemeClr val="lt1"/>
+              </a:fillRef>
+              <a:effectRef idx="0">
+                <a:schemeClr val="dk1"/>
+              </a:effectRef>
+              <a:fontRef idx="minor">
+                <a:schemeClr val="dk1"/>
+              </a:fontRef>
+            </p:style>
+            <p:txBody>
+              <a:bodyPr lIns="182880" rIns="36576" rtlCol="0" anchor="ctr"/>
+              <a:lstStyle/>
+              <a:p>
+                <a:pPr>
+                  <a:spcAft>
+                    <a:spcPts val="600"/>
+                  </a:spcAft>
+                </a:pPr>
+                <a:r>
+                  <a:rPr lang="en-US" sz="800" dirty="0" smtClean="0">
+                    <a:solidFill>
+                      <a:srgbClr val="E84C3B"/>
+                    </a:solidFill>
+                    <a:cs typeface="Arial Narrow"/>
+                  </a:rPr>
+                  <a:t>DISH:</a:t>
+                </a:r>
+                <a:r>
+                  <a:rPr lang="en-US" sz="800" dirty="0" smtClean="0">
+                    <a:solidFill>
+                      <a:srgbClr val="0070C0"/>
+                    </a:solidFill>
+                    <a:cs typeface="Arial Narrow"/>
+                  </a:rPr>
+                  <a:t> </a:t>
+                </a:r>
+                <a:r>
+                  <a:rPr lang="en-US" sz="800" b="1" dirty="0">
+                    <a:solidFill>
+                      <a:srgbClr val="2C74A5"/>
+                    </a:solidFill>
+                    <a:cs typeface="Arial Narrow"/>
+                  </a:rPr>
+                  <a:t>PEPPERONI </a:t>
+                </a:r>
+                <a:r>
+                  <a:rPr lang="en-US" sz="800" b="1" dirty="0" smtClean="0">
+                    <a:solidFill>
+                      <a:srgbClr val="2C74A5"/>
+                    </a:solidFill>
+                    <a:cs typeface="Arial Narrow"/>
+                  </a:rPr>
+                  <a:t>PIZZA</a:t>
+                </a:r>
+                <a:endParaRPr lang="en-US" sz="800" b="1" dirty="0">
+                  <a:solidFill>
+                    <a:srgbClr val="2C74A5"/>
+                  </a:solidFill>
+                  <a:cs typeface="Arial Narrow"/>
+                </a:endParaRPr>
+              </a:p>
+            </p:txBody>
+          </p:sp>
+          <p:cxnSp>
+            <p:nvCxnSpPr>
+              <p:cNvPr id="59" name="Straight Connector 58"/>
+              <p:cNvCxnSpPr/>
+              <p:nvPr/>
+            </p:nvCxnSpPr>
+            <p:spPr>
+              <a:xfrm>
+                <a:off x="1970223" y="6109607"/>
+                <a:ext cx="196210" cy="0"/>
+              </a:xfrm>
+              <a:prstGeom prst="line">
+                <a:avLst/>
+              </a:prstGeom>
+              <a:ln w="6350">
+                <a:solidFill>
+                  <a:srgbClr val="2C74A5"/>
+                </a:solidFill>
+              </a:ln>
+            </p:spPr>
+            <p:style>
+              <a:lnRef idx="1">
+                <a:schemeClr val="dk1"/>
+              </a:lnRef>
+              <a:fillRef idx="0">
+                <a:schemeClr val="dk1"/>
+              </a:fillRef>
+              <a:effectRef idx="0">
+                <a:schemeClr val="dk1"/>
+              </a:effectRef>
+              <a:fontRef idx="minor">
+                <a:schemeClr val="tx1"/>
+              </a:fontRef>
+            </p:style>
+          </p:cxnSp>
+          <p:sp>
+            <p:nvSpPr>
+              <p:cNvPr id="61" name="Rounded Rectangle 60"/>
+              <p:cNvSpPr/>
+              <p:nvPr/>
+            </p:nvSpPr>
+            <p:spPr>
+              <a:xfrm>
+                <a:off x="2129089" y="5969120"/>
+                <a:ext cx="1613741" cy="243396"/>
+              </a:xfrm>
+              <a:prstGeom prst="roundRect">
+                <a:avLst>
+                  <a:gd name="adj" fmla="val 50000"/>
+                </a:avLst>
+              </a:prstGeom>
+              <a:solidFill>
+                <a:schemeClr val="bg1"/>
+              </a:solidFill>
+              <a:ln w="6350">
+                <a:solidFill>
+                  <a:srgbClr val="2C74A5"/>
+                </a:solidFill>
+              </a:ln>
+            </p:spPr>
+            <p:style>
+              <a:lnRef idx="2">
+                <a:schemeClr val="dk1"/>
+              </a:lnRef>
+              <a:fillRef idx="1">
+                <a:schemeClr val="lt1"/>
+              </a:fillRef>
+              <a:effectRef idx="0">
+                <a:schemeClr val="dk1"/>
+              </a:effectRef>
+              <a:fontRef idx="minor">
+                <a:schemeClr val="dk1"/>
+              </a:fontRef>
+            </p:style>
+            <p:txBody>
+              <a:bodyPr lIns="182880" rIns="36576" rtlCol="0" anchor="ctr"/>
+              <a:lstStyle/>
+              <a:p>
+                <a:pPr>
+                  <a:spcAft>
+                    <a:spcPts val="600"/>
+                  </a:spcAft>
+                </a:pPr>
+                <a:r>
+                  <a:rPr lang="en-US" sz="800" dirty="0" smtClean="0">
+                    <a:solidFill>
+                      <a:srgbClr val="E84C3B"/>
+                    </a:solidFill>
+                    <a:cs typeface="Arial Narrow"/>
+                  </a:rPr>
+                  <a:t>OPTION:</a:t>
+                </a:r>
+                <a:r>
+                  <a:rPr lang="en-US" sz="800" dirty="0" smtClean="0">
+                    <a:solidFill>
+                      <a:srgbClr val="0070C0"/>
+                    </a:solidFill>
+                    <a:cs typeface="Arial Narrow"/>
+                  </a:rPr>
+                  <a:t> </a:t>
+                </a:r>
+                <a:r>
+                  <a:rPr lang="en-US" sz="800" b="1" dirty="0" smtClean="0">
+                    <a:solidFill>
+                      <a:srgbClr val="2C74A5"/>
+                    </a:solidFill>
+                    <a:cs typeface="Arial Narrow"/>
+                  </a:rPr>
+                  <a:t>EXTRA CHEESE</a:t>
+                </a:r>
+                <a:endParaRPr lang="en-US" sz="800" b="1" dirty="0">
+                  <a:solidFill>
+                    <a:srgbClr val="2C74A5"/>
+                  </a:solidFill>
+                  <a:cs typeface="Arial Narrow"/>
+                </a:endParaRPr>
+              </a:p>
+            </p:txBody>
+          </p:sp>
+        </p:grpSp>
+      </p:grpSp>
+    </p:spTree>
+    <p:extLst>
+      <p:ext uri="{BB962C8B-B14F-4D97-AF65-F5344CB8AC3E}">
+        <p14:creationId xmlns:p14="http://schemas.microsoft.com/office/powerpoint/2010/main" val="2059387752"/>
+      </p:ext>
+    </p:extLst>
+  </p:cSld>
+  <p:clrMapOvr>
+    <a:masterClrMapping/>
+  </p:clrMapOvr>
+  <mc:AlternateContent xmlns:mc="http://schemas.openxmlformats.org/markup-compatibility/2006" xmlns:p14="http://schemas.microsoft.com/office/powerpoint/2010/main">
+    <mc:Choice Requires="p14">
+      <p:transition spd="slow" p14:dur="2000"/>
+    </mc:Choice>
+    <mc:Fallback xmlns="">
+      <p:transition spd="slow"/>
+    </mc:Fallback>
+  </mc:AlternateContent>
   <p:timing>
     <p:tnLst>
       <p:par>
